--- a/dimensions.pptx
+++ b/dimensions.pptx
@@ -5,7 +5,7 @@
     <p:sldMasterId id="2147483648" r:id="rId1"/>
   </p:sldMasterIdLst>
   <p:notesMasterIdLst>
-    <p:notesMasterId r:id="rId27"/>
+    <p:notesMasterId r:id="rId28"/>
   </p:notesMasterIdLst>
   <p:sldIdLst>
     <p:sldId id="256" r:id="rId2"/>
@@ -29,10 +29,11 @@
     <p:sldId id="307" r:id="rId20"/>
     <p:sldId id="308" r:id="rId21"/>
     <p:sldId id="286" r:id="rId22"/>
-    <p:sldId id="284" r:id="rId23"/>
-    <p:sldId id="303" r:id="rId24"/>
-    <p:sldId id="270" r:id="rId25"/>
-    <p:sldId id="267" r:id="rId26"/>
+    <p:sldId id="309" r:id="rId23"/>
+    <p:sldId id="284" r:id="rId24"/>
+    <p:sldId id="303" r:id="rId25"/>
+    <p:sldId id="270" r:id="rId26"/>
+    <p:sldId id="267" r:id="rId27"/>
   </p:sldIdLst>
   <p:sldSz cx="12192000" cy="6858000"/>
   <p:notesSz cx="6858000" cy="9144000"/>
@@ -511,7 +512,7 @@
           <p:cNvPr id="2" name="标题 1">
             <a:extLst>
               <a:ext uri="{FF2B5EF4-FFF2-40B4-BE49-F238E27FC236}">
-                <a16:creationId xmlns:a16="http://schemas.microsoft.com/office/drawing/2014/main" xmlns="" id="{D435C22D-35E4-B947-ADF6-00125DADBB8B}"/>
+                <a16:creationId xmlns="" xmlns:a16="http://schemas.microsoft.com/office/drawing/2014/main" id="{D435C22D-35E4-B947-ADF6-00125DADBB8B}"/>
               </a:ext>
             </a:extLst>
           </p:cNvPr>
@@ -548,7 +549,7 @@
           <p:cNvPr id="3" name="副标题 2">
             <a:extLst>
               <a:ext uri="{FF2B5EF4-FFF2-40B4-BE49-F238E27FC236}">
-                <a16:creationId xmlns:a16="http://schemas.microsoft.com/office/drawing/2014/main" xmlns="" id="{C7849677-9272-9045-869B-295E7EF5A720}"/>
+                <a16:creationId xmlns="" xmlns:a16="http://schemas.microsoft.com/office/drawing/2014/main" id="{C7849677-9272-9045-869B-295E7EF5A720}"/>
               </a:ext>
             </a:extLst>
           </p:cNvPr>
@@ -618,7 +619,7 @@
           <p:cNvPr id="4" name="日期占位符 3">
             <a:extLst>
               <a:ext uri="{FF2B5EF4-FFF2-40B4-BE49-F238E27FC236}">
-                <a16:creationId xmlns:a16="http://schemas.microsoft.com/office/drawing/2014/main" xmlns="" id="{368DF367-ED9B-5746-B0DB-6BC688C78B0F}"/>
+                <a16:creationId xmlns="" xmlns:a16="http://schemas.microsoft.com/office/drawing/2014/main" id="{368DF367-ED9B-5746-B0DB-6BC688C78B0F}"/>
               </a:ext>
             </a:extLst>
           </p:cNvPr>
@@ -647,7 +648,7 @@
           <p:cNvPr id="5" name="页脚占位符 4">
             <a:extLst>
               <a:ext uri="{FF2B5EF4-FFF2-40B4-BE49-F238E27FC236}">
-                <a16:creationId xmlns:a16="http://schemas.microsoft.com/office/drawing/2014/main" xmlns="" id="{C95FA25B-82CF-364D-883D-806810765D32}"/>
+                <a16:creationId xmlns="" xmlns:a16="http://schemas.microsoft.com/office/drawing/2014/main" id="{C95FA25B-82CF-364D-883D-806810765D32}"/>
               </a:ext>
             </a:extLst>
           </p:cNvPr>
@@ -672,7 +673,7 @@
           <p:cNvPr id="6" name="灯片编号占位符 5">
             <a:extLst>
               <a:ext uri="{FF2B5EF4-FFF2-40B4-BE49-F238E27FC236}">
-                <a16:creationId xmlns:a16="http://schemas.microsoft.com/office/drawing/2014/main" xmlns="" id="{ACB9917D-1E0D-5348-BE09-E2A0BFCB63B3}"/>
+                <a16:creationId xmlns="" xmlns:a16="http://schemas.microsoft.com/office/drawing/2014/main" id="{ACB9917D-1E0D-5348-BE09-E2A0BFCB63B3}"/>
               </a:ext>
             </a:extLst>
           </p:cNvPr>
@@ -731,7 +732,7 @@
           <p:cNvPr id="2" name="标题 1">
             <a:extLst>
               <a:ext uri="{FF2B5EF4-FFF2-40B4-BE49-F238E27FC236}">
-                <a16:creationId xmlns:a16="http://schemas.microsoft.com/office/drawing/2014/main" xmlns="" id="{CEC143AC-22CA-C44B-B2AB-6AB4ECB2F86A}"/>
+                <a16:creationId xmlns="" xmlns:a16="http://schemas.microsoft.com/office/drawing/2014/main" id="{CEC143AC-22CA-C44B-B2AB-6AB4ECB2F86A}"/>
               </a:ext>
             </a:extLst>
           </p:cNvPr>
@@ -759,7 +760,7 @@
           <p:cNvPr id="3" name="竖排文字占位符 2">
             <a:extLst>
               <a:ext uri="{FF2B5EF4-FFF2-40B4-BE49-F238E27FC236}">
-                <a16:creationId xmlns:a16="http://schemas.microsoft.com/office/drawing/2014/main" xmlns="" id="{2CE0FE40-A78B-BA46-8E48-3D5CEC66A5A8}"/>
+                <a16:creationId xmlns="" xmlns:a16="http://schemas.microsoft.com/office/drawing/2014/main" id="{2CE0FE40-A78B-BA46-8E48-3D5CEC66A5A8}"/>
               </a:ext>
             </a:extLst>
           </p:cNvPr>
@@ -816,7 +817,7 @@
           <p:cNvPr id="4" name="日期占位符 3">
             <a:extLst>
               <a:ext uri="{FF2B5EF4-FFF2-40B4-BE49-F238E27FC236}">
-                <a16:creationId xmlns:a16="http://schemas.microsoft.com/office/drawing/2014/main" xmlns="" id="{18037842-4350-9646-ACB3-7E89E135C079}"/>
+                <a16:creationId xmlns="" xmlns:a16="http://schemas.microsoft.com/office/drawing/2014/main" id="{18037842-4350-9646-ACB3-7E89E135C079}"/>
               </a:ext>
             </a:extLst>
           </p:cNvPr>
@@ -845,7 +846,7 @@
           <p:cNvPr id="5" name="页脚占位符 4">
             <a:extLst>
               <a:ext uri="{FF2B5EF4-FFF2-40B4-BE49-F238E27FC236}">
-                <a16:creationId xmlns:a16="http://schemas.microsoft.com/office/drawing/2014/main" xmlns="" id="{21FE0005-1CE3-3C4D-A396-67FC1762A58A}"/>
+                <a16:creationId xmlns="" xmlns:a16="http://schemas.microsoft.com/office/drawing/2014/main" id="{21FE0005-1CE3-3C4D-A396-67FC1762A58A}"/>
               </a:ext>
             </a:extLst>
           </p:cNvPr>
@@ -870,7 +871,7 @@
           <p:cNvPr id="6" name="灯片编号占位符 5">
             <a:extLst>
               <a:ext uri="{FF2B5EF4-FFF2-40B4-BE49-F238E27FC236}">
-                <a16:creationId xmlns:a16="http://schemas.microsoft.com/office/drawing/2014/main" xmlns="" id="{7A546223-2353-C141-93DA-8CE94DB6145A}"/>
+                <a16:creationId xmlns="" xmlns:a16="http://schemas.microsoft.com/office/drawing/2014/main" id="{7A546223-2353-C141-93DA-8CE94DB6145A}"/>
               </a:ext>
             </a:extLst>
           </p:cNvPr>
@@ -929,7 +930,7 @@
           <p:cNvPr id="2" name="竖排标题 1">
             <a:extLst>
               <a:ext uri="{FF2B5EF4-FFF2-40B4-BE49-F238E27FC236}">
-                <a16:creationId xmlns:a16="http://schemas.microsoft.com/office/drawing/2014/main" xmlns="" id="{6D7ABA00-7C40-6C42-827C-3F6D047E76C0}"/>
+                <a16:creationId xmlns="" xmlns:a16="http://schemas.microsoft.com/office/drawing/2014/main" id="{6D7ABA00-7C40-6C42-827C-3F6D047E76C0}"/>
               </a:ext>
             </a:extLst>
           </p:cNvPr>
@@ -962,7 +963,7 @@
           <p:cNvPr id="3" name="竖排文字占位符 2">
             <a:extLst>
               <a:ext uri="{FF2B5EF4-FFF2-40B4-BE49-F238E27FC236}">
-                <a16:creationId xmlns:a16="http://schemas.microsoft.com/office/drawing/2014/main" xmlns="" id="{6FC0E22B-A826-8249-AD03-05CBE4D4F5AB}"/>
+                <a16:creationId xmlns="" xmlns:a16="http://schemas.microsoft.com/office/drawing/2014/main" id="{6FC0E22B-A826-8249-AD03-05CBE4D4F5AB}"/>
               </a:ext>
             </a:extLst>
           </p:cNvPr>
@@ -1024,7 +1025,7 @@
           <p:cNvPr id="4" name="日期占位符 3">
             <a:extLst>
               <a:ext uri="{FF2B5EF4-FFF2-40B4-BE49-F238E27FC236}">
-                <a16:creationId xmlns:a16="http://schemas.microsoft.com/office/drawing/2014/main" xmlns="" id="{8BDC99DB-BF84-2440-9025-EDB9245A81D0}"/>
+                <a16:creationId xmlns="" xmlns:a16="http://schemas.microsoft.com/office/drawing/2014/main" id="{8BDC99DB-BF84-2440-9025-EDB9245A81D0}"/>
               </a:ext>
             </a:extLst>
           </p:cNvPr>
@@ -1053,7 +1054,7 @@
           <p:cNvPr id="5" name="页脚占位符 4">
             <a:extLst>
               <a:ext uri="{FF2B5EF4-FFF2-40B4-BE49-F238E27FC236}">
-                <a16:creationId xmlns:a16="http://schemas.microsoft.com/office/drawing/2014/main" xmlns="" id="{123A4B03-8DB6-AE4D-AE5E-7D701C685BB3}"/>
+                <a16:creationId xmlns="" xmlns:a16="http://schemas.microsoft.com/office/drawing/2014/main" id="{123A4B03-8DB6-AE4D-AE5E-7D701C685BB3}"/>
               </a:ext>
             </a:extLst>
           </p:cNvPr>
@@ -1078,7 +1079,7 @@
           <p:cNvPr id="6" name="灯片编号占位符 5">
             <a:extLst>
               <a:ext uri="{FF2B5EF4-FFF2-40B4-BE49-F238E27FC236}">
-                <a16:creationId xmlns:a16="http://schemas.microsoft.com/office/drawing/2014/main" xmlns="" id="{EA39382E-8860-074D-AEAD-7DE3AB585A55}"/>
+                <a16:creationId xmlns="" xmlns:a16="http://schemas.microsoft.com/office/drawing/2014/main" id="{EA39382E-8860-074D-AEAD-7DE3AB585A55}"/>
               </a:ext>
             </a:extLst>
           </p:cNvPr>
@@ -1137,7 +1138,7 @@
           <p:cNvPr id="2" name="标题 1">
             <a:extLst>
               <a:ext uri="{FF2B5EF4-FFF2-40B4-BE49-F238E27FC236}">
-                <a16:creationId xmlns:a16="http://schemas.microsoft.com/office/drawing/2014/main" xmlns="" id="{5A9B5FA4-7E9B-254B-9E92-AE1F02C8ADEA}"/>
+                <a16:creationId xmlns="" xmlns:a16="http://schemas.microsoft.com/office/drawing/2014/main" id="{5A9B5FA4-7E9B-254B-9E92-AE1F02C8ADEA}"/>
               </a:ext>
             </a:extLst>
           </p:cNvPr>
@@ -1165,7 +1166,7 @@
           <p:cNvPr id="3" name="内容占位符 2">
             <a:extLst>
               <a:ext uri="{FF2B5EF4-FFF2-40B4-BE49-F238E27FC236}">
-                <a16:creationId xmlns:a16="http://schemas.microsoft.com/office/drawing/2014/main" xmlns="" id="{4F40916E-4FE9-BA4C-AD1E-81E267306DD1}"/>
+                <a16:creationId xmlns="" xmlns:a16="http://schemas.microsoft.com/office/drawing/2014/main" id="{4F40916E-4FE9-BA4C-AD1E-81E267306DD1}"/>
               </a:ext>
             </a:extLst>
           </p:cNvPr>
@@ -1222,7 +1223,7 @@
           <p:cNvPr id="4" name="日期占位符 3">
             <a:extLst>
               <a:ext uri="{FF2B5EF4-FFF2-40B4-BE49-F238E27FC236}">
-                <a16:creationId xmlns:a16="http://schemas.microsoft.com/office/drawing/2014/main" xmlns="" id="{0A5F10E4-5A96-C547-AD3B-E023F7B0FFE4}"/>
+                <a16:creationId xmlns="" xmlns:a16="http://schemas.microsoft.com/office/drawing/2014/main" id="{0A5F10E4-5A96-C547-AD3B-E023F7B0FFE4}"/>
               </a:ext>
             </a:extLst>
           </p:cNvPr>
@@ -1251,7 +1252,7 @@
           <p:cNvPr id="5" name="页脚占位符 4">
             <a:extLst>
               <a:ext uri="{FF2B5EF4-FFF2-40B4-BE49-F238E27FC236}">
-                <a16:creationId xmlns:a16="http://schemas.microsoft.com/office/drawing/2014/main" xmlns="" id="{1038B965-1852-B649-BBB8-AD8AD68DE223}"/>
+                <a16:creationId xmlns="" xmlns:a16="http://schemas.microsoft.com/office/drawing/2014/main" id="{1038B965-1852-B649-BBB8-AD8AD68DE223}"/>
               </a:ext>
             </a:extLst>
           </p:cNvPr>
@@ -1276,7 +1277,7 @@
           <p:cNvPr id="6" name="灯片编号占位符 5">
             <a:extLst>
               <a:ext uri="{FF2B5EF4-FFF2-40B4-BE49-F238E27FC236}">
-                <a16:creationId xmlns:a16="http://schemas.microsoft.com/office/drawing/2014/main" xmlns="" id="{2DC077C2-15DD-D94C-8BD5-5B06DB9BB5B0}"/>
+                <a16:creationId xmlns="" xmlns:a16="http://schemas.microsoft.com/office/drawing/2014/main" id="{2DC077C2-15DD-D94C-8BD5-5B06DB9BB5B0}"/>
               </a:ext>
             </a:extLst>
           </p:cNvPr>
@@ -1335,7 +1336,7 @@
           <p:cNvPr id="2" name="标题 1">
             <a:extLst>
               <a:ext uri="{FF2B5EF4-FFF2-40B4-BE49-F238E27FC236}">
-                <a16:creationId xmlns:a16="http://schemas.microsoft.com/office/drawing/2014/main" xmlns="" id="{0404CA93-C440-E44B-929C-C731C17C9A93}"/>
+                <a16:creationId xmlns="" xmlns:a16="http://schemas.microsoft.com/office/drawing/2014/main" id="{0404CA93-C440-E44B-929C-C731C17C9A93}"/>
               </a:ext>
             </a:extLst>
           </p:cNvPr>
@@ -1372,7 +1373,7 @@
           <p:cNvPr id="3" name="文本占位符 2">
             <a:extLst>
               <a:ext uri="{FF2B5EF4-FFF2-40B4-BE49-F238E27FC236}">
-                <a16:creationId xmlns:a16="http://schemas.microsoft.com/office/drawing/2014/main" xmlns="" id="{AC2CE085-CBDA-0041-8BD8-5C7C11AB00CF}"/>
+                <a16:creationId xmlns="" xmlns:a16="http://schemas.microsoft.com/office/drawing/2014/main" id="{AC2CE085-CBDA-0041-8BD8-5C7C11AB00CF}"/>
               </a:ext>
             </a:extLst>
           </p:cNvPr>
@@ -1497,7 +1498,7 @@
           <p:cNvPr id="4" name="日期占位符 3">
             <a:extLst>
               <a:ext uri="{FF2B5EF4-FFF2-40B4-BE49-F238E27FC236}">
-                <a16:creationId xmlns:a16="http://schemas.microsoft.com/office/drawing/2014/main" xmlns="" id="{D3D438EC-A47D-534B-89A1-F96DEF065E22}"/>
+                <a16:creationId xmlns="" xmlns:a16="http://schemas.microsoft.com/office/drawing/2014/main" id="{D3D438EC-A47D-534B-89A1-F96DEF065E22}"/>
               </a:ext>
             </a:extLst>
           </p:cNvPr>
@@ -1526,7 +1527,7 @@
           <p:cNvPr id="5" name="页脚占位符 4">
             <a:extLst>
               <a:ext uri="{FF2B5EF4-FFF2-40B4-BE49-F238E27FC236}">
-                <a16:creationId xmlns:a16="http://schemas.microsoft.com/office/drawing/2014/main" xmlns="" id="{E2A01CED-D50C-0A4E-ACB9-ED71CDB5305A}"/>
+                <a16:creationId xmlns="" xmlns:a16="http://schemas.microsoft.com/office/drawing/2014/main" id="{E2A01CED-D50C-0A4E-ACB9-ED71CDB5305A}"/>
               </a:ext>
             </a:extLst>
           </p:cNvPr>
@@ -1551,7 +1552,7 @@
           <p:cNvPr id="6" name="灯片编号占位符 5">
             <a:extLst>
               <a:ext uri="{FF2B5EF4-FFF2-40B4-BE49-F238E27FC236}">
-                <a16:creationId xmlns:a16="http://schemas.microsoft.com/office/drawing/2014/main" xmlns="" id="{608820B1-E6CD-3A40-AD12-49AB8F2F3410}"/>
+                <a16:creationId xmlns="" xmlns:a16="http://schemas.microsoft.com/office/drawing/2014/main" id="{608820B1-E6CD-3A40-AD12-49AB8F2F3410}"/>
               </a:ext>
             </a:extLst>
           </p:cNvPr>
@@ -1610,7 +1611,7 @@
           <p:cNvPr id="2" name="标题 1">
             <a:extLst>
               <a:ext uri="{FF2B5EF4-FFF2-40B4-BE49-F238E27FC236}">
-                <a16:creationId xmlns:a16="http://schemas.microsoft.com/office/drawing/2014/main" xmlns="" id="{1E6F6C51-419C-E948-ACA0-593488FF4BCC}"/>
+                <a16:creationId xmlns="" xmlns:a16="http://schemas.microsoft.com/office/drawing/2014/main" id="{1E6F6C51-419C-E948-ACA0-593488FF4BCC}"/>
               </a:ext>
             </a:extLst>
           </p:cNvPr>
@@ -1638,7 +1639,7 @@
           <p:cNvPr id="3" name="内容占位符 2">
             <a:extLst>
               <a:ext uri="{FF2B5EF4-FFF2-40B4-BE49-F238E27FC236}">
-                <a16:creationId xmlns:a16="http://schemas.microsoft.com/office/drawing/2014/main" xmlns="" id="{2806FD09-7B14-6F4A-B0D0-D3C1908DC9B2}"/>
+                <a16:creationId xmlns="" xmlns:a16="http://schemas.microsoft.com/office/drawing/2014/main" id="{2806FD09-7B14-6F4A-B0D0-D3C1908DC9B2}"/>
               </a:ext>
             </a:extLst>
           </p:cNvPr>
@@ -1700,7 +1701,7 @@
           <p:cNvPr id="4" name="内容占位符 3">
             <a:extLst>
               <a:ext uri="{FF2B5EF4-FFF2-40B4-BE49-F238E27FC236}">
-                <a16:creationId xmlns:a16="http://schemas.microsoft.com/office/drawing/2014/main" xmlns="" id="{CBCD2F04-6605-8342-B3B1-6B26C814F261}"/>
+                <a16:creationId xmlns="" xmlns:a16="http://schemas.microsoft.com/office/drawing/2014/main" id="{CBCD2F04-6605-8342-B3B1-6B26C814F261}"/>
               </a:ext>
             </a:extLst>
           </p:cNvPr>
@@ -1762,7 +1763,7 @@
           <p:cNvPr id="5" name="日期占位符 4">
             <a:extLst>
               <a:ext uri="{FF2B5EF4-FFF2-40B4-BE49-F238E27FC236}">
-                <a16:creationId xmlns:a16="http://schemas.microsoft.com/office/drawing/2014/main" xmlns="" id="{D630F77F-F5C1-B142-90CC-2715570E4A35}"/>
+                <a16:creationId xmlns="" xmlns:a16="http://schemas.microsoft.com/office/drawing/2014/main" id="{D630F77F-F5C1-B142-90CC-2715570E4A35}"/>
               </a:ext>
             </a:extLst>
           </p:cNvPr>
@@ -1791,7 +1792,7 @@
           <p:cNvPr id="6" name="页脚占位符 5">
             <a:extLst>
               <a:ext uri="{FF2B5EF4-FFF2-40B4-BE49-F238E27FC236}">
-                <a16:creationId xmlns:a16="http://schemas.microsoft.com/office/drawing/2014/main" xmlns="" id="{53480D62-37C1-B546-BFBD-9A7068FF74FD}"/>
+                <a16:creationId xmlns="" xmlns:a16="http://schemas.microsoft.com/office/drawing/2014/main" id="{53480D62-37C1-B546-BFBD-9A7068FF74FD}"/>
               </a:ext>
             </a:extLst>
           </p:cNvPr>
@@ -1816,7 +1817,7 @@
           <p:cNvPr id="7" name="灯片编号占位符 6">
             <a:extLst>
               <a:ext uri="{FF2B5EF4-FFF2-40B4-BE49-F238E27FC236}">
-                <a16:creationId xmlns:a16="http://schemas.microsoft.com/office/drawing/2014/main" xmlns="" id="{A752A4C7-74AF-E24E-87E2-D895B0C8B369}"/>
+                <a16:creationId xmlns="" xmlns:a16="http://schemas.microsoft.com/office/drawing/2014/main" id="{A752A4C7-74AF-E24E-87E2-D895B0C8B369}"/>
               </a:ext>
             </a:extLst>
           </p:cNvPr>
@@ -1875,7 +1876,7 @@
           <p:cNvPr id="2" name="标题 1">
             <a:extLst>
               <a:ext uri="{FF2B5EF4-FFF2-40B4-BE49-F238E27FC236}">
-                <a16:creationId xmlns:a16="http://schemas.microsoft.com/office/drawing/2014/main" xmlns="" id="{3DD3590A-D582-0F4E-B1CF-3F6E4ABCCCED}"/>
+                <a16:creationId xmlns="" xmlns:a16="http://schemas.microsoft.com/office/drawing/2014/main" id="{3DD3590A-D582-0F4E-B1CF-3F6E4ABCCCED}"/>
               </a:ext>
             </a:extLst>
           </p:cNvPr>
@@ -1908,7 +1909,7 @@
           <p:cNvPr id="3" name="文本占位符 2">
             <a:extLst>
               <a:ext uri="{FF2B5EF4-FFF2-40B4-BE49-F238E27FC236}">
-                <a16:creationId xmlns:a16="http://schemas.microsoft.com/office/drawing/2014/main" xmlns="" id="{0B8A6F64-6571-FE4F-BC4E-B79B41D9520D}"/>
+                <a16:creationId xmlns="" xmlns:a16="http://schemas.microsoft.com/office/drawing/2014/main" id="{0B8A6F64-6571-FE4F-BC4E-B79B41D9520D}"/>
               </a:ext>
             </a:extLst>
           </p:cNvPr>
@@ -1979,7 +1980,7 @@
           <p:cNvPr id="4" name="内容占位符 3">
             <a:extLst>
               <a:ext uri="{FF2B5EF4-FFF2-40B4-BE49-F238E27FC236}">
-                <a16:creationId xmlns:a16="http://schemas.microsoft.com/office/drawing/2014/main" xmlns="" id="{A46F58F7-70E6-2642-ABF3-5292F2DEE21D}"/>
+                <a16:creationId xmlns="" xmlns:a16="http://schemas.microsoft.com/office/drawing/2014/main" id="{A46F58F7-70E6-2642-ABF3-5292F2DEE21D}"/>
               </a:ext>
             </a:extLst>
           </p:cNvPr>
@@ -2041,7 +2042,7 @@
           <p:cNvPr id="5" name="文本占位符 4">
             <a:extLst>
               <a:ext uri="{FF2B5EF4-FFF2-40B4-BE49-F238E27FC236}">
-                <a16:creationId xmlns:a16="http://schemas.microsoft.com/office/drawing/2014/main" xmlns="" id="{2619888D-CB40-7A45-A2C4-4E71D62E319D}"/>
+                <a16:creationId xmlns="" xmlns:a16="http://schemas.microsoft.com/office/drawing/2014/main" id="{2619888D-CB40-7A45-A2C4-4E71D62E319D}"/>
               </a:ext>
             </a:extLst>
           </p:cNvPr>
@@ -2112,7 +2113,7 @@
           <p:cNvPr id="6" name="内容占位符 5">
             <a:extLst>
               <a:ext uri="{FF2B5EF4-FFF2-40B4-BE49-F238E27FC236}">
-                <a16:creationId xmlns:a16="http://schemas.microsoft.com/office/drawing/2014/main" xmlns="" id="{314E1B5F-168A-B64E-9A36-4834AD72637B}"/>
+                <a16:creationId xmlns="" xmlns:a16="http://schemas.microsoft.com/office/drawing/2014/main" id="{314E1B5F-168A-B64E-9A36-4834AD72637B}"/>
               </a:ext>
             </a:extLst>
           </p:cNvPr>
@@ -2174,7 +2175,7 @@
           <p:cNvPr id="7" name="日期占位符 6">
             <a:extLst>
               <a:ext uri="{FF2B5EF4-FFF2-40B4-BE49-F238E27FC236}">
-                <a16:creationId xmlns:a16="http://schemas.microsoft.com/office/drawing/2014/main" xmlns="" id="{68FF3CEC-F3A0-B44C-9FDD-A9B6C94FEDC7}"/>
+                <a16:creationId xmlns="" xmlns:a16="http://schemas.microsoft.com/office/drawing/2014/main" id="{68FF3CEC-F3A0-B44C-9FDD-A9B6C94FEDC7}"/>
               </a:ext>
             </a:extLst>
           </p:cNvPr>
@@ -2203,7 +2204,7 @@
           <p:cNvPr id="8" name="页脚占位符 7">
             <a:extLst>
               <a:ext uri="{FF2B5EF4-FFF2-40B4-BE49-F238E27FC236}">
-                <a16:creationId xmlns:a16="http://schemas.microsoft.com/office/drawing/2014/main" xmlns="" id="{DFB9A91A-D2B2-434C-A86D-A18C6A513767}"/>
+                <a16:creationId xmlns="" xmlns:a16="http://schemas.microsoft.com/office/drawing/2014/main" id="{DFB9A91A-D2B2-434C-A86D-A18C6A513767}"/>
               </a:ext>
             </a:extLst>
           </p:cNvPr>
@@ -2228,7 +2229,7 @@
           <p:cNvPr id="9" name="灯片编号占位符 8">
             <a:extLst>
               <a:ext uri="{FF2B5EF4-FFF2-40B4-BE49-F238E27FC236}">
-                <a16:creationId xmlns:a16="http://schemas.microsoft.com/office/drawing/2014/main" xmlns="" id="{5E5B93DB-94F5-B542-8562-5151BE940690}"/>
+                <a16:creationId xmlns="" xmlns:a16="http://schemas.microsoft.com/office/drawing/2014/main" id="{5E5B93DB-94F5-B542-8562-5151BE940690}"/>
               </a:ext>
             </a:extLst>
           </p:cNvPr>
@@ -2287,7 +2288,7 @@
           <p:cNvPr id="2" name="标题 1">
             <a:extLst>
               <a:ext uri="{FF2B5EF4-FFF2-40B4-BE49-F238E27FC236}">
-                <a16:creationId xmlns:a16="http://schemas.microsoft.com/office/drawing/2014/main" xmlns="" id="{79DE0189-037D-7147-98FE-2D3816DB31B7}"/>
+                <a16:creationId xmlns="" xmlns:a16="http://schemas.microsoft.com/office/drawing/2014/main" id="{79DE0189-037D-7147-98FE-2D3816DB31B7}"/>
               </a:ext>
             </a:extLst>
           </p:cNvPr>
@@ -2315,7 +2316,7 @@
           <p:cNvPr id="3" name="日期占位符 2">
             <a:extLst>
               <a:ext uri="{FF2B5EF4-FFF2-40B4-BE49-F238E27FC236}">
-                <a16:creationId xmlns:a16="http://schemas.microsoft.com/office/drawing/2014/main" xmlns="" id="{0A176BEA-B3F7-1D46-A411-498314E974C2}"/>
+                <a16:creationId xmlns="" xmlns:a16="http://schemas.microsoft.com/office/drawing/2014/main" id="{0A176BEA-B3F7-1D46-A411-498314E974C2}"/>
               </a:ext>
             </a:extLst>
           </p:cNvPr>
@@ -2344,7 +2345,7 @@
           <p:cNvPr id="4" name="页脚占位符 3">
             <a:extLst>
               <a:ext uri="{FF2B5EF4-FFF2-40B4-BE49-F238E27FC236}">
-                <a16:creationId xmlns:a16="http://schemas.microsoft.com/office/drawing/2014/main" xmlns="" id="{7E4C4F3C-0760-694A-AAE0-153A1B3E3D50}"/>
+                <a16:creationId xmlns="" xmlns:a16="http://schemas.microsoft.com/office/drawing/2014/main" id="{7E4C4F3C-0760-694A-AAE0-153A1B3E3D50}"/>
               </a:ext>
             </a:extLst>
           </p:cNvPr>
@@ -2369,7 +2370,7 @@
           <p:cNvPr id="5" name="灯片编号占位符 4">
             <a:extLst>
               <a:ext uri="{FF2B5EF4-FFF2-40B4-BE49-F238E27FC236}">
-                <a16:creationId xmlns:a16="http://schemas.microsoft.com/office/drawing/2014/main" xmlns="" id="{2A02855C-8F2E-A647-AC5A-5C43FAC63511}"/>
+                <a16:creationId xmlns="" xmlns:a16="http://schemas.microsoft.com/office/drawing/2014/main" id="{2A02855C-8F2E-A647-AC5A-5C43FAC63511}"/>
               </a:ext>
             </a:extLst>
           </p:cNvPr>
@@ -2428,7 +2429,7 @@
           <p:cNvPr id="2" name="日期占位符 1">
             <a:extLst>
               <a:ext uri="{FF2B5EF4-FFF2-40B4-BE49-F238E27FC236}">
-                <a16:creationId xmlns:a16="http://schemas.microsoft.com/office/drawing/2014/main" xmlns="" id="{F4312BF6-3CD2-1E48-94A9-96F34741B863}"/>
+                <a16:creationId xmlns="" xmlns:a16="http://schemas.microsoft.com/office/drawing/2014/main" id="{F4312BF6-3CD2-1E48-94A9-96F34741B863}"/>
               </a:ext>
             </a:extLst>
           </p:cNvPr>
@@ -2457,7 +2458,7 @@
           <p:cNvPr id="3" name="页脚占位符 2">
             <a:extLst>
               <a:ext uri="{FF2B5EF4-FFF2-40B4-BE49-F238E27FC236}">
-                <a16:creationId xmlns:a16="http://schemas.microsoft.com/office/drawing/2014/main" xmlns="" id="{9704A619-3C17-9945-B8C5-D79D7BE5CC84}"/>
+                <a16:creationId xmlns="" xmlns:a16="http://schemas.microsoft.com/office/drawing/2014/main" id="{9704A619-3C17-9945-B8C5-D79D7BE5CC84}"/>
               </a:ext>
             </a:extLst>
           </p:cNvPr>
@@ -2482,7 +2483,7 @@
           <p:cNvPr id="4" name="灯片编号占位符 3">
             <a:extLst>
               <a:ext uri="{FF2B5EF4-FFF2-40B4-BE49-F238E27FC236}">
-                <a16:creationId xmlns:a16="http://schemas.microsoft.com/office/drawing/2014/main" xmlns="" id="{E442E965-5329-4342-8424-A8DA6D799814}"/>
+                <a16:creationId xmlns="" xmlns:a16="http://schemas.microsoft.com/office/drawing/2014/main" id="{E442E965-5329-4342-8424-A8DA6D799814}"/>
               </a:ext>
             </a:extLst>
           </p:cNvPr>
@@ -2541,7 +2542,7 @@
           <p:cNvPr id="2" name="标题 1">
             <a:extLst>
               <a:ext uri="{FF2B5EF4-FFF2-40B4-BE49-F238E27FC236}">
-                <a16:creationId xmlns:a16="http://schemas.microsoft.com/office/drawing/2014/main" xmlns="" id="{EE38F93F-58B0-7644-8826-EC2948B9A90B}"/>
+                <a16:creationId xmlns="" xmlns:a16="http://schemas.microsoft.com/office/drawing/2014/main" id="{EE38F93F-58B0-7644-8826-EC2948B9A90B}"/>
               </a:ext>
             </a:extLst>
           </p:cNvPr>
@@ -2578,7 +2579,7 @@
           <p:cNvPr id="3" name="内容占位符 2">
             <a:extLst>
               <a:ext uri="{FF2B5EF4-FFF2-40B4-BE49-F238E27FC236}">
-                <a16:creationId xmlns:a16="http://schemas.microsoft.com/office/drawing/2014/main" xmlns="" id="{49A0F107-0617-BA4C-8489-935713766834}"/>
+                <a16:creationId xmlns="" xmlns:a16="http://schemas.microsoft.com/office/drawing/2014/main" id="{49A0F107-0617-BA4C-8489-935713766834}"/>
               </a:ext>
             </a:extLst>
           </p:cNvPr>
@@ -2668,7 +2669,7 @@
           <p:cNvPr id="4" name="文本占位符 3">
             <a:extLst>
               <a:ext uri="{FF2B5EF4-FFF2-40B4-BE49-F238E27FC236}">
-                <a16:creationId xmlns:a16="http://schemas.microsoft.com/office/drawing/2014/main" xmlns="" id="{42A58D66-581F-6B4B-961F-EB8D7E00F2B5}"/>
+                <a16:creationId xmlns="" xmlns:a16="http://schemas.microsoft.com/office/drawing/2014/main" id="{42A58D66-581F-6B4B-961F-EB8D7E00F2B5}"/>
               </a:ext>
             </a:extLst>
           </p:cNvPr>
@@ -2739,7 +2740,7 @@
           <p:cNvPr id="5" name="日期占位符 4">
             <a:extLst>
               <a:ext uri="{FF2B5EF4-FFF2-40B4-BE49-F238E27FC236}">
-                <a16:creationId xmlns:a16="http://schemas.microsoft.com/office/drawing/2014/main" xmlns="" id="{6D86423E-9276-7C46-996D-2263741E19F5}"/>
+                <a16:creationId xmlns="" xmlns:a16="http://schemas.microsoft.com/office/drawing/2014/main" id="{6D86423E-9276-7C46-996D-2263741E19F5}"/>
               </a:ext>
             </a:extLst>
           </p:cNvPr>
@@ -2768,7 +2769,7 @@
           <p:cNvPr id="6" name="页脚占位符 5">
             <a:extLst>
               <a:ext uri="{FF2B5EF4-FFF2-40B4-BE49-F238E27FC236}">
-                <a16:creationId xmlns:a16="http://schemas.microsoft.com/office/drawing/2014/main" xmlns="" id="{21F9D0CC-C2F1-EE4F-9D55-B761FD19F806}"/>
+                <a16:creationId xmlns="" xmlns:a16="http://schemas.microsoft.com/office/drawing/2014/main" id="{21F9D0CC-C2F1-EE4F-9D55-B761FD19F806}"/>
               </a:ext>
             </a:extLst>
           </p:cNvPr>
@@ -2793,7 +2794,7 @@
           <p:cNvPr id="7" name="灯片编号占位符 6">
             <a:extLst>
               <a:ext uri="{FF2B5EF4-FFF2-40B4-BE49-F238E27FC236}">
-                <a16:creationId xmlns:a16="http://schemas.microsoft.com/office/drawing/2014/main" xmlns="" id="{9B313841-DAE9-5947-B754-BE08D39E1A5D}"/>
+                <a16:creationId xmlns="" xmlns:a16="http://schemas.microsoft.com/office/drawing/2014/main" id="{9B313841-DAE9-5947-B754-BE08D39E1A5D}"/>
               </a:ext>
             </a:extLst>
           </p:cNvPr>
@@ -2852,7 +2853,7 @@
           <p:cNvPr id="2" name="标题 1">
             <a:extLst>
               <a:ext uri="{FF2B5EF4-FFF2-40B4-BE49-F238E27FC236}">
-                <a16:creationId xmlns:a16="http://schemas.microsoft.com/office/drawing/2014/main" xmlns="" id="{4EB5E492-CE83-B94A-9FEC-A5781417B2F6}"/>
+                <a16:creationId xmlns="" xmlns:a16="http://schemas.microsoft.com/office/drawing/2014/main" id="{4EB5E492-CE83-B94A-9FEC-A5781417B2F6}"/>
               </a:ext>
             </a:extLst>
           </p:cNvPr>
@@ -2889,7 +2890,7 @@
           <p:cNvPr id="3" name="图片占位符 2">
             <a:extLst>
               <a:ext uri="{FF2B5EF4-FFF2-40B4-BE49-F238E27FC236}">
-                <a16:creationId xmlns:a16="http://schemas.microsoft.com/office/drawing/2014/main" xmlns="" id="{8497E7EE-B2A3-574C-B9F7-C2875C2D427F}"/>
+                <a16:creationId xmlns="" xmlns:a16="http://schemas.microsoft.com/office/drawing/2014/main" id="{8497E7EE-B2A3-574C-B9F7-C2875C2D427F}"/>
               </a:ext>
             </a:extLst>
           </p:cNvPr>
@@ -2956,7 +2957,7 @@
           <p:cNvPr id="4" name="文本占位符 3">
             <a:extLst>
               <a:ext uri="{FF2B5EF4-FFF2-40B4-BE49-F238E27FC236}">
-                <a16:creationId xmlns:a16="http://schemas.microsoft.com/office/drawing/2014/main" xmlns="" id="{8CB45320-992F-5144-A284-DFDDD157C241}"/>
+                <a16:creationId xmlns="" xmlns:a16="http://schemas.microsoft.com/office/drawing/2014/main" id="{8CB45320-992F-5144-A284-DFDDD157C241}"/>
               </a:ext>
             </a:extLst>
           </p:cNvPr>
@@ -3027,7 +3028,7 @@
           <p:cNvPr id="5" name="日期占位符 4">
             <a:extLst>
               <a:ext uri="{FF2B5EF4-FFF2-40B4-BE49-F238E27FC236}">
-                <a16:creationId xmlns:a16="http://schemas.microsoft.com/office/drawing/2014/main" xmlns="" id="{4E95632B-AF60-B049-90F6-18FC1451FEB3}"/>
+                <a16:creationId xmlns="" xmlns:a16="http://schemas.microsoft.com/office/drawing/2014/main" id="{4E95632B-AF60-B049-90F6-18FC1451FEB3}"/>
               </a:ext>
             </a:extLst>
           </p:cNvPr>
@@ -3056,7 +3057,7 @@
           <p:cNvPr id="6" name="页脚占位符 5">
             <a:extLst>
               <a:ext uri="{FF2B5EF4-FFF2-40B4-BE49-F238E27FC236}">
-                <a16:creationId xmlns:a16="http://schemas.microsoft.com/office/drawing/2014/main" xmlns="" id="{27E06FA0-7780-C848-8308-56B582A101D4}"/>
+                <a16:creationId xmlns="" xmlns:a16="http://schemas.microsoft.com/office/drawing/2014/main" id="{27E06FA0-7780-C848-8308-56B582A101D4}"/>
               </a:ext>
             </a:extLst>
           </p:cNvPr>
@@ -3081,7 +3082,7 @@
           <p:cNvPr id="7" name="灯片编号占位符 6">
             <a:extLst>
               <a:ext uri="{FF2B5EF4-FFF2-40B4-BE49-F238E27FC236}">
-                <a16:creationId xmlns:a16="http://schemas.microsoft.com/office/drawing/2014/main" xmlns="" id="{C35BD731-F1EE-5D4D-B6C8-B881BDFF5EDF}"/>
+                <a16:creationId xmlns="" xmlns:a16="http://schemas.microsoft.com/office/drawing/2014/main" id="{C35BD731-F1EE-5D4D-B6C8-B881BDFF5EDF}"/>
               </a:ext>
             </a:extLst>
           </p:cNvPr>
@@ -3145,7 +3146,7 @@
           <p:cNvPr id="2" name="标题占位符 1">
             <a:extLst>
               <a:ext uri="{FF2B5EF4-FFF2-40B4-BE49-F238E27FC236}">
-                <a16:creationId xmlns:a16="http://schemas.microsoft.com/office/drawing/2014/main" xmlns="" id="{0FA6199F-BF2D-3C42-894C-2A6C4DFB78F6}"/>
+                <a16:creationId xmlns="" xmlns:a16="http://schemas.microsoft.com/office/drawing/2014/main" id="{0FA6199F-BF2D-3C42-894C-2A6C4DFB78F6}"/>
               </a:ext>
             </a:extLst>
           </p:cNvPr>
@@ -3183,7 +3184,7 @@
           <p:cNvPr id="3" name="文本占位符 2">
             <a:extLst>
               <a:ext uri="{FF2B5EF4-FFF2-40B4-BE49-F238E27FC236}">
-                <a16:creationId xmlns:a16="http://schemas.microsoft.com/office/drawing/2014/main" xmlns="" id="{3864098E-C20A-0F46-8DF5-10DAF895675A}"/>
+                <a16:creationId xmlns="" xmlns:a16="http://schemas.microsoft.com/office/drawing/2014/main" id="{3864098E-C20A-0F46-8DF5-10DAF895675A}"/>
               </a:ext>
             </a:extLst>
           </p:cNvPr>
@@ -3250,7 +3251,7 @@
           <p:cNvPr id="4" name="日期占位符 3">
             <a:extLst>
               <a:ext uri="{FF2B5EF4-FFF2-40B4-BE49-F238E27FC236}">
-                <a16:creationId xmlns:a16="http://schemas.microsoft.com/office/drawing/2014/main" xmlns="" id="{A014F0AA-AC9D-434A-8858-F3D6141B7F84}"/>
+                <a16:creationId xmlns="" xmlns:a16="http://schemas.microsoft.com/office/drawing/2014/main" id="{A014F0AA-AC9D-434A-8858-F3D6141B7F84}"/>
               </a:ext>
             </a:extLst>
           </p:cNvPr>
@@ -3297,7 +3298,7 @@
           <p:cNvPr id="5" name="页脚占位符 4">
             <a:extLst>
               <a:ext uri="{FF2B5EF4-FFF2-40B4-BE49-F238E27FC236}">
-                <a16:creationId xmlns:a16="http://schemas.microsoft.com/office/drawing/2014/main" xmlns="" id="{5C88CA23-A82A-2A41-B189-ACC6426E728A}"/>
+                <a16:creationId xmlns="" xmlns:a16="http://schemas.microsoft.com/office/drawing/2014/main" id="{5C88CA23-A82A-2A41-B189-ACC6426E728A}"/>
               </a:ext>
             </a:extLst>
           </p:cNvPr>
@@ -3340,7 +3341,7 @@
           <p:cNvPr id="6" name="灯片编号占位符 5">
             <a:extLst>
               <a:ext uri="{FF2B5EF4-FFF2-40B4-BE49-F238E27FC236}">
-                <a16:creationId xmlns:a16="http://schemas.microsoft.com/office/drawing/2014/main" xmlns="" id="{9A690401-9402-154A-8E10-3254E10D5332}"/>
+                <a16:creationId xmlns="" xmlns:a16="http://schemas.microsoft.com/office/drawing/2014/main" id="{9A690401-9402-154A-8E10-3254E10D5332}"/>
               </a:ext>
             </a:extLst>
           </p:cNvPr>
@@ -3708,7 +3709,7 @@
           <p:cNvPr id="2" name="标题 1">
             <a:extLst>
               <a:ext uri="{FF2B5EF4-FFF2-40B4-BE49-F238E27FC236}">
-                <a16:creationId xmlns:a16="http://schemas.microsoft.com/office/drawing/2014/main" xmlns="" id="{52B7F225-D82E-EA49-AECB-7F06CB70B93F}"/>
+                <a16:creationId xmlns="" xmlns:a16="http://schemas.microsoft.com/office/drawing/2014/main" id="{52B7F225-D82E-EA49-AECB-7F06CB70B93F}"/>
               </a:ext>
             </a:extLst>
           </p:cNvPr>
@@ -3745,7 +3746,7 @@
           <p:cNvPr id="3" name="副标题 2">
             <a:extLst>
               <a:ext uri="{FF2B5EF4-FFF2-40B4-BE49-F238E27FC236}">
-                <a16:creationId xmlns:a16="http://schemas.microsoft.com/office/drawing/2014/main" xmlns="" id="{6D7C3E0B-2C67-534D-BB94-2B746F85455E}"/>
+                <a16:creationId xmlns="" xmlns:a16="http://schemas.microsoft.com/office/drawing/2014/main" id="{6D7C3E0B-2C67-534D-BB94-2B746F85455E}"/>
               </a:ext>
             </a:extLst>
           </p:cNvPr>
@@ -3829,7 +3830,7 @@
           <p:cNvPr id="2" name="标题 1">
             <a:extLst>
               <a:ext uri="{FF2B5EF4-FFF2-40B4-BE49-F238E27FC236}">
-                <a16:creationId xmlns:a16="http://schemas.microsoft.com/office/drawing/2014/main" xmlns="" id="{F0405D1C-A876-8341-918E-A5D66A83827F}"/>
+                <a16:creationId xmlns="" xmlns:a16="http://schemas.microsoft.com/office/drawing/2014/main" id="{F0405D1C-A876-8341-918E-A5D66A83827F}"/>
               </a:ext>
             </a:extLst>
           </p:cNvPr>
@@ -3864,7 +3865,7 @@
           <p:cNvPr id="3" name="内容占位符 2">
             <a:extLst>
               <a:ext uri="{FF2B5EF4-FFF2-40B4-BE49-F238E27FC236}">
-                <a16:creationId xmlns:a16="http://schemas.microsoft.com/office/drawing/2014/main" xmlns="" id="{18357220-3404-9543-B18A-654DBC2080C6}"/>
+                <a16:creationId xmlns="" xmlns:a16="http://schemas.microsoft.com/office/drawing/2014/main" id="{18357220-3404-9543-B18A-654DBC2080C6}"/>
               </a:ext>
             </a:extLst>
           </p:cNvPr>
@@ -4014,7 +4015,7 @@
           <p:cNvPr id="2" name="标题 1">
             <a:extLst>
               <a:ext uri="{FF2B5EF4-FFF2-40B4-BE49-F238E27FC236}">
-                <a16:creationId xmlns:a16="http://schemas.microsoft.com/office/drawing/2014/main" xmlns="" id="{F0405D1C-A876-8341-918E-A5D66A83827F}"/>
+                <a16:creationId xmlns="" xmlns:a16="http://schemas.microsoft.com/office/drawing/2014/main" id="{F0405D1C-A876-8341-918E-A5D66A83827F}"/>
               </a:ext>
             </a:extLst>
           </p:cNvPr>
@@ -4049,7 +4050,7 @@
           <p:cNvPr id="3" name="内容占位符 2">
             <a:extLst>
               <a:ext uri="{FF2B5EF4-FFF2-40B4-BE49-F238E27FC236}">
-                <a16:creationId xmlns:a16="http://schemas.microsoft.com/office/drawing/2014/main" xmlns="" id="{18357220-3404-9543-B18A-654DBC2080C6}"/>
+                <a16:creationId xmlns="" xmlns:a16="http://schemas.microsoft.com/office/drawing/2014/main" id="{18357220-3404-9543-B18A-654DBC2080C6}"/>
               </a:ext>
             </a:extLst>
           </p:cNvPr>
@@ -4150,7 +4151,7 @@
           <p:cNvPr id="2" name="标题 1">
             <a:extLst>
               <a:ext uri="{FF2B5EF4-FFF2-40B4-BE49-F238E27FC236}">
-                <a16:creationId xmlns:a16="http://schemas.microsoft.com/office/drawing/2014/main" xmlns="" id="{F0405D1C-A876-8341-918E-A5D66A83827F}"/>
+                <a16:creationId xmlns="" xmlns:a16="http://schemas.microsoft.com/office/drawing/2014/main" id="{F0405D1C-A876-8341-918E-A5D66A83827F}"/>
               </a:ext>
             </a:extLst>
           </p:cNvPr>
@@ -4185,7 +4186,7 @@
           <p:cNvPr id="3" name="内容占位符 2">
             <a:extLst>
               <a:ext uri="{FF2B5EF4-FFF2-40B4-BE49-F238E27FC236}">
-                <a16:creationId xmlns:a16="http://schemas.microsoft.com/office/drawing/2014/main" xmlns="" id="{18357220-3404-9543-B18A-654DBC2080C6}"/>
+                <a16:creationId xmlns="" xmlns:a16="http://schemas.microsoft.com/office/drawing/2014/main" id="{18357220-3404-9543-B18A-654DBC2080C6}"/>
               </a:ext>
             </a:extLst>
           </p:cNvPr>
@@ -4324,7 +4325,7 @@
           <p:cNvPr id="2" name="标题 1">
             <a:extLst>
               <a:ext uri="{FF2B5EF4-FFF2-40B4-BE49-F238E27FC236}">
-                <a16:creationId xmlns:a16="http://schemas.microsoft.com/office/drawing/2014/main" xmlns="" id="{F0405D1C-A876-8341-918E-A5D66A83827F}"/>
+                <a16:creationId xmlns="" xmlns:a16="http://schemas.microsoft.com/office/drawing/2014/main" id="{F0405D1C-A876-8341-918E-A5D66A83827F}"/>
               </a:ext>
             </a:extLst>
           </p:cNvPr>
@@ -4359,7 +4360,7 @@
           <p:cNvPr id="3" name="内容占位符 2">
             <a:extLst>
               <a:ext uri="{FF2B5EF4-FFF2-40B4-BE49-F238E27FC236}">
-                <a16:creationId xmlns:a16="http://schemas.microsoft.com/office/drawing/2014/main" xmlns="" id="{18357220-3404-9543-B18A-654DBC2080C6}"/>
+                <a16:creationId xmlns="" xmlns:a16="http://schemas.microsoft.com/office/drawing/2014/main" id="{18357220-3404-9543-B18A-654DBC2080C6}"/>
               </a:ext>
             </a:extLst>
           </p:cNvPr>
@@ -5355,7 +5356,7 @@
           <p:cNvPr id="2" name="标题 1">
             <a:extLst>
               <a:ext uri="{FF2B5EF4-FFF2-40B4-BE49-F238E27FC236}">
-                <a16:creationId xmlns:a16="http://schemas.microsoft.com/office/drawing/2014/main" xmlns="" id="{F0405D1C-A876-8341-918E-A5D66A83827F}"/>
+                <a16:creationId xmlns="" xmlns:a16="http://schemas.microsoft.com/office/drawing/2014/main" id="{F0405D1C-A876-8341-918E-A5D66A83827F}"/>
               </a:ext>
             </a:extLst>
           </p:cNvPr>
@@ -5390,7 +5391,7 @@
           <p:cNvPr id="5" name="表格 4">
             <a:extLst>
               <a:ext uri="{FF2B5EF4-FFF2-40B4-BE49-F238E27FC236}">
-                <a16:creationId xmlns="" xmlns:a16="http://schemas.microsoft.com/office/drawing/2014/main" id="{BBD8331B-80DE-5E4F-9E00-43915192637C}"/>
+                <a16:creationId xmlns:a16="http://schemas.microsoft.com/office/drawing/2014/main" xmlns="" id="{BBD8331B-80DE-5E4F-9E00-43915192637C}"/>
               </a:ext>
             </a:extLst>
           </p:cNvPr>
@@ -5419,56 +5420,56 @@
                 <a:gridCol w="1016000">
                   <a:extLst>
                     <a:ext uri="{9D8B030D-6E8A-4147-A177-3AD203B41FA5}">
-                      <a16:colId xmlns="" xmlns:a16="http://schemas.microsoft.com/office/drawing/2014/main" val="2919921209"/>
+                      <a16:colId xmlns:a16="http://schemas.microsoft.com/office/drawing/2014/main" xmlns="" val="2919921209"/>
                     </a:ext>
                   </a:extLst>
                 </a:gridCol>
                 <a:gridCol w="1016000">
                   <a:extLst>
                     <a:ext uri="{9D8B030D-6E8A-4147-A177-3AD203B41FA5}">
-                      <a16:colId xmlns="" xmlns:a16="http://schemas.microsoft.com/office/drawing/2014/main" val="1274578498"/>
+                      <a16:colId xmlns:a16="http://schemas.microsoft.com/office/drawing/2014/main" xmlns="" val="1274578498"/>
                     </a:ext>
                   </a:extLst>
                 </a:gridCol>
                 <a:gridCol w="1016000">
                   <a:extLst>
                     <a:ext uri="{9D8B030D-6E8A-4147-A177-3AD203B41FA5}">
-                      <a16:colId xmlns="" xmlns:a16="http://schemas.microsoft.com/office/drawing/2014/main" val="2473859656"/>
+                      <a16:colId xmlns:a16="http://schemas.microsoft.com/office/drawing/2014/main" xmlns="" val="2473859656"/>
                     </a:ext>
                   </a:extLst>
                 </a:gridCol>
                 <a:gridCol w="1016000">
                   <a:extLst>
                     <a:ext uri="{9D8B030D-6E8A-4147-A177-3AD203B41FA5}">
-                      <a16:colId xmlns="" xmlns:a16="http://schemas.microsoft.com/office/drawing/2014/main" val="4017853280"/>
+                      <a16:colId xmlns:a16="http://schemas.microsoft.com/office/drawing/2014/main" xmlns="" val="4017853280"/>
                     </a:ext>
                   </a:extLst>
                 </a:gridCol>
                 <a:gridCol w="1016000">
                   <a:extLst>
                     <a:ext uri="{9D8B030D-6E8A-4147-A177-3AD203B41FA5}">
-                      <a16:colId xmlns="" xmlns:a16="http://schemas.microsoft.com/office/drawing/2014/main" val="4046979531"/>
+                      <a16:colId xmlns:a16="http://schemas.microsoft.com/office/drawing/2014/main" xmlns="" val="4046979531"/>
                     </a:ext>
                   </a:extLst>
                 </a:gridCol>
                 <a:gridCol w="1016000">
                   <a:extLst>
                     <a:ext uri="{9D8B030D-6E8A-4147-A177-3AD203B41FA5}">
-                      <a16:colId xmlns="" xmlns:a16="http://schemas.microsoft.com/office/drawing/2014/main" val="1236215947"/>
+                      <a16:colId xmlns:a16="http://schemas.microsoft.com/office/drawing/2014/main" xmlns="" val="1236215947"/>
                     </a:ext>
                   </a:extLst>
                 </a:gridCol>
                 <a:gridCol w="1016000">
                   <a:extLst>
                     <a:ext uri="{9D8B030D-6E8A-4147-A177-3AD203B41FA5}">
-                      <a16:colId xmlns="" xmlns:a16="http://schemas.microsoft.com/office/drawing/2014/main" val="3358476489"/>
+                      <a16:colId xmlns:a16="http://schemas.microsoft.com/office/drawing/2014/main" xmlns="" val="3358476489"/>
                     </a:ext>
                   </a:extLst>
                 </a:gridCol>
                 <a:gridCol w="1016000">
                   <a:extLst>
                     <a:ext uri="{9D8B030D-6E8A-4147-A177-3AD203B41FA5}">
-                      <a16:colId xmlns="" xmlns:a16="http://schemas.microsoft.com/office/drawing/2014/main" val="1544053477"/>
+                      <a16:colId xmlns:a16="http://schemas.microsoft.com/office/drawing/2014/main" xmlns="" val="1544053477"/>
                     </a:ext>
                   </a:extLst>
                 </a:gridCol>
@@ -5860,7 +5861,7 @@
                 </a:tc>
                 <a:extLst>
                   <a:ext uri="{0D108BD9-81ED-4DB2-BD59-A6C34878D82A}">
-                    <a16:rowId xmlns="" xmlns:a16="http://schemas.microsoft.com/office/drawing/2014/main" val="2866617908"/>
+                    <a16:rowId xmlns:a16="http://schemas.microsoft.com/office/drawing/2014/main" xmlns="" val="2866617908"/>
                   </a:ext>
                 </a:extLst>
               </a:tr>
@@ -5873,7 +5874,7 @@
           <p:cNvPr id="6" name="表格 5">
             <a:extLst>
               <a:ext uri="{FF2B5EF4-FFF2-40B4-BE49-F238E27FC236}">
-                <a16:creationId xmlns="" xmlns:a16="http://schemas.microsoft.com/office/drawing/2014/main" id="{5B4F8785-5EE0-884C-A840-D9ED4AA8430C}"/>
+                <a16:creationId xmlns:a16="http://schemas.microsoft.com/office/drawing/2014/main" xmlns="" id="{5B4F8785-5EE0-884C-A840-D9ED4AA8430C}"/>
               </a:ext>
             </a:extLst>
           </p:cNvPr>
@@ -5902,56 +5903,56 @@
                 <a:gridCol w="1016000">
                   <a:extLst>
                     <a:ext uri="{9D8B030D-6E8A-4147-A177-3AD203B41FA5}">
-                      <a16:colId xmlns="" xmlns:a16="http://schemas.microsoft.com/office/drawing/2014/main" val="2919921209"/>
+                      <a16:colId xmlns:a16="http://schemas.microsoft.com/office/drawing/2014/main" xmlns="" val="2919921209"/>
                     </a:ext>
                   </a:extLst>
                 </a:gridCol>
                 <a:gridCol w="1016000">
                   <a:extLst>
                     <a:ext uri="{9D8B030D-6E8A-4147-A177-3AD203B41FA5}">
-                      <a16:colId xmlns="" xmlns:a16="http://schemas.microsoft.com/office/drawing/2014/main" val="1274578498"/>
+                      <a16:colId xmlns:a16="http://schemas.microsoft.com/office/drawing/2014/main" xmlns="" val="1274578498"/>
                     </a:ext>
                   </a:extLst>
                 </a:gridCol>
                 <a:gridCol w="1016000">
                   <a:extLst>
                     <a:ext uri="{9D8B030D-6E8A-4147-A177-3AD203B41FA5}">
-                      <a16:colId xmlns="" xmlns:a16="http://schemas.microsoft.com/office/drawing/2014/main" val="2473859656"/>
+                      <a16:colId xmlns:a16="http://schemas.microsoft.com/office/drawing/2014/main" xmlns="" val="2473859656"/>
                     </a:ext>
                   </a:extLst>
                 </a:gridCol>
                 <a:gridCol w="1016000">
                   <a:extLst>
                     <a:ext uri="{9D8B030D-6E8A-4147-A177-3AD203B41FA5}">
-                      <a16:colId xmlns="" xmlns:a16="http://schemas.microsoft.com/office/drawing/2014/main" val="4017853280"/>
+                      <a16:colId xmlns:a16="http://schemas.microsoft.com/office/drawing/2014/main" xmlns="" val="4017853280"/>
                     </a:ext>
                   </a:extLst>
                 </a:gridCol>
                 <a:gridCol w="1016000">
                   <a:extLst>
                     <a:ext uri="{9D8B030D-6E8A-4147-A177-3AD203B41FA5}">
-                      <a16:colId xmlns="" xmlns:a16="http://schemas.microsoft.com/office/drawing/2014/main" val="4046979531"/>
+                      <a16:colId xmlns:a16="http://schemas.microsoft.com/office/drawing/2014/main" xmlns="" val="4046979531"/>
                     </a:ext>
                   </a:extLst>
                 </a:gridCol>
                 <a:gridCol w="1016000">
                   <a:extLst>
                     <a:ext uri="{9D8B030D-6E8A-4147-A177-3AD203B41FA5}">
-                      <a16:colId xmlns="" xmlns:a16="http://schemas.microsoft.com/office/drawing/2014/main" val="1236215947"/>
+                      <a16:colId xmlns:a16="http://schemas.microsoft.com/office/drawing/2014/main" xmlns="" val="1236215947"/>
                     </a:ext>
                   </a:extLst>
                 </a:gridCol>
                 <a:gridCol w="1016000">
                   <a:extLst>
                     <a:ext uri="{9D8B030D-6E8A-4147-A177-3AD203B41FA5}">
-                      <a16:colId xmlns="" xmlns:a16="http://schemas.microsoft.com/office/drawing/2014/main" val="3358476489"/>
+                      <a16:colId xmlns:a16="http://schemas.microsoft.com/office/drawing/2014/main" xmlns="" val="3358476489"/>
                     </a:ext>
                   </a:extLst>
                 </a:gridCol>
                 <a:gridCol w="1016000">
                   <a:extLst>
                     <a:ext uri="{9D8B030D-6E8A-4147-A177-3AD203B41FA5}">
-                      <a16:colId xmlns="" xmlns:a16="http://schemas.microsoft.com/office/drawing/2014/main" val="1544053477"/>
+                      <a16:colId xmlns:a16="http://schemas.microsoft.com/office/drawing/2014/main" xmlns="" val="1544053477"/>
                     </a:ext>
                   </a:extLst>
                 </a:gridCol>
@@ -6343,7 +6344,7 @@
                 </a:tc>
                 <a:extLst>
                   <a:ext uri="{0D108BD9-81ED-4DB2-BD59-A6C34878D82A}">
-                    <a16:rowId xmlns="" xmlns:a16="http://schemas.microsoft.com/office/drawing/2014/main" val="2866617908"/>
+                    <a16:rowId xmlns:a16="http://schemas.microsoft.com/office/drawing/2014/main" xmlns="" val="2866617908"/>
                   </a:ext>
                 </a:extLst>
               </a:tr>
@@ -6356,7 +6357,7 @@
           <p:cNvPr id="7" name="表格 6">
             <a:extLst>
               <a:ext uri="{FF2B5EF4-FFF2-40B4-BE49-F238E27FC236}">
-                <a16:creationId xmlns="" xmlns:a16="http://schemas.microsoft.com/office/drawing/2014/main" id="{155A077A-D314-104E-9636-10BCB5AFF1D1}"/>
+                <a16:creationId xmlns:a16="http://schemas.microsoft.com/office/drawing/2014/main" xmlns="" id="{155A077A-D314-104E-9636-10BCB5AFF1D1}"/>
               </a:ext>
             </a:extLst>
           </p:cNvPr>
@@ -6385,56 +6386,56 @@
                 <a:gridCol w="1016000">
                   <a:extLst>
                     <a:ext uri="{9D8B030D-6E8A-4147-A177-3AD203B41FA5}">
-                      <a16:colId xmlns="" xmlns:a16="http://schemas.microsoft.com/office/drawing/2014/main" val="2919921209"/>
+                      <a16:colId xmlns:a16="http://schemas.microsoft.com/office/drawing/2014/main" xmlns="" val="2919921209"/>
                     </a:ext>
                   </a:extLst>
                 </a:gridCol>
                 <a:gridCol w="1016000">
                   <a:extLst>
                     <a:ext uri="{9D8B030D-6E8A-4147-A177-3AD203B41FA5}">
-                      <a16:colId xmlns="" xmlns:a16="http://schemas.microsoft.com/office/drawing/2014/main" val="1274578498"/>
+                      <a16:colId xmlns:a16="http://schemas.microsoft.com/office/drawing/2014/main" xmlns="" val="1274578498"/>
                     </a:ext>
                   </a:extLst>
                 </a:gridCol>
                 <a:gridCol w="1016000">
                   <a:extLst>
                     <a:ext uri="{9D8B030D-6E8A-4147-A177-3AD203B41FA5}">
-                      <a16:colId xmlns="" xmlns:a16="http://schemas.microsoft.com/office/drawing/2014/main" val="2473859656"/>
+                      <a16:colId xmlns:a16="http://schemas.microsoft.com/office/drawing/2014/main" xmlns="" val="2473859656"/>
                     </a:ext>
                   </a:extLst>
                 </a:gridCol>
                 <a:gridCol w="1016000">
                   <a:extLst>
                     <a:ext uri="{9D8B030D-6E8A-4147-A177-3AD203B41FA5}">
-                      <a16:colId xmlns="" xmlns:a16="http://schemas.microsoft.com/office/drawing/2014/main" val="4017853280"/>
+                      <a16:colId xmlns:a16="http://schemas.microsoft.com/office/drawing/2014/main" xmlns="" val="4017853280"/>
                     </a:ext>
                   </a:extLst>
                 </a:gridCol>
                 <a:gridCol w="1016000">
                   <a:extLst>
                     <a:ext uri="{9D8B030D-6E8A-4147-A177-3AD203B41FA5}">
-                      <a16:colId xmlns="" xmlns:a16="http://schemas.microsoft.com/office/drawing/2014/main" val="4046979531"/>
+                      <a16:colId xmlns:a16="http://schemas.microsoft.com/office/drawing/2014/main" xmlns="" val="4046979531"/>
                     </a:ext>
                   </a:extLst>
                 </a:gridCol>
                 <a:gridCol w="1016000">
                   <a:extLst>
                     <a:ext uri="{9D8B030D-6E8A-4147-A177-3AD203B41FA5}">
-                      <a16:colId xmlns="" xmlns:a16="http://schemas.microsoft.com/office/drawing/2014/main" val="1236215947"/>
+                      <a16:colId xmlns:a16="http://schemas.microsoft.com/office/drawing/2014/main" xmlns="" val="1236215947"/>
                     </a:ext>
                   </a:extLst>
                 </a:gridCol>
                 <a:gridCol w="1016000">
                   <a:extLst>
                     <a:ext uri="{9D8B030D-6E8A-4147-A177-3AD203B41FA5}">
-                      <a16:colId xmlns="" xmlns:a16="http://schemas.microsoft.com/office/drawing/2014/main" val="3358476489"/>
+                      <a16:colId xmlns:a16="http://schemas.microsoft.com/office/drawing/2014/main" xmlns="" val="3358476489"/>
                     </a:ext>
                   </a:extLst>
                 </a:gridCol>
                 <a:gridCol w="1016000">
                   <a:extLst>
                     <a:ext uri="{9D8B030D-6E8A-4147-A177-3AD203B41FA5}">
-                      <a16:colId xmlns="" xmlns:a16="http://schemas.microsoft.com/office/drawing/2014/main" val="1544053477"/>
+                      <a16:colId xmlns:a16="http://schemas.microsoft.com/office/drawing/2014/main" xmlns="" val="1544053477"/>
                     </a:ext>
                   </a:extLst>
                 </a:gridCol>
@@ -6826,7 +6827,7 @@
                 </a:tc>
                 <a:extLst>
                   <a:ext uri="{0D108BD9-81ED-4DB2-BD59-A6C34878D82A}">
-                    <a16:rowId xmlns="" xmlns:a16="http://schemas.microsoft.com/office/drawing/2014/main" val="2866617908"/>
+                    <a16:rowId xmlns:a16="http://schemas.microsoft.com/office/drawing/2014/main" xmlns="" val="2866617908"/>
                   </a:ext>
                 </a:extLst>
               </a:tr>
@@ -6841,7 +6842,7 @@
               <p:cNvPr id="10" name="文本框 9">
                 <a:extLst>
                   <a:ext uri="{FF2B5EF4-FFF2-40B4-BE49-F238E27FC236}">
-                    <a16:creationId xmlns="" xmlns:a16="http://schemas.microsoft.com/office/drawing/2014/main" id="{296B7145-B712-2440-A166-8D5BDDA90570}"/>
+                    <a16:creationId xmlns:a16="http://schemas.microsoft.com/office/drawing/2014/main" xmlns="" id="{296B7145-B712-2440-A166-8D5BDDA90570}"/>
                   </a:ext>
                 </a:extLst>
               </p:cNvPr>
@@ -6997,7 +6998,7 @@
           <p:cNvPr id="11" name="直线箭头连接符 10">
             <a:extLst>
               <a:ext uri="{FF2B5EF4-FFF2-40B4-BE49-F238E27FC236}">
-                <a16:creationId xmlns="" xmlns:a16="http://schemas.microsoft.com/office/drawing/2014/main" id="{E1DDCB3A-93A3-F947-8936-2FD7D8DCC488}"/>
+                <a16:creationId xmlns:a16="http://schemas.microsoft.com/office/drawing/2014/main" xmlns="" id="{E1DDCB3A-93A3-F947-8936-2FD7D8DCC488}"/>
               </a:ext>
             </a:extLst>
           </p:cNvPr>
@@ -7041,7 +7042,7 @@
           <p:cNvPr id="12" name="直线箭头连接符 11">
             <a:extLst>
               <a:ext uri="{FF2B5EF4-FFF2-40B4-BE49-F238E27FC236}">
-                <a16:creationId xmlns="" xmlns:a16="http://schemas.microsoft.com/office/drawing/2014/main" id="{AB28E39D-46A0-5B49-82B6-E57B9F0DD9FB}"/>
+                <a16:creationId xmlns:a16="http://schemas.microsoft.com/office/drawing/2014/main" xmlns="" id="{AB28E39D-46A0-5B49-82B6-E57B9F0DD9FB}"/>
               </a:ext>
             </a:extLst>
           </p:cNvPr>
@@ -7086,7 +7087,7 @@
           <p:cNvPr id="13" name="直线箭头连接符 12">
             <a:extLst>
               <a:ext uri="{FF2B5EF4-FFF2-40B4-BE49-F238E27FC236}">
-                <a16:creationId xmlns="" xmlns:a16="http://schemas.microsoft.com/office/drawing/2014/main" id="{48149428-2E7B-484E-BD02-0820295C5E2F}"/>
+                <a16:creationId xmlns:a16="http://schemas.microsoft.com/office/drawing/2014/main" xmlns="" id="{48149428-2E7B-484E-BD02-0820295C5E2F}"/>
               </a:ext>
             </a:extLst>
           </p:cNvPr>
@@ -7133,7 +7134,7 @@
               <p:cNvPr id="14" name="文本框 13">
                 <a:extLst>
                   <a:ext uri="{FF2B5EF4-FFF2-40B4-BE49-F238E27FC236}">
-                    <a16:creationId xmlns="" xmlns:a16="http://schemas.microsoft.com/office/drawing/2014/main" id="{A8CB5AC8-59AE-C443-86CD-C750A4B240BC}"/>
+                    <a16:creationId xmlns:a16="http://schemas.microsoft.com/office/drawing/2014/main" xmlns="" id="{A8CB5AC8-59AE-C443-86CD-C750A4B240BC}"/>
                   </a:ext>
                 </a:extLst>
               </p:cNvPr>
@@ -7248,7 +7249,7 @@
               <p:cNvPr id="15" name="文本框 14">
                 <a:extLst>
                   <a:ext uri="{FF2B5EF4-FFF2-40B4-BE49-F238E27FC236}">
-                    <a16:creationId xmlns="" xmlns:a16="http://schemas.microsoft.com/office/drawing/2014/main" id="{BD55B4B9-A03A-684D-8A7E-A30160DD9D94}"/>
+                    <a16:creationId xmlns:a16="http://schemas.microsoft.com/office/drawing/2014/main" xmlns="" id="{BD55B4B9-A03A-684D-8A7E-A30160DD9D94}"/>
                   </a:ext>
                 </a:extLst>
               </p:cNvPr>
@@ -7363,7 +7364,7 @@
               <p:cNvPr id="16" name="文本框 15">
                 <a:extLst>
                   <a:ext uri="{FF2B5EF4-FFF2-40B4-BE49-F238E27FC236}">
-                    <a16:creationId xmlns="" xmlns:a16="http://schemas.microsoft.com/office/drawing/2014/main" id="{8A6A7549-DEB2-C640-8E38-B6182AB03239}"/>
+                    <a16:creationId xmlns:a16="http://schemas.microsoft.com/office/drawing/2014/main" xmlns="" id="{8A6A7549-DEB2-C640-8E38-B6182AB03239}"/>
                   </a:ext>
                 </a:extLst>
               </p:cNvPr>
@@ -7538,13 +7539,1456 @@
         <mc:Choice Requires="a14">
           <p:sp>
             <p:nvSpPr>
+              <p:cNvPr id="24" name="文本框 23"/>
+              <p:cNvSpPr txBox="1"/>
+              <p:nvPr/>
+            </p:nvSpPr>
+            <p:spPr>
+              <a:xfrm>
+                <a:off x="838200" y="2366024"/>
+                <a:ext cx="1304936" cy="369332"/>
+              </a:xfrm>
+              <a:prstGeom prst="rect">
+                <a:avLst/>
+              </a:prstGeom>
+              <a:noFill/>
+            </p:spPr>
+            <p:txBody>
+              <a:bodyPr wrap="square" lIns="0" tIns="0" rIns="0" bIns="0" rtlCol="0">
+                <a:spAutoFit/>
+              </a:bodyPr>
+              <a:lstStyle/>
+              <a:p>
+                <a:pPr/>
+                <a14:m>
+                  <m:oMathPara xmlns:m="http://schemas.openxmlformats.org/officeDocument/2006/math">
+                    <m:oMathParaPr>
+                      <m:jc m:val="centerGroup"/>
+                    </m:oMathParaPr>
+                    <m:oMath xmlns:m="http://schemas.openxmlformats.org/officeDocument/2006/math">
+                      <m:sSub>
+                        <m:sSubPr>
+                          <m:ctrlPr>
+                            <a:rPr kumimoji="1" lang="en-US" altLang="zh-CN" sz="2400" b="1" i="1" smtClean="0">
+                              <a:latin typeface="Cambria Math" charset="0"/>
+                            </a:rPr>
+                          </m:ctrlPr>
+                        </m:sSubPr>
+                        <m:e>
+                          <m:sSub>
+                            <m:sSubPr>
+                              <m:ctrlPr>
+                                <a:rPr kumimoji="1" lang="en-US" altLang="zh-CN" sz="2400" b="1" i="1" smtClean="0">
+                                  <a:latin typeface="Cambria Math" charset="0"/>
+                                </a:rPr>
+                              </m:ctrlPr>
+                            </m:sSubPr>
+                            <m:e>
+                              <m:r>
+                                <a:rPr kumimoji="1" lang="en-US" altLang="zh-CN" sz="2400" b="1" i="1" smtClean="0">
+                                  <a:latin typeface="Cambria Math" charset="0"/>
+                                </a:rPr>
+                                <m:t>(</m:t>
+                              </m:r>
+                              <m:r>
+                                <a:rPr kumimoji="1" lang="en-US" altLang="zh-CN" sz="2400" b="1" i="1" smtClean="0">
+                                  <a:latin typeface="Cambria Math" charset="0"/>
+                                </a:rPr>
+                                <m:t>𝒆</m:t>
+                              </m:r>
+                            </m:e>
+                            <m:sub>
+                              <m:r>
+                                <a:rPr kumimoji="1" lang="en-US" altLang="zh-CN" sz="2400" b="1" i="1" smtClean="0">
+                                  <a:latin typeface="Cambria Math" charset="0"/>
+                                </a:rPr>
+                                <m:t>𝟏</m:t>
+                              </m:r>
+                            </m:sub>
+                          </m:sSub>
+                          <m:r>
+                            <a:rPr kumimoji="1" lang="en-US" altLang="zh-CN" sz="2400" b="1" i="1" smtClean="0">
+                              <a:latin typeface="Cambria Math" charset="0"/>
+                            </a:rPr>
+                            <m:t>, </m:t>
+                          </m:r>
+                          <m:r>
+                            <a:rPr kumimoji="1" lang="en-US" altLang="zh-CN" sz="2400" b="1" i="1" smtClean="0">
+                              <a:latin typeface="Cambria Math" charset="0"/>
+                            </a:rPr>
+                            <m:t>𝒘</m:t>
+                          </m:r>
+                        </m:e>
+                        <m:sub>
+                          <m:r>
+                            <a:rPr kumimoji="1" lang="en-US" altLang="zh-CN" sz="2400" b="1" i="1" smtClean="0">
+                              <a:latin typeface="Cambria Math" charset="0"/>
+                            </a:rPr>
+                            <m:t>𝟏</m:t>
+                          </m:r>
+                        </m:sub>
+                      </m:sSub>
+                      <m:r>
+                        <a:rPr kumimoji="1" lang="en-US" altLang="zh-CN" sz="2400" b="1" i="1" smtClean="0">
+                          <a:latin typeface="Cambria Math" charset="0"/>
+                        </a:rPr>
+                        <m:t>)</m:t>
+                      </m:r>
+                    </m:oMath>
+                  </m:oMathPara>
+                </a14:m>
+                <a:endParaRPr kumimoji="1" lang="zh-CN" altLang="en-US" sz="2400" b="1" dirty="0"/>
+              </a:p>
+            </p:txBody>
+          </p:sp>
+        </mc:Choice>
+        <mc:Fallback xmlns="">
+          <p:sp>
+            <p:nvSpPr>
+              <p:cNvPr id="24" name="文本框 23"/>
+              <p:cNvSpPr txBox="1">
+                <a:spLocks noRot="1" noChangeAspect="1" noMove="1" noResize="1" noEditPoints="1" noAdjustHandles="1" noChangeArrowheads="1" noChangeShapeType="1" noTextEdit="1"/>
+              </p:cNvSpPr>
+              <p:nvPr/>
+            </p:nvSpPr>
+            <p:spPr>
+              <a:xfrm>
+                <a:off x="838200" y="2366024"/>
+                <a:ext cx="1304936" cy="369332"/>
+              </a:xfrm>
+              <a:prstGeom prst="rect">
+                <a:avLst/>
+              </a:prstGeom>
+              <a:blipFill rotWithShape="0">
+                <a:blip r:embed="rId2"/>
+                <a:stretch>
+                  <a:fillRect l="-1869" r="-1869" b="-34426"/>
+                </a:stretch>
+              </a:blipFill>
+            </p:spPr>
+            <p:txBody>
+              <a:bodyPr/>
+              <a:lstStyle/>
+              <a:p>
+                <a:r>
+                  <a:rPr lang="zh-CN" altLang="en-US">
+                    <a:noFill/>
+                  </a:rPr>
+                  <a:t> </a:t>
+                </a:r>
+              </a:p>
+            </p:txBody>
+          </p:sp>
+        </mc:Fallback>
+      </mc:AlternateContent>
+      <mc:AlternateContent xmlns:mc="http://schemas.openxmlformats.org/markup-compatibility/2006" xmlns:a14="http://schemas.microsoft.com/office/drawing/2010/main">
+        <mc:Choice Requires="a14">
+          <p:sp>
+            <p:nvSpPr>
+              <p:cNvPr id="25" name="文本框 24"/>
+              <p:cNvSpPr txBox="1"/>
+              <p:nvPr/>
+            </p:nvSpPr>
+            <p:spPr>
+              <a:xfrm>
+                <a:off x="2848084" y="2372500"/>
+                <a:ext cx="1304936" cy="369332"/>
+              </a:xfrm>
+              <a:prstGeom prst="rect">
+                <a:avLst/>
+              </a:prstGeom>
+              <a:noFill/>
+            </p:spPr>
+            <p:txBody>
+              <a:bodyPr wrap="square" lIns="0" tIns="0" rIns="0" bIns="0" rtlCol="0">
+                <a:spAutoFit/>
+              </a:bodyPr>
+              <a:lstStyle/>
+              <a:p>
+                <a:pPr/>
+                <a14:m>
+                  <m:oMathPara xmlns:m="http://schemas.openxmlformats.org/officeDocument/2006/math">
+                    <m:oMathParaPr>
+                      <m:jc m:val="centerGroup"/>
+                    </m:oMathParaPr>
+                    <m:oMath xmlns:m="http://schemas.openxmlformats.org/officeDocument/2006/math">
+                      <m:sSub>
+                        <m:sSubPr>
+                          <m:ctrlPr>
+                            <a:rPr kumimoji="1" lang="en-US" altLang="zh-CN" sz="2400" b="1" i="1" smtClean="0">
+                              <a:latin typeface="Cambria Math" charset="0"/>
+                            </a:rPr>
+                          </m:ctrlPr>
+                        </m:sSubPr>
+                        <m:e>
+                          <m:sSub>
+                            <m:sSubPr>
+                              <m:ctrlPr>
+                                <a:rPr kumimoji="1" lang="en-US" altLang="zh-CN" sz="2400" b="1" i="1" smtClean="0">
+                                  <a:latin typeface="Cambria Math" charset="0"/>
+                                </a:rPr>
+                              </m:ctrlPr>
+                            </m:sSubPr>
+                            <m:e>
+                              <m:r>
+                                <a:rPr kumimoji="1" lang="en-US" altLang="zh-CN" sz="2400" b="1" i="1" smtClean="0">
+                                  <a:latin typeface="Cambria Math" charset="0"/>
+                                </a:rPr>
+                                <m:t>(</m:t>
+                              </m:r>
+                              <m:r>
+                                <a:rPr kumimoji="1" lang="en-US" altLang="zh-CN" sz="2400" b="1" i="1" smtClean="0">
+                                  <a:latin typeface="Cambria Math" charset="0"/>
+                                </a:rPr>
+                                <m:t>𝒆</m:t>
+                              </m:r>
+                            </m:e>
+                            <m:sub>
+                              <m:r>
+                                <a:rPr kumimoji="1" lang="en-US" altLang="zh-CN" sz="2400" b="1" i="1" smtClean="0">
+                                  <a:latin typeface="Cambria Math" charset="0"/>
+                                </a:rPr>
+                                <m:t>𝟐</m:t>
+                              </m:r>
+                            </m:sub>
+                          </m:sSub>
+                          <m:r>
+                            <a:rPr kumimoji="1" lang="en-US" altLang="zh-CN" sz="2400" b="1" i="1" smtClean="0">
+                              <a:latin typeface="Cambria Math" charset="0"/>
+                            </a:rPr>
+                            <m:t>, </m:t>
+                          </m:r>
+                          <m:r>
+                            <a:rPr kumimoji="1" lang="en-US" altLang="zh-CN" sz="2400" b="1" i="1" smtClean="0">
+                              <a:latin typeface="Cambria Math" charset="0"/>
+                            </a:rPr>
+                            <m:t>𝒘</m:t>
+                          </m:r>
+                        </m:e>
+                        <m:sub>
+                          <m:r>
+                            <a:rPr kumimoji="1" lang="en-US" altLang="zh-CN" sz="2400" b="1" i="1" smtClean="0">
+                              <a:latin typeface="Cambria Math" charset="0"/>
+                            </a:rPr>
+                            <m:t>𝟐</m:t>
+                          </m:r>
+                        </m:sub>
+                      </m:sSub>
+                      <m:r>
+                        <a:rPr kumimoji="1" lang="en-US" altLang="zh-CN" sz="2400" b="1" i="1" smtClean="0">
+                          <a:latin typeface="Cambria Math" charset="0"/>
+                        </a:rPr>
+                        <m:t>)</m:t>
+                      </m:r>
+                    </m:oMath>
+                  </m:oMathPara>
+                </a14:m>
+                <a:endParaRPr kumimoji="1" lang="zh-CN" altLang="en-US" sz="2400" b="1" dirty="0"/>
+              </a:p>
+            </p:txBody>
+          </p:sp>
+        </mc:Choice>
+        <mc:Fallback xmlns="">
+          <p:sp>
+            <p:nvSpPr>
+              <p:cNvPr id="25" name="文本框 24"/>
+              <p:cNvSpPr txBox="1">
+                <a:spLocks noRot="1" noChangeAspect="1" noMove="1" noResize="1" noEditPoints="1" noAdjustHandles="1" noChangeArrowheads="1" noChangeShapeType="1" noTextEdit="1"/>
+              </p:cNvSpPr>
+              <p:nvPr/>
+            </p:nvSpPr>
+            <p:spPr>
+              <a:xfrm>
+                <a:off x="2848084" y="2372500"/>
+                <a:ext cx="1304936" cy="369332"/>
+              </a:xfrm>
+              <a:prstGeom prst="rect">
+                <a:avLst/>
+              </a:prstGeom>
+              <a:blipFill rotWithShape="0">
+                <a:blip r:embed="rId3"/>
+                <a:stretch>
+                  <a:fillRect l="-1402" r="-2336" b="-34426"/>
+                </a:stretch>
+              </a:blipFill>
+            </p:spPr>
+            <p:txBody>
+              <a:bodyPr/>
+              <a:lstStyle/>
+              <a:p>
+                <a:r>
+                  <a:rPr lang="zh-CN" altLang="en-US">
+                    <a:noFill/>
+                  </a:rPr>
+                  <a:t> </a:t>
+                </a:r>
+              </a:p>
+            </p:txBody>
+          </p:sp>
+        </mc:Fallback>
+      </mc:AlternateContent>
+      <mc:AlternateContent xmlns:mc="http://schemas.openxmlformats.org/markup-compatibility/2006" xmlns:a14="http://schemas.microsoft.com/office/drawing/2010/main">
+        <mc:Choice Requires="a14">
+          <p:sp>
+            <p:nvSpPr>
+              <p:cNvPr id="26" name="文本框 25"/>
+              <p:cNvSpPr txBox="1"/>
+              <p:nvPr/>
+            </p:nvSpPr>
+            <p:spPr>
+              <a:xfrm>
+                <a:off x="5572125" y="2155806"/>
+                <a:ext cx="5781675" cy="1244828"/>
+              </a:xfrm>
+              <a:prstGeom prst="rect">
+                <a:avLst/>
+              </a:prstGeom>
+              <a:noFill/>
+            </p:spPr>
+            <p:txBody>
+              <a:bodyPr wrap="square" lIns="0" tIns="0" rIns="0" bIns="0" rtlCol="0">
+                <a:spAutoFit/>
+              </a:bodyPr>
+              <a:lstStyle/>
+              <a:p>
+                <a:pPr/>
+                <a14:m>
+                  <m:oMathPara xmlns:m="http://schemas.openxmlformats.org/officeDocument/2006/math">
+                    <m:oMathParaPr>
+                      <m:jc m:val="centerGroup"/>
+                    </m:oMathParaPr>
+                    <m:oMath xmlns:m="http://schemas.openxmlformats.org/officeDocument/2006/math">
+                      <m:r>
+                        <a:rPr kumimoji="1" lang="en-US" altLang="zh-CN" sz="3600" b="0" i="1" smtClean="0">
+                          <a:latin typeface="Cambria Math" charset="0"/>
+                        </a:rPr>
+                        <m:t>𝑃</m:t>
+                      </m:r>
+                      <m:d>
+                        <m:dPr>
+                          <m:ctrlPr>
+                            <a:rPr kumimoji="1" lang="en-US" altLang="zh-CN" sz="3600" i="1" smtClean="0">
+                              <a:latin typeface="Cambria Math" charset="0"/>
+                            </a:rPr>
+                          </m:ctrlPr>
+                        </m:dPr>
+                        <m:e>
+                          <m:sSup>
+                            <m:sSupPr>
+                              <m:ctrlPr>
+                                <a:rPr kumimoji="1" lang="en-US" altLang="zh-CN" sz="3200" i="1">
+                                  <a:latin typeface="Cambria Math" charset="0"/>
+                                </a:rPr>
+                              </m:ctrlPr>
+                            </m:sSupPr>
+                            <m:e>
+                              <m:r>
+                                <a:rPr kumimoji="1" lang="en-US" altLang="zh-CN" sz="3200" b="0" i="1">
+                                  <a:latin typeface="Cambria Math" charset="0"/>
+                                </a:rPr>
+                                <m:t>(</m:t>
+                              </m:r>
+                              <m:r>
+                                <a:rPr kumimoji="1" lang="en-US" altLang="zh-CN" sz="3200" b="0" i="1">
+                                  <a:latin typeface="Cambria Math" charset="0"/>
+                                </a:rPr>
+                                <m:t>𝑒</m:t>
+                              </m:r>
+                            </m:e>
+                            <m:sup>
+                              <m:r>
+                                <a:rPr kumimoji="1" lang="en-US" altLang="zh-CN" sz="3200" b="0" i="1">
+                                  <a:latin typeface="Cambria Math" charset="0"/>
+                                </a:rPr>
+                                <m:t>′</m:t>
+                              </m:r>
+                            </m:sup>
+                          </m:sSup>
+                          <m:r>
+                            <a:rPr kumimoji="1" lang="en-US" altLang="zh-CN" sz="3200" b="0" i="1">
+                              <a:latin typeface="Cambria Math" charset="0"/>
+                            </a:rPr>
+                            <m:t>,</m:t>
+                          </m:r>
+                          <m:sSup>
+                            <m:sSupPr>
+                              <m:ctrlPr>
+                                <a:rPr kumimoji="1" lang="en-US" altLang="zh-CN" sz="3200" i="1">
+                                  <a:latin typeface="Cambria Math" charset="0"/>
+                                </a:rPr>
+                              </m:ctrlPr>
+                            </m:sSupPr>
+                            <m:e>
+                              <m:r>
+                                <a:rPr kumimoji="1" lang="en-US" altLang="zh-CN" sz="3200" b="0" i="1">
+                                  <a:latin typeface="Cambria Math" charset="0"/>
+                                </a:rPr>
+                                <m:t>𝑤</m:t>
+                              </m:r>
+                            </m:e>
+                            <m:sup>
+                              <m:r>
+                                <a:rPr kumimoji="1" lang="en-US" altLang="zh-CN" sz="3200" b="0" i="1">
+                                  <a:latin typeface="Cambria Math" charset="0"/>
+                                </a:rPr>
+                                <m:t>′</m:t>
+                              </m:r>
+                            </m:sup>
+                          </m:sSup>
+                          <m:r>
+                            <a:rPr kumimoji="1" lang="en-US" altLang="zh-CN" sz="3200" b="0" i="1">
+                              <a:latin typeface="Cambria Math" charset="0"/>
+                            </a:rPr>
+                            <m:t>)</m:t>
+                          </m:r>
+                          <m:r>
+                            <m:rPr>
+                              <m:nor/>
+                            </m:rPr>
+                            <a:rPr kumimoji="1" lang="zh-CN" altLang="en-US" sz="3200" dirty="0"/>
+                            <m:t> </m:t>
+                          </m:r>
+                          <m:r>
+                            <a:rPr kumimoji="1" lang="en-US" altLang="zh-CN" sz="3200" b="0" i="1" dirty="0" smtClean="0">
+                              <a:latin typeface="Cambria Math" charset="0"/>
+                            </a:rPr>
+                            <m:t>=(</m:t>
+                          </m:r>
+                          <m:sSub>
+                            <m:sSubPr>
+                              <m:ctrlPr>
+                                <a:rPr kumimoji="1" lang="en-US" altLang="zh-CN" sz="3200" i="1" dirty="0" smtClean="0">
+                                  <a:latin typeface="Cambria Math" charset="0"/>
+                                </a:rPr>
+                              </m:ctrlPr>
+                            </m:sSubPr>
+                            <m:e>
+                              <m:r>
+                                <a:rPr kumimoji="1" lang="en-US" altLang="zh-CN" sz="3200" b="0" i="1" dirty="0" smtClean="0">
+                                  <a:latin typeface="Cambria Math" charset="0"/>
+                                </a:rPr>
+                                <m:t>𝑒</m:t>
+                              </m:r>
+                            </m:e>
+                            <m:sub>
+                              <m:r>
+                                <a:rPr kumimoji="1" lang="en-US" altLang="zh-CN" sz="3200" b="0" i="1" dirty="0" smtClean="0">
+                                  <a:latin typeface="Cambria Math" charset="0"/>
+                                </a:rPr>
+                                <m:t>1</m:t>
+                              </m:r>
+                            </m:sub>
+                          </m:sSub>
+                          <m:r>
+                            <a:rPr kumimoji="1" lang="en-US" altLang="zh-CN" sz="3200" b="0" i="1" dirty="0" smtClean="0">
+                              <a:latin typeface="Cambria Math" charset="0"/>
+                            </a:rPr>
+                            <m:t>,</m:t>
+                          </m:r>
+                          <m:f>
+                            <m:fPr>
+                              <m:ctrlPr>
+                                <a:rPr kumimoji="1" lang="bg-BG" altLang="zh-CN" sz="3200" i="1" dirty="0" smtClean="0">
+                                  <a:latin typeface="Cambria Math" charset="0"/>
+                                </a:rPr>
+                              </m:ctrlPr>
+                            </m:fPr>
+                            <m:num>
+                              <m:sSub>
+                                <m:sSubPr>
+                                  <m:ctrlPr>
+                                    <a:rPr kumimoji="1" lang="en-US" altLang="zh-CN" sz="3200" i="1" dirty="0" smtClean="0">
+                                      <a:latin typeface="Cambria Math" charset="0"/>
+                                    </a:rPr>
+                                  </m:ctrlPr>
+                                </m:sSubPr>
+                                <m:e>
+                                  <m:r>
+                                    <a:rPr kumimoji="1" lang="en-US" altLang="zh-CN" sz="3200" b="0" i="1" dirty="0" smtClean="0">
+                                      <a:latin typeface="Cambria Math" charset="0"/>
+                                    </a:rPr>
+                                    <m:t>𝑤</m:t>
+                                  </m:r>
+                                </m:e>
+                                <m:sub>
+                                  <m:r>
+                                    <a:rPr kumimoji="1" lang="en-US" altLang="zh-CN" sz="3200" b="0" i="1" dirty="0" smtClean="0">
+                                      <a:latin typeface="Cambria Math" charset="0"/>
+                                    </a:rPr>
+                                    <m:t>1</m:t>
+                                  </m:r>
+                                </m:sub>
+                              </m:sSub>
+                            </m:num>
+                            <m:den>
+                              <m:sSub>
+                                <m:sSubPr>
+                                  <m:ctrlPr>
+                                    <a:rPr kumimoji="1" lang="en-US" altLang="zh-CN" sz="3200" i="1" dirty="0" smtClean="0">
+                                      <a:latin typeface="Cambria Math" charset="0"/>
+                                    </a:rPr>
+                                  </m:ctrlPr>
+                                </m:sSubPr>
+                                <m:e>
+                                  <m:r>
+                                    <a:rPr kumimoji="1" lang="en-US" altLang="zh-CN" sz="3200" b="0" i="1" dirty="0" smtClean="0">
+                                      <a:latin typeface="Cambria Math" charset="0"/>
+                                    </a:rPr>
+                                    <m:t>𝑝</m:t>
+                                  </m:r>
+                                </m:e>
+                                <m:sub>
+                                  <m:r>
+                                    <a:rPr kumimoji="1" lang="en-US" altLang="zh-CN" sz="3200" b="0" i="1" dirty="0" smtClean="0">
+                                      <a:latin typeface="Cambria Math" charset="0"/>
+                                    </a:rPr>
+                                    <m:t>1</m:t>
+                                  </m:r>
+                                </m:sub>
+                              </m:sSub>
+                            </m:den>
+                          </m:f>
+                          <m:r>
+                            <a:rPr kumimoji="1" lang="en-US" altLang="zh-CN" sz="3200" b="0" i="1" dirty="0" smtClean="0">
+                              <a:latin typeface="Cambria Math" charset="0"/>
+                            </a:rPr>
+                            <m:t>)</m:t>
+                          </m:r>
+                          <m:r>
+                            <a:rPr kumimoji="1" lang="en-US" altLang="zh-CN" sz="3200" b="0" i="1" smtClean="0">
+                              <a:latin typeface="Cambria Math" charset="0"/>
+                            </a:rPr>
+                            <m:t> </m:t>
+                          </m:r>
+                        </m:e>
+                      </m:d>
+                      <m:r>
+                        <a:rPr kumimoji="1" lang="en-US" altLang="zh-CN" sz="3600" b="0" i="1" smtClean="0">
+                          <a:latin typeface="Cambria Math" charset="0"/>
+                        </a:rPr>
+                        <m:t>=</m:t>
+                      </m:r>
+                      <m:sSub>
+                        <m:sSubPr>
+                          <m:ctrlPr>
+                            <a:rPr kumimoji="1" lang="en-US" altLang="zh-CN" sz="3600" i="1" smtClean="0">
+                              <a:latin typeface="Cambria Math" charset="0"/>
+                            </a:rPr>
+                          </m:ctrlPr>
+                        </m:sSubPr>
+                        <m:e>
+                          <m:r>
+                            <a:rPr kumimoji="1" lang="en-US" altLang="zh-CN" sz="3600" b="0" i="1" smtClean="0">
+                              <a:latin typeface="Cambria Math" charset="0"/>
+                            </a:rPr>
+                            <m:t>𝑝</m:t>
+                          </m:r>
+                        </m:e>
+                        <m:sub>
+                          <m:r>
+                            <a:rPr kumimoji="1" lang="en-US" altLang="zh-CN" sz="3600" b="0" i="1" smtClean="0">
+                              <a:latin typeface="Cambria Math" charset="0"/>
+                            </a:rPr>
+                            <m:t>1</m:t>
+                          </m:r>
+                        </m:sub>
+                      </m:sSub>
+                    </m:oMath>
+                  </m:oMathPara>
+                </a14:m>
+                <a:endParaRPr kumimoji="1" lang="zh-CN" altLang="en-US" sz="2800" i="1" dirty="0"/>
+              </a:p>
+            </p:txBody>
+          </p:sp>
+        </mc:Choice>
+        <mc:Fallback xmlns="">
+          <p:sp>
+            <p:nvSpPr>
+              <p:cNvPr id="26" name="文本框 25"/>
+              <p:cNvSpPr txBox="1">
+                <a:spLocks noRot="1" noChangeAspect="1" noMove="1" noResize="1" noEditPoints="1" noAdjustHandles="1" noChangeArrowheads="1" noChangeShapeType="1" noTextEdit="1"/>
+              </p:cNvSpPr>
+              <p:nvPr/>
+            </p:nvSpPr>
+            <p:spPr>
+              <a:xfrm>
+                <a:off x="5572125" y="2155806"/>
+                <a:ext cx="5781675" cy="1244828"/>
+              </a:xfrm>
+              <a:prstGeom prst="rect">
+                <a:avLst/>
+              </a:prstGeom>
+              <a:blipFill rotWithShape="0">
+                <a:blip r:embed="rId4"/>
+                <a:stretch>
+                  <a:fillRect/>
+                </a:stretch>
+              </a:blipFill>
+            </p:spPr>
+            <p:txBody>
+              <a:bodyPr/>
+              <a:lstStyle/>
+              <a:p>
+                <a:r>
+                  <a:rPr lang="zh-CN" altLang="en-US">
+                    <a:noFill/>
+                  </a:rPr>
+                  <a:t> </a:t>
+                </a:r>
+              </a:p>
+            </p:txBody>
+          </p:sp>
+        </mc:Fallback>
+      </mc:AlternateContent>
+      <p:cxnSp>
+        <p:nvCxnSpPr>
+          <p:cNvPr id="15" name="直线箭头连接符 14">
+            <a:extLst>
+              <a:ext uri="{FF2B5EF4-FFF2-40B4-BE49-F238E27FC236}">
+                <a16:creationId xmlns:a16="http://schemas.microsoft.com/office/drawing/2014/main" xmlns="" id="{E1DDCB3A-93A3-F947-8936-2FD7D8DCC488}"/>
+              </a:ext>
+            </a:extLst>
+          </p:cNvPr>
+          <p:cNvCxnSpPr/>
+          <p:nvPr/>
+        </p:nvCxnSpPr>
+        <p:spPr>
+          <a:xfrm>
+            <a:off x="2502158" y="3619835"/>
+            <a:ext cx="0" cy="879894"/>
+          </a:xfrm>
+          <a:prstGeom prst="straightConnector1">
+            <a:avLst/>
+          </a:prstGeom>
+          <a:ln w="38100">
+            <a:solidFill>
+              <a:schemeClr val="tx1"/>
+            </a:solidFill>
+            <a:tailEnd type="triangle"/>
+          </a:ln>
+        </p:spPr>
+        <p:style>
+          <a:lnRef idx="1">
+            <a:schemeClr val="accent1"/>
+          </a:lnRef>
+          <a:fillRef idx="0">
+            <a:schemeClr val="accent1"/>
+          </a:fillRef>
+          <a:effectRef idx="0">
+            <a:schemeClr val="accent1"/>
+          </a:effectRef>
+          <a:fontRef idx="minor">
+            <a:schemeClr val="tx1"/>
+          </a:fontRef>
+        </p:style>
+      </p:cxnSp>
+      <p:cxnSp>
+        <p:nvCxnSpPr>
+          <p:cNvPr id="13" name="直线连接符 12"/>
+          <p:cNvCxnSpPr/>
+          <p:nvPr/>
+        </p:nvCxnSpPr>
+        <p:spPr>
+          <a:xfrm flipH="1" flipV="1">
+            <a:off x="1476380" y="2778220"/>
+            <a:ext cx="1011490" cy="841615"/>
+          </a:xfrm>
+          <a:prstGeom prst="line">
+            <a:avLst/>
+          </a:prstGeom>
+          <a:ln w="38100">
+            <a:solidFill>
+              <a:schemeClr val="tx1"/>
+            </a:solidFill>
+          </a:ln>
+        </p:spPr>
+        <p:style>
+          <a:lnRef idx="1">
+            <a:schemeClr val="accent1"/>
+          </a:lnRef>
+          <a:fillRef idx="0">
+            <a:schemeClr val="accent1"/>
+          </a:fillRef>
+          <a:effectRef idx="0">
+            <a:schemeClr val="accent1"/>
+          </a:effectRef>
+          <a:fontRef idx="minor">
+            <a:schemeClr val="tx1"/>
+          </a:fontRef>
+        </p:style>
+      </p:cxnSp>
+      <p:cxnSp>
+        <p:nvCxnSpPr>
+          <p:cNvPr id="20" name="直线连接符 19"/>
+          <p:cNvCxnSpPr/>
+          <p:nvPr/>
+        </p:nvCxnSpPr>
+        <p:spPr>
+          <a:xfrm flipV="1">
+            <a:off x="2487870" y="2784696"/>
+            <a:ext cx="998394" cy="841617"/>
+          </a:xfrm>
+          <a:prstGeom prst="line">
+            <a:avLst/>
+          </a:prstGeom>
+          <a:ln w="38100">
+            <a:solidFill>
+              <a:schemeClr val="tx1"/>
+            </a:solidFill>
+          </a:ln>
+        </p:spPr>
+        <p:style>
+          <a:lnRef idx="1">
+            <a:schemeClr val="accent1"/>
+          </a:lnRef>
+          <a:fillRef idx="0">
+            <a:schemeClr val="accent1"/>
+          </a:fillRef>
+          <a:effectRef idx="0">
+            <a:schemeClr val="accent1"/>
+          </a:effectRef>
+          <a:fontRef idx="minor">
+            <a:schemeClr val="tx1"/>
+          </a:fontRef>
+        </p:style>
+      </p:cxnSp>
+      <mc:AlternateContent xmlns:mc="http://schemas.openxmlformats.org/markup-compatibility/2006" xmlns:a14="http://schemas.microsoft.com/office/drawing/2010/main">
+        <mc:Choice Requires="a14">
+          <p:sp>
+            <p:nvSpPr>
+              <p:cNvPr id="19" name="矩形 18"/>
+              <p:cNvSpPr/>
+              <p:nvPr/>
+            </p:nvSpPr>
+            <p:spPr>
+              <a:xfrm>
+                <a:off x="1462091" y="3022784"/>
+                <a:ext cx="607794" cy="461665"/>
+              </a:xfrm>
+              <a:prstGeom prst="rect">
+                <a:avLst/>
+              </a:prstGeom>
+            </p:spPr>
+            <p:txBody>
+              <a:bodyPr wrap="none">
+                <a:spAutoFit/>
+              </a:bodyPr>
+              <a:lstStyle/>
+              <a:p>
+                <a:pPr/>
+                <a14:m>
+                  <m:oMathPara xmlns:m="http://schemas.openxmlformats.org/officeDocument/2006/math">
+                    <m:oMathParaPr>
+                      <m:jc m:val="centerGroup"/>
+                    </m:oMathParaPr>
+                    <m:oMath xmlns:m="http://schemas.openxmlformats.org/officeDocument/2006/math">
+                      <m:sSub>
+                        <m:sSubPr>
+                          <m:ctrlPr>
+                            <a:rPr kumimoji="1" lang="en-US" altLang="zh-CN" sz="2400" b="1" i="1" smtClean="0">
+                              <a:latin typeface="Cambria Math" charset="0"/>
+                            </a:rPr>
+                          </m:ctrlPr>
+                        </m:sSubPr>
+                        <m:e>
+                          <m:r>
+                            <a:rPr kumimoji="1" lang="en-US" altLang="zh-CN" sz="2400" b="1" i="1">
+                              <a:latin typeface="Cambria Math" charset="0"/>
+                            </a:rPr>
+                            <m:t>𝒑</m:t>
+                          </m:r>
+                        </m:e>
+                        <m:sub>
+                          <m:r>
+                            <a:rPr kumimoji="1" lang="en-US" altLang="zh-CN" sz="2400" b="1" i="1" smtClean="0">
+                              <a:latin typeface="Cambria Math" charset="0"/>
+                            </a:rPr>
+                            <m:t>𝟏</m:t>
+                          </m:r>
+                        </m:sub>
+                      </m:sSub>
+                    </m:oMath>
+                  </m:oMathPara>
+                </a14:m>
+                <a:endParaRPr lang="zh-CN" altLang="en-US" sz="2400" b="1" dirty="0"/>
+              </a:p>
+            </p:txBody>
+          </p:sp>
+        </mc:Choice>
+        <mc:Fallback xmlns="">
+          <p:sp>
+            <p:nvSpPr>
+              <p:cNvPr id="19" name="矩形 18"/>
+              <p:cNvSpPr>
+                <a:spLocks noRot="1" noChangeAspect="1" noMove="1" noResize="1" noEditPoints="1" noAdjustHandles="1" noChangeArrowheads="1" noChangeShapeType="1" noTextEdit="1"/>
+              </p:cNvSpPr>
+              <p:nvPr/>
+            </p:nvSpPr>
+            <p:spPr>
+              <a:xfrm>
+                <a:off x="1462091" y="3022784"/>
+                <a:ext cx="607794" cy="461665"/>
+              </a:xfrm>
+              <a:prstGeom prst="rect">
+                <a:avLst/>
+              </a:prstGeom>
+              <a:blipFill rotWithShape="0">
+                <a:blip r:embed="rId5"/>
+                <a:stretch>
+                  <a:fillRect b="-7895"/>
+                </a:stretch>
+              </a:blipFill>
+            </p:spPr>
+            <p:txBody>
+              <a:bodyPr/>
+              <a:lstStyle/>
+              <a:p>
+                <a:r>
+                  <a:rPr lang="zh-CN" altLang="en-US">
+                    <a:noFill/>
+                  </a:rPr>
+                  <a:t> </a:t>
+                </a:r>
+              </a:p>
+            </p:txBody>
+          </p:sp>
+        </mc:Fallback>
+      </mc:AlternateContent>
+      <mc:AlternateContent xmlns:mc="http://schemas.openxmlformats.org/markup-compatibility/2006" xmlns:a14="http://schemas.microsoft.com/office/drawing/2010/main">
+        <mc:Choice Requires="a14">
+          <p:sp>
+            <p:nvSpPr>
+              <p:cNvPr id="30" name="矩形 29"/>
+              <p:cNvSpPr/>
+              <p:nvPr/>
+            </p:nvSpPr>
+            <p:spPr>
+              <a:xfrm>
+                <a:off x="2970580" y="3048091"/>
+                <a:ext cx="607794" cy="461665"/>
+              </a:xfrm>
+              <a:prstGeom prst="rect">
+                <a:avLst/>
+              </a:prstGeom>
+            </p:spPr>
+            <p:txBody>
+              <a:bodyPr wrap="none">
+                <a:spAutoFit/>
+              </a:bodyPr>
+              <a:lstStyle/>
+              <a:p>
+                <a:pPr/>
+                <a14:m>
+                  <m:oMathPara xmlns:m="http://schemas.openxmlformats.org/officeDocument/2006/math">
+                    <m:oMathParaPr>
+                      <m:jc m:val="centerGroup"/>
+                    </m:oMathParaPr>
+                    <m:oMath xmlns:m="http://schemas.openxmlformats.org/officeDocument/2006/math">
+                      <m:sSub>
+                        <m:sSubPr>
+                          <m:ctrlPr>
+                            <a:rPr kumimoji="1" lang="en-US" altLang="zh-CN" sz="2400" b="1" i="1" smtClean="0">
+                              <a:latin typeface="Cambria Math" charset="0"/>
+                            </a:rPr>
+                          </m:ctrlPr>
+                        </m:sSubPr>
+                        <m:e>
+                          <m:r>
+                            <a:rPr kumimoji="1" lang="en-US" altLang="zh-CN" sz="2400" b="1" i="1">
+                              <a:latin typeface="Cambria Math" charset="0"/>
+                            </a:rPr>
+                            <m:t>𝒑</m:t>
+                          </m:r>
+                        </m:e>
+                        <m:sub>
+                          <m:r>
+                            <a:rPr kumimoji="1" lang="en-US" altLang="zh-CN" sz="2400" b="1" i="1" smtClean="0">
+                              <a:latin typeface="Cambria Math" charset="0"/>
+                            </a:rPr>
+                            <m:t>𝟐</m:t>
+                          </m:r>
+                        </m:sub>
+                      </m:sSub>
+                    </m:oMath>
+                  </m:oMathPara>
+                </a14:m>
+                <a:endParaRPr lang="zh-CN" altLang="en-US" sz="2400" b="1" dirty="0"/>
+              </a:p>
+            </p:txBody>
+          </p:sp>
+        </mc:Choice>
+        <mc:Fallback xmlns="">
+          <p:sp>
+            <p:nvSpPr>
+              <p:cNvPr id="30" name="矩形 29"/>
+              <p:cNvSpPr>
+                <a:spLocks noRot="1" noChangeAspect="1" noMove="1" noResize="1" noEditPoints="1" noAdjustHandles="1" noChangeArrowheads="1" noChangeShapeType="1" noTextEdit="1"/>
+              </p:cNvSpPr>
+              <p:nvPr/>
+            </p:nvSpPr>
+            <p:spPr>
+              <a:xfrm>
+                <a:off x="2970580" y="3048091"/>
+                <a:ext cx="607794" cy="461665"/>
+              </a:xfrm>
+              <a:prstGeom prst="rect">
+                <a:avLst/>
+              </a:prstGeom>
+              <a:blipFill rotWithShape="0">
+                <a:blip r:embed="rId6"/>
+                <a:stretch>
+                  <a:fillRect b="-9211"/>
+                </a:stretch>
+              </a:blipFill>
+            </p:spPr>
+            <p:txBody>
+              <a:bodyPr/>
+              <a:lstStyle/>
+              <a:p>
+                <a:r>
+                  <a:rPr lang="zh-CN" altLang="en-US">
+                    <a:noFill/>
+                  </a:rPr>
+                  <a:t> </a:t>
+                </a:r>
+              </a:p>
+            </p:txBody>
+          </p:sp>
+        </mc:Fallback>
+      </mc:AlternateContent>
+      <mc:AlternateContent xmlns:mc="http://schemas.openxmlformats.org/markup-compatibility/2006" xmlns:a14="http://schemas.microsoft.com/office/drawing/2010/main">
+        <mc:Choice Requires="a14">
+          <p:sp>
+            <p:nvSpPr>
+              <p:cNvPr id="31" name="文本框 30"/>
+              <p:cNvSpPr txBox="1"/>
+              <p:nvPr/>
+            </p:nvSpPr>
+            <p:spPr>
+              <a:xfrm>
+                <a:off x="2078295" y="4542284"/>
+                <a:ext cx="1304936" cy="369332"/>
+              </a:xfrm>
+              <a:prstGeom prst="rect">
+                <a:avLst/>
+              </a:prstGeom>
+              <a:noFill/>
+            </p:spPr>
+            <p:txBody>
+              <a:bodyPr wrap="square" lIns="0" tIns="0" rIns="0" bIns="0" rtlCol="0">
+                <a:spAutoFit/>
+              </a:bodyPr>
+              <a:lstStyle/>
+              <a:p>
+                <a:pPr/>
+                <a14:m>
+                  <m:oMathPara xmlns:m="http://schemas.openxmlformats.org/officeDocument/2006/math">
+                    <m:oMathParaPr>
+                      <m:jc m:val="centerGroup"/>
+                    </m:oMathParaPr>
+                    <m:oMath xmlns:m="http://schemas.openxmlformats.org/officeDocument/2006/math">
+                      <m:sSup>
+                        <m:sSupPr>
+                          <m:ctrlPr>
+                            <a:rPr kumimoji="1" lang="en-US" altLang="zh-CN" sz="2400" b="1" i="1" smtClean="0">
+                              <a:latin typeface="Cambria Math" charset="0"/>
+                            </a:rPr>
+                          </m:ctrlPr>
+                        </m:sSupPr>
+                        <m:e>
+                          <m:r>
+                            <a:rPr kumimoji="1" lang="en-US" altLang="zh-CN" sz="2400" b="1" i="1" smtClean="0">
+                              <a:latin typeface="Cambria Math" charset="0"/>
+                            </a:rPr>
+                            <m:t>(</m:t>
+                          </m:r>
+                          <m:r>
+                            <a:rPr kumimoji="1" lang="en-US" altLang="zh-CN" sz="2400" b="1" i="1" smtClean="0">
+                              <a:latin typeface="Cambria Math" charset="0"/>
+                            </a:rPr>
+                            <m:t>𝒆</m:t>
+                          </m:r>
+                        </m:e>
+                        <m:sup>
+                          <m:r>
+                            <a:rPr kumimoji="1" lang="en-US" altLang="zh-CN" sz="2400" b="1" i="1" smtClean="0">
+                              <a:latin typeface="Cambria Math" charset="0"/>
+                            </a:rPr>
+                            <m:t>′</m:t>
+                          </m:r>
+                        </m:sup>
+                      </m:sSup>
+                      <m:r>
+                        <a:rPr kumimoji="1" lang="en-US" altLang="zh-CN" sz="2400" b="1" i="1" smtClean="0">
+                          <a:latin typeface="Cambria Math" charset="0"/>
+                        </a:rPr>
+                        <m:t>,</m:t>
+                      </m:r>
+                      <m:sSup>
+                        <m:sSupPr>
+                          <m:ctrlPr>
+                            <a:rPr kumimoji="1" lang="en-US" altLang="zh-CN" sz="2400" b="1" i="1" smtClean="0">
+                              <a:latin typeface="Cambria Math" charset="0"/>
+                            </a:rPr>
+                          </m:ctrlPr>
+                        </m:sSupPr>
+                        <m:e>
+                          <m:r>
+                            <a:rPr kumimoji="1" lang="en-US" altLang="zh-CN" sz="2400" b="1" i="1" smtClean="0">
+                              <a:latin typeface="Cambria Math" charset="0"/>
+                            </a:rPr>
+                            <m:t>𝒘</m:t>
+                          </m:r>
+                        </m:e>
+                        <m:sup>
+                          <m:r>
+                            <a:rPr kumimoji="1" lang="en-US" altLang="zh-CN" sz="2400" b="1" i="1" smtClean="0">
+                              <a:latin typeface="Cambria Math" charset="0"/>
+                            </a:rPr>
+                            <m:t>′</m:t>
+                          </m:r>
+                        </m:sup>
+                      </m:sSup>
+                      <m:r>
+                        <a:rPr kumimoji="1" lang="en-US" altLang="zh-CN" sz="2400" b="1" i="1" smtClean="0">
+                          <a:latin typeface="Cambria Math" charset="0"/>
+                        </a:rPr>
+                        <m:t>)</m:t>
+                      </m:r>
+                    </m:oMath>
+                  </m:oMathPara>
+                </a14:m>
+                <a:endParaRPr kumimoji="1" lang="zh-CN" altLang="en-US" sz="2400" b="1" dirty="0"/>
+              </a:p>
+            </p:txBody>
+          </p:sp>
+        </mc:Choice>
+        <mc:Fallback xmlns="">
+          <p:sp>
+            <p:nvSpPr>
+              <p:cNvPr id="31" name="文本框 30"/>
+              <p:cNvSpPr txBox="1">
+                <a:spLocks noRot="1" noChangeAspect="1" noMove="1" noResize="1" noEditPoints="1" noAdjustHandles="1" noChangeArrowheads="1" noChangeShapeType="1" noTextEdit="1"/>
+              </p:cNvSpPr>
+              <p:nvPr/>
+            </p:nvSpPr>
+            <p:spPr>
+              <a:xfrm>
+                <a:off x="2078295" y="4542284"/>
+                <a:ext cx="1304936" cy="369332"/>
+              </a:xfrm>
+              <a:prstGeom prst="rect">
+                <a:avLst/>
+              </a:prstGeom>
+              <a:blipFill rotWithShape="0">
+                <a:blip r:embed="rId7"/>
+                <a:stretch>
+                  <a:fillRect b="-34426"/>
+                </a:stretch>
+              </a:blipFill>
+            </p:spPr>
+            <p:txBody>
+              <a:bodyPr/>
+              <a:lstStyle/>
+              <a:p>
+                <a:r>
+                  <a:rPr lang="zh-CN" altLang="en-US">
+                    <a:noFill/>
+                  </a:rPr>
+                  <a:t> </a:t>
+                </a:r>
+              </a:p>
+            </p:txBody>
+          </p:sp>
+        </mc:Fallback>
+      </mc:AlternateContent>
+      <mc:AlternateContent xmlns:mc="http://schemas.openxmlformats.org/markup-compatibility/2006" xmlns:a14="http://schemas.microsoft.com/office/drawing/2010/main">
+        <mc:Choice Requires="a14">
+          <p:sp>
+            <p:nvSpPr>
+              <p:cNvPr id="14" name="文本框 13"/>
+              <p:cNvSpPr txBox="1"/>
+              <p:nvPr/>
+            </p:nvSpPr>
+            <p:spPr>
+              <a:xfrm>
+                <a:off x="5572124" y="3626313"/>
+                <a:ext cx="5781675" cy="1244828"/>
+              </a:xfrm>
+              <a:prstGeom prst="rect">
+                <a:avLst/>
+              </a:prstGeom>
+              <a:noFill/>
+            </p:spPr>
+            <p:txBody>
+              <a:bodyPr wrap="square" lIns="0" tIns="0" rIns="0" bIns="0" rtlCol="0">
+                <a:spAutoFit/>
+              </a:bodyPr>
+              <a:lstStyle/>
+              <a:p>
+                <a:pPr/>
+                <a14:m>
+                  <m:oMathPara xmlns:m="http://schemas.openxmlformats.org/officeDocument/2006/math">
+                    <m:oMathParaPr>
+                      <m:jc m:val="centerGroup"/>
+                    </m:oMathParaPr>
+                    <m:oMath xmlns:m="http://schemas.openxmlformats.org/officeDocument/2006/math">
+                      <m:r>
+                        <a:rPr kumimoji="1" lang="en-US" altLang="zh-CN" sz="3600" b="0" i="1" smtClean="0">
+                          <a:latin typeface="Cambria Math" charset="0"/>
+                        </a:rPr>
+                        <m:t>𝑃</m:t>
+                      </m:r>
+                      <m:d>
+                        <m:dPr>
+                          <m:ctrlPr>
+                            <a:rPr kumimoji="1" lang="en-US" altLang="zh-CN" sz="3600" i="1" smtClean="0">
+                              <a:latin typeface="Cambria Math" charset="0"/>
+                            </a:rPr>
+                          </m:ctrlPr>
+                        </m:dPr>
+                        <m:e>
+                          <m:sSup>
+                            <m:sSupPr>
+                              <m:ctrlPr>
+                                <a:rPr kumimoji="1" lang="en-US" altLang="zh-CN" sz="3200" i="1">
+                                  <a:latin typeface="Cambria Math" charset="0"/>
+                                </a:rPr>
+                              </m:ctrlPr>
+                            </m:sSupPr>
+                            <m:e>
+                              <m:r>
+                                <a:rPr kumimoji="1" lang="en-US" altLang="zh-CN" sz="3200" b="0" i="1">
+                                  <a:latin typeface="Cambria Math" charset="0"/>
+                                </a:rPr>
+                                <m:t>(</m:t>
+                              </m:r>
+                              <m:r>
+                                <a:rPr kumimoji="1" lang="en-US" altLang="zh-CN" sz="3200" b="0" i="1">
+                                  <a:latin typeface="Cambria Math" charset="0"/>
+                                </a:rPr>
+                                <m:t>𝑒</m:t>
+                              </m:r>
+                            </m:e>
+                            <m:sup>
+                              <m:r>
+                                <a:rPr kumimoji="1" lang="en-US" altLang="zh-CN" sz="3200" b="0" i="1">
+                                  <a:latin typeface="Cambria Math" charset="0"/>
+                                </a:rPr>
+                                <m:t>′</m:t>
+                              </m:r>
+                            </m:sup>
+                          </m:sSup>
+                          <m:r>
+                            <a:rPr kumimoji="1" lang="en-US" altLang="zh-CN" sz="3200" b="0" i="1">
+                              <a:latin typeface="Cambria Math" charset="0"/>
+                            </a:rPr>
+                            <m:t>,</m:t>
+                          </m:r>
+                          <m:sSup>
+                            <m:sSupPr>
+                              <m:ctrlPr>
+                                <a:rPr kumimoji="1" lang="en-US" altLang="zh-CN" sz="3200" i="1">
+                                  <a:latin typeface="Cambria Math" charset="0"/>
+                                </a:rPr>
+                              </m:ctrlPr>
+                            </m:sSupPr>
+                            <m:e>
+                              <m:r>
+                                <a:rPr kumimoji="1" lang="en-US" altLang="zh-CN" sz="3200" b="0" i="1">
+                                  <a:latin typeface="Cambria Math" charset="0"/>
+                                </a:rPr>
+                                <m:t>𝑤</m:t>
+                              </m:r>
+                            </m:e>
+                            <m:sup>
+                              <m:r>
+                                <a:rPr kumimoji="1" lang="en-US" altLang="zh-CN" sz="3200" b="0" i="1">
+                                  <a:latin typeface="Cambria Math" charset="0"/>
+                                </a:rPr>
+                                <m:t>′</m:t>
+                              </m:r>
+                            </m:sup>
+                          </m:sSup>
+                          <m:r>
+                            <a:rPr kumimoji="1" lang="en-US" altLang="zh-CN" sz="3200" b="0" i="1">
+                              <a:latin typeface="Cambria Math" charset="0"/>
+                            </a:rPr>
+                            <m:t>)</m:t>
+                          </m:r>
+                          <m:r>
+                            <m:rPr>
+                              <m:nor/>
+                            </m:rPr>
+                            <a:rPr kumimoji="1" lang="zh-CN" altLang="en-US" sz="3200" dirty="0"/>
+                            <m:t> </m:t>
+                          </m:r>
+                          <m:r>
+                            <a:rPr kumimoji="1" lang="en-US" altLang="zh-CN" sz="3200" b="0" i="1" dirty="0" smtClean="0">
+                              <a:latin typeface="Cambria Math" charset="0"/>
+                            </a:rPr>
+                            <m:t>=(</m:t>
+                          </m:r>
+                          <m:sSub>
+                            <m:sSubPr>
+                              <m:ctrlPr>
+                                <a:rPr kumimoji="1" lang="en-US" altLang="zh-CN" sz="3200" i="1" dirty="0" smtClean="0">
+                                  <a:latin typeface="Cambria Math" charset="0"/>
+                                </a:rPr>
+                              </m:ctrlPr>
+                            </m:sSubPr>
+                            <m:e>
+                              <m:r>
+                                <a:rPr kumimoji="1" lang="en-US" altLang="zh-CN" sz="3200" b="0" i="1" dirty="0" smtClean="0">
+                                  <a:latin typeface="Cambria Math" charset="0"/>
+                                </a:rPr>
+                                <m:t>𝑒</m:t>
+                              </m:r>
+                            </m:e>
+                            <m:sub>
+                              <m:r>
+                                <a:rPr kumimoji="1" lang="en-US" altLang="zh-CN" sz="3200" b="0" i="1" dirty="0" smtClean="0">
+                                  <a:latin typeface="Cambria Math" charset="0"/>
+                                </a:rPr>
+                                <m:t>2</m:t>
+                              </m:r>
+                            </m:sub>
+                          </m:sSub>
+                          <m:r>
+                            <a:rPr kumimoji="1" lang="en-US" altLang="zh-CN" sz="3200" b="0" i="1" dirty="0" smtClean="0">
+                              <a:latin typeface="Cambria Math" charset="0"/>
+                            </a:rPr>
+                            <m:t>,</m:t>
+                          </m:r>
+                          <m:f>
+                            <m:fPr>
+                              <m:ctrlPr>
+                                <a:rPr kumimoji="1" lang="bg-BG" altLang="zh-CN" sz="3200" i="1" dirty="0" smtClean="0">
+                                  <a:latin typeface="Cambria Math" charset="0"/>
+                                </a:rPr>
+                              </m:ctrlPr>
+                            </m:fPr>
+                            <m:num>
+                              <m:sSub>
+                                <m:sSubPr>
+                                  <m:ctrlPr>
+                                    <a:rPr kumimoji="1" lang="en-US" altLang="zh-CN" sz="3200" i="1" dirty="0" smtClean="0">
+                                      <a:latin typeface="Cambria Math" charset="0"/>
+                                    </a:rPr>
+                                  </m:ctrlPr>
+                                </m:sSubPr>
+                                <m:e>
+                                  <m:r>
+                                    <a:rPr kumimoji="1" lang="en-US" altLang="zh-CN" sz="3200" b="0" i="1" dirty="0" smtClean="0">
+                                      <a:latin typeface="Cambria Math" charset="0"/>
+                                    </a:rPr>
+                                    <m:t>𝑤</m:t>
+                                  </m:r>
+                                </m:e>
+                                <m:sub>
+                                  <m:r>
+                                    <a:rPr kumimoji="1" lang="en-US" altLang="zh-CN" sz="3200" b="0" i="1" dirty="0" smtClean="0">
+                                      <a:latin typeface="Cambria Math" charset="0"/>
+                                    </a:rPr>
+                                    <m:t>2</m:t>
+                                  </m:r>
+                                </m:sub>
+                              </m:sSub>
+                            </m:num>
+                            <m:den>
+                              <m:sSub>
+                                <m:sSubPr>
+                                  <m:ctrlPr>
+                                    <a:rPr kumimoji="1" lang="en-US" altLang="zh-CN" sz="3200" i="1" dirty="0" smtClean="0">
+                                      <a:latin typeface="Cambria Math" charset="0"/>
+                                    </a:rPr>
+                                  </m:ctrlPr>
+                                </m:sSubPr>
+                                <m:e>
+                                  <m:r>
+                                    <a:rPr kumimoji="1" lang="en-US" altLang="zh-CN" sz="3200" b="0" i="1" dirty="0" smtClean="0">
+                                      <a:latin typeface="Cambria Math" charset="0"/>
+                                    </a:rPr>
+                                    <m:t>𝑝</m:t>
+                                  </m:r>
+                                </m:e>
+                                <m:sub>
+                                  <m:r>
+                                    <a:rPr kumimoji="1" lang="en-US" altLang="zh-CN" sz="3200" b="0" i="1" dirty="0" smtClean="0">
+                                      <a:latin typeface="Cambria Math" charset="0"/>
+                                    </a:rPr>
+                                    <m:t>2</m:t>
+                                  </m:r>
+                                </m:sub>
+                              </m:sSub>
+                            </m:den>
+                          </m:f>
+                          <m:r>
+                            <a:rPr kumimoji="1" lang="en-US" altLang="zh-CN" sz="3200" b="0" i="1" dirty="0" smtClean="0">
+                              <a:latin typeface="Cambria Math" charset="0"/>
+                            </a:rPr>
+                            <m:t>)</m:t>
+                          </m:r>
+                          <m:r>
+                            <a:rPr kumimoji="1" lang="en-US" altLang="zh-CN" sz="3200" b="0" i="1" smtClean="0">
+                              <a:latin typeface="Cambria Math" charset="0"/>
+                            </a:rPr>
+                            <m:t> </m:t>
+                          </m:r>
+                        </m:e>
+                      </m:d>
+                      <m:r>
+                        <a:rPr kumimoji="1" lang="en-US" altLang="zh-CN" sz="3600" b="0" i="1" smtClean="0">
+                          <a:latin typeface="Cambria Math" charset="0"/>
+                        </a:rPr>
+                        <m:t>=</m:t>
+                      </m:r>
+                      <m:sSub>
+                        <m:sSubPr>
+                          <m:ctrlPr>
+                            <a:rPr kumimoji="1" lang="en-US" altLang="zh-CN" sz="3600" i="1" smtClean="0">
+                              <a:latin typeface="Cambria Math" charset="0"/>
+                            </a:rPr>
+                          </m:ctrlPr>
+                        </m:sSubPr>
+                        <m:e>
+                          <m:r>
+                            <a:rPr kumimoji="1" lang="en-US" altLang="zh-CN" sz="3600" b="0" i="1" smtClean="0">
+                              <a:latin typeface="Cambria Math" charset="0"/>
+                            </a:rPr>
+                            <m:t>𝑝</m:t>
+                          </m:r>
+                        </m:e>
+                        <m:sub>
+                          <m:r>
+                            <a:rPr kumimoji="1" lang="en-US" altLang="zh-CN" sz="3600" b="0" i="1" smtClean="0">
+                              <a:latin typeface="Cambria Math" charset="0"/>
+                            </a:rPr>
+                            <m:t>2</m:t>
+                          </m:r>
+                        </m:sub>
+                      </m:sSub>
+                    </m:oMath>
+                  </m:oMathPara>
+                </a14:m>
+                <a:endParaRPr kumimoji="1" lang="zh-CN" altLang="en-US" sz="2800" i="1" dirty="0"/>
+              </a:p>
+            </p:txBody>
+          </p:sp>
+        </mc:Choice>
+        <mc:Fallback xmlns="">
+          <p:sp>
+            <p:nvSpPr>
+              <p:cNvPr id="14" name="文本框 13"/>
+              <p:cNvSpPr txBox="1">
+                <a:spLocks noRot="1" noChangeAspect="1" noMove="1" noResize="1" noEditPoints="1" noAdjustHandles="1" noChangeArrowheads="1" noChangeShapeType="1" noTextEdit="1"/>
+              </p:cNvSpPr>
+              <p:nvPr/>
+            </p:nvSpPr>
+            <p:spPr>
+              <a:xfrm>
+                <a:off x="5572124" y="3626313"/>
+                <a:ext cx="5781675" cy="1244828"/>
+              </a:xfrm>
+              <a:prstGeom prst="rect">
+                <a:avLst/>
+              </a:prstGeom>
+              <a:blipFill rotWithShape="0">
+                <a:blip r:embed="rId8"/>
+                <a:stretch>
+                  <a:fillRect/>
+                </a:stretch>
+              </a:blipFill>
+            </p:spPr>
+            <p:txBody>
+              <a:bodyPr/>
+              <a:lstStyle/>
+              <a:p>
+                <a:r>
+                  <a:rPr lang="zh-CN" altLang="en-US">
+                    <a:noFill/>
+                  </a:rPr>
+                  <a:t> </a:t>
+                </a:r>
+              </a:p>
+            </p:txBody>
+          </p:sp>
+        </mc:Fallback>
+      </mc:AlternateContent>
+    </p:spTree>
+    <p:extLst>
+      <p:ext uri="{BB962C8B-B14F-4D97-AF65-F5344CB8AC3E}">
+        <p14:creationId xmlns:p14="http://schemas.microsoft.com/office/powerpoint/2010/main" val="1306387324"/>
+      </p:ext>
+    </p:extLst>
+  </p:cSld>
+  <p:clrMapOvr>
+    <a:masterClrMapping/>
+  </p:clrMapOvr>
+  <p:timing>
+    <p:tnLst>
+      <p:par>
+        <p:cTn id="1" dur="indefinite" restart="never" nodeType="tmRoot"/>
+      </p:par>
+    </p:tnLst>
+  </p:timing>
+</p:sld>
+</file>
+
+<file path=ppt/slides/slide17.xml><?xml version="1.0" encoding="utf-8"?>
+<p:sld xmlns:a="http://schemas.openxmlformats.org/drawingml/2006/main" xmlns:r="http://schemas.openxmlformats.org/officeDocument/2006/relationships" xmlns:p="http://schemas.openxmlformats.org/presentationml/2006/main">
+  <p:cSld>
+    <p:spTree>
+      <p:nvGrpSpPr>
+        <p:cNvPr id="1" name=""/>
+        <p:cNvGrpSpPr/>
+        <p:nvPr/>
+      </p:nvGrpSpPr>
+      <p:grpSpPr>
+        <a:xfrm>
+          <a:off x="0" y="0"/>
+          <a:ext cx="0" cy="0"/>
+          <a:chOff x="0" y="0"/>
+          <a:chExt cx="0" cy="0"/>
+        </a:xfrm>
+      </p:grpSpPr>
+      <p:sp>
+        <p:nvSpPr>
+          <p:cNvPr id="2" name="标题 1"/>
+          <p:cNvSpPr>
+            <a:spLocks noGrp="1"/>
+          </p:cNvSpPr>
+          <p:nvPr>
+            <p:ph type="title"/>
+          </p:nvPr>
+        </p:nvSpPr>
+        <p:spPr/>
+        <p:txBody>
+          <a:bodyPr/>
+          <a:lstStyle/>
+          <a:p>
+            <a:r>
+              <a:rPr kumimoji="1" lang="en-US" altLang="zh-CN" dirty="0">
+                <a:latin typeface="Times New Roman" charset="0"/>
+                <a:ea typeface="Times New Roman" charset="0"/>
+                <a:cs typeface="Times New Roman" charset="0"/>
+              </a:rPr>
+              <a:t>Minimize variance sum locally</a:t>
+            </a:r>
+          </a:p>
+        </p:txBody>
+      </p:sp>
+      <mc:AlternateContent xmlns:mc="http://schemas.openxmlformats.org/markup-compatibility/2006" xmlns:a14="http://schemas.microsoft.com/office/drawing/2010/main">
+        <mc:Choice Requires="a14">
+          <p:sp>
+            <p:nvSpPr>
               <p:cNvPr id="3" name="文本框 2"/>
               <p:cNvSpPr txBox="1"/>
               <p:nvPr/>
             </p:nvSpPr>
             <p:spPr>
               <a:xfrm>
-                <a:off x="6733022" y="1882943"/>
+                <a:off x="1275197" y="2422831"/>
                 <a:ext cx="3553979" cy="1043234"/>
               </a:xfrm>
               <a:prstGeom prst="rect">
@@ -7724,7 +9168,7 @@
             </p:nvSpPr>
             <p:spPr>
               <a:xfrm>
-                <a:off x="6733022" y="1882943"/>
+                <a:off x="1275197" y="2422831"/>
                 <a:ext cx="3553979" cy="1043234"/>
               </a:xfrm>
               <a:prstGeom prst="rect">
@@ -7756,305 +9200,13 @@
         <mc:Choice Requires="a14">
           <p:sp>
             <p:nvSpPr>
-              <p:cNvPr id="24" name="文本框 23"/>
-              <p:cNvSpPr txBox="1"/>
-              <p:nvPr/>
-            </p:nvSpPr>
-            <p:spPr>
-              <a:xfrm>
-                <a:off x="913634" y="1723086"/>
-                <a:ext cx="1304936" cy="369332"/>
-              </a:xfrm>
-              <a:prstGeom prst="rect">
-                <a:avLst/>
-              </a:prstGeom>
-              <a:noFill/>
-            </p:spPr>
-            <p:txBody>
-              <a:bodyPr wrap="square" lIns="0" tIns="0" rIns="0" bIns="0" rtlCol="0">
-                <a:spAutoFit/>
-              </a:bodyPr>
-              <a:lstStyle/>
-              <a:p>
-                <a:pPr/>
-                <a14:m>
-                  <m:oMathPara xmlns:m="http://schemas.openxmlformats.org/officeDocument/2006/math">
-                    <m:oMathParaPr>
-                      <m:jc m:val="centerGroup"/>
-                    </m:oMathParaPr>
-                    <m:oMath xmlns:m="http://schemas.openxmlformats.org/officeDocument/2006/math">
-                      <m:sSub>
-                        <m:sSubPr>
-                          <m:ctrlPr>
-                            <a:rPr kumimoji="1" lang="en-US" altLang="zh-CN" sz="2400" b="1" i="1" smtClean="0">
-                              <a:latin typeface="Cambria Math" charset="0"/>
-                            </a:rPr>
-                          </m:ctrlPr>
-                        </m:sSubPr>
-                        <m:e>
-                          <m:sSub>
-                            <m:sSubPr>
-                              <m:ctrlPr>
-                                <a:rPr kumimoji="1" lang="en-US" altLang="zh-CN" sz="2400" b="1" i="1" smtClean="0">
-                                  <a:latin typeface="Cambria Math" charset="0"/>
-                                </a:rPr>
-                              </m:ctrlPr>
-                            </m:sSubPr>
-                            <m:e>
-                              <m:r>
-                                <a:rPr kumimoji="1" lang="en-US" altLang="zh-CN" sz="2400" b="1" i="1" smtClean="0">
-                                  <a:latin typeface="Cambria Math" charset="0"/>
-                                </a:rPr>
-                                <m:t>(</m:t>
-                              </m:r>
-                              <m:r>
-                                <a:rPr kumimoji="1" lang="en-US" altLang="zh-CN" sz="2400" b="1" i="1" smtClean="0">
-                                  <a:latin typeface="Cambria Math" charset="0"/>
-                                </a:rPr>
-                                <m:t>𝒆</m:t>
-                              </m:r>
-                            </m:e>
-                            <m:sub>
-                              <m:r>
-                                <a:rPr kumimoji="1" lang="en-US" altLang="zh-CN" sz="2400" b="1" i="1" smtClean="0">
-                                  <a:latin typeface="Cambria Math" charset="0"/>
-                                </a:rPr>
-                                <m:t>𝟏</m:t>
-                              </m:r>
-                            </m:sub>
-                          </m:sSub>
-                          <m:r>
-                            <a:rPr kumimoji="1" lang="en-US" altLang="zh-CN" sz="2400" b="1" i="1" smtClean="0">
-                              <a:latin typeface="Cambria Math" charset="0"/>
-                            </a:rPr>
-                            <m:t>, </m:t>
-                          </m:r>
-                          <m:r>
-                            <a:rPr kumimoji="1" lang="en-US" altLang="zh-CN" sz="2400" b="1" i="1" smtClean="0">
-                              <a:latin typeface="Cambria Math" charset="0"/>
-                            </a:rPr>
-                            <m:t>𝒘</m:t>
-                          </m:r>
-                        </m:e>
-                        <m:sub>
-                          <m:r>
-                            <a:rPr kumimoji="1" lang="en-US" altLang="zh-CN" sz="2400" b="1" i="1" smtClean="0">
-                              <a:latin typeface="Cambria Math" charset="0"/>
-                            </a:rPr>
-                            <m:t>𝟏</m:t>
-                          </m:r>
-                        </m:sub>
-                      </m:sSub>
-                      <m:r>
-                        <a:rPr kumimoji="1" lang="en-US" altLang="zh-CN" sz="2400" b="1" i="1" smtClean="0">
-                          <a:latin typeface="Cambria Math" charset="0"/>
-                        </a:rPr>
-                        <m:t>)</m:t>
-                      </m:r>
-                    </m:oMath>
-                  </m:oMathPara>
-                </a14:m>
-                <a:endParaRPr kumimoji="1" lang="zh-CN" altLang="en-US" sz="2400" b="1" dirty="0"/>
-              </a:p>
-            </p:txBody>
-          </p:sp>
-        </mc:Choice>
-        <mc:Fallback xmlns="">
-          <p:sp>
-            <p:nvSpPr>
-              <p:cNvPr id="24" name="文本框 23"/>
-              <p:cNvSpPr txBox="1">
-                <a:spLocks noRot="1" noChangeAspect="1" noMove="1" noResize="1" noEditPoints="1" noAdjustHandles="1" noChangeArrowheads="1" noChangeShapeType="1" noTextEdit="1"/>
-              </p:cNvSpPr>
-              <p:nvPr/>
-            </p:nvSpPr>
-            <p:spPr>
-              <a:xfrm>
-                <a:off x="913634" y="1723086"/>
-                <a:ext cx="1304936" cy="369332"/>
-              </a:xfrm>
-              <a:prstGeom prst="rect">
-                <a:avLst/>
-              </a:prstGeom>
-              <a:blipFill rotWithShape="0">
-                <a:blip r:embed="rId3"/>
-                <a:stretch>
-                  <a:fillRect l="-1869" r="-1869" b="-35000"/>
-                </a:stretch>
-              </a:blipFill>
-            </p:spPr>
-            <p:txBody>
-              <a:bodyPr/>
-              <a:lstStyle/>
-              <a:p>
-                <a:r>
-                  <a:rPr lang="zh-CN" altLang="en-US">
-                    <a:noFill/>
-                  </a:rPr>
-                  <a:t> </a:t>
-                </a:r>
-              </a:p>
-            </p:txBody>
-          </p:sp>
-        </mc:Fallback>
-      </mc:AlternateContent>
-      <mc:AlternateContent xmlns:mc="http://schemas.openxmlformats.org/markup-compatibility/2006" xmlns:a14="http://schemas.microsoft.com/office/drawing/2010/main">
-        <mc:Choice Requires="a14">
-          <p:sp>
-            <p:nvSpPr>
-              <p:cNvPr id="25" name="文本框 24"/>
-              <p:cNvSpPr txBox="1"/>
-              <p:nvPr/>
-            </p:nvSpPr>
-            <p:spPr>
-              <a:xfrm>
-                <a:off x="2923518" y="1729562"/>
-                <a:ext cx="1304936" cy="369332"/>
-              </a:xfrm>
-              <a:prstGeom prst="rect">
-                <a:avLst/>
-              </a:prstGeom>
-              <a:noFill/>
-            </p:spPr>
-            <p:txBody>
-              <a:bodyPr wrap="square" lIns="0" tIns="0" rIns="0" bIns="0" rtlCol="0">
-                <a:spAutoFit/>
-              </a:bodyPr>
-              <a:lstStyle/>
-              <a:p>
-                <a:pPr/>
-                <a14:m>
-                  <m:oMathPara xmlns:m="http://schemas.openxmlformats.org/officeDocument/2006/math">
-                    <m:oMathParaPr>
-                      <m:jc m:val="centerGroup"/>
-                    </m:oMathParaPr>
-                    <m:oMath xmlns:m="http://schemas.openxmlformats.org/officeDocument/2006/math">
-                      <m:sSub>
-                        <m:sSubPr>
-                          <m:ctrlPr>
-                            <a:rPr kumimoji="1" lang="en-US" altLang="zh-CN" sz="2400" b="1" i="1" smtClean="0">
-                              <a:latin typeface="Cambria Math" charset="0"/>
-                            </a:rPr>
-                          </m:ctrlPr>
-                        </m:sSubPr>
-                        <m:e>
-                          <m:sSub>
-                            <m:sSubPr>
-                              <m:ctrlPr>
-                                <a:rPr kumimoji="1" lang="en-US" altLang="zh-CN" sz="2400" b="1" i="1" smtClean="0">
-                                  <a:latin typeface="Cambria Math" charset="0"/>
-                                </a:rPr>
-                              </m:ctrlPr>
-                            </m:sSubPr>
-                            <m:e>
-                              <m:r>
-                                <a:rPr kumimoji="1" lang="en-US" altLang="zh-CN" sz="2400" b="1" i="1" smtClean="0">
-                                  <a:latin typeface="Cambria Math" charset="0"/>
-                                </a:rPr>
-                                <m:t>(</m:t>
-                              </m:r>
-                              <m:r>
-                                <a:rPr kumimoji="1" lang="en-US" altLang="zh-CN" sz="2400" b="1" i="1" smtClean="0">
-                                  <a:latin typeface="Cambria Math" charset="0"/>
-                                </a:rPr>
-                                <m:t>𝒆</m:t>
-                              </m:r>
-                            </m:e>
-                            <m:sub>
-                              <m:r>
-                                <a:rPr kumimoji="1" lang="en-US" altLang="zh-CN" sz="2400" b="1" i="1" smtClean="0">
-                                  <a:latin typeface="Cambria Math" charset="0"/>
-                                </a:rPr>
-                                <m:t>𝟐</m:t>
-                              </m:r>
-                            </m:sub>
-                          </m:sSub>
-                          <m:r>
-                            <a:rPr kumimoji="1" lang="en-US" altLang="zh-CN" sz="2400" b="1" i="1" smtClean="0">
-                              <a:latin typeface="Cambria Math" charset="0"/>
-                            </a:rPr>
-                            <m:t>, </m:t>
-                          </m:r>
-                          <m:r>
-                            <a:rPr kumimoji="1" lang="en-US" altLang="zh-CN" sz="2400" b="1" i="1" smtClean="0">
-                              <a:latin typeface="Cambria Math" charset="0"/>
-                            </a:rPr>
-                            <m:t>𝒘</m:t>
-                          </m:r>
-                        </m:e>
-                        <m:sub>
-                          <m:r>
-                            <a:rPr kumimoji="1" lang="en-US" altLang="zh-CN" sz="2400" b="1" i="1" smtClean="0">
-                              <a:latin typeface="Cambria Math" charset="0"/>
-                            </a:rPr>
-                            <m:t>𝟐</m:t>
-                          </m:r>
-                        </m:sub>
-                      </m:sSub>
-                      <m:r>
-                        <a:rPr kumimoji="1" lang="en-US" altLang="zh-CN" sz="2400" b="1" i="1" smtClean="0">
-                          <a:latin typeface="Cambria Math" charset="0"/>
-                        </a:rPr>
-                        <m:t>)</m:t>
-                      </m:r>
-                    </m:oMath>
-                  </m:oMathPara>
-                </a14:m>
-                <a:endParaRPr kumimoji="1" lang="zh-CN" altLang="en-US" sz="2400" b="1" dirty="0"/>
-              </a:p>
-            </p:txBody>
-          </p:sp>
-        </mc:Choice>
-        <mc:Fallback xmlns="">
-          <p:sp>
-            <p:nvSpPr>
-              <p:cNvPr id="25" name="文本框 24"/>
-              <p:cNvSpPr txBox="1">
-                <a:spLocks noRot="1" noChangeAspect="1" noMove="1" noResize="1" noEditPoints="1" noAdjustHandles="1" noChangeArrowheads="1" noChangeShapeType="1" noTextEdit="1"/>
-              </p:cNvSpPr>
-              <p:nvPr/>
-            </p:nvSpPr>
-            <p:spPr>
-              <a:xfrm>
-                <a:off x="2923518" y="1729562"/>
-                <a:ext cx="1304936" cy="369332"/>
-              </a:xfrm>
-              <a:prstGeom prst="rect">
-                <a:avLst/>
-              </a:prstGeom>
-              <a:blipFill rotWithShape="0">
-                <a:blip r:embed="rId4"/>
-                <a:stretch>
-                  <a:fillRect l="-1869" r="-1869" b="-35000"/>
-                </a:stretch>
-              </a:blipFill>
-            </p:spPr>
-            <p:txBody>
-              <a:bodyPr/>
-              <a:lstStyle/>
-              <a:p>
-                <a:r>
-                  <a:rPr lang="zh-CN" altLang="en-US">
-                    <a:noFill/>
-                  </a:rPr>
-                  <a:t> </a:t>
-                </a:r>
-              </a:p>
-            </p:txBody>
-          </p:sp>
-        </mc:Fallback>
-      </mc:AlternateContent>
-      <mc:AlternateContent xmlns:mc="http://schemas.openxmlformats.org/markup-compatibility/2006" xmlns:a14="http://schemas.microsoft.com/office/drawing/2010/main">
-        <mc:Choice Requires="a14">
-          <p:sp>
-            <p:nvSpPr>
               <p:cNvPr id="26" name="文本框 25"/>
               <p:cNvSpPr txBox="1"/>
               <p:nvPr/>
             </p:nvSpPr>
             <p:spPr>
               <a:xfrm>
-                <a:off x="7038825" y="3186223"/>
+                <a:off x="1581000" y="3726111"/>
                 <a:ext cx="3013446" cy="1053045"/>
               </a:xfrm>
               <a:prstGeom prst="rect">
@@ -8150,897 +9302,8 @@
             </p:nvSpPr>
             <p:spPr>
               <a:xfrm>
-                <a:off x="7038825" y="3186223"/>
+                <a:off x="1581000" y="3726111"/>
                 <a:ext cx="3013446" cy="1053045"/>
-              </a:xfrm>
-              <a:prstGeom prst="rect">
-                <a:avLst/>
-              </a:prstGeom>
-              <a:blipFill rotWithShape="0">
-                <a:blip r:embed="rId5"/>
-                <a:stretch>
-                  <a:fillRect/>
-                </a:stretch>
-              </a:blipFill>
-            </p:spPr>
-            <p:txBody>
-              <a:bodyPr/>
-              <a:lstStyle/>
-              <a:p>
-                <a:r>
-                  <a:rPr lang="zh-CN" altLang="en-US">
-                    <a:noFill/>
-                  </a:rPr>
-                  <a:t> </a:t>
-                </a:r>
-              </a:p>
-            </p:txBody>
-          </p:sp>
-        </mc:Fallback>
-      </mc:AlternateContent>
-      <p:cxnSp>
-        <p:nvCxnSpPr>
-          <p:cNvPr id="15" name="直线箭头连接符 14">
-            <a:extLst>
-              <a:ext uri="{FF2B5EF4-FFF2-40B4-BE49-F238E27FC236}">
-                <a16:creationId xmlns="" xmlns:a16="http://schemas.microsoft.com/office/drawing/2014/main" id="{E1DDCB3A-93A3-F947-8936-2FD7D8DCC488}"/>
-              </a:ext>
-            </a:extLst>
-          </p:cNvPr>
-          <p:cNvCxnSpPr/>
-          <p:nvPr/>
-        </p:nvCxnSpPr>
-        <p:spPr>
-          <a:xfrm>
-            <a:off x="2577592" y="2976897"/>
-            <a:ext cx="0" cy="879894"/>
-          </a:xfrm>
-          <a:prstGeom prst="straightConnector1">
-            <a:avLst/>
-          </a:prstGeom>
-          <a:ln w="38100">
-            <a:solidFill>
-              <a:schemeClr val="tx1"/>
-            </a:solidFill>
-            <a:tailEnd type="triangle"/>
-          </a:ln>
-        </p:spPr>
-        <p:style>
-          <a:lnRef idx="1">
-            <a:schemeClr val="accent1"/>
-          </a:lnRef>
-          <a:fillRef idx="0">
-            <a:schemeClr val="accent1"/>
-          </a:fillRef>
-          <a:effectRef idx="0">
-            <a:schemeClr val="accent1"/>
-          </a:effectRef>
-          <a:fontRef idx="minor">
-            <a:schemeClr val="tx1"/>
-          </a:fontRef>
-        </p:style>
-      </p:cxnSp>
-      <p:cxnSp>
-        <p:nvCxnSpPr>
-          <p:cNvPr id="13" name="直线连接符 12"/>
-          <p:cNvCxnSpPr/>
-          <p:nvPr/>
-        </p:nvCxnSpPr>
-        <p:spPr>
-          <a:xfrm flipH="1" flipV="1">
-            <a:off x="1551814" y="2135282"/>
-            <a:ext cx="1011490" cy="841615"/>
-          </a:xfrm>
-          <a:prstGeom prst="line">
-            <a:avLst/>
-          </a:prstGeom>
-          <a:ln w="38100">
-            <a:solidFill>
-              <a:schemeClr val="tx1"/>
-            </a:solidFill>
-          </a:ln>
-        </p:spPr>
-        <p:style>
-          <a:lnRef idx="1">
-            <a:schemeClr val="accent1"/>
-          </a:lnRef>
-          <a:fillRef idx="0">
-            <a:schemeClr val="accent1"/>
-          </a:fillRef>
-          <a:effectRef idx="0">
-            <a:schemeClr val="accent1"/>
-          </a:effectRef>
-          <a:fontRef idx="minor">
-            <a:schemeClr val="tx1"/>
-          </a:fontRef>
-        </p:style>
-      </p:cxnSp>
-      <p:cxnSp>
-        <p:nvCxnSpPr>
-          <p:cNvPr id="20" name="直线连接符 19"/>
-          <p:cNvCxnSpPr/>
-          <p:nvPr/>
-        </p:nvCxnSpPr>
-        <p:spPr>
-          <a:xfrm flipV="1">
-            <a:off x="2563304" y="2141758"/>
-            <a:ext cx="998394" cy="841617"/>
-          </a:xfrm>
-          <a:prstGeom prst="line">
-            <a:avLst/>
-          </a:prstGeom>
-          <a:ln w="38100">
-            <a:solidFill>
-              <a:schemeClr val="tx1"/>
-            </a:solidFill>
-          </a:ln>
-        </p:spPr>
-        <p:style>
-          <a:lnRef idx="1">
-            <a:schemeClr val="accent1"/>
-          </a:lnRef>
-          <a:fillRef idx="0">
-            <a:schemeClr val="accent1"/>
-          </a:fillRef>
-          <a:effectRef idx="0">
-            <a:schemeClr val="accent1"/>
-          </a:effectRef>
-          <a:fontRef idx="minor">
-            <a:schemeClr val="tx1"/>
-          </a:fontRef>
-        </p:style>
-      </p:cxnSp>
-      <mc:AlternateContent xmlns:mc="http://schemas.openxmlformats.org/markup-compatibility/2006" xmlns:a14="http://schemas.microsoft.com/office/drawing/2010/main">
-        <mc:Choice Requires="a14">
-          <p:sp>
-            <p:nvSpPr>
-              <p:cNvPr id="19" name="矩形 18"/>
-              <p:cNvSpPr/>
-              <p:nvPr/>
-            </p:nvSpPr>
-            <p:spPr>
-              <a:xfrm>
-                <a:off x="1537525" y="2379846"/>
-                <a:ext cx="607794" cy="461665"/>
-              </a:xfrm>
-              <a:prstGeom prst="rect">
-                <a:avLst/>
-              </a:prstGeom>
-            </p:spPr>
-            <p:txBody>
-              <a:bodyPr wrap="none">
-                <a:spAutoFit/>
-              </a:bodyPr>
-              <a:lstStyle/>
-              <a:p>
-                <a:pPr/>
-                <a14:m>
-                  <m:oMathPara xmlns:m="http://schemas.openxmlformats.org/officeDocument/2006/math">
-                    <m:oMathParaPr>
-                      <m:jc m:val="centerGroup"/>
-                    </m:oMathParaPr>
-                    <m:oMath xmlns:m="http://schemas.openxmlformats.org/officeDocument/2006/math">
-                      <m:sSub>
-                        <m:sSubPr>
-                          <m:ctrlPr>
-                            <a:rPr kumimoji="1" lang="en-US" altLang="zh-CN" sz="2400" b="1" i="1" smtClean="0">
-                              <a:latin typeface="Cambria Math" charset="0"/>
-                            </a:rPr>
-                          </m:ctrlPr>
-                        </m:sSubPr>
-                        <m:e>
-                          <m:r>
-                            <a:rPr kumimoji="1" lang="en-US" altLang="zh-CN" sz="2400" b="1" i="1">
-                              <a:latin typeface="Cambria Math" charset="0"/>
-                            </a:rPr>
-                            <m:t>𝒑</m:t>
-                          </m:r>
-                        </m:e>
-                        <m:sub>
-                          <m:r>
-                            <a:rPr kumimoji="1" lang="en-US" altLang="zh-CN" sz="2400" b="1" i="1" smtClean="0">
-                              <a:latin typeface="Cambria Math" charset="0"/>
-                            </a:rPr>
-                            <m:t>𝟏</m:t>
-                          </m:r>
-                        </m:sub>
-                      </m:sSub>
-                    </m:oMath>
-                  </m:oMathPara>
-                </a14:m>
-                <a:endParaRPr lang="zh-CN" altLang="en-US" sz="2400" b="1" dirty="0"/>
-              </a:p>
-            </p:txBody>
-          </p:sp>
-        </mc:Choice>
-        <mc:Fallback xmlns="">
-          <p:sp>
-            <p:nvSpPr>
-              <p:cNvPr id="19" name="矩形 18"/>
-              <p:cNvSpPr>
-                <a:spLocks noRot="1" noChangeAspect="1" noMove="1" noResize="1" noEditPoints="1" noAdjustHandles="1" noChangeArrowheads="1" noChangeShapeType="1" noTextEdit="1"/>
-              </p:cNvSpPr>
-              <p:nvPr/>
-            </p:nvSpPr>
-            <p:spPr>
-              <a:xfrm>
-                <a:off x="1537525" y="2379846"/>
-                <a:ext cx="607794" cy="461665"/>
-              </a:xfrm>
-              <a:prstGeom prst="rect">
-                <a:avLst/>
-              </a:prstGeom>
-              <a:blipFill rotWithShape="0">
-                <a:blip r:embed="rId6"/>
-                <a:stretch>
-                  <a:fillRect b="-9211"/>
-                </a:stretch>
-              </a:blipFill>
-            </p:spPr>
-            <p:txBody>
-              <a:bodyPr/>
-              <a:lstStyle/>
-              <a:p>
-                <a:r>
-                  <a:rPr lang="zh-CN" altLang="en-US">
-                    <a:noFill/>
-                  </a:rPr>
-                  <a:t> </a:t>
-                </a:r>
-              </a:p>
-            </p:txBody>
-          </p:sp>
-        </mc:Fallback>
-      </mc:AlternateContent>
-      <mc:AlternateContent xmlns:mc="http://schemas.openxmlformats.org/markup-compatibility/2006" xmlns:a14="http://schemas.microsoft.com/office/drawing/2010/main">
-        <mc:Choice Requires="a14">
-          <p:sp>
-            <p:nvSpPr>
-              <p:cNvPr id="30" name="矩形 29"/>
-              <p:cNvSpPr/>
-              <p:nvPr/>
-            </p:nvSpPr>
-            <p:spPr>
-              <a:xfrm>
-                <a:off x="3046014" y="2405153"/>
-                <a:ext cx="607794" cy="461665"/>
-              </a:xfrm>
-              <a:prstGeom prst="rect">
-                <a:avLst/>
-              </a:prstGeom>
-            </p:spPr>
-            <p:txBody>
-              <a:bodyPr wrap="none">
-                <a:spAutoFit/>
-              </a:bodyPr>
-              <a:lstStyle/>
-              <a:p>
-                <a:pPr/>
-                <a14:m>
-                  <m:oMathPara xmlns:m="http://schemas.openxmlformats.org/officeDocument/2006/math">
-                    <m:oMathParaPr>
-                      <m:jc m:val="centerGroup"/>
-                    </m:oMathParaPr>
-                    <m:oMath xmlns:m="http://schemas.openxmlformats.org/officeDocument/2006/math">
-                      <m:sSub>
-                        <m:sSubPr>
-                          <m:ctrlPr>
-                            <a:rPr kumimoji="1" lang="en-US" altLang="zh-CN" sz="2400" b="1" i="1" smtClean="0">
-                              <a:latin typeface="Cambria Math" charset="0"/>
-                            </a:rPr>
-                          </m:ctrlPr>
-                        </m:sSubPr>
-                        <m:e>
-                          <m:r>
-                            <a:rPr kumimoji="1" lang="en-US" altLang="zh-CN" sz="2400" b="1" i="1">
-                              <a:latin typeface="Cambria Math" charset="0"/>
-                            </a:rPr>
-                            <m:t>𝒑</m:t>
-                          </m:r>
-                        </m:e>
-                        <m:sub>
-                          <m:r>
-                            <a:rPr kumimoji="1" lang="en-US" altLang="zh-CN" sz="2400" b="1" i="1" smtClean="0">
-                              <a:latin typeface="Cambria Math" charset="0"/>
-                            </a:rPr>
-                            <m:t>𝟐</m:t>
-                          </m:r>
-                        </m:sub>
-                      </m:sSub>
-                    </m:oMath>
-                  </m:oMathPara>
-                </a14:m>
-                <a:endParaRPr lang="zh-CN" altLang="en-US" sz="2400" b="1" dirty="0"/>
-              </a:p>
-            </p:txBody>
-          </p:sp>
-        </mc:Choice>
-        <mc:Fallback xmlns="">
-          <p:sp>
-            <p:nvSpPr>
-              <p:cNvPr id="30" name="矩形 29"/>
-              <p:cNvSpPr>
-                <a:spLocks noRot="1" noChangeAspect="1" noMove="1" noResize="1" noEditPoints="1" noAdjustHandles="1" noChangeArrowheads="1" noChangeShapeType="1" noTextEdit="1"/>
-              </p:cNvSpPr>
-              <p:nvPr/>
-            </p:nvSpPr>
-            <p:spPr>
-              <a:xfrm>
-                <a:off x="3046014" y="2405153"/>
-                <a:ext cx="607794" cy="461665"/>
-              </a:xfrm>
-              <a:prstGeom prst="rect">
-                <a:avLst/>
-              </a:prstGeom>
-              <a:blipFill rotWithShape="0">
-                <a:blip r:embed="rId7"/>
-                <a:stretch>
-                  <a:fillRect b="-9333"/>
-                </a:stretch>
-              </a:blipFill>
-            </p:spPr>
-            <p:txBody>
-              <a:bodyPr/>
-              <a:lstStyle/>
-              <a:p>
-                <a:r>
-                  <a:rPr lang="zh-CN" altLang="en-US">
-                    <a:noFill/>
-                  </a:rPr>
-                  <a:t> </a:t>
-                </a:r>
-              </a:p>
-            </p:txBody>
-          </p:sp>
-        </mc:Fallback>
-      </mc:AlternateContent>
-      <mc:AlternateContent xmlns:mc="http://schemas.openxmlformats.org/markup-compatibility/2006" xmlns:a14="http://schemas.microsoft.com/office/drawing/2010/main">
-        <mc:Choice Requires="a14">
-          <p:sp>
-            <p:nvSpPr>
-              <p:cNvPr id="31" name="文本框 30"/>
-              <p:cNvSpPr txBox="1"/>
-              <p:nvPr/>
-            </p:nvSpPr>
-            <p:spPr>
-              <a:xfrm>
-                <a:off x="2153729" y="3899346"/>
-                <a:ext cx="1304936" cy="369332"/>
-              </a:xfrm>
-              <a:prstGeom prst="rect">
-                <a:avLst/>
-              </a:prstGeom>
-              <a:noFill/>
-            </p:spPr>
-            <p:txBody>
-              <a:bodyPr wrap="square" lIns="0" tIns="0" rIns="0" bIns="0" rtlCol="0">
-                <a:spAutoFit/>
-              </a:bodyPr>
-              <a:lstStyle/>
-              <a:p>
-                <a:pPr/>
-                <a14:m>
-                  <m:oMathPara xmlns:m="http://schemas.openxmlformats.org/officeDocument/2006/math">
-                    <m:oMathParaPr>
-                      <m:jc m:val="centerGroup"/>
-                    </m:oMathParaPr>
-                    <m:oMath xmlns:m="http://schemas.openxmlformats.org/officeDocument/2006/math">
-                      <m:sSup>
-                        <m:sSupPr>
-                          <m:ctrlPr>
-                            <a:rPr kumimoji="1" lang="en-US" altLang="zh-CN" sz="2400" b="1" i="1" smtClean="0">
-                              <a:latin typeface="Cambria Math" charset="0"/>
-                            </a:rPr>
-                          </m:ctrlPr>
-                        </m:sSupPr>
-                        <m:e>
-                          <m:r>
-                            <a:rPr kumimoji="1" lang="en-US" altLang="zh-CN" sz="2400" b="1" i="1" smtClean="0">
-                              <a:latin typeface="Cambria Math" charset="0"/>
-                            </a:rPr>
-                            <m:t>(</m:t>
-                          </m:r>
-                          <m:r>
-                            <a:rPr kumimoji="1" lang="en-US" altLang="zh-CN" sz="2400" b="1" i="1" smtClean="0">
-                              <a:latin typeface="Cambria Math" charset="0"/>
-                            </a:rPr>
-                            <m:t>𝒆</m:t>
-                          </m:r>
-                        </m:e>
-                        <m:sup>
-                          <m:r>
-                            <a:rPr kumimoji="1" lang="en-US" altLang="zh-CN" sz="2400" b="1" i="1" smtClean="0">
-                              <a:latin typeface="Cambria Math" charset="0"/>
-                            </a:rPr>
-                            <m:t>′</m:t>
-                          </m:r>
-                        </m:sup>
-                      </m:sSup>
-                      <m:r>
-                        <a:rPr kumimoji="1" lang="en-US" altLang="zh-CN" sz="2400" b="1" i="1" smtClean="0">
-                          <a:latin typeface="Cambria Math" charset="0"/>
-                        </a:rPr>
-                        <m:t>,</m:t>
-                      </m:r>
-                      <m:sSup>
-                        <m:sSupPr>
-                          <m:ctrlPr>
-                            <a:rPr kumimoji="1" lang="en-US" altLang="zh-CN" sz="2400" b="1" i="1" smtClean="0">
-                              <a:latin typeface="Cambria Math" charset="0"/>
-                            </a:rPr>
-                          </m:ctrlPr>
-                        </m:sSupPr>
-                        <m:e>
-                          <m:r>
-                            <a:rPr kumimoji="1" lang="en-US" altLang="zh-CN" sz="2400" b="1" i="1" smtClean="0">
-                              <a:latin typeface="Cambria Math" charset="0"/>
-                            </a:rPr>
-                            <m:t>𝒘</m:t>
-                          </m:r>
-                        </m:e>
-                        <m:sup>
-                          <m:r>
-                            <a:rPr kumimoji="1" lang="en-US" altLang="zh-CN" sz="2400" b="1" i="1" smtClean="0">
-                              <a:latin typeface="Cambria Math" charset="0"/>
-                            </a:rPr>
-                            <m:t>′</m:t>
-                          </m:r>
-                        </m:sup>
-                      </m:sSup>
-                      <m:r>
-                        <a:rPr kumimoji="1" lang="en-US" altLang="zh-CN" sz="2400" b="1" i="1" smtClean="0">
-                          <a:latin typeface="Cambria Math" charset="0"/>
-                        </a:rPr>
-                        <m:t>)</m:t>
-                      </m:r>
-                    </m:oMath>
-                  </m:oMathPara>
-                </a14:m>
-                <a:endParaRPr kumimoji="1" lang="zh-CN" altLang="en-US" sz="2400" b="1" dirty="0"/>
-              </a:p>
-            </p:txBody>
-          </p:sp>
-        </mc:Choice>
-        <mc:Fallback xmlns="">
-          <p:sp>
-            <p:nvSpPr>
-              <p:cNvPr id="31" name="文本框 30"/>
-              <p:cNvSpPr txBox="1">
-                <a:spLocks noRot="1" noChangeAspect="1" noMove="1" noResize="1" noEditPoints="1" noAdjustHandles="1" noChangeArrowheads="1" noChangeShapeType="1" noTextEdit="1"/>
-              </p:cNvSpPr>
-              <p:nvPr/>
-            </p:nvSpPr>
-            <p:spPr>
-              <a:xfrm>
-                <a:off x="2153729" y="3899346"/>
-                <a:ext cx="1304936" cy="369332"/>
-              </a:xfrm>
-              <a:prstGeom prst="rect">
-                <a:avLst/>
-              </a:prstGeom>
-              <a:blipFill rotWithShape="0">
-                <a:blip r:embed="rId8"/>
-                <a:stretch>
-                  <a:fillRect b="-35000"/>
-                </a:stretch>
-              </a:blipFill>
-            </p:spPr>
-            <p:txBody>
-              <a:bodyPr/>
-              <a:lstStyle/>
-              <a:p>
-                <a:r>
-                  <a:rPr lang="zh-CN" altLang="en-US">
-                    <a:noFill/>
-                  </a:rPr>
-                  <a:t> </a:t>
-                </a:r>
-              </a:p>
-            </p:txBody>
-          </p:sp>
-        </mc:Fallback>
-      </mc:AlternateContent>
-    </p:spTree>
-    <p:extLst>
-      <p:ext uri="{BB962C8B-B14F-4D97-AF65-F5344CB8AC3E}">
-        <p14:creationId xmlns:p14="http://schemas.microsoft.com/office/powerpoint/2010/main" val="1306387324"/>
-      </p:ext>
-    </p:extLst>
-  </p:cSld>
-  <p:clrMapOvr>
-    <a:masterClrMapping/>
-  </p:clrMapOvr>
-  <p:timing>
-    <p:tnLst>
-      <p:par>
-        <p:cTn id="1" dur="indefinite" restart="never" nodeType="tmRoot"/>
-      </p:par>
-    </p:tnLst>
-  </p:timing>
-</p:sld>
-</file>
-
-<file path=ppt/slides/slide17.xml><?xml version="1.0" encoding="utf-8"?>
-<p:sld xmlns:a="http://schemas.openxmlformats.org/drawingml/2006/main" xmlns:r="http://schemas.openxmlformats.org/officeDocument/2006/relationships" xmlns:p="http://schemas.openxmlformats.org/presentationml/2006/main">
-  <p:cSld>
-    <p:spTree>
-      <p:nvGrpSpPr>
-        <p:cNvPr id="1" name=""/>
-        <p:cNvGrpSpPr/>
-        <p:nvPr/>
-      </p:nvGrpSpPr>
-      <p:grpSpPr>
-        <a:xfrm>
-          <a:off x="0" y="0"/>
-          <a:ext cx="0" cy="0"/>
-          <a:chOff x="0" y="0"/>
-          <a:chExt cx="0" cy="0"/>
-        </a:xfrm>
-      </p:grpSpPr>
-      <p:sp>
-        <p:nvSpPr>
-          <p:cNvPr id="2" name="标题 1"/>
-          <p:cNvSpPr>
-            <a:spLocks noGrp="1"/>
-          </p:cNvSpPr>
-          <p:nvPr>
-            <p:ph type="title"/>
-          </p:nvPr>
-        </p:nvSpPr>
-        <p:spPr/>
-        <p:txBody>
-          <a:bodyPr/>
-          <a:lstStyle/>
-          <a:p>
-            <a:r>
-              <a:rPr kumimoji="1" lang="en-US" altLang="zh-CN" dirty="0">
-                <a:latin typeface="Times New Roman" charset="0"/>
-                <a:ea typeface="Times New Roman" charset="0"/>
-                <a:cs typeface="Times New Roman" charset="0"/>
-              </a:rPr>
-              <a:t>Minimize variance sum locally</a:t>
-            </a:r>
-          </a:p>
-        </p:txBody>
-      </p:sp>
-      <mc:AlternateContent xmlns:mc="http://schemas.openxmlformats.org/markup-compatibility/2006" xmlns:a14="http://schemas.microsoft.com/office/drawing/2010/main">
-        <mc:Choice Requires="a14">
-          <p:sp>
-            <p:nvSpPr>
-              <p:cNvPr id="3" name="文本框 2"/>
-              <p:cNvSpPr txBox="1"/>
-              <p:nvPr/>
-            </p:nvSpPr>
-            <p:spPr>
-              <a:xfrm>
-                <a:off x="6733022" y="1882943"/>
-                <a:ext cx="3553979" cy="1043234"/>
-              </a:xfrm>
-              <a:prstGeom prst="rect">
-                <a:avLst/>
-              </a:prstGeom>
-              <a:noFill/>
-            </p:spPr>
-            <p:txBody>
-              <a:bodyPr wrap="square" lIns="0" tIns="0" rIns="0" bIns="0" rtlCol="0">
-                <a:spAutoFit/>
-              </a:bodyPr>
-              <a:lstStyle/>
-              <a:p>
-                <a:pPr/>
-                <a14:m>
-                  <m:oMathPara xmlns:m="http://schemas.openxmlformats.org/officeDocument/2006/math">
-                    <m:oMathParaPr>
-                      <m:jc m:val="centerGroup"/>
-                    </m:oMathParaPr>
-                    <m:oMath xmlns:m="http://schemas.openxmlformats.org/officeDocument/2006/math">
-                      <m:func>
-                        <m:funcPr>
-                          <m:ctrlPr>
-                            <a:rPr kumimoji="1" lang="mr-IN" altLang="zh-CN" sz="2800" i="1" smtClean="0">
-                              <a:latin typeface="Cambria Math" charset="0"/>
-                            </a:rPr>
-                          </m:ctrlPr>
-                        </m:funcPr>
-                        <m:fName>
-                          <m:limLow>
-                            <m:limLowPr>
-                              <m:ctrlPr>
-                                <a:rPr kumimoji="1" lang="mr-IN" altLang="zh-CN" sz="2800" i="1" smtClean="0">
-                                  <a:latin typeface="Cambria Math" charset="0"/>
-                                </a:rPr>
-                              </m:ctrlPr>
-                            </m:limLowPr>
-                            <m:e>
-                              <m:r>
-                                <m:rPr>
-                                  <m:sty m:val="p"/>
-                                </m:rPr>
-                                <a:rPr kumimoji="1" lang="mr-IN" altLang="zh-CN" sz="2800" i="0" smtClean="0">
-                                  <a:latin typeface="Cambria Math" charset="0"/>
-                                </a:rPr>
-                                <m:t>min</m:t>
-                              </m:r>
-                            </m:e>
-                            <m:lim>
-                              <m:sSub>
-                                <m:sSubPr>
-                                  <m:ctrlPr>
-                                    <a:rPr kumimoji="1" lang="en-US" altLang="zh-CN" sz="2800" b="0" i="1" smtClean="0">
-                                      <a:latin typeface="Cambria Math" charset="0"/>
-                                    </a:rPr>
-                                  </m:ctrlPr>
-                                </m:sSubPr>
-                                <m:e>
-                                  <m:r>
-                                    <a:rPr kumimoji="1" lang="en-US" altLang="zh-CN" sz="2800" b="0" i="1" smtClean="0">
-                                      <a:latin typeface="Cambria Math" charset="0"/>
-                                    </a:rPr>
-                                    <m:t>𝑝</m:t>
-                                  </m:r>
-                                </m:e>
-                                <m:sub>
-                                  <m:r>
-                                    <a:rPr kumimoji="1" lang="en-US" altLang="zh-CN" sz="2800" b="0" i="1" smtClean="0">
-                                      <a:latin typeface="Cambria Math" charset="0"/>
-                                    </a:rPr>
-                                    <m:t>𝑖</m:t>
-                                  </m:r>
-                                </m:sub>
-                              </m:sSub>
-                            </m:lim>
-                          </m:limLow>
-                        </m:fName>
-                        <m:e>
-                          <m:nary>
-                            <m:naryPr>
-                              <m:chr m:val="∑"/>
-                              <m:supHide m:val="on"/>
-                              <m:ctrlPr>
-                                <a:rPr kumimoji="1" lang="mr-IN" altLang="zh-CN" sz="2800" i="1" smtClean="0">
-                                  <a:latin typeface="Cambria Math" charset="0"/>
-                                </a:rPr>
-                              </m:ctrlPr>
-                            </m:naryPr>
-                            <m:sub>
-                              <m:r>
-                                <m:rPr>
-                                  <m:brk m:alnAt="7"/>
-                                </m:rPr>
-                                <a:rPr kumimoji="1" lang="en-US" altLang="zh-CN" sz="2800" b="0" i="1" smtClean="0">
-                                  <a:latin typeface="Cambria Math" charset="0"/>
-                                </a:rPr>
-                                <m:t>𝑖</m:t>
-                              </m:r>
-                            </m:sub>
-                            <m:sup/>
-                            <m:e>
-                              <m:r>
-                                <a:rPr kumimoji="1" lang="en-US" altLang="zh-CN" sz="2800" i="1">
-                                  <a:latin typeface="Cambria Math" charset="0"/>
-                                </a:rPr>
-                                <m:t>𝑉𝑎𝑟</m:t>
-                              </m:r>
-                              <m:r>
-                                <a:rPr kumimoji="1" lang="en-US" altLang="zh-CN" sz="2800" i="1">
-                                  <a:latin typeface="Cambria Math" charset="0"/>
-                                </a:rPr>
-                                <m:t>[</m:t>
-                              </m:r>
-                              <m:acc>
-                                <m:accPr>
-                                  <m:chr m:val="̂"/>
-                                  <m:ctrlPr>
-                                    <a:rPr kumimoji="1" lang="en-US" altLang="zh-CN" sz="2800" i="1">
-                                      <a:latin typeface="Cambria Math" charset="0"/>
-                                    </a:rPr>
-                                  </m:ctrlPr>
-                                </m:accPr>
-                                <m:e>
-                                  <m:sSub>
-                                    <m:sSubPr>
-                                      <m:ctrlPr>
-                                        <a:rPr kumimoji="1" lang="en-US" altLang="zh-CN" sz="2800" i="1">
-                                          <a:latin typeface="Cambria Math" charset="0"/>
-                                        </a:rPr>
-                                      </m:ctrlPr>
-                                    </m:sSubPr>
-                                    <m:e>
-                                      <m:r>
-                                        <a:rPr kumimoji="1" lang="en-US" altLang="zh-CN" sz="2800" i="1">
-                                          <a:latin typeface="Cambria Math" charset="0"/>
-                                        </a:rPr>
-                                        <m:t>𝑤</m:t>
-                                      </m:r>
-                                    </m:e>
-                                    <m:sub>
-                                      <m:r>
-                                        <a:rPr kumimoji="1" lang="en-US" altLang="zh-CN" sz="2800" i="1">
-                                          <a:latin typeface="Cambria Math" charset="0"/>
-                                        </a:rPr>
-                                        <m:t>𝑖</m:t>
-                                      </m:r>
-                                    </m:sub>
-                                  </m:sSub>
-                                </m:e>
-                              </m:acc>
-                              <m:r>
-                                <a:rPr kumimoji="1" lang="en-US" altLang="zh-CN" sz="2800" b="0" i="1" smtClean="0">
-                                  <a:latin typeface="Cambria Math" charset="0"/>
-                                </a:rPr>
-                                <m:t>]</m:t>
-                              </m:r>
-                            </m:e>
-                          </m:nary>
-                        </m:e>
-                      </m:func>
-                    </m:oMath>
-                  </m:oMathPara>
-                </a14:m>
-                <a:endParaRPr kumimoji="1" lang="zh-CN" altLang="en-US" sz="2800" i="1" dirty="0"/>
-              </a:p>
-            </p:txBody>
-          </p:sp>
-        </mc:Choice>
-        <mc:Fallback xmlns="">
-          <p:sp>
-            <p:nvSpPr>
-              <p:cNvPr id="3" name="文本框 2"/>
-              <p:cNvSpPr txBox="1">
-                <a:spLocks noRot="1" noChangeAspect="1" noMove="1" noResize="1" noEditPoints="1" noAdjustHandles="1" noChangeArrowheads="1" noChangeShapeType="1" noTextEdit="1"/>
-              </p:cNvSpPr>
-              <p:nvPr/>
-            </p:nvSpPr>
-            <p:spPr>
-              <a:xfrm>
-                <a:off x="6733022" y="1882943"/>
-                <a:ext cx="3553979" cy="1043234"/>
-              </a:xfrm>
-              <a:prstGeom prst="rect">
-                <a:avLst/>
-              </a:prstGeom>
-              <a:blipFill rotWithShape="0">
-                <a:blip r:embed="rId2"/>
-                <a:stretch>
-                  <a:fillRect/>
-                </a:stretch>
-              </a:blipFill>
-            </p:spPr>
-            <p:txBody>
-              <a:bodyPr/>
-              <a:lstStyle/>
-              <a:p>
-                <a:r>
-                  <a:rPr lang="zh-CN" altLang="en-US">
-                    <a:noFill/>
-                  </a:rPr>
-                  <a:t> </a:t>
-                </a:r>
-              </a:p>
-            </p:txBody>
-          </p:sp>
-        </mc:Fallback>
-      </mc:AlternateContent>
-      <mc:AlternateContent xmlns:mc="http://schemas.openxmlformats.org/markup-compatibility/2006" xmlns:a14="http://schemas.microsoft.com/office/drawing/2010/main">
-        <mc:Choice Requires="a14">
-          <p:sp>
-            <p:nvSpPr>
-              <p:cNvPr id="24" name="文本框 23"/>
-              <p:cNvSpPr txBox="1"/>
-              <p:nvPr/>
-            </p:nvSpPr>
-            <p:spPr>
-              <a:xfrm>
-                <a:off x="913634" y="1723086"/>
-                <a:ext cx="1304936" cy="369332"/>
-              </a:xfrm>
-              <a:prstGeom prst="rect">
-                <a:avLst/>
-              </a:prstGeom>
-              <a:noFill/>
-            </p:spPr>
-            <p:txBody>
-              <a:bodyPr wrap="square" lIns="0" tIns="0" rIns="0" bIns="0" rtlCol="0">
-                <a:spAutoFit/>
-              </a:bodyPr>
-              <a:lstStyle/>
-              <a:p>
-                <a:pPr/>
-                <a14:m>
-                  <m:oMathPara xmlns:m="http://schemas.openxmlformats.org/officeDocument/2006/math">
-                    <m:oMathParaPr>
-                      <m:jc m:val="centerGroup"/>
-                    </m:oMathParaPr>
-                    <m:oMath xmlns:m="http://schemas.openxmlformats.org/officeDocument/2006/math">
-                      <m:sSub>
-                        <m:sSubPr>
-                          <m:ctrlPr>
-                            <a:rPr kumimoji="1" lang="en-US" altLang="zh-CN" sz="2400" b="1" i="1" smtClean="0">
-                              <a:latin typeface="Cambria Math" charset="0"/>
-                            </a:rPr>
-                          </m:ctrlPr>
-                        </m:sSubPr>
-                        <m:e>
-                          <m:sSub>
-                            <m:sSubPr>
-                              <m:ctrlPr>
-                                <a:rPr kumimoji="1" lang="en-US" altLang="zh-CN" sz="2400" b="1" i="1" smtClean="0">
-                                  <a:latin typeface="Cambria Math" charset="0"/>
-                                </a:rPr>
-                              </m:ctrlPr>
-                            </m:sSubPr>
-                            <m:e>
-                              <m:r>
-                                <a:rPr kumimoji="1" lang="en-US" altLang="zh-CN" sz="2400" b="1" i="1" smtClean="0">
-                                  <a:latin typeface="Cambria Math" charset="0"/>
-                                </a:rPr>
-                                <m:t>(</m:t>
-                              </m:r>
-                              <m:r>
-                                <a:rPr kumimoji="1" lang="en-US" altLang="zh-CN" sz="2400" b="1" i="1" smtClean="0">
-                                  <a:latin typeface="Cambria Math" charset="0"/>
-                                </a:rPr>
-                                <m:t>𝒆</m:t>
-                              </m:r>
-                            </m:e>
-                            <m:sub>
-                              <m:r>
-                                <a:rPr kumimoji="1" lang="en-US" altLang="zh-CN" sz="2400" b="1" i="1" smtClean="0">
-                                  <a:latin typeface="Cambria Math" charset="0"/>
-                                </a:rPr>
-                                <m:t>𝟏</m:t>
-                              </m:r>
-                            </m:sub>
-                          </m:sSub>
-                          <m:r>
-                            <a:rPr kumimoji="1" lang="en-US" altLang="zh-CN" sz="2400" b="1" i="1" smtClean="0">
-                              <a:latin typeface="Cambria Math" charset="0"/>
-                            </a:rPr>
-                            <m:t>, </m:t>
-                          </m:r>
-                          <m:r>
-                            <a:rPr kumimoji="1" lang="en-US" altLang="zh-CN" sz="2400" b="1" i="1" smtClean="0">
-                              <a:latin typeface="Cambria Math" charset="0"/>
-                            </a:rPr>
-                            <m:t>𝒘</m:t>
-                          </m:r>
-                        </m:e>
-                        <m:sub>
-                          <m:r>
-                            <a:rPr kumimoji="1" lang="en-US" altLang="zh-CN" sz="2400" b="1" i="1" smtClean="0">
-                              <a:latin typeface="Cambria Math" charset="0"/>
-                            </a:rPr>
-                            <m:t>𝟏</m:t>
-                          </m:r>
-                        </m:sub>
-                      </m:sSub>
-                      <m:r>
-                        <a:rPr kumimoji="1" lang="en-US" altLang="zh-CN" sz="2400" b="1" i="1" smtClean="0">
-                          <a:latin typeface="Cambria Math" charset="0"/>
-                        </a:rPr>
-                        <m:t>)</m:t>
-                      </m:r>
-                    </m:oMath>
-                  </m:oMathPara>
-                </a14:m>
-                <a:endParaRPr kumimoji="1" lang="zh-CN" altLang="en-US" sz="2400" b="1" dirty="0"/>
-              </a:p>
-            </p:txBody>
-          </p:sp>
-        </mc:Choice>
-        <mc:Fallback xmlns="">
-          <p:sp>
-            <p:nvSpPr>
-              <p:cNvPr id="24" name="文本框 23"/>
-              <p:cNvSpPr txBox="1">
-                <a:spLocks noRot="1" noChangeAspect="1" noMove="1" noResize="1" noEditPoints="1" noAdjustHandles="1" noChangeArrowheads="1" noChangeShapeType="1" noTextEdit="1"/>
-              </p:cNvSpPr>
-              <p:nvPr/>
-            </p:nvSpPr>
-            <p:spPr>
-              <a:xfrm>
-                <a:off x="913634" y="1723086"/>
-                <a:ext cx="1304936" cy="369332"/>
               </a:xfrm>
               <a:prstGeom prst="rect">
                 <a:avLst/>
@@ -9048,749 +9311,7 @@
               <a:blipFill rotWithShape="0">
                 <a:blip r:embed="rId3"/>
                 <a:stretch>
-                  <a:fillRect l="-1869" r="-1869" b="-35000"/>
-                </a:stretch>
-              </a:blipFill>
-            </p:spPr>
-            <p:txBody>
-              <a:bodyPr/>
-              <a:lstStyle/>
-              <a:p>
-                <a:r>
-                  <a:rPr lang="zh-CN" altLang="en-US">
-                    <a:noFill/>
-                  </a:rPr>
-                  <a:t> </a:t>
-                </a:r>
-              </a:p>
-            </p:txBody>
-          </p:sp>
-        </mc:Fallback>
-      </mc:AlternateContent>
-      <mc:AlternateContent xmlns:mc="http://schemas.openxmlformats.org/markup-compatibility/2006" xmlns:a14="http://schemas.microsoft.com/office/drawing/2010/main">
-        <mc:Choice Requires="a14">
-          <p:sp>
-            <p:nvSpPr>
-              <p:cNvPr id="25" name="文本框 24"/>
-              <p:cNvSpPr txBox="1"/>
-              <p:nvPr/>
-            </p:nvSpPr>
-            <p:spPr>
-              <a:xfrm>
-                <a:off x="2923518" y="1729562"/>
-                <a:ext cx="1304936" cy="369332"/>
-              </a:xfrm>
-              <a:prstGeom prst="rect">
-                <a:avLst/>
-              </a:prstGeom>
-              <a:noFill/>
-            </p:spPr>
-            <p:txBody>
-              <a:bodyPr wrap="square" lIns="0" tIns="0" rIns="0" bIns="0" rtlCol="0">
-                <a:spAutoFit/>
-              </a:bodyPr>
-              <a:lstStyle/>
-              <a:p>
-                <a:pPr/>
-                <a14:m>
-                  <m:oMathPara xmlns:m="http://schemas.openxmlformats.org/officeDocument/2006/math">
-                    <m:oMathParaPr>
-                      <m:jc m:val="centerGroup"/>
-                    </m:oMathParaPr>
-                    <m:oMath xmlns:m="http://schemas.openxmlformats.org/officeDocument/2006/math">
-                      <m:sSub>
-                        <m:sSubPr>
-                          <m:ctrlPr>
-                            <a:rPr kumimoji="1" lang="en-US" altLang="zh-CN" sz="2400" b="1" i="1" smtClean="0">
-                              <a:latin typeface="Cambria Math" charset="0"/>
-                            </a:rPr>
-                          </m:ctrlPr>
-                        </m:sSubPr>
-                        <m:e>
-                          <m:sSub>
-                            <m:sSubPr>
-                              <m:ctrlPr>
-                                <a:rPr kumimoji="1" lang="en-US" altLang="zh-CN" sz="2400" b="1" i="1" smtClean="0">
-                                  <a:latin typeface="Cambria Math" charset="0"/>
-                                </a:rPr>
-                              </m:ctrlPr>
-                            </m:sSubPr>
-                            <m:e>
-                              <m:r>
-                                <a:rPr kumimoji="1" lang="en-US" altLang="zh-CN" sz="2400" b="1" i="1" smtClean="0">
-                                  <a:latin typeface="Cambria Math" charset="0"/>
-                                </a:rPr>
-                                <m:t>(</m:t>
-                              </m:r>
-                              <m:r>
-                                <a:rPr kumimoji="1" lang="en-US" altLang="zh-CN" sz="2400" b="1" i="1" smtClean="0">
-                                  <a:latin typeface="Cambria Math" charset="0"/>
-                                </a:rPr>
-                                <m:t>𝒆</m:t>
-                              </m:r>
-                            </m:e>
-                            <m:sub>
-                              <m:r>
-                                <a:rPr kumimoji="1" lang="en-US" altLang="zh-CN" sz="2400" b="1" i="1" smtClean="0">
-                                  <a:latin typeface="Cambria Math" charset="0"/>
-                                </a:rPr>
-                                <m:t>𝟐</m:t>
-                              </m:r>
-                            </m:sub>
-                          </m:sSub>
-                          <m:r>
-                            <a:rPr kumimoji="1" lang="en-US" altLang="zh-CN" sz="2400" b="1" i="1" smtClean="0">
-                              <a:latin typeface="Cambria Math" charset="0"/>
-                            </a:rPr>
-                            <m:t>, </m:t>
-                          </m:r>
-                          <m:r>
-                            <a:rPr kumimoji="1" lang="en-US" altLang="zh-CN" sz="2400" b="1" i="1" smtClean="0">
-                              <a:latin typeface="Cambria Math" charset="0"/>
-                            </a:rPr>
-                            <m:t>𝒘</m:t>
-                          </m:r>
-                        </m:e>
-                        <m:sub>
-                          <m:r>
-                            <a:rPr kumimoji="1" lang="en-US" altLang="zh-CN" sz="2400" b="1" i="1" smtClean="0">
-                              <a:latin typeface="Cambria Math" charset="0"/>
-                            </a:rPr>
-                            <m:t>𝟐</m:t>
-                          </m:r>
-                        </m:sub>
-                      </m:sSub>
-                      <m:r>
-                        <a:rPr kumimoji="1" lang="en-US" altLang="zh-CN" sz="2400" b="1" i="1" smtClean="0">
-                          <a:latin typeface="Cambria Math" charset="0"/>
-                        </a:rPr>
-                        <m:t>)</m:t>
-                      </m:r>
-                    </m:oMath>
-                  </m:oMathPara>
-                </a14:m>
-                <a:endParaRPr kumimoji="1" lang="zh-CN" altLang="en-US" sz="2400" b="1" dirty="0"/>
-              </a:p>
-            </p:txBody>
-          </p:sp>
-        </mc:Choice>
-        <mc:Fallback xmlns="">
-          <p:sp>
-            <p:nvSpPr>
-              <p:cNvPr id="25" name="文本框 24"/>
-              <p:cNvSpPr txBox="1">
-                <a:spLocks noRot="1" noChangeAspect="1" noMove="1" noResize="1" noEditPoints="1" noAdjustHandles="1" noChangeArrowheads="1" noChangeShapeType="1" noTextEdit="1"/>
-              </p:cNvSpPr>
-              <p:nvPr/>
-            </p:nvSpPr>
-            <p:spPr>
-              <a:xfrm>
-                <a:off x="2923518" y="1729562"/>
-                <a:ext cx="1304936" cy="369332"/>
-              </a:xfrm>
-              <a:prstGeom prst="rect">
-                <a:avLst/>
-              </a:prstGeom>
-              <a:blipFill rotWithShape="0">
-                <a:blip r:embed="rId4"/>
-                <a:stretch>
-                  <a:fillRect l="-1869" r="-1869" b="-35000"/>
-                </a:stretch>
-              </a:blipFill>
-            </p:spPr>
-            <p:txBody>
-              <a:bodyPr/>
-              <a:lstStyle/>
-              <a:p>
-                <a:r>
-                  <a:rPr lang="zh-CN" altLang="en-US">
-                    <a:noFill/>
-                  </a:rPr>
-                  <a:t> </a:t>
-                </a:r>
-              </a:p>
-            </p:txBody>
-          </p:sp>
-        </mc:Fallback>
-      </mc:AlternateContent>
-      <mc:AlternateContent xmlns:mc="http://schemas.openxmlformats.org/markup-compatibility/2006" xmlns:a14="http://schemas.microsoft.com/office/drawing/2010/main">
-        <mc:Choice Requires="a14">
-          <p:sp>
-            <p:nvSpPr>
-              <p:cNvPr id="26" name="文本框 25"/>
-              <p:cNvSpPr txBox="1"/>
-              <p:nvPr/>
-            </p:nvSpPr>
-            <p:spPr>
-              <a:xfrm>
-                <a:off x="7038825" y="3186223"/>
-                <a:ext cx="3013446" cy="1053045"/>
-              </a:xfrm>
-              <a:prstGeom prst="rect">
-                <a:avLst/>
-              </a:prstGeom>
-              <a:noFill/>
-            </p:spPr>
-            <p:txBody>
-              <a:bodyPr wrap="square" lIns="0" tIns="0" rIns="0" bIns="0" rtlCol="0">
-                <a:spAutoFit/>
-              </a:bodyPr>
-              <a:lstStyle/>
-              <a:p>
-                <a:pPr/>
-                <a14:m>
-                  <m:oMathPara xmlns:m="http://schemas.openxmlformats.org/officeDocument/2006/math">
-                    <m:oMathParaPr>
-                      <m:jc m:val="centerGroup"/>
-                    </m:oMathParaPr>
-                    <m:oMath xmlns:m="http://schemas.openxmlformats.org/officeDocument/2006/math">
-                      <m:nary>
-                        <m:naryPr>
-                          <m:chr m:val="∑"/>
-                          <m:supHide m:val="on"/>
-                          <m:ctrlPr>
-                            <a:rPr kumimoji="1" lang="en-US" altLang="zh-CN" sz="2800" i="1" smtClean="0">
-                              <a:latin typeface="Cambria Math" charset="0"/>
-                            </a:rPr>
-                          </m:ctrlPr>
-                        </m:naryPr>
-                        <m:sub>
-                          <m:r>
-                            <m:rPr>
-                              <m:brk m:alnAt="7"/>
-                            </m:rPr>
-                            <a:rPr kumimoji="1" lang="en-US" altLang="zh-CN" sz="2800" b="0" i="1" smtClean="0">
-                              <a:latin typeface="Cambria Math" charset="0"/>
-                            </a:rPr>
-                            <m:t>𝑖</m:t>
-                          </m:r>
-                        </m:sub>
-                        <m:sup/>
-                        <m:e>
-                          <m:sSub>
-                            <m:sSubPr>
-                              <m:ctrlPr>
-                                <a:rPr kumimoji="1" lang="en-US" altLang="zh-CN" sz="2800" b="0" i="1" smtClean="0">
-                                  <a:latin typeface="Cambria Math" charset="0"/>
-                                </a:rPr>
-                              </m:ctrlPr>
-                            </m:sSubPr>
-                            <m:e>
-                              <m:r>
-                                <a:rPr kumimoji="1" lang="en-US" altLang="zh-CN" sz="2800" b="0" i="1" smtClean="0">
-                                  <a:latin typeface="Cambria Math" charset="0"/>
-                                </a:rPr>
-                                <m:t>𝑝</m:t>
-                              </m:r>
-                            </m:e>
-                            <m:sub>
-                              <m:r>
-                                <a:rPr kumimoji="1" lang="en-US" altLang="zh-CN" sz="2800" b="0" i="1" smtClean="0">
-                                  <a:latin typeface="Cambria Math" charset="0"/>
-                                </a:rPr>
-                                <m:t>𝑖</m:t>
-                              </m:r>
-                            </m:sub>
-                          </m:sSub>
-                        </m:e>
-                      </m:nary>
-                      <m:r>
-                        <a:rPr kumimoji="1" lang="en-US" altLang="zh-CN" sz="2800" b="0" i="1" smtClean="0">
-                          <a:latin typeface="Cambria Math" charset="0"/>
-                        </a:rPr>
-                        <m:t>=1</m:t>
-                      </m:r>
-                    </m:oMath>
-                  </m:oMathPara>
-                </a14:m>
-                <a:endParaRPr kumimoji="1" lang="zh-CN" altLang="en-US" sz="2800" i="1" dirty="0"/>
-              </a:p>
-            </p:txBody>
-          </p:sp>
-        </mc:Choice>
-        <mc:Fallback xmlns="">
-          <p:sp>
-            <p:nvSpPr>
-              <p:cNvPr id="26" name="文本框 25"/>
-              <p:cNvSpPr txBox="1">
-                <a:spLocks noRot="1" noChangeAspect="1" noMove="1" noResize="1" noEditPoints="1" noAdjustHandles="1" noChangeArrowheads="1" noChangeShapeType="1" noTextEdit="1"/>
-              </p:cNvSpPr>
-              <p:nvPr/>
-            </p:nvSpPr>
-            <p:spPr>
-              <a:xfrm>
-                <a:off x="7038825" y="3186223"/>
-                <a:ext cx="3013446" cy="1053045"/>
-              </a:xfrm>
-              <a:prstGeom prst="rect">
-                <a:avLst/>
-              </a:prstGeom>
-              <a:blipFill rotWithShape="0">
-                <a:blip r:embed="rId5"/>
-                <a:stretch>
                   <a:fillRect/>
-                </a:stretch>
-              </a:blipFill>
-            </p:spPr>
-            <p:txBody>
-              <a:bodyPr/>
-              <a:lstStyle/>
-              <a:p>
-                <a:r>
-                  <a:rPr lang="zh-CN" altLang="en-US">
-                    <a:noFill/>
-                  </a:rPr>
-                  <a:t> </a:t>
-                </a:r>
-              </a:p>
-            </p:txBody>
-          </p:sp>
-        </mc:Fallback>
-      </mc:AlternateContent>
-      <p:cxnSp>
-        <p:nvCxnSpPr>
-          <p:cNvPr id="15" name="直线箭头连接符 14">
-            <a:extLst>
-              <a:ext uri="{FF2B5EF4-FFF2-40B4-BE49-F238E27FC236}">
-                <a16:creationId xmlns="" xmlns:a16="http://schemas.microsoft.com/office/drawing/2014/main" id="{E1DDCB3A-93A3-F947-8936-2FD7D8DCC488}"/>
-              </a:ext>
-            </a:extLst>
-          </p:cNvPr>
-          <p:cNvCxnSpPr/>
-          <p:nvPr/>
-        </p:nvCxnSpPr>
-        <p:spPr>
-          <a:xfrm>
-            <a:off x="2577592" y="2976897"/>
-            <a:ext cx="0" cy="879894"/>
-          </a:xfrm>
-          <a:prstGeom prst="straightConnector1">
-            <a:avLst/>
-          </a:prstGeom>
-          <a:ln w="38100">
-            <a:solidFill>
-              <a:schemeClr val="tx1"/>
-            </a:solidFill>
-            <a:tailEnd type="triangle"/>
-          </a:ln>
-        </p:spPr>
-        <p:style>
-          <a:lnRef idx="1">
-            <a:schemeClr val="accent1"/>
-          </a:lnRef>
-          <a:fillRef idx="0">
-            <a:schemeClr val="accent1"/>
-          </a:fillRef>
-          <a:effectRef idx="0">
-            <a:schemeClr val="accent1"/>
-          </a:effectRef>
-          <a:fontRef idx="minor">
-            <a:schemeClr val="tx1"/>
-          </a:fontRef>
-        </p:style>
-      </p:cxnSp>
-      <p:cxnSp>
-        <p:nvCxnSpPr>
-          <p:cNvPr id="13" name="直线连接符 12"/>
-          <p:cNvCxnSpPr/>
-          <p:nvPr/>
-        </p:nvCxnSpPr>
-        <p:spPr>
-          <a:xfrm flipH="1" flipV="1">
-            <a:off x="1551814" y="2135282"/>
-            <a:ext cx="1011490" cy="841615"/>
-          </a:xfrm>
-          <a:prstGeom prst="line">
-            <a:avLst/>
-          </a:prstGeom>
-          <a:ln w="38100">
-            <a:solidFill>
-              <a:schemeClr val="tx1"/>
-            </a:solidFill>
-          </a:ln>
-        </p:spPr>
-        <p:style>
-          <a:lnRef idx="1">
-            <a:schemeClr val="accent1"/>
-          </a:lnRef>
-          <a:fillRef idx="0">
-            <a:schemeClr val="accent1"/>
-          </a:fillRef>
-          <a:effectRef idx="0">
-            <a:schemeClr val="accent1"/>
-          </a:effectRef>
-          <a:fontRef idx="minor">
-            <a:schemeClr val="tx1"/>
-          </a:fontRef>
-        </p:style>
-      </p:cxnSp>
-      <p:cxnSp>
-        <p:nvCxnSpPr>
-          <p:cNvPr id="20" name="直线连接符 19"/>
-          <p:cNvCxnSpPr/>
-          <p:nvPr/>
-        </p:nvCxnSpPr>
-        <p:spPr>
-          <a:xfrm flipV="1">
-            <a:off x="2563304" y="2141758"/>
-            <a:ext cx="998394" cy="841617"/>
-          </a:xfrm>
-          <a:prstGeom prst="line">
-            <a:avLst/>
-          </a:prstGeom>
-          <a:ln w="38100">
-            <a:solidFill>
-              <a:schemeClr val="tx1"/>
-            </a:solidFill>
-          </a:ln>
-        </p:spPr>
-        <p:style>
-          <a:lnRef idx="1">
-            <a:schemeClr val="accent1"/>
-          </a:lnRef>
-          <a:fillRef idx="0">
-            <a:schemeClr val="accent1"/>
-          </a:fillRef>
-          <a:effectRef idx="0">
-            <a:schemeClr val="accent1"/>
-          </a:effectRef>
-          <a:fontRef idx="minor">
-            <a:schemeClr val="tx1"/>
-          </a:fontRef>
-        </p:style>
-      </p:cxnSp>
-      <mc:AlternateContent xmlns:mc="http://schemas.openxmlformats.org/markup-compatibility/2006" xmlns:a14="http://schemas.microsoft.com/office/drawing/2010/main">
-        <mc:Choice Requires="a14">
-          <p:sp>
-            <p:nvSpPr>
-              <p:cNvPr id="19" name="矩形 18"/>
-              <p:cNvSpPr/>
-              <p:nvPr/>
-            </p:nvSpPr>
-            <p:spPr>
-              <a:xfrm>
-                <a:off x="1537525" y="2379846"/>
-                <a:ext cx="607794" cy="461665"/>
-              </a:xfrm>
-              <a:prstGeom prst="rect">
-                <a:avLst/>
-              </a:prstGeom>
-            </p:spPr>
-            <p:txBody>
-              <a:bodyPr wrap="none">
-                <a:spAutoFit/>
-              </a:bodyPr>
-              <a:lstStyle/>
-              <a:p>
-                <a:pPr/>
-                <a14:m>
-                  <m:oMathPara xmlns:m="http://schemas.openxmlformats.org/officeDocument/2006/math">
-                    <m:oMathParaPr>
-                      <m:jc m:val="centerGroup"/>
-                    </m:oMathParaPr>
-                    <m:oMath xmlns:m="http://schemas.openxmlformats.org/officeDocument/2006/math">
-                      <m:sSub>
-                        <m:sSubPr>
-                          <m:ctrlPr>
-                            <a:rPr kumimoji="1" lang="en-US" altLang="zh-CN" sz="2400" b="1" i="1" smtClean="0">
-                              <a:latin typeface="Cambria Math" charset="0"/>
-                            </a:rPr>
-                          </m:ctrlPr>
-                        </m:sSubPr>
-                        <m:e>
-                          <m:r>
-                            <a:rPr kumimoji="1" lang="en-US" altLang="zh-CN" sz="2400" b="1" i="1">
-                              <a:latin typeface="Cambria Math" charset="0"/>
-                            </a:rPr>
-                            <m:t>𝒑</m:t>
-                          </m:r>
-                        </m:e>
-                        <m:sub>
-                          <m:r>
-                            <a:rPr kumimoji="1" lang="en-US" altLang="zh-CN" sz="2400" b="1" i="1" smtClean="0">
-                              <a:latin typeface="Cambria Math" charset="0"/>
-                            </a:rPr>
-                            <m:t>𝟏</m:t>
-                          </m:r>
-                        </m:sub>
-                      </m:sSub>
-                    </m:oMath>
-                  </m:oMathPara>
-                </a14:m>
-                <a:endParaRPr lang="zh-CN" altLang="en-US" sz="2400" b="1" dirty="0"/>
-              </a:p>
-            </p:txBody>
-          </p:sp>
-        </mc:Choice>
-        <mc:Fallback xmlns="">
-          <p:sp>
-            <p:nvSpPr>
-              <p:cNvPr id="19" name="矩形 18"/>
-              <p:cNvSpPr>
-                <a:spLocks noRot="1" noChangeAspect="1" noMove="1" noResize="1" noEditPoints="1" noAdjustHandles="1" noChangeArrowheads="1" noChangeShapeType="1" noTextEdit="1"/>
-              </p:cNvSpPr>
-              <p:nvPr/>
-            </p:nvSpPr>
-            <p:spPr>
-              <a:xfrm>
-                <a:off x="1537525" y="2379846"/>
-                <a:ext cx="607794" cy="461665"/>
-              </a:xfrm>
-              <a:prstGeom prst="rect">
-                <a:avLst/>
-              </a:prstGeom>
-              <a:blipFill rotWithShape="0">
-                <a:blip r:embed="rId6"/>
-                <a:stretch>
-                  <a:fillRect b="-9211"/>
-                </a:stretch>
-              </a:blipFill>
-            </p:spPr>
-            <p:txBody>
-              <a:bodyPr/>
-              <a:lstStyle/>
-              <a:p>
-                <a:r>
-                  <a:rPr lang="zh-CN" altLang="en-US">
-                    <a:noFill/>
-                  </a:rPr>
-                  <a:t> </a:t>
-                </a:r>
-              </a:p>
-            </p:txBody>
-          </p:sp>
-        </mc:Fallback>
-      </mc:AlternateContent>
-      <mc:AlternateContent xmlns:mc="http://schemas.openxmlformats.org/markup-compatibility/2006" xmlns:a14="http://schemas.microsoft.com/office/drawing/2010/main">
-        <mc:Choice Requires="a14">
-          <p:sp>
-            <p:nvSpPr>
-              <p:cNvPr id="30" name="矩形 29"/>
-              <p:cNvSpPr/>
-              <p:nvPr/>
-            </p:nvSpPr>
-            <p:spPr>
-              <a:xfrm>
-                <a:off x="3046014" y="2405153"/>
-                <a:ext cx="607794" cy="461665"/>
-              </a:xfrm>
-              <a:prstGeom prst="rect">
-                <a:avLst/>
-              </a:prstGeom>
-            </p:spPr>
-            <p:txBody>
-              <a:bodyPr wrap="none">
-                <a:spAutoFit/>
-              </a:bodyPr>
-              <a:lstStyle/>
-              <a:p>
-                <a:pPr/>
-                <a14:m>
-                  <m:oMathPara xmlns:m="http://schemas.openxmlformats.org/officeDocument/2006/math">
-                    <m:oMathParaPr>
-                      <m:jc m:val="centerGroup"/>
-                    </m:oMathParaPr>
-                    <m:oMath xmlns:m="http://schemas.openxmlformats.org/officeDocument/2006/math">
-                      <m:sSub>
-                        <m:sSubPr>
-                          <m:ctrlPr>
-                            <a:rPr kumimoji="1" lang="en-US" altLang="zh-CN" sz="2400" b="1" i="1" smtClean="0">
-                              <a:latin typeface="Cambria Math" charset="0"/>
-                            </a:rPr>
-                          </m:ctrlPr>
-                        </m:sSubPr>
-                        <m:e>
-                          <m:r>
-                            <a:rPr kumimoji="1" lang="en-US" altLang="zh-CN" sz="2400" b="1" i="1">
-                              <a:latin typeface="Cambria Math" charset="0"/>
-                            </a:rPr>
-                            <m:t>𝒑</m:t>
-                          </m:r>
-                        </m:e>
-                        <m:sub>
-                          <m:r>
-                            <a:rPr kumimoji="1" lang="en-US" altLang="zh-CN" sz="2400" b="1" i="1" smtClean="0">
-                              <a:latin typeface="Cambria Math" charset="0"/>
-                            </a:rPr>
-                            <m:t>𝟐</m:t>
-                          </m:r>
-                        </m:sub>
-                      </m:sSub>
-                    </m:oMath>
-                  </m:oMathPara>
-                </a14:m>
-                <a:endParaRPr lang="zh-CN" altLang="en-US" sz="2400" b="1" dirty="0"/>
-              </a:p>
-            </p:txBody>
-          </p:sp>
-        </mc:Choice>
-        <mc:Fallback xmlns="">
-          <p:sp>
-            <p:nvSpPr>
-              <p:cNvPr id="30" name="矩形 29"/>
-              <p:cNvSpPr>
-                <a:spLocks noRot="1" noChangeAspect="1" noMove="1" noResize="1" noEditPoints="1" noAdjustHandles="1" noChangeArrowheads="1" noChangeShapeType="1" noTextEdit="1"/>
-              </p:cNvSpPr>
-              <p:nvPr/>
-            </p:nvSpPr>
-            <p:spPr>
-              <a:xfrm>
-                <a:off x="3046014" y="2405153"/>
-                <a:ext cx="607794" cy="461665"/>
-              </a:xfrm>
-              <a:prstGeom prst="rect">
-                <a:avLst/>
-              </a:prstGeom>
-              <a:blipFill rotWithShape="0">
-                <a:blip r:embed="rId7"/>
-                <a:stretch>
-                  <a:fillRect b="-9333"/>
-                </a:stretch>
-              </a:blipFill>
-            </p:spPr>
-            <p:txBody>
-              <a:bodyPr/>
-              <a:lstStyle/>
-              <a:p>
-                <a:r>
-                  <a:rPr lang="zh-CN" altLang="en-US">
-                    <a:noFill/>
-                  </a:rPr>
-                  <a:t> </a:t>
-                </a:r>
-              </a:p>
-            </p:txBody>
-          </p:sp>
-        </mc:Fallback>
-      </mc:AlternateContent>
-      <mc:AlternateContent xmlns:mc="http://schemas.openxmlformats.org/markup-compatibility/2006" xmlns:a14="http://schemas.microsoft.com/office/drawing/2010/main">
-        <mc:Choice Requires="a14">
-          <p:sp>
-            <p:nvSpPr>
-              <p:cNvPr id="31" name="文本框 30"/>
-              <p:cNvSpPr txBox="1"/>
-              <p:nvPr/>
-            </p:nvSpPr>
-            <p:spPr>
-              <a:xfrm>
-                <a:off x="2153729" y="3899346"/>
-                <a:ext cx="1304936" cy="369332"/>
-              </a:xfrm>
-              <a:prstGeom prst="rect">
-                <a:avLst/>
-              </a:prstGeom>
-              <a:noFill/>
-            </p:spPr>
-            <p:txBody>
-              <a:bodyPr wrap="square" lIns="0" tIns="0" rIns="0" bIns="0" rtlCol="0">
-                <a:spAutoFit/>
-              </a:bodyPr>
-              <a:lstStyle/>
-              <a:p>
-                <a:pPr/>
-                <a14:m>
-                  <m:oMathPara xmlns:m="http://schemas.openxmlformats.org/officeDocument/2006/math">
-                    <m:oMathParaPr>
-                      <m:jc m:val="centerGroup"/>
-                    </m:oMathParaPr>
-                    <m:oMath xmlns:m="http://schemas.openxmlformats.org/officeDocument/2006/math">
-                      <m:sSup>
-                        <m:sSupPr>
-                          <m:ctrlPr>
-                            <a:rPr kumimoji="1" lang="en-US" altLang="zh-CN" sz="2400" b="1" i="1" smtClean="0">
-                              <a:latin typeface="Cambria Math" charset="0"/>
-                            </a:rPr>
-                          </m:ctrlPr>
-                        </m:sSupPr>
-                        <m:e>
-                          <m:r>
-                            <a:rPr kumimoji="1" lang="en-US" altLang="zh-CN" sz="2400" b="1" i="1" smtClean="0">
-                              <a:latin typeface="Cambria Math" charset="0"/>
-                            </a:rPr>
-                            <m:t>(</m:t>
-                          </m:r>
-                          <m:r>
-                            <a:rPr kumimoji="1" lang="en-US" altLang="zh-CN" sz="2400" b="1" i="1" smtClean="0">
-                              <a:latin typeface="Cambria Math" charset="0"/>
-                            </a:rPr>
-                            <m:t>𝒆</m:t>
-                          </m:r>
-                        </m:e>
-                        <m:sup>
-                          <m:r>
-                            <a:rPr kumimoji="1" lang="en-US" altLang="zh-CN" sz="2400" b="1" i="1" smtClean="0">
-                              <a:latin typeface="Cambria Math" charset="0"/>
-                            </a:rPr>
-                            <m:t>′</m:t>
-                          </m:r>
-                        </m:sup>
-                      </m:sSup>
-                      <m:r>
-                        <a:rPr kumimoji="1" lang="en-US" altLang="zh-CN" sz="2400" b="1" i="1" smtClean="0">
-                          <a:latin typeface="Cambria Math" charset="0"/>
-                        </a:rPr>
-                        <m:t>,</m:t>
-                      </m:r>
-                      <m:sSup>
-                        <m:sSupPr>
-                          <m:ctrlPr>
-                            <a:rPr kumimoji="1" lang="en-US" altLang="zh-CN" sz="2400" b="1" i="1" smtClean="0">
-                              <a:latin typeface="Cambria Math" charset="0"/>
-                            </a:rPr>
-                          </m:ctrlPr>
-                        </m:sSupPr>
-                        <m:e>
-                          <m:r>
-                            <a:rPr kumimoji="1" lang="en-US" altLang="zh-CN" sz="2400" b="1" i="1" smtClean="0">
-                              <a:latin typeface="Cambria Math" charset="0"/>
-                            </a:rPr>
-                            <m:t>𝒘</m:t>
-                          </m:r>
-                        </m:e>
-                        <m:sup>
-                          <m:r>
-                            <a:rPr kumimoji="1" lang="en-US" altLang="zh-CN" sz="2400" b="1" i="1" smtClean="0">
-                              <a:latin typeface="Cambria Math" charset="0"/>
-                            </a:rPr>
-                            <m:t>′</m:t>
-                          </m:r>
-                        </m:sup>
-                      </m:sSup>
-                      <m:r>
-                        <a:rPr kumimoji="1" lang="en-US" altLang="zh-CN" sz="2400" b="1" i="1" smtClean="0">
-                          <a:latin typeface="Cambria Math" charset="0"/>
-                        </a:rPr>
-                        <m:t>)</m:t>
-                      </m:r>
-                    </m:oMath>
-                  </m:oMathPara>
-                </a14:m>
-                <a:endParaRPr kumimoji="1" lang="zh-CN" altLang="en-US" sz="2400" b="1" dirty="0"/>
-              </a:p>
-            </p:txBody>
-          </p:sp>
-        </mc:Choice>
-        <mc:Fallback xmlns="">
-          <p:sp>
-            <p:nvSpPr>
-              <p:cNvPr id="31" name="文本框 30"/>
-              <p:cNvSpPr txBox="1">
-                <a:spLocks noRot="1" noChangeAspect="1" noMove="1" noResize="1" noEditPoints="1" noAdjustHandles="1" noChangeArrowheads="1" noChangeShapeType="1" noTextEdit="1"/>
-              </p:cNvSpPr>
-              <p:nvPr/>
-            </p:nvSpPr>
-            <p:spPr>
-              <a:xfrm>
-                <a:off x="2153729" y="3899346"/>
-                <a:ext cx="1304936" cy="369332"/>
-              </a:xfrm>
-              <a:prstGeom prst="rect">
-                <a:avLst/>
-              </a:prstGeom>
-              <a:blipFill rotWithShape="0">
-                <a:blip r:embed="rId8"/>
-                <a:stretch>
-                  <a:fillRect b="-35000"/>
                 </a:stretch>
               </a:blipFill>
             </p:spPr>
@@ -9819,7 +9340,7 @@
             </p:nvSpPr>
             <p:spPr>
               <a:xfrm>
-                <a:off x="4185591" y="4739773"/>
+                <a:off x="7628879" y="2753811"/>
                 <a:ext cx="3013446" cy="805413"/>
               </a:xfrm>
               <a:prstGeom prst="rect">
@@ -9984,14 +9505,14 @@
             </p:nvSpPr>
             <p:spPr>
               <a:xfrm>
-                <a:off x="4185591" y="4739773"/>
+                <a:off x="7628879" y="2753811"/>
                 <a:ext cx="3013446" cy="805413"/>
               </a:xfrm>
               <a:prstGeom prst="rect">
                 <a:avLst/>
               </a:prstGeom>
               <a:blipFill rotWithShape="0">
-                <a:blip r:embed="rId9"/>
+                <a:blip r:embed="rId4"/>
                 <a:stretch>
                   <a:fillRect/>
                 </a:stretch>
@@ -10022,7 +9543,7 @@
             </p:nvSpPr>
             <p:spPr>
               <a:xfrm>
-                <a:off x="4185591" y="5820860"/>
+                <a:off x="7628879" y="3834898"/>
                 <a:ext cx="3013446" cy="430887"/>
               </a:xfrm>
               <a:prstGeom prst="rect">
@@ -10149,14 +9670,14 @@
             </p:nvSpPr>
             <p:spPr>
               <a:xfrm>
-                <a:off x="4185591" y="5820860"/>
+                <a:off x="7628879" y="3834898"/>
                 <a:ext cx="3013446" cy="430887"/>
               </a:xfrm>
               <a:prstGeom prst="rect">
                 <a:avLst/>
               </a:prstGeom>
               <a:blipFill rotWithShape="0">
-                <a:blip r:embed="rId10"/>
+                <a:blip r:embed="rId5"/>
                 <a:stretch>
                   <a:fillRect/>
                 </a:stretch>
@@ -10177,6 +9698,52 @@
           </p:sp>
         </mc:Fallback>
       </mc:AlternateContent>
+      <p:sp>
+        <p:nvSpPr>
+          <p:cNvPr id="6" name="右箭头 5"/>
+          <p:cNvSpPr/>
+          <p:nvPr/>
+        </p:nvSpPr>
+        <p:spPr>
+          <a:xfrm>
+            <a:off x="5304419" y="3159364"/>
+            <a:ext cx="1614487" cy="799720"/>
+          </a:xfrm>
+          <a:prstGeom prst="rightArrow">
+            <a:avLst/>
+          </a:prstGeom>
+          <a:noFill/>
+          <a:ln w="25400">
+            <a:solidFill>
+              <a:schemeClr val="tx1"/>
+            </a:solidFill>
+          </a:ln>
+        </p:spPr>
+        <p:style>
+          <a:lnRef idx="2">
+            <a:schemeClr val="accent1">
+              <a:shade val="50000"/>
+            </a:schemeClr>
+          </a:lnRef>
+          <a:fillRef idx="1">
+            <a:schemeClr val="accent1"/>
+          </a:fillRef>
+          <a:effectRef idx="0">
+            <a:schemeClr val="accent1"/>
+          </a:effectRef>
+          <a:fontRef idx="minor">
+            <a:schemeClr val="lt1"/>
+          </a:fontRef>
+        </p:style>
+        <p:txBody>
+          <a:bodyPr rtlCol="0" anchor="ctr"/>
+          <a:lstStyle/>
+          <a:p>
+            <a:pPr algn="ctr"/>
+            <a:endParaRPr kumimoji="1" lang="zh-CN" altLang="en-US"/>
+          </a:p>
+        </p:txBody>
+      </p:sp>
     </p:spTree>
     <p:extLst>
       <p:ext uri="{BB962C8B-B14F-4D97-AF65-F5344CB8AC3E}">
@@ -10219,7 +9786,7 @@
           <p:cNvPr id="2" name="标题 1">
             <a:extLst>
               <a:ext uri="{FF2B5EF4-FFF2-40B4-BE49-F238E27FC236}">
-                <a16:creationId xmlns:a16="http://schemas.microsoft.com/office/drawing/2014/main" xmlns="" id="{C059EDCB-DC67-1745-AF88-B526D92C8C6A}"/>
+                <a16:creationId xmlns="" xmlns:a16="http://schemas.microsoft.com/office/drawing/2014/main" id="{C059EDCB-DC67-1745-AF88-B526D92C8C6A}"/>
               </a:ext>
             </a:extLst>
           </p:cNvPr>
@@ -10254,7 +9821,7 @@
           <p:cNvPr id="9" name="组合 8">
             <a:extLst>
               <a:ext uri="{FF2B5EF4-FFF2-40B4-BE49-F238E27FC236}">
-                <a16:creationId xmlns:a16="http://schemas.microsoft.com/office/drawing/2014/main" xmlns="" id="{D910C096-B1EA-2240-B136-E099017B1EA2}"/>
+                <a16:creationId xmlns="" xmlns:a16="http://schemas.microsoft.com/office/drawing/2014/main" id="{D910C096-B1EA-2240-B136-E099017B1EA2}"/>
               </a:ext>
             </a:extLst>
           </p:cNvPr>
@@ -10274,7 +9841,7 @@
             <p:cNvPr id="7" name="椭圆 6">
               <a:extLst>
                 <a:ext uri="{FF2B5EF4-FFF2-40B4-BE49-F238E27FC236}">
-                  <a16:creationId xmlns:a16="http://schemas.microsoft.com/office/drawing/2014/main" xmlns="" id="{5E44900A-AB87-AE4A-99AA-73285E49B958}"/>
+                  <a16:creationId xmlns="" xmlns:a16="http://schemas.microsoft.com/office/drawing/2014/main" id="{5E44900A-AB87-AE4A-99AA-73285E49B958}"/>
                 </a:ext>
               </a:extLst>
             </p:cNvPr>
@@ -10328,7 +9895,7 @@
                 <p:cNvPr id="8" name="文本框 7">
                   <a:extLst>
                     <a:ext uri="{FF2B5EF4-FFF2-40B4-BE49-F238E27FC236}">
-                      <a16:creationId xmlns:a16="http://schemas.microsoft.com/office/drawing/2014/main" xmlns="" id="{296B7145-B712-2440-A166-8D5BDDA90570}"/>
+                      <a16:creationId xmlns="" xmlns:a16="http://schemas.microsoft.com/office/drawing/2014/main" id="{296B7145-B712-2440-A166-8D5BDDA90570}"/>
                     </a:ext>
                   </a:extLst>
                 </p:cNvPr>
@@ -10442,7 +10009,7 @@
           <p:cNvPr id="11" name="直线箭头连接符 10">
             <a:extLst>
               <a:ext uri="{FF2B5EF4-FFF2-40B4-BE49-F238E27FC236}">
-                <a16:creationId xmlns:a16="http://schemas.microsoft.com/office/drawing/2014/main" xmlns="" id="{E1DDCB3A-93A3-F947-8936-2FD7D8DCC488}"/>
+                <a16:creationId xmlns="" xmlns:a16="http://schemas.microsoft.com/office/drawing/2014/main" id="{E1DDCB3A-93A3-F947-8936-2FD7D8DCC488}"/>
               </a:ext>
             </a:extLst>
           </p:cNvPr>
@@ -10486,7 +10053,7 @@
           <p:cNvPr id="12" name="直线箭头连接符 11">
             <a:extLst>
               <a:ext uri="{FF2B5EF4-FFF2-40B4-BE49-F238E27FC236}">
-                <a16:creationId xmlns:a16="http://schemas.microsoft.com/office/drawing/2014/main" xmlns="" id="{AB28E39D-46A0-5B49-82B6-E57B9F0DD9FB}"/>
+                <a16:creationId xmlns="" xmlns:a16="http://schemas.microsoft.com/office/drawing/2014/main" id="{AB28E39D-46A0-5B49-82B6-E57B9F0DD9FB}"/>
               </a:ext>
             </a:extLst>
           </p:cNvPr>
@@ -10531,7 +10098,7 @@
           <p:cNvPr id="15" name="直线箭头连接符 14">
             <a:extLst>
               <a:ext uri="{FF2B5EF4-FFF2-40B4-BE49-F238E27FC236}">
-                <a16:creationId xmlns:a16="http://schemas.microsoft.com/office/drawing/2014/main" xmlns="" id="{48149428-2E7B-484E-BD02-0820295C5E2F}"/>
+                <a16:creationId xmlns="" xmlns:a16="http://schemas.microsoft.com/office/drawing/2014/main" id="{48149428-2E7B-484E-BD02-0820295C5E2F}"/>
               </a:ext>
             </a:extLst>
           </p:cNvPr>
@@ -10578,7 +10145,7 @@
               <p:cNvPr id="18" name="文本框 17">
                 <a:extLst>
                   <a:ext uri="{FF2B5EF4-FFF2-40B4-BE49-F238E27FC236}">
-                    <a16:creationId xmlns:a16="http://schemas.microsoft.com/office/drawing/2014/main" xmlns="" id="{A8CB5AC8-59AE-C443-86CD-C750A4B240BC}"/>
+                    <a16:creationId xmlns="" xmlns:a16="http://schemas.microsoft.com/office/drawing/2014/main" id="{A8CB5AC8-59AE-C443-86CD-C750A4B240BC}"/>
                   </a:ext>
                 </a:extLst>
               </p:cNvPr>
@@ -10693,7 +10260,7 @@
               <p:cNvPr id="19" name="文本框 18">
                 <a:extLst>
                   <a:ext uri="{FF2B5EF4-FFF2-40B4-BE49-F238E27FC236}">
-                    <a16:creationId xmlns:a16="http://schemas.microsoft.com/office/drawing/2014/main" xmlns="" id="{BD55B4B9-A03A-684D-8A7E-A30160DD9D94}"/>
+                    <a16:creationId xmlns="" xmlns:a16="http://schemas.microsoft.com/office/drawing/2014/main" id="{BD55B4B9-A03A-684D-8A7E-A30160DD9D94}"/>
                   </a:ext>
                 </a:extLst>
               </p:cNvPr>
@@ -10808,7 +10375,7 @@
               <p:cNvPr id="20" name="文本框 19">
                 <a:extLst>
                   <a:ext uri="{FF2B5EF4-FFF2-40B4-BE49-F238E27FC236}">
-                    <a16:creationId xmlns:a16="http://schemas.microsoft.com/office/drawing/2014/main" xmlns="" id="{8A6A7549-DEB2-C640-8E38-B6182AB03239}"/>
+                    <a16:creationId xmlns="" xmlns:a16="http://schemas.microsoft.com/office/drawing/2014/main" id="{8A6A7549-DEB2-C640-8E38-B6182AB03239}"/>
                   </a:ext>
                 </a:extLst>
               </p:cNvPr>
@@ -10921,7 +10488,7 @@
           <p:cNvPr id="22" name="表格 21">
             <a:extLst>
               <a:ext uri="{FF2B5EF4-FFF2-40B4-BE49-F238E27FC236}">
-                <a16:creationId xmlns:a16="http://schemas.microsoft.com/office/drawing/2014/main" xmlns="" id="{A5BC4791-7FDA-154B-B84C-640757DB2A30}"/>
+                <a16:creationId xmlns="" xmlns:a16="http://schemas.microsoft.com/office/drawing/2014/main" id="{A5BC4791-7FDA-154B-B84C-640757DB2A30}"/>
               </a:ext>
             </a:extLst>
           </p:cNvPr>
@@ -10950,56 +10517,56 @@
                 <a:gridCol w="1016000">
                   <a:extLst>
                     <a:ext uri="{9D8B030D-6E8A-4147-A177-3AD203B41FA5}">
-                      <a16:colId xmlns:a16="http://schemas.microsoft.com/office/drawing/2014/main" xmlns="" val="2919921209"/>
+                      <a16:colId xmlns="" xmlns:a16="http://schemas.microsoft.com/office/drawing/2014/main" val="2919921209"/>
                     </a:ext>
                   </a:extLst>
                 </a:gridCol>
                 <a:gridCol w="1016000">
                   <a:extLst>
                     <a:ext uri="{9D8B030D-6E8A-4147-A177-3AD203B41FA5}">
-                      <a16:colId xmlns:a16="http://schemas.microsoft.com/office/drawing/2014/main" xmlns="" val="1274578498"/>
+                      <a16:colId xmlns="" xmlns:a16="http://schemas.microsoft.com/office/drawing/2014/main" val="1274578498"/>
                     </a:ext>
                   </a:extLst>
                 </a:gridCol>
                 <a:gridCol w="1016000">
                   <a:extLst>
                     <a:ext uri="{9D8B030D-6E8A-4147-A177-3AD203B41FA5}">
-                      <a16:colId xmlns:a16="http://schemas.microsoft.com/office/drawing/2014/main" xmlns="" val="2473859656"/>
+                      <a16:colId xmlns="" xmlns:a16="http://schemas.microsoft.com/office/drawing/2014/main" val="2473859656"/>
                     </a:ext>
                   </a:extLst>
                 </a:gridCol>
                 <a:gridCol w="1016000">
                   <a:extLst>
                     <a:ext uri="{9D8B030D-6E8A-4147-A177-3AD203B41FA5}">
-                      <a16:colId xmlns:a16="http://schemas.microsoft.com/office/drawing/2014/main" xmlns="" val="4017853280"/>
+                      <a16:colId xmlns="" xmlns:a16="http://schemas.microsoft.com/office/drawing/2014/main" val="4017853280"/>
                     </a:ext>
                   </a:extLst>
                 </a:gridCol>
                 <a:gridCol w="1016000">
                   <a:extLst>
                     <a:ext uri="{9D8B030D-6E8A-4147-A177-3AD203B41FA5}">
-                      <a16:colId xmlns:a16="http://schemas.microsoft.com/office/drawing/2014/main" xmlns="" val="4046979531"/>
+                      <a16:colId xmlns="" xmlns:a16="http://schemas.microsoft.com/office/drawing/2014/main" val="4046979531"/>
                     </a:ext>
                   </a:extLst>
                 </a:gridCol>
                 <a:gridCol w="1016000">
                   <a:extLst>
                     <a:ext uri="{9D8B030D-6E8A-4147-A177-3AD203B41FA5}">
-                      <a16:colId xmlns:a16="http://schemas.microsoft.com/office/drawing/2014/main" xmlns="" val="1236215947"/>
+                      <a16:colId xmlns="" xmlns:a16="http://schemas.microsoft.com/office/drawing/2014/main" val="1236215947"/>
                     </a:ext>
                   </a:extLst>
                 </a:gridCol>
                 <a:gridCol w="1016000">
                   <a:extLst>
                     <a:ext uri="{9D8B030D-6E8A-4147-A177-3AD203B41FA5}">
-                      <a16:colId xmlns:a16="http://schemas.microsoft.com/office/drawing/2014/main" xmlns="" val="3358476489"/>
+                      <a16:colId xmlns="" xmlns:a16="http://schemas.microsoft.com/office/drawing/2014/main" val="3358476489"/>
                     </a:ext>
                   </a:extLst>
                 </a:gridCol>
                 <a:gridCol w="1016000">
                   <a:extLst>
                     <a:ext uri="{9D8B030D-6E8A-4147-A177-3AD203B41FA5}">
-                      <a16:colId xmlns:a16="http://schemas.microsoft.com/office/drawing/2014/main" xmlns="" val="1544053477"/>
+                      <a16:colId xmlns="" xmlns:a16="http://schemas.microsoft.com/office/drawing/2014/main" val="1544053477"/>
                     </a:ext>
                   </a:extLst>
                 </a:gridCol>
@@ -11459,7 +11026,7 @@
                 </a:tc>
                 <a:extLst>
                   <a:ext uri="{0D108BD9-81ED-4DB2-BD59-A6C34878D82A}">
-                    <a16:rowId xmlns:a16="http://schemas.microsoft.com/office/drawing/2014/main" xmlns="" val="2866617908"/>
+                    <a16:rowId xmlns="" xmlns:a16="http://schemas.microsoft.com/office/drawing/2014/main" val="2866617908"/>
                   </a:ext>
                 </a:extLst>
               </a:tr>
@@ -11472,7 +11039,7 @@
           <p:cNvPr id="25" name="表格 24">
             <a:extLst>
               <a:ext uri="{FF2B5EF4-FFF2-40B4-BE49-F238E27FC236}">
-                <a16:creationId xmlns:a16="http://schemas.microsoft.com/office/drawing/2014/main" xmlns="" id="{5A134B61-04E4-4B41-A5FB-A6F3E458B147}"/>
+                <a16:creationId xmlns="" xmlns:a16="http://schemas.microsoft.com/office/drawing/2014/main" id="{5A134B61-04E4-4B41-A5FB-A6F3E458B147}"/>
               </a:ext>
             </a:extLst>
           </p:cNvPr>
@@ -11501,56 +11068,56 @@
                 <a:gridCol w="1016000">
                   <a:extLst>
                     <a:ext uri="{9D8B030D-6E8A-4147-A177-3AD203B41FA5}">
-                      <a16:colId xmlns:a16="http://schemas.microsoft.com/office/drawing/2014/main" xmlns="" val="2919921209"/>
+                      <a16:colId xmlns="" xmlns:a16="http://schemas.microsoft.com/office/drawing/2014/main" val="2919921209"/>
                     </a:ext>
                   </a:extLst>
                 </a:gridCol>
                 <a:gridCol w="1016000">
                   <a:extLst>
                     <a:ext uri="{9D8B030D-6E8A-4147-A177-3AD203B41FA5}">
-                      <a16:colId xmlns:a16="http://schemas.microsoft.com/office/drawing/2014/main" xmlns="" val="1274578498"/>
+                      <a16:colId xmlns="" xmlns:a16="http://schemas.microsoft.com/office/drawing/2014/main" val="1274578498"/>
                     </a:ext>
                   </a:extLst>
                 </a:gridCol>
                 <a:gridCol w="1016000">
                   <a:extLst>
                     <a:ext uri="{9D8B030D-6E8A-4147-A177-3AD203B41FA5}">
-                      <a16:colId xmlns:a16="http://schemas.microsoft.com/office/drawing/2014/main" xmlns="" val="2473859656"/>
+                      <a16:colId xmlns="" xmlns:a16="http://schemas.microsoft.com/office/drawing/2014/main" val="2473859656"/>
                     </a:ext>
                   </a:extLst>
                 </a:gridCol>
                 <a:gridCol w="1016000">
                   <a:extLst>
                     <a:ext uri="{9D8B030D-6E8A-4147-A177-3AD203B41FA5}">
-                      <a16:colId xmlns:a16="http://schemas.microsoft.com/office/drawing/2014/main" xmlns="" val="4017853280"/>
+                      <a16:colId xmlns="" xmlns:a16="http://schemas.microsoft.com/office/drawing/2014/main" val="4017853280"/>
                     </a:ext>
                   </a:extLst>
                 </a:gridCol>
                 <a:gridCol w="1016000">
                   <a:extLst>
                     <a:ext uri="{9D8B030D-6E8A-4147-A177-3AD203B41FA5}">
-                      <a16:colId xmlns:a16="http://schemas.microsoft.com/office/drawing/2014/main" xmlns="" val="4046979531"/>
+                      <a16:colId xmlns="" xmlns:a16="http://schemas.microsoft.com/office/drawing/2014/main" val="4046979531"/>
                     </a:ext>
                   </a:extLst>
                 </a:gridCol>
                 <a:gridCol w="1016000">
                   <a:extLst>
                     <a:ext uri="{9D8B030D-6E8A-4147-A177-3AD203B41FA5}">
-                      <a16:colId xmlns:a16="http://schemas.microsoft.com/office/drawing/2014/main" xmlns="" val="1236215947"/>
+                      <a16:colId xmlns="" xmlns:a16="http://schemas.microsoft.com/office/drawing/2014/main" val="1236215947"/>
                     </a:ext>
                   </a:extLst>
                 </a:gridCol>
                 <a:gridCol w="1016000">
                   <a:extLst>
                     <a:ext uri="{9D8B030D-6E8A-4147-A177-3AD203B41FA5}">
-                      <a16:colId xmlns:a16="http://schemas.microsoft.com/office/drawing/2014/main" xmlns="" val="3358476489"/>
+                      <a16:colId xmlns="" xmlns:a16="http://schemas.microsoft.com/office/drawing/2014/main" val="3358476489"/>
                     </a:ext>
                   </a:extLst>
                 </a:gridCol>
                 <a:gridCol w="1016000">
                   <a:extLst>
                     <a:ext uri="{9D8B030D-6E8A-4147-A177-3AD203B41FA5}">
-                      <a16:colId xmlns:a16="http://schemas.microsoft.com/office/drawing/2014/main" xmlns="" val="1544053477"/>
+                      <a16:colId xmlns="" xmlns:a16="http://schemas.microsoft.com/office/drawing/2014/main" val="1544053477"/>
                     </a:ext>
                   </a:extLst>
                 </a:gridCol>
@@ -11974,7 +11541,7 @@
                 </a:tc>
                 <a:extLst>
                   <a:ext uri="{0D108BD9-81ED-4DB2-BD59-A6C34878D82A}">
-                    <a16:rowId xmlns:a16="http://schemas.microsoft.com/office/drawing/2014/main" xmlns="" val="2866617908"/>
+                    <a16:rowId xmlns="" xmlns:a16="http://schemas.microsoft.com/office/drawing/2014/main" val="2866617908"/>
                   </a:ext>
                 </a:extLst>
               </a:tr>
@@ -11987,7 +11554,7 @@
           <p:cNvPr id="26" name="表格 25">
             <a:extLst>
               <a:ext uri="{FF2B5EF4-FFF2-40B4-BE49-F238E27FC236}">
-                <a16:creationId xmlns:a16="http://schemas.microsoft.com/office/drawing/2014/main" xmlns="" id="{424DCAD3-3D07-554E-B7A4-D9329A7C076E}"/>
+                <a16:creationId xmlns="" xmlns:a16="http://schemas.microsoft.com/office/drawing/2014/main" id="{424DCAD3-3D07-554E-B7A4-D9329A7C076E}"/>
               </a:ext>
             </a:extLst>
           </p:cNvPr>
@@ -12016,56 +11583,56 @@
                 <a:gridCol w="1016000">
                   <a:extLst>
                     <a:ext uri="{9D8B030D-6E8A-4147-A177-3AD203B41FA5}">
-                      <a16:colId xmlns:a16="http://schemas.microsoft.com/office/drawing/2014/main" xmlns="" val="2919921209"/>
+                      <a16:colId xmlns="" xmlns:a16="http://schemas.microsoft.com/office/drawing/2014/main" val="2919921209"/>
                     </a:ext>
                   </a:extLst>
                 </a:gridCol>
                 <a:gridCol w="1016000">
                   <a:extLst>
                     <a:ext uri="{9D8B030D-6E8A-4147-A177-3AD203B41FA5}">
-                      <a16:colId xmlns:a16="http://schemas.microsoft.com/office/drawing/2014/main" xmlns="" val="1274578498"/>
+                      <a16:colId xmlns="" xmlns:a16="http://schemas.microsoft.com/office/drawing/2014/main" val="1274578498"/>
                     </a:ext>
                   </a:extLst>
                 </a:gridCol>
                 <a:gridCol w="1016000">
                   <a:extLst>
                     <a:ext uri="{9D8B030D-6E8A-4147-A177-3AD203B41FA5}">
-                      <a16:colId xmlns:a16="http://schemas.microsoft.com/office/drawing/2014/main" xmlns="" val="2473859656"/>
+                      <a16:colId xmlns="" xmlns:a16="http://schemas.microsoft.com/office/drawing/2014/main" val="2473859656"/>
                     </a:ext>
                   </a:extLst>
                 </a:gridCol>
                 <a:gridCol w="1016000">
                   <a:extLst>
                     <a:ext uri="{9D8B030D-6E8A-4147-A177-3AD203B41FA5}">
-                      <a16:colId xmlns:a16="http://schemas.microsoft.com/office/drawing/2014/main" xmlns="" val="4017853280"/>
+                      <a16:colId xmlns="" xmlns:a16="http://schemas.microsoft.com/office/drawing/2014/main" val="4017853280"/>
                     </a:ext>
                   </a:extLst>
                 </a:gridCol>
                 <a:gridCol w="1016000">
                   <a:extLst>
                     <a:ext uri="{9D8B030D-6E8A-4147-A177-3AD203B41FA5}">
-                      <a16:colId xmlns:a16="http://schemas.microsoft.com/office/drawing/2014/main" xmlns="" val="4046979531"/>
+                      <a16:colId xmlns="" xmlns:a16="http://schemas.microsoft.com/office/drawing/2014/main" val="4046979531"/>
                     </a:ext>
                   </a:extLst>
                 </a:gridCol>
                 <a:gridCol w="1016000">
                   <a:extLst>
                     <a:ext uri="{9D8B030D-6E8A-4147-A177-3AD203B41FA5}">
-                      <a16:colId xmlns:a16="http://schemas.microsoft.com/office/drawing/2014/main" xmlns="" val="1236215947"/>
+                      <a16:colId xmlns="" xmlns:a16="http://schemas.microsoft.com/office/drawing/2014/main" val="1236215947"/>
                     </a:ext>
                   </a:extLst>
                 </a:gridCol>
                 <a:gridCol w="1016000">
                   <a:extLst>
                     <a:ext uri="{9D8B030D-6E8A-4147-A177-3AD203B41FA5}">
-                      <a16:colId xmlns:a16="http://schemas.microsoft.com/office/drawing/2014/main" xmlns="" val="3358476489"/>
+                      <a16:colId xmlns="" xmlns:a16="http://schemas.microsoft.com/office/drawing/2014/main" val="3358476489"/>
                     </a:ext>
                   </a:extLst>
                 </a:gridCol>
                 <a:gridCol w="1016000">
                   <a:extLst>
                     <a:ext uri="{9D8B030D-6E8A-4147-A177-3AD203B41FA5}">
-                      <a16:colId xmlns:a16="http://schemas.microsoft.com/office/drawing/2014/main" xmlns="" val="1544053477"/>
+                      <a16:colId xmlns="" xmlns:a16="http://schemas.microsoft.com/office/drawing/2014/main" val="1544053477"/>
                     </a:ext>
                   </a:extLst>
                 </a:gridCol>
@@ -12489,7 +12056,7 @@
                 </a:tc>
                 <a:extLst>
                   <a:ext uri="{0D108BD9-81ED-4DB2-BD59-A6C34878D82A}">
-                    <a16:rowId xmlns:a16="http://schemas.microsoft.com/office/drawing/2014/main" xmlns="" val="2866617908"/>
+                    <a16:rowId xmlns="" xmlns:a16="http://schemas.microsoft.com/office/drawing/2014/main" val="2866617908"/>
                   </a:ext>
                 </a:extLst>
               </a:tr>
@@ -12504,7 +12071,7 @@
               <p:cNvPr id="27" name="文本框 26">
                 <a:extLst>
                   <a:ext uri="{FF2B5EF4-FFF2-40B4-BE49-F238E27FC236}">
-                    <a16:creationId xmlns:a16="http://schemas.microsoft.com/office/drawing/2014/main" xmlns="" id="{AB798EC8-B843-054F-B83E-F046B17C0EA0}"/>
+                    <a16:creationId xmlns="" xmlns:a16="http://schemas.microsoft.com/office/drawing/2014/main" id="{AB798EC8-B843-054F-B83E-F046B17C0EA0}"/>
                   </a:ext>
                 </a:extLst>
               </p:cNvPr>
@@ -12606,7 +12173,7 @@
               <p:cNvPr id="28" name="文本框 27">
                 <a:extLst>
                   <a:ext uri="{FF2B5EF4-FFF2-40B4-BE49-F238E27FC236}">
-                    <a16:creationId xmlns:a16="http://schemas.microsoft.com/office/drawing/2014/main" xmlns="" id="{27D3CC6B-6AA1-2940-8DBA-6F5947FC4C24}"/>
+                    <a16:creationId xmlns="" xmlns:a16="http://schemas.microsoft.com/office/drawing/2014/main" id="{27D3CC6B-6AA1-2940-8DBA-6F5947FC4C24}"/>
                   </a:ext>
                 </a:extLst>
               </p:cNvPr>
@@ -12708,7 +12275,7 @@
               <p:cNvPr id="29" name="文本框 28">
                 <a:extLst>
                   <a:ext uri="{FF2B5EF4-FFF2-40B4-BE49-F238E27FC236}">
-                    <a16:creationId xmlns:a16="http://schemas.microsoft.com/office/drawing/2014/main" xmlns="" id="{30AF67DF-91B8-944B-BA09-4410CB07B996}"/>
+                    <a16:creationId xmlns="" xmlns:a16="http://schemas.microsoft.com/office/drawing/2014/main" id="{30AF67DF-91B8-944B-BA09-4410CB07B996}"/>
                   </a:ext>
                 </a:extLst>
               </p:cNvPr>
@@ -12810,7 +12377,7 @@
               <p:cNvPr id="30" name="文本框 29">
                 <a:extLst>
                   <a:ext uri="{FF2B5EF4-FFF2-40B4-BE49-F238E27FC236}">
-                    <a16:creationId xmlns:a16="http://schemas.microsoft.com/office/drawing/2014/main" xmlns="" id="{A5F9490A-F97E-694F-A85B-353E781F38F6}"/>
+                    <a16:creationId xmlns="" xmlns:a16="http://schemas.microsoft.com/office/drawing/2014/main" id="{A5F9490A-F97E-694F-A85B-353E781F38F6}"/>
                   </a:ext>
                 </a:extLst>
               </p:cNvPr>
@@ -13775,10 +13342,10 @@
           <p:cNvPr id="12" name="Rectangle 11">
             <a:extLst>
               <a:ext uri="{FF2B5EF4-FFF2-40B4-BE49-F238E27FC236}">
-                <a16:creationId xmlns:a16="http://schemas.microsoft.com/office/drawing/2014/main" xmlns="" id="{99ED5833-B85B-4103-8A3B-CAB0308E6C15}"/>
+                <a16:creationId xmlns="" xmlns:a16="http://schemas.microsoft.com/office/drawing/2014/main" id="{99ED5833-B85B-4103-8A3B-CAB0308E6C15}"/>
               </a:ext>
               <a:ext uri="{C183D7F6-B498-43B3-948B-1728B52AA6E4}">
-                <adec:decorative xmlns:adec="http://schemas.microsoft.com/office/drawing/2017/decorative" xmlns="" val="1"/>
+                <adec:decorative xmlns="" xmlns:adec="http://schemas.microsoft.com/office/drawing/2017/decorative" val="1"/>
               </a:ext>
             </a:extLst>
           </p:cNvPr>
@@ -13835,7 +13402,7 @@
           <p:cNvPr id="2" name="标题 1">
             <a:extLst>
               <a:ext uri="{FF2B5EF4-FFF2-40B4-BE49-F238E27FC236}">
-                <a16:creationId xmlns:a16="http://schemas.microsoft.com/office/drawing/2014/main" xmlns="" id="{5623247C-369A-F04E-AEFA-A7F98653C3A5}"/>
+                <a16:creationId xmlns="" xmlns:a16="http://schemas.microsoft.com/office/drawing/2014/main" id="{5623247C-369A-F04E-AEFA-A7F98653C3A5}"/>
               </a:ext>
             </a:extLst>
           </p:cNvPr>
@@ -13874,7 +13441,7 @@
           <p:cNvPr id="7" name="图片 6" descr="图示&#10;&#10;描述已自动生成">
             <a:extLst>
               <a:ext uri="{FF2B5EF4-FFF2-40B4-BE49-F238E27FC236}">
-                <a16:creationId xmlns:a16="http://schemas.microsoft.com/office/drawing/2014/main" xmlns="" id="{0CF54521-CC0B-DF49-8831-759E7130C1FC}"/>
+                <a16:creationId xmlns="" xmlns:a16="http://schemas.microsoft.com/office/drawing/2014/main" id="{0CF54521-CC0B-DF49-8831-759E7130C1FC}"/>
               </a:ext>
             </a:extLst>
           </p:cNvPr>
@@ -13904,7 +13471,7 @@
           <p:cNvPr id="5" name="图片 4" descr="图示&#10;&#10;描述已自动生成">
             <a:extLst>
               <a:ext uri="{FF2B5EF4-FFF2-40B4-BE49-F238E27FC236}">
-                <a16:creationId xmlns:a16="http://schemas.microsoft.com/office/drawing/2014/main" xmlns="" id="{3E5AE733-5896-9743-8A7E-09451E85D813}"/>
+                <a16:creationId xmlns="" xmlns:a16="http://schemas.microsoft.com/office/drawing/2014/main" id="{3E5AE733-5896-9743-8A7E-09451E85D813}"/>
               </a:ext>
             </a:extLst>
           </p:cNvPr>
@@ -14026,29 +13593,6 @@
               <a:t>Different query method/error bound?</a:t>
             </a:r>
           </a:p>
-          <a:p>
-            <a:r>
-              <a:rPr kumimoji="1" lang="en-US" altLang="zh-CN" dirty="0" smtClean="0">
-                <a:latin typeface="Times New Roman" charset="0"/>
-                <a:ea typeface="Times New Roman" charset="0"/>
-                <a:cs typeface="Times New Roman" charset="0"/>
-              </a:rPr>
-              <a:t>???</a:t>
-            </a:r>
-            <a:endParaRPr kumimoji="1" lang="en-US" altLang="zh-CN" dirty="0">
-              <a:latin typeface="Times New Roman" charset="0"/>
-              <a:ea typeface="Times New Roman" charset="0"/>
-              <a:cs typeface="Times New Roman" charset="0"/>
-            </a:endParaRPr>
-          </a:p>
-          <a:p>
-            <a:pPr lvl="1"/>
-            <a:endParaRPr kumimoji="1" lang="en-US" altLang="zh-CN" dirty="0">
-              <a:latin typeface="Times New Roman" charset="0"/>
-              <a:ea typeface="Times New Roman" charset="0"/>
-              <a:cs typeface="Times New Roman" charset="0"/>
-            </a:endParaRPr>
-          </a:p>
         </p:txBody>
       </p:sp>
     </p:spTree>
@@ -14093,7 +13637,7 @@
           <p:cNvPr id="2" name="标题 1">
             <a:extLst>
               <a:ext uri="{FF2B5EF4-FFF2-40B4-BE49-F238E27FC236}">
-                <a16:creationId xmlns:a16="http://schemas.microsoft.com/office/drawing/2014/main" xmlns="" id="{6BD3BC95-97FB-854B-BC45-4D2B05ECEC9F}"/>
+                <a16:creationId xmlns="" xmlns:a16="http://schemas.microsoft.com/office/drawing/2014/main" id="{6BD3BC95-97FB-854B-BC45-4D2B05ECEC9F}"/>
               </a:ext>
             </a:extLst>
           </p:cNvPr>
@@ -14128,7 +13672,7 @@
           <p:cNvPr id="35" name="椭圆 34">
             <a:extLst>
               <a:ext uri="{FF2B5EF4-FFF2-40B4-BE49-F238E27FC236}">
-                <a16:creationId xmlns:a16="http://schemas.microsoft.com/office/drawing/2014/main" xmlns="" id="{FE177A80-294D-D74F-9193-54F0F6931790}"/>
+                <a16:creationId xmlns="" xmlns:a16="http://schemas.microsoft.com/office/drawing/2014/main" id="{FE177A80-294D-D74F-9193-54F0F6931790}"/>
               </a:ext>
             </a:extLst>
           </p:cNvPr>
@@ -14174,7 +13718,7 @@
           <p:cNvPr id="36" name="椭圆 35">
             <a:extLst>
               <a:ext uri="{FF2B5EF4-FFF2-40B4-BE49-F238E27FC236}">
-                <a16:creationId xmlns:a16="http://schemas.microsoft.com/office/drawing/2014/main" xmlns="" id="{BC6EE5D6-B812-5A44-8E2E-0D340A99F527}"/>
+                <a16:creationId xmlns="" xmlns:a16="http://schemas.microsoft.com/office/drawing/2014/main" id="{BC6EE5D6-B812-5A44-8E2E-0D340A99F527}"/>
               </a:ext>
             </a:extLst>
           </p:cNvPr>
@@ -14223,7 +13767,7 @@
           <p:cNvPr id="70" name="矩形 69">
             <a:extLst>
               <a:ext uri="{FF2B5EF4-FFF2-40B4-BE49-F238E27FC236}">
-                <a16:creationId xmlns:a16="http://schemas.microsoft.com/office/drawing/2014/main" xmlns="" id="{76DC12EF-3E78-4744-B092-2511D4394ED4}"/>
+                <a16:creationId xmlns="" xmlns:a16="http://schemas.microsoft.com/office/drawing/2014/main" id="{76DC12EF-3E78-4744-B092-2511D4394ED4}"/>
               </a:ext>
             </a:extLst>
           </p:cNvPr>
@@ -14269,7 +13813,7 @@
           <p:cNvPr id="71" name="矩形 70">
             <a:extLst>
               <a:ext uri="{FF2B5EF4-FFF2-40B4-BE49-F238E27FC236}">
-                <a16:creationId xmlns:a16="http://schemas.microsoft.com/office/drawing/2014/main" xmlns="" id="{1CBCA22F-4911-4144-B568-385765FDD372}"/>
+                <a16:creationId xmlns="" xmlns:a16="http://schemas.microsoft.com/office/drawing/2014/main" id="{1CBCA22F-4911-4144-B568-385765FDD372}"/>
               </a:ext>
             </a:extLst>
           </p:cNvPr>
@@ -14315,7 +13859,7 @@
           <p:cNvPr id="72" name="椭圆 71">
             <a:extLst>
               <a:ext uri="{FF2B5EF4-FFF2-40B4-BE49-F238E27FC236}">
-                <a16:creationId xmlns:a16="http://schemas.microsoft.com/office/drawing/2014/main" xmlns="" id="{CD70E9C7-E090-FC47-B17E-B628E54D05FA}"/>
+                <a16:creationId xmlns="" xmlns:a16="http://schemas.microsoft.com/office/drawing/2014/main" id="{CD70E9C7-E090-FC47-B17E-B628E54D05FA}"/>
               </a:ext>
             </a:extLst>
           </p:cNvPr>
@@ -14361,7 +13905,7 @@
           <p:cNvPr id="73" name="直线连接符 72">
             <a:extLst>
               <a:ext uri="{FF2B5EF4-FFF2-40B4-BE49-F238E27FC236}">
-                <a16:creationId xmlns:a16="http://schemas.microsoft.com/office/drawing/2014/main" xmlns="" id="{8F3893D3-96CB-E14C-B718-FF139035D674}"/>
+                <a16:creationId xmlns="" xmlns:a16="http://schemas.microsoft.com/office/drawing/2014/main" id="{8F3893D3-96CB-E14C-B718-FF139035D674}"/>
               </a:ext>
             </a:extLst>
           </p:cNvPr>
@@ -14406,7 +13950,7 @@
           <p:cNvPr id="74" name="直线连接符 73">
             <a:extLst>
               <a:ext uri="{FF2B5EF4-FFF2-40B4-BE49-F238E27FC236}">
-                <a16:creationId xmlns:a16="http://schemas.microsoft.com/office/drawing/2014/main" xmlns="" id="{0FAEEE3F-00C1-C94A-97FA-CE21D40B8CB7}"/>
+                <a16:creationId xmlns="" xmlns:a16="http://schemas.microsoft.com/office/drawing/2014/main" id="{0FAEEE3F-00C1-C94A-97FA-CE21D40B8CB7}"/>
               </a:ext>
             </a:extLst>
           </p:cNvPr>
@@ -14451,7 +13995,7 @@
           <p:cNvPr id="75" name="矩形 74">
             <a:extLst>
               <a:ext uri="{FF2B5EF4-FFF2-40B4-BE49-F238E27FC236}">
-                <a16:creationId xmlns:a16="http://schemas.microsoft.com/office/drawing/2014/main" xmlns="" id="{E75CA6BA-015B-014E-AB8A-35BF63F8E901}"/>
+                <a16:creationId xmlns="" xmlns:a16="http://schemas.microsoft.com/office/drawing/2014/main" id="{E75CA6BA-015B-014E-AB8A-35BF63F8E901}"/>
               </a:ext>
             </a:extLst>
           </p:cNvPr>
@@ -14497,7 +14041,7 @@
           <p:cNvPr id="76" name="矩形 75">
             <a:extLst>
               <a:ext uri="{FF2B5EF4-FFF2-40B4-BE49-F238E27FC236}">
-                <a16:creationId xmlns:a16="http://schemas.microsoft.com/office/drawing/2014/main" xmlns="" id="{51D6FEDD-A53E-A24B-BE7E-092955A49847}"/>
+                <a16:creationId xmlns="" xmlns:a16="http://schemas.microsoft.com/office/drawing/2014/main" id="{51D6FEDD-A53E-A24B-BE7E-092955A49847}"/>
               </a:ext>
             </a:extLst>
           </p:cNvPr>
@@ -14543,7 +14087,7 @@
           <p:cNvPr id="77" name="椭圆 76">
             <a:extLst>
               <a:ext uri="{FF2B5EF4-FFF2-40B4-BE49-F238E27FC236}">
-                <a16:creationId xmlns:a16="http://schemas.microsoft.com/office/drawing/2014/main" xmlns="" id="{28C8ED9E-0A7A-F143-9504-88BA23264A68}"/>
+                <a16:creationId xmlns="" xmlns:a16="http://schemas.microsoft.com/office/drawing/2014/main" id="{28C8ED9E-0A7A-F143-9504-88BA23264A68}"/>
               </a:ext>
             </a:extLst>
           </p:cNvPr>
@@ -14589,7 +14133,7 @@
           <p:cNvPr id="78" name="直线连接符 77">
             <a:extLst>
               <a:ext uri="{FF2B5EF4-FFF2-40B4-BE49-F238E27FC236}">
-                <a16:creationId xmlns:a16="http://schemas.microsoft.com/office/drawing/2014/main" xmlns="" id="{D7C680DE-E525-3D4F-B145-B7C61368168A}"/>
+                <a16:creationId xmlns="" xmlns:a16="http://schemas.microsoft.com/office/drawing/2014/main" id="{D7C680DE-E525-3D4F-B145-B7C61368168A}"/>
               </a:ext>
             </a:extLst>
           </p:cNvPr>
@@ -14634,7 +14178,7 @@
           <p:cNvPr id="79" name="直线连接符 78">
             <a:extLst>
               <a:ext uri="{FF2B5EF4-FFF2-40B4-BE49-F238E27FC236}">
-                <a16:creationId xmlns:a16="http://schemas.microsoft.com/office/drawing/2014/main" xmlns="" id="{52E496C5-2194-5540-8B69-4A614CB2C695}"/>
+                <a16:creationId xmlns="" xmlns:a16="http://schemas.microsoft.com/office/drawing/2014/main" id="{52E496C5-2194-5540-8B69-4A614CB2C695}"/>
               </a:ext>
             </a:extLst>
           </p:cNvPr>
@@ -14679,7 +14223,7 @@
           <p:cNvPr id="80" name="直线连接符 79">
             <a:extLst>
               <a:ext uri="{FF2B5EF4-FFF2-40B4-BE49-F238E27FC236}">
-                <a16:creationId xmlns:a16="http://schemas.microsoft.com/office/drawing/2014/main" xmlns="" id="{B2F72FF8-CB71-9440-8AB4-9B899631BE0A}"/>
+                <a16:creationId xmlns="" xmlns:a16="http://schemas.microsoft.com/office/drawing/2014/main" id="{B2F72FF8-CB71-9440-8AB4-9B899631BE0A}"/>
               </a:ext>
             </a:extLst>
           </p:cNvPr>
@@ -14724,7 +14268,7 @@
           <p:cNvPr id="83" name="直线连接符 82">
             <a:extLst>
               <a:ext uri="{FF2B5EF4-FFF2-40B4-BE49-F238E27FC236}">
-                <a16:creationId xmlns:a16="http://schemas.microsoft.com/office/drawing/2014/main" xmlns="" id="{CB8ECDB2-18F6-ED40-BF29-0E4204300FF1}"/>
+                <a16:creationId xmlns="" xmlns:a16="http://schemas.microsoft.com/office/drawing/2014/main" id="{CB8ECDB2-18F6-ED40-BF29-0E4204300FF1}"/>
               </a:ext>
             </a:extLst>
           </p:cNvPr>
@@ -14769,7 +14313,7 @@
           <p:cNvPr id="86" name="椭圆 85">
             <a:extLst>
               <a:ext uri="{FF2B5EF4-FFF2-40B4-BE49-F238E27FC236}">
-                <a16:creationId xmlns:a16="http://schemas.microsoft.com/office/drawing/2014/main" xmlns="" id="{D1E67824-653C-E74B-968D-3A3D0E990C80}"/>
+                <a16:creationId xmlns="" xmlns:a16="http://schemas.microsoft.com/office/drawing/2014/main" id="{D1E67824-653C-E74B-968D-3A3D0E990C80}"/>
               </a:ext>
             </a:extLst>
           </p:cNvPr>
@@ -14818,7 +14362,7 @@
           <p:cNvPr id="87" name="矩形 86">
             <a:extLst>
               <a:ext uri="{FF2B5EF4-FFF2-40B4-BE49-F238E27FC236}">
-                <a16:creationId xmlns:a16="http://schemas.microsoft.com/office/drawing/2014/main" xmlns="" id="{CE639E0C-5CED-7845-B8E2-188D7E851CD1}"/>
+                <a16:creationId xmlns="" xmlns:a16="http://schemas.microsoft.com/office/drawing/2014/main" id="{CE639E0C-5CED-7845-B8E2-188D7E851CD1}"/>
               </a:ext>
             </a:extLst>
           </p:cNvPr>
@@ -14872,7 +14416,7 @@
           <p:cNvPr id="88" name="矩形 87">
             <a:extLst>
               <a:ext uri="{FF2B5EF4-FFF2-40B4-BE49-F238E27FC236}">
-                <a16:creationId xmlns:a16="http://schemas.microsoft.com/office/drawing/2014/main" xmlns="" id="{ED911405-A61F-AF48-87AF-11B13D5DAF38}"/>
+                <a16:creationId xmlns="" xmlns:a16="http://schemas.microsoft.com/office/drawing/2014/main" id="{ED911405-A61F-AF48-87AF-11B13D5DAF38}"/>
               </a:ext>
             </a:extLst>
           </p:cNvPr>
@@ -14918,7 +14462,7 @@
           <p:cNvPr id="89" name="椭圆 88">
             <a:extLst>
               <a:ext uri="{FF2B5EF4-FFF2-40B4-BE49-F238E27FC236}">
-                <a16:creationId xmlns:a16="http://schemas.microsoft.com/office/drawing/2014/main" xmlns="" id="{451C4244-70E6-4542-8B8C-950146583A1D}"/>
+                <a16:creationId xmlns="" xmlns:a16="http://schemas.microsoft.com/office/drawing/2014/main" id="{451C4244-70E6-4542-8B8C-950146583A1D}"/>
               </a:ext>
             </a:extLst>
           </p:cNvPr>
@@ -14967,7 +14511,7 @@
           <p:cNvPr id="90" name="直线连接符 89">
             <a:extLst>
               <a:ext uri="{FF2B5EF4-FFF2-40B4-BE49-F238E27FC236}">
-                <a16:creationId xmlns:a16="http://schemas.microsoft.com/office/drawing/2014/main" xmlns="" id="{D8A0E0E2-635A-C94E-AED8-A6524FE9CF46}"/>
+                <a16:creationId xmlns="" xmlns:a16="http://schemas.microsoft.com/office/drawing/2014/main" id="{D8A0E0E2-635A-C94E-AED8-A6524FE9CF46}"/>
               </a:ext>
             </a:extLst>
           </p:cNvPr>
@@ -15012,7 +14556,7 @@
           <p:cNvPr id="91" name="直线连接符 90">
             <a:extLst>
               <a:ext uri="{FF2B5EF4-FFF2-40B4-BE49-F238E27FC236}">
-                <a16:creationId xmlns:a16="http://schemas.microsoft.com/office/drawing/2014/main" xmlns="" id="{91DCF7F9-7067-4742-AAE9-5541B02DA910}"/>
+                <a16:creationId xmlns="" xmlns:a16="http://schemas.microsoft.com/office/drawing/2014/main" id="{91DCF7F9-7067-4742-AAE9-5541B02DA910}"/>
               </a:ext>
             </a:extLst>
           </p:cNvPr>
@@ -15057,7 +14601,7 @@
           <p:cNvPr id="92" name="矩形 91">
             <a:extLst>
               <a:ext uri="{FF2B5EF4-FFF2-40B4-BE49-F238E27FC236}">
-                <a16:creationId xmlns:a16="http://schemas.microsoft.com/office/drawing/2014/main" xmlns="" id="{60E7D525-D61D-134B-B62D-5B76DDCC14F5}"/>
+                <a16:creationId xmlns="" xmlns:a16="http://schemas.microsoft.com/office/drawing/2014/main" id="{60E7D525-D61D-134B-B62D-5B76DDCC14F5}"/>
               </a:ext>
             </a:extLst>
           </p:cNvPr>
@@ -15103,7 +14647,7 @@
           <p:cNvPr id="93" name="矩形 92">
             <a:extLst>
               <a:ext uri="{FF2B5EF4-FFF2-40B4-BE49-F238E27FC236}">
-                <a16:creationId xmlns:a16="http://schemas.microsoft.com/office/drawing/2014/main" xmlns="" id="{A8800A96-5B4C-5445-B173-27E1FC332247}"/>
+                <a16:creationId xmlns="" xmlns:a16="http://schemas.microsoft.com/office/drawing/2014/main" id="{A8800A96-5B4C-5445-B173-27E1FC332247}"/>
               </a:ext>
             </a:extLst>
           </p:cNvPr>
@@ -15149,7 +14693,7 @@
           <p:cNvPr id="94" name="椭圆 93">
             <a:extLst>
               <a:ext uri="{FF2B5EF4-FFF2-40B4-BE49-F238E27FC236}">
-                <a16:creationId xmlns:a16="http://schemas.microsoft.com/office/drawing/2014/main" xmlns="" id="{EB4A5D39-59E0-BC46-A35D-1B10808219D4}"/>
+                <a16:creationId xmlns="" xmlns:a16="http://schemas.microsoft.com/office/drawing/2014/main" id="{EB4A5D39-59E0-BC46-A35D-1B10808219D4}"/>
               </a:ext>
             </a:extLst>
           </p:cNvPr>
@@ -15195,7 +14739,7 @@
           <p:cNvPr id="95" name="直线连接符 94">
             <a:extLst>
               <a:ext uri="{FF2B5EF4-FFF2-40B4-BE49-F238E27FC236}">
-                <a16:creationId xmlns:a16="http://schemas.microsoft.com/office/drawing/2014/main" xmlns="" id="{5A6A792C-A19D-8D40-B56B-9279B5CE0D85}"/>
+                <a16:creationId xmlns="" xmlns:a16="http://schemas.microsoft.com/office/drawing/2014/main" id="{5A6A792C-A19D-8D40-B56B-9279B5CE0D85}"/>
               </a:ext>
             </a:extLst>
           </p:cNvPr>
@@ -15240,7 +14784,7 @@
           <p:cNvPr id="96" name="直线连接符 95">
             <a:extLst>
               <a:ext uri="{FF2B5EF4-FFF2-40B4-BE49-F238E27FC236}">
-                <a16:creationId xmlns:a16="http://schemas.microsoft.com/office/drawing/2014/main" xmlns="" id="{D5A10680-6902-4244-B81A-7EBDAED0CFDF}"/>
+                <a16:creationId xmlns="" xmlns:a16="http://schemas.microsoft.com/office/drawing/2014/main" id="{D5A10680-6902-4244-B81A-7EBDAED0CFDF}"/>
               </a:ext>
             </a:extLst>
           </p:cNvPr>
@@ -15285,7 +14829,7 @@
           <p:cNvPr id="97" name="直线连接符 96">
             <a:extLst>
               <a:ext uri="{FF2B5EF4-FFF2-40B4-BE49-F238E27FC236}">
-                <a16:creationId xmlns:a16="http://schemas.microsoft.com/office/drawing/2014/main" xmlns="" id="{4C7B2CBB-05F8-1C48-BB82-81EFD7C255EE}"/>
+                <a16:creationId xmlns="" xmlns:a16="http://schemas.microsoft.com/office/drawing/2014/main" id="{4C7B2CBB-05F8-1C48-BB82-81EFD7C255EE}"/>
               </a:ext>
             </a:extLst>
           </p:cNvPr>
@@ -15330,7 +14874,7 @@
           <p:cNvPr id="98" name="直线连接符 97">
             <a:extLst>
               <a:ext uri="{FF2B5EF4-FFF2-40B4-BE49-F238E27FC236}">
-                <a16:creationId xmlns:a16="http://schemas.microsoft.com/office/drawing/2014/main" xmlns="" id="{BCCCD3ED-50F1-7A49-8FF2-C0393660C362}"/>
+                <a16:creationId xmlns="" xmlns:a16="http://schemas.microsoft.com/office/drawing/2014/main" id="{BCCCD3ED-50F1-7A49-8FF2-C0393660C362}"/>
               </a:ext>
             </a:extLst>
           </p:cNvPr>
@@ -15375,7 +14919,7 @@
           <p:cNvPr id="99" name="直线连接符 98">
             <a:extLst>
               <a:ext uri="{FF2B5EF4-FFF2-40B4-BE49-F238E27FC236}">
-                <a16:creationId xmlns:a16="http://schemas.microsoft.com/office/drawing/2014/main" xmlns="" id="{54CA5F68-92C8-D245-B66B-0A8135500154}"/>
+                <a16:creationId xmlns="" xmlns:a16="http://schemas.microsoft.com/office/drawing/2014/main" id="{54CA5F68-92C8-D245-B66B-0A8135500154}"/>
               </a:ext>
             </a:extLst>
           </p:cNvPr>
@@ -15420,7 +14964,7 @@
           <p:cNvPr id="102" name="直线连接符 101">
             <a:extLst>
               <a:ext uri="{FF2B5EF4-FFF2-40B4-BE49-F238E27FC236}">
-                <a16:creationId xmlns:a16="http://schemas.microsoft.com/office/drawing/2014/main" xmlns="" id="{D25792AE-BA15-4C4D-9B9B-E8116F709353}"/>
+                <a16:creationId xmlns="" xmlns:a16="http://schemas.microsoft.com/office/drawing/2014/main" id="{D25792AE-BA15-4C4D-9B9B-E8116F709353}"/>
               </a:ext>
             </a:extLst>
           </p:cNvPr>
@@ -15465,7 +15009,7 @@
           <p:cNvPr id="134" name="椭圆 133">
             <a:extLst>
               <a:ext uri="{FF2B5EF4-FFF2-40B4-BE49-F238E27FC236}">
-                <a16:creationId xmlns:a16="http://schemas.microsoft.com/office/drawing/2014/main" xmlns="" id="{D812FCEC-45C2-B344-801D-231FDC0CD8C9}"/>
+                <a16:creationId xmlns="" xmlns:a16="http://schemas.microsoft.com/office/drawing/2014/main" id="{D812FCEC-45C2-B344-801D-231FDC0CD8C9}"/>
               </a:ext>
             </a:extLst>
           </p:cNvPr>
@@ -15511,7 +15055,7 @@
           <p:cNvPr id="135" name="椭圆 134">
             <a:extLst>
               <a:ext uri="{FF2B5EF4-FFF2-40B4-BE49-F238E27FC236}">
-                <a16:creationId xmlns:a16="http://schemas.microsoft.com/office/drawing/2014/main" xmlns="" id="{45853432-1967-0E48-92F5-0FE48174D819}"/>
+                <a16:creationId xmlns="" xmlns:a16="http://schemas.microsoft.com/office/drawing/2014/main" id="{45853432-1967-0E48-92F5-0FE48174D819}"/>
               </a:ext>
             </a:extLst>
           </p:cNvPr>
@@ -15560,7 +15104,7 @@
           <p:cNvPr id="136" name="矩形 135">
             <a:extLst>
               <a:ext uri="{FF2B5EF4-FFF2-40B4-BE49-F238E27FC236}">
-                <a16:creationId xmlns:a16="http://schemas.microsoft.com/office/drawing/2014/main" xmlns="" id="{53905ACF-99DD-F742-B3F9-98736B3484DB}"/>
+                <a16:creationId xmlns="" xmlns:a16="http://schemas.microsoft.com/office/drawing/2014/main" id="{53905ACF-99DD-F742-B3F9-98736B3484DB}"/>
               </a:ext>
             </a:extLst>
           </p:cNvPr>
@@ -15606,7 +15150,7 @@
           <p:cNvPr id="137" name="矩形 136">
             <a:extLst>
               <a:ext uri="{FF2B5EF4-FFF2-40B4-BE49-F238E27FC236}">
-                <a16:creationId xmlns:a16="http://schemas.microsoft.com/office/drawing/2014/main" xmlns="" id="{B89B761A-F90C-EE46-9B43-C6656AC2353C}"/>
+                <a16:creationId xmlns="" xmlns:a16="http://schemas.microsoft.com/office/drawing/2014/main" id="{B89B761A-F90C-EE46-9B43-C6656AC2353C}"/>
               </a:ext>
             </a:extLst>
           </p:cNvPr>
@@ -15652,7 +15196,7 @@
           <p:cNvPr id="138" name="椭圆 137">
             <a:extLst>
               <a:ext uri="{FF2B5EF4-FFF2-40B4-BE49-F238E27FC236}">
-                <a16:creationId xmlns:a16="http://schemas.microsoft.com/office/drawing/2014/main" xmlns="" id="{1C8B860B-F86D-4B4B-9193-876CD7DC0907}"/>
+                <a16:creationId xmlns="" xmlns:a16="http://schemas.microsoft.com/office/drawing/2014/main" id="{1C8B860B-F86D-4B4B-9193-876CD7DC0907}"/>
               </a:ext>
             </a:extLst>
           </p:cNvPr>
@@ -15698,7 +15242,7 @@
           <p:cNvPr id="139" name="直线连接符 138">
             <a:extLst>
               <a:ext uri="{FF2B5EF4-FFF2-40B4-BE49-F238E27FC236}">
-                <a16:creationId xmlns:a16="http://schemas.microsoft.com/office/drawing/2014/main" xmlns="" id="{38202E17-7B59-C649-865C-21D4F76A306D}"/>
+                <a16:creationId xmlns="" xmlns:a16="http://schemas.microsoft.com/office/drawing/2014/main" id="{38202E17-7B59-C649-865C-21D4F76A306D}"/>
               </a:ext>
             </a:extLst>
           </p:cNvPr>
@@ -15743,7 +15287,7 @@
           <p:cNvPr id="140" name="直线连接符 139">
             <a:extLst>
               <a:ext uri="{FF2B5EF4-FFF2-40B4-BE49-F238E27FC236}">
-                <a16:creationId xmlns:a16="http://schemas.microsoft.com/office/drawing/2014/main" xmlns="" id="{A686937A-936E-D841-80F9-D60C793716A1}"/>
+                <a16:creationId xmlns="" xmlns:a16="http://schemas.microsoft.com/office/drawing/2014/main" id="{A686937A-936E-D841-80F9-D60C793716A1}"/>
               </a:ext>
             </a:extLst>
           </p:cNvPr>
@@ -15788,7 +15332,7 @@
           <p:cNvPr id="141" name="矩形 140">
             <a:extLst>
               <a:ext uri="{FF2B5EF4-FFF2-40B4-BE49-F238E27FC236}">
-                <a16:creationId xmlns:a16="http://schemas.microsoft.com/office/drawing/2014/main" xmlns="" id="{D3476BC9-3617-2349-AD3A-4D84C847071B}"/>
+                <a16:creationId xmlns="" xmlns:a16="http://schemas.microsoft.com/office/drawing/2014/main" id="{D3476BC9-3617-2349-AD3A-4D84C847071B}"/>
               </a:ext>
             </a:extLst>
           </p:cNvPr>
@@ -15834,7 +15378,7 @@
           <p:cNvPr id="142" name="矩形 141">
             <a:extLst>
               <a:ext uri="{FF2B5EF4-FFF2-40B4-BE49-F238E27FC236}">
-                <a16:creationId xmlns:a16="http://schemas.microsoft.com/office/drawing/2014/main" xmlns="" id="{35D61483-E1EA-2F47-A87D-5C5DAAF4C881}"/>
+                <a16:creationId xmlns="" xmlns:a16="http://schemas.microsoft.com/office/drawing/2014/main" id="{35D61483-E1EA-2F47-A87D-5C5DAAF4C881}"/>
               </a:ext>
             </a:extLst>
           </p:cNvPr>
@@ -15880,7 +15424,7 @@
           <p:cNvPr id="143" name="椭圆 142">
             <a:extLst>
               <a:ext uri="{FF2B5EF4-FFF2-40B4-BE49-F238E27FC236}">
-                <a16:creationId xmlns:a16="http://schemas.microsoft.com/office/drawing/2014/main" xmlns="" id="{E2395878-95EC-F440-B899-6DB2E3106F63}"/>
+                <a16:creationId xmlns="" xmlns:a16="http://schemas.microsoft.com/office/drawing/2014/main" id="{E2395878-95EC-F440-B899-6DB2E3106F63}"/>
               </a:ext>
             </a:extLst>
           </p:cNvPr>
@@ -15926,7 +15470,7 @@
           <p:cNvPr id="144" name="直线连接符 143">
             <a:extLst>
               <a:ext uri="{FF2B5EF4-FFF2-40B4-BE49-F238E27FC236}">
-                <a16:creationId xmlns:a16="http://schemas.microsoft.com/office/drawing/2014/main" xmlns="" id="{CD20C65D-F06D-DD44-B428-C81AA47372D7}"/>
+                <a16:creationId xmlns="" xmlns:a16="http://schemas.microsoft.com/office/drawing/2014/main" id="{CD20C65D-F06D-DD44-B428-C81AA47372D7}"/>
               </a:ext>
             </a:extLst>
           </p:cNvPr>
@@ -15971,7 +15515,7 @@
           <p:cNvPr id="145" name="直线连接符 144">
             <a:extLst>
               <a:ext uri="{FF2B5EF4-FFF2-40B4-BE49-F238E27FC236}">
-                <a16:creationId xmlns:a16="http://schemas.microsoft.com/office/drawing/2014/main" xmlns="" id="{4A9E221B-42B3-C740-B0F0-1A2B9833930E}"/>
+                <a16:creationId xmlns="" xmlns:a16="http://schemas.microsoft.com/office/drawing/2014/main" id="{4A9E221B-42B3-C740-B0F0-1A2B9833930E}"/>
               </a:ext>
             </a:extLst>
           </p:cNvPr>
@@ -16016,7 +15560,7 @@
           <p:cNvPr id="146" name="直线连接符 145">
             <a:extLst>
               <a:ext uri="{FF2B5EF4-FFF2-40B4-BE49-F238E27FC236}">
-                <a16:creationId xmlns:a16="http://schemas.microsoft.com/office/drawing/2014/main" xmlns="" id="{A7B7AC7C-9690-9944-B1FE-CBA8452577D4}"/>
+                <a16:creationId xmlns="" xmlns:a16="http://schemas.microsoft.com/office/drawing/2014/main" id="{A7B7AC7C-9690-9944-B1FE-CBA8452577D4}"/>
               </a:ext>
             </a:extLst>
           </p:cNvPr>
@@ -16061,7 +15605,7 @@
           <p:cNvPr id="147" name="直线连接符 146">
             <a:extLst>
               <a:ext uri="{FF2B5EF4-FFF2-40B4-BE49-F238E27FC236}">
-                <a16:creationId xmlns:a16="http://schemas.microsoft.com/office/drawing/2014/main" xmlns="" id="{6D66B493-EBF1-EC42-BE0A-D44EB359DE35}"/>
+                <a16:creationId xmlns="" xmlns:a16="http://schemas.microsoft.com/office/drawing/2014/main" id="{6D66B493-EBF1-EC42-BE0A-D44EB359DE35}"/>
               </a:ext>
             </a:extLst>
           </p:cNvPr>
@@ -16106,7 +15650,7 @@
           <p:cNvPr id="148" name="椭圆 147">
             <a:extLst>
               <a:ext uri="{FF2B5EF4-FFF2-40B4-BE49-F238E27FC236}">
-                <a16:creationId xmlns:a16="http://schemas.microsoft.com/office/drawing/2014/main" xmlns="" id="{9671E381-8C9A-7249-8690-9A97FE6CEC37}"/>
+                <a16:creationId xmlns="" xmlns:a16="http://schemas.microsoft.com/office/drawing/2014/main" id="{9671E381-8C9A-7249-8690-9A97FE6CEC37}"/>
               </a:ext>
             </a:extLst>
           </p:cNvPr>
@@ -16155,7 +15699,7 @@
           <p:cNvPr id="149" name="矩形 148">
             <a:extLst>
               <a:ext uri="{FF2B5EF4-FFF2-40B4-BE49-F238E27FC236}">
-                <a16:creationId xmlns:a16="http://schemas.microsoft.com/office/drawing/2014/main" xmlns="" id="{88213569-380C-704D-8320-D89BC8332040}"/>
+                <a16:creationId xmlns="" xmlns:a16="http://schemas.microsoft.com/office/drawing/2014/main" id="{88213569-380C-704D-8320-D89BC8332040}"/>
               </a:ext>
             </a:extLst>
           </p:cNvPr>
@@ -16201,7 +15745,7 @@
           <p:cNvPr id="150" name="矩形 149">
             <a:extLst>
               <a:ext uri="{FF2B5EF4-FFF2-40B4-BE49-F238E27FC236}">
-                <a16:creationId xmlns:a16="http://schemas.microsoft.com/office/drawing/2014/main" xmlns="" id="{CC2D48BD-2F54-1846-9FE6-B2926D606B96}"/>
+                <a16:creationId xmlns="" xmlns:a16="http://schemas.microsoft.com/office/drawing/2014/main" id="{CC2D48BD-2F54-1846-9FE6-B2926D606B96}"/>
               </a:ext>
             </a:extLst>
           </p:cNvPr>
@@ -16247,7 +15791,7 @@
           <p:cNvPr id="151" name="椭圆 150">
             <a:extLst>
               <a:ext uri="{FF2B5EF4-FFF2-40B4-BE49-F238E27FC236}">
-                <a16:creationId xmlns:a16="http://schemas.microsoft.com/office/drawing/2014/main" xmlns="" id="{CC3C0616-22E1-C94C-8B56-7F7DD53DC4D3}"/>
+                <a16:creationId xmlns="" xmlns:a16="http://schemas.microsoft.com/office/drawing/2014/main" id="{CC3C0616-22E1-C94C-8B56-7F7DD53DC4D3}"/>
               </a:ext>
             </a:extLst>
           </p:cNvPr>
@@ -16293,7 +15837,7 @@
           <p:cNvPr id="152" name="直线连接符 151">
             <a:extLst>
               <a:ext uri="{FF2B5EF4-FFF2-40B4-BE49-F238E27FC236}">
-                <a16:creationId xmlns:a16="http://schemas.microsoft.com/office/drawing/2014/main" xmlns="" id="{60B11272-6AB9-CA4C-B732-26120A0C2D95}"/>
+                <a16:creationId xmlns="" xmlns:a16="http://schemas.microsoft.com/office/drawing/2014/main" id="{60B11272-6AB9-CA4C-B732-26120A0C2D95}"/>
               </a:ext>
             </a:extLst>
           </p:cNvPr>
@@ -16338,7 +15882,7 @@
           <p:cNvPr id="153" name="直线连接符 152">
             <a:extLst>
               <a:ext uri="{FF2B5EF4-FFF2-40B4-BE49-F238E27FC236}">
-                <a16:creationId xmlns:a16="http://schemas.microsoft.com/office/drawing/2014/main" xmlns="" id="{ED220DF5-351F-AF4A-BFC5-E3A9ACFD304F}"/>
+                <a16:creationId xmlns="" xmlns:a16="http://schemas.microsoft.com/office/drawing/2014/main" id="{ED220DF5-351F-AF4A-BFC5-E3A9ACFD304F}"/>
               </a:ext>
             </a:extLst>
           </p:cNvPr>
@@ -16383,7 +15927,7 @@
           <p:cNvPr id="154" name="矩形 153">
             <a:extLst>
               <a:ext uri="{FF2B5EF4-FFF2-40B4-BE49-F238E27FC236}">
-                <a16:creationId xmlns:a16="http://schemas.microsoft.com/office/drawing/2014/main" xmlns="" id="{4B8DE2BB-3A6E-E14F-8864-AA75D7DDD0E9}"/>
+                <a16:creationId xmlns="" xmlns:a16="http://schemas.microsoft.com/office/drawing/2014/main" id="{4B8DE2BB-3A6E-E14F-8864-AA75D7DDD0E9}"/>
               </a:ext>
             </a:extLst>
           </p:cNvPr>
@@ -16429,7 +15973,7 @@
           <p:cNvPr id="155" name="矩形 154">
             <a:extLst>
               <a:ext uri="{FF2B5EF4-FFF2-40B4-BE49-F238E27FC236}">
-                <a16:creationId xmlns:a16="http://schemas.microsoft.com/office/drawing/2014/main" xmlns="" id="{72AE0033-0163-7044-AE9F-701DB78B7EF9}"/>
+                <a16:creationId xmlns="" xmlns:a16="http://schemas.microsoft.com/office/drawing/2014/main" id="{72AE0033-0163-7044-AE9F-701DB78B7EF9}"/>
               </a:ext>
             </a:extLst>
           </p:cNvPr>
@@ -16483,7 +16027,7 @@
           <p:cNvPr id="156" name="椭圆 155">
             <a:extLst>
               <a:ext uri="{FF2B5EF4-FFF2-40B4-BE49-F238E27FC236}">
-                <a16:creationId xmlns:a16="http://schemas.microsoft.com/office/drawing/2014/main" xmlns="" id="{8ABA1EAD-85CF-F84F-AE56-875490D8D171}"/>
+                <a16:creationId xmlns="" xmlns:a16="http://schemas.microsoft.com/office/drawing/2014/main" id="{8ABA1EAD-85CF-F84F-AE56-875490D8D171}"/>
               </a:ext>
             </a:extLst>
           </p:cNvPr>
@@ -16532,7 +16076,7 @@
           <p:cNvPr id="157" name="直线连接符 156">
             <a:extLst>
               <a:ext uri="{FF2B5EF4-FFF2-40B4-BE49-F238E27FC236}">
-                <a16:creationId xmlns:a16="http://schemas.microsoft.com/office/drawing/2014/main" xmlns="" id="{2C4DA044-EEA3-2648-9022-9D4B646E54CE}"/>
+                <a16:creationId xmlns="" xmlns:a16="http://schemas.microsoft.com/office/drawing/2014/main" id="{2C4DA044-EEA3-2648-9022-9D4B646E54CE}"/>
               </a:ext>
             </a:extLst>
           </p:cNvPr>
@@ -16577,7 +16121,7 @@
           <p:cNvPr id="158" name="直线连接符 157">
             <a:extLst>
               <a:ext uri="{FF2B5EF4-FFF2-40B4-BE49-F238E27FC236}">
-                <a16:creationId xmlns:a16="http://schemas.microsoft.com/office/drawing/2014/main" xmlns="" id="{678F7910-1BFB-1C48-A5F5-C6B0119E35A2}"/>
+                <a16:creationId xmlns="" xmlns:a16="http://schemas.microsoft.com/office/drawing/2014/main" id="{678F7910-1BFB-1C48-A5F5-C6B0119E35A2}"/>
               </a:ext>
             </a:extLst>
           </p:cNvPr>
@@ -16622,7 +16166,7 @@
           <p:cNvPr id="159" name="直线连接符 158">
             <a:extLst>
               <a:ext uri="{FF2B5EF4-FFF2-40B4-BE49-F238E27FC236}">
-                <a16:creationId xmlns:a16="http://schemas.microsoft.com/office/drawing/2014/main" xmlns="" id="{FD1849BE-468D-E749-AF86-14B2A3AD676B}"/>
+                <a16:creationId xmlns="" xmlns:a16="http://schemas.microsoft.com/office/drawing/2014/main" id="{FD1849BE-468D-E749-AF86-14B2A3AD676B}"/>
               </a:ext>
             </a:extLst>
           </p:cNvPr>
@@ -16667,7 +16211,7 @@
           <p:cNvPr id="160" name="直线连接符 159">
             <a:extLst>
               <a:ext uri="{FF2B5EF4-FFF2-40B4-BE49-F238E27FC236}">
-                <a16:creationId xmlns:a16="http://schemas.microsoft.com/office/drawing/2014/main" xmlns="" id="{87FC241E-5606-0041-957F-54DD1CBD07D5}"/>
+                <a16:creationId xmlns="" xmlns:a16="http://schemas.microsoft.com/office/drawing/2014/main" id="{87FC241E-5606-0041-957F-54DD1CBD07D5}"/>
               </a:ext>
             </a:extLst>
           </p:cNvPr>
@@ -16712,7 +16256,7 @@
           <p:cNvPr id="161" name="直线连接符 160">
             <a:extLst>
               <a:ext uri="{FF2B5EF4-FFF2-40B4-BE49-F238E27FC236}">
-                <a16:creationId xmlns:a16="http://schemas.microsoft.com/office/drawing/2014/main" xmlns="" id="{0BC2BEE3-84D2-ED4F-878B-6B9F20A153A1}"/>
+                <a16:creationId xmlns="" xmlns:a16="http://schemas.microsoft.com/office/drawing/2014/main" id="{0BC2BEE3-84D2-ED4F-878B-6B9F20A153A1}"/>
               </a:ext>
             </a:extLst>
           </p:cNvPr>
@@ -16757,7 +16301,7 @@
           <p:cNvPr id="162" name="直线连接符 161">
             <a:extLst>
               <a:ext uri="{FF2B5EF4-FFF2-40B4-BE49-F238E27FC236}">
-                <a16:creationId xmlns:a16="http://schemas.microsoft.com/office/drawing/2014/main" xmlns="" id="{59280443-0F11-4B41-9BEB-DBD789224C23}"/>
+                <a16:creationId xmlns="" xmlns:a16="http://schemas.microsoft.com/office/drawing/2014/main" id="{59280443-0F11-4B41-9BEB-DBD789224C23}"/>
               </a:ext>
             </a:extLst>
           </p:cNvPr>
@@ -16802,7 +16346,7 @@
           <p:cNvPr id="163" name="直线连接符 162">
             <a:extLst>
               <a:ext uri="{FF2B5EF4-FFF2-40B4-BE49-F238E27FC236}">
-                <a16:creationId xmlns:a16="http://schemas.microsoft.com/office/drawing/2014/main" xmlns="" id="{35C3ACE2-A346-E247-B354-ED1FEF266398}"/>
+                <a16:creationId xmlns="" xmlns:a16="http://schemas.microsoft.com/office/drawing/2014/main" id="{35C3ACE2-A346-E247-B354-ED1FEF266398}"/>
               </a:ext>
             </a:extLst>
           </p:cNvPr>
@@ -16847,7 +16391,7 @@
           <p:cNvPr id="167" name="直线连接符 166">
             <a:extLst>
               <a:ext uri="{FF2B5EF4-FFF2-40B4-BE49-F238E27FC236}">
-                <a16:creationId xmlns:a16="http://schemas.microsoft.com/office/drawing/2014/main" xmlns="" id="{270DAD3F-5BD1-114F-9BCB-96D7576A28B2}"/>
+                <a16:creationId xmlns="" xmlns:a16="http://schemas.microsoft.com/office/drawing/2014/main" id="{270DAD3F-5BD1-114F-9BCB-96D7576A28B2}"/>
               </a:ext>
             </a:extLst>
           </p:cNvPr>
@@ -16892,7 +16436,7 @@
           <p:cNvPr id="171" name="直线连接符 170">
             <a:extLst>
               <a:ext uri="{FF2B5EF4-FFF2-40B4-BE49-F238E27FC236}">
-                <a16:creationId xmlns:a16="http://schemas.microsoft.com/office/drawing/2014/main" xmlns="" id="{A69F57B0-9D7B-5543-B28B-F2BD7A758EDC}"/>
+                <a16:creationId xmlns="" xmlns:a16="http://schemas.microsoft.com/office/drawing/2014/main" id="{A69F57B0-9D7B-5543-B28B-F2BD7A758EDC}"/>
               </a:ext>
             </a:extLst>
           </p:cNvPr>
@@ -16937,7 +16481,7 @@
           <p:cNvPr id="174" name="直线连接符 173">
             <a:extLst>
               <a:ext uri="{FF2B5EF4-FFF2-40B4-BE49-F238E27FC236}">
-                <a16:creationId xmlns:a16="http://schemas.microsoft.com/office/drawing/2014/main" xmlns="" id="{FBDE3D2C-3C8B-684F-9435-9925D8338848}"/>
+                <a16:creationId xmlns="" xmlns:a16="http://schemas.microsoft.com/office/drawing/2014/main" id="{FBDE3D2C-3C8B-684F-9435-9925D8338848}"/>
               </a:ext>
             </a:extLst>
           </p:cNvPr>
@@ -16982,7 +16526,7 @@
           <p:cNvPr id="177" name="文本框 176">
             <a:extLst>
               <a:ext uri="{FF2B5EF4-FFF2-40B4-BE49-F238E27FC236}">
-                <a16:creationId xmlns:a16="http://schemas.microsoft.com/office/drawing/2014/main" xmlns="" id="{128FD6A5-9F23-3148-B97B-6423C263EA9F}"/>
+                <a16:creationId xmlns="" xmlns:a16="http://schemas.microsoft.com/office/drawing/2014/main" id="{128FD6A5-9F23-3148-B97B-6423C263EA9F}"/>
               </a:ext>
             </a:extLst>
           </p:cNvPr>
@@ -17024,7 +16568,7 @@
           <p:cNvPr id="178" name="文本框 177">
             <a:extLst>
               <a:ext uri="{FF2B5EF4-FFF2-40B4-BE49-F238E27FC236}">
-                <a16:creationId xmlns:a16="http://schemas.microsoft.com/office/drawing/2014/main" xmlns="" id="{0BD26BDE-C67E-6946-A6EF-445FF4963E5B}"/>
+                <a16:creationId xmlns="" xmlns:a16="http://schemas.microsoft.com/office/drawing/2014/main" id="{0BD26BDE-C67E-6946-A6EF-445FF4963E5B}"/>
               </a:ext>
             </a:extLst>
           </p:cNvPr>
@@ -17066,7 +16610,7 @@
           <p:cNvPr id="181" name="文本框 180">
             <a:extLst>
               <a:ext uri="{FF2B5EF4-FFF2-40B4-BE49-F238E27FC236}">
-                <a16:creationId xmlns:a16="http://schemas.microsoft.com/office/drawing/2014/main" xmlns="" id="{B1ADFEB5-0EA8-9B49-9D8B-245DE3DE3401}"/>
+                <a16:creationId xmlns="" xmlns:a16="http://schemas.microsoft.com/office/drawing/2014/main" id="{B1ADFEB5-0EA8-9B49-9D8B-245DE3DE3401}"/>
               </a:ext>
             </a:extLst>
           </p:cNvPr>
@@ -17108,7 +16652,7 @@
           <p:cNvPr id="182" name="文本框 181">
             <a:extLst>
               <a:ext uri="{FF2B5EF4-FFF2-40B4-BE49-F238E27FC236}">
-                <a16:creationId xmlns:a16="http://schemas.microsoft.com/office/drawing/2014/main" xmlns="" id="{43FD427D-A3AE-D444-9B78-34BD9AD289C2}"/>
+                <a16:creationId xmlns="" xmlns:a16="http://schemas.microsoft.com/office/drawing/2014/main" id="{43FD427D-A3AE-D444-9B78-34BD9AD289C2}"/>
               </a:ext>
             </a:extLst>
           </p:cNvPr>
@@ -17152,7 +16696,7 @@
               <p:cNvPr id="183" name="文本框 182">
                 <a:extLst>
                   <a:ext uri="{FF2B5EF4-FFF2-40B4-BE49-F238E27FC236}">
-                    <a16:creationId xmlns:a16="http://schemas.microsoft.com/office/drawing/2014/main" xmlns="" id="{3F3E9AD1-90DC-0E44-AD0E-A1BA45CD1F16}"/>
+                    <a16:creationId xmlns="" xmlns:a16="http://schemas.microsoft.com/office/drawing/2014/main" id="{3F3E9AD1-90DC-0E44-AD0E-A1BA45CD1F16}"/>
                   </a:ext>
                 </a:extLst>
               </p:cNvPr>
@@ -17388,7 +16932,7 @@
           <p:cNvPr id="81" name="椭圆 80">
             <a:extLst>
               <a:ext uri="{FF2B5EF4-FFF2-40B4-BE49-F238E27FC236}">
-                <a16:creationId xmlns:a16="http://schemas.microsoft.com/office/drawing/2014/main" xmlns="" id="{D1E67824-653C-E74B-968D-3A3D0E990C80}"/>
+                <a16:creationId xmlns="" xmlns:a16="http://schemas.microsoft.com/office/drawing/2014/main" id="{D1E67824-653C-E74B-968D-3A3D0E990C80}"/>
               </a:ext>
             </a:extLst>
           </p:cNvPr>
@@ -17437,7 +16981,7 @@
           <p:cNvPr id="100" name="椭圆 99">
             <a:extLst>
               <a:ext uri="{FF2B5EF4-FFF2-40B4-BE49-F238E27FC236}">
-                <a16:creationId xmlns:a16="http://schemas.microsoft.com/office/drawing/2014/main" xmlns="" id="{FE177A80-294D-D74F-9193-54F0F6931790}"/>
+                <a16:creationId xmlns="" xmlns:a16="http://schemas.microsoft.com/office/drawing/2014/main" id="{FE177A80-294D-D74F-9193-54F0F6931790}"/>
               </a:ext>
             </a:extLst>
           </p:cNvPr>
@@ -17483,7 +17027,7 @@
           <p:cNvPr id="101" name="椭圆 100">
             <a:extLst>
               <a:ext uri="{FF2B5EF4-FFF2-40B4-BE49-F238E27FC236}">
-                <a16:creationId xmlns:a16="http://schemas.microsoft.com/office/drawing/2014/main" xmlns="" id="{9671E381-8C9A-7249-8690-9A97FE6CEC37}"/>
+                <a16:creationId xmlns="" xmlns:a16="http://schemas.microsoft.com/office/drawing/2014/main" id="{9671E381-8C9A-7249-8690-9A97FE6CEC37}"/>
               </a:ext>
             </a:extLst>
           </p:cNvPr>
@@ -17532,7 +17076,7 @@
           <p:cNvPr id="103" name="椭圆 102">
             <a:extLst>
               <a:ext uri="{FF2B5EF4-FFF2-40B4-BE49-F238E27FC236}">
-                <a16:creationId xmlns:a16="http://schemas.microsoft.com/office/drawing/2014/main" xmlns="" id="{D812FCEC-45C2-B344-801D-231FDC0CD8C9}"/>
+                <a16:creationId xmlns="" xmlns:a16="http://schemas.microsoft.com/office/drawing/2014/main" id="{D812FCEC-45C2-B344-801D-231FDC0CD8C9}"/>
               </a:ext>
             </a:extLst>
           </p:cNvPr>
@@ -17578,7 +17122,7 @@
           <p:cNvPr id="105" name="直线连接符 104">
             <a:extLst>
               <a:ext uri="{FF2B5EF4-FFF2-40B4-BE49-F238E27FC236}">
-                <a16:creationId xmlns:a16="http://schemas.microsoft.com/office/drawing/2014/main" xmlns="" id="{4C7B2CBB-05F8-1C48-BB82-81EFD7C255EE}"/>
+                <a16:creationId xmlns="" xmlns:a16="http://schemas.microsoft.com/office/drawing/2014/main" id="{4C7B2CBB-05F8-1C48-BB82-81EFD7C255EE}"/>
               </a:ext>
             </a:extLst>
           </p:cNvPr>
@@ -17623,7 +17167,7 @@
           <p:cNvPr id="106" name="直线连接符 105">
             <a:extLst>
               <a:ext uri="{FF2B5EF4-FFF2-40B4-BE49-F238E27FC236}">
-                <a16:creationId xmlns:a16="http://schemas.microsoft.com/office/drawing/2014/main" xmlns="" id="{4C7B2CBB-05F8-1C48-BB82-81EFD7C255EE}"/>
+                <a16:creationId xmlns="" xmlns:a16="http://schemas.microsoft.com/office/drawing/2014/main" id="{4C7B2CBB-05F8-1C48-BB82-81EFD7C255EE}"/>
               </a:ext>
             </a:extLst>
           </p:cNvPr>
@@ -17668,7 +17212,7 @@
           <p:cNvPr id="108" name="直线连接符 107">
             <a:extLst>
               <a:ext uri="{FF2B5EF4-FFF2-40B4-BE49-F238E27FC236}">
-                <a16:creationId xmlns:a16="http://schemas.microsoft.com/office/drawing/2014/main" xmlns="" id="{B2F72FF8-CB71-9440-8AB4-9B899631BE0A}"/>
+                <a16:creationId xmlns="" xmlns:a16="http://schemas.microsoft.com/office/drawing/2014/main" id="{B2F72FF8-CB71-9440-8AB4-9B899631BE0A}"/>
               </a:ext>
             </a:extLst>
           </p:cNvPr>
@@ -17713,7 +17257,7 @@
           <p:cNvPr id="111" name="直线连接符 110">
             <a:extLst>
               <a:ext uri="{FF2B5EF4-FFF2-40B4-BE49-F238E27FC236}">
-                <a16:creationId xmlns:a16="http://schemas.microsoft.com/office/drawing/2014/main" xmlns="" id="{B2F72FF8-CB71-9440-8AB4-9B899631BE0A}"/>
+                <a16:creationId xmlns="" xmlns:a16="http://schemas.microsoft.com/office/drawing/2014/main" id="{B2F72FF8-CB71-9440-8AB4-9B899631BE0A}"/>
               </a:ext>
             </a:extLst>
           </p:cNvPr>
@@ -17758,7 +17302,7 @@
           <p:cNvPr id="115" name="直线连接符 114">
             <a:extLst>
               <a:ext uri="{FF2B5EF4-FFF2-40B4-BE49-F238E27FC236}">
-                <a16:creationId xmlns:a16="http://schemas.microsoft.com/office/drawing/2014/main" xmlns="" id="{FD1849BE-468D-E749-AF86-14B2A3AD676B}"/>
+                <a16:creationId xmlns="" xmlns:a16="http://schemas.microsoft.com/office/drawing/2014/main" id="{FD1849BE-468D-E749-AF86-14B2A3AD676B}"/>
               </a:ext>
             </a:extLst>
           </p:cNvPr>
@@ -17803,7 +17347,7 @@
           <p:cNvPr id="118" name="直线连接符 117">
             <a:extLst>
               <a:ext uri="{FF2B5EF4-FFF2-40B4-BE49-F238E27FC236}">
-                <a16:creationId xmlns:a16="http://schemas.microsoft.com/office/drawing/2014/main" xmlns="" id="{FD1849BE-468D-E749-AF86-14B2A3AD676B}"/>
+                <a16:creationId xmlns="" xmlns:a16="http://schemas.microsoft.com/office/drawing/2014/main" id="{FD1849BE-468D-E749-AF86-14B2A3AD676B}"/>
               </a:ext>
             </a:extLst>
           </p:cNvPr>
@@ -17848,7 +17392,7 @@
           <p:cNvPr id="121" name="直线连接符 120">
             <a:extLst>
               <a:ext uri="{FF2B5EF4-FFF2-40B4-BE49-F238E27FC236}">
-                <a16:creationId xmlns:a16="http://schemas.microsoft.com/office/drawing/2014/main" xmlns="" id="{FD1849BE-468D-E749-AF86-14B2A3AD676B}"/>
+                <a16:creationId xmlns="" xmlns:a16="http://schemas.microsoft.com/office/drawing/2014/main" id="{FD1849BE-468D-E749-AF86-14B2A3AD676B}"/>
               </a:ext>
             </a:extLst>
           </p:cNvPr>
@@ -17893,7 +17437,7 @@
           <p:cNvPr id="125" name="直线连接符 124">
             <a:extLst>
               <a:ext uri="{FF2B5EF4-FFF2-40B4-BE49-F238E27FC236}">
-                <a16:creationId xmlns:a16="http://schemas.microsoft.com/office/drawing/2014/main" xmlns="" id="{FD1849BE-468D-E749-AF86-14B2A3AD676B}"/>
+                <a16:creationId xmlns="" xmlns:a16="http://schemas.microsoft.com/office/drawing/2014/main" id="{FD1849BE-468D-E749-AF86-14B2A3AD676B}"/>
               </a:ext>
             </a:extLst>
           </p:cNvPr>
@@ -17938,7 +17482,7 @@
           <p:cNvPr id="164" name="椭圆 163">
             <a:extLst>
               <a:ext uri="{FF2B5EF4-FFF2-40B4-BE49-F238E27FC236}">
-                <a16:creationId xmlns:a16="http://schemas.microsoft.com/office/drawing/2014/main" xmlns="" id="{BC6EE5D6-B812-5A44-8E2E-0D340A99F527}"/>
+                <a16:creationId xmlns="" xmlns:a16="http://schemas.microsoft.com/office/drawing/2014/main" id="{BC6EE5D6-B812-5A44-8E2E-0D340A99F527}"/>
               </a:ext>
             </a:extLst>
           </p:cNvPr>
@@ -17987,7 +17531,7 @@
           <p:cNvPr id="165" name="椭圆 164">
             <a:extLst>
               <a:ext uri="{FF2B5EF4-FFF2-40B4-BE49-F238E27FC236}">
-                <a16:creationId xmlns:a16="http://schemas.microsoft.com/office/drawing/2014/main" xmlns="" id="{BC6EE5D6-B812-5A44-8E2E-0D340A99F527}"/>
+                <a16:creationId xmlns="" xmlns:a16="http://schemas.microsoft.com/office/drawing/2014/main" id="{BC6EE5D6-B812-5A44-8E2E-0D340A99F527}"/>
               </a:ext>
             </a:extLst>
           </p:cNvPr>
@@ -18036,7 +17580,7 @@
           <p:cNvPr id="166" name="直线连接符 165">
             <a:extLst>
               <a:ext uri="{FF2B5EF4-FFF2-40B4-BE49-F238E27FC236}">
-                <a16:creationId xmlns:a16="http://schemas.microsoft.com/office/drawing/2014/main" xmlns="" id="{270DAD3F-5BD1-114F-9BCB-96D7576A28B2}"/>
+                <a16:creationId xmlns="" xmlns:a16="http://schemas.microsoft.com/office/drawing/2014/main" id="{270DAD3F-5BD1-114F-9BCB-96D7576A28B2}"/>
               </a:ext>
             </a:extLst>
           </p:cNvPr>
@@ -18081,7 +17625,7 @@
           <p:cNvPr id="168" name="直线连接符 167">
             <a:extLst>
               <a:ext uri="{FF2B5EF4-FFF2-40B4-BE49-F238E27FC236}">
-                <a16:creationId xmlns:a16="http://schemas.microsoft.com/office/drawing/2014/main" xmlns="" id="{270DAD3F-5BD1-114F-9BCB-96D7576A28B2}"/>
+                <a16:creationId xmlns="" xmlns:a16="http://schemas.microsoft.com/office/drawing/2014/main" id="{270DAD3F-5BD1-114F-9BCB-96D7576A28B2}"/>
               </a:ext>
             </a:extLst>
           </p:cNvPr>
@@ -18126,7 +17670,7 @@
           <p:cNvPr id="169" name="直线连接符 168">
             <a:extLst>
               <a:ext uri="{FF2B5EF4-FFF2-40B4-BE49-F238E27FC236}">
-                <a16:creationId xmlns:a16="http://schemas.microsoft.com/office/drawing/2014/main" xmlns="" id="{270DAD3F-5BD1-114F-9BCB-96D7576A28B2}"/>
+                <a16:creationId xmlns="" xmlns:a16="http://schemas.microsoft.com/office/drawing/2014/main" id="{270DAD3F-5BD1-114F-9BCB-96D7576A28B2}"/>
               </a:ext>
             </a:extLst>
           </p:cNvPr>
@@ -18171,7 +17715,7 @@
           <p:cNvPr id="170" name="直线连接符 169">
             <a:extLst>
               <a:ext uri="{FF2B5EF4-FFF2-40B4-BE49-F238E27FC236}">
-                <a16:creationId xmlns:a16="http://schemas.microsoft.com/office/drawing/2014/main" xmlns="" id="{270DAD3F-5BD1-114F-9BCB-96D7576A28B2}"/>
+                <a16:creationId xmlns="" xmlns:a16="http://schemas.microsoft.com/office/drawing/2014/main" id="{270DAD3F-5BD1-114F-9BCB-96D7576A28B2}"/>
               </a:ext>
             </a:extLst>
           </p:cNvPr>
@@ -18216,7 +17760,7 @@
           <p:cNvPr id="172" name="直线连接符 171">
             <a:extLst>
               <a:ext uri="{FF2B5EF4-FFF2-40B4-BE49-F238E27FC236}">
-                <a16:creationId xmlns:a16="http://schemas.microsoft.com/office/drawing/2014/main" xmlns="" id="{270DAD3F-5BD1-114F-9BCB-96D7576A28B2}"/>
+                <a16:creationId xmlns="" xmlns:a16="http://schemas.microsoft.com/office/drawing/2014/main" id="{270DAD3F-5BD1-114F-9BCB-96D7576A28B2}"/>
               </a:ext>
             </a:extLst>
           </p:cNvPr>
@@ -18261,7 +17805,7 @@
           <p:cNvPr id="173" name="直线连接符 172">
             <a:extLst>
               <a:ext uri="{FF2B5EF4-FFF2-40B4-BE49-F238E27FC236}">
-                <a16:creationId xmlns:a16="http://schemas.microsoft.com/office/drawing/2014/main" xmlns="" id="{270DAD3F-5BD1-114F-9BCB-96D7576A28B2}"/>
+                <a16:creationId xmlns="" xmlns:a16="http://schemas.microsoft.com/office/drawing/2014/main" id="{270DAD3F-5BD1-114F-9BCB-96D7576A28B2}"/>
               </a:ext>
             </a:extLst>
           </p:cNvPr>
@@ -18306,7 +17850,7 @@
           <p:cNvPr id="175" name="直线连接符 174">
             <a:extLst>
               <a:ext uri="{FF2B5EF4-FFF2-40B4-BE49-F238E27FC236}">
-                <a16:creationId xmlns:a16="http://schemas.microsoft.com/office/drawing/2014/main" xmlns="" id="{270DAD3F-5BD1-114F-9BCB-96D7576A28B2}"/>
+                <a16:creationId xmlns="" xmlns:a16="http://schemas.microsoft.com/office/drawing/2014/main" id="{270DAD3F-5BD1-114F-9BCB-96D7576A28B2}"/>
               </a:ext>
             </a:extLst>
           </p:cNvPr>
@@ -18351,7 +17895,7 @@
           <p:cNvPr id="176" name="直线连接符 175">
             <a:extLst>
               <a:ext uri="{FF2B5EF4-FFF2-40B4-BE49-F238E27FC236}">
-                <a16:creationId xmlns:a16="http://schemas.microsoft.com/office/drawing/2014/main" xmlns="" id="{270DAD3F-5BD1-114F-9BCB-96D7576A28B2}"/>
+                <a16:creationId xmlns="" xmlns:a16="http://schemas.microsoft.com/office/drawing/2014/main" id="{270DAD3F-5BD1-114F-9BCB-96D7576A28B2}"/>
               </a:ext>
             </a:extLst>
           </p:cNvPr>
@@ -18396,7 +17940,7 @@
           <p:cNvPr id="184" name="文本框 183">
             <a:extLst>
               <a:ext uri="{FF2B5EF4-FFF2-40B4-BE49-F238E27FC236}">
-                <a16:creationId xmlns:a16="http://schemas.microsoft.com/office/drawing/2014/main" xmlns="" id="{0BD26BDE-C67E-6946-A6EF-445FF4963E5B}"/>
+                <a16:creationId xmlns="" xmlns:a16="http://schemas.microsoft.com/office/drawing/2014/main" id="{0BD26BDE-C67E-6946-A6EF-445FF4963E5B}"/>
               </a:ext>
             </a:extLst>
           </p:cNvPr>
@@ -18445,7 +17989,7 @@
           <p:cNvPr id="185" name="文本框 184">
             <a:extLst>
               <a:ext uri="{FF2B5EF4-FFF2-40B4-BE49-F238E27FC236}">
-                <a16:creationId xmlns:a16="http://schemas.microsoft.com/office/drawing/2014/main" xmlns="" id="{0BD26BDE-C67E-6946-A6EF-445FF4963E5B}"/>
+                <a16:creationId xmlns="" xmlns:a16="http://schemas.microsoft.com/office/drawing/2014/main" id="{0BD26BDE-C67E-6946-A6EF-445FF4963E5B}"/>
               </a:ext>
             </a:extLst>
           </p:cNvPr>
@@ -18487,7 +18031,7 @@
           <p:cNvPr id="186" name="文本框 185">
             <a:extLst>
               <a:ext uri="{FF2B5EF4-FFF2-40B4-BE49-F238E27FC236}">
-                <a16:creationId xmlns:a16="http://schemas.microsoft.com/office/drawing/2014/main" xmlns="" id="{0BD26BDE-C67E-6946-A6EF-445FF4963E5B}"/>
+                <a16:creationId xmlns="" xmlns:a16="http://schemas.microsoft.com/office/drawing/2014/main" id="{0BD26BDE-C67E-6946-A6EF-445FF4963E5B}"/>
               </a:ext>
             </a:extLst>
           </p:cNvPr>
@@ -18536,7 +18080,7 @@
           <p:cNvPr id="187" name="文本框 186">
             <a:extLst>
               <a:ext uri="{FF2B5EF4-FFF2-40B4-BE49-F238E27FC236}">
-                <a16:creationId xmlns:a16="http://schemas.microsoft.com/office/drawing/2014/main" xmlns="" id="{0BD26BDE-C67E-6946-A6EF-445FF4963E5B}"/>
+                <a16:creationId xmlns="" xmlns:a16="http://schemas.microsoft.com/office/drawing/2014/main" id="{0BD26BDE-C67E-6946-A6EF-445FF4963E5B}"/>
               </a:ext>
             </a:extLst>
           </p:cNvPr>
@@ -18578,7 +18122,7 @@
           <p:cNvPr id="188" name="文本框 187">
             <a:extLst>
               <a:ext uri="{FF2B5EF4-FFF2-40B4-BE49-F238E27FC236}">
-                <a16:creationId xmlns:a16="http://schemas.microsoft.com/office/drawing/2014/main" xmlns="" id="{0BD26BDE-C67E-6946-A6EF-445FF4963E5B}"/>
+                <a16:creationId xmlns="" xmlns:a16="http://schemas.microsoft.com/office/drawing/2014/main" id="{0BD26BDE-C67E-6946-A6EF-445FF4963E5B}"/>
               </a:ext>
             </a:extLst>
           </p:cNvPr>
@@ -18627,7 +18171,7 @@
           <p:cNvPr id="189" name="文本框 188">
             <a:extLst>
               <a:ext uri="{FF2B5EF4-FFF2-40B4-BE49-F238E27FC236}">
-                <a16:creationId xmlns:a16="http://schemas.microsoft.com/office/drawing/2014/main" xmlns="" id="{0BD26BDE-C67E-6946-A6EF-445FF4963E5B}"/>
+                <a16:creationId xmlns="" xmlns:a16="http://schemas.microsoft.com/office/drawing/2014/main" id="{0BD26BDE-C67E-6946-A6EF-445FF4963E5B}"/>
               </a:ext>
             </a:extLst>
           </p:cNvPr>
@@ -18692,6 +18236,1978 @@
 </file>
 
 <file path=ppt/slides/slide22.xml><?xml version="1.0" encoding="utf-8"?>
+<p:sld xmlns:a="http://schemas.openxmlformats.org/drawingml/2006/main" xmlns:r="http://schemas.openxmlformats.org/officeDocument/2006/relationships" xmlns:p="http://schemas.openxmlformats.org/presentationml/2006/main">
+  <p:cSld>
+    <p:spTree>
+      <p:nvGrpSpPr>
+        <p:cNvPr id="1" name=""/>
+        <p:cNvGrpSpPr/>
+        <p:nvPr/>
+      </p:nvGrpSpPr>
+      <p:grpSpPr>
+        <a:xfrm>
+          <a:off x="0" y="0"/>
+          <a:ext cx="0" cy="0"/>
+          <a:chOff x="0" y="0"/>
+          <a:chExt cx="0" cy="0"/>
+        </a:xfrm>
+      </p:grpSpPr>
+      <p:sp>
+        <p:nvSpPr>
+          <p:cNvPr id="6" name="矩形 5"/>
+          <p:cNvSpPr/>
+          <p:nvPr/>
+        </p:nvSpPr>
+        <p:spPr>
+          <a:xfrm flipH="1">
+            <a:off x="2840354" y="381904"/>
+            <a:ext cx="2729905" cy="523220"/>
+          </a:xfrm>
+          <a:prstGeom prst="rect">
+            <a:avLst/>
+          </a:prstGeom>
+        </p:spPr>
+        <p:txBody>
+          <a:bodyPr wrap="square">
+            <a:spAutoFit/>
+          </a:bodyPr>
+          <a:lstStyle/>
+          <a:p>
+            <a:pPr algn="ctr"/>
+            <a:r>
+              <a:rPr kumimoji="1" lang="en-US" altLang="zh-CN" sz="2800" smtClean="0">
+                <a:latin typeface="Times New Roman" charset="0"/>
+                <a:ea typeface="Times New Roman" charset="0"/>
+                <a:cs typeface="Times New Roman" charset="0"/>
+              </a:rPr>
+              <a:t>App1</a:t>
+            </a:r>
+            <a:endParaRPr kumimoji="1" lang="en-US" altLang="zh-CN" sz="2800" dirty="0">
+              <a:latin typeface="Times New Roman" charset="0"/>
+              <a:ea typeface="Times New Roman" charset="0"/>
+              <a:cs typeface="Times New Roman" charset="0"/>
+            </a:endParaRPr>
+          </a:p>
+        </p:txBody>
+      </p:sp>
+      <p:cxnSp>
+        <p:nvCxnSpPr>
+          <p:cNvPr id="15" name="直线连接符 14"/>
+          <p:cNvCxnSpPr/>
+          <p:nvPr/>
+        </p:nvCxnSpPr>
+        <p:spPr>
+          <a:xfrm>
+            <a:off x="758671" y="1309281"/>
+            <a:ext cx="10148888" cy="0"/>
+          </a:xfrm>
+          <a:prstGeom prst="line">
+            <a:avLst/>
+          </a:prstGeom>
+          <a:ln w="25400">
+            <a:solidFill>
+              <a:schemeClr val="tx1"/>
+            </a:solidFill>
+            <a:prstDash val="dash"/>
+          </a:ln>
+        </p:spPr>
+        <p:style>
+          <a:lnRef idx="1">
+            <a:schemeClr val="accent1"/>
+          </a:lnRef>
+          <a:fillRef idx="0">
+            <a:schemeClr val="accent1"/>
+          </a:fillRef>
+          <a:effectRef idx="0">
+            <a:schemeClr val="accent1"/>
+          </a:effectRef>
+          <a:fontRef idx="minor">
+            <a:schemeClr val="tx1"/>
+          </a:fontRef>
+        </p:style>
+      </p:cxnSp>
+      <p:cxnSp>
+        <p:nvCxnSpPr>
+          <p:cNvPr id="16" name="直线连接符 15"/>
+          <p:cNvCxnSpPr/>
+          <p:nvPr/>
+        </p:nvCxnSpPr>
+        <p:spPr>
+          <a:xfrm>
+            <a:off x="758671" y="4110032"/>
+            <a:ext cx="10148888" cy="0"/>
+          </a:xfrm>
+          <a:prstGeom prst="line">
+            <a:avLst/>
+          </a:prstGeom>
+          <a:ln w="25400">
+            <a:solidFill>
+              <a:schemeClr val="tx1"/>
+            </a:solidFill>
+            <a:prstDash val="dash"/>
+          </a:ln>
+        </p:spPr>
+        <p:style>
+          <a:lnRef idx="1">
+            <a:schemeClr val="accent1"/>
+          </a:lnRef>
+          <a:fillRef idx="0">
+            <a:schemeClr val="accent1"/>
+          </a:fillRef>
+          <a:effectRef idx="0">
+            <a:schemeClr val="accent1"/>
+          </a:effectRef>
+          <a:fontRef idx="minor">
+            <a:schemeClr val="tx1"/>
+          </a:fontRef>
+        </p:style>
+      </p:cxnSp>
+      <p:cxnSp>
+        <p:nvCxnSpPr>
+          <p:cNvPr id="37" name="直线箭头连接符 36"/>
+          <p:cNvCxnSpPr/>
+          <p:nvPr/>
+        </p:nvCxnSpPr>
+        <p:spPr>
+          <a:xfrm flipV="1">
+            <a:off x="5986473" y="3800477"/>
+            <a:ext cx="0" cy="597240"/>
+          </a:xfrm>
+          <a:prstGeom prst="straightConnector1">
+            <a:avLst/>
+          </a:prstGeom>
+          <a:ln w="25400">
+            <a:solidFill>
+              <a:schemeClr val="tx1"/>
+            </a:solidFill>
+            <a:tailEnd type="triangle"/>
+          </a:ln>
+        </p:spPr>
+        <p:style>
+          <a:lnRef idx="1">
+            <a:schemeClr val="accent1"/>
+          </a:lnRef>
+          <a:fillRef idx="0">
+            <a:schemeClr val="accent1"/>
+          </a:fillRef>
+          <a:effectRef idx="0">
+            <a:schemeClr val="accent1"/>
+          </a:effectRef>
+          <a:fontRef idx="minor">
+            <a:schemeClr val="tx1"/>
+          </a:fontRef>
+        </p:style>
+      </p:cxnSp>
+      <p:sp>
+        <p:nvSpPr>
+          <p:cNvPr id="43" name="矩形 42"/>
+          <p:cNvSpPr/>
+          <p:nvPr/>
+        </p:nvSpPr>
+        <p:spPr>
+          <a:xfrm flipH="1">
+            <a:off x="165905" y="4833527"/>
+            <a:ext cx="2729905" cy="954107"/>
+          </a:xfrm>
+          <a:prstGeom prst="rect">
+            <a:avLst/>
+          </a:prstGeom>
+        </p:spPr>
+        <p:txBody>
+          <a:bodyPr wrap="square">
+            <a:spAutoFit/>
+          </a:bodyPr>
+          <a:lstStyle/>
+          <a:p>
+            <a:pPr algn="ctr"/>
+            <a:r>
+              <a:rPr kumimoji="1" lang="en-US" altLang="zh-CN" sz="2800" smtClean="0">
+                <a:latin typeface="Times New Roman" charset="0"/>
+                <a:ea typeface="Times New Roman" charset="0"/>
+                <a:cs typeface="Times New Roman" charset="0"/>
+              </a:rPr>
+              <a:t>Dimensions </a:t>
+            </a:r>
+          </a:p>
+          <a:p>
+            <a:pPr algn="ctr"/>
+            <a:r>
+              <a:rPr kumimoji="1" lang="en-US" altLang="zh-CN" sz="2800" dirty="0" smtClean="0">
+                <a:latin typeface="Times New Roman" charset="0"/>
+                <a:ea typeface="Times New Roman" charset="0"/>
+                <a:cs typeface="Times New Roman" charset="0"/>
+              </a:rPr>
+              <a:t>of sketch</a:t>
+            </a:r>
+            <a:endParaRPr kumimoji="1" lang="en-US" altLang="zh-CN" sz="2800" dirty="0">
+              <a:latin typeface="Times New Roman" charset="0"/>
+              <a:ea typeface="Times New Roman" charset="0"/>
+              <a:cs typeface="Times New Roman" charset="0"/>
+            </a:endParaRPr>
+          </a:p>
+        </p:txBody>
+      </p:sp>
+      <p:sp>
+        <p:nvSpPr>
+          <p:cNvPr id="21" name="矩形 20"/>
+          <p:cNvSpPr/>
+          <p:nvPr/>
+        </p:nvSpPr>
+        <p:spPr>
+          <a:xfrm flipH="1">
+            <a:off x="244673" y="2110151"/>
+            <a:ext cx="2729905" cy="954107"/>
+          </a:xfrm>
+          <a:prstGeom prst="rect">
+            <a:avLst/>
+          </a:prstGeom>
+        </p:spPr>
+        <p:txBody>
+          <a:bodyPr wrap="square">
+            <a:spAutoFit/>
+          </a:bodyPr>
+          <a:lstStyle/>
+          <a:p>
+            <a:pPr algn="ctr"/>
+            <a:r>
+              <a:rPr kumimoji="1" lang="en-US" altLang="zh-CN" sz="2800" dirty="0" smtClean="0">
+                <a:latin typeface="Times New Roman" charset="0"/>
+                <a:ea typeface="Times New Roman" charset="0"/>
+                <a:cs typeface="Times New Roman" charset="0"/>
+              </a:rPr>
+              <a:t>Dimensions </a:t>
+            </a:r>
+          </a:p>
+          <a:p>
+            <a:pPr algn="ctr"/>
+            <a:r>
+              <a:rPr kumimoji="1" lang="en-US" altLang="zh-CN" sz="2800" dirty="0" smtClean="0">
+                <a:latin typeface="Times New Roman" charset="0"/>
+                <a:ea typeface="Times New Roman" charset="0"/>
+                <a:cs typeface="Times New Roman" charset="0"/>
+              </a:rPr>
+              <a:t>of traffic</a:t>
+            </a:r>
+            <a:endParaRPr kumimoji="1" lang="en-US" altLang="zh-CN" sz="2800" dirty="0">
+              <a:latin typeface="Times New Roman" charset="0"/>
+              <a:ea typeface="Times New Roman" charset="0"/>
+              <a:cs typeface="Times New Roman" charset="0"/>
+            </a:endParaRPr>
+          </a:p>
+        </p:txBody>
+      </p:sp>
+      <p:graphicFrame>
+        <p:nvGraphicFramePr>
+          <p:cNvPr id="22" name="表格 21">
+            <a:extLst>
+              <a:ext uri="{FF2B5EF4-FFF2-40B4-BE49-F238E27FC236}">
+                <a16:creationId xmlns:a16="http://schemas.microsoft.com/office/drawing/2014/main" xmlns="" id="{BBD8331B-80DE-5E4F-9E00-43915192637C}"/>
+              </a:ext>
+            </a:extLst>
+          </p:cNvPr>
+          <p:cNvGraphicFramePr>
+            <a:graphicFrameLocks noGrp="1"/>
+          </p:cNvGraphicFramePr>
+          <p:nvPr>
+            <p:extLst>
+              <p:ext uri="{D42A27DB-BD31-4B8C-83A1-F6EECF244321}">
+                <p14:modId xmlns:p14="http://schemas.microsoft.com/office/powerpoint/2010/main" val="1506088880"/>
+              </p:ext>
+            </p:extLst>
+          </p:nvPr>
+        </p:nvGraphicFramePr>
+        <p:xfrm>
+          <a:off x="2928381" y="5067504"/>
+          <a:ext cx="6096000" cy="370840"/>
+        </p:xfrm>
+        <a:graphic>
+          <a:graphicData uri="http://schemas.openxmlformats.org/drawingml/2006/table">
+            <a:tbl>
+              <a:tblPr firstRow="1" bandRow="1">
+                <a:tableStyleId>{5C22544A-7EE6-4342-B048-85BDC9FD1C3A}</a:tableStyleId>
+              </a:tblPr>
+              <a:tblGrid>
+                <a:gridCol w="1016000">
+                  <a:extLst>
+                    <a:ext uri="{9D8B030D-6E8A-4147-A177-3AD203B41FA5}">
+                      <a16:colId xmlns:a16="http://schemas.microsoft.com/office/drawing/2014/main" xmlns="" val="2919921209"/>
+                    </a:ext>
+                  </a:extLst>
+                </a:gridCol>
+                <a:gridCol w="1016000">
+                  <a:extLst>
+                    <a:ext uri="{9D8B030D-6E8A-4147-A177-3AD203B41FA5}">
+                      <a16:colId xmlns:a16="http://schemas.microsoft.com/office/drawing/2014/main" xmlns="" val="1274578498"/>
+                    </a:ext>
+                  </a:extLst>
+                </a:gridCol>
+                <a:gridCol w="1016000">
+                  <a:extLst>
+                    <a:ext uri="{9D8B030D-6E8A-4147-A177-3AD203B41FA5}">
+                      <a16:colId xmlns:a16="http://schemas.microsoft.com/office/drawing/2014/main" xmlns="" val="2473859656"/>
+                    </a:ext>
+                  </a:extLst>
+                </a:gridCol>
+                <a:gridCol w="1016000">
+                  <a:extLst>
+                    <a:ext uri="{9D8B030D-6E8A-4147-A177-3AD203B41FA5}">
+                      <a16:colId xmlns:a16="http://schemas.microsoft.com/office/drawing/2014/main" xmlns="" val="4017853280"/>
+                    </a:ext>
+                  </a:extLst>
+                </a:gridCol>
+                <a:gridCol w="1016000">
+                  <a:extLst>
+                    <a:ext uri="{9D8B030D-6E8A-4147-A177-3AD203B41FA5}">
+                      <a16:colId xmlns:a16="http://schemas.microsoft.com/office/drawing/2014/main" xmlns="" val="4046979531"/>
+                    </a:ext>
+                  </a:extLst>
+                </a:gridCol>
+                <a:gridCol w="1016000">
+                  <a:extLst>
+                    <a:ext uri="{9D8B030D-6E8A-4147-A177-3AD203B41FA5}">
+                      <a16:colId xmlns:a16="http://schemas.microsoft.com/office/drawing/2014/main" xmlns="" val="1236215947"/>
+                    </a:ext>
+                  </a:extLst>
+                </a:gridCol>
+              </a:tblGrid>
+              <a:tr h="370840">
+                <a:tc>
+                  <a:txBody>
+                    <a:bodyPr/>
+                    <a:lstStyle/>
+                    <a:p>
+                      <a:endParaRPr lang="zh-CN" altLang="en-US" dirty="0"/>
+                    </a:p>
+                  </a:txBody>
+                  <a:tcPr>
+                    <a:lnL w="38100" cap="flat" cmpd="sng" algn="ctr">
+                      <a:solidFill>
+                        <a:schemeClr val="tx1"/>
+                      </a:solidFill>
+                      <a:prstDash val="solid"/>
+                      <a:round/>
+                      <a:headEnd type="none" w="med" len="med"/>
+                      <a:tailEnd type="none" w="med" len="med"/>
+                    </a:lnL>
+                    <a:lnR w="38100" cap="flat" cmpd="sng" algn="ctr">
+                      <a:solidFill>
+                        <a:schemeClr val="tx1"/>
+                      </a:solidFill>
+                      <a:prstDash val="solid"/>
+                      <a:round/>
+                      <a:headEnd type="none" w="med" len="med"/>
+                      <a:tailEnd type="none" w="med" len="med"/>
+                    </a:lnR>
+                    <a:lnT w="38100" cap="flat" cmpd="sng" algn="ctr">
+                      <a:solidFill>
+                        <a:schemeClr val="tx1"/>
+                      </a:solidFill>
+                      <a:prstDash val="solid"/>
+                      <a:round/>
+                      <a:headEnd type="none" w="med" len="med"/>
+                      <a:tailEnd type="none" w="med" len="med"/>
+                    </a:lnT>
+                    <a:lnB w="38100" cap="flat" cmpd="sng" algn="ctr">
+                      <a:solidFill>
+                        <a:schemeClr val="tx1"/>
+                      </a:solidFill>
+                      <a:prstDash val="solid"/>
+                      <a:round/>
+                      <a:headEnd type="none" w="med" len="med"/>
+                      <a:tailEnd type="none" w="med" len="med"/>
+                    </a:lnB>
+                    <a:noFill/>
+                  </a:tcPr>
+                </a:tc>
+                <a:tc>
+                  <a:txBody>
+                    <a:bodyPr/>
+                    <a:lstStyle/>
+                    <a:p>
+                      <a:endParaRPr lang="zh-CN" altLang="en-US"/>
+                    </a:p>
+                  </a:txBody>
+                  <a:tcPr>
+                    <a:lnL w="38100" cap="flat" cmpd="sng" algn="ctr">
+                      <a:solidFill>
+                        <a:schemeClr val="tx1"/>
+                      </a:solidFill>
+                      <a:prstDash val="solid"/>
+                      <a:round/>
+                      <a:headEnd type="none" w="med" len="med"/>
+                      <a:tailEnd type="none" w="med" len="med"/>
+                    </a:lnL>
+                    <a:lnR w="38100" cap="flat" cmpd="sng" algn="ctr">
+                      <a:solidFill>
+                        <a:schemeClr val="tx1"/>
+                      </a:solidFill>
+                      <a:prstDash val="solid"/>
+                      <a:round/>
+                      <a:headEnd type="none" w="med" len="med"/>
+                      <a:tailEnd type="none" w="med" len="med"/>
+                    </a:lnR>
+                    <a:lnT w="38100" cap="flat" cmpd="sng" algn="ctr">
+                      <a:solidFill>
+                        <a:schemeClr val="tx1"/>
+                      </a:solidFill>
+                      <a:prstDash val="solid"/>
+                      <a:round/>
+                      <a:headEnd type="none" w="med" len="med"/>
+                      <a:tailEnd type="none" w="med" len="med"/>
+                    </a:lnT>
+                    <a:lnB w="38100" cap="flat" cmpd="sng" algn="ctr">
+                      <a:solidFill>
+                        <a:schemeClr val="tx1"/>
+                      </a:solidFill>
+                      <a:prstDash val="solid"/>
+                      <a:round/>
+                      <a:headEnd type="none" w="med" len="med"/>
+                      <a:tailEnd type="none" w="med" len="med"/>
+                    </a:lnB>
+                    <a:noFill/>
+                  </a:tcPr>
+                </a:tc>
+                <a:tc>
+                  <a:txBody>
+                    <a:bodyPr/>
+                    <a:lstStyle/>
+                    <a:p>
+                      <a:endParaRPr lang="zh-CN" altLang="en-US"/>
+                    </a:p>
+                  </a:txBody>
+                  <a:tcPr>
+                    <a:lnL w="38100" cap="flat" cmpd="sng" algn="ctr">
+                      <a:solidFill>
+                        <a:schemeClr val="tx1"/>
+                      </a:solidFill>
+                      <a:prstDash val="solid"/>
+                      <a:round/>
+                      <a:headEnd type="none" w="med" len="med"/>
+                      <a:tailEnd type="none" w="med" len="med"/>
+                    </a:lnL>
+                    <a:lnR w="38100" cap="flat" cmpd="sng" algn="ctr">
+                      <a:solidFill>
+                        <a:schemeClr val="tx1"/>
+                      </a:solidFill>
+                      <a:prstDash val="solid"/>
+                      <a:round/>
+                      <a:headEnd type="none" w="med" len="med"/>
+                      <a:tailEnd type="none" w="med" len="med"/>
+                    </a:lnR>
+                    <a:lnT w="38100" cap="flat" cmpd="sng" algn="ctr">
+                      <a:solidFill>
+                        <a:schemeClr val="tx1"/>
+                      </a:solidFill>
+                      <a:prstDash val="solid"/>
+                      <a:round/>
+                      <a:headEnd type="none" w="med" len="med"/>
+                      <a:tailEnd type="none" w="med" len="med"/>
+                    </a:lnT>
+                    <a:lnB w="38100" cap="flat" cmpd="sng" algn="ctr">
+                      <a:solidFill>
+                        <a:schemeClr val="tx1"/>
+                      </a:solidFill>
+                      <a:prstDash val="solid"/>
+                      <a:round/>
+                      <a:headEnd type="none" w="med" len="med"/>
+                      <a:tailEnd type="none" w="med" len="med"/>
+                    </a:lnB>
+                    <a:noFill/>
+                  </a:tcPr>
+                </a:tc>
+                <a:tc>
+                  <a:txBody>
+                    <a:bodyPr/>
+                    <a:lstStyle/>
+                    <a:p>
+                      <a:endParaRPr lang="zh-CN" altLang="en-US"/>
+                    </a:p>
+                  </a:txBody>
+                  <a:tcPr>
+                    <a:lnL w="38100" cap="flat" cmpd="sng" algn="ctr">
+                      <a:solidFill>
+                        <a:schemeClr val="tx1"/>
+                      </a:solidFill>
+                      <a:prstDash val="solid"/>
+                      <a:round/>
+                      <a:headEnd type="none" w="med" len="med"/>
+                      <a:tailEnd type="none" w="med" len="med"/>
+                    </a:lnL>
+                    <a:lnR w="38100" cap="flat" cmpd="sng" algn="ctr">
+                      <a:solidFill>
+                        <a:schemeClr val="tx1"/>
+                      </a:solidFill>
+                      <a:prstDash val="solid"/>
+                      <a:round/>
+                      <a:headEnd type="none" w="med" len="med"/>
+                      <a:tailEnd type="none" w="med" len="med"/>
+                    </a:lnR>
+                    <a:lnT w="38100" cap="flat" cmpd="sng" algn="ctr">
+                      <a:solidFill>
+                        <a:schemeClr val="tx1"/>
+                      </a:solidFill>
+                      <a:prstDash val="solid"/>
+                      <a:round/>
+                      <a:headEnd type="none" w="med" len="med"/>
+                      <a:tailEnd type="none" w="med" len="med"/>
+                    </a:lnT>
+                    <a:lnB w="38100" cap="flat" cmpd="sng" algn="ctr">
+                      <a:solidFill>
+                        <a:schemeClr val="tx1"/>
+                      </a:solidFill>
+                      <a:prstDash val="solid"/>
+                      <a:round/>
+                      <a:headEnd type="none" w="med" len="med"/>
+                      <a:tailEnd type="none" w="med" len="med"/>
+                    </a:lnB>
+                    <a:noFill/>
+                  </a:tcPr>
+                </a:tc>
+                <a:tc>
+                  <a:txBody>
+                    <a:bodyPr/>
+                    <a:lstStyle/>
+                    <a:p>
+                      <a:endParaRPr lang="zh-CN" altLang="en-US"/>
+                    </a:p>
+                  </a:txBody>
+                  <a:tcPr>
+                    <a:lnL w="38100" cap="flat" cmpd="sng" algn="ctr">
+                      <a:solidFill>
+                        <a:schemeClr val="tx1"/>
+                      </a:solidFill>
+                      <a:prstDash val="solid"/>
+                      <a:round/>
+                      <a:headEnd type="none" w="med" len="med"/>
+                      <a:tailEnd type="none" w="med" len="med"/>
+                    </a:lnL>
+                    <a:lnR w="38100" cap="flat" cmpd="sng" algn="ctr">
+                      <a:solidFill>
+                        <a:schemeClr val="tx1"/>
+                      </a:solidFill>
+                      <a:prstDash val="solid"/>
+                      <a:round/>
+                      <a:headEnd type="none" w="med" len="med"/>
+                      <a:tailEnd type="none" w="med" len="med"/>
+                    </a:lnR>
+                    <a:lnT w="38100" cap="flat" cmpd="sng" algn="ctr">
+                      <a:solidFill>
+                        <a:schemeClr val="tx1"/>
+                      </a:solidFill>
+                      <a:prstDash val="solid"/>
+                      <a:round/>
+                      <a:headEnd type="none" w="med" len="med"/>
+                      <a:tailEnd type="none" w="med" len="med"/>
+                    </a:lnT>
+                    <a:lnB w="38100" cap="flat" cmpd="sng" algn="ctr">
+                      <a:solidFill>
+                        <a:schemeClr val="tx1"/>
+                      </a:solidFill>
+                      <a:prstDash val="solid"/>
+                      <a:round/>
+                      <a:headEnd type="none" w="med" len="med"/>
+                      <a:tailEnd type="none" w="med" len="med"/>
+                    </a:lnB>
+                    <a:noFill/>
+                  </a:tcPr>
+                </a:tc>
+                <a:tc>
+                  <a:txBody>
+                    <a:bodyPr/>
+                    <a:lstStyle/>
+                    <a:p>
+                      <a:endParaRPr lang="zh-CN" altLang="en-US" dirty="0"/>
+                    </a:p>
+                  </a:txBody>
+                  <a:tcPr>
+                    <a:lnL w="38100" cap="flat" cmpd="sng" algn="ctr">
+                      <a:solidFill>
+                        <a:schemeClr val="tx1"/>
+                      </a:solidFill>
+                      <a:prstDash val="solid"/>
+                      <a:round/>
+                      <a:headEnd type="none" w="med" len="med"/>
+                      <a:tailEnd type="none" w="med" len="med"/>
+                    </a:lnL>
+                    <a:lnR w="38100" cap="flat" cmpd="sng" algn="ctr">
+                      <a:solidFill>
+                        <a:schemeClr val="tx1"/>
+                      </a:solidFill>
+                      <a:prstDash val="solid"/>
+                      <a:round/>
+                      <a:headEnd type="none" w="med" len="med"/>
+                      <a:tailEnd type="none" w="med" len="med"/>
+                    </a:lnR>
+                    <a:lnT w="38100" cap="flat" cmpd="sng" algn="ctr">
+                      <a:solidFill>
+                        <a:schemeClr val="tx1"/>
+                      </a:solidFill>
+                      <a:prstDash val="solid"/>
+                      <a:round/>
+                      <a:headEnd type="none" w="med" len="med"/>
+                      <a:tailEnd type="none" w="med" len="med"/>
+                    </a:lnT>
+                    <a:lnB w="38100" cap="flat" cmpd="sng" algn="ctr">
+                      <a:solidFill>
+                        <a:schemeClr val="tx1"/>
+                      </a:solidFill>
+                      <a:prstDash val="solid"/>
+                      <a:round/>
+                      <a:headEnd type="none" w="med" len="med"/>
+                      <a:tailEnd type="none" w="med" len="med"/>
+                    </a:lnB>
+                    <a:noFill/>
+                  </a:tcPr>
+                </a:tc>
+                <a:extLst>
+                  <a:ext uri="{0D108BD9-81ED-4DB2-BD59-A6C34878D82A}">
+                    <a16:rowId xmlns:a16="http://schemas.microsoft.com/office/drawing/2014/main" xmlns="" val="2866617908"/>
+                  </a:ext>
+                </a:extLst>
+              </a:tr>
+            </a:tbl>
+          </a:graphicData>
+        </a:graphic>
+      </p:graphicFrame>
+      <p:graphicFrame>
+        <p:nvGraphicFramePr>
+          <p:cNvPr id="23" name="表格 22">
+            <a:extLst>
+              <a:ext uri="{FF2B5EF4-FFF2-40B4-BE49-F238E27FC236}">
+                <a16:creationId xmlns:a16="http://schemas.microsoft.com/office/drawing/2014/main" xmlns="" id="{BBD8331B-80DE-5E4F-9E00-43915192637C}"/>
+              </a:ext>
+            </a:extLst>
+          </p:cNvPr>
+          <p:cNvGraphicFramePr>
+            <a:graphicFrameLocks noGrp="1"/>
+          </p:cNvGraphicFramePr>
+          <p:nvPr>
+            <p:extLst>
+              <p:ext uri="{D42A27DB-BD31-4B8C-83A1-F6EECF244321}">
+                <p14:modId xmlns:p14="http://schemas.microsoft.com/office/powerpoint/2010/main" val="915795444"/>
+              </p:ext>
+            </p:extLst>
+          </p:nvPr>
+        </p:nvGraphicFramePr>
+        <p:xfrm>
+          <a:off x="2914093" y="5740283"/>
+          <a:ext cx="6096000" cy="370840"/>
+        </p:xfrm>
+        <a:graphic>
+          <a:graphicData uri="http://schemas.openxmlformats.org/drawingml/2006/table">
+            <a:tbl>
+              <a:tblPr firstRow="1" bandRow="1">
+                <a:tableStyleId>{5C22544A-7EE6-4342-B048-85BDC9FD1C3A}</a:tableStyleId>
+              </a:tblPr>
+              <a:tblGrid>
+                <a:gridCol w="1016000">
+                  <a:extLst>
+                    <a:ext uri="{9D8B030D-6E8A-4147-A177-3AD203B41FA5}">
+                      <a16:colId xmlns:a16="http://schemas.microsoft.com/office/drawing/2014/main" xmlns="" val="2919921209"/>
+                    </a:ext>
+                  </a:extLst>
+                </a:gridCol>
+                <a:gridCol w="1016000">
+                  <a:extLst>
+                    <a:ext uri="{9D8B030D-6E8A-4147-A177-3AD203B41FA5}">
+                      <a16:colId xmlns:a16="http://schemas.microsoft.com/office/drawing/2014/main" xmlns="" val="1274578498"/>
+                    </a:ext>
+                  </a:extLst>
+                </a:gridCol>
+                <a:gridCol w="1016000">
+                  <a:extLst>
+                    <a:ext uri="{9D8B030D-6E8A-4147-A177-3AD203B41FA5}">
+                      <a16:colId xmlns:a16="http://schemas.microsoft.com/office/drawing/2014/main" xmlns="" val="2473859656"/>
+                    </a:ext>
+                  </a:extLst>
+                </a:gridCol>
+                <a:gridCol w="1016000">
+                  <a:extLst>
+                    <a:ext uri="{9D8B030D-6E8A-4147-A177-3AD203B41FA5}">
+                      <a16:colId xmlns:a16="http://schemas.microsoft.com/office/drawing/2014/main" xmlns="" val="4017853280"/>
+                    </a:ext>
+                  </a:extLst>
+                </a:gridCol>
+                <a:gridCol w="1016000">
+                  <a:extLst>
+                    <a:ext uri="{9D8B030D-6E8A-4147-A177-3AD203B41FA5}">
+                      <a16:colId xmlns:a16="http://schemas.microsoft.com/office/drawing/2014/main" xmlns="" val="4046979531"/>
+                    </a:ext>
+                  </a:extLst>
+                </a:gridCol>
+                <a:gridCol w="1016000">
+                  <a:extLst>
+                    <a:ext uri="{9D8B030D-6E8A-4147-A177-3AD203B41FA5}">
+                      <a16:colId xmlns:a16="http://schemas.microsoft.com/office/drawing/2014/main" xmlns="" val="1236215947"/>
+                    </a:ext>
+                  </a:extLst>
+                </a:gridCol>
+              </a:tblGrid>
+              <a:tr h="370840">
+                <a:tc>
+                  <a:txBody>
+                    <a:bodyPr/>
+                    <a:lstStyle/>
+                    <a:p>
+                      <a:endParaRPr lang="zh-CN" altLang="en-US" dirty="0"/>
+                    </a:p>
+                  </a:txBody>
+                  <a:tcPr>
+                    <a:lnL w="38100" cap="flat" cmpd="sng" algn="ctr">
+                      <a:solidFill>
+                        <a:schemeClr val="tx1"/>
+                      </a:solidFill>
+                      <a:prstDash val="solid"/>
+                      <a:round/>
+                      <a:headEnd type="none" w="med" len="med"/>
+                      <a:tailEnd type="none" w="med" len="med"/>
+                    </a:lnL>
+                    <a:lnR w="38100" cap="flat" cmpd="sng" algn="ctr">
+                      <a:solidFill>
+                        <a:schemeClr val="tx1"/>
+                      </a:solidFill>
+                      <a:prstDash val="solid"/>
+                      <a:round/>
+                      <a:headEnd type="none" w="med" len="med"/>
+                      <a:tailEnd type="none" w="med" len="med"/>
+                    </a:lnR>
+                    <a:lnT w="38100" cap="flat" cmpd="sng" algn="ctr">
+                      <a:solidFill>
+                        <a:schemeClr val="tx1"/>
+                      </a:solidFill>
+                      <a:prstDash val="solid"/>
+                      <a:round/>
+                      <a:headEnd type="none" w="med" len="med"/>
+                      <a:tailEnd type="none" w="med" len="med"/>
+                    </a:lnT>
+                    <a:lnB w="38100" cap="flat" cmpd="sng" algn="ctr">
+                      <a:solidFill>
+                        <a:schemeClr val="tx1"/>
+                      </a:solidFill>
+                      <a:prstDash val="solid"/>
+                      <a:round/>
+                      <a:headEnd type="none" w="med" len="med"/>
+                      <a:tailEnd type="none" w="med" len="med"/>
+                    </a:lnB>
+                    <a:noFill/>
+                  </a:tcPr>
+                </a:tc>
+                <a:tc>
+                  <a:txBody>
+                    <a:bodyPr/>
+                    <a:lstStyle/>
+                    <a:p>
+                      <a:endParaRPr lang="zh-CN" altLang="en-US"/>
+                    </a:p>
+                  </a:txBody>
+                  <a:tcPr>
+                    <a:lnL w="38100" cap="flat" cmpd="sng" algn="ctr">
+                      <a:solidFill>
+                        <a:schemeClr val="tx1"/>
+                      </a:solidFill>
+                      <a:prstDash val="solid"/>
+                      <a:round/>
+                      <a:headEnd type="none" w="med" len="med"/>
+                      <a:tailEnd type="none" w="med" len="med"/>
+                    </a:lnL>
+                    <a:lnR w="38100" cap="flat" cmpd="sng" algn="ctr">
+                      <a:solidFill>
+                        <a:schemeClr val="tx1"/>
+                      </a:solidFill>
+                      <a:prstDash val="solid"/>
+                      <a:round/>
+                      <a:headEnd type="none" w="med" len="med"/>
+                      <a:tailEnd type="none" w="med" len="med"/>
+                    </a:lnR>
+                    <a:lnT w="38100" cap="flat" cmpd="sng" algn="ctr">
+                      <a:solidFill>
+                        <a:schemeClr val="tx1"/>
+                      </a:solidFill>
+                      <a:prstDash val="solid"/>
+                      <a:round/>
+                      <a:headEnd type="none" w="med" len="med"/>
+                      <a:tailEnd type="none" w="med" len="med"/>
+                    </a:lnT>
+                    <a:lnB w="38100" cap="flat" cmpd="sng" algn="ctr">
+                      <a:solidFill>
+                        <a:schemeClr val="tx1"/>
+                      </a:solidFill>
+                      <a:prstDash val="solid"/>
+                      <a:round/>
+                      <a:headEnd type="none" w="med" len="med"/>
+                      <a:tailEnd type="none" w="med" len="med"/>
+                    </a:lnB>
+                    <a:noFill/>
+                  </a:tcPr>
+                </a:tc>
+                <a:tc>
+                  <a:txBody>
+                    <a:bodyPr/>
+                    <a:lstStyle/>
+                    <a:p>
+                      <a:endParaRPr lang="zh-CN" altLang="en-US"/>
+                    </a:p>
+                  </a:txBody>
+                  <a:tcPr>
+                    <a:lnL w="38100" cap="flat" cmpd="sng" algn="ctr">
+                      <a:solidFill>
+                        <a:schemeClr val="tx1"/>
+                      </a:solidFill>
+                      <a:prstDash val="solid"/>
+                      <a:round/>
+                      <a:headEnd type="none" w="med" len="med"/>
+                      <a:tailEnd type="none" w="med" len="med"/>
+                    </a:lnL>
+                    <a:lnR w="38100" cap="flat" cmpd="sng" algn="ctr">
+                      <a:solidFill>
+                        <a:schemeClr val="tx1"/>
+                      </a:solidFill>
+                      <a:prstDash val="solid"/>
+                      <a:round/>
+                      <a:headEnd type="none" w="med" len="med"/>
+                      <a:tailEnd type="none" w="med" len="med"/>
+                    </a:lnR>
+                    <a:lnT w="38100" cap="flat" cmpd="sng" algn="ctr">
+                      <a:solidFill>
+                        <a:schemeClr val="tx1"/>
+                      </a:solidFill>
+                      <a:prstDash val="solid"/>
+                      <a:round/>
+                      <a:headEnd type="none" w="med" len="med"/>
+                      <a:tailEnd type="none" w="med" len="med"/>
+                    </a:lnT>
+                    <a:lnB w="38100" cap="flat" cmpd="sng" algn="ctr">
+                      <a:solidFill>
+                        <a:schemeClr val="tx1"/>
+                      </a:solidFill>
+                      <a:prstDash val="solid"/>
+                      <a:round/>
+                      <a:headEnd type="none" w="med" len="med"/>
+                      <a:tailEnd type="none" w="med" len="med"/>
+                    </a:lnB>
+                    <a:noFill/>
+                  </a:tcPr>
+                </a:tc>
+                <a:tc>
+                  <a:txBody>
+                    <a:bodyPr/>
+                    <a:lstStyle/>
+                    <a:p>
+                      <a:endParaRPr lang="zh-CN" altLang="en-US"/>
+                    </a:p>
+                  </a:txBody>
+                  <a:tcPr>
+                    <a:lnL w="38100" cap="flat" cmpd="sng" algn="ctr">
+                      <a:solidFill>
+                        <a:schemeClr val="tx1"/>
+                      </a:solidFill>
+                      <a:prstDash val="solid"/>
+                      <a:round/>
+                      <a:headEnd type="none" w="med" len="med"/>
+                      <a:tailEnd type="none" w="med" len="med"/>
+                    </a:lnL>
+                    <a:lnR w="38100" cap="flat" cmpd="sng" algn="ctr">
+                      <a:solidFill>
+                        <a:schemeClr val="tx1"/>
+                      </a:solidFill>
+                      <a:prstDash val="solid"/>
+                      <a:round/>
+                      <a:headEnd type="none" w="med" len="med"/>
+                      <a:tailEnd type="none" w="med" len="med"/>
+                    </a:lnR>
+                    <a:lnT w="38100" cap="flat" cmpd="sng" algn="ctr">
+                      <a:solidFill>
+                        <a:schemeClr val="tx1"/>
+                      </a:solidFill>
+                      <a:prstDash val="solid"/>
+                      <a:round/>
+                      <a:headEnd type="none" w="med" len="med"/>
+                      <a:tailEnd type="none" w="med" len="med"/>
+                    </a:lnT>
+                    <a:lnB w="38100" cap="flat" cmpd="sng" algn="ctr">
+                      <a:solidFill>
+                        <a:schemeClr val="tx1"/>
+                      </a:solidFill>
+                      <a:prstDash val="solid"/>
+                      <a:round/>
+                      <a:headEnd type="none" w="med" len="med"/>
+                      <a:tailEnd type="none" w="med" len="med"/>
+                    </a:lnB>
+                    <a:noFill/>
+                  </a:tcPr>
+                </a:tc>
+                <a:tc>
+                  <a:txBody>
+                    <a:bodyPr/>
+                    <a:lstStyle/>
+                    <a:p>
+                      <a:endParaRPr lang="zh-CN" altLang="en-US" dirty="0"/>
+                    </a:p>
+                  </a:txBody>
+                  <a:tcPr>
+                    <a:lnL w="38100" cap="flat" cmpd="sng" algn="ctr">
+                      <a:solidFill>
+                        <a:schemeClr val="tx1"/>
+                      </a:solidFill>
+                      <a:prstDash val="solid"/>
+                      <a:round/>
+                      <a:headEnd type="none" w="med" len="med"/>
+                      <a:tailEnd type="none" w="med" len="med"/>
+                    </a:lnL>
+                    <a:lnR w="38100" cap="flat" cmpd="sng" algn="ctr">
+                      <a:solidFill>
+                        <a:schemeClr val="tx1"/>
+                      </a:solidFill>
+                      <a:prstDash val="solid"/>
+                      <a:round/>
+                      <a:headEnd type="none" w="med" len="med"/>
+                      <a:tailEnd type="none" w="med" len="med"/>
+                    </a:lnR>
+                    <a:lnT w="38100" cap="flat" cmpd="sng" algn="ctr">
+                      <a:solidFill>
+                        <a:schemeClr val="tx1"/>
+                      </a:solidFill>
+                      <a:prstDash val="solid"/>
+                      <a:round/>
+                      <a:headEnd type="none" w="med" len="med"/>
+                      <a:tailEnd type="none" w="med" len="med"/>
+                    </a:lnT>
+                    <a:lnB w="38100" cap="flat" cmpd="sng" algn="ctr">
+                      <a:solidFill>
+                        <a:schemeClr val="tx1"/>
+                      </a:solidFill>
+                      <a:prstDash val="solid"/>
+                      <a:round/>
+                      <a:headEnd type="none" w="med" len="med"/>
+                      <a:tailEnd type="none" w="med" len="med"/>
+                    </a:lnB>
+                    <a:noFill/>
+                  </a:tcPr>
+                </a:tc>
+                <a:tc>
+                  <a:txBody>
+                    <a:bodyPr/>
+                    <a:lstStyle/>
+                    <a:p>
+                      <a:endParaRPr lang="zh-CN" altLang="en-US" dirty="0"/>
+                    </a:p>
+                  </a:txBody>
+                  <a:tcPr>
+                    <a:lnL w="38100" cap="flat" cmpd="sng" algn="ctr">
+                      <a:solidFill>
+                        <a:schemeClr val="tx1"/>
+                      </a:solidFill>
+                      <a:prstDash val="solid"/>
+                      <a:round/>
+                      <a:headEnd type="none" w="med" len="med"/>
+                      <a:tailEnd type="none" w="med" len="med"/>
+                    </a:lnL>
+                    <a:lnR w="38100" cap="flat" cmpd="sng" algn="ctr">
+                      <a:solidFill>
+                        <a:schemeClr val="tx1"/>
+                      </a:solidFill>
+                      <a:prstDash val="solid"/>
+                      <a:round/>
+                      <a:headEnd type="none" w="med" len="med"/>
+                      <a:tailEnd type="none" w="med" len="med"/>
+                    </a:lnR>
+                    <a:lnT w="38100" cap="flat" cmpd="sng" algn="ctr">
+                      <a:solidFill>
+                        <a:schemeClr val="tx1"/>
+                      </a:solidFill>
+                      <a:prstDash val="solid"/>
+                      <a:round/>
+                      <a:headEnd type="none" w="med" len="med"/>
+                      <a:tailEnd type="none" w="med" len="med"/>
+                    </a:lnT>
+                    <a:lnB w="38100" cap="flat" cmpd="sng" algn="ctr">
+                      <a:solidFill>
+                        <a:schemeClr val="tx1"/>
+                      </a:solidFill>
+                      <a:prstDash val="solid"/>
+                      <a:round/>
+                      <a:headEnd type="none" w="med" len="med"/>
+                      <a:tailEnd type="none" w="med" len="med"/>
+                    </a:lnB>
+                    <a:noFill/>
+                  </a:tcPr>
+                </a:tc>
+                <a:extLst>
+                  <a:ext uri="{0D108BD9-81ED-4DB2-BD59-A6C34878D82A}">
+                    <a16:rowId xmlns:a16="http://schemas.microsoft.com/office/drawing/2014/main" xmlns="" val="2866617908"/>
+                  </a:ext>
+                </a:extLst>
+              </a:tr>
+            </a:tbl>
+          </a:graphicData>
+        </a:graphic>
+      </p:graphicFrame>
+      <p:cxnSp>
+        <p:nvCxnSpPr>
+          <p:cNvPr id="27" name="直线连接符 26"/>
+          <p:cNvCxnSpPr/>
+          <p:nvPr/>
+        </p:nvCxnSpPr>
+        <p:spPr>
+          <a:xfrm flipH="1">
+            <a:off x="4942522" y="4555653"/>
+            <a:ext cx="15234" cy="1991551"/>
+          </a:xfrm>
+          <a:prstGeom prst="line">
+            <a:avLst/>
+          </a:prstGeom>
+          <a:ln w="25400">
+            <a:solidFill>
+              <a:schemeClr val="tx1"/>
+            </a:solidFill>
+            <a:prstDash val="sysDot"/>
+          </a:ln>
+        </p:spPr>
+        <p:style>
+          <a:lnRef idx="1">
+            <a:schemeClr val="accent1"/>
+          </a:lnRef>
+          <a:fillRef idx="0">
+            <a:schemeClr val="accent1"/>
+          </a:fillRef>
+          <a:effectRef idx="0">
+            <a:schemeClr val="accent1"/>
+          </a:effectRef>
+          <a:fontRef idx="minor">
+            <a:schemeClr val="tx1"/>
+          </a:fontRef>
+        </p:style>
+      </p:cxnSp>
+      <p:cxnSp>
+        <p:nvCxnSpPr>
+          <p:cNvPr id="29" name="直线连接符 28"/>
+          <p:cNvCxnSpPr/>
+          <p:nvPr/>
+        </p:nvCxnSpPr>
+        <p:spPr>
+          <a:xfrm flipH="1">
+            <a:off x="6983251" y="4571108"/>
+            <a:ext cx="15234" cy="1991551"/>
+          </a:xfrm>
+          <a:prstGeom prst="line">
+            <a:avLst/>
+          </a:prstGeom>
+          <a:ln w="25400">
+            <a:solidFill>
+              <a:schemeClr val="tx1"/>
+            </a:solidFill>
+            <a:prstDash val="sysDot"/>
+          </a:ln>
+        </p:spPr>
+        <p:style>
+          <a:lnRef idx="1">
+            <a:schemeClr val="accent1"/>
+          </a:lnRef>
+          <a:fillRef idx="0">
+            <a:schemeClr val="accent1"/>
+          </a:fillRef>
+          <a:effectRef idx="0">
+            <a:schemeClr val="accent1"/>
+          </a:effectRef>
+          <a:fontRef idx="minor">
+            <a:schemeClr val="tx1"/>
+          </a:fontRef>
+        </p:style>
+      </p:cxnSp>
+      <p:sp>
+        <p:nvSpPr>
+          <p:cNvPr id="30" name="矩形 29"/>
+          <p:cNvSpPr/>
+          <p:nvPr/>
+        </p:nvSpPr>
+        <p:spPr>
+          <a:xfrm flipH="1">
+            <a:off x="2788834" y="4454869"/>
+            <a:ext cx="2321223" cy="461665"/>
+          </a:xfrm>
+          <a:prstGeom prst="rect">
+            <a:avLst/>
+          </a:prstGeom>
+        </p:spPr>
+        <p:txBody>
+          <a:bodyPr wrap="square">
+            <a:spAutoFit/>
+          </a:bodyPr>
+          <a:lstStyle/>
+          <a:p>
+            <a:pPr algn="ctr"/>
+            <a:r>
+              <a:rPr kumimoji="1" lang="en-US" altLang="zh-CN" sz="2400" dirty="0" smtClean="0">
+                <a:latin typeface="Times New Roman" charset="0"/>
+                <a:ea typeface="Times New Roman" charset="0"/>
+                <a:cs typeface="Times New Roman" charset="0"/>
+              </a:rPr>
+              <a:t>Thread 1</a:t>
+            </a:r>
+            <a:endParaRPr kumimoji="1" lang="en-US" altLang="zh-CN" sz="2400" dirty="0">
+              <a:latin typeface="Times New Roman" charset="0"/>
+              <a:ea typeface="Times New Roman" charset="0"/>
+              <a:cs typeface="Times New Roman" charset="0"/>
+            </a:endParaRPr>
+          </a:p>
+        </p:txBody>
+      </p:sp>
+      <p:sp>
+        <p:nvSpPr>
+          <p:cNvPr id="31" name="矩形 30"/>
+          <p:cNvSpPr/>
+          <p:nvPr/>
+        </p:nvSpPr>
+        <p:spPr>
+          <a:xfrm flipH="1">
+            <a:off x="4811574" y="4454869"/>
+            <a:ext cx="2321223" cy="461665"/>
+          </a:xfrm>
+          <a:prstGeom prst="rect">
+            <a:avLst/>
+          </a:prstGeom>
+        </p:spPr>
+        <p:txBody>
+          <a:bodyPr wrap="square">
+            <a:spAutoFit/>
+          </a:bodyPr>
+          <a:lstStyle/>
+          <a:p>
+            <a:pPr algn="ctr"/>
+            <a:r>
+              <a:rPr kumimoji="1" lang="en-US" altLang="zh-CN" sz="2400" dirty="0" smtClean="0">
+                <a:latin typeface="Times New Roman" charset="0"/>
+                <a:ea typeface="Times New Roman" charset="0"/>
+                <a:cs typeface="Times New Roman" charset="0"/>
+              </a:rPr>
+              <a:t>Thread 2</a:t>
+            </a:r>
+            <a:endParaRPr kumimoji="1" lang="en-US" altLang="zh-CN" sz="2400" dirty="0">
+              <a:latin typeface="Times New Roman" charset="0"/>
+              <a:ea typeface="Times New Roman" charset="0"/>
+              <a:cs typeface="Times New Roman" charset="0"/>
+            </a:endParaRPr>
+          </a:p>
+        </p:txBody>
+      </p:sp>
+      <p:sp>
+        <p:nvSpPr>
+          <p:cNvPr id="35" name="矩形 34"/>
+          <p:cNvSpPr/>
+          <p:nvPr/>
+        </p:nvSpPr>
+        <p:spPr>
+          <a:xfrm flipH="1">
+            <a:off x="6825715" y="4456037"/>
+            <a:ext cx="2321223" cy="461665"/>
+          </a:xfrm>
+          <a:prstGeom prst="rect">
+            <a:avLst/>
+          </a:prstGeom>
+        </p:spPr>
+        <p:txBody>
+          <a:bodyPr wrap="square">
+            <a:spAutoFit/>
+          </a:bodyPr>
+          <a:lstStyle/>
+          <a:p>
+            <a:pPr algn="ctr"/>
+            <a:r>
+              <a:rPr kumimoji="1" lang="en-US" altLang="zh-CN" sz="2400" dirty="0" smtClean="0">
+                <a:latin typeface="Times New Roman" charset="0"/>
+                <a:ea typeface="Times New Roman" charset="0"/>
+                <a:cs typeface="Times New Roman" charset="0"/>
+              </a:rPr>
+              <a:t>Thread 3</a:t>
+            </a:r>
+            <a:endParaRPr kumimoji="1" lang="en-US" altLang="zh-CN" sz="2400" dirty="0">
+              <a:latin typeface="Times New Roman" charset="0"/>
+              <a:ea typeface="Times New Roman" charset="0"/>
+              <a:cs typeface="Times New Roman" charset="0"/>
+            </a:endParaRPr>
+          </a:p>
+        </p:txBody>
+      </p:sp>
+      <p:sp>
+        <p:nvSpPr>
+          <p:cNvPr id="38" name="矩形 37"/>
+          <p:cNvSpPr/>
+          <p:nvPr/>
+        </p:nvSpPr>
+        <p:spPr>
+          <a:xfrm flipH="1">
+            <a:off x="4650096" y="379015"/>
+            <a:ext cx="2729905" cy="523220"/>
+          </a:xfrm>
+          <a:prstGeom prst="rect">
+            <a:avLst/>
+          </a:prstGeom>
+        </p:spPr>
+        <p:txBody>
+          <a:bodyPr wrap="square">
+            <a:spAutoFit/>
+          </a:bodyPr>
+          <a:lstStyle/>
+          <a:p>
+            <a:pPr algn="ctr"/>
+            <a:r>
+              <a:rPr kumimoji="1" lang="en-US" altLang="zh-CN" sz="2800" dirty="0" smtClean="0">
+                <a:latin typeface="Times New Roman" charset="0"/>
+                <a:ea typeface="Times New Roman" charset="0"/>
+                <a:cs typeface="Times New Roman" charset="0"/>
+              </a:rPr>
+              <a:t>App2</a:t>
+            </a:r>
+            <a:endParaRPr kumimoji="1" lang="en-US" altLang="zh-CN" sz="2800" dirty="0">
+              <a:latin typeface="Times New Roman" charset="0"/>
+              <a:ea typeface="Times New Roman" charset="0"/>
+              <a:cs typeface="Times New Roman" charset="0"/>
+            </a:endParaRPr>
+          </a:p>
+        </p:txBody>
+      </p:sp>
+      <p:sp>
+        <p:nvSpPr>
+          <p:cNvPr id="39" name="矩形 38"/>
+          <p:cNvSpPr/>
+          <p:nvPr/>
+        </p:nvSpPr>
+        <p:spPr>
+          <a:xfrm flipH="1">
+            <a:off x="6484914" y="381572"/>
+            <a:ext cx="2729905" cy="523220"/>
+          </a:xfrm>
+          <a:prstGeom prst="rect">
+            <a:avLst/>
+          </a:prstGeom>
+        </p:spPr>
+        <p:txBody>
+          <a:bodyPr wrap="square">
+            <a:spAutoFit/>
+          </a:bodyPr>
+          <a:lstStyle/>
+          <a:p>
+            <a:pPr algn="ctr"/>
+            <a:r>
+              <a:rPr kumimoji="1" lang="en-US" altLang="zh-CN" sz="2800" dirty="0" smtClean="0">
+                <a:latin typeface="Times New Roman" charset="0"/>
+                <a:ea typeface="Times New Roman" charset="0"/>
+                <a:cs typeface="Times New Roman" charset="0"/>
+              </a:rPr>
+              <a:t>App3</a:t>
+            </a:r>
+            <a:endParaRPr kumimoji="1" lang="en-US" altLang="zh-CN" sz="2800" dirty="0">
+              <a:latin typeface="Times New Roman" charset="0"/>
+              <a:ea typeface="Times New Roman" charset="0"/>
+              <a:cs typeface="Times New Roman" charset="0"/>
+            </a:endParaRPr>
+          </a:p>
+        </p:txBody>
+      </p:sp>
+      <p:cxnSp>
+        <p:nvCxnSpPr>
+          <p:cNvPr id="41" name="直线箭头连接符 40"/>
+          <p:cNvCxnSpPr/>
+          <p:nvPr/>
+        </p:nvCxnSpPr>
+        <p:spPr>
+          <a:xfrm flipV="1">
+            <a:off x="4221466" y="2312782"/>
+            <a:ext cx="0" cy="597240"/>
+          </a:xfrm>
+          <a:prstGeom prst="straightConnector1">
+            <a:avLst/>
+          </a:prstGeom>
+          <a:ln w="25400">
+            <a:solidFill>
+              <a:schemeClr val="tx1"/>
+            </a:solidFill>
+            <a:tailEnd type="triangle"/>
+          </a:ln>
+        </p:spPr>
+        <p:style>
+          <a:lnRef idx="1">
+            <a:schemeClr val="accent1"/>
+          </a:lnRef>
+          <a:fillRef idx="0">
+            <a:schemeClr val="accent1"/>
+          </a:fillRef>
+          <a:effectRef idx="0">
+            <a:schemeClr val="accent1"/>
+          </a:effectRef>
+          <a:fontRef idx="minor">
+            <a:schemeClr val="tx1"/>
+          </a:fontRef>
+        </p:style>
+      </p:cxnSp>
+      <p:sp>
+        <p:nvSpPr>
+          <p:cNvPr id="44" name="矩形 43"/>
+          <p:cNvSpPr/>
+          <p:nvPr/>
+        </p:nvSpPr>
+        <p:spPr>
+          <a:xfrm flipH="1">
+            <a:off x="2211588" y="2319047"/>
+            <a:ext cx="2321223" cy="461665"/>
+          </a:xfrm>
+          <a:prstGeom prst="rect">
+            <a:avLst/>
+          </a:prstGeom>
+        </p:spPr>
+        <p:txBody>
+          <a:bodyPr wrap="square">
+            <a:spAutoFit/>
+          </a:bodyPr>
+          <a:lstStyle/>
+          <a:p>
+            <a:pPr algn="ctr"/>
+            <a:r>
+              <a:rPr kumimoji="1" lang="en-US" altLang="zh-CN" sz="2400" smtClean="0">
+                <a:latin typeface="Times New Roman" charset="0"/>
+                <a:ea typeface="Times New Roman" charset="0"/>
+                <a:cs typeface="Times New Roman" charset="0"/>
+              </a:rPr>
+              <a:t>Thread 1</a:t>
+            </a:r>
+            <a:endParaRPr kumimoji="1" lang="en-US" altLang="zh-CN" sz="2400" dirty="0">
+              <a:latin typeface="Times New Roman" charset="0"/>
+              <a:ea typeface="Times New Roman" charset="0"/>
+              <a:cs typeface="Times New Roman" charset="0"/>
+            </a:endParaRPr>
+          </a:p>
+        </p:txBody>
+      </p:sp>
+      <p:grpSp>
+        <p:nvGrpSpPr>
+          <p:cNvPr id="47" name="组 46"/>
+          <p:cNvGrpSpPr/>
+          <p:nvPr/>
+        </p:nvGrpSpPr>
+        <p:grpSpPr>
+          <a:xfrm>
+            <a:off x="2898391" y="1603502"/>
+            <a:ext cx="2646149" cy="622303"/>
+            <a:chOff x="7860009" y="2202820"/>
+            <a:chExt cx="2729905" cy="1166484"/>
+          </a:xfrm>
+        </p:grpSpPr>
+        <p:sp>
+          <p:nvSpPr>
+            <p:cNvPr id="48" name="圆角矩形 47"/>
+            <p:cNvSpPr/>
+            <p:nvPr/>
+          </p:nvSpPr>
+          <p:spPr>
+            <a:xfrm>
+              <a:off x="8086724" y="2202820"/>
+              <a:ext cx="2243137" cy="1166484"/>
+            </a:xfrm>
+            <a:prstGeom prst="roundRect">
+              <a:avLst/>
+            </a:prstGeom>
+            <a:noFill/>
+            <a:ln w="25400">
+              <a:solidFill>
+                <a:schemeClr val="tx1"/>
+              </a:solidFill>
+            </a:ln>
+          </p:spPr>
+          <p:style>
+            <a:lnRef idx="2">
+              <a:schemeClr val="accent1">
+                <a:shade val="50000"/>
+              </a:schemeClr>
+            </a:lnRef>
+            <a:fillRef idx="1">
+              <a:schemeClr val="accent1"/>
+            </a:fillRef>
+            <a:effectRef idx="0">
+              <a:schemeClr val="accent1"/>
+            </a:effectRef>
+            <a:fontRef idx="minor">
+              <a:schemeClr val="lt1"/>
+            </a:fontRef>
+          </p:style>
+          <p:txBody>
+            <a:bodyPr rtlCol="0" anchor="ctr"/>
+            <a:lstStyle/>
+            <a:p>
+              <a:pPr algn="ctr"/>
+              <a:endParaRPr kumimoji="1" lang="zh-CN" altLang="en-US"/>
+            </a:p>
+          </p:txBody>
+        </p:sp>
+        <p:sp>
+          <p:nvSpPr>
+            <p:cNvPr id="49" name="矩形 48"/>
+            <p:cNvSpPr/>
+            <p:nvPr/>
+          </p:nvSpPr>
+          <p:spPr>
+            <a:xfrm flipH="1">
+              <a:off x="7860009" y="2263273"/>
+              <a:ext cx="2729905" cy="865374"/>
+            </a:xfrm>
+            <a:prstGeom prst="rect">
+              <a:avLst/>
+            </a:prstGeom>
+          </p:spPr>
+          <p:txBody>
+            <a:bodyPr wrap="square">
+              <a:spAutoFit/>
+            </a:bodyPr>
+            <a:lstStyle/>
+            <a:p>
+              <a:pPr algn="ctr"/>
+              <a:r>
+                <a:rPr kumimoji="1" lang="en-US" altLang="zh-CN" sz="2400" dirty="0" smtClean="0">
+                  <a:latin typeface="Times New Roman" charset="0"/>
+                  <a:ea typeface="Times New Roman" charset="0"/>
+                  <a:cs typeface="Times New Roman" charset="0"/>
+                </a:rPr>
+                <a:t>Dimension 1</a:t>
+              </a:r>
+              <a:endParaRPr kumimoji="1" lang="en-US" altLang="zh-CN" sz="2400" dirty="0">
+                <a:latin typeface="Times New Roman" charset="0"/>
+                <a:ea typeface="Times New Roman" charset="0"/>
+                <a:cs typeface="Times New Roman" charset="0"/>
+              </a:endParaRPr>
+            </a:p>
+          </p:txBody>
+        </p:sp>
+      </p:grpSp>
+      <p:cxnSp>
+        <p:nvCxnSpPr>
+          <p:cNvPr id="50" name="直线箭头连接符 49"/>
+          <p:cNvCxnSpPr/>
+          <p:nvPr/>
+        </p:nvCxnSpPr>
+        <p:spPr>
+          <a:xfrm flipV="1">
+            <a:off x="7860076" y="2292251"/>
+            <a:ext cx="0" cy="597240"/>
+          </a:xfrm>
+          <a:prstGeom prst="straightConnector1">
+            <a:avLst/>
+          </a:prstGeom>
+          <a:ln w="25400">
+            <a:solidFill>
+              <a:schemeClr val="tx1"/>
+            </a:solidFill>
+            <a:tailEnd type="triangle"/>
+          </a:ln>
+        </p:spPr>
+        <p:style>
+          <a:lnRef idx="1">
+            <a:schemeClr val="accent1"/>
+          </a:lnRef>
+          <a:fillRef idx="0">
+            <a:schemeClr val="accent1"/>
+          </a:fillRef>
+          <a:effectRef idx="0">
+            <a:schemeClr val="accent1"/>
+          </a:effectRef>
+          <a:fontRef idx="minor">
+            <a:schemeClr val="tx1"/>
+          </a:fontRef>
+        </p:style>
+      </p:cxnSp>
+      <p:grpSp>
+        <p:nvGrpSpPr>
+          <p:cNvPr id="51" name="组 50"/>
+          <p:cNvGrpSpPr/>
+          <p:nvPr/>
+        </p:nvGrpSpPr>
+        <p:grpSpPr>
+          <a:xfrm>
+            <a:off x="6532306" y="1599988"/>
+            <a:ext cx="2646149" cy="622303"/>
+            <a:chOff x="7860009" y="2202820"/>
+            <a:chExt cx="2729905" cy="1166484"/>
+          </a:xfrm>
+        </p:grpSpPr>
+        <p:sp>
+          <p:nvSpPr>
+            <p:cNvPr id="52" name="圆角矩形 51"/>
+            <p:cNvSpPr/>
+            <p:nvPr/>
+          </p:nvSpPr>
+          <p:spPr>
+            <a:xfrm>
+              <a:off x="8086724" y="2202820"/>
+              <a:ext cx="2243137" cy="1166484"/>
+            </a:xfrm>
+            <a:prstGeom prst="roundRect">
+              <a:avLst/>
+            </a:prstGeom>
+            <a:noFill/>
+            <a:ln w="25400">
+              <a:solidFill>
+                <a:schemeClr val="tx1"/>
+              </a:solidFill>
+            </a:ln>
+          </p:spPr>
+          <p:style>
+            <a:lnRef idx="2">
+              <a:schemeClr val="accent1">
+                <a:shade val="50000"/>
+              </a:schemeClr>
+            </a:lnRef>
+            <a:fillRef idx="1">
+              <a:schemeClr val="accent1"/>
+            </a:fillRef>
+            <a:effectRef idx="0">
+              <a:schemeClr val="accent1"/>
+            </a:effectRef>
+            <a:fontRef idx="minor">
+              <a:schemeClr val="lt1"/>
+            </a:fontRef>
+          </p:style>
+          <p:txBody>
+            <a:bodyPr rtlCol="0" anchor="ctr"/>
+            <a:lstStyle/>
+            <a:p>
+              <a:pPr algn="ctr"/>
+              <a:endParaRPr kumimoji="1" lang="zh-CN" altLang="en-US"/>
+            </a:p>
+          </p:txBody>
+        </p:sp>
+        <p:sp>
+          <p:nvSpPr>
+            <p:cNvPr id="53" name="矩形 52"/>
+            <p:cNvSpPr/>
+            <p:nvPr/>
+          </p:nvSpPr>
+          <p:spPr>
+            <a:xfrm flipH="1">
+              <a:off x="7860009" y="2263273"/>
+              <a:ext cx="2729905" cy="865374"/>
+            </a:xfrm>
+            <a:prstGeom prst="rect">
+              <a:avLst/>
+            </a:prstGeom>
+          </p:spPr>
+          <p:txBody>
+            <a:bodyPr wrap="square">
+              <a:spAutoFit/>
+            </a:bodyPr>
+            <a:lstStyle/>
+            <a:p>
+              <a:pPr algn="ctr"/>
+              <a:r>
+                <a:rPr kumimoji="1" lang="en-US" altLang="zh-CN" sz="2400" dirty="0" smtClean="0">
+                  <a:latin typeface="Times New Roman" charset="0"/>
+                  <a:ea typeface="Times New Roman" charset="0"/>
+                  <a:cs typeface="Times New Roman" charset="0"/>
+                </a:rPr>
+                <a:t>Dimension 2</a:t>
+              </a:r>
+              <a:endParaRPr kumimoji="1" lang="en-US" altLang="zh-CN" sz="2400" dirty="0">
+                <a:latin typeface="Times New Roman" charset="0"/>
+                <a:ea typeface="Times New Roman" charset="0"/>
+                <a:cs typeface="Times New Roman" charset="0"/>
+              </a:endParaRPr>
+            </a:p>
+          </p:txBody>
+        </p:sp>
+      </p:grpSp>
+      <p:sp>
+        <p:nvSpPr>
+          <p:cNvPr id="54" name="矩形 53"/>
+          <p:cNvSpPr/>
+          <p:nvPr/>
+        </p:nvSpPr>
+        <p:spPr>
+          <a:xfrm flipH="1">
+            <a:off x="7576835" y="2328586"/>
+            <a:ext cx="2321223" cy="461665"/>
+          </a:xfrm>
+          <a:prstGeom prst="rect">
+            <a:avLst/>
+          </a:prstGeom>
+        </p:spPr>
+        <p:txBody>
+          <a:bodyPr wrap="square">
+            <a:spAutoFit/>
+          </a:bodyPr>
+          <a:lstStyle/>
+          <a:p>
+            <a:pPr algn="ctr"/>
+            <a:r>
+              <a:rPr kumimoji="1" lang="en-US" altLang="zh-CN" sz="2400" dirty="0" smtClean="0">
+                <a:latin typeface="Times New Roman" charset="0"/>
+                <a:ea typeface="Times New Roman" charset="0"/>
+                <a:cs typeface="Times New Roman" charset="0"/>
+              </a:rPr>
+              <a:t>Thread 2</a:t>
+            </a:r>
+            <a:endParaRPr kumimoji="1" lang="en-US" altLang="zh-CN" sz="2400" dirty="0">
+              <a:latin typeface="Times New Roman" charset="0"/>
+              <a:ea typeface="Times New Roman" charset="0"/>
+              <a:cs typeface="Times New Roman" charset="0"/>
+            </a:endParaRPr>
+          </a:p>
+        </p:txBody>
+      </p:sp>
+      <p:grpSp>
+        <p:nvGrpSpPr>
+          <p:cNvPr id="55" name="组 54"/>
+          <p:cNvGrpSpPr/>
+          <p:nvPr/>
+        </p:nvGrpSpPr>
+        <p:grpSpPr>
+          <a:xfrm>
+            <a:off x="2466438" y="3039083"/>
+            <a:ext cx="7188743" cy="622303"/>
+            <a:chOff x="7860009" y="2202820"/>
+            <a:chExt cx="2729905" cy="1166484"/>
+          </a:xfrm>
+        </p:grpSpPr>
+        <p:sp>
+          <p:nvSpPr>
+            <p:cNvPr id="56" name="圆角矩形 55"/>
+            <p:cNvSpPr/>
+            <p:nvPr/>
+          </p:nvSpPr>
+          <p:spPr>
+            <a:xfrm>
+              <a:off x="8086724" y="2202820"/>
+              <a:ext cx="2243137" cy="1166484"/>
+            </a:xfrm>
+            <a:prstGeom prst="roundRect">
+              <a:avLst/>
+            </a:prstGeom>
+            <a:noFill/>
+            <a:ln w="25400">
+              <a:solidFill>
+                <a:schemeClr val="tx1"/>
+              </a:solidFill>
+            </a:ln>
+          </p:spPr>
+          <p:style>
+            <a:lnRef idx="2">
+              <a:schemeClr val="accent1">
+                <a:shade val="50000"/>
+              </a:schemeClr>
+            </a:lnRef>
+            <a:fillRef idx="1">
+              <a:schemeClr val="accent1"/>
+            </a:fillRef>
+            <a:effectRef idx="0">
+              <a:schemeClr val="accent1"/>
+            </a:effectRef>
+            <a:fontRef idx="minor">
+              <a:schemeClr val="lt1"/>
+            </a:fontRef>
+          </p:style>
+          <p:txBody>
+            <a:bodyPr rtlCol="0" anchor="ctr"/>
+            <a:lstStyle/>
+            <a:p>
+              <a:pPr algn="ctr"/>
+              <a:endParaRPr kumimoji="1" lang="zh-CN" altLang="en-US"/>
+            </a:p>
+          </p:txBody>
+        </p:sp>
+        <p:sp>
+          <p:nvSpPr>
+            <p:cNvPr id="57" name="矩形 56"/>
+            <p:cNvSpPr/>
+            <p:nvPr/>
+          </p:nvSpPr>
+          <p:spPr>
+            <a:xfrm flipH="1">
+              <a:off x="7860009" y="2263273"/>
+              <a:ext cx="2729905" cy="865374"/>
+            </a:xfrm>
+            <a:prstGeom prst="rect">
+              <a:avLst/>
+            </a:prstGeom>
+          </p:spPr>
+          <p:txBody>
+            <a:bodyPr wrap="square">
+              <a:spAutoFit/>
+            </a:bodyPr>
+            <a:lstStyle/>
+            <a:p>
+              <a:pPr algn="ctr"/>
+              <a:r>
+                <a:rPr kumimoji="1" lang="en-US" altLang="zh-CN" sz="2400" dirty="0">
+                  <a:latin typeface="Times New Roman" charset="0"/>
+                  <a:ea typeface="Times New Roman" charset="0"/>
+                  <a:cs typeface="Times New Roman" charset="0"/>
+                </a:rPr>
+                <a:t>Result of min-granularity dimension</a:t>
+              </a:r>
+            </a:p>
+          </p:txBody>
+        </p:sp>
+      </p:grpSp>
+      <p:cxnSp>
+        <p:nvCxnSpPr>
+          <p:cNvPr id="58" name="直线箭头连接符 57"/>
+          <p:cNvCxnSpPr/>
+          <p:nvPr/>
+        </p:nvCxnSpPr>
+        <p:spPr>
+          <a:xfrm flipH="1" flipV="1">
+            <a:off x="4205304" y="948889"/>
+            <a:ext cx="2" cy="556397"/>
+          </a:xfrm>
+          <a:prstGeom prst="straightConnector1">
+            <a:avLst/>
+          </a:prstGeom>
+          <a:ln w="25400">
+            <a:solidFill>
+              <a:schemeClr val="tx1"/>
+            </a:solidFill>
+            <a:tailEnd type="triangle"/>
+          </a:ln>
+        </p:spPr>
+        <p:style>
+          <a:lnRef idx="1">
+            <a:schemeClr val="accent1"/>
+          </a:lnRef>
+          <a:fillRef idx="0">
+            <a:schemeClr val="accent1"/>
+          </a:fillRef>
+          <a:effectRef idx="0">
+            <a:schemeClr val="accent1"/>
+          </a:effectRef>
+          <a:fontRef idx="minor">
+            <a:schemeClr val="tx1"/>
+          </a:fontRef>
+        </p:style>
+      </p:cxnSp>
+      <p:cxnSp>
+        <p:nvCxnSpPr>
+          <p:cNvPr id="64" name="直线箭头连接符 63"/>
+          <p:cNvCxnSpPr/>
+          <p:nvPr/>
+        </p:nvCxnSpPr>
+        <p:spPr>
+          <a:xfrm flipH="1" flipV="1">
+            <a:off x="7860076" y="943995"/>
+            <a:ext cx="2" cy="556397"/>
+          </a:xfrm>
+          <a:prstGeom prst="straightConnector1">
+            <a:avLst/>
+          </a:prstGeom>
+          <a:ln w="25400">
+            <a:solidFill>
+              <a:schemeClr val="tx1"/>
+            </a:solidFill>
+            <a:tailEnd type="triangle"/>
+          </a:ln>
+        </p:spPr>
+        <p:style>
+          <a:lnRef idx="1">
+            <a:schemeClr val="accent1"/>
+          </a:lnRef>
+          <a:fillRef idx="0">
+            <a:schemeClr val="accent1"/>
+          </a:fillRef>
+          <a:effectRef idx="0">
+            <a:schemeClr val="accent1"/>
+          </a:effectRef>
+          <a:fontRef idx="minor">
+            <a:schemeClr val="tx1"/>
+          </a:fontRef>
+        </p:style>
+      </p:cxnSp>
+      <p:cxnSp>
+        <p:nvCxnSpPr>
+          <p:cNvPr id="65" name="直线箭头连接符 64"/>
+          <p:cNvCxnSpPr/>
+          <p:nvPr/>
+        </p:nvCxnSpPr>
+        <p:spPr>
+          <a:xfrm flipH="1" flipV="1">
+            <a:off x="6049433" y="1004894"/>
+            <a:ext cx="0" cy="1812490"/>
+          </a:xfrm>
+          <a:prstGeom prst="straightConnector1">
+            <a:avLst/>
+          </a:prstGeom>
+          <a:ln w="25400">
+            <a:solidFill>
+              <a:schemeClr val="tx1"/>
+            </a:solidFill>
+            <a:tailEnd type="triangle"/>
+          </a:ln>
+        </p:spPr>
+        <p:style>
+          <a:lnRef idx="1">
+            <a:schemeClr val="accent1"/>
+          </a:lnRef>
+          <a:fillRef idx="0">
+            <a:schemeClr val="accent1"/>
+          </a:fillRef>
+          <a:effectRef idx="0">
+            <a:schemeClr val="accent1"/>
+          </a:effectRef>
+          <a:fontRef idx="minor">
+            <a:schemeClr val="tx1"/>
+          </a:fontRef>
+        </p:style>
+      </p:cxnSp>
+      <p:grpSp>
+        <p:nvGrpSpPr>
+          <p:cNvPr id="68" name="组 67"/>
+          <p:cNvGrpSpPr/>
+          <p:nvPr/>
+        </p:nvGrpSpPr>
+        <p:grpSpPr>
+          <a:xfrm>
+            <a:off x="9500372" y="4289245"/>
+            <a:ext cx="1958212" cy="963679"/>
+            <a:chOff x="7877334" y="2202820"/>
+            <a:chExt cx="2729905" cy="1166484"/>
+          </a:xfrm>
+        </p:grpSpPr>
+        <p:sp>
+          <p:nvSpPr>
+            <p:cNvPr id="69" name="圆角矩形 68"/>
+            <p:cNvSpPr/>
+            <p:nvPr/>
+          </p:nvSpPr>
+          <p:spPr>
+            <a:xfrm>
+              <a:off x="8086724" y="2202820"/>
+              <a:ext cx="2243137" cy="1166484"/>
+            </a:xfrm>
+            <a:prstGeom prst="roundRect">
+              <a:avLst/>
+            </a:prstGeom>
+            <a:noFill/>
+            <a:ln w="25400">
+              <a:solidFill>
+                <a:schemeClr val="tx1"/>
+              </a:solidFill>
+            </a:ln>
+          </p:spPr>
+          <p:style>
+            <a:lnRef idx="2">
+              <a:schemeClr val="accent1">
+                <a:shade val="50000"/>
+              </a:schemeClr>
+            </a:lnRef>
+            <a:fillRef idx="1">
+              <a:schemeClr val="accent1"/>
+            </a:fillRef>
+            <a:effectRef idx="0">
+              <a:schemeClr val="accent1"/>
+            </a:effectRef>
+            <a:fontRef idx="minor">
+              <a:schemeClr val="lt1"/>
+            </a:fontRef>
+          </p:style>
+          <p:txBody>
+            <a:bodyPr rtlCol="0" anchor="ctr"/>
+            <a:lstStyle/>
+            <a:p>
+              <a:pPr algn="ctr"/>
+              <a:endParaRPr kumimoji="1" lang="zh-CN" altLang="en-US"/>
+            </a:p>
+          </p:txBody>
+        </p:sp>
+        <p:sp>
+          <p:nvSpPr>
+            <p:cNvPr id="70" name="矩形 69"/>
+            <p:cNvSpPr/>
+            <p:nvPr/>
+          </p:nvSpPr>
+          <p:spPr>
+            <a:xfrm flipH="1">
+              <a:off x="7877334" y="2232711"/>
+              <a:ext cx="2729905" cy="830998"/>
+            </a:xfrm>
+            <a:prstGeom prst="rect">
+              <a:avLst/>
+            </a:prstGeom>
+          </p:spPr>
+          <p:txBody>
+            <a:bodyPr wrap="square">
+              <a:spAutoFit/>
+            </a:bodyPr>
+            <a:lstStyle/>
+            <a:p>
+              <a:pPr algn="ctr"/>
+              <a:r>
+                <a:rPr kumimoji="1" lang="en-US" altLang="zh-CN" sz="2400" dirty="0" smtClean="0">
+                  <a:latin typeface="Times New Roman" charset="0"/>
+                  <a:ea typeface="Times New Roman" charset="0"/>
+                  <a:cs typeface="Times New Roman" charset="0"/>
+                </a:rPr>
+                <a:t>Topology information</a:t>
+              </a:r>
+              <a:endParaRPr kumimoji="1" lang="en-US" altLang="zh-CN" sz="2400" dirty="0">
+                <a:latin typeface="Times New Roman" charset="0"/>
+                <a:ea typeface="Times New Roman" charset="0"/>
+                <a:cs typeface="Times New Roman" charset="0"/>
+              </a:endParaRPr>
+            </a:p>
+          </p:txBody>
+        </p:sp>
+      </p:grpSp>
+      <p:cxnSp>
+        <p:nvCxnSpPr>
+          <p:cNvPr id="71" name="直线箭头连接符 70"/>
+          <p:cNvCxnSpPr/>
+          <p:nvPr/>
+        </p:nvCxnSpPr>
+        <p:spPr>
+          <a:xfrm flipH="1" flipV="1">
+            <a:off x="8827290" y="4721934"/>
+            <a:ext cx="630982" cy="3164"/>
+          </a:xfrm>
+          <a:prstGeom prst="straightConnector1">
+            <a:avLst/>
+          </a:prstGeom>
+          <a:ln w="25400">
+            <a:solidFill>
+              <a:schemeClr val="tx1"/>
+            </a:solidFill>
+            <a:tailEnd type="triangle"/>
+          </a:ln>
+        </p:spPr>
+        <p:style>
+          <a:lnRef idx="1">
+            <a:schemeClr val="accent1"/>
+          </a:lnRef>
+          <a:fillRef idx="0">
+            <a:schemeClr val="accent1"/>
+          </a:fillRef>
+          <a:effectRef idx="0">
+            <a:schemeClr val="accent1"/>
+          </a:effectRef>
+          <a:fontRef idx="minor">
+            <a:schemeClr val="tx1"/>
+          </a:fontRef>
+        </p:style>
+      </p:cxnSp>
+    </p:spTree>
+    <p:extLst>
+      <p:ext uri="{BB962C8B-B14F-4D97-AF65-F5344CB8AC3E}">
+        <p14:creationId xmlns:p14="http://schemas.microsoft.com/office/powerpoint/2010/main" val="263888338"/>
+      </p:ext>
+    </p:extLst>
+  </p:cSld>
+  <p:clrMapOvr>
+    <a:masterClrMapping/>
+  </p:clrMapOvr>
+  <p:timing>
+    <p:tnLst>
+      <p:par>
+        <p:cTn id="1" dur="indefinite" restart="never" nodeType="tmRoot"/>
+      </p:par>
+    </p:tnLst>
+  </p:timing>
+</p:sld>
+</file>
+
+<file path=ppt/slides/slide23.xml><?xml version="1.0" encoding="utf-8"?>
 <p:sld xmlns:a="http://schemas.openxmlformats.org/drawingml/2006/main" xmlns:r="http://schemas.openxmlformats.org/officeDocument/2006/relationships" xmlns:p="http://schemas.openxmlformats.org/presentationml/2006/main">
   <p:cSld>
     <p:spTree>
@@ -18818,7 +20334,7 @@
 </p:sld>
 </file>
 
-<file path=ppt/slides/slide23.xml><?xml version="1.0" encoding="utf-8"?>
+<file path=ppt/slides/slide24.xml><?xml version="1.0" encoding="utf-8"?>
 <p:sld xmlns:a="http://schemas.openxmlformats.org/drawingml/2006/main" xmlns:r="http://schemas.openxmlformats.org/officeDocument/2006/relationships" xmlns:p="http://schemas.openxmlformats.org/presentationml/2006/main">
   <p:cSld>
     <p:spTree>
@@ -18951,7 +20467,7 @@
 </p:sld>
 </file>
 
-<file path=ppt/slides/slide24.xml><?xml version="1.0" encoding="utf-8"?>
+<file path=ppt/slides/slide25.xml><?xml version="1.0" encoding="utf-8"?>
 <p:sld xmlns:a="http://schemas.openxmlformats.org/drawingml/2006/main" xmlns:r="http://schemas.openxmlformats.org/officeDocument/2006/relationships" xmlns:p="http://schemas.openxmlformats.org/presentationml/2006/main">
   <p:cSld>
     <p:spTree>
@@ -19023,14 +20539,14 @@
                     <a:gridCol w="924791">
                       <a:extLst>
                         <a:ext uri="{9D8B030D-6E8A-4147-A177-3AD203B41FA5}">
-                          <a16:colId xmlns:a16="http://schemas.microsoft.com/office/drawing/2014/main" xmlns="" val="20000"/>
+                          <a16:colId xmlns="" xmlns:a16="http://schemas.microsoft.com/office/drawing/2014/main" val="20000"/>
                         </a:ext>
                       </a:extLst>
                     </a:gridCol>
                     <a:gridCol w="924791">
                       <a:extLst>
                         <a:ext uri="{9D8B030D-6E8A-4147-A177-3AD203B41FA5}">
-                          <a16:colId xmlns:a16="http://schemas.microsoft.com/office/drawing/2014/main" xmlns="" val="20001"/>
+                          <a16:colId xmlns="" xmlns:a16="http://schemas.microsoft.com/office/drawing/2014/main" val="20001"/>
                         </a:ext>
                       </a:extLst>
                     </a:gridCol>
@@ -19248,7 +20764,7 @@
                     </a:tc>
                     <a:extLst>
                       <a:ext uri="{0D108BD9-81ED-4DB2-BD59-A6C34878D82A}">
-                        <a16:rowId xmlns:a16="http://schemas.microsoft.com/office/drawing/2014/main" xmlns="" val="10000"/>
+                        <a16:rowId xmlns="" xmlns:a16="http://schemas.microsoft.com/office/drawing/2014/main" val="10000"/>
                       </a:ext>
                     </a:extLst>
                   </a:tr>
@@ -19424,14 +20940,14 @@
                     <a:gridCol w="897082">
                       <a:extLst>
                         <a:ext uri="{9D8B030D-6E8A-4147-A177-3AD203B41FA5}">
-                          <a16:colId xmlns:a16="http://schemas.microsoft.com/office/drawing/2014/main" xmlns="" val="20000"/>
+                          <a16:colId xmlns="" xmlns:a16="http://schemas.microsoft.com/office/drawing/2014/main" val="20000"/>
                         </a:ext>
                       </a:extLst>
                     </a:gridCol>
                     <a:gridCol w="897082">
                       <a:extLst>
                         <a:ext uri="{9D8B030D-6E8A-4147-A177-3AD203B41FA5}">
-                          <a16:colId xmlns:a16="http://schemas.microsoft.com/office/drawing/2014/main" xmlns="" val="20001"/>
+                          <a16:colId xmlns="" xmlns:a16="http://schemas.microsoft.com/office/drawing/2014/main" val="20001"/>
                         </a:ext>
                       </a:extLst>
                     </a:gridCol>
@@ -19649,7 +21165,7 @@
                     </a:tc>
                     <a:extLst>
                       <a:ext uri="{0D108BD9-81ED-4DB2-BD59-A6C34878D82A}">
-                        <a16:rowId xmlns:a16="http://schemas.microsoft.com/office/drawing/2014/main" xmlns="" val="10000"/>
+                        <a16:rowId xmlns="" xmlns:a16="http://schemas.microsoft.com/office/drawing/2014/main" val="10000"/>
                       </a:ext>
                     </a:extLst>
                   </a:tr>
@@ -19995,14 +21511,14 @@
                     <a:gridCol w="1253931">
                       <a:extLst>
                         <a:ext uri="{9D8B030D-6E8A-4147-A177-3AD203B41FA5}">
-                          <a16:colId xmlns:a16="http://schemas.microsoft.com/office/drawing/2014/main" xmlns="" val="20000"/>
+                          <a16:colId xmlns="" xmlns:a16="http://schemas.microsoft.com/office/drawing/2014/main" val="20000"/>
                         </a:ext>
                       </a:extLst>
                     </a:gridCol>
                     <a:gridCol w="1253931">
                       <a:extLst>
                         <a:ext uri="{9D8B030D-6E8A-4147-A177-3AD203B41FA5}">
-                          <a16:colId xmlns:a16="http://schemas.microsoft.com/office/drawing/2014/main" xmlns="" val="20001"/>
+                          <a16:colId xmlns="" xmlns:a16="http://schemas.microsoft.com/office/drawing/2014/main" val="20001"/>
                         </a:ext>
                       </a:extLst>
                     </a:gridCol>
@@ -20233,7 +21749,7 @@
                     </a:tc>
                     <a:extLst>
                       <a:ext uri="{0D108BD9-81ED-4DB2-BD59-A6C34878D82A}">
-                        <a16:rowId xmlns:a16="http://schemas.microsoft.com/office/drawing/2014/main" xmlns="" val="10000"/>
+                        <a16:rowId xmlns="" xmlns:a16="http://schemas.microsoft.com/office/drawing/2014/main" val="10000"/>
                       </a:ext>
                     </a:extLst>
                   </a:tr>
@@ -20769,7 +22285,7 @@
 </p:sld>
 </file>
 
-<file path=ppt/slides/slide25.xml><?xml version="1.0" encoding="utf-8"?>
+<file path=ppt/slides/slide26.xml><?xml version="1.0" encoding="utf-8"?>
 <p:sld xmlns:a="http://schemas.openxmlformats.org/drawingml/2006/main" xmlns:r="http://schemas.openxmlformats.org/officeDocument/2006/relationships" xmlns:p="http://schemas.openxmlformats.org/presentationml/2006/main">
   <p:cSld>
     <p:spTree>
@@ -20791,7 +22307,7 @@
           <p:cNvPr id="21" name="圆角矩形 20">
             <a:extLst>
               <a:ext uri="{FF2B5EF4-FFF2-40B4-BE49-F238E27FC236}">
-                <a16:creationId xmlns:a16="http://schemas.microsoft.com/office/drawing/2014/main" xmlns="" id="{B9FD8BC4-88B1-FB49-A69E-4544EC25D7B0}"/>
+                <a16:creationId xmlns="" xmlns:a16="http://schemas.microsoft.com/office/drawing/2014/main" id="{B9FD8BC4-88B1-FB49-A69E-4544EC25D7B0}"/>
               </a:ext>
             </a:extLst>
           </p:cNvPr>
@@ -20843,7 +22359,7 @@
           <p:cNvPr id="23" name="标题 1">
             <a:extLst>
               <a:ext uri="{FF2B5EF4-FFF2-40B4-BE49-F238E27FC236}">
-                <a16:creationId xmlns:a16="http://schemas.microsoft.com/office/drawing/2014/main" xmlns="" id="{2A0A361E-C4E6-9746-8122-CEDEFDAF9301}"/>
+                <a16:creationId xmlns="" xmlns:a16="http://schemas.microsoft.com/office/drawing/2014/main" id="{2A0A361E-C4E6-9746-8122-CEDEFDAF9301}"/>
               </a:ext>
             </a:extLst>
           </p:cNvPr>
@@ -20904,7 +22420,7 @@
           <p:cNvPr id="24" name="圆角矩形 23">
             <a:extLst>
               <a:ext uri="{FF2B5EF4-FFF2-40B4-BE49-F238E27FC236}">
-                <a16:creationId xmlns:a16="http://schemas.microsoft.com/office/drawing/2014/main" xmlns="" id="{77450AF4-A8E6-5A41-9C23-F856999365C5}"/>
+                <a16:creationId xmlns="" xmlns:a16="http://schemas.microsoft.com/office/drawing/2014/main" id="{77450AF4-A8E6-5A41-9C23-F856999365C5}"/>
               </a:ext>
             </a:extLst>
           </p:cNvPr>
@@ -20956,7 +22472,7 @@
           <p:cNvPr id="31" name="标题 1">
             <a:extLst>
               <a:ext uri="{FF2B5EF4-FFF2-40B4-BE49-F238E27FC236}">
-                <a16:creationId xmlns:a16="http://schemas.microsoft.com/office/drawing/2014/main" xmlns="" id="{69219139-42A6-6746-9965-D1370EE1A1BD}"/>
+                <a16:creationId xmlns="" xmlns:a16="http://schemas.microsoft.com/office/drawing/2014/main" id="{69219139-42A6-6746-9965-D1370EE1A1BD}"/>
               </a:ext>
             </a:extLst>
           </p:cNvPr>
@@ -21017,7 +22533,7 @@
           <p:cNvPr id="8" name="表格 7">
             <a:extLst>
               <a:ext uri="{FF2B5EF4-FFF2-40B4-BE49-F238E27FC236}">
-                <a16:creationId xmlns:a16="http://schemas.microsoft.com/office/drawing/2014/main" xmlns="" id="{D97D9A0B-82F4-CE43-8692-7C6CD16DE3F7}"/>
+                <a16:creationId xmlns="" xmlns:a16="http://schemas.microsoft.com/office/drawing/2014/main" id="{D97D9A0B-82F4-CE43-8692-7C6CD16DE3F7}"/>
               </a:ext>
             </a:extLst>
           </p:cNvPr>
@@ -21046,56 +22562,56 @@
                 <a:gridCol w="1016000">
                   <a:extLst>
                     <a:ext uri="{9D8B030D-6E8A-4147-A177-3AD203B41FA5}">
-                      <a16:colId xmlns:a16="http://schemas.microsoft.com/office/drawing/2014/main" xmlns="" val="2919921209"/>
+                      <a16:colId xmlns="" xmlns:a16="http://schemas.microsoft.com/office/drawing/2014/main" val="2919921209"/>
                     </a:ext>
                   </a:extLst>
                 </a:gridCol>
                 <a:gridCol w="1016000">
                   <a:extLst>
                     <a:ext uri="{9D8B030D-6E8A-4147-A177-3AD203B41FA5}">
-                      <a16:colId xmlns:a16="http://schemas.microsoft.com/office/drawing/2014/main" xmlns="" val="1274578498"/>
+                      <a16:colId xmlns="" xmlns:a16="http://schemas.microsoft.com/office/drawing/2014/main" val="1274578498"/>
                     </a:ext>
                   </a:extLst>
                 </a:gridCol>
                 <a:gridCol w="1016000">
                   <a:extLst>
                     <a:ext uri="{9D8B030D-6E8A-4147-A177-3AD203B41FA5}">
-                      <a16:colId xmlns:a16="http://schemas.microsoft.com/office/drawing/2014/main" xmlns="" val="2473859656"/>
+                      <a16:colId xmlns="" xmlns:a16="http://schemas.microsoft.com/office/drawing/2014/main" val="2473859656"/>
                     </a:ext>
                   </a:extLst>
                 </a:gridCol>
                 <a:gridCol w="1016000">
                   <a:extLst>
                     <a:ext uri="{9D8B030D-6E8A-4147-A177-3AD203B41FA5}">
-                      <a16:colId xmlns:a16="http://schemas.microsoft.com/office/drawing/2014/main" xmlns="" val="4017853280"/>
+                      <a16:colId xmlns="" xmlns:a16="http://schemas.microsoft.com/office/drawing/2014/main" val="4017853280"/>
                     </a:ext>
                   </a:extLst>
                 </a:gridCol>
                 <a:gridCol w="1016000">
                   <a:extLst>
                     <a:ext uri="{9D8B030D-6E8A-4147-A177-3AD203B41FA5}">
-                      <a16:colId xmlns:a16="http://schemas.microsoft.com/office/drawing/2014/main" xmlns="" val="4046979531"/>
+                      <a16:colId xmlns="" xmlns:a16="http://schemas.microsoft.com/office/drawing/2014/main" val="4046979531"/>
                     </a:ext>
                   </a:extLst>
                 </a:gridCol>
                 <a:gridCol w="1016000">
                   <a:extLst>
                     <a:ext uri="{9D8B030D-6E8A-4147-A177-3AD203B41FA5}">
-                      <a16:colId xmlns:a16="http://schemas.microsoft.com/office/drawing/2014/main" xmlns="" val="1236215947"/>
+                      <a16:colId xmlns="" xmlns:a16="http://schemas.microsoft.com/office/drawing/2014/main" val="1236215947"/>
                     </a:ext>
                   </a:extLst>
                 </a:gridCol>
                 <a:gridCol w="1016000">
                   <a:extLst>
                     <a:ext uri="{9D8B030D-6E8A-4147-A177-3AD203B41FA5}">
-                      <a16:colId xmlns:a16="http://schemas.microsoft.com/office/drawing/2014/main" xmlns="" val="3358476489"/>
+                      <a16:colId xmlns="" xmlns:a16="http://schemas.microsoft.com/office/drawing/2014/main" val="3358476489"/>
                     </a:ext>
                   </a:extLst>
                 </a:gridCol>
                 <a:gridCol w="1016000">
                   <a:extLst>
                     <a:ext uri="{9D8B030D-6E8A-4147-A177-3AD203B41FA5}">
-                      <a16:colId xmlns:a16="http://schemas.microsoft.com/office/drawing/2014/main" xmlns="" val="1544053477"/>
+                      <a16:colId xmlns="" xmlns:a16="http://schemas.microsoft.com/office/drawing/2014/main" val="1544053477"/>
                     </a:ext>
                   </a:extLst>
                 </a:gridCol>
@@ -21555,7 +23071,7 @@
                 </a:tc>
                 <a:extLst>
                   <a:ext uri="{0D108BD9-81ED-4DB2-BD59-A6C34878D82A}">
-                    <a16:rowId xmlns:a16="http://schemas.microsoft.com/office/drawing/2014/main" xmlns="" val="2866617908"/>
+                    <a16:rowId xmlns="" xmlns:a16="http://schemas.microsoft.com/office/drawing/2014/main" val="2866617908"/>
                   </a:ext>
                 </a:extLst>
               </a:tr>
@@ -21568,7 +23084,7 @@
           <p:cNvPr id="9" name="表格 8">
             <a:extLst>
               <a:ext uri="{FF2B5EF4-FFF2-40B4-BE49-F238E27FC236}">
-                <a16:creationId xmlns:a16="http://schemas.microsoft.com/office/drawing/2014/main" xmlns="" id="{CD154DA2-9E3F-1944-8B7D-C27C34F8B532}"/>
+                <a16:creationId xmlns="" xmlns:a16="http://schemas.microsoft.com/office/drawing/2014/main" id="{CD154DA2-9E3F-1944-8B7D-C27C34F8B532}"/>
               </a:ext>
             </a:extLst>
           </p:cNvPr>
@@ -21597,56 +23113,56 @@
                 <a:gridCol w="1016000">
                   <a:extLst>
                     <a:ext uri="{9D8B030D-6E8A-4147-A177-3AD203B41FA5}">
-                      <a16:colId xmlns:a16="http://schemas.microsoft.com/office/drawing/2014/main" xmlns="" val="2919921209"/>
+                      <a16:colId xmlns="" xmlns:a16="http://schemas.microsoft.com/office/drawing/2014/main" val="2919921209"/>
                     </a:ext>
                   </a:extLst>
                 </a:gridCol>
                 <a:gridCol w="1016000">
                   <a:extLst>
                     <a:ext uri="{9D8B030D-6E8A-4147-A177-3AD203B41FA5}">
-                      <a16:colId xmlns:a16="http://schemas.microsoft.com/office/drawing/2014/main" xmlns="" val="1274578498"/>
+                      <a16:colId xmlns="" xmlns:a16="http://schemas.microsoft.com/office/drawing/2014/main" val="1274578498"/>
                     </a:ext>
                   </a:extLst>
                 </a:gridCol>
                 <a:gridCol w="1016000">
                   <a:extLst>
                     <a:ext uri="{9D8B030D-6E8A-4147-A177-3AD203B41FA5}">
-                      <a16:colId xmlns:a16="http://schemas.microsoft.com/office/drawing/2014/main" xmlns="" val="2473859656"/>
+                      <a16:colId xmlns="" xmlns:a16="http://schemas.microsoft.com/office/drawing/2014/main" val="2473859656"/>
                     </a:ext>
                   </a:extLst>
                 </a:gridCol>
                 <a:gridCol w="1016000">
                   <a:extLst>
                     <a:ext uri="{9D8B030D-6E8A-4147-A177-3AD203B41FA5}">
-                      <a16:colId xmlns:a16="http://schemas.microsoft.com/office/drawing/2014/main" xmlns="" val="4017853280"/>
+                      <a16:colId xmlns="" xmlns:a16="http://schemas.microsoft.com/office/drawing/2014/main" val="4017853280"/>
                     </a:ext>
                   </a:extLst>
                 </a:gridCol>
                 <a:gridCol w="1016000">
                   <a:extLst>
                     <a:ext uri="{9D8B030D-6E8A-4147-A177-3AD203B41FA5}">
-                      <a16:colId xmlns:a16="http://schemas.microsoft.com/office/drawing/2014/main" xmlns="" val="4046979531"/>
+                      <a16:colId xmlns="" xmlns:a16="http://schemas.microsoft.com/office/drawing/2014/main" val="4046979531"/>
                     </a:ext>
                   </a:extLst>
                 </a:gridCol>
                 <a:gridCol w="1016000">
                   <a:extLst>
                     <a:ext uri="{9D8B030D-6E8A-4147-A177-3AD203B41FA5}">
-                      <a16:colId xmlns:a16="http://schemas.microsoft.com/office/drawing/2014/main" xmlns="" val="1236215947"/>
+                      <a16:colId xmlns="" xmlns:a16="http://schemas.microsoft.com/office/drawing/2014/main" val="1236215947"/>
                     </a:ext>
                   </a:extLst>
                 </a:gridCol>
                 <a:gridCol w="1016000">
                   <a:extLst>
                     <a:ext uri="{9D8B030D-6E8A-4147-A177-3AD203B41FA5}">
-                      <a16:colId xmlns:a16="http://schemas.microsoft.com/office/drawing/2014/main" xmlns="" val="3358476489"/>
+                      <a16:colId xmlns="" xmlns:a16="http://schemas.microsoft.com/office/drawing/2014/main" val="3358476489"/>
                     </a:ext>
                   </a:extLst>
                 </a:gridCol>
                 <a:gridCol w="1016000">
                   <a:extLst>
                     <a:ext uri="{9D8B030D-6E8A-4147-A177-3AD203B41FA5}">
-                      <a16:colId xmlns:a16="http://schemas.microsoft.com/office/drawing/2014/main" xmlns="" val="1544053477"/>
+                      <a16:colId xmlns="" xmlns:a16="http://schemas.microsoft.com/office/drawing/2014/main" val="1544053477"/>
                     </a:ext>
                   </a:extLst>
                 </a:gridCol>
@@ -22096,7 +23612,7 @@
                 </a:tc>
                 <a:extLst>
                   <a:ext uri="{0D108BD9-81ED-4DB2-BD59-A6C34878D82A}">
-                    <a16:rowId xmlns:a16="http://schemas.microsoft.com/office/drawing/2014/main" xmlns="" val="2866617908"/>
+                    <a16:rowId xmlns="" xmlns:a16="http://schemas.microsoft.com/office/drawing/2014/main" val="2866617908"/>
                   </a:ext>
                 </a:extLst>
               </a:tr>
@@ -22109,7 +23625,7 @@
           <p:cNvPr id="10" name="表格 9">
             <a:extLst>
               <a:ext uri="{FF2B5EF4-FFF2-40B4-BE49-F238E27FC236}">
-                <a16:creationId xmlns:a16="http://schemas.microsoft.com/office/drawing/2014/main" xmlns="" id="{A7DF6C73-A4D2-EA48-9F10-4EB820276082}"/>
+                <a16:creationId xmlns="" xmlns:a16="http://schemas.microsoft.com/office/drawing/2014/main" id="{A7DF6C73-A4D2-EA48-9F10-4EB820276082}"/>
               </a:ext>
             </a:extLst>
           </p:cNvPr>
@@ -22138,56 +23654,56 @@
                 <a:gridCol w="1016000">
                   <a:extLst>
                     <a:ext uri="{9D8B030D-6E8A-4147-A177-3AD203B41FA5}">
-                      <a16:colId xmlns:a16="http://schemas.microsoft.com/office/drawing/2014/main" xmlns="" val="2919921209"/>
+                      <a16:colId xmlns="" xmlns:a16="http://schemas.microsoft.com/office/drawing/2014/main" val="2919921209"/>
                     </a:ext>
                   </a:extLst>
                 </a:gridCol>
                 <a:gridCol w="1016000">
                   <a:extLst>
                     <a:ext uri="{9D8B030D-6E8A-4147-A177-3AD203B41FA5}">
-                      <a16:colId xmlns:a16="http://schemas.microsoft.com/office/drawing/2014/main" xmlns="" val="1274578498"/>
+                      <a16:colId xmlns="" xmlns:a16="http://schemas.microsoft.com/office/drawing/2014/main" val="1274578498"/>
                     </a:ext>
                   </a:extLst>
                 </a:gridCol>
                 <a:gridCol w="1016000">
                   <a:extLst>
                     <a:ext uri="{9D8B030D-6E8A-4147-A177-3AD203B41FA5}">
-                      <a16:colId xmlns:a16="http://schemas.microsoft.com/office/drawing/2014/main" xmlns="" val="2473859656"/>
+                      <a16:colId xmlns="" xmlns:a16="http://schemas.microsoft.com/office/drawing/2014/main" val="2473859656"/>
                     </a:ext>
                   </a:extLst>
                 </a:gridCol>
                 <a:gridCol w="1016000">
                   <a:extLst>
                     <a:ext uri="{9D8B030D-6E8A-4147-A177-3AD203B41FA5}">
-                      <a16:colId xmlns:a16="http://schemas.microsoft.com/office/drawing/2014/main" xmlns="" val="4017853280"/>
+                      <a16:colId xmlns="" xmlns:a16="http://schemas.microsoft.com/office/drawing/2014/main" val="4017853280"/>
                     </a:ext>
                   </a:extLst>
                 </a:gridCol>
                 <a:gridCol w="1016000">
                   <a:extLst>
                     <a:ext uri="{9D8B030D-6E8A-4147-A177-3AD203B41FA5}">
-                      <a16:colId xmlns:a16="http://schemas.microsoft.com/office/drawing/2014/main" xmlns="" val="4046979531"/>
+                      <a16:colId xmlns="" xmlns:a16="http://schemas.microsoft.com/office/drawing/2014/main" val="4046979531"/>
                     </a:ext>
                   </a:extLst>
                 </a:gridCol>
                 <a:gridCol w="1016000">
                   <a:extLst>
                     <a:ext uri="{9D8B030D-6E8A-4147-A177-3AD203B41FA5}">
-                      <a16:colId xmlns:a16="http://schemas.microsoft.com/office/drawing/2014/main" xmlns="" val="1236215947"/>
+                      <a16:colId xmlns="" xmlns:a16="http://schemas.microsoft.com/office/drawing/2014/main" val="1236215947"/>
                     </a:ext>
                   </a:extLst>
                 </a:gridCol>
                 <a:gridCol w="1016000">
                   <a:extLst>
                     <a:ext uri="{9D8B030D-6E8A-4147-A177-3AD203B41FA5}">
-                      <a16:colId xmlns:a16="http://schemas.microsoft.com/office/drawing/2014/main" xmlns="" val="3358476489"/>
+                      <a16:colId xmlns="" xmlns:a16="http://schemas.microsoft.com/office/drawing/2014/main" val="3358476489"/>
                     </a:ext>
                   </a:extLst>
                 </a:gridCol>
                 <a:gridCol w="1016000">
                   <a:extLst>
                     <a:ext uri="{9D8B030D-6E8A-4147-A177-3AD203B41FA5}">
-                      <a16:colId xmlns:a16="http://schemas.microsoft.com/office/drawing/2014/main" xmlns="" val="1544053477"/>
+                      <a16:colId xmlns="" xmlns:a16="http://schemas.microsoft.com/office/drawing/2014/main" val="1544053477"/>
                     </a:ext>
                   </a:extLst>
                 </a:gridCol>
@@ -22637,7 +24153,7 @@
                 </a:tc>
                 <a:extLst>
                   <a:ext uri="{0D108BD9-81ED-4DB2-BD59-A6C34878D82A}">
-                    <a16:rowId xmlns:a16="http://schemas.microsoft.com/office/drawing/2014/main" xmlns="" val="2866617908"/>
+                    <a16:rowId xmlns="" xmlns:a16="http://schemas.microsoft.com/office/drawing/2014/main" val="2866617908"/>
                   </a:ext>
                 </a:extLst>
               </a:tr>
@@ -22687,7 +24203,7 @@
           <p:cNvPr id="2" name="标题 1">
             <a:extLst>
               <a:ext uri="{FF2B5EF4-FFF2-40B4-BE49-F238E27FC236}">
-                <a16:creationId xmlns:a16="http://schemas.microsoft.com/office/drawing/2014/main" xmlns="" id="{F0405D1C-A876-8341-918E-A5D66A83827F}"/>
+                <a16:creationId xmlns="" xmlns:a16="http://schemas.microsoft.com/office/drawing/2014/main" id="{F0405D1C-A876-8341-918E-A5D66A83827F}"/>
               </a:ext>
             </a:extLst>
           </p:cNvPr>
@@ -22722,7 +24238,7 @@
           <p:cNvPr id="3" name="内容占位符 2">
             <a:extLst>
               <a:ext uri="{FF2B5EF4-FFF2-40B4-BE49-F238E27FC236}">
-                <a16:creationId xmlns:a16="http://schemas.microsoft.com/office/drawing/2014/main" xmlns="" id="{18357220-3404-9543-B18A-654DBC2080C6}"/>
+                <a16:creationId xmlns="" xmlns:a16="http://schemas.microsoft.com/office/drawing/2014/main" id="{18357220-3404-9543-B18A-654DBC2080C6}"/>
               </a:ext>
             </a:extLst>
           </p:cNvPr>
@@ -22803,7 +24319,7 @@
           <p:cNvPr id="2" name="标题 1">
             <a:extLst>
               <a:ext uri="{FF2B5EF4-FFF2-40B4-BE49-F238E27FC236}">
-                <a16:creationId xmlns:a16="http://schemas.microsoft.com/office/drawing/2014/main" xmlns="" id="{F0405D1C-A876-8341-918E-A5D66A83827F}"/>
+                <a16:creationId xmlns="" xmlns:a16="http://schemas.microsoft.com/office/drawing/2014/main" id="{F0405D1C-A876-8341-918E-A5D66A83827F}"/>
               </a:ext>
             </a:extLst>
           </p:cNvPr>
@@ -22838,7 +24354,7 @@
           <p:cNvPr id="3" name="内容占位符 2">
             <a:extLst>
               <a:ext uri="{FF2B5EF4-FFF2-40B4-BE49-F238E27FC236}">
-                <a16:creationId xmlns:a16="http://schemas.microsoft.com/office/drawing/2014/main" xmlns="" id="{18357220-3404-9543-B18A-654DBC2080C6}"/>
+                <a16:creationId xmlns="" xmlns:a16="http://schemas.microsoft.com/office/drawing/2014/main" id="{18357220-3404-9543-B18A-654DBC2080C6}"/>
               </a:ext>
             </a:extLst>
           </p:cNvPr>
@@ -22958,7 +24474,7 @@
           <p:cNvPr id="2" name="标题 1">
             <a:extLst>
               <a:ext uri="{FF2B5EF4-FFF2-40B4-BE49-F238E27FC236}">
-                <a16:creationId xmlns:a16="http://schemas.microsoft.com/office/drawing/2014/main" xmlns="" id="{F0405D1C-A876-8341-918E-A5D66A83827F}"/>
+                <a16:creationId xmlns="" xmlns:a16="http://schemas.microsoft.com/office/drawing/2014/main" id="{F0405D1C-A876-8341-918E-A5D66A83827F}"/>
               </a:ext>
             </a:extLst>
           </p:cNvPr>
@@ -23576,7 +25092,7 @@
           <p:cNvPr id="2" name="标题 1">
             <a:extLst>
               <a:ext uri="{FF2B5EF4-FFF2-40B4-BE49-F238E27FC236}">
-                <a16:creationId xmlns:a16="http://schemas.microsoft.com/office/drawing/2014/main" xmlns="" id="{F0405D1C-A876-8341-918E-A5D66A83827F}"/>
+                <a16:creationId xmlns="" xmlns:a16="http://schemas.microsoft.com/office/drawing/2014/main" id="{F0405D1C-A876-8341-918E-A5D66A83827F}"/>
               </a:ext>
             </a:extLst>
           </p:cNvPr>
@@ -23611,7 +25127,7 @@
           <p:cNvPr id="3" name="内容占位符 2">
             <a:extLst>
               <a:ext uri="{FF2B5EF4-FFF2-40B4-BE49-F238E27FC236}">
-                <a16:creationId xmlns:a16="http://schemas.microsoft.com/office/drawing/2014/main" xmlns="" id="{18357220-3404-9543-B18A-654DBC2080C6}"/>
+                <a16:creationId xmlns="" xmlns:a16="http://schemas.microsoft.com/office/drawing/2014/main" id="{18357220-3404-9543-B18A-654DBC2080C6}"/>
               </a:ext>
             </a:extLst>
           </p:cNvPr>
@@ -23697,7 +25213,7 @@
           <p:cNvPr id="2" name="标题 1">
             <a:extLst>
               <a:ext uri="{FF2B5EF4-FFF2-40B4-BE49-F238E27FC236}">
-                <a16:creationId xmlns:a16="http://schemas.microsoft.com/office/drawing/2014/main" xmlns="" id="{F0405D1C-A876-8341-918E-A5D66A83827F}"/>
+                <a16:creationId xmlns="" xmlns:a16="http://schemas.microsoft.com/office/drawing/2014/main" id="{F0405D1C-A876-8341-918E-A5D66A83827F}"/>
               </a:ext>
             </a:extLst>
           </p:cNvPr>
@@ -23732,7 +25248,7 @@
           <p:cNvPr id="3" name="内容占位符 2">
             <a:extLst>
               <a:ext uri="{FF2B5EF4-FFF2-40B4-BE49-F238E27FC236}">
-                <a16:creationId xmlns:a16="http://schemas.microsoft.com/office/drawing/2014/main" xmlns="" id="{18357220-3404-9543-B18A-654DBC2080C6}"/>
+                <a16:creationId xmlns="" xmlns:a16="http://schemas.microsoft.com/office/drawing/2014/main" id="{18357220-3404-9543-B18A-654DBC2080C6}"/>
               </a:ext>
             </a:extLst>
           </p:cNvPr>
@@ -23813,7 +25329,7 @@
           <p:cNvPr id="2" name="标题 1">
             <a:extLst>
               <a:ext uri="{FF2B5EF4-FFF2-40B4-BE49-F238E27FC236}">
-                <a16:creationId xmlns:a16="http://schemas.microsoft.com/office/drawing/2014/main" xmlns="" id="{F0405D1C-A876-8341-918E-A5D66A83827F}"/>
+                <a16:creationId xmlns="" xmlns:a16="http://schemas.microsoft.com/office/drawing/2014/main" id="{F0405D1C-A876-8341-918E-A5D66A83827F}"/>
               </a:ext>
             </a:extLst>
           </p:cNvPr>
@@ -23848,7 +25364,7 @@
           <p:cNvPr id="3" name="内容占位符 2">
             <a:extLst>
               <a:ext uri="{FF2B5EF4-FFF2-40B4-BE49-F238E27FC236}">
-                <a16:creationId xmlns:a16="http://schemas.microsoft.com/office/drawing/2014/main" xmlns="" id="{18357220-3404-9543-B18A-654DBC2080C6}"/>
+                <a16:creationId xmlns="" xmlns:a16="http://schemas.microsoft.com/office/drawing/2014/main" id="{18357220-3404-9543-B18A-654DBC2080C6}"/>
               </a:ext>
             </a:extLst>
           </p:cNvPr>
@@ -23920,7 +25436,7 @@
           <p:cNvPr id="2" name="标题 1">
             <a:extLst>
               <a:ext uri="{FF2B5EF4-FFF2-40B4-BE49-F238E27FC236}">
-                <a16:creationId xmlns:a16="http://schemas.microsoft.com/office/drawing/2014/main" xmlns="" id="{F0405D1C-A876-8341-918E-A5D66A83827F}"/>
+                <a16:creationId xmlns="" xmlns:a16="http://schemas.microsoft.com/office/drawing/2014/main" id="{F0405D1C-A876-8341-918E-A5D66A83827F}"/>
               </a:ext>
             </a:extLst>
           </p:cNvPr>
@@ -23955,7 +25471,7 @@
           <p:cNvPr id="3" name="内容占位符 2">
             <a:extLst>
               <a:ext uri="{FF2B5EF4-FFF2-40B4-BE49-F238E27FC236}">
-                <a16:creationId xmlns:a16="http://schemas.microsoft.com/office/drawing/2014/main" xmlns="" id="{18357220-3404-9543-B18A-654DBC2080C6}"/>
+                <a16:creationId xmlns="" xmlns:a16="http://schemas.microsoft.com/office/drawing/2014/main" id="{18357220-3404-9543-B18A-654DBC2080C6}"/>
               </a:ext>
             </a:extLst>
           </p:cNvPr>

--- a/dimensions.pptx
+++ b/dimensions.pptx
@@ -5230,8 +5230,8 @@
           </a:p>
         </p:txBody>
       </p:sp>
-      <mc:AlternateContent xmlns:mc="http://schemas.openxmlformats.org/markup-compatibility/2006">
-        <mc:Choice xmlns:a14="http://schemas.microsoft.com/office/drawing/2010/main" Requires="a14">
+      <mc:AlternateContent xmlns:mc="http://schemas.openxmlformats.org/markup-compatibility/2006" xmlns:a14="http://schemas.microsoft.com/office/drawing/2010/main">
+        <mc:Choice Requires="a14">
           <p:sp>
             <p:nvSpPr>
               <p:cNvPr id="43" name="矩形 42"/>
@@ -5307,7 +5307,7 @@
             </p:txBody>
           </p:sp>
         </mc:Choice>
-        <mc:Fallback>
+        <mc:Fallback xmlns="">
           <p:sp>
             <p:nvSpPr>
               <p:cNvPr id="43" name="矩形 42"/>

--- a/dimensions.pptx
+++ b/dimensions.pptx
@@ -5,7 +5,7 @@
     <p:sldMasterId id="2147483648" r:id="rId1"/>
   </p:sldMasterIdLst>
   <p:notesMasterIdLst>
-    <p:notesMasterId r:id="rId31"/>
+    <p:notesMasterId r:id="rId35"/>
   </p:notesMasterIdLst>
   <p:sldIdLst>
     <p:sldId id="256" r:id="rId2"/>
@@ -18,25 +18,29 @@
     <p:sldId id="310" r:id="rId9"/>
     <p:sldId id="294" r:id="rId10"/>
     <p:sldId id="295" r:id="rId11"/>
-    <p:sldId id="297" r:id="rId12"/>
-    <p:sldId id="298" r:id="rId13"/>
-    <p:sldId id="299" r:id="rId14"/>
-    <p:sldId id="300" r:id="rId15"/>
-    <p:sldId id="311" r:id="rId16"/>
-    <p:sldId id="301" r:id="rId17"/>
-    <p:sldId id="305" r:id="rId18"/>
-    <p:sldId id="306" r:id="rId19"/>
-    <p:sldId id="272" r:id="rId20"/>
-    <p:sldId id="266" r:id="rId21"/>
-    <p:sldId id="307" r:id="rId22"/>
-    <p:sldId id="308" r:id="rId23"/>
-    <p:sldId id="286" r:id="rId24"/>
-    <p:sldId id="309" r:id="rId25"/>
-    <p:sldId id="284" r:id="rId26"/>
-    <p:sldId id="312" r:id="rId27"/>
-    <p:sldId id="303" r:id="rId28"/>
-    <p:sldId id="270" r:id="rId29"/>
-    <p:sldId id="267" r:id="rId30"/>
+    <p:sldId id="313" r:id="rId12"/>
+    <p:sldId id="297" r:id="rId13"/>
+    <p:sldId id="314" r:id="rId14"/>
+    <p:sldId id="316" r:id="rId15"/>
+    <p:sldId id="298" r:id="rId16"/>
+    <p:sldId id="317" r:id="rId17"/>
+    <p:sldId id="299" r:id="rId18"/>
+    <p:sldId id="300" r:id="rId19"/>
+    <p:sldId id="311" r:id="rId20"/>
+    <p:sldId id="301" r:id="rId21"/>
+    <p:sldId id="305" r:id="rId22"/>
+    <p:sldId id="306" r:id="rId23"/>
+    <p:sldId id="272" r:id="rId24"/>
+    <p:sldId id="266" r:id="rId25"/>
+    <p:sldId id="307" r:id="rId26"/>
+    <p:sldId id="308" r:id="rId27"/>
+    <p:sldId id="286" r:id="rId28"/>
+    <p:sldId id="309" r:id="rId29"/>
+    <p:sldId id="284" r:id="rId30"/>
+    <p:sldId id="312" r:id="rId31"/>
+    <p:sldId id="303" r:id="rId32"/>
+    <p:sldId id="270" r:id="rId33"/>
+    <p:sldId id="267" r:id="rId34"/>
   </p:sldIdLst>
   <p:sldSz cx="12192000" cy="6858000"/>
   <p:notesSz cx="6858000" cy="9144000"/>
@@ -514,7 +518,7 @@
           <p:cNvPr id="2" name="标题 1">
             <a:extLst>
               <a:ext uri="{FF2B5EF4-FFF2-40B4-BE49-F238E27FC236}">
-                <a16:creationId xmlns:a16="http://schemas.microsoft.com/office/drawing/2014/main" id="{D435C22D-35E4-B947-ADF6-00125DADBB8B}"/>
+                <a16:creationId xmlns:a16="http://schemas.microsoft.com/office/drawing/2014/main" xmlns="" id="{D435C22D-35E4-B947-ADF6-00125DADBB8B}"/>
               </a:ext>
             </a:extLst>
           </p:cNvPr>
@@ -551,7 +555,7 @@
           <p:cNvPr id="3" name="副标题 2">
             <a:extLst>
               <a:ext uri="{FF2B5EF4-FFF2-40B4-BE49-F238E27FC236}">
-                <a16:creationId xmlns:a16="http://schemas.microsoft.com/office/drawing/2014/main" id="{C7849677-9272-9045-869B-295E7EF5A720}"/>
+                <a16:creationId xmlns:a16="http://schemas.microsoft.com/office/drawing/2014/main" xmlns="" id="{C7849677-9272-9045-869B-295E7EF5A720}"/>
               </a:ext>
             </a:extLst>
           </p:cNvPr>
@@ -621,7 +625,7 @@
           <p:cNvPr id="4" name="日期占位符 3">
             <a:extLst>
               <a:ext uri="{FF2B5EF4-FFF2-40B4-BE49-F238E27FC236}">
-                <a16:creationId xmlns:a16="http://schemas.microsoft.com/office/drawing/2014/main" id="{368DF367-ED9B-5746-B0DB-6BC688C78B0F}"/>
+                <a16:creationId xmlns:a16="http://schemas.microsoft.com/office/drawing/2014/main" xmlns="" id="{368DF367-ED9B-5746-B0DB-6BC688C78B0F}"/>
               </a:ext>
             </a:extLst>
           </p:cNvPr>
@@ -650,7 +654,7 @@
           <p:cNvPr id="5" name="页脚占位符 4">
             <a:extLst>
               <a:ext uri="{FF2B5EF4-FFF2-40B4-BE49-F238E27FC236}">
-                <a16:creationId xmlns:a16="http://schemas.microsoft.com/office/drawing/2014/main" id="{C95FA25B-82CF-364D-883D-806810765D32}"/>
+                <a16:creationId xmlns:a16="http://schemas.microsoft.com/office/drawing/2014/main" xmlns="" id="{C95FA25B-82CF-364D-883D-806810765D32}"/>
               </a:ext>
             </a:extLst>
           </p:cNvPr>
@@ -675,7 +679,7 @@
           <p:cNvPr id="6" name="灯片编号占位符 5">
             <a:extLst>
               <a:ext uri="{FF2B5EF4-FFF2-40B4-BE49-F238E27FC236}">
-                <a16:creationId xmlns:a16="http://schemas.microsoft.com/office/drawing/2014/main" id="{ACB9917D-1E0D-5348-BE09-E2A0BFCB63B3}"/>
+                <a16:creationId xmlns:a16="http://schemas.microsoft.com/office/drawing/2014/main" xmlns="" id="{ACB9917D-1E0D-5348-BE09-E2A0BFCB63B3}"/>
               </a:ext>
             </a:extLst>
           </p:cNvPr>
@@ -734,7 +738,7 @@
           <p:cNvPr id="2" name="标题 1">
             <a:extLst>
               <a:ext uri="{FF2B5EF4-FFF2-40B4-BE49-F238E27FC236}">
-                <a16:creationId xmlns:a16="http://schemas.microsoft.com/office/drawing/2014/main" id="{CEC143AC-22CA-C44B-B2AB-6AB4ECB2F86A}"/>
+                <a16:creationId xmlns:a16="http://schemas.microsoft.com/office/drawing/2014/main" xmlns="" id="{CEC143AC-22CA-C44B-B2AB-6AB4ECB2F86A}"/>
               </a:ext>
             </a:extLst>
           </p:cNvPr>
@@ -762,7 +766,7 @@
           <p:cNvPr id="3" name="竖排文字占位符 2">
             <a:extLst>
               <a:ext uri="{FF2B5EF4-FFF2-40B4-BE49-F238E27FC236}">
-                <a16:creationId xmlns:a16="http://schemas.microsoft.com/office/drawing/2014/main" id="{2CE0FE40-A78B-BA46-8E48-3D5CEC66A5A8}"/>
+                <a16:creationId xmlns:a16="http://schemas.microsoft.com/office/drawing/2014/main" xmlns="" id="{2CE0FE40-A78B-BA46-8E48-3D5CEC66A5A8}"/>
               </a:ext>
             </a:extLst>
           </p:cNvPr>
@@ -819,7 +823,7 @@
           <p:cNvPr id="4" name="日期占位符 3">
             <a:extLst>
               <a:ext uri="{FF2B5EF4-FFF2-40B4-BE49-F238E27FC236}">
-                <a16:creationId xmlns:a16="http://schemas.microsoft.com/office/drawing/2014/main" id="{18037842-4350-9646-ACB3-7E89E135C079}"/>
+                <a16:creationId xmlns:a16="http://schemas.microsoft.com/office/drawing/2014/main" xmlns="" id="{18037842-4350-9646-ACB3-7E89E135C079}"/>
               </a:ext>
             </a:extLst>
           </p:cNvPr>
@@ -848,7 +852,7 @@
           <p:cNvPr id="5" name="页脚占位符 4">
             <a:extLst>
               <a:ext uri="{FF2B5EF4-FFF2-40B4-BE49-F238E27FC236}">
-                <a16:creationId xmlns:a16="http://schemas.microsoft.com/office/drawing/2014/main" id="{21FE0005-1CE3-3C4D-A396-67FC1762A58A}"/>
+                <a16:creationId xmlns:a16="http://schemas.microsoft.com/office/drawing/2014/main" xmlns="" id="{21FE0005-1CE3-3C4D-A396-67FC1762A58A}"/>
               </a:ext>
             </a:extLst>
           </p:cNvPr>
@@ -873,7 +877,7 @@
           <p:cNvPr id="6" name="灯片编号占位符 5">
             <a:extLst>
               <a:ext uri="{FF2B5EF4-FFF2-40B4-BE49-F238E27FC236}">
-                <a16:creationId xmlns:a16="http://schemas.microsoft.com/office/drawing/2014/main" id="{7A546223-2353-C141-93DA-8CE94DB6145A}"/>
+                <a16:creationId xmlns:a16="http://schemas.microsoft.com/office/drawing/2014/main" xmlns="" id="{7A546223-2353-C141-93DA-8CE94DB6145A}"/>
               </a:ext>
             </a:extLst>
           </p:cNvPr>
@@ -932,7 +936,7 @@
           <p:cNvPr id="2" name="竖排标题 1">
             <a:extLst>
               <a:ext uri="{FF2B5EF4-FFF2-40B4-BE49-F238E27FC236}">
-                <a16:creationId xmlns:a16="http://schemas.microsoft.com/office/drawing/2014/main" id="{6D7ABA00-7C40-6C42-827C-3F6D047E76C0}"/>
+                <a16:creationId xmlns:a16="http://schemas.microsoft.com/office/drawing/2014/main" xmlns="" id="{6D7ABA00-7C40-6C42-827C-3F6D047E76C0}"/>
               </a:ext>
             </a:extLst>
           </p:cNvPr>
@@ -965,7 +969,7 @@
           <p:cNvPr id="3" name="竖排文字占位符 2">
             <a:extLst>
               <a:ext uri="{FF2B5EF4-FFF2-40B4-BE49-F238E27FC236}">
-                <a16:creationId xmlns:a16="http://schemas.microsoft.com/office/drawing/2014/main" id="{6FC0E22B-A826-8249-AD03-05CBE4D4F5AB}"/>
+                <a16:creationId xmlns:a16="http://schemas.microsoft.com/office/drawing/2014/main" xmlns="" id="{6FC0E22B-A826-8249-AD03-05CBE4D4F5AB}"/>
               </a:ext>
             </a:extLst>
           </p:cNvPr>
@@ -1027,7 +1031,7 @@
           <p:cNvPr id="4" name="日期占位符 3">
             <a:extLst>
               <a:ext uri="{FF2B5EF4-FFF2-40B4-BE49-F238E27FC236}">
-                <a16:creationId xmlns:a16="http://schemas.microsoft.com/office/drawing/2014/main" id="{8BDC99DB-BF84-2440-9025-EDB9245A81D0}"/>
+                <a16:creationId xmlns:a16="http://schemas.microsoft.com/office/drawing/2014/main" xmlns="" id="{8BDC99DB-BF84-2440-9025-EDB9245A81D0}"/>
               </a:ext>
             </a:extLst>
           </p:cNvPr>
@@ -1056,7 +1060,7 @@
           <p:cNvPr id="5" name="页脚占位符 4">
             <a:extLst>
               <a:ext uri="{FF2B5EF4-FFF2-40B4-BE49-F238E27FC236}">
-                <a16:creationId xmlns:a16="http://schemas.microsoft.com/office/drawing/2014/main" id="{123A4B03-8DB6-AE4D-AE5E-7D701C685BB3}"/>
+                <a16:creationId xmlns:a16="http://schemas.microsoft.com/office/drawing/2014/main" xmlns="" id="{123A4B03-8DB6-AE4D-AE5E-7D701C685BB3}"/>
               </a:ext>
             </a:extLst>
           </p:cNvPr>
@@ -1081,7 +1085,7 @@
           <p:cNvPr id="6" name="灯片编号占位符 5">
             <a:extLst>
               <a:ext uri="{FF2B5EF4-FFF2-40B4-BE49-F238E27FC236}">
-                <a16:creationId xmlns:a16="http://schemas.microsoft.com/office/drawing/2014/main" id="{EA39382E-8860-074D-AEAD-7DE3AB585A55}"/>
+                <a16:creationId xmlns:a16="http://schemas.microsoft.com/office/drawing/2014/main" xmlns="" id="{EA39382E-8860-074D-AEAD-7DE3AB585A55}"/>
               </a:ext>
             </a:extLst>
           </p:cNvPr>
@@ -1140,7 +1144,7 @@
           <p:cNvPr id="2" name="标题 1">
             <a:extLst>
               <a:ext uri="{FF2B5EF4-FFF2-40B4-BE49-F238E27FC236}">
-                <a16:creationId xmlns:a16="http://schemas.microsoft.com/office/drawing/2014/main" id="{5A9B5FA4-7E9B-254B-9E92-AE1F02C8ADEA}"/>
+                <a16:creationId xmlns:a16="http://schemas.microsoft.com/office/drawing/2014/main" xmlns="" id="{5A9B5FA4-7E9B-254B-9E92-AE1F02C8ADEA}"/>
               </a:ext>
             </a:extLst>
           </p:cNvPr>
@@ -1168,7 +1172,7 @@
           <p:cNvPr id="3" name="内容占位符 2">
             <a:extLst>
               <a:ext uri="{FF2B5EF4-FFF2-40B4-BE49-F238E27FC236}">
-                <a16:creationId xmlns:a16="http://schemas.microsoft.com/office/drawing/2014/main" id="{4F40916E-4FE9-BA4C-AD1E-81E267306DD1}"/>
+                <a16:creationId xmlns:a16="http://schemas.microsoft.com/office/drawing/2014/main" xmlns="" id="{4F40916E-4FE9-BA4C-AD1E-81E267306DD1}"/>
               </a:ext>
             </a:extLst>
           </p:cNvPr>
@@ -1225,7 +1229,7 @@
           <p:cNvPr id="4" name="日期占位符 3">
             <a:extLst>
               <a:ext uri="{FF2B5EF4-FFF2-40B4-BE49-F238E27FC236}">
-                <a16:creationId xmlns:a16="http://schemas.microsoft.com/office/drawing/2014/main" id="{0A5F10E4-5A96-C547-AD3B-E023F7B0FFE4}"/>
+                <a16:creationId xmlns:a16="http://schemas.microsoft.com/office/drawing/2014/main" xmlns="" id="{0A5F10E4-5A96-C547-AD3B-E023F7B0FFE4}"/>
               </a:ext>
             </a:extLst>
           </p:cNvPr>
@@ -1254,7 +1258,7 @@
           <p:cNvPr id="5" name="页脚占位符 4">
             <a:extLst>
               <a:ext uri="{FF2B5EF4-FFF2-40B4-BE49-F238E27FC236}">
-                <a16:creationId xmlns:a16="http://schemas.microsoft.com/office/drawing/2014/main" id="{1038B965-1852-B649-BBB8-AD8AD68DE223}"/>
+                <a16:creationId xmlns:a16="http://schemas.microsoft.com/office/drawing/2014/main" xmlns="" id="{1038B965-1852-B649-BBB8-AD8AD68DE223}"/>
               </a:ext>
             </a:extLst>
           </p:cNvPr>
@@ -1279,7 +1283,7 @@
           <p:cNvPr id="6" name="灯片编号占位符 5">
             <a:extLst>
               <a:ext uri="{FF2B5EF4-FFF2-40B4-BE49-F238E27FC236}">
-                <a16:creationId xmlns:a16="http://schemas.microsoft.com/office/drawing/2014/main" id="{2DC077C2-15DD-D94C-8BD5-5B06DB9BB5B0}"/>
+                <a16:creationId xmlns:a16="http://schemas.microsoft.com/office/drawing/2014/main" xmlns="" id="{2DC077C2-15DD-D94C-8BD5-5B06DB9BB5B0}"/>
               </a:ext>
             </a:extLst>
           </p:cNvPr>
@@ -1338,7 +1342,7 @@
           <p:cNvPr id="2" name="标题 1">
             <a:extLst>
               <a:ext uri="{FF2B5EF4-FFF2-40B4-BE49-F238E27FC236}">
-                <a16:creationId xmlns:a16="http://schemas.microsoft.com/office/drawing/2014/main" id="{0404CA93-C440-E44B-929C-C731C17C9A93}"/>
+                <a16:creationId xmlns:a16="http://schemas.microsoft.com/office/drawing/2014/main" xmlns="" id="{0404CA93-C440-E44B-929C-C731C17C9A93}"/>
               </a:ext>
             </a:extLst>
           </p:cNvPr>
@@ -1375,7 +1379,7 @@
           <p:cNvPr id="3" name="文本占位符 2">
             <a:extLst>
               <a:ext uri="{FF2B5EF4-FFF2-40B4-BE49-F238E27FC236}">
-                <a16:creationId xmlns:a16="http://schemas.microsoft.com/office/drawing/2014/main" id="{AC2CE085-CBDA-0041-8BD8-5C7C11AB00CF}"/>
+                <a16:creationId xmlns:a16="http://schemas.microsoft.com/office/drawing/2014/main" xmlns="" id="{AC2CE085-CBDA-0041-8BD8-5C7C11AB00CF}"/>
               </a:ext>
             </a:extLst>
           </p:cNvPr>
@@ -1500,7 +1504,7 @@
           <p:cNvPr id="4" name="日期占位符 3">
             <a:extLst>
               <a:ext uri="{FF2B5EF4-FFF2-40B4-BE49-F238E27FC236}">
-                <a16:creationId xmlns:a16="http://schemas.microsoft.com/office/drawing/2014/main" id="{D3D438EC-A47D-534B-89A1-F96DEF065E22}"/>
+                <a16:creationId xmlns:a16="http://schemas.microsoft.com/office/drawing/2014/main" xmlns="" id="{D3D438EC-A47D-534B-89A1-F96DEF065E22}"/>
               </a:ext>
             </a:extLst>
           </p:cNvPr>
@@ -1529,7 +1533,7 @@
           <p:cNvPr id="5" name="页脚占位符 4">
             <a:extLst>
               <a:ext uri="{FF2B5EF4-FFF2-40B4-BE49-F238E27FC236}">
-                <a16:creationId xmlns:a16="http://schemas.microsoft.com/office/drawing/2014/main" id="{E2A01CED-D50C-0A4E-ACB9-ED71CDB5305A}"/>
+                <a16:creationId xmlns:a16="http://schemas.microsoft.com/office/drawing/2014/main" xmlns="" id="{E2A01CED-D50C-0A4E-ACB9-ED71CDB5305A}"/>
               </a:ext>
             </a:extLst>
           </p:cNvPr>
@@ -1554,7 +1558,7 @@
           <p:cNvPr id="6" name="灯片编号占位符 5">
             <a:extLst>
               <a:ext uri="{FF2B5EF4-FFF2-40B4-BE49-F238E27FC236}">
-                <a16:creationId xmlns:a16="http://schemas.microsoft.com/office/drawing/2014/main" id="{608820B1-E6CD-3A40-AD12-49AB8F2F3410}"/>
+                <a16:creationId xmlns:a16="http://schemas.microsoft.com/office/drawing/2014/main" xmlns="" id="{608820B1-E6CD-3A40-AD12-49AB8F2F3410}"/>
               </a:ext>
             </a:extLst>
           </p:cNvPr>
@@ -1613,7 +1617,7 @@
           <p:cNvPr id="2" name="标题 1">
             <a:extLst>
               <a:ext uri="{FF2B5EF4-FFF2-40B4-BE49-F238E27FC236}">
-                <a16:creationId xmlns:a16="http://schemas.microsoft.com/office/drawing/2014/main" id="{1E6F6C51-419C-E948-ACA0-593488FF4BCC}"/>
+                <a16:creationId xmlns:a16="http://schemas.microsoft.com/office/drawing/2014/main" xmlns="" id="{1E6F6C51-419C-E948-ACA0-593488FF4BCC}"/>
               </a:ext>
             </a:extLst>
           </p:cNvPr>
@@ -1641,7 +1645,7 @@
           <p:cNvPr id="3" name="内容占位符 2">
             <a:extLst>
               <a:ext uri="{FF2B5EF4-FFF2-40B4-BE49-F238E27FC236}">
-                <a16:creationId xmlns:a16="http://schemas.microsoft.com/office/drawing/2014/main" id="{2806FD09-7B14-6F4A-B0D0-D3C1908DC9B2}"/>
+                <a16:creationId xmlns:a16="http://schemas.microsoft.com/office/drawing/2014/main" xmlns="" id="{2806FD09-7B14-6F4A-B0D0-D3C1908DC9B2}"/>
               </a:ext>
             </a:extLst>
           </p:cNvPr>
@@ -1703,7 +1707,7 @@
           <p:cNvPr id="4" name="内容占位符 3">
             <a:extLst>
               <a:ext uri="{FF2B5EF4-FFF2-40B4-BE49-F238E27FC236}">
-                <a16:creationId xmlns:a16="http://schemas.microsoft.com/office/drawing/2014/main" id="{CBCD2F04-6605-8342-B3B1-6B26C814F261}"/>
+                <a16:creationId xmlns:a16="http://schemas.microsoft.com/office/drawing/2014/main" xmlns="" id="{CBCD2F04-6605-8342-B3B1-6B26C814F261}"/>
               </a:ext>
             </a:extLst>
           </p:cNvPr>
@@ -1765,7 +1769,7 @@
           <p:cNvPr id="5" name="日期占位符 4">
             <a:extLst>
               <a:ext uri="{FF2B5EF4-FFF2-40B4-BE49-F238E27FC236}">
-                <a16:creationId xmlns:a16="http://schemas.microsoft.com/office/drawing/2014/main" id="{D630F77F-F5C1-B142-90CC-2715570E4A35}"/>
+                <a16:creationId xmlns:a16="http://schemas.microsoft.com/office/drawing/2014/main" xmlns="" id="{D630F77F-F5C1-B142-90CC-2715570E4A35}"/>
               </a:ext>
             </a:extLst>
           </p:cNvPr>
@@ -1794,7 +1798,7 @@
           <p:cNvPr id="6" name="页脚占位符 5">
             <a:extLst>
               <a:ext uri="{FF2B5EF4-FFF2-40B4-BE49-F238E27FC236}">
-                <a16:creationId xmlns:a16="http://schemas.microsoft.com/office/drawing/2014/main" id="{53480D62-37C1-B546-BFBD-9A7068FF74FD}"/>
+                <a16:creationId xmlns:a16="http://schemas.microsoft.com/office/drawing/2014/main" xmlns="" id="{53480D62-37C1-B546-BFBD-9A7068FF74FD}"/>
               </a:ext>
             </a:extLst>
           </p:cNvPr>
@@ -1819,7 +1823,7 @@
           <p:cNvPr id="7" name="灯片编号占位符 6">
             <a:extLst>
               <a:ext uri="{FF2B5EF4-FFF2-40B4-BE49-F238E27FC236}">
-                <a16:creationId xmlns:a16="http://schemas.microsoft.com/office/drawing/2014/main" id="{A752A4C7-74AF-E24E-87E2-D895B0C8B369}"/>
+                <a16:creationId xmlns:a16="http://schemas.microsoft.com/office/drawing/2014/main" xmlns="" id="{A752A4C7-74AF-E24E-87E2-D895B0C8B369}"/>
               </a:ext>
             </a:extLst>
           </p:cNvPr>
@@ -1878,7 +1882,7 @@
           <p:cNvPr id="2" name="标题 1">
             <a:extLst>
               <a:ext uri="{FF2B5EF4-FFF2-40B4-BE49-F238E27FC236}">
-                <a16:creationId xmlns:a16="http://schemas.microsoft.com/office/drawing/2014/main" id="{3DD3590A-D582-0F4E-B1CF-3F6E4ABCCCED}"/>
+                <a16:creationId xmlns:a16="http://schemas.microsoft.com/office/drawing/2014/main" xmlns="" id="{3DD3590A-D582-0F4E-B1CF-3F6E4ABCCCED}"/>
               </a:ext>
             </a:extLst>
           </p:cNvPr>
@@ -1911,7 +1915,7 @@
           <p:cNvPr id="3" name="文本占位符 2">
             <a:extLst>
               <a:ext uri="{FF2B5EF4-FFF2-40B4-BE49-F238E27FC236}">
-                <a16:creationId xmlns:a16="http://schemas.microsoft.com/office/drawing/2014/main" id="{0B8A6F64-6571-FE4F-BC4E-B79B41D9520D}"/>
+                <a16:creationId xmlns:a16="http://schemas.microsoft.com/office/drawing/2014/main" xmlns="" id="{0B8A6F64-6571-FE4F-BC4E-B79B41D9520D}"/>
               </a:ext>
             </a:extLst>
           </p:cNvPr>
@@ -1982,7 +1986,7 @@
           <p:cNvPr id="4" name="内容占位符 3">
             <a:extLst>
               <a:ext uri="{FF2B5EF4-FFF2-40B4-BE49-F238E27FC236}">
-                <a16:creationId xmlns:a16="http://schemas.microsoft.com/office/drawing/2014/main" id="{A46F58F7-70E6-2642-ABF3-5292F2DEE21D}"/>
+                <a16:creationId xmlns:a16="http://schemas.microsoft.com/office/drawing/2014/main" xmlns="" id="{A46F58F7-70E6-2642-ABF3-5292F2DEE21D}"/>
               </a:ext>
             </a:extLst>
           </p:cNvPr>
@@ -2044,7 +2048,7 @@
           <p:cNvPr id="5" name="文本占位符 4">
             <a:extLst>
               <a:ext uri="{FF2B5EF4-FFF2-40B4-BE49-F238E27FC236}">
-                <a16:creationId xmlns:a16="http://schemas.microsoft.com/office/drawing/2014/main" id="{2619888D-CB40-7A45-A2C4-4E71D62E319D}"/>
+                <a16:creationId xmlns:a16="http://schemas.microsoft.com/office/drawing/2014/main" xmlns="" id="{2619888D-CB40-7A45-A2C4-4E71D62E319D}"/>
               </a:ext>
             </a:extLst>
           </p:cNvPr>
@@ -2115,7 +2119,7 @@
           <p:cNvPr id="6" name="内容占位符 5">
             <a:extLst>
               <a:ext uri="{FF2B5EF4-FFF2-40B4-BE49-F238E27FC236}">
-                <a16:creationId xmlns:a16="http://schemas.microsoft.com/office/drawing/2014/main" id="{314E1B5F-168A-B64E-9A36-4834AD72637B}"/>
+                <a16:creationId xmlns:a16="http://schemas.microsoft.com/office/drawing/2014/main" xmlns="" id="{314E1B5F-168A-B64E-9A36-4834AD72637B}"/>
               </a:ext>
             </a:extLst>
           </p:cNvPr>
@@ -2177,7 +2181,7 @@
           <p:cNvPr id="7" name="日期占位符 6">
             <a:extLst>
               <a:ext uri="{FF2B5EF4-FFF2-40B4-BE49-F238E27FC236}">
-                <a16:creationId xmlns:a16="http://schemas.microsoft.com/office/drawing/2014/main" id="{68FF3CEC-F3A0-B44C-9FDD-A9B6C94FEDC7}"/>
+                <a16:creationId xmlns:a16="http://schemas.microsoft.com/office/drawing/2014/main" xmlns="" id="{68FF3CEC-F3A0-B44C-9FDD-A9B6C94FEDC7}"/>
               </a:ext>
             </a:extLst>
           </p:cNvPr>
@@ -2206,7 +2210,7 @@
           <p:cNvPr id="8" name="页脚占位符 7">
             <a:extLst>
               <a:ext uri="{FF2B5EF4-FFF2-40B4-BE49-F238E27FC236}">
-                <a16:creationId xmlns:a16="http://schemas.microsoft.com/office/drawing/2014/main" id="{DFB9A91A-D2B2-434C-A86D-A18C6A513767}"/>
+                <a16:creationId xmlns:a16="http://schemas.microsoft.com/office/drawing/2014/main" xmlns="" id="{DFB9A91A-D2B2-434C-A86D-A18C6A513767}"/>
               </a:ext>
             </a:extLst>
           </p:cNvPr>
@@ -2231,7 +2235,7 @@
           <p:cNvPr id="9" name="灯片编号占位符 8">
             <a:extLst>
               <a:ext uri="{FF2B5EF4-FFF2-40B4-BE49-F238E27FC236}">
-                <a16:creationId xmlns:a16="http://schemas.microsoft.com/office/drawing/2014/main" id="{5E5B93DB-94F5-B542-8562-5151BE940690}"/>
+                <a16:creationId xmlns:a16="http://schemas.microsoft.com/office/drawing/2014/main" xmlns="" id="{5E5B93DB-94F5-B542-8562-5151BE940690}"/>
               </a:ext>
             </a:extLst>
           </p:cNvPr>
@@ -2290,7 +2294,7 @@
           <p:cNvPr id="2" name="标题 1">
             <a:extLst>
               <a:ext uri="{FF2B5EF4-FFF2-40B4-BE49-F238E27FC236}">
-                <a16:creationId xmlns:a16="http://schemas.microsoft.com/office/drawing/2014/main" id="{79DE0189-037D-7147-98FE-2D3816DB31B7}"/>
+                <a16:creationId xmlns:a16="http://schemas.microsoft.com/office/drawing/2014/main" xmlns="" id="{79DE0189-037D-7147-98FE-2D3816DB31B7}"/>
               </a:ext>
             </a:extLst>
           </p:cNvPr>
@@ -2318,7 +2322,7 @@
           <p:cNvPr id="3" name="日期占位符 2">
             <a:extLst>
               <a:ext uri="{FF2B5EF4-FFF2-40B4-BE49-F238E27FC236}">
-                <a16:creationId xmlns:a16="http://schemas.microsoft.com/office/drawing/2014/main" id="{0A176BEA-B3F7-1D46-A411-498314E974C2}"/>
+                <a16:creationId xmlns:a16="http://schemas.microsoft.com/office/drawing/2014/main" xmlns="" id="{0A176BEA-B3F7-1D46-A411-498314E974C2}"/>
               </a:ext>
             </a:extLst>
           </p:cNvPr>
@@ -2347,7 +2351,7 @@
           <p:cNvPr id="4" name="页脚占位符 3">
             <a:extLst>
               <a:ext uri="{FF2B5EF4-FFF2-40B4-BE49-F238E27FC236}">
-                <a16:creationId xmlns:a16="http://schemas.microsoft.com/office/drawing/2014/main" id="{7E4C4F3C-0760-694A-AAE0-153A1B3E3D50}"/>
+                <a16:creationId xmlns:a16="http://schemas.microsoft.com/office/drawing/2014/main" xmlns="" id="{7E4C4F3C-0760-694A-AAE0-153A1B3E3D50}"/>
               </a:ext>
             </a:extLst>
           </p:cNvPr>
@@ -2372,7 +2376,7 @@
           <p:cNvPr id="5" name="灯片编号占位符 4">
             <a:extLst>
               <a:ext uri="{FF2B5EF4-FFF2-40B4-BE49-F238E27FC236}">
-                <a16:creationId xmlns:a16="http://schemas.microsoft.com/office/drawing/2014/main" id="{2A02855C-8F2E-A647-AC5A-5C43FAC63511}"/>
+                <a16:creationId xmlns:a16="http://schemas.microsoft.com/office/drawing/2014/main" xmlns="" id="{2A02855C-8F2E-A647-AC5A-5C43FAC63511}"/>
               </a:ext>
             </a:extLst>
           </p:cNvPr>
@@ -2431,7 +2435,7 @@
           <p:cNvPr id="2" name="日期占位符 1">
             <a:extLst>
               <a:ext uri="{FF2B5EF4-FFF2-40B4-BE49-F238E27FC236}">
-                <a16:creationId xmlns:a16="http://schemas.microsoft.com/office/drawing/2014/main" id="{F4312BF6-3CD2-1E48-94A9-96F34741B863}"/>
+                <a16:creationId xmlns:a16="http://schemas.microsoft.com/office/drawing/2014/main" xmlns="" id="{F4312BF6-3CD2-1E48-94A9-96F34741B863}"/>
               </a:ext>
             </a:extLst>
           </p:cNvPr>
@@ -2460,7 +2464,7 @@
           <p:cNvPr id="3" name="页脚占位符 2">
             <a:extLst>
               <a:ext uri="{FF2B5EF4-FFF2-40B4-BE49-F238E27FC236}">
-                <a16:creationId xmlns:a16="http://schemas.microsoft.com/office/drawing/2014/main" id="{9704A619-3C17-9945-B8C5-D79D7BE5CC84}"/>
+                <a16:creationId xmlns:a16="http://schemas.microsoft.com/office/drawing/2014/main" xmlns="" id="{9704A619-3C17-9945-B8C5-D79D7BE5CC84}"/>
               </a:ext>
             </a:extLst>
           </p:cNvPr>
@@ -2485,7 +2489,7 @@
           <p:cNvPr id="4" name="灯片编号占位符 3">
             <a:extLst>
               <a:ext uri="{FF2B5EF4-FFF2-40B4-BE49-F238E27FC236}">
-                <a16:creationId xmlns:a16="http://schemas.microsoft.com/office/drawing/2014/main" id="{E442E965-5329-4342-8424-A8DA6D799814}"/>
+                <a16:creationId xmlns:a16="http://schemas.microsoft.com/office/drawing/2014/main" xmlns="" id="{E442E965-5329-4342-8424-A8DA6D799814}"/>
               </a:ext>
             </a:extLst>
           </p:cNvPr>
@@ -2544,7 +2548,7 @@
           <p:cNvPr id="2" name="标题 1">
             <a:extLst>
               <a:ext uri="{FF2B5EF4-FFF2-40B4-BE49-F238E27FC236}">
-                <a16:creationId xmlns:a16="http://schemas.microsoft.com/office/drawing/2014/main" id="{EE38F93F-58B0-7644-8826-EC2948B9A90B}"/>
+                <a16:creationId xmlns:a16="http://schemas.microsoft.com/office/drawing/2014/main" xmlns="" id="{EE38F93F-58B0-7644-8826-EC2948B9A90B}"/>
               </a:ext>
             </a:extLst>
           </p:cNvPr>
@@ -2581,7 +2585,7 @@
           <p:cNvPr id="3" name="内容占位符 2">
             <a:extLst>
               <a:ext uri="{FF2B5EF4-FFF2-40B4-BE49-F238E27FC236}">
-                <a16:creationId xmlns:a16="http://schemas.microsoft.com/office/drawing/2014/main" id="{49A0F107-0617-BA4C-8489-935713766834}"/>
+                <a16:creationId xmlns:a16="http://schemas.microsoft.com/office/drawing/2014/main" xmlns="" id="{49A0F107-0617-BA4C-8489-935713766834}"/>
               </a:ext>
             </a:extLst>
           </p:cNvPr>
@@ -2671,7 +2675,7 @@
           <p:cNvPr id="4" name="文本占位符 3">
             <a:extLst>
               <a:ext uri="{FF2B5EF4-FFF2-40B4-BE49-F238E27FC236}">
-                <a16:creationId xmlns:a16="http://schemas.microsoft.com/office/drawing/2014/main" id="{42A58D66-581F-6B4B-961F-EB8D7E00F2B5}"/>
+                <a16:creationId xmlns:a16="http://schemas.microsoft.com/office/drawing/2014/main" xmlns="" id="{42A58D66-581F-6B4B-961F-EB8D7E00F2B5}"/>
               </a:ext>
             </a:extLst>
           </p:cNvPr>
@@ -2742,7 +2746,7 @@
           <p:cNvPr id="5" name="日期占位符 4">
             <a:extLst>
               <a:ext uri="{FF2B5EF4-FFF2-40B4-BE49-F238E27FC236}">
-                <a16:creationId xmlns:a16="http://schemas.microsoft.com/office/drawing/2014/main" id="{6D86423E-9276-7C46-996D-2263741E19F5}"/>
+                <a16:creationId xmlns:a16="http://schemas.microsoft.com/office/drawing/2014/main" xmlns="" id="{6D86423E-9276-7C46-996D-2263741E19F5}"/>
               </a:ext>
             </a:extLst>
           </p:cNvPr>
@@ -2771,7 +2775,7 @@
           <p:cNvPr id="6" name="页脚占位符 5">
             <a:extLst>
               <a:ext uri="{FF2B5EF4-FFF2-40B4-BE49-F238E27FC236}">
-                <a16:creationId xmlns:a16="http://schemas.microsoft.com/office/drawing/2014/main" id="{21F9D0CC-C2F1-EE4F-9D55-B761FD19F806}"/>
+                <a16:creationId xmlns:a16="http://schemas.microsoft.com/office/drawing/2014/main" xmlns="" id="{21F9D0CC-C2F1-EE4F-9D55-B761FD19F806}"/>
               </a:ext>
             </a:extLst>
           </p:cNvPr>
@@ -2796,7 +2800,7 @@
           <p:cNvPr id="7" name="灯片编号占位符 6">
             <a:extLst>
               <a:ext uri="{FF2B5EF4-FFF2-40B4-BE49-F238E27FC236}">
-                <a16:creationId xmlns:a16="http://schemas.microsoft.com/office/drawing/2014/main" id="{9B313841-DAE9-5947-B754-BE08D39E1A5D}"/>
+                <a16:creationId xmlns:a16="http://schemas.microsoft.com/office/drawing/2014/main" xmlns="" id="{9B313841-DAE9-5947-B754-BE08D39E1A5D}"/>
               </a:ext>
             </a:extLst>
           </p:cNvPr>
@@ -2855,7 +2859,7 @@
           <p:cNvPr id="2" name="标题 1">
             <a:extLst>
               <a:ext uri="{FF2B5EF4-FFF2-40B4-BE49-F238E27FC236}">
-                <a16:creationId xmlns:a16="http://schemas.microsoft.com/office/drawing/2014/main" id="{4EB5E492-CE83-B94A-9FEC-A5781417B2F6}"/>
+                <a16:creationId xmlns:a16="http://schemas.microsoft.com/office/drawing/2014/main" xmlns="" id="{4EB5E492-CE83-B94A-9FEC-A5781417B2F6}"/>
               </a:ext>
             </a:extLst>
           </p:cNvPr>
@@ -2892,7 +2896,7 @@
           <p:cNvPr id="3" name="图片占位符 2">
             <a:extLst>
               <a:ext uri="{FF2B5EF4-FFF2-40B4-BE49-F238E27FC236}">
-                <a16:creationId xmlns:a16="http://schemas.microsoft.com/office/drawing/2014/main" id="{8497E7EE-B2A3-574C-B9F7-C2875C2D427F}"/>
+                <a16:creationId xmlns:a16="http://schemas.microsoft.com/office/drawing/2014/main" xmlns="" id="{8497E7EE-B2A3-574C-B9F7-C2875C2D427F}"/>
               </a:ext>
             </a:extLst>
           </p:cNvPr>
@@ -2959,7 +2963,7 @@
           <p:cNvPr id="4" name="文本占位符 3">
             <a:extLst>
               <a:ext uri="{FF2B5EF4-FFF2-40B4-BE49-F238E27FC236}">
-                <a16:creationId xmlns:a16="http://schemas.microsoft.com/office/drawing/2014/main" id="{8CB45320-992F-5144-A284-DFDDD157C241}"/>
+                <a16:creationId xmlns:a16="http://schemas.microsoft.com/office/drawing/2014/main" xmlns="" id="{8CB45320-992F-5144-A284-DFDDD157C241}"/>
               </a:ext>
             </a:extLst>
           </p:cNvPr>
@@ -3030,7 +3034,7 @@
           <p:cNvPr id="5" name="日期占位符 4">
             <a:extLst>
               <a:ext uri="{FF2B5EF4-FFF2-40B4-BE49-F238E27FC236}">
-                <a16:creationId xmlns:a16="http://schemas.microsoft.com/office/drawing/2014/main" id="{4E95632B-AF60-B049-90F6-18FC1451FEB3}"/>
+                <a16:creationId xmlns:a16="http://schemas.microsoft.com/office/drawing/2014/main" xmlns="" id="{4E95632B-AF60-B049-90F6-18FC1451FEB3}"/>
               </a:ext>
             </a:extLst>
           </p:cNvPr>
@@ -3059,7 +3063,7 @@
           <p:cNvPr id="6" name="页脚占位符 5">
             <a:extLst>
               <a:ext uri="{FF2B5EF4-FFF2-40B4-BE49-F238E27FC236}">
-                <a16:creationId xmlns:a16="http://schemas.microsoft.com/office/drawing/2014/main" id="{27E06FA0-7780-C848-8308-56B582A101D4}"/>
+                <a16:creationId xmlns:a16="http://schemas.microsoft.com/office/drawing/2014/main" xmlns="" id="{27E06FA0-7780-C848-8308-56B582A101D4}"/>
               </a:ext>
             </a:extLst>
           </p:cNvPr>
@@ -3084,7 +3088,7 @@
           <p:cNvPr id="7" name="灯片编号占位符 6">
             <a:extLst>
               <a:ext uri="{FF2B5EF4-FFF2-40B4-BE49-F238E27FC236}">
-                <a16:creationId xmlns:a16="http://schemas.microsoft.com/office/drawing/2014/main" id="{C35BD731-F1EE-5D4D-B6C8-B881BDFF5EDF}"/>
+                <a16:creationId xmlns:a16="http://schemas.microsoft.com/office/drawing/2014/main" xmlns="" id="{C35BD731-F1EE-5D4D-B6C8-B881BDFF5EDF}"/>
               </a:ext>
             </a:extLst>
           </p:cNvPr>
@@ -3148,7 +3152,7 @@
           <p:cNvPr id="2" name="标题占位符 1">
             <a:extLst>
               <a:ext uri="{FF2B5EF4-FFF2-40B4-BE49-F238E27FC236}">
-                <a16:creationId xmlns:a16="http://schemas.microsoft.com/office/drawing/2014/main" id="{0FA6199F-BF2D-3C42-894C-2A6C4DFB78F6}"/>
+                <a16:creationId xmlns:a16="http://schemas.microsoft.com/office/drawing/2014/main" xmlns="" id="{0FA6199F-BF2D-3C42-894C-2A6C4DFB78F6}"/>
               </a:ext>
             </a:extLst>
           </p:cNvPr>
@@ -3186,7 +3190,7 @@
           <p:cNvPr id="3" name="文本占位符 2">
             <a:extLst>
               <a:ext uri="{FF2B5EF4-FFF2-40B4-BE49-F238E27FC236}">
-                <a16:creationId xmlns:a16="http://schemas.microsoft.com/office/drawing/2014/main" id="{3864098E-C20A-0F46-8DF5-10DAF895675A}"/>
+                <a16:creationId xmlns:a16="http://schemas.microsoft.com/office/drawing/2014/main" xmlns="" id="{3864098E-C20A-0F46-8DF5-10DAF895675A}"/>
               </a:ext>
             </a:extLst>
           </p:cNvPr>
@@ -3253,7 +3257,7 @@
           <p:cNvPr id="4" name="日期占位符 3">
             <a:extLst>
               <a:ext uri="{FF2B5EF4-FFF2-40B4-BE49-F238E27FC236}">
-                <a16:creationId xmlns:a16="http://schemas.microsoft.com/office/drawing/2014/main" id="{A014F0AA-AC9D-434A-8858-F3D6141B7F84}"/>
+                <a16:creationId xmlns:a16="http://schemas.microsoft.com/office/drawing/2014/main" xmlns="" id="{A014F0AA-AC9D-434A-8858-F3D6141B7F84}"/>
               </a:ext>
             </a:extLst>
           </p:cNvPr>
@@ -3300,7 +3304,7 @@
           <p:cNvPr id="5" name="页脚占位符 4">
             <a:extLst>
               <a:ext uri="{FF2B5EF4-FFF2-40B4-BE49-F238E27FC236}">
-                <a16:creationId xmlns:a16="http://schemas.microsoft.com/office/drawing/2014/main" id="{5C88CA23-A82A-2A41-B189-ACC6426E728A}"/>
+                <a16:creationId xmlns:a16="http://schemas.microsoft.com/office/drawing/2014/main" xmlns="" id="{5C88CA23-A82A-2A41-B189-ACC6426E728A}"/>
               </a:ext>
             </a:extLst>
           </p:cNvPr>
@@ -3343,7 +3347,7 @@
           <p:cNvPr id="6" name="灯片编号占位符 5">
             <a:extLst>
               <a:ext uri="{FF2B5EF4-FFF2-40B4-BE49-F238E27FC236}">
-                <a16:creationId xmlns:a16="http://schemas.microsoft.com/office/drawing/2014/main" id="{9A690401-9402-154A-8E10-3254E10D5332}"/>
+                <a16:creationId xmlns:a16="http://schemas.microsoft.com/office/drawing/2014/main" xmlns="" id="{9A690401-9402-154A-8E10-3254E10D5332}"/>
               </a:ext>
             </a:extLst>
           </p:cNvPr>
@@ -3711,7 +3715,7 @@
           <p:cNvPr id="2" name="标题 1">
             <a:extLst>
               <a:ext uri="{FF2B5EF4-FFF2-40B4-BE49-F238E27FC236}">
-                <a16:creationId xmlns:a16="http://schemas.microsoft.com/office/drawing/2014/main" id="{52B7F225-D82E-EA49-AECB-7F06CB70B93F}"/>
+                <a16:creationId xmlns:a16="http://schemas.microsoft.com/office/drawing/2014/main" xmlns="" id="{52B7F225-D82E-EA49-AECB-7F06CB70B93F}"/>
               </a:ext>
             </a:extLst>
           </p:cNvPr>
@@ -3748,7 +3752,7 @@
           <p:cNvPr id="3" name="副标题 2">
             <a:extLst>
               <a:ext uri="{FF2B5EF4-FFF2-40B4-BE49-F238E27FC236}">
-                <a16:creationId xmlns:a16="http://schemas.microsoft.com/office/drawing/2014/main" id="{6D7C3E0B-2C67-534D-BB94-2B746F85455E}"/>
+                <a16:creationId xmlns:a16="http://schemas.microsoft.com/office/drawing/2014/main" xmlns="" id="{6D7C3E0B-2C67-534D-BB94-2B746F85455E}"/>
               </a:ext>
             </a:extLst>
           </p:cNvPr>
@@ -3800,6 +3804,13 @@
   <p:clrMapOvr>
     <a:masterClrMapping/>
   </p:clrMapOvr>
+  <p:timing>
+    <p:tnLst>
+      <p:par>
+        <p:cTn id="1" dur="indefinite" restart="never" nodeType="tmRoot"/>
+      </p:par>
+    </p:tnLst>
+  </p:timing>
 </p:sld>
 </file>
 
@@ -3825,7 +3836,7 @@
           <p:cNvPr id="2" name="标题 1">
             <a:extLst>
               <a:ext uri="{FF2B5EF4-FFF2-40B4-BE49-F238E27FC236}">
-                <a16:creationId xmlns:a16="http://schemas.microsoft.com/office/drawing/2014/main" id="{F0405D1C-A876-8341-918E-A5D66A83827F}"/>
+                <a16:creationId xmlns:a16="http://schemas.microsoft.com/office/drawing/2014/main" xmlns="" id="{F0405D1C-A876-8341-918E-A5D66A83827F}"/>
               </a:ext>
             </a:extLst>
           </p:cNvPr>
@@ -3860,7 +3871,7 @@
           <p:cNvPr id="3" name="内容占位符 2">
             <a:extLst>
               <a:ext uri="{FF2B5EF4-FFF2-40B4-BE49-F238E27FC236}">
-                <a16:creationId xmlns:a16="http://schemas.microsoft.com/office/drawing/2014/main" id="{18357220-3404-9543-B18A-654DBC2080C6}"/>
+                <a16:creationId xmlns:a16="http://schemas.microsoft.com/office/drawing/2014/main" xmlns="" id="{18357220-3404-9543-B18A-654DBC2080C6}"/>
               </a:ext>
             </a:extLst>
           </p:cNvPr>
@@ -3960,6 +3971,13 @@
   <p:clrMapOvr>
     <a:masterClrMapping/>
   </p:clrMapOvr>
+  <p:timing>
+    <p:tnLst>
+      <p:par>
+        <p:cTn id="1" dur="indefinite" restart="never" nodeType="tmRoot"/>
+      </p:par>
+    </p:tnLst>
+  </p:timing>
 </p:sld>
 </file>
 
@@ -3985,7 +4003,7 @@
           <p:cNvPr id="2" name="标题 1">
             <a:extLst>
               <a:ext uri="{FF2B5EF4-FFF2-40B4-BE49-F238E27FC236}">
-                <a16:creationId xmlns:a16="http://schemas.microsoft.com/office/drawing/2014/main" id="{F0405D1C-A876-8341-918E-A5D66A83827F}"/>
+                <a16:creationId xmlns:a16="http://schemas.microsoft.com/office/drawing/2014/main" xmlns="" id="{F0405D1C-A876-8341-918E-A5D66A83827F}"/>
               </a:ext>
             </a:extLst>
           </p:cNvPr>
@@ -4020,7 +4038,7 @@
           <p:cNvPr id="3" name="内容占位符 2">
             <a:extLst>
               <a:ext uri="{FF2B5EF4-FFF2-40B4-BE49-F238E27FC236}">
-                <a16:creationId xmlns:a16="http://schemas.microsoft.com/office/drawing/2014/main" id="{18357220-3404-9543-B18A-654DBC2080C6}"/>
+                <a16:creationId xmlns:a16="http://schemas.microsoft.com/office/drawing/2014/main" xmlns="" id="{18357220-3404-9543-B18A-654DBC2080C6}"/>
               </a:ext>
             </a:extLst>
           </p:cNvPr>
@@ -4037,62 +4055,38 @@
           <a:lstStyle/>
           <a:p>
             <a:r>
-              <a:rPr kumimoji="1" lang="en-US" altLang="zh-CN" dirty="0">
+              <a:rPr kumimoji="1" lang="en-US" altLang="zh-CN" dirty="0" smtClean="0">
                 <a:latin typeface="Times New Roman" charset="0"/>
                 <a:ea typeface="Times New Roman" charset="0"/>
                 <a:cs typeface="Times New Roman" charset="0"/>
               </a:rPr>
               <a:t>Min-granularity</a:t>
             </a:r>
-          </a:p>
-          <a:p>
-            <a:r>
-              <a:rPr kumimoji="1" lang="en-US" altLang="zh-CN" dirty="0">
-                <a:latin typeface="Times New Roman" charset="0"/>
-                <a:ea typeface="Times New Roman" charset="0"/>
-                <a:cs typeface="Times New Roman" charset="0"/>
-              </a:rPr>
-              <a:t>Sketch of the min-granularity dimension already</a:t>
-            </a:r>
-            <a:r>
-              <a:rPr kumimoji="1" lang="zh-CN" altLang="en-US" dirty="0">
-                <a:latin typeface="Times New Roman" charset="0"/>
-                <a:ea typeface="Times New Roman" charset="0"/>
-                <a:cs typeface="Times New Roman" charset="0"/>
-              </a:rPr>
-              <a:t> </a:t>
-            </a:r>
-            <a:r>
-              <a:rPr kumimoji="1" lang="en-US" altLang="zh-CN" dirty="0">
-                <a:latin typeface="Times New Roman" charset="0"/>
-                <a:ea typeface="Times New Roman" charset="0"/>
-                <a:cs typeface="Times New Roman" charset="0"/>
-              </a:rPr>
-              <a:t>contains enough information</a:t>
-            </a:r>
-          </a:p>
-          <a:p>
-            <a:r>
-              <a:rPr kumimoji="1" lang="en-US" altLang="zh-CN" dirty="0">
-                <a:latin typeface="Times New Roman" charset="0"/>
-                <a:ea typeface="Times New Roman" charset="0"/>
-                <a:cs typeface="Times New Roman" charset="0"/>
-              </a:rPr>
-              <a:t>Getting other information by aggregating the min-granularity dimension</a:t>
-            </a:r>
+            <a:endParaRPr kumimoji="1" lang="en-US" altLang="zh-CN" dirty="0">
+              <a:latin typeface="Times New Roman" charset="0"/>
+              <a:ea typeface="Times New Roman" charset="0"/>
+              <a:cs typeface="Times New Roman" charset="0"/>
+            </a:endParaRPr>
           </a:p>
         </p:txBody>
       </p:sp>
     </p:spTree>
     <p:extLst>
       <p:ext uri="{BB962C8B-B14F-4D97-AF65-F5344CB8AC3E}">
-        <p14:creationId xmlns:p14="http://schemas.microsoft.com/office/powerpoint/2010/main" val="1019173818"/>
+        <p14:creationId xmlns:p14="http://schemas.microsoft.com/office/powerpoint/2010/main" val="281255813"/>
       </p:ext>
     </p:extLst>
   </p:cSld>
   <p:clrMapOvr>
     <a:masterClrMapping/>
   </p:clrMapOvr>
+  <p:timing>
+    <p:tnLst>
+      <p:par>
+        <p:cTn id="1" dur="indefinite" restart="never" nodeType="tmRoot"/>
+      </p:par>
+    </p:tnLst>
+  </p:timing>
 </p:sld>
 </file>
 
@@ -4118,7 +4112,1904 @@
           <p:cNvPr id="2" name="标题 1">
             <a:extLst>
               <a:ext uri="{FF2B5EF4-FFF2-40B4-BE49-F238E27FC236}">
-                <a16:creationId xmlns:a16="http://schemas.microsoft.com/office/drawing/2014/main" id="{F0405D1C-A876-8341-918E-A5D66A83827F}"/>
+                <a16:creationId xmlns:a16="http://schemas.microsoft.com/office/drawing/2014/main" xmlns="" id="{F0405D1C-A876-8341-918E-A5D66A83827F}"/>
+              </a:ext>
+            </a:extLst>
+          </p:cNvPr>
+          <p:cNvSpPr>
+            <a:spLocks noGrp="1"/>
+          </p:cNvSpPr>
+          <p:nvPr>
+            <p:ph type="title"/>
+          </p:nvPr>
+        </p:nvSpPr>
+        <p:spPr/>
+        <p:txBody>
+          <a:bodyPr/>
+          <a:lstStyle/>
+          <a:p>
+            <a:r>
+              <a:rPr kumimoji="1" lang="en-US" altLang="zh-CN" dirty="0">
+                <a:latin typeface="Times New Roman" panose="02020603050405020304" pitchFamily="18" charset="0"/>
+                <a:cs typeface="Times New Roman" panose="02020603050405020304" pitchFamily="18" charset="0"/>
+              </a:rPr>
+              <a:t>1.2 Our solution</a:t>
+            </a:r>
+            <a:endParaRPr kumimoji="1" lang="zh-CN" altLang="en-US" dirty="0">
+              <a:latin typeface="Times New Roman" panose="02020603050405020304" pitchFamily="18" charset="0"/>
+              <a:cs typeface="Times New Roman" panose="02020603050405020304" pitchFamily="18" charset="0"/>
+            </a:endParaRPr>
+          </a:p>
+        </p:txBody>
+      </p:sp>
+      <p:sp>
+        <p:nvSpPr>
+          <p:cNvPr id="3" name="内容占位符 2">
+            <a:extLst>
+              <a:ext uri="{FF2B5EF4-FFF2-40B4-BE49-F238E27FC236}">
+                <a16:creationId xmlns:a16="http://schemas.microsoft.com/office/drawing/2014/main" xmlns="" id="{18357220-3404-9543-B18A-654DBC2080C6}"/>
+              </a:ext>
+            </a:extLst>
+          </p:cNvPr>
+          <p:cNvSpPr>
+            <a:spLocks noGrp="1"/>
+          </p:cNvSpPr>
+          <p:nvPr>
+            <p:ph idx="1"/>
+          </p:nvPr>
+        </p:nvSpPr>
+        <p:spPr/>
+        <p:txBody>
+          <a:bodyPr/>
+          <a:lstStyle/>
+          <a:p>
+            <a:r>
+              <a:rPr kumimoji="1" lang="en-US" altLang="zh-CN" dirty="0" smtClean="0">
+                <a:latin typeface="Times New Roman" charset="0"/>
+                <a:ea typeface="Times New Roman" charset="0"/>
+                <a:cs typeface="Times New Roman" charset="0"/>
+              </a:rPr>
+              <a:t>Min-granularity</a:t>
+            </a:r>
+            <a:endParaRPr kumimoji="1" lang="en-US" altLang="zh-CN" dirty="0">
+              <a:latin typeface="Times New Roman" charset="0"/>
+              <a:ea typeface="Times New Roman" charset="0"/>
+              <a:cs typeface="Times New Roman" charset="0"/>
+            </a:endParaRPr>
+          </a:p>
+        </p:txBody>
+      </p:sp>
+      <p:sp>
+        <p:nvSpPr>
+          <p:cNvPr id="4" name="标题 1">
+            <a:extLst>
+              <a:ext uri="{FF2B5EF4-FFF2-40B4-BE49-F238E27FC236}">
+                <a16:creationId xmlns:a16="http://schemas.microsoft.com/office/drawing/2014/main" xmlns="" id="{F0405D1C-A876-8341-918E-A5D66A83827F}"/>
+              </a:ext>
+            </a:extLst>
+          </p:cNvPr>
+          <p:cNvSpPr txBox="1">
+            <a:spLocks/>
+          </p:cNvSpPr>
+          <p:nvPr/>
+        </p:nvSpPr>
+        <p:spPr>
+          <a:xfrm>
+            <a:off x="838200" y="3605212"/>
+            <a:ext cx="10515600" cy="2571751"/>
+          </a:xfrm>
+          <a:prstGeom prst="rect">
+            <a:avLst/>
+          </a:prstGeom>
+        </p:spPr>
+        <p:txBody>
+          <a:bodyPr vert="horz" lIns="91440" tIns="45720" rIns="91440" bIns="45720" rtlCol="0" anchor="ctr">
+            <a:normAutofit/>
+          </a:bodyPr>
+          <a:lstStyle>
+            <a:lvl1pPr algn="l" defTabSz="914400" rtl="0" eaLnBrk="1" latinLnBrk="0" hangingPunct="1">
+              <a:lnSpc>
+                <a:spcPct val="90000"/>
+              </a:lnSpc>
+              <a:spcBef>
+                <a:spcPct val="0"/>
+              </a:spcBef>
+              <a:buNone/>
+              <a:defRPr sz="4400" kern="1200">
+                <a:solidFill>
+                  <a:schemeClr val="tx1"/>
+                </a:solidFill>
+                <a:latin typeface="+mj-lt"/>
+                <a:ea typeface="+mj-ea"/>
+                <a:cs typeface="+mj-cs"/>
+              </a:defRPr>
+            </a:lvl1pPr>
+          </a:lstStyle>
+          <a:p>
+            <a:pPr algn="ctr"/>
+            <a:r>
+              <a:rPr kumimoji="1" lang="en-US" altLang="zh-CN" dirty="0">
+                <a:latin typeface="Times New Roman" panose="02020603050405020304" pitchFamily="18" charset="0"/>
+                <a:cs typeface="Times New Roman" panose="02020603050405020304" pitchFamily="18" charset="0"/>
+              </a:rPr>
+              <a:t>M</a:t>
+            </a:r>
+            <a:r>
+              <a:rPr kumimoji="1" lang="en-US" altLang="zh-CN" dirty="0" smtClean="0">
+                <a:latin typeface="Times New Roman" charset="0"/>
+                <a:ea typeface="Times New Roman" charset="0"/>
+                <a:cs typeface="Times New Roman" charset="0"/>
+              </a:rPr>
+              <a:t>in-granularity </a:t>
+            </a:r>
+            <a:r>
+              <a:rPr kumimoji="1" lang="en-US" altLang="zh-CN" dirty="0">
+                <a:latin typeface="Times New Roman" charset="0"/>
+                <a:ea typeface="Times New Roman" charset="0"/>
+                <a:cs typeface="Times New Roman" charset="0"/>
+              </a:rPr>
+              <a:t>dimension already</a:t>
+            </a:r>
+            <a:r>
+              <a:rPr kumimoji="1" lang="zh-CN" altLang="en-US" dirty="0">
+                <a:latin typeface="Times New Roman" charset="0"/>
+                <a:ea typeface="Times New Roman" charset="0"/>
+                <a:cs typeface="Times New Roman" charset="0"/>
+              </a:rPr>
+              <a:t> </a:t>
+            </a:r>
+            <a:r>
+              <a:rPr kumimoji="1" lang="en-US" altLang="zh-CN" dirty="0">
+                <a:latin typeface="Times New Roman" charset="0"/>
+                <a:ea typeface="Times New Roman" charset="0"/>
+                <a:cs typeface="Times New Roman" charset="0"/>
+              </a:rPr>
+              <a:t>contains enough information</a:t>
+            </a:r>
+          </a:p>
+          <a:p>
+            <a:endParaRPr kumimoji="1" lang="zh-CN" altLang="en-US" dirty="0">
+              <a:latin typeface="Times New Roman" panose="02020603050405020304" pitchFamily="18" charset="0"/>
+              <a:cs typeface="Times New Roman" panose="02020603050405020304" pitchFamily="18" charset="0"/>
+            </a:endParaRPr>
+          </a:p>
+        </p:txBody>
+      </p:sp>
+    </p:spTree>
+    <p:extLst>
+      <p:ext uri="{BB962C8B-B14F-4D97-AF65-F5344CB8AC3E}">
+        <p14:creationId xmlns:p14="http://schemas.microsoft.com/office/powerpoint/2010/main" val="1019173818"/>
+      </p:ext>
+    </p:extLst>
+  </p:cSld>
+  <p:clrMapOvr>
+    <a:masterClrMapping/>
+  </p:clrMapOvr>
+  <p:timing>
+    <p:tnLst>
+      <p:par>
+        <p:cTn id="1" dur="indefinite" restart="never" nodeType="tmRoot"/>
+      </p:par>
+    </p:tnLst>
+  </p:timing>
+</p:sld>
+</file>
+
+<file path=ppt/slides/slide13.xml><?xml version="1.0" encoding="utf-8"?>
+<p:sld xmlns:a="http://schemas.openxmlformats.org/drawingml/2006/main" xmlns:r="http://schemas.openxmlformats.org/officeDocument/2006/relationships" xmlns:p="http://schemas.openxmlformats.org/presentationml/2006/main">
+  <p:cSld>
+    <p:spTree>
+      <p:nvGrpSpPr>
+        <p:cNvPr id="1" name=""/>
+        <p:cNvGrpSpPr/>
+        <p:nvPr/>
+      </p:nvGrpSpPr>
+      <p:grpSpPr>
+        <a:xfrm>
+          <a:off x="0" y="0"/>
+          <a:ext cx="0" cy="0"/>
+          <a:chOff x="0" y="0"/>
+          <a:chExt cx="0" cy="0"/>
+        </a:xfrm>
+      </p:grpSpPr>
+      <p:sp>
+        <p:nvSpPr>
+          <p:cNvPr id="2" name="标题 1">
+            <a:extLst>
+              <a:ext uri="{FF2B5EF4-FFF2-40B4-BE49-F238E27FC236}">
+                <a16:creationId xmlns:a16="http://schemas.microsoft.com/office/drawing/2014/main" xmlns="" id="{F0405D1C-A876-8341-918E-A5D66A83827F}"/>
+              </a:ext>
+            </a:extLst>
+          </p:cNvPr>
+          <p:cNvSpPr>
+            <a:spLocks noGrp="1"/>
+          </p:cNvSpPr>
+          <p:nvPr>
+            <p:ph type="title"/>
+          </p:nvPr>
+        </p:nvSpPr>
+        <p:spPr/>
+        <p:txBody>
+          <a:bodyPr/>
+          <a:lstStyle/>
+          <a:p>
+            <a:r>
+              <a:rPr kumimoji="1" lang="en-US" altLang="zh-CN" dirty="0">
+                <a:latin typeface="Times New Roman" panose="02020603050405020304" pitchFamily="18" charset="0"/>
+                <a:cs typeface="Times New Roman" panose="02020603050405020304" pitchFamily="18" charset="0"/>
+              </a:rPr>
+              <a:t>1.2 Our solution</a:t>
+            </a:r>
+            <a:endParaRPr kumimoji="1" lang="zh-CN" altLang="en-US" dirty="0">
+              <a:latin typeface="Times New Roman" panose="02020603050405020304" pitchFamily="18" charset="0"/>
+              <a:cs typeface="Times New Roman" panose="02020603050405020304" pitchFamily="18" charset="0"/>
+            </a:endParaRPr>
+          </a:p>
+        </p:txBody>
+      </p:sp>
+      <p:graphicFrame>
+        <p:nvGraphicFramePr>
+          <p:cNvPr id="7" name="表格 6"/>
+          <p:cNvGraphicFramePr>
+            <a:graphicFrameLocks noGrp="1"/>
+          </p:cNvGraphicFramePr>
+          <p:nvPr>
+            <p:extLst>
+              <p:ext uri="{D42A27DB-BD31-4B8C-83A1-F6EECF244321}">
+                <p14:modId xmlns:p14="http://schemas.microsoft.com/office/powerpoint/2010/main" val="110889649"/>
+              </p:ext>
+            </p:extLst>
+          </p:nvPr>
+        </p:nvGraphicFramePr>
+        <p:xfrm>
+          <a:off x="631030" y="2148417"/>
+          <a:ext cx="10929940" cy="2052108"/>
+        </p:xfrm>
+        <a:graphic>
+          <a:graphicData uri="http://schemas.openxmlformats.org/drawingml/2006/table">
+            <a:tbl>
+              <a:tblPr firstRow="1" bandRow="1">
+                <a:tableStyleId>{5C22544A-7EE6-4342-B048-85BDC9FD1C3A}</a:tableStyleId>
+              </a:tblPr>
+              <a:tblGrid>
+                <a:gridCol w="2069308"/>
+                <a:gridCol w="4414838"/>
+                <a:gridCol w="4445794"/>
+              </a:tblGrid>
+              <a:tr h="684036">
+                <a:tc>
+                  <a:txBody>
+                    <a:bodyPr/>
+                    <a:lstStyle/>
+                    <a:p>
+                      <a:pPr algn="ctr"/>
+                      <a:endParaRPr lang="zh-CN" altLang="en-US" sz="2800" dirty="0">
+                        <a:solidFill>
+                          <a:schemeClr val="tx1"/>
+                        </a:solidFill>
+                        <a:latin typeface="Times New Roman" charset="0"/>
+                        <a:ea typeface="Times New Roman" charset="0"/>
+                        <a:cs typeface="Times New Roman" charset="0"/>
+                      </a:endParaRPr>
+                    </a:p>
+                  </a:txBody>
+                  <a:tcPr>
+                    <a:lnL w="28575" cap="flat" cmpd="sng" algn="ctr">
+                      <a:solidFill>
+                        <a:schemeClr val="tx1"/>
+                      </a:solidFill>
+                      <a:prstDash val="solid"/>
+                      <a:round/>
+                      <a:headEnd type="none" w="med" len="med"/>
+                      <a:tailEnd type="none" w="med" len="med"/>
+                    </a:lnL>
+                    <a:lnR w="28575" cap="flat" cmpd="sng" algn="ctr">
+                      <a:solidFill>
+                        <a:schemeClr val="tx1"/>
+                      </a:solidFill>
+                      <a:prstDash val="solid"/>
+                      <a:round/>
+                      <a:headEnd type="none" w="med" len="med"/>
+                      <a:tailEnd type="none" w="med" len="med"/>
+                    </a:lnR>
+                    <a:lnT w="28575" cap="flat" cmpd="sng" algn="ctr">
+                      <a:solidFill>
+                        <a:schemeClr val="tx1"/>
+                      </a:solidFill>
+                      <a:prstDash val="solid"/>
+                      <a:round/>
+                      <a:headEnd type="none" w="med" len="med"/>
+                      <a:tailEnd type="none" w="med" len="med"/>
+                    </a:lnT>
+                    <a:lnB w="28575" cap="flat" cmpd="sng" algn="ctr">
+                      <a:solidFill>
+                        <a:schemeClr val="tx1"/>
+                      </a:solidFill>
+                      <a:prstDash val="solid"/>
+                      <a:round/>
+                      <a:headEnd type="none" w="med" len="med"/>
+                      <a:tailEnd type="none" w="med" len="med"/>
+                    </a:lnB>
+                    <a:noFill/>
+                  </a:tcPr>
+                </a:tc>
+                <a:tc>
+                  <a:txBody>
+                    <a:bodyPr/>
+                    <a:lstStyle/>
+                    <a:p>
+                      <a:pPr algn="ctr"/>
+                      <a:r>
+                        <a:rPr lang="en-US" altLang="zh-CN" sz="2800" dirty="0" smtClean="0">
+                          <a:solidFill>
+                            <a:schemeClr val="tx1"/>
+                          </a:solidFill>
+                          <a:latin typeface="Times New Roman" charset="0"/>
+                          <a:ea typeface="Times New Roman" charset="0"/>
+                          <a:cs typeface="Times New Roman" charset="0"/>
+                        </a:rPr>
+                        <a:t>Prior</a:t>
+                      </a:r>
+                      <a:r>
+                        <a:rPr lang="en-US" altLang="zh-CN" sz="2800" baseline="0" dirty="0" smtClean="0">
+                          <a:solidFill>
+                            <a:schemeClr val="tx1"/>
+                          </a:solidFill>
+                          <a:latin typeface="Times New Roman" charset="0"/>
+                          <a:ea typeface="Times New Roman" charset="0"/>
+                          <a:cs typeface="Times New Roman" charset="0"/>
+                        </a:rPr>
+                        <a:t> Algorithms</a:t>
+                      </a:r>
+                      <a:endParaRPr lang="zh-CN" altLang="en-US" sz="2800" dirty="0">
+                        <a:solidFill>
+                          <a:schemeClr val="tx1"/>
+                        </a:solidFill>
+                        <a:latin typeface="Times New Roman" charset="0"/>
+                        <a:ea typeface="Times New Roman" charset="0"/>
+                        <a:cs typeface="Times New Roman" charset="0"/>
+                      </a:endParaRPr>
+                    </a:p>
+                  </a:txBody>
+                  <a:tcPr>
+                    <a:lnL w="28575" cap="flat" cmpd="sng" algn="ctr">
+                      <a:solidFill>
+                        <a:schemeClr val="tx1"/>
+                      </a:solidFill>
+                      <a:prstDash val="solid"/>
+                      <a:round/>
+                      <a:headEnd type="none" w="med" len="med"/>
+                      <a:tailEnd type="none" w="med" len="med"/>
+                    </a:lnL>
+                    <a:lnR w="28575" cap="flat" cmpd="sng" algn="ctr">
+                      <a:solidFill>
+                        <a:schemeClr val="tx1"/>
+                      </a:solidFill>
+                      <a:prstDash val="solid"/>
+                      <a:round/>
+                      <a:headEnd type="none" w="med" len="med"/>
+                      <a:tailEnd type="none" w="med" len="med"/>
+                    </a:lnR>
+                    <a:lnT w="28575" cap="flat" cmpd="sng" algn="ctr">
+                      <a:solidFill>
+                        <a:schemeClr val="tx1"/>
+                      </a:solidFill>
+                      <a:prstDash val="solid"/>
+                      <a:round/>
+                      <a:headEnd type="none" w="med" len="med"/>
+                      <a:tailEnd type="none" w="med" len="med"/>
+                    </a:lnT>
+                    <a:lnB w="28575" cap="flat" cmpd="sng" algn="ctr">
+                      <a:solidFill>
+                        <a:schemeClr val="tx1"/>
+                      </a:solidFill>
+                      <a:prstDash val="solid"/>
+                      <a:round/>
+                      <a:headEnd type="none" w="med" len="med"/>
+                      <a:tailEnd type="none" w="med" len="med"/>
+                    </a:lnB>
+                    <a:noFill/>
+                  </a:tcPr>
+                </a:tc>
+                <a:tc>
+                  <a:txBody>
+                    <a:bodyPr/>
+                    <a:lstStyle/>
+                    <a:p>
+                      <a:pPr algn="ctr"/>
+                      <a:r>
+                        <a:rPr lang="en-US" altLang="zh-CN" sz="2800" dirty="0" smtClean="0">
+                          <a:solidFill>
+                            <a:schemeClr val="tx1"/>
+                          </a:solidFill>
+                          <a:latin typeface="Times New Roman" charset="0"/>
+                          <a:ea typeface="Times New Roman" charset="0"/>
+                          <a:cs typeface="Times New Roman" charset="0"/>
+                        </a:rPr>
+                        <a:t>Our solution</a:t>
+                      </a:r>
+                      <a:endParaRPr lang="zh-CN" altLang="en-US" sz="2800" dirty="0">
+                        <a:solidFill>
+                          <a:schemeClr val="tx1"/>
+                        </a:solidFill>
+                        <a:latin typeface="Times New Roman" charset="0"/>
+                        <a:ea typeface="Times New Roman" charset="0"/>
+                        <a:cs typeface="Times New Roman" charset="0"/>
+                      </a:endParaRPr>
+                    </a:p>
+                  </a:txBody>
+                  <a:tcPr>
+                    <a:lnL w="28575" cap="flat" cmpd="sng" algn="ctr">
+                      <a:solidFill>
+                        <a:schemeClr val="tx1"/>
+                      </a:solidFill>
+                      <a:prstDash val="solid"/>
+                      <a:round/>
+                      <a:headEnd type="none" w="med" len="med"/>
+                      <a:tailEnd type="none" w="med" len="med"/>
+                    </a:lnL>
+                    <a:lnR w="28575" cap="flat" cmpd="sng" algn="ctr">
+                      <a:solidFill>
+                        <a:schemeClr val="tx1"/>
+                      </a:solidFill>
+                      <a:prstDash val="solid"/>
+                      <a:round/>
+                      <a:headEnd type="none" w="med" len="med"/>
+                      <a:tailEnd type="none" w="med" len="med"/>
+                    </a:lnR>
+                    <a:lnT w="28575" cap="flat" cmpd="sng" algn="ctr">
+                      <a:solidFill>
+                        <a:schemeClr val="tx1"/>
+                      </a:solidFill>
+                      <a:prstDash val="solid"/>
+                      <a:round/>
+                      <a:headEnd type="none" w="med" len="med"/>
+                      <a:tailEnd type="none" w="med" len="med"/>
+                    </a:lnT>
+                    <a:lnB w="28575" cap="flat" cmpd="sng" algn="ctr">
+                      <a:solidFill>
+                        <a:schemeClr val="tx1"/>
+                      </a:solidFill>
+                      <a:prstDash val="solid"/>
+                      <a:round/>
+                      <a:headEnd type="none" w="med" len="med"/>
+                      <a:tailEnd type="none" w="med" len="med"/>
+                    </a:lnB>
+                    <a:noFill/>
+                  </a:tcPr>
+                </a:tc>
+              </a:tr>
+              <a:tr h="684036">
+                <a:tc>
+                  <a:txBody>
+                    <a:bodyPr/>
+                    <a:lstStyle/>
+                    <a:p>
+                      <a:pPr algn="ctr"/>
+                      <a:r>
+                        <a:rPr lang="en-US" altLang="zh-CN" sz="2800" baseline="0" dirty="0" smtClean="0">
+                          <a:solidFill>
+                            <a:schemeClr val="tx1"/>
+                          </a:solidFill>
+                          <a:latin typeface="Times New Roman" charset="0"/>
+                          <a:ea typeface="Times New Roman" charset="0"/>
+                          <a:cs typeface="Times New Roman" charset="0"/>
+                        </a:rPr>
+                        <a:t>D of traffic</a:t>
+                      </a:r>
+                      <a:endParaRPr lang="zh-CN" altLang="en-US" sz="2800" dirty="0">
+                        <a:solidFill>
+                          <a:schemeClr val="tx1"/>
+                        </a:solidFill>
+                        <a:latin typeface="Times New Roman" charset="0"/>
+                        <a:ea typeface="Times New Roman" charset="0"/>
+                        <a:cs typeface="Times New Roman" charset="0"/>
+                      </a:endParaRPr>
+                    </a:p>
+                  </a:txBody>
+                  <a:tcPr>
+                    <a:lnL w="28575" cap="flat" cmpd="sng" algn="ctr">
+                      <a:solidFill>
+                        <a:schemeClr val="tx1"/>
+                      </a:solidFill>
+                      <a:prstDash val="solid"/>
+                      <a:round/>
+                      <a:headEnd type="none" w="med" len="med"/>
+                      <a:tailEnd type="none" w="med" len="med"/>
+                    </a:lnL>
+                    <a:lnR w="28575" cap="flat" cmpd="sng" algn="ctr">
+                      <a:solidFill>
+                        <a:schemeClr val="tx1"/>
+                      </a:solidFill>
+                      <a:prstDash val="solid"/>
+                      <a:round/>
+                      <a:headEnd type="none" w="med" len="med"/>
+                      <a:tailEnd type="none" w="med" len="med"/>
+                    </a:lnR>
+                    <a:lnT w="28575" cap="flat" cmpd="sng" algn="ctr">
+                      <a:solidFill>
+                        <a:schemeClr val="tx1"/>
+                      </a:solidFill>
+                      <a:prstDash val="solid"/>
+                      <a:round/>
+                      <a:headEnd type="none" w="med" len="med"/>
+                      <a:tailEnd type="none" w="med" len="med"/>
+                    </a:lnT>
+                    <a:lnB w="28575" cap="flat" cmpd="sng" algn="ctr">
+                      <a:solidFill>
+                        <a:schemeClr val="tx1"/>
+                      </a:solidFill>
+                      <a:prstDash val="solid"/>
+                      <a:round/>
+                      <a:headEnd type="none" w="med" len="med"/>
+                      <a:tailEnd type="none" w="med" len="med"/>
+                    </a:lnB>
+                    <a:noFill/>
+                  </a:tcPr>
+                </a:tc>
+                <a:tc>
+                  <a:txBody>
+                    <a:bodyPr/>
+                    <a:lstStyle/>
+                    <a:p>
+                      <a:pPr algn="ctr"/>
+                      <a:r>
+                        <a:rPr lang="en-US" altLang="zh-CN" sz="2800" dirty="0" smtClean="0">
+                          <a:solidFill>
+                            <a:schemeClr val="tx1"/>
+                          </a:solidFill>
+                          <a:latin typeface="Times New Roman" charset="0"/>
+                          <a:ea typeface="Times New Roman" charset="0"/>
+                          <a:cs typeface="Times New Roman" charset="0"/>
+                        </a:rPr>
+                        <a:t>Measure</a:t>
+                      </a:r>
+                      <a:r>
+                        <a:rPr lang="en-US" altLang="zh-CN" sz="2800" baseline="0" dirty="0" smtClean="0">
+                          <a:solidFill>
+                            <a:schemeClr val="tx1"/>
+                          </a:solidFill>
+                          <a:latin typeface="Times New Roman" charset="0"/>
+                          <a:ea typeface="Times New Roman" charset="0"/>
+                          <a:cs typeface="Times New Roman" charset="0"/>
+                        </a:rPr>
+                        <a:t> separately</a:t>
+                      </a:r>
+                      <a:endParaRPr lang="zh-CN" altLang="en-US" sz="2800" dirty="0">
+                        <a:solidFill>
+                          <a:schemeClr val="tx1"/>
+                        </a:solidFill>
+                        <a:latin typeface="Times New Roman" charset="0"/>
+                        <a:ea typeface="Times New Roman" charset="0"/>
+                        <a:cs typeface="Times New Roman" charset="0"/>
+                      </a:endParaRPr>
+                    </a:p>
+                  </a:txBody>
+                  <a:tcPr>
+                    <a:lnL w="28575" cap="flat" cmpd="sng" algn="ctr">
+                      <a:solidFill>
+                        <a:schemeClr val="tx1"/>
+                      </a:solidFill>
+                      <a:prstDash val="solid"/>
+                      <a:round/>
+                      <a:headEnd type="none" w="med" len="med"/>
+                      <a:tailEnd type="none" w="med" len="med"/>
+                    </a:lnL>
+                    <a:lnR w="28575" cap="flat" cmpd="sng" algn="ctr">
+                      <a:solidFill>
+                        <a:schemeClr val="tx1"/>
+                      </a:solidFill>
+                      <a:prstDash val="solid"/>
+                      <a:round/>
+                      <a:headEnd type="none" w="med" len="med"/>
+                      <a:tailEnd type="none" w="med" len="med"/>
+                    </a:lnR>
+                    <a:lnT w="28575" cap="flat" cmpd="sng" algn="ctr">
+                      <a:solidFill>
+                        <a:schemeClr val="tx1"/>
+                      </a:solidFill>
+                      <a:prstDash val="solid"/>
+                      <a:round/>
+                      <a:headEnd type="none" w="med" len="med"/>
+                      <a:tailEnd type="none" w="med" len="med"/>
+                    </a:lnT>
+                    <a:lnB w="28575" cap="flat" cmpd="sng" algn="ctr">
+                      <a:solidFill>
+                        <a:schemeClr val="tx1"/>
+                      </a:solidFill>
+                      <a:prstDash val="solid"/>
+                      <a:round/>
+                      <a:headEnd type="none" w="med" len="med"/>
+                      <a:tailEnd type="none" w="med" len="med"/>
+                    </a:lnB>
+                    <a:noFill/>
+                  </a:tcPr>
+                </a:tc>
+                <a:tc>
+                  <a:txBody>
+                    <a:bodyPr/>
+                    <a:lstStyle/>
+                    <a:p>
+                      <a:pPr algn="ctr"/>
+                      <a:r>
+                        <a:rPr lang="en-US" altLang="zh-CN" sz="2800" dirty="0" smtClean="0">
+                          <a:solidFill>
+                            <a:schemeClr val="tx1"/>
+                          </a:solidFill>
+                          <a:latin typeface="Times New Roman" charset="0"/>
+                          <a:ea typeface="Times New Roman" charset="0"/>
+                          <a:cs typeface="Times New Roman" charset="0"/>
+                        </a:rPr>
+                        <a:t>Aggregate Min-granularity</a:t>
+                      </a:r>
+                      <a:endParaRPr lang="zh-CN" altLang="en-US" sz="2800" dirty="0" smtClean="0">
+                        <a:solidFill>
+                          <a:schemeClr val="tx1"/>
+                        </a:solidFill>
+                        <a:latin typeface="Times New Roman" charset="0"/>
+                        <a:ea typeface="Times New Roman" charset="0"/>
+                        <a:cs typeface="Times New Roman" charset="0"/>
+                      </a:endParaRPr>
+                    </a:p>
+                  </a:txBody>
+                  <a:tcPr>
+                    <a:lnL w="28575" cap="flat" cmpd="sng" algn="ctr">
+                      <a:solidFill>
+                        <a:schemeClr val="tx1"/>
+                      </a:solidFill>
+                      <a:prstDash val="solid"/>
+                      <a:round/>
+                      <a:headEnd type="none" w="med" len="med"/>
+                      <a:tailEnd type="none" w="med" len="med"/>
+                    </a:lnL>
+                    <a:lnR w="28575" cap="flat" cmpd="sng" algn="ctr">
+                      <a:solidFill>
+                        <a:schemeClr val="tx1"/>
+                      </a:solidFill>
+                      <a:prstDash val="solid"/>
+                      <a:round/>
+                      <a:headEnd type="none" w="med" len="med"/>
+                      <a:tailEnd type="none" w="med" len="med"/>
+                    </a:lnR>
+                    <a:lnT w="28575" cap="flat" cmpd="sng" algn="ctr">
+                      <a:solidFill>
+                        <a:schemeClr val="tx1"/>
+                      </a:solidFill>
+                      <a:prstDash val="solid"/>
+                      <a:round/>
+                      <a:headEnd type="none" w="med" len="med"/>
+                      <a:tailEnd type="none" w="med" len="med"/>
+                    </a:lnT>
+                    <a:lnB w="28575" cap="flat" cmpd="sng" algn="ctr">
+                      <a:solidFill>
+                        <a:schemeClr val="tx1"/>
+                      </a:solidFill>
+                      <a:prstDash val="solid"/>
+                      <a:round/>
+                      <a:headEnd type="none" w="med" len="med"/>
+                      <a:tailEnd type="none" w="med" len="med"/>
+                    </a:lnB>
+                    <a:noFill/>
+                  </a:tcPr>
+                </a:tc>
+              </a:tr>
+              <a:tr h="684036">
+                <a:tc>
+                  <a:txBody>
+                    <a:bodyPr/>
+                    <a:lstStyle/>
+                    <a:p>
+                      <a:pPr marL="0" marR="0" indent="0" algn="ctr" defTabSz="914400" rtl="0" eaLnBrk="1" fontAlgn="auto" latinLnBrk="0" hangingPunct="1">
+                        <a:lnSpc>
+                          <a:spcPct val="100000"/>
+                        </a:lnSpc>
+                        <a:spcBef>
+                          <a:spcPts val="0"/>
+                        </a:spcBef>
+                        <a:spcAft>
+                          <a:spcPts val="0"/>
+                        </a:spcAft>
+                        <a:buClrTx/>
+                        <a:buSzTx/>
+                        <a:buFontTx/>
+                        <a:buNone/>
+                        <a:tabLst/>
+                        <a:defRPr/>
+                      </a:pPr>
+                      <a:r>
+                        <a:rPr lang="en-US" altLang="zh-CN" sz="2800" baseline="0" dirty="0" smtClean="0">
+                          <a:solidFill>
+                            <a:schemeClr val="tx1"/>
+                          </a:solidFill>
+                          <a:latin typeface="Times New Roman" charset="0"/>
+                          <a:ea typeface="Times New Roman" charset="0"/>
+                          <a:cs typeface="Times New Roman" charset="0"/>
+                        </a:rPr>
+                        <a:t>D of sketch</a:t>
+                      </a:r>
+                      <a:endParaRPr lang="zh-CN" altLang="en-US" sz="2800" dirty="0" smtClean="0">
+                        <a:solidFill>
+                          <a:schemeClr val="tx1"/>
+                        </a:solidFill>
+                        <a:latin typeface="Times New Roman" charset="0"/>
+                        <a:ea typeface="Times New Roman" charset="0"/>
+                        <a:cs typeface="Times New Roman" charset="0"/>
+                      </a:endParaRPr>
+                    </a:p>
+                  </a:txBody>
+                  <a:tcPr>
+                    <a:lnL w="28575" cap="flat" cmpd="sng" algn="ctr">
+                      <a:solidFill>
+                        <a:schemeClr val="tx1"/>
+                      </a:solidFill>
+                      <a:prstDash val="solid"/>
+                      <a:round/>
+                      <a:headEnd type="none" w="med" len="med"/>
+                      <a:tailEnd type="none" w="med" len="med"/>
+                    </a:lnL>
+                    <a:lnR w="28575" cap="flat" cmpd="sng" algn="ctr">
+                      <a:solidFill>
+                        <a:schemeClr val="tx1"/>
+                      </a:solidFill>
+                      <a:prstDash val="solid"/>
+                      <a:round/>
+                      <a:headEnd type="none" w="med" len="med"/>
+                      <a:tailEnd type="none" w="med" len="med"/>
+                    </a:lnR>
+                    <a:lnT w="28575" cap="flat" cmpd="sng" algn="ctr">
+                      <a:solidFill>
+                        <a:schemeClr val="tx1"/>
+                      </a:solidFill>
+                      <a:prstDash val="solid"/>
+                      <a:round/>
+                      <a:headEnd type="none" w="med" len="med"/>
+                      <a:tailEnd type="none" w="med" len="med"/>
+                    </a:lnT>
+                    <a:lnB w="28575" cap="flat" cmpd="sng" algn="ctr">
+                      <a:solidFill>
+                        <a:schemeClr val="tx1"/>
+                      </a:solidFill>
+                      <a:prstDash val="solid"/>
+                      <a:round/>
+                      <a:headEnd type="none" w="med" len="med"/>
+                      <a:tailEnd type="none" w="med" len="med"/>
+                    </a:lnB>
+                    <a:noFill/>
+                  </a:tcPr>
+                </a:tc>
+                <a:tc>
+                  <a:txBody>
+                    <a:bodyPr/>
+                    <a:lstStyle/>
+                    <a:p>
+                      <a:pPr algn="ctr"/>
+                      <a:r>
+                        <a:rPr lang="en-US" altLang="zh-CN" sz="2800" dirty="0" smtClean="0">
+                          <a:solidFill>
+                            <a:schemeClr val="tx1"/>
+                          </a:solidFill>
+                          <a:latin typeface="Times New Roman" charset="0"/>
+                          <a:ea typeface="Times New Roman" charset="0"/>
+                          <a:cs typeface="Times New Roman" charset="0"/>
+                        </a:rPr>
+                        <a:t>Aggregate Min-granularity</a:t>
+                      </a:r>
+                      <a:endParaRPr lang="zh-CN" altLang="en-US" sz="2800" dirty="0">
+                        <a:solidFill>
+                          <a:schemeClr val="tx1"/>
+                        </a:solidFill>
+                        <a:latin typeface="Times New Roman" charset="0"/>
+                        <a:ea typeface="Times New Roman" charset="0"/>
+                        <a:cs typeface="Times New Roman" charset="0"/>
+                      </a:endParaRPr>
+                    </a:p>
+                  </a:txBody>
+                  <a:tcPr>
+                    <a:lnL w="28575" cap="flat" cmpd="sng" algn="ctr">
+                      <a:solidFill>
+                        <a:schemeClr val="tx1"/>
+                      </a:solidFill>
+                      <a:prstDash val="solid"/>
+                      <a:round/>
+                      <a:headEnd type="none" w="med" len="med"/>
+                      <a:tailEnd type="none" w="med" len="med"/>
+                    </a:lnL>
+                    <a:lnR w="28575" cap="flat" cmpd="sng" algn="ctr">
+                      <a:solidFill>
+                        <a:schemeClr val="tx1"/>
+                      </a:solidFill>
+                      <a:prstDash val="solid"/>
+                      <a:round/>
+                      <a:headEnd type="none" w="med" len="med"/>
+                      <a:tailEnd type="none" w="med" len="med"/>
+                    </a:lnR>
+                    <a:lnT w="28575" cap="flat" cmpd="sng" algn="ctr">
+                      <a:solidFill>
+                        <a:schemeClr val="tx1"/>
+                      </a:solidFill>
+                      <a:prstDash val="solid"/>
+                      <a:round/>
+                      <a:headEnd type="none" w="med" len="med"/>
+                      <a:tailEnd type="none" w="med" len="med"/>
+                    </a:lnT>
+                    <a:lnB w="28575" cap="flat" cmpd="sng" algn="ctr">
+                      <a:solidFill>
+                        <a:schemeClr val="tx1"/>
+                      </a:solidFill>
+                      <a:prstDash val="solid"/>
+                      <a:round/>
+                      <a:headEnd type="none" w="med" len="med"/>
+                      <a:tailEnd type="none" w="med" len="med"/>
+                    </a:lnB>
+                    <a:noFill/>
+                  </a:tcPr>
+                </a:tc>
+                <a:tc>
+                  <a:txBody>
+                    <a:bodyPr/>
+                    <a:lstStyle/>
+                    <a:p>
+                      <a:pPr marL="0" marR="0" indent="0" algn="ctr" defTabSz="914400" rtl="0" eaLnBrk="1" fontAlgn="auto" latinLnBrk="0" hangingPunct="1">
+                        <a:lnSpc>
+                          <a:spcPct val="100000"/>
+                        </a:lnSpc>
+                        <a:spcBef>
+                          <a:spcPts val="0"/>
+                        </a:spcBef>
+                        <a:spcAft>
+                          <a:spcPts val="0"/>
+                        </a:spcAft>
+                        <a:buClrTx/>
+                        <a:buSzTx/>
+                        <a:buFontTx/>
+                        <a:buNone/>
+                        <a:tabLst/>
+                        <a:defRPr/>
+                      </a:pPr>
+                      <a:r>
+                        <a:rPr lang="en-US" altLang="zh-CN" sz="2800" dirty="0" smtClean="0">
+                          <a:solidFill>
+                            <a:schemeClr val="tx1"/>
+                          </a:solidFill>
+                          <a:latin typeface="Times New Roman" charset="0"/>
+                          <a:ea typeface="Times New Roman" charset="0"/>
+                          <a:cs typeface="Times New Roman" charset="0"/>
+                        </a:rPr>
+                        <a:t>Aggregate Min-granularity</a:t>
+                      </a:r>
+                      <a:endParaRPr lang="zh-CN" altLang="en-US" sz="2800" dirty="0" smtClean="0">
+                        <a:solidFill>
+                          <a:schemeClr val="tx1"/>
+                        </a:solidFill>
+                        <a:latin typeface="Times New Roman" charset="0"/>
+                        <a:ea typeface="Times New Roman" charset="0"/>
+                        <a:cs typeface="Times New Roman" charset="0"/>
+                      </a:endParaRPr>
+                    </a:p>
+                  </a:txBody>
+                  <a:tcPr>
+                    <a:lnL w="28575" cap="flat" cmpd="sng" algn="ctr">
+                      <a:solidFill>
+                        <a:schemeClr val="tx1"/>
+                      </a:solidFill>
+                      <a:prstDash val="solid"/>
+                      <a:round/>
+                      <a:headEnd type="none" w="med" len="med"/>
+                      <a:tailEnd type="none" w="med" len="med"/>
+                    </a:lnL>
+                    <a:lnR w="28575" cap="flat" cmpd="sng" algn="ctr">
+                      <a:solidFill>
+                        <a:schemeClr val="tx1"/>
+                      </a:solidFill>
+                      <a:prstDash val="solid"/>
+                      <a:round/>
+                      <a:headEnd type="none" w="med" len="med"/>
+                      <a:tailEnd type="none" w="med" len="med"/>
+                    </a:lnR>
+                    <a:lnT w="28575" cap="flat" cmpd="sng" algn="ctr">
+                      <a:solidFill>
+                        <a:schemeClr val="tx1"/>
+                      </a:solidFill>
+                      <a:prstDash val="solid"/>
+                      <a:round/>
+                      <a:headEnd type="none" w="med" len="med"/>
+                      <a:tailEnd type="none" w="med" len="med"/>
+                    </a:lnT>
+                    <a:lnB w="28575" cap="flat" cmpd="sng" algn="ctr">
+                      <a:solidFill>
+                        <a:schemeClr val="tx1"/>
+                      </a:solidFill>
+                      <a:prstDash val="solid"/>
+                      <a:round/>
+                      <a:headEnd type="none" w="med" len="med"/>
+                      <a:tailEnd type="none" w="med" len="med"/>
+                    </a:lnB>
+                    <a:noFill/>
+                  </a:tcPr>
+                </a:tc>
+              </a:tr>
+            </a:tbl>
+          </a:graphicData>
+        </a:graphic>
+      </p:graphicFrame>
+    </p:spTree>
+    <p:extLst>
+      <p:ext uri="{BB962C8B-B14F-4D97-AF65-F5344CB8AC3E}">
+        <p14:creationId xmlns:p14="http://schemas.microsoft.com/office/powerpoint/2010/main" val="393409496"/>
+      </p:ext>
+    </p:extLst>
+  </p:cSld>
+  <p:clrMapOvr>
+    <a:masterClrMapping/>
+  </p:clrMapOvr>
+  <p:timing>
+    <p:tnLst>
+      <p:par>
+        <p:cTn id="1" dur="indefinite" restart="never" nodeType="tmRoot"/>
+      </p:par>
+    </p:tnLst>
+  </p:timing>
+</p:sld>
+</file>
+
+<file path=ppt/slides/slide14.xml><?xml version="1.0" encoding="utf-8"?>
+<p:sld xmlns:a="http://schemas.openxmlformats.org/drawingml/2006/main" xmlns:r="http://schemas.openxmlformats.org/officeDocument/2006/relationships" xmlns:p="http://schemas.openxmlformats.org/presentationml/2006/main">
+  <p:cSld>
+    <p:spTree>
+      <p:nvGrpSpPr>
+        <p:cNvPr id="1" name=""/>
+        <p:cNvGrpSpPr/>
+        <p:nvPr/>
+      </p:nvGrpSpPr>
+      <p:grpSpPr>
+        <a:xfrm>
+          <a:off x="0" y="0"/>
+          <a:ext cx="0" cy="0"/>
+          <a:chOff x="0" y="0"/>
+          <a:chExt cx="0" cy="0"/>
+        </a:xfrm>
+      </p:grpSpPr>
+      <p:sp>
+        <p:nvSpPr>
+          <p:cNvPr id="2" name="标题 1">
+            <a:extLst>
+              <a:ext uri="{FF2B5EF4-FFF2-40B4-BE49-F238E27FC236}">
+                <a16:creationId xmlns:a16="http://schemas.microsoft.com/office/drawing/2014/main" xmlns="" id="{F0405D1C-A876-8341-918E-A5D66A83827F}"/>
+              </a:ext>
+            </a:extLst>
+          </p:cNvPr>
+          <p:cNvSpPr>
+            <a:spLocks noGrp="1"/>
+          </p:cNvSpPr>
+          <p:nvPr>
+            <p:ph type="title"/>
+          </p:nvPr>
+        </p:nvSpPr>
+        <p:spPr/>
+        <p:txBody>
+          <a:bodyPr/>
+          <a:lstStyle/>
+          <a:p>
+            <a:r>
+              <a:rPr kumimoji="1" lang="en-US" altLang="zh-CN" dirty="0">
+                <a:latin typeface="Times New Roman" panose="02020603050405020304" pitchFamily="18" charset="0"/>
+                <a:cs typeface="Times New Roman" panose="02020603050405020304" pitchFamily="18" charset="0"/>
+              </a:rPr>
+              <a:t>1.2 Our solution</a:t>
+            </a:r>
+            <a:endParaRPr kumimoji="1" lang="zh-CN" altLang="en-US" dirty="0">
+              <a:latin typeface="Times New Roman" panose="02020603050405020304" pitchFamily="18" charset="0"/>
+              <a:cs typeface="Times New Roman" panose="02020603050405020304" pitchFamily="18" charset="0"/>
+            </a:endParaRPr>
+          </a:p>
+        </p:txBody>
+      </p:sp>
+      <p:graphicFrame>
+        <p:nvGraphicFramePr>
+          <p:cNvPr id="7" name="表格 6"/>
+          <p:cNvGraphicFramePr>
+            <a:graphicFrameLocks noGrp="1"/>
+          </p:cNvGraphicFramePr>
+          <p:nvPr/>
+        </p:nvGraphicFramePr>
+        <p:xfrm>
+          <a:off x="631030" y="2148417"/>
+          <a:ext cx="10929940" cy="2052108"/>
+        </p:xfrm>
+        <a:graphic>
+          <a:graphicData uri="http://schemas.openxmlformats.org/drawingml/2006/table">
+            <a:tbl>
+              <a:tblPr firstRow="1" bandRow="1">
+                <a:tableStyleId>{5C22544A-7EE6-4342-B048-85BDC9FD1C3A}</a:tableStyleId>
+              </a:tblPr>
+              <a:tblGrid>
+                <a:gridCol w="2069308"/>
+                <a:gridCol w="4414838"/>
+                <a:gridCol w="4445794"/>
+              </a:tblGrid>
+              <a:tr h="684036">
+                <a:tc>
+                  <a:txBody>
+                    <a:bodyPr/>
+                    <a:lstStyle/>
+                    <a:p>
+                      <a:pPr algn="ctr"/>
+                      <a:endParaRPr lang="zh-CN" altLang="en-US" sz="2800" dirty="0">
+                        <a:solidFill>
+                          <a:schemeClr val="tx1"/>
+                        </a:solidFill>
+                        <a:latin typeface="Times New Roman" charset="0"/>
+                        <a:ea typeface="Times New Roman" charset="0"/>
+                        <a:cs typeface="Times New Roman" charset="0"/>
+                      </a:endParaRPr>
+                    </a:p>
+                  </a:txBody>
+                  <a:tcPr>
+                    <a:lnL w="28575" cap="flat" cmpd="sng" algn="ctr">
+                      <a:solidFill>
+                        <a:schemeClr val="tx1"/>
+                      </a:solidFill>
+                      <a:prstDash val="solid"/>
+                      <a:round/>
+                      <a:headEnd type="none" w="med" len="med"/>
+                      <a:tailEnd type="none" w="med" len="med"/>
+                    </a:lnL>
+                    <a:lnR w="28575" cap="flat" cmpd="sng" algn="ctr">
+                      <a:solidFill>
+                        <a:schemeClr val="tx1"/>
+                      </a:solidFill>
+                      <a:prstDash val="solid"/>
+                      <a:round/>
+                      <a:headEnd type="none" w="med" len="med"/>
+                      <a:tailEnd type="none" w="med" len="med"/>
+                    </a:lnR>
+                    <a:lnT w="28575" cap="flat" cmpd="sng" algn="ctr">
+                      <a:solidFill>
+                        <a:schemeClr val="tx1"/>
+                      </a:solidFill>
+                      <a:prstDash val="solid"/>
+                      <a:round/>
+                      <a:headEnd type="none" w="med" len="med"/>
+                      <a:tailEnd type="none" w="med" len="med"/>
+                    </a:lnT>
+                    <a:lnB w="28575" cap="flat" cmpd="sng" algn="ctr">
+                      <a:solidFill>
+                        <a:schemeClr val="tx1"/>
+                      </a:solidFill>
+                      <a:prstDash val="solid"/>
+                      <a:round/>
+                      <a:headEnd type="none" w="med" len="med"/>
+                      <a:tailEnd type="none" w="med" len="med"/>
+                    </a:lnB>
+                    <a:noFill/>
+                  </a:tcPr>
+                </a:tc>
+                <a:tc>
+                  <a:txBody>
+                    <a:bodyPr/>
+                    <a:lstStyle/>
+                    <a:p>
+                      <a:pPr algn="ctr"/>
+                      <a:r>
+                        <a:rPr lang="en-US" altLang="zh-CN" sz="2800" dirty="0" smtClean="0">
+                          <a:solidFill>
+                            <a:schemeClr val="tx1"/>
+                          </a:solidFill>
+                          <a:latin typeface="Times New Roman" charset="0"/>
+                          <a:ea typeface="Times New Roman" charset="0"/>
+                          <a:cs typeface="Times New Roman" charset="0"/>
+                        </a:rPr>
+                        <a:t>Prior</a:t>
+                      </a:r>
+                      <a:r>
+                        <a:rPr lang="en-US" altLang="zh-CN" sz="2800" baseline="0" dirty="0" smtClean="0">
+                          <a:solidFill>
+                            <a:schemeClr val="tx1"/>
+                          </a:solidFill>
+                          <a:latin typeface="Times New Roman" charset="0"/>
+                          <a:ea typeface="Times New Roman" charset="0"/>
+                          <a:cs typeface="Times New Roman" charset="0"/>
+                        </a:rPr>
+                        <a:t> Algorithms</a:t>
+                      </a:r>
+                      <a:endParaRPr lang="zh-CN" altLang="en-US" sz="2800" dirty="0">
+                        <a:solidFill>
+                          <a:schemeClr val="tx1"/>
+                        </a:solidFill>
+                        <a:latin typeface="Times New Roman" charset="0"/>
+                        <a:ea typeface="Times New Roman" charset="0"/>
+                        <a:cs typeface="Times New Roman" charset="0"/>
+                      </a:endParaRPr>
+                    </a:p>
+                  </a:txBody>
+                  <a:tcPr>
+                    <a:lnL w="28575" cap="flat" cmpd="sng" algn="ctr">
+                      <a:solidFill>
+                        <a:schemeClr val="tx1"/>
+                      </a:solidFill>
+                      <a:prstDash val="solid"/>
+                      <a:round/>
+                      <a:headEnd type="none" w="med" len="med"/>
+                      <a:tailEnd type="none" w="med" len="med"/>
+                    </a:lnL>
+                    <a:lnR w="28575" cap="flat" cmpd="sng" algn="ctr">
+                      <a:solidFill>
+                        <a:schemeClr val="tx1"/>
+                      </a:solidFill>
+                      <a:prstDash val="solid"/>
+                      <a:round/>
+                      <a:headEnd type="none" w="med" len="med"/>
+                      <a:tailEnd type="none" w="med" len="med"/>
+                    </a:lnR>
+                    <a:lnT w="28575" cap="flat" cmpd="sng" algn="ctr">
+                      <a:solidFill>
+                        <a:schemeClr val="tx1"/>
+                      </a:solidFill>
+                      <a:prstDash val="solid"/>
+                      <a:round/>
+                      <a:headEnd type="none" w="med" len="med"/>
+                      <a:tailEnd type="none" w="med" len="med"/>
+                    </a:lnT>
+                    <a:lnB w="28575" cap="flat" cmpd="sng" algn="ctr">
+                      <a:solidFill>
+                        <a:schemeClr val="tx1"/>
+                      </a:solidFill>
+                      <a:prstDash val="solid"/>
+                      <a:round/>
+                      <a:headEnd type="none" w="med" len="med"/>
+                      <a:tailEnd type="none" w="med" len="med"/>
+                    </a:lnB>
+                    <a:noFill/>
+                  </a:tcPr>
+                </a:tc>
+                <a:tc>
+                  <a:txBody>
+                    <a:bodyPr/>
+                    <a:lstStyle/>
+                    <a:p>
+                      <a:pPr algn="ctr"/>
+                      <a:r>
+                        <a:rPr lang="en-US" altLang="zh-CN" sz="2800" dirty="0" smtClean="0">
+                          <a:solidFill>
+                            <a:schemeClr val="tx1"/>
+                          </a:solidFill>
+                          <a:latin typeface="Times New Roman" charset="0"/>
+                          <a:ea typeface="Times New Roman" charset="0"/>
+                          <a:cs typeface="Times New Roman" charset="0"/>
+                        </a:rPr>
+                        <a:t>Our solution</a:t>
+                      </a:r>
+                      <a:endParaRPr lang="zh-CN" altLang="en-US" sz="2800" dirty="0">
+                        <a:solidFill>
+                          <a:schemeClr val="tx1"/>
+                        </a:solidFill>
+                        <a:latin typeface="Times New Roman" charset="0"/>
+                        <a:ea typeface="Times New Roman" charset="0"/>
+                        <a:cs typeface="Times New Roman" charset="0"/>
+                      </a:endParaRPr>
+                    </a:p>
+                  </a:txBody>
+                  <a:tcPr>
+                    <a:lnL w="28575" cap="flat" cmpd="sng" algn="ctr">
+                      <a:solidFill>
+                        <a:schemeClr val="tx1"/>
+                      </a:solidFill>
+                      <a:prstDash val="solid"/>
+                      <a:round/>
+                      <a:headEnd type="none" w="med" len="med"/>
+                      <a:tailEnd type="none" w="med" len="med"/>
+                    </a:lnL>
+                    <a:lnR w="28575" cap="flat" cmpd="sng" algn="ctr">
+                      <a:solidFill>
+                        <a:schemeClr val="tx1"/>
+                      </a:solidFill>
+                      <a:prstDash val="solid"/>
+                      <a:round/>
+                      <a:headEnd type="none" w="med" len="med"/>
+                      <a:tailEnd type="none" w="med" len="med"/>
+                    </a:lnR>
+                    <a:lnT w="28575" cap="flat" cmpd="sng" algn="ctr">
+                      <a:solidFill>
+                        <a:schemeClr val="tx1"/>
+                      </a:solidFill>
+                      <a:prstDash val="solid"/>
+                      <a:round/>
+                      <a:headEnd type="none" w="med" len="med"/>
+                      <a:tailEnd type="none" w="med" len="med"/>
+                    </a:lnT>
+                    <a:lnB w="28575" cap="flat" cmpd="sng" algn="ctr">
+                      <a:solidFill>
+                        <a:schemeClr val="tx1"/>
+                      </a:solidFill>
+                      <a:prstDash val="solid"/>
+                      <a:round/>
+                      <a:headEnd type="none" w="med" len="med"/>
+                      <a:tailEnd type="none" w="med" len="med"/>
+                    </a:lnB>
+                    <a:noFill/>
+                  </a:tcPr>
+                </a:tc>
+              </a:tr>
+              <a:tr h="684036">
+                <a:tc>
+                  <a:txBody>
+                    <a:bodyPr/>
+                    <a:lstStyle/>
+                    <a:p>
+                      <a:pPr algn="ctr"/>
+                      <a:r>
+                        <a:rPr lang="en-US" altLang="zh-CN" sz="2800" baseline="0" dirty="0" smtClean="0">
+                          <a:solidFill>
+                            <a:schemeClr val="tx1"/>
+                          </a:solidFill>
+                          <a:latin typeface="Times New Roman" charset="0"/>
+                          <a:ea typeface="Times New Roman" charset="0"/>
+                          <a:cs typeface="Times New Roman" charset="0"/>
+                        </a:rPr>
+                        <a:t>D of traffic</a:t>
+                      </a:r>
+                      <a:endParaRPr lang="zh-CN" altLang="en-US" sz="2800" dirty="0">
+                        <a:solidFill>
+                          <a:schemeClr val="tx1"/>
+                        </a:solidFill>
+                        <a:latin typeface="Times New Roman" charset="0"/>
+                        <a:ea typeface="Times New Roman" charset="0"/>
+                        <a:cs typeface="Times New Roman" charset="0"/>
+                      </a:endParaRPr>
+                    </a:p>
+                  </a:txBody>
+                  <a:tcPr>
+                    <a:lnL w="28575" cap="flat" cmpd="sng" algn="ctr">
+                      <a:solidFill>
+                        <a:schemeClr val="tx1"/>
+                      </a:solidFill>
+                      <a:prstDash val="solid"/>
+                      <a:round/>
+                      <a:headEnd type="none" w="med" len="med"/>
+                      <a:tailEnd type="none" w="med" len="med"/>
+                    </a:lnL>
+                    <a:lnR w="28575" cap="flat" cmpd="sng" algn="ctr">
+                      <a:solidFill>
+                        <a:schemeClr val="tx1"/>
+                      </a:solidFill>
+                      <a:prstDash val="solid"/>
+                      <a:round/>
+                      <a:headEnd type="none" w="med" len="med"/>
+                      <a:tailEnd type="none" w="med" len="med"/>
+                    </a:lnR>
+                    <a:lnT w="28575" cap="flat" cmpd="sng" algn="ctr">
+                      <a:solidFill>
+                        <a:schemeClr val="tx1"/>
+                      </a:solidFill>
+                      <a:prstDash val="solid"/>
+                      <a:round/>
+                      <a:headEnd type="none" w="med" len="med"/>
+                      <a:tailEnd type="none" w="med" len="med"/>
+                    </a:lnT>
+                    <a:lnB w="28575" cap="flat" cmpd="sng" algn="ctr">
+                      <a:solidFill>
+                        <a:schemeClr val="tx1"/>
+                      </a:solidFill>
+                      <a:prstDash val="solid"/>
+                      <a:round/>
+                      <a:headEnd type="none" w="med" len="med"/>
+                      <a:tailEnd type="none" w="med" len="med"/>
+                    </a:lnB>
+                    <a:noFill/>
+                  </a:tcPr>
+                </a:tc>
+                <a:tc>
+                  <a:txBody>
+                    <a:bodyPr/>
+                    <a:lstStyle/>
+                    <a:p>
+                      <a:pPr algn="ctr"/>
+                      <a:r>
+                        <a:rPr lang="en-US" altLang="zh-CN" sz="2800" dirty="0" smtClean="0">
+                          <a:solidFill>
+                            <a:schemeClr val="tx1"/>
+                          </a:solidFill>
+                          <a:latin typeface="Times New Roman" charset="0"/>
+                          <a:ea typeface="Times New Roman" charset="0"/>
+                          <a:cs typeface="Times New Roman" charset="0"/>
+                        </a:rPr>
+                        <a:t>Measure</a:t>
+                      </a:r>
+                      <a:r>
+                        <a:rPr lang="en-US" altLang="zh-CN" sz="2800" baseline="0" dirty="0" smtClean="0">
+                          <a:solidFill>
+                            <a:schemeClr val="tx1"/>
+                          </a:solidFill>
+                          <a:latin typeface="Times New Roman" charset="0"/>
+                          <a:ea typeface="Times New Roman" charset="0"/>
+                          <a:cs typeface="Times New Roman" charset="0"/>
+                        </a:rPr>
+                        <a:t> separately</a:t>
+                      </a:r>
+                      <a:endParaRPr lang="zh-CN" altLang="en-US" sz="2800" dirty="0">
+                        <a:solidFill>
+                          <a:schemeClr val="tx1"/>
+                        </a:solidFill>
+                        <a:latin typeface="Times New Roman" charset="0"/>
+                        <a:ea typeface="Times New Roman" charset="0"/>
+                        <a:cs typeface="Times New Roman" charset="0"/>
+                      </a:endParaRPr>
+                    </a:p>
+                  </a:txBody>
+                  <a:tcPr>
+                    <a:lnL w="28575" cap="flat" cmpd="sng" algn="ctr">
+                      <a:solidFill>
+                        <a:schemeClr val="tx1"/>
+                      </a:solidFill>
+                      <a:prstDash val="solid"/>
+                      <a:round/>
+                      <a:headEnd type="none" w="med" len="med"/>
+                      <a:tailEnd type="none" w="med" len="med"/>
+                    </a:lnL>
+                    <a:lnR w="28575" cap="flat" cmpd="sng" algn="ctr">
+                      <a:solidFill>
+                        <a:schemeClr val="tx1"/>
+                      </a:solidFill>
+                      <a:prstDash val="solid"/>
+                      <a:round/>
+                      <a:headEnd type="none" w="med" len="med"/>
+                      <a:tailEnd type="none" w="med" len="med"/>
+                    </a:lnR>
+                    <a:lnT w="28575" cap="flat" cmpd="sng" algn="ctr">
+                      <a:solidFill>
+                        <a:schemeClr val="tx1"/>
+                      </a:solidFill>
+                      <a:prstDash val="solid"/>
+                      <a:round/>
+                      <a:headEnd type="none" w="med" len="med"/>
+                      <a:tailEnd type="none" w="med" len="med"/>
+                    </a:lnT>
+                    <a:lnB w="28575" cap="flat" cmpd="sng" algn="ctr">
+                      <a:solidFill>
+                        <a:schemeClr val="tx1"/>
+                      </a:solidFill>
+                      <a:prstDash val="solid"/>
+                      <a:round/>
+                      <a:headEnd type="none" w="med" len="med"/>
+                      <a:tailEnd type="none" w="med" len="med"/>
+                    </a:lnB>
+                    <a:noFill/>
+                  </a:tcPr>
+                </a:tc>
+                <a:tc>
+                  <a:txBody>
+                    <a:bodyPr/>
+                    <a:lstStyle/>
+                    <a:p>
+                      <a:pPr algn="ctr"/>
+                      <a:r>
+                        <a:rPr lang="en-US" altLang="zh-CN" sz="2800" dirty="0" smtClean="0">
+                          <a:solidFill>
+                            <a:schemeClr val="tx1"/>
+                          </a:solidFill>
+                          <a:latin typeface="Times New Roman" charset="0"/>
+                          <a:ea typeface="Times New Roman" charset="0"/>
+                          <a:cs typeface="Times New Roman" charset="0"/>
+                        </a:rPr>
+                        <a:t>Aggregate Min-granularity</a:t>
+                      </a:r>
+                      <a:endParaRPr lang="zh-CN" altLang="en-US" sz="2800" dirty="0" smtClean="0">
+                        <a:solidFill>
+                          <a:schemeClr val="tx1"/>
+                        </a:solidFill>
+                        <a:latin typeface="Times New Roman" charset="0"/>
+                        <a:ea typeface="Times New Roman" charset="0"/>
+                        <a:cs typeface="Times New Roman" charset="0"/>
+                      </a:endParaRPr>
+                    </a:p>
+                  </a:txBody>
+                  <a:tcPr>
+                    <a:lnL w="28575" cap="flat" cmpd="sng" algn="ctr">
+                      <a:solidFill>
+                        <a:schemeClr val="tx1"/>
+                      </a:solidFill>
+                      <a:prstDash val="solid"/>
+                      <a:round/>
+                      <a:headEnd type="none" w="med" len="med"/>
+                      <a:tailEnd type="none" w="med" len="med"/>
+                    </a:lnL>
+                    <a:lnR w="28575" cap="flat" cmpd="sng" algn="ctr">
+                      <a:solidFill>
+                        <a:schemeClr val="tx1"/>
+                      </a:solidFill>
+                      <a:prstDash val="solid"/>
+                      <a:round/>
+                      <a:headEnd type="none" w="med" len="med"/>
+                      <a:tailEnd type="none" w="med" len="med"/>
+                    </a:lnR>
+                    <a:lnT w="28575" cap="flat" cmpd="sng" algn="ctr">
+                      <a:solidFill>
+                        <a:schemeClr val="tx1"/>
+                      </a:solidFill>
+                      <a:prstDash val="solid"/>
+                      <a:round/>
+                      <a:headEnd type="none" w="med" len="med"/>
+                      <a:tailEnd type="none" w="med" len="med"/>
+                    </a:lnT>
+                    <a:lnB w="28575" cap="flat" cmpd="sng" algn="ctr">
+                      <a:solidFill>
+                        <a:schemeClr val="tx1"/>
+                      </a:solidFill>
+                      <a:prstDash val="solid"/>
+                      <a:round/>
+                      <a:headEnd type="none" w="med" len="med"/>
+                      <a:tailEnd type="none" w="med" len="med"/>
+                    </a:lnB>
+                    <a:noFill/>
+                  </a:tcPr>
+                </a:tc>
+              </a:tr>
+              <a:tr h="684036">
+                <a:tc>
+                  <a:txBody>
+                    <a:bodyPr/>
+                    <a:lstStyle/>
+                    <a:p>
+                      <a:pPr marL="0" marR="0" indent="0" algn="ctr" defTabSz="914400" rtl="0" eaLnBrk="1" fontAlgn="auto" latinLnBrk="0" hangingPunct="1">
+                        <a:lnSpc>
+                          <a:spcPct val="100000"/>
+                        </a:lnSpc>
+                        <a:spcBef>
+                          <a:spcPts val="0"/>
+                        </a:spcBef>
+                        <a:spcAft>
+                          <a:spcPts val="0"/>
+                        </a:spcAft>
+                        <a:buClrTx/>
+                        <a:buSzTx/>
+                        <a:buFontTx/>
+                        <a:buNone/>
+                        <a:tabLst/>
+                        <a:defRPr/>
+                      </a:pPr>
+                      <a:r>
+                        <a:rPr lang="en-US" altLang="zh-CN" sz="2800" baseline="0" dirty="0" smtClean="0">
+                          <a:solidFill>
+                            <a:schemeClr val="tx1"/>
+                          </a:solidFill>
+                          <a:latin typeface="Times New Roman" charset="0"/>
+                          <a:ea typeface="Times New Roman" charset="0"/>
+                          <a:cs typeface="Times New Roman" charset="0"/>
+                        </a:rPr>
+                        <a:t>D of sketch</a:t>
+                      </a:r>
+                      <a:endParaRPr lang="zh-CN" altLang="en-US" sz="2800" dirty="0" smtClean="0">
+                        <a:solidFill>
+                          <a:schemeClr val="tx1"/>
+                        </a:solidFill>
+                        <a:latin typeface="Times New Roman" charset="0"/>
+                        <a:ea typeface="Times New Roman" charset="0"/>
+                        <a:cs typeface="Times New Roman" charset="0"/>
+                      </a:endParaRPr>
+                    </a:p>
+                  </a:txBody>
+                  <a:tcPr>
+                    <a:lnL w="28575" cap="flat" cmpd="sng" algn="ctr">
+                      <a:solidFill>
+                        <a:schemeClr val="tx1"/>
+                      </a:solidFill>
+                      <a:prstDash val="solid"/>
+                      <a:round/>
+                      <a:headEnd type="none" w="med" len="med"/>
+                      <a:tailEnd type="none" w="med" len="med"/>
+                    </a:lnL>
+                    <a:lnR w="28575" cap="flat" cmpd="sng" algn="ctr">
+                      <a:solidFill>
+                        <a:schemeClr val="tx1"/>
+                      </a:solidFill>
+                      <a:prstDash val="solid"/>
+                      <a:round/>
+                      <a:headEnd type="none" w="med" len="med"/>
+                      <a:tailEnd type="none" w="med" len="med"/>
+                    </a:lnR>
+                    <a:lnT w="28575" cap="flat" cmpd="sng" algn="ctr">
+                      <a:solidFill>
+                        <a:schemeClr val="tx1"/>
+                      </a:solidFill>
+                      <a:prstDash val="solid"/>
+                      <a:round/>
+                      <a:headEnd type="none" w="med" len="med"/>
+                      <a:tailEnd type="none" w="med" len="med"/>
+                    </a:lnT>
+                    <a:lnB w="28575" cap="flat" cmpd="sng" algn="ctr">
+                      <a:solidFill>
+                        <a:schemeClr val="tx1"/>
+                      </a:solidFill>
+                      <a:prstDash val="solid"/>
+                      <a:round/>
+                      <a:headEnd type="none" w="med" len="med"/>
+                      <a:tailEnd type="none" w="med" len="med"/>
+                    </a:lnB>
+                    <a:noFill/>
+                  </a:tcPr>
+                </a:tc>
+                <a:tc>
+                  <a:txBody>
+                    <a:bodyPr/>
+                    <a:lstStyle/>
+                    <a:p>
+                      <a:pPr algn="ctr"/>
+                      <a:r>
+                        <a:rPr lang="en-US" altLang="zh-CN" sz="2800" dirty="0" smtClean="0">
+                          <a:solidFill>
+                            <a:schemeClr val="tx1"/>
+                          </a:solidFill>
+                          <a:latin typeface="Times New Roman" charset="0"/>
+                          <a:ea typeface="Times New Roman" charset="0"/>
+                          <a:cs typeface="Times New Roman" charset="0"/>
+                        </a:rPr>
+                        <a:t>Aggregate Min-granularity</a:t>
+                      </a:r>
+                      <a:endParaRPr lang="zh-CN" altLang="en-US" sz="2800" dirty="0">
+                        <a:solidFill>
+                          <a:schemeClr val="tx1"/>
+                        </a:solidFill>
+                        <a:latin typeface="Times New Roman" charset="0"/>
+                        <a:ea typeface="Times New Roman" charset="0"/>
+                        <a:cs typeface="Times New Roman" charset="0"/>
+                      </a:endParaRPr>
+                    </a:p>
+                  </a:txBody>
+                  <a:tcPr>
+                    <a:lnL w="28575" cap="flat" cmpd="sng" algn="ctr">
+                      <a:solidFill>
+                        <a:schemeClr val="tx1"/>
+                      </a:solidFill>
+                      <a:prstDash val="solid"/>
+                      <a:round/>
+                      <a:headEnd type="none" w="med" len="med"/>
+                      <a:tailEnd type="none" w="med" len="med"/>
+                    </a:lnL>
+                    <a:lnR w="28575" cap="flat" cmpd="sng" algn="ctr">
+                      <a:solidFill>
+                        <a:schemeClr val="tx1"/>
+                      </a:solidFill>
+                      <a:prstDash val="solid"/>
+                      <a:round/>
+                      <a:headEnd type="none" w="med" len="med"/>
+                      <a:tailEnd type="none" w="med" len="med"/>
+                    </a:lnR>
+                    <a:lnT w="28575" cap="flat" cmpd="sng" algn="ctr">
+                      <a:solidFill>
+                        <a:schemeClr val="tx1"/>
+                      </a:solidFill>
+                      <a:prstDash val="solid"/>
+                      <a:round/>
+                      <a:headEnd type="none" w="med" len="med"/>
+                      <a:tailEnd type="none" w="med" len="med"/>
+                    </a:lnT>
+                    <a:lnB w="28575" cap="flat" cmpd="sng" algn="ctr">
+                      <a:solidFill>
+                        <a:schemeClr val="tx1"/>
+                      </a:solidFill>
+                      <a:prstDash val="solid"/>
+                      <a:round/>
+                      <a:headEnd type="none" w="med" len="med"/>
+                      <a:tailEnd type="none" w="med" len="med"/>
+                    </a:lnB>
+                    <a:noFill/>
+                  </a:tcPr>
+                </a:tc>
+                <a:tc>
+                  <a:txBody>
+                    <a:bodyPr/>
+                    <a:lstStyle/>
+                    <a:p>
+                      <a:pPr marL="0" marR="0" indent="0" algn="ctr" defTabSz="914400" rtl="0" eaLnBrk="1" fontAlgn="auto" latinLnBrk="0" hangingPunct="1">
+                        <a:lnSpc>
+                          <a:spcPct val="100000"/>
+                        </a:lnSpc>
+                        <a:spcBef>
+                          <a:spcPts val="0"/>
+                        </a:spcBef>
+                        <a:spcAft>
+                          <a:spcPts val="0"/>
+                        </a:spcAft>
+                        <a:buClrTx/>
+                        <a:buSzTx/>
+                        <a:buFontTx/>
+                        <a:buNone/>
+                        <a:tabLst/>
+                        <a:defRPr/>
+                      </a:pPr>
+                      <a:r>
+                        <a:rPr lang="en-US" altLang="zh-CN" sz="2800" dirty="0" smtClean="0">
+                          <a:solidFill>
+                            <a:schemeClr val="tx1"/>
+                          </a:solidFill>
+                          <a:latin typeface="Times New Roman" charset="0"/>
+                          <a:ea typeface="Times New Roman" charset="0"/>
+                          <a:cs typeface="Times New Roman" charset="0"/>
+                        </a:rPr>
+                        <a:t>Aggregate Min-granularity</a:t>
+                      </a:r>
+                      <a:endParaRPr lang="zh-CN" altLang="en-US" sz="2800" dirty="0" smtClean="0">
+                        <a:solidFill>
+                          <a:schemeClr val="tx1"/>
+                        </a:solidFill>
+                        <a:latin typeface="Times New Roman" charset="0"/>
+                        <a:ea typeface="Times New Roman" charset="0"/>
+                        <a:cs typeface="Times New Roman" charset="0"/>
+                      </a:endParaRPr>
+                    </a:p>
+                  </a:txBody>
+                  <a:tcPr>
+                    <a:lnL w="28575" cap="flat" cmpd="sng" algn="ctr">
+                      <a:solidFill>
+                        <a:schemeClr val="tx1"/>
+                      </a:solidFill>
+                      <a:prstDash val="solid"/>
+                      <a:round/>
+                      <a:headEnd type="none" w="med" len="med"/>
+                      <a:tailEnd type="none" w="med" len="med"/>
+                    </a:lnL>
+                    <a:lnR w="28575" cap="flat" cmpd="sng" algn="ctr">
+                      <a:solidFill>
+                        <a:schemeClr val="tx1"/>
+                      </a:solidFill>
+                      <a:prstDash val="solid"/>
+                      <a:round/>
+                      <a:headEnd type="none" w="med" len="med"/>
+                      <a:tailEnd type="none" w="med" len="med"/>
+                    </a:lnR>
+                    <a:lnT w="28575" cap="flat" cmpd="sng" algn="ctr">
+                      <a:solidFill>
+                        <a:schemeClr val="tx1"/>
+                      </a:solidFill>
+                      <a:prstDash val="solid"/>
+                      <a:round/>
+                      <a:headEnd type="none" w="med" len="med"/>
+                      <a:tailEnd type="none" w="med" len="med"/>
+                    </a:lnT>
+                    <a:lnB w="28575" cap="flat" cmpd="sng" algn="ctr">
+                      <a:solidFill>
+                        <a:schemeClr val="tx1"/>
+                      </a:solidFill>
+                      <a:prstDash val="solid"/>
+                      <a:round/>
+                      <a:headEnd type="none" w="med" len="med"/>
+                      <a:tailEnd type="none" w="med" len="med"/>
+                    </a:lnB>
+                    <a:noFill/>
+                  </a:tcPr>
+                </a:tc>
+              </a:tr>
+            </a:tbl>
+          </a:graphicData>
+        </a:graphic>
+      </p:graphicFrame>
+      <p:sp>
+        <p:nvSpPr>
+          <p:cNvPr id="4" name="标题 1">
+            <a:extLst>
+              <a:ext uri="{FF2B5EF4-FFF2-40B4-BE49-F238E27FC236}">
+                <a16:creationId xmlns:a16="http://schemas.microsoft.com/office/drawing/2014/main" xmlns="" id="{F0405D1C-A876-8341-918E-A5D66A83827F}"/>
+              </a:ext>
+            </a:extLst>
+          </p:cNvPr>
+          <p:cNvSpPr txBox="1">
+            <a:spLocks/>
+          </p:cNvSpPr>
+          <p:nvPr/>
+        </p:nvSpPr>
+        <p:spPr>
+          <a:xfrm>
+            <a:off x="200025" y="4846637"/>
+            <a:ext cx="4969668" cy="1325563"/>
+          </a:xfrm>
+          <a:prstGeom prst="rect">
+            <a:avLst/>
+          </a:prstGeom>
+        </p:spPr>
+        <p:txBody>
+          <a:bodyPr vert="horz" lIns="91440" tIns="45720" rIns="91440" bIns="45720" rtlCol="0" anchor="ctr">
+            <a:normAutofit/>
+          </a:bodyPr>
+          <a:lstStyle>
+            <a:lvl1pPr algn="l" defTabSz="914400" rtl="0" eaLnBrk="1" latinLnBrk="0" hangingPunct="1">
+              <a:lnSpc>
+                <a:spcPct val="90000"/>
+              </a:lnSpc>
+              <a:spcBef>
+                <a:spcPct val="0"/>
+              </a:spcBef>
+              <a:buNone/>
+              <a:defRPr sz="4400" kern="1200">
+                <a:solidFill>
+                  <a:schemeClr val="tx1"/>
+                </a:solidFill>
+                <a:latin typeface="+mj-lt"/>
+                <a:ea typeface="+mj-ea"/>
+                <a:cs typeface="+mj-cs"/>
+              </a:defRPr>
+            </a:lvl1pPr>
+          </a:lstStyle>
+          <a:p>
+            <a:pPr algn="ctr"/>
+            <a:r>
+              <a:rPr kumimoji="1" lang="en-US" altLang="zh-CN" sz="3600" smtClean="0">
+                <a:latin typeface="Times New Roman" panose="02020603050405020304" pitchFamily="18" charset="0"/>
+                <a:cs typeface="Times New Roman" panose="02020603050405020304" pitchFamily="18" charset="0"/>
+              </a:rPr>
+              <a:t>Count/CM </a:t>
+            </a:r>
+            <a:r>
+              <a:rPr kumimoji="1" lang="en-US" altLang="zh-CN" sz="3600" dirty="0" smtClean="0">
+                <a:latin typeface="Times New Roman" panose="02020603050405020304" pitchFamily="18" charset="0"/>
+                <a:cs typeface="Times New Roman" panose="02020603050405020304" pitchFamily="18" charset="0"/>
+              </a:rPr>
+              <a:t>Sketch</a:t>
+            </a:r>
+            <a:endParaRPr kumimoji="1" lang="zh-CN" altLang="en-US" sz="3600" dirty="0">
+              <a:latin typeface="Times New Roman" panose="02020603050405020304" pitchFamily="18" charset="0"/>
+              <a:cs typeface="Times New Roman" panose="02020603050405020304" pitchFamily="18" charset="0"/>
+            </a:endParaRPr>
+          </a:p>
+        </p:txBody>
+      </p:sp>
+      <p:sp>
+        <p:nvSpPr>
+          <p:cNvPr id="5" name="标题 1">
+            <a:extLst>
+              <a:ext uri="{FF2B5EF4-FFF2-40B4-BE49-F238E27FC236}">
+                <a16:creationId xmlns:a16="http://schemas.microsoft.com/office/drawing/2014/main" xmlns="" id="{F0405D1C-A876-8341-918E-A5D66A83827F}"/>
+              </a:ext>
+            </a:extLst>
+          </p:cNvPr>
+          <p:cNvSpPr txBox="1">
+            <a:spLocks/>
+          </p:cNvSpPr>
+          <p:nvPr/>
+        </p:nvSpPr>
+        <p:spPr>
+          <a:xfrm>
+            <a:off x="6384132" y="4846637"/>
+            <a:ext cx="4969668" cy="1325563"/>
+          </a:xfrm>
+          <a:prstGeom prst="rect">
+            <a:avLst/>
+          </a:prstGeom>
+        </p:spPr>
+        <p:txBody>
+          <a:bodyPr vert="horz" lIns="91440" tIns="45720" rIns="91440" bIns="45720" rtlCol="0" anchor="ctr">
+            <a:normAutofit/>
+          </a:bodyPr>
+          <a:lstStyle>
+            <a:lvl1pPr algn="l" defTabSz="914400" rtl="0" eaLnBrk="1" latinLnBrk="0" hangingPunct="1">
+              <a:lnSpc>
+                <a:spcPct val="90000"/>
+              </a:lnSpc>
+              <a:spcBef>
+                <a:spcPct val="0"/>
+              </a:spcBef>
+              <a:buNone/>
+              <a:defRPr sz="4400" kern="1200">
+                <a:solidFill>
+                  <a:schemeClr val="tx1"/>
+                </a:solidFill>
+                <a:latin typeface="+mj-lt"/>
+                <a:ea typeface="+mj-ea"/>
+                <a:cs typeface="+mj-cs"/>
+              </a:defRPr>
+            </a:lvl1pPr>
+          </a:lstStyle>
+          <a:p>
+            <a:pPr algn="ctr"/>
+            <a:r>
+              <a:rPr kumimoji="1" lang="en-US" altLang="zh-CN" sz="3600" smtClean="0">
+                <a:latin typeface="Times New Roman" panose="02020603050405020304" pitchFamily="18" charset="0"/>
+                <a:cs typeface="Times New Roman" panose="02020603050405020304" pitchFamily="18" charset="0"/>
+              </a:rPr>
+              <a:t>Aggregation-Friendly </a:t>
+            </a:r>
+            <a:r>
+              <a:rPr kumimoji="1" lang="en-US" altLang="zh-CN" sz="3600" dirty="0" smtClean="0">
+                <a:latin typeface="Times New Roman" panose="02020603050405020304" pitchFamily="18" charset="0"/>
+                <a:cs typeface="Times New Roman" panose="02020603050405020304" pitchFamily="18" charset="0"/>
+              </a:rPr>
+              <a:t>Algorithm</a:t>
+            </a:r>
+            <a:endParaRPr kumimoji="1" lang="zh-CN" altLang="en-US" sz="3600" dirty="0">
+              <a:latin typeface="Times New Roman" panose="02020603050405020304" pitchFamily="18" charset="0"/>
+              <a:cs typeface="Times New Roman" panose="02020603050405020304" pitchFamily="18" charset="0"/>
+            </a:endParaRPr>
+          </a:p>
+        </p:txBody>
+      </p:sp>
+      <p:sp>
+        <p:nvSpPr>
+          <p:cNvPr id="6" name="右箭头 5"/>
+          <p:cNvSpPr/>
+          <p:nvPr/>
+        </p:nvSpPr>
+        <p:spPr>
+          <a:xfrm>
+            <a:off x="4769645" y="5109558"/>
+            <a:ext cx="1614487" cy="799720"/>
+          </a:xfrm>
+          <a:prstGeom prst="rightArrow">
+            <a:avLst/>
+          </a:prstGeom>
+          <a:noFill/>
+          <a:ln w="25400">
+            <a:solidFill>
+              <a:schemeClr val="tx1"/>
+            </a:solidFill>
+          </a:ln>
+        </p:spPr>
+        <p:style>
+          <a:lnRef idx="2">
+            <a:schemeClr val="accent1">
+              <a:shade val="50000"/>
+            </a:schemeClr>
+          </a:lnRef>
+          <a:fillRef idx="1">
+            <a:schemeClr val="accent1"/>
+          </a:fillRef>
+          <a:effectRef idx="0">
+            <a:schemeClr val="accent1"/>
+          </a:effectRef>
+          <a:fontRef idx="minor">
+            <a:schemeClr val="lt1"/>
+          </a:fontRef>
+        </p:style>
+        <p:txBody>
+          <a:bodyPr rtlCol="0" anchor="ctr"/>
+          <a:lstStyle/>
+          <a:p>
+            <a:pPr algn="ctr"/>
+            <a:endParaRPr kumimoji="1" lang="zh-CN" altLang="en-US"/>
+          </a:p>
+        </p:txBody>
+      </p:sp>
+    </p:spTree>
+    <p:extLst>
+      <p:ext uri="{BB962C8B-B14F-4D97-AF65-F5344CB8AC3E}">
+        <p14:creationId xmlns:p14="http://schemas.microsoft.com/office/powerpoint/2010/main" val="338082788"/>
+      </p:ext>
+    </p:extLst>
+  </p:cSld>
+  <p:clrMapOvr>
+    <a:masterClrMapping/>
+  </p:clrMapOvr>
+  <p:timing>
+    <p:tnLst>
+      <p:par>
+        <p:cTn id="1" dur="indefinite" restart="never" nodeType="tmRoot"/>
+      </p:par>
+    </p:tnLst>
+  </p:timing>
+</p:sld>
+</file>
+
+<file path=ppt/slides/slide15.xml><?xml version="1.0" encoding="utf-8"?>
+<p:sld xmlns:a="http://schemas.openxmlformats.org/drawingml/2006/main" xmlns:r="http://schemas.openxmlformats.org/officeDocument/2006/relationships" xmlns:p="http://schemas.openxmlformats.org/presentationml/2006/main">
+  <p:cSld>
+    <p:spTree>
+      <p:nvGrpSpPr>
+        <p:cNvPr id="1" name=""/>
+        <p:cNvGrpSpPr/>
+        <p:nvPr/>
+      </p:nvGrpSpPr>
+      <p:grpSpPr>
+        <a:xfrm>
+          <a:off x="0" y="0"/>
+          <a:ext cx="0" cy="0"/>
+          <a:chOff x="0" y="0"/>
+          <a:chExt cx="0" cy="0"/>
+        </a:xfrm>
+      </p:grpSpPr>
+      <p:sp>
+        <p:nvSpPr>
+          <p:cNvPr id="2" name="标题 1">
+            <a:extLst>
+              <a:ext uri="{FF2B5EF4-FFF2-40B4-BE49-F238E27FC236}">
+                <a16:creationId xmlns:a16="http://schemas.microsoft.com/office/drawing/2014/main" xmlns="" id="{F0405D1C-A876-8341-918E-A5D66A83827F}"/>
               </a:ext>
             </a:extLst>
           </p:cNvPr>
@@ -4153,7 +6044,7 @@
           <p:cNvPr id="3" name="内容占位符 2">
             <a:extLst>
               <a:ext uri="{FF2B5EF4-FFF2-40B4-BE49-F238E27FC236}">
-                <a16:creationId xmlns:a16="http://schemas.microsoft.com/office/drawing/2014/main" id="{18357220-3404-9543-B18A-654DBC2080C6}"/>
+                <a16:creationId xmlns:a16="http://schemas.microsoft.com/office/drawing/2014/main" xmlns="" id="{18357220-3404-9543-B18A-654DBC2080C6}"/>
               </a:ext>
             </a:extLst>
           </p:cNvPr>
@@ -4214,10 +6105,17 @@
   <p:clrMapOvr>
     <a:masterClrMapping/>
   </p:clrMapOvr>
+  <p:timing>
+    <p:tnLst>
+      <p:par>
+        <p:cTn id="1" dur="indefinite" restart="never" nodeType="tmRoot"/>
+      </p:par>
+    </p:tnLst>
+  </p:timing>
 </p:sld>
 </file>
 
-<file path=ppt/slides/slide13.xml><?xml version="1.0" encoding="utf-8"?>
+<file path=ppt/slides/slide16.xml><?xml version="1.0" encoding="utf-8"?>
 <p:sld xmlns:a="http://schemas.openxmlformats.org/drawingml/2006/main" xmlns:r="http://schemas.openxmlformats.org/officeDocument/2006/relationships" xmlns:p="http://schemas.openxmlformats.org/presentationml/2006/main">
   <p:cSld>
     <p:spTree>
@@ -4239,7 +6137,7 @@
           <p:cNvPr id="2" name="标题 1">
             <a:extLst>
               <a:ext uri="{FF2B5EF4-FFF2-40B4-BE49-F238E27FC236}">
-                <a16:creationId xmlns:a16="http://schemas.microsoft.com/office/drawing/2014/main" id="{F0405D1C-A876-8341-918E-A5D66A83827F}"/>
+                <a16:creationId xmlns:a16="http://schemas.microsoft.com/office/drawing/2014/main" xmlns="" id="{F0405D1C-A876-8341-918E-A5D66A83827F}"/>
               </a:ext>
             </a:extLst>
           </p:cNvPr>
@@ -4274,7 +6172,138 @@
           <p:cNvPr id="3" name="内容占位符 2">
             <a:extLst>
               <a:ext uri="{FF2B5EF4-FFF2-40B4-BE49-F238E27FC236}">
-                <a16:creationId xmlns:a16="http://schemas.microsoft.com/office/drawing/2014/main" id="{18357220-3404-9543-B18A-654DBC2080C6}"/>
+                <a16:creationId xmlns:a16="http://schemas.microsoft.com/office/drawing/2014/main" xmlns="" id="{18357220-3404-9543-B18A-654DBC2080C6}"/>
+              </a:ext>
+            </a:extLst>
+          </p:cNvPr>
+          <p:cNvSpPr>
+            <a:spLocks noGrp="1"/>
+          </p:cNvSpPr>
+          <p:nvPr>
+            <p:ph idx="1"/>
+          </p:nvPr>
+        </p:nvSpPr>
+        <p:spPr/>
+        <p:txBody>
+          <a:bodyPr/>
+          <a:lstStyle/>
+          <a:p>
+            <a:r>
+              <a:rPr kumimoji="1" lang="en-US" altLang="zh-CN" dirty="0">
+                <a:latin typeface="Times New Roman" charset="0"/>
+                <a:ea typeface="Times New Roman" charset="0"/>
+                <a:cs typeface="Times New Roman" charset="0"/>
+              </a:rPr>
+              <a:t>If we have known the exact size of all traffic, we can directly calculate the optimal choice to achieve variance sum </a:t>
+            </a:r>
+            <a:r>
+              <a:rPr kumimoji="1" lang="en-US" altLang="zh-CN" dirty="0" smtClean="0">
+                <a:latin typeface="Times New Roman" charset="0"/>
+                <a:ea typeface="Times New Roman" charset="0"/>
+                <a:cs typeface="Times New Roman" charset="0"/>
+              </a:rPr>
+              <a:t>minimization</a:t>
+            </a:r>
+            <a:endParaRPr kumimoji="1" lang="en-US" altLang="zh-CN" dirty="0">
+              <a:latin typeface="Times New Roman" charset="0"/>
+              <a:ea typeface="Times New Roman" charset="0"/>
+              <a:cs typeface="Times New Roman" charset="0"/>
+            </a:endParaRPr>
+          </a:p>
+          <a:p>
+            <a:endParaRPr kumimoji="1" lang="en-US" altLang="zh-CN" dirty="0">
+              <a:latin typeface="Times New Roman" charset="0"/>
+              <a:ea typeface="Times New Roman" charset="0"/>
+              <a:cs typeface="Times New Roman" charset="0"/>
+            </a:endParaRPr>
+          </a:p>
+          <a:p>
+            <a:endParaRPr kumimoji="1" lang="en-US" altLang="zh-CN" dirty="0">
+              <a:latin typeface="Times New Roman" charset="0"/>
+              <a:ea typeface="Times New Roman" charset="0"/>
+              <a:cs typeface="Times New Roman" charset="0"/>
+            </a:endParaRPr>
+          </a:p>
+        </p:txBody>
+      </p:sp>
+    </p:spTree>
+    <p:extLst>
+      <p:ext uri="{BB962C8B-B14F-4D97-AF65-F5344CB8AC3E}">
+        <p14:creationId xmlns:p14="http://schemas.microsoft.com/office/powerpoint/2010/main" val="71345275"/>
+      </p:ext>
+    </p:extLst>
+  </p:cSld>
+  <p:clrMapOvr>
+    <a:masterClrMapping/>
+  </p:clrMapOvr>
+  <p:timing>
+    <p:tnLst>
+      <p:par>
+        <p:cTn id="1" dur="indefinite" restart="never" nodeType="tmRoot"/>
+      </p:par>
+    </p:tnLst>
+  </p:timing>
+</p:sld>
+</file>
+
+<file path=ppt/slides/slide17.xml><?xml version="1.0" encoding="utf-8"?>
+<p:sld xmlns:a="http://schemas.openxmlformats.org/drawingml/2006/main" xmlns:r="http://schemas.openxmlformats.org/officeDocument/2006/relationships" xmlns:p="http://schemas.openxmlformats.org/presentationml/2006/main">
+  <p:cSld>
+    <p:spTree>
+      <p:nvGrpSpPr>
+        <p:cNvPr id="1" name=""/>
+        <p:cNvGrpSpPr/>
+        <p:nvPr/>
+      </p:nvGrpSpPr>
+      <p:grpSpPr>
+        <a:xfrm>
+          <a:off x="0" y="0"/>
+          <a:ext cx="0" cy="0"/>
+          <a:chOff x="0" y="0"/>
+          <a:chExt cx="0" cy="0"/>
+        </a:xfrm>
+      </p:grpSpPr>
+      <p:sp>
+        <p:nvSpPr>
+          <p:cNvPr id="2" name="标题 1">
+            <a:extLst>
+              <a:ext uri="{FF2B5EF4-FFF2-40B4-BE49-F238E27FC236}">
+                <a16:creationId xmlns:a16="http://schemas.microsoft.com/office/drawing/2014/main" xmlns="" id="{F0405D1C-A876-8341-918E-A5D66A83827F}"/>
+              </a:ext>
+            </a:extLst>
+          </p:cNvPr>
+          <p:cNvSpPr>
+            <a:spLocks noGrp="1"/>
+          </p:cNvSpPr>
+          <p:nvPr>
+            <p:ph type="title"/>
+          </p:nvPr>
+        </p:nvSpPr>
+        <p:spPr/>
+        <p:txBody>
+          <a:bodyPr/>
+          <a:lstStyle/>
+          <a:p>
+            <a:r>
+              <a:rPr kumimoji="1" lang="en-US" altLang="zh-CN" dirty="0">
+                <a:latin typeface="Times New Roman" panose="02020603050405020304" pitchFamily="18" charset="0"/>
+                <a:cs typeface="Times New Roman" panose="02020603050405020304" pitchFamily="18" charset="0"/>
+              </a:rPr>
+              <a:t>Subset-Sum Estimation</a:t>
+            </a:r>
+            <a:endParaRPr kumimoji="1" lang="zh-CN" altLang="en-US" dirty="0">
+              <a:latin typeface="Times New Roman" panose="02020603050405020304" pitchFamily="18" charset="0"/>
+              <a:cs typeface="Times New Roman" panose="02020603050405020304" pitchFamily="18" charset="0"/>
+            </a:endParaRPr>
+          </a:p>
+        </p:txBody>
+      </p:sp>
+      <p:sp>
+        <p:nvSpPr>
+          <p:cNvPr id="3" name="内容占位符 2">
+            <a:extLst>
+              <a:ext uri="{FF2B5EF4-FFF2-40B4-BE49-F238E27FC236}">
+                <a16:creationId xmlns:a16="http://schemas.microsoft.com/office/drawing/2014/main" xmlns="" id="{18357220-3404-9543-B18A-654DBC2080C6}"/>
               </a:ext>
             </a:extLst>
           </p:cNvPr>
@@ -4360,10 +6389,17 @@
   <p:clrMapOvr>
     <a:masterClrMapping/>
   </p:clrMapOvr>
+  <p:timing>
+    <p:tnLst>
+      <p:par>
+        <p:cTn id="1" dur="indefinite" restart="never" nodeType="tmRoot"/>
+      </p:par>
+    </p:tnLst>
+  </p:timing>
 </p:sld>
 </file>
 
-<file path=ppt/slides/slide14.xml><?xml version="1.0" encoding="utf-8"?>
+<file path=ppt/slides/slide18.xml><?xml version="1.0" encoding="utf-8"?>
 <p:sld xmlns:a="http://schemas.openxmlformats.org/drawingml/2006/main" xmlns:r="http://schemas.openxmlformats.org/officeDocument/2006/relationships" xmlns:p="http://schemas.openxmlformats.org/presentationml/2006/main">
   <p:cSld>
     <p:spTree>
@@ -4385,7 +6421,7 @@
           <p:cNvPr id="2" name="标题 1">
             <a:extLst>
               <a:ext uri="{FF2B5EF4-FFF2-40B4-BE49-F238E27FC236}">
-                <a16:creationId xmlns:a16="http://schemas.microsoft.com/office/drawing/2014/main" id="{F0405D1C-A876-8341-918E-A5D66A83827F}"/>
+                <a16:creationId xmlns:a16="http://schemas.microsoft.com/office/drawing/2014/main" xmlns="" id="{F0405D1C-A876-8341-918E-A5D66A83827F}"/>
               </a:ext>
             </a:extLst>
           </p:cNvPr>
@@ -4420,7 +6456,7 @@
           <p:cNvPr id="3" name="内容占位符 2">
             <a:extLst>
               <a:ext uri="{FF2B5EF4-FFF2-40B4-BE49-F238E27FC236}">
-                <a16:creationId xmlns:a16="http://schemas.microsoft.com/office/drawing/2014/main" id="{18357220-3404-9543-B18A-654DBC2080C6}"/>
+                <a16:creationId xmlns:a16="http://schemas.microsoft.com/office/drawing/2014/main" xmlns="" id="{18357220-3404-9543-B18A-654DBC2080C6}"/>
               </a:ext>
             </a:extLst>
           </p:cNvPr>
@@ -4437,7 +6473,7 @@
           <a:lstStyle/>
           <a:p>
             <a:r>
-              <a:rPr kumimoji="1" lang="en-US" altLang="zh-CN" dirty="0">
+              <a:rPr kumimoji="1" lang="en-US" altLang="zh-CN" dirty="0" smtClean="0">
                 <a:latin typeface="Times New Roman" charset="0"/>
                 <a:ea typeface="Times New Roman" charset="0"/>
                 <a:cs typeface="Times New Roman" charset="0"/>
@@ -4447,12 +6483,20 @@
           </a:p>
           <a:p>
             <a:r>
+              <a:rPr kumimoji="1" lang="en-US" altLang="zh-CN" dirty="0" smtClean="0">
+                <a:latin typeface="Times New Roman" charset="0"/>
+                <a:ea typeface="Times New Roman" charset="0"/>
+                <a:cs typeface="Times New Roman" charset="0"/>
+              </a:rPr>
+              <a:t>Minimize </a:t>
+            </a:r>
+            <a:r>
               <a:rPr kumimoji="1" lang="en-US" altLang="zh-CN" dirty="0">
                 <a:latin typeface="Times New Roman" charset="0"/>
                 <a:ea typeface="Times New Roman" charset="0"/>
                 <a:cs typeface="Times New Roman" charset="0"/>
               </a:rPr>
-              <a:t>Minimize variance sum locally</a:t>
+              <a:t>variance sum locally</a:t>
             </a:r>
           </a:p>
         </p:txBody>
@@ -4467,10 +6511,17 @@
   <p:clrMapOvr>
     <a:masterClrMapping/>
   </p:clrMapOvr>
+  <p:timing>
+    <p:tnLst>
+      <p:par>
+        <p:cTn id="1" dur="indefinite" restart="never" nodeType="tmRoot"/>
+      </p:par>
+    </p:tnLst>
+  </p:timing>
 </p:sld>
 </file>
 
-<file path=ppt/slides/slide15.xml><?xml version="1.0" encoding="utf-8"?>
+<file path=ppt/slides/slide19.xml><?xml version="1.0" encoding="utf-8"?>
 <p:sld xmlns:a="http://schemas.openxmlformats.org/drawingml/2006/main" xmlns:r="http://schemas.openxmlformats.org/officeDocument/2006/relationships" xmlns:p="http://schemas.openxmlformats.org/presentationml/2006/main">
   <p:cSld>
     <p:spTree>
@@ -4492,7 +6543,7 @@
           <p:cNvPr id="2" name="标题 1">
             <a:extLst>
               <a:ext uri="{FF2B5EF4-FFF2-40B4-BE49-F238E27FC236}">
-                <a16:creationId xmlns:a16="http://schemas.microsoft.com/office/drawing/2014/main" id="{5623247C-369A-F04E-AEFA-A7F98653C3A5}"/>
+                <a16:creationId xmlns:a16="http://schemas.microsoft.com/office/drawing/2014/main" xmlns="" id="{5623247C-369A-F04E-AEFA-A7F98653C3A5}"/>
               </a:ext>
             </a:extLst>
           </p:cNvPr>
@@ -4536,10 +6587,221 @@
   <p:clrMapOvr>
     <a:masterClrMapping/>
   </p:clrMapOvr>
+  <p:timing>
+    <p:tnLst>
+      <p:par>
+        <p:cTn id="1" dur="indefinite" restart="never" nodeType="tmRoot"/>
+      </p:par>
+    </p:tnLst>
+  </p:timing>
 </p:sld>
 </file>
 
-<file path=ppt/slides/slide16.xml><?xml version="1.0" encoding="utf-8"?>
+<file path=ppt/slides/slide2.xml><?xml version="1.0" encoding="utf-8"?>
+<p:sld xmlns:a="http://schemas.openxmlformats.org/drawingml/2006/main" xmlns:r="http://schemas.openxmlformats.org/officeDocument/2006/relationships" xmlns:p="http://schemas.openxmlformats.org/presentationml/2006/main">
+  <p:cSld>
+    <p:bg>
+      <p:bgPr>
+        <a:solidFill>
+          <a:schemeClr val="bg1"/>
+        </a:solidFill>
+        <a:effectLst/>
+      </p:bgPr>
+    </p:bg>
+    <p:spTree>
+      <p:nvGrpSpPr>
+        <p:cNvPr id="1" name=""/>
+        <p:cNvGrpSpPr/>
+        <p:nvPr/>
+      </p:nvGrpSpPr>
+      <p:grpSpPr>
+        <a:xfrm>
+          <a:off x="0" y="0"/>
+          <a:ext cx="0" cy="0"/>
+          <a:chOff x="0" y="0"/>
+          <a:chExt cx="0" cy="0"/>
+        </a:xfrm>
+      </p:grpSpPr>
+      <p:sp useBgFill="1">
+        <p:nvSpPr>
+          <p:cNvPr id="12" name="Rectangle 11">
+            <a:extLst>
+              <a:ext uri="{FF2B5EF4-FFF2-40B4-BE49-F238E27FC236}">
+                <a16:creationId xmlns:a16="http://schemas.microsoft.com/office/drawing/2014/main" xmlns="" id="{99ED5833-B85B-4103-8A3B-CAB0308E6C15}"/>
+              </a:ext>
+              <a:ext uri="{C183D7F6-B498-43B3-948B-1728B52AA6E4}">
+                <adec:decorative xmlns:adec="http://schemas.microsoft.com/office/drawing/2017/decorative" xmlns="" val="1"/>
+              </a:ext>
+            </a:extLst>
+          </p:cNvPr>
+          <p:cNvSpPr>
+            <a:spLocks noGrp="1" noRot="1" noChangeAspect="1" noMove="1" noResize="1" noEditPoints="1" noAdjustHandles="1" noChangeArrowheads="1" noChangeShapeType="1" noTextEdit="1"/>
+          </p:cNvSpPr>
+          <p:nvPr>
+            <p:extLst>
+              <p:ext uri="{386F3935-93C4-4BCD-93E2-E3B085C9AB24}">
+                <p16:designElem xmlns:p16="http://schemas.microsoft.com/office/powerpoint/2015/main" val="1"/>
+              </p:ext>
+            </p:extLst>
+          </p:nvPr>
+        </p:nvSpPr>
+        <p:spPr>
+          <a:xfrm>
+            <a:off x="-1" y="0"/>
+            <a:ext cx="12188952" cy="6858000"/>
+          </a:xfrm>
+          <a:prstGeom prst="rect">
+            <a:avLst/>
+          </a:prstGeom>
+          <a:ln>
+            <a:noFill/>
+          </a:ln>
+        </p:spPr>
+        <p:style>
+          <a:lnRef idx="2">
+            <a:schemeClr val="accent1">
+              <a:shade val="50000"/>
+            </a:schemeClr>
+          </a:lnRef>
+          <a:fillRef idx="1">
+            <a:schemeClr val="accent1"/>
+          </a:fillRef>
+          <a:effectRef idx="0">
+            <a:schemeClr val="accent1"/>
+          </a:effectRef>
+          <a:fontRef idx="minor">
+            <a:schemeClr val="lt1"/>
+          </a:fontRef>
+        </p:style>
+        <p:txBody>
+          <a:bodyPr rtlCol="0" anchor="ctr"/>
+          <a:lstStyle/>
+          <a:p>
+            <a:pPr algn="ctr"/>
+            <a:endParaRPr lang="en-US"/>
+          </a:p>
+        </p:txBody>
+      </p:sp>
+      <p:sp>
+        <p:nvSpPr>
+          <p:cNvPr id="2" name="标题 1">
+            <a:extLst>
+              <a:ext uri="{FF2B5EF4-FFF2-40B4-BE49-F238E27FC236}">
+                <a16:creationId xmlns:a16="http://schemas.microsoft.com/office/drawing/2014/main" xmlns="" id="{5623247C-369A-F04E-AEFA-A7F98653C3A5}"/>
+              </a:ext>
+            </a:extLst>
+          </p:cNvPr>
+          <p:cNvSpPr>
+            <a:spLocks noGrp="1"/>
+          </p:cNvSpPr>
+          <p:nvPr>
+            <p:ph type="title"/>
+          </p:nvPr>
+        </p:nvSpPr>
+        <p:spPr>
+          <a:xfrm>
+            <a:off x="1198181" y="560881"/>
+            <a:ext cx="9795638" cy="1114380"/>
+          </a:xfrm>
+        </p:spPr>
+        <p:txBody>
+          <a:bodyPr vert="horz" lIns="91440" tIns="45720" rIns="91440" bIns="45720" rtlCol="0" anchor="b">
+            <a:normAutofit/>
+          </a:bodyPr>
+          <a:lstStyle/>
+          <a:p>
+            <a:pPr algn="ctr"/>
+            <a:r>
+              <a:rPr kumimoji="1" lang="en-US" altLang="zh-CN" sz="5200" dirty="0">
+                <a:latin typeface="Times New Roman" panose="02020603050405020304" pitchFamily="18" charset="0"/>
+                <a:cs typeface="Times New Roman" panose="02020603050405020304" pitchFamily="18" charset="0"/>
+              </a:rPr>
+              <a:t>1.1 Background and Motivation</a:t>
+            </a:r>
+          </a:p>
+        </p:txBody>
+      </p:sp>
+      <p:pic>
+        <p:nvPicPr>
+          <p:cNvPr id="7" name="图片 6" descr="图示&#10;&#10;描述已自动生成">
+            <a:extLst>
+              <a:ext uri="{FF2B5EF4-FFF2-40B4-BE49-F238E27FC236}">
+                <a16:creationId xmlns:a16="http://schemas.microsoft.com/office/drawing/2014/main" xmlns="" id="{0CF54521-CC0B-DF49-8831-759E7130C1FC}"/>
+              </a:ext>
+            </a:extLst>
+          </p:cNvPr>
+          <p:cNvPicPr>
+            <a:picLocks noChangeAspect="1"/>
+          </p:cNvPicPr>
+          <p:nvPr/>
+        </p:nvPicPr>
+        <p:blipFill>
+          <a:blip r:embed="rId2"/>
+          <a:stretch>
+            <a:fillRect/>
+          </a:stretch>
+        </p:blipFill>
+        <p:spPr>
+          <a:xfrm>
+            <a:off x="726322" y="2505720"/>
+            <a:ext cx="4729861" cy="3346376"/>
+          </a:xfrm>
+          <a:prstGeom prst="rect">
+            <a:avLst/>
+          </a:prstGeom>
+        </p:spPr>
+      </p:pic>
+      <p:pic>
+        <p:nvPicPr>
+          <p:cNvPr id="5" name="图片 4" descr="图示&#10;&#10;描述已自动生成">
+            <a:extLst>
+              <a:ext uri="{FF2B5EF4-FFF2-40B4-BE49-F238E27FC236}">
+                <a16:creationId xmlns:a16="http://schemas.microsoft.com/office/drawing/2014/main" xmlns="" id="{3E5AE733-5896-9743-8A7E-09451E85D813}"/>
+              </a:ext>
+            </a:extLst>
+          </p:cNvPr>
+          <p:cNvPicPr>
+            <a:picLocks noChangeAspect="1"/>
+          </p:cNvPicPr>
+          <p:nvPr/>
+        </p:nvPicPr>
+        <p:blipFill>
+          <a:blip r:embed="rId3"/>
+          <a:stretch>
+            <a:fillRect/>
+          </a:stretch>
+        </p:blipFill>
+        <p:spPr>
+          <a:xfrm>
+            <a:off x="6182506" y="3214889"/>
+            <a:ext cx="5828261" cy="2200167"/>
+          </a:xfrm>
+          <a:prstGeom prst="rect">
+            <a:avLst/>
+          </a:prstGeom>
+        </p:spPr>
+      </p:pic>
+    </p:spTree>
+    <p:extLst>
+      <p:ext uri="{BB962C8B-B14F-4D97-AF65-F5344CB8AC3E}">
+        <p14:creationId xmlns:p14="http://schemas.microsoft.com/office/powerpoint/2010/main" val="3773275211"/>
+      </p:ext>
+    </p:extLst>
+  </p:cSld>
+  <p:clrMapOvr>
+    <a:masterClrMapping/>
+  </p:clrMapOvr>
+  <p:timing>
+    <p:tnLst>
+      <p:par>
+        <p:cTn id="1" dur="indefinite" restart="never" nodeType="tmRoot"/>
+      </p:par>
+    </p:tnLst>
+  </p:timing>
+</p:sld>
+</file>
+
+<file path=ppt/slides/slide20.xml><?xml version="1.0" encoding="utf-8"?>
 <p:sld xmlns:a="http://schemas.openxmlformats.org/drawingml/2006/main" xmlns:r="http://schemas.openxmlformats.org/officeDocument/2006/relationships" xmlns:p="http://schemas.openxmlformats.org/presentationml/2006/main">
   <p:cSld>
     <p:spTree>
@@ -5403,10 +7665,17 @@
   <p:clrMapOvr>
     <a:masterClrMapping/>
   </p:clrMapOvr>
+  <p:timing>
+    <p:tnLst>
+      <p:par>
+        <p:cTn id="1" dur="indefinite" restart="never" nodeType="tmRoot"/>
+      </p:par>
+    </p:tnLst>
+  </p:timing>
 </p:sld>
 </file>
 
-<file path=ppt/slides/slide17.xml><?xml version="1.0" encoding="utf-8"?>
+<file path=ppt/slides/slide21.xml><?xml version="1.0" encoding="utf-8"?>
 <p:sld xmlns:a="http://schemas.openxmlformats.org/drawingml/2006/main" xmlns:r="http://schemas.openxmlformats.org/officeDocument/2006/relationships" xmlns:p="http://schemas.openxmlformats.org/presentationml/2006/main">
   <p:cSld>
     <p:spTree>
@@ -5428,7 +7697,7 @@
           <p:cNvPr id="2" name="标题 1">
             <a:extLst>
               <a:ext uri="{FF2B5EF4-FFF2-40B4-BE49-F238E27FC236}">
-                <a16:creationId xmlns:a16="http://schemas.microsoft.com/office/drawing/2014/main" id="{F0405D1C-A876-8341-918E-A5D66A83827F}"/>
+                <a16:creationId xmlns:a16="http://schemas.microsoft.com/office/drawing/2014/main" xmlns="" id="{F0405D1C-A876-8341-918E-A5D66A83827F}"/>
               </a:ext>
             </a:extLst>
           </p:cNvPr>
@@ -5463,7 +7732,7 @@
           <p:cNvPr id="5" name="表格 4">
             <a:extLst>
               <a:ext uri="{FF2B5EF4-FFF2-40B4-BE49-F238E27FC236}">
-                <a16:creationId xmlns:a16="http://schemas.microsoft.com/office/drawing/2014/main" id="{BBD8331B-80DE-5E4F-9E00-43915192637C}"/>
+                <a16:creationId xmlns:a16="http://schemas.microsoft.com/office/drawing/2014/main" xmlns="" id="{BBD8331B-80DE-5E4F-9E00-43915192637C}"/>
               </a:ext>
             </a:extLst>
           </p:cNvPr>
@@ -5492,56 +7761,56 @@
                 <a:gridCol w="1016000">
                   <a:extLst>
                     <a:ext uri="{9D8B030D-6E8A-4147-A177-3AD203B41FA5}">
-                      <a16:colId xmlns:a16="http://schemas.microsoft.com/office/drawing/2014/main" val="2919921209"/>
+                      <a16:colId xmlns:a16="http://schemas.microsoft.com/office/drawing/2014/main" xmlns="" val="2919921209"/>
                     </a:ext>
                   </a:extLst>
                 </a:gridCol>
                 <a:gridCol w="1016000">
                   <a:extLst>
                     <a:ext uri="{9D8B030D-6E8A-4147-A177-3AD203B41FA5}">
-                      <a16:colId xmlns:a16="http://schemas.microsoft.com/office/drawing/2014/main" val="1274578498"/>
+                      <a16:colId xmlns:a16="http://schemas.microsoft.com/office/drawing/2014/main" xmlns="" val="1274578498"/>
                     </a:ext>
                   </a:extLst>
                 </a:gridCol>
                 <a:gridCol w="1016000">
                   <a:extLst>
                     <a:ext uri="{9D8B030D-6E8A-4147-A177-3AD203B41FA5}">
-                      <a16:colId xmlns:a16="http://schemas.microsoft.com/office/drawing/2014/main" val="2473859656"/>
+                      <a16:colId xmlns:a16="http://schemas.microsoft.com/office/drawing/2014/main" xmlns="" val="2473859656"/>
                     </a:ext>
                   </a:extLst>
                 </a:gridCol>
                 <a:gridCol w="1016000">
                   <a:extLst>
                     <a:ext uri="{9D8B030D-6E8A-4147-A177-3AD203B41FA5}">
-                      <a16:colId xmlns:a16="http://schemas.microsoft.com/office/drawing/2014/main" val="4017853280"/>
+                      <a16:colId xmlns:a16="http://schemas.microsoft.com/office/drawing/2014/main" xmlns="" val="4017853280"/>
                     </a:ext>
                   </a:extLst>
                 </a:gridCol>
                 <a:gridCol w="1016000">
                   <a:extLst>
                     <a:ext uri="{9D8B030D-6E8A-4147-A177-3AD203B41FA5}">
-                      <a16:colId xmlns:a16="http://schemas.microsoft.com/office/drawing/2014/main" val="4046979531"/>
+                      <a16:colId xmlns:a16="http://schemas.microsoft.com/office/drawing/2014/main" xmlns="" val="4046979531"/>
                     </a:ext>
                   </a:extLst>
                 </a:gridCol>
                 <a:gridCol w="1016000">
                   <a:extLst>
                     <a:ext uri="{9D8B030D-6E8A-4147-A177-3AD203B41FA5}">
-                      <a16:colId xmlns:a16="http://schemas.microsoft.com/office/drawing/2014/main" val="1236215947"/>
+                      <a16:colId xmlns:a16="http://schemas.microsoft.com/office/drawing/2014/main" xmlns="" val="1236215947"/>
                     </a:ext>
                   </a:extLst>
                 </a:gridCol>
                 <a:gridCol w="1016000">
                   <a:extLst>
                     <a:ext uri="{9D8B030D-6E8A-4147-A177-3AD203B41FA5}">
-                      <a16:colId xmlns:a16="http://schemas.microsoft.com/office/drawing/2014/main" val="3358476489"/>
+                      <a16:colId xmlns:a16="http://schemas.microsoft.com/office/drawing/2014/main" xmlns="" val="3358476489"/>
                     </a:ext>
                   </a:extLst>
                 </a:gridCol>
                 <a:gridCol w="1016000">
                   <a:extLst>
                     <a:ext uri="{9D8B030D-6E8A-4147-A177-3AD203B41FA5}">
-                      <a16:colId xmlns:a16="http://schemas.microsoft.com/office/drawing/2014/main" val="1544053477"/>
+                      <a16:colId xmlns:a16="http://schemas.microsoft.com/office/drawing/2014/main" xmlns="" val="1544053477"/>
                     </a:ext>
                   </a:extLst>
                 </a:gridCol>
@@ -5933,7 +8202,7 @@
                 </a:tc>
                 <a:extLst>
                   <a:ext uri="{0D108BD9-81ED-4DB2-BD59-A6C34878D82A}">
-                    <a16:rowId xmlns:a16="http://schemas.microsoft.com/office/drawing/2014/main" val="2866617908"/>
+                    <a16:rowId xmlns:a16="http://schemas.microsoft.com/office/drawing/2014/main" xmlns="" val="2866617908"/>
                   </a:ext>
                 </a:extLst>
               </a:tr>
@@ -5946,7 +8215,7 @@
           <p:cNvPr id="6" name="表格 5">
             <a:extLst>
               <a:ext uri="{FF2B5EF4-FFF2-40B4-BE49-F238E27FC236}">
-                <a16:creationId xmlns:a16="http://schemas.microsoft.com/office/drawing/2014/main" id="{5B4F8785-5EE0-884C-A840-D9ED4AA8430C}"/>
+                <a16:creationId xmlns:a16="http://schemas.microsoft.com/office/drawing/2014/main" xmlns="" id="{5B4F8785-5EE0-884C-A840-D9ED4AA8430C}"/>
               </a:ext>
             </a:extLst>
           </p:cNvPr>
@@ -5975,56 +8244,56 @@
                 <a:gridCol w="1016000">
                   <a:extLst>
                     <a:ext uri="{9D8B030D-6E8A-4147-A177-3AD203B41FA5}">
-                      <a16:colId xmlns:a16="http://schemas.microsoft.com/office/drawing/2014/main" val="2919921209"/>
+                      <a16:colId xmlns:a16="http://schemas.microsoft.com/office/drawing/2014/main" xmlns="" val="2919921209"/>
                     </a:ext>
                   </a:extLst>
                 </a:gridCol>
                 <a:gridCol w="1016000">
                   <a:extLst>
                     <a:ext uri="{9D8B030D-6E8A-4147-A177-3AD203B41FA5}">
-                      <a16:colId xmlns:a16="http://schemas.microsoft.com/office/drawing/2014/main" val="1274578498"/>
+                      <a16:colId xmlns:a16="http://schemas.microsoft.com/office/drawing/2014/main" xmlns="" val="1274578498"/>
                     </a:ext>
                   </a:extLst>
                 </a:gridCol>
                 <a:gridCol w="1016000">
                   <a:extLst>
                     <a:ext uri="{9D8B030D-6E8A-4147-A177-3AD203B41FA5}">
-                      <a16:colId xmlns:a16="http://schemas.microsoft.com/office/drawing/2014/main" val="2473859656"/>
+                      <a16:colId xmlns:a16="http://schemas.microsoft.com/office/drawing/2014/main" xmlns="" val="2473859656"/>
                     </a:ext>
                   </a:extLst>
                 </a:gridCol>
                 <a:gridCol w="1016000">
                   <a:extLst>
                     <a:ext uri="{9D8B030D-6E8A-4147-A177-3AD203B41FA5}">
-                      <a16:colId xmlns:a16="http://schemas.microsoft.com/office/drawing/2014/main" val="4017853280"/>
+                      <a16:colId xmlns:a16="http://schemas.microsoft.com/office/drawing/2014/main" xmlns="" val="4017853280"/>
                     </a:ext>
                   </a:extLst>
                 </a:gridCol>
                 <a:gridCol w="1016000">
                   <a:extLst>
                     <a:ext uri="{9D8B030D-6E8A-4147-A177-3AD203B41FA5}">
-                      <a16:colId xmlns:a16="http://schemas.microsoft.com/office/drawing/2014/main" val="4046979531"/>
+                      <a16:colId xmlns:a16="http://schemas.microsoft.com/office/drawing/2014/main" xmlns="" val="4046979531"/>
                     </a:ext>
                   </a:extLst>
                 </a:gridCol>
                 <a:gridCol w="1016000">
                   <a:extLst>
                     <a:ext uri="{9D8B030D-6E8A-4147-A177-3AD203B41FA5}">
-                      <a16:colId xmlns:a16="http://schemas.microsoft.com/office/drawing/2014/main" val="1236215947"/>
+                      <a16:colId xmlns:a16="http://schemas.microsoft.com/office/drawing/2014/main" xmlns="" val="1236215947"/>
                     </a:ext>
                   </a:extLst>
                 </a:gridCol>
                 <a:gridCol w="1016000">
                   <a:extLst>
                     <a:ext uri="{9D8B030D-6E8A-4147-A177-3AD203B41FA5}">
-                      <a16:colId xmlns:a16="http://schemas.microsoft.com/office/drawing/2014/main" val="3358476489"/>
+                      <a16:colId xmlns:a16="http://schemas.microsoft.com/office/drawing/2014/main" xmlns="" val="3358476489"/>
                     </a:ext>
                   </a:extLst>
                 </a:gridCol>
                 <a:gridCol w="1016000">
                   <a:extLst>
                     <a:ext uri="{9D8B030D-6E8A-4147-A177-3AD203B41FA5}">
-                      <a16:colId xmlns:a16="http://schemas.microsoft.com/office/drawing/2014/main" val="1544053477"/>
+                      <a16:colId xmlns:a16="http://schemas.microsoft.com/office/drawing/2014/main" xmlns="" val="1544053477"/>
                     </a:ext>
                   </a:extLst>
                 </a:gridCol>
@@ -6416,7 +8685,7 @@
                 </a:tc>
                 <a:extLst>
                   <a:ext uri="{0D108BD9-81ED-4DB2-BD59-A6C34878D82A}">
-                    <a16:rowId xmlns:a16="http://schemas.microsoft.com/office/drawing/2014/main" val="2866617908"/>
+                    <a16:rowId xmlns:a16="http://schemas.microsoft.com/office/drawing/2014/main" xmlns="" val="2866617908"/>
                   </a:ext>
                 </a:extLst>
               </a:tr>
@@ -6429,7 +8698,7 @@
           <p:cNvPr id="7" name="表格 6">
             <a:extLst>
               <a:ext uri="{FF2B5EF4-FFF2-40B4-BE49-F238E27FC236}">
-                <a16:creationId xmlns:a16="http://schemas.microsoft.com/office/drawing/2014/main" id="{155A077A-D314-104E-9636-10BCB5AFF1D1}"/>
+                <a16:creationId xmlns:a16="http://schemas.microsoft.com/office/drawing/2014/main" xmlns="" id="{155A077A-D314-104E-9636-10BCB5AFF1D1}"/>
               </a:ext>
             </a:extLst>
           </p:cNvPr>
@@ -6458,56 +8727,56 @@
                 <a:gridCol w="1016000">
                   <a:extLst>
                     <a:ext uri="{9D8B030D-6E8A-4147-A177-3AD203B41FA5}">
-                      <a16:colId xmlns:a16="http://schemas.microsoft.com/office/drawing/2014/main" val="2919921209"/>
+                      <a16:colId xmlns:a16="http://schemas.microsoft.com/office/drawing/2014/main" xmlns="" val="2919921209"/>
                     </a:ext>
                   </a:extLst>
                 </a:gridCol>
                 <a:gridCol w="1016000">
                   <a:extLst>
                     <a:ext uri="{9D8B030D-6E8A-4147-A177-3AD203B41FA5}">
-                      <a16:colId xmlns:a16="http://schemas.microsoft.com/office/drawing/2014/main" val="1274578498"/>
+                      <a16:colId xmlns:a16="http://schemas.microsoft.com/office/drawing/2014/main" xmlns="" val="1274578498"/>
                     </a:ext>
                   </a:extLst>
                 </a:gridCol>
                 <a:gridCol w="1016000">
                   <a:extLst>
                     <a:ext uri="{9D8B030D-6E8A-4147-A177-3AD203B41FA5}">
-                      <a16:colId xmlns:a16="http://schemas.microsoft.com/office/drawing/2014/main" val="2473859656"/>
+                      <a16:colId xmlns:a16="http://schemas.microsoft.com/office/drawing/2014/main" xmlns="" val="2473859656"/>
                     </a:ext>
                   </a:extLst>
                 </a:gridCol>
                 <a:gridCol w="1016000">
                   <a:extLst>
                     <a:ext uri="{9D8B030D-6E8A-4147-A177-3AD203B41FA5}">
-                      <a16:colId xmlns:a16="http://schemas.microsoft.com/office/drawing/2014/main" val="4017853280"/>
+                      <a16:colId xmlns:a16="http://schemas.microsoft.com/office/drawing/2014/main" xmlns="" val="4017853280"/>
                     </a:ext>
                   </a:extLst>
                 </a:gridCol>
                 <a:gridCol w="1016000">
                   <a:extLst>
                     <a:ext uri="{9D8B030D-6E8A-4147-A177-3AD203B41FA5}">
-                      <a16:colId xmlns:a16="http://schemas.microsoft.com/office/drawing/2014/main" val="4046979531"/>
+                      <a16:colId xmlns:a16="http://schemas.microsoft.com/office/drawing/2014/main" xmlns="" val="4046979531"/>
                     </a:ext>
                   </a:extLst>
                 </a:gridCol>
                 <a:gridCol w="1016000">
                   <a:extLst>
                     <a:ext uri="{9D8B030D-6E8A-4147-A177-3AD203B41FA5}">
-                      <a16:colId xmlns:a16="http://schemas.microsoft.com/office/drawing/2014/main" val="1236215947"/>
+                      <a16:colId xmlns:a16="http://schemas.microsoft.com/office/drawing/2014/main" xmlns="" val="1236215947"/>
                     </a:ext>
                   </a:extLst>
                 </a:gridCol>
                 <a:gridCol w="1016000">
                   <a:extLst>
                     <a:ext uri="{9D8B030D-6E8A-4147-A177-3AD203B41FA5}">
-                      <a16:colId xmlns:a16="http://schemas.microsoft.com/office/drawing/2014/main" val="3358476489"/>
+                      <a16:colId xmlns:a16="http://schemas.microsoft.com/office/drawing/2014/main" xmlns="" val="3358476489"/>
                     </a:ext>
                   </a:extLst>
                 </a:gridCol>
                 <a:gridCol w="1016000">
                   <a:extLst>
                     <a:ext uri="{9D8B030D-6E8A-4147-A177-3AD203B41FA5}">
-                      <a16:colId xmlns:a16="http://schemas.microsoft.com/office/drawing/2014/main" val="1544053477"/>
+                      <a16:colId xmlns:a16="http://schemas.microsoft.com/office/drawing/2014/main" xmlns="" val="1544053477"/>
                     </a:ext>
                   </a:extLst>
                 </a:gridCol>
@@ -6899,7 +9168,7 @@
                 </a:tc>
                 <a:extLst>
                   <a:ext uri="{0D108BD9-81ED-4DB2-BD59-A6C34878D82A}">
-                    <a16:rowId xmlns:a16="http://schemas.microsoft.com/office/drawing/2014/main" val="2866617908"/>
+                    <a16:rowId xmlns:a16="http://schemas.microsoft.com/office/drawing/2014/main" xmlns="" val="2866617908"/>
                   </a:ext>
                 </a:extLst>
               </a:tr>
@@ -6914,7 +9183,7 @@
               <p:cNvPr id="10" name="文本框 9">
                 <a:extLst>
                   <a:ext uri="{FF2B5EF4-FFF2-40B4-BE49-F238E27FC236}">
-                    <a16:creationId xmlns:a16="http://schemas.microsoft.com/office/drawing/2014/main" id="{296B7145-B712-2440-A166-8D5BDDA90570}"/>
+                    <a16:creationId xmlns:a16="http://schemas.microsoft.com/office/drawing/2014/main" xmlns="" id="{296B7145-B712-2440-A166-8D5BDDA90570}"/>
                   </a:ext>
                 </a:extLst>
               </p:cNvPr>
@@ -6948,7 +9217,7 @@
                         <m:sSubPr>
                           <m:ctrlPr>
                             <a:rPr kumimoji="1" lang="en-US" altLang="zh-CN" sz="2800" b="1" i="1" smtClean="0">
-                              <a:latin typeface="Cambria Math" panose="02040503050406030204" pitchFamily="18" charset="0"/>
+                              <a:latin typeface="Cambria Math" charset="0"/>
                             </a:rPr>
                           </m:ctrlPr>
                         </m:sSubPr>
@@ -6985,7 +9254,7 @@
                         <m:sSubPr>
                           <m:ctrlPr>
                             <a:rPr kumimoji="1" lang="en-US" altLang="zh-CN" sz="2800" b="1" i="1" smtClean="0">
-                              <a:latin typeface="Cambria Math" panose="02040503050406030204" pitchFamily="18" charset="0"/>
+                              <a:latin typeface="Cambria Math" charset="0"/>
                             </a:rPr>
                           </m:ctrlPr>
                         </m:sSubPr>
@@ -7070,7 +9339,7 @@
           <p:cNvPr id="11" name="直线箭头连接符 10">
             <a:extLst>
               <a:ext uri="{FF2B5EF4-FFF2-40B4-BE49-F238E27FC236}">
-                <a16:creationId xmlns:a16="http://schemas.microsoft.com/office/drawing/2014/main" id="{E1DDCB3A-93A3-F947-8936-2FD7D8DCC488}"/>
+                <a16:creationId xmlns:a16="http://schemas.microsoft.com/office/drawing/2014/main" xmlns="" id="{E1DDCB3A-93A3-F947-8936-2FD7D8DCC488}"/>
               </a:ext>
             </a:extLst>
           </p:cNvPr>
@@ -7114,7 +9383,7 @@
           <p:cNvPr id="12" name="直线箭头连接符 11">
             <a:extLst>
               <a:ext uri="{FF2B5EF4-FFF2-40B4-BE49-F238E27FC236}">
-                <a16:creationId xmlns:a16="http://schemas.microsoft.com/office/drawing/2014/main" id="{AB28E39D-46A0-5B49-82B6-E57B9F0DD9FB}"/>
+                <a16:creationId xmlns:a16="http://schemas.microsoft.com/office/drawing/2014/main" xmlns="" id="{AB28E39D-46A0-5B49-82B6-E57B9F0DD9FB}"/>
               </a:ext>
             </a:extLst>
           </p:cNvPr>
@@ -7159,7 +9428,7 @@
           <p:cNvPr id="13" name="直线箭头连接符 12">
             <a:extLst>
               <a:ext uri="{FF2B5EF4-FFF2-40B4-BE49-F238E27FC236}">
-                <a16:creationId xmlns:a16="http://schemas.microsoft.com/office/drawing/2014/main" id="{48149428-2E7B-484E-BD02-0820295C5E2F}"/>
+                <a16:creationId xmlns:a16="http://schemas.microsoft.com/office/drawing/2014/main" xmlns="" id="{48149428-2E7B-484E-BD02-0820295C5E2F}"/>
               </a:ext>
             </a:extLst>
           </p:cNvPr>
@@ -7206,7 +9475,7 @@
               <p:cNvPr id="14" name="文本框 13">
                 <a:extLst>
                   <a:ext uri="{FF2B5EF4-FFF2-40B4-BE49-F238E27FC236}">
-                    <a16:creationId xmlns:a16="http://schemas.microsoft.com/office/drawing/2014/main" id="{A8CB5AC8-59AE-C443-86CD-C750A4B240BC}"/>
+                    <a16:creationId xmlns:a16="http://schemas.microsoft.com/office/drawing/2014/main" xmlns="" id="{A8CB5AC8-59AE-C443-86CD-C750A4B240BC}"/>
                   </a:ext>
                 </a:extLst>
               </p:cNvPr>
@@ -7240,7 +9509,7 @@
                         <m:sSubPr>
                           <m:ctrlPr>
                             <a:rPr kumimoji="1" lang="en-US" altLang="zh-CN" sz="2400" b="1" i="1" smtClean="0">
-                              <a:latin typeface="Cambria Math" panose="02040503050406030204" pitchFamily="18" charset="0"/>
+                              <a:latin typeface="Cambria Math" charset="0"/>
                             </a:rPr>
                           </m:ctrlPr>
                         </m:sSubPr>
@@ -7321,7 +9590,7 @@
               <p:cNvPr id="15" name="文本框 14">
                 <a:extLst>
                   <a:ext uri="{FF2B5EF4-FFF2-40B4-BE49-F238E27FC236}">
-                    <a16:creationId xmlns:a16="http://schemas.microsoft.com/office/drawing/2014/main" id="{BD55B4B9-A03A-684D-8A7E-A30160DD9D94}"/>
+                    <a16:creationId xmlns:a16="http://schemas.microsoft.com/office/drawing/2014/main" xmlns="" id="{BD55B4B9-A03A-684D-8A7E-A30160DD9D94}"/>
                   </a:ext>
                 </a:extLst>
               </p:cNvPr>
@@ -7355,7 +9624,7 @@
                         <m:sSubPr>
                           <m:ctrlPr>
                             <a:rPr kumimoji="1" lang="en-US" altLang="zh-CN" sz="2400" b="1" i="1" smtClean="0">
-                              <a:latin typeface="Cambria Math" panose="02040503050406030204" pitchFamily="18" charset="0"/>
+                              <a:latin typeface="Cambria Math" charset="0"/>
                             </a:rPr>
                           </m:ctrlPr>
                         </m:sSubPr>
@@ -7436,7 +9705,7 @@
               <p:cNvPr id="16" name="文本框 15">
                 <a:extLst>
                   <a:ext uri="{FF2B5EF4-FFF2-40B4-BE49-F238E27FC236}">
-                    <a16:creationId xmlns:a16="http://schemas.microsoft.com/office/drawing/2014/main" id="{8A6A7549-DEB2-C640-8E38-B6182AB03239}"/>
+                    <a16:creationId xmlns:a16="http://schemas.microsoft.com/office/drawing/2014/main" xmlns="" id="{8A6A7549-DEB2-C640-8E38-B6182AB03239}"/>
                   </a:ext>
                 </a:extLst>
               </p:cNvPr>
@@ -7470,7 +9739,7 @@
                         <m:sSubPr>
                           <m:ctrlPr>
                             <a:rPr kumimoji="1" lang="en-US" altLang="zh-CN" sz="2400" b="1" i="1" smtClean="0">
-                              <a:latin typeface="Cambria Math" panose="02040503050406030204" pitchFamily="18" charset="0"/>
+                              <a:latin typeface="Cambria Math" charset="0"/>
                             </a:rPr>
                           </m:ctrlPr>
                         </m:sSubPr>
@@ -7554,10 +9823,17 @@
   <p:clrMapOvr>
     <a:masterClrMapping/>
   </p:clrMapOvr>
+  <p:timing>
+    <p:tnLst>
+      <p:par>
+        <p:cTn id="1" dur="indefinite" restart="never" nodeType="tmRoot"/>
+      </p:par>
+    </p:tnLst>
+  </p:timing>
 </p:sld>
 </file>
 
-<file path=ppt/slides/slide18.xml><?xml version="1.0" encoding="utf-8"?>
+<file path=ppt/slides/slide22.xml><?xml version="1.0" encoding="utf-8"?>
 <p:sld xmlns:a="http://schemas.openxmlformats.org/drawingml/2006/main" xmlns:r="http://schemas.openxmlformats.org/officeDocument/2006/relationships" xmlns:p="http://schemas.openxmlformats.org/presentationml/2006/main">
   <p:cSld>
     <p:spTree>
@@ -7635,7 +9911,7 @@
                         <m:sSubPr>
                           <m:ctrlPr>
                             <a:rPr kumimoji="1" lang="en-US" altLang="zh-CN" sz="2400" b="1" i="1" smtClean="0">
-                              <a:latin typeface="Cambria Math" panose="02040503050406030204" pitchFamily="18" charset="0"/>
+                              <a:latin typeface="Cambria Math" charset="0"/>
                             </a:rPr>
                           </m:ctrlPr>
                         </m:sSubPr>
@@ -7644,7 +9920,7 @@
                             <m:sSubPr>
                               <m:ctrlPr>
                                 <a:rPr kumimoji="1" lang="en-US" altLang="zh-CN" sz="2400" b="1" i="1" smtClean="0">
-                                  <a:latin typeface="Cambria Math" panose="02040503050406030204" pitchFamily="18" charset="0"/>
+                                  <a:latin typeface="Cambria Math" charset="0"/>
                                 </a:rPr>
                               </m:ctrlPr>
                             </m:sSubPr>
@@ -7781,7 +10057,7 @@
                         <m:sSubPr>
                           <m:ctrlPr>
                             <a:rPr kumimoji="1" lang="en-US" altLang="zh-CN" sz="2400" b="1" i="1" smtClean="0">
-                              <a:latin typeface="Cambria Math" panose="02040503050406030204" pitchFamily="18" charset="0"/>
+                              <a:latin typeface="Cambria Math" charset="0"/>
                             </a:rPr>
                           </m:ctrlPr>
                         </m:sSubPr>
@@ -7790,7 +10066,7 @@
                             <m:sSubPr>
                               <m:ctrlPr>
                                 <a:rPr kumimoji="1" lang="en-US" altLang="zh-CN" sz="2400" b="1" i="1" smtClean="0">
-                                  <a:latin typeface="Cambria Math" panose="02040503050406030204" pitchFamily="18" charset="0"/>
+                                  <a:latin typeface="Cambria Math" charset="0"/>
                                 </a:rPr>
                               </m:ctrlPr>
                             </m:sSubPr>
@@ -7933,7 +10209,7 @@
                         <m:dPr>
                           <m:ctrlPr>
                             <a:rPr kumimoji="1" lang="en-US" altLang="zh-CN" sz="3600" i="1" smtClean="0">
-                              <a:latin typeface="Cambria Math" panose="02040503050406030204" pitchFamily="18" charset="0"/>
+                              <a:latin typeface="Cambria Math" charset="0"/>
                             </a:rPr>
                           </m:ctrlPr>
                         </m:dPr>
@@ -7942,7 +10218,7 @@
                             <m:sSupPr>
                               <m:ctrlPr>
                                 <a:rPr kumimoji="1" lang="en-US" altLang="zh-CN" sz="3200" i="1">
-                                  <a:latin typeface="Cambria Math" panose="02040503050406030204" pitchFamily="18" charset="0"/>
+                                  <a:latin typeface="Cambria Math" charset="0"/>
                                 </a:rPr>
                               </m:ctrlPr>
                             </m:sSupPr>
@@ -7979,7 +10255,7 @@
                             <m:sSupPr>
                               <m:ctrlPr>
                                 <a:rPr kumimoji="1" lang="en-US" altLang="zh-CN" sz="3200" i="1">
-                                  <a:latin typeface="Cambria Math" panose="02040503050406030204" pitchFamily="18" charset="0"/>
+                                  <a:latin typeface="Cambria Math" charset="0"/>
                                 </a:rPr>
                               </m:ctrlPr>
                             </m:sSupPr>
@@ -8023,7 +10299,7 @@
                             <m:sSubPr>
                               <m:ctrlPr>
                                 <a:rPr kumimoji="1" lang="en-US" altLang="zh-CN" sz="3200" i="1" dirty="0" smtClean="0">
-                                  <a:latin typeface="Cambria Math" panose="02040503050406030204" pitchFamily="18" charset="0"/>
+                                  <a:latin typeface="Cambria Math" charset="0"/>
                                 </a:rPr>
                               </m:ctrlPr>
                             </m:sSubPr>
@@ -8054,7 +10330,7 @@
                             <m:fPr>
                               <m:ctrlPr>
                                 <a:rPr kumimoji="1" lang="bg-BG" altLang="zh-CN" sz="3200" i="1" dirty="0" smtClean="0">
-                                  <a:latin typeface="Cambria Math" panose="02040503050406030204" pitchFamily="18" charset="0"/>
+                                  <a:latin typeface="Cambria Math" charset="0"/>
                                 </a:rPr>
                               </m:ctrlPr>
                             </m:fPr>
@@ -8063,7 +10339,7 @@
                                 <m:sSubPr>
                                   <m:ctrlPr>
                                     <a:rPr kumimoji="1" lang="en-US" altLang="zh-CN" sz="3200" i="1" dirty="0" smtClean="0">
-                                      <a:latin typeface="Cambria Math" panose="02040503050406030204" pitchFamily="18" charset="0"/>
+                                      <a:latin typeface="Cambria Math" charset="0"/>
                                     </a:rPr>
                                   </m:ctrlPr>
                                 </m:sSubPr>
@@ -8090,7 +10366,7 @@
                                 <m:sSubPr>
                                   <m:ctrlPr>
                                     <a:rPr kumimoji="1" lang="en-US" altLang="zh-CN" sz="3200" i="1" dirty="0" smtClean="0">
-                                      <a:latin typeface="Cambria Math" panose="02040503050406030204" pitchFamily="18" charset="0"/>
+                                      <a:latin typeface="Cambria Math" charset="0"/>
                                     </a:rPr>
                                   </m:ctrlPr>
                                 </m:sSubPr>
@@ -8137,7 +10413,7 @@
                         <m:sSubPr>
                           <m:ctrlPr>
                             <a:rPr kumimoji="1" lang="en-US" altLang="zh-CN" sz="3600" i="1" smtClean="0">
-                              <a:latin typeface="Cambria Math" panose="02040503050406030204" pitchFamily="18" charset="0"/>
+                              <a:latin typeface="Cambria Math" charset="0"/>
                             </a:rPr>
                           </m:ctrlPr>
                         </m:sSubPr>
@@ -8210,7 +10486,7 @@
           <p:cNvPr id="15" name="直线箭头连接符 14">
             <a:extLst>
               <a:ext uri="{FF2B5EF4-FFF2-40B4-BE49-F238E27FC236}">
-                <a16:creationId xmlns:a16="http://schemas.microsoft.com/office/drawing/2014/main" id="{E1DDCB3A-93A3-F947-8936-2FD7D8DCC488}"/>
+                <a16:creationId xmlns:a16="http://schemas.microsoft.com/office/drawing/2014/main" xmlns="" id="{E1DDCB3A-93A3-F947-8936-2FD7D8DCC488}"/>
               </a:ext>
             </a:extLst>
           </p:cNvPr>
@@ -8351,7 +10627,7 @@
                         <m:sSubPr>
                           <m:ctrlPr>
                             <a:rPr kumimoji="1" lang="en-US" altLang="zh-CN" sz="2400" b="1" i="1" smtClean="0">
-                              <a:latin typeface="Cambria Math" panose="02040503050406030204" pitchFamily="18" charset="0"/>
+                              <a:latin typeface="Cambria Math" charset="0"/>
                             </a:rPr>
                           </m:ctrlPr>
                         </m:sSubPr>
@@ -8453,7 +10729,7 @@
                         <m:sSubPr>
                           <m:ctrlPr>
                             <a:rPr kumimoji="1" lang="en-US" altLang="zh-CN" sz="2400" b="1" i="1" smtClean="0">
-                              <a:latin typeface="Cambria Math" panose="02040503050406030204" pitchFamily="18" charset="0"/>
+                              <a:latin typeface="Cambria Math" charset="0"/>
                             </a:rPr>
                           </m:ctrlPr>
                         </m:sSubPr>
@@ -8556,7 +10832,7 @@
                         <m:sSupPr>
                           <m:ctrlPr>
                             <a:rPr kumimoji="1" lang="en-US" altLang="zh-CN" sz="2400" b="1" i="1" smtClean="0">
-                              <a:latin typeface="Cambria Math" panose="02040503050406030204" pitchFamily="18" charset="0"/>
+                              <a:latin typeface="Cambria Math" charset="0"/>
                             </a:rPr>
                           </m:ctrlPr>
                         </m:sSupPr>
@@ -8593,7 +10869,7 @@
                         <m:sSupPr>
                           <m:ctrlPr>
                             <a:rPr kumimoji="1" lang="en-US" altLang="zh-CN" sz="2400" b="1" i="1" smtClean="0">
-                              <a:latin typeface="Cambria Math" panose="02040503050406030204" pitchFamily="18" charset="0"/>
+                              <a:latin typeface="Cambria Math" charset="0"/>
                             </a:rPr>
                           </m:ctrlPr>
                         </m:sSupPr>
@@ -8708,7 +10984,7 @@
                         <m:dPr>
                           <m:ctrlPr>
                             <a:rPr kumimoji="1" lang="en-US" altLang="zh-CN" sz="3600" i="1" smtClean="0">
-                              <a:latin typeface="Cambria Math" panose="02040503050406030204" pitchFamily="18" charset="0"/>
+                              <a:latin typeface="Cambria Math" charset="0"/>
                             </a:rPr>
                           </m:ctrlPr>
                         </m:dPr>
@@ -8717,7 +10993,7 @@
                             <m:sSupPr>
                               <m:ctrlPr>
                                 <a:rPr kumimoji="1" lang="en-US" altLang="zh-CN" sz="3200" i="1">
-                                  <a:latin typeface="Cambria Math" panose="02040503050406030204" pitchFamily="18" charset="0"/>
+                                  <a:latin typeface="Cambria Math" charset="0"/>
                                 </a:rPr>
                               </m:ctrlPr>
                             </m:sSupPr>
@@ -8754,7 +11030,7 @@
                             <m:sSupPr>
                               <m:ctrlPr>
                                 <a:rPr kumimoji="1" lang="en-US" altLang="zh-CN" sz="3200" i="1">
-                                  <a:latin typeface="Cambria Math" panose="02040503050406030204" pitchFamily="18" charset="0"/>
+                                  <a:latin typeface="Cambria Math" charset="0"/>
                                 </a:rPr>
                               </m:ctrlPr>
                             </m:sSupPr>
@@ -8798,7 +11074,7 @@
                             <m:sSubPr>
                               <m:ctrlPr>
                                 <a:rPr kumimoji="1" lang="en-US" altLang="zh-CN" sz="3200" i="1" dirty="0" smtClean="0">
-                                  <a:latin typeface="Cambria Math" panose="02040503050406030204" pitchFamily="18" charset="0"/>
+                                  <a:latin typeface="Cambria Math" charset="0"/>
                                 </a:rPr>
                               </m:ctrlPr>
                             </m:sSubPr>
@@ -8829,7 +11105,7 @@
                             <m:fPr>
                               <m:ctrlPr>
                                 <a:rPr kumimoji="1" lang="bg-BG" altLang="zh-CN" sz="3200" i="1" dirty="0" smtClean="0">
-                                  <a:latin typeface="Cambria Math" panose="02040503050406030204" pitchFamily="18" charset="0"/>
+                                  <a:latin typeface="Cambria Math" charset="0"/>
                                 </a:rPr>
                               </m:ctrlPr>
                             </m:fPr>
@@ -8838,7 +11114,7 @@
                                 <m:sSubPr>
                                   <m:ctrlPr>
                                     <a:rPr kumimoji="1" lang="en-US" altLang="zh-CN" sz="3200" i="1" dirty="0" smtClean="0">
-                                      <a:latin typeface="Cambria Math" panose="02040503050406030204" pitchFamily="18" charset="0"/>
+                                      <a:latin typeface="Cambria Math" charset="0"/>
                                     </a:rPr>
                                   </m:ctrlPr>
                                 </m:sSubPr>
@@ -8865,7 +11141,7 @@
                                 <m:sSubPr>
                                   <m:ctrlPr>
                                     <a:rPr kumimoji="1" lang="en-US" altLang="zh-CN" sz="3200" i="1" dirty="0" smtClean="0">
-                                      <a:latin typeface="Cambria Math" panose="02040503050406030204" pitchFamily="18" charset="0"/>
+                                      <a:latin typeface="Cambria Math" charset="0"/>
                                     </a:rPr>
                                   </m:ctrlPr>
                                 </m:sSubPr>
@@ -8912,7 +11188,7 @@
                         <m:sSubPr>
                           <m:ctrlPr>
                             <a:rPr kumimoji="1" lang="en-US" altLang="zh-CN" sz="3600" i="1" smtClean="0">
-                              <a:latin typeface="Cambria Math" panose="02040503050406030204" pitchFamily="18" charset="0"/>
+                              <a:latin typeface="Cambria Math" charset="0"/>
                             </a:rPr>
                           </m:ctrlPr>
                         </m:sSubPr>
@@ -8990,10 +11266,17 @@
   <p:clrMapOvr>
     <a:masterClrMapping/>
   </p:clrMapOvr>
+  <p:timing>
+    <p:tnLst>
+      <p:par>
+        <p:cTn id="1" dur="indefinite" restart="never" nodeType="tmRoot"/>
+      </p:par>
+    </p:tnLst>
+  </p:timing>
 </p:sld>
 </file>
 
-<file path=ppt/slides/slide19.xml><?xml version="1.0" encoding="utf-8"?>
+<file path=ppt/slides/slide23.xml><?xml version="1.0" encoding="utf-8"?>
 <p:sld xmlns:a="http://schemas.openxmlformats.org/drawingml/2006/main" xmlns:r="http://schemas.openxmlformats.org/officeDocument/2006/relationships" xmlns:p="http://schemas.openxmlformats.org/presentationml/2006/main">
   <p:cSld>
     <p:spTree>
@@ -9071,7 +11354,7 @@
                         <m:funcPr>
                           <m:ctrlPr>
                             <a:rPr kumimoji="1" lang="mr-IN" altLang="zh-CN" sz="2800" i="1" smtClean="0">
-                              <a:latin typeface="Cambria Math" panose="02040503050406030204" pitchFamily="18" charset="0"/>
+                              <a:latin typeface="Cambria Math" charset="0"/>
                             </a:rPr>
                           </m:ctrlPr>
                         </m:funcPr>
@@ -9080,7 +11363,7 @@
                             <m:limLowPr>
                               <m:ctrlPr>
                                 <a:rPr kumimoji="1" lang="mr-IN" altLang="zh-CN" sz="2800" i="1" smtClean="0">
-                                  <a:latin typeface="Cambria Math" panose="02040503050406030204" pitchFamily="18" charset="0"/>
+                                  <a:latin typeface="Cambria Math" charset="0"/>
                                 </a:rPr>
                               </m:ctrlPr>
                             </m:limLowPr>
@@ -9100,7 +11383,7 @@
                                 <m:sSubPr>
                                   <m:ctrlPr>
                                     <a:rPr kumimoji="1" lang="en-US" altLang="zh-CN" sz="2800" b="0" i="1" smtClean="0">
-                                      <a:latin typeface="Cambria Math" panose="02040503050406030204" pitchFamily="18" charset="0"/>
+                                      <a:latin typeface="Cambria Math" charset="0"/>
                                     </a:rPr>
                                   </m:ctrlPr>
                                 </m:sSubPr>
@@ -9131,7 +11414,7 @@
                               <m:supHide m:val="on"/>
                               <m:ctrlPr>
                                 <a:rPr kumimoji="1" lang="mr-IN" altLang="zh-CN" sz="2800" i="1" smtClean="0">
-                                  <a:latin typeface="Cambria Math" panose="02040503050406030204" pitchFamily="18" charset="0"/>
+                                  <a:latin typeface="Cambria Math" charset="0"/>
                                 </a:rPr>
                               </m:ctrlPr>
                             </m:naryPr>
@@ -9165,7 +11448,7 @@
                                   <m:chr m:val="̂"/>
                                   <m:ctrlPr>
                                     <a:rPr kumimoji="1" lang="en-US" altLang="zh-CN" sz="2800" i="1">
-                                      <a:latin typeface="Cambria Math" panose="02040503050406030204" pitchFamily="18" charset="0"/>
+                                      <a:latin typeface="Cambria Math" charset="0"/>
                                     </a:rPr>
                                   </m:ctrlPr>
                                 </m:accPr>
@@ -9174,7 +11457,7 @@
                                     <m:sSubPr>
                                       <m:ctrlPr>
                                         <a:rPr kumimoji="1" lang="en-US" altLang="zh-CN" sz="2800" i="1">
-                                          <a:latin typeface="Cambria Math" panose="02040503050406030204" pitchFamily="18" charset="0"/>
+                                          <a:latin typeface="Cambria Math" charset="0"/>
                                         </a:rPr>
                                       </m:ctrlPr>
                                     </m:sSubPr>
@@ -9291,7 +11574,7 @@
                           <m:supHide m:val="on"/>
                           <m:ctrlPr>
                             <a:rPr kumimoji="1" lang="en-US" altLang="zh-CN" sz="2800" i="1" smtClean="0">
-                              <a:latin typeface="Cambria Math" panose="02040503050406030204" pitchFamily="18" charset="0"/>
+                              <a:latin typeface="Cambria Math" charset="0"/>
                             </a:rPr>
                           </m:ctrlPr>
                         </m:naryPr>
@@ -9312,7 +11595,7 @@
                             <m:sSubPr>
                               <m:ctrlPr>
                                 <a:rPr kumimoji="1" lang="en-US" altLang="zh-CN" sz="2800" b="0" i="1" smtClean="0">
-                                  <a:latin typeface="Cambria Math" panose="02040503050406030204" pitchFamily="18" charset="0"/>
+                                  <a:latin typeface="Cambria Math" charset="0"/>
                                 </a:rPr>
                               </m:ctrlPr>
                             </m:sSubPr>
@@ -9423,7 +11706,7 @@
                         <m:sSubPr>
                           <m:ctrlPr>
                             <a:rPr kumimoji="1" lang="en-US" altLang="zh-CN" sz="2800" b="0" i="1" smtClean="0">
-                              <a:latin typeface="Cambria Math" panose="02040503050406030204" pitchFamily="18" charset="0"/>
+                              <a:latin typeface="Cambria Math" charset="0"/>
                             </a:rPr>
                           </m:ctrlPr>
                         </m:sSubPr>
@@ -9454,7 +11737,7 @@
                         <m:fPr>
                           <m:ctrlPr>
                             <a:rPr kumimoji="1" lang="bg-BG" altLang="zh-CN" sz="2800" b="0" i="1" smtClean="0">
-                              <a:latin typeface="Cambria Math" panose="02040503050406030204" pitchFamily="18" charset="0"/>
+                              <a:latin typeface="Cambria Math" charset="0"/>
                             </a:rPr>
                           </m:ctrlPr>
                         </m:fPr>
@@ -9463,7 +11746,7 @@
                             <m:sSubPr>
                               <m:ctrlPr>
                                 <a:rPr kumimoji="1" lang="en-US" altLang="zh-CN" sz="2800" b="0" i="1" smtClean="0">
-                                  <a:latin typeface="Cambria Math" panose="02040503050406030204" pitchFamily="18" charset="0"/>
+                                  <a:latin typeface="Cambria Math" charset="0"/>
                                 </a:rPr>
                               </m:ctrlPr>
                             </m:sSubPr>
@@ -9490,7 +11773,7 @@
                             <m:sSubPr>
                               <m:ctrlPr>
                                 <a:rPr kumimoji="1" lang="en-US" altLang="zh-CN" sz="2800" b="0" i="1" smtClean="0">
-                                  <a:latin typeface="Cambria Math" panose="02040503050406030204" pitchFamily="18" charset="0"/>
+                                  <a:latin typeface="Cambria Math" charset="0"/>
                                 </a:rPr>
                               </m:ctrlPr>
                             </m:sSubPr>
@@ -9521,7 +11804,7 @@
                             <m:sSubPr>
                               <m:ctrlPr>
                                 <a:rPr kumimoji="1" lang="en-US" altLang="zh-CN" sz="2800" b="0" i="1" smtClean="0">
-                                  <a:latin typeface="Cambria Math" panose="02040503050406030204" pitchFamily="18" charset="0"/>
+                                  <a:latin typeface="Cambria Math" charset="0"/>
                                 </a:rPr>
                               </m:ctrlPr>
                             </m:sSubPr>
@@ -9626,7 +11909,7 @@
                         <m:sSupPr>
                           <m:ctrlPr>
                             <a:rPr kumimoji="1" lang="en-US" altLang="zh-CN" sz="2800" b="0" i="1" smtClean="0">
-                              <a:latin typeface="Cambria Math" panose="02040503050406030204" pitchFamily="18" charset="0"/>
+                              <a:latin typeface="Cambria Math" charset="0"/>
                             </a:rPr>
                           </m:ctrlPr>
                         </m:sSupPr>
@@ -9657,7 +11940,7 @@
                         <m:sSubPr>
                           <m:ctrlPr>
                             <a:rPr kumimoji="1" lang="en-US" altLang="zh-CN" sz="2800" b="0" i="1" smtClean="0">
-                              <a:latin typeface="Cambria Math" panose="02040503050406030204" pitchFamily="18" charset="0"/>
+                              <a:latin typeface="Cambria Math" charset="0"/>
                             </a:rPr>
                           </m:ctrlPr>
                         </m:sSubPr>
@@ -9688,7 +11971,7 @@
                         <m:sSubPr>
                           <m:ctrlPr>
                             <a:rPr kumimoji="1" lang="en-US" altLang="zh-CN" sz="2800" b="0" i="1" smtClean="0">
-                              <a:latin typeface="Cambria Math" panose="02040503050406030204" pitchFamily="18" charset="0"/>
+                              <a:latin typeface="Cambria Math" charset="0"/>
                             </a:rPr>
                           </m:ctrlPr>
                         </m:sSubPr>
@@ -9812,207 +12095,17 @@
   <p:clrMapOvr>
     <a:masterClrMapping/>
   </p:clrMapOvr>
+  <p:timing>
+    <p:tnLst>
+      <p:par>
+        <p:cTn id="1" dur="indefinite" restart="never" nodeType="tmRoot"/>
+      </p:par>
+    </p:tnLst>
+  </p:timing>
 </p:sld>
 </file>
 
-<file path=ppt/slides/slide2.xml><?xml version="1.0" encoding="utf-8"?>
-<p:sld xmlns:a="http://schemas.openxmlformats.org/drawingml/2006/main" xmlns:r="http://schemas.openxmlformats.org/officeDocument/2006/relationships" xmlns:p="http://schemas.openxmlformats.org/presentationml/2006/main">
-  <p:cSld>
-    <p:bg>
-      <p:bgPr>
-        <a:solidFill>
-          <a:schemeClr val="bg1"/>
-        </a:solidFill>
-        <a:effectLst/>
-      </p:bgPr>
-    </p:bg>
-    <p:spTree>
-      <p:nvGrpSpPr>
-        <p:cNvPr id="1" name=""/>
-        <p:cNvGrpSpPr/>
-        <p:nvPr/>
-      </p:nvGrpSpPr>
-      <p:grpSpPr>
-        <a:xfrm>
-          <a:off x="0" y="0"/>
-          <a:ext cx="0" cy="0"/>
-          <a:chOff x="0" y="0"/>
-          <a:chExt cx="0" cy="0"/>
-        </a:xfrm>
-      </p:grpSpPr>
-      <p:sp useBgFill="1">
-        <p:nvSpPr>
-          <p:cNvPr id="12" name="Rectangle 11">
-            <a:extLst>
-              <a:ext uri="{FF2B5EF4-FFF2-40B4-BE49-F238E27FC236}">
-                <a16:creationId xmlns:a16="http://schemas.microsoft.com/office/drawing/2014/main" id="{99ED5833-B85B-4103-8A3B-CAB0308E6C15}"/>
-              </a:ext>
-              <a:ext uri="{C183D7F6-B498-43B3-948B-1728B52AA6E4}">
-                <adec:decorative xmlns:adec="http://schemas.microsoft.com/office/drawing/2017/decorative" val="1"/>
-              </a:ext>
-            </a:extLst>
-          </p:cNvPr>
-          <p:cNvSpPr>
-            <a:spLocks noGrp="1" noRot="1" noChangeAspect="1" noMove="1" noResize="1" noEditPoints="1" noAdjustHandles="1" noChangeArrowheads="1" noChangeShapeType="1" noTextEdit="1"/>
-          </p:cNvSpPr>
-          <p:nvPr>
-            <p:extLst>
-              <p:ext uri="{386F3935-93C4-4BCD-93E2-E3B085C9AB24}">
-                <p16:designElem xmlns:p16="http://schemas.microsoft.com/office/powerpoint/2015/main" val="1"/>
-              </p:ext>
-            </p:extLst>
-          </p:nvPr>
-        </p:nvSpPr>
-        <p:spPr>
-          <a:xfrm>
-            <a:off x="-1" y="0"/>
-            <a:ext cx="12188952" cy="6858000"/>
-          </a:xfrm>
-          <a:prstGeom prst="rect">
-            <a:avLst/>
-          </a:prstGeom>
-          <a:ln>
-            <a:noFill/>
-          </a:ln>
-        </p:spPr>
-        <p:style>
-          <a:lnRef idx="2">
-            <a:schemeClr val="accent1">
-              <a:shade val="50000"/>
-            </a:schemeClr>
-          </a:lnRef>
-          <a:fillRef idx="1">
-            <a:schemeClr val="accent1"/>
-          </a:fillRef>
-          <a:effectRef idx="0">
-            <a:schemeClr val="accent1"/>
-          </a:effectRef>
-          <a:fontRef idx="minor">
-            <a:schemeClr val="lt1"/>
-          </a:fontRef>
-        </p:style>
-        <p:txBody>
-          <a:bodyPr rtlCol="0" anchor="ctr"/>
-          <a:lstStyle/>
-          <a:p>
-            <a:pPr algn="ctr"/>
-            <a:endParaRPr lang="en-US"/>
-          </a:p>
-        </p:txBody>
-      </p:sp>
-      <p:sp>
-        <p:nvSpPr>
-          <p:cNvPr id="2" name="标题 1">
-            <a:extLst>
-              <a:ext uri="{FF2B5EF4-FFF2-40B4-BE49-F238E27FC236}">
-                <a16:creationId xmlns:a16="http://schemas.microsoft.com/office/drawing/2014/main" id="{5623247C-369A-F04E-AEFA-A7F98653C3A5}"/>
-              </a:ext>
-            </a:extLst>
-          </p:cNvPr>
-          <p:cNvSpPr>
-            <a:spLocks noGrp="1"/>
-          </p:cNvSpPr>
-          <p:nvPr>
-            <p:ph type="title"/>
-          </p:nvPr>
-        </p:nvSpPr>
-        <p:spPr>
-          <a:xfrm>
-            <a:off x="1198181" y="560881"/>
-            <a:ext cx="9795638" cy="1114380"/>
-          </a:xfrm>
-        </p:spPr>
-        <p:txBody>
-          <a:bodyPr vert="horz" lIns="91440" tIns="45720" rIns="91440" bIns="45720" rtlCol="0" anchor="b">
-            <a:normAutofit/>
-          </a:bodyPr>
-          <a:lstStyle/>
-          <a:p>
-            <a:pPr algn="ctr"/>
-            <a:r>
-              <a:rPr kumimoji="1" lang="en-US" altLang="zh-CN" sz="5200" dirty="0">
-                <a:latin typeface="Times New Roman" panose="02020603050405020304" pitchFamily="18" charset="0"/>
-                <a:cs typeface="Times New Roman" panose="02020603050405020304" pitchFamily="18" charset="0"/>
-              </a:rPr>
-              <a:t>1.1 Background and Motivation</a:t>
-            </a:r>
-          </a:p>
-        </p:txBody>
-      </p:sp>
-      <p:pic>
-        <p:nvPicPr>
-          <p:cNvPr id="7" name="图片 6" descr="图示&#10;&#10;描述已自动生成">
-            <a:extLst>
-              <a:ext uri="{FF2B5EF4-FFF2-40B4-BE49-F238E27FC236}">
-                <a16:creationId xmlns:a16="http://schemas.microsoft.com/office/drawing/2014/main" id="{0CF54521-CC0B-DF49-8831-759E7130C1FC}"/>
-              </a:ext>
-            </a:extLst>
-          </p:cNvPr>
-          <p:cNvPicPr>
-            <a:picLocks noChangeAspect="1"/>
-          </p:cNvPicPr>
-          <p:nvPr/>
-        </p:nvPicPr>
-        <p:blipFill>
-          <a:blip r:embed="rId2"/>
-          <a:stretch>
-            <a:fillRect/>
-          </a:stretch>
-        </p:blipFill>
-        <p:spPr>
-          <a:xfrm>
-            <a:off x="726322" y="2505720"/>
-            <a:ext cx="4729861" cy="3346376"/>
-          </a:xfrm>
-          <a:prstGeom prst="rect">
-            <a:avLst/>
-          </a:prstGeom>
-        </p:spPr>
-      </p:pic>
-      <p:pic>
-        <p:nvPicPr>
-          <p:cNvPr id="5" name="图片 4" descr="图示&#10;&#10;描述已自动生成">
-            <a:extLst>
-              <a:ext uri="{FF2B5EF4-FFF2-40B4-BE49-F238E27FC236}">
-                <a16:creationId xmlns:a16="http://schemas.microsoft.com/office/drawing/2014/main" id="{3E5AE733-5896-9743-8A7E-09451E85D813}"/>
-              </a:ext>
-            </a:extLst>
-          </p:cNvPr>
-          <p:cNvPicPr>
-            <a:picLocks noChangeAspect="1"/>
-          </p:cNvPicPr>
-          <p:nvPr/>
-        </p:nvPicPr>
-        <p:blipFill>
-          <a:blip r:embed="rId3"/>
-          <a:stretch>
-            <a:fillRect/>
-          </a:stretch>
-        </p:blipFill>
-        <p:spPr>
-          <a:xfrm>
-            <a:off x="6182506" y="3214889"/>
-            <a:ext cx="5828261" cy="2200167"/>
-          </a:xfrm>
-          <a:prstGeom prst="rect">
-            <a:avLst/>
-          </a:prstGeom>
-        </p:spPr>
-      </p:pic>
-    </p:spTree>
-    <p:extLst>
-      <p:ext uri="{BB962C8B-B14F-4D97-AF65-F5344CB8AC3E}">
-        <p14:creationId xmlns:p14="http://schemas.microsoft.com/office/powerpoint/2010/main" val="3773275211"/>
-      </p:ext>
-    </p:extLst>
-  </p:cSld>
-  <p:clrMapOvr>
-    <a:masterClrMapping/>
-  </p:clrMapOvr>
-</p:sld>
-</file>
-
-<file path=ppt/slides/slide20.xml><?xml version="1.0" encoding="utf-8"?>
+<file path=ppt/slides/slide24.xml><?xml version="1.0" encoding="utf-8"?>
 <p:sld xmlns:a="http://schemas.openxmlformats.org/drawingml/2006/main" xmlns:r="http://schemas.openxmlformats.org/officeDocument/2006/relationships" xmlns:p="http://schemas.openxmlformats.org/presentationml/2006/main">
   <p:cSld>
     <p:spTree>
@@ -10034,7 +12127,7 @@
           <p:cNvPr id="2" name="标题 1">
             <a:extLst>
               <a:ext uri="{FF2B5EF4-FFF2-40B4-BE49-F238E27FC236}">
-                <a16:creationId xmlns:a16="http://schemas.microsoft.com/office/drawing/2014/main" id="{C059EDCB-DC67-1745-AF88-B526D92C8C6A}"/>
+                <a16:creationId xmlns:a16="http://schemas.microsoft.com/office/drawing/2014/main" xmlns="" id="{C059EDCB-DC67-1745-AF88-B526D92C8C6A}"/>
               </a:ext>
             </a:extLst>
           </p:cNvPr>
@@ -10069,7 +12162,7 @@
           <p:cNvPr id="9" name="组合 8">
             <a:extLst>
               <a:ext uri="{FF2B5EF4-FFF2-40B4-BE49-F238E27FC236}">
-                <a16:creationId xmlns:a16="http://schemas.microsoft.com/office/drawing/2014/main" id="{D910C096-B1EA-2240-B136-E099017B1EA2}"/>
+                <a16:creationId xmlns:a16="http://schemas.microsoft.com/office/drawing/2014/main" xmlns="" id="{D910C096-B1EA-2240-B136-E099017B1EA2}"/>
               </a:ext>
             </a:extLst>
           </p:cNvPr>
@@ -10089,7 +12182,7 @@
             <p:cNvPr id="7" name="椭圆 6">
               <a:extLst>
                 <a:ext uri="{FF2B5EF4-FFF2-40B4-BE49-F238E27FC236}">
-                  <a16:creationId xmlns:a16="http://schemas.microsoft.com/office/drawing/2014/main" id="{5E44900A-AB87-AE4A-99AA-73285E49B958}"/>
+                  <a16:creationId xmlns:a16="http://schemas.microsoft.com/office/drawing/2014/main" xmlns="" id="{5E44900A-AB87-AE4A-99AA-73285E49B958}"/>
                 </a:ext>
               </a:extLst>
             </p:cNvPr>
@@ -10143,7 +12236,7 @@
                 <p:cNvPr id="8" name="文本框 7">
                   <a:extLst>
                     <a:ext uri="{FF2B5EF4-FFF2-40B4-BE49-F238E27FC236}">
-                      <a16:creationId xmlns:a16="http://schemas.microsoft.com/office/drawing/2014/main" id="{296B7145-B712-2440-A166-8D5BDDA90570}"/>
+                      <a16:creationId xmlns:a16="http://schemas.microsoft.com/office/drawing/2014/main" xmlns="" id="{296B7145-B712-2440-A166-8D5BDDA90570}"/>
                     </a:ext>
                   </a:extLst>
                 </p:cNvPr>
@@ -10177,7 +12270,7 @@
                           <m:sSubPr>
                             <m:ctrlPr>
                               <a:rPr kumimoji="1" lang="en-US" altLang="zh-CN" sz="2400" b="1" i="1" smtClean="0">
-                                <a:latin typeface="Cambria Math" panose="02040503050406030204" pitchFamily="18" charset="0"/>
+                                <a:latin typeface="Cambria Math" charset="0"/>
                               </a:rPr>
                             </m:ctrlPr>
                           </m:sSubPr>
@@ -10257,7 +12350,7 @@
           <p:cNvPr id="11" name="直线箭头连接符 10">
             <a:extLst>
               <a:ext uri="{FF2B5EF4-FFF2-40B4-BE49-F238E27FC236}">
-                <a16:creationId xmlns:a16="http://schemas.microsoft.com/office/drawing/2014/main" id="{E1DDCB3A-93A3-F947-8936-2FD7D8DCC488}"/>
+                <a16:creationId xmlns:a16="http://schemas.microsoft.com/office/drawing/2014/main" xmlns="" id="{E1DDCB3A-93A3-F947-8936-2FD7D8DCC488}"/>
               </a:ext>
             </a:extLst>
           </p:cNvPr>
@@ -10301,7 +12394,7 @@
           <p:cNvPr id="12" name="直线箭头连接符 11">
             <a:extLst>
               <a:ext uri="{FF2B5EF4-FFF2-40B4-BE49-F238E27FC236}">
-                <a16:creationId xmlns:a16="http://schemas.microsoft.com/office/drawing/2014/main" id="{AB28E39D-46A0-5B49-82B6-E57B9F0DD9FB}"/>
+                <a16:creationId xmlns:a16="http://schemas.microsoft.com/office/drawing/2014/main" xmlns="" id="{AB28E39D-46A0-5B49-82B6-E57B9F0DD9FB}"/>
               </a:ext>
             </a:extLst>
           </p:cNvPr>
@@ -10346,7 +12439,7 @@
           <p:cNvPr id="15" name="直线箭头连接符 14">
             <a:extLst>
               <a:ext uri="{FF2B5EF4-FFF2-40B4-BE49-F238E27FC236}">
-                <a16:creationId xmlns:a16="http://schemas.microsoft.com/office/drawing/2014/main" id="{48149428-2E7B-484E-BD02-0820295C5E2F}"/>
+                <a16:creationId xmlns:a16="http://schemas.microsoft.com/office/drawing/2014/main" xmlns="" id="{48149428-2E7B-484E-BD02-0820295C5E2F}"/>
               </a:ext>
             </a:extLst>
           </p:cNvPr>
@@ -10393,7 +12486,7 @@
               <p:cNvPr id="18" name="文本框 17">
                 <a:extLst>
                   <a:ext uri="{FF2B5EF4-FFF2-40B4-BE49-F238E27FC236}">
-                    <a16:creationId xmlns:a16="http://schemas.microsoft.com/office/drawing/2014/main" id="{A8CB5AC8-59AE-C443-86CD-C750A4B240BC}"/>
+                    <a16:creationId xmlns:a16="http://schemas.microsoft.com/office/drawing/2014/main" xmlns="" id="{A8CB5AC8-59AE-C443-86CD-C750A4B240BC}"/>
                   </a:ext>
                 </a:extLst>
               </p:cNvPr>
@@ -10427,7 +12520,7 @@
                         <m:sSubPr>
                           <m:ctrlPr>
                             <a:rPr kumimoji="1" lang="en-US" altLang="zh-CN" sz="2400" b="1" i="1" smtClean="0">
-                              <a:latin typeface="Cambria Math" panose="02040503050406030204" pitchFamily="18" charset="0"/>
+                              <a:latin typeface="Cambria Math" charset="0"/>
                             </a:rPr>
                           </m:ctrlPr>
                         </m:sSubPr>
@@ -10508,7 +12601,7 @@
               <p:cNvPr id="19" name="文本框 18">
                 <a:extLst>
                   <a:ext uri="{FF2B5EF4-FFF2-40B4-BE49-F238E27FC236}">
-                    <a16:creationId xmlns:a16="http://schemas.microsoft.com/office/drawing/2014/main" id="{BD55B4B9-A03A-684D-8A7E-A30160DD9D94}"/>
+                    <a16:creationId xmlns:a16="http://schemas.microsoft.com/office/drawing/2014/main" xmlns="" id="{BD55B4B9-A03A-684D-8A7E-A30160DD9D94}"/>
                   </a:ext>
                 </a:extLst>
               </p:cNvPr>
@@ -10542,7 +12635,7 @@
                         <m:sSubPr>
                           <m:ctrlPr>
                             <a:rPr kumimoji="1" lang="en-US" altLang="zh-CN" sz="2400" b="1" i="1" smtClean="0">
-                              <a:latin typeface="Cambria Math" panose="02040503050406030204" pitchFamily="18" charset="0"/>
+                              <a:latin typeface="Cambria Math" charset="0"/>
                             </a:rPr>
                           </m:ctrlPr>
                         </m:sSubPr>
@@ -10623,7 +12716,7 @@
               <p:cNvPr id="20" name="文本框 19">
                 <a:extLst>
                   <a:ext uri="{FF2B5EF4-FFF2-40B4-BE49-F238E27FC236}">
-                    <a16:creationId xmlns:a16="http://schemas.microsoft.com/office/drawing/2014/main" id="{8A6A7549-DEB2-C640-8E38-B6182AB03239}"/>
+                    <a16:creationId xmlns:a16="http://schemas.microsoft.com/office/drawing/2014/main" xmlns="" id="{8A6A7549-DEB2-C640-8E38-B6182AB03239}"/>
                   </a:ext>
                 </a:extLst>
               </p:cNvPr>
@@ -10657,7 +12750,7 @@
                         <m:sSubPr>
                           <m:ctrlPr>
                             <a:rPr kumimoji="1" lang="en-US" altLang="zh-CN" sz="2400" b="1" i="1" smtClean="0">
-                              <a:latin typeface="Cambria Math" panose="02040503050406030204" pitchFamily="18" charset="0"/>
+                              <a:latin typeface="Cambria Math" charset="0"/>
                             </a:rPr>
                           </m:ctrlPr>
                         </m:sSubPr>
@@ -10736,7 +12829,7 @@
           <p:cNvPr id="22" name="表格 21">
             <a:extLst>
               <a:ext uri="{FF2B5EF4-FFF2-40B4-BE49-F238E27FC236}">
-                <a16:creationId xmlns:a16="http://schemas.microsoft.com/office/drawing/2014/main" id="{A5BC4791-7FDA-154B-B84C-640757DB2A30}"/>
+                <a16:creationId xmlns:a16="http://schemas.microsoft.com/office/drawing/2014/main" xmlns="" id="{A5BC4791-7FDA-154B-B84C-640757DB2A30}"/>
               </a:ext>
             </a:extLst>
           </p:cNvPr>
@@ -10765,56 +12858,56 @@
                 <a:gridCol w="1016000">
                   <a:extLst>
                     <a:ext uri="{9D8B030D-6E8A-4147-A177-3AD203B41FA5}">
-                      <a16:colId xmlns:a16="http://schemas.microsoft.com/office/drawing/2014/main" val="2919921209"/>
+                      <a16:colId xmlns:a16="http://schemas.microsoft.com/office/drawing/2014/main" xmlns="" val="2919921209"/>
                     </a:ext>
                   </a:extLst>
                 </a:gridCol>
                 <a:gridCol w="1016000">
                   <a:extLst>
                     <a:ext uri="{9D8B030D-6E8A-4147-A177-3AD203B41FA5}">
-                      <a16:colId xmlns:a16="http://schemas.microsoft.com/office/drawing/2014/main" val="1274578498"/>
+                      <a16:colId xmlns:a16="http://schemas.microsoft.com/office/drawing/2014/main" xmlns="" val="1274578498"/>
                     </a:ext>
                   </a:extLst>
                 </a:gridCol>
                 <a:gridCol w="1016000">
                   <a:extLst>
                     <a:ext uri="{9D8B030D-6E8A-4147-A177-3AD203B41FA5}">
-                      <a16:colId xmlns:a16="http://schemas.microsoft.com/office/drawing/2014/main" val="2473859656"/>
+                      <a16:colId xmlns:a16="http://schemas.microsoft.com/office/drawing/2014/main" xmlns="" val="2473859656"/>
                     </a:ext>
                   </a:extLst>
                 </a:gridCol>
                 <a:gridCol w="1016000">
                   <a:extLst>
                     <a:ext uri="{9D8B030D-6E8A-4147-A177-3AD203B41FA5}">
-                      <a16:colId xmlns:a16="http://schemas.microsoft.com/office/drawing/2014/main" val="4017853280"/>
+                      <a16:colId xmlns:a16="http://schemas.microsoft.com/office/drawing/2014/main" xmlns="" val="4017853280"/>
                     </a:ext>
                   </a:extLst>
                 </a:gridCol>
                 <a:gridCol w="1016000">
                   <a:extLst>
                     <a:ext uri="{9D8B030D-6E8A-4147-A177-3AD203B41FA5}">
-                      <a16:colId xmlns:a16="http://schemas.microsoft.com/office/drawing/2014/main" val="4046979531"/>
+                      <a16:colId xmlns:a16="http://schemas.microsoft.com/office/drawing/2014/main" xmlns="" val="4046979531"/>
                     </a:ext>
                   </a:extLst>
                 </a:gridCol>
                 <a:gridCol w="1016000">
                   <a:extLst>
                     <a:ext uri="{9D8B030D-6E8A-4147-A177-3AD203B41FA5}">
-                      <a16:colId xmlns:a16="http://schemas.microsoft.com/office/drawing/2014/main" val="1236215947"/>
+                      <a16:colId xmlns:a16="http://schemas.microsoft.com/office/drawing/2014/main" xmlns="" val="1236215947"/>
                     </a:ext>
                   </a:extLst>
                 </a:gridCol>
                 <a:gridCol w="1016000">
                   <a:extLst>
                     <a:ext uri="{9D8B030D-6E8A-4147-A177-3AD203B41FA5}">
-                      <a16:colId xmlns:a16="http://schemas.microsoft.com/office/drawing/2014/main" val="3358476489"/>
+                      <a16:colId xmlns:a16="http://schemas.microsoft.com/office/drawing/2014/main" xmlns="" val="3358476489"/>
                     </a:ext>
                   </a:extLst>
                 </a:gridCol>
                 <a:gridCol w="1016000">
                   <a:extLst>
                     <a:ext uri="{9D8B030D-6E8A-4147-A177-3AD203B41FA5}">
-                      <a16:colId xmlns:a16="http://schemas.microsoft.com/office/drawing/2014/main" val="1544053477"/>
+                      <a16:colId xmlns:a16="http://schemas.microsoft.com/office/drawing/2014/main" xmlns="" val="1544053477"/>
                     </a:ext>
                   </a:extLst>
                 </a:gridCol>
@@ -11274,7 +13367,7 @@
                 </a:tc>
                 <a:extLst>
                   <a:ext uri="{0D108BD9-81ED-4DB2-BD59-A6C34878D82A}">
-                    <a16:rowId xmlns:a16="http://schemas.microsoft.com/office/drawing/2014/main" val="2866617908"/>
+                    <a16:rowId xmlns:a16="http://schemas.microsoft.com/office/drawing/2014/main" xmlns="" val="2866617908"/>
                   </a:ext>
                 </a:extLst>
               </a:tr>
@@ -11287,7 +13380,7 @@
           <p:cNvPr id="25" name="表格 24">
             <a:extLst>
               <a:ext uri="{FF2B5EF4-FFF2-40B4-BE49-F238E27FC236}">
-                <a16:creationId xmlns:a16="http://schemas.microsoft.com/office/drawing/2014/main" id="{5A134B61-04E4-4B41-A5FB-A6F3E458B147}"/>
+                <a16:creationId xmlns:a16="http://schemas.microsoft.com/office/drawing/2014/main" xmlns="" id="{5A134B61-04E4-4B41-A5FB-A6F3E458B147}"/>
               </a:ext>
             </a:extLst>
           </p:cNvPr>
@@ -11316,56 +13409,56 @@
                 <a:gridCol w="1016000">
                   <a:extLst>
                     <a:ext uri="{9D8B030D-6E8A-4147-A177-3AD203B41FA5}">
-                      <a16:colId xmlns:a16="http://schemas.microsoft.com/office/drawing/2014/main" val="2919921209"/>
+                      <a16:colId xmlns:a16="http://schemas.microsoft.com/office/drawing/2014/main" xmlns="" val="2919921209"/>
                     </a:ext>
                   </a:extLst>
                 </a:gridCol>
                 <a:gridCol w="1016000">
                   <a:extLst>
                     <a:ext uri="{9D8B030D-6E8A-4147-A177-3AD203B41FA5}">
-                      <a16:colId xmlns:a16="http://schemas.microsoft.com/office/drawing/2014/main" val="1274578498"/>
+                      <a16:colId xmlns:a16="http://schemas.microsoft.com/office/drawing/2014/main" xmlns="" val="1274578498"/>
                     </a:ext>
                   </a:extLst>
                 </a:gridCol>
                 <a:gridCol w="1016000">
                   <a:extLst>
                     <a:ext uri="{9D8B030D-6E8A-4147-A177-3AD203B41FA5}">
-                      <a16:colId xmlns:a16="http://schemas.microsoft.com/office/drawing/2014/main" val="2473859656"/>
+                      <a16:colId xmlns:a16="http://schemas.microsoft.com/office/drawing/2014/main" xmlns="" val="2473859656"/>
                     </a:ext>
                   </a:extLst>
                 </a:gridCol>
                 <a:gridCol w="1016000">
                   <a:extLst>
                     <a:ext uri="{9D8B030D-6E8A-4147-A177-3AD203B41FA5}">
-                      <a16:colId xmlns:a16="http://schemas.microsoft.com/office/drawing/2014/main" val="4017853280"/>
+                      <a16:colId xmlns:a16="http://schemas.microsoft.com/office/drawing/2014/main" xmlns="" val="4017853280"/>
                     </a:ext>
                   </a:extLst>
                 </a:gridCol>
                 <a:gridCol w="1016000">
                   <a:extLst>
                     <a:ext uri="{9D8B030D-6E8A-4147-A177-3AD203B41FA5}">
-                      <a16:colId xmlns:a16="http://schemas.microsoft.com/office/drawing/2014/main" val="4046979531"/>
+                      <a16:colId xmlns:a16="http://schemas.microsoft.com/office/drawing/2014/main" xmlns="" val="4046979531"/>
                     </a:ext>
                   </a:extLst>
                 </a:gridCol>
                 <a:gridCol w="1016000">
                   <a:extLst>
                     <a:ext uri="{9D8B030D-6E8A-4147-A177-3AD203B41FA5}">
-                      <a16:colId xmlns:a16="http://schemas.microsoft.com/office/drawing/2014/main" val="1236215947"/>
+                      <a16:colId xmlns:a16="http://schemas.microsoft.com/office/drawing/2014/main" xmlns="" val="1236215947"/>
                     </a:ext>
                   </a:extLst>
                 </a:gridCol>
                 <a:gridCol w="1016000">
                   <a:extLst>
                     <a:ext uri="{9D8B030D-6E8A-4147-A177-3AD203B41FA5}">
-                      <a16:colId xmlns:a16="http://schemas.microsoft.com/office/drawing/2014/main" val="3358476489"/>
+                      <a16:colId xmlns:a16="http://schemas.microsoft.com/office/drawing/2014/main" xmlns="" val="3358476489"/>
                     </a:ext>
                   </a:extLst>
                 </a:gridCol>
                 <a:gridCol w="1016000">
                   <a:extLst>
                     <a:ext uri="{9D8B030D-6E8A-4147-A177-3AD203B41FA5}">
-                      <a16:colId xmlns:a16="http://schemas.microsoft.com/office/drawing/2014/main" val="1544053477"/>
+                      <a16:colId xmlns:a16="http://schemas.microsoft.com/office/drawing/2014/main" xmlns="" val="1544053477"/>
                     </a:ext>
                   </a:extLst>
                 </a:gridCol>
@@ -11789,7 +13882,7 @@
                 </a:tc>
                 <a:extLst>
                   <a:ext uri="{0D108BD9-81ED-4DB2-BD59-A6C34878D82A}">
-                    <a16:rowId xmlns:a16="http://schemas.microsoft.com/office/drawing/2014/main" val="2866617908"/>
+                    <a16:rowId xmlns:a16="http://schemas.microsoft.com/office/drawing/2014/main" xmlns="" val="2866617908"/>
                   </a:ext>
                 </a:extLst>
               </a:tr>
@@ -11802,7 +13895,7 @@
           <p:cNvPr id="26" name="表格 25">
             <a:extLst>
               <a:ext uri="{FF2B5EF4-FFF2-40B4-BE49-F238E27FC236}">
-                <a16:creationId xmlns:a16="http://schemas.microsoft.com/office/drawing/2014/main" id="{424DCAD3-3D07-554E-B7A4-D9329A7C076E}"/>
+                <a16:creationId xmlns:a16="http://schemas.microsoft.com/office/drawing/2014/main" xmlns="" id="{424DCAD3-3D07-554E-B7A4-D9329A7C076E}"/>
               </a:ext>
             </a:extLst>
           </p:cNvPr>
@@ -11831,56 +13924,56 @@
                 <a:gridCol w="1016000">
                   <a:extLst>
                     <a:ext uri="{9D8B030D-6E8A-4147-A177-3AD203B41FA5}">
-                      <a16:colId xmlns:a16="http://schemas.microsoft.com/office/drawing/2014/main" val="2919921209"/>
+                      <a16:colId xmlns:a16="http://schemas.microsoft.com/office/drawing/2014/main" xmlns="" val="2919921209"/>
                     </a:ext>
                   </a:extLst>
                 </a:gridCol>
                 <a:gridCol w="1016000">
                   <a:extLst>
                     <a:ext uri="{9D8B030D-6E8A-4147-A177-3AD203B41FA5}">
-                      <a16:colId xmlns:a16="http://schemas.microsoft.com/office/drawing/2014/main" val="1274578498"/>
+                      <a16:colId xmlns:a16="http://schemas.microsoft.com/office/drawing/2014/main" xmlns="" val="1274578498"/>
                     </a:ext>
                   </a:extLst>
                 </a:gridCol>
                 <a:gridCol w="1016000">
                   <a:extLst>
                     <a:ext uri="{9D8B030D-6E8A-4147-A177-3AD203B41FA5}">
-                      <a16:colId xmlns:a16="http://schemas.microsoft.com/office/drawing/2014/main" val="2473859656"/>
+                      <a16:colId xmlns:a16="http://schemas.microsoft.com/office/drawing/2014/main" xmlns="" val="2473859656"/>
                     </a:ext>
                   </a:extLst>
                 </a:gridCol>
                 <a:gridCol w="1016000">
                   <a:extLst>
                     <a:ext uri="{9D8B030D-6E8A-4147-A177-3AD203B41FA5}">
-                      <a16:colId xmlns:a16="http://schemas.microsoft.com/office/drawing/2014/main" val="4017853280"/>
+                      <a16:colId xmlns:a16="http://schemas.microsoft.com/office/drawing/2014/main" xmlns="" val="4017853280"/>
                     </a:ext>
                   </a:extLst>
                 </a:gridCol>
                 <a:gridCol w="1016000">
                   <a:extLst>
                     <a:ext uri="{9D8B030D-6E8A-4147-A177-3AD203B41FA5}">
-                      <a16:colId xmlns:a16="http://schemas.microsoft.com/office/drawing/2014/main" val="4046979531"/>
+                      <a16:colId xmlns:a16="http://schemas.microsoft.com/office/drawing/2014/main" xmlns="" val="4046979531"/>
                     </a:ext>
                   </a:extLst>
                 </a:gridCol>
                 <a:gridCol w="1016000">
                   <a:extLst>
                     <a:ext uri="{9D8B030D-6E8A-4147-A177-3AD203B41FA5}">
-                      <a16:colId xmlns:a16="http://schemas.microsoft.com/office/drawing/2014/main" val="1236215947"/>
+                      <a16:colId xmlns:a16="http://schemas.microsoft.com/office/drawing/2014/main" xmlns="" val="1236215947"/>
                     </a:ext>
                   </a:extLst>
                 </a:gridCol>
                 <a:gridCol w="1016000">
                   <a:extLst>
                     <a:ext uri="{9D8B030D-6E8A-4147-A177-3AD203B41FA5}">
-                      <a16:colId xmlns:a16="http://schemas.microsoft.com/office/drawing/2014/main" val="3358476489"/>
+                      <a16:colId xmlns:a16="http://schemas.microsoft.com/office/drawing/2014/main" xmlns="" val="3358476489"/>
                     </a:ext>
                   </a:extLst>
                 </a:gridCol>
                 <a:gridCol w="1016000">
                   <a:extLst>
                     <a:ext uri="{9D8B030D-6E8A-4147-A177-3AD203B41FA5}">
-                      <a16:colId xmlns:a16="http://schemas.microsoft.com/office/drawing/2014/main" val="1544053477"/>
+                      <a16:colId xmlns:a16="http://schemas.microsoft.com/office/drawing/2014/main" xmlns="" val="1544053477"/>
                     </a:ext>
                   </a:extLst>
                 </a:gridCol>
@@ -12304,7 +14397,7 @@
                 </a:tc>
                 <a:extLst>
                   <a:ext uri="{0D108BD9-81ED-4DB2-BD59-A6C34878D82A}">
-                    <a16:rowId xmlns:a16="http://schemas.microsoft.com/office/drawing/2014/main" val="2866617908"/>
+                    <a16:rowId xmlns:a16="http://schemas.microsoft.com/office/drawing/2014/main" xmlns="" val="2866617908"/>
                   </a:ext>
                 </a:extLst>
               </a:tr>
@@ -12319,7 +14412,7 @@
               <p:cNvPr id="27" name="文本框 26">
                 <a:extLst>
                   <a:ext uri="{FF2B5EF4-FFF2-40B4-BE49-F238E27FC236}">
-                    <a16:creationId xmlns:a16="http://schemas.microsoft.com/office/drawing/2014/main" id="{AB798EC8-B843-054F-B83E-F046B17C0EA0}"/>
+                    <a16:creationId xmlns:a16="http://schemas.microsoft.com/office/drawing/2014/main" xmlns="" id="{AB798EC8-B843-054F-B83E-F046B17C0EA0}"/>
                   </a:ext>
                 </a:extLst>
               </p:cNvPr>
@@ -12421,7 +14514,7 @@
               <p:cNvPr id="28" name="文本框 27">
                 <a:extLst>
                   <a:ext uri="{FF2B5EF4-FFF2-40B4-BE49-F238E27FC236}">
-                    <a16:creationId xmlns:a16="http://schemas.microsoft.com/office/drawing/2014/main" id="{27D3CC6B-6AA1-2940-8DBA-6F5947FC4C24}"/>
+                    <a16:creationId xmlns:a16="http://schemas.microsoft.com/office/drawing/2014/main" xmlns="" id="{27D3CC6B-6AA1-2940-8DBA-6F5947FC4C24}"/>
                   </a:ext>
                 </a:extLst>
               </p:cNvPr>
@@ -12523,7 +14616,7 @@
               <p:cNvPr id="29" name="文本框 28">
                 <a:extLst>
                   <a:ext uri="{FF2B5EF4-FFF2-40B4-BE49-F238E27FC236}">
-                    <a16:creationId xmlns:a16="http://schemas.microsoft.com/office/drawing/2014/main" id="{30AF67DF-91B8-944B-BA09-4410CB07B996}"/>
+                    <a16:creationId xmlns:a16="http://schemas.microsoft.com/office/drawing/2014/main" xmlns="" id="{30AF67DF-91B8-944B-BA09-4410CB07B996}"/>
                   </a:ext>
                 </a:extLst>
               </p:cNvPr>
@@ -12625,7 +14718,7 @@
               <p:cNvPr id="30" name="文本框 29">
                 <a:extLst>
                   <a:ext uri="{FF2B5EF4-FFF2-40B4-BE49-F238E27FC236}">
-                    <a16:creationId xmlns:a16="http://schemas.microsoft.com/office/drawing/2014/main" id="{A5F9490A-F97E-694F-A85B-353E781F38F6}"/>
+                    <a16:creationId xmlns:a16="http://schemas.microsoft.com/office/drawing/2014/main" xmlns="" id="{A5F9490A-F97E-694F-A85B-353E781F38F6}"/>
                   </a:ext>
                 </a:extLst>
               </p:cNvPr>
@@ -12659,7 +14752,7 @@
                         <m:fPr>
                           <m:ctrlPr>
                             <a:rPr kumimoji="1" lang="en-US" altLang="zh-CN" sz="2400" b="1" i="1" smtClean="0">
-                              <a:latin typeface="Cambria Math" panose="02040503050406030204" pitchFamily="18" charset="0"/>
+                              <a:latin typeface="Cambria Math" charset="0"/>
                             </a:rPr>
                           </m:ctrlPr>
                         </m:fPr>
@@ -12743,10 +14836,17 @@
   <p:clrMapOvr>
     <a:masterClrMapping/>
   </p:clrMapOvr>
+  <p:timing>
+    <p:tnLst>
+      <p:par>
+        <p:cTn id="1" dur="indefinite" restart="never" nodeType="tmRoot"/>
+      </p:par>
+    </p:tnLst>
+  </p:timing>
 </p:sld>
 </file>
 
-<file path=ppt/slides/slide21.xml><?xml version="1.0" encoding="utf-8"?>
+<file path=ppt/slides/slide25.xml><?xml version="1.0" encoding="utf-8"?>
 <p:sld xmlns:a="http://schemas.openxmlformats.org/drawingml/2006/main" xmlns:r="http://schemas.openxmlformats.org/officeDocument/2006/relationships" xmlns:p="http://schemas.openxmlformats.org/presentationml/2006/main">
   <p:cSld>
     <p:spTree>
@@ -12826,7 +14926,7 @@
                           <m:supHide m:val="on"/>
                           <m:ctrlPr>
                             <a:rPr kumimoji="1" lang="en-US" altLang="zh-CN" sz="2800" i="1" smtClean="0">
-                              <a:latin typeface="Cambria Math" panose="02040503050406030204" pitchFamily="18" charset="0"/>
+                              <a:latin typeface="Cambria Math" charset="0"/>
                             </a:rPr>
                           </m:ctrlPr>
                         </m:naryPr>
@@ -12860,7 +14960,7 @@
                               <m:chr m:val="̂"/>
                               <m:ctrlPr>
                                 <a:rPr kumimoji="1" lang="en-US" altLang="zh-CN" sz="2800" i="1">
-                                  <a:latin typeface="Cambria Math" panose="02040503050406030204" pitchFamily="18" charset="0"/>
+                                  <a:latin typeface="Cambria Math" charset="0"/>
                                 </a:rPr>
                               </m:ctrlPr>
                             </m:accPr>
@@ -12869,7 +14969,7 @@
                                 <m:sSubPr>
                                   <m:ctrlPr>
                                     <a:rPr kumimoji="1" lang="en-US" altLang="zh-CN" sz="2800" i="1">
-                                      <a:latin typeface="Cambria Math" panose="02040503050406030204" pitchFamily="18" charset="0"/>
+                                      <a:latin typeface="Cambria Math" charset="0"/>
                                     </a:rPr>
                                   </m:ctrlPr>
                                 </m:sSubPr>
@@ -12912,7 +15012,7 @@
                           <m:endChr m:val=""/>
                           <m:ctrlPr>
                             <a:rPr kumimoji="1" lang="cs-CZ" altLang="zh-CN" sz="2800" b="0" i="1" smtClean="0">
-                              <a:latin typeface="Cambria Math" panose="02040503050406030204" pitchFamily="18" charset="0"/>
+                              <a:latin typeface="Cambria Math" charset="0"/>
                             </a:rPr>
                           </m:ctrlPr>
                         </m:dPr>
@@ -12921,7 +15021,7 @@
                             <m:eqArrPr>
                               <m:ctrlPr>
                                 <a:rPr kumimoji="1" lang="cs-CZ" altLang="zh-CN" sz="2800" b="0" i="1" smtClean="0">
-                                  <a:latin typeface="Cambria Math" panose="02040503050406030204" pitchFamily="18" charset="0"/>
+                                  <a:latin typeface="Cambria Math" charset="0"/>
                                 </a:rPr>
                               </m:ctrlPr>
                             </m:eqArrPr>
@@ -12936,7 +15036,7 @@
                                 <m:sSubPr>
                                   <m:ctrlPr>
                                     <a:rPr kumimoji="1" lang="en-US" altLang="zh-CN" sz="2800" b="0" i="1" smtClean="0">
-                                      <a:latin typeface="Cambria Math" panose="02040503050406030204" pitchFamily="18" charset="0"/>
+                                      <a:latin typeface="Cambria Math" charset="0"/>
                                     </a:rPr>
                                   </m:ctrlPr>
                                 </m:sSubPr>
@@ -12961,7 +15061,7 @@
                                 <m:sSubPr>
                                   <m:ctrlPr>
                                     <a:rPr kumimoji="1" lang="en-US" altLang="zh-CN" sz="2800" b="0" i="1" smtClean="0">
-                                      <a:latin typeface="Cambria Math" panose="02040503050406030204" pitchFamily="18" charset="0"/>
+                                      <a:latin typeface="Cambria Math" charset="0"/>
                                     </a:rPr>
                                   </m:ctrlPr>
                                 </m:sSubPr>
@@ -12992,7 +15092,7 @@
                                 <m:sSubPr>
                                   <m:ctrlPr>
                                     <a:rPr kumimoji="1" lang="en-US" altLang="zh-CN" sz="2800" b="0" i="1" smtClean="0">
-                                      <a:latin typeface="Cambria Math" panose="02040503050406030204" pitchFamily="18" charset="0"/>
+                                      <a:latin typeface="Cambria Math" charset="0"/>
                                     </a:rPr>
                                   </m:ctrlPr>
                                 </m:sSubPr>
@@ -13029,7 +15129,7 @@
                                 <m:sSubPr>
                                   <m:ctrlPr>
                                     <a:rPr kumimoji="1" lang="en-US" altLang="zh-CN" sz="2800" b="0" i="1" smtClean="0">
-                                      <a:latin typeface="Cambria Math" panose="02040503050406030204" pitchFamily="18" charset="0"/>
+                                      <a:latin typeface="Cambria Math" charset="0"/>
                                     </a:rPr>
                                   </m:ctrlPr>
                                 </m:sSubPr>
@@ -13068,7 +15168,7 @@
                                 <m:sSubPr>
                                   <m:ctrlPr>
                                     <a:rPr kumimoji="1" lang="en-US" altLang="zh-CN" sz="2800" i="1">
-                                      <a:latin typeface="Cambria Math" panose="02040503050406030204" pitchFamily="18" charset="0"/>
+                                      <a:latin typeface="Cambria Math" charset="0"/>
                                     </a:rPr>
                                   </m:ctrlPr>
                                 </m:sSubPr>
@@ -13105,7 +15205,7 @@
                                 <m:sSubPr>
                                   <m:ctrlPr>
                                     <a:rPr kumimoji="1" lang="en-US" altLang="zh-CN" sz="2800" i="1">
-                                      <a:latin typeface="Cambria Math" panose="02040503050406030204" pitchFamily="18" charset="0"/>
+                                      <a:latin typeface="Cambria Math" charset="0"/>
                                     </a:rPr>
                                   </m:ctrlPr>
                                 </m:sSubPr>
@@ -13223,7 +15323,7 @@
                       <m:sSubPr>
                         <m:ctrlPr>
                           <a:rPr kumimoji="1" lang="en-US" altLang="zh-CN" sz="2800" b="0" i="1" smtClean="0">
-                            <a:latin typeface="Cambria Math" panose="02040503050406030204" pitchFamily="18" charset="0"/>
+                            <a:latin typeface="Cambria Math" charset="0"/>
                             <a:ea typeface="Times New Roman" charset="0"/>
                             <a:cs typeface="Times New Roman" charset="0"/>
                           </a:rPr>
@@ -13234,7 +15334,7 @@
                           <m:sSubPr>
                             <m:ctrlPr>
                               <a:rPr kumimoji="1" lang="en-US" altLang="zh-CN" sz="2800" b="0" i="1" smtClean="0">
-                                <a:latin typeface="Cambria Math" panose="02040503050406030204" pitchFamily="18" charset="0"/>
+                                <a:latin typeface="Cambria Math" charset="0"/>
                                 <a:ea typeface="Times New Roman" charset="0"/>
                                 <a:cs typeface="Times New Roman" charset="0"/>
                               </a:rPr>
@@ -13301,7 +15401,7 @@
                       <m:sSubPr>
                         <m:ctrlPr>
                           <a:rPr kumimoji="1" lang="en-US" altLang="zh-CN" sz="2800" b="0" i="1" smtClean="0">
-                            <a:latin typeface="Cambria Math" panose="02040503050406030204" pitchFamily="18" charset="0"/>
+                            <a:latin typeface="Cambria Math" charset="0"/>
                             <a:ea typeface="Times New Roman" charset="0"/>
                             <a:cs typeface="Times New Roman" charset="0"/>
                           </a:rPr>
@@ -13360,7 +15460,7 @@
                       <m:funcPr>
                         <m:ctrlPr>
                           <a:rPr kumimoji="1" lang="mr-IN" altLang="zh-CN" sz="2800" i="1" smtClean="0">
-                            <a:latin typeface="Cambria Math" panose="02040503050406030204" pitchFamily="18" charset="0"/>
+                            <a:latin typeface="Cambria Math" charset="0"/>
                             <a:ea typeface="Times New Roman" charset="0"/>
                             <a:cs typeface="Times New Roman" charset="0"/>
                           </a:rPr>
@@ -13371,7 +15471,7 @@
                           <m:limLowPr>
                             <m:ctrlPr>
                               <a:rPr kumimoji="1" lang="mr-IN" altLang="zh-CN" sz="2800" i="1" smtClean="0">
-                                <a:latin typeface="Cambria Math" panose="02040503050406030204" pitchFamily="18" charset="0"/>
+                                <a:latin typeface="Cambria Math" charset="0"/>
                                 <a:ea typeface="Times New Roman" charset="0"/>
                                 <a:cs typeface="Times New Roman" charset="0"/>
                               </a:rPr>
@@ -13382,7 +15482,7 @@
                               <m:sSubPr>
                                 <m:ctrlPr>
                                   <a:rPr kumimoji="1" lang="en-US" altLang="zh-CN" sz="2800" b="0" i="1" smtClean="0">
-                                    <a:latin typeface="Cambria Math" panose="02040503050406030204" pitchFamily="18" charset="0"/>
+                                    <a:latin typeface="Cambria Math" charset="0"/>
                                     <a:ea typeface="Times New Roman" charset="0"/>
                                     <a:cs typeface="Times New Roman" charset="0"/>
                                   </a:rPr>
@@ -13446,7 +15546,7 @@
                           <m:sSubPr>
                             <m:ctrlPr>
                               <a:rPr kumimoji="1" lang="en-US" altLang="zh-CN" sz="2800" b="0" i="1" smtClean="0">
-                                <a:latin typeface="Cambria Math" panose="02040503050406030204" pitchFamily="18" charset="0"/>
+                                <a:latin typeface="Cambria Math" charset="0"/>
                                 <a:ea typeface="Times New Roman" charset="0"/>
                                 <a:cs typeface="Times New Roman" charset="0"/>
                               </a:rPr>
@@ -13538,10 +15638,17 @@
   <p:clrMapOvr>
     <a:masterClrMapping/>
   </p:clrMapOvr>
+  <p:timing>
+    <p:tnLst>
+      <p:par>
+        <p:cTn id="1" dur="indefinite" restart="never" nodeType="tmRoot"/>
+      </p:par>
+    </p:tnLst>
+  </p:timing>
 </p:sld>
 </file>
 
-<file path=ppt/slides/slide22.xml><?xml version="1.0" encoding="utf-8"?>
+<file path=ppt/slides/slide26.xml><?xml version="1.0" encoding="utf-8"?>
 <p:sld xmlns:a="http://schemas.openxmlformats.org/drawingml/2006/main" xmlns:r="http://schemas.openxmlformats.org/officeDocument/2006/relationships" xmlns:p="http://schemas.openxmlformats.org/presentationml/2006/main">
   <p:cSld>
     <p:spTree>
@@ -13625,10 +15732,17 @@
   <p:clrMapOvr>
     <a:masterClrMapping/>
   </p:clrMapOvr>
+  <p:timing>
+    <p:tnLst>
+      <p:par>
+        <p:cTn id="1" dur="indefinite" restart="never" nodeType="tmRoot"/>
+      </p:par>
+    </p:tnLst>
+  </p:timing>
 </p:sld>
 </file>
 
-<file path=ppt/slides/slide23.xml><?xml version="1.0" encoding="utf-8"?>
+<file path=ppt/slides/slide27.xml><?xml version="1.0" encoding="utf-8"?>
 <p:sld xmlns:a="http://schemas.openxmlformats.org/drawingml/2006/main" xmlns:r="http://schemas.openxmlformats.org/officeDocument/2006/relationships" xmlns:p="http://schemas.openxmlformats.org/presentationml/2006/main">
   <p:cSld>
     <p:spTree>
@@ -13650,7 +15764,7 @@
           <p:cNvPr id="2" name="标题 1">
             <a:extLst>
               <a:ext uri="{FF2B5EF4-FFF2-40B4-BE49-F238E27FC236}">
-                <a16:creationId xmlns:a16="http://schemas.microsoft.com/office/drawing/2014/main" id="{6BD3BC95-97FB-854B-BC45-4D2B05ECEC9F}"/>
+                <a16:creationId xmlns:a16="http://schemas.microsoft.com/office/drawing/2014/main" xmlns="" id="{6BD3BC95-97FB-854B-BC45-4D2B05ECEC9F}"/>
               </a:ext>
             </a:extLst>
           </p:cNvPr>
@@ -13685,7 +15799,7 @@
           <p:cNvPr id="35" name="椭圆 34">
             <a:extLst>
               <a:ext uri="{FF2B5EF4-FFF2-40B4-BE49-F238E27FC236}">
-                <a16:creationId xmlns:a16="http://schemas.microsoft.com/office/drawing/2014/main" id="{FE177A80-294D-D74F-9193-54F0F6931790}"/>
+                <a16:creationId xmlns:a16="http://schemas.microsoft.com/office/drawing/2014/main" xmlns="" id="{FE177A80-294D-D74F-9193-54F0F6931790}"/>
               </a:ext>
             </a:extLst>
           </p:cNvPr>
@@ -13731,7 +15845,7 @@
           <p:cNvPr id="36" name="椭圆 35">
             <a:extLst>
               <a:ext uri="{FF2B5EF4-FFF2-40B4-BE49-F238E27FC236}">
-                <a16:creationId xmlns:a16="http://schemas.microsoft.com/office/drawing/2014/main" id="{BC6EE5D6-B812-5A44-8E2E-0D340A99F527}"/>
+                <a16:creationId xmlns:a16="http://schemas.microsoft.com/office/drawing/2014/main" xmlns="" id="{BC6EE5D6-B812-5A44-8E2E-0D340A99F527}"/>
               </a:ext>
             </a:extLst>
           </p:cNvPr>
@@ -13780,7 +15894,7 @@
           <p:cNvPr id="70" name="矩形 69">
             <a:extLst>
               <a:ext uri="{FF2B5EF4-FFF2-40B4-BE49-F238E27FC236}">
-                <a16:creationId xmlns:a16="http://schemas.microsoft.com/office/drawing/2014/main" id="{76DC12EF-3E78-4744-B092-2511D4394ED4}"/>
+                <a16:creationId xmlns:a16="http://schemas.microsoft.com/office/drawing/2014/main" xmlns="" id="{76DC12EF-3E78-4744-B092-2511D4394ED4}"/>
               </a:ext>
             </a:extLst>
           </p:cNvPr>
@@ -13826,7 +15940,7 @@
           <p:cNvPr id="71" name="矩形 70">
             <a:extLst>
               <a:ext uri="{FF2B5EF4-FFF2-40B4-BE49-F238E27FC236}">
-                <a16:creationId xmlns:a16="http://schemas.microsoft.com/office/drawing/2014/main" id="{1CBCA22F-4911-4144-B568-385765FDD372}"/>
+                <a16:creationId xmlns:a16="http://schemas.microsoft.com/office/drawing/2014/main" xmlns="" id="{1CBCA22F-4911-4144-B568-385765FDD372}"/>
               </a:ext>
             </a:extLst>
           </p:cNvPr>
@@ -13872,7 +15986,7 @@
           <p:cNvPr id="72" name="椭圆 71">
             <a:extLst>
               <a:ext uri="{FF2B5EF4-FFF2-40B4-BE49-F238E27FC236}">
-                <a16:creationId xmlns:a16="http://schemas.microsoft.com/office/drawing/2014/main" id="{CD70E9C7-E090-FC47-B17E-B628E54D05FA}"/>
+                <a16:creationId xmlns:a16="http://schemas.microsoft.com/office/drawing/2014/main" xmlns="" id="{CD70E9C7-E090-FC47-B17E-B628E54D05FA}"/>
               </a:ext>
             </a:extLst>
           </p:cNvPr>
@@ -13918,7 +16032,7 @@
           <p:cNvPr id="73" name="直线连接符 72">
             <a:extLst>
               <a:ext uri="{FF2B5EF4-FFF2-40B4-BE49-F238E27FC236}">
-                <a16:creationId xmlns:a16="http://schemas.microsoft.com/office/drawing/2014/main" id="{8F3893D3-96CB-E14C-B718-FF139035D674}"/>
+                <a16:creationId xmlns:a16="http://schemas.microsoft.com/office/drawing/2014/main" xmlns="" id="{8F3893D3-96CB-E14C-B718-FF139035D674}"/>
               </a:ext>
             </a:extLst>
           </p:cNvPr>
@@ -13963,7 +16077,7 @@
           <p:cNvPr id="74" name="直线连接符 73">
             <a:extLst>
               <a:ext uri="{FF2B5EF4-FFF2-40B4-BE49-F238E27FC236}">
-                <a16:creationId xmlns:a16="http://schemas.microsoft.com/office/drawing/2014/main" id="{0FAEEE3F-00C1-C94A-97FA-CE21D40B8CB7}"/>
+                <a16:creationId xmlns:a16="http://schemas.microsoft.com/office/drawing/2014/main" xmlns="" id="{0FAEEE3F-00C1-C94A-97FA-CE21D40B8CB7}"/>
               </a:ext>
             </a:extLst>
           </p:cNvPr>
@@ -14008,7 +16122,7 @@
           <p:cNvPr id="75" name="矩形 74">
             <a:extLst>
               <a:ext uri="{FF2B5EF4-FFF2-40B4-BE49-F238E27FC236}">
-                <a16:creationId xmlns:a16="http://schemas.microsoft.com/office/drawing/2014/main" id="{E75CA6BA-015B-014E-AB8A-35BF63F8E901}"/>
+                <a16:creationId xmlns:a16="http://schemas.microsoft.com/office/drawing/2014/main" xmlns="" id="{E75CA6BA-015B-014E-AB8A-35BF63F8E901}"/>
               </a:ext>
             </a:extLst>
           </p:cNvPr>
@@ -14054,7 +16168,7 @@
           <p:cNvPr id="76" name="矩形 75">
             <a:extLst>
               <a:ext uri="{FF2B5EF4-FFF2-40B4-BE49-F238E27FC236}">
-                <a16:creationId xmlns:a16="http://schemas.microsoft.com/office/drawing/2014/main" id="{51D6FEDD-A53E-A24B-BE7E-092955A49847}"/>
+                <a16:creationId xmlns:a16="http://schemas.microsoft.com/office/drawing/2014/main" xmlns="" id="{51D6FEDD-A53E-A24B-BE7E-092955A49847}"/>
               </a:ext>
             </a:extLst>
           </p:cNvPr>
@@ -14100,7 +16214,7 @@
           <p:cNvPr id="77" name="椭圆 76">
             <a:extLst>
               <a:ext uri="{FF2B5EF4-FFF2-40B4-BE49-F238E27FC236}">
-                <a16:creationId xmlns:a16="http://schemas.microsoft.com/office/drawing/2014/main" id="{28C8ED9E-0A7A-F143-9504-88BA23264A68}"/>
+                <a16:creationId xmlns:a16="http://schemas.microsoft.com/office/drawing/2014/main" xmlns="" id="{28C8ED9E-0A7A-F143-9504-88BA23264A68}"/>
               </a:ext>
             </a:extLst>
           </p:cNvPr>
@@ -14146,7 +16260,7 @@
           <p:cNvPr id="78" name="直线连接符 77">
             <a:extLst>
               <a:ext uri="{FF2B5EF4-FFF2-40B4-BE49-F238E27FC236}">
-                <a16:creationId xmlns:a16="http://schemas.microsoft.com/office/drawing/2014/main" id="{D7C680DE-E525-3D4F-B145-B7C61368168A}"/>
+                <a16:creationId xmlns:a16="http://schemas.microsoft.com/office/drawing/2014/main" xmlns="" id="{D7C680DE-E525-3D4F-B145-B7C61368168A}"/>
               </a:ext>
             </a:extLst>
           </p:cNvPr>
@@ -14191,7 +16305,7 @@
           <p:cNvPr id="79" name="直线连接符 78">
             <a:extLst>
               <a:ext uri="{FF2B5EF4-FFF2-40B4-BE49-F238E27FC236}">
-                <a16:creationId xmlns:a16="http://schemas.microsoft.com/office/drawing/2014/main" id="{52E496C5-2194-5540-8B69-4A614CB2C695}"/>
+                <a16:creationId xmlns:a16="http://schemas.microsoft.com/office/drawing/2014/main" xmlns="" id="{52E496C5-2194-5540-8B69-4A614CB2C695}"/>
               </a:ext>
             </a:extLst>
           </p:cNvPr>
@@ -14236,7 +16350,7 @@
           <p:cNvPr id="80" name="直线连接符 79">
             <a:extLst>
               <a:ext uri="{FF2B5EF4-FFF2-40B4-BE49-F238E27FC236}">
-                <a16:creationId xmlns:a16="http://schemas.microsoft.com/office/drawing/2014/main" id="{B2F72FF8-CB71-9440-8AB4-9B899631BE0A}"/>
+                <a16:creationId xmlns:a16="http://schemas.microsoft.com/office/drawing/2014/main" xmlns="" id="{B2F72FF8-CB71-9440-8AB4-9B899631BE0A}"/>
               </a:ext>
             </a:extLst>
           </p:cNvPr>
@@ -14281,7 +16395,7 @@
           <p:cNvPr id="83" name="直线连接符 82">
             <a:extLst>
               <a:ext uri="{FF2B5EF4-FFF2-40B4-BE49-F238E27FC236}">
-                <a16:creationId xmlns:a16="http://schemas.microsoft.com/office/drawing/2014/main" id="{CB8ECDB2-18F6-ED40-BF29-0E4204300FF1}"/>
+                <a16:creationId xmlns:a16="http://schemas.microsoft.com/office/drawing/2014/main" xmlns="" id="{CB8ECDB2-18F6-ED40-BF29-0E4204300FF1}"/>
               </a:ext>
             </a:extLst>
           </p:cNvPr>
@@ -14326,7 +16440,7 @@
           <p:cNvPr id="86" name="椭圆 85">
             <a:extLst>
               <a:ext uri="{FF2B5EF4-FFF2-40B4-BE49-F238E27FC236}">
-                <a16:creationId xmlns:a16="http://schemas.microsoft.com/office/drawing/2014/main" id="{D1E67824-653C-E74B-968D-3A3D0E990C80}"/>
+                <a16:creationId xmlns:a16="http://schemas.microsoft.com/office/drawing/2014/main" xmlns="" id="{D1E67824-653C-E74B-968D-3A3D0E990C80}"/>
               </a:ext>
             </a:extLst>
           </p:cNvPr>
@@ -14375,7 +16489,7 @@
           <p:cNvPr id="87" name="矩形 86">
             <a:extLst>
               <a:ext uri="{FF2B5EF4-FFF2-40B4-BE49-F238E27FC236}">
-                <a16:creationId xmlns:a16="http://schemas.microsoft.com/office/drawing/2014/main" id="{CE639E0C-5CED-7845-B8E2-188D7E851CD1}"/>
+                <a16:creationId xmlns:a16="http://schemas.microsoft.com/office/drawing/2014/main" xmlns="" id="{CE639E0C-5CED-7845-B8E2-188D7E851CD1}"/>
               </a:ext>
             </a:extLst>
           </p:cNvPr>
@@ -14429,7 +16543,7 @@
           <p:cNvPr id="88" name="矩形 87">
             <a:extLst>
               <a:ext uri="{FF2B5EF4-FFF2-40B4-BE49-F238E27FC236}">
-                <a16:creationId xmlns:a16="http://schemas.microsoft.com/office/drawing/2014/main" id="{ED911405-A61F-AF48-87AF-11B13D5DAF38}"/>
+                <a16:creationId xmlns:a16="http://schemas.microsoft.com/office/drawing/2014/main" xmlns="" id="{ED911405-A61F-AF48-87AF-11B13D5DAF38}"/>
               </a:ext>
             </a:extLst>
           </p:cNvPr>
@@ -14475,7 +16589,7 @@
           <p:cNvPr id="89" name="椭圆 88">
             <a:extLst>
               <a:ext uri="{FF2B5EF4-FFF2-40B4-BE49-F238E27FC236}">
-                <a16:creationId xmlns:a16="http://schemas.microsoft.com/office/drawing/2014/main" id="{451C4244-70E6-4542-8B8C-950146583A1D}"/>
+                <a16:creationId xmlns:a16="http://schemas.microsoft.com/office/drawing/2014/main" xmlns="" id="{451C4244-70E6-4542-8B8C-950146583A1D}"/>
               </a:ext>
             </a:extLst>
           </p:cNvPr>
@@ -14524,7 +16638,7 @@
           <p:cNvPr id="90" name="直线连接符 89">
             <a:extLst>
               <a:ext uri="{FF2B5EF4-FFF2-40B4-BE49-F238E27FC236}">
-                <a16:creationId xmlns:a16="http://schemas.microsoft.com/office/drawing/2014/main" id="{D8A0E0E2-635A-C94E-AED8-A6524FE9CF46}"/>
+                <a16:creationId xmlns:a16="http://schemas.microsoft.com/office/drawing/2014/main" xmlns="" id="{D8A0E0E2-635A-C94E-AED8-A6524FE9CF46}"/>
               </a:ext>
             </a:extLst>
           </p:cNvPr>
@@ -14569,7 +16683,7 @@
           <p:cNvPr id="91" name="直线连接符 90">
             <a:extLst>
               <a:ext uri="{FF2B5EF4-FFF2-40B4-BE49-F238E27FC236}">
-                <a16:creationId xmlns:a16="http://schemas.microsoft.com/office/drawing/2014/main" id="{91DCF7F9-7067-4742-AAE9-5541B02DA910}"/>
+                <a16:creationId xmlns:a16="http://schemas.microsoft.com/office/drawing/2014/main" xmlns="" id="{91DCF7F9-7067-4742-AAE9-5541B02DA910}"/>
               </a:ext>
             </a:extLst>
           </p:cNvPr>
@@ -14614,7 +16728,7 @@
           <p:cNvPr id="92" name="矩形 91">
             <a:extLst>
               <a:ext uri="{FF2B5EF4-FFF2-40B4-BE49-F238E27FC236}">
-                <a16:creationId xmlns:a16="http://schemas.microsoft.com/office/drawing/2014/main" id="{60E7D525-D61D-134B-B62D-5B76DDCC14F5}"/>
+                <a16:creationId xmlns:a16="http://schemas.microsoft.com/office/drawing/2014/main" xmlns="" id="{60E7D525-D61D-134B-B62D-5B76DDCC14F5}"/>
               </a:ext>
             </a:extLst>
           </p:cNvPr>
@@ -14660,7 +16774,7 @@
           <p:cNvPr id="93" name="矩形 92">
             <a:extLst>
               <a:ext uri="{FF2B5EF4-FFF2-40B4-BE49-F238E27FC236}">
-                <a16:creationId xmlns:a16="http://schemas.microsoft.com/office/drawing/2014/main" id="{A8800A96-5B4C-5445-B173-27E1FC332247}"/>
+                <a16:creationId xmlns:a16="http://schemas.microsoft.com/office/drawing/2014/main" xmlns="" id="{A8800A96-5B4C-5445-B173-27E1FC332247}"/>
               </a:ext>
             </a:extLst>
           </p:cNvPr>
@@ -14706,7 +16820,7 @@
           <p:cNvPr id="94" name="椭圆 93">
             <a:extLst>
               <a:ext uri="{FF2B5EF4-FFF2-40B4-BE49-F238E27FC236}">
-                <a16:creationId xmlns:a16="http://schemas.microsoft.com/office/drawing/2014/main" id="{EB4A5D39-59E0-BC46-A35D-1B10808219D4}"/>
+                <a16:creationId xmlns:a16="http://schemas.microsoft.com/office/drawing/2014/main" xmlns="" id="{EB4A5D39-59E0-BC46-A35D-1B10808219D4}"/>
               </a:ext>
             </a:extLst>
           </p:cNvPr>
@@ -14752,7 +16866,7 @@
           <p:cNvPr id="95" name="直线连接符 94">
             <a:extLst>
               <a:ext uri="{FF2B5EF4-FFF2-40B4-BE49-F238E27FC236}">
-                <a16:creationId xmlns:a16="http://schemas.microsoft.com/office/drawing/2014/main" id="{5A6A792C-A19D-8D40-B56B-9279B5CE0D85}"/>
+                <a16:creationId xmlns:a16="http://schemas.microsoft.com/office/drawing/2014/main" xmlns="" id="{5A6A792C-A19D-8D40-B56B-9279B5CE0D85}"/>
               </a:ext>
             </a:extLst>
           </p:cNvPr>
@@ -14797,7 +16911,7 @@
           <p:cNvPr id="96" name="直线连接符 95">
             <a:extLst>
               <a:ext uri="{FF2B5EF4-FFF2-40B4-BE49-F238E27FC236}">
-                <a16:creationId xmlns:a16="http://schemas.microsoft.com/office/drawing/2014/main" id="{D5A10680-6902-4244-B81A-7EBDAED0CFDF}"/>
+                <a16:creationId xmlns:a16="http://schemas.microsoft.com/office/drawing/2014/main" xmlns="" id="{D5A10680-6902-4244-B81A-7EBDAED0CFDF}"/>
               </a:ext>
             </a:extLst>
           </p:cNvPr>
@@ -14842,7 +16956,7 @@
           <p:cNvPr id="97" name="直线连接符 96">
             <a:extLst>
               <a:ext uri="{FF2B5EF4-FFF2-40B4-BE49-F238E27FC236}">
-                <a16:creationId xmlns:a16="http://schemas.microsoft.com/office/drawing/2014/main" id="{4C7B2CBB-05F8-1C48-BB82-81EFD7C255EE}"/>
+                <a16:creationId xmlns:a16="http://schemas.microsoft.com/office/drawing/2014/main" xmlns="" id="{4C7B2CBB-05F8-1C48-BB82-81EFD7C255EE}"/>
               </a:ext>
             </a:extLst>
           </p:cNvPr>
@@ -14887,7 +17001,7 @@
           <p:cNvPr id="98" name="直线连接符 97">
             <a:extLst>
               <a:ext uri="{FF2B5EF4-FFF2-40B4-BE49-F238E27FC236}">
-                <a16:creationId xmlns:a16="http://schemas.microsoft.com/office/drawing/2014/main" id="{BCCCD3ED-50F1-7A49-8FF2-C0393660C362}"/>
+                <a16:creationId xmlns:a16="http://schemas.microsoft.com/office/drawing/2014/main" xmlns="" id="{BCCCD3ED-50F1-7A49-8FF2-C0393660C362}"/>
               </a:ext>
             </a:extLst>
           </p:cNvPr>
@@ -14932,7 +17046,7 @@
           <p:cNvPr id="99" name="直线连接符 98">
             <a:extLst>
               <a:ext uri="{FF2B5EF4-FFF2-40B4-BE49-F238E27FC236}">
-                <a16:creationId xmlns:a16="http://schemas.microsoft.com/office/drawing/2014/main" id="{54CA5F68-92C8-D245-B66B-0A8135500154}"/>
+                <a16:creationId xmlns:a16="http://schemas.microsoft.com/office/drawing/2014/main" xmlns="" id="{54CA5F68-92C8-D245-B66B-0A8135500154}"/>
               </a:ext>
             </a:extLst>
           </p:cNvPr>
@@ -14977,7 +17091,7 @@
           <p:cNvPr id="102" name="直线连接符 101">
             <a:extLst>
               <a:ext uri="{FF2B5EF4-FFF2-40B4-BE49-F238E27FC236}">
-                <a16:creationId xmlns:a16="http://schemas.microsoft.com/office/drawing/2014/main" id="{D25792AE-BA15-4C4D-9B9B-E8116F709353}"/>
+                <a16:creationId xmlns:a16="http://schemas.microsoft.com/office/drawing/2014/main" xmlns="" id="{D25792AE-BA15-4C4D-9B9B-E8116F709353}"/>
               </a:ext>
             </a:extLst>
           </p:cNvPr>
@@ -15022,7 +17136,7 @@
           <p:cNvPr id="134" name="椭圆 133">
             <a:extLst>
               <a:ext uri="{FF2B5EF4-FFF2-40B4-BE49-F238E27FC236}">
-                <a16:creationId xmlns:a16="http://schemas.microsoft.com/office/drawing/2014/main" id="{D812FCEC-45C2-B344-801D-231FDC0CD8C9}"/>
+                <a16:creationId xmlns:a16="http://schemas.microsoft.com/office/drawing/2014/main" xmlns="" id="{D812FCEC-45C2-B344-801D-231FDC0CD8C9}"/>
               </a:ext>
             </a:extLst>
           </p:cNvPr>
@@ -15068,7 +17182,7 @@
           <p:cNvPr id="135" name="椭圆 134">
             <a:extLst>
               <a:ext uri="{FF2B5EF4-FFF2-40B4-BE49-F238E27FC236}">
-                <a16:creationId xmlns:a16="http://schemas.microsoft.com/office/drawing/2014/main" id="{45853432-1967-0E48-92F5-0FE48174D819}"/>
+                <a16:creationId xmlns:a16="http://schemas.microsoft.com/office/drawing/2014/main" xmlns="" id="{45853432-1967-0E48-92F5-0FE48174D819}"/>
               </a:ext>
             </a:extLst>
           </p:cNvPr>
@@ -15117,7 +17231,7 @@
           <p:cNvPr id="136" name="矩形 135">
             <a:extLst>
               <a:ext uri="{FF2B5EF4-FFF2-40B4-BE49-F238E27FC236}">
-                <a16:creationId xmlns:a16="http://schemas.microsoft.com/office/drawing/2014/main" id="{53905ACF-99DD-F742-B3F9-98736B3484DB}"/>
+                <a16:creationId xmlns:a16="http://schemas.microsoft.com/office/drawing/2014/main" xmlns="" id="{53905ACF-99DD-F742-B3F9-98736B3484DB}"/>
               </a:ext>
             </a:extLst>
           </p:cNvPr>
@@ -15163,7 +17277,7 @@
           <p:cNvPr id="137" name="矩形 136">
             <a:extLst>
               <a:ext uri="{FF2B5EF4-FFF2-40B4-BE49-F238E27FC236}">
-                <a16:creationId xmlns:a16="http://schemas.microsoft.com/office/drawing/2014/main" id="{B89B761A-F90C-EE46-9B43-C6656AC2353C}"/>
+                <a16:creationId xmlns:a16="http://schemas.microsoft.com/office/drawing/2014/main" xmlns="" id="{B89B761A-F90C-EE46-9B43-C6656AC2353C}"/>
               </a:ext>
             </a:extLst>
           </p:cNvPr>
@@ -15209,7 +17323,7 @@
           <p:cNvPr id="138" name="椭圆 137">
             <a:extLst>
               <a:ext uri="{FF2B5EF4-FFF2-40B4-BE49-F238E27FC236}">
-                <a16:creationId xmlns:a16="http://schemas.microsoft.com/office/drawing/2014/main" id="{1C8B860B-F86D-4B4B-9193-876CD7DC0907}"/>
+                <a16:creationId xmlns:a16="http://schemas.microsoft.com/office/drawing/2014/main" xmlns="" id="{1C8B860B-F86D-4B4B-9193-876CD7DC0907}"/>
               </a:ext>
             </a:extLst>
           </p:cNvPr>
@@ -15255,7 +17369,7 @@
           <p:cNvPr id="139" name="直线连接符 138">
             <a:extLst>
               <a:ext uri="{FF2B5EF4-FFF2-40B4-BE49-F238E27FC236}">
-                <a16:creationId xmlns:a16="http://schemas.microsoft.com/office/drawing/2014/main" id="{38202E17-7B59-C649-865C-21D4F76A306D}"/>
+                <a16:creationId xmlns:a16="http://schemas.microsoft.com/office/drawing/2014/main" xmlns="" id="{38202E17-7B59-C649-865C-21D4F76A306D}"/>
               </a:ext>
             </a:extLst>
           </p:cNvPr>
@@ -15300,7 +17414,7 @@
           <p:cNvPr id="140" name="直线连接符 139">
             <a:extLst>
               <a:ext uri="{FF2B5EF4-FFF2-40B4-BE49-F238E27FC236}">
-                <a16:creationId xmlns:a16="http://schemas.microsoft.com/office/drawing/2014/main" id="{A686937A-936E-D841-80F9-D60C793716A1}"/>
+                <a16:creationId xmlns:a16="http://schemas.microsoft.com/office/drawing/2014/main" xmlns="" id="{A686937A-936E-D841-80F9-D60C793716A1}"/>
               </a:ext>
             </a:extLst>
           </p:cNvPr>
@@ -15345,7 +17459,7 @@
           <p:cNvPr id="141" name="矩形 140">
             <a:extLst>
               <a:ext uri="{FF2B5EF4-FFF2-40B4-BE49-F238E27FC236}">
-                <a16:creationId xmlns:a16="http://schemas.microsoft.com/office/drawing/2014/main" id="{D3476BC9-3617-2349-AD3A-4D84C847071B}"/>
+                <a16:creationId xmlns:a16="http://schemas.microsoft.com/office/drawing/2014/main" xmlns="" id="{D3476BC9-3617-2349-AD3A-4D84C847071B}"/>
               </a:ext>
             </a:extLst>
           </p:cNvPr>
@@ -15391,7 +17505,7 @@
           <p:cNvPr id="142" name="矩形 141">
             <a:extLst>
               <a:ext uri="{FF2B5EF4-FFF2-40B4-BE49-F238E27FC236}">
-                <a16:creationId xmlns:a16="http://schemas.microsoft.com/office/drawing/2014/main" id="{35D61483-E1EA-2F47-A87D-5C5DAAF4C881}"/>
+                <a16:creationId xmlns:a16="http://schemas.microsoft.com/office/drawing/2014/main" xmlns="" id="{35D61483-E1EA-2F47-A87D-5C5DAAF4C881}"/>
               </a:ext>
             </a:extLst>
           </p:cNvPr>
@@ -15437,7 +17551,7 @@
           <p:cNvPr id="143" name="椭圆 142">
             <a:extLst>
               <a:ext uri="{FF2B5EF4-FFF2-40B4-BE49-F238E27FC236}">
-                <a16:creationId xmlns:a16="http://schemas.microsoft.com/office/drawing/2014/main" id="{E2395878-95EC-F440-B899-6DB2E3106F63}"/>
+                <a16:creationId xmlns:a16="http://schemas.microsoft.com/office/drawing/2014/main" xmlns="" id="{E2395878-95EC-F440-B899-6DB2E3106F63}"/>
               </a:ext>
             </a:extLst>
           </p:cNvPr>
@@ -15483,7 +17597,7 @@
           <p:cNvPr id="144" name="直线连接符 143">
             <a:extLst>
               <a:ext uri="{FF2B5EF4-FFF2-40B4-BE49-F238E27FC236}">
-                <a16:creationId xmlns:a16="http://schemas.microsoft.com/office/drawing/2014/main" id="{CD20C65D-F06D-DD44-B428-C81AA47372D7}"/>
+                <a16:creationId xmlns:a16="http://schemas.microsoft.com/office/drawing/2014/main" xmlns="" id="{CD20C65D-F06D-DD44-B428-C81AA47372D7}"/>
               </a:ext>
             </a:extLst>
           </p:cNvPr>
@@ -15528,7 +17642,7 @@
           <p:cNvPr id="145" name="直线连接符 144">
             <a:extLst>
               <a:ext uri="{FF2B5EF4-FFF2-40B4-BE49-F238E27FC236}">
-                <a16:creationId xmlns:a16="http://schemas.microsoft.com/office/drawing/2014/main" id="{4A9E221B-42B3-C740-B0F0-1A2B9833930E}"/>
+                <a16:creationId xmlns:a16="http://schemas.microsoft.com/office/drawing/2014/main" xmlns="" id="{4A9E221B-42B3-C740-B0F0-1A2B9833930E}"/>
               </a:ext>
             </a:extLst>
           </p:cNvPr>
@@ -15573,7 +17687,7 @@
           <p:cNvPr id="146" name="直线连接符 145">
             <a:extLst>
               <a:ext uri="{FF2B5EF4-FFF2-40B4-BE49-F238E27FC236}">
-                <a16:creationId xmlns:a16="http://schemas.microsoft.com/office/drawing/2014/main" id="{A7B7AC7C-9690-9944-B1FE-CBA8452577D4}"/>
+                <a16:creationId xmlns:a16="http://schemas.microsoft.com/office/drawing/2014/main" xmlns="" id="{A7B7AC7C-9690-9944-B1FE-CBA8452577D4}"/>
               </a:ext>
             </a:extLst>
           </p:cNvPr>
@@ -15618,7 +17732,7 @@
           <p:cNvPr id="147" name="直线连接符 146">
             <a:extLst>
               <a:ext uri="{FF2B5EF4-FFF2-40B4-BE49-F238E27FC236}">
-                <a16:creationId xmlns:a16="http://schemas.microsoft.com/office/drawing/2014/main" id="{6D66B493-EBF1-EC42-BE0A-D44EB359DE35}"/>
+                <a16:creationId xmlns:a16="http://schemas.microsoft.com/office/drawing/2014/main" xmlns="" id="{6D66B493-EBF1-EC42-BE0A-D44EB359DE35}"/>
               </a:ext>
             </a:extLst>
           </p:cNvPr>
@@ -15663,7 +17777,7 @@
           <p:cNvPr id="148" name="椭圆 147">
             <a:extLst>
               <a:ext uri="{FF2B5EF4-FFF2-40B4-BE49-F238E27FC236}">
-                <a16:creationId xmlns:a16="http://schemas.microsoft.com/office/drawing/2014/main" id="{9671E381-8C9A-7249-8690-9A97FE6CEC37}"/>
+                <a16:creationId xmlns:a16="http://schemas.microsoft.com/office/drawing/2014/main" xmlns="" id="{9671E381-8C9A-7249-8690-9A97FE6CEC37}"/>
               </a:ext>
             </a:extLst>
           </p:cNvPr>
@@ -15712,7 +17826,7 @@
           <p:cNvPr id="149" name="矩形 148">
             <a:extLst>
               <a:ext uri="{FF2B5EF4-FFF2-40B4-BE49-F238E27FC236}">
-                <a16:creationId xmlns:a16="http://schemas.microsoft.com/office/drawing/2014/main" id="{88213569-380C-704D-8320-D89BC8332040}"/>
+                <a16:creationId xmlns:a16="http://schemas.microsoft.com/office/drawing/2014/main" xmlns="" id="{88213569-380C-704D-8320-D89BC8332040}"/>
               </a:ext>
             </a:extLst>
           </p:cNvPr>
@@ -15758,7 +17872,7 @@
           <p:cNvPr id="150" name="矩形 149">
             <a:extLst>
               <a:ext uri="{FF2B5EF4-FFF2-40B4-BE49-F238E27FC236}">
-                <a16:creationId xmlns:a16="http://schemas.microsoft.com/office/drawing/2014/main" id="{CC2D48BD-2F54-1846-9FE6-B2926D606B96}"/>
+                <a16:creationId xmlns:a16="http://schemas.microsoft.com/office/drawing/2014/main" xmlns="" id="{CC2D48BD-2F54-1846-9FE6-B2926D606B96}"/>
               </a:ext>
             </a:extLst>
           </p:cNvPr>
@@ -15804,7 +17918,7 @@
           <p:cNvPr id="151" name="椭圆 150">
             <a:extLst>
               <a:ext uri="{FF2B5EF4-FFF2-40B4-BE49-F238E27FC236}">
-                <a16:creationId xmlns:a16="http://schemas.microsoft.com/office/drawing/2014/main" id="{CC3C0616-22E1-C94C-8B56-7F7DD53DC4D3}"/>
+                <a16:creationId xmlns:a16="http://schemas.microsoft.com/office/drawing/2014/main" xmlns="" id="{CC3C0616-22E1-C94C-8B56-7F7DD53DC4D3}"/>
               </a:ext>
             </a:extLst>
           </p:cNvPr>
@@ -15850,7 +17964,7 @@
           <p:cNvPr id="152" name="直线连接符 151">
             <a:extLst>
               <a:ext uri="{FF2B5EF4-FFF2-40B4-BE49-F238E27FC236}">
-                <a16:creationId xmlns:a16="http://schemas.microsoft.com/office/drawing/2014/main" id="{60B11272-6AB9-CA4C-B732-26120A0C2D95}"/>
+                <a16:creationId xmlns:a16="http://schemas.microsoft.com/office/drawing/2014/main" xmlns="" id="{60B11272-6AB9-CA4C-B732-26120A0C2D95}"/>
               </a:ext>
             </a:extLst>
           </p:cNvPr>
@@ -15895,7 +18009,7 @@
           <p:cNvPr id="153" name="直线连接符 152">
             <a:extLst>
               <a:ext uri="{FF2B5EF4-FFF2-40B4-BE49-F238E27FC236}">
-                <a16:creationId xmlns:a16="http://schemas.microsoft.com/office/drawing/2014/main" id="{ED220DF5-351F-AF4A-BFC5-E3A9ACFD304F}"/>
+                <a16:creationId xmlns:a16="http://schemas.microsoft.com/office/drawing/2014/main" xmlns="" id="{ED220DF5-351F-AF4A-BFC5-E3A9ACFD304F}"/>
               </a:ext>
             </a:extLst>
           </p:cNvPr>
@@ -15940,7 +18054,7 @@
           <p:cNvPr id="154" name="矩形 153">
             <a:extLst>
               <a:ext uri="{FF2B5EF4-FFF2-40B4-BE49-F238E27FC236}">
-                <a16:creationId xmlns:a16="http://schemas.microsoft.com/office/drawing/2014/main" id="{4B8DE2BB-3A6E-E14F-8864-AA75D7DDD0E9}"/>
+                <a16:creationId xmlns:a16="http://schemas.microsoft.com/office/drawing/2014/main" xmlns="" id="{4B8DE2BB-3A6E-E14F-8864-AA75D7DDD0E9}"/>
               </a:ext>
             </a:extLst>
           </p:cNvPr>
@@ -15986,7 +18100,7 @@
           <p:cNvPr id="155" name="矩形 154">
             <a:extLst>
               <a:ext uri="{FF2B5EF4-FFF2-40B4-BE49-F238E27FC236}">
-                <a16:creationId xmlns:a16="http://schemas.microsoft.com/office/drawing/2014/main" id="{72AE0033-0163-7044-AE9F-701DB78B7EF9}"/>
+                <a16:creationId xmlns:a16="http://schemas.microsoft.com/office/drawing/2014/main" xmlns="" id="{72AE0033-0163-7044-AE9F-701DB78B7EF9}"/>
               </a:ext>
             </a:extLst>
           </p:cNvPr>
@@ -16040,7 +18154,7 @@
           <p:cNvPr id="156" name="椭圆 155">
             <a:extLst>
               <a:ext uri="{FF2B5EF4-FFF2-40B4-BE49-F238E27FC236}">
-                <a16:creationId xmlns:a16="http://schemas.microsoft.com/office/drawing/2014/main" id="{8ABA1EAD-85CF-F84F-AE56-875490D8D171}"/>
+                <a16:creationId xmlns:a16="http://schemas.microsoft.com/office/drawing/2014/main" xmlns="" id="{8ABA1EAD-85CF-F84F-AE56-875490D8D171}"/>
               </a:ext>
             </a:extLst>
           </p:cNvPr>
@@ -16089,7 +18203,7 @@
           <p:cNvPr id="157" name="直线连接符 156">
             <a:extLst>
               <a:ext uri="{FF2B5EF4-FFF2-40B4-BE49-F238E27FC236}">
-                <a16:creationId xmlns:a16="http://schemas.microsoft.com/office/drawing/2014/main" id="{2C4DA044-EEA3-2648-9022-9D4B646E54CE}"/>
+                <a16:creationId xmlns:a16="http://schemas.microsoft.com/office/drawing/2014/main" xmlns="" id="{2C4DA044-EEA3-2648-9022-9D4B646E54CE}"/>
               </a:ext>
             </a:extLst>
           </p:cNvPr>
@@ -16134,7 +18248,7 @@
           <p:cNvPr id="158" name="直线连接符 157">
             <a:extLst>
               <a:ext uri="{FF2B5EF4-FFF2-40B4-BE49-F238E27FC236}">
-                <a16:creationId xmlns:a16="http://schemas.microsoft.com/office/drawing/2014/main" id="{678F7910-1BFB-1C48-A5F5-C6B0119E35A2}"/>
+                <a16:creationId xmlns:a16="http://schemas.microsoft.com/office/drawing/2014/main" xmlns="" id="{678F7910-1BFB-1C48-A5F5-C6B0119E35A2}"/>
               </a:ext>
             </a:extLst>
           </p:cNvPr>
@@ -16179,7 +18293,7 @@
           <p:cNvPr id="159" name="直线连接符 158">
             <a:extLst>
               <a:ext uri="{FF2B5EF4-FFF2-40B4-BE49-F238E27FC236}">
-                <a16:creationId xmlns:a16="http://schemas.microsoft.com/office/drawing/2014/main" id="{FD1849BE-468D-E749-AF86-14B2A3AD676B}"/>
+                <a16:creationId xmlns:a16="http://schemas.microsoft.com/office/drawing/2014/main" xmlns="" id="{FD1849BE-468D-E749-AF86-14B2A3AD676B}"/>
               </a:ext>
             </a:extLst>
           </p:cNvPr>
@@ -16224,7 +18338,7 @@
           <p:cNvPr id="160" name="直线连接符 159">
             <a:extLst>
               <a:ext uri="{FF2B5EF4-FFF2-40B4-BE49-F238E27FC236}">
-                <a16:creationId xmlns:a16="http://schemas.microsoft.com/office/drawing/2014/main" id="{87FC241E-5606-0041-957F-54DD1CBD07D5}"/>
+                <a16:creationId xmlns:a16="http://schemas.microsoft.com/office/drawing/2014/main" xmlns="" id="{87FC241E-5606-0041-957F-54DD1CBD07D5}"/>
               </a:ext>
             </a:extLst>
           </p:cNvPr>
@@ -16269,7 +18383,7 @@
           <p:cNvPr id="161" name="直线连接符 160">
             <a:extLst>
               <a:ext uri="{FF2B5EF4-FFF2-40B4-BE49-F238E27FC236}">
-                <a16:creationId xmlns:a16="http://schemas.microsoft.com/office/drawing/2014/main" id="{0BC2BEE3-84D2-ED4F-878B-6B9F20A153A1}"/>
+                <a16:creationId xmlns:a16="http://schemas.microsoft.com/office/drawing/2014/main" xmlns="" id="{0BC2BEE3-84D2-ED4F-878B-6B9F20A153A1}"/>
               </a:ext>
             </a:extLst>
           </p:cNvPr>
@@ -16314,7 +18428,7 @@
           <p:cNvPr id="162" name="直线连接符 161">
             <a:extLst>
               <a:ext uri="{FF2B5EF4-FFF2-40B4-BE49-F238E27FC236}">
-                <a16:creationId xmlns:a16="http://schemas.microsoft.com/office/drawing/2014/main" id="{59280443-0F11-4B41-9BEB-DBD789224C23}"/>
+                <a16:creationId xmlns:a16="http://schemas.microsoft.com/office/drawing/2014/main" xmlns="" id="{59280443-0F11-4B41-9BEB-DBD789224C23}"/>
               </a:ext>
             </a:extLst>
           </p:cNvPr>
@@ -16359,7 +18473,7 @@
           <p:cNvPr id="163" name="直线连接符 162">
             <a:extLst>
               <a:ext uri="{FF2B5EF4-FFF2-40B4-BE49-F238E27FC236}">
-                <a16:creationId xmlns:a16="http://schemas.microsoft.com/office/drawing/2014/main" id="{35C3ACE2-A346-E247-B354-ED1FEF266398}"/>
+                <a16:creationId xmlns:a16="http://schemas.microsoft.com/office/drawing/2014/main" xmlns="" id="{35C3ACE2-A346-E247-B354-ED1FEF266398}"/>
               </a:ext>
             </a:extLst>
           </p:cNvPr>
@@ -16404,7 +18518,7 @@
           <p:cNvPr id="167" name="直线连接符 166">
             <a:extLst>
               <a:ext uri="{FF2B5EF4-FFF2-40B4-BE49-F238E27FC236}">
-                <a16:creationId xmlns:a16="http://schemas.microsoft.com/office/drawing/2014/main" id="{270DAD3F-5BD1-114F-9BCB-96D7576A28B2}"/>
+                <a16:creationId xmlns:a16="http://schemas.microsoft.com/office/drawing/2014/main" xmlns="" id="{270DAD3F-5BD1-114F-9BCB-96D7576A28B2}"/>
               </a:ext>
             </a:extLst>
           </p:cNvPr>
@@ -16449,7 +18563,7 @@
           <p:cNvPr id="171" name="直线连接符 170">
             <a:extLst>
               <a:ext uri="{FF2B5EF4-FFF2-40B4-BE49-F238E27FC236}">
-                <a16:creationId xmlns:a16="http://schemas.microsoft.com/office/drawing/2014/main" id="{A69F57B0-9D7B-5543-B28B-F2BD7A758EDC}"/>
+                <a16:creationId xmlns:a16="http://schemas.microsoft.com/office/drawing/2014/main" xmlns="" id="{A69F57B0-9D7B-5543-B28B-F2BD7A758EDC}"/>
               </a:ext>
             </a:extLst>
           </p:cNvPr>
@@ -16494,7 +18608,7 @@
           <p:cNvPr id="174" name="直线连接符 173">
             <a:extLst>
               <a:ext uri="{FF2B5EF4-FFF2-40B4-BE49-F238E27FC236}">
-                <a16:creationId xmlns:a16="http://schemas.microsoft.com/office/drawing/2014/main" id="{FBDE3D2C-3C8B-684F-9435-9925D8338848}"/>
+                <a16:creationId xmlns:a16="http://schemas.microsoft.com/office/drawing/2014/main" xmlns="" id="{FBDE3D2C-3C8B-684F-9435-9925D8338848}"/>
               </a:ext>
             </a:extLst>
           </p:cNvPr>
@@ -16539,7 +18653,7 @@
           <p:cNvPr id="177" name="文本框 176">
             <a:extLst>
               <a:ext uri="{FF2B5EF4-FFF2-40B4-BE49-F238E27FC236}">
-                <a16:creationId xmlns:a16="http://schemas.microsoft.com/office/drawing/2014/main" id="{128FD6A5-9F23-3148-B97B-6423C263EA9F}"/>
+                <a16:creationId xmlns:a16="http://schemas.microsoft.com/office/drawing/2014/main" xmlns="" id="{128FD6A5-9F23-3148-B97B-6423C263EA9F}"/>
               </a:ext>
             </a:extLst>
           </p:cNvPr>
@@ -16581,7 +18695,7 @@
           <p:cNvPr id="178" name="文本框 177">
             <a:extLst>
               <a:ext uri="{FF2B5EF4-FFF2-40B4-BE49-F238E27FC236}">
-                <a16:creationId xmlns:a16="http://schemas.microsoft.com/office/drawing/2014/main" id="{0BD26BDE-C67E-6946-A6EF-445FF4963E5B}"/>
+                <a16:creationId xmlns:a16="http://schemas.microsoft.com/office/drawing/2014/main" xmlns="" id="{0BD26BDE-C67E-6946-A6EF-445FF4963E5B}"/>
               </a:ext>
             </a:extLst>
           </p:cNvPr>
@@ -16623,7 +18737,7 @@
           <p:cNvPr id="181" name="文本框 180">
             <a:extLst>
               <a:ext uri="{FF2B5EF4-FFF2-40B4-BE49-F238E27FC236}">
-                <a16:creationId xmlns:a16="http://schemas.microsoft.com/office/drawing/2014/main" id="{B1ADFEB5-0EA8-9B49-9D8B-245DE3DE3401}"/>
+                <a16:creationId xmlns:a16="http://schemas.microsoft.com/office/drawing/2014/main" xmlns="" id="{B1ADFEB5-0EA8-9B49-9D8B-245DE3DE3401}"/>
               </a:ext>
             </a:extLst>
           </p:cNvPr>
@@ -16665,7 +18779,7 @@
           <p:cNvPr id="182" name="文本框 181">
             <a:extLst>
               <a:ext uri="{FF2B5EF4-FFF2-40B4-BE49-F238E27FC236}">
-                <a16:creationId xmlns:a16="http://schemas.microsoft.com/office/drawing/2014/main" id="{43FD427D-A3AE-D444-9B78-34BD9AD289C2}"/>
+                <a16:creationId xmlns:a16="http://schemas.microsoft.com/office/drawing/2014/main" xmlns="" id="{43FD427D-A3AE-D444-9B78-34BD9AD289C2}"/>
               </a:ext>
             </a:extLst>
           </p:cNvPr>
@@ -16709,7 +18823,7 @@
               <p:cNvPr id="183" name="文本框 182">
                 <a:extLst>
                   <a:ext uri="{FF2B5EF4-FFF2-40B4-BE49-F238E27FC236}">
-                    <a16:creationId xmlns:a16="http://schemas.microsoft.com/office/drawing/2014/main" id="{3F3E9AD1-90DC-0E44-AD0E-A1BA45CD1F16}"/>
+                    <a16:creationId xmlns:a16="http://schemas.microsoft.com/office/drawing/2014/main" xmlns="" id="{3F3E9AD1-90DC-0E44-AD0E-A1BA45CD1F16}"/>
                   </a:ext>
                 </a:extLst>
               </p:cNvPr>
@@ -16785,7 +18899,7 @@
                         <m:dPr>
                           <m:ctrlPr>
                             <a:rPr kumimoji="1" lang="en-US" altLang="zh-CN" sz="2400" b="1" i="1" smtClean="0">
-                              <a:latin typeface="Cambria Math" panose="02040503050406030204" pitchFamily="18" charset="0"/>
+                              <a:latin typeface="Cambria Math" charset="0"/>
                               <a:cs typeface="Times New Roman" panose="02020603050405020304" pitchFamily="18" charset="0"/>
                             </a:rPr>
                           </m:ctrlPr>
@@ -16945,7 +19059,7 @@
           <p:cNvPr id="81" name="椭圆 80">
             <a:extLst>
               <a:ext uri="{FF2B5EF4-FFF2-40B4-BE49-F238E27FC236}">
-                <a16:creationId xmlns:a16="http://schemas.microsoft.com/office/drawing/2014/main" id="{D1E67824-653C-E74B-968D-3A3D0E990C80}"/>
+                <a16:creationId xmlns:a16="http://schemas.microsoft.com/office/drawing/2014/main" xmlns="" id="{D1E67824-653C-E74B-968D-3A3D0E990C80}"/>
               </a:ext>
             </a:extLst>
           </p:cNvPr>
@@ -16994,7 +19108,7 @@
           <p:cNvPr id="100" name="椭圆 99">
             <a:extLst>
               <a:ext uri="{FF2B5EF4-FFF2-40B4-BE49-F238E27FC236}">
-                <a16:creationId xmlns:a16="http://schemas.microsoft.com/office/drawing/2014/main" id="{FE177A80-294D-D74F-9193-54F0F6931790}"/>
+                <a16:creationId xmlns:a16="http://schemas.microsoft.com/office/drawing/2014/main" xmlns="" id="{FE177A80-294D-D74F-9193-54F0F6931790}"/>
               </a:ext>
             </a:extLst>
           </p:cNvPr>
@@ -17040,7 +19154,7 @@
           <p:cNvPr id="101" name="椭圆 100">
             <a:extLst>
               <a:ext uri="{FF2B5EF4-FFF2-40B4-BE49-F238E27FC236}">
-                <a16:creationId xmlns:a16="http://schemas.microsoft.com/office/drawing/2014/main" id="{9671E381-8C9A-7249-8690-9A97FE6CEC37}"/>
+                <a16:creationId xmlns:a16="http://schemas.microsoft.com/office/drawing/2014/main" xmlns="" id="{9671E381-8C9A-7249-8690-9A97FE6CEC37}"/>
               </a:ext>
             </a:extLst>
           </p:cNvPr>
@@ -17089,7 +19203,7 @@
           <p:cNvPr id="103" name="椭圆 102">
             <a:extLst>
               <a:ext uri="{FF2B5EF4-FFF2-40B4-BE49-F238E27FC236}">
-                <a16:creationId xmlns:a16="http://schemas.microsoft.com/office/drawing/2014/main" id="{D812FCEC-45C2-B344-801D-231FDC0CD8C9}"/>
+                <a16:creationId xmlns:a16="http://schemas.microsoft.com/office/drawing/2014/main" xmlns="" id="{D812FCEC-45C2-B344-801D-231FDC0CD8C9}"/>
               </a:ext>
             </a:extLst>
           </p:cNvPr>
@@ -17135,7 +19249,7 @@
           <p:cNvPr id="105" name="直线连接符 104">
             <a:extLst>
               <a:ext uri="{FF2B5EF4-FFF2-40B4-BE49-F238E27FC236}">
-                <a16:creationId xmlns:a16="http://schemas.microsoft.com/office/drawing/2014/main" id="{4C7B2CBB-05F8-1C48-BB82-81EFD7C255EE}"/>
+                <a16:creationId xmlns:a16="http://schemas.microsoft.com/office/drawing/2014/main" xmlns="" id="{4C7B2CBB-05F8-1C48-BB82-81EFD7C255EE}"/>
               </a:ext>
             </a:extLst>
           </p:cNvPr>
@@ -17180,7 +19294,7 @@
           <p:cNvPr id="106" name="直线连接符 105">
             <a:extLst>
               <a:ext uri="{FF2B5EF4-FFF2-40B4-BE49-F238E27FC236}">
-                <a16:creationId xmlns:a16="http://schemas.microsoft.com/office/drawing/2014/main" id="{4C7B2CBB-05F8-1C48-BB82-81EFD7C255EE}"/>
+                <a16:creationId xmlns:a16="http://schemas.microsoft.com/office/drawing/2014/main" xmlns="" id="{4C7B2CBB-05F8-1C48-BB82-81EFD7C255EE}"/>
               </a:ext>
             </a:extLst>
           </p:cNvPr>
@@ -17225,7 +19339,7 @@
           <p:cNvPr id="108" name="直线连接符 107">
             <a:extLst>
               <a:ext uri="{FF2B5EF4-FFF2-40B4-BE49-F238E27FC236}">
-                <a16:creationId xmlns:a16="http://schemas.microsoft.com/office/drawing/2014/main" id="{B2F72FF8-CB71-9440-8AB4-9B899631BE0A}"/>
+                <a16:creationId xmlns:a16="http://schemas.microsoft.com/office/drawing/2014/main" xmlns="" id="{B2F72FF8-CB71-9440-8AB4-9B899631BE0A}"/>
               </a:ext>
             </a:extLst>
           </p:cNvPr>
@@ -17270,7 +19384,7 @@
           <p:cNvPr id="111" name="直线连接符 110">
             <a:extLst>
               <a:ext uri="{FF2B5EF4-FFF2-40B4-BE49-F238E27FC236}">
-                <a16:creationId xmlns:a16="http://schemas.microsoft.com/office/drawing/2014/main" id="{B2F72FF8-CB71-9440-8AB4-9B899631BE0A}"/>
+                <a16:creationId xmlns:a16="http://schemas.microsoft.com/office/drawing/2014/main" xmlns="" id="{B2F72FF8-CB71-9440-8AB4-9B899631BE0A}"/>
               </a:ext>
             </a:extLst>
           </p:cNvPr>
@@ -17315,7 +19429,7 @@
           <p:cNvPr id="115" name="直线连接符 114">
             <a:extLst>
               <a:ext uri="{FF2B5EF4-FFF2-40B4-BE49-F238E27FC236}">
-                <a16:creationId xmlns:a16="http://schemas.microsoft.com/office/drawing/2014/main" id="{FD1849BE-468D-E749-AF86-14B2A3AD676B}"/>
+                <a16:creationId xmlns:a16="http://schemas.microsoft.com/office/drawing/2014/main" xmlns="" id="{FD1849BE-468D-E749-AF86-14B2A3AD676B}"/>
               </a:ext>
             </a:extLst>
           </p:cNvPr>
@@ -17360,7 +19474,7 @@
           <p:cNvPr id="118" name="直线连接符 117">
             <a:extLst>
               <a:ext uri="{FF2B5EF4-FFF2-40B4-BE49-F238E27FC236}">
-                <a16:creationId xmlns:a16="http://schemas.microsoft.com/office/drawing/2014/main" id="{FD1849BE-468D-E749-AF86-14B2A3AD676B}"/>
+                <a16:creationId xmlns:a16="http://schemas.microsoft.com/office/drawing/2014/main" xmlns="" id="{FD1849BE-468D-E749-AF86-14B2A3AD676B}"/>
               </a:ext>
             </a:extLst>
           </p:cNvPr>
@@ -17405,7 +19519,7 @@
           <p:cNvPr id="121" name="直线连接符 120">
             <a:extLst>
               <a:ext uri="{FF2B5EF4-FFF2-40B4-BE49-F238E27FC236}">
-                <a16:creationId xmlns:a16="http://schemas.microsoft.com/office/drawing/2014/main" id="{FD1849BE-468D-E749-AF86-14B2A3AD676B}"/>
+                <a16:creationId xmlns:a16="http://schemas.microsoft.com/office/drawing/2014/main" xmlns="" id="{FD1849BE-468D-E749-AF86-14B2A3AD676B}"/>
               </a:ext>
             </a:extLst>
           </p:cNvPr>
@@ -17450,7 +19564,7 @@
           <p:cNvPr id="125" name="直线连接符 124">
             <a:extLst>
               <a:ext uri="{FF2B5EF4-FFF2-40B4-BE49-F238E27FC236}">
-                <a16:creationId xmlns:a16="http://schemas.microsoft.com/office/drawing/2014/main" id="{FD1849BE-468D-E749-AF86-14B2A3AD676B}"/>
+                <a16:creationId xmlns:a16="http://schemas.microsoft.com/office/drawing/2014/main" xmlns="" id="{FD1849BE-468D-E749-AF86-14B2A3AD676B}"/>
               </a:ext>
             </a:extLst>
           </p:cNvPr>
@@ -17495,7 +19609,7 @@
           <p:cNvPr id="164" name="椭圆 163">
             <a:extLst>
               <a:ext uri="{FF2B5EF4-FFF2-40B4-BE49-F238E27FC236}">
-                <a16:creationId xmlns:a16="http://schemas.microsoft.com/office/drawing/2014/main" id="{BC6EE5D6-B812-5A44-8E2E-0D340A99F527}"/>
+                <a16:creationId xmlns:a16="http://schemas.microsoft.com/office/drawing/2014/main" xmlns="" id="{BC6EE5D6-B812-5A44-8E2E-0D340A99F527}"/>
               </a:ext>
             </a:extLst>
           </p:cNvPr>
@@ -17544,7 +19658,7 @@
           <p:cNvPr id="165" name="椭圆 164">
             <a:extLst>
               <a:ext uri="{FF2B5EF4-FFF2-40B4-BE49-F238E27FC236}">
-                <a16:creationId xmlns:a16="http://schemas.microsoft.com/office/drawing/2014/main" id="{BC6EE5D6-B812-5A44-8E2E-0D340A99F527}"/>
+                <a16:creationId xmlns:a16="http://schemas.microsoft.com/office/drawing/2014/main" xmlns="" id="{BC6EE5D6-B812-5A44-8E2E-0D340A99F527}"/>
               </a:ext>
             </a:extLst>
           </p:cNvPr>
@@ -17593,7 +19707,7 @@
           <p:cNvPr id="166" name="直线连接符 165">
             <a:extLst>
               <a:ext uri="{FF2B5EF4-FFF2-40B4-BE49-F238E27FC236}">
-                <a16:creationId xmlns:a16="http://schemas.microsoft.com/office/drawing/2014/main" id="{270DAD3F-5BD1-114F-9BCB-96D7576A28B2}"/>
+                <a16:creationId xmlns:a16="http://schemas.microsoft.com/office/drawing/2014/main" xmlns="" id="{270DAD3F-5BD1-114F-9BCB-96D7576A28B2}"/>
               </a:ext>
             </a:extLst>
           </p:cNvPr>
@@ -17638,7 +19752,7 @@
           <p:cNvPr id="168" name="直线连接符 167">
             <a:extLst>
               <a:ext uri="{FF2B5EF4-FFF2-40B4-BE49-F238E27FC236}">
-                <a16:creationId xmlns:a16="http://schemas.microsoft.com/office/drawing/2014/main" id="{270DAD3F-5BD1-114F-9BCB-96D7576A28B2}"/>
+                <a16:creationId xmlns:a16="http://schemas.microsoft.com/office/drawing/2014/main" xmlns="" id="{270DAD3F-5BD1-114F-9BCB-96D7576A28B2}"/>
               </a:ext>
             </a:extLst>
           </p:cNvPr>
@@ -17683,7 +19797,7 @@
           <p:cNvPr id="169" name="直线连接符 168">
             <a:extLst>
               <a:ext uri="{FF2B5EF4-FFF2-40B4-BE49-F238E27FC236}">
-                <a16:creationId xmlns:a16="http://schemas.microsoft.com/office/drawing/2014/main" id="{270DAD3F-5BD1-114F-9BCB-96D7576A28B2}"/>
+                <a16:creationId xmlns:a16="http://schemas.microsoft.com/office/drawing/2014/main" xmlns="" id="{270DAD3F-5BD1-114F-9BCB-96D7576A28B2}"/>
               </a:ext>
             </a:extLst>
           </p:cNvPr>
@@ -17728,7 +19842,7 @@
           <p:cNvPr id="170" name="直线连接符 169">
             <a:extLst>
               <a:ext uri="{FF2B5EF4-FFF2-40B4-BE49-F238E27FC236}">
-                <a16:creationId xmlns:a16="http://schemas.microsoft.com/office/drawing/2014/main" id="{270DAD3F-5BD1-114F-9BCB-96D7576A28B2}"/>
+                <a16:creationId xmlns:a16="http://schemas.microsoft.com/office/drawing/2014/main" xmlns="" id="{270DAD3F-5BD1-114F-9BCB-96D7576A28B2}"/>
               </a:ext>
             </a:extLst>
           </p:cNvPr>
@@ -17773,7 +19887,7 @@
           <p:cNvPr id="172" name="直线连接符 171">
             <a:extLst>
               <a:ext uri="{FF2B5EF4-FFF2-40B4-BE49-F238E27FC236}">
-                <a16:creationId xmlns:a16="http://schemas.microsoft.com/office/drawing/2014/main" id="{270DAD3F-5BD1-114F-9BCB-96D7576A28B2}"/>
+                <a16:creationId xmlns:a16="http://schemas.microsoft.com/office/drawing/2014/main" xmlns="" id="{270DAD3F-5BD1-114F-9BCB-96D7576A28B2}"/>
               </a:ext>
             </a:extLst>
           </p:cNvPr>
@@ -17818,7 +19932,7 @@
           <p:cNvPr id="173" name="直线连接符 172">
             <a:extLst>
               <a:ext uri="{FF2B5EF4-FFF2-40B4-BE49-F238E27FC236}">
-                <a16:creationId xmlns:a16="http://schemas.microsoft.com/office/drawing/2014/main" id="{270DAD3F-5BD1-114F-9BCB-96D7576A28B2}"/>
+                <a16:creationId xmlns:a16="http://schemas.microsoft.com/office/drawing/2014/main" xmlns="" id="{270DAD3F-5BD1-114F-9BCB-96D7576A28B2}"/>
               </a:ext>
             </a:extLst>
           </p:cNvPr>
@@ -17863,7 +19977,7 @@
           <p:cNvPr id="175" name="直线连接符 174">
             <a:extLst>
               <a:ext uri="{FF2B5EF4-FFF2-40B4-BE49-F238E27FC236}">
-                <a16:creationId xmlns:a16="http://schemas.microsoft.com/office/drawing/2014/main" id="{270DAD3F-5BD1-114F-9BCB-96D7576A28B2}"/>
+                <a16:creationId xmlns:a16="http://schemas.microsoft.com/office/drawing/2014/main" xmlns="" id="{270DAD3F-5BD1-114F-9BCB-96D7576A28B2}"/>
               </a:ext>
             </a:extLst>
           </p:cNvPr>
@@ -17908,7 +20022,7 @@
           <p:cNvPr id="176" name="直线连接符 175">
             <a:extLst>
               <a:ext uri="{FF2B5EF4-FFF2-40B4-BE49-F238E27FC236}">
-                <a16:creationId xmlns:a16="http://schemas.microsoft.com/office/drawing/2014/main" id="{270DAD3F-5BD1-114F-9BCB-96D7576A28B2}"/>
+                <a16:creationId xmlns:a16="http://schemas.microsoft.com/office/drawing/2014/main" xmlns="" id="{270DAD3F-5BD1-114F-9BCB-96D7576A28B2}"/>
               </a:ext>
             </a:extLst>
           </p:cNvPr>
@@ -17953,7 +20067,7 @@
           <p:cNvPr id="184" name="文本框 183">
             <a:extLst>
               <a:ext uri="{FF2B5EF4-FFF2-40B4-BE49-F238E27FC236}">
-                <a16:creationId xmlns:a16="http://schemas.microsoft.com/office/drawing/2014/main" id="{0BD26BDE-C67E-6946-A6EF-445FF4963E5B}"/>
+                <a16:creationId xmlns:a16="http://schemas.microsoft.com/office/drawing/2014/main" xmlns="" id="{0BD26BDE-C67E-6946-A6EF-445FF4963E5B}"/>
               </a:ext>
             </a:extLst>
           </p:cNvPr>
@@ -17995,7 +20109,7 @@
           <p:cNvPr id="185" name="文本框 184">
             <a:extLst>
               <a:ext uri="{FF2B5EF4-FFF2-40B4-BE49-F238E27FC236}">
-                <a16:creationId xmlns:a16="http://schemas.microsoft.com/office/drawing/2014/main" id="{0BD26BDE-C67E-6946-A6EF-445FF4963E5B}"/>
+                <a16:creationId xmlns:a16="http://schemas.microsoft.com/office/drawing/2014/main" xmlns="" id="{0BD26BDE-C67E-6946-A6EF-445FF4963E5B}"/>
               </a:ext>
             </a:extLst>
           </p:cNvPr>
@@ -18037,7 +20151,7 @@
           <p:cNvPr id="186" name="文本框 185">
             <a:extLst>
               <a:ext uri="{FF2B5EF4-FFF2-40B4-BE49-F238E27FC236}">
-                <a16:creationId xmlns:a16="http://schemas.microsoft.com/office/drawing/2014/main" id="{0BD26BDE-C67E-6946-A6EF-445FF4963E5B}"/>
+                <a16:creationId xmlns:a16="http://schemas.microsoft.com/office/drawing/2014/main" xmlns="" id="{0BD26BDE-C67E-6946-A6EF-445FF4963E5B}"/>
               </a:ext>
             </a:extLst>
           </p:cNvPr>
@@ -18079,7 +20193,7 @@
           <p:cNvPr id="187" name="文本框 186">
             <a:extLst>
               <a:ext uri="{FF2B5EF4-FFF2-40B4-BE49-F238E27FC236}">
-                <a16:creationId xmlns:a16="http://schemas.microsoft.com/office/drawing/2014/main" id="{0BD26BDE-C67E-6946-A6EF-445FF4963E5B}"/>
+                <a16:creationId xmlns:a16="http://schemas.microsoft.com/office/drawing/2014/main" xmlns="" id="{0BD26BDE-C67E-6946-A6EF-445FF4963E5B}"/>
               </a:ext>
             </a:extLst>
           </p:cNvPr>
@@ -18121,7 +20235,7 @@
           <p:cNvPr id="188" name="文本框 187">
             <a:extLst>
               <a:ext uri="{FF2B5EF4-FFF2-40B4-BE49-F238E27FC236}">
-                <a16:creationId xmlns:a16="http://schemas.microsoft.com/office/drawing/2014/main" id="{0BD26BDE-C67E-6946-A6EF-445FF4963E5B}"/>
+                <a16:creationId xmlns:a16="http://schemas.microsoft.com/office/drawing/2014/main" xmlns="" id="{0BD26BDE-C67E-6946-A6EF-445FF4963E5B}"/>
               </a:ext>
             </a:extLst>
           </p:cNvPr>
@@ -18170,7 +20284,7 @@
           <p:cNvPr id="189" name="文本框 188">
             <a:extLst>
               <a:ext uri="{FF2B5EF4-FFF2-40B4-BE49-F238E27FC236}">
-                <a16:creationId xmlns:a16="http://schemas.microsoft.com/office/drawing/2014/main" id="{0BD26BDE-C67E-6946-A6EF-445FF4963E5B}"/>
+                <a16:creationId xmlns:a16="http://schemas.microsoft.com/office/drawing/2014/main" xmlns="" id="{0BD26BDE-C67E-6946-A6EF-445FF4963E5B}"/>
               </a:ext>
             </a:extLst>
           </p:cNvPr>
@@ -18217,10 +20331,17 @@
   <p:clrMapOvr>
     <a:masterClrMapping/>
   </p:clrMapOvr>
+  <p:timing>
+    <p:tnLst>
+      <p:par>
+        <p:cTn id="1" dur="indefinite" restart="never" nodeType="tmRoot"/>
+      </p:par>
+    </p:tnLst>
+  </p:timing>
 </p:sld>
 </file>
 
-<file path=ppt/slides/slide24.xml><?xml version="1.0" encoding="utf-8"?>
+<file path=ppt/slides/slide28.xml><?xml version="1.0" encoding="utf-8"?>
 <p:sld xmlns:a="http://schemas.openxmlformats.org/drawingml/2006/main" xmlns:r="http://schemas.openxmlformats.org/officeDocument/2006/relationships" xmlns:p="http://schemas.openxmlformats.org/presentationml/2006/main">
   <p:cSld>
     <p:spTree>
@@ -18476,7 +20597,7 @@
           <p:cNvPr id="22" name="表格 21">
             <a:extLst>
               <a:ext uri="{FF2B5EF4-FFF2-40B4-BE49-F238E27FC236}">
-                <a16:creationId xmlns:a16="http://schemas.microsoft.com/office/drawing/2014/main" id="{BBD8331B-80DE-5E4F-9E00-43915192637C}"/>
+                <a16:creationId xmlns:a16="http://schemas.microsoft.com/office/drawing/2014/main" xmlns="" id="{BBD8331B-80DE-5E4F-9E00-43915192637C}"/>
               </a:ext>
             </a:extLst>
           </p:cNvPr>
@@ -18505,42 +20626,42 @@
                 <a:gridCol w="1016000">
                   <a:extLst>
                     <a:ext uri="{9D8B030D-6E8A-4147-A177-3AD203B41FA5}">
-                      <a16:colId xmlns:a16="http://schemas.microsoft.com/office/drawing/2014/main" val="2919921209"/>
+                      <a16:colId xmlns:a16="http://schemas.microsoft.com/office/drawing/2014/main" xmlns="" val="2919921209"/>
                     </a:ext>
                   </a:extLst>
                 </a:gridCol>
                 <a:gridCol w="1016000">
                   <a:extLst>
                     <a:ext uri="{9D8B030D-6E8A-4147-A177-3AD203B41FA5}">
-                      <a16:colId xmlns:a16="http://schemas.microsoft.com/office/drawing/2014/main" val="1274578498"/>
+                      <a16:colId xmlns:a16="http://schemas.microsoft.com/office/drawing/2014/main" xmlns="" val="1274578498"/>
                     </a:ext>
                   </a:extLst>
                 </a:gridCol>
                 <a:gridCol w="1016000">
                   <a:extLst>
                     <a:ext uri="{9D8B030D-6E8A-4147-A177-3AD203B41FA5}">
-                      <a16:colId xmlns:a16="http://schemas.microsoft.com/office/drawing/2014/main" val="2473859656"/>
+                      <a16:colId xmlns:a16="http://schemas.microsoft.com/office/drawing/2014/main" xmlns="" val="2473859656"/>
                     </a:ext>
                   </a:extLst>
                 </a:gridCol>
                 <a:gridCol w="1016000">
                   <a:extLst>
                     <a:ext uri="{9D8B030D-6E8A-4147-A177-3AD203B41FA5}">
-                      <a16:colId xmlns:a16="http://schemas.microsoft.com/office/drawing/2014/main" val="4017853280"/>
+                      <a16:colId xmlns:a16="http://schemas.microsoft.com/office/drawing/2014/main" xmlns="" val="4017853280"/>
                     </a:ext>
                   </a:extLst>
                 </a:gridCol>
                 <a:gridCol w="1016000">
                   <a:extLst>
                     <a:ext uri="{9D8B030D-6E8A-4147-A177-3AD203B41FA5}">
-                      <a16:colId xmlns:a16="http://schemas.microsoft.com/office/drawing/2014/main" val="4046979531"/>
+                      <a16:colId xmlns:a16="http://schemas.microsoft.com/office/drawing/2014/main" xmlns="" val="4046979531"/>
                     </a:ext>
                   </a:extLst>
                 </a:gridCol>
                 <a:gridCol w="1016000">
                   <a:extLst>
                     <a:ext uri="{9D8B030D-6E8A-4147-A177-3AD203B41FA5}">
-                      <a16:colId xmlns:a16="http://schemas.microsoft.com/office/drawing/2014/main" val="1236215947"/>
+                      <a16:colId xmlns:a16="http://schemas.microsoft.com/office/drawing/2014/main" xmlns="" val="1236215947"/>
                     </a:ext>
                   </a:extLst>
                 </a:gridCol>
@@ -18836,7 +20957,7 @@
                 </a:tc>
                 <a:extLst>
                   <a:ext uri="{0D108BD9-81ED-4DB2-BD59-A6C34878D82A}">
-                    <a16:rowId xmlns:a16="http://schemas.microsoft.com/office/drawing/2014/main" val="2866617908"/>
+                    <a16:rowId xmlns:a16="http://schemas.microsoft.com/office/drawing/2014/main" xmlns="" val="2866617908"/>
                   </a:ext>
                 </a:extLst>
               </a:tr>
@@ -18849,7 +20970,7 @@
           <p:cNvPr id="23" name="表格 22">
             <a:extLst>
               <a:ext uri="{FF2B5EF4-FFF2-40B4-BE49-F238E27FC236}">
-                <a16:creationId xmlns:a16="http://schemas.microsoft.com/office/drawing/2014/main" id="{BBD8331B-80DE-5E4F-9E00-43915192637C}"/>
+                <a16:creationId xmlns:a16="http://schemas.microsoft.com/office/drawing/2014/main" xmlns="" id="{BBD8331B-80DE-5E4F-9E00-43915192637C}"/>
               </a:ext>
             </a:extLst>
           </p:cNvPr>
@@ -18878,42 +20999,42 @@
                 <a:gridCol w="1016000">
                   <a:extLst>
                     <a:ext uri="{9D8B030D-6E8A-4147-A177-3AD203B41FA5}">
-                      <a16:colId xmlns:a16="http://schemas.microsoft.com/office/drawing/2014/main" val="2919921209"/>
+                      <a16:colId xmlns:a16="http://schemas.microsoft.com/office/drawing/2014/main" xmlns="" val="2919921209"/>
                     </a:ext>
                   </a:extLst>
                 </a:gridCol>
                 <a:gridCol w="1016000">
                   <a:extLst>
                     <a:ext uri="{9D8B030D-6E8A-4147-A177-3AD203B41FA5}">
-                      <a16:colId xmlns:a16="http://schemas.microsoft.com/office/drawing/2014/main" val="1274578498"/>
+                      <a16:colId xmlns:a16="http://schemas.microsoft.com/office/drawing/2014/main" xmlns="" val="1274578498"/>
                     </a:ext>
                   </a:extLst>
                 </a:gridCol>
                 <a:gridCol w="1016000">
                   <a:extLst>
                     <a:ext uri="{9D8B030D-6E8A-4147-A177-3AD203B41FA5}">
-                      <a16:colId xmlns:a16="http://schemas.microsoft.com/office/drawing/2014/main" val="2473859656"/>
+                      <a16:colId xmlns:a16="http://schemas.microsoft.com/office/drawing/2014/main" xmlns="" val="2473859656"/>
                     </a:ext>
                   </a:extLst>
                 </a:gridCol>
                 <a:gridCol w="1016000">
                   <a:extLst>
                     <a:ext uri="{9D8B030D-6E8A-4147-A177-3AD203B41FA5}">
-                      <a16:colId xmlns:a16="http://schemas.microsoft.com/office/drawing/2014/main" val="4017853280"/>
+                      <a16:colId xmlns:a16="http://schemas.microsoft.com/office/drawing/2014/main" xmlns="" val="4017853280"/>
                     </a:ext>
                   </a:extLst>
                 </a:gridCol>
                 <a:gridCol w="1016000">
                   <a:extLst>
                     <a:ext uri="{9D8B030D-6E8A-4147-A177-3AD203B41FA5}">
-                      <a16:colId xmlns:a16="http://schemas.microsoft.com/office/drawing/2014/main" val="4046979531"/>
+                      <a16:colId xmlns:a16="http://schemas.microsoft.com/office/drawing/2014/main" xmlns="" val="4046979531"/>
                     </a:ext>
                   </a:extLst>
                 </a:gridCol>
                 <a:gridCol w="1016000">
                   <a:extLst>
                     <a:ext uri="{9D8B030D-6E8A-4147-A177-3AD203B41FA5}">
-                      <a16:colId xmlns:a16="http://schemas.microsoft.com/office/drawing/2014/main" val="1236215947"/>
+                      <a16:colId xmlns:a16="http://schemas.microsoft.com/office/drawing/2014/main" xmlns="" val="1236215947"/>
                     </a:ext>
                   </a:extLst>
                 </a:gridCol>
@@ -19209,7 +21330,7 @@
                 </a:tc>
                 <a:extLst>
                   <a:ext uri="{0D108BD9-81ED-4DB2-BD59-A6C34878D82A}">
-                    <a16:rowId xmlns:a16="http://schemas.microsoft.com/office/drawing/2014/main" val="2866617908"/>
+                    <a16:rowId xmlns:a16="http://schemas.microsoft.com/office/drawing/2014/main" xmlns="" val="2866617908"/>
                   </a:ext>
                 </a:extLst>
               </a:tr>
@@ -20127,10 +22248,17 @@
   <p:clrMapOvr>
     <a:masterClrMapping/>
   </p:clrMapOvr>
+  <p:timing>
+    <p:tnLst>
+      <p:par>
+        <p:cTn id="1" dur="indefinite" restart="never" nodeType="tmRoot"/>
+      </p:par>
+    </p:tnLst>
+  </p:timing>
 </p:sld>
 </file>
 
-<file path=ppt/slides/slide25.xml><?xml version="1.0" encoding="utf-8"?>
+<file path=ppt/slides/slide29.xml><?xml version="1.0" encoding="utf-8"?>
 <p:sld xmlns:a="http://schemas.openxmlformats.org/drawingml/2006/main" xmlns:r="http://schemas.openxmlformats.org/officeDocument/2006/relationships" xmlns:p="http://schemas.openxmlformats.org/presentationml/2006/main">
   <p:cSld>
     <p:spTree>
@@ -20247,10 +22375,129 @@
   <p:clrMapOvr>
     <a:masterClrMapping/>
   </p:clrMapOvr>
+  <p:timing>
+    <p:tnLst>
+      <p:par>
+        <p:cTn id="1" dur="indefinite" restart="never" nodeType="tmRoot"/>
+      </p:par>
+    </p:tnLst>
+  </p:timing>
 </p:sld>
 </file>
 
-<file path=ppt/slides/slide26.xml><?xml version="1.0" encoding="utf-8"?>
+<file path=ppt/slides/slide3.xml><?xml version="1.0" encoding="utf-8"?>
+<p:sld xmlns:a="http://schemas.openxmlformats.org/drawingml/2006/main" xmlns:r="http://schemas.openxmlformats.org/officeDocument/2006/relationships" xmlns:p="http://schemas.openxmlformats.org/presentationml/2006/main">
+  <p:cSld>
+    <p:spTree>
+      <p:nvGrpSpPr>
+        <p:cNvPr id="1" name=""/>
+        <p:cNvGrpSpPr/>
+        <p:nvPr/>
+      </p:nvGrpSpPr>
+      <p:grpSpPr>
+        <a:xfrm>
+          <a:off x="0" y="0"/>
+          <a:ext cx="0" cy="0"/>
+          <a:chOff x="0" y="0"/>
+          <a:chExt cx="0" cy="0"/>
+        </a:xfrm>
+      </p:grpSpPr>
+      <p:sp>
+        <p:nvSpPr>
+          <p:cNvPr id="2" name="标题 1">
+            <a:extLst>
+              <a:ext uri="{FF2B5EF4-FFF2-40B4-BE49-F238E27FC236}">
+                <a16:creationId xmlns:a16="http://schemas.microsoft.com/office/drawing/2014/main" xmlns="" id="{F0405D1C-A876-8341-918E-A5D66A83827F}"/>
+              </a:ext>
+            </a:extLst>
+          </p:cNvPr>
+          <p:cNvSpPr>
+            <a:spLocks noGrp="1"/>
+          </p:cNvSpPr>
+          <p:nvPr>
+            <p:ph type="title"/>
+          </p:nvPr>
+        </p:nvSpPr>
+        <p:spPr/>
+        <p:txBody>
+          <a:bodyPr/>
+          <a:lstStyle/>
+          <a:p>
+            <a:r>
+              <a:rPr kumimoji="1" lang="en-US" altLang="zh-CN" dirty="0">
+                <a:latin typeface="Times New Roman" panose="02020603050405020304" pitchFamily="18" charset="0"/>
+                <a:cs typeface="Times New Roman" panose="02020603050405020304" pitchFamily="18" charset="0"/>
+              </a:rPr>
+              <a:t>Dimensions</a:t>
+            </a:r>
+            <a:endParaRPr kumimoji="1" lang="zh-CN" altLang="en-US" dirty="0">
+              <a:latin typeface="Times New Roman" panose="02020603050405020304" pitchFamily="18" charset="0"/>
+              <a:cs typeface="Times New Roman" panose="02020603050405020304" pitchFamily="18" charset="0"/>
+            </a:endParaRPr>
+          </a:p>
+        </p:txBody>
+      </p:sp>
+      <p:sp>
+        <p:nvSpPr>
+          <p:cNvPr id="3" name="内容占位符 2">
+            <a:extLst>
+              <a:ext uri="{FF2B5EF4-FFF2-40B4-BE49-F238E27FC236}">
+                <a16:creationId xmlns:a16="http://schemas.microsoft.com/office/drawing/2014/main" xmlns="" id="{18357220-3404-9543-B18A-654DBC2080C6}"/>
+              </a:ext>
+            </a:extLst>
+          </p:cNvPr>
+          <p:cNvSpPr>
+            <a:spLocks noGrp="1"/>
+          </p:cNvSpPr>
+          <p:nvPr>
+            <p:ph idx="1"/>
+          </p:nvPr>
+        </p:nvSpPr>
+        <p:spPr/>
+        <p:txBody>
+          <a:bodyPr/>
+          <a:lstStyle/>
+          <a:p>
+            <a:r>
+              <a:rPr kumimoji="1" lang="en-US" altLang="zh-CN" dirty="0">
+                <a:latin typeface="Times New Roman" panose="02020603050405020304" pitchFamily="18" charset="0"/>
+                <a:cs typeface="Times New Roman" panose="02020603050405020304" pitchFamily="18" charset="0"/>
+              </a:rPr>
+              <a:t>Dimensions of traffic</a:t>
+            </a:r>
+          </a:p>
+          <a:p>
+            <a:r>
+              <a:rPr kumimoji="1" lang="en-US" altLang="zh-CN" dirty="0">
+                <a:latin typeface="Times New Roman" panose="02020603050405020304" pitchFamily="18" charset="0"/>
+                <a:cs typeface="Times New Roman" panose="02020603050405020304" pitchFamily="18" charset="0"/>
+              </a:rPr>
+              <a:t>Dimensions of sketch</a:t>
+            </a:r>
+          </a:p>
+        </p:txBody>
+      </p:sp>
+    </p:spTree>
+    <p:extLst>
+      <p:ext uri="{BB962C8B-B14F-4D97-AF65-F5344CB8AC3E}">
+        <p14:creationId xmlns:p14="http://schemas.microsoft.com/office/powerpoint/2010/main" val="671433214"/>
+      </p:ext>
+    </p:extLst>
+  </p:cSld>
+  <p:clrMapOvr>
+    <a:masterClrMapping/>
+  </p:clrMapOvr>
+  <p:timing>
+    <p:tnLst>
+      <p:par>
+        <p:cTn id="1" dur="indefinite" restart="never" nodeType="tmRoot"/>
+      </p:par>
+    </p:tnLst>
+  </p:timing>
+</p:sld>
+</file>
+
+<file path=ppt/slides/slide30.xml><?xml version="1.0" encoding="utf-8"?>
 <p:sld xmlns:a="http://schemas.openxmlformats.org/drawingml/2006/main" xmlns:r="http://schemas.openxmlformats.org/officeDocument/2006/relationships" xmlns:p="http://schemas.openxmlformats.org/presentationml/2006/main">
   <p:cSld>
     <p:spTree>
@@ -20353,10 +22600,17 @@
   <p:clrMapOvr>
     <a:masterClrMapping/>
   </p:clrMapOvr>
+  <p:timing>
+    <p:tnLst>
+      <p:par>
+        <p:cTn id="1" dur="indefinite" restart="never" nodeType="tmRoot"/>
+      </p:par>
+    </p:tnLst>
+  </p:timing>
 </p:sld>
 </file>
 
-<file path=ppt/slides/slide27.xml><?xml version="1.0" encoding="utf-8"?>
+<file path=ppt/slides/slide31.xml><?xml version="1.0" encoding="utf-8"?>
 <p:sld xmlns:a="http://schemas.openxmlformats.org/drawingml/2006/main" xmlns:r="http://schemas.openxmlformats.org/officeDocument/2006/relationships" xmlns:p="http://schemas.openxmlformats.org/presentationml/2006/main">
   <p:cSld>
     <p:spTree>
@@ -20453,10 +22707,17 @@
   <p:clrMapOvr>
     <a:masterClrMapping/>
   </p:clrMapOvr>
+  <p:timing>
+    <p:tnLst>
+      <p:par>
+        <p:cTn id="1" dur="indefinite" restart="never" nodeType="tmRoot"/>
+      </p:par>
+    </p:tnLst>
+  </p:timing>
 </p:sld>
 </file>
 
-<file path=ppt/slides/slide28.xml><?xml version="1.0" encoding="utf-8"?>
+<file path=ppt/slides/slide32.xml><?xml version="1.0" encoding="utf-8"?>
 <p:sld xmlns:a="http://schemas.openxmlformats.org/drawingml/2006/main" xmlns:r="http://schemas.openxmlformats.org/officeDocument/2006/relationships" xmlns:p="http://schemas.openxmlformats.org/presentationml/2006/main">
   <p:cSld>
     <p:spTree>
@@ -20528,14 +22789,14 @@
                     <a:gridCol w="924791">
                       <a:extLst>
                         <a:ext uri="{9D8B030D-6E8A-4147-A177-3AD203B41FA5}">
-                          <a16:colId xmlns:a16="http://schemas.microsoft.com/office/drawing/2014/main" val="20000"/>
+                          <a16:colId xmlns:a16="http://schemas.microsoft.com/office/drawing/2014/main" xmlns="" val="20000"/>
                         </a:ext>
                       </a:extLst>
                     </a:gridCol>
                     <a:gridCol w="924791">
                       <a:extLst>
                         <a:ext uri="{9D8B030D-6E8A-4147-A177-3AD203B41FA5}">
-                          <a16:colId xmlns:a16="http://schemas.microsoft.com/office/drawing/2014/main" val="20001"/>
+                          <a16:colId xmlns:a16="http://schemas.microsoft.com/office/drawing/2014/main" xmlns="" val="20001"/>
                         </a:ext>
                       </a:extLst>
                     </a:gridCol>
@@ -20560,7 +22821,7 @@
                                         <a:solidFill>
                                           <a:schemeClr val="tx1"/>
                                         </a:solidFill>
-                                        <a:latin typeface="Cambria Math" panose="02040503050406030204" pitchFamily="18" charset="0"/>
+                                        <a:latin typeface="Cambria Math" charset="0"/>
                                         <a:ea typeface="Times New Roman" charset="0"/>
                                         <a:cs typeface="Times New Roman" charset="0"/>
                                       </a:rPr>
@@ -20665,7 +22926,7 @@
                                         <a:solidFill>
                                           <a:schemeClr val="tx1"/>
                                         </a:solidFill>
-                                        <a:latin typeface="Cambria Math" panose="02040503050406030204" pitchFamily="18" charset="0"/>
+                                        <a:latin typeface="Cambria Math" charset="0"/>
                                         <a:ea typeface="Times New Roman" charset="0"/>
                                         <a:cs typeface="Times New Roman" charset="0"/>
                                       </a:rPr>
@@ -20753,7 +23014,7 @@
                     </a:tc>
                     <a:extLst>
                       <a:ext uri="{0D108BD9-81ED-4DB2-BD59-A6C34878D82A}">
-                        <a16:rowId xmlns:a16="http://schemas.microsoft.com/office/drawing/2014/main" val="10000"/>
+                        <a16:rowId xmlns:a16="http://schemas.microsoft.com/office/drawing/2014/main" xmlns="" val="10000"/>
                       </a:ext>
                     </a:extLst>
                   </a:tr>
@@ -20929,14 +23190,14 @@
                     <a:gridCol w="897082">
                       <a:extLst>
                         <a:ext uri="{9D8B030D-6E8A-4147-A177-3AD203B41FA5}">
-                          <a16:colId xmlns:a16="http://schemas.microsoft.com/office/drawing/2014/main" val="20000"/>
+                          <a16:colId xmlns:a16="http://schemas.microsoft.com/office/drawing/2014/main" xmlns="" val="20000"/>
                         </a:ext>
                       </a:extLst>
                     </a:gridCol>
                     <a:gridCol w="897082">
                       <a:extLst>
                         <a:ext uri="{9D8B030D-6E8A-4147-A177-3AD203B41FA5}">
-                          <a16:colId xmlns:a16="http://schemas.microsoft.com/office/drawing/2014/main" val="20001"/>
+                          <a16:colId xmlns:a16="http://schemas.microsoft.com/office/drawing/2014/main" xmlns="" val="20001"/>
                         </a:ext>
                       </a:extLst>
                     </a:gridCol>
@@ -20961,7 +23222,7 @@
                                         <a:solidFill>
                                           <a:schemeClr val="tx1"/>
                                         </a:solidFill>
-                                        <a:latin typeface="Cambria Math" panose="02040503050406030204" pitchFamily="18" charset="0"/>
+                                        <a:latin typeface="Cambria Math" charset="0"/>
                                         <a:ea typeface="Times New Roman" charset="0"/>
                                         <a:cs typeface="Times New Roman" charset="0"/>
                                       </a:rPr>
@@ -21066,7 +23327,7 @@
                                         <a:solidFill>
                                           <a:schemeClr val="tx1"/>
                                         </a:solidFill>
-                                        <a:latin typeface="Cambria Math" panose="02040503050406030204" pitchFamily="18" charset="0"/>
+                                        <a:latin typeface="Cambria Math" charset="0"/>
                                         <a:ea typeface="Times New Roman" charset="0"/>
                                         <a:cs typeface="Times New Roman" charset="0"/>
                                       </a:rPr>
@@ -21154,7 +23415,7 @@
                     </a:tc>
                     <a:extLst>
                       <a:ext uri="{0D108BD9-81ED-4DB2-BD59-A6C34878D82A}">
-                        <a16:rowId xmlns:a16="http://schemas.microsoft.com/office/drawing/2014/main" val="10000"/>
+                        <a16:rowId xmlns:a16="http://schemas.microsoft.com/office/drawing/2014/main" xmlns="" val="10000"/>
                       </a:ext>
                     </a:extLst>
                   </a:tr>
@@ -21500,14 +23761,14 @@
                     <a:gridCol w="1253931">
                       <a:extLst>
                         <a:ext uri="{9D8B030D-6E8A-4147-A177-3AD203B41FA5}">
-                          <a16:colId xmlns:a16="http://schemas.microsoft.com/office/drawing/2014/main" val="20000"/>
+                          <a16:colId xmlns:a16="http://schemas.microsoft.com/office/drawing/2014/main" xmlns="" val="20000"/>
                         </a:ext>
                       </a:extLst>
                     </a:gridCol>
                     <a:gridCol w="1253931">
                       <a:extLst>
                         <a:ext uri="{9D8B030D-6E8A-4147-A177-3AD203B41FA5}">
-                          <a16:colId xmlns:a16="http://schemas.microsoft.com/office/drawing/2014/main" val="20001"/>
+                          <a16:colId xmlns:a16="http://schemas.microsoft.com/office/drawing/2014/main" xmlns="" val="20001"/>
                         </a:ext>
                       </a:extLst>
                     </a:gridCol>
@@ -21599,7 +23860,7 @@
                                         <a:solidFill>
                                           <a:schemeClr val="tx1"/>
                                         </a:solidFill>
-                                        <a:latin typeface="Cambria Math" panose="02040503050406030204" pitchFamily="18" charset="0"/>
+                                        <a:latin typeface="Cambria Math" charset="0"/>
                                         <a:ea typeface="Times New Roman" charset="0"/>
                                         <a:cs typeface="Times New Roman" charset="0"/>
                                       </a:rPr>
@@ -21613,7 +23874,7 @@
                                             <a:solidFill>
                                               <a:schemeClr val="tx1"/>
                                             </a:solidFill>
-                                            <a:latin typeface="Cambria Math" panose="02040503050406030204" pitchFamily="18" charset="0"/>
+                                            <a:latin typeface="Cambria Math" charset="0"/>
                                             <a:ea typeface="Times New Roman" charset="0"/>
                                             <a:cs typeface="Times New Roman" charset="0"/>
                                           </a:rPr>
@@ -21738,7 +23999,7 @@
                     </a:tc>
                     <a:extLst>
                       <a:ext uri="{0D108BD9-81ED-4DB2-BD59-A6C34878D82A}">
-                        <a16:rowId xmlns:a16="http://schemas.microsoft.com/office/drawing/2014/main" val="10000"/>
+                        <a16:rowId xmlns:a16="http://schemas.microsoft.com/office/drawing/2014/main" xmlns="" val="10000"/>
                       </a:ext>
                     </a:extLst>
                   </a:tr>
@@ -21939,7 +24200,7 @@
                         <m:fPr>
                           <m:ctrlPr>
                             <a:rPr kumimoji="1" lang="mr-IN" altLang="zh-CN" sz="2400" b="1" i="1" smtClean="0">
-                              <a:latin typeface="Cambria Math" panose="02040503050406030204" pitchFamily="18" charset="0"/>
+                              <a:latin typeface="Cambria Math" charset="0"/>
                             </a:rPr>
                           </m:ctrlPr>
                         </m:fPr>
@@ -21948,7 +24209,7 @@
                             <m:sSubPr>
                               <m:ctrlPr>
                                 <a:rPr kumimoji="1" lang="en-US" altLang="zh-CN" sz="2400" b="1" i="1" smtClean="0">
-                                  <a:latin typeface="Cambria Math" panose="02040503050406030204" pitchFamily="18" charset="0"/>
+                                  <a:latin typeface="Cambria Math" charset="0"/>
                                 </a:rPr>
                               </m:ctrlPr>
                             </m:sSubPr>
@@ -21975,7 +24236,7 @@
                             <m:sSubPr>
                               <m:ctrlPr>
                                 <a:rPr lang="en-US" altLang="zh-CN" sz="2400" b="1" i="1">
-                                  <a:latin typeface="Cambria Math" panose="02040503050406030204" pitchFamily="18" charset="0"/>
+                                  <a:latin typeface="Cambria Math" charset="0"/>
                                   <a:ea typeface="Times New Roman" charset="0"/>
                                   <a:cs typeface="Times New Roman" charset="0"/>
                                 </a:rPr>
@@ -21986,7 +24247,7 @@
                                 <m:sSubPr>
                                   <m:ctrlPr>
                                     <a:rPr lang="en-US" altLang="zh-CN" sz="2400" b="1" i="1" smtClean="0">
-                                      <a:latin typeface="Cambria Math" panose="02040503050406030204" pitchFamily="18" charset="0"/>
+                                      <a:latin typeface="Cambria Math" charset="0"/>
                                       <a:ea typeface="Times New Roman" charset="0"/>
                                       <a:cs typeface="Times New Roman" charset="0"/>
                                     </a:rPr>
@@ -22047,7 +24308,7 @@
                         <m:sSubPr>
                           <m:ctrlPr>
                             <a:rPr kumimoji="1" lang="en-US" altLang="zh-CN" sz="2400" b="1" i="1" smtClean="0">
-                              <a:latin typeface="Cambria Math" panose="02040503050406030204" pitchFamily="18" charset="0"/>
+                              <a:latin typeface="Cambria Math" charset="0"/>
                             </a:rPr>
                           </m:ctrlPr>
                         </m:sSubPr>
@@ -22078,7 +24339,7 @@
                         <m:fPr>
                           <m:ctrlPr>
                             <a:rPr kumimoji="1" lang="mr-IN" altLang="zh-CN" sz="2400" b="1" i="1">
-                              <a:latin typeface="Cambria Math" panose="02040503050406030204" pitchFamily="18" charset="0"/>
+                              <a:latin typeface="Cambria Math" charset="0"/>
                             </a:rPr>
                           </m:ctrlPr>
                         </m:fPr>
@@ -22087,7 +24348,7 @@
                             <m:sSubPr>
                               <m:ctrlPr>
                                 <a:rPr kumimoji="1" lang="en-US" altLang="zh-CN" sz="2400" b="1" i="1">
-                                  <a:latin typeface="Cambria Math" panose="02040503050406030204" pitchFamily="18" charset="0"/>
+                                  <a:latin typeface="Cambria Math" charset="0"/>
                                 </a:rPr>
                               </m:ctrlPr>
                             </m:sSubPr>
@@ -22114,7 +24375,7 @@
                             <m:sSubPr>
                               <m:ctrlPr>
                                 <a:rPr lang="en-US" altLang="zh-CN" sz="2400" b="1" i="1">
-                                  <a:latin typeface="Cambria Math" panose="02040503050406030204" pitchFamily="18" charset="0"/>
+                                  <a:latin typeface="Cambria Math" charset="0"/>
                                   <a:ea typeface="Times New Roman" charset="0"/>
                                   <a:cs typeface="Times New Roman" charset="0"/>
                                 </a:rPr>
@@ -22125,7 +24386,7 @@
                                 <m:sSubPr>
                                   <m:ctrlPr>
                                     <a:rPr lang="en-US" altLang="zh-CN" sz="2400" b="1" i="1">
-                                      <a:latin typeface="Cambria Math" panose="02040503050406030204" pitchFamily="18" charset="0"/>
+                                      <a:latin typeface="Cambria Math" charset="0"/>
                                       <a:ea typeface="Times New Roman" charset="0"/>
                                       <a:cs typeface="Times New Roman" charset="0"/>
                                     </a:rPr>
@@ -22186,7 +24447,7 @@
                         <m:sSubPr>
                           <m:ctrlPr>
                             <a:rPr kumimoji="1" lang="en-US" altLang="zh-CN" sz="2400" b="1" i="1">
-                              <a:latin typeface="Cambria Math" panose="02040503050406030204" pitchFamily="18" charset="0"/>
+                              <a:latin typeface="Cambria Math" charset="0"/>
                             </a:rPr>
                           </m:ctrlPr>
                         </m:sSubPr>
@@ -22264,10 +24525,17 @@
   <p:clrMapOvr>
     <a:masterClrMapping/>
   </p:clrMapOvr>
+  <p:timing>
+    <p:tnLst>
+      <p:par>
+        <p:cTn id="1" dur="indefinite" restart="never" nodeType="tmRoot"/>
+      </p:par>
+    </p:tnLst>
+  </p:timing>
 </p:sld>
 </file>
 
-<file path=ppt/slides/slide29.xml><?xml version="1.0" encoding="utf-8"?>
+<file path=ppt/slides/slide33.xml><?xml version="1.0" encoding="utf-8"?>
 <p:sld xmlns:a="http://schemas.openxmlformats.org/drawingml/2006/main" xmlns:r="http://schemas.openxmlformats.org/officeDocument/2006/relationships" xmlns:p="http://schemas.openxmlformats.org/presentationml/2006/main">
   <p:cSld>
     <p:spTree>
@@ -22289,7 +24557,7 @@
           <p:cNvPr id="21" name="圆角矩形 20">
             <a:extLst>
               <a:ext uri="{FF2B5EF4-FFF2-40B4-BE49-F238E27FC236}">
-                <a16:creationId xmlns:a16="http://schemas.microsoft.com/office/drawing/2014/main" id="{B9FD8BC4-88B1-FB49-A69E-4544EC25D7B0}"/>
+                <a16:creationId xmlns:a16="http://schemas.microsoft.com/office/drawing/2014/main" xmlns="" id="{B9FD8BC4-88B1-FB49-A69E-4544EC25D7B0}"/>
               </a:ext>
             </a:extLst>
           </p:cNvPr>
@@ -22341,7 +24609,7 @@
           <p:cNvPr id="23" name="标题 1">
             <a:extLst>
               <a:ext uri="{FF2B5EF4-FFF2-40B4-BE49-F238E27FC236}">
-                <a16:creationId xmlns:a16="http://schemas.microsoft.com/office/drawing/2014/main" id="{2A0A361E-C4E6-9746-8122-CEDEFDAF9301}"/>
+                <a16:creationId xmlns:a16="http://schemas.microsoft.com/office/drawing/2014/main" xmlns="" id="{2A0A361E-C4E6-9746-8122-CEDEFDAF9301}"/>
               </a:ext>
             </a:extLst>
           </p:cNvPr>
@@ -22402,7 +24670,7 @@
           <p:cNvPr id="24" name="圆角矩形 23">
             <a:extLst>
               <a:ext uri="{FF2B5EF4-FFF2-40B4-BE49-F238E27FC236}">
-                <a16:creationId xmlns:a16="http://schemas.microsoft.com/office/drawing/2014/main" id="{77450AF4-A8E6-5A41-9C23-F856999365C5}"/>
+                <a16:creationId xmlns:a16="http://schemas.microsoft.com/office/drawing/2014/main" xmlns="" id="{77450AF4-A8E6-5A41-9C23-F856999365C5}"/>
               </a:ext>
             </a:extLst>
           </p:cNvPr>
@@ -22454,7 +24722,7 @@
           <p:cNvPr id="31" name="标题 1">
             <a:extLst>
               <a:ext uri="{FF2B5EF4-FFF2-40B4-BE49-F238E27FC236}">
-                <a16:creationId xmlns:a16="http://schemas.microsoft.com/office/drawing/2014/main" id="{69219139-42A6-6746-9965-D1370EE1A1BD}"/>
+                <a16:creationId xmlns:a16="http://schemas.microsoft.com/office/drawing/2014/main" xmlns="" id="{69219139-42A6-6746-9965-D1370EE1A1BD}"/>
               </a:ext>
             </a:extLst>
           </p:cNvPr>
@@ -22515,7 +24783,7 @@
           <p:cNvPr id="8" name="表格 7">
             <a:extLst>
               <a:ext uri="{FF2B5EF4-FFF2-40B4-BE49-F238E27FC236}">
-                <a16:creationId xmlns:a16="http://schemas.microsoft.com/office/drawing/2014/main" id="{D97D9A0B-82F4-CE43-8692-7C6CD16DE3F7}"/>
+                <a16:creationId xmlns:a16="http://schemas.microsoft.com/office/drawing/2014/main" xmlns="" id="{D97D9A0B-82F4-CE43-8692-7C6CD16DE3F7}"/>
               </a:ext>
             </a:extLst>
           </p:cNvPr>
@@ -22544,56 +24812,56 @@
                 <a:gridCol w="1016000">
                   <a:extLst>
                     <a:ext uri="{9D8B030D-6E8A-4147-A177-3AD203B41FA5}">
-                      <a16:colId xmlns:a16="http://schemas.microsoft.com/office/drawing/2014/main" val="2919921209"/>
+                      <a16:colId xmlns:a16="http://schemas.microsoft.com/office/drawing/2014/main" xmlns="" val="2919921209"/>
                     </a:ext>
                   </a:extLst>
                 </a:gridCol>
                 <a:gridCol w="1016000">
                   <a:extLst>
                     <a:ext uri="{9D8B030D-6E8A-4147-A177-3AD203B41FA5}">
-                      <a16:colId xmlns:a16="http://schemas.microsoft.com/office/drawing/2014/main" val="1274578498"/>
+                      <a16:colId xmlns:a16="http://schemas.microsoft.com/office/drawing/2014/main" xmlns="" val="1274578498"/>
                     </a:ext>
                   </a:extLst>
                 </a:gridCol>
                 <a:gridCol w="1016000">
                   <a:extLst>
                     <a:ext uri="{9D8B030D-6E8A-4147-A177-3AD203B41FA5}">
-                      <a16:colId xmlns:a16="http://schemas.microsoft.com/office/drawing/2014/main" val="2473859656"/>
+                      <a16:colId xmlns:a16="http://schemas.microsoft.com/office/drawing/2014/main" xmlns="" val="2473859656"/>
                     </a:ext>
                   </a:extLst>
                 </a:gridCol>
                 <a:gridCol w="1016000">
                   <a:extLst>
                     <a:ext uri="{9D8B030D-6E8A-4147-A177-3AD203B41FA5}">
-                      <a16:colId xmlns:a16="http://schemas.microsoft.com/office/drawing/2014/main" val="4017853280"/>
+                      <a16:colId xmlns:a16="http://schemas.microsoft.com/office/drawing/2014/main" xmlns="" val="4017853280"/>
                     </a:ext>
                   </a:extLst>
                 </a:gridCol>
                 <a:gridCol w="1016000">
                   <a:extLst>
                     <a:ext uri="{9D8B030D-6E8A-4147-A177-3AD203B41FA5}">
-                      <a16:colId xmlns:a16="http://schemas.microsoft.com/office/drawing/2014/main" val="4046979531"/>
+                      <a16:colId xmlns:a16="http://schemas.microsoft.com/office/drawing/2014/main" xmlns="" val="4046979531"/>
                     </a:ext>
                   </a:extLst>
                 </a:gridCol>
                 <a:gridCol w="1016000">
                   <a:extLst>
                     <a:ext uri="{9D8B030D-6E8A-4147-A177-3AD203B41FA5}">
-                      <a16:colId xmlns:a16="http://schemas.microsoft.com/office/drawing/2014/main" val="1236215947"/>
+                      <a16:colId xmlns:a16="http://schemas.microsoft.com/office/drawing/2014/main" xmlns="" val="1236215947"/>
                     </a:ext>
                   </a:extLst>
                 </a:gridCol>
                 <a:gridCol w="1016000">
                   <a:extLst>
                     <a:ext uri="{9D8B030D-6E8A-4147-A177-3AD203B41FA5}">
-                      <a16:colId xmlns:a16="http://schemas.microsoft.com/office/drawing/2014/main" val="3358476489"/>
+                      <a16:colId xmlns:a16="http://schemas.microsoft.com/office/drawing/2014/main" xmlns="" val="3358476489"/>
                     </a:ext>
                   </a:extLst>
                 </a:gridCol>
                 <a:gridCol w="1016000">
                   <a:extLst>
                     <a:ext uri="{9D8B030D-6E8A-4147-A177-3AD203B41FA5}">
-                      <a16:colId xmlns:a16="http://schemas.microsoft.com/office/drawing/2014/main" val="1544053477"/>
+                      <a16:colId xmlns:a16="http://schemas.microsoft.com/office/drawing/2014/main" xmlns="" val="1544053477"/>
                     </a:ext>
                   </a:extLst>
                 </a:gridCol>
@@ -23053,7 +25321,7 @@
                 </a:tc>
                 <a:extLst>
                   <a:ext uri="{0D108BD9-81ED-4DB2-BD59-A6C34878D82A}">
-                    <a16:rowId xmlns:a16="http://schemas.microsoft.com/office/drawing/2014/main" val="2866617908"/>
+                    <a16:rowId xmlns:a16="http://schemas.microsoft.com/office/drawing/2014/main" xmlns="" val="2866617908"/>
                   </a:ext>
                 </a:extLst>
               </a:tr>
@@ -23066,7 +25334,7 @@
           <p:cNvPr id="9" name="表格 8">
             <a:extLst>
               <a:ext uri="{FF2B5EF4-FFF2-40B4-BE49-F238E27FC236}">
-                <a16:creationId xmlns:a16="http://schemas.microsoft.com/office/drawing/2014/main" id="{CD154DA2-9E3F-1944-8B7D-C27C34F8B532}"/>
+                <a16:creationId xmlns:a16="http://schemas.microsoft.com/office/drawing/2014/main" xmlns="" id="{CD154DA2-9E3F-1944-8B7D-C27C34F8B532}"/>
               </a:ext>
             </a:extLst>
           </p:cNvPr>
@@ -23095,56 +25363,56 @@
                 <a:gridCol w="1016000">
                   <a:extLst>
                     <a:ext uri="{9D8B030D-6E8A-4147-A177-3AD203B41FA5}">
-                      <a16:colId xmlns:a16="http://schemas.microsoft.com/office/drawing/2014/main" val="2919921209"/>
+                      <a16:colId xmlns:a16="http://schemas.microsoft.com/office/drawing/2014/main" xmlns="" val="2919921209"/>
                     </a:ext>
                   </a:extLst>
                 </a:gridCol>
                 <a:gridCol w="1016000">
                   <a:extLst>
                     <a:ext uri="{9D8B030D-6E8A-4147-A177-3AD203B41FA5}">
-                      <a16:colId xmlns:a16="http://schemas.microsoft.com/office/drawing/2014/main" val="1274578498"/>
+                      <a16:colId xmlns:a16="http://schemas.microsoft.com/office/drawing/2014/main" xmlns="" val="1274578498"/>
                     </a:ext>
                   </a:extLst>
                 </a:gridCol>
                 <a:gridCol w="1016000">
                   <a:extLst>
                     <a:ext uri="{9D8B030D-6E8A-4147-A177-3AD203B41FA5}">
-                      <a16:colId xmlns:a16="http://schemas.microsoft.com/office/drawing/2014/main" val="2473859656"/>
+                      <a16:colId xmlns:a16="http://schemas.microsoft.com/office/drawing/2014/main" xmlns="" val="2473859656"/>
                     </a:ext>
                   </a:extLst>
                 </a:gridCol>
                 <a:gridCol w="1016000">
                   <a:extLst>
                     <a:ext uri="{9D8B030D-6E8A-4147-A177-3AD203B41FA5}">
-                      <a16:colId xmlns:a16="http://schemas.microsoft.com/office/drawing/2014/main" val="4017853280"/>
+                      <a16:colId xmlns:a16="http://schemas.microsoft.com/office/drawing/2014/main" xmlns="" val="4017853280"/>
                     </a:ext>
                   </a:extLst>
                 </a:gridCol>
                 <a:gridCol w="1016000">
                   <a:extLst>
                     <a:ext uri="{9D8B030D-6E8A-4147-A177-3AD203B41FA5}">
-                      <a16:colId xmlns:a16="http://schemas.microsoft.com/office/drawing/2014/main" val="4046979531"/>
+                      <a16:colId xmlns:a16="http://schemas.microsoft.com/office/drawing/2014/main" xmlns="" val="4046979531"/>
                     </a:ext>
                   </a:extLst>
                 </a:gridCol>
                 <a:gridCol w="1016000">
                   <a:extLst>
                     <a:ext uri="{9D8B030D-6E8A-4147-A177-3AD203B41FA5}">
-                      <a16:colId xmlns:a16="http://schemas.microsoft.com/office/drawing/2014/main" val="1236215947"/>
+                      <a16:colId xmlns:a16="http://schemas.microsoft.com/office/drawing/2014/main" xmlns="" val="1236215947"/>
                     </a:ext>
                   </a:extLst>
                 </a:gridCol>
                 <a:gridCol w="1016000">
                   <a:extLst>
                     <a:ext uri="{9D8B030D-6E8A-4147-A177-3AD203B41FA5}">
-                      <a16:colId xmlns:a16="http://schemas.microsoft.com/office/drawing/2014/main" val="3358476489"/>
+                      <a16:colId xmlns:a16="http://schemas.microsoft.com/office/drawing/2014/main" xmlns="" val="3358476489"/>
                     </a:ext>
                   </a:extLst>
                 </a:gridCol>
                 <a:gridCol w="1016000">
                   <a:extLst>
                     <a:ext uri="{9D8B030D-6E8A-4147-A177-3AD203B41FA5}">
-                      <a16:colId xmlns:a16="http://schemas.microsoft.com/office/drawing/2014/main" val="1544053477"/>
+                      <a16:colId xmlns:a16="http://schemas.microsoft.com/office/drawing/2014/main" xmlns="" val="1544053477"/>
                     </a:ext>
                   </a:extLst>
                 </a:gridCol>
@@ -23594,7 +25862,7 @@
                 </a:tc>
                 <a:extLst>
                   <a:ext uri="{0D108BD9-81ED-4DB2-BD59-A6C34878D82A}">
-                    <a16:rowId xmlns:a16="http://schemas.microsoft.com/office/drawing/2014/main" val="2866617908"/>
+                    <a16:rowId xmlns:a16="http://schemas.microsoft.com/office/drawing/2014/main" xmlns="" val="2866617908"/>
                   </a:ext>
                 </a:extLst>
               </a:tr>
@@ -23607,7 +25875,7 @@
           <p:cNvPr id="10" name="表格 9">
             <a:extLst>
               <a:ext uri="{FF2B5EF4-FFF2-40B4-BE49-F238E27FC236}">
-                <a16:creationId xmlns:a16="http://schemas.microsoft.com/office/drawing/2014/main" id="{A7DF6C73-A4D2-EA48-9F10-4EB820276082}"/>
+                <a16:creationId xmlns:a16="http://schemas.microsoft.com/office/drawing/2014/main" xmlns="" id="{A7DF6C73-A4D2-EA48-9F10-4EB820276082}"/>
               </a:ext>
             </a:extLst>
           </p:cNvPr>
@@ -23636,56 +25904,56 @@
                 <a:gridCol w="1016000">
                   <a:extLst>
                     <a:ext uri="{9D8B030D-6E8A-4147-A177-3AD203B41FA5}">
-                      <a16:colId xmlns:a16="http://schemas.microsoft.com/office/drawing/2014/main" val="2919921209"/>
+                      <a16:colId xmlns:a16="http://schemas.microsoft.com/office/drawing/2014/main" xmlns="" val="2919921209"/>
                     </a:ext>
                   </a:extLst>
                 </a:gridCol>
                 <a:gridCol w="1016000">
                   <a:extLst>
                     <a:ext uri="{9D8B030D-6E8A-4147-A177-3AD203B41FA5}">
-                      <a16:colId xmlns:a16="http://schemas.microsoft.com/office/drawing/2014/main" val="1274578498"/>
+                      <a16:colId xmlns:a16="http://schemas.microsoft.com/office/drawing/2014/main" xmlns="" val="1274578498"/>
                     </a:ext>
                   </a:extLst>
                 </a:gridCol>
                 <a:gridCol w="1016000">
                   <a:extLst>
                     <a:ext uri="{9D8B030D-6E8A-4147-A177-3AD203B41FA5}">
-                      <a16:colId xmlns:a16="http://schemas.microsoft.com/office/drawing/2014/main" val="2473859656"/>
+                      <a16:colId xmlns:a16="http://schemas.microsoft.com/office/drawing/2014/main" xmlns="" val="2473859656"/>
                     </a:ext>
                   </a:extLst>
                 </a:gridCol>
                 <a:gridCol w="1016000">
                   <a:extLst>
                     <a:ext uri="{9D8B030D-6E8A-4147-A177-3AD203B41FA5}">
-                      <a16:colId xmlns:a16="http://schemas.microsoft.com/office/drawing/2014/main" val="4017853280"/>
+                      <a16:colId xmlns:a16="http://schemas.microsoft.com/office/drawing/2014/main" xmlns="" val="4017853280"/>
                     </a:ext>
                   </a:extLst>
                 </a:gridCol>
                 <a:gridCol w="1016000">
                   <a:extLst>
                     <a:ext uri="{9D8B030D-6E8A-4147-A177-3AD203B41FA5}">
-                      <a16:colId xmlns:a16="http://schemas.microsoft.com/office/drawing/2014/main" val="4046979531"/>
+                      <a16:colId xmlns:a16="http://schemas.microsoft.com/office/drawing/2014/main" xmlns="" val="4046979531"/>
                     </a:ext>
                   </a:extLst>
                 </a:gridCol>
                 <a:gridCol w="1016000">
                   <a:extLst>
                     <a:ext uri="{9D8B030D-6E8A-4147-A177-3AD203B41FA5}">
-                      <a16:colId xmlns:a16="http://schemas.microsoft.com/office/drawing/2014/main" val="1236215947"/>
+                      <a16:colId xmlns:a16="http://schemas.microsoft.com/office/drawing/2014/main" xmlns="" val="1236215947"/>
                     </a:ext>
                   </a:extLst>
                 </a:gridCol>
                 <a:gridCol w="1016000">
                   <a:extLst>
                     <a:ext uri="{9D8B030D-6E8A-4147-A177-3AD203B41FA5}">
-                      <a16:colId xmlns:a16="http://schemas.microsoft.com/office/drawing/2014/main" val="3358476489"/>
+                      <a16:colId xmlns:a16="http://schemas.microsoft.com/office/drawing/2014/main" xmlns="" val="3358476489"/>
                     </a:ext>
                   </a:extLst>
                 </a:gridCol>
                 <a:gridCol w="1016000">
                   <a:extLst>
                     <a:ext uri="{9D8B030D-6E8A-4147-A177-3AD203B41FA5}">
-                      <a16:colId xmlns:a16="http://schemas.microsoft.com/office/drawing/2014/main" val="1544053477"/>
+                      <a16:colId xmlns:a16="http://schemas.microsoft.com/office/drawing/2014/main" xmlns="" val="1544053477"/>
                     </a:ext>
                   </a:extLst>
                 </a:gridCol>
@@ -24135,7 +26403,7 @@
                 </a:tc>
                 <a:extLst>
                   <a:ext uri="{0D108BD9-81ED-4DB2-BD59-A6C34878D82A}">
-                    <a16:rowId xmlns:a16="http://schemas.microsoft.com/office/drawing/2014/main" val="2866617908"/>
+                    <a16:rowId xmlns:a16="http://schemas.microsoft.com/office/drawing/2014/main" xmlns="" val="2866617908"/>
                   </a:ext>
                 </a:extLst>
               </a:tr>
@@ -24153,111 +26421,13 @@
   <p:clrMapOvr>
     <a:masterClrMapping/>
   </p:clrMapOvr>
-</p:sld>
-</file>
-
-<file path=ppt/slides/slide3.xml><?xml version="1.0" encoding="utf-8"?>
-<p:sld xmlns:a="http://schemas.openxmlformats.org/drawingml/2006/main" xmlns:r="http://schemas.openxmlformats.org/officeDocument/2006/relationships" xmlns:p="http://schemas.openxmlformats.org/presentationml/2006/main">
-  <p:cSld>
-    <p:spTree>
-      <p:nvGrpSpPr>
-        <p:cNvPr id="1" name=""/>
-        <p:cNvGrpSpPr/>
-        <p:nvPr/>
-      </p:nvGrpSpPr>
-      <p:grpSpPr>
-        <a:xfrm>
-          <a:off x="0" y="0"/>
-          <a:ext cx="0" cy="0"/>
-          <a:chOff x="0" y="0"/>
-          <a:chExt cx="0" cy="0"/>
-        </a:xfrm>
-      </p:grpSpPr>
-      <p:sp>
-        <p:nvSpPr>
-          <p:cNvPr id="2" name="标题 1">
-            <a:extLst>
-              <a:ext uri="{FF2B5EF4-FFF2-40B4-BE49-F238E27FC236}">
-                <a16:creationId xmlns:a16="http://schemas.microsoft.com/office/drawing/2014/main" id="{F0405D1C-A876-8341-918E-A5D66A83827F}"/>
-              </a:ext>
-            </a:extLst>
-          </p:cNvPr>
-          <p:cNvSpPr>
-            <a:spLocks noGrp="1"/>
-          </p:cNvSpPr>
-          <p:nvPr>
-            <p:ph type="title"/>
-          </p:nvPr>
-        </p:nvSpPr>
-        <p:spPr/>
-        <p:txBody>
-          <a:bodyPr/>
-          <a:lstStyle/>
-          <a:p>
-            <a:r>
-              <a:rPr kumimoji="1" lang="en-US" altLang="zh-CN" dirty="0">
-                <a:latin typeface="Times New Roman" panose="02020603050405020304" pitchFamily="18" charset="0"/>
-                <a:cs typeface="Times New Roman" panose="02020603050405020304" pitchFamily="18" charset="0"/>
-              </a:rPr>
-              <a:t>Dimensions</a:t>
-            </a:r>
-            <a:endParaRPr kumimoji="1" lang="zh-CN" altLang="en-US" dirty="0">
-              <a:latin typeface="Times New Roman" panose="02020603050405020304" pitchFamily="18" charset="0"/>
-              <a:cs typeface="Times New Roman" panose="02020603050405020304" pitchFamily="18" charset="0"/>
-            </a:endParaRPr>
-          </a:p>
-        </p:txBody>
-      </p:sp>
-      <p:sp>
-        <p:nvSpPr>
-          <p:cNvPr id="3" name="内容占位符 2">
-            <a:extLst>
-              <a:ext uri="{FF2B5EF4-FFF2-40B4-BE49-F238E27FC236}">
-                <a16:creationId xmlns:a16="http://schemas.microsoft.com/office/drawing/2014/main" id="{18357220-3404-9543-B18A-654DBC2080C6}"/>
-              </a:ext>
-            </a:extLst>
-          </p:cNvPr>
-          <p:cNvSpPr>
-            <a:spLocks noGrp="1"/>
-          </p:cNvSpPr>
-          <p:nvPr>
-            <p:ph idx="1"/>
-          </p:nvPr>
-        </p:nvSpPr>
-        <p:spPr/>
-        <p:txBody>
-          <a:bodyPr/>
-          <a:lstStyle/>
-          <a:p>
-            <a:r>
-              <a:rPr kumimoji="1" lang="en-US" altLang="zh-CN" dirty="0">
-                <a:latin typeface="Times New Roman" panose="02020603050405020304" pitchFamily="18" charset="0"/>
-                <a:cs typeface="Times New Roman" panose="02020603050405020304" pitchFamily="18" charset="0"/>
-              </a:rPr>
-              <a:t>Dimensions of traffic</a:t>
-            </a:r>
-          </a:p>
-          <a:p>
-            <a:r>
-              <a:rPr kumimoji="1" lang="en-US" altLang="zh-CN" dirty="0">
-                <a:latin typeface="Times New Roman" panose="02020603050405020304" pitchFamily="18" charset="0"/>
-                <a:cs typeface="Times New Roman" panose="02020603050405020304" pitchFamily="18" charset="0"/>
-              </a:rPr>
-              <a:t>Dimensions of sketch</a:t>
-            </a:r>
-          </a:p>
-        </p:txBody>
-      </p:sp>
-    </p:spTree>
-    <p:extLst>
-      <p:ext uri="{BB962C8B-B14F-4D97-AF65-F5344CB8AC3E}">
-        <p14:creationId xmlns:p14="http://schemas.microsoft.com/office/powerpoint/2010/main" val="671433214"/>
-      </p:ext>
-    </p:extLst>
-  </p:cSld>
-  <p:clrMapOvr>
-    <a:masterClrMapping/>
-  </p:clrMapOvr>
+  <p:timing>
+    <p:tnLst>
+      <p:par>
+        <p:cTn id="1" dur="indefinite" restart="never" nodeType="tmRoot"/>
+      </p:par>
+    </p:tnLst>
+  </p:timing>
 </p:sld>
 </file>
 
@@ -24283,7 +26453,7 @@
           <p:cNvPr id="2" name="标题 1">
             <a:extLst>
               <a:ext uri="{FF2B5EF4-FFF2-40B4-BE49-F238E27FC236}">
-                <a16:creationId xmlns:a16="http://schemas.microsoft.com/office/drawing/2014/main" id="{F0405D1C-A876-8341-918E-A5D66A83827F}"/>
+                <a16:creationId xmlns:a16="http://schemas.microsoft.com/office/drawing/2014/main" xmlns="" id="{F0405D1C-A876-8341-918E-A5D66A83827F}"/>
               </a:ext>
             </a:extLst>
           </p:cNvPr>
@@ -24318,7 +26488,7 @@
           <p:cNvPr id="3" name="内容占位符 2">
             <a:extLst>
               <a:ext uri="{FF2B5EF4-FFF2-40B4-BE49-F238E27FC236}">
-                <a16:creationId xmlns:a16="http://schemas.microsoft.com/office/drawing/2014/main" id="{18357220-3404-9543-B18A-654DBC2080C6}"/>
+                <a16:creationId xmlns:a16="http://schemas.microsoft.com/office/drawing/2014/main" xmlns="" id="{18357220-3404-9543-B18A-654DBC2080C6}"/>
               </a:ext>
             </a:extLst>
           </p:cNvPr>
@@ -24406,6 +26576,13 @@
   <p:clrMapOvr>
     <a:masterClrMapping/>
   </p:clrMapOvr>
+  <p:timing>
+    <p:tnLst>
+      <p:par>
+        <p:cTn id="1" dur="indefinite" restart="never" nodeType="tmRoot"/>
+      </p:par>
+    </p:tnLst>
+  </p:timing>
 </p:sld>
 </file>
 
@@ -24431,7 +26608,7 @@
           <p:cNvPr id="2" name="标题 1">
             <a:extLst>
               <a:ext uri="{FF2B5EF4-FFF2-40B4-BE49-F238E27FC236}">
-                <a16:creationId xmlns:a16="http://schemas.microsoft.com/office/drawing/2014/main" id="{F0405D1C-A876-8341-918E-A5D66A83827F}"/>
+                <a16:creationId xmlns:a16="http://schemas.microsoft.com/office/drawing/2014/main" xmlns="" id="{F0405D1C-A876-8341-918E-A5D66A83827F}"/>
               </a:ext>
             </a:extLst>
           </p:cNvPr>
@@ -25017,6 +27194,13 @@
   <p:clrMapOvr>
     <a:masterClrMapping/>
   </p:clrMapOvr>
+  <p:timing>
+    <p:tnLst>
+      <p:par>
+        <p:cTn id="1" dur="indefinite" restart="never" nodeType="tmRoot"/>
+      </p:par>
+    </p:tnLst>
+  </p:timing>
 </p:sld>
 </file>
 
@@ -25042,7 +27226,7 @@
           <p:cNvPr id="2" name="标题 1">
             <a:extLst>
               <a:ext uri="{FF2B5EF4-FFF2-40B4-BE49-F238E27FC236}">
-                <a16:creationId xmlns:a16="http://schemas.microsoft.com/office/drawing/2014/main" id="{F0405D1C-A876-8341-918E-A5D66A83827F}"/>
+                <a16:creationId xmlns:a16="http://schemas.microsoft.com/office/drawing/2014/main" xmlns="" id="{F0405D1C-A876-8341-918E-A5D66A83827F}"/>
               </a:ext>
             </a:extLst>
           </p:cNvPr>
@@ -25077,7 +27261,7 @@
           <p:cNvPr id="3" name="内容占位符 2">
             <a:extLst>
               <a:ext uri="{FF2B5EF4-FFF2-40B4-BE49-F238E27FC236}">
-                <a16:creationId xmlns:a16="http://schemas.microsoft.com/office/drawing/2014/main" id="{18357220-3404-9543-B18A-654DBC2080C6}"/>
+                <a16:creationId xmlns:a16="http://schemas.microsoft.com/office/drawing/2014/main" xmlns="" id="{18357220-3404-9543-B18A-654DBC2080C6}"/>
               </a:ext>
             </a:extLst>
           </p:cNvPr>
@@ -25131,6 +27315,13 @@
   <p:clrMapOvr>
     <a:masterClrMapping/>
   </p:clrMapOvr>
+  <p:timing>
+    <p:tnLst>
+      <p:par>
+        <p:cTn id="1" dur="indefinite" restart="never" nodeType="tmRoot"/>
+      </p:par>
+    </p:tnLst>
+  </p:timing>
 </p:sld>
 </file>
 
@@ -25156,7 +27347,7 @@
           <p:cNvPr id="2" name="标题 1">
             <a:extLst>
               <a:ext uri="{FF2B5EF4-FFF2-40B4-BE49-F238E27FC236}">
-                <a16:creationId xmlns:a16="http://schemas.microsoft.com/office/drawing/2014/main" id="{F0405D1C-A876-8341-918E-A5D66A83827F}"/>
+                <a16:creationId xmlns:a16="http://schemas.microsoft.com/office/drawing/2014/main" xmlns="" id="{F0405D1C-A876-8341-918E-A5D66A83827F}"/>
               </a:ext>
             </a:extLst>
           </p:cNvPr>
@@ -25191,7 +27382,7 @@
           <p:cNvPr id="3" name="内容占位符 2">
             <a:extLst>
               <a:ext uri="{FF2B5EF4-FFF2-40B4-BE49-F238E27FC236}">
-                <a16:creationId xmlns:a16="http://schemas.microsoft.com/office/drawing/2014/main" id="{18357220-3404-9543-B18A-654DBC2080C6}"/>
+                <a16:creationId xmlns:a16="http://schemas.microsoft.com/office/drawing/2014/main" xmlns="" id="{18357220-3404-9543-B18A-654DBC2080C6}"/>
               </a:ext>
             </a:extLst>
           </p:cNvPr>
@@ -25240,6 +27431,13 @@
   <p:clrMapOvr>
     <a:masterClrMapping/>
   </p:clrMapOvr>
+  <p:timing>
+    <p:tnLst>
+      <p:par>
+        <p:cTn id="1" dur="indefinite" restart="never" nodeType="tmRoot"/>
+      </p:par>
+    </p:tnLst>
+  </p:timing>
 </p:sld>
 </file>
 
@@ -25265,7 +27463,7 @@
           <p:cNvPr id="2" name="标题 1">
             <a:extLst>
               <a:ext uri="{FF2B5EF4-FFF2-40B4-BE49-F238E27FC236}">
-                <a16:creationId xmlns:a16="http://schemas.microsoft.com/office/drawing/2014/main" id="{6BD3BC95-97FB-854B-BC45-4D2B05ECEC9F}"/>
+                <a16:creationId xmlns:a16="http://schemas.microsoft.com/office/drawing/2014/main" xmlns="" id="{6BD3BC95-97FB-854B-BC45-4D2B05ECEC9F}"/>
               </a:ext>
             </a:extLst>
           </p:cNvPr>
@@ -25300,7 +27498,7 @@
           <p:cNvPr id="35" name="椭圆 34">
             <a:extLst>
               <a:ext uri="{FF2B5EF4-FFF2-40B4-BE49-F238E27FC236}">
-                <a16:creationId xmlns:a16="http://schemas.microsoft.com/office/drawing/2014/main" id="{FE177A80-294D-D74F-9193-54F0F6931790}"/>
+                <a16:creationId xmlns:a16="http://schemas.microsoft.com/office/drawing/2014/main" xmlns="" id="{FE177A80-294D-D74F-9193-54F0F6931790}"/>
               </a:ext>
             </a:extLst>
           </p:cNvPr>
@@ -25346,7 +27544,7 @@
           <p:cNvPr id="36" name="椭圆 35">
             <a:extLst>
               <a:ext uri="{FF2B5EF4-FFF2-40B4-BE49-F238E27FC236}">
-                <a16:creationId xmlns:a16="http://schemas.microsoft.com/office/drawing/2014/main" id="{BC6EE5D6-B812-5A44-8E2E-0D340A99F527}"/>
+                <a16:creationId xmlns:a16="http://schemas.microsoft.com/office/drawing/2014/main" xmlns="" id="{BC6EE5D6-B812-5A44-8E2E-0D340A99F527}"/>
               </a:ext>
             </a:extLst>
           </p:cNvPr>
@@ -25395,7 +27593,7 @@
           <p:cNvPr id="70" name="矩形 69">
             <a:extLst>
               <a:ext uri="{FF2B5EF4-FFF2-40B4-BE49-F238E27FC236}">
-                <a16:creationId xmlns:a16="http://schemas.microsoft.com/office/drawing/2014/main" id="{76DC12EF-3E78-4744-B092-2511D4394ED4}"/>
+                <a16:creationId xmlns:a16="http://schemas.microsoft.com/office/drawing/2014/main" xmlns="" id="{76DC12EF-3E78-4744-B092-2511D4394ED4}"/>
               </a:ext>
             </a:extLst>
           </p:cNvPr>
@@ -25441,7 +27639,7 @@
           <p:cNvPr id="71" name="矩形 70">
             <a:extLst>
               <a:ext uri="{FF2B5EF4-FFF2-40B4-BE49-F238E27FC236}">
-                <a16:creationId xmlns:a16="http://schemas.microsoft.com/office/drawing/2014/main" id="{1CBCA22F-4911-4144-B568-385765FDD372}"/>
+                <a16:creationId xmlns:a16="http://schemas.microsoft.com/office/drawing/2014/main" xmlns="" id="{1CBCA22F-4911-4144-B568-385765FDD372}"/>
               </a:ext>
             </a:extLst>
           </p:cNvPr>
@@ -25487,7 +27685,7 @@
           <p:cNvPr id="72" name="椭圆 71">
             <a:extLst>
               <a:ext uri="{FF2B5EF4-FFF2-40B4-BE49-F238E27FC236}">
-                <a16:creationId xmlns:a16="http://schemas.microsoft.com/office/drawing/2014/main" id="{CD70E9C7-E090-FC47-B17E-B628E54D05FA}"/>
+                <a16:creationId xmlns:a16="http://schemas.microsoft.com/office/drawing/2014/main" xmlns="" id="{CD70E9C7-E090-FC47-B17E-B628E54D05FA}"/>
               </a:ext>
             </a:extLst>
           </p:cNvPr>
@@ -25533,7 +27731,7 @@
           <p:cNvPr id="73" name="直线连接符 72">
             <a:extLst>
               <a:ext uri="{FF2B5EF4-FFF2-40B4-BE49-F238E27FC236}">
-                <a16:creationId xmlns:a16="http://schemas.microsoft.com/office/drawing/2014/main" id="{8F3893D3-96CB-E14C-B718-FF139035D674}"/>
+                <a16:creationId xmlns:a16="http://schemas.microsoft.com/office/drawing/2014/main" xmlns="" id="{8F3893D3-96CB-E14C-B718-FF139035D674}"/>
               </a:ext>
             </a:extLst>
           </p:cNvPr>
@@ -25578,7 +27776,7 @@
           <p:cNvPr id="74" name="直线连接符 73">
             <a:extLst>
               <a:ext uri="{FF2B5EF4-FFF2-40B4-BE49-F238E27FC236}">
-                <a16:creationId xmlns:a16="http://schemas.microsoft.com/office/drawing/2014/main" id="{0FAEEE3F-00C1-C94A-97FA-CE21D40B8CB7}"/>
+                <a16:creationId xmlns:a16="http://schemas.microsoft.com/office/drawing/2014/main" xmlns="" id="{0FAEEE3F-00C1-C94A-97FA-CE21D40B8CB7}"/>
               </a:ext>
             </a:extLst>
           </p:cNvPr>
@@ -25623,7 +27821,7 @@
           <p:cNvPr id="75" name="矩形 74">
             <a:extLst>
               <a:ext uri="{FF2B5EF4-FFF2-40B4-BE49-F238E27FC236}">
-                <a16:creationId xmlns:a16="http://schemas.microsoft.com/office/drawing/2014/main" id="{E75CA6BA-015B-014E-AB8A-35BF63F8E901}"/>
+                <a16:creationId xmlns:a16="http://schemas.microsoft.com/office/drawing/2014/main" xmlns="" id="{E75CA6BA-015B-014E-AB8A-35BF63F8E901}"/>
               </a:ext>
             </a:extLst>
           </p:cNvPr>
@@ -25669,7 +27867,7 @@
           <p:cNvPr id="76" name="矩形 75">
             <a:extLst>
               <a:ext uri="{FF2B5EF4-FFF2-40B4-BE49-F238E27FC236}">
-                <a16:creationId xmlns:a16="http://schemas.microsoft.com/office/drawing/2014/main" id="{51D6FEDD-A53E-A24B-BE7E-092955A49847}"/>
+                <a16:creationId xmlns:a16="http://schemas.microsoft.com/office/drawing/2014/main" xmlns="" id="{51D6FEDD-A53E-A24B-BE7E-092955A49847}"/>
               </a:ext>
             </a:extLst>
           </p:cNvPr>
@@ -25715,7 +27913,7 @@
           <p:cNvPr id="77" name="椭圆 76">
             <a:extLst>
               <a:ext uri="{FF2B5EF4-FFF2-40B4-BE49-F238E27FC236}">
-                <a16:creationId xmlns:a16="http://schemas.microsoft.com/office/drawing/2014/main" id="{28C8ED9E-0A7A-F143-9504-88BA23264A68}"/>
+                <a16:creationId xmlns:a16="http://schemas.microsoft.com/office/drawing/2014/main" xmlns="" id="{28C8ED9E-0A7A-F143-9504-88BA23264A68}"/>
               </a:ext>
             </a:extLst>
           </p:cNvPr>
@@ -25761,7 +27959,7 @@
           <p:cNvPr id="78" name="直线连接符 77">
             <a:extLst>
               <a:ext uri="{FF2B5EF4-FFF2-40B4-BE49-F238E27FC236}">
-                <a16:creationId xmlns:a16="http://schemas.microsoft.com/office/drawing/2014/main" id="{D7C680DE-E525-3D4F-B145-B7C61368168A}"/>
+                <a16:creationId xmlns:a16="http://schemas.microsoft.com/office/drawing/2014/main" xmlns="" id="{D7C680DE-E525-3D4F-B145-B7C61368168A}"/>
               </a:ext>
             </a:extLst>
           </p:cNvPr>
@@ -25806,7 +28004,7 @@
           <p:cNvPr id="79" name="直线连接符 78">
             <a:extLst>
               <a:ext uri="{FF2B5EF4-FFF2-40B4-BE49-F238E27FC236}">
-                <a16:creationId xmlns:a16="http://schemas.microsoft.com/office/drawing/2014/main" id="{52E496C5-2194-5540-8B69-4A614CB2C695}"/>
+                <a16:creationId xmlns:a16="http://schemas.microsoft.com/office/drawing/2014/main" xmlns="" id="{52E496C5-2194-5540-8B69-4A614CB2C695}"/>
               </a:ext>
             </a:extLst>
           </p:cNvPr>
@@ -25851,7 +28049,7 @@
           <p:cNvPr id="80" name="直线连接符 79">
             <a:extLst>
               <a:ext uri="{FF2B5EF4-FFF2-40B4-BE49-F238E27FC236}">
-                <a16:creationId xmlns:a16="http://schemas.microsoft.com/office/drawing/2014/main" id="{B2F72FF8-CB71-9440-8AB4-9B899631BE0A}"/>
+                <a16:creationId xmlns:a16="http://schemas.microsoft.com/office/drawing/2014/main" xmlns="" id="{B2F72FF8-CB71-9440-8AB4-9B899631BE0A}"/>
               </a:ext>
             </a:extLst>
           </p:cNvPr>
@@ -25896,7 +28094,7 @@
           <p:cNvPr id="83" name="直线连接符 82">
             <a:extLst>
               <a:ext uri="{FF2B5EF4-FFF2-40B4-BE49-F238E27FC236}">
-                <a16:creationId xmlns:a16="http://schemas.microsoft.com/office/drawing/2014/main" id="{CB8ECDB2-18F6-ED40-BF29-0E4204300FF1}"/>
+                <a16:creationId xmlns:a16="http://schemas.microsoft.com/office/drawing/2014/main" xmlns="" id="{CB8ECDB2-18F6-ED40-BF29-0E4204300FF1}"/>
               </a:ext>
             </a:extLst>
           </p:cNvPr>
@@ -25941,7 +28139,7 @@
           <p:cNvPr id="86" name="椭圆 85">
             <a:extLst>
               <a:ext uri="{FF2B5EF4-FFF2-40B4-BE49-F238E27FC236}">
-                <a16:creationId xmlns:a16="http://schemas.microsoft.com/office/drawing/2014/main" id="{D1E67824-653C-E74B-968D-3A3D0E990C80}"/>
+                <a16:creationId xmlns:a16="http://schemas.microsoft.com/office/drawing/2014/main" xmlns="" id="{D1E67824-653C-E74B-968D-3A3D0E990C80}"/>
               </a:ext>
             </a:extLst>
           </p:cNvPr>
@@ -25990,7 +28188,7 @@
           <p:cNvPr id="87" name="矩形 86">
             <a:extLst>
               <a:ext uri="{FF2B5EF4-FFF2-40B4-BE49-F238E27FC236}">
-                <a16:creationId xmlns:a16="http://schemas.microsoft.com/office/drawing/2014/main" id="{CE639E0C-5CED-7845-B8E2-188D7E851CD1}"/>
+                <a16:creationId xmlns:a16="http://schemas.microsoft.com/office/drawing/2014/main" xmlns="" id="{CE639E0C-5CED-7845-B8E2-188D7E851CD1}"/>
               </a:ext>
             </a:extLst>
           </p:cNvPr>
@@ -26044,7 +28242,7 @@
           <p:cNvPr id="88" name="矩形 87">
             <a:extLst>
               <a:ext uri="{FF2B5EF4-FFF2-40B4-BE49-F238E27FC236}">
-                <a16:creationId xmlns:a16="http://schemas.microsoft.com/office/drawing/2014/main" id="{ED911405-A61F-AF48-87AF-11B13D5DAF38}"/>
+                <a16:creationId xmlns:a16="http://schemas.microsoft.com/office/drawing/2014/main" xmlns="" id="{ED911405-A61F-AF48-87AF-11B13D5DAF38}"/>
               </a:ext>
             </a:extLst>
           </p:cNvPr>
@@ -26090,7 +28288,7 @@
           <p:cNvPr id="89" name="椭圆 88">
             <a:extLst>
               <a:ext uri="{FF2B5EF4-FFF2-40B4-BE49-F238E27FC236}">
-                <a16:creationId xmlns:a16="http://schemas.microsoft.com/office/drawing/2014/main" id="{451C4244-70E6-4542-8B8C-950146583A1D}"/>
+                <a16:creationId xmlns:a16="http://schemas.microsoft.com/office/drawing/2014/main" xmlns="" id="{451C4244-70E6-4542-8B8C-950146583A1D}"/>
               </a:ext>
             </a:extLst>
           </p:cNvPr>
@@ -26139,7 +28337,7 @@
           <p:cNvPr id="90" name="直线连接符 89">
             <a:extLst>
               <a:ext uri="{FF2B5EF4-FFF2-40B4-BE49-F238E27FC236}">
-                <a16:creationId xmlns:a16="http://schemas.microsoft.com/office/drawing/2014/main" id="{D8A0E0E2-635A-C94E-AED8-A6524FE9CF46}"/>
+                <a16:creationId xmlns:a16="http://schemas.microsoft.com/office/drawing/2014/main" xmlns="" id="{D8A0E0E2-635A-C94E-AED8-A6524FE9CF46}"/>
               </a:ext>
             </a:extLst>
           </p:cNvPr>
@@ -26184,7 +28382,7 @@
           <p:cNvPr id="91" name="直线连接符 90">
             <a:extLst>
               <a:ext uri="{FF2B5EF4-FFF2-40B4-BE49-F238E27FC236}">
-                <a16:creationId xmlns:a16="http://schemas.microsoft.com/office/drawing/2014/main" id="{91DCF7F9-7067-4742-AAE9-5541B02DA910}"/>
+                <a16:creationId xmlns:a16="http://schemas.microsoft.com/office/drawing/2014/main" xmlns="" id="{91DCF7F9-7067-4742-AAE9-5541B02DA910}"/>
               </a:ext>
             </a:extLst>
           </p:cNvPr>
@@ -26229,7 +28427,7 @@
           <p:cNvPr id="92" name="矩形 91">
             <a:extLst>
               <a:ext uri="{FF2B5EF4-FFF2-40B4-BE49-F238E27FC236}">
-                <a16:creationId xmlns:a16="http://schemas.microsoft.com/office/drawing/2014/main" id="{60E7D525-D61D-134B-B62D-5B76DDCC14F5}"/>
+                <a16:creationId xmlns:a16="http://schemas.microsoft.com/office/drawing/2014/main" xmlns="" id="{60E7D525-D61D-134B-B62D-5B76DDCC14F5}"/>
               </a:ext>
             </a:extLst>
           </p:cNvPr>
@@ -26275,7 +28473,7 @@
           <p:cNvPr id="93" name="矩形 92">
             <a:extLst>
               <a:ext uri="{FF2B5EF4-FFF2-40B4-BE49-F238E27FC236}">
-                <a16:creationId xmlns:a16="http://schemas.microsoft.com/office/drawing/2014/main" id="{A8800A96-5B4C-5445-B173-27E1FC332247}"/>
+                <a16:creationId xmlns:a16="http://schemas.microsoft.com/office/drawing/2014/main" xmlns="" id="{A8800A96-5B4C-5445-B173-27E1FC332247}"/>
               </a:ext>
             </a:extLst>
           </p:cNvPr>
@@ -26321,7 +28519,7 @@
           <p:cNvPr id="94" name="椭圆 93">
             <a:extLst>
               <a:ext uri="{FF2B5EF4-FFF2-40B4-BE49-F238E27FC236}">
-                <a16:creationId xmlns:a16="http://schemas.microsoft.com/office/drawing/2014/main" id="{EB4A5D39-59E0-BC46-A35D-1B10808219D4}"/>
+                <a16:creationId xmlns:a16="http://schemas.microsoft.com/office/drawing/2014/main" xmlns="" id="{EB4A5D39-59E0-BC46-A35D-1B10808219D4}"/>
               </a:ext>
             </a:extLst>
           </p:cNvPr>
@@ -26367,7 +28565,7 @@
           <p:cNvPr id="95" name="直线连接符 94">
             <a:extLst>
               <a:ext uri="{FF2B5EF4-FFF2-40B4-BE49-F238E27FC236}">
-                <a16:creationId xmlns:a16="http://schemas.microsoft.com/office/drawing/2014/main" id="{5A6A792C-A19D-8D40-B56B-9279B5CE0D85}"/>
+                <a16:creationId xmlns:a16="http://schemas.microsoft.com/office/drawing/2014/main" xmlns="" id="{5A6A792C-A19D-8D40-B56B-9279B5CE0D85}"/>
               </a:ext>
             </a:extLst>
           </p:cNvPr>
@@ -26412,7 +28610,7 @@
           <p:cNvPr id="96" name="直线连接符 95">
             <a:extLst>
               <a:ext uri="{FF2B5EF4-FFF2-40B4-BE49-F238E27FC236}">
-                <a16:creationId xmlns:a16="http://schemas.microsoft.com/office/drawing/2014/main" id="{D5A10680-6902-4244-B81A-7EBDAED0CFDF}"/>
+                <a16:creationId xmlns:a16="http://schemas.microsoft.com/office/drawing/2014/main" xmlns="" id="{D5A10680-6902-4244-B81A-7EBDAED0CFDF}"/>
               </a:ext>
             </a:extLst>
           </p:cNvPr>
@@ -26457,7 +28655,7 @@
           <p:cNvPr id="97" name="直线连接符 96">
             <a:extLst>
               <a:ext uri="{FF2B5EF4-FFF2-40B4-BE49-F238E27FC236}">
-                <a16:creationId xmlns:a16="http://schemas.microsoft.com/office/drawing/2014/main" id="{4C7B2CBB-05F8-1C48-BB82-81EFD7C255EE}"/>
+                <a16:creationId xmlns:a16="http://schemas.microsoft.com/office/drawing/2014/main" xmlns="" id="{4C7B2CBB-05F8-1C48-BB82-81EFD7C255EE}"/>
               </a:ext>
             </a:extLst>
           </p:cNvPr>
@@ -26502,7 +28700,7 @@
           <p:cNvPr id="98" name="直线连接符 97">
             <a:extLst>
               <a:ext uri="{FF2B5EF4-FFF2-40B4-BE49-F238E27FC236}">
-                <a16:creationId xmlns:a16="http://schemas.microsoft.com/office/drawing/2014/main" id="{BCCCD3ED-50F1-7A49-8FF2-C0393660C362}"/>
+                <a16:creationId xmlns:a16="http://schemas.microsoft.com/office/drawing/2014/main" xmlns="" id="{BCCCD3ED-50F1-7A49-8FF2-C0393660C362}"/>
               </a:ext>
             </a:extLst>
           </p:cNvPr>
@@ -26547,7 +28745,7 @@
           <p:cNvPr id="99" name="直线连接符 98">
             <a:extLst>
               <a:ext uri="{FF2B5EF4-FFF2-40B4-BE49-F238E27FC236}">
-                <a16:creationId xmlns:a16="http://schemas.microsoft.com/office/drawing/2014/main" id="{54CA5F68-92C8-D245-B66B-0A8135500154}"/>
+                <a16:creationId xmlns:a16="http://schemas.microsoft.com/office/drawing/2014/main" xmlns="" id="{54CA5F68-92C8-D245-B66B-0A8135500154}"/>
               </a:ext>
             </a:extLst>
           </p:cNvPr>
@@ -26592,7 +28790,7 @@
           <p:cNvPr id="102" name="直线连接符 101">
             <a:extLst>
               <a:ext uri="{FF2B5EF4-FFF2-40B4-BE49-F238E27FC236}">
-                <a16:creationId xmlns:a16="http://schemas.microsoft.com/office/drawing/2014/main" id="{D25792AE-BA15-4C4D-9B9B-E8116F709353}"/>
+                <a16:creationId xmlns:a16="http://schemas.microsoft.com/office/drawing/2014/main" xmlns="" id="{D25792AE-BA15-4C4D-9B9B-E8116F709353}"/>
               </a:ext>
             </a:extLst>
           </p:cNvPr>
@@ -26637,7 +28835,7 @@
           <p:cNvPr id="134" name="椭圆 133">
             <a:extLst>
               <a:ext uri="{FF2B5EF4-FFF2-40B4-BE49-F238E27FC236}">
-                <a16:creationId xmlns:a16="http://schemas.microsoft.com/office/drawing/2014/main" id="{D812FCEC-45C2-B344-801D-231FDC0CD8C9}"/>
+                <a16:creationId xmlns:a16="http://schemas.microsoft.com/office/drawing/2014/main" xmlns="" id="{D812FCEC-45C2-B344-801D-231FDC0CD8C9}"/>
               </a:ext>
             </a:extLst>
           </p:cNvPr>
@@ -26683,7 +28881,7 @@
           <p:cNvPr id="135" name="椭圆 134">
             <a:extLst>
               <a:ext uri="{FF2B5EF4-FFF2-40B4-BE49-F238E27FC236}">
-                <a16:creationId xmlns:a16="http://schemas.microsoft.com/office/drawing/2014/main" id="{45853432-1967-0E48-92F5-0FE48174D819}"/>
+                <a16:creationId xmlns:a16="http://schemas.microsoft.com/office/drawing/2014/main" xmlns="" id="{45853432-1967-0E48-92F5-0FE48174D819}"/>
               </a:ext>
             </a:extLst>
           </p:cNvPr>
@@ -26732,7 +28930,7 @@
           <p:cNvPr id="136" name="矩形 135">
             <a:extLst>
               <a:ext uri="{FF2B5EF4-FFF2-40B4-BE49-F238E27FC236}">
-                <a16:creationId xmlns:a16="http://schemas.microsoft.com/office/drawing/2014/main" id="{53905ACF-99DD-F742-B3F9-98736B3484DB}"/>
+                <a16:creationId xmlns:a16="http://schemas.microsoft.com/office/drawing/2014/main" xmlns="" id="{53905ACF-99DD-F742-B3F9-98736B3484DB}"/>
               </a:ext>
             </a:extLst>
           </p:cNvPr>
@@ -26778,7 +28976,7 @@
           <p:cNvPr id="137" name="矩形 136">
             <a:extLst>
               <a:ext uri="{FF2B5EF4-FFF2-40B4-BE49-F238E27FC236}">
-                <a16:creationId xmlns:a16="http://schemas.microsoft.com/office/drawing/2014/main" id="{B89B761A-F90C-EE46-9B43-C6656AC2353C}"/>
+                <a16:creationId xmlns:a16="http://schemas.microsoft.com/office/drawing/2014/main" xmlns="" id="{B89B761A-F90C-EE46-9B43-C6656AC2353C}"/>
               </a:ext>
             </a:extLst>
           </p:cNvPr>
@@ -26824,7 +29022,7 @@
           <p:cNvPr id="138" name="椭圆 137">
             <a:extLst>
               <a:ext uri="{FF2B5EF4-FFF2-40B4-BE49-F238E27FC236}">
-                <a16:creationId xmlns:a16="http://schemas.microsoft.com/office/drawing/2014/main" id="{1C8B860B-F86D-4B4B-9193-876CD7DC0907}"/>
+                <a16:creationId xmlns:a16="http://schemas.microsoft.com/office/drawing/2014/main" xmlns="" id="{1C8B860B-F86D-4B4B-9193-876CD7DC0907}"/>
               </a:ext>
             </a:extLst>
           </p:cNvPr>
@@ -26870,7 +29068,7 @@
           <p:cNvPr id="139" name="直线连接符 138">
             <a:extLst>
               <a:ext uri="{FF2B5EF4-FFF2-40B4-BE49-F238E27FC236}">
-                <a16:creationId xmlns:a16="http://schemas.microsoft.com/office/drawing/2014/main" id="{38202E17-7B59-C649-865C-21D4F76A306D}"/>
+                <a16:creationId xmlns:a16="http://schemas.microsoft.com/office/drawing/2014/main" xmlns="" id="{38202E17-7B59-C649-865C-21D4F76A306D}"/>
               </a:ext>
             </a:extLst>
           </p:cNvPr>
@@ -26915,7 +29113,7 @@
           <p:cNvPr id="140" name="直线连接符 139">
             <a:extLst>
               <a:ext uri="{FF2B5EF4-FFF2-40B4-BE49-F238E27FC236}">
-                <a16:creationId xmlns:a16="http://schemas.microsoft.com/office/drawing/2014/main" id="{A686937A-936E-D841-80F9-D60C793716A1}"/>
+                <a16:creationId xmlns:a16="http://schemas.microsoft.com/office/drawing/2014/main" xmlns="" id="{A686937A-936E-D841-80F9-D60C793716A1}"/>
               </a:ext>
             </a:extLst>
           </p:cNvPr>
@@ -26960,7 +29158,7 @@
           <p:cNvPr id="141" name="矩形 140">
             <a:extLst>
               <a:ext uri="{FF2B5EF4-FFF2-40B4-BE49-F238E27FC236}">
-                <a16:creationId xmlns:a16="http://schemas.microsoft.com/office/drawing/2014/main" id="{D3476BC9-3617-2349-AD3A-4D84C847071B}"/>
+                <a16:creationId xmlns:a16="http://schemas.microsoft.com/office/drawing/2014/main" xmlns="" id="{D3476BC9-3617-2349-AD3A-4D84C847071B}"/>
               </a:ext>
             </a:extLst>
           </p:cNvPr>
@@ -27006,7 +29204,7 @@
           <p:cNvPr id="142" name="矩形 141">
             <a:extLst>
               <a:ext uri="{FF2B5EF4-FFF2-40B4-BE49-F238E27FC236}">
-                <a16:creationId xmlns:a16="http://schemas.microsoft.com/office/drawing/2014/main" id="{35D61483-E1EA-2F47-A87D-5C5DAAF4C881}"/>
+                <a16:creationId xmlns:a16="http://schemas.microsoft.com/office/drawing/2014/main" xmlns="" id="{35D61483-E1EA-2F47-A87D-5C5DAAF4C881}"/>
               </a:ext>
             </a:extLst>
           </p:cNvPr>
@@ -27052,7 +29250,7 @@
           <p:cNvPr id="143" name="椭圆 142">
             <a:extLst>
               <a:ext uri="{FF2B5EF4-FFF2-40B4-BE49-F238E27FC236}">
-                <a16:creationId xmlns:a16="http://schemas.microsoft.com/office/drawing/2014/main" id="{E2395878-95EC-F440-B899-6DB2E3106F63}"/>
+                <a16:creationId xmlns:a16="http://schemas.microsoft.com/office/drawing/2014/main" xmlns="" id="{E2395878-95EC-F440-B899-6DB2E3106F63}"/>
               </a:ext>
             </a:extLst>
           </p:cNvPr>
@@ -27098,7 +29296,7 @@
           <p:cNvPr id="144" name="直线连接符 143">
             <a:extLst>
               <a:ext uri="{FF2B5EF4-FFF2-40B4-BE49-F238E27FC236}">
-                <a16:creationId xmlns:a16="http://schemas.microsoft.com/office/drawing/2014/main" id="{CD20C65D-F06D-DD44-B428-C81AA47372D7}"/>
+                <a16:creationId xmlns:a16="http://schemas.microsoft.com/office/drawing/2014/main" xmlns="" id="{CD20C65D-F06D-DD44-B428-C81AA47372D7}"/>
               </a:ext>
             </a:extLst>
           </p:cNvPr>
@@ -27143,7 +29341,7 @@
           <p:cNvPr id="145" name="直线连接符 144">
             <a:extLst>
               <a:ext uri="{FF2B5EF4-FFF2-40B4-BE49-F238E27FC236}">
-                <a16:creationId xmlns:a16="http://schemas.microsoft.com/office/drawing/2014/main" id="{4A9E221B-42B3-C740-B0F0-1A2B9833930E}"/>
+                <a16:creationId xmlns:a16="http://schemas.microsoft.com/office/drawing/2014/main" xmlns="" id="{4A9E221B-42B3-C740-B0F0-1A2B9833930E}"/>
               </a:ext>
             </a:extLst>
           </p:cNvPr>
@@ -27188,7 +29386,7 @@
           <p:cNvPr id="146" name="直线连接符 145">
             <a:extLst>
               <a:ext uri="{FF2B5EF4-FFF2-40B4-BE49-F238E27FC236}">
-                <a16:creationId xmlns:a16="http://schemas.microsoft.com/office/drawing/2014/main" id="{A7B7AC7C-9690-9944-B1FE-CBA8452577D4}"/>
+                <a16:creationId xmlns:a16="http://schemas.microsoft.com/office/drawing/2014/main" xmlns="" id="{A7B7AC7C-9690-9944-B1FE-CBA8452577D4}"/>
               </a:ext>
             </a:extLst>
           </p:cNvPr>
@@ -27233,7 +29431,7 @@
           <p:cNvPr id="147" name="直线连接符 146">
             <a:extLst>
               <a:ext uri="{FF2B5EF4-FFF2-40B4-BE49-F238E27FC236}">
-                <a16:creationId xmlns:a16="http://schemas.microsoft.com/office/drawing/2014/main" id="{6D66B493-EBF1-EC42-BE0A-D44EB359DE35}"/>
+                <a16:creationId xmlns:a16="http://schemas.microsoft.com/office/drawing/2014/main" xmlns="" id="{6D66B493-EBF1-EC42-BE0A-D44EB359DE35}"/>
               </a:ext>
             </a:extLst>
           </p:cNvPr>
@@ -27278,7 +29476,7 @@
           <p:cNvPr id="148" name="椭圆 147">
             <a:extLst>
               <a:ext uri="{FF2B5EF4-FFF2-40B4-BE49-F238E27FC236}">
-                <a16:creationId xmlns:a16="http://schemas.microsoft.com/office/drawing/2014/main" id="{9671E381-8C9A-7249-8690-9A97FE6CEC37}"/>
+                <a16:creationId xmlns:a16="http://schemas.microsoft.com/office/drawing/2014/main" xmlns="" id="{9671E381-8C9A-7249-8690-9A97FE6CEC37}"/>
               </a:ext>
             </a:extLst>
           </p:cNvPr>
@@ -27327,7 +29525,7 @@
           <p:cNvPr id="149" name="矩形 148">
             <a:extLst>
               <a:ext uri="{FF2B5EF4-FFF2-40B4-BE49-F238E27FC236}">
-                <a16:creationId xmlns:a16="http://schemas.microsoft.com/office/drawing/2014/main" id="{88213569-380C-704D-8320-D89BC8332040}"/>
+                <a16:creationId xmlns:a16="http://schemas.microsoft.com/office/drawing/2014/main" xmlns="" id="{88213569-380C-704D-8320-D89BC8332040}"/>
               </a:ext>
             </a:extLst>
           </p:cNvPr>
@@ -27373,7 +29571,7 @@
           <p:cNvPr id="150" name="矩形 149">
             <a:extLst>
               <a:ext uri="{FF2B5EF4-FFF2-40B4-BE49-F238E27FC236}">
-                <a16:creationId xmlns:a16="http://schemas.microsoft.com/office/drawing/2014/main" id="{CC2D48BD-2F54-1846-9FE6-B2926D606B96}"/>
+                <a16:creationId xmlns:a16="http://schemas.microsoft.com/office/drawing/2014/main" xmlns="" id="{CC2D48BD-2F54-1846-9FE6-B2926D606B96}"/>
               </a:ext>
             </a:extLst>
           </p:cNvPr>
@@ -27419,7 +29617,7 @@
           <p:cNvPr id="151" name="椭圆 150">
             <a:extLst>
               <a:ext uri="{FF2B5EF4-FFF2-40B4-BE49-F238E27FC236}">
-                <a16:creationId xmlns:a16="http://schemas.microsoft.com/office/drawing/2014/main" id="{CC3C0616-22E1-C94C-8B56-7F7DD53DC4D3}"/>
+                <a16:creationId xmlns:a16="http://schemas.microsoft.com/office/drawing/2014/main" xmlns="" id="{CC3C0616-22E1-C94C-8B56-7F7DD53DC4D3}"/>
               </a:ext>
             </a:extLst>
           </p:cNvPr>
@@ -27465,7 +29663,7 @@
           <p:cNvPr id="152" name="直线连接符 151">
             <a:extLst>
               <a:ext uri="{FF2B5EF4-FFF2-40B4-BE49-F238E27FC236}">
-                <a16:creationId xmlns:a16="http://schemas.microsoft.com/office/drawing/2014/main" id="{60B11272-6AB9-CA4C-B732-26120A0C2D95}"/>
+                <a16:creationId xmlns:a16="http://schemas.microsoft.com/office/drawing/2014/main" xmlns="" id="{60B11272-6AB9-CA4C-B732-26120A0C2D95}"/>
               </a:ext>
             </a:extLst>
           </p:cNvPr>
@@ -27510,7 +29708,7 @@
           <p:cNvPr id="153" name="直线连接符 152">
             <a:extLst>
               <a:ext uri="{FF2B5EF4-FFF2-40B4-BE49-F238E27FC236}">
-                <a16:creationId xmlns:a16="http://schemas.microsoft.com/office/drawing/2014/main" id="{ED220DF5-351F-AF4A-BFC5-E3A9ACFD304F}"/>
+                <a16:creationId xmlns:a16="http://schemas.microsoft.com/office/drawing/2014/main" xmlns="" id="{ED220DF5-351F-AF4A-BFC5-E3A9ACFD304F}"/>
               </a:ext>
             </a:extLst>
           </p:cNvPr>
@@ -27555,7 +29753,7 @@
           <p:cNvPr id="154" name="矩形 153">
             <a:extLst>
               <a:ext uri="{FF2B5EF4-FFF2-40B4-BE49-F238E27FC236}">
-                <a16:creationId xmlns:a16="http://schemas.microsoft.com/office/drawing/2014/main" id="{4B8DE2BB-3A6E-E14F-8864-AA75D7DDD0E9}"/>
+                <a16:creationId xmlns:a16="http://schemas.microsoft.com/office/drawing/2014/main" xmlns="" id="{4B8DE2BB-3A6E-E14F-8864-AA75D7DDD0E9}"/>
               </a:ext>
             </a:extLst>
           </p:cNvPr>
@@ -27601,7 +29799,7 @@
           <p:cNvPr id="155" name="矩形 154">
             <a:extLst>
               <a:ext uri="{FF2B5EF4-FFF2-40B4-BE49-F238E27FC236}">
-                <a16:creationId xmlns:a16="http://schemas.microsoft.com/office/drawing/2014/main" id="{72AE0033-0163-7044-AE9F-701DB78B7EF9}"/>
+                <a16:creationId xmlns:a16="http://schemas.microsoft.com/office/drawing/2014/main" xmlns="" id="{72AE0033-0163-7044-AE9F-701DB78B7EF9}"/>
               </a:ext>
             </a:extLst>
           </p:cNvPr>
@@ -27655,7 +29853,7 @@
           <p:cNvPr id="156" name="椭圆 155">
             <a:extLst>
               <a:ext uri="{FF2B5EF4-FFF2-40B4-BE49-F238E27FC236}">
-                <a16:creationId xmlns:a16="http://schemas.microsoft.com/office/drawing/2014/main" id="{8ABA1EAD-85CF-F84F-AE56-875490D8D171}"/>
+                <a16:creationId xmlns:a16="http://schemas.microsoft.com/office/drawing/2014/main" xmlns="" id="{8ABA1EAD-85CF-F84F-AE56-875490D8D171}"/>
               </a:ext>
             </a:extLst>
           </p:cNvPr>
@@ -27704,7 +29902,7 @@
           <p:cNvPr id="157" name="直线连接符 156">
             <a:extLst>
               <a:ext uri="{FF2B5EF4-FFF2-40B4-BE49-F238E27FC236}">
-                <a16:creationId xmlns:a16="http://schemas.microsoft.com/office/drawing/2014/main" id="{2C4DA044-EEA3-2648-9022-9D4B646E54CE}"/>
+                <a16:creationId xmlns:a16="http://schemas.microsoft.com/office/drawing/2014/main" xmlns="" id="{2C4DA044-EEA3-2648-9022-9D4B646E54CE}"/>
               </a:ext>
             </a:extLst>
           </p:cNvPr>
@@ -27749,7 +29947,7 @@
           <p:cNvPr id="158" name="直线连接符 157">
             <a:extLst>
               <a:ext uri="{FF2B5EF4-FFF2-40B4-BE49-F238E27FC236}">
-                <a16:creationId xmlns:a16="http://schemas.microsoft.com/office/drawing/2014/main" id="{678F7910-1BFB-1C48-A5F5-C6B0119E35A2}"/>
+                <a16:creationId xmlns:a16="http://schemas.microsoft.com/office/drawing/2014/main" xmlns="" id="{678F7910-1BFB-1C48-A5F5-C6B0119E35A2}"/>
               </a:ext>
             </a:extLst>
           </p:cNvPr>
@@ -27794,7 +29992,7 @@
           <p:cNvPr id="159" name="直线连接符 158">
             <a:extLst>
               <a:ext uri="{FF2B5EF4-FFF2-40B4-BE49-F238E27FC236}">
-                <a16:creationId xmlns:a16="http://schemas.microsoft.com/office/drawing/2014/main" id="{FD1849BE-468D-E749-AF86-14B2A3AD676B}"/>
+                <a16:creationId xmlns:a16="http://schemas.microsoft.com/office/drawing/2014/main" xmlns="" id="{FD1849BE-468D-E749-AF86-14B2A3AD676B}"/>
               </a:ext>
             </a:extLst>
           </p:cNvPr>
@@ -27839,7 +30037,7 @@
           <p:cNvPr id="160" name="直线连接符 159">
             <a:extLst>
               <a:ext uri="{FF2B5EF4-FFF2-40B4-BE49-F238E27FC236}">
-                <a16:creationId xmlns:a16="http://schemas.microsoft.com/office/drawing/2014/main" id="{87FC241E-5606-0041-957F-54DD1CBD07D5}"/>
+                <a16:creationId xmlns:a16="http://schemas.microsoft.com/office/drawing/2014/main" xmlns="" id="{87FC241E-5606-0041-957F-54DD1CBD07D5}"/>
               </a:ext>
             </a:extLst>
           </p:cNvPr>
@@ -27884,7 +30082,7 @@
           <p:cNvPr id="161" name="直线连接符 160">
             <a:extLst>
               <a:ext uri="{FF2B5EF4-FFF2-40B4-BE49-F238E27FC236}">
-                <a16:creationId xmlns:a16="http://schemas.microsoft.com/office/drawing/2014/main" id="{0BC2BEE3-84D2-ED4F-878B-6B9F20A153A1}"/>
+                <a16:creationId xmlns:a16="http://schemas.microsoft.com/office/drawing/2014/main" xmlns="" id="{0BC2BEE3-84D2-ED4F-878B-6B9F20A153A1}"/>
               </a:ext>
             </a:extLst>
           </p:cNvPr>
@@ -27929,7 +30127,7 @@
           <p:cNvPr id="162" name="直线连接符 161">
             <a:extLst>
               <a:ext uri="{FF2B5EF4-FFF2-40B4-BE49-F238E27FC236}">
-                <a16:creationId xmlns:a16="http://schemas.microsoft.com/office/drawing/2014/main" id="{59280443-0F11-4B41-9BEB-DBD789224C23}"/>
+                <a16:creationId xmlns:a16="http://schemas.microsoft.com/office/drawing/2014/main" xmlns="" id="{59280443-0F11-4B41-9BEB-DBD789224C23}"/>
               </a:ext>
             </a:extLst>
           </p:cNvPr>
@@ -27974,7 +30172,7 @@
           <p:cNvPr id="163" name="直线连接符 162">
             <a:extLst>
               <a:ext uri="{FF2B5EF4-FFF2-40B4-BE49-F238E27FC236}">
-                <a16:creationId xmlns:a16="http://schemas.microsoft.com/office/drawing/2014/main" id="{35C3ACE2-A346-E247-B354-ED1FEF266398}"/>
+                <a16:creationId xmlns:a16="http://schemas.microsoft.com/office/drawing/2014/main" xmlns="" id="{35C3ACE2-A346-E247-B354-ED1FEF266398}"/>
               </a:ext>
             </a:extLst>
           </p:cNvPr>
@@ -28019,7 +30217,7 @@
           <p:cNvPr id="167" name="直线连接符 166">
             <a:extLst>
               <a:ext uri="{FF2B5EF4-FFF2-40B4-BE49-F238E27FC236}">
-                <a16:creationId xmlns:a16="http://schemas.microsoft.com/office/drawing/2014/main" id="{270DAD3F-5BD1-114F-9BCB-96D7576A28B2}"/>
+                <a16:creationId xmlns:a16="http://schemas.microsoft.com/office/drawing/2014/main" xmlns="" id="{270DAD3F-5BD1-114F-9BCB-96D7576A28B2}"/>
               </a:ext>
             </a:extLst>
           </p:cNvPr>
@@ -28064,7 +30262,7 @@
           <p:cNvPr id="171" name="直线连接符 170">
             <a:extLst>
               <a:ext uri="{FF2B5EF4-FFF2-40B4-BE49-F238E27FC236}">
-                <a16:creationId xmlns:a16="http://schemas.microsoft.com/office/drawing/2014/main" id="{A69F57B0-9D7B-5543-B28B-F2BD7A758EDC}"/>
+                <a16:creationId xmlns:a16="http://schemas.microsoft.com/office/drawing/2014/main" xmlns="" id="{A69F57B0-9D7B-5543-B28B-F2BD7A758EDC}"/>
               </a:ext>
             </a:extLst>
           </p:cNvPr>
@@ -28109,7 +30307,7 @@
           <p:cNvPr id="174" name="直线连接符 173">
             <a:extLst>
               <a:ext uri="{FF2B5EF4-FFF2-40B4-BE49-F238E27FC236}">
-                <a16:creationId xmlns:a16="http://schemas.microsoft.com/office/drawing/2014/main" id="{FBDE3D2C-3C8B-684F-9435-9925D8338848}"/>
+                <a16:creationId xmlns:a16="http://schemas.microsoft.com/office/drawing/2014/main" xmlns="" id="{FBDE3D2C-3C8B-684F-9435-9925D8338848}"/>
               </a:ext>
             </a:extLst>
           </p:cNvPr>
@@ -28154,7 +30352,7 @@
           <p:cNvPr id="177" name="文本框 176">
             <a:extLst>
               <a:ext uri="{FF2B5EF4-FFF2-40B4-BE49-F238E27FC236}">
-                <a16:creationId xmlns:a16="http://schemas.microsoft.com/office/drawing/2014/main" id="{128FD6A5-9F23-3148-B97B-6423C263EA9F}"/>
+                <a16:creationId xmlns:a16="http://schemas.microsoft.com/office/drawing/2014/main" xmlns="" id="{128FD6A5-9F23-3148-B97B-6423C263EA9F}"/>
               </a:ext>
             </a:extLst>
           </p:cNvPr>
@@ -28196,7 +30394,7 @@
           <p:cNvPr id="178" name="文本框 177">
             <a:extLst>
               <a:ext uri="{FF2B5EF4-FFF2-40B4-BE49-F238E27FC236}">
-                <a16:creationId xmlns:a16="http://schemas.microsoft.com/office/drawing/2014/main" id="{0BD26BDE-C67E-6946-A6EF-445FF4963E5B}"/>
+                <a16:creationId xmlns:a16="http://schemas.microsoft.com/office/drawing/2014/main" xmlns="" id="{0BD26BDE-C67E-6946-A6EF-445FF4963E5B}"/>
               </a:ext>
             </a:extLst>
           </p:cNvPr>
@@ -28238,7 +30436,7 @@
           <p:cNvPr id="181" name="文本框 180">
             <a:extLst>
               <a:ext uri="{FF2B5EF4-FFF2-40B4-BE49-F238E27FC236}">
-                <a16:creationId xmlns:a16="http://schemas.microsoft.com/office/drawing/2014/main" id="{B1ADFEB5-0EA8-9B49-9D8B-245DE3DE3401}"/>
+                <a16:creationId xmlns:a16="http://schemas.microsoft.com/office/drawing/2014/main" xmlns="" id="{B1ADFEB5-0EA8-9B49-9D8B-245DE3DE3401}"/>
               </a:ext>
             </a:extLst>
           </p:cNvPr>
@@ -28280,7 +30478,7 @@
           <p:cNvPr id="182" name="文本框 181">
             <a:extLst>
               <a:ext uri="{FF2B5EF4-FFF2-40B4-BE49-F238E27FC236}">
-                <a16:creationId xmlns:a16="http://schemas.microsoft.com/office/drawing/2014/main" id="{43FD427D-A3AE-D444-9B78-34BD9AD289C2}"/>
+                <a16:creationId xmlns:a16="http://schemas.microsoft.com/office/drawing/2014/main" xmlns="" id="{43FD427D-A3AE-D444-9B78-34BD9AD289C2}"/>
               </a:ext>
             </a:extLst>
           </p:cNvPr>
@@ -28322,7 +30520,7 @@
           <p:cNvPr id="81" name="椭圆 80">
             <a:extLst>
               <a:ext uri="{FF2B5EF4-FFF2-40B4-BE49-F238E27FC236}">
-                <a16:creationId xmlns:a16="http://schemas.microsoft.com/office/drawing/2014/main" id="{D1E67824-653C-E74B-968D-3A3D0E990C80}"/>
+                <a16:creationId xmlns:a16="http://schemas.microsoft.com/office/drawing/2014/main" xmlns="" id="{D1E67824-653C-E74B-968D-3A3D0E990C80}"/>
               </a:ext>
             </a:extLst>
           </p:cNvPr>
@@ -28371,7 +30569,7 @@
           <p:cNvPr id="100" name="椭圆 99">
             <a:extLst>
               <a:ext uri="{FF2B5EF4-FFF2-40B4-BE49-F238E27FC236}">
-                <a16:creationId xmlns:a16="http://schemas.microsoft.com/office/drawing/2014/main" id="{FE177A80-294D-D74F-9193-54F0F6931790}"/>
+                <a16:creationId xmlns:a16="http://schemas.microsoft.com/office/drawing/2014/main" xmlns="" id="{FE177A80-294D-D74F-9193-54F0F6931790}"/>
               </a:ext>
             </a:extLst>
           </p:cNvPr>
@@ -28417,7 +30615,7 @@
           <p:cNvPr id="101" name="椭圆 100">
             <a:extLst>
               <a:ext uri="{FF2B5EF4-FFF2-40B4-BE49-F238E27FC236}">
-                <a16:creationId xmlns:a16="http://schemas.microsoft.com/office/drawing/2014/main" id="{9671E381-8C9A-7249-8690-9A97FE6CEC37}"/>
+                <a16:creationId xmlns:a16="http://schemas.microsoft.com/office/drawing/2014/main" xmlns="" id="{9671E381-8C9A-7249-8690-9A97FE6CEC37}"/>
               </a:ext>
             </a:extLst>
           </p:cNvPr>
@@ -28466,7 +30664,7 @@
           <p:cNvPr id="103" name="椭圆 102">
             <a:extLst>
               <a:ext uri="{FF2B5EF4-FFF2-40B4-BE49-F238E27FC236}">
-                <a16:creationId xmlns:a16="http://schemas.microsoft.com/office/drawing/2014/main" id="{D812FCEC-45C2-B344-801D-231FDC0CD8C9}"/>
+                <a16:creationId xmlns:a16="http://schemas.microsoft.com/office/drawing/2014/main" xmlns="" id="{D812FCEC-45C2-B344-801D-231FDC0CD8C9}"/>
               </a:ext>
             </a:extLst>
           </p:cNvPr>
@@ -28512,7 +30710,7 @@
           <p:cNvPr id="105" name="直线连接符 104">
             <a:extLst>
               <a:ext uri="{FF2B5EF4-FFF2-40B4-BE49-F238E27FC236}">
-                <a16:creationId xmlns:a16="http://schemas.microsoft.com/office/drawing/2014/main" id="{4C7B2CBB-05F8-1C48-BB82-81EFD7C255EE}"/>
+                <a16:creationId xmlns:a16="http://schemas.microsoft.com/office/drawing/2014/main" xmlns="" id="{4C7B2CBB-05F8-1C48-BB82-81EFD7C255EE}"/>
               </a:ext>
             </a:extLst>
           </p:cNvPr>
@@ -28557,7 +30755,7 @@
           <p:cNvPr id="106" name="直线连接符 105">
             <a:extLst>
               <a:ext uri="{FF2B5EF4-FFF2-40B4-BE49-F238E27FC236}">
-                <a16:creationId xmlns:a16="http://schemas.microsoft.com/office/drawing/2014/main" id="{4C7B2CBB-05F8-1C48-BB82-81EFD7C255EE}"/>
+                <a16:creationId xmlns:a16="http://schemas.microsoft.com/office/drawing/2014/main" xmlns="" id="{4C7B2CBB-05F8-1C48-BB82-81EFD7C255EE}"/>
               </a:ext>
             </a:extLst>
           </p:cNvPr>
@@ -28602,7 +30800,7 @@
           <p:cNvPr id="108" name="直线连接符 107">
             <a:extLst>
               <a:ext uri="{FF2B5EF4-FFF2-40B4-BE49-F238E27FC236}">
-                <a16:creationId xmlns:a16="http://schemas.microsoft.com/office/drawing/2014/main" id="{B2F72FF8-CB71-9440-8AB4-9B899631BE0A}"/>
+                <a16:creationId xmlns:a16="http://schemas.microsoft.com/office/drawing/2014/main" xmlns="" id="{B2F72FF8-CB71-9440-8AB4-9B899631BE0A}"/>
               </a:ext>
             </a:extLst>
           </p:cNvPr>
@@ -28647,7 +30845,7 @@
           <p:cNvPr id="111" name="直线连接符 110">
             <a:extLst>
               <a:ext uri="{FF2B5EF4-FFF2-40B4-BE49-F238E27FC236}">
-                <a16:creationId xmlns:a16="http://schemas.microsoft.com/office/drawing/2014/main" id="{B2F72FF8-CB71-9440-8AB4-9B899631BE0A}"/>
+                <a16:creationId xmlns:a16="http://schemas.microsoft.com/office/drawing/2014/main" xmlns="" id="{B2F72FF8-CB71-9440-8AB4-9B899631BE0A}"/>
               </a:ext>
             </a:extLst>
           </p:cNvPr>
@@ -28692,7 +30890,7 @@
           <p:cNvPr id="115" name="直线连接符 114">
             <a:extLst>
               <a:ext uri="{FF2B5EF4-FFF2-40B4-BE49-F238E27FC236}">
-                <a16:creationId xmlns:a16="http://schemas.microsoft.com/office/drawing/2014/main" id="{FD1849BE-468D-E749-AF86-14B2A3AD676B}"/>
+                <a16:creationId xmlns:a16="http://schemas.microsoft.com/office/drawing/2014/main" xmlns="" id="{FD1849BE-468D-E749-AF86-14B2A3AD676B}"/>
               </a:ext>
             </a:extLst>
           </p:cNvPr>
@@ -28737,7 +30935,7 @@
           <p:cNvPr id="118" name="直线连接符 117">
             <a:extLst>
               <a:ext uri="{FF2B5EF4-FFF2-40B4-BE49-F238E27FC236}">
-                <a16:creationId xmlns:a16="http://schemas.microsoft.com/office/drawing/2014/main" id="{FD1849BE-468D-E749-AF86-14B2A3AD676B}"/>
+                <a16:creationId xmlns:a16="http://schemas.microsoft.com/office/drawing/2014/main" xmlns="" id="{FD1849BE-468D-E749-AF86-14B2A3AD676B}"/>
               </a:ext>
             </a:extLst>
           </p:cNvPr>
@@ -28782,7 +30980,7 @@
           <p:cNvPr id="121" name="直线连接符 120">
             <a:extLst>
               <a:ext uri="{FF2B5EF4-FFF2-40B4-BE49-F238E27FC236}">
-                <a16:creationId xmlns:a16="http://schemas.microsoft.com/office/drawing/2014/main" id="{FD1849BE-468D-E749-AF86-14B2A3AD676B}"/>
+                <a16:creationId xmlns:a16="http://schemas.microsoft.com/office/drawing/2014/main" xmlns="" id="{FD1849BE-468D-E749-AF86-14B2A3AD676B}"/>
               </a:ext>
             </a:extLst>
           </p:cNvPr>
@@ -28827,7 +31025,7 @@
           <p:cNvPr id="125" name="直线连接符 124">
             <a:extLst>
               <a:ext uri="{FF2B5EF4-FFF2-40B4-BE49-F238E27FC236}">
-                <a16:creationId xmlns:a16="http://schemas.microsoft.com/office/drawing/2014/main" id="{FD1849BE-468D-E749-AF86-14B2A3AD676B}"/>
+                <a16:creationId xmlns:a16="http://schemas.microsoft.com/office/drawing/2014/main" xmlns="" id="{FD1849BE-468D-E749-AF86-14B2A3AD676B}"/>
               </a:ext>
             </a:extLst>
           </p:cNvPr>
@@ -28872,7 +31070,7 @@
           <p:cNvPr id="164" name="椭圆 163">
             <a:extLst>
               <a:ext uri="{FF2B5EF4-FFF2-40B4-BE49-F238E27FC236}">
-                <a16:creationId xmlns:a16="http://schemas.microsoft.com/office/drawing/2014/main" id="{BC6EE5D6-B812-5A44-8E2E-0D340A99F527}"/>
+                <a16:creationId xmlns:a16="http://schemas.microsoft.com/office/drawing/2014/main" xmlns="" id="{BC6EE5D6-B812-5A44-8E2E-0D340A99F527}"/>
               </a:ext>
             </a:extLst>
           </p:cNvPr>
@@ -28921,7 +31119,7 @@
           <p:cNvPr id="165" name="椭圆 164">
             <a:extLst>
               <a:ext uri="{FF2B5EF4-FFF2-40B4-BE49-F238E27FC236}">
-                <a16:creationId xmlns:a16="http://schemas.microsoft.com/office/drawing/2014/main" id="{BC6EE5D6-B812-5A44-8E2E-0D340A99F527}"/>
+                <a16:creationId xmlns:a16="http://schemas.microsoft.com/office/drawing/2014/main" xmlns="" id="{BC6EE5D6-B812-5A44-8E2E-0D340A99F527}"/>
               </a:ext>
             </a:extLst>
           </p:cNvPr>
@@ -28970,7 +31168,7 @@
           <p:cNvPr id="166" name="直线连接符 165">
             <a:extLst>
               <a:ext uri="{FF2B5EF4-FFF2-40B4-BE49-F238E27FC236}">
-                <a16:creationId xmlns:a16="http://schemas.microsoft.com/office/drawing/2014/main" id="{270DAD3F-5BD1-114F-9BCB-96D7576A28B2}"/>
+                <a16:creationId xmlns:a16="http://schemas.microsoft.com/office/drawing/2014/main" xmlns="" id="{270DAD3F-5BD1-114F-9BCB-96D7576A28B2}"/>
               </a:ext>
             </a:extLst>
           </p:cNvPr>
@@ -29015,7 +31213,7 @@
           <p:cNvPr id="168" name="直线连接符 167">
             <a:extLst>
               <a:ext uri="{FF2B5EF4-FFF2-40B4-BE49-F238E27FC236}">
-                <a16:creationId xmlns:a16="http://schemas.microsoft.com/office/drawing/2014/main" id="{270DAD3F-5BD1-114F-9BCB-96D7576A28B2}"/>
+                <a16:creationId xmlns:a16="http://schemas.microsoft.com/office/drawing/2014/main" xmlns="" id="{270DAD3F-5BD1-114F-9BCB-96D7576A28B2}"/>
               </a:ext>
             </a:extLst>
           </p:cNvPr>
@@ -29060,7 +31258,7 @@
           <p:cNvPr id="169" name="直线连接符 168">
             <a:extLst>
               <a:ext uri="{FF2B5EF4-FFF2-40B4-BE49-F238E27FC236}">
-                <a16:creationId xmlns:a16="http://schemas.microsoft.com/office/drawing/2014/main" id="{270DAD3F-5BD1-114F-9BCB-96D7576A28B2}"/>
+                <a16:creationId xmlns:a16="http://schemas.microsoft.com/office/drawing/2014/main" xmlns="" id="{270DAD3F-5BD1-114F-9BCB-96D7576A28B2}"/>
               </a:ext>
             </a:extLst>
           </p:cNvPr>
@@ -29105,7 +31303,7 @@
           <p:cNvPr id="170" name="直线连接符 169">
             <a:extLst>
               <a:ext uri="{FF2B5EF4-FFF2-40B4-BE49-F238E27FC236}">
-                <a16:creationId xmlns:a16="http://schemas.microsoft.com/office/drawing/2014/main" id="{270DAD3F-5BD1-114F-9BCB-96D7576A28B2}"/>
+                <a16:creationId xmlns:a16="http://schemas.microsoft.com/office/drawing/2014/main" xmlns="" id="{270DAD3F-5BD1-114F-9BCB-96D7576A28B2}"/>
               </a:ext>
             </a:extLst>
           </p:cNvPr>
@@ -29150,7 +31348,7 @@
           <p:cNvPr id="172" name="直线连接符 171">
             <a:extLst>
               <a:ext uri="{FF2B5EF4-FFF2-40B4-BE49-F238E27FC236}">
-                <a16:creationId xmlns:a16="http://schemas.microsoft.com/office/drawing/2014/main" id="{270DAD3F-5BD1-114F-9BCB-96D7576A28B2}"/>
+                <a16:creationId xmlns:a16="http://schemas.microsoft.com/office/drawing/2014/main" xmlns="" id="{270DAD3F-5BD1-114F-9BCB-96D7576A28B2}"/>
               </a:ext>
             </a:extLst>
           </p:cNvPr>
@@ -29195,7 +31393,7 @@
           <p:cNvPr id="173" name="直线连接符 172">
             <a:extLst>
               <a:ext uri="{FF2B5EF4-FFF2-40B4-BE49-F238E27FC236}">
-                <a16:creationId xmlns:a16="http://schemas.microsoft.com/office/drawing/2014/main" id="{270DAD3F-5BD1-114F-9BCB-96D7576A28B2}"/>
+                <a16:creationId xmlns:a16="http://schemas.microsoft.com/office/drawing/2014/main" xmlns="" id="{270DAD3F-5BD1-114F-9BCB-96D7576A28B2}"/>
               </a:ext>
             </a:extLst>
           </p:cNvPr>
@@ -29240,7 +31438,7 @@
           <p:cNvPr id="175" name="直线连接符 174">
             <a:extLst>
               <a:ext uri="{FF2B5EF4-FFF2-40B4-BE49-F238E27FC236}">
-                <a16:creationId xmlns:a16="http://schemas.microsoft.com/office/drawing/2014/main" id="{270DAD3F-5BD1-114F-9BCB-96D7576A28B2}"/>
+                <a16:creationId xmlns:a16="http://schemas.microsoft.com/office/drawing/2014/main" xmlns="" id="{270DAD3F-5BD1-114F-9BCB-96D7576A28B2}"/>
               </a:ext>
             </a:extLst>
           </p:cNvPr>
@@ -29285,7 +31483,7 @@
           <p:cNvPr id="176" name="直线连接符 175">
             <a:extLst>
               <a:ext uri="{FF2B5EF4-FFF2-40B4-BE49-F238E27FC236}">
-                <a16:creationId xmlns:a16="http://schemas.microsoft.com/office/drawing/2014/main" id="{270DAD3F-5BD1-114F-9BCB-96D7576A28B2}"/>
+                <a16:creationId xmlns:a16="http://schemas.microsoft.com/office/drawing/2014/main" xmlns="" id="{270DAD3F-5BD1-114F-9BCB-96D7576A28B2}"/>
               </a:ext>
             </a:extLst>
           </p:cNvPr>
@@ -29330,7 +31528,7 @@
           <p:cNvPr id="184" name="文本框 183">
             <a:extLst>
               <a:ext uri="{FF2B5EF4-FFF2-40B4-BE49-F238E27FC236}">
-                <a16:creationId xmlns:a16="http://schemas.microsoft.com/office/drawing/2014/main" id="{0BD26BDE-C67E-6946-A6EF-445FF4963E5B}"/>
+                <a16:creationId xmlns:a16="http://schemas.microsoft.com/office/drawing/2014/main" xmlns="" id="{0BD26BDE-C67E-6946-A6EF-445FF4963E5B}"/>
               </a:ext>
             </a:extLst>
           </p:cNvPr>
@@ -29372,7 +31570,7 @@
           <p:cNvPr id="185" name="文本框 184">
             <a:extLst>
               <a:ext uri="{FF2B5EF4-FFF2-40B4-BE49-F238E27FC236}">
-                <a16:creationId xmlns:a16="http://schemas.microsoft.com/office/drawing/2014/main" id="{0BD26BDE-C67E-6946-A6EF-445FF4963E5B}"/>
+                <a16:creationId xmlns:a16="http://schemas.microsoft.com/office/drawing/2014/main" xmlns="" id="{0BD26BDE-C67E-6946-A6EF-445FF4963E5B}"/>
               </a:ext>
             </a:extLst>
           </p:cNvPr>
@@ -29414,7 +31612,7 @@
           <p:cNvPr id="186" name="文本框 185">
             <a:extLst>
               <a:ext uri="{FF2B5EF4-FFF2-40B4-BE49-F238E27FC236}">
-                <a16:creationId xmlns:a16="http://schemas.microsoft.com/office/drawing/2014/main" id="{0BD26BDE-C67E-6946-A6EF-445FF4963E5B}"/>
+                <a16:creationId xmlns:a16="http://schemas.microsoft.com/office/drawing/2014/main" xmlns="" id="{0BD26BDE-C67E-6946-A6EF-445FF4963E5B}"/>
               </a:ext>
             </a:extLst>
           </p:cNvPr>
@@ -29456,7 +31654,7 @@
           <p:cNvPr id="187" name="文本框 186">
             <a:extLst>
               <a:ext uri="{FF2B5EF4-FFF2-40B4-BE49-F238E27FC236}">
-                <a16:creationId xmlns:a16="http://schemas.microsoft.com/office/drawing/2014/main" id="{0BD26BDE-C67E-6946-A6EF-445FF4963E5B}"/>
+                <a16:creationId xmlns:a16="http://schemas.microsoft.com/office/drawing/2014/main" xmlns="" id="{0BD26BDE-C67E-6946-A6EF-445FF4963E5B}"/>
               </a:ext>
             </a:extLst>
           </p:cNvPr>
@@ -29498,7 +31696,7 @@
           <p:cNvPr id="188" name="文本框 187">
             <a:extLst>
               <a:ext uri="{FF2B5EF4-FFF2-40B4-BE49-F238E27FC236}">
-                <a16:creationId xmlns:a16="http://schemas.microsoft.com/office/drawing/2014/main" id="{0BD26BDE-C67E-6946-A6EF-445FF4963E5B}"/>
+                <a16:creationId xmlns:a16="http://schemas.microsoft.com/office/drawing/2014/main" xmlns="" id="{0BD26BDE-C67E-6946-A6EF-445FF4963E5B}"/>
               </a:ext>
             </a:extLst>
           </p:cNvPr>
@@ -29547,7 +31745,7 @@
           <p:cNvPr id="189" name="文本框 188">
             <a:extLst>
               <a:ext uri="{FF2B5EF4-FFF2-40B4-BE49-F238E27FC236}">
-                <a16:creationId xmlns:a16="http://schemas.microsoft.com/office/drawing/2014/main" id="{0BD26BDE-C67E-6946-A6EF-445FF4963E5B}"/>
+                <a16:creationId xmlns:a16="http://schemas.microsoft.com/office/drawing/2014/main" xmlns="" id="{0BD26BDE-C67E-6946-A6EF-445FF4963E5B}"/>
               </a:ext>
             </a:extLst>
           </p:cNvPr>
@@ -29594,6 +31792,13 @@
   <p:clrMapOvr>
     <a:masterClrMapping/>
   </p:clrMapOvr>
+  <p:timing>
+    <p:tnLst>
+      <p:par>
+        <p:cTn id="1" dur="indefinite" restart="never" nodeType="tmRoot"/>
+      </p:par>
+    </p:tnLst>
+  </p:timing>
 </p:sld>
 </file>
 
@@ -29619,7 +31824,7 @@
           <p:cNvPr id="2" name="标题 1">
             <a:extLst>
               <a:ext uri="{FF2B5EF4-FFF2-40B4-BE49-F238E27FC236}">
-                <a16:creationId xmlns:a16="http://schemas.microsoft.com/office/drawing/2014/main" id="{F0405D1C-A876-8341-918E-A5D66A83827F}"/>
+                <a16:creationId xmlns:a16="http://schemas.microsoft.com/office/drawing/2014/main" xmlns="" id="{F0405D1C-A876-8341-918E-A5D66A83827F}"/>
               </a:ext>
             </a:extLst>
           </p:cNvPr>
@@ -29654,7 +31859,7 @@
           <p:cNvPr id="3" name="内容占位符 2">
             <a:extLst>
               <a:ext uri="{FF2B5EF4-FFF2-40B4-BE49-F238E27FC236}">
-                <a16:creationId xmlns:a16="http://schemas.microsoft.com/office/drawing/2014/main" id="{18357220-3404-9543-B18A-654DBC2080C6}"/>
+                <a16:creationId xmlns:a16="http://schemas.microsoft.com/office/drawing/2014/main" xmlns="" id="{18357220-3404-9543-B18A-654DBC2080C6}"/>
               </a:ext>
             </a:extLst>
           </p:cNvPr>
@@ -29694,6 +31899,13 @@
   <p:clrMapOvr>
     <a:masterClrMapping/>
   </p:clrMapOvr>
+  <p:timing>
+    <p:tnLst>
+      <p:par>
+        <p:cTn id="1" dur="indefinite" restart="never" nodeType="tmRoot"/>
+      </p:par>
+    </p:tnLst>
+  </p:timing>
 </p:sld>
 </file>
 

--- a/dimensions.pptx
+++ b/dimensions.pptx
@@ -494,6 +494,119 @@
     </a:lvl9pPr>
   </p:notesStyle>
 </p:notesMaster>
+</file>
+
+<file path=ppt/notesSlides/notesSlide1.xml><?xml version="1.0" encoding="utf-8"?>
+<p:notes xmlns:a="http://schemas.openxmlformats.org/drawingml/2006/main" xmlns:r="http://schemas.openxmlformats.org/officeDocument/2006/relationships" xmlns:p="http://schemas.openxmlformats.org/presentationml/2006/main">
+  <p:cSld>
+    <p:spTree>
+      <p:nvGrpSpPr>
+        <p:cNvPr id="1" name=""/>
+        <p:cNvGrpSpPr/>
+        <p:nvPr/>
+      </p:nvGrpSpPr>
+      <p:grpSpPr>
+        <a:xfrm>
+          <a:off x="0" y="0"/>
+          <a:ext cx="0" cy="0"/>
+          <a:chOff x="0" y="0"/>
+          <a:chExt cx="0" cy="0"/>
+        </a:xfrm>
+      </p:grpSpPr>
+      <p:sp>
+        <p:nvSpPr>
+          <p:cNvPr id="2" name="幻灯片图像占位符 1"/>
+          <p:cNvSpPr>
+            <a:spLocks noGrp="1" noRot="1" noChangeAspect="1"/>
+          </p:cNvSpPr>
+          <p:nvPr>
+            <p:ph type="sldImg"/>
+          </p:nvPr>
+        </p:nvSpPr>
+        <p:spPr/>
+      </p:sp>
+      <p:sp>
+        <p:nvSpPr>
+          <p:cNvPr id="3" name="备注占位符 2"/>
+          <p:cNvSpPr>
+            <a:spLocks noGrp="1"/>
+          </p:cNvSpPr>
+          <p:nvPr>
+            <p:ph type="body" idx="1"/>
+          </p:nvPr>
+        </p:nvSpPr>
+        <p:spPr/>
+        <p:txBody>
+          <a:bodyPr/>
+          <a:lstStyle/>
+          <a:p>
+            <a:pPr marL="228600" indent="-228600">
+              <a:buAutoNum type="arabicPeriod"/>
+            </a:pPr>
+            <a:r>
+              <a:rPr kumimoji="1" lang="en-US" altLang="zh-CN" dirty="0" smtClean="0"/>
+              <a:t>mean/median</a:t>
+            </a:r>
+          </a:p>
+          <a:p>
+            <a:pPr marL="228600" indent="-228600">
+              <a:buAutoNum type="arabicPeriod"/>
+            </a:pPr>
+            <a:r>
+              <a:rPr kumimoji="1" lang="en-US" altLang="zh-CN" dirty="0" smtClean="0"/>
+              <a:t>Packet</a:t>
+            </a:r>
+            <a:r>
+              <a:rPr kumimoji="1" lang="en-US" altLang="zh-CN" baseline="0" dirty="0" smtClean="0"/>
+              <a:t> loss</a:t>
+            </a:r>
+          </a:p>
+          <a:p>
+            <a:pPr marL="228600" indent="-228600">
+              <a:buAutoNum type="arabicPeriod"/>
+            </a:pPr>
+            <a:r>
+              <a:rPr kumimoji="1" lang="en-US" altLang="zh-CN" baseline="0" smtClean="0"/>
+              <a:t>Recovery information</a:t>
+            </a:r>
+            <a:endParaRPr kumimoji="1" lang="zh-CN" altLang="en-US" dirty="0"/>
+          </a:p>
+        </p:txBody>
+      </p:sp>
+      <p:sp>
+        <p:nvSpPr>
+          <p:cNvPr id="4" name="幻灯片编号占位符 3"/>
+          <p:cNvSpPr>
+            <a:spLocks noGrp="1"/>
+          </p:cNvSpPr>
+          <p:nvPr>
+            <p:ph type="sldNum" sz="quarter" idx="10"/>
+          </p:nvPr>
+        </p:nvSpPr>
+        <p:spPr/>
+        <p:txBody>
+          <a:bodyPr/>
+          <a:lstStyle/>
+          <a:p>
+            <a:fld id="{E5DFF701-B92C-4D41-B563-57A0FAD928F8}" type="slidenum">
+              <a:rPr kumimoji="1" lang="zh-CN" altLang="en-US" smtClean="0"/>
+              <a:t>27</a:t>
+            </a:fld>
+            <a:endParaRPr kumimoji="1" lang="zh-CN" altLang="en-US"/>
+          </a:p>
+        </p:txBody>
+      </p:sp>
+    </p:spTree>
+    <p:extLst>
+      <p:ext uri="{BB962C8B-B14F-4D97-AF65-F5344CB8AC3E}">
+        <p14:creationId xmlns:p14="http://schemas.microsoft.com/office/powerpoint/2010/main" val="2062970391"/>
+      </p:ext>
+    </p:extLst>
+  </p:cSld>
+  <p:clrMapOvr>
+    <a:masterClrMapping/>
+  </p:clrMapOvr>
+</p:notes>
 </file>
 
 <file path=ppt/slideLayouts/slideLayout1.xml><?xml version="1.0" encoding="utf-8"?>
@@ -19033,7 +19146,7 @@
                 <a:avLst/>
               </a:prstGeom>
               <a:blipFill rotWithShape="0">
-                <a:blip r:embed="rId2"/>
+                <a:blip r:embed="rId3"/>
                 <a:stretch>
                   <a:fillRect b="-36066"/>
                 </a:stretch>

--- a/dimensions.pptx
+++ b/dimensions.pptx
@@ -229,7 +229,7 @@
           <a:p>
             <a:fld id="{B03BFD08-264E-BC42-B31A-43C170E46D22}" type="datetimeFigureOut">
               <a:rPr kumimoji="1" lang="zh-CN" altLang="en-US" smtClean="0"/>
-              <a:t>2020/11/23</a:t>
+              <a:t>2020/11/24</a:t>
             </a:fld>
             <a:endParaRPr kumimoji="1" lang="zh-CN" altLang="en-US"/>
           </a:p>
@@ -544,7 +544,7 @@
               <a:buAutoNum type="arabicPeriod"/>
             </a:pPr>
             <a:r>
-              <a:rPr kumimoji="1" lang="en-US" altLang="zh-CN" dirty="0" smtClean="0"/>
+              <a:rPr kumimoji="1" lang="en-US" altLang="zh-CN" dirty="0"/>
               <a:t>mean/median</a:t>
             </a:r>
           </a:p>
@@ -553,11 +553,11 @@
               <a:buAutoNum type="arabicPeriod"/>
             </a:pPr>
             <a:r>
-              <a:rPr kumimoji="1" lang="en-US" altLang="zh-CN" dirty="0" smtClean="0"/>
+              <a:rPr kumimoji="1" lang="en-US" altLang="zh-CN" dirty="0"/>
               <a:t>Packet</a:t>
             </a:r>
             <a:r>
-              <a:rPr kumimoji="1" lang="en-US" altLang="zh-CN" baseline="0" dirty="0" smtClean="0"/>
+              <a:rPr kumimoji="1" lang="en-US" altLang="zh-CN" baseline="0" dirty="0"/>
               <a:t> loss</a:t>
             </a:r>
           </a:p>
@@ -566,7 +566,7 @@
               <a:buAutoNum type="arabicPeriod"/>
             </a:pPr>
             <a:r>
-              <a:rPr kumimoji="1" lang="en-US" altLang="zh-CN" baseline="0" smtClean="0"/>
+              <a:rPr kumimoji="1" lang="en-US" altLang="zh-CN" baseline="0"/>
               <a:t>Recovery information</a:t>
             </a:r>
             <a:endParaRPr kumimoji="1" lang="zh-CN" altLang="en-US" dirty="0"/>
@@ -631,7 +631,7 @@
           <p:cNvPr id="2" name="标题 1">
             <a:extLst>
               <a:ext uri="{FF2B5EF4-FFF2-40B4-BE49-F238E27FC236}">
-                <a16:creationId xmlns:a16="http://schemas.microsoft.com/office/drawing/2014/main" xmlns="" id="{D435C22D-35E4-B947-ADF6-00125DADBB8B}"/>
+                <a16:creationId xmlns:a16="http://schemas.microsoft.com/office/drawing/2014/main" id="{D435C22D-35E4-B947-ADF6-00125DADBB8B}"/>
               </a:ext>
             </a:extLst>
           </p:cNvPr>
@@ -668,7 +668,7 @@
           <p:cNvPr id="3" name="副标题 2">
             <a:extLst>
               <a:ext uri="{FF2B5EF4-FFF2-40B4-BE49-F238E27FC236}">
-                <a16:creationId xmlns:a16="http://schemas.microsoft.com/office/drawing/2014/main" xmlns="" id="{C7849677-9272-9045-869B-295E7EF5A720}"/>
+                <a16:creationId xmlns:a16="http://schemas.microsoft.com/office/drawing/2014/main" id="{C7849677-9272-9045-869B-295E7EF5A720}"/>
               </a:ext>
             </a:extLst>
           </p:cNvPr>
@@ -738,7 +738,7 @@
           <p:cNvPr id="4" name="日期占位符 3">
             <a:extLst>
               <a:ext uri="{FF2B5EF4-FFF2-40B4-BE49-F238E27FC236}">
-                <a16:creationId xmlns:a16="http://schemas.microsoft.com/office/drawing/2014/main" xmlns="" id="{368DF367-ED9B-5746-B0DB-6BC688C78B0F}"/>
+                <a16:creationId xmlns:a16="http://schemas.microsoft.com/office/drawing/2014/main" id="{368DF367-ED9B-5746-B0DB-6BC688C78B0F}"/>
               </a:ext>
             </a:extLst>
           </p:cNvPr>
@@ -756,7 +756,7 @@
           <a:p>
             <a:fld id="{F0D356AD-C17D-DC49-85EE-F81B0D89A3E6}" type="datetimeFigureOut">
               <a:rPr kumimoji="1" lang="zh-CN" altLang="en-US" smtClean="0"/>
-              <a:t>2020/11/23</a:t>
+              <a:t>2020/11/24</a:t>
             </a:fld>
             <a:endParaRPr kumimoji="1" lang="zh-CN" altLang="en-US"/>
           </a:p>
@@ -767,7 +767,7 @@
           <p:cNvPr id="5" name="页脚占位符 4">
             <a:extLst>
               <a:ext uri="{FF2B5EF4-FFF2-40B4-BE49-F238E27FC236}">
-                <a16:creationId xmlns:a16="http://schemas.microsoft.com/office/drawing/2014/main" xmlns="" id="{C95FA25B-82CF-364D-883D-806810765D32}"/>
+                <a16:creationId xmlns:a16="http://schemas.microsoft.com/office/drawing/2014/main" id="{C95FA25B-82CF-364D-883D-806810765D32}"/>
               </a:ext>
             </a:extLst>
           </p:cNvPr>
@@ -792,7 +792,7 @@
           <p:cNvPr id="6" name="灯片编号占位符 5">
             <a:extLst>
               <a:ext uri="{FF2B5EF4-FFF2-40B4-BE49-F238E27FC236}">
-                <a16:creationId xmlns:a16="http://schemas.microsoft.com/office/drawing/2014/main" xmlns="" id="{ACB9917D-1E0D-5348-BE09-E2A0BFCB63B3}"/>
+                <a16:creationId xmlns:a16="http://schemas.microsoft.com/office/drawing/2014/main" id="{ACB9917D-1E0D-5348-BE09-E2A0BFCB63B3}"/>
               </a:ext>
             </a:extLst>
           </p:cNvPr>
@@ -851,7 +851,7 @@
           <p:cNvPr id="2" name="标题 1">
             <a:extLst>
               <a:ext uri="{FF2B5EF4-FFF2-40B4-BE49-F238E27FC236}">
-                <a16:creationId xmlns:a16="http://schemas.microsoft.com/office/drawing/2014/main" xmlns="" id="{CEC143AC-22CA-C44B-B2AB-6AB4ECB2F86A}"/>
+                <a16:creationId xmlns:a16="http://schemas.microsoft.com/office/drawing/2014/main" id="{CEC143AC-22CA-C44B-B2AB-6AB4ECB2F86A}"/>
               </a:ext>
             </a:extLst>
           </p:cNvPr>
@@ -879,7 +879,7 @@
           <p:cNvPr id="3" name="竖排文字占位符 2">
             <a:extLst>
               <a:ext uri="{FF2B5EF4-FFF2-40B4-BE49-F238E27FC236}">
-                <a16:creationId xmlns:a16="http://schemas.microsoft.com/office/drawing/2014/main" xmlns="" id="{2CE0FE40-A78B-BA46-8E48-3D5CEC66A5A8}"/>
+                <a16:creationId xmlns:a16="http://schemas.microsoft.com/office/drawing/2014/main" id="{2CE0FE40-A78B-BA46-8E48-3D5CEC66A5A8}"/>
               </a:ext>
             </a:extLst>
           </p:cNvPr>
@@ -936,7 +936,7 @@
           <p:cNvPr id="4" name="日期占位符 3">
             <a:extLst>
               <a:ext uri="{FF2B5EF4-FFF2-40B4-BE49-F238E27FC236}">
-                <a16:creationId xmlns:a16="http://schemas.microsoft.com/office/drawing/2014/main" xmlns="" id="{18037842-4350-9646-ACB3-7E89E135C079}"/>
+                <a16:creationId xmlns:a16="http://schemas.microsoft.com/office/drawing/2014/main" id="{18037842-4350-9646-ACB3-7E89E135C079}"/>
               </a:ext>
             </a:extLst>
           </p:cNvPr>
@@ -954,7 +954,7 @@
           <a:p>
             <a:fld id="{F0D356AD-C17D-DC49-85EE-F81B0D89A3E6}" type="datetimeFigureOut">
               <a:rPr kumimoji="1" lang="zh-CN" altLang="en-US" smtClean="0"/>
-              <a:t>2020/11/23</a:t>
+              <a:t>2020/11/24</a:t>
             </a:fld>
             <a:endParaRPr kumimoji="1" lang="zh-CN" altLang="en-US"/>
           </a:p>
@@ -965,7 +965,7 @@
           <p:cNvPr id="5" name="页脚占位符 4">
             <a:extLst>
               <a:ext uri="{FF2B5EF4-FFF2-40B4-BE49-F238E27FC236}">
-                <a16:creationId xmlns:a16="http://schemas.microsoft.com/office/drawing/2014/main" xmlns="" id="{21FE0005-1CE3-3C4D-A396-67FC1762A58A}"/>
+                <a16:creationId xmlns:a16="http://schemas.microsoft.com/office/drawing/2014/main" id="{21FE0005-1CE3-3C4D-A396-67FC1762A58A}"/>
               </a:ext>
             </a:extLst>
           </p:cNvPr>
@@ -990,7 +990,7 @@
           <p:cNvPr id="6" name="灯片编号占位符 5">
             <a:extLst>
               <a:ext uri="{FF2B5EF4-FFF2-40B4-BE49-F238E27FC236}">
-                <a16:creationId xmlns:a16="http://schemas.microsoft.com/office/drawing/2014/main" xmlns="" id="{7A546223-2353-C141-93DA-8CE94DB6145A}"/>
+                <a16:creationId xmlns:a16="http://schemas.microsoft.com/office/drawing/2014/main" id="{7A546223-2353-C141-93DA-8CE94DB6145A}"/>
               </a:ext>
             </a:extLst>
           </p:cNvPr>
@@ -1049,7 +1049,7 @@
           <p:cNvPr id="2" name="竖排标题 1">
             <a:extLst>
               <a:ext uri="{FF2B5EF4-FFF2-40B4-BE49-F238E27FC236}">
-                <a16:creationId xmlns:a16="http://schemas.microsoft.com/office/drawing/2014/main" xmlns="" id="{6D7ABA00-7C40-6C42-827C-3F6D047E76C0}"/>
+                <a16:creationId xmlns:a16="http://schemas.microsoft.com/office/drawing/2014/main" id="{6D7ABA00-7C40-6C42-827C-3F6D047E76C0}"/>
               </a:ext>
             </a:extLst>
           </p:cNvPr>
@@ -1082,7 +1082,7 @@
           <p:cNvPr id="3" name="竖排文字占位符 2">
             <a:extLst>
               <a:ext uri="{FF2B5EF4-FFF2-40B4-BE49-F238E27FC236}">
-                <a16:creationId xmlns:a16="http://schemas.microsoft.com/office/drawing/2014/main" xmlns="" id="{6FC0E22B-A826-8249-AD03-05CBE4D4F5AB}"/>
+                <a16:creationId xmlns:a16="http://schemas.microsoft.com/office/drawing/2014/main" id="{6FC0E22B-A826-8249-AD03-05CBE4D4F5AB}"/>
               </a:ext>
             </a:extLst>
           </p:cNvPr>
@@ -1144,7 +1144,7 @@
           <p:cNvPr id="4" name="日期占位符 3">
             <a:extLst>
               <a:ext uri="{FF2B5EF4-FFF2-40B4-BE49-F238E27FC236}">
-                <a16:creationId xmlns:a16="http://schemas.microsoft.com/office/drawing/2014/main" xmlns="" id="{8BDC99DB-BF84-2440-9025-EDB9245A81D0}"/>
+                <a16:creationId xmlns:a16="http://schemas.microsoft.com/office/drawing/2014/main" id="{8BDC99DB-BF84-2440-9025-EDB9245A81D0}"/>
               </a:ext>
             </a:extLst>
           </p:cNvPr>
@@ -1162,7 +1162,7 @@
           <a:p>
             <a:fld id="{F0D356AD-C17D-DC49-85EE-F81B0D89A3E6}" type="datetimeFigureOut">
               <a:rPr kumimoji="1" lang="zh-CN" altLang="en-US" smtClean="0"/>
-              <a:t>2020/11/23</a:t>
+              <a:t>2020/11/24</a:t>
             </a:fld>
             <a:endParaRPr kumimoji="1" lang="zh-CN" altLang="en-US"/>
           </a:p>
@@ -1173,7 +1173,7 @@
           <p:cNvPr id="5" name="页脚占位符 4">
             <a:extLst>
               <a:ext uri="{FF2B5EF4-FFF2-40B4-BE49-F238E27FC236}">
-                <a16:creationId xmlns:a16="http://schemas.microsoft.com/office/drawing/2014/main" xmlns="" id="{123A4B03-8DB6-AE4D-AE5E-7D701C685BB3}"/>
+                <a16:creationId xmlns:a16="http://schemas.microsoft.com/office/drawing/2014/main" id="{123A4B03-8DB6-AE4D-AE5E-7D701C685BB3}"/>
               </a:ext>
             </a:extLst>
           </p:cNvPr>
@@ -1198,7 +1198,7 @@
           <p:cNvPr id="6" name="灯片编号占位符 5">
             <a:extLst>
               <a:ext uri="{FF2B5EF4-FFF2-40B4-BE49-F238E27FC236}">
-                <a16:creationId xmlns:a16="http://schemas.microsoft.com/office/drawing/2014/main" xmlns="" id="{EA39382E-8860-074D-AEAD-7DE3AB585A55}"/>
+                <a16:creationId xmlns:a16="http://schemas.microsoft.com/office/drawing/2014/main" id="{EA39382E-8860-074D-AEAD-7DE3AB585A55}"/>
               </a:ext>
             </a:extLst>
           </p:cNvPr>
@@ -1257,7 +1257,7 @@
           <p:cNvPr id="2" name="标题 1">
             <a:extLst>
               <a:ext uri="{FF2B5EF4-FFF2-40B4-BE49-F238E27FC236}">
-                <a16:creationId xmlns:a16="http://schemas.microsoft.com/office/drawing/2014/main" xmlns="" id="{5A9B5FA4-7E9B-254B-9E92-AE1F02C8ADEA}"/>
+                <a16:creationId xmlns:a16="http://schemas.microsoft.com/office/drawing/2014/main" id="{5A9B5FA4-7E9B-254B-9E92-AE1F02C8ADEA}"/>
               </a:ext>
             </a:extLst>
           </p:cNvPr>
@@ -1285,7 +1285,7 @@
           <p:cNvPr id="3" name="内容占位符 2">
             <a:extLst>
               <a:ext uri="{FF2B5EF4-FFF2-40B4-BE49-F238E27FC236}">
-                <a16:creationId xmlns:a16="http://schemas.microsoft.com/office/drawing/2014/main" xmlns="" id="{4F40916E-4FE9-BA4C-AD1E-81E267306DD1}"/>
+                <a16:creationId xmlns:a16="http://schemas.microsoft.com/office/drawing/2014/main" id="{4F40916E-4FE9-BA4C-AD1E-81E267306DD1}"/>
               </a:ext>
             </a:extLst>
           </p:cNvPr>
@@ -1342,7 +1342,7 @@
           <p:cNvPr id="4" name="日期占位符 3">
             <a:extLst>
               <a:ext uri="{FF2B5EF4-FFF2-40B4-BE49-F238E27FC236}">
-                <a16:creationId xmlns:a16="http://schemas.microsoft.com/office/drawing/2014/main" xmlns="" id="{0A5F10E4-5A96-C547-AD3B-E023F7B0FFE4}"/>
+                <a16:creationId xmlns:a16="http://schemas.microsoft.com/office/drawing/2014/main" id="{0A5F10E4-5A96-C547-AD3B-E023F7B0FFE4}"/>
               </a:ext>
             </a:extLst>
           </p:cNvPr>
@@ -1360,7 +1360,7 @@
           <a:p>
             <a:fld id="{F0D356AD-C17D-DC49-85EE-F81B0D89A3E6}" type="datetimeFigureOut">
               <a:rPr kumimoji="1" lang="zh-CN" altLang="en-US" smtClean="0"/>
-              <a:t>2020/11/23</a:t>
+              <a:t>2020/11/24</a:t>
             </a:fld>
             <a:endParaRPr kumimoji="1" lang="zh-CN" altLang="en-US"/>
           </a:p>
@@ -1371,7 +1371,7 @@
           <p:cNvPr id="5" name="页脚占位符 4">
             <a:extLst>
               <a:ext uri="{FF2B5EF4-FFF2-40B4-BE49-F238E27FC236}">
-                <a16:creationId xmlns:a16="http://schemas.microsoft.com/office/drawing/2014/main" xmlns="" id="{1038B965-1852-B649-BBB8-AD8AD68DE223}"/>
+                <a16:creationId xmlns:a16="http://schemas.microsoft.com/office/drawing/2014/main" id="{1038B965-1852-B649-BBB8-AD8AD68DE223}"/>
               </a:ext>
             </a:extLst>
           </p:cNvPr>
@@ -1396,7 +1396,7 @@
           <p:cNvPr id="6" name="灯片编号占位符 5">
             <a:extLst>
               <a:ext uri="{FF2B5EF4-FFF2-40B4-BE49-F238E27FC236}">
-                <a16:creationId xmlns:a16="http://schemas.microsoft.com/office/drawing/2014/main" xmlns="" id="{2DC077C2-15DD-D94C-8BD5-5B06DB9BB5B0}"/>
+                <a16:creationId xmlns:a16="http://schemas.microsoft.com/office/drawing/2014/main" id="{2DC077C2-15DD-D94C-8BD5-5B06DB9BB5B0}"/>
               </a:ext>
             </a:extLst>
           </p:cNvPr>
@@ -1455,7 +1455,7 @@
           <p:cNvPr id="2" name="标题 1">
             <a:extLst>
               <a:ext uri="{FF2B5EF4-FFF2-40B4-BE49-F238E27FC236}">
-                <a16:creationId xmlns:a16="http://schemas.microsoft.com/office/drawing/2014/main" xmlns="" id="{0404CA93-C440-E44B-929C-C731C17C9A93}"/>
+                <a16:creationId xmlns:a16="http://schemas.microsoft.com/office/drawing/2014/main" id="{0404CA93-C440-E44B-929C-C731C17C9A93}"/>
               </a:ext>
             </a:extLst>
           </p:cNvPr>
@@ -1492,7 +1492,7 @@
           <p:cNvPr id="3" name="文本占位符 2">
             <a:extLst>
               <a:ext uri="{FF2B5EF4-FFF2-40B4-BE49-F238E27FC236}">
-                <a16:creationId xmlns:a16="http://schemas.microsoft.com/office/drawing/2014/main" xmlns="" id="{AC2CE085-CBDA-0041-8BD8-5C7C11AB00CF}"/>
+                <a16:creationId xmlns:a16="http://schemas.microsoft.com/office/drawing/2014/main" id="{AC2CE085-CBDA-0041-8BD8-5C7C11AB00CF}"/>
               </a:ext>
             </a:extLst>
           </p:cNvPr>
@@ -1617,7 +1617,7 @@
           <p:cNvPr id="4" name="日期占位符 3">
             <a:extLst>
               <a:ext uri="{FF2B5EF4-FFF2-40B4-BE49-F238E27FC236}">
-                <a16:creationId xmlns:a16="http://schemas.microsoft.com/office/drawing/2014/main" xmlns="" id="{D3D438EC-A47D-534B-89A1-F96DEF065E22}"/>
+                <a16:creationId xmlns:a16="http://schemas.microsoft.com/office/drawing/2014/main" id="{D3D438EC-A47D-534B-89A1-F96DEF065E22}"/>
               </a:ext>
             </a:extLst>
           </p:cNvPr>
@@ -1635,7 +1635,7 @@
           <a:p>
             <a:fld id="{F0D356AD-C17D-DC49-85EE-F81B0D89A3E6}" type="datetimeFigureOut">
               <a:rPr kumimoji="1" lang="zh-CN" altLang="en-US" smtClean="0"/>
-              <a:t>2020/11/23</a:t>
+              <a:t>2020/11/24</a:t>
             </a:fld>
             <a:endParaRPr kumimoji="1" lang="zh-CN" altLang="en-US"/>
           </a:p>
@@ -1646,7 +1646,7 @@
           <p:cNvPr id="5" name="页脚占位符 4">
             <a:extLst>
               <a:ext uri="{FF2B5EF4-FFF2-40B4-BE49-F238E27FC236}">
-                <a16:creationId xmlns:a16="http://schemas.microsoft.com/office/drawing/2014/main" xmlns="" id="{E2A01CED-D50C-0A4E-ACB9-ED71CDB5305A}"/>
+                <a16:creationId xmlns:a16="http://schemas.microsoft.com/office/drawing/2014/main" id="{E2A01CED-D50C-0A4E-ACB9-ED71CDB5305A}"/>
               </a:ext>
             </a:extLst>
           </p:cNvPr>
@@ -1671,7 +1671,7 @@
           <p:cNvPr id="6" name="灯片编号占位符 5">
             <a:extLst>
               <a:ext uri="{FF2B5EF4-FFF2-40B4-BE49-F238E27FC236}">
-                <a16:creationId xmlns:a16="http://schemas.microsoft.com/office/drawing/2014/main" xmlns="" id="{608820B1-E6CD-3A40-AD12-49AB8F2F3410}"/>
+                <a16:creationId xmlns:a16="http://schemas.microsoft.com/office/drawing/2014/main" id="{608820B1-E6CD-3A40-AD12-49AB8F2F3410}"/>
               </a:ext>
             </a:extLst>
           </p:cNvPr>
@@ -1730,7 +1730,7 @@
           <p:cNvPr id="2" name="标题 1">
             <a:extLst>
               <a:ext uri="{FF2B5EF4-FFF2-40B4-BE49-F238E27FC236}">
-                <a16:creationId xmlns:a16="http://schemas.microsoft.com/office/drawing/2014/main" xmlns="" id="{1E6F6C51-419C-E948-ACA0-593488FF4BCC}"/>
+                <a16:creationId xmlns:a16="http://schemas.microsoft.com/office/drawing/2014/main" id="{1E6F6C51-419C-E948-ACA0-593488FF4BCC}"/>
               </a:ext>
             </a:extLst>
           </p:cNvPr>
@@ -1758,7 +1758,7 @@
           <p:cNvPr id="3" name="内容占位符 2">
             <a:extLst>
               <a:ext uri="{FF2B5EF4-FFF2-40B4-BE49-F238E27FC236}">
-                <a16:creationId xmlns:a16="http://schemas.microsoft.com/office/drawing/2014/main" xmlns="" id="{2806FD09-7B14-6F4A-B0D0-D3C1908DC9B2}"/>
+                <a16:creationId xmlns:a16="http://schemas.microsoft.com/office/drawing/2014/main" id="{2806FD09-7B14-6F4A-B0D0-D3C1908DC9B2}"/>
               </a:ext>
             </a:extLst>
           </p:cNvPr>
@@ -1820,7 +1820,7 @@
           <p:cNvPr id="4" name="内容占位符 3">
             <a:extLst>
               <a:ext uri="{FF2B5EF4-FFF2-40B4-BE49-F238E27FC236}">
-                <a16:creationId xmlns:a16="http://schemas.microsoft.com/office/drawing/2014/main" xmlns="" id="{CBCD2F04-6605-8342-B3B1-6B26C814F261}"/>
+                <a16:creationId xmlns:a16="http://schemas.microsoft.com/office/drawing/2014/main" id="{CBCD2F04-6605-8342-B3B1-6B26C814F261}"/>
               </a:ext>
             </a:extLst>
           </p:cNvPr>
@@ -1882,7 +1882,7 @@
           <p:cNvPr id="5" name="日期占位符 4">
             <a:extLst>
               <a:ext uri="{FF2B5EF4-FFF2-40B4-BE49-F238E27FC236}">
-                <a16:creationId xmlns:a16="http://schemas.microsoft.com/office/drawing/2014/main" xmlns="" id="{D630F77F-F5C1-B142-90CC-2715570E4A35}"/>
+                <a16:creationId xmlns:a16="http://schemas.microsoft.com/office/drawing/2014/main" id="{D630F77F-F5C1-B142-90CC-2715570E4A35}"/>
               </a:ext>
             </a:extLst>
           </p:cNvPr>
@@ -1900,7 +1900,7 @@
           <a:p>
             <a:fld id="{F0D356AD-C17D-DC49-85EE-F81B0D89A3E6}" type="datetimeFigureOut">
               <a:rPr kumimoji="1" lang="zh-CN" altLang="en-US" smtClean="0"/>
-              <a:t>2020/11/23</a:t>
+              <a:t>2020/11/24</a:t>
             </a:fld>
             <a:endParaRPr kumimoji="1" lang="zh-CN" altLang="en-US"/>
           </a:p>
@@ -1911,7 +1911,7 @@
           <p:cNvPr id="6" name="页脚占位符 5">
             <a:extLst>
               <a:ext uri="{FF2B5EF4-FFF2-40B4-BE49-F238E27FC236}">
-                <a16:creationId xmlns:a16="http://schemas.microsoft.com/office/drawing/2014/main" xmlns="" id="{53480D62-37C1-B546-BFBD-9A7068FF74FD}"/>
+                <a16:creationId xmlns:a16="http://schemas.microsoft.com/office/drawing/2014/main" id="{53480D62-37C1-B546-BFBD-9A7068FF74FD}"/>
               </a:ext>
             </a:extLst>
           </p:cNvPr>
@@ -1936,7 +1936,7 @@
           <p:cNvPr id="7" name="灯片编号占位符 6">
             <a:extLst>
               <a:ext uri="{FF2B5EF4-FFF2-40B4-BE49-F238E27FC236}">
-                <a16:creationId xmlns:a16="http://schemas.microsoft.com/office/drawing/2014/main" xmlns="" id="{A752A4C7-74AF-E24E-87E2-D895B0C8B369}"/>
+                <a16:creationId xmlns:a16="http://schemas.microsoft.com/office/drawing/2014/main" id="{A752A4C7-74AF-E24E-87E2-D895B0C8B369}"/>
               </a:ext>
             </a:extLst>
           </p:cNvPr>
@@ -1995,7 +1995,7 @@
           <p:cNvPr id="2" name="标题 1">
             <a:extLst>
               <a:ext uri="{FF2B5EF4-FFF2-40B4-BE49-F238E27FC236}">
-                <a16:creationId xmlns:a16="http://schemas.microsoft.com/office/drawing/2014/main" xmlns="" id="{3DD3590A-D582-0F4E-B1CF-3F6E4ABCCCED}"/>
+                <a16:creationId xmlns:a16="http://schemas.microsoft.com/office/drawing/2014/main" id="{3DD3590A-D582-0F4E-B1CF-3F6E4ABCCCED}"/>
               </a:ext>
             </a:extLst>
           </p:cNvPr>
@@ -2028,7 +2028,7 @@
           <p:cNvPr id="3" name="文本占位符 2">
             <a:extLst>
               <a:ext uri="{FF2B5EF4-FFF2-40B4-BE49-F238E27FC236}">
-                <a16:creationId xmlns:a16="http://schemas.microsoft.com/office/drawing/2014/main" xmlns="" id="{0B8A6F64-6571-FE4F-BC4E-B79B41D9520D}"/>
+                <a16:creationId xmlns:a16="http://schemas.microsoft.com/office/drawing/2014/main" id="{0B8A6F64-6571-FE4F-BC4E-B79B41D9520D}"/>
               </a:ext>
             </a:extLst>
           </p:cNvPr>
@@ -2099,7 +2099,7 @@
           <p:cNvPr id="4" name="内容占位符 3">
             <a:extLst>
               <a:ext uri="{FF2B5EF4-FFF2-40B4-BE49-F238E27FC236}">
-                <a16:creationId xmlns:a16="http://schemas.microsoft.com/office/drawing/2014/main" xmlns="" id="{A46F58F7-70E6-2642-ABF3-5292F2DEE21D}"/>
+                <a16:creationId xmlns:a16="http://schemas.microsoft.com/office/drawing/2014/main" id="{A46F58F7-70E6-2642-ABF3-5292F2DEE21D}"/>
               </a:ext>
             </a:extLst>
           </p:cNvPr>
@@ -2161,7 +2161,7 @@
           <p:cNvPr id="5" name="文本占位符 4">
             <a:extLst>
               <a:ext uri="{FF2B5EF4-FFF2-40B4-BE49-F238E27FC236}">
-                <a16:creationId xmlns:a16="http://schemas.microsoft.com/office/drawing/2014/main" xmlns="" id="{2619888D-CB40-7A45-A2C4-4E71D62E319D}"/>
+                <a16:creationId xmlns:a16="http://schemas.microsoft.com/office/drawing/2014/main" id="{2619888D-CB40-7A45-A2C4-4E71D62E319D}"/>
               </a:ext>
             </a:extLst>
           </p:cNvPr>
@@ -2232,7 +2232,7 @@
           <p:cNvPr id="6" name="内容占位符 5">
             <a:extLst>
               <a:ext uri="{FF2B5EF4-FFF2-40B4-BE49-F238E27FC236}">
-                <a16:creationId xmlns:a16="http://schemas.microsoft.com/office/drawing/2014/main" xmlns="" id="{314E1B5F-168A-B64E-9A36-4834AD72637B}"/>
+                <a16:creationId xmlns:a16="http://schemas.microsoft.com/office/drawing/2014/main" id="{314E1B5F-168A-B64E-9A36-4834AD72637B}"/>
               </a:ext>
             </a:extLst>
           </p:cNvPr>
@@ -2294,7 +2294,7 @@
           <p:cNvPr id="7" name="日期占位符 6">
             <a:extLst>
               <a:ext uri="{FF2B5EF4-FFF2-40B4-BE49-F238E27FC236}">
-                <a16:creationId xmlns:a16="http://schemas.microsoft.com/office/drawing/2014/main" xmlns="" id="{68FF3CEC-F3A0-B44C-9FDD-A9B6C94FEDC7}"/>
+                <a16:creationId xmlns:a16="http://schemas.microsoft.com/office/drawing/2014/main" id="{68FF3CEC-F3A0-B44C-9FDD-A9B6C94FEDC7}"/>
               </a:ext>
             </a:extLst>
           </p:cNvPr>
@@ -2312,7 +2312,7 @@
           <a:p>
             <a:fld id="{F0D356AD-C17D-DC49-85EE-F81B0D89A3E6}" type="datetimeFigureOut">
               <a:rPr kumimoji="1" lang="zh-CN" altLang="en-US" smtClean="0"/>
-              <a:t>2020/11/23</a:t>
+              <a:t>2020/11/24</a:t>
             </a:fld>
             <a:endParaRPr kumimoji="1" lang="zh-CN" altLang="en-US"/>
           </a:p>
@@ -2323,7 +2323,7 @@
           <p:cNvPr id="8" name="页脚占位符 7">
             <a:extLst>
               <a:ext uri="{FF2B5EF4-FFF2-40B4-BE49-F238E27FC236}">
-                <a16:creationId xmlns:a16="http://schemas.microsoft.com/office/drawing/2014/main" xmlns="" id="{DFB9A91A-D2B2-434C-A86D-A18C6A513767}"/>
+                <a16:creationId xmlns:a16="http://schemas.microsoft.com/office/drawing/2014/main" id="{DFB9A91A-D2B2-434C-A86D-A18C6A513767}"/>
               </a:ext>
             </a:extLst>
           </p:cNvPr>
@@ -2348,7 +2348,7 @@
           <p:cNvPr id="9" name="灯片编号占位符 8">
             <a:extLst>
               <a:ext uri="{FF2B5EF4-FFF2-40B4-BE49-F238E27FC236}">
-                <a16:creationId xmlns:a16="http://schemas.microsoft.com/office/drawing/2014/main" xmlns="" id="{5E5B93DB-94F5-B542-8562-5151BE940690}"/>
+                <a16:creationId xmlns:a16="http://schemas.microsoft.com/office/drawing/2014/main" id="{5E5B93DB-94F5-B542-8562-5151BE940690}"/>
               </a:ext>
             </a:extLst>
           </p:cNvPr>
@@ -2407,7 +2407,7 @@
           <p:cNvPr id="2" name="标题 1">
             <a:extLst>
               <a:ext uri="{FF2B5EF4-FFF2-40B4-BE49-F238E27FC236}">
-                <a16:creationId xmlns:a16="http://schemas.microsoft.com/office/drawing/2014/main" xmlns="" id="{79DE0189-037D-7147-98FE-2D3816DB31B7}"/>
+                <a16:creationId xmlns:a16="http://schemas.microsoft.com/office/drawing/2014/main" id="{79DE0189-037D-7147-98FE-2D3816DB31B7}"/>
               </a:ext>
             </a:extLst>
           </p:cNvPr>
@@ -2435,7 +2435,7 @@
           <p:cNvPr id="3" name="日期占位符 2">
             <a:extLst>
               <a:ext uri="{FF2B5EF4-FFF2-40B4-BE49-F238E27FC236}">
-                <a16:creationId xmlns:a16="http://schemas.microsoft.com/office/drawing/2014/main" xmlns="" id="{0A176BEA-B3F7-1D46-A411-498314E974C2}"/>
+                <a16:creationId xmlns:a16="http://schemas.microsoft.com/office/drawing/2014/main" id="{0A176BEA-B3F7-1D46-A411-498314E974C2}"/>
               </a:ext>
             </a:extLst>
           </p:cNvPr>
@@ -2453,7 +2453,7 @@
           <a:p>
             <a:fld id="{F0D356AD-C17D-DC49-85EE-F81B0D89A3E6}" type="datetimeFigureOut">
               <a:rPr kumimoji="1" lang="zh-CN" altLang="en-US" smtClean="0"/>
-              <a:t>2020/11/23</a:t>
+              <a:t>2020/11/24</a:t>
             </a:fld>
             <a:endParaRPr kumimoji="1" lang="zh-CN" altLang="en-US"/>
           </a:p>
@@ -2464,7 +2464,7 @@
           <p:cNvPr id="4" name="页脚占位符 3">
             <a:extLst>
               <a:ext uri="{FF2B5EF4-FFF2-40B4-BE49-F238E27FC236}">
-                <a16:creationId xmlns:a16="http://schemas.microsoft.com/office/drawing/2014/main" xmlns="" id="{7E4C4F3C-0760-694A-AAE0-153A1B3E3D50}"/>
+                <a16:creationId xmlns:a16="http://schemas.microsoft.com/office/drawing/2014/main" id="{7E4C4F3C-0760-694A-AAE0-153A1B3E3D50}"/>
               </a:ext>
             </a:extLst>
           </p:cNvPr>
@@ -2489,7 +2489,7 @@
           <p:cNvPr id="5" name="灯片编号占位符 4">
             <a:extLst>
               <a:ext uri="{FF2B5EF4-FFF2-40B4-BE49-F238E27FC236}">
-                <a16:creationId xmlns:a16="http://schemas.microsoft.com/office/drawing/2014/main" xmlns="" id="{2A02855C-8F2E-A647-AC5A-5C43FAC63511}"/>
+                <a16:creationId xmlns:a16="http://schemas.microsoft.com/office/drawing/2014/main" id="{2A02855C-8F2E-A647-AC5A-5C43FAC63511}"/>
               </a:ext>
             </a:extLst>
           </p:cNvPr>
@@ -2548,7 +2548,7 @@
           <p:cNvPr id="2" name="日期占位符 1">
             <a:extLst>
               <a:ext uri="{FF2B5EF4-FFF2-40B4-BE49-F238E27FC236}">
-                <a16:creationId xmlns:a16="http://schemas.microsoft.com/office/drawing/2014/main" xmlns="" id="{F4312BF6-3CD2-1E48-94A9-96F34741B863}"/>
+                <a16:creationId xmlns:a16="http://schemas.microsoft.com/office/drawing/2014/main" id="{F4312BF6-3CD2-1E48-94A9-96F34741B863}"/>
               </a:ext>
             </a:extLst>
           </p:cNvPr>
@@ -2566,7 +2566,7 @@
           <a:p>
             <a:fld id="{F0D356AD-C17D-DC49-85EE-F81B0D89A3E6}" type="datetimeFigureOut">
               <a:rPr kumimoji="1" lang="zh-CN" altLang="en-US" smtClean="0"/>
-              <a:t>2020/11/23</a:t>
+              <a:t>2020/11/24</a:t>
             </a:fld>
             <a:endParaRPr kumimoji="1" lang="zh-CN" altLang="en-US"/>
           </a:p>
@@ -2577,7 +2577,7 @@
           <p:cNvPr id="3" name="页脚占位符 2">
             <a:extLst>
               <a:ext uri="{FF2B5EF4-FFF2-40B4-BE49-F238E27FC236}">
-                <a16:creationId xmlns:a16="http://schemas.microsoft.com/office/drawing/2014/main" xmlns="" id="{9704A619-3C17-9945-B8C5-D79D7BE5CC84}"/>
+                <a16:creationId xmlns:a16="http://schemas.microsoft.com/office/drawing/2014/main" id="{9704A619-3C17-9945-B8C5-D79D7BE5CC84}"/>
               </a:ext>
             </a:extLst>
           </p:cNvPr>
@@ -2602,7 +2602,7 @@
           <p:cNvPr id="4" name="灯片编号占位符 3">
             <a:extLst>
               <a:ext uri="{FF2B5EF4-FFF2-40B4-BE49-F238E27FC236}">
-                <a16:creationId xmlns:a16="http://schemas.microsoft.com/office/drawing/2014/main" xmlns="" id="{E442E965-5329-4342-8424-A8DA6D799814}"/>
+                <a16:creationId xmlns:a16="http://schemas.microsoft.com/office/drawing/2014/main" id="{E442E965-5329-4342-8424-A8DA6D799814}"/>
               </a:ext>
             </a:extLst>
           </p:cNvPr>
@@ -2661,7 +2661,7 @@
           <p:cNvPr id="2" name="标题 1">
             <a:extLst>
               <a:ext uri="{FF2B5EF4-FFF2-40B4-BE49-F238E27FC236}">
-                <a16:creationId xmlns:a16="http://schemas.microsoft.com/office/drawing/2014/main" xmlns="" id="{EE38F93F-58B0-7644-8826-EC2948B9A90B}"/>
+                <a16:creationId xmlns:a16="http://schemas.microsoft.com/office/drawing/2014/main" id="{EE38F93F-58B0-7644-8826-EC2948B9A90B}"/>
               </a:ext>
             </a:extLst>
           </p:cNvPr>
@@ -2698,7 +2698,7 @@
           <p:cNvPr id="3" name="内容占位符 2">
             <a:extLst>
               <a:ext uri="{FF2B5EF4-FFF2-40B4-BE49-F238E27FC236}">
-                <a16:creationId xmlns:a16="http://schemas.microsoft.com/office/drawing/2014/main" xmlns="" id="{49A0F107-0617-BA4C-8489-935713766834}"/>
+                <a16:creationId xmlns:a16="http://schemas.microsoft.com/office/drawing/2014/main" id="{49A0F107-0617-BA4C-8489-935713766834}"/>
               </a:ext>
             </a:extLst>
           </p:cNvPr>
@@ -2788,7 +2788,7 @@
           <p:cNvPr id="4" name="文本占位符 3">
             <a:extLst>
               <a:ext uri="{FF2B5EF4-FFF2-40B4-BE49-F238E27FC236}">
-                <a16:creationId xmlns:a16="http://schemas.microsoft.com/office/drawing/2014/main" xmlns="" id="{42A58D66-581F-6B4B-961F-EB8D7E00F2B5}"/>
+                <a16:creationId xmlns:a16="http://schemas.microsoft.com/office/drawing/2014/main" id="{42A58D66-581F-6B4B-961F-EB8D7E00F2B5}"/>
               </a:ext>
             </a:extLst>
           </p:cNvPr>
@@ -2859,7 +2859,7 @@
           <p:cNvPr id="5" name="日期占位符 4">
             <a:extLst>
               <a:ext uri="{FF2B5EF4-FFF2-40B4-BE49-F238E27FC236}">
-                <a16:creationId xmlns:a16="http://schemas.microsoft.com/office/drawing/2014/main" xmlns="" id="{6D86423E-9276-7C46-996D-2263741E19F5}"/>
+                <a16:creationId xmlns:a16="http://schemas.microsoft.com/office/drawing/2014/main" id="{6D86423E-9276-7C46-996D-2263741E19F5}"/>
               </a:ext>
             </a:extLst>
           </p:cNvPr>
@@ -2877,7 +2877,7 @@
           <a:p>
             <a:fld id="{F0D356AD-C17D-DC49-85EE-F81B0D89A3E6}" type="datetimeFigureOut">
               <a:rPr kumimoji="1" lang="zh-CN" altLang="en-US" smtClean="0"/>
-              <a:t>2020/11/23</a:t>
+              <a:t>2020/11/24</a:t>
             </a:fld>
             <a:endParaRPr kumimoji="1" lang="zh-CN" altLang="en-US"/>
           </a:p>
@@ -2888,7 +2888,7 @@
           <p:cNvPr id="6" name="页脚占位符 5">
             <a:extLst>
               <a:ext uri="{FF2B5EF4-FFF2-40B4-BE49-F238E27FC236}">
-                <a16:creationId xmlns:a16="http://schemas.microsoft.com/office/drawing/2014/main" xmlns="" id="{21F9D0CC-C2F1-EE4F-9D55-B761FD19F806}"/>
+                <a16:creationId xmlns:a16="http://schemas.microsoft.com/office/drawing/2014/main" id="{21F9D0CC-C2F1-EE4F-9D55-B761FD19F806}"/>
               </a:ext>
             </a:extLst>
           </p:cNvPr>
@@ -2913,7 +2913,7 @@
           <p:cNvPr id="7" name="灯片编号占位符 6">
             <a:extLst>
               <a:ext uri="{FF2B5EF4-FFF2-40B4-BE49-F238E27FC236}">
-                <a16:creationId xmlns:a16="http://schemas.microsoft.com/office/drawing/2014/main" xmlns="" id="{9B313841-DAE9-5947-B754-BE08D39E1A5D}"/>
+                <a16:creationId xmlns:a16="http://schemas.microsoft.com/office/drawing/2014/main" id="{9B313841-DAE9-5947-B754-BE08D39E1A5D}"/>
               </a:ext>
             </a:extLst>
           </p:cNvPr>
@@ -2972,7 +2972,7 @@
           <p:cNvPr id="2" name="标题 1">
             <a:extLst>
               <a:ext uri="{FF2B5EF4-FFF2-40B4-BE49-F238E27FC236}">
-                <a16:creationId xmlns:a16="http://schemas.microsoft.com/office/drawing/2014/main" xmlns="" id="{4EB5E492-CE83-B94A-9FEC-A5781417B2F6}"/>
+                <a16:creationId xmlns:a16="http://schemas.microsoft.com/office/drawing/2014/main" id="{4EB5E492-CE83-B94A-9FEC-A5781417B2F6}"/>
               </a:ext>
             </a:extLst>
           </p:cNvPr>
@@ -3009,7 +3009,7 @@
           <p:cNvPr id="3" name="图片占位符 2">
             <a:extLst>
               <a:ext uri="{FF2B5EF4-FFF2-40B4-BE49-F238E27FC236}">
-                <a16:creationId xmlns:a16="http://schemas.microsoft.com/office/drawing/2014/main" xmlns="" id="{8497E7EE-B2A3-574C-B9F7-C2875C2D427F}"/>
+                <a16:creationId xmlns:a16="http://schemas.microsoft.com/office/drawing/2014/main" id="{8497E7EE-B2A3-574C-B9F7-C2875C2D427F}"/>
               </a:ext>
             </a:extLst>
           </p:cNvPr>
@@ -3076,7 +3076,7 @@
           <p:cNvPr id="4" name="文本占位符 3">
             <a:extLst>
               <a:ext uri="{FF2B5EF4-FFF2-40B4-BE49-F238E27FC236}">
-                <a16:creationId xmlns:a16="http://schemas.microsoft.com/office/drawing/2014/main" xmlns="" id="{8CB45320-992F-5144-A284-DFDDD157C241}"/>
+                <a16:creationId xmlns:a16="http://schemas.microsoft.com/office/drawing/2014/main" id="{8CB45320-992F-5144-A284-DFDDD157C241}"/>
               </a:ext>
             </a:extLst>
           </p:cNvPr>
@@ -3147,7 +3147,7 @@
           <p:cNvPr id="5" name="日期占位符 4">
             <a:extLst>
               <a:ext uri="{FF2B5EF4-FFF2-40B4-BE49-F238E27FC236}">
-                <a16:creationId xmlns:a16="http://schemas.microsoft.com/office/drawing/2014/main" xmlns="" id="{4E95632B-AF60-B049-90F6-18FC1451FEB3}"/>
+                <a16:creationId xmlns:a16="http://schemas.microsoft.com/office/drawing/2014/main" id="{4E95632B-AF60-B049-90F6-18FC1451FEB3}"/>
               </a:ext>
             </a:extLst>
           </p:cNvPr>
@@ -3165,7 +3165,7 @@
           <a:p>
             <a:fld id="{F0D356AD-C17D-DC49-85EE-F81B0D89A3E6}" type="datetimeFigureOut">
               <a:rPr kumimoji="1" lang="zh-CN" altLang="en-US" smtClean="0"/>
-              <a:t>2020/11/23</a:t>
+              <a:t>2020/11/24</a:t>
             </a:fld>
             <a:endParaRPr kumimoji="1" lang="zh-CN" altLang="en-US"/>
           </a:p>
@@ -3176,7 +3176,7 @@
           <p:cNvPr id="6" name="页脚占位符 5">
             <a:extLst>
               <a:ext uri="{FF2B5EF4-FFF2-40B4-BE49-F238E27FC236}">
-                <a16:creationId xmlns:a16="http://schemas.microsoft.com/office/drawing/2014/main" xmlns="" id="{27E06FA0-7780-C848-8308-56B582A101D4}"/>
+                <a16:creationId xmlns:a16="http://schemas.microsoft.com/office/drawing/2014/main" id="{27E06FA0-7780-C848-8308-56B582A101D4}"/>
               </a:ext>
             </a:extLst>
           </p:cNvPr>
@@ -3201,7 +3201,7 @@
           <p:cNvPr id="7" name="灯片编号占位符 6">
             <a:extLst>
               <a:ext uri="{FF2B5EF4-FFF2-40B4-BE49-F238E27FC236}">
-                <a16:creationId xmlns:a16="http://schemas.microsoft.com/office/drawing/2014/main" xmlns="" id="{C35BD731-F1EE-5D4D-B6C8-B881BDFF5EDF}"/>
+                <a16:creationId xmlns:a16="http://schemas.microsoft.com/office/drawing/2014/main" id="{C35BD731-F1EE-5D4D-B6C8-B881BDFF5EDF}"/>
               </a:ext>
             </a:extLst>
           </p:cNvPr>
@@ -3265,7 +3265,7 @@
           <p:cNvPr id="2" name="标题占位符 1">
             <a:extLst>
               <a:ext uri="{FF2B5EF4-FFF2-40B4-BE49-F238E27FC236}">
-                <a16:creationId xmlns:a16="http://schemas.microsoft.com/office/drawing/2014/main" xmlns="" id="{0FA6199F-BF2D-3C42-894C-2A6C4DFB78F6}"/>
+                <a16:creationId xmlns:a16="http://schemas.microsoft.com/office/drawing/2014/main" id="{0FA6199F-BF2D-3C42-894C-2A6C4DFB78F6}"/>
               </a:ext>
             </a:extLst>
           </p:cNvPr>
@@ -3303,7 +3303,7 @@
           <p:cNvPr id="3" name="文本占位符 2">
             <a:extLst>
               <a:ext uri="{FF2B5EF4-FFF2-40B4-BE49-F238E27FC236}">
-                <a16:creationId xmlns:a16="http://schemas.microsoft.com/office/drawing/2014/main" xmlns="" id="{3864098E-C20A-0F46-8DF5-10DAF895675A}"/>
+                <a16:creationId xmlns:a16="http://schemas.microsoft.com/office/drawing/2014/main" id="{3864098E-C20A-0F46-8DF5-10DAF895675A}"/>
               </a:ext>
             </a:extLst>
           </p:cNvPr>
@@ -3370,7 +3370,7 @@
           <p:cNvPr id="4" name="日期占位符 3">
             <a:extLst>
               <a:ext uri="{FF2B5EF4-FFF2-40B4-BE49-F238E27FC236}">
-                <a16:creationId xmlns:a16="http://schemas.microsoft.com/office/drawing/2014/main" xmlns="" id="{A014F0AA-AC9D-434A-8858-F3D6141B7F84}"/>
+                <a16:creationId xmlns:a16="http://schemas.microsoft.com/office/drawing/2014/main" id="{A014F0AA-AC9D-434A-8858-F3D6141B7F84}"/>
               </a:ext>
             </a:extLst>
           </p:cNvPr>
@@ -3406,7 +3406,7 @@
           <a:p>
             <a:fld id="{F0D356AD-C17D-DC49-85EE-F81B0D89A3E6}" type="datetimeFigureOut">
               <a:rPr kumimoji="1" lang="zh-CN" altLang="en-US" smtClean="0"/>
-              <a:t>2020/11/23</a:t>
+              <a:t>2020/11/24</a:t>
             </a:fld>
             <a:endParaRPr kumimoji="1" lang="zh-CN" altLang="en-US"/>
           </a:p>
@@ -3417,7 +3417,7 @@
           <p:cNvPr id="5" name="页脚占位符 4">
             <a:extLst>
               <a:ext uri="{FF2B5EF4-FFF2-40B4-BE49-F238E27FC236}">
-                <a16:creationId xmlns:a16="http://schemas.microsoft.com/office/drawing/2014/main" xmlns="" id="{5C88CA23-A82A-2A41-B189-ACC6426E728A}"/>
+                <a16:creationId xmlns:a16="http://schemas.microsoft.com/office/drawing/2014/main" id="{5C88CA23-A82A-2A41-B189-ACC6426E728A}"/>
               </a:ext>
             </a:extLst>
           </p:cNvPr>
@@ -3460,7 +3460,7 @@
           <p:cNvPr id="6" name="灯片编号占位符 5">
             <a:extLst>
               <a:ext uri="{FF2B5EF4-FFF2-40B4-BE49-F238E27FC236}">
-                <a16:creationId xmlns:a16="http://schemas.microsoft.com/office/drawing/2014/main" xmlns="" id="{9A690401-9402-154A-8E10-3254E10D5332}"/>
+                <a16:creationId xmlns:a16="http://schemas.microsoft.com/office/drawing/2014/main" id="{9A690401-9402-154A-8E10-3254E10D5332}"/>
               </a:ext>
             </a:extLst>
           </p:cNvPr>
@@ -3828,7 +3828,7 @@
           <p:cNvPr id="2" name="标题 1">
             <a:extLst>
               <a:ext uri="{FF2B5EF4-FFF2-40B4-BE49-F238E27FC236}">
-                <a16:creationId xmlns:a16="http://schemas.microsoft.com/office/drawing/2014/main" xmlns="" id="{52B7F225-D82E-EA49-AECB-7F06CB70B93F}"/>
+                <a16:creationId xmlns:a16="http://schemas.microsoft.com/office/drawing/2014/main" id="{52B7F225-D82E-EA49-AECB-7F06CB70B93F}"/>
               </a:ext>
             </a:extLst>
           </p:cNvPr>
@@ -3865,7 +3865,7 @@
           <p:cNvPr id="3" name="副标题 2">
             <a:extLst>
               <a:ext uri="{FF2B5EF4-FFF2-40B4-BE49-F238E27FC236}">
-                <a16:creationId xmlns:a16="http://schemas.microsoft.com/office/drawing/2014/main" xmlns="" id="{6D7C3E0B-2C67-534D-BB94-2B746F85455E}"/>
+                <a16:creationId xmlns:a16="http://schemas.microsoft.com/office/drawing/2014/main" id="{6D7C3E0B-2C67-534D-BB94-2B746F85455E}"/>
               </a:ext>
             </a:extLst>
           </p:cNvPr>
@@ -3917,13 +3917,6 @@
   <p:clrMapOvr>
     <a:masterClrMapping/>
   </p:clrMapOvr>
-  <p:timing>
-    <p:tnLst>
-      <p:par>
-        <p:cTn id="1" dur="indefinite" restart="never" nodeType="tmRoot"/>
-      </p:par>
-    </p:tnLst>
-  </p:timing>
 </p:sld>
 </file>
 
@@ -3949,7 +3942,7 @@
           <p:cNvPr id="2" name="标题 1">
             <a:extLst>
               <a:ext uri="{FF2B5EF4-FFF2-40B4-BE49-F238E27FC236}">
-                <a16:creationId xmlns:a16="http://schemas.microsoft.com/office/drawing/2014/main" xmlns="" id="{F0405D1C-A876-8341-918E-A5D66A83827F}"/>
+                <a16:creationId xmlns:a16="http://schemas.microsoft.com/office/drawing/2014/main" id="{F0405D1C-A876-8341-918E-A5D66A83827F}"/>
               </a:ext>
             </a:extLst>
           </p:cNvPr>
@@ -3984,7 +3977,7 @@
           <p:cNvPr id="3" name="内容占位符 2">
             <a:extLst>
               <a:ext uri="{FF2B5EF4-FFF2-40B4-BE49-F238E27FC236}">
-                <a16:creationId xmlns:a16="http://schemas.microsoft.com/office/drawing/2014/main" xmlns="" id="{18357220-3404-9543-B18A-654DBC2080C6}"/>
+                <a16:creationId xmlns:a16="http://schemas.microsoft.com/office/drawing/2014/main" id="{18357220-3404-9543-B18A-654DBC2080C6}"/>
               </a:ext>
             </a:extLst>
           </p:cNvPr>
@@ -4084,13 +4077,6 @@
   <p:clrMapOvr>
     <a:masterClrMapping/>
   </p:clrMapOvr>
-  <p:timing>
-    <p:tnLst>
-      <p:par>
-        <p:cTn id="1" dur="indefinite" restart="never" nodeType="tmRoot"/>
-      </p:par>
-    </p:tnLst>
-  </p:timing>
 </p:sld>
 </file>
 
@@ -4116,7 +4102,7 @@
           <p:cNvPr id="2" name="标题 1">
             <a:extLst>
               <a:ext uri="{FF2B5EF4-FFF2-40B4-BE49-F238E27FC236}">
-                <a16:creationId xmlns:a16="http://schemas.microsoft.com/office/drawing/2014/main" xmlns="" id="{F0405D1C-A876-8341-918E-A5D66A83827F}"/>
+                <a16:creationId xmlns:a16="http://schemas.microsoft.com/office/drawing/2014/main" id="{F0405D1C-A876-8341-918E-A5D66A83827F}"/>
               </a:ext>
             </a:extLst>
           </p:cNvPr>
@@ -4151,7 +4137,7 @@
           <p:cNvPr id="3" name="内容占位符 2">
             <a:extLst>
               <a:ext uri="{FF2B5EF4-FFF2-40B4-BE49-F238E27FC236}">
-                <a16:creationId xmlns:a16="http://schemas.microsoft.com/office/drawing/2014/main" xmlns="" id="{18357220-3404-9543-B18A-654DBC2080C6}"/>
+                <a16:creationId xmlns:a16="http://schemas.microsoft.com/office/drawing/2014/main" id="{18357220-3404-9543-B18A-654DBC2080C6}"/>
               </a:ext>
             </a:extLst>
           </p:cNvPr>
@@ -4168,18 +4154,13 @@
           <a:lstStyle/>
           <a:p>
             <a:r>
-              <a:rPr kumimoji="1" lang="en-US" altLang="zh-CN" dirty="0" smtClean="0">
+              <a:rPr kumimoji="1" lang="en-US" altLang="zh-CN" dirty="0">
                 <a:latin typeface="Times New Roman" charset="0"/>
                 <a:ea typeface="Times New Roman" charset="0"/>
                 <a:cs typeface="Times New Roman" charset="0"/>
               </a:rPr>
               <a:t>Min-granularity</a:t>
             </a:r>
-            <a:endParaRPr kumimoji="1" lang="en-US" altLang="zh-CN" dirty="0">
-              <a:latin typeface="Times New Roman" charset="0"/>
-              <a:ea typeface="Times New Roman" charset="0"/>
-              <a:cs typeface="Times New Roman" charset="0"/>
-            </a:endParaRPr>
           </a:p>
         </p:txBody>
       </p:sp>
@@ -4193,13 +4174,6 @@
   <p:clrMapOvr>
     <a:masterClrMapping/>
   </p:clrMapOvr>
-  <p:timing>
-    <p:tnLst>
-      <p:par>
-        <p:cTn id="1" dur="indefinite" restart="never" nodeType="tmRoot"/>
-      </p:par>
-    </p:tnLst>
-  </p:timing>
 </p:sld>
 </file>
 
@@ -4225,7 +4199,7 @@
           <p:cNvPr id="2" name="标题 1">
             <a:extLst>
               <a:ext uri="{FF2B5EF4-FFF2-40B4-BE49-F238E27FC236}">
-                <a16:creationId xmlns:a16="http://schemas.microsoft.com/office/drawing/2014/main" xmlns="" id="{F0405D1C-A876-8341-918E-A5D66A83827F}"/>
+                <a16:creationId xmlns:a16="http://schemas.microsoft.com/office/drawing/2014/main" id="{F0405D1C-A876-8341-918E-A5D66A83827F}"/>
               </a:ext>
             </a:extLst>
           </p:cNvPr>
@@ -4260,7 +4234,7 @@
           <p:cNvPr id="3" name="内容占位符 2">
             <a:extLst>
               <a:ext uri="{FF2B5EF4-FFF2-40B4-BE49-F238E27FC236}">
-                <a16:creationId xmlns:a16="http://schemas.microsoft.com/office/drawing/2014/main" xmlns="" id="{18357220-3404-9543-B18A-654DBC2080C6}"/>
+                <a16:creationId xmlns:a16="http://schemas.microsoft.com/office/drawing/2014/main" id="{18357220-3404-9543-B18A-654DBC2080C6}"/>
               </a:ext>
             </a:extLst>
           </p:cNvPr>
@@ -4277,18 +4251,13 @@
           <a:lstStyle/>
           <a:p>
             <a:r>
-              <a:rPr kumimoji="1" lang="en-US" altLang="zh-CN" dirty="0" smtClean="0">
+              <a:rPr kumimoji="1" lang="en-US" altLang="zh-CN" dirty="0">
                 <a:latin typeface="Times New Roman" charset="0"/>
                 <a:ea typeface="Times New Roman" charset="0"/>
                 <a:cs typeface="Times New Roman" charset="0"/>
               </a:rPr>
               <a:t>Min-granularity</a:t>
             </a:r>
-            <a:endParaRPr kumimoji="1" lang="en-US" altLang="zh-CN" dirty="0">
-              <a:latin typeface="Times New Roman" charset="0"/>
-              <a:ea typeface="Times New Roman" charset="0"/>
-              <a:cs typeface="Times New Roman" charset="0"/>
-            </a:endParaRPr>
           </a:p>
         </p:txBody>
       </p:sp>
@@ -4297,7 +4266,7 @@
           <p:cNvPr id="4" name="标题 1">
             <a:extLst>
               <a:ext uri="{FF2B5EF4-FFF2-40B4-BE49-F238E27FC236}">
-                <a16:creationId xmlns:a16="http://schemas.microsoft.com/office/drawing/2014/main" xmlns="" id="{F0405D1C-A876-8341-918E-A5D66A83827F}"/>
+                <a16:creationId xmlns:a16="http://schemas.microsoft.com/office/drawing/2014/main" id="{F0405D1C-A876-8341-918E-A5D66A83827F}"/>
               </a:ext>
             </a:extLst>
           </p:cNvPr>
@@ -4348,20 +4317,12 @@
               <a:t>M</a:t>
             </a:r>
             <a:r>
-              <a:rPr kumimoji="1" lang="en-US" altLang="zh-CN" dirty="0" smtClean="0">
-                <a:latin typeface="Times New Roman" charset="0"/>
-                <a:ea typeface="Times New Roman" charset="0"/>
-                <a:cs typeface="Times New Roman" charset="0"/>
-              </a:rPr>
-              <a:t>in-granularity </a:t>
-            </a:r>
-            <a:r>
               <a:rPr kumimoji="1" lang="en-US" altLang="zh-CN" dirty="0">
                 <a:latin typeface="Times New Roman" charset="0"/>
                 <a:ea typeface="Times New Roman" charset="0"/>
                 <a:cs typeface="Times New Roman" charset="0"/>
               </a:rPr>
-              <a:t>dimension already</a:t>
+              <a:t>in-granularity dimension already</a:t>
             </a:r>
             <a:r>
               <a:rPr kumimoji="1" lang="zh-CN" altLang="en-US" dirty="0">
@@ -4398,13 +4359,6 @@
   <p:clrMapOvr>
     <a:masterClrMapping/>
   </p:clrMapOvr>
-  <p:timing>
-    <p:tnLst>
-      <p:par>
-        <p:cTn id="1" dur="indefinite" restart="never" nodeType="tmRoot"/>
-      </p:par>
-    </p:tnLst>
-  </p:timing>
 </p:sld>
 </file>
 
@@ -4430,7 +4384,7 @@
           <p:cNvPr id="2" name="标题 1">
             <a:extLst>
               <a:ext uri="{FF2B5EF4-FFF2-40B4-BE49-F238E27FC236}">
-                <a16:creationId xmlns:a16="http://schemas.microsoft.com/office/drawing/2014/main" xmlns="" id="{F0405D1C-A876-8341-918E-A5D66A83827F}"/>
+                <a16:creationId xmlns:a16="http://schemas.microsoft.com/office/drawing/2014/main" id="{F0405D1C-A876-8341-918E-A5D66A83827F}"/>
               </a:ext>
             </a:extLst>
           </p:cNvPr>
@@ -4485,9 +4439,27 @@
                 <a:tableStyleId>{5C22544A-7EE6-4342-B048-85BDC9FD1C3A}</a:tableStyleId>
               </a:tblPr>
               <a:tblGrid>
-                <a:gridCol w="2069308"/>
-                <a:gridCol w="4414838"/>
-                <a:gridCol w="4445794"/>
+                <a:gridCol w="2069308">
+                  <a:extLst>
+                    <a:ext uri="{9D8B030D-6E8A-4147-A177-3AD203B41FA5}">
+                      <a16:colId xmlns:a16="http://schemas.microsoft.com/office/drawing/2014/main" val="20000"/>
+                    </a:ext>
+                  </a:extLst>
+                </a:gridCol>
+                <a:gridCol w="4414838">
+                  <a:extLst>
+                    <a:ext uri="{9D8B030D-6E8A-4147-A177-3AD203B41FA5}">
+                      <a16:colId xmlns:a16="http://schemas.microsoft.com/office/drawing/2014/main" val="20001"/>
+                    </a:ext>
+                  </a:extLst>
+                </a:gridCol>
+                <a:gridCol w="4445794">
+                  <a:extLst>
+                    <a:ext uri="{9D8B030D-6E8A-4147-A177-3AD203B41FA5}">
+                      <a16:colId xmlns:a16="http://schemas.microsoft.com/office/drawing/2014/main" val="20002"/>
+                    </a:ext>
+                  </a:extLst>
+                </a:gridCol>
               </a:tblGrid>
               <a:tr h="684036">
                 <a:tc>
@@ -4553,7 +4525,7 @@
                     <a:p>
                       <a:pPr algn="ctr"/>
                       <a:r>
-                        <a:rPr lang="en-US" altLang="zh-CN" sz="2800" dirty="0" smtClean="0">
+                        <a:rPr lang="en-US" altLang="zh-CN" sz="2800" dirty="0">
                           <a:solidFill>
                             <a:schemeClr val="tx1"/>
                           </a:solidFill>
@@ -4564,7 +4536,7 @@
                         <a:t>Prior</a:t>
                       </a:r>
                       <a:r>
-                        <a:rPr lang="en-US" altLang="zh-CN" sz="2800" baseline="0" dirty="0" smtClean="0">
+                        <a:rPr lang="en-US" altLang="zh-CN" sz="2800" baseline="0" dirty="0">
                           <a:solidFill>
                             <a:schemeClr val="tx1"/>
                           </a:solidFill>
@@ -4631,7 +4603,7 @@
                     <a:p>
                       <a:pPr algn="ctr"/>
                       <a:r>
-                        <a:rPr lang="en-US" altLang="zh-CN" sz="2800" dirty="0" smtClean="0">
+                        <a:rPr lang="en-US" altLang="zh-CN" sz="2800" dirty="0">
                           <a:solidFill>
                             <a:schemeClr val="tx1"/>
                           </a:solidFill>
@@ -4691,6 +4663,11 @@
                     <a:noFill/>
                   </a:tcPr>
                 </a:tc>
+                <a:extLst>
+                  <a:ext uri="{0D108BD9-81ED-4DB2-BD59-A6C34878D82A}">
+                    <a16:rowId xmlns:a16="http://schemas.microsoft.com/office/drawing/2014/main" val="10000"/>
+                  </a:ext>
+                </a:extLst>
               </a:tr>
               <a:tr h="684036">
                 <a:tc>
@@ -4700,7 +4677,7 @@
                     <a:p>
                       <a:pPr algn="ctr"/>
                       <a:r>
-                        <a:rPr lang="en-US" altLang="zh-CN" sz="2800" baseline="0" dirty="0" smtClean="0">
+                        <a:rPr lang="en-US" altLang="zh-CN" sz="2800" baseline="0" dirty="0">
                           <a:solidFill>
                             <a:schemeClr val="tx1"/>
                           </a:solidFill>
@@ -4767,7 +4744,7 @@
                     <a:p>
                       <a:pPr algn="ctr"/>
                       <a:r>
-                        <a:rPr lang="en-US" altLang="zh-CN" sz="2800" dirty="0" smtClean="0">
+                        <a:rPr lang="en-US" altLang="zh-CN" sz="2800" dirty="0">
                           <a:solidFill>
                             <a:schemeClr val="tx1"/>
                           </a:solidFill>
@@ -4778,7 +4755,7 @@
                         <a:t>Measure</a:t>
                       </a:r>
                       <a:r>
-                        <a:rPr lang="en-US" altLang="zh-CN" sz="2800" baseline="0" dirty="0" smtClean="0">
+                        <a:rPr lang="en-US" altLang="zh-CN" sz="2800" baseline="0" dirty="0">
                           <a:solidFill>
                             <a:schemeClr val="tx1"/>
                           </a:solidFill>
@@ -4845,7 +4822,7 @@
                     <a:p>
                       <a:pPr algn="ctr"/>
                       <a:r>
-                        <a:rPr lang="en-US" altLang="zh-CN" sz="2800" dirty="0" smtClean="0">
+                        <a:rPr lang="en-US" altLang="zh-CN" sz="2800" dirty="0">
                           <a:solidFill>
                             <a:schemeClr val="tx1"/>
                           </a:solidFill>
@@ -4855,7 +4832,7 @@
                         </a:rPr>
                         <a:t>Aggregate Min-granularity</a:t>
                       </a:r>
-                      <a:endParaRPr lang="zh-CN" altLang="en-US" sz="2800" dirty="0" smtClean="0">
+                      <a:endParaRPr lang="zh-CN" altLang="en-US" sz="2800" dirty="0">
                         <a:solidFill>
                           <a:schemeClr val="tx1"/>
                         </a:solidFill>
@@ -4905,6 +4882,11 @@
                     <a:noFill/>
                   </a:tcPr>
                 </a:tc>
+                <a:extLst>
+                  <a:ext uri="{0D108BD9-81ED-4DB2-BD59-A6C34878D82A}">
+                    <a16:rowId xmlns:a16="http://schemas.microsoft.com/office/drawing/2014/main" val="10001"/>
+                  </a:ext>
+                </a:extLst>
               </a:tr>
               <a:tr h="684036">
                 <a:tc>
@@ -4930,7 +4912,7 @@
                         <a:defRPr/>
                       </a:pPr>
                       <a:r>
-                        <a:rPr lang="en-US" altLang="zh-CN" sz="2800" baseline="0" dirty="0" smtClean="0">
+                        <a:rPr lang="en-US" altLang="zh-CN" sz="2800" baseline="0" dirty="0">
                           <a:solidFill>
                             <a:schemeClr val="tx1"/>
                           </a:solidFill>
@@ -4940,7 +4922,7 @@
                         </a:rPr>
                         <a:t>D of sketch</a:t>
                       </a:r>
-                      <a:endParaRPr lang="zh-CN" altLang="en-US" sz="2800" dirty="0" smtClean="0">
+                      <a:endParaRPr lang="zh-CN" altLang="en-US" sz="2800" dirty="0">
                         <a:solidFill>
                           <a:schemeClr val="tx1"/>
                         </a:solidFill>
@@ -4997,7 +4979,7 @@
                     <a:p>
                       <a:pPr algn="ctr"/>
                       <a:r>
-                        <a:rPr lang="en-US" altLang="zh-CN" sz="2800" dirty="0" smtClean="0">
+                        <a:rPr lang="en-US" altLang="zh-CN" sz="2800" dirty="0">
                           <a:solidFill>
                             <a:schemeClr val="tx1"/>
                           </a:solidFill>
@@ -5080,7 +5062,7 @@
                         <a:defRPr/>
                       </a:pPr>
                       <a:r>
-                        <a:rPr lang="en-US" altLang="zh-CN" sz="2800" dirty="0" smtClean="0">
+                        <a:rPr lang="en-US" altLang="zh-CN" sz="2800" dirty="0">
                           <a:solidFill>
                             <a:schemeClr val="tx1"/>
                           </a:solidFill>
@@ -5090,7 +5072,7 @@
                         </a:rPr>
                         <a:t>Aggregate Min-granularity</a:t>
                       </a:r>
-                      <a:endParaRPr lang="zh-CN" altLang="en-US" sz="2800" dirty="0" smtClean="0">
+                      <a:endParaRPr lang="zh-CN" altLang="en-US" sz="2800" dirty="0">
                         <a:solidFill>
                           <a:schemeClr val="tx1"/>
                         </a:solidFill>
@@ -5140,6 +5122,11 @@
                     <a:noFill/>
                   </a:tcPr>
                 </a:tc>
+                <a:extLst>
+                  <a:ext uri="{0D108BD9-81ED-4DB2-BD59-A6C34878D82A}">
+                    <a16:rowId xmlns:a16="http://schemas.microsoft.com/office/drawing/2014/main" val="10002"/>
+                  </a:ext>
+                </a:extLst>
               </a:tr>
             </a:tbl>
           </a:graphicData>
@@ -5155,13 +5142,6 @@
   <p:clrMapOvr>
     <a:masterClrMapping/>
   </p:clrMapOvr>
-  <p:timing>
-    <p:tnLst>
-      <p:par>
-        <p:cTn id="1" dur="indefinite" restart="never" nodeType="tmRoot"/>
-      </p:par>
-    </p:tnLst>
-  </p:timing>
 </p:sld>
 </file>
 
@@ -5187,7 +5167,7 @@
           <p:cNvPr id="2" name="标题 1">
             <a:extLst>
               <a:ext uri="{FF2B5EF4-FFF2-40B4-BE49-F238E27FC236}">
-                <a16:creationId xmlns:a16="http://schemas.microsoft.com/office/drawing/2014/main" xmlns="" id="{F0405D1C-A876-8341-918E-A5D66A83827F}"/>
+                <a16:creationId xmlns:a16="http://schemas.microsoft.com/office/drawing/2014/main" id="{F0405D1C-A876-8341-918E-A5D66A83827F}"/>
               </a:ext>
             </a:extLst>
           </p:cNvPr>
@@ -5236,9 +5216,27 @@
                 <a:tableStyleId>{5C22544A-7EE6-4342-B048-85BDC9FD1C3A}</a:tableStyleId>
               </a:tblPr>
               <a:tblGrid>
-                <a:gridCol w="2069308"/>
-                <a:gridCol w="4414838"/>
-                <a:gridCol w="4445794"/>
+                <a:gridCol w="2069308">
+                  <a:extLst>
+                    <a:ext uri="{9D8B030D-6E8A-4147-A177-3AD203B41FA5}">
+                      <a16:colId xmlns:a16="http://schemas.microsoft.com/office/drawing/2014/main" val="20000"/>
+                    </a:ext>
+                  </a:extLst>
+                </a:gridCol>
+                <a:gridCol w="4414838">
+                  <a:extLst>
+                    <a:ext uri="{9D8B030D-6E8A-4147-A177-3AD203B41FA5}">
+                      <a16:colId xmlns:a16="http://schemas.microsoft.com/office/drawing/2014/main" val="20001"/>
+                    </a:ext>
+                  </a:extLst>
+                </a:gridCol>
+                <a:gridCol w="4445794">
+                  <a:extLst>
+                    <a:ext uri="{9D8B030D-6E8A-4147-A177-3AD203B41FA5}">
+                      <a16:colId xmlns:a16="http://schemas.microsoft.com/office/drawing/2014/main" val="20002"/>
+                    </a:ext>
+                  </a:extLst>
+                </a:gridCol>
               </a:tblGrid>
               <a:tr h="684036">
                 <a:tc>
@@ -5304,7 +5302,7 @@
                     <a:p>
                       <a:pPr algn="ctr"/>
                       <a:r>
-                        <a:rPr lang="en-US" altLang="zh-CN" sz="2800" dirty="0" smtClean="0">
+                        <a:rPr lang="en-US" altLang="zh-CN" sz="2800" dirty="0">
                           <a:solidFill>
                             <a:schemeClr val="tx1"/>
                           </a:solidFill>
@@ -5315,7 +5313,7 @@
                         <a:t>Prior</a:t>
                       </a:r>
                       <a:r>
-                        <a:rPr lang="en-US" altLang="zh-CN" sz="2800" baseline="0" dirty="0" smtClean="0">
+                        <a:rPr lang="en-US" altLang="zh-CN" sz="2800" baseline="0" dirty="0">
                           <a:solidFill>
                             <a:schemeClr val="tx1"/>
                           </a:solidFill>
@@ -5382,7 +5380,7 @@
                     <a:p>
                       <a:pPr algn="ctr"/>
                       <a:r>
-                        <a:rPr lang="en-US" altLang="zh-CN" sz="2800" dirty="0" smtClean="0">
+                        <a:rPr lang="en-US" altLang="zh-CN" sz="2800" dirty="0">
                           <a:solidFill>
                             <a:schemeClr val="tx1"/>
                           </a:solidFill>
@@ -5442,6 +5440,11 @@
                     <a:noFill/>
                   </a:tcPr>
                 </a:tc>
+                <a:extLst>
+                  <a:ext uri="{0D108BD9-81ED-4DB2-BD59-A6C34878D82A}">
+                    <a16:rowId xmlns:a16="http://schemas.microsoft.com/office/drawing/2014/main" val="10000"/>
+                  </a:ext>
+                </a:extLst>
               </a:tr>
               <a:tr h="684036">
                 <a:tc>
@@ -5451,7 +5454,7 @@
                     <a:p>
                       <a:pPr algn="ctr"/>
                       <a:r>
-                        <a:rPr lang="en-US" altLang="zh-CN" sz="2800" baseline="0" dirty="0" smtClean="0">
+                        <a:rPr lang="en-US" altLang="zh-CN" sz="2800" baseline="0" dirty="0">
                           <a:solidFill>
                             <a:schemeClr val="tx1"/>
                           </a:solidFill>
@@ -5518,7 +5521,7 @@
                     <a:p>
                       <a:pPr algn="ctr"/>
                       <a:r>
-                        <a:rPr lang="en-US" altLang="zh-CN" sz="2800" dirty="0" smtClean="0">
+                        <a:rPr lang="en-US" altLang="zh-CN" sz="2800" dirty="0">
                           <a:solidFill>
                             <a:schemeClr val="tx1"/>
                           </a:solidFill>
@@ -5529,7 +5532,7 @@
                         <a:t>Measure</a:t>
                       </a:r>
                       <a:r>
-                        <a:rPr lang="en-US" altLang="zh-CN" sz="2800" baseline="0" dirty="0" smtClean="0">
+                        <a:rPr lang="en-US" altLang="zh-CN" sz="2800" baseline="0" dirty="0">
                           <a:solidFill>
                             <a:schemeClr val="tx1"/>
                           </a:solidFill>
@@ -5596,7 +5599,7 @@
                     <a:p>
                       <a:pPr algn="ctr"/>
                       <a:r>
-                        <a:rPr lang="en-US" altLang="zh-CN" sz="2800" dirty="0" smtClean="0">
+                        <a:rPr lang="en-US" altLang="zh-CN" sz="2800" dirty="0">
                           <a:solidFill>
                             <a:schemeClr val="tx1"/>
                           </a:solidFill>
@@ -5606,7 +5609,7 @@
                         </a:rPr>
                         <a:t>Aggregate Min-granularity</a:t>
                       </a:r>
-                      <a:endParaRPr lang="zh-CN" altLang="en-US" sz="2800" dirty="0" smtClean="0">
+                      <a:endParaRPr lang="zh-CN" altLang="en-US" sz="2800" dirty="0">
                         <a:solidFill>
                           <a:schemeClr val="tx1"/>
                         </a:solidFill>
@@ -5656,6 +5659,11 @@
                     <a:noFill/>
                   </a:tcPr>
                 </a:tc>
+                <a:extLst>
+                  <a:ext uri="{0D108BD9-81ED-4DB2-BD59-A6C34878D82A}">
+                    <a16:rowId xmlns:a16="http://schemas.microsoft.com/office/drawing/2014/main" val="10001"/>
+                  </a:ext>
+                </a:extLst>
               </a:tr>
               <a:tr h="684036">
                 <a:tc>
@@ -5681,7 +5689,7 @@
                         <a:defRPr/>
                       </a:pPr>
                       <a:r>
-                        <a:rPr lang="en-US" altLang="zh-CN" sz="2800" baseline="0" dirty="0" smtClean="0">
+                        <a:rPr lang="en-US" altLang="zh-CN" sz="2800" baseline="0" dirty="0">
                           <a:solidFill>
                             <a:schemeClr val="tx1"/>
                           </a:solidFill>
@@ -5691,7 +5699,7 @@
                         </a:rPr>
                         <a:t>D of sketch</a:t>
                       </a:r>
-                      <a:endParaRPr lang="zh-CN" altLang="en-US" sz="2800" dirty="0" smtClean="0">
+                      <a:endParaRPr lang="zh-CN" altLang="en-US" sz="2800" dirty="0">
                         <a:solidFill>
                           <a:schemeClr val="tx1"/>
                         </a:solidFill>
@@ -5748,7 +5756,7 @@
                     <a:p>
                       <a:pPr algn="ctr"/>
                       <a:r>
-                        <a:rPr lang="en-US" altLang="zh-CN" sz="2800" dirty="0" smtClean="0">
+                        <a:rPr lang="en-US" altLang="zh-CN" sz="2800" dirty="0">
                           <a:solidFill>
                             <a:schemeClr val="tx1"/>
                           </a:solidFill>
@@ -5831,7 +5839,7 @@
                         <a:defRPr/>
                       </a:pPr>
                       <a:r>
-                        <a:rPr lang="en-US" altLang="zh-CN" sz="2800" dirty="0" smtClean="0">
+                        <a:rPr lang="en-US" altLang="zh-CN" sz="2800" dirty="0">
                           <a:solidFill>
                             <a:schemeClr val="tx1"/>
                           </a:solidFill>
@@ -5841,7 +5849,7 @@
                         </a:rPr>
                         <a:t>Aggregate Min-granularity</a:t>
                       </a:r>
-                      <a:endParaRPr lang="zh-CN" altLang="en-US" sz="2800" dirty="0" smtClean="0">
+                      <a:endParaRPr lang="zh-CN" altLang="en-US" sz="2800" dirty="0">
                         <a:solidFill>
                           <a:schemeClr val="tx1"/>
                         </a:solidFill>
@@ -5891,6 +5899,11 @@
                     <a:noFill/>
                   </a:tcPr>
                 </a:tc>
+                <a:extLst>
+                  <a:ext uri="{0D108BD9-81ED-4DB2-BD59-A6C34878D82A}">
+                    <a16:rowId xmlns:a16="http://schemas.microsoft.com/office/drawing/2014/main" val="10002"/>
+                  </a:ext>
+                </a:extLst>
               </a:tr>
             </a:tbl>
           </a:graphicData>
@@ -5901,7 +5914,7 @@
           <p:cNvPr id="4" name="标题 1">
             <a:extLst>
               <a:ext uri="{FF2B5EF4-FFF2-40B4-BE49-F238E27FC236}">
-                <a16:creationId xmlns:a16="http://schemas.microsoft.com/office/drawing/2014/main" xmlns="" id="{F0405D1C-A876-8341-918E-A5D66A83827F}"/>
+                <a16:creationId xmlns:a16="http://schemas.microsoft.com/office/drawing/2014/main" id="{F0405D1C-A876-8341-918E-A5D66A83827F}"/>
               </a:ext>
             </a:extLst>
           </p:cNvPr>
@@ -5945,14 +5958,14 @@
           <a:p>
             <a:pPr algn="ctr"/>
             <a:r>
-              <a:rPr kumimoji="1" lang="en-US" altLang="zh-CN" sz="3600" smtClean="0">
+              <a:rPr kumimoji="1" lang="en-US" altLang="zh-CN" sz="3600">
                 <a:latin typeface="Times New Roman" panose="02020603050405020304" pitchFamily="18" charset="0"/>
                 <a:cs typeface="Times New Roman" panose="02020603050405020304" pitchFamily="18" charset="0"/>
               </a:rPr>
               <a:t>Count/CM </a:t>
             </a:r>
             <a:r>
-              <a:rPr kumimoji="1" lang="en-US" altLang="zh-CN" sz="3600" dirty="0" smtClean="0">
+              <a:rPr kumimoji="1" lang="en-US" altLang="zh-CN" sz="3600" dirty="0">
                 <a:latin typeface="Times New Roman" panose="02020603050405020304" pitchFamily="18" charset="0"/>
                 <a:cs typeface="Times New Roman" panose="02020603050405020304" pitchFamily="18" charset="0"/>
               </a:rPr>
@@ -5970,7 +5983,7 @@
           <p:cNvPr id="5" name="标题 1">
             <a:extLst>
               <a:ext uri="{FF2B5EF4-FFF2-40B4-BE49-F238E27FC236}">
-                <a16:creationId xmlns:a16="http://schemas.microsoft.com/office/drawing/2014/main" xmlns="" id="{F0405D1C-A876-8341-918E-A5D66A83827F}"/>
+                <a16:creationId xmlns:a16="http://schemas.microsoft.com/office/drawing/2014/main" id="{F0405D1C-A876-8341-918E-A5D66A83827F}"/>
               </a:ext>
             </a:extLst>
           </p:cNvPr>
@@ -6014,14 +6027,14 @@
           <a:p>
             <a:pPr algn="ctr"/>
             <a:r>
-              <a:rPr kumimoji="1" lang="en-US" altLang="zh-CN" sz="3600" smtClean="0">
+              <a:rPr kumimoji="1" lang="en-US" altLang="zh-CN" sz="3600">
                 <a:latin typeface="Times New Roman" panose="02020603050405020304" pitchFamily="18" charset="0"/>
                 <a:cs typeface="Times New Roman" panose="02020603050405020304" pitchFamily="18" charset="0"/>
               </a:rPr>
               <a:t>Aggregation-Friendly </a:t>
             </a:r>
             <a:r>
-              <a:rPr kumimoji="1" lang="en-US" altLang="zh-CN" sz="3600" dirty="0" smtClean="0">
+              <a:rPr kumimoji="1" lang="en-US" altLang="zh-CN" sz="3600" dirty="0">
                 <a:latin typeface="Times New Roman" panose="02020603050405020304" pitchFamily="18" charset="0"/>
                 <a:cs typeface="Times New Roman" panose="02020603050405020304" pitchFamily="18" charset="0"/>
               </a:rPr>
@@ -6090,13 +6103,6 @@
   <p:clrMapOvr>
     <a:masterClrMapping/>
   </p:clrMapOvr>
-  <p:timing>
-    <p:tnLst>
-      <p:par>
-        <p:cTn id="1" dur="indefinite" restart="never" nodeType="tmRoot"/>
-      </p:par>
-    </p:tnLst>
-  </p:timing>
 </p:sld>
 </file>
 
@@ -6122,7 +6128,7 @@
           <p:cNvPr id="2" name="标题 1">
             <a:extLst>
               <a:ext uri="{FF2B5EF4-FFF2-40B4-BE49-F238E27FC236}">
-                <a16:creationId xmlns:a16="http://schemas.microsoft.com/office/drawing/2014/main" xmlns="" id="{F0405D1C-A876-8341-918E-A5D66A83827F}"/>
+                <a16:creationId xmlns:a16="http://schemas.microsoft.com/office/drawing/2014/main" id="{F0405D1C-A876-8341-918E-A5D66A83827F}"/>
               </a:ext>
             </a:extLst>
           </p:cNvPr>
@@ -6157,7 +6163,7 @@
           <p:cNvPr id="3" name="内容占位符 2">
             <a:extLst>
               <a:ext uri="{FF2B5EF4-FFF2-40B4-BE49-F238E27FC236}">
-                <a16:creationId xmlns:a16="http://schemas.microsoft.com/office/drawing/2014/main" xmlns="" id="{18357220-3404-9543-B18A-654DBC2080C6}"/>
+                <a16:creationId xmlns:a16="http://schemas.microsoft.com/office/drawing/2014/main" id="{18357220-3404-9543-B18A-654DBC2080C6}"/>
               </a:ext>
             </a:extLst>
           </p:cNvPr>
@@ -6218,13 +6224,6 @@
   <p:clrMapOvr>
     <a:masterClrMapping/>
   </p:clrMapOvr>
-  <p:timing>
-    <p:tnLst>
-      <p:par>
-        <p:cTn id="1" dur="indefinite" restart="never" nodeType="tmRoot"/>
-      </p:par>
-    </p:tnLst>
-  </p:timing>
 </p:sld>
 </file>
 
@@ -6250,7 +6249,7 @@
           <p:cNvPr id="2" name="标题 1">
             <a:extLst>
               <a:ext uri="{FF2B5EF4-FFF2-40B4-BE49-F238E27FC236}">
-                <a16:creationId xmlns:a16="http://schemas.microsoft.com/office/drawing/2014/main" xmlns="" id="{F0405D1C-A876-8341-918E-A5D66A83827F}"/>
+                <a16:creationId xmlns:a16="http://schemas.microsoft.com/office/drawing/2014/main" id="{F0405D1C-A876-8341-918E-A5D66A83827F}"/>
               </a:ext>
             </a:extLst>
           </p:cNvPr>
@@ -6285,7 +6284,7 @@
           <p:cNvPr id="3" name="内容占位符 2">
             <a:extLst>
               <a:ext uri="{FF2B5EF4-FFF2-40B4-BE49-F238E27FC236}">
-                <a16:creationId xmlns:a16="http://schemas.microsoft.com/office/drawing/2014/main" xmlns="" id="{18357220-3404-9543-B18A-654DBC2080C6}"/>
+                <a16:creationId xmlns:a16="http://schemas.microsoft.com/office/drawing/2014/main" id="{18357220-3404-9543-B18A-654DBC2080C6}"/>
               </a:ext>
             </a:extLst>
           </p:cNvPr>
@@ -6307,21 +6306,8 @@
                 <a:ea typeface="Times New Roman" charset="0"/>
                 <a:cs typeface="Times New Roman" charset="0"/>
               </a:rPr>
-              <a:t>If we have known the exact size of all traffic, we can directly calculate the optimal choice to achieve variance sum </a:t>
+              <a:t>If we have known the exact size of all traffic, we can directly calculate the optimal choice to achieve variance sum minimization</a:t>
             </a:r>
-            <a:r>
-              <a:rPr kumimoji="1" lang="en-US" altLang="zh-CN" dirty="0" smtClean="0">
-                <a:latin typeface="Times New Roman" charset="0"/>
-                <a:ea typeface="Times New Roman" charset="0"/>
-                <a:cs typeface="Times New Roman" charset="0"/>
-              </a:rPr>
-              <a:t>minimization</a:t>
-            </a:r>
-            <a:endParaRPr kumimoji="1" lang="en-US" altLang="zh-CN" dirty="0">
-              <a:latin typeface="Times New Roman" charset="0"/>
-              <a:ea typeface="Times New Roman" charset="0"/>
-              <a:cs typeface="Times New Roman" charset="0"/>
-            </a:endParaRPr>
           </a:p>
           <a:p>
             <a:endParaRPr kumimoji="1" lang="en-US" altLang="zh-CN" dirty="0">
@@ -6349,13 +6335,6 @@
   <p:clrMapOvr>
     <a:masterClrMapping/>
   </p:clrMapOvr>
-  <p:timing>
-    <p:tnLst>
-      <p:par>
-        <p:cTn id="1" dur="indefinite" restart="never" nodeType="tmRoot"/>
-      </p:par>
-    </p:tnLst>
-  </p:timing>
 </p:sld>
 </file>
 
@@ -6381,7 +6360,7 @@
           <p:cNvPr id="2" name="标题 1">
             <a:extLst>
               <a:ext uri="{FF2B5EF4-FFF2-40B4-BE49-F238E27FC236}">
-                <a16:creationId xmlns:a16="http://schemas.microsoft.com/office/drawing/2014/main" xmlns="" id="{F0405D1C-A876-8341-918E-A5D66A83827F}"/>
+                <a16:creationId xmlns:a16="http://schemas.microsoft.com/office/drawing/2014/main" id="{F0405D1C-A876-8341-918E-A5D66A83827F}"/>
               </a:ext>
             </a:extLst>
           </p:cNvPr>
@@ -6416,7 +6395,7 @@
           <p:cNvPr id="3" name="内容占位符 2">
             <a:extLst>
               <a:ext uri="{FF2B5EF4-FFF2-40B4-BE49-F238E27FC236}">
-                <a16:creationId xmlns:a16="http://schemas.microsoft.com/office/drawing/2014/main" xmlns="" id="{18357220-3404-9543-B18A-654DBC2080C6}"/>
+                <a16:creationId xmlns:a16="http://schemas.microsoft.com/office/drawing/2014/main" id="{18357220-3404-9543-B18A-654DBC2080C6}"/>
               </a:ext>
             </a:extLst>
           </p:cNvPr>
@@ -6502,13 +6481,6 @@
   <p:clrMapOvr>
     <a:masterClrMapping/>
   </p:clrMapOvr>
-  <p:timing>
-    <p:tnLst>
-      <p:par>
-        <p:cTn id="1" dur="indefinite" restart="never" nodeType="tmRoot"/>
-      </p:par>
-    </p:tnLst>
-  </p:timing>
 </p:sld>
 </file>
 
@@ -6534,7 +6506,7 @@
           <p:cNvPr id="2" name="标题 1">
             <a:extLst>
               <a:ext uri="{FF2B5EF4-FFF2-40B4-BE49-F238E27FC236}">
-                <a16:creationId xmlns:a16="http://schemas.microsoft.com/office/drawing/2014/main" xmlns="" id="{F0405D1C-A876-8341-918E-A5D66A83827F}"/>
+                <a16:creationId xmlns:a16="http://schemas.microsoft.com/office/drawing/2014/main" id="{F0405D1C-A876-8341-918E-A5D66A83827F}"/>
               </a:ext>
             </a:extLst>
           </p:cNvPr>
@@ -6569,7 +6541,7 @@
           <p:cNvPr id="3" name="内容占位符 2">
             <a:extLst>
               <a:ext uri="{FF2B5EF4-FFF2-40B4-BE49-F238E27FC236}">
-                <a16:creationId xmlns:a16="http://schemas.microsoft.com/office/drawing/2014/main" xmlns="" id="{18357220-3404-9543-B18A-654DBC2080C6}"/>
+                <a16:creationId xmlns:a16="http://schemas.microsoft.com/office/drawing/2014/main" id="{18357220-3404-9543-B18A-654DBC2080C6}"/>
               </a:ext>
             </a:extLst>
           </p:cNvPr>
@@ -6586,7 +6558,7 @@
           <a:lstStyle/>
           <a:p>
             <a:r>
-              <a:rPr kumimoji="1" lang="en-US" altLang="zh-CN" dirty="0" smtClean="0">
+              <a:rPr kumimoji="1" lang="en-US" altLang="zh-CN" dirty="0">
                 <a:latin typeface="Times New Roman" charset="0"/>
                 <a:ea typeface="Times New Roman" charset="0"/>
                 <a:cs typeface="Times New Roman" charset="0"/>
@@ -6596,20 +6568,12 @@
           </a:p>
           <a:p>
             <a:r>
-              <a:rPr kumimoji="1" lang="en-US" altLang="zh-CN" dirty="0" smtClean="0">
-                <a:latin typeface="Times New Roman" charset="0"/>
-                <a:ea typeface="Times New Roman" charset="0"/>
-                <a:cs typeface="Times New Roman" charset="0"/>
-              </a:rPr>
-              <a:t>Minimize </a:t>
-            </a:r>
-            <a:r>
               <a:rPr kumimoji="1" lang="en-US" altLang="zh-CN" dirty="0">
                 <a:latin typeface="Times New Roman" charset="0"/>
                 <a:ea typeface="Times New Roman" charset="0"/>
                 <a:cs typeface="Times New Roman" charset="0"/>
               </a:rPr>
-              <a:t>variance sum locally</a:t>
+              <a:t>Minimize variance sum locally</a:t>
             </a:r>
           </a:p>
         </p:txBody>
@@ -6624,13 +6588,6 @@
   <p:clrMapOvr>
     <a:masterClrMapping/>
   </p:clrMapOvr>
-  <p:timing>
-    <p:tnLst>
-      <p:par>
-        <p:cTn id="1" dur="indefinite" restart="never" nodeType="tmRoot"/>
-      </p:par>
-    </p:tnLst>
-  </p:timing>
 </p:sld>
 </file>
 
@@ -6656,7 +6613,7 @@
           <p:cNvPr id="2" name="标题 1">
             <a:extLst>
               <a:ext uri="{FF2B5EF4-FFF2-40B4-BE49-F238E27FC236}">
-                <a16:creationId xmlns:a16="http://schemas.microsoft.com/office/drawing/2014/main" xmlns="" id="{5623247C-369A-F04E-AEFA-A7F98653C3A5}"/>
+                <a16:creationId xmlns:a16="http://schemas.microsoft.com/office/drawing/2014/main" id="{5623247C-369A-F04E-AEFA-A7F98653C3A5}"/>
               </a:ext>
             </a:extLst>
           </p:cNvPr>
@@ -6700,13 +6657,6 @@
   <p:clrMapOvr>
     <a:masterClrMapping/>
   </p:clrMapOvr>
-  <p:timing>
-    <p:tnLst>
-      <p:par>
-        <p:cTn id="1" dur="indefinite" restart="never" nodeType="tmRoot"/>
-      </p:par>
-    </p:tnLst>
-  </p:timing>
 </p:sld>
 </file>
 
@@ -6740,10 +6690,10 @@
           <p:cNvPr id="12" name="Rectangle 11">
             <a:extLst>
               <a:ext uri="{FF2B5EF4-FFF2-40B4-BE49-F238E27FC236}">
-                <a16:creationId xmlns:a16="http://schemas.microsoft.com/office/drawing/2014/main" xmlns="" id="{99ED5833-B85B-4103-8A3B-CAB0308E6C15}"/>
+                <a16:creationId xmlns:a16="http://schemas.microsoft.com/office/drawing/2014/main" id="{99ED5833-B85B-4103-8A3B-CAB0308E6C15}"/>
               </a:ext>
               <a:ext uri="{C183D7F6-B498-43B3-948B-1728B52AA6E4}">
-                <adec:decorative xmlns:adec="http://schemas.microsoft.com/office/drawing/2017/decorative" xmlns="" val="1"/>
+                <adec:decorative xmlns:adec="http://schemas.microsoft.com/office/drawing/2017/decorative" val="1"/>
               </a:ext>
             </a:extLst>
           </p:cNvPr>
@@ -6800,7 +6750,7 @@
           <p:cNvPr id="2" name="标题 1">
             <a:extLst>
               <a:ext uri="{FF2B5EF4-FFF2-40B4-BE49-F238E27FC236}">
-                <a16:creationId xmlns:a16="http://schemas.microsoft.com/office/drawing/2014/main" xmlns="" id="{5623247C-369A-F04E-AEFA-A7F98653C3A5}"/>
+                <a16:creationId xmlns:a16="http://schemas.microsoft.com/office/drawing/2014/main" id="{5623247C-369A-F04E-AEFA-A7F98653C3A5}"/>
               </a:ext>
             </a:extLst>
           </p:cNvPr>
@@ -6839,7 +6789,7 @@
           <p:cNvPr id="7" name="图片 6" descr="图示&#10;&#10;描述已自动生成">
             <a:extLst>
               <a:ext uri="{FF2B5EF4-FFF2-40B4-BE49-F238E27FC236}">
-                <a16:creationId xmlns:a16="http://schemas.microsoft.com/office/drawing/2014/main" xmlns="" id="{0CF54521-CC0B-DF49-8831-759E7130C1FC}"/>
+                <a16:creationId xmlns:a16="http://schemas.microsoft.com/office/drawing/2014/main" id="{0CF54521-CC0B-DF49-8831-759E7130C1FC}"/>
               </a:ext>
             </a:extLst>
           </p:cNvPr>
@@ -6869,7 +6819,7 @@
           <p:cNvPr id="5" name="图片 4" descr="图示&#10;&#10;描述已自动生成">
             <a:extLst>
               <a:ext uri="{FF2B5EF4-FFF2-40B4-BE49-F238E27FC236}">
-                <a16:creationId xmlns:a16="http://schemas.microsoft.com/office/drawing/2014/main" xmlns="" id="{3E5AE733-5896-9743-8A7E-09451E85D813}"/>
+                <a16:creationId xmlns:a16="http://schemas.microsoft.com/office/drawing/2014/main" id="{3E5AE733-5896-9743-8A7E-09451E85D813}"/>
               </a:ext>
             </a:extLst>
           </p:cNvPr>
@@ -6904,13 +6854,6 @@
   <p:clrMapOvr>
     <a:masterClrMapping/>
   </p:clrMapOvr>
-  <p:timing>
-    <p:tnLst>
-      <p:par>
-        <p:cTn id="1" dur="indefinite" restart="never" nodeType="tmRoot"/>
-      </p:par>
-    </p:tnLst>
-  </p:timing>
 </p:sld>
 </file>
 
@@ -7778,13 +7721,6 @@
   <p:clrMapOvr>
     <a:masterClrMapping/>
   </p:clrMapOvr>
-  <p:timing>
-    <p:tnLst>
-      <p:par>
-        <p:cTn id="1" dur="indefinite" restart="never" nodeType="tmRoot"/>
-      </p:par>
-    </p:tnLst>
-  </p:timing>
 </p:sld>
 </file>
 
@@ -7810,7 +7746,7 @@
           <p:cNvPr id="2" name="标题 1">
             <a:extLst>
               <a:ext uri="{FF2B5EF4-FFF2-40B4-BE49-F238E27FC236}">
-                <a16:creationId xmlns:a16="http://schemas.microsoft.com/office/drawing/2014/main" xmlns="" id="{F0405D1C-A876-8341-918E-A5D66A83827F}"/>
+                <a16:creationId xmlns:a16="http://schemas.microsoft.com/office/drawing/2014/main" id="{F0405D1C-A876-8341-918E-A5D66A83827F}"/>
               </a:ext>
             </a:extLst>
           </p:cNvPr>
@@ -7845,7 +7781,7 @@
           <p:cNvPr id="5" name="表格 4">
             <a:extLst>
               <a:ext uri="{FF2B5EF4-FFF2-40B4-BE49-F238E27FC236}">
-                <a16:creationId xmlns:a16="http://schemas.microsoft.com/office/drawing/2014/main" xmlns="" id="{BBD8331B-80DE-5E4F-9E00-43915192637C}"/>
+                <a16:creationId xmlns:a16="http://schemas.microsoft.com/office/drawing/2014/main" id="{BBD8331B-80DE-5E4F-9E00-43915192637C}"/>
               </a:ext>
             </a:extLst>
           </p:cNvPr>
@@ -7874,56 +7810,56 @@
                 <a:gridCol w="1016000">
                   <a:extLst>
                     <a:ext uri="{9D8B030D-6E8A-4147-A177-3AD203B41FA5}">
-                      <a16:colId xmlns:a16="http://schemas.microsoft.com/office/drawing/2014/main" xmlns="" val="2919921209"/>
+                      <a16:colId xmlns:a16="http://schemas.microsoft.com/office/drawing/2014/main" val="2919921209"/>
                     </a:ext>
                   </a:extLst>
                 </a:gridCol>
                 <a:gridCol w="1016000">
                   <a:extLst>
                     <a:ext uri="{9D8B030D-6E8A-4147-A177-3AD203B41FA5}">
-                      <a16:colId xmlns:a16="http://schemas.microsoft.com/office/drawing/2014/main" xmlns="" val="1274578498"/>
+                      <a16:colId xmlns:a16="http://schemas.microsoft.com/office/drawing/2014/main" val="1274578498"/>
                     </a:ext>
                   </a:extLst>
                 </a:gridCol>
                 <a:gridCol w="1016000">
                   <a:extLst>
                     <a:ext uri="{9D8B030D-6E8A-4147-A177-3AD203B41FA5}">
-                      <a16:colId xmlns:a16="http://schemas.microsoft.com/office/drawing/2014/main" xmlns="" val="2473859656"/>
+                      <a16:colId xmlns:a16="http://schemas.microsoft.com/office/drawing/2014/main" val="2473859656"/>
                     </a:ext>
                   </a:extLst>
                 </a:gridCol>
                 <a:gridCol w="1016000">
                   <a:extLst>
                     <a:ext uri="{9D8B030D-6E8A-4147-A177-3AD203B41FA5}">
-                      <a16:colId xmlns:a16="http://schemas.microsoft.com/office/drawing/2014/main" xmlns="" val="4017853280"/>
+                      <a16:colId xmlns:a16="http://schemas.microsoft.com/office/drawing/2014/main" val="4017853280"/>
                     </a:ext>
                   </a:extLst>
                 </a:gridCol>
                 <a:gridCol w="1016000">
                   <a:extLst>
                     <a:ext uri="{9D8B030D-6E8A-4147-A177-3AD203B41FA5}">
-                      <a16:colId xmlns:a16="http://schemas.microsoft.com/office/drawing/2014/main" xmlns="" val="4046979531"/>
+                      <a16:colId xmlns:a16="http://schemas.microsoft.com/office/drawing/2014/main" val="4046979531"/>
                     </a:ext>
                   </a:extLst>
                 </a:gridCol>
                 <a:gridCol w="1016000">
                   <a:extLst>
                     <a:ext uri="{9D8B030D-6E8A-4147-A177-3AD203B41FA5}">
-                      <a16:colId xmlns:a16="http://schemas.microsoft.com/office/drawing/2014/main" xmlns="" val="1236215947"/>
+                      <a16:colId xmlns:a16="http://schemas.microsoft.com/office/drawing/2014/main" val="1236215947"/>
                     </a:ext>
                   </a:extLst>
                 </a:gridCol>
                 <a:gridCol w="1016000">
                   <a:extLst>
                     <a:ext uri="{9D8B030D-6E8A-4147-A177-3AD203B41FA5}">
-                      <a16:colId xmlns:a16="http://schemas.microsoft.com/office/drawing/2014/main" xmlns="" val="3358476489"/>
+                      <a16:colId xmlns:a16="http://schemas.microsoft.com/office/drawing/2014/main" val="3358476489"/>
                     </a:ext>
                   </a:extLst>
                 </a:gridCol>
                 <a:gridCol w="1016000">
                   <a:extLst>
                     <a:ext uri="{9D8B030D-6E8A-4147-A177-3AD203B41FA5}">
-                      <a16:colId xmlns:a16="http://schemas.microsoft.com/office/drawing/2014/main" xmlns="" val="1544053477"/>
+                      <a16:colId xmlns:a16="http://schemas.microsoft.com/office/drawing/2014/main" val="1544053477"/>
                     </a:ext>
                   </a:extLst>
                 </a:gridCol>
@@ -8315,7 +8251,7 @@
                 </a:tc>
                 <a:extLst>
                   <a:ext uri="{0D108BD9-81ED-4DB2-BD59-A6C34878D82A}">
-                    <a16:rowId xmlns:a16="http://schemas.microsoft.com/office/drawing/2014/main" xmlns="" val="2866617908"/>
+                    <a16:rowId xmlns:a16="http://schemas.microsoft.com/office/drawing/2014/main" val="2866617908"/>
                   </a:ext>
                 </a:extLst>
               </a:tr>
@@ -8328,7 +8264,7 @@
           <p:cNvPr id="6" name="表格 5">
             <a:extLst>
               <a:ext uri="{FF2B5EF4-FFF2-40B4-BE49-F238E27FC236}">
-                <a16:creationId xmlns:a16="http://schemas.microsoft.com/office/drawing/2014/main" xmlns="" id="{5B4F8785-5EE0-884C-A840-D9ED4AA8430C}"/>
+                <a16:creationId xmlns:a16="http://schemas.microsoft.com/office/drawing/2014/main" id="{5B4F8785-5EE0-884C-A840-D9ED4AA8430C}"/>
               </a:ext>
             </a:extLst>
           </p:cNvPr>
@@ -8357,56 +8293,56 @@
                 <a:gridCol w="1016000">
                   <a:extLst>
                     <a:ext uri="{9D8B030D-6E8A-4147-A177-3AD203B41FA5}">
-                      <a16:colId xmlns:a16="http://schemas.microsoft.com/office/drawing/2014/main" xmlns="" val="2919921209"/>
+                      <a16:colId xmlns:a16="http://schemas.microsoft.com/office/drawing/2014/main" val="2919921209"/>
                     </a:ext>
                   </a:extLst>
                 </a:gridCol>
                 <a:gridCol w="1016000">
                   <a:extLst>
                     <a:ext uri="{9D8B030D-6E8A-4147-A177-3AD203B41FA5}">
-                      <a16:colId xmlns:a16="http://schemas.microsoft.com/office/drawing/2014/main" xmlns="" val="1274578498"/>
+                      <a16:colId xmlns:a16="http://schemas.microsoft.com/office/drawing/2014/main" val="1274578498"/>
                     </a:ext>
                   </a:extLst>
                 </a:gridCol>
                 <a:gridCol w="1016000">
                   <a:extLst>
                     <a:ext uri="{9D8B030D-6E8A-4147-A177-3AD203B41FA5}">
-                      <a16:colId xmlns:a16="http://schemas.microsoft.com/office/drawing/2014/main" xmlns="" val="2473859656"/>
+                      <a16:colId xmlns:a16="http://schemas.microsoft.com/office/drawing/2014/main" val="2473859656"/>
                     </a:ext>
                   </a:extLst>
                 </a:gridCol>
                 <a:gridCol w="1016000">
                   <a:extLst>
                     <a:ext uri="{9D8B030D-6E8A-4147-A177-3AD203B41FA5}">
-                      <a16:colId xmlns:a16="http://schemas.microsoft.com/office/drawing/2014/main" xmlns="" val="4017853280"/>
+                      <a16:colId xmlns:a16="http://schemas.microsoft.com/office/drawing/2014/main" val="4017853280"/>
                     </a:ext>
                   </a:extLst>
                 </a:gridCol>
                 <a:gridCol w="1016000">
                   <a:extLst>
                     <a:ext uri="{9D8B030D-6E8A-4147-A177-3AD203B41FA5}">
-                      <a16:colId xmlns:a16="http://schemas.microsoft.com/office/drawing/2014/main" xmlns="" val="4046979531"/>
+                      <a16:colId xmlns:a16="http://schemas.microsoft.com/office/drawing/2014/main" val="4046979531"/>
                     </a:ext>
                   </a:extLst>
                 </a:gridCol>
                 <a:gridCol w="1016000">
                   <a:extLst>
                     <a:ext uri="{9D8B030D-6E8A-4147-A177-3AD203B41FA5}">
-                      <a16:colId xmlns:a16="http://schemas.microsoft.com/office/drawing/2014/main" xmlns="" val="1236215947"/>
+                      <a16:colId xmlns:a16="http://schemas.microsoft.com/office/drawing/2014/main" val="1236215947"/>
                     </a:ext>
                   </a:extLst>
                 </a:gridCol>
                 <a:gridCol w="1016000">
                   <a:extLst>
                     <a:ext uri="{9D8B030D-6E8A-4147-A177-3AD203B41FA5}">
-                      <a16:colId xmlns:a16="http://schemas.microsoft.com/office/drawing/2014/main" xmlns="" val="3358476489"/>
+                      <a16:colId xmlns:a16="http://schemas.microsoft.com/office/drawing/2014/main" val="3358476489"/>
                     </a:ext>
                   </a:extLst>
                 </a:gridCol>
                 <a:gridCol w="1016000">
                   <a:extLst>
                     <a:ext uri="{9D8B030D-6E8A-4147-A177-3AD203B41FA5}">
-                      <a16:colId xmlns:a16="http://schemas.microsoft.com/office/drawing/2014/main" xmlns="" val="1544053477"/>
+                      <a16:colId xmlns:a16="http://schemas.microsoft.com/office/drawing/2014/main" val="1544053477"/>
                     </a:ext>
                   </a:extLst>
                 </a:gridCol>
@@ -8798,7 +8734,7 @@
                 </a:tc>
                 <a:extLst>
                   <a:ext uri="{0D108BD9-81ED-4DB2-BD59-A6C34878D82A}">
-                    <a16:rowId xmlns:a16="http://schemas.microsoft.com/office/drawing/2014/main" xmlns="" val="2866617908"/>
+                    <a16:rowId xmlns:a16="http://schemas.microsoft.com/office/drawing/2014/main" val="2866617908"/>
                   </a:ext>
                 </a:extLst>
               </a:tr>
@@ -8811,7 +8747,7 @@
           <p:cNvPr id="7" name="表格 6">
             <a:extLst>
               <a:ext uri="{FF2B5EF4-FFF2-40B4-BE49-F238E27FC236}">
-                <a16:creationId xmlns:a16="http://schemas.microsoft.com/office/drawing/2014/main" xmlns="" id="{155A077A-D314-104E-9636-10BCB5AFF1D1}"/>
+                <a16:creationId xmlns:a16="http://schemas.microsoft.com/office/drawing/2014/main" id="{155A077A-D314-104E-9636-10BCB5AFF1D1}"/>
               </a:ext>
             </a:extLst>
           </p:cNvPr>
@@ -8840,56 +8776,56 @@
                 <a:gridCol w="1016000">
                   <a:extLst>
                     <a:ext uri="{9D8B030D-6E8A-4147-A177-3AD203B41FA5}">
-                      <a16:colId xmlns:a16="http://schemas.microsoft.com/office/drawing/2014/main" xmlns="" val="2919921209"/>
+                      <a16:colId xmlns:a16="http://schemas.microsoft.com/office/drawing/2014/main" val="2919921209"/>
                     </a:ext>
                   </a:extLst>
                 </a:gridCol>
                 <a:gridCol w="1016000">
                   <a:extLst>
                     <a:ext uri="{9D8B030D-6E8A-4147-A177-3AD203B41FA5}">
-                      <a16:colId xmlns:a16="http://schemas.microsoft.com/office/drawing/2014/main" xmlns="" val="1274578498"/>
+                      <a16:colId xmlns:a16="http://schemas.microsoft.com/office/drawing/2014/main" val="1274578498"/>
                     </a:ext>
                   </a:extLst>
                 </a:gridCol>
                 <a:gridCol w="1016000">
                   <a:extLst>
                     <a:ext uri="{9D8B030D-6E8A-4147-A177-3AD203B41FA5}">
-                      <a16:colId xmlns:a16="http://schemas.microsoft.com/office/drawing/2014/main" xmlns="" val="2473859656"/>
+                      <a16:colId xmlns:a16="http://schemas.microsoft.com/office/drawing/2014/main" val="2473859656"/>
                     </a:ext>
                   </a:extLst>
                 </a:gridCol>
                 <a:gridCol w="1016000">
                   <a:extLst>
                     <a:ext uri="{9D8B030D-6E8A-4147-A177-3AD203B41FA5}">
-                      <a16:colId xmlns:a16="http://schemas.microsoft.com/office/drawing/2014/main" xmlns="" val="4017853280"/>
+                      <a16:colId xmlns:a16="http://schemas.microsoft.com/office/drawing/2014/main" val="4017853280"/>
                     </a:ext>
                   </a:extLst>
                 </a:gridCol>
                 <a:gridCol w="1016000">
                   <a:extLst>
                     <a:ext uri="{9D8B030D-6E8A-4147-A177-3AD203B41FA5}">
-                      <a16:colId xmlns:a16="http://schemas.microsoft.com/office/drawing/2014/main" xmlns="" val="4046979531"/>
+                      <a16:colId xmlns:a16="http://schemas.microsoft.com/office/drawing/2014/main" val="4046979531"/>
                     </a:ext>
                   </a:extLst>
                 </a:gridCol>
                 <a:gridCol w="1016000">
                   <a:extLst>
                     <a:ext uri="{9D8B030D-6E8A-4147-A177-3AD203B41FA5}">
-                      <a16:colId xmlns:a16="http://schemas.microsoft.com/office/drawing/2014/main" xmlns="" val="1236215947"/>
+                      <a16:colId xmlns:a16="http://schemas.microsoft.com/office/drawing/2014/main" val="1236215947"/>
                     </a:ext>
                   </a:extLst>
                 </a:gridCol>
                 <a:gridCol w="1016000">
                   <a:extLst>
                     <a:ext uri="{9D8B030D-6E8A-4147-A177-3AD203B41FA5}">
-                      <a16:colId xmlns:a16="http://schemas.microsoft.com/office/drawing/2014/main" xmlns="" val="3358476489"/>
+                      <a16:colId xmlns:a16="http://schemas.microsoft.com/office/drawing/2014/main" val="3358476489"/>
                     </a:ext>
                   </a:extLst>
                 </a:gridCol>
                 <a:gridCol w="1016000">
                   <a:extLst>
                     <a:ext uri="{9D8B030D-6E8A-4147-A177-3AD203B41FA5}">
-                      <a16:colId xmlns:a16="http://schemas.microsoft.com/office/drawing/2014/main" xmlns="" val="1544053477"/>
+                      <a16:colId xmlns:a16="http://schemas.microsoft.com/office/drawing/2014/main" val="1544053477"/>
                     </a:ext>
                   </a:extLst>
                 </a:gridCol>
@@ -9281,7 +9217,7 @@
                 </a:tc>
                 <a:extLst>
                   <a:ext uri="{0D108BD9-81ED-4DB2-BD59-A6C34878D82A}">
-                    <a16:rowId xmlns:a16="http://schemas.microsoft.com/office/drawing/2014/main" xmlns="" val="2866617908"/>
+                    <a16:rowId xmlns:a16="http://schemas.microsoft.com/office/drawing/2014/main" val="2866617908"/>
                   </a:ext>
                 </a:extLst>
               </a:tr>
@@ -9296,7 +9232,7 @@
               <p:cNvPr id="10" name="文本框 9">
                 <a:extLst>
                   <a:ext uri="{FF2B5EF4-FFF2-40B4-BE49-F238E27FC236}">
-                    <a16:creationId xmlns:a16="http://schemas.microsoft.com/office/drawing/2014/main" xmlns="" id="{296B7145-B712-2440-A166-8D5BDDA90570}"/>
+                    <a16:creationId xmlns:a16="http://schemas.microsoft.com/office/drawing/2014/main" id="{296B7145-B712-2440-A166-8D5BDDA90570}"/>
                   </a:ext>
                 </a:extLst>
               </p:cNvPr>
@@ -9330,7 +9266,7 @@
                         <m:sSubPr>
                           <m:ctrlPr>
                             <a:rPr kumimoji="1" lang="en-US" altLang="zh-CN" sz="2800" b="1" i="1" smtClean="0">
-                              <a:latin typeface="Cambria Math" charset="0"/>
+                              <a:latin typeface="Cambria Math" panose="02040503050406030204" pitchFamily="18" charset="0"/>
                             </a:rPr>
                           </m:ctrlPr>
                         </m:sSubPr>
@@ -9367,7 +9303,7 @@
                         <m:sSubPr>
                           <m:ctrlPr>
                             <a:rPr kumimoji="1" lang="en-US" altLang="zh-CN" sz="2800" b="1" i="1" smtClean="0">
-                              <a:latin typeface="Cambria Math" charset="0"/>
+                              <a:latin typeface="Cambria Math" panose="02040503050406030204" pitchFamily="18" charset="0"/>
                             </a:rPr>
                           </m:ctrlPr>
                         </m:sSubPr>
@@ -9452,7 +9388,7 @@
           <p:cNvPr id="11" name="直线箭头连接符 10">
             <a:extLst>
               <a:ext uri="{FF2B5EF4-FFF2-40B4-BE49-F238E27FC236}">
-                <a16:creationId xmlns:a16="http://schemas.microsoft.com/office/drawing/2014/main" xmlns="" id="{E1DDCB3A-93A3-F947-8936-2FD7D8DCC488}"/>
+                <a16:creationId xmlns:a16="http://schemas.microsoft.com/office/drawing/2014/main" id="{E1DDCB3A-93A3-F947-8936-2FD7D8DCC488}"/>
               </a:ext>
             </a:extLst>
           </p:cNvPr>
@@ -9496,7 +9432,7 @@
           <p:cNvPr id="12" name="直线箭头连接符 11">
             <a:extLst>
               <a:ext uri="{FF2B5EF4-FFF2-40B4-BE49-F238E27FC236}">
-                <a16:creationId xmlns:a16="http://schemas.microsoft.com/office/drawing/2014/main" xmlns="" id="{AB28E39D-46A0-5B49-82B6-E57B9F0DD9FB}"/>
+                <a16:creationId xmlns:a16="http://schemas.microsoft.com/office/drawing/2014/main" id="{AB28E39D-46A0-5B49-82B6-E57B9F0DD9FB}"/>
               </a:ext>
             </a:extLst>
           </p:cNvPr>
@@ -9541,7 +9477,7 @@
           <p:cNvPr id="13" name="直线箭头连接符 12">
             <a:extLst>
               <a:ext uri="{FF2B5EF4-FFF2-40B4-BE49-F238E27FC236}">
-                <a16:creationId xmlns:a16="http://schemas.microsoft.com/office/drawing/2014/main" xmlns="" id="{48149428-2E7B-484E-BD02-0820295C5E2F}"/>
+                <a16:creationId xmlns:a16="http://schemas.microsoft.com/office/drawing/2014/main" id="{48149428-2E7B-484E-BD02-0820295C5E2F}"/>
               </a:ext>
             </a:extLst>
           </p:cNvPr>
@@ -9588,7 +9524,7 @@
               <p:cNvPr id="14" name="文本框 13">
                 <a:extLst>
                   <a:ext uri="{FF2B5EF4-FFF2-40B4-BE49-F238E27FC236}">
-                    <a16:creationId xmlns:a16="http://schemas.microsoft.com/office/drawing/2014/main" xmlns="" id="{A8CB5AC8-59AE-C443-86CD-C750A4B240BC}"/>
+                    <a16:creationId xmlns:a16="http://schemas.microsoft.com/office/drawing/2014/main" id="{A8CB5AC8-59AE-C443-86CD-C750A4B240BC}"/>
                   </a:ext>
                 </a:extLst>
               </p:cNvPr>
@@ -9622,7 +9558,7 @@
                         <m:sSubPr>
                           <m:ctrlPr>
                             <a:rPr kumimoji="1" lang="en-US" altLang="zh-CN" sz="2400" b="1" i="1" smtClean="0">
-                              <a:latin typeface="Cambria Math" charset="0"/>
+                              <a:latin typeface="Cambria Math" panose="02040503050406030204" pitchFamily="18" charset="0"/>
                             </a:rPr>
                           </m:ctrlPr>
                         </m:sSubPr>
@@ -9703,7 +9639,7 @@
               <p:cNvPr id="15" name="文本框 14">
                 <a:extLst>
                   <a:ext uri="{FF2B5EF4-FFF2-40B4-BE49-F238E27FC236}">
-                    <a16:creationId xmlns:a16="http://schemas.microsoft.com/office/drawing/2014/main" xmlns="" id="{BD55B4B9-A03A-684D-8A7E-A30160DD9D94}"/>
+                    <a16:creationId xmlns:a16="http://schemas.microsoft.com/office/drawing/2014/main" id="{BD55B4B9-A03A-684D-8A7E-A30160DD9D94}"/>
                   </a:ext>
                 </a:extLst>
               </p:cNvPr>
@@ -9737,7 +9673,7 @@
                         <m:sSubPr>
                           <m:ctrlPr>
                             <a:rPr kumimoji="1" lang="en-US" altLang="zh-CN" sz="2400" b="1" i="1" smtClean="0">
-                              <a:latin typeface="Cambria Math" charset="0"/>
+                              <a:latin typeface="Cambria Math" panose="02040503050406030204" pitchFamily="18" charset="0"/>
                             </a:rPr>
                           </m:ctrlPr>
                         </m:sSubPr>
@@ -9818,7 +9754,7 @@
               <p:cNvPr id="16" name="文本框 15">
                 <a:extLst>
                   <a:ext uri="{FF2B5EF4-FFF2-40B4-BE49-F238E27FC236}">
-                    <a16:creationId xmlns:a16="http://schemas.microsoft.com/office/drawing/2014/main" xmlns="" id="{8A6A7549-DEB2-C640-8E38-B6182AB03239}"/>
+                    <a16:creationId xmlns:a16="http://schemas.microsoft.com/office/drawing/2014/main" id="{8A6A7549-DEB2-C640-8E38-B6182AB03239}"/>
                   </a:ext>
                 </a:extLst>
               </p:cNvPr>
@@ -9852,7 +9788,7 @@
                         <m:sSubPr>
                           <m:ctrlPr>
                             <a:rPr kumimoji="1" lang="en-US" altLang="zh-CN" sz="2400" b="1" i="1" smtClean="0">
-                              <a:latin typeface="Cambria Math" charset="0"/>
+                              <a:latin typeface="Cambria Math" panose="02040503050406030204" pitchFamily="18" charset="0"/>
                             </a:rPr>
                           </m:ctrlPr>
                         </m:sSubPr>
@@ -9936,13 +9872,6 @@
   <p:clrMapOvr>
     <a:masterClrMapping/>
   </p:clrMapOvr>
-  <p:timing>
-    <p:tnLst>
-      <p:par>
-        <p:cTn id="1" dur="indefinite" restart="never" nodeType="tmRoot"/>
-      </p:par>
-    </p:tnLst>
-  </p:timing>
 </p:sld>
 </file>
 
@@ -10024,7 +9953,7 @@
                         <m:sSubPr>
                           <m:ctrlPr>
                             <a:rPr kumimoji="1" lang="en-US" altLang="zh-CN" sz="2400" b="1" i="1" smtClean="0">
-                              <a:latin typeface="Cambria Math" charset="0"/>
+                              <a:latin typeface="Cambria Math" panose="02040503050406030204" pitchFamily="18" charset="0"/>
                             </a:rPr>
                           </m:ctrlPr>
                         </m:sSubPr>
@@ -10033,7 +9962,7 @@
                             <m:sSubPr>
                               <m:ctrlPr>
                                 <a:rPr kumimoji="1" lang="en-US" altLang="zh-CN" sz="2400" b="1" i="1" smtClean="0">
-                                  <a:latin typeface="Cambria Math" charset="0"/>
+                                  <a:latin typeface="Cambria Math" panose="02040503050406030204" pitchFamily="18" charset="0"/>
                                 </a:rPr>
                               </m:ctrlPr>
                             </m:sSubPr>
@@ -10170,7 +10099,7 @@
                         <m:sSubPr>
                           <m:ctrlPr>
                             <a:rPr kumimoji="1" lang="en-US" altLang="zh-CN" sz="2400" b="1" i="1" smtClean="0">
-                              <a:latin typeface="Cambria Math" charset="0"/>
+                              <a:latin typeface="Cambria Math" panose="02040503050406030204" pitchFamily="18" charset="0"/>
                             </a:rPr>
                           </m:ctrlPr>
                         </m:sSubPr>
@@ -10179,7 +10108,7 @@
                             <m:sSubPr>
                               <m:ctrlPr>
                                 <a:rPr kumimoji="1" lang="en-US" altLang="zh-CN" sz="2400" b="1" i="1" smtClean="0">
-                                  <a:latin typeface="Cambria Math" charset="0"/>
+                                  <a:latin typeface="Cambria Math" panose="02040503050406030204" pitchFamily="18" charset="0"/>
                                 </a:rPr>
                               </m:ctrlPr>
                             </m:sSubPr>
@@ -10322,7 +10251,7 @@
                         <m:dPr>
                           <m:ctrlPr>
                             <a:rPr kumimoji="1" lang="en-US" altLang="zh-CN" sz="3600" i="1" smtClean="0">
-                              <a:latin typeface="Cambria Math" charset="0"/>
+                              <a:latin typeface="Cambria Math" panose="02040503050406030204" pitchFamily="18" charset="0"/>
                             </a:rPr>
                           </m:ctrlPr>
                         </m:dPr>
@@ -10331,7 +10260,7 @@
                             <m:sSupPr>
                               <m:ctrlPr>
                                 <a:rPr kumimoji="1" lang="en-US" altLang="zh-CN" sz="3200" i="1">
-                                  <a:latin typeface="Cambria Math" charset="0"/>
+                                  <a:latin typeface="Cambria Math" panose="02040503050406030204" pitchFamily="18" charset="0"/>
                                 </a:rPr>
                               </m:ctrlPr>
                             </m:sSupPr>
@@ -10368,7 +10297,7 @@
                             <m:sSupPr>
                               <m:ctrlPr>
                                 <a:rPr kumimoji="1" lang="en-US" altLang="zh-CN" sz="3200" i="1">
-                                  <a:latin typeface="Cambria Math" charset="0"/>
+                                  <a:latin typeface="Cambria Math" panose="02040503050406030204" pitchFamily="18" charset="0"/>
                                 </a:rPr>
                               </m:ctrlPr>
                             </m:sSupPr>
@@ -10412,7 +10341,7 @@
                             <m:sSubPr>
                               <m:ctrlPr>
                                 <a:rPr kumimoji="1" lang="en-US" altLang="zh-CN" sz="3200" i="1" dirty="0" smtClean="0">
-                                  <a:latin typeface="Cambria Math" charset="0"/>
+                                  <a:latin typeface="Cambria Math" panose="02040503050406030204" pitchFamily="18" charset="0"/>
                                 </a:rPr>
                               </m:ctrlPr>
                             </m:sSubPr>
@@ -10443,7 +10372,7 @@
                             <m:fPr>
                               <m:ctrlPr>
                                 <a:rPr kumimoji="1" lang="bg-BG" altLang="zh-CN" sz="3200" i="1" dirty="0" smtClean="0">
-                                  <a:latin typeface="Cambria Math" charset="0"/>
+                                  <a:latin typeface="Cambria Math" panose="02040503050406030204" pitchFamily="18" charset="0"/>
                                 </a:rPr>
                               </m:ctrlPr>
                             </m:fPr>
@@ -10452,7 +10381,7 @@
                                 <m:sSubPr>
                                   <m:ctrlPr>
                                     <a:rPr kumimoji="1" lang="en-US" altLang="zh-CN" sz="3200" i="1" dirty="0" smtClean="0">
-                                      <a:latin typeface="Cambria Math" charset="0"/>
+                                      <a:latin typeface="Cambria Math" panose="02040503050406030204" pitchFamily="18" charset="0"/>
                                     </a:rPr>
                                   </m:ctrlPr>
                                 </m:sSubPr>
@@ -10479,7 +10408,7 @@
                                 <m:sSubPr>
                                   <m:ctrlPr>
                                     <a:rPr kumimoji="1" lang="en-US" altLang="zh-CN" sz="3200" i="1" dirty="0" smtClean="0">
-                                      <a:latin typeface="Cambria Math" charset="0"/>
+                                      <a:latin typeface="Cambria Math" panose="02040503050406030204" pitchFamily="18" charset="0"/>
                                     </a:rPr>
                                   </m:ctrlPr>
                                 </m:sSubPr>
@@ -10526,7 +10455,7 @@
                         <m:sSubPr>
                           <m:ctrlPr>
                             <a:rPr kumimoji="1" lang="en-US" altLang="zh-CN" sz="3600" i="1" smtClean="0">
-                              <a:latin typeface="Cambria Math" charset="0"/>
+                              <a:latin typeface="Cambria Math" panose="02040503050406030204" pitchFamily="18" charset="0"/>
                             </a:rPr>
                           </m:ctrlPr>
                         </m:sSubPr>
@@ -10599,7 +10528,7 @@
           <p:cNvPr id="15" name="直线箭头连接符 14">
             <a:extLst>
               <a:ext uri="{FF2B5EF4-FFF2-40B4-BE49-F238E27FC236}">
-                <a16:creationId xmlns:a16="http://schemas.microsoft.com/office/drawing/2014/main" xmlns="" id="{E1DDCB3A-93A3-F947-8936-2FD7D8DCC488}"/>
+                <a16:creationId xmlns:a16="http://schemas.microsoft.com/office/drawing/2014/main" id="{E1DDCB3A-93A3-F947-8936-2FD7D8DCC488}"/>
               </a:ext>
             </a:extLst>
           </p:cNvPr>
@@ -10740,7 +10669,7 @@
                         <m:sSubPr>
                           <m:ctrlPr>
                             <a:rPr kumimoji="1" lang="en-US" altLang="zh-CN" sz="2400" b="1" i="1" smtClean="0">
-                              <a:latin typeface="Cambria Math" charset="0"/>
+                              <a:latin typeface="Cambria Math" panose="02040503050406030204" pitchFamily="18" charset="0"/>
                             </a:rPr>
                           </m:ctrlPr>
                         </m:sSubPr>
@@ -10842,7 +10771,7 @@
                         <m:sSubPr>
                           <m:ctrlPr>
                             <a:rPr kumimoji="1" lang="en-US" altLang="zh-CN" sz="2400" b="1" i="1" smtClean="0">
-                              <a:latin typeface="Cambria Math" charset="0"/>
+                              <a:latin typeface="Cambria Math" panose="02040503050406030204" pitchFamily="18" charset="0"/>
                             </a:rPr>
                           </m:ctrlPr>
                         </m:sSubPr>
@@ -10945,7 +10874,7 @@
                         <m:sSupPr>
                           <m:ctrlPr>
                             <a:rPr kumimoji="1" lang="en-US" altLang="zh-CN" sz="2400" b="1" i="1" smtClean="0">
-                              <a:latin typeface="Cambria Math" charset="0"/>
+                              <a:latin typeface="Cambria Math" panose="02040503050406030204" pitchFamily="18" charset="0"/>
                             </a:rPr>
                           </m:ctrlPr>
                         </m:sSupPr>
@@ -10982,7 +10911,7 @@
                         <m:sSupPr>
                           <m:ctrlPr>
                             <a:rPr kumimoji="1" lang="en-US" altLang="zh-CN" sz="2400" b="1" i="1" smtClean="0">
-                              <a:latin typeface="Cambria Math" charset="0"/>
+                              <a:latin typeface="Cambria Math" panose="02040503050406030204" pitchFamily="18" charset="0"/>
                             </a:rPr>
                           </m:ctrlPr>
                         </m:sSupPr>
@@ -11097,7 +11026,7 @@
                         <m:dPr>
                           <m:ctrlPr>
                             <a:rPr kumimoji="1" lang="en-US" altLang="zh-CN" sz="3600" i="1" smtClean="0">
-                              <a:latin typeface="Cambria Math" charset="0"/>
+                              <a:latin typeface="Cambria Math" panose="02040503050406030204" pitchFamily="18" charset="0"/>
                             </a:rPr>
                           </m:ctrlPr>
                         </m:dPr>
@@ -11106,7 +11035,7 @@
                             <m:sSupPr>
                               <m:ctrlPr>
                                 <a:rPr kumimoji="1" lang="en-US" altLang="zh-CN" sz="3200" i="1">
-                                  <a:latin typeface="Cambria Math" charset="0"/>
+                                  <a:latin typeface="Cambria Math" panose="02040503050406030204" pitchFamily="18" charset="0"/>
                                 </a:rPr>
                               </m:ctrlPr>
                             </m:sSupPr>
@@ -11143,7 +11072,7 @@
                             <m:sSupPr>
                               <m:ctrlPr>
                                 <a:rPr kumimoji="1" lang="en-US" altLang="zh-CN" sz="3200" i="1">
-                                  <a:latin typeface="Cambria Math" charset="0"/>
+                                  <a:latin typeface="Cambria Math" panose="02040503050406030204" pitchFamily="18" charset="0"/>
                                 </a:rPr>
                               </m:ctrlPr>
                             </m:sSupPr>
@@ -11187,7 +11116,7 @@
                             <m:sSubPr>
                               <m:ctrlPr>
                                 <a:rPr kumimoji="1" lang="en-US" altLang="zh-CN" sz="3200" i="1" dirty="0" smtClean="0">
-                                  <a:latin typeface="Cambria Math" charset="0"/>
+                                  <a:latin typeface="Cambria Math" panose="02040503050406030204" pitchFamily="18" charset="0"/>
                                 </a:rPr>
                               </m:ctrlPr>
                             </m:sSubPr>
@@ -11218,7 +11147,7 @@
                             <m:fPr>
                               <m:ctrlPr>
                                 <a:rPr kumimoji="1" lang="bg-BG" altLang="zh-CN" sz="3200" i="1" dirty="0" smtClean="0">
-                                  <a:latin typeface="Cambria Math" charset="0"/>
+                                  <a:latin typeface="Cambria Math" panose="02040503050406030204" pitchFamily="18" charset="0"/>
                                 </a:rPr>
                               </m:ctrlPr>
                             </m:fPr>
@@ -11227,7 +11156,7 @@
                                 <m:sSubPr>
                                   <m:ctrlPr>
                                     <a:rPr kumimoji="1" lang="en-US" altLang="zh-CN" sz="3200" i="1" dirty="0" smtClean="0">
-                                      <a:latin typeface="Cambria Math" charset="0"/>
+                                      <a:latin typeface="Cambria Math" panose="02040503050406030204" pitchFamily="18" charset="0"/>
                                     </a:rPr>
                                   </m:ctrlPr>
                                 </m:sSubPr>
@@ -11254,7 +11183,7 @@
                                 <m:sSubPr>
                                   <m:ctrlPr>
                                     <a:rPr kumimoji="1" lang="en-US" altLang="zh-CN" sz="3200" i="1" dirty="0" smtClean="0">
-                                      <a:latin typeface="Cambria Math" charset="0"/>
+                                      <a:latin typeface="Cambria Math" panose="02040503050406030204" pitchFamily="18" charset="0"/>
                                     </a:rPr>
                                   </m:ctrlPr>
                                 </m:sSubPr>
@@ -11301,7 +11230,7 @@
                         <m:sSubPr>
                           <m:ctrlPr>
                             <a:rPr kumimoji="1" lang="en-US" altLang="zh-CN" sz="3600" i="1" smtClean="0">
-                              <a:latin typeface="Cambria Math" charset="0"/>
+                              <a:latin typeface="Cambria Math" panose="02040503050406030204" pitchFamily="18" charset="0"/>
                             </a:rPr>
                           </m:ctrlPr>
                         </m:sSubPr>
@@ -11379,13 +11308,6 @@
   <p:clrMapOvr>
     <a:masterClrMapping/>
   </p:clrMapOvr>
-  <p:timing>
-    <p:tnLst>
-      <p:par>
-        <p:cTn id="1" dur="indefinite" restart="never" nodeType="tmRoot"/>
-      </p:par>
-    </p:tnLst>
-  </p:timing>
 </p:sld>
 </file>
 
@@ -11467,7 +11389,7 @@
                         <m:funcPr>
                           <m:ctrlPr>
                             <a:rPr kumimoji="1" lang="mr-IN" altLang="zh-CN" sz="2800" i="1" smtClean="0">
-                              <a:latin typeface="Cambria Math" charset="0"/>
+                              <a:latin typeface="Cambria Math" panose="02040503050406030204" pitchFamily="18" charset="0"/>
                             </a:rPr>
                           </m:ctrlPr>
                         </m:funcPr>
@@ -11476,7 +11398,7 @@
                             <m:limLowPr>
                               <m:ctrlPr>
                                 <a:rPr kumimoji="1" lang="mr-IN" altLang="zh-CN" sz="2800" i="1" smtClean="0">
-                                  <a:latin typeface="Cambria Math" charset="0"/>
+                                  <a:latin typeface="Cambria Math" panose="02040503050406030204" pitchFamily="18" charset="0"/>
                                 </a:rPr>
                               </m:ctrlPr>
                             </m:limLowPr>
@@ -11496,7 +11418,7 @@
                                 <m:sSubPr>
                                   <m:ctrlPr>
                                     <a:rPr kumimoji="1" lang="en-US" altLang="zh-CN" sz="2800" b="0" i="1" smtClean="0">
-                                      <a:latin typeface="Cambria Math" charset="0"/>
+                                      <a:latin typeface="Cambria Math" panose="02040503050406030204" pitchFamily="18" charset="0"/>
                                     </a:rPr>
                                   </m:ctrlPr>
                                 </m:sSubPr>
@@ -11527,7 +11449,7 @@
                               <m:supHide m:val="on"/>
                               <m:ctrlPr>
                                 <a:rPr kumimoji="1" lang="mr-IN" altLang="zh-CN" sz="2800" i="1" smtClean="0">
-                                  <a:latin typeface="Cambria Math" charset="0"/>
+                                  <a:latin typeface="Cambria Math" panose="02040503050406030204" pitchFamily="18" charset="0"/>
                                 </a:rPr>
                               </m:ctrlPr>
                             </m:naryPr>
@@ -11561,7 +11483,7 @@
                                   <m:chr m:val="̂"/>
                                   <m:ctrlPr>
                                     <a:rPr kumimoji="1" lang="en-US" altLang="zh-CN" sz="2800" i="1">
-                                      <a:latin typeface="Cambria Math" charset="0"/>
+                                      <a:latin typeface="Cambria Math" panose="02040503050406030204" pitchFamily="18" charset="0"/>
                                     </a:rPr>
                                   </m:ctrlPr>
                                 </m:accPr>
@@ -11570,7 +11492,7 @@
                                     <m:sSubPr>
                                       <m:ctrlPr>
                                         <a:rPr kumimoji="1" lang="en-US" altLang="zh-CN" sz="2800" i="1">
-                                          <a:latin typeface="Cambria Math" charset="0"/>
+                                          <a:latin typeface="Cambria Math" panose="02040503050406030204" pitchFamily="18" charset="0"/>
                                         </a:rPr>
                                       </m:ctrlPr>
                                     </m:sSubPr>
@@ -11687,7 +11609,7 @@
                           <m:supHide m:val="on"/>
                           <m:ctrlPr>
                             <a:rPr kumimoji="1" lang="en-US" altLang="zh-CN" sz="2800" i="1" smtClean="0">
-                              <a:latin typeface="Cambria Math" charset="0"/>
+                              <a:latin typeface="Cambria Math" panose="02040503050406030204" pitchFamily="18" charset="0"/>
                             </a:rPr>
                           </m:ctrlPr>
                         </m:naryPr>
@@ -11708,7 +11630,7 @@
                             <m:sSubPr>
                               <m:ctrlPr>
                                 <a:rPr kumimoji="1" lang="en-US" altLang="zh-CN" sz="2800" b="0" i="1" smtClean="0">
-                                  <a:latin typeface="Cambria Math" charset="0"/>
+                                  <a:latin typeface="Cambria Math" panose="02040503050406030204" pitchFamily="18" charset="0"/>
                                 </a:rPr>
                               </m:ctrlPr>
                             </m:sSubPr>
@@ -11819,7 +11741,7 @@
                         <m:sSubPr>
                           <m:ctrlPr>
                             <a:rPr kumimoji="1" lang="en-US" altLang="zh-CN" sz="2800" b="0" i="1" smtClean="0">
-                              <a:latin typeface="Cambria Math" charset="0"/>
+                              <a:latin typeface="Cambria Math" panose="02040503050406030204" pitchFamily="18" charset="0"/>
                             </a:rPr>
                           </m:ctrlPr>
                         </m:sSubPr>
@@ -11850,7 +11772,7 @@
                         <m:fPr>
                           <m:ctrlPr>
                             <a:rPr kumimoji="1" lang="bg-BG" altLang="zh-CN" sz="2800" b="0" i="1" smtClean="0">
-                              <a:latin typeface="Cambria Math" charset="0"/>
+                              <a:latin typeface="Cambria Math" panose="02040503050406030204" pitchFamily="18" charset="0"/>
                             </a:rPr>
                           </m:ctrlPr>
                         </m:fPr>
@@ -11859,7 +11781,7 @@
                             <m:sSubPr>
                               <m:ctrlPr>
                                 <a:rPr kumimoji="1" lang="en-US" altLang="zh-CN" sz="2800" b="0" i="1" smtClean="0">
-                                  <a:latin typeface="Cambria Math" charset="0"/>
+                                  <a:latin typeface="Cambria Math" panose="02040503050406030204" pitchFamily="18" charset="0"/>
                                 </a:rPr>
                               </m:ctrlPr>
                             </m:sSubPr>
@@ -11886,7 +11808,7 @@
                             <m:sSubPr>
                               <m:ctrlPr>
                                 <a:rPr kumimoji="1" lang="en-US" altLang="zh-CN" sz="2800" b="0" i="1" smtClean="0">
-                                  <a:latin typeface="Cambria Math" charset="0"/>
+                                  <a:latin typeface="Cambria Math" panose="02040503050406030204" pitchFamily="18" charset="0"/>
                                 </a:rPr>
                               </m:ctrlPr>
                             </m:sSubPr>
@@ -11917,7 +11839,7 @@
                             <m:sSubPr>
                               <m:ctrlPr>
                                 <a:rPr kumimoji="1" lang="en-US" altLang="zh-CN" sz="2800" b="0" i="1" smtClean="0">
-                                  <a:latin typeface="Cambria Math" charset="0"/>
+                                  <a:latin typeface="Cambria Math" panose="02040503050406030204" pitchFamily="18" charset="0"/>
                                 </a:rPr>
                               </m:ctrlPr>
                             </m:sSubPr>
@@ -12022,7 +11944,7 @@
                         <m:sSupPr>
                           <m:ctrlPr>
                             <a:rPr kumimoji="1" lang="en-US" altLang="zh-CN" sz="2800" b="0" i="1" smtClean="0">
-                              <a:latin typeface="Cambria Math" charset="0"/>
+                              <a:latin typeface="Cambria Math" panose="02040503050406030204" pitchFamily="18" charset="0"/>
                             </a:rPr>
                           </m:ctrlPr>
                         </m:sSupPr>
@@ -12053,7 +11975,7 @@
                         <m:sSubPr>
                           <m:ctrlPr>
                             <a:rPr kumimoji="1" lang="en-US" altLang="zh-CN" sz="2800" b="0" i="1" smtClean="0">
-                              <a:latin typeface="Cambria Math" charset="0"/>
+                              <a:latin typeface="Cambria Math" panose="02040503050406030204" pitchFamily="18" charset="0"/>
                             </a:rPr>
                           </m:ctrlPr>
                         </m:sSubPr>
@@ -12084,7 +12006,7 @@
                         <m:sSubPr>
                           <m:ctrlPr>
                             <a:rPr kumimoji="1" lang="en-US" altLang="zh-CN" sz="2800" b="0" i="1" smtClean="0">
-                              <a:latin typeface="Cambria Math" charset="0"/>
+                              <a:latin typeface="Cambria Math" panose="02040503050406030204" pitchFamily="18" charset="0"/>
                             </a:rPr>
                           </m:ctrlPr>
                         </m:sSubPr>
@@ -12208,13 +12130,6 @@
   <p:clrMapOvr>
     <a:masterClrMapping/>
   </p:clrMapOvr>
-  <p:timing>
-    <p:tnLst>
-      <p:par>
-        <p:cTn id="1" dur="indefinite" restart="never" nodeType="tmRoot"/>
-      </p:par>
-    </p:tnLst>
-  </p:timing>
 </p:sld>
 </file>
 
@@ -12240,7 +12155,7 @@
           <p:cNvPr id="2" name="标题 1">
             <a:extLst>
               <a:ext uri="{FF2B5EF4-FFF2-40B4-BE49-F238E27FC236}">
-                <a16:creationId xmlns:a16="http://schemas.microsoft.com/office/drawing/2014/main" xmlns="" id="{C059EDCB-DC67-1745-AF88-B526D92C8C6A}"/>
+                <a16:creationId xmlns:a16="http://schemas.microsoft.com/office/drawing/2014/main" id="{C059EDCB-DC67-1745-AF88-B526D92C8C6A}"/>
               </a:ext>
             </a:extLst>
           </p:cNvPr>
@@ -12275,7 +12190,7 @@
           <p:cNvPr id="9" name="组合 8">
             <a:extLst>
               <a:ext uri="{FF2B5EF4-FFF2-40B4-BE49-F238E27FC236}">
-                <a16:creationId xmlns:a16="http://schemas.microsoft.com/office/drawing/2014/main" xmlns="" id="{D910C096-B1EA-2240-B136-E099017B1EA2}"/>
+                <a16:creationId xmlns:a16="http://schemas.microsoft.com/office/drawing/2014/main" id="{D910C096-B1EA-2240-B136-E099017B1EA2}"/>
               </a:ext>
             </a:extLst>
           </p:cNvPr>
@@ -12295,7 +12210,7 @@
             <p:cNvPr id="7" name="椭圆 6">
               <a:extLst>
                 <a:ext uri="{FF2B5EF4-FFF2-40B4-BE49-F238E27FC236}">
-                  <a16:creationId xmlns:a16="http://schemas.microsoft.com/office/drawing/2014/main" xmlns="" id="{5E44900A-AB87-AE4A-99AA-73285E49B958}"/>
+                  <a16:creationId xmlns:a16="http://schemas.microsoft.com/office/drawing/2014/main" id="{5E44900A-AB87-AE4A-99AA-73285E49B958}"/>
                 </a:ext>
               </a:extLst>
             </p:cNvPr>
@@ -12349,7 +12264,7 @@
                 <p:cNvPr id="8" name="文本框 7">
                   <a:extLst>
                     <a:ext uri="{FF2B5EF4-FFF2-40B4-BE49-F238E27FC236}">
-                      <a16:creationId xmlns:a16="http://schemas.microsoft.com/office/drawing/2014/main" xmlns="" id="{296B7145-B712-2440-A166-8D5BDDA90570}"/>
+                      <a16:creationId xmlns:a16="http://schemas.microsoft.com/office/drawing/2014/main" id="{296B7145-B712-2440-A166-8D5BDDA90570}"/>
                     </a:ext>
                   </a:extLst>
                 </p:cNvPr>
@@ -12383,7 +12298,7 @@
                           <m:sSubPr>
                             <m:ctrlPr>
                               <a:rPr kumimoji="1" lang="en-US" altLang="zh-CN" sz="2400" b="1" i="1" smtClean="0">
-                                <a:latin typeface="Cambria Math" charset="0"/>
+                                <a:latin typeface="Cambria Math" panose="02040503050406030204" pitchFamily="18" charset="0"/>
                               </a:rPr>
                             </m:ctrlPr>
                           </m:sSubPr>
@@ -12463,7 +12378,7 @@
           <p:cNvPr id="11" name="直线箭头连接符 10">
             <a:extLst>
               <a:ext uri="{FF2B5EF4-FFF2-40B4-BE49-F238E27FC236}">
-                <a16:creationId xmlns:a16="http://schemas.microsoft.com/office/drawing/2014/main" xmlns="" id="{E1DDCB3A-93A3-F947-8936-2FD7D8DCC488}"/>
+                <a16:creationId xmlns:a16="http://schemas.microsoft.com/office/drawing/2014/main" id="{E1DDCB3A-93A3-F947-8936-2FD7D8DCC488}"/>
               </a:ext>
             </a:extLst>
           </p:cNvPr>
@@ -12507,7 +12422,7 @@
           <p:cNvPr id="12" name="直线箭头连接符 11">
             <a:extLst>
               <a:ext uri="{FF2B5EF4-FFF2-40B4-BE49-F238E27FC236}">
-                <a16:creationId xmlns:a16="http://schemas.microsoft.com/office/drawing/2014/main" xmlns="" id="{AB28E39D-46A0-5B49-82B6-E57B9F0DD9FB}"/>
+                <a16:creationId xmlns:a16="http://schemas.microsoft.com/office/drawing/2014/main" id="{AB28E39D-46A0-5B49-82B6-E57B9F0DD9FB}"/>
               </a:ext>
             </a:extLst>
           </p:cNvPr>
@@ -12552,7 +12467,7 @@
           <p:cNvPr id="15" name="直线箭头连接符 14">
             <a:extLst>
               <a:ext uri="{FF2B5EF4-FFF2-40B4-BE49-F238E27FC236}">
-                <a16:creationId xmlns:a16="http://schemas.microsoft.com/office/drawing/2014/main" xmlns="" id="{48149428-2E7B-484E-BD02-0820295C5E2F}"/>
+                <a16:creationId xmlns:a16="http://schemas.microsoft.com/office/drawing/2014/main" id="{48149428-2E7B-484E-BD02-0820295C5E2F}"/>
               </a:ext>
             </a:extLst>
           </p:cNvPr>
@@ -12599,7 +12514,7 @@
               <p:cNvPr id="18" name="文本框 17">
                 <a:extLst>
                   <a:ext uri="{FF2B5EF4-FFF2-40B4-BE49-F238E27FC236}">
-                    <a16:creationId xmlns:a16="http://schemas.microsoft.com/office/drawing/2014/main" xmlns="" id="{A8CB5AC8-59AE-C443-86CD-C750A4B240BC}"/>
+                    <a16:creationId xmlns:a16="http://schemas.microsoft.com/office/drawing/2014/main" id="{A8CB5AC8-59AE-C443-86CD-C750A4B240BC}"/>
                   </a:ext>
                 </a:extLst>
               </p:cNvPr>
@@ -12633,7 +12548,7 @@
                         <m:sSubPr>
                           <m:ctrlPr>
                             <a:rPr kumimoji="1" lang="en-US" altLang="zh-CN" sz="2400" b="1" i="1" smtClean="0">
-                              <a:latin typeface="Cambria Math" charset="0"/>
+                              <a:latin typeface="Cambria Math" panose="02040503050406030204" pitchFamily="18" charset="0"/>
                             </a:rPr>
                           </m:ctrlPr>
                         </m:sSubPr>
@@ -12714,7 +12629,7 @@
               <p:cNvPr id="19" name="文本框 18">
                 <a:extLst>
                   <a:ext uri="{FF2B5EF4-FFF2-40B4-BE49-F238E27FC236}">
-                    <a16:creationId xmlns:a16="http://schemas.microsoft.com/office/drawing/2014/main" xmlns="" id="{BD55B4B9-A03A-684D-8A7E-A30160DD9D94}"/>
+                    <a16:creationId xmlns:a16="http://schemas.microsoft.com/office/drawing/2014/main" id="{BD55B4B9-A03A-684D-8A7E-A30160DD9D94}"/>
                   </a:ext>
                 </a:extLst>
               </p:cNvPr>
@@ -12748,7 +12663,7 @@
                         <m:sSubPr>
                           <m:ctrlPr>
                             <a:rPr kumimoji="1" lang="en-US" altLang="zh-CN" sz="2400" b="1" i="1" smtClean="0">
-                              <a:latin typeface="Cambria Math" charset="0"/>
+                              <a:latin typeface="Cambria Math" panose="02040503050406030204" pitchFamily="18" charset="0"/>
                             </a:rPr>
                           </m:ctrlPr>
                         </m:sSubPr>
@@ -12829,7 +12744,7 @@
               <p:cNvPr id="20" name="文本框 19">
                 <a:extLst>
                   <a:ext uri="{FF2B5EF4-FFF2-40B4-BE49-F238E27FC236}">
-                    <a16:creationId xmlns:a16="http://schemas.microsoft.com/office/drawing/2014/main" xmlns="" id="{8A6A7549-DEB2-C640-8E38-B6182AB03239}"/>
+                    <a16:creationId xmlns:a16="http://schemas.microsoft.com/office/drawing/2014/main" id="{8A6A7549-DEB2-C640-8E38-B6182AB03239}"/>
                   </a:ext>
                 </a:extLst>
               </p:cNvPr>
@@ -12863,7 +12778,7 @@
                         <m:sSubPr>
                           <m:ctrlPr>
                             <a:rPr kumimoji="1" lang="en-US" altLang="zh-CN" sz="2400" b="1" i="1" smtClean="0">
-                              <a:latin typeface="Cambria Math" charset="0"/>
+                              <a:latin typeface="Cambria Math" panose="02040503050406030204" pitchFamily="18" charset="0"/>
                             </a:rPr>
                           </m:ctrlPr>
                         </m:sSubPr>
@@ -12942,7 +12857,7 @@
           <p:cNvPr id="22" name="表格 21">
             <a:extLst>
               <a:ext uri="{FF2B5EF4-FFF2-40B4-BE49-F238E27FC236}">
-                <a16:creationId xmlns:a16="http://schemas.microsoft.com/office/drawing/2014/main" xmlns="" id="{A5BC4791-7FDA-154B-B84C-640757DB2A30}"/>
+                <a16:creationId xmlns:a16="http://schemas.microsoft.com/office/drawing/2014/main" id="{A5BC4791-7FDA-154B-B84C-640757DB2A30}"/>
               </a:ext>
             </a:extLst>
           </p:cNvPr>
@@ -12971,56 +12886,56 @@
                 <a:gridCol w="1016000">
                   <a:extLst>
                     <a:ext uri="{9D8B030D-6E8A-4147-A177-3AD203B41FA5}">
-                      <a16:colId xmlns:a16="http://schemas.microsoft.com/office/drawing/2014/main" xmlns="" val="2919921209"/>
+                      <a16:colId xmlns:a16="http://schemas.microsoft.com/office/drawing/2014/main" val="2919921209"/>
                     </a:ext>
                   </a:extLst>
                 </a:gridCol>
                 <a:gridCol w="1016000">
                   <a:extLst>
                     <a:ext uri="{9D8B030D-6E8A-4147-A177-3AD203B41FA5}">
-                      <a16:colId xmlns:a16="http://schemas.microsoft.com/office/drawing/2014/main" xmlns="" val="1274578498"/>
+                      <a16:colId xmlns:a16="http://schemas.microsoft.com/office/drawing/2014/main" val="1274578498"/>
                     </a:ext>
                   </a:extLst>
                 </a:gridCol>
                 <a:gridCol w="1016000">
                   <a:extLst>
                     <a:ext uri="{9D8B030D-6E8A-4147-A177-3AD203B41FA5}">
-                      <a16:colId xmlns:a16="http://schemas.microsoft.com/office/drawing/2014/main" xmlns="" val="2473859656"/>
+                      <a16:colId xmlns:a16="http://schemas.microsoft.com/office/drawing/2014/main" val="2473859656"/>
                     </a:ext>
                   </a:extLst>
                 </a:gridCol>
                 <a:gridCol w="1016000">
                   <a:extLst>
                     <a:ext uri="{9D8B030D-6E8A-4147-A177-3AD203B41FA5}">
-                      <a16:colId xmlns:a16="http://schemas.microsoft.com/office/drawing/2014/main" xmlns="" val="4017853280"/>
+                      <a16:colId xmlns:a16="http://schemas.microsoft.com/office/drawing/2014/main" val="4017853280"/>
                     </a:ext>
                   </a:extLst>
                 </a:gridCol>
                 <a:gridCol w="1016000">
                   <a:extLst>
                     <a:ext uri="{9D8B030D-6E8A-4147-A177-3AD203B41FA5}">
-                      <a16:colId xmlns:a16="http://schemas.microsoft.com/office/drawing/2014/main" xmlns="" val="4046979531"/>
+                      <a16:colId xmlns:a16="http://schemas.microsoft.com/office/drawing/2014/main" val="4046979531"/>
                     </a:ext>
                   </a:extLst>
                 </a:gridCol>
                 <a:gridCol w="1016000">
                   <a:extLst>
                     <a:ext uri="{9D8B030D-6E8A-4147-A177-3AD203B41FA5}">
-                      <a16:colId xmlns:a16="http://schemas.microsoft.com/office/drawing/2014/main" xmlns="" val="1236215947"/>
+                      <a16:colId xmlns:a16="http://schemas.microsoft.com/office/drawing/2014/main" val="1236215947"/>
                     </a:ext>
                   </a:extLst>
                 </a:gridCol>
                 <a:gridCol w="1016000">
                   <a:extLst>
                     <a:ext uri="{9D8B030D-6E8A-4147-A177-3AD203B41FA5}">
-                      <a16:colId xmlns:a16="http://schemas.microsoft.com/office/drawing/2014/main" xmlns="" val="3358476489"/>
+                      <a16:colId xmlns:a16="http://schemas.microsoft.com/office/drawing/2014/main" val="3358476489"/>
                     </a:ext>
                   </a:extLst>
                 </a:gridCol>
                 <a:gridCol w="1016000">
                   <a:extLst>
                     <a:ext uri="{9D8B030D-6E8A-4147-A177-3AD203B41FA5}">
-                      <a16:colId xmlns:a16="http://schemas.microsoft.com/office/drawing/2014/main" xmlns="" val="1544053477"/>
+                      <a16:colId xmlns:a16="http://schemas.microsoft.com/office/drawing/2014/main" val="1544053477"/>
                     </a:ext>
                   </a:extLst>
                 </a:gridCol>
@@ -13480,7 +13395,7 @@
                 </a:tc>
                 <a:extLst>
                   <a:ext uri="{0D108BD9-81ED-4DB2-BD59-A6C34878D82A}">
-                    <a16:rowId xmlns:a16="http://schemas.microsoft.com/office/drawing/2014/main" xmlns="" val="2866617908"/>
+                    <a16:rowId xmlns:a16="http://schemas.microsoft.com/office/drawing/2014/main" val="2866617908"/>
                   </a:ext>
                 </a:extLst>
               </a:tr>
@@ -13493,7 +13408,7 @@
           <p:cNvPr id="25" name="表格 24">
             <a:extLst>
               <a:ext uri="{FF2B5EF4-FFF2-40B4-BE49-F238E27FC236}">
-                <a16:creationId xmlns:a16="http://schemas.microsoft.com/office/drawing/2014/main" xmlns="" id="{5A134B61-04E4-4B41-A5FB-A6F3E458B147}"/>
+                <a16:creationId xmlns:a16="http://schemas.microsoft.com/office/drawing/2014/main" id="{5A134B61-04E4-4B41-A5FB-A6F3E458B147}"/>
               </a:ext>
             </a:extLst>
           </p:cNvPr>
@@ -13522,56 +13437,56 @@
                 <a:gridCol w="1016000">
                   <a:extLst>
                     <a:ext uri="{9D8B030D-6E8A-4147-A177-3AD203B41FA5}">
-                      <a16:colId xmlns:a16="http://schemas.microsoft.com/office/drawing/2014/main" xmlns="" val="2919921209"/>
+                      <a16:colId xmlns:a16="http://schemas.microsoft.com/office/drawing/2014/main" val="2919921209"/>
                     </a:ext>
                   </a:extLst>
                 </a:gridCol>
                 <a:gridCol w="1016000">
                   <a:extLst>
                     <a:ext uri="{9D8B030D-6E8A-4147-A177-3AD203B41FA5}">
-                      <a16:colId xmlns:a16="http://schemas.microsoft.com/office/drawing/2014/main" xmlns="" val="1274578498"/>
+                      <a16:colId xmlns:a16="http://schemas.microsoft.com/office/drawing/2014/main" val="1274578498"/>
                     </a:ext>
                   </a:extLst>
                 </a:gridCol>
                 <a:gridCol w="1016000">
                   <a:extLst>
                     <a:ext uri="{9D8B030D-6E8A-4147-A177-3AD203B41FA5}">
-                      <a16:colId xmlns:a16="http://schemas.microsoft.com/office/drawing/2014/main" xmlns="" val="2473859656"/>
+                      <a16:colId xmlns:a16="http://schemas.microsoft.com/office/drawing/2014/main" val="2473859656"/>
                     </a:ext>
                   </a:extLst>
                 </a:gridCol>
                 <a:gridCol w="1016000">
                   <a:extLst>
                     <a:ext uri="{9D8B030D-6E8A-4147-A177-3AD203B41FA5}">
-                      <a16:colId xmlns:a16="http://schemas.microsoft.com/office/drawing/2014/main" xmlns="" val="4017853280"/>
+                      <a16:colId xmlns:a16="http://schemas.microsoft.com/office/drawing/2014/main" val="4017853280"/>
                     </a:ext>
                   </a:extLst>
                 </a:gridCol>
                 <a:gridCol w="1016000">
                   <a:extLst>
                     <a:ext uri="{9D8B030D-6E8A-4147-A177-3AD203B41FA5}">
-                      <a16:colId xmlns:a16="http://schemas.microsoft.com/office/drawing/2014/main" xmlns="" val="4046979531"/>
+                      <a16:colId xmlns:a16="http://schemas.microsoft.com/office/drawing/2014/main" val="4046979531"/>
                     </a:ext>
                   </a:extLst>
                 </a:gridCol>
                 <a:gridCol w="1016000">
                   <a:extLst>
                     <a:ext uri="{9D8B030D-6E8A-4147-A177-3AD203B41FA5}">
-                      <a16:colId xmlns:a16="http://schemas.microsoft.com/office/drawing/2014/main" xmlns="" val="1236215947"/>
+                      <a16:colId xmlns:a16="http://schemas.microsoft.com/office/drawing/2014/main" val="1236215947"/>
                     </a:ext>
                   </a:extLst>
                 </a:gridCol>
                 <a:gridCol w="1016000">
                   <a:extLst>
                     <a:ext uri="{9D8B030D-6E8A-4147-A177-3AD203B41FA5}">
-                      <a16:colId xmlns:a16="http://schemas.microsoft.com/office/drawing/2014/main" xmlns="" val="3358476489"/>
+                      <a16:colId xmlns:a16="http://schemas.microsoft.com/office/drawing/2014/main" val="3358476489"/>
                     </a:ext>
                   </a:extLst>
                 </a:gridCol>
                 <a:gridCol w="1016000">
                   <a:extLst>
                     <a:ext uri="{9D8B030D-6E8A-4147-A177-3AD203B41FA5}">
-                      <a16:colId xmlns:a16="http://schemas.microsoft.com/office/drawing/2014/main" xmlns="" val="1544053477"/>
+                      <a16:colId xmlns:a16="http://schemas.microsoft.com/office/drawing/2014/main" val="1544053477"/>
                     </a:ext>
                   </a:extLst>
                 </a:gridCol>
@@ -13995,7 +13910,7 @@
                 </a:tc>
                 <a:extLst>
                   <a:ext uri="{0D108BD9-81ED-4DB2-BD59-A6C34878D82A}">
-                    <a16:rowId xmlns:a16="http://schemas.microsoft.com/office/drawing/2014/main" xmlns="" val="2866617908"/>
+                    <a16:rowId xmlns:a16="http://schemas.microsoft.com/office/drawing/2014/main" val="2866617908"/>
                   </a:ext>
                 </a:extLst>
               </a:tr>
@@ -14008,7 +13923,7 @@
           <p:cNvPr id="26" name="表格 25">
             <a:extLst>
               <a:ext uri="{FF2B5EF4-FFF2-40B4-BE49-F238E27FC236}">
-                <a16:creationId xmlns:a16="http://schemas.microsoft.com/office/drawing/2014/main" xmlns="" id="{424DCAD3-3D07-554E-B7A4-D9329A7C076E}"/>
+                <a16:creationId xmlns:a16="http://schemas.microsoft.com/office/drawing/2014/main" id="{424DCAD3-3D07-554E-B7A4-D9329A7C076E}"/>
               </a:ext>
             </a:extLst>
           </p:cNvPr>
@@ -14037,56 +13952,56 @@
                 <a:gridCol w="1016000">
                   <a:extLst>
                     <a:ext uri="{9D8B030D-6E8A-4147-A177-3AD203B41FA5}">
-                      <a16:colId xmlns:a16="http://schemas.microsoft.com/office/drawing/2014/main" xmlns="" val="2919921209"/>
+                      <a16:colId xmlns:a16="http://schemas.microsoft.com/office/drawing/2014/main" val="2919921209"/>
                     </a:ext>
                   </a:extLst>
                 </a:gridCol>
                 <a:gridCol w="1016000">
                   <a:extLst>
                     <a:ext uri="{9D8B030D-6E8A-4147-A177-3AD203B41FA5}">
-                      <a16:colId xmlns:a16="http://schemas.microsoft.com/office/drawing/2014/main" xmlns="" val="1274578498"/>
+                      <a16:colId xmlns:a16="http://schemas.microsoft.com/office/drawing/2014/main" val="1274578498"/>
                     </a:ext>
                   </a:extLst>
                 </a:gridCol>
                 <a:gridCol w="1016000">
                   <a:extLst>
                     <a:ext uri="{9D8B030D-6E8A-4147-A177-3AD203B41FA5}">
-                      <a16:colId xmlns:a16="http://schemas.microsoft.com/office/drawing/2014/main" xmlns="" val="2473859656"/>
+                      <a16:colId xmlns:a16="http://schemas.microsoft.com/office/drawing/2014/main" val="2473859656"/>
                     </a:ext>
                   </a:extLst>
                 </a:gridCol>
                 <a:gridCol w="1016000">
                   <a:extLst>
                     <a:ext uri="{9D8B030D-6E8A-4147-A177-3AD203B41FA5}">
-                      <a16:colId xmlns:a16="http://schemas.microsoft.com/office/drawing/2014/main" xmlns="" val="4017853280"/>
+                      <a16:colId xmlns:a16="http://schemas.microsoft.com/office/drawing/2014/main" val="4017853280"/>
                     </a:ext>
                   </a:extLst>
                 </a:gridCol>
                 <a:gridCol w="1016000">
                   <a:extLst>
                     <a:ext uri="{9D8B030D-6E8A-4147-A177-3AD203B41FA5}">
-                      <a16:colId xmlns:a16="http://schemas.microsoft.com/office/drawing/2014/main" xmlns="" val="4046979531"/>
+                      <a16:colId xmlns:a16="http://schemas.microsoft.com/office/drawing/2014/main" val="4046979531"/>
                     </a:ext>
                   </a:extLst>
                 </a:gridCol>
                 <a:gridCol w="1016000">
                   <a:extLst>
                     <a:ext uri="{9D8B030D-6E8A-4147-A177-3AD203B41FA5}">
-                      <a16:colId xmlns:a16="http://schemas.microsoft.com/office/drawing/2014/main" xmlns="" val="1236215947"/>
+                      <a16:colId xmlns:a16="http://schemas.microsoft.com/office/drawing/2014/main" val="1236215947"/>
                     </a:ext>
                   </a:extLst>
                 </a:gridCol>
                 <a:gridCol w="1016000">
                   <a:extLst>
                     <a:ext uri="{9D8B030D-6E8A-4147-A177-3AD203B41FA5}">
-                      <a16:colId xmlns:a16="http://schemas.microsoft.com/office/drawing/2014/main" xmlns="" val="3358476489"/>
+                      <a16:colId xmlns:a16="http://schemas.microsoft.com/office/drawing/2014/main" val="3358476489"/>
                     </a:ext>
                   </a:extLst>
                 </a:gridCol>
                 <a:gridCol w="1016000">
                   <a:extLst>
                     <a:ext uri="{9D8B030D-6E8A-4147-A177-3AD203B41FA5}">
-                      <a16:colId xmlns:a16="http://schemas.microsoft.com/office/drawing/2014/main" xmlns="" val="1544053477"/>
+                      <a16:colId xmlns:a16="http://schemas.microsoft.com/office/drawing/2014/main" val="1544053477"/>
                     </a:ext>
                   </a:extLst>
                 </a:gridCol>
@@ -14510,7 +14425,7 @@
                 </a:tc>
                 <a:extLst>
                   <a:ext uri="{0D108BD9-81ED-4DB2-BD59-A6C34878D82A}">
-                    <a16:rowId xmlns:a16="http://schemas.microsoft.com/office/drawing/2014/main" xmlns="" val="2866617908"/>
+                    <a16:rowId xmlns:a16="http://schemas.microsoft.com/office/drawing/2014/main" val="2866617908"/>
                   </a:ext>
                 </a:extLst>
               </a:tr>
@@ -14525,7 +14440,7 @@
               <p:cNvPr id="27" name="文本框 26">
                 <a:extLst>
                   <a:ext uri="{FF2B5EF4-FFF2-40B4-BE49-F238E27FC236}">
-                    <a16:creationId xmlns:a16="http://schemas.microsoft.com/office/drawing/2014/main" xmlns="" id="{AB798EC8-B843-054F-B83E-F046B17C0EA0}"/>
+                    <a16:creationId xmlns:a16="http://schemas.microsoft.com/office/drawing/2014/main" id="{AB798EC8-B843-054F-B83E-F046B17C0EA0}"/>
                   </a:ext>
                 </a:extLst>
               </p:cNvPr>
@@ -14627,7 +14542,7 @@
               <p:cNvPr id="28" name="文本框 27">
                 <a:extLst>
                   <a:ext uri="{FF2B5EF4-FFF2-40B4-BE49-F238E27FC236}">
-                    <a16:creationId xmlns:a16="http://schemas.microsoft.com/office/drawing/2014/main" xmlns="" id="{27D3CC6B-6AA1-2940-8DBA-6F5947FC4C24}"/>
+                    <a16:creationId xmlns:a16="http://schemas.microsoft.com/office/drawing/2014/main" id="{27D3CC6B-6AA1-2940-8DBA-6F5947FC4C24}"/>
                   </a:ext>
                 </a:extLst>
               </p:cNvPr>
@@ -14729,7 +14644,7 @@
               <p:cNvPr id="29" name="文本框 28">
                 <a:extLst>
                   <a:ext uri="{FF2B5EF4-FFF2-40B4-BE49-F238E27FC236}">
-                    <a16:creationId xmlns:a16="http://schemas.microsoft.com/office/drawing/2014/main" xmlns="" id="{30AF67DF-91B8-944B-BA09-4410CB07B996}"/>
+                    <a16:creationId xmlns:a16="http://schemas.microsoft.com/office/drawing/2014/main" id="{30AF67DF-91B8-944B-BA09-4410CB07B996}"/>
                   </a:ext>
                 </a:extLst>
               </p:cNvPr>
@@ -14831,7 +14746,7 @@
               <p:cNvPr id="30" name="文本框 29">
                 <a:extLst>
                   <a:ext uri="{FF2B5EF4-FFF2-40B4-BE49-F238E27FC236}">
-                    <a16:creationId xmlns:a16="http://schemas.microsoft.com/office/drawing/2014/main" xmlns="" id="{A5F9490A-F97E-694F-A85B-353E781F38F6}"/>
+                    <a16:creationId xmlns:a16="http://schemas.microsoft.com/office/drawing/2014/main" id="{A5F9490A-F97E-694F-A85B-353E781F38F6}"/>
                   </a:ext>
                 </a:extLst>
               </p:cNvPr>
@@ -14865,7 +14780,7 @@
                         <m:fPr>
                           <m:ctrlPr>
                             <a:rPr kumimoji="1" lang="en-US" altLang="zh-CN" sz="2400" b="1" i="1" smtClean="0">
-                              <a:latin typeface="Cambria Math" charset="0"/>
+                              <a:latin typeface="Cambria Math" panose="02040503050406030204" pitchFamily="18" charset="0"/>
                             </a:rPr>
                           </m:ctrlPr>
                         </m:fPr>
@@ -14949,13 +14864,6 @@
   <p:clrMapOvr>
     <a:masterClrMapping/>
   </p:clrMapOvr>
-  <p:timing>
-    <p:tnLst>
-      <p:par>
-        <p:cTn id="1" dur="indefinite" restart="never" nodeType="tmRoot"/>
-      </p:par>
-    </p:tnLst>
-  </p:timing>
 </p:sld>
 </file>
 
@@ -15039,7 +14947,7 @@
                           <m:supHide m:val="on"/>
                           <m:ctrlPr>
                             <a:rPr kumimoji="1" lang="en-US" altLang="zh-CN" sz="2800" i="1" smtClean="0">
-                              <a:latin typeface="Cambria Math" charset="0"/>
+                              <a:latin typeface="Cambria Math" panose="02040503050406030204" pitchFamily="18" charset="0"/>
                             </a:rPr>
                           </m:ctrlPr>
                         </m:naryPr>
@@ -15073,7 +14981,7 @@
                               <m:chr m:val="̂"/>
                               <m:ctrlPr>
                                 <a:rPr kumimoji="1" lang="en-US" altLang="zh-CN" sz="2800" i="1">
-                                  <a:latin typeface="Cambria Math" charset="0"/>
+                                  <a:latin typeface="Cambria Math" panose="02040503050406030204" pitchFamily="18" charset="0"/>
                                 </a:rPr>
                               </m:ctrlPr>
                             </m:accPr>
@@ -15082,7 +14990,7 @@
                                 <m:sSubPr>
                                   <m:ctrlPr>
                                     <a:rPr kumimoji="1" lang="en-US" altLang="zh-CN" sz="2800" i="1">
-                                      <a:latin typeface="Cambria Math" charset="0"/>
+                                      <a:latin typeface="Cambria Math" panose="02040503050406030204" pitchFamily="18" charset="0"/>
                                     </a:rPr>
                                   </m:ctrlPr>
                                 </m:sSubPr>
@@ -15125,7 +15033,7 @@
                           <m:endChr m:val=""/>
                           <m:ctrlPr>
                             <a:rPr kumimoji="1" lang="cs-CZ" altLang="zh-CN" sz="2800" b="0" i="1" smtClean="0">
-                              <a:latin typeface="Cambria Math" charset="0"/>
+                              <a:latin typeface="Cambria Math" panose="02040503050406030204" pitchFamily="18" charset="0"/>
                             </a:rPr>
                           </m:ctrlPr>
                         </m:dPr>
@@ -15134,7 +15042,7 @@
                             <m:eqArrPr>
                               <m:ctrlPr>
                                 <a:rPr kumimoji="1" lang="cs-CZ" altLang="zh-CN" sz="2800" b="0" i="1" smtClean="0">
-                                  <a:latin typeface="Cambria Math" charset="0"/>
+                                  <a:latin typeface="Cambria Math" panose="02040503050406030204" pitchFamily="18" charset="0"/>
                                 </a:rPr>
                               </m:ctrlPr>
                             </m:eqArrPr>
@@ -15149,7 +15057,7 @@
                                 <m:sSubPr>
                                   <m:ctrlPr>
                                     <a:rPr kumimoji="1" lang="en-US" altLang="zh-CN" sz="2800" b="0" i="1" smtClean="0">
-                                      <a:latin typeface="Cambria Math" charset="0"/>
+                                      <a:latin typeface="Cambria Math" panose="02040503050406030204" pitchFamily="18" charset="0"/>
                                     </a:rPr>
                                   </m:ctrlPr>
                                 </m:sSubPr>
@@ -15174,7 +15082,7 @@
                                 <m:sSubPr>
                                   <m:ctrlPr>
                                     <a:rPr kumimoji="1" lang="en-US" altLang="zh-CN" sz="2800" b="0" i="1" smtClean="0">
-                                      <a:latin typeface="Cambria Math" charset="0"/>
+                                      <a:latin typeface="Cambria Math" panose="02040503050406030204" pitchFamily="18" charset="0"/>
                                     </a:rPr>
                                   </m:ctrlPr>
                                 </m:sSubPr>
@@ -15205,7 +15113,7 @@
                                 <m:sSubPr>
                                   <m:ctrlPr>
                                     <a:rPr kumimoji="1" lang="en-US" altLang="zh-CN" sz="2800" b="0" i="1" smtClean="0">
-                                      <a:latin typeface="Cambria Math" charset="0"/>
+                                      <a:latin typeface="Cambria Math" panose="02040503050406030204" pitchFamily="18" charset="0"/>
                                     </a:rPr>
                                   </m:ctrlPr>
                                 </m:sSubPr>
@@ -15242,7 +15150,7 @@
                                 <m:sSubPr>
                                   <m:ctrlPr>
                                     <a:rPr kumimoji="1" lang="en-US" altLang="zh-CN" sz="2800" b="0" i="1" smtClean="0">
-                                      <a:latin typeface="Cambria Math" charset="0"/>
+                                      <a:latin typeface="Cambria Math" panose="02040503050406030204" pitchFamily="18" charset="0"/>
                                     </a:rPr>
                                   </m:ctrlPr>
                                 </m:sSubPr>
@@ -15281,7 +15189,7 @@
                                 <m:sSubPr>
                                   <m:ctrlPr>
                                     <a:rPr kumimoji="1" lang="en-US" altLang="zh-CN" sz="2800" i="1">
-                                      <a:latin typeface="Cambria Math" charset="0"/>
+                                      <a:latin typeface="Cambria Math" panose="02040503050406030204" pitchFamily="18" charset="0"/>
                                     </a:rPr>
                                   </m:ctrlPr>
                                 </m:sSubPr>
@@ -15318,7 +15226,7 @@
                                 <m:sSubPr>
                                   <m:ctrlPr>
                                     <a:rPr kumimoji="1" lang="en-US" altLang="zh-CN" sz="2800" i="1">
-                                      <a:latin typeface="Cambria Math" charset="0"/>
+                                      <a:latin typeface="Cambria Math" panose="02040503050406030204" pitchFamily="18" charset="0"/>
                                     </a:rPr>
                                   </m:ctrlPr>
                                 </m:sSubPr>
@@ -15436,7 +15344,7 @@
                       <m:sSubPr>
                         <m:ctrlPr>
                           <a:rPr kumimoji="1" lang="en-US" altLang="zh-CN" sz="2800" b="0" i="1" smtClean="0">
-                            <a:latin typeface="Cambria Math" charset="0"/>
+                            <a:latin typeface="Cambria Math" panose="02040503050406030204" pitchFamily="18" charset="0"/>
                             <a:ea typeface="Times New Roman" charset="0"/>
                             <a:cs typeface="Times New Roman" charset="0"/>
                           </a:rPr>
@@ -15447,7 +15355,7 @@
                           <m:sSubPr>
                             <m:ctrlPr>
                               <a:rPr kumimoji="1" lang="en-US" altLang="zh-CN" sz="2800" b="0" i="1" smtClean="0">
-                                <a:latin typeface="Cambria Math" charset="0"/>
+                                <a:latin typeface="Cambria Math" panose="02040503050406030204" pitchFamily="18" charset="0"/>
                                 <a:ea typeface="Times New Roman" charset="0"/>
                                 <a:cs typeface="Times New Roman" charset="0"/>
                               </a:rPr>
@@ -15514,7 +15422,7 @@
                       <m:sSubPr>
                         <m:ctrlPr>
                           <a:rPr kumimoji="1" lang="en-US" altLang="zh-CN" sz="2800" b="0" i="1" smtClean="0">
-                            <a:latin typeface="Cambria Math" charset="0"/>
+                            <a:latin typeface="Cambria Math" panose="02040503050406030204" pitchFamily="18" charset="0"/>
                             <a:ea typeface="Times New Roman" charset="0"/>
                             <a:cs typeface="Times New Roman" charset="0"/>
                           </a:rPr>
@@ -15573,7 +15481,7 @@
                       <m:funcPr>
                         <m:ctrlPr>
                           <a:rPr kumimoji="1" lang="mr-IN" altLang="zh-CN" sz="2800" i="1" smtClean="0">
-                            <a:latin typeface="Cambria Math" charset="0"/>
+                            <a:latin typeface="Cambria Math" panose="02040503050406030204" pitchFamily="18" charset="0"/>
                             <a:ea typeface="Times New Roman" charset="0"/>
                             <a:cs typeface="Times New Roman" charset="0"/>
                           </a:rPr>
@@ -15584,7 +15492,7 @@
                           <m:limLowPr>
                             <m:ctrlPr>
                               <a:rPr kumimoji="1" lang="mr-IN" altLang="zh-CN" sz="2800" i="1" smtClean="0">
-                                <a:latin typeface="Cambria Math" charset="0"/>
+                                <a:latin typeface="Cambria Math" panose="02040503050406030204" pitchFamily="18" charset="0"/>
                                 <a:ea typeface="Times New Roman" charset="0"/>
                                 <a:cs typeface="Times New Roman" charset="0"/>
                               </a:rPr>
@@ -15595,7 +15503,7 @@
                               <m:sSubPr>
                                 <m:ctrlPr>
                                   <a:rPr kumimoji="1" lang="en-US" altLang="zh-CN" sz="2800" b="0" i="1" smtClean="0">
-                                    <a:latin typeface="Cambria Math" charset="0"/>
+                                    <a:latin typeface="Cambria Math" panose="02040503050406030204" pitchFamily="18" charset="0"/>
                                     <a:ea typeface="Times New Roman" charset="0"/>
                                     <a:cs typeface="Times New Roman" charset="0"/>
                                   </a:rPr>
@@ -15659,7 +15567,7 @@
                           <m:sSubPr>
                             <m:ctrlPr>
                               <a:rPr kumimoji="1" lang="en-US" altLang="zh-CN" sz="2800" b="0" i="1" smtClean="0">
-                                <a:latin typeface="Cambria Math" charset="0"/>
+                                <a:latin typeface="Cambria Math" panose="02040503050406030204" pitchFamily="18" charset="0"/>
                                 <a:ea typeface="Times New Roman" charset="0"/>
                                 <a:cs typeface="Times New Roman" charset="0"/>
                               </a:rPr>
@@ -15751,13 +15659,6 @@
   <p:clrMapOvr>
     <a:masterClrMapping/>
   </p:clrMapOvr>
-  <p:timing>
-    <p:tnLst>
-      <p:par>
-        <p:cTn id="1" dur="indefinite" restart="never" nodeType="tmRoot"/>
-      </p:par>
-    </p:tnLst>
-  </p:timing>
 </p:sld>
 </file>
 
@@ -15845,13 +15746,6 @@
   <p:clrMapOvr>
     <a:masterClrMapping/>
   </p:clrMapOvr>
-  <p:timing>
-    <p:tnLst>
-      <p:par>
-        <p:cTn id="1" dur="indefinite" restart="never" nodeType="tmRoot"/>
-      </p:par>
-    </p:tnLst>
-  </p:timing>
 </p:sld>
 </file>
 
@@ -15877,7 +15771,7 @@
           <p:cNvPr id="2" name="标题 1">
             <a:extLst>
               <a:ext uri="{FF2B5EF4-FFF2-40B4-BE49-F238E27FC236}">
-                <a16:creationId xmlns:a16="http://schemas.microsoft.com/office/drawing/2014/main" xmlns="" id="{6BD3BC95-97FB-854B-BC45-4D2B05ECEC9F}"/>
+                <a16:creationId xmlns:a16="http://schemas.microsoft.com/office/drawing/2014/main" id="{6BD3BC95-97FB-854B-BC45-4D2B05ECEC9F}"/>
               </a:ext>
             </a:extLst>
           </p:cNvPr>
@@ -15912,7 +15806,7 @@
           <p:cNvPr id="35" name="椭圆 34">
             <a:extLst>
               <a:ext uri="{FF2B5EF4-FFF2-40B4-BE49-F238E27FC236}">
-                <a16:creationId xmlns:a16="http://schemas.microsoft.com/office/drawing/2014/main" xmlns="" id="{FE177A80-294D-D74F-9193-54F0F6931790}"/>
+                <a16:creationId xmlns:a16="http://schemas.microsoft.com/office/drawing/2014/main" id="{FE177A80-294D-D74F-9193-54F0F6931790}"/>
               </a:ext>
             </a:extLst>
           </p:cNvPr>
@@ -15958,7 +15852,7 @@
           <p:cNvPr id="36" name="椭圆 35">
             <a:extLst>
               <a:ext uri="{FF2B5EF4-FFF2-40B4-BE49-F238E27FC236}">
-                <a16:creationId xmlns:a16="http://schemas.microsoft.com/office/drawing/2014/main" xmlns="" id="{BC6EE5D6-B812-5A44-8E2E-0D340A99F527}"/>
+                <a16:creationId xmlns:a16="http://schemas.microsoft.com/office/drawing/2014/main" id="{BC6EE5D6-B812-5A44-8E2E-0D340A99F527}"/>
               </a:ext>
             </a:extLst>
           </p:cNvPr>
@@ -16007,7 +15901,7 @@
           <p:cNvPr id="70" name="矩形 69">
             <a:extLst>
               <a:ext uri="{FF2B5EF4-FFF2-40B4-BE49-F238E27FC236}">
-                <a16:creationId xmlns:a16="http://schemas.microsoft.com/office/drawing/2014/main" xmlns="" id="{76DC12EF-3E78-4744-B092-2511D4394ED4}"/>
+                <a16:creationId xmlns:a16="http://schemas.microsoft.com/office/drawing/2014/main" id="{76DC12EF-3E78-4744-B092-2511D4394ED4}"/>
               </a:ext>
             </a:extLst>
           </p:cNvPr>
@@ -16053,7 +15947,7 @@
           <p:cNvPr id="71" name="矩形 70">
             <a:extLst>
               <a:ext uri="{FF2B5EF4-FFF2-40B4-BE49-F238E27FC236}">
-                <a16:creationId xmlns:a16="http://schemas.microsoft.com/office/drawing/2014/main" xmlns="" id="{1CBCA22F-4911-4144-B568-385765FDD372}"/>
+                <a16:creationId xmlns:a16="http://schemas.microsoft.com/office/drawing/2014/main" id="{1CBCA22F-4911-4144-B568-385765FDD372}"/>
               </a:ext>
             </a:extLst>
           </p:cNvPr>
@@ -16099,7 +15993,7 @@
           <p:cNvPr id="72" name="椭圆 71">
             <a:extLst>
               <a:ext uri="{FF2B5EF4-FFF2-40B4-BE49-F238E27FC236}">
-                <a16:creationId xmlns:a16="http://schemas.microsoft.com/office/drawing/2014/main" xmlns="" id="{CD70E9C7-E090-FC47-B17E-B628E54D05FA}"/>
+                <a16:creationId xmlns:a16="http://schemas.microsoft.com/office/drawing/2014/main" id="{CD70E9C7-E090-FC47-B17E-B628E54D05FA}"/>
               </a:ext>
             </a:extLst>
           </p:cNvPr>
@@ -16145,7 +16039,7 @@
           <p:cNvPr id="73" name="直线连接符 72">
             <a:extLst>
               <a:ext uri="{FF2B5EF4-FFF2-40B4-BE49-F238E27FC236}">
-                <a16:creationId xmlns:a16="http://schemas.microsoft.com/office/drawing/2014/main" xmlns="" id="{8F3893D3-96CB-E14C-B718-FF139035D674}"/>
+                <a16:creationId xmlns:a16="http://schemas.microsoft.com/office/drawing/2014/main" id="{8F3893D3-96CB-E14C-B718-FF139035D674}"/>
               </a:ext>
             </a:extLst>
           </p:cNvPr>
@@ -16190,7 +16084,7 @@
           <p:cNvPr id="74" name="直线连接符 73">
             <a:extLst>
               <a:ext uri="{FF2B5EF4-FFF2-40B4-BE49-F238E27FC236}">
-                <a16:creationId xmlns:a16="http://schemas.microsoft.com/office/drawing/2014/main" xmlns="" id="{0FAEEE3F-00C1-C94A-97FA-CE21D40B8CB7}"/>
+                <a16:creationId xmlns:a16="http://schemas.microsoft.com/office/drawing/2014/main" id="{0FAEEE3F-00C1-C94A-97FA-CE21D40B8CB7}"/>
               </a:ext>
             </a:extLst>
           </p:cNvPr>
@@ -16235,7 +16129,7 @@
           <p:cNvPr id="75" name="矩形 74">
             <a:extLst>
               <a:ext uri="{FF2B5EF4-FFF2-40B4-BE49-F238E27FC236}">
-                <a16:creationId xmlns:a16="http://schemas.microsoft.com/office/drawing/2014/main" xmlns="" id="{E75CA6BA-015B-014E-AB8A-35BF63F8E901}"/>
+                <a16:creationId xmlns:a16="http://schemas.microsoft.com/office/drawing/2014/main" id="{E75CA6BA-015B-014E-AB8A-35BF63F8E901}"/>
               </a:ext>
             </a:extLst>
           </p:cNvPr>
@@ -16281,7 +16175,7 @@
           <p:cNvPr id="76" name="矩形 75">
             <a:extLst>
               <a:ext uri="{FF2B5EF4-FFF2-40B4-BE49-F238E27FC236}">
-                <a16:creationId xmlns:a16="http://schemas.microsoft.com/office/drawing/2014/main" xmlns="" id="{51D6FEDD-A53E-A24B-BE7E-092955A49847}"/>
+                <a16:creationId xmlns:a16="http://schemas.microsoft.com/office/drawing/2014/main" id="{51D6FEDD-A53E-A24B-BE7E-092955A49847}"/>
               </a:ext>
             </a:extLst>
           </p:cNvPr>
@@ -16327,7 +16221,7 @@
           <p:cNvPr id="77" name="椭圆 76">
             <a:extLst>
               <a:ext uri="{FF2B5EF4-FFF2-40B4-BE49-F238E27FC236}">
-                <a16:creationId xmlns:a16="http://schemas.microsoft.com/office/drawing/2014/main" xmlns="" id="{28C8ED9E-0A7A-F143-9504-88BA23264A68}"/>
+                <a16:creationId xmlns:a16="http://schemas.microsoft.com/office/drawing/2014/main" id="{28C8ED9E-0A7A-F143-9504-88BA23264A68}"/>
               </a:ext>
             </a:extLst>
           </p:cNvPr>
@@ -16373,7 +16267,7 @@
           <p:cNvPr id="78" name="直线连接符 77">
             <a:extLst>
               <a:ext uri="{FF2B5EF4-FFF2-40B4-BE49-F238E27FC236}">
-                <a16:creationId xmlns:a16="http://schemas.microsoft.com/office/drawing/2014/main" xmlns="" id="{D7C680DE-E525-3D4F-B145-B7C61368168A}"/>
+                <a16:creationId xmlns:a16="http://schemas.microsoft.com/office/drawing/2014/main" id="{D7C680DE-E525-3D4F-B145-B7C61368168A}"/>
               </a:ext>
             </a:extLst>
           </p:cNvPr>
@@ -16418,7 +16312,7 @@
           <p:cNvPr id="79" name="直线连接符 78">
             <a:extLst>
               <a:ext uri="{FF2B5EF4-FFF2-40B4-BE49-F238E27FC236}">
-                <a16:creationId xmlns:a16="http://schemas.microsoft.com/office/drawing/2014/main" xmlns="" id="{52E496C5-2194-5540-8B69-4A614CB2C695}"/>
+                <a16:creationId xmlns:a16="http://schemas.microsoft.com/office/drawing/2014/main" id="{52E496C5-2194-5540-8B69-4A614CB2C695}"/>
               </a:ext>
             </a:extLst>
           </p:cNvPr>
@@ -16463,7 +16357,7 @@
           <p:cNvPr id="80" name="直线连接符 79">
             <a:extLst>
               <a:ext uri="{FF2B5EF4-FFF2-40B4-BE49-F238E27FC236}">
-                <a16:creationId xmlns:a16="http://schemas.microsoft.com/office/drawing/2014/main" xmlns="" id="{B2F72FF8-CB71-9440-8AB4-9B899631BE0A}"/>
+                <a16:creationId xmlns:a16="http://schemas.microsoft.com/office/drawing/2014/main" id="{B2F72FF8-CB71-9440-8AB4-9B899631BE0A}"/>
               </a:ext>
             </a:extLst>
           </p:cNvPr>
@@ -16508,7 +16402,7 @@
           <p:cNvPr id="83" name="直线连接符 82">
             <a:extLst>
               <a:ext uri="{FF2B5EF4-FFF2-40B4-BE49-F238E27FC236}">
-                <a16:creationId xmlns:a16="http://schemas.microsoft.com/office/drawing/2014/main" xmlns="" id="{CB8ECDB2-18F6-ED40-BF29-0E4204300FF1}"/>
+                <a16:creationId xmlns:a16="http://schemas.microsoft.com/office/drawing/2014/main" id="{CB8ECDB2-18F6-ED40-BF29-0E4204300FF1}"/>
               </a:ext>
             </a:extLst>
           </p:cNvPr>
@@ -16553,7 +16447,7 @@
           <p:cNvPr id="86" name="椭圆 85">
             <a:extLst>
               <a:ext uri="{FF2B5EF4-FFF2-40B4-BE49-F238E27FC236}">
-                <a16:creationId xmlns:a16="http://schemas.microsoft.com/office/drawing/2014/main" xmlns="" id="{D1E67824-653C-E74B-968D-3A3D0E990C80}"/>
+                <a16:creationId xmlns:a16="http://schemas.microsoft.com/office/drawing/2014/main" id="{D1E67824-653C-E74B-968D-3A3D0E990C80}"/>
               </a:ext>
             </a:extLst>
           </p:cNvPr>
@@ -16602,7 +16496,7 @@
           <p:cNvPr id="87" name="矩形 86">
             <a:extLst>
               <a:ext uri="{FF2B5EF4-FFF2-40B4-BE49-F238E27FC236}">
-                <a16:creationId xmlns:a16="http://schemas.microsoft.com/office/drawing/2014/main" xmlns="" id="{CE639E0C-5CED-7845-B8E2-188D7E851CD1}"/>
+                <a16:creationId xmlns:a16="http://schemas.microsoft.com/office/drawing/2014/main" id="{CE639E0C-5CED-7845-B8E2-188D7E851CD1}"/>
               </a:ext>
             </a:extLst>
           </p:cNvPr>
@@ -16656,7 +16550,7 @@
           <p:cNvPr id="88" name="矩形 87">
             <a:extLst>
               <a:ext uri="{FF2B5EF4-FFF2-40B4-BE49-F238E27FC236}">
-                <a16:creationId xmlns:a16="http://schemas.microsoft.com/office/drawing/2014/main" xmlns="" id="{ED911405-A61F-AF48-87AF-11B13D5DAF38}"/>
+                <a16:creationId xmlns:a16="http://schemas.microsoft.com/office/drawing/2014/main" id="{ED911405-A61F-AF48-87AF-11B13D5DAF38}"/>
               </a:ext>
             </a:extLst>
           </p:cNvPr>
@@ -16702,7 +16596,7 @@
           <p:cNvPr id="89" name="椭圆 88">
             <a:extLst>
               <a:ext uri="{FF2B5EF4-FFF2-40B4-BE49-F238E27FC236}">
-                <a16:creationId xmlns:a16="http://schemas.microsoft.com/office/drawing/2014/main" xmlns="" id="{451C4244-70E6-4542-8B8C-950146583A1D}"/>
+                <a16:creationId xmlns:a16="http://schemas.microsoft.com/office/drawing/2014/main" id="{451C4244-70E6-4542-8B8C-950146583A1D}"/>
               </a:ext>
             </a:extLst>
           </p:cNvPr>
@@ -16751,7 +16645,7 @@
           <p:cNvPr id="90" name="直线连接符 89">
             <a:extLst>
               <a:ext uri="{FF2B5EF4-FFF2-40B4-BE49-F238E27FC236}">
-                <a16:creationId xmlns:a16="http://schemas.microsoft.com/office/drawing/2014/main" xmlns="" id="{D8A0E0E2-635A-C94E-AED8-A6524FE9CF46}"/>
+                <a16:creationId xmlns:a16="http://schemas.microsoft.com/office/drawing/2014/main" id="{D8A0E0E2-635A-C94E-AED8-A6524FE9CF46}"/>
               </a:ext>
             </a:extLst>
           </p:cNvPr>
@@ -16796,7 +16690,7 @@
           <p:cNvPr id="91" name="直线连接符 90">
             <a:extLst>
               <a:ext uri="{FF2B5EF4-FFF2-40B4-BE49-F238E27FC236}">
-                <a16:creationId xmlns:a16="http://schemas.microsoft.com/office/drawing/2014/main" xmlns="" id="{91DCF7F9-7067-4742-AAE9-5541B02DA910}"/>
+                <a16:creationId xmlns:a16="http://schemas.microsoft.com/office/drawing/2014/main" id="{91DCF7F9-7067-4742-AAE9-5541B02DA910}"/>
               </a:ext>
             </a:extLst>
           </p:cNvPr>
@@ -16841,7 +16735,7 @@
           <p:cNvPr id="92" name="矩形 91">
             <a:extLst>
               <a:ext uri="{FF2B5EF4-FFF2-40B4-BE49-F238E27FC236}">
-                <a16:creationId xmlns:a16="http://schemas.microsoft.com/office/drawing/2014/main" xmlns="" id="{60E7D525-D61D-134B-B62D-5B76DDCC14F5}"/>
+                <a16:creationId xmlns:a16="http://schemas.microsoft.com/office/drawing/2014/main" id="{60E7D525-D61D-134B-B62D-5B76DDCC14F5}"/>
               </a:ext>
             </a:extLst>
           </p:cNvPr>
@@ -16887,7 +16781,7 @@
           <p:cNvPr id="93" name="矩形 92">
             <a:extLst>
               <a:ext uri="{FF2B5EF4-FFF2-40B4-BE49-F238E27FC236}">
-                <a16:creationId xmlns:a16="http://schemas.microsoft.com/office/drawing/2014/main" xmlns="" id="{A8800A96-5B4C-5445-B173-27E1FC332247}"/>
+                <a16:creationId xmlns:a16="http://schemas.microsoft.com/office/drawing/2014/main" id="{A8800A96-5B4C-5445-B173-27E1FC332247}"/>
               </a:ext>
             </a:extLst>
           </p:cNvPr>
@@ -16933,7 +16827,7 @@
           <p:cNvPr id="94" name="椭圆 93">
             <a:extLst>
               <a:ext uri="{FF2B5EF4-FFF2-40B4-BE49-F238E27FC236}">
-                <a16:creationId xmlns:a16="http://schemas.microsoft.com/office/drawing/2014/main" xmlns="" id="{EB4A5D39-59E0-BC46-A35D-1B10808219D4}"/>
+                <a16:creationId xmlns:a16="http://schemas.microsoft.com/office/drawing/2014/main" id="{EB4A5D39-59E0-BC46-A35D-1B10808219D4}"/>
               </a:ext>
             </a:extLst>
           </p:cNvPr>
@@ -16979,7 +16873,7 @@
           <p:cNvPr id="95" name="直线连接符 94">
             <a:extLst>
               <a:ext uri="{FF2B5EF4-FFF2-40B4-BE49-F238E27FC236}">
-                <a16:creationId xmlns:a16="http://schemas.microsoft.com/office/drawing/2014/main" xmlns="" id="{5A6A792C-A19D-8D40-B56B-9279B5CE0D85}"/>
+                <a16:creationId xmlns:a16="http://schemas.microsoft.com/office/drawing/2014/main" id="{5A6A792C-A19D-8D40-B56B-9279B5CE0D85}"/>
               </a:ext>
             </a:extLst>
           </p:cNvPr>
@@ -17024,7 +16918,7 @@
           <p:cNvPr id="96" name="直线连接符 95">
             <a:extLst>
               <a:ext uri="{FF2B5EF4-FFF2-40B4-BE49-F238E27FC236}">
-                <a16:creationId xmlns:a16="http://schemas.microsoft.com/office/drawing/2014/main" xmlns="" id="{D5A10680-6902-4244-B81A-7EBDAED0CFDF}"/>
+                <a16:creationId xmlns:a16="http://schemas.microsoft.com/office/drawing/2014/main" id="{D5A10680-6902-4244-B81A-7EBDAED0CFDF}"/>
               </a:ext>
             </a:extLst>
           </p:cNvPr>
@@ -17069,7 +16963,7 @@
           <p:cNvPr id="97" name="直线连接符 96">
             <a:extLst>
               <a:ext uri="{FF2B5EF4-FFF2-40B4-BE49-F238E27FC236}">
-                <a16:creationId xmlns:a16="http://schemas.microsoft.com/office/drawing/2014/main" xmlns="" id="{4C7B2CBB-05F8-1C48-BB82-81EFD7C255EE}"/>
+                <a16:creationId xmlns:a16="http://schemas.microsoft.com/office/drawing/2014/main" id="{4C7B2CBB-05F8-1C48-BB82-81EFD7C255EE}"/>
               </a:ext>
             </a:extLst>
           </p:cNvPr>
@@ -17114,7 +17008,7 @@
           <p:cNvPr id="98" name="直线连接符 97">
             <a:extLst>
               <a:ext uri="{FF2B5EF4-FFF2-40B4-BE49-F238E27FC236}">
-                <a16:creationId xmlns:a16="http://schemas.microsoft.com/office/drawing/2014/main" xmlns="" id="{BCCCD3ED-50F1-7A49-8FF2-C0393660C362}"/>
+                <a16:creationId xmlns:a16="http://schemas.microsoft.com/office/drawing/2014/main" id="{BCCCD3ED-50F1-7A49-8FF2-C0393660C362}"/>
               </a:ext>
             </a:extLst>
           </p:cNvPr>
@@ -17159,7 +17053,7 @@
           <p:cNvPr id="99" name="直线连接符 98">
             <a:extLst>
               <a:ext uri="{FF2B5EF4-FFF2-40B4-BE49-F238E27FC236}">
-                <a16:creationId xmlns:a16="http://schemas.microsoft.com/office/drawing/2014/main" xmlns="" id="{54CA5F68-92C8-D245-B66B-0A8135500154}"/>
+                <a16:creationId xmlns:a16="http://schemas.microsoft.com/office/drawing/2014/main" id="{54CA5F68-92C8-D245-B66B-0A8135500154}"/>
               </a:ext>
             </a:extLst>
           </p:cNvPr>
@@ -17204,7 +17098,7 @@
           <p:cNvPr id="102" name="直线连接符 101">
             <a:extLst>
               <a:ext uri="{FF2B5EF4-FFF2-40B4-BE49-F238E27FC236}">
-                <a16:creationId xmlns:a16="http://schemas.microsoft.com/office/drawing/2014/main" xmlns="" id="{D25792AE-BA15-4C4D-9B9B-E8116F709353}"/>
+                <a16:creationId xmlns:a16="http://schemas.microsoft.com/office/drawing/2014/main" id="{D25792AE-BA15-4C4D-9B9B-E8116F709353}"/>
               </a:ext>
             </a:extLst>
           </p:cNvPr>
@@ -17249,7 +17143,7 @@
           <p:cNvPr id="134" name="椭圆 133">
             <a:extLst>
               <a:ext uri="{FF2B5EF4-FFF2-40B4-BE49-F238E27FC236}">
-                <a16:creationId xmlns:a16="http://schemas.microsoft.com/office/drawing/2014/main" xmlns="" id="{D812FCEC-45C2-B344-801D-231FDC0CD8C9}"/>
+                <a16:creationId xmlns:a16="http://schemas.microsoft.com/office/drawing/2014/main" id="{D812FCEC-45C2-B344-801D-231FDC0CD8C9}"/>
               </a:ext>
             </a:extLst>
           </p:cNvPr>
@@ -17295,7 +17189,7 @@
           <p:cNvPr id="135" name="椭圆 134">
             <a:extLst>
               <a:ext uri="{FF2B5EF4-FFF2-40B4-BE49-F238E27FC236}">
-                <a16:creationId xmlns:a16="http://schemas.microsoft.com/office/drawing/2014/main" xmlns="" id="{45853432-1967-0E48-92F5-0FE48174D819}"/>
+                <a16:creationId xmlns:a16="http://schemas.microsoft.com/office/drawing/2014/main" id="{45853432-1967-0E48-92F5-0FE48174D819}"/>
               </a:ext>
             </a:extLst>
           </p:cNvPr>
@@ -17344,7 +17238,7 @@
           <p:cNvPr id="136" name="矩形 135">
             <a:extLst>
               <a:ext uri="{FF2B5EF4-FFF2-40B4-BE49-F238E27FC236}">
-                <a16:creationId xmlns:a16="http://schemas.microsoft.com/office/drawing/2014/main" xmlns="" id="{53905ACF-99DD-F742-B3F9-98736B3484DB}"/>
+                <a16:creationId xmlns:a16="http://schemas.microsoft.com/office/drawing/2014/main" id="{53905ACF-99DD-F742-B3F9-98736B3484DB}"/>
               </a:ext>
             </a:extLst>
           </p:cNvPr>
@@ -17390,7 +17284,7 @@
           <p:cNvPr id="137" name="矩形 136">
             <a:extLst>
               <a:ext uri="{FF2B5EF4-FFF2-40B4-BE49-F238E27FC236}">
-                <a16:creationId xmlns:a16="http://schemas.microsoft.com/office/drawing/2014/main" xmlns="" id="{B89B761A-F90C-EE46-9B43-C6656AC2353C}"/>
+                <a16:creationId xmlns:a16="http://schemas.microsoft.com/office/drawing/2014/main" id="{B89B761A-F90C-EE46-9B43-C6656AC2353C}"/>
               </a:ext>
             </a:extLst>
           </p:cNvPr>
@@ -17436,7 +17330,7 @@
           <p:cNvPr id="138" name="椭圆 137">
             <a:extLst>
               <a:ext uri="{FF2B5EF4-FFF2-40B4-BE49-F238E27FC236}">
-                <a16:creationId xmlns:a16="http://schemas.microsoft.com/office/drawing/2014/main" xmlns="" id="{1C8B860B-F86D-4B4B-9193-876CD7DC0907}"/>
+                <a16:creationId xmlns:a16="http://schemas.microsoft.com/office/drawing/2014/main" id="{1C8B860B-F86D-4B4B-9193-876CD7DC0907}"/>
               </a:ext>
             </a:extLst>
           </p:cNvPr>
@@ -17482,7 +17376,7 @@
           <p:cNvPr id="139" name="直线连接符 138">
             <a:extLst>
               <a:ext uri="{FF2B5EF4-FFF2-40B4-BE49-F238E27FC236}">
-                <a16:creationId xmlns:a16="http://schemas.microsoft.com/office/drawing/2014/main" xmlns="" id="{38202E17-7B59-C649-865C-21D4F76A306D}"/>
+                <a16:creationId xmlns:a16="http://schemas.microsoft.com/office/drawing/2014/main" id="{38202E17-7B59-C649-865C-21D4F76A306D}"/>
               </a:ext>
             </a:extLst>
           </p:cNvPr>
@@ -17527,7 +17421,7 @@
           <p:cNvPr id="140" name="直线连接符 139">
             <a:extLst>
               <a:ext uri="{FF2B5EF4-FFF2-40B4-BE49-F238E27FC236}">
-                <a16:creationId xmlns:a16="http://schemas.microsoft.com/office/drawing/2014/main" xmlns="" id="{A686937A-936E-D841-80F9-D60C793716A1}"/>
+                <a16:creationId xmlns:a16="http://schemas.microsoft.com/office/drawing/2014/main" id="{A686937A-936E-D841-80F9-D60C793716A1}"/>
               </a:ext>
             </a:extLst>
           </p:cNvPr>
@@ -17572,7 +17466,7 @@
           <p:cNvPr id="141" name="矩形 140">
             <a:extLst>
               <a:ext uri="{FF2B5EF4-FFF2-40B4-BE49-F238E27FC236}">
-                <a16:creationId xmlns:a16="http://schemas.microsoft.com/office/drawing/2014/main" xmlns="" id="{D3476BC9-3617-2349-AD3A-4D84C847071B}"/>
+                <a16:creationId xmlns:a16="http://schemas.microsoft.com/office/drawing/2014/main" id="{D3476BC9-3617-2349-AD3A-4D84C847071B}"/>
               </a:ext>
             </a:extLst>
           </p:cNvPr>
@@ -17618,7 +17512,7 @@
           <p:cNvPr id="142" name="矩形 141">
             <a:extLst>
               <a:ext uri="{FF2B5EF4-FFF2-40B4-BE49-F238E27FC236}">
-                <a16:creationId xmlns:a16="http://schemas.microsoft.com/office/drawing/2014/main" xmlns="" id="{35D61483-E1EA-2F47-A87D-5C5DAAF4C881}"/>
+                <a16:creationId xmlns:a16="http://schemas.microsoft.com/office/drawing/2014/main" id="{35D61483-E1EA-2F47-A87D-5C5DAAF4C881}"/>
               </a:ext>
             </a:extLst>
           </p:cNvPr>
@@ -17664,7 +17558,7 @@
           <p:cNvPr id="143" name="椭圆 142">
             <a:extLst>
               <a:ext uri="{FF2B5EF4-FFF2-40B4-BE49-F238E27FC236}">
-                <a16:creationId xmlns:a16="http://schemas.microsoft.com/office/drawing/2014/main" xmlns="" id="{E2395878-95EC-F440-B899-6DB2E3106F63}"/>
+                <a16:creationId xmlns:a16="http://schemas.microsoft.com/office/drawing/2014/main" id="{E2395878-95EC-F440-B899-6DB2E3106F63}"/>
               </a:ext>
             </a:extLst>
           </p:cNvPr>
@@ -17710,7 +17604,7 @@
           <p:cNvPr id="144" name="直线连接符 143">
             <a:extLst>
               <a:ext uri="{FF2B5EF4-FFF2-40B4-BE49-F238E27FC236}">
-                <a16:creationId xmlns:a16="http://schemas.microsoft.com/office/drawing/2014/main" xmlns="" id="{CD20C65D-F06D-DD44-B428-C81AA47372D7}"/>
+                <a16:creationId xmlns:a16="http://schemas.microsoft.com/office/drawing/2014/main" id="{CD20C65D-F06D-DD44-B428-C81AA47372D7}"/>
               </a:ext>
             </a:extLst>
           </p:cNvPr>
@@ -17755,7 +17649,7 @@
           <p:cNvPr id="145" name="直线连接符 144">
             <a:extLst>
               <a:ext uri="{FF2B5EF4-FFF2-40B4-BE49-F238E27FC236}">
-                <a16:creationId xmlns:a16="http://schemas.microsoft.com/office/drawing/2014/main" xmlns="" id="{4A9E221B-42B3-C740-B0F0-1A2B9833930E}"/>
+                <a16:creationId xmlns:a16="http://schemas.microsoft.com/office/drawing/2014/main" id="{4A9E221B-42B3-C740-B0F0-1A2B9833930E}"/>
               </a:ext>
             </a:extLst>
           </p:cNvPr>
@@ -17800,7 +17694,7 @@
           <p:cNvPr id="146" name="直线连接符 145">
             <a:extLst>
               <a:ext uri="{FF2B5EF4-FFF2-40B4-BE49-F238E27FC236}">
-                <a16:creationId xmlns:a16="http://schemas.microsoft.com/office/drawing/2014/main" xmlns="" id="{A7B7AC7C-9690-9944-B1FE-CBA8452577D4}"/>
+                <a16:creationId xmlns:a16="http://schemas.microsoft.com/office/drawing/2014/main" id="{A7B7AC7C-9690-9944-B1FE-CBA8452577D4}"/>
               </a:ext>
             </a:extLst>
           </p:cNvPr>
@@ -17845,7 +17739,7 @@
           <p:cNvPr id="147" name="直线连接符 146">
             <a:extLst>
               <a:ext uri="{FF2B5EF4-FFF2-40B4-BE49-F238E27FC236}">
-                <a16:creationId xmlns:a16="http://schemas.microsoft.com/office/drawing/2014/main" xmlns="" id="{6D66B493-EBF1-EC42-BE0A-D44EB359DE35}"/>
+                <a16:creationId xmlns:a16="http://schemas.microsoft.com/office/drawing/2014/main" id="{6D66B493-EBF1-EC42-BE0A-D44EB359DE35}"/>
               </a:ext>
             </a:extLst>
           </p:cNvPr>
@@ -17890,7 +17784,7 @@
           <p:cNvPr id="148" name="椭圆 147">
             <a:extLst>
               <a:ext uri="{FF2B5EF4-FFF2-40B4-BE49-F238E27FC236}">
-                <a16:creationId xmlns:a16="http://schemas.microsoft.com/office/drawing/2014/main" xmlns="" id="{9671E381-8C9A-7249-8690-9A97FE6CEC37}"/>
+                <a16:creationId xmlns:a16="http://schemas.microsoft.com/office/drawing/2014/main" id="{9671E381-8C9A-7249-8690-9A97FE6CEC37}"/>
               </a:ext>
             </a:extLst>
           </p:cNvPr>
@@ -17939,7 +17833,7 @@
           <p:cNvPr id="149" name="矩形 148">
             <a:extLst>
               <a:ext uri="{FF2B5EF4-FFF2-40B4-BE49-F238E27FC236}">
-                <a16:creationId xmlns:a16="http://schemas.microsoft.com/office/drawing/2014/main" xmlns="" id="{88213569-380C-704D-8320-D89BC8332040}"/>
+                <a16:creationId xmlns:a16="http://schemas.microsoft.com/office/drawing/2014/main" id="{88213569-380C-704D-8320-D89BC8332040}"/>
               </a:ext>
             </a:extLst>
           </p:cNvPr>
@@ -17985,7 +17879,7 @@
           <p:cNvPr id="150" name="矩形 149">
             <a:extLst>
               <a:ext uri="{FF2B5EF4-FFF2-40B4-BE49-F238E27FC236}">
-                <a16:creationId xmlns:a16="http://schemas.microsoft.com/office/drawing/2014/main" xmlns="" id="{CC2D48BD-2F54-1846-9FE6-B2926D606B96}"/>
+                <a16:creationId xmlns:a16="http://schemas.microsoft.com/office/drawing/2014/main" id="{CC2D48BD-2F54-1846-9FE6-B2926D606B96}"/>
               </a:ext>
             </a:extLst>
           </p:cNvPr>
@@ -18031,7 +17925,7 @@
           <p:cNvPr id="151" name="椭圆 150">
             <a:extLst>
               <a:ext uri="{FF2B5EF4-FFF2-40B4-BE49-F238E27FC236}">
-                <a16:creationId xmlns:a16="http://schemas.microsoft.com/office/drawing/2014/main" xmlns="" id="{CC3C0616-22E1-C94C-8B56-7F7DD53DC4D3}"/>
+                <a16:creationId xmlns:a16="http://schemas.microsoft.com/office/drawing/2014/main" id="{CC3C0616-22E1-C94C-8B56-7F7DD53DC4D3}"/>
               </a:ext>
             </a:extLst>
           </p:cNvPr>
@@ -18077,7 +17971,7 @@
           <p:cNvPr id="152" name="直线连接符 151">
             <a:extLst>
               <a:ext uri="{FF2B5EF4-FFF2-40B4-BE49-F238E27FC236}">
-                <a16:creationId xmlns:a16="http://schemas.microsoft.com/office/drawing/2014/main" xmlns="" id="{60B11272-6AB9-CA4C-B732-26120A0C2D95}"/>
+                <a16:creationId xmlns:a16="http://schemas.microsoft.com/office/drawing/2014/main" id="{60B11272-6AB9-CA4C-B732-26120A0C2D95}"/>
               </a:ext>
             </a:extLst>
           </p:cNvPr>
@@ -18122,7 +18016,7 @@
           <p:cNvPr id="153" name="直线连接符 152">
             <a:extLst>
               <a:ext uri="{FF2B5EF4-FFF2-40B4-BE49-F238E27FC236}">
-                <a16:creationId xmlns:a16="http://schemas.microsoft.com/office/drawing/2014/main" xmlns="" id="{ED220DF5-351F-AF4A-BFC5-E3A9ACFD304F}"/>
+                <a16:creationId xmlns:a16="http://schemas.microsoft.com/office/drawing/2014/main" id="{ED220DF5-351F-AF4A-BFC5-E3A9ACFD304F}"/>
               </a:ext>
             </a:extLst>
           </p:cNvPr>
@@ -18167,7 +18061,7 @@
           <p:cNvPr id="154" name="矩形 153">
             <a:extLst>
               <a:ext uri="{FF2B5EF4-FFF2-40B4-BE49-F238E27FC236}">
-                <a16:creationId xmlns:a16="http://schemas.microsoft.com/office/drawing/2014/main" xmlns="" id="{4B8DE2BB-3A6E-E14F-8864-AA75D7DDD0E9}"/>
+                <a16:creationId xmlns:a16="http://schemas.microsoft.com/office/drawing/2014/main" id="{4B8DE2BB-3A6E-E14F-8864-AA75D7DDD0E9}"/>
               </a:ext>
             </a:extLst>
           </p:cNvPr>
@@ -18213,7 +18107,7 @@
           <p:cNvPr id="155" name="矩形 154">
             <a:extLst>
               <a:ext uri="{FF2B5EF4-FFF2-40B4-BE49-F238E27FC236}">
-                <a16:creationId xmlns:a16="http://schemas.microsoft.com/office/drawing/2014/main" xmlns="" id="{72AE0033-0163-7044-AE9F-701DB78B7EF9}"/>
+                <a16:creationId xmlns:a16="http://schemas.microsoft.com/office/drawing/2014/main" id="{72AE0033-0163-7044-AE9F-701DB78B7EF9}"/>
               </a:ext>
             </a:extLst>
           </p:cNvPr>
@@ -18267,7 +18161,7 @@
           <p:cNvPr id="156" name="椭圆 155">
             <a:extLst>
               <a:ext uri="{FF2B5EF4-FFF2-40B4-BE49-F238E27FC236}">
-                <a16:creationId xmlns:a16="http://schemas.microsoft.com/office/drawing/2014/main" xmlns="" id="{8ABA1EAD-85CF-F84F-AE56-875490D8D171}"/>
+                <a16:creationId xmlns:a16="http://schemas.microsoft.com/office/drawing/2014/main" id="{8ABA1EAD-85CF-F84F-AE56-875490D8D171}"/>
               </a:ext>
             </a:extLst>
           </p:cNvPr>
@@ -18316,7 +18210,7 @@
           <p:cNvPr id="157" name="直线连接符 156">
             <a:extLst>
               <a:ext uri="{FF2B5EF4-FFF2-40B4-BE49-F238E27FC236}">
-                <a16:creationId xmlns:a16="http://schemas.microsoft.com/office/drawing/2014/main" xmlns="" id="{2C4DA044-EEA3-2648-9022-9D4B646E54CE}"/>
+                <a16:creationId xmlns:a16="http://schemas.microsoft.com/office/drawing/2014/main" id="{2C4DA044-EEA3-2648-9022-9D4B646E54CE}"/>
               </a:ext>
             </a:extLst>
           </p:cNvPr>
@@ -18361,7 +18255,7 @@
           <p:cNvPr id="158" name="直线连接符 157">
             <a:extLst>
               <a:ext uri="{FF2B5EF4-FFF2-40B4-BE49-F238E27FC236}">
-                <a16:creationId xmlns:a16="http://schemas.microsoft.com/office/drawing/2014/main" xmlns="" id="{678F7910-1BFB-1C48-A5F5-C6B0119E35A2}"/>
+                <a16:creationId xmlns:a16="http://schemas.microsoft.com/office/drawing/2014/main" id="{678F7910-1BFB-1C48-A5F5-C6B0119E35A2}"/>
               </a:ext>
             </a:extLst>
           </p:cNvPr>
@@ -18406,7 +18300,7 @@
           <p:cNvPr id="159" name="直线连接符 158">
             <a:extLst>
               <a:ext uri="{FF2B5EF4-FFF2-40B4-BE49-F238E27FC236}">
-                <a16:creationId xmlns:a16="http://schemas.microsoft.com/office/drawing/2014/main" xmlns="" id="{FD1849BE-468D-E749-AF86-14B2A3AD676B}"/>
+                <a16:creationId xmlns:a16="http://schemas.microsoft.com/office/drawing/2014/main" id="{FD1849BE-468D-E749-AF86-14B2A3AD676B}"/>
               </a:ext>
             </a:extLst>
           </p:cNvPr>
@@ -18451,7 +18345,7 @@
           <p:cNvPr id="160" name="直线连接符 159">
             <a:extLst>
               <a:ext uri="{FF2B5EF4-FFF2-40B4-BE49-F238E27FC236}">
-                <a16:creationId xmlns:a16="http://schemas.microsoft.com/office/drawing/2014/main" xmlns="" id="{87FC241E-5606-0041-957F-54DD1CBD07D5}"/>
+                <a16:creationId xmlns:a16="http://schemas.microsoft.com/office/drawing/2014/main" id="{87FC241E-5606-0041-957F-54DD1CBD07D5}"/>
               </a:ext>
             </a:extLst>
           </p:cNvPr>
@@ -18496,7 +18390,7 @@
           <p:cNvPr id="161" name="直线连接符 160">
             <a:extLst>
               <a:ext uri="{FF2B5EF4-FFF2-40B4-BE49-F238E27FC236}">
-                <a16:creationId xmlns:a16="http://schemas.microsoft.com/office/drawing/2014/main" xmlns="" id="{0BC2BEE3-84D2-ED4F-878B-6B9F20A153A1}"/>
+                <a16:creationId xmlns:a16="http://schemas.microsoft.com/office/drawing/2014/main" id="{0BC2BEE3-84D2-ED4F-878B-6B9F20A153A1}"/>
               </a:ext>
             </a:extLst>
           </p:cNvPr>
@@ -18541,7 +18435,7 @@
           <p:cNvPr id="162" name="直线连接符 161">
             <a:extLst>
               <a:ext uri="{FF2B5EF4-FFF2-40B4-BE49-F238E27FC236}">
-                <a16:creationId xmlns:a16="http://schemas.microsoft.com/office/drawing/2014/main" xmlns="" id="{59280443-0F11-4B41-9BEB-DBD789224C23}"/>
+                <a16:creationId xmlns:a16="http://schemas.microsoft.com/office/drawing/2014/main" id="{59280443-0F11-4B41-9BEB-DBD789224C23}"/>
               </a:ext>
             </a:extLst>
           </p:cNvPr>
@@ -18586,7 +18480,7 @@
           <p:cNvPr id="163" name="直线连接符 162">
             <a:extLst>
               <a:ext uri="{FF2B5EF4-FFF2-40B4-BE49-F238E27FC236}">
-                <a16:creationId xmlns:a16="http://schemas.microsoft.com/office/drawing/2014/main" xmlns="" id="{35C3ACE2-A346-E247-B354-ED1FEF266398}"/>
+                <a16:creationId xmlns:a16="http://schemas.microsoft.com/office/drawing/2014/main" id="{35C3ACE2-A346-E247-B354-ED1FEF266398}"/>
               </a:ext>
             </a:extLst>
           </p:cNvPr>
@@ -18631,7 +18525,7 @@
           <p:cNvPr id="167" name="直线连接符 166">
             <a:extLst>
               <a:ext uri="{FF2B5EF4-FFF2-40B4-BE49-F238E27FC236}">
-                <a16:creationId xmlns:a16="http://schemas.microsoft.com/office/drawing/2014/main" xmlns="" id="{270DAD3F-5BD1-114F-9BCB-96D7576A28B2}"/>
+                <a16:creationId xmlns:a16="http://schemas.microsoft.com/office/drawing/2014/main" id="{270DAD3F-5BD1-114F-9BCB-96D7576A28B2}"/>
               </a:ext>
             </a:extLst>
           </p:cNvPr>
@@ -18676,7 +18570,7 @@
           <p:cNvPr id="171" name="直线连接符 170">
             <a:extLst>
               <a:ext uri="{FF2B5EF4-FFF2-40B4-BE49-F238E27FC236}">
-                <a16:creationId xmlns:a16="http://schemas.microsoft.com/office/drawing/2014/main" xmlns="" id="{A69F57B0-9D7B-5543-B28B-F2BD7A758EDC}"/>
+                <a16:creationId xmlns:a16="http://schemas.microsoft.com/office/drawing/2014/main" id="{A69F57B0-9D7B-5543-B28B-F2BD7A758EDC}"/>
               </a:ext>
             </a:extLst>
           </p:cNvPr>
@@ -18721,7 +18615,7 @@
           <p:cNvPr id="174" name="直线连接符 173">
             <a:extLst>
               <a:ext uri="{FF2B5EF4-FFF2-40B4-BE49-F238E27FC236}">
-                <a16:creationId xmlns:a16="http://schemas.microsoft.com/office/drawing/2014/main" xmlns="" id="{FBDE3D2C-3C8B-684F-9435-9925D8338848}"/>
+                <a16:creationId xmlns:a16="http://schemas.microsoft.com/office/drawing/2014/main" id="{FBDE3D2C-3C8B-684F-9435-9925D8338848}"/>
               </a:ext>
             </a:extLst>
           </p:cNvPr>
@@ -18766,7 +18660,7 @@
           <p:cNvPr id="177" name="文本框 176">
             <a:extLst>
               <a:ext uri="{FF2B5EF4-FFF2-40B4-BE49-F238E27FC236}">
-                <a16:creationId xmlns:a16="http://schemas.microsoft.com/office/drawing/2014/main" xmlns="" id="{128FD6A5-9F23-3148-B97B-6423C263EA9F}"/>
+                <a16:creationId xmlns:a16="http://schemas.microsoft.com/office/drawing/2014/main" id="{128FD6A5-9F23-3148-B97B-6423C263EA9F}"/>
               </a:ext>
             </a:extLst>
           </p:cNvPr>
@@ -18808,7 +18702,7 @@
           <p:cNvPr id="178" name="文本框 177">
             <a:extLst>
               <a:ext uri="{FF2B5EF4-FFF2-40B4-BE49-F238E27FC236}">
-                <a16:creationId xmlns:a16="http://schemas.microsoft.com/office/drawing/2014/main" xmlns="" id="{0BD26BDE-C67E-6946-A6EF-445FF4963E5B}"/>
+                <a16:creationId xmlns:a16="http://schemas.microsoft.com/office/drawing/2014/main" id="{0BD26BDE-C67E-6946-A6EF-445FF4963E5B}"/>
               </a:ext>
             </a:extLst>
           </p:cNvPr>
@@ -18850,7 +18744,7 @@
           <p:cNvPr id="181" name="文本框 180">
             <a:extLst>
               <a:ext uri="{FF2B5EF4-FFF2-40B4-BE49-F238E27FC236}">
-                <a16:creationId xmlns:a16="http://schemas.microsoft.com/office/drawing/2014/main" xmlns="" id="{B1ADFEB5-0EA8-9B49-9D8B-245DE3DE3401}"/>
+                <a16:creationId xmlns:a16="http://schemas.microsoft.com/office/drawing/2014/main" id="{B1ADFEB5-0EA8-9B49-9D8B-245DE3DE3401}"/>
               </a:ext>
             </a:extLst>
           </p:cNvPr>
@@ -18892,7 +18786,7 @@
           <p:cNvPr id="182" name="文本框 181">
             <a:extLst>
               <a:ext uri="{FF2B5EF4-FFF2-40B4-BE49-F238E27FC236}">
-                <a16:creationId xmlns:a16="http://schemas.microsoft.com/office/drawing/2014/main" xmlns="" id="{43FD427D-A3AE-D444-9B78-34BD9AD289C2}"/>
+                <a16:creationId xmlns:a16="http://schemas.microsoft.com/office/drawing/2014/main" id="{43FD427D-A3AE-D444-9B78-34BD9AD289C2}"/>
               </a:ext>
             </a:extLst>
           </p:cNvPr>
@@ -18936,7 +18830,7 @@
               <p:cNvPr id="183" name="文本框 182">
                 <a:extLst>
                   <a:ext uri="{FF2B5EF4-FFF2-40B4-BE49-F238E27FC236}">
-                    <a16:creationId xmlns:a16="http://schemas.microsoft.com/office/drawing/2014/main" xmlns="" id="{3F3E9AD1-90DC-0E44-AD0E-A1BA45CD1F16}"/>
+                    <a16:creationId xmlns:a16="http://schemas.microsoft.com/office/drawing/2014/main" id="{3F3E9AD1-90DC-0E44-AD0E-A1BA45CD1F16}"/>
                   </a:ext>
                 </a:extLst>
               </p:cNvPr>
@@ -19012,7 +18906,7 @@
                         <m:dPr>
                           <m:ctrlPr>
                             <a:rPr kumimoji="1" lang="en-US" altLang="zh-CN" sz="2400" b="1" i="1" smtClean="0">
-                              <a:latin typeface="Cambria Math" charset="0"/>
+                              <a:latin typeface="Cambria Math" panose="02040503050406030204" pitchFamily="18" charset="0"/>
                               <a:cs typeface="Times New Roman" panose="02020603050405020304" pitchFamily="18" charset="0"/>
                             </a:rPr>
                           </m:ctrlPr>
@@ -19172,7 +19066,7 @@
           <p:cNvPr id="81" name="椭圆 80">
             <a:extLst>
               <a:ext uri="{FF2B5EF4-FFF2-40B4-BE49-F238E27FC236}">
-                <a16:creationId xmlns:a16="http://schemas.microsoft.com/office/drawing/2014/main" xmlns="" id="{D1E67824-653C-E74B-968D-3A3D0E990C80}"/>
+                <a16:creationId xmlns:a16="http://schemas.microsoft.com/office/drawing/2014/main" id="{D1E67824-653C-E74B-968D-3A3D0E990C80}"/>
               </a:ext>
             </a:extLst>
           </p:cNvPr>
@@ -19221,7 +19115,7 @@
           <p:cNvPr id="100" name="椭圆 99">
             <a:extLst>
               <a:ext uri="{FF2B5EF4-FFF2-40B4-BE49-F238E27FC236}">
-                <a16:creationId xmlns:a16="http://schemas.microsoft.com/office/drawing/2014/main" xmlns="" id="{FE177A80-294D-D74F-9193-54F0F6931790}"/>
+                <a16:creationId xmlns:a16="http://schemas.microsoft.com/office/drawing/2014/main" id="{FE177A80-294D-D74F-9193-54F0F6931790}"/>
               </a:ext>
             </a:extLst>
           </p:cNvPr>
@@ -19267,7 +19161,7 @@
           <p:cNvPr id="101" name="椭圆 100">
             <a:extLst>
               <a:ext uri="{FF2B5EF4-FFF2-40B4-BE49-F238E27FC236}">
-                <a16:creationId xmlns:a16="http://schemas.microsoft.com/office/drawing/2014/main" xmlns="" id="{9671E381-8C9A-7249-8690-9A97FE6CEC37}"/>
+                <a16:creationId xmlns:a16="http://schemas.microsoft.com/office/drawing/2014/main" id="{9671E381-8C9A-7249-8690-9A97FE6CEC37}"/>
               </a:ext>
             </a:extLst>
           </p:cNvPr>
@@ -19316,7 +19210,7 @@
           <p:cNvPr id="103" name="椭圆 102">
             <a:extLst>
               <a:ext uri="{FF2B5EF4-FFF2-40B4-BE49-F238E27FC236}">
-                <a16:creationId xmlns:a16="http://schemas.microsoft.com/office/drawing/2014/main" xmlns="" id="{D812FCEC-45C2-B344-801D-231FDC0CD8C9}"/>
+                <a16:creationId xmlns:a16="http://schemas.microsoft.com/office/drawing/2014/main" id="{D812FCEC-45C2-B344-801D-231FDC0CD8C9}"/>
               </a:ext>
             </a:extLst>
           </p:cNvPr>
@@ -19362,7 +19256,7 @@
           <p:cNvPr id="105" name="直线连接符 104">
             <a:extLst>
               <a:ext uri="{FF2B5EF4-FFF2-40B4-BE49-F238E27FC236}">
-                <a16:creationId xmlns:a16="http://schemas.microsoft.com/office/drawing/2014/main" xmlns="" id="{4C7B2CBB-05F8-1C48-BB82-81EFD7C255EE}"/>
+                <a16:creationId xmlns:a16="http://schemas.microsoft.com/office/drawing/2014/main" id="{4C7B2CBB-05F8-1C48-BB82-81EFD7C255EE}"/>
               </a:ext>
             </a:extLst>
           </p:cNvPr>
@@ -19407,7 +19301,7 @@
           <p:cNvPr id="106" name="直线连接符 105">
             <a:extLst>
               <a:ext uri="{FF2B5EF4-FFF2-40B4-BE49-F238E27FC236}">
-                <a16:creationId xmlns:a16="http://schemas.microsoft.com/office/drawing/2014/main" xmlns="" id="{4C7B2CBB-05F8-1C48-BB82-81EFD7C255EE}"/>
+                <a16:creationId xmlns:a16="http://schemas.microsoft.com/office/drawing/2014/main" id="{4C7B2CBB-05F8-1C48-BB82-81EFD7C255EE}"/>
               </a:ext>
             </a:extLst>
           </p:cNvPr>
@@ -19452,7 +19346,7 @@
           <p:cNvPr id="108" name="直线连接符 107">
             <a:extLst>
               <a:ext uri="{FF2B5EF4-FFF2-40B4-BE49-F238E27FC236}">
-                <a16:creationId xmlns:a16="http://schemas.microsoft.com/office/drawing/2014/main" xmlns="" id="{B2F72FF8-CB71-9440-8AB4-9B899631BE0A}"/>
+                <a16:creationId xmlns:a16="http://schemas.microsoft.com/office/drawing/2014/main" id="{B2F72FF8-CB71-9440-8AB4-9B899631BE0A}"/>
               </a:ext>
             </a:extLst>
           </p:cNvPr>
@@ -19497,7 +19391,7 @@
           <p:cNvPr id="111" name="直线连接符 110">
             <a:extLst>
               <a:ext uri="{FF2B5EF4-FFF2-40B4-BE49-F238E27FC236}">
-                <a16:creationId xmlns:a16="http://schemas.microsoft.com/office/drawing/2014/main" xmlns="" id="{B2F72FF8-CB71-9440-8AB4-9B899631BE0A}"/>
+                <a16:creationId xmlns:a16="http://schemas.microsoft.com/office/drawing/2014/main" id="{B2F72FF8-CB71-9440-8AB4-9B899631BE0A}"/>
               </a:ext>
             </a:extLst>
           </p:cNvPr>
@@ -19542,7 +19436,7 @@
           <p:cNvPr id="115" name="直线连接符 114">
             <a:extLst>
               <a:ext uri="{FF2B5EF4-FFF2-40B4-BE49-F238E27FC236}">
-                <a16:creationId xmlns:a16="http://schemas.microsoft.com/office/drawing/2014/main" xmlns="" id="{FD1849BE-468D-E749-AF86-14B2A3AD676B}"/>
+                <a16:creationId xmlns:a16="http://schemas.microsoft.com/office/drawing/2014/main" id="{FD1849BE-468D-E749-AF86-14B2A3AD676B}"/>
               </a:ext>
             </a:extLst>
           </p:cNvPr>
@@ -19587,7 +19481,7 @@
           <p:cNvPr id="118" name="直线连接符 117">
             <a:extLst>
               <a:ext uri="{FF2B5EF4-FFF2-40B4-BE49-F238E27FC236}">
-                <a16:creationId xmlns:a16="http://schemas.microsoft.com/office/drawing/2014/main" xmlns="" id="{FD1849BE-468D-E749-AF86-14B2A3AD676B}"/>
+                <a16:creationId xmlns:a16="http://schemas.microsoft.com/office/drawing/2014/main" id="{FD1849BE-468D-E749-AF86-14B2A3AD676B}"/>
               </a:ext>
             </a:extLst>
           </p:cNvPr>
@@ -19632,7 +19526,7 @@
           <p:cNvPr id="121" name="直线连接符 120">
             <a:extLst>
               <a:ext uri="{FF2B5EF4-FFF2-40B4-BE49-F238E27FC236}">
-                <a16:creationId xmlns:a16="http://schemas.microsoft.com/office/drawing/2014/main" xmlns="" id="{FD1849BE-468D-E749-AF86-14B2A3AD676B}"/>
+                <a16:creationId xmlns:a16="http://schemas.microsoft.com/office/drawing/2014/main" id="{FD1849BE-468D-E749-AF86-14B2A3AD676B}"/>
               </a:ext>
             </a:extLst>
           </p:cNvPr>
@@ -19677,7 +19571,7 @@
           <p:cNvPr id="125" name="直线连接符 124">
             <a:extLst>
               <a:ext uri="{FF2B5EF4-FFF2-40B4-BE49-F238E27FC236}">
-                <a16:creationId xmlns:a16="http://schemas.microsoft.com/office/drawing/2014/main" xmlns="" id="{FD1849BE-468D-E749-AF86-14B2A3AD676B}"/>
+                <a16:creationId xmlns:a16="http://schemas.microsoft.com/office/drawing/2014/main" id="{FD1849BE-468D-E749-AF86-14B2A3AD676B}"/>
               </a:ext>
             </a:extLst>
           </p:cNvPr>
@@ -19722,7 +19616,7 @@
           <p:cNvPr id="164" name="椭圆 163">
             <a:extLst>
               <a:ext uri="{FF2B5EF4-FFF2-40B4-BE49-F238E27FC236}">
-                <a16:creationId xmlns:a16="http://schemas.microsoft.com/office/drawing/2014/main" xmlns="" id="{BC6EE5D6-B812-5A44-8E2E-0D340A99F527}"/>
+                <a16:creationId xmlns:a16="http://schemas.microsoft.com/office/drawing/2014/main" id="{BC6EE5D6-B812-5A44-8E2E-0D340A99F527}"/>
               </a:ext>
             </a:extLst>
           </p:cNvPr>
@@ -19771,7 +19665,7 @@
           <p:cNvPr id="165" name="椭圆 164">
             <a:extLst>
               <a:ext uri="{FF2B5EF4-FFF2-40B4-BE49-F238E27FC236}">
-                <a16:creationId xmlns:a16="http://schemas.microsoft.com/office/drawing/2014/main" xmlns="" id="{BC6EE5D6-B812-5A44-8E2E-0D340A99F527}"/>
+                <a16:creationId xmlns:a16="http://schemas.microsoft.com/office/drawing/2014/main" id="{BC6EE5D6-B812-5A44-8E2E-0D340A99F527}"/>
               </a:ext>
             </a:extLst>
           </p:cNvPr>
@@ -19820,7 +19714,7 @@
           <p:cNvPr id="166" name="直线连接符 165">
             <a:extLst>
               <a:ext uri="{FF2B5EF4-FFF2-40B4-BE49-F238E27FC236}">
-                <a16:creationId xmlns:a16="http://schemas.microsoft.com/office/drawing/2014/main" xmlns="" id="{270DAD3F-5BD1-114F-9BCB-96D7576A28B2}"/>
+                <a16:creationId xmlns:a16="http://schemas.microsoft.com/office/drawing/2014/main" id="{270DAD3F-5BD1-114F-9BCB-96D7576A28B2}"/>
               </a:ext>
             </a:extLst>
           </p:cNvPr>
@@ -19865,7 +19759,7 @@
           <p:cNvPr id="168" name="直线连接符 167">
             <a:extLst>
               <a:ext uri="{FF2B5EF4-FFF2-40B4-BE49-F238E27FC236}">
-                <a16:creationId xmlns:a16="http://schemas.microsoft.com/office/drawing/2014/main" xmlns="" id="{270DAD3F-5BD1-114F-9BCB-96D7576A28B2}"/>
+                <a16:creationId xmlns:a16="http://schemas.microsoft.com/office/drawing/2014/main" id="{270DAD3F-5BD1-114F-9BCB-96D7576A28B2}"/>
               </a:ext>
             </a:extLst>
           </p:cNvPr>
@@ -19910,7 +19804,7 @@
           <p:cNvPr id="169" name="直线连接符 168">
             <a:extLst>
               <a:ext uri="{FF2B5EF4-FFF2-40B4-BE49-F238E27FC236}">
-                <a16:creationId xmlns:a16="http://schemas.microsoft.com/office/drawing/2014/main" xmlns="" id="{270DAD3F-5BD1-114F-9BCB-96D7576A28B2}"/>
+                <a16:creationId xmlns:a16="http://schemas.microsoft.com/office/drawing/2014/main" id="{270DAD3F-5BD1-114F-9BCB-96D7576A28B2}"/>
               </a:ext>
             </a:extLst>
           </p:cNvPr>
@@ -19955,7 +19849,7 @@
           <p:cNvPr id="170" name="直线连接符 169">
             <a:extLst>
               <a:ext uri="{FF2B5EF4-FFF2-40B4-BE49-F238E27FC236}">
-                <a16:creationId xmlns:a16="http://schemas.microsoft.com/office/drawing/2014/main" xmlns="" id="{270DAD3F-5BD1-114F-9BCB-96D7576A28B2}"/>
+                <a16:creationId xmlns:a16="http://schemas.microsoft.com/office/drawing/2014/main" id="{270DAD3F-5BD1-114F-9BCB-96D7576A28B2}"/>
               </a:ext>
             </a:extLst>
           </p:cNvPr>
@@ -20000,7 +19894,7 @@
           <p:cNvPr id="172" name="直线连接符 171">
             <a:extLst>
               <a:ext uri="{FF2B5EF4-FFF2-40B4-BE49-F238E27FC236}">
-                <a16:creationId xmlns:a16="http://schemas.microsoft.com/office/drawing/2014/main" xmlns="" id="{270DAD3F-5BD1-114F-9BCB-96D7576A28B2}"/>
+                <a16:creationId xmlns:a16="http://schemas.microsoft.com/office/drawing/2014/main" id="{270DAD3F-5BD1-114F-9BCB-96D7576A28B2}"/>
               </a:ext>
             </a:extLst>
           </p:cNvPr>
@@ -20045,7 +19939,7 @@
           <p:cNvPr id="173" name="直线连接符 172">
             <a:extLst>
               <a:ext uri="{FF2B5EF4-FFF2-40B4-BE49-F238E27FC236}">
-                <a16:creationId xmlns:a16="http://schemas.microsoft.com/office/drawing/2014/main" xmlns="" id="{270DAD3F-5BD1-114F-9BCB-96D7576A28B2}"/>
+                <a16:creationId xmlns:a16="http://schemas.microsoft.com/office/drawing/2014/main" id="{270DAD3F-5BD1-114F-9BCB-96D7576A28B2}"/>
               </a:ext>
             </a:extLst>
           </p:cNvPr>
@@ -20090,7 +19984,7 @@
           <p:cNvPr id="175" name="直线连接符 174">
             <a:extLst>
               <a:ext uri="{FF2B5EF4-FFF2-40B4-BE49-F238E27FC236}">
-                <a16:creationId xmlns:a16="http://schemas.microsoft.com/office/drawing/2014/main" xmlns="" id="{270DAD3F-5BD1-114F-9BCB-96D7576A28B2}"/>
+                <a16:creationId xmlns:a16="http://schemas.microsoft.com/office/drawing/2014/main" id="{270DAD3F-5BD1-114F-9BCB-96D7576A28B2}"/>
               </a:ext>
             </a:extLst>
           </p:cNvPr>
@@ -20135,7 +20029,7 @@
           <p:cNvPr id="176" name="直线连接符 175">
             <a:extLst>
               <a:ext uri="{FF2B5EF4-FFF2-40B4-BE49-F238E27FC236}">
-                <a16:creationId xmlns:a16="http://schemas.microsoft.com/office/drawing/2014/main" xmlns="" id="{270DAD3F-5BD1-114F-9BCB-96D7576A28B2}"/>
+                <a16:creationId xmlns:a16="http://schemas.microsoft.com/office/drawing/2014/main" id="{270DAD3F-5BD1-114F-9BCB-96D7576A28B2}"/>
               </a:ext>
             </a:extLst>
           </p:cNvPr>
@@ -20180,7 +20074,7 @@
           <p:cNvPr id="184" name="文本框 183">
             <a:extLst>
               <a:ext uri="{FF2B5EF4-FFF2-40B4-BE49-F238E27FC236}">
-                <a16:creationId xmlns:a16="http://schemas.microsoft.com/office/drawing/2014/main" xmlns="" id="{0BD26BDE-C67E-6946-A6EF-445FF4963E5B}"/>
+                <a16:creationId xmlns:a16="http://schemas.microsoft.com/office/drawing/2014/main" id="{0BD26BDE-C67E-6946-A6EF-445FF4963E5B}"/>
               </a:ext>
             </a:extLst>
           </p:cNvPr>
@@ -20222,7 +20116,7 @@
           <p:cNvPr id="185" name="文本框 184">
             <a:extLst>
               <a:ext uri="{FF2B5EF4-FFF2-40B4-BE49-F238E27FC236}">
-                <a16:creationId xmlns:a16="http://schemas.microsoft.com/office/drawing/2014/main" xmlns="" id="{0BD26BDE-C67E-6946-A6EF-445FF4963E5B}"/>
+                <a16:creationId xmlns:a16="http://schemas.microsoft.com/office/drawing/2014/main" id="{0BD26BDE-C67E-6946-A6EF-445FF4963E5B}"/>
               </a:ext>
             </a:extLst>
           </p:cNvPr>
@@ -20264,7 +20158,7 @@
           <p:cNvPr id="186" name="文本框 185">
             <a:extLst>
               <a:ext uri="{FF2B5EF4-FFF2-40B4-BE49-F238E27FC236}">
-                <a16:creationId xmlns:a16="http://schemas.microsoft.com/office/drawing/2014/main" xmlns="" id="{0BD26BDE-C67E-6946-A6EF-445FF4963E5B}"/>
+                <a16:creationId xmlns:a16="http://schemas.microsoft.com/office/drawing/2014/main" id="{0BD26BDE-C67E-6946-A6EF-445FF4963E5B}"/>
               </a:ext>
             </a:extLst>
           </p:cNvPr>
@@ -20306,7 +20200,7 @@
           <p:cNvPr id="187" name="文本框 186">
             <a:extLst>
               <a:ext uri="{FF2B5EF4-FFF2-40B4-BE49-F238E27FC236}">
-                <a16:creationId xmlns:a16="http://schemas.microsoft.com/office/drawing/2014/main" xmlns="" id="{0BD26BDE-C67E-6946-A6EF-445FF4963E5B}"/>
+                <a16:creationId xmlns:a16="http://schemas.microsoft.com/office/drawing/2014/main" id="{0BD26BDE-C67E-6946-A6EF-445FF4963E5B}"/>
               </a:ext>
             </a:extLst>
           </p:cNvPr>
@@ -20348,7 +20242,7 @@
           <p:cNvPr id="188" name="文本框 187">
             <a:extLst>
               <a:ext uri="{FF2B5EF4-FFF2-40B4-BE49-F238E27FC236}">
-                <a16:creationId xmlns:a16="http://schemas.microsoft.com/office/drawing/2014/main" xmlns="" id="{0BD26BDE-C67E-6946-A6EF-445FF4963E5B}"/>
+                <a16:creationId xmlns:a16="http://schemas.microsoft.com/office/drawing/2014/main" id="{0BD26BDE-C67E-6946-A6EF-445FF4963E5B}"/>
               </a:ext>
             </a:extLst>
           </p:cNvPr>
@@ -20397,7 +20291,7 @@
           <p:cNvPr id="189" name="文本框 188">
             <a:extLst>
               <a:ext uri="{FF2B5EF4-FFF2-40B4-BE49-F238E27FC236}">
-                <a16:creationId xmlns:a16="http://schemas.microsoft.com/office/drawing/2014/main" xmlns="" id="{0BD26BDE-C67E-6946-A6EF-445FF4963E5B}"/>
+                <a16:creationId xmlns:a16="http://schemas.microsoft.com/office/drawing/2014/main" id="{0BD26BDE-C67E-6946-A6EF-445FF4963E5B}"/>
               </a:ext>
             </a:extLst>
           </p:cNvPr>
@@ -20444,13 +20338,6 @@
   <p:clrMapOvr>
     <a:masterClrMapping/>
   </p:clrMapOvr>
-  <p:timing>
-    <p:tnLst>
-      <p:par>
-        <p:cTn id="1" dur="indefinite" restart="never" nodeType="tmRoot"/>
-      </p:par>
-    </p:tnLst>
-  </p:timing>
 </p:sld>
 </file>
 
@@ -20710,7 +20597,7 @@
           <p:cNvPr id="22" name="表格 21">
             <a:extLst>
               <a:ext uri="{FF2B5EF4-FFF2-40B4-BE49-F238E27FC236}">
-                <a16:creationId xmlns:a16="http://schemas.microsoft.com/office/drawing/2014/main" xmlns="" id="{BBD8331B-80DE-5E4F-9E00-43915192637C}"/>
+                <a16:creationId xmlns:a16="http://schemas.microsoft.com/office/drawing/2014/main" id="{BBD8331B-80DE-5E4F-9E00-43915192637C}"/>
               </a:ext>
             </a:extLst>
           </p:cNvPr>
@@ -20739,42 +20626,42 @@
                 <a:gridCol w="1016000">
                   <a:extLst>
                     <a:ext uri="{9D8B030D-6E8A-4147-A177-3AD203B41FA5}">
-                      <a16:colId xmlns:a16="http://schemas.microsoft.com/office/drawing/2014/main" xmlns="" val="2919921209"/>
+                      <a16:colId xmlns:a16="http://schemas.microsoft.com/office/drawing/2014/main" val="2919921209"/>
                     </a:ext>
                   </a:extLst>
                 </a:gridCol>
                 <a:gridCol w="1016000">
                   <a:extLst>
                     <a:ext uri="{9D8B030D-6E8A-4147-A177-3AD203B41FA5}">
-                      <a16:colId xmlns:a16="http://schemas.microsoft.com/office/drawing/2014/main" xmlns="" val="1274578498"/>
+                      <a16:colId xmlns:a16="http://schemas.microsoft.com/office/drawing/2014/main" val="1274578498"/>
                     </a:ext>
                   </a:extLst>
                 </a:gridCol>
                 <a:gridCol w="1016000">
                   <a:extLst>
                     <a:ext uri="{9D8B030D-6E8A-4147-A177-3AD203B41FA5}">
-                      <a16:colId xmlns:a16="http://schemas.microsoft.com/office/drawing/2014/main" xmlns="" val="2473859656"/>
+                      <a16:colId xmlns:a16="http://schemas.microsoft.com/office/drawing/2014/main" val="2473859656"/>
                     </a:ext>
                   </a:extLst>
                 </a:gridCol>
                 <a:gridCol w="1016000">
                   <a:extLst>
                     <a:ext uri="{9D8B030D-6E8A-4147-A177-3AD203B41FA5}">
-                      <a16:colId xmlns:a16="http://schemas.microsoft.com/office/drawing/2014/main" xmlns="" val="4017853280"/>
+                      <a16:colId xmlns:a16="http://schemas.microsoft.com/office/drawing/2014/main" val="4017853280"/>
                     </a:ext>
                   </a:extLst>
                 </a:gridCol>
                 <a:gridCol w="1016000">
                   <a:extLst>
                     <a:ext uri="{9D8B030D-6E8A-4147-A177-3AD203B41FA5}">
-                      <a16:colId xmlns:a16="http://schemas.microsoft.com/office/drawing/2014/main" xmlns="" val="4046979531"/>
+                      <a16:colId xmlns:a16="http://schemas.microsoft.com/office/drawing/2014/main" val="4046979531"/>
                     </a:ext>
                   </a:extLst>
                 </a:gridCol>
                 <a:gridCol w="1016000">
                   <a:extLst>
                     <a:ext uri="{9D8B030D-6E8A-4147-A177-3AD203B41FA5}">
-                      <a16:colId xmlns:a16="http://schemas.microsoft.com/office/drawing/2014/main" xmlns="" val="1236215947"/>
+                      <a16:colId xmlns:a16="http://schemas.microsoft.com/office/drawing/2014/main" val="1236215947"/>
                     </a:ext>
                   </a:extLst>
                 </a:gridCol>
@@ -21070,7 +20957,7 @@
                 </a:tc>
                 <a:extLst>
                   <a:ext uri="{0D108BD9-81ED-4DB2-BD59-A6C34878D82A}">
-                    <a16:rowId xmlns:a16="http://schemas.microsoft.com/office/drawing/2014/main" xmlns="" val="2866617908"/>
+                    <a16:rowId xmlns:a16="http://schemas.microsoft.com/office/drawing/2014/main" val="2866617908"/>
                   </a:ext>
                 </a:extLst>
               </a:tr>
@@ -21083,7 +20970,7 @@
           <p:cNvPr id="23" name="表格 22">
             <a:extLst>
               <a:ext uri="{FF2B5EF4-FFF2-40B4-BE49-F238E27FC236}">
-                <a16:creationId xmlns:a16="http://schemas.microsoft.com/office/drawing/2014/main" xmlns="" id="{BBD8331B-80DE-5E4F-9E00-43915192637C}"/>
+                <a16:creationId xmlns:a16="http://schemas.microsoft.com/office/drawing/2014/main" id="{BBD8331B-80DE-5E4F-9E00-43915192637C}"/>
               </a:ext>
             </a:extLst>
           </p:cNvPr>
@@ -21112,42 +20999,42 @@
                 <a:gridCol w="1016000">
                   <a:extLst>
                     <a:ext uri="{9D8B030D-6E8A-4147-A177-3AD203B41FA5}">
-                      <a16:colId xmlns:a16="http://schemas.microsoft.com/office/drawing/2014/main" xmlns="" val="2919921209"/>
+                      <a16:colId xmlns:a16="http://schemas.microsoft.com/office/drawing/2014/main" val="2919921209"/>
                     </a:ext>
                   </a:extLst>
                 </a:gridCol>
                 <a:gridCol w="1016000">
                   <a:extLst>
                     <a:ext uri="{9D8B030D-6E8A-4147-A177-3AD203B41FA5}">
-                      <a16:colId xmlns:a16="http://schemas.microsoft.com/office/drawing/2014/main" xmlns="" val="1274578498"/>
+                      <a16:colId xmlns:a16="http://schemas.microsoft.com/office/drawing/2014/main" val="1274578498"/>
                     </a:ext>
                   </a:extLst>
                 </a:gridCol>
                 <a:gridCol w="1016000">
                   <a:extLst>
                     <a:ext uri="{9D8B030D-6E8A-4147-A177-3AD203B41FA5}">
-                      <a16:colId xmlns:a16="http://schemas.microsoft.com/office/drawing/2014/main" xmlns="" val="2473859656"/>
+                      <a16:colId xmlns:a16="http://schemas.microsoft.com/office/drawing/2014/main" val="2473859656"/>
                     </a:ext>
                   </a:extLst>
                 </a:gridCol>
                 <a:gridCol w="1016000">
                   <a:extLst>
                     <a:ext uri="{9D8B030D-6E8A-4147-A177-3AD203B41FA5}">
-                      <a16:colId xmlns:a16="http://schemas.microsoft.com/office/drawing/2014/main" xmlns="" val="4017853280"/>
+                      <a16:colId xmlns:a16="http://schemas.microsoft.com/office/drawing/2014/main" val="4017853280"/>
                     </a:ext>
                   </a:extLst>
                 </a:gridCol>
                 <a:gridCol w="1016000">
                   <a:extLst>
                     <a:ext uri="{9D8B030D-6E8A-4147-A177-3AD203B41FA5}">
-                      <a16:colId xmlns:a16="http://schemas.microsoft.com/office/drawing/2014/main" xmlns="" val="4046979531"/>
+                      <a16:colId xmlns:a16="http://schemas.microsoft.com/office/drawing/2014/main" val="4046979531"/>
                     </a:ext>
                   </a:extLst>
                 </a:gridCol>
                 <a:gridCol w="1016000">
                   <a:extLst>
                     <a:ext uri="{9D8B030D-6E8A-4147-A177-3AD203B41FA5}">
-                      <a16:colId xmlns:a16="http://schemas.microsoft.com/office/drawing/2014/main" xmlns="" val="1236215947"/>
+                      <a16:colId xmlns:a16="http://schemas.microsoft.com/office/drawing/2014/main" val="1236215947"/>
                     </a:ext>
                   </a:extLst>
                 </a:gridCol>
@@ -21443,7 +21330,7 @@
                 </a:tc>
                 <a:extLst>
                   <a:ext uri="{0D108BD9-81ED-4DB2-BD59-A6C34878D82A}">
-                    <a16:rowId xmlns:a16="http://schemas.microsoft.com/office/drawing/2014/main" xmlns="" val="2866617908"/>
+                    <a16:rowId xmlns:a16="http://schemas.microsoft.com/office/drawing/2014/main" val="2866617908"/>
                   </a:ext>
                 </a:extLst>
               </a:tr>
@@ -22361,13 +22248,6 @@
   <p:clrMapOvr>
     <a:masterClrMapping/>
   </p:clrMapOvr>
-  <p:timing>
-    <p:tnLst>
-      <p:par>
-        <p:cTn id="1" dur="indefinite" restart="never" nodeType="tmRoot"/>
-      </p:par>
-    </p:tnLst>
-  </p:timing>
 </p:sld>
 </file>
 
@@ -22488,13 +22368,6 @@
   <p:clrMapOvr>
     <a:masterClrMapping/>
   </p:clrMapOvr>
-  <p:timing>
-    <p:tnLst>
-      <p:par>
-        <p:cTn id="1" dur="indefinite" restart="never" nodeType="tmRoot"/>
-      </p:par>
-    </p:tnLst>
-  </p:timing>
 </p:sld>
 </file>
 
@@ -22520,7 +22393,7 @@
           <p:cNvPr id="2" name="标题 1">
             <a:extLst>
               <a:ext uri="{FF2B5EF4-FFF2-40B4-BE49-F238E27FC236}">
-                <a16:creationId xmlns:a16="http://schemas.microsoft.com/office/drawing/2014/main" xmlns="" id="{F0405D1C-A876-8341-918E-A5D66A83827F}"/>
+                <a16:creationId xmlns:a16="http://schemas.microsoft.com/office/drawing/2014/main" id="{F0405D1C-A876-8341-918E-A5D66A83827F}"/>
               </a:ext>
             </a:extLst>
           </p:cNvPr>
@@ -22555,7 +22428,7 @@
           <p:cNvPr id="3" name="内容占位符 2">
             <a:extLst>
               <a:ext uri="{FF2B5EF4-FFF2-40B4-BE49-F238E27FC236}">
-                <a16:creationId xmlns:a16="http://schemas.microsoft.com/office/drawing/2014/main" xmlns="" id="{18357220-3404-9543-B18A-654DBC2080C6}"/>
+                <a16:creationId xmlns:a16="http://schemas.microsoft.com/office/drawing/2014/main" id="{18357220-3404-9543-B18A-654DBC2080C6}"/>
               </a:ext>
             </a:extLst>
           </p:cNvPr>
@@ -22600,13 +22473,6 @@
   <p:clrMapOvr>
     <a:masterClrMapping/>
   </p:clrMapOvr>
-  <p:timing>
-    <p:tnLst>
-      <p:par>
-        <p:cTn id="1" dur="indefinite" restart="never" nodeType="tmRoot"/>
-      </p:par>
-    </p:tnLst>
-  </p:timing>
 </p:sld>
 </file>
 
@@ -22713,13 +22579,6 @@
   <p:clrMapOvr>
     <a:masterClrMapping/>
   </p:clrMapOvr>
-  <p:timing>
-    <p:tnLst>
-      <p:par>
-        <p:cTn id="1" dur="indefinite" restart="never" nodeType="tmRoot"/>
-      </p:par>
-    </p:tnLst>
-  </p:timing>
 </p:sld>
 </file>
 
@@ -22820,13 +22679,6 @@
   <p:clrMapOvr>
     <a:masterClrMapping/>
   </p:clrMapOvr>
-  <p:timing>
-    <p:tnLst>
-      <p:par>
-        <p:cTn id="1" dur="indefinite" restart="never" nodeType="tmRoot"/>
-      </p:par>
-    </p:tnLst>
-  </p:timing>
 </p:sld>
 </file>
 
@@ -22902,14 +22754,14 @@
                     <a:gridCol w="924791">
                       <a:extLst>
                         <a:ext uri="{9D8B030D-6E8A-4147-A177-3AD203B41FA5}">
-                          <a16:colId xmlns:a16="http://schemas.microsoft.com/office/drawing/2014/main" xmlns="" val="20000"/>
+                          <a16:colId xmlns:a16="http://schemas.microsoft.com/office/drawing/2014/main" val="20000"/>
                         </a:ext>
                       </a:extLst>
                     </a:gridCol>
                     <a:gridCol w="924791">
                       <a:extLst>
                         <a:ext uri="{9D8B030D-6E8A-4147-A177-3AD203B41FA5}">
-                          <a16:colId xmlns:a16="http://schemas.microsoft.com/office/drawing/2014/main" xmlns="" val="20001"/>
+                          <a16:colId xmlns:a16="http://schemas.microsoft.com/office/drawing/2014/main" val="20001"/>
                         </a:ext>
                       </a:extLst>
                     </a:gridCol>
@@ -22934,7 +22786,7 @@
                                         <a:solidFill>
                                           <a:schemeClr val="tx1"/>
                                         </a:solidFill>
-                                        <a:latin typeface="Cambria Math" charset="0"/>
+                                        <a:latin typeface="Cambria Math" panose="02040503050406030204" pitchFamily="18" charset="0"/>
                                         <a:ea typeface="Times New Roman" charset="0"/>
                                         <a:cs typeface="Times New Roman" charset="0"/>
                                       </a:rPr>
@@ -23039,7 +22891,7 @@
                                         <a:solidFill>
                                           <a:schemeClr val="tx1"/>
                                         </a:solidFill>
-                                        <a:latin typeface="Cambria Math" charset="0"/>
+                                        <a:latin typeface="Cambria Math" panose="02040503050406030204" pitchFamily="18" charset="0"/>
                                         <a:ea typeface="Times New Roman" charset="0"/>
                                         <a:cs typeface="Times New Roman" charset="0"/>
                                       </a:rPr>
@@ -23127,7 +22979,7 @@
                     </a:tc>
                     <a:extLst>
                       <a:ext uri="{0D108BD9-81ED-4DB2-BD59-A6C34878D82A}">
-                        <a16:rowId xmlns:a16="http://schemas.microsoft.com/office/drawing/2014/main" xmlns="" val="10000"/>
+                        <a16:rowId xmlns:a16="http://schemas.microsoft.com/office/drawing/2014/main" val="10000"/>
                       </a:ext>
                     </a:extLst>
                   </a:tr>
@@ -23303,14 +23155,14 @@
                     <a:gridCol w="897082">
                       <a:extLst>
                         <a:ext uri="{9D8B030D-6E8A-4147-A177-3AD203B41FA5}">
-                          <a16:colId xmlns:a16="http://schemas.microsoft.com/office/drawing/2014/main" xmlns="" val="20000"/>
+                          <a16:colId xmlns:a16="http://schemas.microsoft.com/office/drawing/2014/main" val="20000"/>
                         </a:ext>
                       </a:extLst>
                     </a:gridCol>
                     <a:gridCol w="897082">
                       <a:extLst>
                         <a:ext uri="{9D8B030D-6E8A-4147-A177-3AD203B41FA5}">
-                          <a16:colId xmlns:a16="http://schemas.microsoft.com/office/drawing/2014/main" xmlns="" val="20001"/>
+                          <a16:colId xmlns:a16="http://schemas.microsoft.com/office/drawing/2014/main" val="20001"/>
                         </a:ext>
                       </a:extLst>
                     </a:gridCol>
@@ -23335,7 +23187,7 @@
                                         <a:solidFill>
                                           <a:schemeClr val="tx1"/>
                                         </a:solidFill>
-                                        <a:latin typeface="Cambria Math" charset="0"/>
+                                        <a:latin typeface="Cambria Math" panose="02040503050406030204" pitchFamily="18" charset="0"/>
                                         <a:ea typeface="Times New Roman" charset="0"/>
                                         <a:cs typeface="Times New Roman" charset="0"/>
                                       </a:rPr>
@@ -23440,7 +23292,7 @@
                                         <a:solidFill>
                                           <a:schemeClr val="tx1"/>
                                         </a:solidFill>
-                                        <a:latin typeface="Cambria Math" charset="0"/>
+                                        <a:latin typeface="Cambria Math" panose="02040503050406030204" pitchFamily="18" charset="0"/>
                                         <a:ea typeface="Times New Roman" charset="0"/>
                                         <a:cs typeface="Times New Roman" charset="0"/>
                                       </a:rPr>
@@ -23528,7 +23380,7 @@
                     </a:tc>
                     <a:extLst>
                       <a:ext uri="{0D108BD9-81ED-4DB2-BD59-A6C34878D82A}">
-                        <a16:rowId xmlns:a16="http://schemas.microsoft.com/office/drawing/2014/main" xmlns="" val="10000"/>
+                        <a16:rowId xmlns:a16="http://schemas.microsoft.com/office/drawing/2014/main" val="10000"/>
                       </a:ext>
                     </a:extLst>
                   </a:tr>
@@ -23874,14 +23726,14 @@
                     <a:gridCol w="1253931">
                       <a:extLst>
                         <a:ext uri="{9D8B030D-6E8A-4147-A177-3AD203B41FA5}">
-                          <a16:colId xmlns:a16="http://schemas.microsoft.com/office/drawing/2014/main" xmlns="" val="20000"/>
+                          <a16:colId xmlns:a16="http://schemas.microsoft.com/office/drawing/2014/main" val="20000"/>
                         </a:ext>
                       </a:extLst>
                     </a:gridCol>
                     <a:gridCol w="1253931">
                       <a:extLst>
                         <a:ext uri="{9D8B030D-6E8A-4147-A177-3AD203B41FA5}">
-                          <a16:colId xmlns:a16="http://schemas.microsoft.com/office/drawing/2014/main" xmlns="" val="20001"/>
+                          <a16:colId xmlns:a16="http://schemas.microsoft.com/office/drawing/2014/main" val="20001"/>
                         </a:ext>
                       </a:extLst>
                     </a:gridCol>
@@ -23973,7 +23825,7 @@
                                         <a:solidFill>
                                           <a:schemeClr val="tx1"/>
                                         </a:solidFill>
-                                        <a:latin typeface="Cambria Math" charset="0"/>
+                                        <a:latin typeface="Cambria Math" panose="02040503050406030204" pitchFamily="18" charset="0"/>
                                         <a:ea typeface="Times New Roman" charset="0"/>
                                         <a:cs typeface="Times New Roman" charset="0"/>
                                       </a:rPr>
@@ -23987,7 +23839,7 @@
                                             <a:solidFill>
                                               <a:schemeClr val="tx1"/>
                                             </a:solidFill>
-                                            <a:latin typeface="Cambria Math" charset="0"/>
+                                            <a:latin typeface="Cambria Math" panose="02040503050406030204" pitchFamily="18" charset="0"/>
                                             <a:ea typeface="Times New Roman" charset="0"/>
                                             <a:cs typeface="Times New Roman" charset="0"/>
                                           </a:rPr>
@@ -24112,7 +23964,7 @@
                     </a:tc>
                     <a:extLst>
                       <a:ext uri="{0D108BD9-81ED-4DB2-BD59-A6C34878D82A}">
-                        <a16:rowId xmlns:a16="http://schemas.microsoft.com/office/drawing/2014/main" xmlns="" val="10000"/>
+                        <a16:rowId xmlns:a16="http://schemas.microsoft.com/office/drawing/2014/main" val="10000"/>
                       </a:ext>
                     </a:extLst>
                   </a:tr>
@@ -24313,7 +24165,7 @@
                         <m:fPr>
                           <m:ctrlPr>
                             <a:rPr kumimoji="1" lang="mr-IN" altLang="zh-CN" sz="2400" b="1" i="1" smtClean="0">
-                              <a:latin typeface="Cambria Math" charset="0"/>
+                              <a:latin typeface="Cambria Math" panose="02040503050406030204" pitchFamily="18" charset="0"/>
                             </a:rPr>
                           </m:ctrlPr>
                         </m:fPr>
@@ -24322,7 +24174,7 @@
                             <m:sSubPr>
                               <m:ctrlPr>
                                 <a:rPr kumimoji="1" lang="en-US" altLang="zh-CN" sz="2400" b="1" i="1" smtClean="0">
-                                  <a:latin typeface="Cambria Math" charset="0"/>
+                                  <a:latin typeface="Cambria Math" panose="02040503050406030204" pitchFamily="18" charset="0"/>
                                 </a:rPr>
                               </m:ctrlPr>
                             </m:sSubPr>
@@ -24349,7 +24201,7 @@
                             <m:sSubPr>
                               <m:ctrlPr>
                                 <a:rPr lang="en-US" altLang="zh-CN" sz="2400" b="1" i="1">
-                                  <a:latin typeface="Cambria Math" charset="0"/>
+                                  <a:latin typeface="Cambria Math" panose="02040503050406030204" pitchFamily="18" charset="0"/>
                                   <a:ea typeface="Times New Roman" charset="0"/>
                                   <a:cs typeface="Times New Roman" charset="0"/>
                                 </a:rPr>
@@ -24360,7 +24212,7 @@
                                 <m:sSubPr>
                                   <m:ctrlPr>
                                     <a:rPr lang="en-US" altLang="zh-CN" sz="2400" b="1" i="1" smtClean="0">
-                                      <a:latin typeface="Cambria Math" charset="0"/>
+                                      <a:latin typeface="Cambria Math" panose="02040503050406030204" pitchFamily="18" charset="0"/>
                                       <a:ea typeface="Times New Roman" charset="0"/>
                                       <a:cs typeface="Times New Roman" charset="0"/>
                                     </a:rPr>
@@ -24421,7 +24273,7 @@
                         <m:sSubPr>
                           <m:ctrlPr>
                             <a:rPr kumimoji="1" lang="en-US" altLang="zh-CN" sz="2400" b="1" i="1" smtClean="0">
-                              <a:latin typeface="Cambria Math" charset="0"/>
+                              <a:latin typeface="Cambria Math" panose="02040503050406030204" pitchFamily="18" charset="0"/>
                             </a:rPr>
                           </m:ctrlPr>
                         </m:sSubPr>
@@ -24452,7 +24304,7 @@
                         <m:fPr>
                           <m:ctrlPr>
                             <a:rPr kumimoji="1" lang="mr-IN" altLang="zh-CN" sz="2400" b="1" i="1">
-                              <a:latin typeface="Cambria Math" charset="0"/>
+                              <a:latin typeface="Cambria Math" panose="02040503050406030204" pitchFamily="18" charset="0"/>
                             </a:rPr>
                           </m:ctrlPr>
                         </m:fPr>
@@ -24461,7 +24313,7 @@
                             <m:sSubPr>
                               <m:ctrlPr>
                                 <a:rPr kumimoji="1" lang="en-US" altLang="zh-CN" sz="2400" b="1" i="1">
-                                  <a:latin typeface="Cambria Math" charset="0"/>
+                                  <a:latin typeface="Cambria Math" panose="02040503050406030204" pitchFamily="18" charset="0"/>
                                 </a:rPr>
                               </m:ctrlPr>
                             </m:sSubPr>
@@ -24488,7 +24340,7 @@
                             <m:sSubPr>
                               <m:ctrlPr>
                                 <a:rPr lang="en-US" altLang="zh-CN" sz="2400" b="1" i="1">
-                                  <a:latin typeface="Cambria Math" charset="0"/>
+                                  <a:latin typeface="Cambria Math" panose="02040503050406030204" pitchFamily="18" charset="0"/>
                                   <a:ea typeface="Times New Roman" charset="0"/>
                                   <a:cs typeface="Times New Roman" charset="0"/>
                                 </a:rPr>
@@ -24499,7 +24351,7 @@
                                 <m:sSubPr>
                                   <m:ctrlPr>
                                     <a:rPr lang="en-US" altLang="zh-CN" sz="2400" b="1" i="1">
-                                      <a:latin typeface="Cambria Math" charset="0"/>
+                                      <a:latin typeface="Cambria Math" panose="02040503050406030204" pitchFamily="18" charset="0"/>
                                       <a:ea typeface="Times New Roman" charset="0"/>
                                       <a:cs typeface="Times New Roman" charset="0"/>
                                     </a:rPr>
@@ -24560,7 +24412,7 @@
                         <m:sSubPr>
                           <m:ctrlPr>
                             <a:rPr kumimoji="1" lang="en-US" altLang="zh-CN" sz="2400" b="1" i="1">
-                              <a:latin typeface="Cambria Math" charset="0"/>
+                              <a:latin typeface="Cambria Math" panose="02040503050406030204" pitchFamily="18" charset="0"/>
                             </a:rPr>
                           </m:ctrlPr>
                         </m:sSubPr>
@@ -24638,13 +24490,6 @@
   <p:clrMapOvr>
     <a:masterClrMapping/>
   </p:clrMapOvr>
-  <p:timing>
-    <p:tnLst>
-      <p:par>
-        <p:cTn id="1" dur="indefinite" restart="never" nodeType="tmRoot"/>
-      </p:par>
-    </p:tnLst>
-  </p:timing>
 </p:sld>
 </file>
 
@@ -24670,7 +24515,7 @@
           <p:cNvPr id="21" name="圆角矩形 20">
             <a:extLst>
               <a:ext uri="{FF2B5EF4-FFF2-40B4-BE49-F238E27FC236}">
-                <a16:creationId xmlns:a16="http://schemas.microsoft.com/office/drawing/2014/main" xmlns="" id="{B9FD8BC4-88B1-FB49-A69E-4544EC25D7B0}"/>
+                <a16:creationId xmlns:a16="http://schemas.microsoft.com/office/drawing/2014/main" id="{B9FD8BC4-88B1-FB49-A69E-4544EC25D7B0}"/>
               </a:ext>
             </a:extLst>
           </p:cNvPr>
@@ -24722,7 +24567,7 @@
           <p:cNvPr id="23" name="标题 1">
             <a:extLst>
               <a:ext uri="{FF2B5EF4-FFF2-40B4-BE49-F238E27FC236}">
-                <a16:creationId xmlns:a16="http://schemas.microsoft.com/office/drawing/2014/main" xmlns="" id="{2A0A361E-C4E6-9746-8122-CEDEFDAF9301}"/>
+                <a16:creationId xmlns:a16="http://schemas.microsoft.com/office/drawing/2014/main" id="{2A0A361E-C4E6-9746-8122-CEDEFDAF9301}"/>
               </a:ext>
             </a:extLst>
           </p:cNvPr>
@@ -24783,7 +24628,7 @@
           <p:cNvPr id="24" name="圆角矩形 23">
             <a:extLst>
               <a:ext uri="{FF2B5EF4-FFF2-40B4-BE49-F238E27FC236}">
-                <a16:creationId xmlns:a16="http://schemas.microsoft.com/office/drawing/2014/main" xmlns="" id="{77450AF4-A8E6-5A41-9C23-F856999365C5}"/>
+                <a16:creationId xmlns:a16="http://schemas.microsoft.com/office/drawing/2014/main" id="{77450AF4-A8E6-5A41-9C23-F856999365C5}"/>
               </a:ext>
             </a:extLst>
           </p:cNvPr>
@@ -24835,7 +24680,7 @@
           <p:cNvPr id="31" name="标题 1">
             <a:extLst>
               <a:ext uri="{FF2B5EF4-FFF2-40B4-BE49-F238E27FC236}">
-                <a16:creationId xmlns:a16="http://schemas.microsoft.com/office/drawing/2014/main" xmlns="" id="{69219139-42A6-6746-9965-D1370EE1A1BD}"/>
+                <a16:creationId xmlns:a16="http://schemas.microsoft.com/office/drawing/2014/main" id="{69219139-42A6-6746-9965-D1370EE1A1BD}"/>
               </a:ext>
             </a:extLst>
           </p:cNvPr>
@@ -24896,7 +24741,7 @@
           <p:cNvPr id="8" name="表格 7">
             <a:extLst>
               <a:ext uri="{FF2B5EF4-FFF2-40B4-BE49-F238E27FC236}">
-                <a16:creationId xmlns:a16="http://schemas.microsoft.com/office/drawing/2014/main" xmlns="" id="{D97D9A0B-82F4-CE43-8692-7C6CD16DE3F7}"/>
+                <a16:creationId xmlns:a16="http://schemas.microsoft.com/office/drawing/2014/main" id="{D97D9A0B-82F4-CE43-8692-7C6CD16DE3F7}"/>
               </a:ext>
             </a:extLst>
           </p:cNvPr>
@@ -24925,56 +24770,56 @@
                 <a:gridCol w="1016000">
                   <a:extLst>
                     <a:ext uri="{9D8B030D-6E8A-4147-A177-3AD203B41FA5}">
-                      <a16:colId xmlns:a16="http://schemas.microsoft.com/office/drawing/2014/main" xmlns="" val="2919921209"/>
+                      <a16:colId xmlns:a16="http://schemas.microsoft.com/office/drawing/2014/main" val="2919921209"/>
                     </a:ext>
                   </a:extLst>
                 </a:gridCol>
                 <a:gridCol w="1016000">
                   <a:extLst>
                     <a:ext uri="{9D8B030D-6E8A-4147-A177-3AD203B41FA5}">
-                      <a16:colId xmlns:a16="http://schemas.microsoft.com/office/drawing/2014/main" xmlns="" val="1274578498"/>
+                      <a16:colId xmlns:a16="http://schemas.microsoft.com/office/drawing/2014/main" val="1274578498"/>
                     </a:ext>
                   </a:extLst>
                 </a:gridCol>
                 <a:gridCol w="1016000">
                   <a:extLst>
                     <a:ext uri="{9D8B030D-6E8A-4147-A177-3AD203B41FA5}">
-                      <a16:colId xmlns:a16="http://schemas.microsoft.com/office/drawing/2014/main" xmlns="" val="2473859656"/>
+                      <a16:colId xmlns:a16="http://schemas.microsoft.com/office/drawing/2014/main" val="2473859656"/>
                     </a:ext>
                   </a:extLst>
                 </a:gridCol>
                 <a:gridCol w="1016000">
                   <a:extLst>
                     <a:ext uri="{9D8B030D-6E8A-4147-A177-3AD203B41FA5}">
-                      <a16:colId xmlns:a16="http://schemas.microsoft.com/office/drawing/2014/main" xmlns="" val="4017853280"/>
+                      <a16:colId xmlns:a16="http://schemas.microsoft.com/office/drawing/2014/main" val="4017853280"/>
                     </a:ext>
                   </a:extLst>
                 </a:gridCol>
                 <a:gridCol w="1016000">
                   <a:extLst>
                     <a:ext uri="{9D8B030D-6E8A-4147-A177-3AD203B41FA5}">
-                      <a16:colId xmlns:a16="http://schemas.microsoft.com/office/drawing/2014/main" xmlns="" val="4046979531"/>
+                      <a16:colId xmlns:a16="http://schemas.microsoft.com/office/drawing/2014/main" val="4046979531"/>
                     </a:ext>
                   </a:extLst>
                 </a:gridCol>
                 <a:gridCol w="1016000">
                   <a:extLst>
                     <a:ext uri="{9D8B030D-6E8A-4147-A177-3AD203B41FA5}">
-                      <a16:colId xmlns:a16="http://schemas.microsoft.com/office/drawing/2014/main" xmlns="" val="1236215947"/>
+                      <a16:colId xmlns:a16="http://schemas.microsoft.com/office/drawing/2014/main" val="1236215947"/>
                     </a:ext>
                   </a:extLst>
                 </a:gridCol>
                 <a:gridCol w="1016000">
                   <a:extLst>
                     <a:ext uri="{9D8B030D-6E8A-4147-A177-3AD203B41FA5}">
-                      <a16:colId xmlns:a16="http://schemas.microsoft.com/office/drawing/2014/main" xmlns="" val="3358476489"/>
+                      <a16:colId xmlns:a16="http://schemas.microsoft.com/office/drawing/2014/main" val="3358476489"/>
                     </a:ext>
                   </a:extLst>
                 </a:gridCol>
                 <a:gridCol w="1016000">
                   <a:extLst>
                     <a:ext uri="{9D8B030D-6E8A-4147-A177-3AD203B41FA5}">
-                      <a16:colId xmlns:a16="http://schemas.microsoft.com/office/drawing/2014/main" xmlns="" val="1544053477"/>
+                      <a16:colId xmlns:a16="http://schemas.microsoft.com/office/drawing/2014/main" val="1544053477"/>
                     </a:ext>
                   </a:extLst>
                 </a:gridCol>
@@ -25434,7 +25279,7 @@
                 </a:tc>
                 <a:extLst>
                   <a:ext uri="{0D108BD9-81ED-4DB2-BD59-A6C34878D82A}">
-                    <a16:rowId xmlns:a16="http://schemas.microsoft.com/office/drawing/2014/main" xmlns="" val="2866617908"/>
+                    <a16:rowId xmlns:a16="http://schemas.microsoft.com/office/drawing/2014/main" val="2866617908"/>
                   </a:ext>
                 </a:extLst>
               </a:tr>
@@ -25447,7 +25292,7 @@
           <p:cNvPr id="9" name="表格 8">
             <a:extLst>
               <a:ext uri="{FF2B5EF4-FFF2-40B4-BE49-F238E27FC236}">
-                <a16:creationId xmlns:a16="http://schemas.microsoft.com/office/drawing/2014/main" xmlns="" id="{CD154DA2-9E3F-1944-8B7D-C27C34F8B532}"/>
+                <a16:creationId xmlns:a16="http://schemas.microsoft.com/office/drawing/2014/main" id="{CD154DA2-9E3F-1944-8B7D-C27C34F8B532}"/>
               </a:ext>
             </a:extLst>
           </p:cNvPr>
@@ -25476,56 +25321,56 @@
                 <a:gridCol w="1016000">
                   <a:extLst>
                     <a:ext uri="{9D8B030D-6E8A-4147-A177-3AD203B41FA5}">
-                      <a16:colId xmlns:a16="http://schemas.microsoft.com/office/drawing/2014/main" xmlns="" val="2919921209"/>
+                      <a16:colId xmlns:a16="http://schemas.microsoft.com/office/drawing/2014/main" val="2919921209"/>
                     </a:ext>
                   </a:extLst>
                 </a:gridCol>
                 <a:gridCol w="1016000">
                   <a:extLst>
                     <a:ext uri="{9D8B030D-6E8A-4147-A177-3AD203B41FA5}">
-                      <a16:colId xmlns:a16="http://schemas.microsoft.com/office/drawing/2014/main" xmlns="" val="1274578498"/>
+                      <a16:colId xmlns:a16="http://schemas.microsoft.com/office/drawing/2014/main" val="1274578498"/>
                     </a:ext>
                   </a:extLst>
                 </a:gridCol>
                 <a:gridCol w="1016000">
                   <a:extLst>
                     <a:ext uri="{9D8B030D-6E8A-4147-A177-3AD203B41FA5}">
-                      <a16:colId xmlns:a16="http://schemas.microsoft.com/office/drawing/2014/main" xmlns="" val="2473859656"/>
+                      <a16:colId xmlns:a16="http://schemas.microsoft.com/office/drawing/2014/main" val="2473859656"/>
                     </a:ext>
                   </a:extLst>
                 </a:gridCol>
                 <a:gridCol w="1016000">
                   <a:extLst>
                     <a:ext uri="{9D8B030D-6E8A-4147-A177-3AD203B41FA5}">
-                      <a16:colId xmlns:a16="http://schemas.microsoft.com/office/drawing/2014/main" xmlns="" val="4017853280"/>
+                      <a16:colId xmlns:a16="http://schemas.microsoft.com/office/drawing/2014/main" val="4017853280"/>
                     </a:ext>
                   </a:extLst>
                 </a:gridCol>
                 <a:gridCol w="1016000">
                   <a:extLst>
                     <a:ext uri="{9D8B030D-6E8A-4147-A177-3AD203B41FA5}">
-                      <a16:colId xmlns:a16="http://schemas.microsoft.com/office/drawing/2014/main" xmlns="" val="4046979531"/>
+                      <a16:colId xmlns:a16="http://schemas.microsoft.com/office/drawing/2014/main" val="4046979531"/>
                     </a:ext>
                   </a:extLst>
                 </a:gridCol>
                 <a:gridCol w="1016000">
                   <a:extLst>
                     <a:ext uri="{9D8B030D-6E8A-4147-A177-3AD203B41FA5}">
-                      <a16:colId xmlns:a16="http://schemas.microsoft.com/office/drawing/2014/main" xmlns="" val="1236215947"/>
+                      <a16:colId xmlns:a16="http://schemas.microsoft.com/office/drawing/2014/main" val="1236215947"/>
                     </a:ext>
                   </a:extLst>
                 </a:gridCol>
                 <a:gridCol w="1016000">
                   <a:extLst>
                     <a:ext uri="{9D8B030D-6E8A-4147-A177-3AD203B41FA5}">
-                      <a16:colId xmlns:a16="http://schemas.microsoft.com/office/drawing/2014/main" xmlns="" val="3358476489"/>
+                      <a16:colId xmlns:a16="http://schemas.microsoft.com/office/drawing/2014/main" val="3358476489"/>
                     </a:ext>
                   </a:extLst>
                 </a:gridCol>
                 <a:gridCol w="1016000">
                   <a:extLst>
                     <a:ext uri="{9D8B030D-6E8A-4147-A177-3AD203B41FA5}">
-                      <a16:colId xmlns:a16="http://schemas.microsoft.com/office/drawing/2014/main" xmlns="" val="1544053477"/>
+                      <a16:colId xmlns:a16="http://schemas.microsoft.com/office/drawing/2014/main" val="1544053477"/>
                     </a:ext>
                   </a:extLst>
                 </a:gridCol>
@@ -25975,7 +25820,7 @@
                 </a:tc>
                 <a:extLst>
                   <a:ext uri="{0D108BD9-81ED-4DB2-BD59-A6C34878D82A}">
-                    <a16:rowId xmlns:a16="http://schemas.microsoft.com/office/drawing/2014/main" xmlns="" val="2866617908"/>
+                    <a16:rowId xmlns:a16="http://schemas.microsoft.com/office/drawing/2014/main" val="2866617908"/>
                   </a:ext>
                 </a:extLst>
               </a:tr>
@@ -25988,7 +25833,7 @@
           <p:cNvPr id="10" name="表格 9">
             <a:extLst>
               <a:ext uri="{FF2B5EF4-FFF2-40B4-BE49-F238E27FC236}">
-                <a16:creationId xmlns:a16="http://schemas.microsoft.com/office/drawing/2014/main" xmlns="" id="{A7DF6C73-A4D2-EA48-9F10-4EB820276082}"/>
+                <a16:creationId xmlns:a16="http://schemas.microsoft.com/office/drawing/2014/main" id="{A7DF6C73-A4D2-EA48-9F10-4EB820276082}"/>
               </a:ext>
             </a:extLst>
           </p:cNvPr>
@@ -26017,56 +25862,56 @@
                 <a:gridCol w="1016000">
                   <a:extLst>
                     <a:ext uri="{9D8B030D-6E8A-4147-A177-3AD203B41FA5}">
-                      <a16:colId xmlns:a16="http://schemas.microsoft.com/office/drawing/2014/main" xmlns="" val="2919921209"/>
+                      <a16:colId xmlns:a16="http://schemas.microsoft.com/office/drawing/2014/main" val="2919921209"/>
                     </a:ext>
                   </a:extLst>
                 </a:gridCol>
                 <a:gridCol w="1016000">
                   <a:extLst>
                     <a:ext uri="{9D8B030D-6E8A-4147-A177-3AD203B41FA5}">
-                      <a16:colId xmlns:a16="http://schemas.microsoft.com/office/drawing/2014/main" xmlns="" val="1274578498"/>
+                      <a16:colId xmlns:a16="http://schemas.microsoft.com/office/drawing/2014/main" val="1274578498"/>
                     </a:ext>
                   </a:extLst>
                 </a:gridCol>
                 <a:gridCol w="1016000">
                   <a:extLst>
                     <a:ext uri="{9D8B030D-6E8A-4147-A177-3AD203B41FA5}">
-                      <a16:colId xmlns:a16="http://schemas.microsoft.com/office/drawing/2014/main" xmlns="" val="2473859656"/>
+                      <a16:colId xmlns:a16="http://schemas.microsoft.com/office/drawing/2014/main" val="2473859656"/>
                     </a:ext>
                   </a:extLst>
                 </a:gridCol>
                 <a:gridCol w="1016000">
                   <a:extLst>
                     <a:ext uri="{9D8B030D-6E8A-4147-A177-3AD203B41FA5}">
-                      <a16:colId xmlns:a16="http://schemas.microsoft.com/office/drawing/2014/main" xmlns="" val="4017853280"/>
+                      <a16:colId xmlns:a16="http://schemas.microsoft.com/office/drawing/2014/main" val="4017853280"/>
                     </a:ext>
                   </a:extLst>
                 </a:gridCol>
                 <a:gridCol w="1016000">
                   <a:extLst>
                     <a:ext uri="{9D8B030D-6E8A-4147-A177-3AD203B41FA5}">
-                      <a16:colId xmlns:a16="http://schemas.microsoft.com/office/drawing/2014/main" xmlns="" val="4046979531"/>
+                      <a16:colId xmlns:a16="http://schemas.microsoft.com/office/drawing/2014/main" val="4046979531"/>
                     </a:ext>
                   </a:extLst>
                 </a:gridCol>
                 <a:gridCol w="1016000">
                   <a:extLst>
                     <a:ext uri="{9D8B030D-6E8A-4147-A177-3AD203B41FA5}">
-                      <a16:colId xmlns:a16="http://schemas.microsoft.com/office/drawing/2014/main" xmlns="" val="1236215947"/>
+                      <a16:colId xmlns:a16="http://schemas.microsoft.com/office/drawing/2014/main" val="1236215947"/>
                     </a:ext>
                   </a:extLst>
                 </a:gridCol>
                 <a:gridCol w="1016000">
                   <a:extLst>
                     <a:ext uri="{9D8B030D-6E8A-4147-A177-3AD203B41FA5}">
-                      <a16:colId xmlns:a16="http://schemas.microsoft.com/office/drawing/2014/main" xmlns="" val="3358476489"/>
+                      <a16:colId xmlns:a16="http://schemas.microsoft.com/office/drawing/2014/main" val="3358476489"/>
                     </a:ext>
                   </a:extLst>
                 </a:gridCol>
                 <a:gridCol w="1016000">
                   <a:extLst>
                     <a:ext uri="{9D8B030D-6E8A-4147-A177-3AD203B41FA5}">
-                      <a16:colId xmlns:a16="http://schemas.microsoft.com/office/drawing/2014/main" xmlns="" val="1544053477"/>
+                      <a16:colId xmlns:a16="http://schemas.microsoft.com/office/drawing/2014/main" val="1544053477"/>
                     </a:ext>
                   </a:extLst>
                 </a:gridCol>
@@ -26516,7 +26361,7 @@
                 </a:tc>
                 <a:extLst>
                   <a:ext uri="{0D108BD9-81ED-4DB2-BD59-A6C34878D82A}">
-                    <a16:rowId xmlns:a16="http://schemas.microsoft.com/office/drawing/2014/main" xmlns="" val="2866617908"/>
+                    <a16:rowId xmlns:a16="http://schemas.microsoft.com/office/drawing/2014/main" val="2866617908"/>
                   </a:ext>
                 </a:extLst>
               </a:tr>
@@ -26534,13 +26379,6 @@
   <p:clrMapOvr>
     <a:masterClrMapping/>
   </p:clrMapOvr>
-  <p:timing>
-    <p:tnLst>
-      <p:par>
-        <p:cTn id="1" dur="indefinite" restart="never" nodeType="tmRoot"/>
-      </p:par>
-    </p:tnLst>
-  </p:timing>
 </p:sld>
 </file>
 
@@ -26566,7 +26404,7 @@
           <p:cNvPr id="2" name="标题 1">
             <a:extLst>
               <a:ext uri="{FF2B5EF4-FFF2-40B4-BE49-F238E27FC236}">
-                <a16:creationId xmlns:a16="http://schemas.microsoft.com/office/drawing/2014/main" xmlns="" id="{F0405D1C-A876-8341-918E-A5D66A83827F}"/>
+                <a16:creationId xmlns:a16="http://schemas.microsoft.com/office/drawing/2014/main" id="{F0405D1C-A876-8341-918E-A5D66A83827F}"/>
               </a:ext>
             </a:extLst>
           </p:cNvPr>
@@ -26601,7 +26439,7 @@
           <p:cNvPr id="3" name="内容占位符 2">
             <a:extLst>
               <a:ext uri="{FF2B5EF4-FFF2-40B4-BE49-F238E27FC236}">
-                <a16:creationId xmlns:a16="http://schemas.microsoft.com/office/drawing/2014/main" xmlns="" id="{18357220-3404-9543-B18A-654DBC2080C6}"/>
+                <a16:creationId xmlns:a16="http://schemas.microsoft.com/office/drawing/2014/main" id="{18357220-3404-9543-B18A-654DBC2080C6}"/>
               </a:ext>
             </a:extLst>
           </p:cNvPr>
@@ -26689,13 +26527,6 @@
   <p:clrMapOvr>
     <a:masterClrMapping/>
   </p:clrMapOvr>
-  <p:timing>
-    <p:tnLst>
-      <p:par>
-        <p:cTn id="1" dur="indefinite" restart="never" nodeType="tmRoot"/>
-      </p:par>
-    </p:tnLst>
-  </p:timing>
 </p:sld>
 </file>
 
@@ -26721,7 +26552,7 @@
           <p:cNvPr id="2" name="标题 1">
             <a:extLst>
               <a:ext uri="{FF2B5EF4-FFF2-40B4-BE49-F238E27FC236}">
-                <a16:creationId xmlns:a16="http://schemas.microsoft.com/office/drawing/2014/main" xmlns="" id="{F0405D1C-A876-8341-918E-A5D66A83827F}"/>
+                <a16:creationId xmlns:a16="http://schemas.microsoft.com/office/drawing/2014/main" id="{F0405D1C-A876-8341-918E-A5D66A83827F}"/>
               </a:ext>
             </a:extLst>
           </p:cNvPr>
@@ -27307,13 +27138,6 @@
   <p:clrMapOvr>
     <a:masterClrMapping/>
   </p:clrMapOvr>
-  <p:timing>
-    <p:tnLst>
-      <p:par>
-        <p:cTn id="1" dur="indefinite" restart="never" nodeType="tmRoot"/>
-      </p:par>
-    </p:tnLst>
-  </p:timing>
 </p:sld>
 </file>
 
@@ -27339,7 +27163,7 @@
           <p:cNvPr id="2" name="标题 1">
             <a:extLst>
               <a:ext uri="{FF2B5EF4-FFF2-40B4-BE49-F238E27FC236}">
-                <a16:creationId xmlns:a16="http://schemas.microsoft.com/office/drawing/2014/main" xmlns="" id="{F0405D1C-A876-8341-918E-A5D66A83827F}"/>
+                <a16:creationId xmlns:a16="http://schemas.microsoft.com/office/drawing/2014/main" id="{F0405D1C-A876-8341-918E-A5D66A83827F}"/>
               </a:ext>
             </a:extLst>
           </p:cNvPr>
@@ -27374,7 +27198,7 @@
           <p:cNvPr id="3" name="内容占位符 2">
             <a:extLst>
               <a:ext uri="{FF2B5EF4-FFF2-40B4-BE49-F238E27FC236}">
-                <a16:creationId xmlns:a16="http://schemas.microsoft.com/office/drawing/2014/main" xmlns="" id="{18357220-3404-9543-B18A-654DBC2080C6}"/>
+                <a16:creationId xmlns:a16="http://schemas.microsoft.com/office/drawing/2014/main" id="{18357220-3404-9543-B18A-654DBC2080C6}"/>
               </a:ext>
             </a:extLst>
           </p:cNvPr>
@@ -27395,8 +27219,19 @@
                 <a:latin typeface="Times New Roman" panose="02020603050405020304" pitchFamily="18" charset="0"/>
                 <a:cs typeface="Times New Roman" panose="02020603050405020304" pitchFamily="18" charset="0"/>
               </a:rPr>
-              <a:t>Predefine</a:t>
+              <a:t>Every </a:t>
             </a:r>
+            <a:r>
+              <a:rPr kumimoji="1" lang="en-US" altLang="zh-CN">
+                <a:latin typeface="Times New Roman" panose="02020603050405020304" pitchFamily="18" charset="0"/>
+                <a:cs typeface="Times New Roman" panose="02020603050405020304" pitchFamily="18" charset="0"/>
+              </a:rPr>
+              <a:t>possible dimensions</a:t>
+            </a:r>
+            <a:endParaRPr kumimoji="1" lang="en-US" altLang="zh-CN" dirty="0">
+              <a:latin typeface="Times New Roman" panose="02020603050405020304" pitchFamily="18" charset="0"/>
+              <a:cs typeface="Times New Roman" panose="02020603050405020304" pitchFamily="18" charset="0"/>
+            </a:endParaRPr>
           </a:p>
           <a:p>
             <a:r>
@@ -27428,13 +27263,6 @@
   <p:clrMapOvr>
     <a:masterClrMapping/>
   </p:clrMapOvr>
-  <p:timing>
-    <p:tnLst>
-      <p:par>
-        <p:cTn id="1" dur="indefinite" restart="never" nodeType="tmRoot"/>
-      </p:par>
-    </p:tnLst>
-  </p:timing>
 </p:sld>
 </file>
 
@@ -27460,7 +27288,7 @@
           <p:cNvPr id="2" name="标题 1">
             <a:extLst>
               <a:ext uri="{FF2B5EF4-FFF2-40B4-BE49-F238E27FC236}">
-                <a16:creationId xmlns:a16="http://schemas.microsoft.com/office/drawing/2014/main" xmlns="" id="{F0405D1C-A876-8341-918E-A5D66A83827F}"/>
+                <a16:creationId xmlns:a16="http://schemas.microsoft.com/office/drawing/2014/main" id="{F0405D1C-A876-8341-918E-A5D66A83827F}"/>
               </a:ext>
             </a:extLst>
           </p:cNvPr>
@@ -27495,7 +27323,7 @@
           <p:cNvPr id="3" name="内容占位符 2">
             <a:extLst>
               <a:ext uri="{FF2B5EF4-FFF2-40B4-BE49-F238E27FC236}">
-                <a16:creationId xmlns:a16="http://schemas.microsoft.com/office/drawing/2014/main" xmlns="" id="{18357220-3404-9543-B18A-654DBC2080C6}"/>
+                <a16:creationId xmlns:a16="http://schemas.microsoft.com/office/drawing/2014/main" id="{18357220-3404-9543-B18A-654DBC2080C6}"/>
               </a:ext>
             </a:extLst>
           </p:cNvPr>
@@ -27544,13 +27372,6 @@
   <p:clrMapOvr>
     <a:masterClrMapping/>
   </p:clrMapOvr>
-  <p:timing>
-    <p:tnLst>
-      <p:par>
-        <p:cTn id="1" dur="indefinite" restart="never" nodeType="tmRoot"/>
-      </p:par>
-    </p:tnLst>
-  </p:timing>
 </p:sld>
 </file>
 
@@ -27576,7 +27397,7 @@
           <p:cNvPr id="2" name="标题 1">
             <a:extLst>
               <a:ext uri="{FF2B5EF4-FFF2-40B4-BE49-F238E27FC236}">
-                <a16:creationId xmlns:a16="http://schemas.microsoft.com/office/drawing/2014/main" xmlns="" id="{6BD3BC95-97FB-854B-BC45-4D2B05ECEC9F}"/>
+                <a16:creationId xmlns:a16="http://schemas.microsoft.com/office/drawing/2014/main" id="{6BD3BC95-97FB-854B-BC45-4D2B05ECEC9F}"/>
               </a:ext>
             </a:extLst>
           </p:cNvPr>
@@ -27611,7 +27432,7 @@
           <p:cNvPr id="35" name="椭圆 34">
             <a:extLst>
               <a:ext uri="{FF2B5EF4-FFF2-40B4-BE49-F238E27FC236}">
-                <a16:creationId xmlns:a16="http://schemas.microsoft.com/office/drawing/2014/main" xmlns="" id="{FE177A80-294D-D74F-9193-54F0F6931790}"/>
+                <a16:creationId xmlns:a16="http://schemas.microsoft.com/office/drawing/2014/main" id="{FE177A80-294D-D74F-9193-54F0F6931790}"/>
               </a:ext>
             </a:extLst>
           </p:cNvPr>
@@ -27657,7 +27478,7 @@
           <p:cNvPr id="36" name="椭圆 35">
             <a:extLst>
               <a:ext uri="{FF2B5EF4-FFF2-40B4-BE49-F238E27FC236}">
-                <a16:creationId xmlns:a16="http://schemas.microsoft.com/office/drawing/2014/main" xmlns="" id="{BC6EE5D6-B812-5A44-8E2E-0D340A99F527}"/>
+                <a16:creationId xmlns:a16="http://schemas.microsoft.com/office/drawing/2014/main" id="{BC6EE5D6-B812-5A44-8E2E-0D340A99F527}"/>
               </a:ext>
             </a:extLst>
           </p:cNvPr>
@@ -27706,7 +27527,7 @@
           <p:cNvPr id="70" name="矩形 69">
             <a:extLst>
               <a:ext uri="{FF2B5EF4-FFF2-40B4-BE49-F238E27FC236}">
-                <a16:creationId xmlns:a16="http://schemas.microsoft.com/office/drawing/2014/main" xmlns="" id="{76DC12EF-3E78-4744-B092-2511D4394ED4}"/>
+                <a16:creationId xmlns:a16="http://schemas.microsoft.com/office/drawing/2014/main" id="{76DC12EF-3E78-4744-B092-2511D4394ED4}"/>
               </a:ext>
             </a:extLst>
           </p:cNvPr>
@@ -27752,7 +27573,7 @@
           <p:cNvPr id="71" name="矩形 70">
             <a:extLst>
               <a:ext uri="{FF2B5EF4-FFF2-40B4-BE49-F238E27FC236}">
-                <a16:creationId xmlns:a16="http://schemas.microsoft.com/office/drawing/2014/main" xmlns="" id="{1CBCA22F-4911-4144-B568-385765FDD372}"/>
+                <a16:creationId xmlns:a16="http://schemas.microsoft.com/office/drawing/2014/main" id="{1CBCA22F-4911-4144-B568-385765FDD372}"/>
               </a:ext>
             </a:extLst>
           </p:cNvPr>
@@ -27798,7 +27619,7 @@
           <p:cNvPr id="72" name="椭圆 71">
             <a:extLst>
               <a:ext uri="{FF2B5EF4-FFF2-40B4-BE49-F238E27FC236}">
-                <a16:creationId xmlns:a16="http://schemas.microsoft.com/office/drawing/2014/main" xmlns="" id="{CD70E9C7-E090-FC47-B17E-B628E54D05FA}"/>
+                <a16:creationId xmlns:a16="http://schemas.microsoft.com/office/drawing/2014/main" id="{CD70E9C7-E090-FC47-B17E-B628E54D05FA}"/>
               </a:ext>
             </a:extLst>
           </p:cNvPr>
@@ -27844,7 +27665,7 @@
           <p:cNvPr id="73" name="直线连接符 72">
             <a:extLst>
               <a:ext uri="{FF2B5EF4-FFF2-40B4-BE49-F238E27FC236}">
-                <a16:creationId xmlns:a16="http://schemas.microsoft.com/office/drawing/2014/main" xmlns="" id="{8F3893D3-96CB-E14C-B718-FF139035D674}"/>
+                <a16:creationId xmlns:a16="http://schemas.microsoft.com/office/drawing/2014/main" id="{8F3893D3-96CB-E14C-B718-FF139035D674}"/>
               </a:ext>
             </a:extLst>
           </p:cNvPr>
@@ -27889,7 +27710,7 @@
           <p:cNvPr id="74" name="直线连接符 73">
             <a:extLst>
               <a:ext uri="{FF2B5EF4-FFF2-40B4-BE49-F238E27FC236}">
-                <a16:creationId xmlns:a16="http://schemas.microsoft.com/office/drawing/2014/main" xmlns="" id="{0FAEEE3F-00C1-C94A-97FA-CE21D40B8CB7}"/>
+                <a16:creationId xmlns:a16="http://schemas.microsoft.com/office/drawing/2014/main" id="{0FAEEE3F-00C1-C94A-97FA-CE21D40B8CB7}"/>
               </a:ext>
             </a:extLst>
           </p:cNvPr>
@@ -27934,7 +27755,7 @@
           <p:cNvPr id="75" name="矩形 74">
             <a:extLst>
               <a:ext uri="{FF2B5EF4-FFF2-40B4-BE49-F238E27FC236}">
-                <a16:creationId xmlns:a16="http://schemas.microsoft.com/office/drawing/2014/main" xmlns="" id="{E75CA6BA-015B-014E-AB8A-35BF63F8E901}"/>
+                <a16:creationId xmlns:a16="http://schemas.microsoft.com/office/drawing/2014/main" id="{E75CA6BA-015B-014E-AB8A-35BF63F8E901}"/>
               </a:ext>
             </a:extLst>
           </p:cNvPr>
@@ -27980,7 +27801,7 @@
           <p:cNvPr id="76" name="矩形 75">
             <a:extLst>
               <a:ext uri="{FF2B5EF4-FFF2-40B4-BE49-F238E27FC236}">
-                <a16:creationId xmlns:a16="http://schemas.microsoft.com/office/drawing/2014/main" xmlns="" id="{51D6FEDD-A53E-A24B-BE7E-092955A49847}"/>
+                <a16:creationId xmlns:a16="http://schemas.microsoft.com/office/drawing/2014/main" id="{51D6FEDD-A53E-A24B-BE7E-092955A49847}"/>
               </a:ext>
             </a:extLst>
           </p:cNvPr>
@@ -28026,7 +27847,7 @@
           <p:cNvPr id="77" name="椭圆 76">
             <a:extLst>
               <a:ext uri="{FF2B5EF4-FFF2-40B4-BE49-F238E27FC236}">
-                <a16:creationId xmlns:a16="http://schemas.microsoft.com/office/drawing/2014/main" xmlns="" id="{28C8ED9E-0A7A-F143-9504-88BA23264A68}"/>
+                <a16:creationId xmlns:a16="http://schemas.microsoft.com/office/drawing/2014/main" id="{28C8ED9E-0A7A-F143-9504-88BA23264A68}"/>
               </a:ext>
             </a:extLst>
           </p:cNvPr>
@@ -28072,7 +27893,7 @@
           <p:cNvPr id="78" name="直线连接符 77">
             <a:extLst>
               <a:ext uri="{FF2B5EF4-FFF2-40B4-BE49-F238E27FC236}">
-                <a16:creationId xmlns:a16="http://schemas.microsoft.com/office/drawing/2014/main" xmlns="" id="{D7C680DE-E525-3D4F-B145-B7C61368168A}"/>
+                <a16:creationId xmlns:a16="http://schemas.microsoft.com/office/drawing/2014/main" id="{D7C680DE-E525-3D4F-B145-B7C61368168A}"/>
               </a:ext>
             </a:extLst>
           </p:cNvPr>
@@ -28117,7 +27938,7 @@
           <p:cNvPr id="79" name="直线连接符 78">
             <a:extLst>
               <a:ext uri="{FF2B5EF4-FFF2-40B4-BE49-F238E27FC236}">
-                <a16:creationId xmlns:a16="http://schemas.microsoft.com/office/drawing/2014/main" xmlns="" id="{52E496C5-2194-5540-8B69-4A614CB2C695}"/>
+                <a16:creationId xmlns:a16="http://schemas.microsoft.com/office/drawing/2014/main" id="{52E496C5-2194-5540-8B69-4A614CB2C695}"/>
               </a:ext>
             </a:extLst>
           </p:cNvPr>
@@ -28162,7 +27983,7 @@
           <p:cNvPr id="80" name="直线连接符 79">
             <a:extLst>
               <a:ext uri="{FF2B5EF4-FFF2-40B4-BE49-F238E27FC236}">
-                <a16:creationId xmlns:a16="http://schemas.microsoft.com/office/drawing/2014/main" xmlns="" id="{B2F72FF8-CB71-9440-8AB4-9B899631BE0A}"/>
+                <a16:creationId xmlns:a16="http://schemas.microsoft.com/office/drawing/2014/main" id="{B2F72FF8-CB71-9440-8AB4-9B899631BE0A}"/>
               </a:ext>
             </a:extLst>
           </p:cNvPr>
@@ -28207,7 +28028,7 @@
           <p:cNvPr id="83" name="直线连接符 82">
             <a:extLst>
               <a:ext uri="{FF2B5EF4-FFF2-40B4-BE49-F238E27FC236}">
-                <a16:creationId xmlns:a16="http://schemas.microsoft.com/office/drawing/2014/main" xmlns="" id="{CB8ECDB2-18F6-ED40-BF29-0E4204300FF1}"/>
+                <a16:creationId xmlns:a16="http://schemas.microsoft.com/office/drawing/2014/main" id="{CB8ECDB2-18F6-ED40-BF29-0E4204300FF1}"/>
               </a:ext>
             </a:extLst>
           </p:cNvPr>
@@ -28252,7 +28073,7 @@
           <p:cNvPr id="86" name="椭圆 85">
             <a:extLst>
               <a:ext uri="{FF2B5EF4-FFF2-40B4-BE49-F238E27FC236}">
-                <a16:creationId xmlns:a16="http://schemas.microsoft.com/office/drawing/2014/main" xmlns="" id="{D1E67824-653C-E74B-968D-3A3D0E990C80}"/>
+                <a16:creationId xmlns:a16="http://schemas.microsoft.com/office/drawing/2014/main" id="{D1E67824-653C-E74B-968D-3A3D0E990C80}"/>
               </a:ext>
             </a:extLst>
           </p:cNvPr>
@@ -28301,7 +28122,7 @@
           <p:cNvPr id="87" name="矩形 86">
             <a:extLst>
               <a:ext uri="{FF2B5EF4-FFF2-40B4-BE49-F238E27FC236}">
-                <a16:creationId xmlns:a16="http://schemas.microsoft.com/office/drawing/2014/main" xmlns="" id="{CE639E0C-5CED-7845-B8E2-188D7E851CD1}"/>
+                <a16:creationId xmlns:a16="http://schemas.microsoft.com/office/drawing/2014/main" id="{CE639E0C-5CED-7845-B8E2-188D7E851CD1}"/>
               </a:ext>
             </a:extLst>
           </p:cNvPr>
@@ -28355,7 +28176,7 @@
           <p:cNvPr id="88" name="矩形 87">
             <a:extLst>
               <a:ext uri="{FF2B5EF4-FFF2-40B4-BE49-F238E27FC236}">
-                <a16:creationId xmlns:a16="http://schemas.microsoft.com/office/drawing/2014/main" xmlns="" id="{ED911405-A61F-AF48-87AF-11B13D5DAF38}"/>
+                <a16:creationId xmlns:a16="http://schemas.microsoft.com/office/drawing/2014/main" id="{ED911405-A61F-AF48-87AF-11B13D5DAF38}"/>
               </a:ext>
             </a:extLst>
           </p:cNvPr>
@@ -28401,7 +28222,7 @@
           <p:cNvPr id="89" name="椭圆 88">
             <a:extLst>
               <a:ext uri="{FF2B5EF4-FFF2-40B4-BE49-F238E27FC236}">
-                <a16:creationId xmlns:a16="http://schemas.microsoft.com/office/drawing/2014/main" xmlns="" id="{451C4244-70E6-4542-8B8C-950146583A1D}"/>
+                <a16:creationId xmlns:a16="http://schemas.microsoft.com/office/drawing/2014/main" id="{451C4244-70E6-4542-8B8C-950146583A1D}"/>
               </a:ext>
             </a:extLst>
           </p:cNvPr>
@@ -28450,7 +28271,7 @@
           <p:cNvPr id="90" name="直线连接符 89">
             <a:extLst>
               <a:ext uri="{FF2B5EF4-FFF2-40B4-BE49-F238E27FC236}">
-                <a16:creationId xmlns:a16="http://schemas.microsoft.com/office/drawing/2014/main" xmlns="" id="{D8A0E0E2-635A-C94E-AED8-A6524FE9CF46}"/>
+                <a16:creationId xmlns:a16="http://schemas.microsoft.com/office/drawing/2014/main" id="{D8A0E0E2-635A-C94E-AED8-A6524FE9CF46}"/>
               </a:ext>
             </a:extLst>
           </p:cNvPr>
@@ -28495,7 +28316,7 @@
           <p:cNvPr id="91" name="直线连接符 90">
             <a:extLst>
               <a:ext uri="{FF2B5EF4-FFF2-40B4-BE49-F238E27FC236}">
-                <a16:creationId xmlns:a16="http://schemas.microsoft.com/office/drawing/2014/main" xmlns="" id="{91DCF7F9-7067-4742-AAE9-5541B02DA910}"/>
+                <a16:creationId xmlns:a16="http://schemas.microsoft.com/office/drawing/2014/main" id="{91DCF7F9-7067-4742-AAE9-5541B02DA910}"/>
               </a:ext>
             </a:extLst>
           </p:cNvPr>
@@ -28540,7 +28361,7 @@
           <p:cNvPr id="92" name="矩形 91">
             <a:extLst>
               <a:ext uri="{FF2B5EF4-FFF2-40B4-BE49-F238E27FC236}">
-                <a16:creationId xmlns:a16="http://schemas.microsoft.com/office/drawing/2014/main" xmlns="" id="{60E7D525-D61D-134B-B62D-5B76DDCC14F5}"/>
+                <a16:creationId xmlns:a16="http://schemas.microsoft.com/office/drawing/2014/main" id="{60E7D525-D61D-134B-B62D-5B76DDCC14F5}"/>
               </a:ext>
             </a:extLst>
           </p:cNvPr>
@@ -28586,7 +28407,7 @@
           <p:cNvPr id="93" name="矩形 92">
             <a:extLst>
               <a:ext uri="{FF2B5EF4-FFF2-40B4-BE49-F238E27FC236}">
-                <a16:creationId xmlns:a16="http://schemas.microsoft.com/office/drawing/2014/main" xmlns="" id="{A8800A96-5B4C-5445-B173-27E1FC332247}"/>
+                <a16:creationId xmlns:a16="http://schemas.microsoft.com/office/drawing/2014/main" id="{A8800A96-5B4C-5445-B173-27E1FC332247}"/>
               </a:ext>
             </a:extLst>
           </p:cNvPr>
@@ -28632,7 +28453,7 @@
           <p:cNvPr id="94" name="椭圆 93">
             <a:extLst>
               <a:ext uri="{FF2B5EF4-FFF2-40B4-BE49-F238E27FC236}">
-                <a16:creationId xmlns:a16="http://schemas.microsoft.com/office/drawing/2014/main" xmlns="" id="{EB4A5D39-59E0-BC46-A35D-1B10808219D4}"/>
+                <a16:creationId xmlns:a16="http://schemas.microsoft.com/office/drawing/2014/main" id="{EB4A5D39-59E0-BC46-A35D-1B10808219D4}"/>
               </a:ext>
             </a:extLst>
           </p:cNvPr>
@@ -28678,7 +28499,7 @@
           <p:cNvPr id="95" name="直线连接符 94">
             <a:extLst>
               <a:ext uri="{FF2B5EF4-FFF2-40B4-BE49-F238E27FC236}">
-                <a16:creationId xmlns:a16="http://schemas.microsoft.com/office/drawing/2014/main" xmlns="" id="{5A6A792C-A19D-8D40-B56B-9279B5CE0D85}"/>
+                <a16:creationId xmlns:a16="http://schemas.microsoft.com/office/drawing/2014/main" id="{5A6A792C-A19D-8D40-B56B-9279B5CE0D85}"/>
               </a:ext>
             </a:extLst>
           </p:cNvPr>
@@ -28723,7 +28544,7 @@
           <p:cNvPr id="96" name="直线连接符 95">
             <a:extLst>
               <a:ext uri="{FF2B5EF4-FFF2-40B4-BE49-F238E27FC236}">
-                <a16:creationId xmlns:a16="http://schemas.microsoft.com/office/drawing/2014/main" xmlns="" id="{D5A10680-6902-4244-B81A-7EBDAED0CFDF}"/>
+                <a16:creationId xmlns:a16="http://schemas.microsoft.com/office/drawing/2014/main" id="{D5A10680-6902-4244-B81A-7EBDAED0CFDF}"/>
               </a:ext>
             </a:extLst>
           </p:cNvPr>
@@ -28768,7 +28589,7 @@
           <p:cNvPr id="97" name="直线连接符 96">
             <a:extLst>
               <a:ext uri="{FF2B5EF4-FFF2-40B4-BE49-F238E27FC236}">
-                <a16:creationId xmlns:a16="http://schemas.microsoft.com/office/drawing/2014/main" xmlns="" id="{4C7B2CBB-05F8-1C48-BB82-81EFD7C255EE}"/>
+                <a16:creationId xmlns:a16="http://schemas.microsoft.com/office/drawing/2014/main" id="{4C7B2CBB-05F8-1C48-BB82-81EFD7C255EE}"/>
               </a:ext>
             </a:extLst>
           </p:cNvPr>
@@ -28813,7 +28634,7 @@
           <p:cNvPr id="98" name="直线连接符 97">
             <a:extLst>
               <a:ext uri="{FF2B5EF4-FFF2-40B4-BE49-F238E27FC236}">
-                <a16:creationId xmlns:a16="http://schemas.microsoft.com/office/drawing/2014/main" xmlns="" id="{BCCCD3ED-50F1-7A49-8FF2-C0393660C362}"/>
+                <a16:creationId xmlns:a16="http://schemas.microsoft.com/office/drawing/2014/main" id="{BCCCD3ED-50F1-7A49-8FF2-C0393660C362}"/>
               </a:ext>
             </a:extLst>
           </p:cNvPr>
@@ -28858,7 +28679,7 @@
           <p:cNvPr id="99" name="直线连接符 98">
             <a:extLst>
               <a:ext uri="{FF2B5EF4-FFF2-40B4-BE49-F238E27FC236}">
-                <a16:creationId xmlns:a16="http://schemas.microsoft.com/office/drawing/2014/main" xmlns="" id="{54CA5F68-92C8-D245-B66B-0A8135500154}"/>
+                <a16:creationId xmlns:a16="http://schemas.microsoft.com/office/drawing/2014/main" id="{54CA5F68-92C8-D245-B66B-0A8135500154}"/>
               </a:ext>
             </a:extLst>
           </p:cNvPr>
@@ -28903,7 +28724,7 @@
           <p:cNvPr id="102" name="直线连接符 101">
             <a:extLst>
               <a:ext uri="{FF2B5EF4-FFF2-40B4-BE49-F238E27FC236}">
-                <a16:creationId xmlns:a16="http://schemas.microsoft.com/office/drawing/2014/main" xmlns="" id="{D25792AE-BA15-4C4D-9B9B-E8116F709353}"/>
+                <a16:creationId xmlns:a16="http://schemas.microsoft.com/office/drawing/2014/main" id="{D25792AE-BA15-4C4D-9B9B-E8116F709353}"/>
               </a:ext>
             </a:extLst>
           </p:cNvPr>
@@ -28948,7 +28769,7 @@
           <p:cNvPr id="134" name="椭圆 133">
             <a:extLst>
               <a:ext uri="{FF2B5EF4-FFF2-40B4-BE49-F238E27FC236}">
-                <a16:creationId xmlns:a16="http://schemas.microsoft.com/office/drawing/2014/main" xmlns="" id="{D812FCEC-45C2-B344-801D-231FDC0CD8C9}"/>
+                <a16:creationId xmlns:a16="http://schemas.microsoft.com/office/drawing/2014/main" id="{D812FCEC-45C2-B344-801D-231FDC0CD8C9}"/>
               </a:ext>
             </a:extLst>
           </p:cNvPr>
@@ -28994,7 +28815,7 @@
           <p:cNvPr id="135" name="椭圆 134">
             <a:extLst>
               <a:ext uri="{FF2B5EF4-FFF2-40B4-BE49-F238E27FC236}">
-                <a16:creationId xmlns:a16="http://schemas.microsoft.com/office/drawing/2014/main" xmlns="" id="{45853432-1967-0E48-92F5-0FE48174D819}"/>
+                <a16:creationId xmlns:a16="http://schemas.microsoft.com/office/drawing/2014/main" id="{45853432-1967-0E48-92F5-0FE48174D819}"/>
               </a:ext>
             </a:extLst>
           </p:cNvPr>
@@ -29043,7 +28864,7 @@
           <p:cNvPr id="136" name="矩形 135">
             <a:extLst>
               <a:ext uri="{FF2B5EF4-FFF2-40B4-BE49-F238E27FC236}">
-                <a16:creationId xmlns:a16="http://schemas.microsoft.com/office/drawing/2014/main" xmlns="" id="{53905ACF-99DD-F742-B3F9-98736B3484DB}"/>
+                <a16:creationId xmlns:a16="http://schemas.microsoft.com/office/drawing/2014/main" id="{53905ACF-99DD-F742-B3F9-98736B3484DB}"/>
               </a:ext>
             </a:extLst>
           </p:cNvPr>
@@ -29089,7 +28910,7 @@
           <p:cNvPr id="137" name="矩形 136">
             <a:extLst>
               <a:ext uri="{FF2B5EF4-FFF2-40B4-BE49-F238E27FC236}">
-                <a16:creationId xmlns:a16="http://schemas.microsoft.com/office/drawing/2014/main" xmlns="" id="{B89B761A-F90C-EE46-9B43-C6656AC2353C}"/>
+                <a16:creationId xmlns:a16="http://schemas.microsoft.com/office/drawing/2014/main" id="{B89B761A-F90C-EE46-9B43-C6656AC2353C}"/>
               </a:ext>
             </a:extLst>
           </p:cNvPr>
@@ -29135,7 +28956,7 @@
           <p:cNvPr id="138" name="椭圆 137">
             <a:extLst>
               <a:ext uri="{FF2B5EF4-FFF2-40B4-BE49-F238E27FC236}">
-                <a16:creationId xmlns:a16="http://schemas.microsoft.com/office/drawing/2014/main" xmlns="" id="{1C8B860B-F86D-4B4B-9193-876CD7DC0907}"/>
+                <a16:creationId xmlns:a16="http://schemas.microsoft.com/office/drawing/2014/main" id="{1C8B860B-F86D-4B4B-9193-876CD7DC0907}"/>
               </a:ext>
             </a:extLst>
           </p:cNvPr>
@@ -29181,7 +29002,7 @@
           <p:cNvPr id="139" name="直线连接符 138">
             <a:extLst>
               <a:ext uri="{FF2B5EF4-FFF2-40B4-BE49-F238E27FC236}">
-                <a16:creationId xmlns:a16="http://schemas.microsoft.com/office/drawing/2014/main" xmlns="" id="{38202E17-7B59-C649-865C-21D4F76A306D}"/>
+                <a16:creationId xmlns:a16="http://schemas.microsoft.com/office/drawing/2014/main" id="{38202E17-7B59-C649-865C-21D4F76A306D}"/>
               </a:ext>
             </a:extLst>
           </p:cNvPr>
@@ -29226,7 +29047,7 @@
           <p:cNvPr id="140" name="直线连接符 139">
             <a:extLst>
               <a:ext uri="{FF2B5EF4-FFF2-40B4-BE49-F238E27FC236}">
-                <a16:creationId xmlns:a16="http://schemas.microsoft.com/office/drawing/2014/main" xmlns="" id="{A686937A-936E-D841-80F9-D60C793716A1}"/>
+                <a16:creationId xmlns:a16="http://schemas.microsoft.com/office/drawing/2014/main" id="{A686937A-936E-D841-80F9-D60C793716A1}"/>
               </a:ext>
             </a:extLst>
           </p:cNvPr>
@@ -29271,7 +29092,7 @@
           <p:cNvPr id="141" name="矩形 140">
             <a:extLst>
               <a:ext uri="{FF2B5EF4-FFF2-40B4-BE49-F238E27FC236}">
-                <a16:creationId xmlns:a16="http://schemas.microsoft.com/office/drawing/2014/main" xmlns="" id="{D3476BC9-3617-2349-AD3A-4D84C847071B}"/>
+                <a16:creationId xmlns:a16="http://schemas.microsoft.com/office/drawing/2014/main" id="{D3476BC9-3617-2349-AD3A-4D84C847071B}"/>
               </a:ext>
             </a:extLst>
           </p:cNvPr>
@@ -29317,7 +29138,7 @@
           <p:cNvPr id="142" name="矩形 141">
             <a:extLst>
               <a:ext uri="{FF2B5EF4-FFF2-40B4-BE49-F238E27FC236}">
-                <a16:creationId xmlns:a16="http://schemas.microsoft.com/office/drawing/2014/main" xmlns="" id="{35D61483-E1EA-2F47-A87D-5C5DAAF4C881}"/>
+                <a16:creationId xmlns:a16="http://schemas.microsoft.com/office/drawing/2014/main" id="{35D61483-E1EA-2F47-A87D-5C5DAAF4C881}"/>
               </a:ext>
             </a:extLst>
           </p:cNvPr>
@@ -29363,7 +29184,7 @@
           <p:cNvPr id="143" name="椭圆 142">
             <a:extLst>
               <a:ext uri="{FF2B5EF4-FFF2-40B4-BE49-F238E27FC236}">
-                <a16:creationId xmlns:a16="http://schemas.microsoft.com/office/drawing/2014/main" xmlns="" id="{E2395878-95EC-F440-B899-6DB2E3106F63}"/>
+                <a16:creationId xmlns:a16="http://schemas.microsoft.com/office/drawing/2014/main" id="{E2395878-95EC-F440-B899-6DB2E3106F63}"/>
               </a:ext>
             </a:extLst>
           </p:cNvPr>
@@ -29409,7 +29230,7 @@
           <p:cNvPr id="144" name="直线连接符 143">
             <a:extLst>
               <a:ext uri="{FF2B5EF4-FFF2-40B4-BE49-F238E27FC236}">
-                <a16:creationId xmlns:a16="http://schemas.microsoft.com/office/drawing/2014/main" xmlns="" id="{CD20C65D-F06D-DD44-B428-C81AA47372D7}"/>
+                <a16:creationId xmlns:a16="http://schemas.microsoft.com/office/drawing/2014/main" id="{CD20C65D-F06D-DD44-B428-C81AA47372D7}"/>
               </a:ext>
             </a:extLst>
           </p:cNvPr>
@@ -29454,7 +29275,7 @@
           <p:cNvPr id="145" name="直线连接符 144">
             <a:extLst>
               <a:ext uri="{FF2B5EF4-FFF2-40B4-BE49-F238E27FC236}">
-                <a16:creationId xmlns:a16="http://schemas.microsoft.com/office/drawing/2014/main" xmlns="" id="{4A9E221B-42B3-C740-B0F0-1A2B9833930E}"/>
+                <a16:creationId xmlns:a16="http://schemas.microsoft.com/office/drawing/2014/main" id="{4A9E221B-42B3-C740-B0F0-1A2B9833930E}"/>
               </a:ext>
             </a:extLst>
           </p:cNvPr>
@@ -29499,7 +29320,7 @@
           <p:cNvPr id="146" name="直线连接符 145">
             <a:extLst>
               <a:ext uri="{FF2B5EF4-FFF2-40B4-BE49-F238E27FC236}">
-                <a16:creationId xmlns:a16="http://schemas.microsoft.com/office/drawing/2014/main" xmlns="" id="{A7B7AC7C-9690-9944-B1FE-CBA8452577D4}"/>
+                <a16:creationId xmlns:a16="http://schemas.microsoft.com/office/drawing/2014/main" id="{A7B7AC7C-9690-9944-B1FE-CBA8452577D4}"/>
               </a:ext>
             </a:extLst>
           </p:cNvPr>
@@ -29544,7 +29365,7 @@
           <p:cNvPr id="147" name="直线连接符 146">
             <a:extLst>
               <a:ext uri="{FF2B5EF4-FFF2-40B4-BE49-F238E27FC236}">
-                <a16:creationId xmlns:a16="http://schemas.microsoft.com/office/drawing/2014/main" xmlns="" id="{6D66B493-EBF1-EC42-BE0A-D44EB359DE35}"/>
+                <a16:creationId xmlns:a16="http://schemas.microsoft.com/office/drawing/2014/main" id="{6D66B493-EBF1-EC42-BE0A-D44EB359DE35}"/>
               </a:ext>
             </a:extLst>
           </p:cNvPr>
@@ -29589,7 +29410,7 @@
           <p:cNvPr id="148" name="椭圆 147">
             <a:extLst>
               <a:ext uri="{FF2B5EF4-FFF2-40B4-BE49-F238E27FC236}">
-                <a16:creationId xmlns:a16="http://schemas.microsoft.com/office/drawing/2014/main" xmlns="" id="{9671E381-8C9A-7249-8690-9A97FE6CEC37}"/>
+                <a16:creationId xmlns:a16="http://schemas.microsoft.com/office/drawing/2014/main" id="{9671E381-8C9A-7249-8690-9A97FE6CEC37}"/>
               </a:ext>
             </a:extLst>
           </p:cNvPr>
@@ -29638,7 +29459,7 @@
           <p:cNvPr id="149" name="矩形 148">
             <a:extLst>
               <a:ext uri="{FF2B5EF4-FFF2-40B4-BE49-F238E27FC236}">
-                <a16:creationId xmlns:a16="http://schemas.microsoft.com/office/drawing/2014/main" xmlns="" id="{88213569-380C-704D-8320-D89BC8332040}"/>
+                <a16:creationId xmlns:a16="http://schemas.microsoft.com/office/drawing/2014/main" id="{88213569-380C-704D-8320-D89BC8332040}"/>
               </a:ext>
             </a:extLst>
           </p:cNvPr>
@@ -29684,7 +29505,7 @@
           <p:cNvPr id="150" name="矩形 149">
             <a:extLst>
               <a:ext uri="{FF2B5EF4-FFF2-40B4-BE49-F238E27FC236}">
-                <a16:creationId xmlns:a16="http://schemas.microsoft.com/office/drawing/2014/main" xmlns="" id="{CC2D48BD-2F54-1846-9FE6-B2926D606B96}"/>
+                <a16:creationId xmlns:a16="http://schemas.microsoft.com/office/drawing/2014/main" id="{CC2D48BD-2F54-1846-9FE6-B2926D606B96}"/>
               </a:ext>
             </a:extLst>
           </p:cNvPr>
@@ -29730,7 +29551,7 @@
           <p:cNvPr id="151" name="椭圆 150">
             <a:extLst>
               <a:ext uri="{FF2B5EF4-FFF2-40B4-BE49-F238E27FC236}">
-                <a16:creationId xmlns:a16="http://schemas.microsoft.com/office/drawing/2014/main" xmlns="" id="{CC3C0616-22E1-C94C-8B56-7F7DD53DC4D3}"/>
+                <a16:creationId xmlns:a16="http://schemas.microsoft.com/office/drawing/2014/main" id="{CC3C0616-22E1-C94C-8B56-7F7DD53DC4D3}"/>
               </a:ext>
             </a:extLst>
           </p:cNvPr>
@@ -29776,7 +29597,7 @@
           <p:cNvPr id="152" name="直线连接符 151">
             <a:extLst>
               <a:ext uri="{FF2B5EF4-FFF2-40B4-BE49-F238E27FC236}">
-                <a16:creationId xmlns:a16="http://schemas.microsoft.com/office/drawing/2014/main" xmlns="" id="{60B11272-6AB9-CA4C-B732-26120A0C2D95}"/>
+                <a16:creationId xmlns:a16="http://schemas.microsoft.com/office/drawing/2014/main" id="{60B11272-6AB9-CA4C-B732-26120A0C2D95}"/>
               </a:ext>
             </a:extLst>
           </p:cNvPr>
@@ -29821,7 +29642,7 @@
           <p:cNvPr id="153" name="直线连接符 152">
             <a:extLst>
               <a:ext uri="{FF2B5EF4-FFF2-40B4-BE49-F238E27FC236}">
-                <a16:creationId xmlns:a16="http://schemas.microsoft.com/office/drawing/2014/main" xmlns="" id="{ED220DF5-351F-AF4A-BFC5-E3A9ACFD304F}"/>
+                <a16:creationId xmlns:a16="http://schemas.microsoft.com/office/drawing/2014/main" id="{ED220DF5-351F-AF4A-BFC5-E3A9ACFD304F}"/>
               </a:ext>
             </a:extLst>
           </p:cNvPr>
@@ -29866,7 +29687,7 @@
           <p:cNvPr id="154" name="矩形 153">
             <a:extLst>
               <a:ext uri="{FF2B5EF4-FFF2-40B4-BE49-F238E27FC236}">
-                <a16:creationId xmlns:a16="http://schemas.microsoft.com/office/drawing/2014/main" xmlns="" id="{4B8DE2BB-3A6E-E14F-8864-AA75D7DDD0E9}"/>
+                <a16:creationId xmlns:a16="http://schemas.microsoft.com/office/drawing/2014/main" id="{4B8DE2BB-3A6E-E14F-8864-AA75D7DDD0E9}"/>
               </a:ext>
             </a:extLst>
           </p:cNvPr>
@@ -29912,7 +29733,7 @@
           <p:cNvPr id="155" name="矩形 154">
             <a:extLst>
               <a:ext uri="{FF2B5EF4-FFF2-40B4-BE49-F238E27FC236}">
-                <a16:creationId xmlns:a16="http://schemas.microsoft.com/office/drawing/2014/main" xmlns="" id="{72AE0033-0163-7044-AE9F-701DB78B7EF9}"/>
+                <a16:creationId xmlns:a16="http://schemas.microsoft.com/office/drawing/2014/main" id="{72AE0033-0163-7044-AE9F-701DB78B7EF9}"/>
               </a:ext>
             </a:extLst>
           </p:cNvPr>
@@ -29966,7 +29787,7 @@
           <p:cNvPr id="156" name="椭圆 155">
             <a:extLst>
               <a:ext uri="{FF2B5EF4-FFF2-40B4-BE49-F238E27FC236}">
-                <a16:creationId xmlns:a16="http://schemas.microsoft.com/office/drawing/2014/main" xmlns="" id="{8ABA1EAD-85CF-F84F-AE56-875490D8D171}"/>
+                <a16:creationId xmlns:a16="http://schemas.microsoft.com/office/drawing/2014/main" id="{8ABA1EAD-85CF-F84F-AE56-875490D8D171}"/>
               </a:ext>
             </a:extLst>
           </p:cNvPr>
@@ -30015,7 +29836,7 @@
           <p:cNvPr id="157" name="直线连接符 156">
             <a:extLst>
               <a:ext uri="{FF2B5EF4-FFF2-40B4-BE49-F238E27FC236}">
-                <a16:creationId xmlns:a16="http://schemas.microsoft.com/office/drawing/2014/main" xmlns="" id="{2C4DA044-EEA3-2648-9022-9D4B646E54CE}"/>
+                <a16:creationId xmlns:a16="http://schemas.microsoft.com/office/drawing/2014/main" id="{2C4DA044-EEA3-2648-9022-9D4B646E54CE}"/>
               </a:ext>
             </a:extLst>
           </p:cNvPr>
@@ -30060,7 +29881,7 @@
           <p:cNvPr id="158" name="直线连接符 157">
             <a:extLst>
               <a:ext uri="{FF2B5EF4-FFF2-40B4-BE49-F238E27FC236}">
-                <a16:creationId xmlns:a16="http://schemas.microsoft.com/office/drawing/2014/main" xmlns="" id="{678F7910-1BFB-1C48-A5F5-C6B0119E35A2}"/>
+                <a16:creationId xmlns:a16="http://schemas.microsoft.com/office/drawing/2014/main" id="{678F7910-1BFB-1C48-A5F5-C6B0119E35A2}"/>
               </a:ext>
             </a:extLst>
           </p:cNvPr>
@@ -30105,7 +29926,7 @@
           <p:cNvPr id="159" name="直线连接符 158">
             <a:extLst>
               <a:ext uri="{FF2B5EF4-FFF2-40B4-BE49-F238E27FC236}">
-                <a16:creationId xmlns:a16="http://schemas.microsoft.com/office/drawing/2014/main" xmlns="" id="{FD1849BE-468D-E749-AF86-14B2A3AD676B}"/>
+                <a16:creationId xmlns:a16="http://schemas.microsoft.com/office/drawing/2014/main" id="{FD1849BE-468D-E749-AF86-14B2A3AD676B}"/>
               </a:ext>
             </a:extLst>
           </p:cNvPr>
@@ -30150,7 +29971,7 @@
           <p:cNvPr id="160" name="直线连接符 159">
             <a:extLst>
               <a:ext uri="{FF2B5EF4-FFF2-40B4-BE49-F238E27FC236}">
-                <a16:creationId xmlns:a16="http://schemas.microsoft.com/office/drawing/2014/main" xmlns="" id="{87FC241E-5606-0041-957F-54DD1CBD07D5}"/>
+                <a16:creationId xmlns:a16="http://schemas.microsoft.com/office/drawing/2014/main" id="{87FC241E-5606-0041-957F-54DD1CBD07D5}"/>
               </a:ext>
             </a:extLst>
           </p:cNvPr>
@@ -30195,7 +30016,7 @@
           <p:cNvPr id="161" name="直线连接符 160">
             <a:extLst>
               <a:ext uri="{FF2B5EF4-FFF2-40B4-BE49-F238E27FC236}">
-                <a16:creationId xmlns:a16="http://schemas.microsoft.com/office/drawing/2014/main" xmlns="" id="{0BC2BEE3-84D2-ED4F-878B-6B9F20A153A1}"/>
+                <a16:creationId xmlns:a16="http://schemas.microsoft.com/office/drawing/2014/main" id="{0BC2BEE3-84D2-ED4F-878B-6B9F20A153A1}"/>
               </a:ext>
             </a:extLst>
           </p:cNvPr>
@@ -30240,7 +30061,7 @@
           <p:cNvPr id="162" name="直线连接符 161">
             <a:extLst>
               <a:ext uri="{FF2B5EF4-FFF2-40B4-BE49-F238E27FC236}">
-                <a16:creationId xmlns:a16="http://schemas.microsoft.com/office/drawing/2014/main" xmlns="" id="{59280443-0F11-4B41-9BEB-DBD789224C23}"/>
+                <a16:creationId xmlns:a16="http://schemas.microsoft.com/office/drawing/2014/main" id="{59280443-0F11-4B41-9BEB-DBD789224C23}"/>
               </a:ext>
             </a:extLst>
           </p:cNvPr>
@@ -30285,7 +30106,7 @@
           <p:cNvPr id="163" name="直线连接符 162">
             <a:extLst>
               <a:ext uri="{FF2B5EF4-FFF2-40B4-BE49-F238E27FC236}">
-                <a16:creationId xmlns:a16="http://schemas.microsoft.com/office/drawing/2014/main" xmlns="" id="{35C3ACE2-A346-E247-B354-ED1FEF266398}"/>
+                <a16:creationId xmlns:a16="http://schemas.microsoft.com/office/drawing/2014/main" id="{35C3ACE2-A346-E247-B354-ED1FEF266398}"/>
               </a:ext>
             </a:extLst>
           </p:cNvPr>
@@ -30330,7 +30151,7 @@
           <p:cNvPr id="167" name="直线连接符 166">
             <a:extLst>
               <a:ext uri="{FF2B5EF4-FFF2-40B4-BE49-F238E27FC236}">
-                <a16:creationId xmlns:a16="http://schemas.microsoft.com/office/drawing/2014/main" xmlns="" id="{270DAD3F-5BD1-114F-9BCB-96D7576A28B2}"/>
+                <a16:creationId xmlns:a16="http://schemas.microsoft.com/office/drawing/2014/main" id="{270DAD3F-5BD1-114F-9BCB-96D7576A28B2}"/>
               </a:ext>
             </a:extLst>
           </p:cNvPr>
@@ -30375,7 +30196,7 @@
           <p:cNvPr id="171" name="直线连接符 170">
             <a:extLst>
               <a:ext uri="{FF2B5EF4-FFF2-40B4-BE49-F238E27FC236}">
-                <a16:creationId xmlns:a16="http://schemas.microsoft.com/office/drawing/2014/main" xmlns="" id="{A69F57B0-9D7B-5543-B28B-F2BD7A758EDC}"/>
+                <a16:creationId xmlns:a16="http://schemas.microsoft.com/office/drawing/2014/main" id="{A69F57B0-9D7B-5543-B28B-F2BD7A758EDC}"/>
               </a:ext>
             </a:extLst>
           </p:cNvPr>
@@ -30420,7 +30241,7 @@
           <p:cNvPr id="174" name="直线连接符 173">
             <a:extLst>
               <a:ext uri="{FF2B5EF4-FFF2-40B4-BE49-F238E27FC236}">
-                <a16:creationId xmlns:a16="http://schemas.microsoft.com/office/drawing/2014/main" xmlns="" id="{FBDE3D2C-3C8B-684F-9435-9925D8338848}"/>
+                <a16:creationId xmlns:a16="http://schemas.microsoft.com/office/drawing/2014/main" id="{FBDE3D2C-3C8B-684F-9435-9925D8338848}"/>
               </a:ext>
             </a:extLst>
           </p:cNvPr>
@@ -30465,7 +30286,7 @@
           <p:cNvPr id="177" name="文本框 176">
             <a:extLst>
               <a:ext uri="{FF2B5EF4-FFF2-40B4-BE49-F238E27FC236}">
-                <a16:creationId xmlns:a16="http://schemas.microsoft.com/office/drawing/2014/main" xmlns="" id="{128FD6A5-9F23-3148-B97B-6423C263EA9F}"/>
+                <a16:creationId xmlns:a16="http://schemas.microsoft.com/office/drawing/2014/main" id="{128FD6A5-9F23-3148-B97B-6423C263EA9F}"/>
               </a:ext>
             </a:extLst>
           </p:cNvPr>
@@ -30507,7 +30328,7 @@
           <p:cNvPr id="178" name="文本框 177">
             <a:extLst>
               <a:ext uri="{FF2B5EF4-FFF2-40B4-BE49-F238E27FC236}">
-                <a16:creationId xmlns:a16="http://schemas.microsoft.com/office/drawing/2014/main" xmlns="" id="{0BD26BDE-C67E-6946-A6EF-445FF4963E5B}"/>
+                <a16:creationId xmlns:a16="http://schemas.microsoft.com/office/drawing/2014/main" id="{0BD26BDE-C67E-6946-A6EF-445FF4963E5B}"/>
               </a:ext>
             </a:extLst>
           </p:cNvPr>
@@ -30549,7 +30370,7 @@
           <p:cNvPr id="181" name="文本框 180">
             <a:extLst>
               <a:ext uri="{FF2B5EF4-FFF2-40B4-BE49-F238E27FC236}">
-                <a16:creationId xmlns:a16="http://schemas.microsoft.com/office/drawing/2014/main" xmlns="" id="{B1ADFEB5-0EA8-9B49-9D8B-245DE3DE3401}"/>
+                <a16:creationId xmlns:a16="http://schemas.microsoft.com/office/drawing/2014/main" id="{B1ADFEB5-0EA8-9B49-9D8B-245DE3DE3401}"/>
               </a:ext>
             </a:extLst>
           </p:cNvPr>
@@ -30591,7 +30412,7 @@
           <p:cNvPr id="182" name="文本框 181">
             <a:extLst>
               <a:ext uri="{FF2B5EF4-FFF2-40B4-BE49-F238E27FC236}">
-                <a16:creationId xmlns:a16="http://schemas.microsoft.com/office/drawing/2014/main" xmlns="" id="{43FD427D-A3AE-D444-9B78-34BD9AD289C2}"/>
+                <a16:creationId xmlns:a16="http://schemas.microsoft.com/office/drawing/2014/main" id="{43FD427D-A3AE-D444-9B78-34BD9AD289C2}"/>
               </a:ext>
             </a:extLst>
           </p:cNvPr>
@@ -30633,7 +30454,7 @@
           <p:cNvPr id="81" name="椭圆 80">
             <a:extLst>
               <a:ext uri="{FF2B5EF4-FFF2-40B4-BE49-F238E27FC236}">
-                <a16:creationId xmlns:a16="http://schemas.microsoft.com/office/drawing/2014/main" xmlns="" id="{D1E67824-653C-E74B-968D-3A3D0E990C80}"/>
+                <a16:creationId xmlns:a16="http://schemas.microsoft.com/office/drawing/2014/main" id="{D1E67824-653C-E74B-968D-3A3D0E990C80}"/>
               </a:ext>
             </a:extLst>
           </p:cNvPr>
@@ -30682,7 +30503,7 @@
           <p:cNvPr id="100" name="椭圆 99">
             <a:extLst>
               <a:ext uri="{FF2B5EF4-FFF2-40B4-BE49-F238E27FC236}">
-                <a16:creationId xmlns:a16="http://schemas.microsoft.com/office/drawing/2014/main" xmlns="" id="{FE177A80-294D-D74F-9193-54F0F6931790}"/>
+                <a16:creationId xmlns:a16="http://schemas.microsoft.com/office/drawing/2014/main" id="{FE177A80-294D-D74F-9193-54F0F6931790}"/>
               </a:ext>
             </a:extLst>
           </p:cNvPr>
@@ -30728,7 +30549,7 @@
           <p:cNvPr id="101" name="椭圆 100">
             <a:extLst>
               <a:ext uri="{FF2B5EF4-FFF2-40B4-BE49-F238E27FC236}">
-                <a16:creationId xmlns:a16="http://schemas.microsoft.com/office/drawing/2014/main" xmlns="" id="{9671E381-8C9A-7249-8690-9A97FE6CEC37}"/>
+                <a16:creationId xmlns:a16="http://schemas.microsoft.com/office/drawing/2014/main" id="{9671E381-8C9A-7249-8690-9A97FE6CEC37}"/>
               </a:ext>
             </a:extLst>
           </p:cNvPr>
@@ -30777,7 +30598,7 @@
           <p:cNvPr id="103" name="椭圆 102">
             <a:extLst>
               <a:ext uri="{FF2B5EF4-FFF2-40B4-BE49-F238E27FC236}">
-                <a16:creationId xmlns:a16="http://schemas.microsoft.com/office/drawing/2014/main" xmlns="" id="{D812FCEC-45C2-B344-801D-231FDC0CD8C9}"/>
+                <a16:creationId xmlns:a16="http://schemas.microsoft.com/office/drawing/2014/main" id="{D812FCEC-45C2-B344-801D-231FDC0CD8C9}"/>
               </a:ext>
             </a:extLst>
           </p:cNvPr>
@@ -30823,7 +30644,7 @@
           <p:cNvPr id="105" name="直线连接符 104">
             <a:extLst>
               <a:ext uri="{FF2B5EF4-FFF2-40B4-BE49-F238E27FC236}">
-                <a16:creationId xmlns:a16="http://schemas.microsoft.com/office/drawing/2014/main" xmlns="" id="{4C7B2CBB-05F8-1C48-BB82-81EFD7C255EE}"/>
+                <a16:creationId xmlns:a16="http://schemas.microsoft.com/office/drawing/2014/main" id="{4C7B2CBB-05F8-1C48-BB82-81EFD7C255EE}"/>
               </a:ext>
             </a:extLst>
           </p:cNvPr>
@@ -30868,7 +30689,7 @@
           <p:cNvPr id="106" name="直线连接符 105">
             <a:extLst>
               <a:ext uri="{FF2B5EF4-FFF2-40B4-BE49-F238E27FC236}">
-                <a16:creationId xmlns:a16="http://schemas.microsoft.com/office/drawing/2014/main" xmlns="" id="{4C7B2CBB-05F8-1C48-BB82-81EFD7C255EE}"/>
+                <a16:creationId xmlns:a16="http://schemas.microsoft.com/office/drawing/2014/main" id="{4C7B2CBB-05F8-1C48-BB82-81EFD7C255EE}"/>
               </a:ext>
             </a:extLst>
           </p:cNvPr>
@@ -30913,7 +30734,7 @@
           <p:cNvPr id="108" name="直线连接符 107">
             <a:extLst>
               <a:ext uri="{FF2B5EF4-FFF2-40B4-BE49-F238E27FC236}">
-                <a16:creationId xmlns:a16="http://schemas.microsoft.com/office/drawing/2014/main" xmlns="" id="{B2F72FF8-CB71-9440-8AB4-9B899631BE0A}"/>
+                <a16:creationId xmlns:a16="http://schemas.microsoft.com/office/drawing/2014/main" id="{B2F72FF8-CB71-9440-8AB4-9B899631BE0A}"/>
               </a:ext>
             </a:extLst>
           </p:cNvPr>
@@ -30958,7 +30779,7 @@
           <p:cNvPr id="111" name="直线连接符 110">
             <a:extLst>
               <a:ext uri="{FF2B5EF4-FFF2-40B4-BE49-F238E27FC236}">
-                <a16:creationId xmlns:a16="http://schemas.microsoft.com/office/drawing/2014/main" xmlns="" id="{B2F72FF8-CB71-9440-8AB4-9B899631BE0A}"/>
+                <a16:creationId xmlns:a16="http://schemas.microsoft.com/office/drawing/2014/main" id="{B2F72FF8-CB71-9440-8AB4-9B899631BE0A}"/>
               </a:ext>
             </a:extLst>
           </p:cNvPr>
@@ -31003,7 +30824,7 @@
           <p:cNvPr id="115" name="直线连接符 114">
             <a:extLst>
               <a:ext uri="{FF2B5EF4-FFF2-40B4-BE49-F238E27FC236}">
-                <a16:creationId xmlns:a16="http://schemas.microsoft.com/office/drawing/2014/main" xmlns="" id="{FD1849BE-468D-E749-AF86-14B2A3AD676B}"/>
+                <a16:creationId xmlns:a16="http://schemas.microsoft.com/office/drawing/2014/main" id="{FD1849BE-468D-E749-AF86-14B2A3AD676B}"/>
               </a:ext>
             </a:extLst>
           </p:cNvPr>
@@ -31048,7 +30869,7 @@
           <p:cNvPr id="118" name="直线连接符 117">
             <a:extLst>
               <a:ext uri="{FF2B5EF4-FFF2-40B4-BE49-F238E27FC236}">
-                <a16:creationId xmlns:a16="http://schemas.microsoft.com/office/drawing/2014/main" xmlns="" id="{FD1849BE-468D-E749-AF86-14B2A3AD676B}"/>
+                <a16:creationId xmlns:a16="http://schemas.microsoft.com/office/drawing/2014/main" id="{FD1849BE-468D-E749-AF86-14B2A3AD676B}"/>
               </a:ext>
             </a:extLst>
           </p:cNvPr>
@@ -31093,7 +30914,7 @@
           <p:cNvPr id="121" name="直线连接符 120">
             <a:extLst>
               <a:ext uri="{FF2B5EF4-FFF2-40B4-BE49-F238E27FC236}">
-                <a16:creationId xmlns:a16="http://schemas.microsoft.com/office/drawing/2014/main" xmlns="" id="{FD1849BE-468D-E749-AF86-14B2A3AD676B}"/>
+                <a16:creationId xmlns:a16="http://schemas.microsoft.com/office/drawing/2014/main" id="{FD1849BE-468D-E749-AF86-14B2A3AD676B}"/>
               </a:ext>
             </a:extLst>
           </p:cNvPr>
@@ -31138,7 +30959,7 @@
           <p:cNvPr id="125" name="直线连接符 124">
             <a:extLst>
               <a:ext uri="{FF2B5EF4-FFF2-40B4-BE49-F238E27FC236}">
-                <a16:creationId xmlns:a16="http://schemas.microsoft.com/office/drawing/2014/main" xmlns="" id="{FD1849BE-468D-E749-AF86-14B2A3AD676B}"/>
+                <a16:creationId xmlns:a16="http://schemas.microsoft.com/office/drawing/2014/main" id="{FD1849BE-468D-E749-AF86-14B2A3AD676B}"/>
               </a:ext>
             </a:extLst>
           </p:cNvPr>
@@ -31183,7 +31004,7 @@
           <p:cNvPr id="164" name="椭圆 163">
             <a:extLst>
               <a:ext uri="{FF2B5EF4-FFF2-40B4-BE49-F238E27FC236}">
-                <a16:creationId xmlns:a16="http://schemas.microsoft.com/office/drawing/2014/main" xmlns="" id="{BC6EE5D6-B812-5A44-8E2E-0D340A99F527}"/>
+                <a16:creationId xmlns:a16="http://schemas.microsoft.com/office/drawing/2014/main" id="{BC6EE5D6-B812-5A44-8E2E-0D340A99F527}"/>
               </a:ext>
             </a:extLst>
           </p:cNvPr>
@@ -31232,7 +31053,7 @@
           <p:cNvPr id="165" name="椭圆 164">
             <a:extLst>
               <a:ext uri="{FF2B5EF4-FFF2-40B4-BE49-F238E27FC236}">
-                <a16:creationId xmlns:a16="http://schemas.microsoft.com/office/drawing/2014/main" xmlns="" id="{BC6EE5D6-B812-5A44-8E2E-0D340A99F527}"/>
+                <a16:creationId xmlns:a16="http://schemas.microsoft.com/office/drawing/2014/main" id="{BC6EE5D6-B812-5A44-8E2E-0D340A99F527}"/>
               </a:ext>
             </a:extLst>
           </p:cNvPr>
@@ -31281,7 +31102,7 @@
           <p:cNvPr id="166" name="直线连接符 165">
             <a:extLst>
               <a:ext uri="{FF2B5EF4-FFF2-40B4-BE49-F238E27FC236}">
-                <a16:creationId xmlns:a16="http://schemas.microsoft.com/office/drawing/2014/main" xmlns="" id="{270DAD3F-5BD1-114F-9BCB-96D7576A28B2}"/>
+                <a16:creationId xmlns:a16="http://schemas.microsoft.com/office/drawing/2014/main" id="{270DAD3F-5BD1-114F-9BCB-96D7576A28B2}"/>
               </a:ext>
             </a:extLst>
           </p:cNvPr>
@@ -31326,7 +31147,7 @@
           <p:cNvPr id="168" name="直线连接符 167">
             <a:extLst>
               <a:ext uri="{FF2B5EF4-FFF2-40B4-BE49-F238E27FC236}">
-                <a16:creationId xmlns:a16="http://schemas.microsoft.com/office/drawing/2014/main" xmlns="" id="{270DAD3F-5BD1-114F-9BCB-96D7576A28B2}"/>
+                <a16:creationId xmlns:a16="http://schemas.microsoft.com/office/drawing/2014/main" id="{270DAD3F-5BD1-114F-9BCB-96D7576A28B2}"/>
               </a:ext>
             </a:extLst>
           </p:cNvPr>
@@ -31371,7 +31192,7 @@
           <p:cNvPr id="169" name="直线连接符 168">
             <a:extLst>
               <a:ext uri="{FF2B5EF4-FFF2-40B4-BE49-F238E27FC236}">
-                <a16:creationId xmlns:a16="http://schemas.microsoft.com/office/drawing/2014/main" xmlns="" id="{270DAD3F-5BD1-114F-9BCB-96D7576A28B2}"/>
+                <a16:creationId xmlns:a16="http://schemas.microsoft.com/office/drawing/2014/main" id="{270DAD3F-5BD1-114F-9BCB-96D7576A28B2}"/>
               </a:ext>
             </a:extLst>
           </p:cNvPr>
@@ -31416,7 +31237,7 @@
           <p:cNvPr id="170" name="直线连接符 169">
             <a:extLst>
               <a:ext uri="{FF2B5EF4-FFF2-40B4-BE49-F238E27FC236}">
-                <a16:creationId xmlns:a16="http://schemas.microsoft.com/office/drawing/2014/main" xmlns="" id="{270DAD3F-5BD1-114F-9BCB-96D7576A28B2}"/>
+                <a16:creationId xmlns:a16="http://schemas.microsoft.com/office/drawing/2014/main" id="{270DAD3F-5BD1-114F-9BCB-96D7576A28B2}"/>
               </a:ext>
             </a:extLst>
           </p:cNvPr>
@@ -31461,7 +31282,7 @@
           <p:cNvPr id="172" name="直线连接符 171">
             <a:extLst>
               <a:ext uri="{FF2B5EF4-FFF2-40B4-BE49-F238E27FC236}">
-                <a16:creationId xmlns:a16="http://schemas.microsoft.com/office/drawing/2014/main" xmlns="" id="{270DAD3F-5BD1-114F-9BCB-96D7576A28B2}"/>
+                <a16:creationId xmlns:a16="http://schemas.microsoft.com/office/drawing/2014/main" id="{270DAD3F-5BD1-114F-9BCB-96D7576A28B2}"/>
               </a:ext>
             </a:extLst>
           </p:cNvPr>
@@ -31506,7 +31327,7 @@
           <p:cNvPr id="173" name="直线连接符 172">
             <a:extLst>
               <a:ext uri="{FF2B5EF4-FFF2-40B4-BE49-F238E27FC236}">
-                <a16:creationId xmlns:a16="http://schemas.microsoft.com/office/drawing/2014/main" xmlns="" id="{270DAD3F-5BD1-114F-9BCB-96D7576A28B2}"/>
+                <a16:creationId xmlns:a16="http://schemas.microsoft.com/office/drawing/2014/main" id="{270DAD3F-5BD1-114F-9BCB-96D7576A28B2}"/>
               </a:ext>
             </a:extLst>
           </p:cNvPr>
@@ -31551,7 +31372,7 @@
           <p:cNvPr id="175" name="直线连接符 174">
             <a:extLst>
               <a:ext uri="{FF2B5EF4-FFF2-40B4-BE49-F238E27FC236}">
-                <a16:creationId xmlns:a16="http://schemas.microsoft.com/office/drawing/2014/main" xmlns="" id="{270DAD3F-5BD1-114F-9BCB-96D7576A28B2}"/>
+                <a16:creationId xmlns:a16="http://schemas.microsoft.com/office/drawing/2014/main" id="{270DAD3F-5BD1-114F-9BCB-96D7576A28B2}"/>
               </a:ext>
             </a:extLst>
           </p:cNvPr>
@@ -31596,7 +31417,7 @@
           <p:cNvPr id="176" name="直线连接符 175">
             <a:extLst>
               <a:ext uri="{FF2B5EF4-FFF2-40B4-BE49-F238E27FC236}">
-                <a16:creationId xmlns:a16="http://schemas.microsoft.com/office/drawing/2014/main" xmlns="" id="{270DAD3F-5BD1-114F-9BCB-96D7576A28B2}"/>
+                <a16:creationId xmlns:a16="http://schemas.microsoft.com/office/drawing/2014/main" id="{270DAD3F-5BD1-114F-9BCB-96D7576A28B2}"/>
               </a:ext>
             </a:extLst>
           </p:cNvPr>
@@ -31641,7 +31462,7 @@
           <p:cNvPr id="184" name="文本框 183">
             <a:extLst>
               <a:ext uri="{FF2B5EF4-FFF2-40B4-BE49-F238E27FC236}">
-                <a16:creationId xmlns:a16="http://schemas.microsoft.com/office/drawing/2014/main" xmlns="" id="{0BD26BDE-C67E-6946-A6EF-445FF4963E5B}"/>
+                <a16:creationId xmlns:a16="http://schemas.microsoft.com/office/drawing/2014/main" id="{0BD26BDE-C67E-6946-A6EF-445FF4963E5B}"/>
               </a:ext>
             </a:extLst>
           </p:cNvPr>
@@ -31683,7 +31504,7 @@
           <p:cNvPr id="185" name="文本框 184">
             <a:extLst>
               <a:ext uri="{FF2B5EF4-FFF2-40B4-BE49-F238E27FC236}">
-                <a16:creationId xmlns:a16="http://schemas.microsoft.com/office/drawing/2014/main" xmlns="" id="{0BD26BDE-C67E-6946-A6EF-445FF4963E5B}"/>
+                <a16:creationId xmlns:a16="http://schemas.microsoft.com/office/drawing/2014/main" id="{0BD26BDE-C67E-6946-A6EF-445FF4963E5B}"/>
               </a:ext>
             </a:extLst>
           </p:cNvPr>
@@ -31725,7 +31546,7 @@
           <p:cNvPr id="186" name="文本框 185">
             <a:extLst>
               <a:ext uri="{FF2B5EF4-FFF2-40B4-BE49-F238E27FC236}">
-                <a16:creationId xmlns:a16="http://schemas.microsoft.com/office/drawing/2014/main" xmlns="" id="{0BD26BDE-C67E-6946-A6EF-445FF4963E5B}"/>
+                <a16:creationId xmlns:a16="http://schemas.microsoft.com/office/drawing/2014/main" id="{0BD26BDE-C67E-6946-A6EF-445FF4963E5B}"/>
               </a:ext>
             </a:extLst>
           </p:cNvPr>
@@ -31767,7 +31588,7 @@
           <p:cNvPr id="187" name="文本框 186">
             <a:extLst>
               <a:ext uri="{FF2B5EF4-FFF2-40B4-BE49-F238E27FC236}">
-                <a16:creationId xmlns:a16="http://schemas.microsoft.com/office/drawing/2014/main" xmlns="" id="{0BD26BDE-C67E-6946-A6EF-445FF4963E5B}"/>
+                <a16:creationId xmlns:a16="http://schemas.microsoft.com/office/drawing/2014/main" id="{0BD26BDE-C67E-6946-A6EF-445FF4963E5B}"/>
               </a:ext>
             </a:extLst>
           </p:cNvPr>
@@ -31809,7 +31630,7 @@
           <p:cNvPr id="188" name="文本框 187">
             <a:extLst>
               <a:ext uri="{FF2B5EF4-FFF2-40B4-BE49-F238E27FC236}">
-                <a16:creationId xmlns:a16="http://schemas.microsoft.com/office/drawing/2014/main" xmlns="" id="{0BD26BDE-C67E-6946-A6EF-445FF4963E5B}"/>
+                <a16:creationId xmlns:a16="http://schemas.microsoft.com/office/drawing/2014/main" id="{0BD26BDE-C67E-6946-A6EF-445FF4963E5B}"/>
               </a:ext>
             </a:extLst>
           </p:cNvPr>
@@ -31858,7 +31679,7 @@
           <p:cNvPr id="189" name="文本框 188">
             <a:extLst>
               <a:ext uri="{FF2B5EF4-FFF2-40B4-BE49-F238E27FC236}">
-                <a16:creationId xmlns:a16="http://schemas.microsoft.com/office/drawing/2014/main" xmlns="" id="{0BD26BDE-C67E-6946-A6EF-445FF4963E5B}"/>
+                <a16:creationId xmlns:a16="http://schemas.microsoft.com/office/drawing/2014/main" id="{0BD26BDE-C67E-6946-A6EF-445FF4963E5B}"/>
               </a:ext>
             </a:extLst>
           </p:cNvPr>
@@ -31905,13 +31726,6 @@
   <p:clrMapOvr>
     <a:masterClrMapping/>
   </p:clrMapOvr>
-  <p:timing>
-    <p:tnLst>
-      <p:par>
-        <p:cTn id="1" dur="indefinite" restart="never" nodeType="tmRoot"/>
-      </p:par>
-    </p:tnLst>
-  </p:timing>
 </p:sld>
 </file>
 
@@ -31937,7 +31751,7 @@
           <p:cNvPr id="2" name="标题 1">
             <a:extLst>
               <a:ext uri="{FF2B5EF4-FFF2-40B4-BE49-F238E27FC236}">
-                <a16:creationId xmlns:a16="http://schemas.microsoft.com/office/drawing/2014/main" xmlns="" id="{F0405D1C-A876-8341-918E-A5D66A83827F}"/>
+                <a16:creationId xmlns:a16="http://schemas.microsoft.com/office/drawing/2014/main" id="{F0405D1C-A876-8341-918E-A5D66A83827F}"/>
               </a:ext>
             </a:extLst>
           </p:cNvPr>
@@ -31972,7 +31786,7 @@
           <p:cNvPr id="3" name="内容占位符 2">
             <a:extLst>
               <a:ext uri="{FF2B5EF4-FFF2-40B4-BE49-F238E27FC236}">
-                <a16:creationId xmlns:a16="http://schemas.microsoft.com/office/drawing/2014/main" xmlns="" id="{18357220-3404-9543-B18A-654DBC2080C6}"/>
+                <a16:creationId xmlns:a16="http://schemas.microsoft.com/office/drawing/2014/main" id="{18357220-3404-9543-B18A-654DBC2080C6}"/>
               </a:ext>
             </a:extLst>
           </p:cNvPr>
@@ -32012,13 +31826,6 @@
   <p:clrMapOvr>
     <a:masterClrMapping/>
   </p:clrMapOvr>
-  <p:timing>
-    <p:tnLst>
-      <p:par>
-        <p:cTn id="1" dur="indefinite" restart="never" nodeType="tmRoot"/>
-      </p:par>
-    </p:tnLst>
-  </p:timing>
 </p:sld>
 </file>
 

--- a/dimensions.pptx
+++ b/dimensions.pptx
@@ -35,10 +35,10 @@
     <p:sldId id="307" r:id="rId26"/>
     <p:sldId id="308" r:id="rId27"/>
     <p:sldId id="286" r:id="rId28"/>
-    <p:sldId id="309" r:id="rId29"/>
+    <p:sldId id="312" r:id="rId29"/>
     <p:sldId id="284" r:id="rId30"/>
-    <p:sldId id="312" r:id="rId31"/>
-    <p:sldId id="303" r:id="rId32"/>
+    <p:sldId id="303" r:id="rId31"/>
+    <p:sldId id="309" r:id="rId32"/>
     <p:sldId id="270" r:id="rId33"/>
     <p:sldId id="267" r:id="rId34"/>
   </p:sldIdLst>
@@ -540,6 +540,446 @@
           <a:bodyPr/>
           <a:lstStyle/>
           <a:p>
+            <a:r>
+              <a:rPr kumimoji="1" lang="en-US" altLang="zh-CN" dirty="0" smtClean="0"/>
+              <a:t>Network measurement provides important support for the upper network services, such as flow scheduling, load balancing, and anomaly detection. Due to the challenges of high throughput and limited resources in network measurement, the sketch-based algorithm, which can achieve high accuracy under such constraints, is widely accepted and used on many different tasks.</a:t>
+            </a:r>
+            <a:endParaRPr kumimoji="1" lang="zh-CN" altLang="en-US" dirty="0"/>
+          </a:p>
+        </p:txBody>
+      </p:sp>
+      <p:sp>
+        <p:nvSpPr>
+          <p:cNvPr id="4" name="幻灯片编号占位符 3"/>
+          <p:cNvSpPr>
+            <a:spLocks noGrp="1"/>
+          </p:cNvSpPr>
+          <p:nvPr>
+            <p:ph type="sldNum" sz="quarter" idx="10"/>
+          </p:nvPr>
+        </p:nvSpPr>
+        <p:spPr/>
+        <p:txBody>
+          <a:bodyPr/>
+          <a:lstStyle/>
+          <a:p>
+            <a:fld id="{E5DFF701-B92C-4D41-B563-57A0FAD928F8}" type="slidenum">
+              <a:rPr kumimoji="1" lang="zh-CN" altLang="en-US" smtClean="0"/>
+              <a:t>2</a:t>
+            </a:fld>
+            <a:endParaRPr kumimoji="1" lang="zh-CN" altLang="en-US"/>
+          </a:p>
+        </p:txBody>
+      </p:sp>
+    </p:spTree>
+    <p:extLst>
+      <p:ext uri="{BB962C8B-B14F-4D97-AF65-F5344CB8AC3E}">
+        <p14:creationId xmlns:p14="http://schemas.microsoft.com/office/powerpoint/2010/main" val="2110236981"/>
+      </p:ext>
+    </p:extLst>
+  </p:cSld>
+  <p:clrMapOvr>
+    <a:masterClrMapping/>
+  </p:clrMapOvr>
+</p:notes>
+</file>
+
+<file path=ppt/notesSlides/notesSlide2.xml><?xml version="1.0" encoding="utf-8"?>
+<p:notes xmlns:a="http://schemas.openxmlformats.org/drawingml/2006/main" xmlns:r="http://schemas.openxmlformats.org/officeDocument/2006/relationships" xmlns:p="http://schemas.openxmlformats.org/presentationml/2006/main">
+  <p:cSld>
+    <p:spTree>
+      <p:nvGrpSpPr>
+        <p:cNvPr id="1" name=""/>
+        <p:cNvGrpSpPr/>
+        <p:nvPr/>
+      </p:nvGrpSpPr>
+      <p:grpSpPr>
+        <a:xfrm>
+          <a:off x="0" y="0"/>
+          <a:ext cx="0" cy="0"/>
+          <a:chOff x="0" y="0"/>
+          <a:chExt cx="0" cy="0"/>
+        </a:xfrm>
+      </p:grpSpPr>
+      <p:sp>
+        <p:nvSpPr>
+          <p:cNvPr id="2" name="幻灯片图像占位符 1"/>
+          <p:cNvSpPr>
+            <a:spLocks noGrp="1" noRot="1" noChangeAspect="1"/>
+          </p:cNvSpPr>
+          <p:nvPr>
+            <p:ph type="sldImg"/>
+          </p:nvPr>
+        </p:nvSpPr>
+        <p:spPr/>
+      </p:sp>
+      <p:sp>
+        <p:nvSpPr>
+          <p:cNvPr id="3" name="备注占位符 2"/>
+          <p:cNvSpPr>
+            <a:spLocks noGrp="1"/>
+          </p:cNvSpPr>
+          <p:nvPr>
+            <p:ph type="body" idx="1"/>
+          </p:nvPr>
+        </p:nvSpPr>
+        <p:spPr/>
+        <p:txBody>
+          <a:bodyPr/>
+          <a:lstStyle/>
+          <a:p>
+            <a:r>
+              <a:rPr kumimoji="1" lang="en-US" altLang="zh-CN" dirty="0" smtClean="0"/>
+              <a:t>Because of the diversity of applications, they often need different dimensions of measurement. However, prior sketch-based algorithms fail to keep their superiority when they measure over multiple dimensions. In this paper, we divide the dimensions into two categories and introduce them separately.</a:t>
+            </a:r>
+            <a:endParaRPr kumimoji="1" lang="zh-CN" altLang="en-US" dirty="0"/>
+          </a:p>
+        </p:txBody>
+      </p:sp>
+      <p:sp>
+        <p:nvSpPr>
+          <p:cNvPr id="4" name="幻灯片编号占位符 3"/>
+          <p:cNvSpPr>
+            <a:spLocks noGrp="1"/>
+          </p:cNvSpPr>
+          <p:nvPr>
+            <p:ph type="sldNum" sz="quarter" idx="10"/>
+          </p:nvPr>
+        </p:nvSpPr>
+        <p:spPr/>
+        <p:txBody>
+          <a:bodyPr/>
+          <a:lstStyle/>
+          <a:p>
+            <a:fld id="{E5DFF701-B92C-4D41-B563-57A0FAD928F8}" type="slidenum">
+              <a:rPr kumimoji="1" lang="zh-CN" altLang="en-US" smtClean="0"/>
+              <a:t>3</a:t>
+            </a:fld>
+            <a:endParaRPr kumimoji="1" lang="zh-CN" altLang="en-US"/>
+          </a:p>
+        </p:txBody>
+      </p:sp>
+    </p:spTree>
+    <p:extLst>
+      <p:ext uri="{BB962C8B-B14F-4D97-AF65-F5344CB8AC3E}">
+        <p14:creationId xmlns:p14="http://schemas.microsoft.com/office/powerpoint/2010/main" val="1546876142"/>
+      </p:ext>
+    </p:extLst>
+  </p:cSld>
+  <p:clrMapOvr>
+    <a:masterClrMapping/>
+  </p:clrMapOvr>
+</p:notes>
+</file>
+
+<file path=ppt/notesSlides/notesSlide3.xml><?xml version="1.0" encoding="utf-8"?>
+<p:notes xmlns:a="http://schemas.openxmlformats.org/drawingml/2006/main" xmlns:r="http://schemas.openxmlformats.org/officeDocument/2006/relationships" xmlns:p="http://schemas.openxmlformats.org/presentationml/2006/main">
+  <p:cSld>
+    <p:spTree>
+      <p:nvGrpSpPr>
+        <p:cNvPr id="1" name=""/>
+        <p:cNvGrpSpPr/>
+        <p:nvPr/>
+      </p:nvGrpSpPr>
+      <p:grpSpPr>
+        <a:xfrm>
+          <a:off x="0" y="0"/>
+          <a:ext cx="0" cy="0"/>
+          <a:chOff x="0" y="0"/>
+          <a:chExt cx="0" cy="0"/>
+        </a:xfrm>
+      </p:grpSpPr>
+      <p:sp>
+        <p:nvSpPr>
+          <p:cNvPr id="2" name="幻灯片图像占位符 1"/>
+          <p:cNvSpPr>
+            <a:spLocks noGrp="1" noRot="1" noChangeAspect="1"/>
+          </p:cNvSpPr>
+          <p:nvPr>
+            <p:ph type="sldImg"/>
+          </p:nvPr>
+        </p:nvSpPr>
+        <p:spPr/>
+      </p:sp>
+      <p:sp>
+        <p:nvSpPr>
+          <p:cNvPr id="3" name="备注占位符 2"/>
+          <p:cNvSpPr>
+            <a:spLocks noGrp="1"/>
+          </p:cNvSpPr>
+          <p:nvPr>
+            <p:ph type="body" idx="1"/>
+          </p:nvPr>
+        </p:nvSpPr>
+        <p:spPr/>
+        <p:txBody>
+          <a:bodyPr/>
+          <a:lstStyle/>
+          <a:p>
+            <a:r>
+              <a:rPr kumimoji="1" lang="en-US" altLang="zh-CN" dirty="0" smtClean="0"/>
+              <a:t>The first kind of dimensions are Dimensions of traffic. For SYN-flood or DDoS detection, the dimension of traffic may be the destination IP address. For finding heavy hitter flows, the dimension of traffic may be the IP 5-tuples. For finding hierarchical heavy hitters, the dimension of traffic may be the IP prefix. Different applications often need different dimensions of traffic.</a:t>
+            </a:r>
+            <a:endParaRPr kumimoji="1" lang="zh-CN" altLang="en-US" dirty="0"/>
+          </a:p>
+        </p:txBody>
+      </p:sp>
+      <p:sp>
+        <p:nvSpPr>
+          <p:cNvPr id="4" name="幻灯片编号占位符 3"/>
+          <p:cNvSpPr>
+            <a:spLocks noGrp="1"/>
+          </p:cNvSpPr>
+          <p:nvPr>
+            <p:ph type="sldNum" sz="quarter" idx="10"/>
+          </p:nvPr>
+        </p:nvSpPr>
+        <p:spPr/>
+        <p:txBody>
+          <a:bodyPr/>
+          <a:lstStyle/>
+          <a:p>
+            <a:fld id="{E5DFF701-B92C-4D41-B563-57A0FAD928F8}" type="slidenum">
+              <a:rPr kumimoji="1" lang="zh-CN" altLang="en-US" smtClean="0"/>
+              <a:t>4</a:t>
+            </a:fld>
+            <a:endParaRPr kumimoji="1" lang="zh-CN" altLang="en-US"/>
+          </a:p>
+        </p:txBody>
+      </p:sp>
+    </p:spTree>
+    <p:extLst>
+      <p:ext uri="{BB962C8B-B14F-4D97-AF65-F5344CB8AC3E}">
+        <p14:creationId xmlns:p14="http://schemas.microsoft.com/office/powerpoint/2010/main" val="164280022"/>
+      </p:ext>
+    </p:extLst>
+  </p:cSld>
+  <p:clrMapOvr>
+    <a:masterClrMapping/>
+  </p:clrMapOvr>
+</p:notes>
+</file>
+
+<file path=ppt/notesSlides/notesSlide4.xml><?xml version="1.0" encoding="utf-8"?>
+<p:notes xmlns:a="http://schemas.openxmlformats.org/drawingml/2006/main" xmlns:r="http://schemas.openxmlformats.org/officeDocument/2006/relationships" xmlns:p="http://schemas.openxmlformats.org/presentationml/2006/main">
+  <p:cSld>
+    <p:spTree>
+      <p:nvGrpSpPr>
+        <p:cNvPr id="1" name=""/>
+        <p:cNvGrpSpPr/>
+        <p:nvPr/>
+      </p:nvGrpSpPr>
+      <p:grpSpPr>
+        <a:xfrm>
+          <a:off x="0" y="0"/>
+          <a:ext cx="0" cy="0"/>
+          <a:chOff x="0" y="0"/>
+          <a:chExt cx="0" cy="0"/>
+        </a:xfrm>
+      </p:grpSpPr>
+      <p:sp>
+        <p:nvSpPr>
+          <p:cNvPr id="2" name="幻灯片图像占位符 1"/>
+          <p:cNvSpPr>
+            <a:spLocks noGrp="1" noRot="1" noChangeAspect="1"/>
+          </p:cNvSpPr>
+          <p:nvPr>
+            <p:ph type="sldImg"/>
+          </p:nvPr>
+        </p:nvSpPr>
+        <p:spPr/>
+      </p:sp>
+      <p:sp>
+        <p:nvSpPr>
+          <p:cNvPr id="3" name="备注占位符 2"/>
+          <p:cNvSpPr>
+            <a:spLocks noGrp="1"/>
+          </p:cNvSpPr>
+          <p:nvPr>
+            <p:ph type="body" idx="1"/>
+          </p:nvPr>
+        </p:nvSpPr>
+        <p:spPr/>
+        <p:txBody>
+          <a:bodyPr/>
+          <a:lstStyle/>
+          <a:p>
+            <a:r>
+              <a:rPr kumimoji="1" lang="en-US" altLang="zh-CN" dirty="0" smtClean="0"/>
+              <a:t>Prior sketch-based algorithms often build one sketch for each dimension.</a:t>
+            </a:r>
+            <a:endParaRPr kumimoji="1" lang="zh-CN" altLang="en-US" dirty="0"/>
+          </a:p>
+        </p:txBody>
+      </p:sp>
+      <p:sp>
+        <p:nvSpPr>
+          <p:cNvPr id="4" name="幻灯片编号占位符 3"/>
+          <p:cNvSpPr>
+            <a:spLocks noGrp="1"/>
+          </p:cNvSpPr>
+          <p:nvPr>
+            <p:ph type="sldNum" sz="quarter" idx="10"/>
+          </p:nvPr>
+        </p:nvSpPr>
+        <p:spPr/>
+        <p:txBody>
+          <a:bodyPr/>
+          <a:lstStyle/>
+          <a:p>
+            <a:fld id="{E5DFF701-B92C-4D41-B563-57A0FAD928F8}" type="slidenum">
+              <a:rPr kumimoji="1" lang="zh-CN" altLang="en-US" smtClean="0"/>
+              <a:t>5</a:t>
+            </a:fld>
+            <a:endParaRPr kumimoji="1" lang="zh-CN" altLang="en-US"/>
+          </a:p>
+        </p:txBody>
+      </p:sp>
+    </p:spTree>
+    <p:extLst>
+      <p:ext uri="{BB962C8B-B14F-4D97-AF65-F5344CB8AC3E}">
+        <p14:creationId xmlns:p14="http://schemas.microsoft.com/office/powerpoint/2010/main" val="1248269048"/>
+      </p:ext>
+    </p:extLst>
+  </p:cSld>
+  <p:clrMapOvr>
+    <a:masterClrMapping/>
+  </p:clrMapOvr>
+</p:notes>
+</file>
+
+<file path=ppt/notesSlides/notesSlide5.xml><?xml version="1.0" encoding="utf-8"?>
+<p:notes xmlns:a="http://schemas.openxmlformats.org/drawingml/2006/main" xmlns:r="http://schemas.openxmlformats.org/officeDocument/2006/relationships" xmlns:p="http://schemas.openxmlformats.org/presentationml/2006/main">
+  <p:cSld>
+    <p:spTree>
+      <p:nvGrpSpPr>
+        <p:cNvPr id="1" name=""/>
+        <p:cNvGrpSpPr/>
+        <p:nvPr/>
+      </p:nvGrpSpPr>
+      <p:grpSpPr>
+        <a:xfrm>
+          <a:off x="0" y="0"/>
+          <a:ext cx="0" cy="0"/>
+          <a:chOff x="0" y="0"/>
+          <a:chExt cx="0" cy="0"/>
+        </a:xfrm>
+      </p:grpSpPr>
+      <p:sp>
+        <p:nvSpPr>
+          <p:cNvPr id="2" name="幻灯片图像占位符 1"/>
+          <p:cNvSpPr>
+            <a:spLocks noGrp="1" noRot="1" noChangeAspect="1"/>
+          </p:cNvSpPr>
+          <p:nvPr>
+            <p:ph type="sldImg"/>
+          </p:nvPr>
+        </p:nvSpPr>
+        <p:spPr/>
+      </p:sp>
+      <p:sp>
+        <p:nvSpPr>
+          <p:cNvPr id="3" name="备注占位符 2"/>
+          <p:cNvSpPr>
+            <a:spLocks noGrp="1"/>
+          </p:cNvSpPr>
+          <p:nvPr>
+            <p:ph type="body" idx="1"/>
+          </p:nvPr>
+        </p:nvSpPr>
+        <p:spPr/>
+        <p:txBody>
+          <a:bodyPr/>
+          <a:lstStyle/>
+          <a:p>
+            <a:r>
+              <a:rPr kumimoji="1" lang="en-US" altLang="zh-CN" dirty="0" smtClean="0"/>
+              <a:t>In such a way, we may need more memory, and the throughput may also decrease because each packet has to pass multiple sketches. This problem will be more serious when we cannot know the dimensions needed by applications in advance, because we have to measure all possible dimensions needed.</a:t>
+            </a:r>
+            <a:endParaRPr kumimoji="1" lang="zh-CN" altLang="en-US" dirty="0"/>
+          </a:p>
+        </p:txBody>
+      </p:sp>
+      <p:sp>
+        <p:nvSpPr>
+          <p:cNvPr id="4" name="幻灯片编号占位符 3"/>
+          <p:cNvSpPr>
+            <a:spLocks noGrp="1"/>
+          </p:cNvSpPr>
+          <p:nvPr>
+            <p:ph type="sldNum" sz="quarter" idx="10"/>
+          </p:nvPr>
+        </p:nvSpPr>
+        <p:spPr/>
+        <p:txBody>
+          <a:bodyPr/>
+          <a:lstStyle/>
+          <a:p>
+            <a:fld id="{E5DFF701-B92C-4D41-B563-57A0FAD928F8}" type="slidenum">
+              <a:rPr kumimoji="1" lang="zh-CN" altLang="en-US" smtClean="0"/>
+              <a:t>6</a:t>
+            </a:fld>
+            <a:endParaRPr kumimoji="1" lang="zh-CN" altLang="en-US"/>
+          </a:p>
+        </p:txBody>
+      </p:sp>
+    </p:spTree>
+    <p:extLst>
+      <p:ext uri="{BB962C8B-B14F-4D97-AF65-F5344CB8AC3E}">
+        <p14:creationId xmlns:p14="http://schemas.microsoft.com/office/powerpoint/2010/main" val="537039396"/>
+      </p:ext>
+    </p:extLst>
+  </p:cSld>
+  <p:clrMapOvr>
+    <a:masterClrMapping/>
+  </p:clrMapOvr>
+</p:notes>
+</file>
+
+<file path=ppt/notesSlides/notesSlide6.xml><?xml version="1.0" encoding="utf-8"?>
+<p:notes xmlns:a="http://schemas.openxmlformats.org/drawingml/2006/main" xmlns:r="http://schemas.openxmlformats.org/officeDocument/2006/relationships" xmlns:p="http://schemas.openxmlformats.org/presentationml/2006/main">
+  <p:cSld>
+    <p:spTree>
+      <p:nvGrpSpPr>
+        <p:cNvPr id="1" name=""/>
+        <p:cNvGrpSpPr/>
+        <p:nvPr/>
+      </p:nvGrpSpPr>
+      <p:grpSpPr>
+        <a:xfrm>
+          <a:off x="0" y="0"/>
+          <a:ext cx="0" cy="0"/>
+          <a:chOff x="0" y="0"/>
+          <a:chExt cx="0" cy="0"/>
+        </a:xfrm>
+      </p:grpSpPr>
+      <p:sp>
+        <p:nvSpPr>
+          <p:cNvPr id="2" name="幻灯片图像占位符 1"/>
+          <p:cNvSpPr>
+            <a:spLocks noGrp="1" noRot="1" noChangeAspect="1"/>
+          </p:cNvSpPr>
+          <p:nvPr>
+            <p:ph type="sldImg"/>
+          </p:nvPr>
+        </p:nvSpPr>
+        <p:spPr/>
+      </p:sp>
+      <p:sp>
+        <p:nvSpPr>
+          <p:cNvPr id="3" name="备注占位符 2"/>
+          <p:cNvSpPr>
+            <a:spLocks noGrp="1"/>
+          </p:cNvSpPr>
+          <p:nvPr>
+            <p:ph type="body" idx="1"/>
+          </p:nvPr>
+        </p:nvSpPr>
+        <p:spPr/>
+        <p:txBody>
+          <a:bodyPr/>
+          <a:lstStyle/>
+          <a:p>
             <a:pPr marL="228600" indent="-228600">
               <a:buAutoNum type="arabicPeriod"/>
             </a:pPr>
@@ -631,7 +1071,7 @@
           <p:cNvPr id="2" name="标题 1">
             <a:extLst>
               <a:ext uri="{FF2B5EF4-FFF2-40B4-BE49-F238E27FC236}">
-                <a16:creationId xmlns:a16="http://schemas.microsoft.com/office/drawing/2014/main" id="{D435C22D-35E4-B947-ADF6-00125DADBB8B}"/>
+                <a16:creationId xmlns:a16="http://schemas.microsoft.com/office/drawing/2014/main" xmlns="" id="{D435C22D-35E4-B947-ADF6-00125DADBB8B}"/>
               </a:ext>
             </a:extLst>
           </p:cNvPr>
@@ -668,7 +1108,7 @@
           <p:cNvPr id="3" name="副标题 2">
             <a:extLst>
               <a:ext uri="{FF2B5EF4-FFF2-40B4-BE49-F238E27FC236}">
-                <a16:creationId xmlns:a16="http://schemas.microsoft.com/office/drawing/2014/main" id="{C7849677-9272-9045-869B-295E7EF5A720}"/>
+                <a16:creationId xmlns:a16="http://schemas.microsoft.com/office/drawing/2014/main" xmlns="" id="{C7849677-9272-9045-869B-295E7EF5A720}"/>
               </a:ext>
             </a:extLst>
           </p:cNvPr>
@@ -738,7 +1178,7 @@
           <p:cNvPr id="4" name="日期占位符 3">
             <a:extLst>
               <a:ext uri="{FF2B5EF4-FFF2-40B4-BE49-F238E27FC236}">
-                <a16:creationId xmlns:a16="http://schemas.microsoft.com/office/drawing/2014/main" id="{368DF367-ED9B-5746-B0DB-6BC688C78B0F}"/>
+                <a16:creationId xmlns:a16="http://schemas.microsoft.com/office/drawing/2014/main" xmlns="" id="{368DF367-ED9B-5746-B0DB-6BC688C78B0F}"/>
               </a:ext>
             </a:extLst>
           </p:cNvPr>
@@ -767,7 +1207,7 @@
           <p:cNvPr id="5" name="页脚占位符 4">
             <a:extLst>
               <a:ext uri="{FF2B5EF4-FFF2-40B4-BE49-F238E27FC236}">
-                <a16:creationId xmlns:a16="http://schemas.microsoft.com/office/drawing/2014/main" id="{C95FA25B-82CF-364D-883D-806810765D32}"/>
+                <a16:creationId xmlns:a16="http://schemas.microsoft.com/office/drawing/2014/main" xmlns="" id="{C95FA25B-82CF-364D-883D-806810765D32}"/>
               </a:ext>
             </a:extLst>
           </p:cNvPr>
@@ -792,7 +1232,7 @@
           <p:cNvPr id="6" name="灯片编号占位符 5">
             <a:extLst>
               <a:ext uri="{FF2B5EF4-FFF2-40B4-BE49-F238E27FC236}">
-                <a16:creationId xmlns:a16="http://schemas.microsoft.com/office/drawing/2014/main" id="{ACB9917D-1E0D-5348-BE09-E2A0BFCB63B3}"/>
+                <a16:creationId xmlns:a16="http://schemas.microsoft.com/office/drawing/2014/main" xmlns="" id="{ACB9917D-1E0D-5348-BE09-E2A0BFCB63B3}"/>
               </a:ext>
             </a:extLst>
           </p:cNvPr>
@@ -851,7 +1291,7 @@
           <p:cNvPr id="2" name="标题 1">
             <a:extLst>
               <a:ext uri="{FF2B5EF4-FFF2-40B4-BE49-F238E27FC236}">
-                <a16:creationId xmlns:a16="http://schemas.microsoft.com/office/drawing/2014/main" id="{CEC143AC-22CA-C44B-B2AB-6AB4ECB2F86A}"/>
+                <a16:creationId xmlns:a16="http://schemas.microsoft.com/office/drawing/2014/main" xmlns="" id="{CEC143AC-22CA-C44B-B2AB-6AB4ECB2F86A}"/>
               </a:ext>
             </a:extLst>
           </p:cNvPr>
@@ -879,7 +1319,7 @@
           <p:cNvPr id="3" name="竖排文字占位符 2">
             <a:extLst>
               <a:ext uri="{FF2B5EF4-FFF2-40B4-BE49-F238E27FC236}">
-                <a16:creationId xmlns:a16="http://schemas.microsoft.com/office/drawing/2014/main" id="{2CE0FE40-A78B-BA46-8E48-3D5CEC66A5A8}"/>
+                <a16:creationId xmlns:a16="http://schemas.microsoft.com/office/drawing/2014/main" xmlns="" id="{2CE0FE40-A78B-BA46-8E48-3D5CEC66A5A8}"/>
               </a:ext>
             </a:extLst>
           </p:cNvPr>
@@ -936,7 +1376,7 @@
           <p:cNvPr id="4" name="日期占位符 3">
             <a:extLst>
               <a:ext uri="{FF2B5EF4-FFF2-40B4-BE49-F238E27FC236}">
-                <a16:creationId xmlns:a16="http://schemas.microsoft.com/office/drawing/2014/main" id="{18037842-4350-9646-ACB3-7E89E135C079}"/>
+                <a16:creationId xmlns:a16="http://schemas.microsoft.com/office/drawing/2014/main" xmlns="" id="{18037842-4350-9646-ACB3-7E89E135C079}"/>
               </a:ext>
             </a:extLst>
           </p:cNvPr>
@@ -965,7 +1405,7 @@
           <p:cNvPr id="5" name="页脚占位符 4">
             <a:extLst>
               <a:ext uri="{FF2B5EF4-FFF2-40B4-BE49-F238E27FC236}">
-                <a16:creationId xmlns:a16="http://schemas.microsoft.com/office/drawing/2014/main" id="{21FE0005-1CE3-3C4D-A396-67FC1762A58A}"/>
+                <a16:creationId xmlns:a16="http://schemas.microsoft.com/office/drawing/2014/main" xmlns="" id="{21FE0005-1CE3-3C4D-A396-67FC1762A58A}"/>
               </a:ext>
             </a:extLst>
           </p:cNvPr>
@@ -990,7 +1430,7 @@
           <p:cNvPr id="6" name="灯片编号占位符 5">
             <a:extLst>
               <a:ext uri="{FF2B5EF4-FFF2-40B4-BE49-F238E27FC236}">
-                <a16:creationId xmlns:a16="http://schemas.microsoft.com/office/drawing/2014/main" id="{7A546223-2353-C141-93DA-8CE94DB6145A}"/>
+                <a16:creationId xmlns:a16="http://schemas.microsoft.com/office/drawing/2014/main" xmlns="" id="{7A546223-2353-C141-93DA-8CE94DB6145A}"/>
               </a:ext>
             </a:extLst>
           </p:cNvPr>
@@ -1049,7 +1489,7 @@
           <p:cNvPr id="2" name="竖排标题 1">
             <a:extLst>
               <a:ext uri="{FF2B5EF4-FFF2-40B4-BE49-F238E27FC236}">
-                <a16:creationId xmlns:a16="http://schemas.microsoft.com/office/drawing/2014/main" id="{6D7ABA00-7C40-6C42-827C-3F6D047E76C0}"/>
+                <a16:creationId xmlns:a16="http://schemas.microsoft.com/office/drawing/2014/main" xmlns="" id="{6D7ABA00-7C40-6C42-827C-3F6D047E76C0}"/>
               </a:ext>
             </a:extLst>
           </p:cNvPr>
@@ -1082,7 +1522,7 @@
           <p:cNvPr id="3" name="竖排文字占位符 2">
             <a:extLst>
               <a:ext uri="{FF2B5EF4-FFF2-40B4-BE49-F238E27FC236}">
-                <a16:creationId xmlns:a16="http://schemas.microsoft.com/office/drawing/2014/main" id="{6FC0E22B-A826-8249-AD03-05CBE4D4F5AB}"/>
+                <a16:creationId xmlns:a16="http://schemas.microsoft.com/office/drawing/2014/main" xmlns="" id="{6FC0E22B-A826-8249-AD03-05CBE4D4F5AB}"/>
               </a:ext>
             </a:extLst>
           </p:cNvPr>
@@ -1144,7 +1584,7 @@
           <p:cNvPr id="4" name="日期占位符 3">
             <a:extLst>
               <a:ext uri="{FF2B5EF4-FFF2-40B4-BE49-F238E27FC236}">
-                <a16:creationId xmlns:a16="http://schemas.microsoft.com/office/drawing/2014/main" id="{8BDC99DB-BF84-2440-9025-EDB9245A81D0}"/>
+                <a16:creationId xmlns:a16="http://schemas.microsoft.com/office/drawing/2014/main" xmlns="" id="{8BDC99DB-BF84-2440-9025-EDB9245A81D0}"/>
               </a:ext>
             </a:extLst>
           </p:cNvPr>
@@ -1173,7 +1613,7 @@
           <p:cNvPr id="5" name="页脚占位符 4">
             <a:extLst>
               <a:ext uri="{FF2B5EF4-FFF2-40B4-BE49-F238E27FC236}">
-                <a16:creationId xmlns:a16="http://schemas.microsoft.com/office/drawing/2014/main" id="{123A4B03-8DB6-AE4D-AE5E-7D701C685BB3}"/>
+                <a16:creationId xmlns:a16="http://schemas.microsoft.com/office/drawing/2014/main" xmlns="" id="{123A4B03-8DB6-AE4D-AE5E-7D701C685BB3}"/>
               </a:ext>
             </a:extLst>
           </p:cNvPr>
@@ -1198,7 +1638,7 @@
           <p:cNvPr id="6" name="灯片编号占位符 5">
             <a:extLst>
               <a:ext uri="{FF2B5EF4-FFF2-40B4-BE49-F238E27FC236}">
-                <a16:creationId xmlns:a16="http://schemas.microsoft.com/office/drawing/2014/main" id="{EA39382E-8860-074D-AEAD-7DE3AB585A55}"/>
+                <a16:creationId xmlns:a16="http://schemas.microsoft.com/office/drawing/2014/main" xmlns="" id="{EA39382E-8860-074D-AEAD-7DE3AB585A55}"/>
               </a:ext>
             </a:extLst>
           </p:cNvPr>
@@ -1257,7 +1697,7 @@
           <p:cNvPr id="2" name="标题 1">
             <a:extLst>
               <a:ext uri="{FF2B5EF4-FFF2-40B4-BE49-F238E27FC236}">
-                <a16:creationId xmlns:a16="http://schemas.microsoft.com/office/drawing/2014/main" id="{5A9B5FA4-7E9B-254B-9E92-AE1F02C8ADEA}"/>
+                <a16:creationId xmlns:a16="http://schemas.microsoft.com/office/drawing/2014/main" xmlns="" id="{5A9B5FA4-7E9B-254B-9E92-AE1F02C8ADEA}"/>
               </a:ext>
             </a:extLst>
           </p:cNvPr>
@@ -1285,7 +1725,7 @@
           <p:cNvPr id="3" name="内容占位符 2">
             <a:extLst>
               <a:ext uri="{FF2B5EF4-FFF2-40B4-BE49-F238E27FC236}">
-                <a16:creationId xmlns:a16="http://schemas.microsoft.com/office/drawing/2014/main" id="{4F40916E-4FE9-BA4C-AD1E-81E267306DD1}"/>
+                <a16:creationId xmlns:a16="http://schemas.microsoft.com/office/drawing/2014/main" xmlns="" id="{4F40916E-4FE9-BA4C-AD1E-81E267306DD1}"/>
               </a:ext>
             </a:extLst>
           </p:cNvPr>
@@ -1342,7 +1782,7 @@
           <p:cNvPr id="4" name="日期占位符 3">
             <a:extLst>
               <a:ext uri="{FF2B5EF4-FFF2-40B4-BE49-F238E27FC236}">
-                <a16:creationId xmlns:a16="http://schemas.microsoft.com/office/drawing/2014/main" id="{0A5F10E4-5A96-C547-AD3B-E023F7B0FFE4}"/>
+                <a16:creationId xmlns:a16="http://schemas.microsoft.com/office/drawing/2014/main" xmlns="" id="{0A5F10E4-5A96-C547-AD3B-E023F7B0FFE4}"/>
               </a:ext>
             </a:extLst>
           </p:cNvPr>
@@ -1371,7 +1811,7 @@
           <p:cNvPr id="5" name="页脚占位符 4">
             <a:extLst>
               <a:ext uri="{FF2B5EF4-FFF2-40B4-BE49-F238E27FC236}">
-                <a16:creationId xmlns:a16="http://schemas.microsoft.com/office/drawing/2014/main" id="{1038B965-1852-B649-BBB8-AD8AD68DE223}"/>
+                <a16:creationId xmlns:a16="http://schemas.microsoft.com/office/drawing/2014/main" xmlns="" id="{1038B965-1852-B649-BBB8-AD8AD68DE223}"/>
               </a:ext>
             </a:extLst>
           </p:cNvPr>
@@ -1396,7 +1836,7 @@
           <p:cNvPr id="6" name="灯片编号占位符 5">
             <a:extLst>
               <a:ext uri="{FF2B5EF4-FFF2-40B4-BE49-F238E27FC236}">
-                <a16:creationId xmlns:a16="http://schemas.microsoft.com/office/drawing/2014/main" id="{2DC077C2-15DD-D94C-8BD5-5B06DB9BB5B0}"/>
+                <a16:creationId xmlns:a16="http://schemas.microsoft.com/office/drawing/2014/main" xmlns="" id="{2DC077C2-15DD-D94C-8BD5-5B06DB9BB5B0}"/>
               </a:ext>
             </a:extLst>
           </p:cNvPr>
@@ -1455,7 +1895,7 @@
           <p:cNvPr id="2" name="标题 1">
             <a:extLst>
               <a:ext uri="{FF2B5EF4-FFF2-40B4-BE49-F238E27FC236}">
-                <a16:creationId xmlns:a16="http://schemas.microsoft.com/office/drawing/2014/main" id="{0404CA93-C440-E44B-929C-C731C17C9A93}"/>
+                <a16:creationId xmlns:a16="http://schemas.microsoft.com/office/drawing/2014/main" xmlns="" id="{0404CA93-C440-E44B-929C-C731C17C9A93}"/>
               </a:ext>
             </a:extLst>
           </p:cNvPr>
@@ -1492,7 +1932,7 @@
           <p:cNvPr id="3" name="文本占位符 2">
             <a:extLst>
               <a:ext uri="{FF2B5EF4-FFF2-40B4-BE49-F238E27FC236}">
-                <a16:creationId xmlns:a16="http://schemas.microsoft.com/office/drawing/2014/main" id="{AC2CE085-CBDA-0041-8BD8-5C7C11AB00CF}"/>
+                <a16:creationId xmlns:a16="http://schemas.microsoft.com/office/drawing/2014/main" xmlns="" id="{AC2CE085-CBDA-0041-8BD8-5C7C11AB00CF}"/>
               </a:ext>
             </a:extLst>
           </p:cNvPr>
@@ -1617,7 +2057,7 @@
           <p:cNvPr id="4" name="日期占位符 3">
             <a:extLst>
               <a:ext uri="{FF2B5EF4-FFF2-40B4-BE49-F238E27FC236}">
-                <a16:creationId xmlns:a16="http://schemas.microsoft.com/office/drawing/2014/main" id="{D3D438EC-A47D-534B-89A1-F96DEF065E22}"/>
+                <a16:creationId xmlns:a16="http://schemas.microsoft.com/office/drawing/2014/main" xmlns="" id="{D3D438EC-A47D-534B-89A1-F96DEF065E22}"/>
               </a:ext>
             </a:extLst>
           </p:cNvPr>
@@ -1646,7 +2086,7 @@
           <p:cNvPr id="5" name="页脚占位符 4">
             <a:extLst>
               <a:ext uri="{FF2B5EF4-FFF2-40B4-BE49-F238E27FC236}">
-                <a16:creationId xmlns:a16="http://schemas.microsoft.com/office/drawing/2014/main" id="{E2A01CED-D50C-0A4E-ACB9-ED71CDB5305A}"/>
+                <a16:creationId xmlns:a16="http://schemas.microsoft.com/office/drawing/2014/main" xmlns="" id="{E2A01CED-D50C-0A4E-ACB9-ED71CDB5305A}"/>
               </a:ext>
             </a:extLst>
           </p:cNvPr>
@@ -1671,7 +2111,7 @@
           <p:cNvPr id="6" name="灯片编号占位符 5">
             <a:extLst>
               <a:ext uri="{FF2B5EF4-FFF2-40B4-BE49-F238E27FC236}">
-                <a16:creationId xmlns:a16="http://schemas.microsoft.com/office/drawing/2014/main" id="{608820B1-E6CD-3A40-AD12-49AB8F2F3410}"/>
+                <a16:creationId xmlns:a16="http://schemas.microsoft.com/office/drawing/2014/main" xmlns="" id="{608820B1-E6CD-3A40-AD12-49AB8F2F3410}"/>
               </a:ext>
             </a:extLst>
           </p:cNvPr>
@@ -1730,7 +2170,7 @@
           <p:cNvPr id="2" name="标题 1">
             <a:extLst>
               <a:ext uri="{FF2B5EF4-FFF2-40B4-BE49-F238E27FC236}">
-                <a16:creationId xmlns:a16="http://schemas.microsoft.com/office/drawing/2014/main" id="{1E6F6C51-419C-E948-ACA0-593488FF4BCC}"/>
+                <a16:creationId xmlns:a16="http://schemas.microsoft.com/office/drawing/2014/main" xmlns="" id="{1E6F6C51-419C-E948-ACA0-593488FF4BCC}"/>
               </a:ext>
             </a:extLst>
           </p:cNvPr>
@@ -1758,7 +2198,7 @@
           <p:cNvPr id="3" name="内容占位符 2">
             <a:extLst>
               <a:ext uri="{FF2B5EF4-FFF2-40B4-BE49-F238E27FC236}">
-                <a16:creationId xmlns:a16="http://schemas.microsoft.com/office/drawing/2014/main" id="{2806FD09-7B14-6F4A-B0D0-D3C1908DC9B2}"/>
+                <a16:creationId xmlns:a16="http://schemas.microsoft.com/office/drawing/2014/main" xmlns="" id="{2806FD09-7B14-6F4A-B0D0-D3C1908DC9B2}"/>
               </a:ext>
             </a:extLst>
           </p:cNvPr>
@@ -1820,7 +2260,7 @@
           <p:cNvPr id="4" name="内容占位符 3">
             <a:extLst>
               <a:ext uri="{FF2B5EF4-FFF2-40B4-BE49-F238E27FC236}">
-                <a16:creationId xmlns:a16="http://schemas.microsoft.com/office/drawing/2014/main" id="{CBCD2F04-6605-8342-B3B1-6B26C814F261}"/>
+                <a16:creationId xmlns:a16="http://schemas.microsoft.com/office/drawing/2014/main" xmlns="" id="{CBCD2F04-6605-8342-B3B1-6B26C814F261}"/>
               </a:ext>
             </a:extLst>
           </p:cNvPr>
@@ -1882,7 +2322,7 @@
           <p:cNvPr id="5" name="日期占位符 4">
             <a:extLst>
               <a:ext uri="{FF2B5EF4-FFF2-40B4-BE49-F238E27FC236}">
-                <a16:creationId xmlns:a16="http://schemas.microsoft.com/office/drawing/2014/main" id="{D630F77F-F5C1-B142-90CC-2715570E4A35}"/>
+                <a16:creationId xmlns:a16="http://schemas.microsoft.com/office/drawing/2014/main" xmlns="" id="{D630F77F-F5C1-B142-90CC-2715570E4A35}"/>
               </a:ext>
             </a:extLst>
           </p:cNvPr>
@@ -1911,7 +2351,7 @@
           <p:cNvPr id="6" name="页脚占位符 5">
             <a:extLst>
               <a:ext uri="{FF2B5EF4-FFF2-40B4-BE49-F238E27FC236}">
-                <a16:creationId xmlns:a16="http://schemas.microsoft.com/office/drawing/2014/main" id="{53480D62-37C1-B546-BFBD-9A7068FF74FD}"/>
+                <a16:creationId xmlns:a16="http://schemas.microsoft.com/office/drawing/2014/main" xmlns="" id="{53480D62-37C1-B546-BFBD-9A7068FF74FD}"/>
               </a:ext>
             </a:extLst>
           </p:cNvPr>
@@ -1936,7 +2376,7 @@
           <p:cNvPr id="7" name="灯片编号占位符 6">
             <a:extLst>
               <a:ext uri="{FF2B5EF4-FFF2-40B4-BE49-F238E27FC236}">
-                <a16:creationId xmlns:a16="http://schemas.microsoft.com/office/drawing/2014/main" id="{A752A4C7-74AF-E24E-87E2-D895B0C8B369}"/>
+                <a16:creationId xmlns:a16="http://schemas.microsoft.com/office/drawing/2014/main" xmlns="" id="{A752A4C7-74AF-E24E-87E2-D895B0C8B369}"/>
               </a:ext>
             </a:extLst>
           </p:cNvPr>
@@ -1995,7 +2435,7 @@
           <p:cNvPr id="2" name="标题 1">
             <a:extLst>
               <a:ext uri="{FF2B5EF4-FFF2-40B4-BE49-F238E27FC236}">
-                <a16:creationId xmlns:a16="http://schemas.microsoft.com/office/drawing/2014/main" id="{3DD3590A-D582-0F4E-B1CF-3F6E4ABCCCED}"/>
+                <a16:creationId xmlns:a16="http://schemas.microsoft.com/office/drawing/2014/main" xmlns="" id="{3DD3590A-D582-0F4E-B1CF-3F6E4ABCCCED}"/>
               </a:ext>
             </a:extLst>
           </p:cNvPr>
@@ -2028,7 +2468,7 @@
           <p:cNvPr id="3" name="文本占位符 2">
             <a:extLst>
               <a:ext uri="{FF2B5EF4-FFF2-40B4-BE49-F238E27FC236}">
-                <a16:creationId xmlns:a16="http://schemas.microsoft.com/office/drawing/2014/main" id="{0B8A6F64-6571-FE4F-BC4E-B79B41D9520D}"/>
+                <a16:creationId xmlns:a16="http://schemas.microsoft.com/office/drawing/2014/main" xmlns="" id="{0B8A6F64-6571-FE4F-BC4E-B79B41D9520D}"/>
               </a:ext>
             </a:extLst>
           </p:cNvPr>
@@ -2099,7 +2539,7 @@
           <p:cNvPr id="4" name="内容占位符 3">
             <a:extLst>
               <a:ext uri="{FF2B5EF4-FFF2-40B4-BE49-F238E27FC236}">
-                <a16:creationId xmlns:a16="http://schemas.microsoft.com/office/drawing/2014/main" id="{A46F58F7-70E6-2642-ABF3-5292F2DEE21D}"/>
+                <a16:creationId xmlns:a16="http://schemas.microsoft.com/office/drawing/2014/main" xmlns="" id="{A46F58F7-70E6-2642-ABF3-5292F2DEE21D}"/>
               </a:ext>
             </a:extLst>
           </p:cNvPr>
@@ -2161,7 +2601,7 @@
           <p:cNvPr id="5" name="文本占位符 4">
             <a:extLst>
               <a:ext uri="{FF2B5EF4-FFF2-40B4-BE49-F238E27FC236}">
-                <a16:creationId xmlns:a16="http://schemas.microsoft.com/office/drawing/2014/main" id="{2619888D-CB40-7A45-A2C4-4E71D62E319D}"/>
+                <a16:creationId xmlns:a16="http://schemas.microsoft.com/office/drawing/2014/main" xmlns="" id="{2619888D-CB40-7A45-A2C4-4E71D62E319D}"/>
               </a:ext>
             </a:extLst>
           </p:cNvPr>
@@ -2232,7 +2672,7 @@
           <p:cNvPr id="6" name="内容占位符 5">
             <a:extLst>
               <a:ext uri="{FF2B5EF4-FFF2-40B4-BE49-F238E27FC236}">
-                <a16:creationId xmlns:a16="http://schemas.microsoft.com/office/drawing/2014/main" id="{314E1B5F-168A-B64E-9A36-4834AD72637B}"/>
+                <a16:creationId xmlns:a16="http://schemas.microsoft.com/office/drawing/2014/main" xmlns="" id="{314E1B5F-168A-B64E-9A36-4834AD72637B}"/>
               </a:ext>
             </a:extLst>
           </p:cNvPr>
@@ -2294,7 +2734,7 @@
           <p:cNvPr id="7" name="日期占位符 6">
             <a:extLst>
               <a:ext uri="{FF2B5EF4-FFF2-40B4-BE49-F238E27FC236}">
-                <a16:creationId xmlns:a16="http://schemas.microsoft.com/office/drawing/2014/main" id="{68FF3CEC-F3A0-B44C-9FDD-A9B6C94FEDC7}"/>
+                <a16:creationId xmlns:a16="http://schemas.microsoft.com/office/drawing/2014/main" xmlns="" id="{68FF3CEC-F3A0-B44C-9FDD-A9B6C94FEDC7}"/>
               </a:ext>
             </a:extLst>
           </p:cNvPr>
@@ -2323,7 +2763,7 @@
           <p:cNvPr id="8" name="页脚占位符 7">
             <a:extLst>
               <a:ext uri="{FF2B5EF4-FFF2-40B4-BE49-F238E27FC236}">
-                <a16:creationId xmlns:a16="http://schemas.microsoft.com/office/drawing/2014/main" id="{DFB9A91A-D2B2-434C-A86D-A18C6A513767}"/>
+                <a16:creationId xmlns:a16="http://schemas.microsoft.com/office/drawing/2014/main" xmlns="" id="{DFB9A91A-D2B2-434C-A86D-A18C6A513767}"/>
               </a:ext>
             </a:extLst>
           </p:cNvPr>
@@ -2348,7 +2788,7 @@
           <p:cNvPr id="9" name="灯片编号占位符 8">
             <a:extLst>
               <a:ext uri="{FF2B5EF4-FFF2-40B4-BE49-F238E27FC236}">
-                <a16:creationId xmlns:a16="http://schemas.microsoft.com/office/drawing/2014/main" id="{5E5B93DB-94F5-B542-8562-5151BE940690}"/>
+                <a16:creationId xmlns:a16="http://schemas.microsoft.com/office/drawing/2014/main" xmlns="" id="{5E5B93DB-94F5-B542-8562-5151BE940690}"/>
               </a:ext>
             </a:extLst>
           </p:cNvPr>
@@ -2407,7 +2847,7 @@
           <p:cNvPr id="2" name="标题 1">
             <a:extLst>
               <a:ext uri="{FF2B5EF4-FFF2-40B4-BE49-F238E27FC236}">
-                <a16:creationId xmlns:a16="http://schemas.microsoft.com/office/drawing/2014/main" id="{79DE0189-037D-7147-98FE-2D3816DB31B7}"/>
+                <a16:creationId xmlns:a16="http://schemas.microsoft.com/office/drawing/2014/main" xmlns="" id="{79DE0189-037D-7147-98FE-2D3816DB31B7}"/>
               </a:ext>
             </a:extLst>
           </p:cNvPr>
@@ -2435,7 +2875,7 @@
           <p:cNvPr id="3" name="日期占位符 2">
             <a:extLst>
               <a:ext uri="{FF2B5EF4-FFF2-40B4-BE49-F238E27FC236}">
-                <a16:creationId xmlns:a16="http://schemas.microsoft.com/office/drawing/2014/main" id="{0A176BEA-B3F7-1D46-A411-498314E974C2}"/>
+                <a16:creationId xmlns:a16="http://schemas.microsoft.com/office/drawing/2014/main" xmlns="" id="{0A176BEA-B3F7-1D46-A411-498314E974C2}"/>
               </a:ext>
             </a:extLst>
           </p:cNvPr>
@@ -2464,7 +2904,7 @@
           <p:cNvPr id="4" name="页脚占位符 3">
             <a:extLst>
               <a:ext uri="{FF2B5EF4-FFF2-40B4-BE49-F238E27FC236}">
-                <a16:creationId xmlns:a16="http://schemas.microsoft.com/office/drawing/2014/main" id="{7E4C4F3C-0760-694A-AAE0-153A1B3E3D50}"/>
+                <a16:creationId xmlns:a16="http://schemas.microsoft.com/office/drawing/2014/main" xmlns="" id="{7E4C4F3C-0760-694A-AAE0-153A1B3E3D50}"/>
               </a:ext>
             </a:extLst>
           </p:cNvPr>
@@ -2489,7 +2929,7 @@
           <p:cNvPr id="5" name="灯片编号占位符 4">
             <a:extLst>
               <a:ext uri="{FF2B5EF4-FFF2-40B4-BE49-F238E27FC236}">
-                <a16:creationId xmlns:a16="http://schemas.microsoft.com/office/drawing/2014/main" id="{2A02855C-8F2E-A647-AC5A-5C43FAC63511}"/>
+                <a16:creationId xmlns:a16="http://schemas.microsoft.com/office/drawing/2014/main" xmlns="" id="{2A02855C-8F2E-A647-AC5A-5C43FAC63511}"/>
               </a:ext>
             </a:extLst>
           </p:cNvPr>
@@ -2548,7 +2988,7 @@
           <p:cNvPr id="2" name="日期占位符 1">
             <a:extLst>
               <a:ext uri="{FF2B5EF4-FFF2-40B4-BE49-F238E27FC236}">
-                <a16:creationId xmlns:a16="http://schemas.microsoft.com/office/drawing/2014/main" id="{F4312BF6-3CD2-1E48-94A9-96F34741B863}"/>
+                <a16:creationId xmlns:a16="http://schemas.microsoft.com/office/drawing/2014/main" xmlns="" id="{F4312BF6-3CD2-1E48-94A9-96F34741B863}"/>
               </a:ext>
             </a:extLst>
           </p:cNvPr>
@@ -2577,7 +3017,7 @@
           <p:cNvPr id="3" name="页脚占位符 2">
             <a:extLst>
               <a:ext uri="{FF2B5EF4-FFF2-40B4-BE49-F238E27FC236}">
-                <a16:creationId xmlns:a16="http://schemas.microsoft.com/office/drawing/2014/main" id="{9704A619-3C17-9945-B8C5-D79D7BE5CC84}"/>
+                <a16:creationId xmlns:a16="http://schemas.microsoft.com/office/drawing/2014/main" xmlns="" id="{9704A619-3C17-9945-B8C5-D79D7BE5CC84}"/>
               </a:ext>
             </a:extLst>
           </p:cNvPr>
@@ -2602,7 +3042,7 @@
           <p:cNvPr id="4" name="灯片编号占位符 3">
             <a:extLst>
               <a:ext uri="{FF2B5EF4-FFF2-40B4-BE49-F238E27FC236}">
-                <a16:creationId xmlns:a16="http://schemas.microsoft.com/office/drawing/2014/main" id="{E442E965-5329-4342-8424-A8DA6D799814}"/>
+                <a16:creationId xmlns:a16="http://schemas.microsoft.com/office/drawing/2014/main" xmlns="" id="{E442E965-5329-4342-8424-A8DA6D799814}"/>
               </a:ext>
             </a:extLst>
           </p:cNvPr>
@@ -2661,7 +3101,7 @@
           <p:cNvPr id="2" name="标题 1">
             <a:extLst>
               <a:ext uri="{FF2B5EF4-FFF2-40B4-BE49-F238E27FC236}">
-                <a16:creationId xmlns:a16="http://schemas.microsoft.com/office/drawing/2014/main" id="{EE38F93F-58B0-7644-8826-EC2948B9A90B}"/>
+                <a16:creationId xmlns:a16="http://schemas.microsoft.com/office/drawing/2014/main" xmlns="" id="{EE38F93F-58B0-7644-8826-EC2948B9A90B}"/>
               </a:ext>
             </a:extLst>
           </p:cNvPr>
@@ -2698,7 +3138,7 @@
           <p:cNvPr id="3" name="内容占位符 2">
             <a:extLst>
               <a:ext uri="{FF2B5EF4-FFF2-40B4-BE49-F238E27FC236}">
-                <a16:creationId xmlns:a16="http://schemas.microsoft.com/office/drawing/2014/main" id="{49A0F107-0617-BA4C-8489-935713766834}"/>
+                <a16:creationId xmlns:a16="http://schemas.microsoft.com/office/drawing/2014/main" xmlns="" id="{49A0F107-0617-BA4C-8489-935713766834}"/>
               </a:ext>
             </a:extLst>
           </p:cNvPr>
@@ -2788,7 +3228,7 @@
           <p:cNvPr id="4" name="文本占位符 3">
             <a:extLst>
               <a:ext uri="{FF2B5EF4-FFF2-40B4-BE49-F238E27FC236}">
-                <a16:creationId xmlns:a16="http://schemas.microsoft.com/office/drawing/2014/main" id="{42A58D66-581F-6B4B-961F-EB8D7E00F2B5}"/>
+                <a16:creationId xmlns:a16="http://schemas.microsoft.com/office/drawing/2014/main" xmlns="" id="{42A58D66-581F-6B4B-961F-EB8D7E00F2B5}"/>
               </a:ext>
             </a:extLst>
           </p:cNvPr>
@@ -2859,7 +3299,7 @@
           <p:cNvPr id="5" name="日期占位符 4">
             <a:extLst>
               <a:ext uri="{FF2B5EF4-FFF2-40B4-BE49-F238E27FC236}">
-                <a16:creationId xmlns:a16="http://schemas.microsoft.com/office/drawing/2014/main" id="{6D86423E-9276-7C46-996D-2263741E19F5}"/>
+                <a16:creationId xmlns:a16="http://schemas.microsoft.com/office/drawing/2014/main" xmlns="" id="{6D86423E-9276-7C46-996D-2263741E19F5}"/>
               </a:ext>
             </a:extLst>
           </p:cNvPr>
@@ -2888,7 +3328,7 @@
           <p:cNvPr id="6" name="页脚占位符 5">
             <a:extLst>
               <a:ext uri="{FF2B5EF4-FFF2-40B4-BE49-F238E27FC236}">
-                <a16:creationId xmlns:a16="http://schemas.microsoft.com/office/drawing/2014/main" id="{21F9D0CC-C2F1-EE4F-9D55-B761FD19F806}"/>
+                <a16:creationId xmlns:a16="http://schemas.microsoft.com/office/drawing/2014/main" xmlns="" id="{21F9D0CC-C2F1-EE4F-9D55-B761FD19F806}"/>
               </a:ext>
             </a:extLst>
           </p:cNvPr>
@@ -2913,7 +3353,7 @@
           <p:cNvPr id="7" name="灯片编号占位符 6">
             <a:extLst>
               <a:ext uri="{FF2B5EF4-FFF2-40B4-BE49-F238E27FC236}">
-                <a16:creationId xmlns:a16="http://schemas.microsoft.com/office/drawing/2014/main" id="{9B313841-DAE9-5947-B754-BE08D39E1A5D}"/>
+                <a16:creationId xmlns:a16="http://schemas.microsoft.com/office/drawing/2014/main" xmlns="" id="{9B313841-DAE9-5947-B754-BE08D39E1A5D}"/>
               </a:ext>
             </a:extLst>
           </p:cNvPr>
@@ -2972,7 +3412,7 @@
           <p:cNvPr id="2" name="标题 1">
             <a:extLst>
               <a:ext uri="{FF2B5EF4-FFF2-40B4-BE49-F238E27FC236}">
-                <a16:creationId xmlns:a16="http://schemas.microsoft.com/office/drawing/2014/main" id="{4EB5E492-CE83-B94A-9FEC-A5781417B2F6}"/>
+                <a16:creationId xmlns:a16="http://schemas.microsoft.com/office/drawing/2014/main" xmlns="" id="{4EB5E492-CE83-B94A-9FEC-A5781417B2F6}"/>
               </a:ext>
             </a:extLst>
           </p:cNvPr>
@@ -3009,7 +3449,7 @@
           <p:cNvPr id="3" name="图片占位符 2">
             <a:extLst>
               <a:ext uri="{FF2B5EF4-FFF2-40B4-BE49-F238E27FC236}">
-                <a16:creationId xmlns:a16="http://schemas.microsoft.com/office/drawing/2014/main" id="{8497E7EE-B2A3-574C-B9F7-C2875C2D427F}"/>
+                <a16:creationId xmlns:a16="http://schemas.microsoft.com/office/drawing/2014/main" xmlns="" id="{8497E7EE-B2A3-574C-B9F7-C2875C2D427F}"/>
               </a:ext>
             </a:extLst>
           </p:cNvPr>
@@ -3076,7 +3516,7 @@
           <p:cNvPr id="4" name="文本占位符 3">
             <a:extLst>
               <a:ext uri="{FF2B5EF4-FFF2-40B4-BE49-F238E27FC236}">
-                <a16:creationId xmlns:a16="http://schemas.microsoft.com/office/drawing/2014/main" id="{8CB45320-992F-5144-A284-DFDDD157C241}"/>
+                <a16:creationId xmlns:a16="http://schemas.microsoft.com/office/drawing/2014/main" xmlns="" id="{8CB45320-992F-5144-A284-DFDDD157C241}"/>
               </a:ext>
             </a:extLst>
           </p:cNvPr>
@@ -3147,7 +3587,7 @@
           <p:cNvPr id="5" name="日期占位符 4">
             <a:extLst>
               <a:ext uri="{FF2B5EF4-FFF2-40B4-BE49-F238E27FC236}">
-                <a16:creationId xmlns:a16="http://schemas.microsoft.com/office/drawing/2014/main" id="{4E95632B-AF60-B049-90F6-18FC1451FEB3}"/>
+                <a16:creationId xmlns:a16="http://schemas.microsoft.com/office/drawing/2014/main" xmlns="" id="{4E95632B-AF60-B049-90F6-18FC1451FEB3}"/>
               </a:ext>
             </a:extLst>
           </p:cNvPr>
@@ -3176,7 +3616,7 @@
           <p:cNvPr id="6" name="页脚占位符 5">
             <a:extLst>
               <a:ext uri="{FF2B5EF4-FFF2-40B4-BE49-F238E27FC236}">
-                <a16:creationId xmlns:a16="http://schemas.microsoft.com/office/drawing/2014/main" id="{27E06FA0-7780-C848-8308-56B582A101D4}"/>
+                <a16:creationId xmlns:a16="http://schemas.microsoft.com/office/drawing/2014/main" xmlns="" id="{27E06FA0-7780-C848-8308-56B582A101D4}"/>
               </a:ext>
             </a:extLst>
           </p:cNvPr>
@@ -3201,7 +3641,7 @@
           <p:cNvPr id="7" name="灯片编号占位符 6">
             <a:extLst>
               <a:ext uri="{FF2B5EF4-FFF2-40B4-BE49-F238E27FC236}">
-                <a16:creationId xmlns:a16="http://schemas.microsoft.com/office/drawing/2014/main" id="{C35BD731-F1EE-5D4D-B6C8-B881BDFF5EDF}"/>
+                <a16:creationId xmlns:a16="http://schemas.microsoft.com/office/drawing/2014/main" xmlns="" id="{C35BD731-F1EE-5D4D-B6C8-B881BDFF5EDF}"/>
               </a:ext>
             </a:extLst>
           </p:cNvPr>
@@ -3265,7 +3705,7 @@
           <p:cNvPr id="2" name="标题占位符 1">
             <a:extLst>
               <a:ext uri="{FF2B5EF4-FFF2-40B4-BE49-F238E27FC236}">
-                <a16:creationId xmlns:a16="http://schemas.microsoft.com/office/drawing/2014/main" id="{0FA6199F-BF2D-3C42-894C-2A6C4DFB78F6}"/>
+                <a16:creationId xmlns:a16="http://schemas.microsoft.com/office/drawing/2014/main" xmlns="" id="{0FA6199F-BF2D-3C42-894C-2A6C4DFB78F6}"/>
               </a:ext>
             </a:extLst>
           </p:cNvPr>
@@ -3303,7 +3743,7 @@
           <p:cNvPr id="3" name="文本占位符 2">
             <a:extLst>
               <a:ext uri="{FF2B5EF4-FFF2-40B4-BE49-F238E27FC236}">
-                <a16:creationId xmlns:a16="http://schemas.microsoft.com/office/drawing/2014/main" id="{3864098E-C20A-0F46-8DF5-10DAF895675A}"/>
+                <a16:creationId xmlns:a16="http://schemas.microsoft.com/office/drawing/2014/main" xmlns="" id="{3864098E-C20A-0F46-8DF5-10DAF895675A}"/>
               </a:ext>
             </a:extLst>
           </p:cNvPr>
@@ -3370,7 +3810,7 @@
           <p:cNvPr id="4" name="日期占位符 3">
             <a:extLst>
               <a:ext uri="{FF2B5EF4-FFF2-40B4-BE49-F238E27FC236}">
-                <a16:creationId xmlns:a16="http://schemas.microsoft.com/office/drawing/2014/main" id="{A014F0AA-AC9D-434A-8858-F3D6141B7F84}"/>
+                <a16:creationId xmlns:a16="http://schemas.microsoft.com/office/drawing/2014/main" xmlns="" id="{A014F0AA-AC9D-434A-8858-F3D6141B7F84}"/>
               </a:ext>
             </a:extLst>
           </p:cNvPr>
@@ -3417,7 +3857,7 @@
           <p:cNvPr id="5" name="页脚占位符 4">
             <a:extLst>
               <a:ext uri="{FF2B5EF4-FFF2-40B4-BE49-F238E27FC236}">
-                <a16:creationId xmlns:a16="http://schemas.microsoft.com/office/drawing/2014/main" id="{5C88CA23-A82A-2A41-B189-ACC6426E728A}"/>
+                <a16:creationId xmlns:a16="http://schemas.microsoft.com/office/drawing/2014/main" xmlns="" id="{5C88CA23-A82A-2A41-B189-ACC6426E728A}"/>
               </a:ext>
             </a:extLst>
           </p:cNvPr>
@@ -3460,7 +3900,7 @@
           <p:cNvPr id="6" name="灯片编号占位符 5">
             <a:extLst>
               <a:ext uri="{FF2B5EF4-FFF2-40B4-BE49-F238E27FC236}">
-                <a16:creationId xmlns:a16="http://schemas.microsoft.com/office/drawing/2014/main" id="{9A690401-9402-154A-8E10-3254E10D5332}"/>
+                <a16:creationId xmlns:a16="http://schemas.microsoft.com/office/drawing/2014/main" xmlns="" id="{9A690401-9402-154A-8E10-3254E10D5332}"/>
               </a:ext>
             </a:extLst>
           </p:cNvPr>
@@ -3828,7 +4268,7 @@
           <p:cNvPr id="2" name="标题 1">
             <a:extLst>
               <a:ext uri="{FF2B5EF4-FFF2-40B4-BE49-F238E27FC236}">
-                <a16:creationId xmlns:a16="http://schemas.microsoft.com/office/drawing/2014/main" id="{52B7F225-D82E-EA49-AECB-7F06CB70B93F}"/>
+                <a16:creationId xmlns:a16="http://schemas.microsoft.com/office/drawing/2014/main" xmlns="" id="{52B7F225-D82E-EA49-AECB-7F06CB70B93F}"/>
               </a:ext>
             </a:extLst>
           </p:cNvPr>
@@ -3865,7 +4305,7 @@
           <p:cNvPr id="3" name="副标题 2">
             <a:extLst>
               <a:ext uri="{FF2B5EF4-FFF2-40B4-BE49-F238E27FC236}">
-                <a16:creationId xmlns:a16="http://schemas.microsoft.com/office/drawing/2014/main" id="{6D7C3E0B-2C67-534D-BB94-2B746F85455E}"/>
+                <a16:creationId xmlns:a16="http://schemas.microsoft.com/office/drawing/2014/main" xmlns="" id="{6D7C3E0B-2C67-534D-BB94-2B746F85455E}"/>
               </a:ext>
             </a:extLst>
           </p:cNvPr>
@@ -3942,7 +4382,7 @@
           <p:cNvPr id="2" name="标题 1">
             <a:extLst>
               <a:ext uri="{FF2B5EF4-FFF2-40B4-BE49-F238E27FC236}">
-                <a16:creationId xmlns:a16="http://schemas.microsoft.com/office/drawing/2014/main" id="{F0405D1C-A876-8341-918E-A5D66A83827F}"/>
+                <a16:creationId xmlns:a16="http://schemas.microsoft.com/office/drawing/2014/main" xmlns="" id="{F0405D1C-A876-8341-918E-A5D66A83827F}"/>
               </a:ext>
             </a:extLst>
           </p:cNvPr>
@@ -3977,7 +4417,7 @@
           <p:cNvPr id="3" name="内容占位符 2">
             <a:extLst>
               <a:ext uri="{FF2B5EF4-FFF2-40B4-BE49-F238E27FC236}">
-                <a16:creationId xmlns:a16="http://schemas.microsoft.com/office/drawing/2014/main" id="{18357220-3404-9543-B18A-654DBC2080C6}"/>
+                <a16:creationId xmlns:a16="http://schemas.microsoft.com/office/drawing/2014/main" xmlns="" id="{18357220-3404-9543-B18A-654DBC2080C6}"/>
               </a:ext>
             </a:extLst>
           </p:cNvPr>
@@ -4102,7 +4542,7 @@
           <p:cNvPr id="2" name="标题 1">
             <a:extLst>
               <a:ext uri="{FF2B5EF4-FFF2-40B4-BE49-F238E27FC236}">
-                <a16:creationId xmlns:a16="http://schemas.microsoft.com/office/drawing/2014/main" id="{F0405D1C-A876-8341-918E-A5D66A83827F}"/>
+                <a16:creationId xmlns:a16="http://schemas.microsoft.com/office/drawing/2014/main" xmlns="" id="{F0405D1C-A876-8341-918E-A5D66A83827F}"/>
               </a:ext>
             </a:extLst>
           </p:cNvPr>
@@ -4137,7 +4577,7 @@
           <p:cNvPr id="3" name="内容占位符 2">
             <a:extLst>
               <a:ext uri="{FF2B5EF4-FFF2-40B4-BE49-F238E27FC236}">
-                <a16:creationId xmlns:a16="http://schemas.microsoft.com/office/drawing/2014/main" id="{18357220-3404-9543-B18A-654DBC2080C6}"/>
+                <a16:creationId xmlns:a16="http://schemas.microsoft.com/office/drawing/2014/main" xmlns="" id="{18357220-3404-9543-B18A-654DBC2080C6}"/>
               </a:ext>
             </a:extLst>
           </p:cNvPr>
@@ -4199,7 +4639,7 @@
           <p:cNvPr id="2" name="标题 1">
             <a:extLst>
               <a:ext uri="{FF2B5EF4-FFF2-40B4-BE49-F238E27FC236}">
-                <a16:creationId xmlns:a16="http://schemas.microsoft.com/office/drawing/2014/main" id="{F0405D1C-A876-8341-918E-A5D66A83827F}"/>
+                <a16:creationId xmlns:a16="http://schemas.microsoft.com/office/drawing/2014/main" xmlns="" id="{F0405D1C-A876-8341-918E-A5D66A83827F}"/>
               </a:ext>
             </a:extLst>
           </p:cNvPr>
@@ -4234,7 +4674,7 @@
           <p:cNvPr id="3" name="内容占位符 2">
             <a:extLst>
               <a:ext uri="{FF2B5EF4-FFF2-40B4-BE49-F238E27FC236}">
-                <a16:creationId xmlns:a16="http://schemas.microsoft.com/office/drawing/2014/main" id="{18357220-3404-9543-B18A-654DBC2080C6}"/>
+                <a16:creationId xmlns:a16="http://schemas.microsoft.com/office/drawing/2014/main" xmlns="" id="{18357220-3404-9543-B18A-654DBC2080C6}"/>
               </a:ext>
             </a:extLst>
           </p:cNvPr>
@@ -4266,7 +4706,7 @@
           <p:cNvPr id="4" name="标题 1">
             <a:extLst>
               <a:ext uri="{FF2B5EF4-FFF2-40B4-BE49-F238E27FC236}">
-                <a16:creationId xmlns:a16="http://schemas.microsoft.com/office/drawing/2014/main" id="{F0405D1C-A876-8341-918E-A5D66A83827F}"/>
+                <a16:creationId xmlns:a16="http://schemas.microsoft.com/office/drawing/2014/main" xmlns="" id="{F0405D1C-A876-8341-918E-A5D66A83827F}"/>
               </a:ext>
             </a:extLst>
           </p:cNvPr>
@@ -4384,7 +4824,7 @@
           <p:cNvPr id="2" name="标题 1">
             <a:extLst>
               <a:ext uri="{FF2B5EF4-FFF2-40B4-BE49-F238E27FC236}">
-                <a16:creationId xmlns:a16="http://schemas.microsoft.com/office/drawing/2014/main" id="{F0405D1C-A876-8341-918E-A5D66A83827F}"/>
+                <a16:creationId xmlns:a16="http://schemas.microsoft.com/office/drawing/2014/main" xmlns="" id="{F0405D1C-A876-8341-918E-A5D66A83827F}"/>
               </a:ext>
             </a:extLst>
           </p:cNvPr>
@@ -4442,21 +4882,21 @@
                 <a:gridCol w="2069308">
                   <a:extLst>
                     <a:ext uri="{9D8B030D-6E8A-4147-A177-3AD203B41FA5}">
-                      <a16:colId xmlns:a16="http://schemas.microsoft.com/office/drawing/2014/main" val="20000"/>
+                      <a16:colId xmlns:a16="http://schemas.microsoft.com/office/drawing/2014/main" xmlns="" val="20000"/>
                     </a:ext>
                   </a:extLst>
                 </a:gridCol>
                 <a:gridCol w="4414838">
                   <a:extLst>
                     <a:ext uri="{9D8B030D-6E8A-4147-A177-3AD203B41FA5}">
-                      <a16:colId xmlns:a16="http://schemas.microsoft.com/office/drawing/2014/main" val="20001"/>
+                      <a16:colId xmlns:a16="http://schemas.microsoft.com/office/drawing/2014/main" xmlns="" val="20001"/>
                     </a:ext>
                   </a:extLst>
                 </a:gridCol>
                 <a:gridCol w="4445794">
                   <a:extLst>
                     <a:ext uri="{9D8B030D-6E8A-4147-A177-3AD203B41FA5}">
-                      <a16:colId xmlns:a16="http://schemas.microsoft.com/office/drawing/2014/main" val="20002"/>
+                      <a16:colId xmlns:a16="http://schemas.microsoft.com/office/drawing/2014/main" xmlns="" val="20002"/>
                     </a:ext>
                   </a:extLst>
                 </a:gridCol>
@@ -4665,7 +5105,7 @@
                 </a:tc>
                 <a:extLst>
                   <a:ext uri="{0D108BD9-81ED-4DB2-BD59-A6C34878D82A}">
-                    <a16:rowId xmlns:a16="http://schemas.microsoft.com/office/drawing/2014/main" val="10000"/>
+                    <a16:rowId xmlns:a16="http://schemas.microsoft.com/office/drawing/2014/main" xmlns="" val="10000"/>
                   </a:ext>
                 </a:extLst>
               </a:tr>
@@ -4884,7 +5324,7 @@
                 </a:tc>
                 <a:extLst>
                   <a:ext uri="{0D108BD9-81ED-4DB2-BD59-A6C34878D82A}">
-                    <a16:rowId xmlns:a16="http://schemas.microsoft.com/office/drawing/2014/main" val="10001"/>
+                    <a16:rowId xmlns:a16="http://schemas.microsoft.com/office/drawing/2014/main" xmlns="" val="10001"/>
                   </a:ext>
                 </a:extLst>
               </a:tr>
@@ -5124,7 +5564,7 @@
                 </a:tc>
                 <a:extLst>
                   <a:ext uri="{0D108BD9-81ED-4DB2-BD59-A6C34878D82A}">
-                    <a16:rowId xmlns:a16="http://schemas.microsoft.com/office/drawing/2014/main" val="10002"/>
+                    <a16:rowId xmlns:a16="http://schemas.microsoft.com/office/drawing/2014/main" xmlns="" val="10002"/>
                   </a:ext>
                 </a:extLst>
               </a:tr>
@@ -5167,7 +5607,7 @@
           <p:cNvPr id="2" name="标题 1">
             <a:extLst>
               <a:ext uri="{FF2B5EF4-FFF2-40B4-BE49-F238E27FC236}">
-                <a16:creationId xmlns:a16="http://schemas.microsoft.com/office/drawing/2014/main" id="{F0405D1C-A876-8341-918E-A5D66A83827F}"/>
+                <a16:creationId xmlns:a16="http://schemas.microsoft.com/office/drawing/2014/main" xmlns="" id="{F0405D1C-A876-8341-918E-A5D66A83827F}"/>
               </a:ext>
             </a:extLst>
           </p:cNvPr>
@@ -5219,21 +5659,21 @@
                 <a:gridCol w="2069308">
                   <a:extLst>
                     <a:ext uri="{9D8B030D-6E8A-4147-A177-3AD203B41FA5}">
-                      <a16:colId xmlns:a16="http://schemas.microsoft.com/office/drawing/2014/main" val="20000"/>
+                      <a16:colId xmlns:a16="http://schemas.microsoft.com/office/drawing/2014/main" xmlns="" val="20000"/>
                     </a:ext>
                   </a:extLst>
                 </a:gridCol>
                 <a:gridCol w="4414838">
                   <a:extLst>
                     <a:ext uri="{9D8B030D-6E8A-4147-A177-3AD203B41FA5}">
-                      <a16:colId xmlns:a16="http://schemas.microsoft.com/office/drawing/2014/main" val="20001"/>
+                      <a16:colId xmlns:a16="http://schemas.microsoft.com/office/drawing/2014/main" xmlns="" val="20001"/>
                     </a:ext>
                   </a:extLst>
                 </a:gridCol>
                 <a:gridCol w="4445794">
                   <a:extLst>
                     <a:ext uri="{9D8B030D-6E8A-4147-A177-3AD203B41FA5}">
-                      <a16:colId xmlns:a16="http://schemas.microsoft.com/office/drawing/2014/main" val="20002"/>
+                      <a16:colId xmlns:a16="http://schemas.microsoft.com/office/drawing/2014/main" xmlns="" val="20002"/>
                     </a:ext>
                   </a:extLst>
                 </a:gridCol>
@@ -5442,7 +5882,7 @@
                 </a:tc>
                 <a:extLst>
                   <a:ext uri="{0D108BD9-81ED-4DB2-BD59-A6C34878D82A}">
-                    <a16:rowId xmlns:a16="http://schemas.microsoft.com/office/drawing/2014/main" val="10000"/>
+                    <a16:rowId xmlns:a16="http://schemas.microsoft.com/office/drawing/2014/main" xmlns="" val="10000"/>
                   </a:ext>
                 </a:extLst>
               </a:tr>
@@ -5661,7 +6101,7 @@
                 </a:tc>
                 <a:extLst>
                   <a:ext uri="{0D108BD9-81ED-4DB2-BD59-A6C34878D82A}">
-                    <a16:rowId xmlns:a16="http://schemas.microsoft.com/office/drawing/2014/main" val="10001"/>
+                    <a16:rowId xmlns:a16="http://schemas.microsoft.com/office/drawing/2014/main" xmlns="" val="10001"/>
                   </a:ext>
                 </a:extLst>
               </a:tr>
@@ -5901,7 +6341,7 @@
                 </a:tc>
                 <a:extLst>
                   <a:ext uri="{0D108BD9-81ED-4DB2-BD59-A6C34878D82A}">
-                    <a16:rowId xmlns:a16="http://schemas.microsoft.com/office/drawing/2014/main" val="10002"/>
+                    <a16:rowId xmlns:a16="http://schemas.microsoft.com/office/drawing/2014/main" xmlns="" val="10002"/>
                   </a:ext>
                 </a:extLst>
               </a:tr>
@@ -5914,7 +6354,7 @@
           <p:cNvPr id="4" name="标题 1">
             <a:extLst>
               <a:ext uri="{FF2B5EF4-FFF2-40B4-BE49-F238E27FC236}">
-                <a16:creationId xmlns:a16="http://schemas.microsoft.com/office/drawing/2014/main" id="{F0405D1C-A876-8341-918E-A5D66A83827F}"/>
+                <a16:creationId xmlns:a16="http://schemas.microsoft.com/office/drawing/2014/main" xmlns="" id="{F0405D1C-A876-8341-918E-A5D66A83827F}"/>
               </a:ext>
             </a:extLst>
           </p:cNvPr>
@@ -5983,7 +6423,7 @@
           <p:cNvPr id="5" name="标题 1">
             <a:extLst>
               <a:ext uri="{FF2B5EF4-FFF2-40B4-BE49-F238E27FC236}">
-                <a16:creationId xmlns:a16="http://schemas.microsoft.com/office/drawing/2014/main" id="{F0405D1C-A876-8341-918E-A5D66A83827F}"/>
+                <a16:creationId xmlns:a16="http://schemas.microsoft.com/office/drawing/2014/main" xmlns="" id="{F0405D1C-A876-8341-918E-A5D66A83827F}"/>
               </a:ext>
             </a:extLst>
           </p:cNvPr>
@@ -6128,7 +6568,7 @@
           <p:cNvPr id="2" name="标题 1">
             <a:extLst>
               <a:ext uri="{FF2B5EF4-FFF2-40B4-BE49-F238E27FC236}">
-                <a16:creationId xmlns:a16="http://schemas.microsoft.com/office/drawing/2014/main" id="{F0405D1C-A876-8341-918E-A5D66A83827F}"/>
+                <a16:creationId xmlns:a16="http://schemas.microsoft.com/office/drawing/2014/main" xmlns="" id="{F0405D1C-A876-8341-918E-A5D66A83827F}"/>
               </a:ext>
             </a:extLst>
           </p:cNvPr>
@@ -6163,7 +6603,7 @@
           <p:cNvPr id="3" name="内容占位符 2">
             <a:extLst>
               <a:ext uri="{FF2B5EF4-FFF2-40B4-BE49-F238E27FC236}">
-                <a16:creationId xmlns:a16="http://schemas.microsoft.com/office/drawing/2014/main" id="{18357220-3404-9543-B18A-654DBC2080C6}"/>
+                <a16:creationId xmlns:a16="http://schemas.microsoft.com/office/drawing/2014/main" xmlns="" id="{18357220-3404-9543-B18A-654DBC2080C6}"/>
               </a:ext>
             </a:extLst>
           </p:cNvPr>
@@ -6249,7 +6689,7 @@
           <p:cNvPr id="2" name="标题 1">
             <a:extLst>
               <a:ext uri="{FF2B5EF4-FFF2-40B4-BE49-F238E27FC236}">
-                <a16:creationId xmlns:a16="http://schemas.microsoft.com/office/drawing/2014/main" id="{F0405D1C-A876-8341-918E-A5D66A83827F}"/>
+                <a16:creationId xmlns:a16="http://schemas.microsoft.com/office/drawing/2014/main" xmlns="" id="{F0405D1C-A876-8341-918E-A5D66A83827F}"/>
               </a:ext>
             </a:extLst>
           </p:cNvPr>
@@ -6284,7 +6724,7 @@
           <p:cNvPr id="3" name="内容占位符 2">
             <a:extLst>
               <a:ext uri="{FF2B5EF4-FFF2-40B4-BE49-F238E27FC236}">
-                <a16:creationId xmlns:a16="http://schemas.microsoft.com/office/drawing/2014/main" id="{18357220-3404-9543-B18A-654DBC2080C6}"/>
+                <a16:creationId xmlns:a16="http://schemas.microsoft.com/office/drawing/2014/main" xmlns="" id="{18357220-3404-9543-B18A-654DBC2080C6}"/>
               </a:ext>
             </a:extLst>
           </p:cNvPr>
@@ -6360,7 +6800,7 @@
           <p:cNvPr id="2" name="标题 1">
             <a:extLst>
               <a:ext uri="{FF2B5EF4-FFF2-40B4-BE49-F238E27FC236}">
-                <a16:creationId xmlns:a16="http://schemas.microsoft.com/office/drawing/2014/main" id="{F0405D1C-A876-8341-918E-A5D66A83827F}"/>
+                <a16:creationId xmlns:a16="http://schemas.microsoft.com/office/drawing/2014/main" xmlns="" id="{F0405D1C-A876-8341-918E-A5D66A83827F}"/>
               </a:ext>
             </a:extLst>
           </p:cNvPr>
@@ -6395,7 +6835,7 @@
           <p:cNvPr id="3" name="内容占位符 2">
             <a:extLst>
               <a:ext uri="{FF2B5EF4-FFF2-40B4-BE49-F238E27FC236}">
-                <a16:creationId xmlns:a16="http://schemas.microsoft.com/office/drawing/2014/main" id="{18357220-3404-9543-B18A-654DBC2080C6}"/>
+                <a16:creationId xmlns:a16="http://schemas.microsoft.com/office/drawing/2014/main" xmlns="" id="{18357220-3404-9543-B18A-654DBC2080C6}"/>
               </a:ext>
             </a:extLst>
           </p:cNvPr>
@@ -6506,7 +6946,7 @@
           <p:cNvPr id="2" name="标题 1">
             <a:extLst>
               <a:ext uri="{FF2B5EF4-FFF2-40B4-BE49-F238E27FC236}">
-                <a16:creationId xmlns:a16="http://schemas.microsoft.com/office/drawing/2014/main" id="{F0405D1C-A876-8341-918E-A5D66A83827F}"/>
+                <a16:creationId xmlns:a16="http://schemas.microsoft.com/office/drawing/2014/main" xmlns="" id="{F0405D1C-A876-8341-918E-A5D66A83827F}"/>
               </a:ext>
             </a:extLst>
           </p:cNvPr>
@@ -6541,7 +6981,7 @@
           <p:cNvPr id="3" name="内容占位符 2">
             <a:extLst>
               <a:ext uri="{FF2B5EF4-FFF2-40B4-BE49-F238E27FC236}">
-                <a16:creationId xmlns:a16="http://schemas.microsoft.com/office/drawing/2014/main" id="{18357220-3404-9543-B18A-654DBC2080C6}"/>
+                <a16:creationId xmlns:a16="http://schemas.microsoft.com/office/drawing/2014/main" xmlns="" id="{18357220-3404-9543-B18A-654DBC2080C6}"/>
               </a:ext>
             </a:extLst>
           </p:cNvPr>
@@ -6613,7 +7053,7 @@
           <p:cNvPr id="2" name="标题 1">
             <a:extLst>
               <a:ext uri="{FF2B5EF4-FFF2-40B4-BE49-F238E27FC236}">
-                <a16:creationId xmlns:a16="http://schemas.microsoft.com/office/drawing/2014/main" id="{5623247C-369A-F04E-AEFA-A7F98653C3A5}"/>
+                <a16:creationId xmlns:a16="http://schemas.microsoft.com/office/drawing/2014/main" xmlns="" id="{5623247C-369A-F04E-AEFA-A7F98653C3A5}"/>
               </a:ext>
             </a:extLst>
           </p:cNvPr>
@@ -6690,10 +7130,10 @@
           <p:cNvPr id="12" name="Rectangle 11">
             <a:extLst>
               <a:ext uri="{FF2B5EF4-FFF2-40B4-BE49-F238E27FC236}">
-                <a16:creationId xmlns:a16="http://schemas.microsoft.com/office/drawing/2014/main" id="{99ED5833-B85B-4103-8A3B-CAB0308E6C15}"/>
+                <a16:creationId xmlns:a16="http://schemas.microsoft.com/office/drawing/2014/main" xmlns="" id="{99ED5833-B85B-4103-8A3B-CAB0308E6C15}"/>
               </a:ext>
               <a:ext uri="{C183D7F6-B498-43B3-948B-1728B52AA6E4}">
-                <adec:decorative xmlns:adec="http://schemas.microsoft.com/office/drawing/2017/decorative" val="1"/>
+                <adec:decorative xmlns:adec="http://schemas.microsoft.com/office/drawing/2017/decorative" xmlns="" val="1"/>
               </a:ext>
             </a:extLst>
           </p:cNvPr>
@@ -6750,7 +7190,7 @@
           <p:cNvPr id="2" name="标题 1">
             <a:extLst>
               <a:ext uri="{FF2B5EF4-FFF2-40B4-BE49-F238E27FC236}">
-                <a16:creationId xmlns:a16="http://schemas.microsoft.com/office/drawing/2014/main" id="{5623247C-369A-F04E-AEFA-A7F98653C3A5}"/>
+                <a16:creationId xmlns:a16="http://schemas.microsoft.com/office/drawing/2014/main" xmlns="" id="{5623247C-369A-F04E-AEFA-A7F98653C3A5}"/>
               </a:ext>
             </a:extLst>
           </p:cNvPr>
@@ -6789,7 +7229,7 @@
           <p:cNvPr id="7" name="图片 6" descr="图示&#10;&#10;描述已自动生成">
             <a:extLst>
               <a:ext uri="{FF2B5EF4-FFF2-40B4-BE49-F238E27FC236}">
-                <a16:creationId xmlns:a16="http://schemas.microsoft.com/office/drawing/2014/main" id="{0CF54521-CC0B-DF49-8831-759E7130C1FC}"/>
+                <a16:creationId xmlns:a16="http://schemas.microsoft.com/office/drawing/2014/main" xmlns="" id="{0CF54521-CC0B-DF49-8831-759E7130C1FC}"/>
               </a:ext>
             </a:extLst>
           </p:cNvPr>
@@ -6799,7 +7239,7 @@
           <p:nvPr/>
         </p:nvPicPr>
         <p:blipFill>
-          <a:blip r:embed="rId2"/>
+          <a:blip r:embed="rId3"/>
           <a:stretch>
             <a:fillRect/>
           </a:stretch>
@@ -6819,7 +7259,7 @@
           <p:cNvPr id="5" name="图片 4" descr="图示&#10;&#10;描述已自动生成">
             <a:extLst>
               <a:ext uri="{FF2B5EF4-FFF2-40B4-BE49-F238E27FC236}">
-                <a16:creationId xmlns:a16="http://schemas.microsoft.com/office/drawing/2014/main" id="{3E5AE733-5896-9743-8A7E-09451E85D813}"/>
+                <a16:creationId xmlns:a16="http://schemas.microsoft.com/office/drawing/2014/main" xmlns="" id="{3E5AE733-5896-9743-8A7E-09451E85D813}"/>
               </a:ext>
             </a:extLst>
           </p:cNvPr>
@@ -6829,7 +7269,7 @@
           <p:nvPr/>
         </p:nvPicPr>
         <p:blipFill>
-          <a:blip r:embed="rId3"/>
+          <a:blip r:embed="rId4"/>
           <a:stretch>
             <a:fillRect/>
           </a:stretch>
@@ -7746,7 +8186,7 @@
           <p:cNvPr id="2" name="标题 1">
             <a:extLst>
               <a:ext uri="{FF2B5EF4-FFF2-40B4-BE49-F238E27FC236}">
-                <a16:creationId xmlns:a16="http://schemas.microsoft.com/office/drawing/2014/main" id="{F0405D1C-A876-8341-918E-A5D66A83827F}"/>
+                <a16:creationId xmlns:a16="http://schemas.microsoft.com/office/drawing/2014/main" xmlns="" id="{F0405D1C-A876-8341-918E-A5D66A83827F}"/>
               </a:ext>
             </a:extLst>
           </p:cNvPr>
@@ -7781,7 +8221,7 @@
           <p:cNvPr id="5" name="表格 4">
             <a:extLst>
               <a:ext uri="{FF2B5EF4-FFF2-40B4-BE49-F238E27FC236}">
-                <a16:creationId xmlns:a16="http://schemas.microsoft.com/office/drawing/2014/main" id="{BBD8331B-80DE-5E4F-9E00-43915192637C}"/>
+                <a16:creationId xmlns:a16="http://schemas.microsoft.com/office/drawing/2014/main" xmlns="" id="{BBD8331B-80DE-5E4F-9E00-43915192637C}"/>
               </a:ext>
             </a:extLst>
           </p:cNvPr>
@@ -7810,56 +8250,56 @@
                 <a:gridCol w="1016000">
                   <a:extLst>
                     <a:ext uri="{9D8B030D-6E8A-4147-A177-3AD203B41FA5}">
-                      <a16:colId xmlns:a16="http://schemas.microsoft.com/office/drawing/2014/main" val="2919921209"/>
+                      <a16:colId xmlns:a16="http://schemas.microsoft.com/office/drawing/2014/main" xmlns="" val="2919921209"/>
                     </a:ext>
                   </a:extLst>
                 </a:gridCol>
                 <a:gridCol w="1016000">
                   <a:extLst>
                     <a:ext uri="{9D8B030D-6E8A-4147-A177-3AD203B41FA5}">
-                      <a16:colId xmlns:a16="http://schemas.microsoft.com/office/drawing/2014/main" val="1274578498"/>
+                      <a16:colId xmlns:a16="http://schemas.microsoft.com/office/drawing/2014/main" xmlns="" val="1274578498"/>
                     </a:ext>
                   </a:extLst>
                 </a:gridCol>
                 <a:gridCol w="1016000">
                   <a:extLst>
                     <a:ext uri="{9D8B030D-6E8A-4147-A177-3AD203B41FA5}">
-                      <a16:colId xmlns:a16="http://schemas.microsoft.com/office/drawing/2014/main" val="2473859656"/>
+                      <a16:colId xmlns:a16="http://schemas.microsoft.com/office/drawing/2014/main" xmlns="" val="2473859656"/>
                     </a:ext>
                   </a:extLst>
                 </a:gridCol>
                 <a:gridCol w="1016000">
                   <a:extLst>
                     <a:ext uri="{9D8B030D-6E8A-4147-A177-3AD203B41FA5}">
-                      <a16:colId xmlns:a16="http://schemas.microsoft.com/office/drawing/2014/main" val="4017853280"/>
+                      <a16:colId xmlns:a16="http://schemas.microsoft.com/office/drawing/2014/main" xmlns="" val="4017853280"/>
                     </a:ext>
                   </a:extLst>
                 </a:gridCol>
                 <a:gridCol w="1016000">
                   <a:extLst>
                     <a:ext uri="{9D8B030D-6E8A-4147-A177-3AD203B41FA5}">
-                      <a16:colId xmlns:a16="http://schemas.microsoft.com/office/drawing/2014/main" val="4046979531"/>
+                      <a16:colId xmlns:a16="http://schemas.microsoft.com/office/drawing/2014/main" xmlns="" val="4046979531"/>
                     </a:ext>
                   </a:extLst>
                 </a:gridCol>
                 <a:gridCol w="1016000">
                   <a:extLst>
                     <a:ext uri="{9D8B030D-6E8A-4147-A177-3AD203B41FA5}">
-                      <a16:colId xmlns:a16="http://schemas.microsoft.com/office/drawing/2014/main" val="1236215947"/>
+                      <a16:colId xmlns:a16="http://schemas.microsoft.com/office/drawing/2014/main" xmlns="" val="1236215947"/>
                     </a:ext>
                   </a:extLst>
                 </a:gridCol>
                 <a:gridCol w="1016000">
                   <a:extLst>
                     <a:ext uri="{9D8B030D-6E8A-4147-A177-3AD203B41FA5}">
-                      <a16:colId xmlns:a16="http://schemas.microsoft.com/office/drawing/2014/main" val="3358476489"/>
+                      <a16:colId xmlns:a16="http://schemas.microsoft.com/office/drawing/2014/main" xmlns="" val="3358476489"/>
                     </a:ext>
                   </a:extLst>
                 </a:gridCol>
                 <a:gridCol w="1016000">
                   <a:extLst>
                     <a:ext uri="{9D8B030D-6E8A-4147-A177-3AD203B41FA5}">
-                      <a16:colId xmlns:a16="http://schemas.microsoft.com/office/drawing/2014/main" val="1544053477"/>
+                      <a16:colId xmlns:a16="http://schemas.microsoft.com/office/drawing/2014/main" xmlns="" val="1544053477"/>
                     </a:ext>
                   </a:extLst>
                 </a:gridCol>
@@ -8251,7 +8691,7 @@
                 </a:tc>
                 <a:extLst>
                   <a:ext uri="{0D108BD9-81ED-4DB2-BD59-A6C34878D82A}">
-                    <a16:rowId xmlns:a16="http://schemas.microsoft.com/office/drawing/2014/main" val="2866617908"/>
+                    <a16:rowId xmlns:a16="http://schemas.microsoft.com/office/drawing/2014/main" xmlns="" val="2866617908"/>
                   </a:ext>
                 </a:extLst>
               </a:tr>
@@ -8264,7 +8704,7 @@
           <p:cNvPr id="6" name="表格 5">
             <a:extLst>
               <a:ext uri="{FF2B5EF4-FFF2-40B4-BE49-F238E27FC236}">
-                <a16:creationId xmlns:a16="http://schemas.microsoft.com/office/drawing/2014/main" id="{5B4F8785-5EE0-884C-A840-D9ED4AA8430C}"/>
+                <a16:creationId xmlns:a16="http://schemas.microsoft.com/office/drawing/2014/main" xmlns="" id="{5B4F8785-5EE0-884C-A840-D9ED4AA8430C}"/>
               </a:ext>
             </a:extLst>
           </p:cNvPr>
@@ -8293,56 +8733,56 @@
                 <a:gridCol w="1016000">
                   <a:extLst>
                     <a:ext uri="{9D8B030D-6E8A-4147-A177-3AD203B41FA5}">
-                      <a16:colId xmlns:a16="http://schemas.microsoft.com/office/drawing/2014/main" val="2919921209"/>
+                      <a16:colId xmlns:a16="http://schemas.microsoft.com/office/drawing/2014/main" xmlns="" val="2919921209"/>
                     </a:ext>
                   </a:extLst>
                 </a:gridCol>
                 <a:gridCol w="1016000">
                   <a:extLst>
                     <a:ext uri="{9D8B030D-6E8A-4147-A177-3AD203B41FA5}">
-                      <a16:colId xmlns:a16="http://schemas.microsoft.com/office/drawing/2014/main" val="1274578498"/>
+                      <a16:colId xmlns:a16="http://schemas.microsoft.com/office/drawing/2014/main" xmlns="" val="1274578498"/>
                     </a:ext>
                   </a:extLst>
                 </a:gridCol>
                 <a:gridCol w="1016000">
                   <a:extLst>
                     <a:ext uri="{9D8B030D-6E8A-4147-A177-3AD203B41FA5}">
-                      <a16:colId xmlns:a16="http://schemas.microsoft.com/office/drawing/2014/main" val="2473859656"/>
+                      <a16:colId xmlns:a16="http://schemas.microsoft.com/office/drawing/2014/main" xmlns="" val="2473859656"/>
                     </a:ext>
                   </a:extLst>
                 </a:gridCol>
                 <a:gridCol w="1016000">
                   <a:extLst>
                     <a:ext uri="{9D8B030D-6E8A-4147-A177-3AD203B41FA5}">
-                      <a16:colId xmlns:a16="http://schemas.microsoft.com/office/drawing/2014/main" val="4017853280"/>
+                      <a16:colId xmlns:a16="http://schemas.microsoft.com/office/drawing/2014/main" xmlns="" val="4017853280"/>
                     </a:ext>
                   </a:extLst>
                 </a:gridCol>
                 <a:gridCol w="1016000">
                   <a:extLst>
                     <a:ext uri="{9D8B030D-6E8A-4147-A177-3AD203B41FA5}">
-                      <a16:colId xmlns:a16="http://schemas.microsoft.com/office/drawing/2014/main" val="4046979531"/>
+                      <a16:colId xmlns:a16="http://schemas.microsoft.com/office/drawing/2014/main" xmlns="" val="4046979531"/>
                     </a:ext>
                   </a:extLst>
                 </a:gridCol>
                 <a:gridCol w="1016000">
                   <a:extLst>
                     <a:ext uri="{9D8B030D-6E8A-4147-A177-3AD203B41FA5}">
-                      <a16:colId xmlns:a16="http://schemas.microsoft.com/office/drawing/2014/main" val="1236215947"/>
+                      <a16:colId xmlns:a16="http://schemas.microsoft.com/office/drawing/2014/main" xmlns="" val="1236215947"/>
                     </a:ext>
                   </a:extLst>
                 </a:gridCol>
                 <a:gridCol w="1016000">
                   <a:extLst>
                     <a:ext uri="{9D8B030D-6E8A-4147-A177-3AD203B41FA5}">
-                      <a16:colId xmlns:a16="http://schemas.microsoft.com/office/drawing/2014/main" val="3358476489"/>
+                      <a16:colId xmlns:a16="http://schemas.microsoft.com/office/drawing/2014/main" xmlns="" val="3358476489"/>
                     </a:ext>
                   </a:extLst>
                 </a:gridCol>
                 <a:gridCol w="1016000">
                   <a:extLst>
                     <a:ext uri="{9D8B030D-6E8A-4147-A177-3AD203B41FA5}">
-                      <a16:colId xmlns:a16="http://schemas.microsoft.com/office/drawing/2014/main" val="1544053477"/>
+                      <a16:colId xmlns:a16="http://schemas.microsoft.com/office/drawing/2014/main" xmlns="" val="1544053477"/>
                     </a:ext>
                   </a:extLst>
                 </a:gridCol>
@@ -8734,7 +9174,7 @@
                 </a:tc>
                 <a:extLst>
                   <a:ext uri="{0D108BD9-81ED-4DB2-BD59-A6C34878D82A}">
-                    <a16:rowId xmlns:a16="http://schemas.microsoft.com/office/drawing/2014/main" val="2866617908"/>
+                    <a16:rowId xmlns:a16="http://schemas.microsoft.com/office/drawing/2014/main" xmlns="" val="2866617908"/>
                   </a:ext>
                 </a:extLst>
               </a:tr>
@@ -8747,7 +9187,7 @@
           <p:cNvPr id="7" name="表格 6">
             <a:extLst>
               <a:ext uri="{FF2B5EF4-FFF2-40B4-BE49-F238E27FC236}">
-                <a16:creationId xmlns:a16="http://schemas.microsoft.com/office/drawing/2014/main" id="{155A077A-D314-104E-9636-10BCB5AFF1D1}"/>
+                <a16:creationId xmlns:a16="http://schemas.microsoft.com/office/drawing/2014/main" xmlns="" id="{155A077A-D314-104E-9636-10BCB5AFF1D1}"/>
               </a:ext>
             </a:extLst>
           </p:cNvPr>
@@ -8776,56 +9216,56 @@
                 <a:gridCol w="1016000">
                   <a:extLst>
                     <a:ext uri="{9D8B030D-6E8A-4147-A177-3AD203B41FA5}">
-                      <a16:colId xmlns:a16="http://schemas.microsoft.com/office/drawing/2014/main" val="2919921209"/>
+                      <a16:colId xmlns:a16="http://schemas.microsoft.com/office/drawing/2014/main" xmlns="" val="2919921209"/>
                     </a:ext>
                   </a:extLst>
                 </a:gridCol>
                 <a:gridCol w="1016000">
                   <a:extLst>
                     <a:ext uri="{9D8B030D-6E8A-4147-A177-3AD203B41FA5}">
-                      <a16:colId xmlns:a16="http://schemas.microsoft.com/office/drawing/2014/main" val="1274578498"/>
+                      <a16:colId xmlns:a16="http://schemas.microsoft.com/office/drawing/2014/main" xmlns="" val="1274578498"/>
                     </a:ext>
                   </a:extLst>
                 </a:gridCol>
                 <a:gridCol w="1016000">
                   <a:extLst>
                     <a:ext uri="{9D8B030D-6E8A-4147-A177-3AD203B41FA5}">
-                      <a16:colId xmlns:a16="http://schemas.microsoft.com/office/drawing/2014/main" val="2473859656"/>
+                      <a16:colId xmlns:a16="http://schemas.microsoft.com/office/drawing/2014/main" xmlns="" val="2473859656"/>
                     </a:ext>
                   </a:extLst>
                 </a:gridCol>
                 <a:gridCol w="1016000">
                   <a:extLst>
                     <a:ext uri="{9D8B030D-6E8A-4147-A177-3AD203B41FA5}">
-                      <a16:colId xmlns:a16="http://schemas.microsoft.com/office/drawing/2014/main" val="4017853280"/>
+                      <a16:colId xmlns:a16="http://schemas.microsoft.com/office/drawing/2014/main" xmlns="" val="4017853280"/>
                     </a:ext>
                   </a:extLst>
                 </a:gridCol>
                 <a:gridCol w="1016000">
                   <a:extLst>
                     <a:ext uri="{9D8B030D-6E8A-4147-A177-3AD203B41FA5}">
-                      <a16:colId xmlns:a16="http://schemas.microsoft.com/office/drawing/2014/main" val="4046979531"/>
+                      <a16:colId xmlns:a16="http://schemas.microsoft.com/office/drawing/2014/main" xmlns="" val="4046979531"/>
                     </a:ext>
                   </a:extLst>
                 </a:gridCol>
                 <a:gridCol w="1016000">
                   <a:extLst>
                     <a:ext uri="{9D8B030D-6E8A-4147-A177-3AD203B41FA5}">
-                      <a16:colId xmlns:a16="http://schemas.microsoft.com/office/drawing/2014/main" val="1236215947"/>
+                      <a16:colId xmlns:a16="http://schemas.microsoft.com/office/drawing/2014/main" xmlns="" val="1236215947"/>
                     </a:ext>
                   </a:extLst>
                 </a:gridCol>
                 <a:gridCol w="1016000">
                   <a:extLst>
                     <a:ext uri="{9D8B030D-6E8A-4147-A177-3AD203B41FA5}">
-                      <a16:colId xmlns:a16="http://schemas.microsoft.com/office/drawing/2014/main" val="3358476489"/>
+                      <a16:colId xmlns:a16="http://schemas.microsoft.com/office/drawing/2014/main" xmlns="" val="3358476489"/>
                     </a:ext>
                   </a:extLst>
                 </a:gridCol>
                 <a:gridCol w="1016000">
                   <a:extLst>
                     <a:ext uri="{9D8B030D-6E8A-4147-A177-3AD203B41FA5}">
-                      <a16:colId xmlns:a16="http://schemas.microsoft.com/office/drawing/2014/main" val="1544053477"/>
+                      <a16:colId xmlns:a16="http://schemas.microsoft.com/office/drawing/2014/main" xmlns="" val="1544053477"/>
                     </a:ext>
                   </a:extLst>
                 </a:gridCol>
@@ -9217,7 +9657,7 @@
                 </a:tc>
                 <a:extLst>
                   <a:ext uri="{0D108BD9-81ED-4DB2-BD59-A6C34878D82A}">
-                    <a16:rowId xmlns:a16="http://schemas.microsoft.com/office/drawing/2014/main" val="2866617908"/>
+                    <a16:rowId xmlns:a16="http://schemas.microsoft.com/office/drawing/2014/main" xmlns="" val="2866617908"/>
                   </a:ext>
                 </a:extLst>
               </a:tr>
@@ -9232,7 +9672,7 @@
               <p:cNvPr id="10" name="文本框 9">
                 <a:extLst>
                   <a:ext uri="{FF2B5EF4-FFF2-40B4-BE49-F238E27FC236}">
-                    <a16:creationId xmlns:a16="http://schemas.microsoft.com/office/drawing/2014/main" id="{296B7145-B712-2440-A166-8D5BDDA90570}"/>
+                    <a16:creationId xmlns:a16="http://schemas.microsoft.com/office/drawing/2014/main" xmlns="" id="{296B7145-B712-2440-A166-8D5BDDA90570}"/>
                   </a:ext>
                 </a:extLst>
               </p:cNvPr>
@@ -9266,7 +9706,7 @@
                         <m:sSubPr>
                           <m:ctrlPr>
                             <a:rPr kumimoji="1" lang="en-US" altLang="zh-CN" sz="2800" b="1" i="1" smtClean="0">
-                              <a:latin typeface="Cambria Math" panose="02040503050406030204" pitchFamily="18" charset="0"/>
+                              <a:latin typeface="Cambria Math" charset="0"/>
                             </a:rPr>
                           </m:ctrlPr>
                         </m:sSubPr>
@@ -9303,7 +9743,7 @@
                         <m:sSubPr>
                           <m:ctrlPr>
                             <a:rPr kumimoji="1" lang="en-US" altLang="zh-CN" sz="2800" b="1" i="1" smtClean="0">
-                              <a:latin typeface="Cambria Math" panose="02040503050406030204" pitchFamily="18" charset="0"/>
+                              <a:latin typeface="Cambria Math" charset="0"/>
                             </a:rPr>
                           </m:ctrlPr>
                         </m:sSubPr>
@@ -9388,7 +9828,7 @@
           <p:cNvPr id="11" name="直线箭头连接符 10">
             <a:extLst>
               <a:ext uri="{FF2B5EF4-FFF2-40B4-BE49-F238E27FC236}">
-                <a16:creationId xmlns:a16="http://schemas.microsoft.com/office/drawing/2014/main" id="{E1DDCB3A-93A3-F947-8936-2FD7D8DCC488}"/>
+                <a16:creationId xmlns:a16="http://schemas.microsoft.com/office/drawing/2014/main" xmlns="" id="{E1DDCB3A-93A3-F947-8936-2FD7D8DCC488}"/>
               </a:ext>
             </a:extLst>
           </p:cNvPr>
@@ -9432,7 +9872,7 @@
           <p:cNvPr id="12" name="直线箭头连接符 11">
             <a:extLst>
               <a:ext uri="{FF2B5EF4-FFF2-40B4-BE49-F238E27FC236}">
-                <a16:creationId xmlns:a16="http://schemas.microsoft.com/office/drawing/2014/main" id="{AB28E39D-46A0-5B49-82B6-E57B9F0DD9FB}"/>
+                <a16:creationId xmlns:a16="http://schemas.microsoft.com/office/drawing/2014/main" xmlns="" id="{AB28E39D-46A0-5B49-82B6-E57B9F0DD9FB}"/>
               </a:ext>
             </a:extLst>
           </p:cNvPr>
@@ -9477,7 +9917,7 @@
           <p:cNvPr id="13" name="直线箭头连接符 12">
             <a:extLst>
               <a:ext uri="{FF2B5EF4-FFF2-40B4-BE49-F238E27FC236}">
-                <a16:creationId xmlns:a16="http://schemas.microsoft.com/office/drawing/2014/main" id="{48149428-2E7B-484E-BD02-0820295C5E2F}"/>
+                <a16:creationId xmlns:a16="http://schemas.microsoft.com/office/drawing/2014/main" xmlns="" id="{48149428-2E7B-484E-BD02-0820295C5E2F}"/>
               </a:ext>
             </a:extLst>
           </p:cNvPr>
@@ -9524,7 +9964,7 @@
               <p:cNvPr id="14" name="文本框 13">
                 <a:extLst>
                   <a:ext uri="{FF2B5EF4-FFF2-40B4-BE49-F238E27FC236}">
-                    <a16:creationId xmlns:a16="http://schemas.microsoft.com/office/drawing/2014/main" id="{A8CB5AC8-59AE-C443-86CD-C750A4B240BC}"/>
+                    <a16:creationId xmlns:a16="http://schemas.microsoft.com/office/drawing/2014/main" xmlns="" id="{A8CB5AC8-59AE-C443-86CD-C750A4B240BC}"/>
                   </a:ext>
                 </a:extLst>
               </p:cNvPr>
@@ -9558,7 +9998,7 @@
                         <m:sSubPr>
                           <m:ctrlPr>
                             <a:rPr kumimoji="1" lang="en-US" altLang="zh-CN" sz="2400" b="1" i="1" smtClean="0">
-                              <a:latin typeface="Cambria Math" panose="02040503050406030204" pitchFamily="18" charset="0"/>
+                              <a:latin typeface="Cambria Math" charset="0"/>
                             </a:rPr>
                           </m:ctrlPr>
                         </m:sSubPr>
@@ -9639,7 +10079,7 @@
               <p:cNvPr id="15" name="文本框 14">
                 <a:extLst>
                   <a:ext uri="{FF2B5EF4-FFF2-40B4-BE49-F238E27FC236}">
-                    <a16:creationId xmlns:a16="http://schemas.microsoft.com/office/drawing/2014/main" id="{BD55B4B9-A03A-684D-8A7E-A30160DD9D94}"/>
+                    <a16:creationId xmlns:a16="http://schemas.microsoft.com/office/drawing/2014/main" xmlns="" id="{BD55B4B9-A03A-684D-8A7E-A30160DD9D94}"/>
                   </a:ext>
                 </a:extLst>
               </p:cNvPr>
@@ -9673,7 +10113,7 @@
                         <m:sSubPr>
                           <m:ctrlPr>
                             <a:rPr kumimoji="1" lang="en-US" altLang="zh-CN" sz="2400" b="1" i="1" smtClean="0">
-                              <a:latin typeface="Cambria Math" panose="02040503050406030204" pitchFamily="18" charset="0"/>
+                              <a:latin typeface="Cambria Math" charset="0"/>
                             </a:rPr>
                           </m:ctrlPr>
                         </m:sSubPr>
@@ -9754,7 +10194,7 @@
               <p:cNvPr id="16" name="文本框 15">
                 <a:extLst>
                   <a:ext uri="{FF2B5EF4-FFF2-40B4-BE49-F238E27FC236}">
-                    <a16:creationId xmlns:a16="http://schemas.microsoft.com/office/drawing/2014/main" id="{8A6A7549-DEB2-C640-8E38-B6182AB03239}"/>
+                    <a16:creationId xmlns:a16="http://schemas.microsoft.com/office/drawing/2014/main" xmlns="" id="{8A6A7549-DEB2-C640-8E38-B6182AB03239}"/>
                   </a:ext>
                 </a:extLst>
               </p:cNvPr>
@@ -9788,7 +10228,7 @@
                         <m:sSubPr>
                           <m:ctrlPr>
                             <a:rPr kumimoji="1" lang="en-US" altLang="zh-CN" sz="2400" b="1" i="1" smtClean="0">
-                              <a:latin typeface="Cambria Math" panose="02040503050406030204" pitchFamily="18" charset="0"/>
+                              <a:latin typeface="Cambria Math" charset="0"/>
                             </a:rPr>
                           </m:ctrlPr>
                         </m:sSubPr>
@@ -9953,7 +10393,7 @@
                         <m:sSubPr>
                           <m:ctrlPr>
                             <a:rPr kumimoji="1" lang="en-US" altLang="zh-CN" sz="2400" b="1" i="1" smtClean="0">
-                              <a:latin typeface="Cambria Math" panose="02040503050406030204" pitchFamily="18" charset="0"/>
+                              <a:latin typeface="Cambria Math" charset="0"/>
                             </a:rPr>
                           </m:ctrlPr>
                         </m:sSubPr>
@@ -9962,7 +10402,7 @@
                             <m:sSubPr>
                               <m:ctrlPr>
                                 <a:rPr kumimoji="1" lang="en-US" altLang="zh-CN" sz="2400" b="1" i="1" smtClean="0">
-                                  <a:latin typeface="Cambria Math" panose="02040503050406030204" pitchFamily="18" charset="0"/>
+                                  <a:latin typeface="Cambria Math" charset="0"/>
                                 </a:rPr>
                               </m:ctrlPr>
                             </m:sSubPr>
@@ -10099,7 +10539,7 @@
                         <m:sSubPr>
                           <m:ctrlPr>
                             <a:rPr kumimoji="1" lang="en-US" altLang="zh-CN" sz="2400" b="1" i="1" smtClean="0">
-                              <a:latin typeface="Cambria Math" panose="02040503050406030204" pitchFamily="18" charset="0"/>
+                              <a:latin typeface="Cambria Math" charset="0"/>
                             </a:rPr>
                           </m:ctrlPr>
                         </m:sSubPr>
@@ -10108,7 +10548,7 @@
                             <m:sSubPr>
                               <m:ctrlPr>
                                 <a:rPr kumimoji="1" lang="en-US" altLang="zh-CN" sz="2400" b="1" i="1" smtClean="0">
-                                  <a:latin typeface="Cambria Math" panose="02040503050406030204" pitchFamily="18" charset="0"/>
+                                  <a:latin typeface="Cambria Math" charset="0"/>
                                 </a:rPr>
                               </m:ctrlPr>
                             </m:sSubPr>
@@ -10251,7 +10691,7 @@
                         <m:dPr>
                           <m:ctrlPr>
                             <a:rPr kumimoji="1" lang="en-US" altLang="zh-CN" sz="3600" i="1" smtClean="0">
-                              <a:latin typeface="Cambria Math" panose="02040503050406030204" pitchFamily="18" charset="0"/>
+                              <a:latin typeface="Cambria Math" charset="0"/>
                             </a:rPr>
                           </m:ctrlPr>
                         </m:dPr>
@@ -10260,7 +10700,7 @@
                             <m:sSupPr>
                               <m:ctrlPr>
                                 <a:rPr kumimoji="1" lang="en-US" altLang="zh-CN" sz="3200" i="1">
-                                  <a:latin typeface="Cambria Math" panose="02040503050406030204" pitchFamily="18" charset="0"/>
+                                  <a:latin typeface="Cambria Math" charset="0"/>
                                 </a:rPr>
                               </m:ctrlPr>
                             </m:sSupPr>
@@ -10297,7 +10737,7 @@
                             <m:sSupPr>
                               <m:ctrlPr>
                                 <a:rPr kumimoji="1" lang="en-US" altLang="zh-CN" sz="3200" i="1">
-                                  <a:latin typeface="Cambria Math" panose="02040503050406030204" pitchFamily="18" charset="0"/>
+                                  <a:latin typeface="Cambria Math" charset="0"/>
                                 </a:rPr>
                               </m:ctrlPr>
                             </m:sSupPr>
@@ -10341,7 +10781,7 @@
                             <m:sSubPr>
                               <m:ctrlPr>
                                 <a:rPr kumimoji="1" lang="en-US" altLang="zh-CN" sz="3200" i="1" dirty="0" smtClean="0">
-                                  <a:latin typeface="Cambria Math" panose="02040503050406030204" pitchFamily="18" charset="0"/>
+                                  <a:latin typeface="Cambria Math" charset="0"/>
                                 </a:rPr>
                               </m:ctrlPr>
                             </m:sSubPr>
@@ -10372,7 +10812,7 @@
                             <m:fPr>
                               <m:ctrlPr>
                                 <a:rPr kumimoji="1" lang="bg-BG" altLang="zh-CN" sz="3200" i="1" dirty="0" smtClean="0">
-                                  <a:latin typeface="Cambria Math" panose="02040503050406030204" pitchFamily="18" charset="0"/>
+                                  <a:latin typeface="Cambria Math" charset="0"/>
                                 </a:rPr>
                               </m:ctrlPr>
                             </m:fPr>
@@ -10381,7 +10821,7 @@
                                 <m:sSubPr>
                                   <m:ctrlPr>
                                     <a:rPr kumimoji="1" lang="en-US" altLang="zh-CN" sz="3200" i="1" dirty="0" smtClean="0">
-                                      <a:latin typeface="Cambria Math" panose="02040503050406030204" pitchFamily="18" charset="0"/>
+                                      <a:latin typeface="Cambria Math" charset="0"/>
                                     </a:rPr>
                                   </m:ctrlPr>
                                 </m:sSubPr>
@@ -10408,7 +10848,7 @@
                                 <m:sSubPr>
                                   <m:ctrlPr>
                                     <a:rPr kumimoji="1" lang="en-US" altLang="zh-CN" sz="3200" i="1" dirty="0" smtClean="0">
-                                      <a:latin typeface="Cambria Math" panose="02040503050406030204" pitchFamily="18" charset="0"/>
+                                      <a:latin typeface="Cambria Math" charset="0"/>
                                     </a:rPr>
                                   </m:ctrlPr>
                                 </m:sSubPr>
@@ -10455,7 +10895,7 @@
                         <m:sSubPr>
                           <m:ctrlPr>
                             <a:rPr kumimoji="1" lang="en-US" altLang="zh-CN" sz="3600" i="1" smtClean="0">
-                              <a:latin typeface="Cambria Math" panose="02040503050406030204" pitchFamily="18" charset="0"/>
+                              <a:latin typeface="Cambria Math" charset="0"/>
                             </a:rPr>
                           </m:ctrlPr>
                         </m:sSubPr>
@@ -10528,7 +10968,7 @@
           <p:cNvPr id="15" name="直线箭头连接符 14">
             <a:extLst>
               <a:ext uri="{FF2B5EF4-FFF2-40B4-BE49-F238E27FC236}">
-                <a16:creationId xmlns:a16="http://schemas.microsoft.com/office/drawing/2014/main" id="{E1DDCB3A-93A3-F947-8936-2FD7D8DCC488}"/>
+                <a16:creationId xmlns:a16="http://schemas.microsoft.com/office/drawing/2014/main" xmlns="" id="{E1DDCB3A-93A3-F947-8936-2FD7D8DCC488}"/>
               </a:ext>
             </a:extLst>
           </p:cNvPr>
@@ -10669,7 +11109,7 @@
                         <m:sSubPr>
                           <m:ctrlPr>
                             <a:rPr kumimoji="1" lang="en-US" altLang="zh-CN" sz="2400" b="1" i="1" smtClean="0">
-                              <a:latin typeface="Cambria Math" panose="02040503050406030204" pitchFamily="18" charset="0"/>
+                              <a:latin typeface="Cambria Math" charset="0"/>
                             </a:rPr>
                           </m:ctrlPr>
                         </m:sSubPr>
@@ -10771,7 +11211,7 @@
                         <m:sSubPr>
                           <m:ctrlPr>
                             <a:rPr kumimoji="1" lang="en-US" altLang="zh-CN" sz="2400" b="1" i="1" smtClean="0">
-                              <a:latin typeface="Cambria Math" panose="02040503050406030204" pitchFamily="18" charset="0"/>
+                              <a:latin typeface="Cambria Math" charset="0"/>
                             </a:rPr>
                           </m:ctrlPr>
                         </m:sSubPr>
@@ -10874,7 +11314,7 @@
                         <m:sSupPr>
                           <m:ctrlPr>
                             <a:rPr kumimoji="1" lang="en-US" altLang="zh-CN" sz="2400" b="1" i="1" smtClean="0">
-                              <a:latin typeface="Cambria Math" panose="02040503050406030204" pitchFamily="18" charset="0"/>
+                              <a:latin typeface="Cambria Math" charset="0"/>
                             </a:rPr>
                           </m:ctrlPr>
                         </m:sSupPr>
@@ -10911,7 +11351,7 @@
                         <m:sSupPr>
                           <m:ctrlPr>
                             <a:rPr kumimoji="1" lang="en-US" altLang="zh-CN" sz="2400" b="1" i="1" smtClean="0">
-                              <a:latin typeface="Cambria Math" panose="02040503050406030204" pitchFamily="18" charset="0"/>
+                              <a:latin typeface="Cambria Math" charset="0"/>
                             </a:rPr>
                           </m:ctrlPr>
                         </m:sSupPr>
@@ -11026,7 +11466,7 @@
                         <m:dPr>
                           <m:ctrlPr>
                             <a:rPr kumimoji="1" lang="en-US" altLang="zh-CN" sz="3600" i="1" smtClean="0">
-                              <a:latin typeface="Cambria Math" panose="02040503050406030204" pitchFamily="18" charset="0"/>
+                              <a:latin typeface="Cambria Math" charset="0"/>
                             </a:rPr>
                           </m:ctrlPr>
                         </m:dPr>
@@ -11035,7 +11475,7 @@
                             <m:sSupPr>
                               <m:ctrlPr>
                                 <a:rPr kumimoji="1" lang="en-US" altLang="zh-CN" sz="3200" i="1">
-                                  <a:latin typeface="Cambria Math" panose="02040503050406030204" pitchFamily="18" charset="0"/>
+                                  <a:latin typeface="Cambria Math" charset="0"/>
                                 </a:rPr>
                               </m:ctrlPr>
                             </m:sSupPr>
@@ -11072,7 +11512,7 @@
                             <m:sSupPr>
                               <m:ctrlPr>
                                 <a:rPr kumimoji="1" lang="en-US" altLang="zh-CN" sz="3200" i="1">
-                                  <a:latin typeface="Cambria Math" panose="02040503050406030204" pitchFamily="18" charset="0"/>
+                                  <a:latin typeface="Cambria Math" charset="0"/>
                                 </a:rPr>
                               </m:ctrlPr>
                             </m:sSupPr>
@@ -11116,7 +11556,7 @@
                             <m:sSubPr>
                               <m:ctrlPr>
                                 <a:rPr kumimoji="1" lang="en-US" altLang="zh-CN" sz="3200" i="1" dirty="0" smtClean="0">
-                                  <a:latin typeface="Cambria Math" panose="02040503050406030204" pitchFamily="18" charset="0"/>
+                                  <a:latin typeface="Cambria Math" charset="0"/>
                                 </a:rPr>
                               </m:ctrlPr>
                             </m:sSubPr>
@@ -11147,7 +11587,7 @@
                             <m:fPr>
                               <m:ctrlPr>
                                 <a:rPr kumimoji="1" lang="bg-BG" altLang="zh-CN" sz="3200" i="1" dirty="0" smtClean="0">
-                                  <a:latin typeface="Cambria Math" panose="02040503050406030204" pitchFamily="18" charset="0"/>
+                                  <a:latin typeface="Cambria Math" charset="0"/>
                                 </a:rPr>
                               </m:ctrlPr>
                             </m:fPr>
@@ -11156,7 +11596,7 @@
                                 <m:sSubPr>
                                   <m:ctrlPr>
                                     <a:rPr kumimoji="1" lang="en-US" altLang="zh-CN" sz="3200" i="1" dirty="0" smtClean="0">
-                                      <a:latin typeface="Cambria Math" panose="02040503050406030204" pitchFamily="18" charset="0"/>
+                                      <a:latin typeface="Cambria Math" charset="0"/>
                                     </a:rPr>
                                   </m:ctrlPr>
                                 </m:sSubPr>
@@ -11183,7 +11623,7 @@
                                 <m:sSubPr>
                                   <m:ctrlPr>
                                     <a:rPr kumimoji="1" lang="en-US" altLang="zh-CN" sz="3200" i="1" dirty="0" smtClean="0">
-                                      <a:latin typeface="Cambria Math" panose="02040503050406030204" pitchFamily="18" charset="0"/>
+                                      <a:latin typeface="Cambria Math" charset="0"/>
                                     </a:rPr>
                                   </m:ctrlPr>
                                 </m:sSubPr>
@@ -11230,7 +11670,7 @@
                         <m:sSubPr>
                           <m:ctrlPr>
                             <a:rPr kumimoji="1" lang="en-US" altLang="zh-CN" sz="3600" i="1" smtClean="0">
-                              <a:latin typeface="Cambria Math" panose="02040503050406030204" pitchFamily="18" charset="0"/>
+                              <a:latin typeface="Cambria Math" charset="0"/>
                             </a:rPr>
                           </m:ctrlPr>
                         </m:sSubPr>
@@ -11389,7 +11829,7 @@
                         <m:funcPr>
                           <m:ctrlPr>
                             <a:rPr kumimoji="1" lang="mr-IN" altLang="zh-CN" sz="2800" i="1" smtClean="0">
-                              <a:latin typeface="Cambria Math" panose="02040503050406030204" pitchFamily="18" charset="0"/>
+                              <a:latin typeface="Cambria Math" charset="0"/>
                             </a:rPr>
                           </m:ctrlPr>
                         </m:funcPr>
@@ -11398,7 +11838,7 @@
                             <m:limLowPr>
                               <m:ctrlPr>
                                 <a:rPr kumimoji="1" lang="mr-IN" altLang="zh-CN" sz="2800" i="1" smtClean="0">
-                                  <a:latin typeface="Cambria Math" panose="02040503050406030204" pitchFamily="18" charset="0"/>
+                                  <a:latin typeface="Cambria Math" charset="0"/>
                                 </a:rPr>
                               </m:ctrlPr>
                             </m:limLowPr>
@@ -11418,7 +11858,7 @@
                                 <m:sSubPr>
                                   <m:ctrlPr>
                                     <a:rPr kumimoji="1" lang="en-US" altLang="zh-CN" sz="2800" b="0" i="1" smtClean="0">
-                                      <a:latin typeface="Cambria Math" panose="02040503050406030204" pitchFamily="18" charset="0"/>
+                                      <a:latin typeface="Cambria Math" charset="0"/>
                                     </a:rPr>
                                   </m:ctrlPr>
                                 </m:sSubPr>
@@ -11449,7 +11889,7 @@
                               <m:supHide m:val="on"/>
                               <m:ctrlPr>
                                 <a:rPr kumimoji="1" lang="mr-IN" altLang="zh-CN" sz="2800" i="1" smtClean="0">
-                                  <a:latin typeface="Cambria Math" panose="02040503050406030204" pitchFamily="18" charset="0"/>
+                                  <a:latin typeface="Cambria Math" charset="0"/>
                                 </a:rPr>
                               </m:ctrlPr>
                             </m:naryPr>
@@ -11483,7 +11923,7 @@
                                   <m:chr m:val="̂"/>
                                   <m:ctrlPr>
                                     <a:rPr kumimoji="1" lang="en-US" altLang="zh-CN" sz="2800" i="1">
-                                      <a:latin typeface="Cambria Math" panose="02040503050406030204" pitchFamily="18" charset="0"/>
+                                      <a:latin typeface="Cambria Math" charset="0"/>
                                     </a:rPr>
                                   </m:ctrlPr>
                                 </m:accPr>
@@ -11492,7 +11932,7 @@
                                     <m:sSubPr>
                                       <m:ctrlPr>
                                         <a:rPr kumimoji="1" lang="en-US" altLang="zh-CN" sz="2800" i="1">
-                                          <a:latin typeface="Cambria Math" panose="02040503050406030204" pitchFamily="18" charset="0"/>
+                                          <a:latin typeface="Cambria Math" charset="0"/>
                                         </a:rPr>
                                       </m:ctrlPr>
                                     </m:sSubPr>
@@ -11609,7 +12049,7 @@
                           <m:supHide m:val="on"/>
                           <m:ctrlPr>
                             <a:rPr kumimoji="1" lang="en-US" altLang="zh-CN" sz="2800" i="1" smtClean="0">
-                              <a:latin typeface="Cambria Math" panose="02040503050406030204" pitchFamily="18" charset="0"/>
+                              <a:latin typeface="Cambria Math" charset="0"/>
                             </a:rPr>
                           </m:ctrlPr>
                         </m:naryPr>
@@ -11630,7 +12070,7 @@
                             <m:sSubPr>
                               <m:ctrlPr>
                                 <a:rPr kumimoji="1" lang="en-US" altLang="zh-CN" sz="2800" b="0" i="1" smtClean="0">
-                                  <a:latin typeface="Cambria Math" panose="02040503050406030204" pitchFamily="18" charset="0"/>
+                                  <a:latin typeface="Cambria Math" charset="0"/>
                                 </a:rPr>
                               </m:ctrlPr>
                             </m:sSubPr>
@@ -11741,7 +12181,7 @@
                         <m:sSubPr>
                           <m:ctrlPr>
                             <a:rPr kumimoji="1" lang="en-US" altLang="zh-CN" sz="2800" b="0" i="1" smtClean="0">
-                              <a:latin typeface="Cambria Math" panose="02040503050406030204" pitchFamily="18" charset="0"/>
+                              <a:latin typeface="Cambria Math" charset="0"/>
                             </a:rPr>
                           </m:ctrlPr>
                         </m:sSubPr>
@@ -11772,7 +12212,7 @@
                         <m:fPr>
                           <m:ctrlPr>
                             <a:rPr kumimoji="1" lang="bg-BG" altLang="zh-CN" sz="2800" b="0" i="1" smtClean="0">
-                              <a:latin typeface="Cambria Math" panose="02040503050406030204" pitchFamily="18" charset="0"/>
+                              <a:latin typeface="Cambria Math" charset="0"/>
                             </a:rPr>
                           </m:ctrlPr>
                         </m:fPr>
@@ -11781,7 +12221,7 @@
                             <m:sSubPr>
                               <m:ctrlPr>
                                 <a:rPr kumimoji="1" lang="en-US" altLang="zh-CN" sz="2800" b="0" i="1" smtClean="0">
-                                  <a:latin typeface="Cambria Math" panose="02040503050406030204" pitchFamily="18" charset="0"/>
+                                  <a:latin typeface="Cambria Math" charset="0"/>
                                 </a:rPr>
                               </m:ctrlPr>
                             </m:sSubPr>
@@ -11808,7 +12248,7 @@
                             <m:sSubPr>
                               <m:ctrlPr>
                                 <a:rPr kumimoji="1" lang="en-US" altLang="zh-CN" sz="2800" b="0" i="1" smtClean="0">
-                                  <a:latin typeface="Cambria Math" panose="02040503050406030204" pitchFamily="18" charset="0"/>
+                                  <a:latin typeface="Cambria Math" charset="0"/>
                                 </a:rPr>
                               </m:ctrlPr>
                             </m:sSubPr>
@@ -11839,7 +12279,7 @@
                             <m:sSubPr>
                               <m:ctrlPr>
                                 <a:rPr kumimoji="1" lang="en-US" altLang="zh-CN" sz="2800" b="0" i="1" smtClean="0">
-                                  <a:latin typeface="Cambria Math" panose="02040503050406030204" pitchFamily="18" charset="0"/>
+                                  <a:latin typeface="Cambria Math" charset="0"/>
                                 </a:rPr>
                               </m:ctrlPr>
                             </m:sSubPr>
@@ -11944,7 +12384,7 @@
                         <m:sSupPr>
                           <m:ctrlPr>
                             <a:rPr kumimoji="1" lang="en-US" altLang="zh-CN" sz="2800" b="0" i="1" smtClean="0">
-                              <a:latin typeface="Cambria Math" panose="02040503050406030204" pitchFamily="18" charset="0"/>
+                              <a:latin typeface="Cambria Math" charset="0"/>
                             </a:rPr>
                           </m:ctrlPr>
                         </m:sSupPr>
@@ -11975,7 +12415,7 @@
                         <m:sSubPr>
                           <m:ctrlPr>
                             <a:rPr kumimoji="1" lang="en-US" altLang="zh-CN" sz="2800" b="0" i="1" smtClean="0">
-                              <a:latin typeface="Cambria Math" panose="02040503050406030204" pitchFamily="18" charset="0"/>
+                              <a:latin typeface="Cambria Math" charset="0"/>
                             </a:rPr>
                           </m:ctrlPr>
                         </m:sSubPr>
@@ -12006,7 +12446,7 @@
                         <m:sSubPr>
                           <m:ctrlPr>
                             <a:rPr kumimoji="1" lang="en-US" altLang="zh-CN" sz="2800" b="0" i="1" smtClean="0">
-                              <a:latin typeface="Cambria Math" panose="02040503050406030204" pitchFamily="18" charset="0"/>
+                              <a:latin typeface="Cambria Math" charset="0"/>
                             </a:rPr>
                           </m:ctrlPr>
                         </m:sSubPr>
@@ -12155,7 +12595,7 @@
           <p:cNvPr id="2" name="标题 1">
             <a:extLst>
               <a:ext uri="{FF2B5EF4-FFF2-40B4-BE49-F238E27FC236}">
-                <a16:creationId xmlns:a16="http://schemas.microsoft.com/office/drawing/2014/main" id="{C059EDCB-DC67-1745-AF88-B526D92C8C6A}"/>
+                <a16:creationId xmlns:a16="http://schemas.microsoft.com/office/drawing/2014/main" xmlns="" id="{C059EDCB-DC67-1745-AF88-B526D92C8C6A}"/>
               </a:ext>
             </a:extLst>
           </p:cNvPr>
@@ -12190,7 +12630,7 @@
           <p:cNvPr id="9" name="组合 8">
             <a:extLst>
               <a:ext uri="{FF2B5EF4-FFF2-40B4-BE49-F238E27FC236}">
-                <a16:creationId xmlns:a16="http://schemas.microsoft.com/office/drawing/2014/main" id="{D910C096-B1EA-2240-B136-E099017B1EA2}"/>
+                <a16:creationId xmlns:a16="http://schemas.microsoft.com/office/drawing/2014/main" xmlns="" id="{D910C096-B1EA-2240-B136-E099017B1EA2}"/>
               </a:ext>
             </a:extLst>
           </p:cNvPr>
@@ -12210,7 +12650,7 @@
             <p:cNvPr id="7" name="椭圆 6">
               <a:extLst>
                 <a:ext uri="{FF2B5EF4-FFF2-40B4-BE49-F238E27FC236}">
-                  <a16:creationId xmlns:a16="http://schemas.microsoft.com/office/drawing/2014/main" id="{5E44900A-AB87-AE4A-99AA-73285E49B958}"/>
+                  <a16:creationId xmlns:a16="http://schemas.microsoft.com/office/drawing/2014/main" xmlns="" id="{5E44900A-AB87-AE4A-99AA-73285E49B958}"/>
                 </a:ext>
               </a:extLst>
             </p:cNvPr>
@@ -12264,7 +12704,7 @@
                 <p:cNvPr id="8" name="文本框 7">
                   <a:extLst>
                     <a:ext uri="{FF2B5EF4-FFF2-40B4-BE49-F238E27FC236}">
-                      <a16:creationId xmlns:a16="http://schemas.microsoft.com/office/drawing/2014/main" id="{296B7145-B712-2440-A166-8D5BDDA90570}"/>
+                      <a16:creationId xmlns:a16="http://schemas.microsoft.com/office/drawing/2014/main" xmlns="" id="{296B7145-B712-2440-A166-8D5BDDA90570}"/>
                     </a:ext>
                   </a:extLst>
                 </p:cNvPr>
@@ -12298,7 +12738,7 @@
                           <m:sSubPr>
                             <m:ctrlPr>
                               <a:rPr kumimoji="1" lang="en-US" altLang="zh-CN" sz="2400" b="1" i="1" smtClean="0">
-                                <a:latin typeface="Cambria Math" panose="02040503050406030204" pitchFamily="18" charset="0"/>
+                                <a:latin typeface="Cambria Math" charset="0"/>
                               </a:rPr>
                             </m:ctrlPr>
                           </m:sSubPr>
@@ -12378,7 +12818,7 @@
           <p:cNvPr id="11" name="直线箭头连接符 10">
             <a:extLst>
               <a:ext uri="{FF2B5EF4-FFF2-40B4-BE49-F238E27FC236}">
-                <a16:creationId xmlns:a16="http://schemas.microsoft.com/office/drawing/2014/main" id="{E1DDCB3A-93A3-F947-8936-2FD7D8DCC488}"/>
+                <a16:creationId xmlns:a16="http://schemas.microsoft.com/office/drawing/2014/main" xmlns="" id="{E1DDCB3A-93A3-F947-8936-2FD7D8DCC488}"/>
               </a:ext>
             </a:extLst>
           </p:cNvPr>
@@ -12422,7 +12862,7 @@
           <p:cNvPr id="12" name="直线箭头连接符 11">
             <a:extLst>
               <a:ext uri="{FF2B5EF4-FFF2-40B4-BE49-F238E27FC236}">
-                <a16:creationId xmlns:a16="http://schemas.microsoft.com/office/drawing/2014/main" id="{AB28E39D-46A0-5B49-82B6-E57B9F0DD9FB}"/>
+                <a16:creationId xmlns:a16="http://schemas.microsoft.com/office/drawing/2014/main" xmlns="" id="{AB28E39D-46A0-5B49-82B6-E57B9F0DD9FB}"/>
               </a:ext>
             </a:extLst>
           </p:cNvPr>
@@ -12467,7 +12907,7 @@
           <p:cNvPr id="15" name="直线箭头连接符 14">
             <a:extLst>
               <a:ext uri="{FF2B5EF4-FFF2-40B4-BE49-F238E27FC236}">
-                <a16:creationId xmlns:a16="http://schemas.microsoft.com/office/drawing/2014/main" id="{48149428-2E7B-484E-BD02-0820295C5E2F}"/>
+                <a16:creationId xmlns:a16="http://schemas.microsoft.com/office/drawing/2014/main" xmlns="" id="{48149428-2E7B-484E-BD02-0820295C5E2F}"/>
               </a:ext>
             </a:extLst>
           </p:cNvPr>
@@ -12514,7 +12954,7 @@
               <p:cNvPr id="18" name="文本框 17">
                 <a:extLst>
                   <a:ext uri="{FF2B5EF4-FFF2-40B4-BE49-F238E27FC236}">
-                    <a16:creationId xmlns:a16="http://schemas.microsoft.com/office/drawing/2014/main" id="{A8CB5AC8-59AE-C443-86CD-C750A4B240BC}"/>
+                    <a16:creationId xmlns:a16="http://schemas.microsoft.com/office/drawing/2014/main" xmlns="" id="{A8CB5AC8-59AE-C443-86CD-C750A4B240BC}"/>
                   </a:ext>
                 </a:extLst>
               </p:cNvPr>
@@ -12548,7 +12988,7 @@
                         <m:sSubPr>
                           <m:ctrlPr>
                             <a:rPr kumimoji="1" lang="en-US" altLang="zh-CN" sz="2400" b="1" i="1" smtClean="0">
-                              <a:latin typeface="Cambria Math" panose="02040503050406030204" pitchFamily="18" charset="0"/>
+                              <a:latin typeface="Cambria Math" charset="0"/>
                             </a:rPr>
                           </m:ctrlPr>
                         </m:sSubPr>
@@ -12629,7 +13069,7 @@
               <p:cNvPr id="19" name="文本框 18">
                 <a:extLst>
                   <a:ext uri="{FF2B5EF4-FFF2-40B4-BE49-F238E27FC236}">
-                    <a16:creationId xmlns:a16="http://schemas.microsoft.com/office/drawing/2014/main" id="{BD55B4B9-A03A-684D-8A7E-A30160DD9D94}"/>
+                    <a16:creationId xmlns:a16="http://schemas.microsoft.com/office/drawing/2014/main" xmlns="" id="{BD55B4B9-A03A-684D-8A7E-A30160DD9D94}"/>
                   </a:ext>
                 </a:extLst>
               </p:cNvPr>
@@ -12663,7 +13103,7 @@
                         <m:sSubPr>
                           <m:ctrlPr>
                             <a:rPr kumimoji="1" lang="en-US" altLang="zh-CN" sz="2400" b="1" i="1" smtClean="0">
-                              <a:latin typeface="Cambria Math" panose="02040503050406030204" pitchFamily="18" charset="0"/>
+                              <a:latin typeface="Cambria Math" charset="0"/>
                             </a:rPr>
                           </m:ctrlPr>
                         </m:sSubPr>
@@ -12744,7 +13184,7 @@
               <p:cNvPr id="20" name="文本框 19">
                 <a:extLst>
                   <a:ext uri="{FF2B5EF4-FFF2-40B4-BE49-F238E27FC236}">
-                    <a16:creationId xmlns:a16="http://schemas.microsoft.com/office/drawing/2014/main" id="{8A6A7549-DEB2-C640-8E38-B6182AB03239}"/>
+                    <a16:creationId xmlns:a16="http://schemas.microsoft.com/office/drawing/2014/main" xmlns="" id="{8A6A7549-DEB2-C640-8E38-B6182AB03239}"/>
                   </a:ext>
                 </a:extLst>
               </p:cNvPr>
@@ -12778,7 +13218,7 @@
                         <m:sSubPr>
                           <m:ctrlPr>
                             <a:rPr kumimoji="1" lang="en-US" altLang="zh-CN" sz="2400" b="1" i="1" smtClean="0">
-                              <a:latin typeface="Cambria Math" panose="02040503050406030204" pitchFamily="18" charset="0"/>
+                              <a:latin typeface="Cambria Math" charset="0"/>
                             </a:rPr>
                           </m:ctrlPr>
                         </m:sSubPr>
@@ -12857,7 +13297,7 @@
           <p:cNvPr id="22" name="表格 21">
             <a:extLst>
               <a:ext uri="{FF2B5EF4-FFF2-40B4-BE49-F238E27FC236}">
-                <a16:creationId xmlns:a16="http://schemas.microsoft.com/office/drawing/2014/main" id="{A5BC4791-7FDA-154B-B84C-640757DB2A30}"/>
+                <a16:creationId xmlns:a16="http://schemas.microsoft.com/office/drawing/2014/main" xmlns="" id="{A5BC4791-7FDA-154B-B84C-640757DB2A30}"/>
               </a:ext>
             </a:extLst>
           </p:cNvPr>
@@ -12886,56 +13326,56 @@
                 <a:gridCol w="1016000">
                   <a:extLst>
                     <a:ext uri="{9D8B030D-6E8A-4147-A177-3AD203B41FA5}">
-                      <a16:colId xmlns:a16="http://schemas.microsoft.com/office/drawing/2014/main" val="2919921209"/>
+                      <a16:colId xmlns:a16="http://schemas.microsoft.com/office/drawing/2014/main" xmlns="" val="2919921209"/>
                     </a:ext>
                   </a:extLst>
                 </a:gridCol>
                 <a:gridCol w="1016000">
                   <a:extLst>
                     <a:ext uri="{9D8B030D-6E8A-4147-A177-3AD203B41FA5}">
-                      <a16:colId xmlns:a16="http://schemas.microsoft.com/office/drawing/2014/main" val="1274578498"/>
+                      <a16:colId xmlns:a16="http://schemas.microsoft.com/office/drawing/2014/main" xmlns="" val="1274578498"/>
                     </a:ext>
                   </a:extLst>
                 </a:gridCol>
                 <a:gridCol w="1016000">
                   <a:extLst>
                     <a:ext uri="{9D8B030D-6E8A-4147-A177-3AD203B41FA5}">
-                      <a16:colId xmlns:a16="http://schemas.microsoft.com/office/drawing/2014/main" val="2473859656"/>
+                      <a16:colId xmlns:a16="http://schemas.microsoft.com/office/drawing/2014/main" xmlns="" val="2473859656"/>
                     </a:ext>
                   </a:extLst>
                 </a:gridCol>
                 <a:gridCol w="1016000">
                   <a:extLst>
                     <a:ext uri="{9D8B030D-6E8A-4147-A177-3AD203B41FA5}">
-                      <a16:colId xmlns:a16="http://schemas.microsoft.com/office/drawing/2014/main" val="4017853280"/>
+                      <a16:colId xmlns:a16="http://schemas.microsoft.com/office/drawing/2014/main" xmlns="" val="4017853280"/>
                     </a:ext>
                   </a:extLst>
                 </a:gridCol>
                 <a:gridCol w="1016000">
                   <a:extLst>
                     <a:ext uri="{9D8B030D-6E8A-4147-A177-3AD203B41FA5}">
-                      <a16:colId xmlns:a16="http://schemas.microsoft.com/office/drawing/2014/main" val="4046979531"/>
+                      <a16:colId xmlns:a16="http://schemas.microsoft.com/office/drawing/2014/main" xmlns="" val="4046979531"/>
                     </a:ext>
                   </a:extLst>
                 </a:gridCol>
                 <a:gridCol w="1016000">
                   <a:extLst>
                     <a:ext uri="{9D8B030D-6E8A-4147-A177-3AD203B41FA5}">
-                      <a16:colId xmlns:a16="http://schemas.microsoft.com/office/drawing/2014/main" val="1236215947"/>
+                      <a16:colId xmlns:a16="http://schemas.microsoft.com/office/drawing/2014/main" xmlns="" val="1236215947"/>
                     </a:ext>
                   </a:extLst>
                 </a:gridCol>
                 <a:gridCol w="1016000">
                   <a:extLst>
                     <a:ext uri="{9D8B030D-6E8A-4147-A177-3AD203B41FA5}">
-                      <a16:colId xmlns:a16="http://schemas.microsoft.com/office/drawing/2014/main" val="3358476489"/>
+                      <a16:colId xmlns:a16="http://schemas.microsoft.com/office/drawing/2014/main" xmlns="" val="3358476489"/>
                     </a:ext>
                   </a:extLst>
                 </a:gridCol>
                 <a:gridCol w="1016000">
                   <a:extLst>
                     <a:ext uri="{9D8B030D-6E8A-4147-A177-3AD203B41FA5}">
-                      <a16:colId xmlns:a16="http://schemas.microsoft.com/office/drawing/2014/main" val="1544053477"/>
+                      <a16:colId xmlns:a16="http://schemas.microsoft.com/office/drawing/2014/main" xmlns="" val="1544053477"/>
                     </a:ext>
                   </a:extLst>
                 </a:gridCol>
@@ -13395,7 +13835,7 @@
                 </a:tc>
                 <a:extLst>
                   <a:ext uri="{0D108BD9-81ED-4DB2-BD59-A6C34878D82A}">
-                    <a16:rowId xmlns:a16="http://schemas.microsoft.com/office/drawing/2014/main" val="2866617908"/>
+                    <a16:rowId xmlns:a16="http://schemas.microsoft.com/office/drawing/2014/main" xmlns="" val="2866617908"/>
                   </a:ext>
                 </a:extLst>
               </a:tr>
@@ -13408,7 +13848,7 @@
           <p:cNvPr id="25" name="表格 24">
             <a:extLst>
               <a:ext uri="{FF2B5EF4-FFF2-40B4-BE49-F238E27FC236}">
-                <a16:creationId xmlns:a16="http://schemas.microsoft.com/office/drawing/2014/main" id="{5A134B61-04E4-4B41-A5FB-A6F3E458B147}"/>
+                <a16:creationId xmlns:a16="http://schemas.microsoft.com/office/drawing/2014/main" xmlns="" id="{5A134B61-04E4-4B41-A5FB-A6F3E458B147}"/>
               </a:ext>
             </a:extLst>
           </p:cNvPr>
@@ -13437,56 +13877,56 @@
                 <a:gridCol w="1016000">
                   <a:extLst>
                     <a:ext uri="{9D8B030D-6E8A-4147-A177-3AD203B41FA5}">
-                      <a16:colId xmlns:a16="http://schemas.microsoft.com/office/drawing/2014/main" val="2919921209"/>
+                      <a16:colId xmlns:a16="http://schemas.microsoft.com/office/drawing/2014/main" xmlns="" val="2919921209"/>
                     </a:ext>
                   </a:extLst>
                 </a:gridCol>
                 <a:gridCol w="1016000">
                   <a:extLst>
                     <a:ext uri="{9D8B030D-6E8A-4147-A177-3AD203B41FA5}">
-                      <a16:colId xmlns:a16="http://schemas.microsoft.com/office/drawing/2014/main" val="1274578498"/>
+                      <a16:colId xmlns:a16="http://schemas.microsoft.com/office/drawing/2014/main" xmlns="" val="1274578498"/>
                     </a:ext>
                   </a:extLst>
                 </a:gridCol>
                 <a:gridCol w="1016000">
                   <a:extLst>
                     <a:ext uri="{9D8B030D-6E8A-4147-A177-3AD203B41FA5}">
-                      <a16:colId xmlns:a16="http://schemas.microsoft.com/office/drawing/2014/main" val="2473859656"/>
+                      <a16:colId xmlns:a16="http://schemas.microsoft.com/office/drawing/2014/main" xmlns="" val="2473859656"/>
                     </a:ext>
                   </a:extLst>
                 </a:gridCol>
                 <a:gridCol w="1016000">
                   <a:extLst>
                     <a:ext uri="{9D8B030D-6E8A-4147-A177-3AD203B41FA5}">
-                      <a16:colId xmlns:a16="http://schemas.microsoft.com/office/drawing/2014/main" val="4017853280"/>
+                      <a16:colId xmlns:a16="http://schemas.microsoft.com/office/drawing/2014/main" xmlns="" val="4017853280"/>
                     </a:ext>
                   </a:extLst>
                 </a:gridCol>
                 <a:gridCol w="1016000">
                   <a:extLst>
                     <a:ext uri="{9D8B030D-6E8A-4147-A177-3AD203B41FA5}">
-                      <a16:colId xmlns:a16="http://schemas.microsoft.com/office/drawing/2014/main" val="4046979531"/>
+                      <a16:colId xmlns:a16="http://schemas.microsoft.com/office/drawing/2014/main" xmlns="" val="4046979531"/>
                     </a:ext>
                   </a:extLst>
                 </a:gridCol>
                 <a:gridCol w="1016000">
                   <a:extLst>
                     <a:ext uri="{9D8B030D-6E8A-4147-A177-3AD203B41FA5}">
-                      <a16:colId xmlns:a16="http://schemas.microsoft.com/office/drawing/2014/main" val="1236215947"/>
+                      <a16:colId xmlns:a16="http://schemas.microsoft.com/office/drawing/2014/main" xmlns="" val="1236215947"/>
                     </a:ext>
                   </a:extLst>
                 </a:gridCol>
                 <a:gridCol w="1016000">
                   <a:extLst>
                     <a:ext uri="{9D8B030D-6E8A-4147-A177-3AD203B41FA5}">
-                      <a16:colId xmlns:a16="http://schemas.microsoft.com/office/drawing/2014/main" val="3358476489"/>
+                      <a16:colId xmlns:a16="http://schemas.microsoft.com/office/drawing/2014/main" xmlns="" val="3358476489"/>
                     </a:ext>
                   </a:extLst>
                 </a:gridCol>
                 <a:gridCol w="1016000">
                   <a:extLst>
                     <a:ext uri="{9D8B030D-6E8A-4147-A177-3AD203B41FA5}">
-                      <a16:colId xmlns:a16="http://schemas.microsoft.com/office/drawing/2014/main" val="1544053477"/>
+                      <a16:colId xmlns:a16="http://schemas.microsoft.com/office/drawing/2014/main" xmlns="" val="1544053477"/>
                     </a:ext>
                   </a:extLst>
                 </a:gridCol>
@@ -13910,7 +14350,7 @@
                 </a:tc>
                 <a:extLst>
                   <a:ext uri="{0D108BD9-81ED-4DB2-BD59-A6C34878D82A}">
-                    <a16:rowId xmlns:a16="http://schemas.microsoft.com/office/drawing/2014/main" val="2866617908"/>
+                    <a16:rowId xmlns:a16="http://schemas.microsoft.com/office/drawing/2014/main" xmlns="" val="2866617908"/>
                   </a:ext>
                 </a:extLst>
               </a:tr>
@@ -13923,7 +14363,7 @@
           <p:cNvPr id="26" name="表格 25">
             <a:extLst>
               <a:ext uri="{FF2B5EF4-FFF2-40B4-BE49-F238E27FC236}">
-                <a16:creationId xmlns:a16="http://schemas.microsoft.com/office/drawing/2014/main" id="{424DCAD3-3D07-554E-B7A4-D9329A7C076E}"/>
+                <a16:creationId xmlns:a16="http://schemas.microsoft.com/office/drawing/2014/main" xmlns="" id="{424DCAD3-3D07-554E-B7A4-D9329A7C076E}"/>
               </a:ext>
             </a:extLst>
           </p:cNvPr>
@@ -13952,56 +14392,56 @@
                 <a:gridCol w="1016000">
                   <a:extLst>
                     <a:ext uri="{9D8B030D-6E8A-4147-A177-3AD203B41FA5}">
-                      <a16:colId xmlns:a16="http://schemas.microsoft.com/office/drawing/2014/main" val="2919921209"/>
+                      <a16:colId xmlns:a16="http://schemas.microsoft.com/office/drawing/2014/main" xmlns="" val="2919921209"/>
                     </a:ext>
                   </a:extLst>
                 </a:gridCol>
                 <a:gridCol w="1016000">
                   <a:extLst>
                     <a:ext uri="{9D8B030D-6E8A-4147-A177-3AD203B41FA5}">
-                      <a16:colId xmlns:a16="http://schemas.microsoft.com/office/drawing/2014/main" val="1274578498"/>
+                      <a16:colId xmlns:a16="http://schemas.microsoft.com/office/drawing/2014/main" xmlns="" val="1274578498"/>
                     </a:ext>
                   </a:extLst>
                 </a:gridCol>
                 <a:gridCol w="1016000">
                   <a:extLst>
                     <a:ext uri="{9D8B030D-6E8A-4147-A177-3AD203B41FA5}">
-                      <a16:colId xmlns:a16="http://schemas.microsoft.com/office/drawing/2014/main" val="2473859656"/>
+                      <a16:colId xmlns:a16="http://schemas.microsoft.com/office/drawing/2014/main" xmlns="" val="2473859656"/>
                     </a:ext>
                   </a:extLst>
                 </a:gridCol>
                 <a:gridCol w="1016000">
                   <a:extLst>
                     <a:ext uri="{9D8B030D-6E8A-4147-A177-3AD203B41FA5}">
-                      <a16:colId xmlns:a16="http://schemas.microsoft.com/office/drawing/2014/main" val="4017853280"/>
+                      <a16:colId xmlns:a16="http://schemas.microsoft.com/office/drawing/2014/main" xmlns="" val="4017853280"/>
                     </a:ext>
                   </a:extLst>
                 </a:gridCol>
                 <a:gridCol w="1016000">
                   <a:extLst>
                     <a:ext uri="{9D8B030D-6E8A-4147-A177-3AD203B41FA5}">
-                      <a16:colId xmlns:a16="http://schemas.microsoft.com/office/drawing/2014/main" val="4046979531"/>
+                      <a16:colId xmlns:a16="http://schemas.microsoft.com/office/drawing/2014/main" xmlns="" val="4046979531"/>
                     </a:ext>
                   </a:extLst>
                 </a:gridCol>
                 <a:gridCol w="1016000">
                   <a:extLst>
                     <a:ext uri="{9D8B030D-6E8A-4147-A177-3AD203B41FA5}">
-                      <a16:colId xmlns:a16="http://schemas.microsoft.com/office/drawing/2014/main" val="1236215947"/>
+                      <a16:colId xmlns:a16="http://schemas.microsoft.com/office/drawing/2014/main" xmlns="" val="1236215947"/>
                     </a:ext>
                   </a:extLst>
                 </a:gridCol>
                 <a:gridCol w="1016000">
                   <a:extLst>
                     <a:ext uri="{9D8B030D-6E8A-4147-A177-3AD203B41FA5}">
-                      <a16:colId xmlns:a16="http://schemas.microsoft.com/office/drawing/2014/main" val="3358476489"/>
+                      <a16:colId xmlns:a16="http://schemas.microsoft.com/office/drawing/2014/main" xmlns="" val="3358476489"/>
                     </a:ext>
                   </a:extLst>
                 </a:gridCol>
                 <a:gridCol w="1016000">
                   <a:extLst>
                     <a:ext uri="{9D8B030D-6E8A-4147-A177-3AD203B41FA5}">
-                      <a16:colId xmlns:a16="http://schemas.microsoft.com/office/drawing/2014/main" val="1544053477"/>
+                      <a16:colId xmlns:a16="http://schemas.microsoft.com/office/drawing/2014/main" xmlns="" val="1544053477"/>
                     </a:ext>
                   </a:extLst>
                 </a:gridCol>
@@ -14425,7 +14865,7 @@
                 </a:tc>
                 <a:extLst>
                   <a:ext uri="{0D108BD9-81ED-4DB2-BD59-A6C34878D82A}">
-                    <a16:rowId xmlns:a16="http://schemas.microsoft.com/office/drawing/2014/main" val="2866617908"/>
+                    <a16:rowId xmlns:a16="http://schemas.microsoft.com/office/drawing/2014/main" xmlns="" val="2866617908"/>
                   </a:ext>
                 </a:extLst>
               </a:tr>
@@ -14440,7 +14880,7 @@
               <p:cNvPr id="27" name="文本框 26">
                 <a:extLst>
                   <a:ext uri="{FF2B5EF4-FFF2-40B4-BE49-F238E27FC236}">
-                    <a16:creationId xmlns:a16="http://schemas.microsoft.com/office/drawing/2014/main" id="{AB798EC8-B843-054F-B83E-F046B17C0EA0}"/>
+                    <a16:creationId xmlns:a16="http://schemas.microsoft.com/office/drawing/2014/main" xmlns="" id="{AB798EC8-B843-054F-B83E-F046B17C0EA0}"/>
                   </a:ext>
                 </a:extLst>
               </p:cNvPr>
@@ -14542,7 +14982,7 @@
               <p:cNvPr id="28" name="文本框 27">
                 <a:extLst>
                   <a:ext uri="{FF2B5EF4-FFF2-40B4-BE49-F238E27FC236}">
-                    <a16:creationId xmlns:a16="http://schemas.microsoft.com/office/drawing/2014/main" id="{27D3CC6B-6AA1-2940-8DBA-6F5947FC4C24}"/>
+                    <a16:creationId xmlns:a16="http://schemas.microsoft.com/office/drawing/2014/main" xmlns="" id="{27D3CC6B-6AA1-2940-8DBA-6F5947FC4C24}"/>
                   </a:ext>
                 </a:extLst>
               </p:cNvPr>
@@ -14644,7 +15084,7 @@
               <p:cNvPr id="29" name="文本框 28">
                 <a:extLst>
                   <a:ext uri="{FF2B5EF4-FFF2-40B4-BE49-F238E27FC236}">
-                    <a16:creationId xmlns:a16="http://schemas.microsoft.com/office/drawing/2014/main" id="{30AF67DF-91B8-944B-BA09-4410CB07B996}"/>
+                    <a16:creationId xmlns:a16="http://schemas.microsoft.com/office/drawing/2014/main" xmlns="" id="{30AF67DF-91B8-944B-BA09-4410CB07B996}"/>
                   </a:ext>
                 </a:extLst>
               </p:cNvPr>
@@ -14746,7 +15186,7 @@
               <p:cNvPr id="30" name="文本框 29">
                 <a:extLst>
                   <a:ext uri="{FF2B5EF4-FFF2-40B4-BE49-F238E27FC236}">
-                    <a16:creationId xmlns:a16="http://schemas.microsoft.com/office/drawing/2014/main" id="{A5F9490A-F97E-694F-A85B-353E781F38F6}"/>
+                    <a16:creationId xmlns:a16="http://schemas.microsoft.com/office/drawing/2014/main" xmlns="" id="{A5F9490A-F97E-694F-A85B-353E781F38F6}"/>
                   </a:ext>
                 </a:extLst>
               </p:cNvPr>
@@ -14780,7 +15220,7 @@
                         <m:fPr>
                           <m:ctrlPr>
                             <a:rPr kumimoji="1" lang="en-US" altLang="zh-CN" sz="2400" b="1" i="1" smtClean="0">
-                              <a:latin typeface="Cambria Math" panose="02040503050406030204" pitchFamily="18" charset="0"/>
+                              <a:latin typeface="Cambria Math" charset="0"/>
                             </a:rPr>
                           </m:ctrlPr>
                         </m:fPr>
@@ -14947,7 +15387,7 @@
                           <m:supHide m:val="on"/>
                           <m:ctrlPr>
                             <a:rPr kumimoji="1" lang="en-US" altLang="zh-CN" sz="2800" i="1" smtClean="0">
-                              <a:latin typeface="Cambria Math" panose="02040503050406030204" pitchFamily="18" charset="0"/>
+                              <a:latin typeface="Cambria Math" charset="0"/>
                             </a:rPr>
                           </m:ctrlPr>
                         </m:naryPr>
@@ -14981,7 +15421,7 @@
                               <m:chr m:val="̂"/>
                               <m:ctrlPr>
                                 <a:rPr kumimoji="1" lang="en-US" altLang="zh-CN" sz="2800" i="1">
-                                  <a:latin typeface="Cambria Math" panose="02040503050406030204" pitchFamily="18" charset="0"/>
+                                  <a:latin typeface="Cambria Math" charset="0"/>
                                 </a:rPr>
                               </m:ctrlPr>
                             </m:accPr>
@@ -14990,7 +15430,7 @@
                                 <m:sSubPr>
                                   <m:ctrlPr>
                                     <a:rPr kumimoji="1" lang="en-US" altLang="zh-CN" sz="2800" i="1">
-                                      <a:latin typeface="Cambria Math" panose="02040503050406030204" pitchFamily="18" charset="0"/>
+                                      <a:latin typeface="Cambria Math" charset="0"/>
                                     </a:rPr>
                                   </m:ctrlPr>
                                 </m:sSubPr>
@@ -15033,7 +15473,7 @@
                           <m:endChr m:val=""/>
                           <m:ctrlPr>
                             <a:rPr kumimoji="1" lang="cs-CZ" altLang="zh-CN" sz="2800" b="0" i="1" smtClean="0">
-                              <a:latin typeface="Cambria Math" panose="02040503050406030204" pitchFamily="18" charset="0"/>
+                              <a:latin typeface="Cambria Math" charset="0"/>
                             </a:rPr>
                           </m:ctrlPr>
                         </m:dPr>
@@ -15042,7 +15482,7 @@
                             <m:eqArrPr>
                               <m:ctrlPr>
                                 <a:rPr kumimoji="1" lang="cs-CZ" altLang="zh-CN" sz="2800" b="0" i="1" smtClean="0">
-                                  <a:latin typeface="Cambria Math" panose="02040503050406030204" pitchFamily="18" charset="0"/>
+                                  <a:latin typeface="Cambria Math" charset="0"/>
                                 </a:rPr>
                               </m:ctrlPr>
                             </m:eqArrPr>
@@ -15057,7 +15497,7 @@
                                 <m:sSubPr>
                                   <m:ctrlPr>
                                     <a:rPr kumimoji="1" lang="en-US" altLang="zh-CN" sz="2800" b="0" i="1" smtClean="0">
-                                      <a:latin typeface="Cambria Math" panose="02040503050406030204" pitchFamily="18" charset="0"/>
+                                      <a:latin typeface="Cambria Math" charset="0"/>
                                     </a:rPr>
                                   </m:ctrlPr>
                                 </m:sSubPr>
@@ -15082,7 +15522,7 @@
                                 <m:sSubPr>
                                   <m:ctrlPr>
                                     <a:rPr kumimoji="1" lang="en-US" altLang="zh-CN" sz="2800" b="0" i="1" smtClean="0">
-                                      <a:latin typeface="Cambria Math" panose="02040503050406030204" pitchFamily="18" charset="0"/>
+                                      <a:latin typeface="Cambria Math" charset="0"/>
                                     </a:rPr>
                                   </m:ctrlPr>
                                 </m:sSubPr>
@@ -15113,7 +15553,7 @@
                                 <m:sSubPr>
                                   <m:ctrlPr>
                                     <a:rPr kumimoji="1" lang="en-US" altLang="zh-CN" sz="2800" b="0" i="1" smtClean="0">
-                                      <a:latin typeface="Cambria Math" panose="02040503050406030204" pitchFamily="18" charset="0"/>
+                                      <a:latin typeface="Cambria Math" charset="0"/>
                                     </a:rPr>
                                   </m:ctrlPr>
                                 </m:sSubPr>
@@ -15150,7 +15590,7 @@
                                 <m:sSubPr>
                                   <m:ctrlPr>
                                     <a:rPr kumimoji="1" lang="en-US" altLang="zh-CN" sz="2800" b="0" i="1" smtClean="0">
-                                      <a:latin typeface="Cambria Math" panose="02040503050406030204" pitchFamily="18" charset="0"/>
+                                      <a:latin typeface="Cambria Math" charset="0"/>
                                     </a:rPr>
                                   </m:ctrlPr>
                                 </m:sSubPr>
@@ -15189,7 +15629,7 @@
                                 <m:sSubPr>
                                   <m:ctrlPr>
                                     <a:rPr kumimoji="1" lang="en-US" altLang="zh-CN" sz="2800" i="1">
-                                      <a:latin typeface="Cambria Math" panose="02040503050406030204" pitchFamily="18" charset="0"/>
+                                      <a:latin typeface="Cambria Math" charset="0"/>
                                     </a:rPr>
                                   </m:ctrlPr>
                                 </m:sSubPr>
@@ -15226,7 +15666,7 @@
                                 <m:sSubPr>
                                   <m:ctrlPr>
                                     <a:rPr kumimoji="1" lang="en-US" altLang="zh-CN" sz="2800" i="1">
-                                      <a:latin typeface="Cambria Math" panose="02040503050406030204" pitchFamily="18" charset="0"/>
+                                      <a:latin typeface="Cambria Math" charset="0"/>
                                     </a:rPr>
                                   </m:ctrlPr>
                                 </m:sSubPr>
@@ -15344,7 +15784,7 @@
                       <m:sSubPr>
                         <m:ctrlPr>
                           <a:rPr kumimoji="1" lang="en-US" altLang="zh-CN" sz="2800" b="0" i="1" smtClean="0">
-                            <a:latin typeface="Cambria Math" panose="02040503050406030204" pitchFamily="18" charset="0"/>
+                            <a:latin typeface="Cambria Math" charset="0"/>
                             <a:ea typeface="Times New Roman" charset="0"/>
                             <a:cs typeface="Times New Roman" charset="0"/>
                           </a:rPr>
@@ -15355,7 +15795,7 @@
                           <m:sSubPr>
                             <m:ctrlPr>
                               <a:rPr kumimoji="1" lang="en-US" altLang="zh-CN" sz="2800" b="0" i="1" smtClean="0">
-                                <a:latin typeface="Cambria Math" panose="02040503050406030204" pitchFamily="18" charset="0"/>
+                                <a:latin typeface="Cambria Math" charset="0"/>
                                 <a:ea typeface="Times New Roman" charset="0"/>
                                 <a:cs typeface="Times New Roman" charset="0"/>
                               </a:rPr>
@@ -15422,7 +15862,7 @@
                       <m:sSubPr>
                         <m:ctrlPr>
                           <a:rPr kumimoji="1" lang="en-US" altLang="zh-CN" sz="2800" b="0" i="1" smtClean="0">
-                            <a:latin typeface="Cambria Math" panose="02040503050406030204" pitchFamily="18" charset="0"/>
+                            <a:latin typeface="Cambria Math" charset="0"/>
                             <a:ea typeface="Times New Roman" charset="0"/>
                             <a:cs typeface="Times New Roman" charset="0"/>
                           </a:rPr>
@@ -15481,7 +15921,7 @@
                       <m:funcPr>
                         <m:ctrlPr>
                           <a:rPr kumimoji="1" lang="mr-IN" altLang="zh-CN" sz="2800" i="1" smtClean="0">
-                            <a:latin typeface="Cambria Math" panose="02040503050406030204" pitchFamily="18" charset="0"/>
+                            <a:latin typeface="Cambria Math" charset="0"/>
                             <a:ea typeface="Times New Roman" charset="0"/>
                             <a:cs typeface="Times New Roman" charset="0"/>
                           </a:rPr>
@@ -15492,7 +15932,7 @@
                           <m:limLowPr>
                             <m:ctrlPr>
                               <a:rPr kumimoji="1" lang="mr-IN" altLang="zh-CN" sz="2800" i="1" smtClean="0">
-                                <a:latin typeface="Cambria Math" panose="02040503050406030204" pitchFamily="18" charset="0"/>
+                                <a:latin typeface="Cambria Math" charset="0"/>
                                 <a:ea typeface="Times New Roman" charset="0"/>
                                 <a:cs typeface="Times New Roman" charset="0"/>
                               </a:rPr>
@@ -15503,7 +15943,7 @@
                               <m:sSubPr>
                                 <m:ctrlPr>
                                   <a:rPr kumimoji="1" lang="en-US" altLang="zh-CN" sz="2800" b="0" i="1" smtClean="0">
-                                    <a:latin typeface="Cambria Math" panose="02040503050406030204" pitchFamily="18" charset="0"/>
+                                    <a:latin typeface="Cambria Math" charset="0"/>
                                     <a:ea typeface="Times New Roman" charset="0"/>
                                     <a:cs typeface="Times New Roman" charset="0"/>
                                   </a:rPr>
@@ -15567,7 +16007,7 @@
                           <m:sSubPr>
                             <m:ctrlPr>
                               <a:rPr kumimoji="1" lang="en-US" altLang="zh-CN" sz="2800" b="0" i="1" smtClean="0">
-                                <a:latin typeface="Cambria Math" panose="02040503050406030204" pitchFamily="18" charset="0"/>
+                                <a:latin typeface="Cambria Math" charset="0"/>
                                 <a:ea typeface="Times New Roman" charset="0"/>
                                 <a:cs typeface="Times New Roman" charset="0"/>
                               </a:rPr>
@@ -15771,7 +16211,7 @@
           <p:cNvPr id="2" name="标题 1">
             <a:extLst>
               <a:ext uri="{FF2B5EF4-FFF2-40B4-BE49-F238E27FC236}">
-                <a16:creationId xmlns:a16="http://schemas.microsoft.com/office/drawing/2014/main" id="{6BD3BC95-97FB-854B-BC45-4D2B05ECEC9F}"/>
+                <a16:creationId xmlns:a16="http://schemas.microsoft.com/office/drawing/2014/main" xmlns="" id="{6BD3BC95-97FB-854B-BC45-4D2B05ECEC9F}"/>
               </a:ext>
             </a:extLst>
           </p:cNvPr>
@@ -15806,7 +16246,7 @@
           <p:cNvPr id="35" name="椭圆 34">
             <a:extLst>
               <a:ext uri="{FF2B5EF4-FFF2-40B4-BE49-F238E27FC236}">
-                <a16:creationId xmlns:a16="http://schemas.microsoft.com/office/drawing/2014/main" id="{FE177A80-294D-D74F-9193-54F0F6931790}"/>
+                <a16:creationId xmlns:a16="http://schemas.microsoft.com/office/drawing/2014/main" xmlns="" id="{FE177A80-294D-D74F-9193-54F0F6931790}"/>
               </a:ext>
             </a:extLst>
           </p:cNvPr>
@@ -15852,7 +16292,7 @@
           <p:cNvPr id="36" name="椭圆 35">
             <a:extLst>
               <a:ext uri="{FF2B5EF4-FFF2-40B4-BE49-F238E27FC236}">
-                <a16:creationId xmlns:a16="http://schemas.microsoft.com/office/drawing/2014/main" id="{BC6EE5D6-B812-5A44-8E2E-0D340A99F527}"/>
+                <a16:creationId xmlns:a16="http://schemas.microsoft.com/office/drawing/2014/main" xmlns="" id="{BC6EE5D6-B812-5A44-8E2E-0D340A99F527}"/>
               </a:ext>
             </a:extLst>
           </p:cNvPr>
@@ -15901,7 +16341,7 @@
           <p:cNvPr id="70" name="矩形 69">
             <a:extLst>
               <a:ext uri="{FF2B5EF4-FFF2-40B4-BE49-F238E27FC236}">
-                <a16:creationId xmlns:a16="http://schemas.microsoft.com/office/drawing/2014/main" id="{76DC12EF-3E78-4744-B092-2511D4394ED4}"/>
+                <a16:creationId xmlns:a16="http://schemas.microsoft.com/office/drawing/2014/main" xmlns="" id="{76DC12EF-3E78-4744-B092-2511D4394ED4}"/>
               </a:ext>
             </a:extLst>
           </p:cNvPr>
@@ -15947,7 +16387,7 @@
           <p:cNvPr id="71" name="矩形 70">
             <a:extLst>
               <a:ext uri="{FF2B5EF4-FFF2-40B4-BE49-F238E27FC236}">
-                <a16:creationId xmlns:a16="http://schemas.microsoft.com/office/drawing/2014/main" id="{1CBCA22F-4911-4144-B568-385765FDD372}"/>
+                <a16:creationId xmlns:a16="http://schemas.microsoft.com/office/drawing/2014/main" xmlns="" id="{1CBCA22F-4911-4144-B568-385765FDD372}"/>
               </a:ext>
             </a:extLst>
           </p:cNvPr>
@@ -15993,7 +16433,7 @@
           <p:cNvPr id="72" name="椭圆 71">
             <a:extLst>
               <a:ext uri="{FF2B5EF4-FFF2-40B4-BE49-F238E27FC236}">
-                <a16:creationId xmlns:a16="http://schemas.microsoft.com/office/drawing/2014/main" id="{CD70E9C7-E090-FC47-B17E-B628E54D05FA}"/>
+                <a16:creationId xmlns:a16="http://schemas.microsoft.com/office/drawing/2014/main" xmlns="" id="{CD70E9C7-E090-FC47-B17E-B628E54D05FA}"/>
               </a:ext>
             </a:extLst>
           </p:cNvPr>
@@ -16039,7 +16479,7 @@
           <p:cNvPr id="73" name="直线连接符 72">
             <a:extLst>
               <a:ext uri="{FF2B5EF4-FFF2-40B4-BE49-F238E27FC236}">
-                <a16:creationId xmlns:a16="http://schemas.microsoft.com/office/drawing/2014/main" id="{8F3893D3-96CB-E14C-B718-FF139035D674}"/>
+                <a16:creationId xmlns:a16="http://schemas.microsoft.com/office/drawing/2014/main" xmlns="" id="{8F3893D3-96CB-E14C-B718-FF139035D674}"/>
               </a:ext>
             </a:extLst>
           </p:cNvPr>
@@ -16084,7 +16524,7 @@
           <p:cNvPr id="74" name="直线连接符 73">
             <a:extLst>
               <a:ext uri="{FF2B5EF4-FFF2-40B4-BE49-F238E27FC236}">
-                <a16:creationId xmlns:a16="http://schemas.microsoft.com/office/drawing/2014/main" id="{0FAEEE3F-00C1-C94A-97FA-CE21D40B8CB7}"/>
+                <a16:creationId xmlns:a16="http://schemas.microsoft.com/office/drawing/2014/main" xmlns="" id="{0FAEEE3F-00C1-C94A-97FA-CE21D40B8CB7}"/>
               </a:ext>
             </a:extLst>
           </p:cNvPr>
@@ -16129,7 +16569,7 @@
           <p:cNvPr id="75" name="矩形 74">
             <a:extLst>
               <a:ext uri="{FF2B5EF4-FFF2-40B4-BE49-F238E27FC236}">
-                <a16:creationId xmlns:a16="http://schemas.microsoft.com/office/drawing/2014/main" id="{E75CA6BA-015B-014E-AB8A-35BF63F8E901}"/>
+                <a16:creationId xmlns:a16="http://schemas.microsoft.com/office/drawing/2014/main" xmlns="" id="{E75CA6BA-015B-014E-AB8A-35BF63F8E901}"/>
               </a:ext>
             </a:extLst>
           </p:cNvPr>
@@ -16175,7 +16615,7 @@
           <p:cNvPr id="76" name="矩形 75">
             <a:extLst>
               <a:ext uri="{FF2B5EF4-FFF2-40B4-BE49-F238E27FC236}">
-                <a16:creationId xmlns:a16="http://schemas.microsoft.com/office/drawing/2014/main" id="{51D6FEDD-A53E-A24B-BE7E-092955A49847}"/>
+                <a16:creationId xmlns:a16="http://schemas.microsoft.com/office/drawing/2014/main" xmlns="" id="{51D6FEDD-A53E-A24B-BE7E-092955A49847}"/>
               </a:ext>
             </a:extLst>
           </p:cNvPr>
@@ -16221,7 +16661,7 @@
           <p:cNvPr id="77" name="椭圆 76">
             <a:extLst>
               <a:ext uri="{FF2B5EF4-FFF2-40B4-BE49-F238E27FC236}">
-                <a16:creationId xmlns:a16="http://schemas.microsoft.com/office/drawing/2014/main" id="{28C8ED9E-0A7A-F143-9504-88BA23264A68}"/>
+                <a16:creationId xmlns:a16="http://schemas.microsoft.com/office/drawing/2014/main" xmlns="" id="{28C8ED9E-0A7A-F143-9504-88BA23264A68}"/>
               </a:ext>
             </a:extLst>
           </p:cNvPr>
@@ -16267,7 +16707,7 @@
           <p:cNvPr id="78" name="直线连接符 77">
             <a:extLst>
               <a:ext uri="{FF2B5EF4-FFF2-40B4-BE49-F238E27FC236}">
-                <a16:creationId xmlns:a16="http://schemas.microsoft.com/office/drawing/2014/main" id="{D7C680DE-E525-3D4F-B145-B7C61368168A}"/>
+                <a16:creationId xmlns:a16="http://schemas.microsoft.com/office/drawing/2014/main" xmlns="" id="{D7C680DE-E525-3D4F-B145-B7C61368168A}"/>
               </a:ext>
             </a:extLst>
           </p:cNvPr>
@@ -16312,7 +16752,7 @@
           <p:cNvPr id="79" name="直线连接符 78">
             <a:extLst>
               <a:ext uri="{FF2B5EF4-FFF2-40B4-BE49-F238E27FC236}">
-                <a16:creationId xmlns:a16="http://schemas.microsoft.com/office/drawing/2014/main" id="{52E496C5-2194-5540-8B69-4A614CB2C695}"/>
+                <a16:creationId xmlns:a16="http://schemas.microsoft.com/office/drawing/2014/main" xmlns="" id="{52E496C5-2194-5540-8B69-4A614CB2C695}"/>
               </a:ext>
             </a:extLst>
           </p:cNvPr>
@@ -16357,7 +16797,7 @@
           <p:cNvPr id="80" name="直线连接符 79">
             <a:extLst>
               <a:ext uri="{FF2B5EF4-FFF2-40B4-BE49-F238E27FC236}">
-                <a16:creationId xmlns:a16="http://schemas.microsoft.com/office/drawing/2014/main" id="{B2F72FF8-CB71-9440-8AB4-9B899631BE0A}"/>
+                <a16:creationId xmlns:a16="http://schemas.microsoft.com/office/drawing/2014/main" xmlns="" id="{B2F72FF8-CB71-9440-8AB4-9B899631BE0A}"/>
               </a:ext>
             </a:extLst>
           </p:cNvPr>
@@ -16402,7 +16842,7 @@
           <p:cNvPr id="83" name="直线连接符 82">
             <a:extLst>
               <a:ext uri="{FF2B5EF4-FFF2-40B4-BE49-F238E27FC236}">
-                <a16:creationId xmlns:a16="http://schemas.microsoft.com/office/drawing/2014/main" id="{CB8ECDB2-18F6-ED40-BF29-0E4204300FF1}"/>
+                <a16:creationId xmlns:a16="http://schemas.microsoft.com/office/drawing/2014/main" xmlns="" id="{CB8ECDB2-18F6-ED40-BF29-0E4204300FF1}"/>
               </a:ext>
             </a:extLst>
           </p:cNvPr>
@@ -16447,7 +16887,7 @@
           <p:cNvPr id="86" name="椭圆 85">
             <a:extLst>
               <a:ext uri="{FF2B5EF4-FFF2-40B4-BE49-F238E27FC236}">
-                <a16:creationId xmlns:a16="http://schemas.microsoft.com/office/drawing/2014/main" id="{D1E67824-653C-E74B-968D-3A3D0E990C80}"/>
+                <a16:creationId xmlns:a16="http://schemas.microsoft.com/office/drawing/2014/main" xmlns="" id="{D1E67824-653C-E74B-968D-3A3D0E990C80}"/>
               </a:ext>
             </a:extLst>
           </p:cNvPr>
@@ -16496,7 +16936,7 @@
           <p:cNvPr id="87" name="矩形 86">
             <a:extLst>
               <a:ext uri="{FF2B5EF4-FFF2-40B4-BE49-F238E27FC236}">
-                <a16:creationId xmlns:a16="http://schemas.microsoft.com/office/drawing/2014/main" id="{CE639E0C-5CED-7845-B8E2-188D7E851CD1}"/>
+                <a16:creationId xmlns:a16="http://schemas.microsoft.com/office/drawing/2014/main" xmlns="" id="{CE639E0C-5CED-7845-B8E2-188D7E851CD1}"/>
               </a:ext>
             </a:extLst>
           </p:cNvPr>
@@ -16550,7 +16990,7 @@
           <p:cNvPr id="88" name="矩形 87">
             <a:extLst>
               <a:ext uri="{FF2B5EF4-FFF2-40B4-BE49-F238E27FC236}">
-                <a16:creationId xmlns:a16="http://schemas.microsoft.com/office/drawing/2014/main" id="{ED911405-A61F-AF48-87AF-11B13D5DAF38}"/>
+                <a16:creationId xmlns:a16="http://schemas.microsoft.com/office/drawing/2014/main" xmlns="" id="{ED911405-A61F-AF48-87AF-11B13D5DAF38}"/>
               </a:ext>
             </a:extLst>
           </p:cNvPr>
@@ -16596,7 +17036,7 @@
           <p:cNvPr id="89" name="椭圆 88">
             <a:extLst>
               <a:ext uri="{FF2B5EF4-FFF2-40B4-BE49-F238E27FC236}">
-                <a16:creationId xmlns:a16="http://schemas.microsoft.com/office/drawing/2014/main" id="{451C4244-70E6-4542-8B8C-950146583A1D}"/>
+                <a16:creationId xmlns:a16="http://schemas.microsoft.com/office/drawing/2014/main" xmlns="" id="{451C4244-70E6-4542-8B8C-950146583A1D}"/>
               </a:ext>
             </a:extLst>
           </p:cNvPr>
@@ -16645,7 +17085,7 @@
           <p:cNvPr id="90" name="直线连接符 89">
             <a:extLst>
               <a:ext uri="{FF2B5EF4-FFF2-40B4-BE49-F238E27FC236}">
-                <a16:creationId xmlns:a16="http://schemas.microsoft.com/office/drawing/2014/main" id="{D8A0E0E2-635A-C94E-AED8-A6524FE9CF46}"/>
+                <a16:creationId xmlns:a16="http://schemas.microsoft.com/office/drawing/2014/main" xmlns="" id="{D8A0E0E2-635A-C94E-AED8-A6524FE9CF46}"/>
               </a:ext>
             </a:extLst>
           </p:cNvPr>
@@ -16690,7 +17130,7 @@
           <p:cNvPr id="91" name="直线连接符 90">
             <a:extLst>
               <a:ext uri="{FF2B5EF4-FFF2-40B4-BE49-F238E27FC236}">
-                <a16:creationId xmlns:a16="http://schemas.microsoft.com/office/drawing/2014/main" id="{91DCF7F9-7067-4742-AAE9-5541B02DA910}"/>
+                <a16:creationId xmlns:a16="http://schemas.microsoft.com/office/drawing/2014/main" xmlns="" id="{91DCF7F9-7067-4742-AAE9-5541B02DA910}"/>
               </a:ext>
             </a:extLst>
           </p:cNvPr>
@@ -16735,7 +17175,7 @@
           <p:cNvPr id="92" name="矩形 91">
             <a:extLst>
               <a:ext uri="{FF2B5EF4-FFF2-40B4-BE49-F238E27FC236}">
-                <a16:creationId xmlns:a16="http://schemas.microsoft.com/office/drawing/2014/main" id="{60E7D525-D61D-134B-B62D-5B76DDCC14F5}"/>
+                <a16:creationId xmlns:a16="http://schemas.microsoft.com/office/drawing/2014/main" xmlns="" id="{60E7D525-D61D-134B-B62D-5B76DDCC14F5}"/>
               </a:ext>
             </a:extLst>
           </p:cNvPr>
@@ -16781,7 +17221,7 @@
           <p:cNvPr id="93" name="矩形 92">
             <a:extLst>
               <a:ext uri="{FF2B5EF4-FFF2-40B4-BE49-F238E27FC236}">
-                <a16:creationId xmlns:a16="http://schemas.microsoft.com/office/drawing/2014/main" id="{A8800A96-5B4C-5445-B173-27E1FC332247}"/>
+                <a16:creationId xmlns:a16="http://schemas.microsoft.com/office/drawing/2014/main" xmlns="" id="{A8800A96-5B4C-5445-B173-27E1FC332247}"/>
               </a:ext>
             </a:extLst>
           </p:cNvPr>
@@ -16827,7 +17267,7 @@
           <p:cNvPr id="94" name="椭圆 93">
             <a:extLst>
               <a:ext uri="{FF2B5EF4-FFF2-40B4-BE49-F238E27FC236}">
-                <a16:creationId xmlns:a16="http://schemas.microsoft.com/office/drawing/2014/main" id="{EB4A5D39-59E0-BC46-A35D-1B10808219D4}"/>
+                <a16:creationId xmlns:a16="http://schemas.microsoft.com/office/drawing/2014/main" xmlns="" id="{EB4A5D39-59E0-BC46-A35D-1B10808219D4}"/>
               </a:ext>
             </a:extLst>
           </p:cNvPr>
@@ -16873,7 +17313,7 @@
           <p:cNvPr id="95" name="直线连接符 94">
             <a:extLst>
               <a:ext uri="{FF2B5EF4-FFF2-40B4-BE49-F238E27FC236}">
-                <a16:creationId xmlns:a16="http://schemas.microsoft.com/office/drawing/2014/main" id="{5A6A792C-A19D-8D40-B56B-9279B5CE0D85}"/>
+                <a16:creationId xmlns:a16="http://schemas.microsoft.com/office/drawing/2014/main" xmlns="" id="{5A6A792C-A19D-8D40-B56B-9279B5CE0D85}"/>
               </a:ext>
             </a:extLst>
           </p:cNvPr>
@@ -16918,7 +17358,7 @@
           <p:cNvPr id="96" name="直线连接符 95">
             <a:extLst>
               <a:ext uri="{FF2B5EF4-FFF2-40B4-BE49-F238E27FC236}">
-                <a16:creationId xmlns:a16="http://schemas.microsoft.com/office/drawing/2014/main" id="{D5A10680-6902-4244-B81A-7EBDAED0CFDF}"/>
+                <a16:creationId xmlns:a16="http://schemas.microsoft.com/office/drawing/2014/main" xmlns="" id="{D5A10680-6902-4244-B81A-7EBDAED0CFDF}"/>
               </a:ext>
             </a:extLst>
           </p:cNvPr>
@@ -16963,7 +17403,7 @@
           <p:cNvPr id="97" name="直线连接符 96">
             <a:extLst>
               <a:ext uri="{FF2B5EF4-FFF2-40B4-BE49-F238E27FC236}">
-                <a16:creationId xmlns:a16="http://schemas.microsoft.com/office/drawing/2014/main" id="{4C7B2CBB-05F8-1C48-BB82-81EFD7C255EE}"/>
+                <a16:creationId xmlns:a16="http://schemas.microsoft.com/office/drawing/2014/main" xmlns="" id="{4C7B2CBB-05F8-1C48-BB82-81EFD7C255EE}"/>
               </a:ext>
             </a:extLst>
           </p:cNvPr>
@@ -17008,7 +17448,7 @@
           <p:cNvPr id="98" name="直线连接符 97">
             <a:extLst>
               <a:ext uri="{FF2B5EF4-FFF2-40B4-BE49-F238E27FC236}">
-                <a16:creationId xmlns:a16="http://schemas.microsoft.com/office/drawing/2014/main" id="{BCCCD3ED-50F1-7A49-8FF2-C0393660C362}"/>
+                <a16:creationId xmlns:a16="http://schemas.microsoft.com/office/drawing/2014/main" xmlns="" id="{BCCCD3ED-50F1-7A49-8FF2-C0393660C362}"/>
               </a:ext>
             </a:extLst>
           </p:cNvPr>
@@ -17053,7 +17493,7 @@
           <p:cNvPr id="99" name="直线连接符 98">
             <a:extLst>
               <a:ext uri="{FF2B5EF4-FFF2-40B4-BE49-F238E27FC236}">
-                <a16:creationId xmlns:a16="http://schemas.microsoft.com/office/drawing/2014/main" id="{54CA5F68-92C8-D245-B66B-0A8135500154}"/>
+                <a16:creationId xmlns:a16="http://schemas.microsoft.com/office/drawing/2014/main" xmlns="" id="{54CA5F68-92C8-D245-B66B-0A8135500154}"/>
               </a:ext>
             </a:extLst>
           </p:cNvPr>
@@ -17098,7 +17538,7 @@
           <p:cNvPr id="102" name="直线连接符 101">
             <a:extLst>
               <a:ext uri="{FF2B5EF4-FFF2-40B4-BE49-F238E27FC236}">
-                <a16:creationId xmlns:a16="http://schemas.microsoft.com/office/drawing/2014/main" id="{D25792AE-BA15-4C4D-9B9B-E8116F709353}"/>
+                <a16:creationId xmlns:a16="http://schemas.microsoft.com/office/drawing/2014/main" xmlns="" id="{D25792AE-BA15-4C4D-9B9B-E8116F709353}"/>
               </a:ext>
             </a:extLst>
           </p:cNvPr>
@@ -17143,7 +17583,7 @@
           <p:cNvPr id="134" name="椭圆 133">
             <a:extLst>
               <a:ext uri="{FF2B5EF4-FFF2-40B4-BE49-F238E27FC236}">
-                <a16:creationId xmlns:a16="http://schemas.microsoft.com/office/drawing/2014/main" id="{D812FCEC-45C2-B344-801D-231FDC0CD8C9}"/>
+                <a16:creationId xmlns:a16="http://schemas.microsoft.com/office/drawing/2014/main" xmlns="" id="{D812FCEC-45C2-B344-801D-231FDC0CD8C9}"/>
               </a:ext>
             </a:extLst>
           </p:cNvPr>
@@ -17189,7 +17629,7 @@
           <p:cNvPr id="135" name="椭圆 134">
             <a:extLst>
               <a:ext uri="{FF2B5EF4-FFF2-40B4-BE49-F238E27FC236}">
-                <a16:creationId xmlns:a16="http://schemas.microsoft.com/office/drawing/2014/main" id="{45853432-1967-0E48-92F5-0FE48174D819}"/>
+                <a16:creationId xmlns:a16="http://schemas.microsoft.com/office/drawing/2014/main" xmlns="" id="{45853432-1967-0E48-92F5-0FE48174D819}"/>
               </a:ext>
             </a:extLst>
           </p:cNvPr>
@@ -17238,7 +17678,7 @@
           <p:cNvPr id="136" name="矩形 135">
             <a:extLst>
               <a:ext uri="{FF2B5EF4-FFF2-40B4-BE49-F238E27FC236}">
-                <a16:creationId xmlns:a16="http://schemas.microsoft.com/office/drawing/2014/main" id="{53905ACF-99DD-F742-B3F9-98736B3484DB}"/>
+                <a16:creationId xmlns:a16="http://schemas.microsoft.com/office/drawing/2014/main" xmlns="" id="{53905ACF-99DD-F742-B3F9-98736B3484DB}"/>
               </a:ext>
             </a:extLst>
           </p:cNvPr>
@@ -17284,7 +17724,7 @@
           <p:cNvPr id="137" name="矩形 136">
             <a:extLst>
               <a:ext uri="{FF2B5EF4-FFF2-40B4-BE49-F238E27FC236}">
-                <a16:creationId xmlns:a16="http://schemas.microsoft.com/office/drawing/2014/main" id="{B89B761A-F90C-EE46-9B43-C6656AC2353C}"/>
+                <a16:creationId xmlns:a16="http://schemas.microsoft.com/office/drawing/2014/main" xmlns="" id="{B89B761A-F90C-EE46-9B43-C6656AC2353C}"/>
               </a:ext>
             </a:extLst>
           </p:cNvPr>
@@ -17330,7 +17770,7 @@
           <p:cNvPr id="138" name="椭圆 137">
             <a:extLst>
               <a:ext uri="{FF2B5EF4-FFF2-40B4-BE49-F238E27FC236}">
-                <a16:creationId xmlns:a16="http://schemas.microsoft.com/office/drawing/2014/main" id="{1C8B860B-F86D-4B4B-9193-876CD7DC0907}"/>
+                <a16:creationId xmlns:a16="http://schemas.microsoft.com/office/drawing/2014/main" xmlns="" id="{1C8B860B-F86D-4B4B-9193-876CD7DC0907}"/>
               </a:ext>
             </a:extLst>
           </p:cNvPr>
@@ -17376,7 +17816,7 @@
           <p:cNvPr id="139" name="直线连接符 138">
             <a:extLst>
               <a:ext uri="{FF2B5EF4-FFF2-40B4-BE49-F238E27FC236}">
-                <a16:creationId xmlns:a16="http://schemas.microsoft.com/office/drawing/2014/main" id="{38202E17-7B59-C649-865C-21D4F76A306D}"/>
+                <a16:creationId xmlns:a16="http://schemas.microsoft.com/office/drawing/2014/main" xmlns="" id="{38202E17-7B59-C649-865C-21D4F76A306D}"/>
               </a:ext>
             </a:extLst>
           </p:cNvPr>
@@ -17421,7 +17861,7 @@
           <p:cNvPr id="140" name="直线连接符 139">
             <a:extLst>
               <a:ext uri="{FF2B5EF4-FFF2-40B4-BE49-F238E27FC236}">
-                <a16:creationId xmlns:a16="http://schemas.microsoft.com/office/drawing/2014/main" id="{A686937A-936E-D841-80F9-D60C793716A1}"/>
+                <a16:creationId xmlns:a16="http://schemas.microsoft.com/office/drawing/2014/main" xmlns="" id="{A686937A-936E-D841-80F9-D60C793716A1}"/>
               </a:ext>
             </a:extLst>
           </p:cNvPr>
@@ -17466,7 +17906,7 @@
           <p:cNvPr id="141" name="矩形 140">
             <a:extLst>
               <a:ext uri="{FF2B5EF4-FFF2-40B4-BE49-F238E27FC236}">
-                <a16:creationId xmlns:a16="http://schemas.microsoft.com/office/drawing/2014/main" id="{D3476BC9-3617-2349-AD3A-4D84C847071B}"/>
+                <a16:creationId xmlns:a16="http://schemas.microsoft.com/office/drawing/2014/main" xmlns="" id="{D3476BC9-3617-2349-AD3A-4D84C847071B}"/>
               </a:ext>
             </a:extLst>
           </p:cNvPr>
@@ -17512,7 +17952,7 @@
           <p:cNvPr id="142" name="矩形 141">
             <a:extLst>
               <a:ext uri="{FF2B5EF4-FFF2-40B4-BE49-F238E27FC236}">
-                <a16:creationId xmlns:a16="http://schemas.microsoft.com/office/drawing/2014/main" id="{35D61483-E1EA-2F47-A87D-5C5DAAF4C881}"/>
+                <a16:creationId xmlns:a16="http://schemas.microsoft.com/office/drawing/2014/main" xmlns="" id="{35D61483-E1EA-2F47-A87D-5C5DAAF4C881}"/>
               </a:ext>
             </a:extLst>
           </p:cNvPr>
@@ -17558,7 +17998,7 @@
           <p:cNvPr id="143" name="椭圆 142">
             <a:extLst>
               <a:ext uri="{FF2B5EF4-FFF2-40B4-BE49-F238E27FC236}">
-                <a16:creationId xmlns:a16="http://schemas.microsoft.com/office/drawing/2014/main" id="{E2395878-95EC-F440-B899-6DB2E3106F63}"/>
+                <a16:creationId xmlns:a16="http://schemas.microsoft.com/office/drawing/2014/main" xmlns="" id="{E2395878-95EC-F440-B899-6DB2E3106F63}"/>
               </a:ext>
             </a:extLst>
           </p:cNvPr>
@@ -17604,7 +18044,7 @@
           <p:cNvPr id="144" name="直线连接符 143">
             <a:extLst>
               <a:ext uri="{FF2B5EF4-FFF2-40B4-BE49-F238E27FC236}">
-                <a16:creationId xmlns:a16="http://schemas.microsoft.com/office/drawing/2014/main" id="{CD20C65D-F06D-DD44-B428-C81AA47372D7}"/>
+                <a16:creationId xmlns:a16="http://schemas.microsoft.com/office/drawing/2014/main" xmlns="" id="{CD20C65D-F06D-DD44-B428-C81AA47372D7}"/>
               </a:ext>
             </a:extLst>
           </p:cNvPr>
@@ -17649,7 +18089,7 @@
           <p:cNvPr id="145" name="直线连接符 144">
             <a:extLst>
               <a:ext uri="{FF2B5EF4-FFF2-40B4-BE49-F238E27FC236}">
-                <a16:creationId xmlns:a16="http://schemas.microsoft.com/office/drawing/2014/main" id="{4A9E221B-42B3-C740-B0F0-1A2B9833930E}"/>
+                <a16:creationId xmlns:a16="http://schemas.microsoft.com/office/drawing/2014/main" xmlns="" id="{4A9E221B-42B3-C740-B0F0-1A2B9833930E}"/>
               </a:ext>
             </a:extLst>
           </p:cNvPr>
@@ -17694,7 +18134,7 @@
           <p:cNvPr id="146" name="直线连接符 145">
             <a:extLst>
               <a:ext uri="{FF2B5EF4-FFF2-40B4-BE49-F238E27FC236}">
-                <a16:creationId xmlns:a16="http://schemas.microsoft.com/office/drawing/2014/main" id="{A7B7AC7C-9690-9944-B1FE-CBA8452577D4}"/>
+                <a16:creationId xmlns:a16="http://schemas.microsoft.com/office/drawing/2014/main" xmlns="" id="{A7B7AC7C-9690-9944-B1FE-CBA8452577D4}"/>
               </a:ext>
             </a:extLst>
           </p:cNvPr>
@@ -17739,7 +18179,7 @@
           <p:cNvPr id="147" name="直线连接符 146">
             <a:extLst>
               <a:ext uri="{FF2B5EF4-FFF2-40B4-BE49-F238E27FC236}">
-                <a16:creationId xmlns:a16="http://schemas.microsoft.com/office/drawing/2014/main" id="{6D66B493-EBF1-EC42-BE0A-D44EB359DE35}"/>
+                <a16:creationId xmlns:a16="http://schemas.microsoft.com/office/drawing/2014/main" xmlns="" id="{6D66B493-EBF1-EC42-BE0A-D44EB359DE35}"/>
               </a:ext>
             </a:extLst>
           </p:cNvPr>
@@ -17784,7 +18224,7 @@
           <p:cNvPr id="148" name="椭圆 147">
             <a:extLst>
               <a:ext uri="{FF2B5EF4-FFF2-40B4-BE49-F238E27FC236}">
-                <a16:creationId xmlns:a16="http://schemas.microsoft.com/office/drawing/2014/main" id="{9671E381-8C9A-7249-8690-9A97FE6CEC37}"/>
+                <a16:creationId xmlns:a16="http://schemas.microsoft.com/office/drawing/2014/main" xmlns="" id="{9671E381-8C9A-7249-8690-9A97FE6CEC37}"/>
               </a:ext>
             </a:extLst>
           </p:cNvPr>
@@ -17833,7 +18273,7 @@
           <p:cNvPr id="149" name="矩形 148">
             <a:extLst>
               <a:ext uri="{FF2B5EF4-FFF2-40B4-BE49-F238E27FC236}">
-                <a16:creationId xmlns:a16="http://schemas.microsoft.com/office/drawing/2014/main" id="{88213569-380C-704D-8320-D89BC8332040}"/>
+                <a16:creationId xmlns:a16="http://schemas.microsoft.com/office/drawing/2014/main" xmlns="" id="{88213569-380C-704D-8320-D89BC8332040}"/>
               </a:ext>
             </a:extLst>
           </p:cNvPr>
@@ -17879,7 +18319,7 @@
           <p:cNvPr id="150" name="矩形 149">
             <a:extLst>
               <a:ext uri="{FF2B5EF4-FFF2-40B4-BE49-F238E27FC236}">
-                <a16:creationId xmlns:a16="http://schemas.microsoft.com/office/drawing/2014/main" id="{CC2D48BD-2F54-1846-9FE6-B2926D606B96}"/>
+                <a16:creationId xmlns:a16="http://schemas.microsoft.com/office/drawing/2014/main" xmlns="" id="{CC2D48BD-2F54-1846-9FE6-B2926D606B96}"/>
               </a:ext>
             </a:extLst>
           </p:cNvPr>
@@ -17925,7 +18365,7 @@
           <p:cNvPr id="151" name="椭圆 150">
             <a:extLst>
               <a:ext uri="{FF2B5EF4-FFF2-40B4-BE49-F238E27FC236}">
-                <a16:creationId xmlns:a16="http://schemas.microsoft.com/office/drawing/2014/main" id="{CC3C0616-22E1-C94C-8B56-7F7DD53DC4D3}"/>
+                <a16:creationId xmlns:a16="http://schemas.microsoft.com/office/drawing/2014/main" xmlns="" id="{CC3C0616-22E1-C94C-8B56-7F7DD53DC4D3}"/>
               </a:ext>
             </a:extLst>
           </p:cNvPr>
@@ -17971,7 +18411,7 @@
           <p:cNvPr id="152" name="直线连接符 151">
             <a:extLst>
               <a:ext uri="{FF2B5EF4-FFF2-40B4-BE49-F238E27FC236}">
-                <a16:creationId xmlns:a16="http://schemas.microsoft.com/office/drawing/2014/main" id="{60B11272-6AB9-CA4C-B732-26120A0C2D95}"/>
+                <a16:creationId xmlns:a16="http://schemas.microsoft.com/office/drawing/2014/main" xmlns="" id="{60B11272-6AB9-CA4C-B732-26120A0C2D95}"/>
               </a:ext>
             </a:extLst>
           </p:cNvPr>
@@ -18016,7 +18456,7 @@
           <p:cNvPr id="153" name="直线连接符 152">
             <a:extLst>
               <a:ext uri="{FF2B5EF4-FFF2-40B4-BE49-F238E27FC236}">
-                <a16:creationId xmlns:a16="http://schemas.microsoft.com/office/drawing/2014/main" id="{ED220DF5-351F-AF4A-BFC5-E3A9ACFD304F}"/>
+                <a16:creationId xmlns:a16="http://schemas.microsoft.com/office/drawing/2014/main" xmlns="" id="{ED220DF5-351F-AF4A-BFC5-E3A9ACFD304F}"/>
               </a:ext>
             </a:extLst>
           </p:cNvPr>
@@ -18061,7 +18501,7 @@
           <p:cNvPr id="154" name="矩形 153">
             <a:extLst>
               <a:ext uri="{FF2B5EF4-FFF2-40B4-BE49-F238E27FC236}">
-                <a16:creationId xmlns:a16="http://schemas.microsoft.com/office/drawing/2014/main" id="{4B8DE2BB-3A6E-E14F-8864-AA75D7DDD0E9}"/>
+                <a16:creationId xmlns:a16="http://schemas.microsoft.com/office/drawing/2014/main" xmlns="" id="{4B8DE2BB-3A6E-E14F-8864-AA75D7DDD0E9}"/>
               </a:ext>
             </a:extLst>
           </p:cNvPr>
@@ -18107,7 +18547,7 @@
           <p:cNvPr id="155" name="矩形 154">
             <a:extLst>
               <a:ext uri="{FF2B5EF4-FFF2-40B4-BE49-F238E27FC236}">
-                <a16:creationId xmlns:a16="http://schemas.microsoft.com/office/drawing/2014/main" id="{72AE0033-0163-7044-AE9F-701DB78B7EF9}"/>
+                <a16:creationId xmlns:a16="http://schemas.microsoft.com/office/drawing/2014/main" xmlns="" id="{72AE0033-0163-7044-AE9F-701DB78B7EF9}"/>
               </a:ext>
             </a:extLst>
           </p:cNvPr>
@@ -18161,7 +18601,7 @@
           <p:cNvPr id="156" name="椭圆 155">
             <a:extLst>
               <a:ext uri="{FF2B5EF4-FFF2-40B4-BE49-F238E27FC236}">
-                <a16:creationId xmlns:a16="http://schemas.microsoft.com/office/drawing/2014/main" id="{8ABA1EAD-85CF-F84F-AE56-875490D8D171}"/>
+                <a16:creationId xmlns:a16="http://schemas.microsoft.com/office/drawing/2014/main" xmlns="" id="{8ABA1EAD-85CF-F84F-AE56-875490D8D171}"/>
               </a:ext>
             </a:extLst>
           </p:cNvPr>
@@ -18210,7 +18650,7 @@
           <p:cNvPr id="157" name="直线连接符 156">
             <a:extLst>
               <a:ext uri="{FF2B5EF4-FFF2-40B4-BE49-F238E27FC236}">
-                <a16:creationId xmlns:a16="http://schemas.microsoft.com/office/drawing/2014/main" id="{2C4DA044-EEA3-2648-9022-9D4B646E54CE}"/>
+                <a16:creationId xmlns:a16="http://schemas.microsoft.com/office/drawing/2014/main" xmlns="" id="{2C4DA044-EEA3-2648-9022-9D4B646E54CE}"/>
               </a:ext>
             </a:extLst>
           </p:cNvPr>
@@ -18255,7 +18695,7 @@
           <p:cNvPr id="158" name="直线连接符 157">
             <a:extLst>
               <a:ext uri="{FF2B5EF4-FFF2-40B4-BE49-F238E27FC236}">
-                <a16:creationId xmlns:a16="http://schemas.microsoft.com/office/drawing/2014/main" id="{678F7910-1BFB-1C48-A5F5-C6B0119E35A2}"/>
+                <a16:creationId xmlns:a16="http://schemas.microsoft.com/office/drawing/2014/main" xmlns="" id="{678F7910-1BFB-1C48-A5F5-C6B0119E35A2}"/>
               </a:ext>
             </a:extLst>
           </p:cNvPr>
@@ -18300,7 +18740,7 @@
           <p:cNvPr id="159" name="直线连接符 158">
             <a:extLst>
               <a:ext uri="{FF2B5EF4-FFF2-40B4-BE49-F238E27FC236}">
-                <a16:creationId xmlns:a16="http://schemas.microsoft.com/office/drawing/2014/main" id="{FD1849BE-468D-E749-AF86-14B2A3AD676B}"/>
+                <a16:creationId xmlns:a16="http://schemas.microsoft.com/office/drawing/2014/main" xmlns="" id="{FD1849BE-468D-E749-AF86-14B2A3AD676B}"/>
               </a:ext>
             </a:extLst>
           </p:cNvPr>
@@ -18345,7 +18785,7 @@
           <p:cNvPr id="160" name="直线连接符 159">
             <a:extLst>
               <a:ext uri="{FF2B5EF4-FFF2-40B4-BE49-F238E27FC236}">
-                <a16:creationId xmlns:a16="http://schemas.microsoft.com/office/drawing/2014/main" id="{87FC241E-5606-0041-957F-54DD1CBD07D5}"/>
+                <a16:creationId xmlns:a16="http://schemas.microsoft.com/office/drawing/2014/main" xmlns="" id="{87FC241E-5606-0041-957F-54DD1CBD07D5}"/>
               </a:ext>
             </a:extLst>
           </p:cNvPr>
@@ -18390,7 +18830,7 @@
           <p:cNvPr id="161" name="直线连接符 160">
             <a:extLst>
               <a:ext uri="{FF2B5EF4-FFF2-40B4-BE49-F238E27FC236}">
-                <a16:creationId xmlns:a16="http://schemas.microsoft.com/office/drawing/2014/main" id="{0BC2BEE3-84D2-ED4F-878B-6B9F20A153A1}"/>
+                <a16:creationId xmlns:a16="http://schemas.microsoft.com/office/drawing/2014/main" xmlns="" id="{0BC2BEE3-84D2-ED4F-878B-6B9F20A153A1}"/>
               </a:ext>
             </a:extLst>
           </p:cNvPr>
@@ -18435,7 +18875,7 @@
           <p:cNvPr id="162" name="直线连接符 161">
             <a:extLst>
               <a:ext uri="{FF2B5EF4-FFF2-40B4-BE49-F238E27FC236}">
-                <a16:creationId xmlns:a16="http://schemas.microsoft.com/office/drawing/2014/main" id="{59280443-0F11-4B41-9BEB-DBD789224C23}"/>
+                <a16:creationId xmlns:a16="http://schemas.microsoft.com/office/drawing/2014/main" xmlns="" id="{59280443-0F11-4B41-9BEB-DBD789224C23}"/>
               </a:ext>
             </a:extLst>
           </p:cNvPr>
@@ -18480,7 +18920,7 @@
           <p:cNvPr id="163" name="直线连接符 162">
             <a:extLst>
               <a:ext uri="{FF2B5EF4-FFF2-40B4-BE49-F238E27FC236}">
-                <a16:creationId xmlns:a16="http://schemas.microsoft.com/office/drawing/2014/main" id="{35C3ACE2-A346-E247-B354-ED1FEF266398}"/>
+                <a16:creationId xmlns:a16="http://schemas.microsoft.com/office/drawing/2014/main" xmlns="" id="{35C3ACE2-A346-E247-B354-ED1FEF266398}"/>
               </a:ext>
             </a:extLst>
           </p:cNvPr>
@@ -18525,7 +18965,7 @@
           <p:cNvPr id="167" name="直线连接符 166">
             <a:extLst>
               <a:ext uri="{FF2B5EF4-FFF2-40B4-BE49-F238E27FC236}">
-                <a16:creationId xmlns:a16="http://schemas.microsoft.com/office/drawing/2014/main" id="{270DAD3F-5BD1-114F-9BCB-96D7576A28B2}"/>
+                <a16:creationId xmlns:a16="http://schemas.microsoft.com/office/drawing/2014/main" xmlns="" id="{270DAD3F-5BD1-114F-9BCB-96D7576A28B2}"/>
               </a:ext>
             </a:extLst>
           </p:cNvPr>
@@ -18570,7 +19010,7 @@
           <p:cNvPr id="171" name="直线连接符 170">
             <a:extLst>
               <a:ext uri="{FF2B5EF4-FFF2-40B4-BE49-F238E27FC236}">
-                <a16:creationId xmlns:a16="http://schemas.microsoft.com/office/drawing/2014/main" id="{A69F57B0-9D7B-5543-B28B-F2BD7A758EDC}"/>
+                <a16:creationId xmlns:a16="http://schemas.microsoft.com/office/drawing/2014/main" xmlns="" id="{A69F57B0-9D7B-5543-B28B-F2BD7A758EDC}"/>
               </a:ext>
             </a:extLst>
           </p:cNvPr>
@@ -18615,7 +19055,7 @@
           <p:cNvPr id="174" name="直线连接符 173">
             <a:extLst>
               <a:ext uri="{FF2B5EF4-FFF2-40B4-BE49-F238E27FC236}">
-                <a16:creationId xmlns:a16="http://schemas.microsoft.com/office/drawing/2014/main" id="{FBDE3D2C-3C8B-684F-9435-9925D8338848}"/>
+                <a16:creationId xmlns:a16="http://schemas.microsoft.com/office/drawing/2014/main" xmlns="" id="{FBDE3D2C-3C8B-684F-9435-9925D8338848}"/>
               </a:ext>
             </a:extLst>
           </p:cNvPr>
@@ -18660,7 +19100,7 @@
           <p:cNvPr id="177" name="文本框 176">
             <a:extLst>
               <a:ext uri="{FF2B5EF4-FFF2-40B4-BE49-F238E27FC236}">
-                <a16:creationId xmlns:a16="http://schemas.microsoft.com/office/drawing/2014/main" id="{128FD6A5-9F23-3148-B97B-6423C263EA9F}"/>
+                <a16:creationId xmlns:a16="http://schemas.microsoft.com/office/drawing/2014/main" xmlns="" id="{128FD6A5-9F23-3148-B97B-6423C263EA9F}"/>
               </a:ext>
             </a:extLst>
           </p:cNvPr>
@@ -18702,7 +19142,7 @@
           <p:cNvPr id="178" name="文本框 177">
             <a:extLst>
               <a:ext uri="{FF2B5EF4-FFF2-40B4-BE49-F238E27FC236}">
-                <a16:creationId xmlns:a16="http://schemas.microsoft.com/office/drawing/2014/main" id="{0BD26BDE-C67E-6946-A6EF-445FF4963E5B}"/>
+                <a16:creationId xmlns:a16="http://schemas.microsoft.com/office/drawing/2014/main" xmlns="" id="{0BD26BDE-C67E-6946-A6EF-445FF4963E5B}"/>
               </a:ext>
             </a:extLst>
           </p:cNvPr>
@@ -18744,7 +19184,7 @@
           <p:cNvPr id="181" name="文本框 180">
             <a:extLst>
               <a:ext uri="{FF2B5EF4-FFF2-40B4-BE49-F238E27FC236}">
-                <a16:creationId xmlns:a16="http://schemas.microsoft.com/office/drawing/2014/main" id="{B1ADFEB5-0EA8-9B49-9D8B-245DE3DE3401}"/>
+                <a16:creationId xmlns:a16="http://schemas.microsoft.com/office/drawing/2014/main" xmlns="" id="{B1ADFEB5-0EA8-9B49-9D8B-245DE3DE3401}"/>
               </a:ext>
             </a:extLst>
           </p:cNvPr>
@@ -18786,7 +19226,7 @@
           <p:cNvPr id="182" name="文本框 181">
             <a:extLst>
               <a:ext uri="{FF2B5EF4-FFF2-40B4-BE49-F238E27FC236}">
-                <a16:creationId xmlns:a16="http://schemas.microsoft.com/office/drawing/2014/main" id="{43FD427D-A3AE-D444-9B78-34BD9AD289C2}"/>
+                <a16:creationId xmlns:a16="http://schemas.microsoft.com/office/drawing/2014/main" xmlns="" id="{43FD427D-A3AE-D444-9B78-34BD9AD289C2}"/>
               </a:ext>
             </a:extLst>
           </p:cNvPr>
@@ -18830,7 +19270,7 @@
               <p:cNvPr id="183" name="文本框 182">
                 <a:extLst>
                   <a:ext uri="{FF2B5EF4-FFF2-40B4-BE49-F238E27FC236}">
-                    <a16:creationId xmlns:a16="http://schemas.microsoft.com/office/drawing/2014/main" id="{3F3E9AD1-90DC-0E44-AD0E-A1BA45CD1F16}"/>
+                    <a16:creationId xmlns:a16="http://schemas.microsoft.com/office/drawing/2014/main" xmlns="" id="{3F3E9AD1-90DC-0E44-AD0E-A1BA45CD1F16}"/>
                   </a:ext>
                 </a:extLst>
               </p:cNvPr>
@@ -18906,7 +19346,7 @@
                         <m:dPr>
                           <m:ctrlPr>
                             <a:rPr kumimoji="1" lang="en-US" altLang="zh-CN" sz="2400" b="1" i="1" smtClean="0">
-                              <a:latin typeface="Cambria Math" panose="02040503050406030204" pitchFamily="18" charset="0"/>
+                              <a:latin typeface="Cambria Math" charset="0"/>
                               <a:cs typeface="Times New Roman" panose="02020603050405020304" pitchFamily="18" charset="0"/>
                             </a:rPr>
                           </m:ctrlPr>
@@ -19066,7 +19506,7 @@
           <p:cNvPr id="81" name="椭圆 80">
             <a:extLst>
               <a:ext uri="{FF2B5EF4-FFF2-40B4-BE49-F238E27FC236}">
-                <a16:creationId xmlns:a16="http://schemas.microsoft.com/office/drawing/2014/main" id="{D1E67824-653C-E74B-968D-3A3D0E990C80}"/>
+                <a16:creationId xmlns:a16="http://schemas.microsoft.com/office/drawing/2014/main" xmlns="" id="{D1E67824-653C-E74B-968D-3A3D0E990C80}"/>
               </a:ext>
             </a:extLst>
           </p:cNvPr>
@@ -19115,7 +19555,7 @@
           <p:cNvPr id="100" name="椭圆 99">
             <a:extLst>
               <a:ext uri="{FF2B5EF4-FFF2-40B4-BE49-F238E27FC236}">
-                <a16:creationId xmlns:a16="http://schemas.microsoft.com/office/drawing/2014/main" id="{FE177A80-294D-D74F-9193-54F0F6931790}"/>
+                <a16:creationId xmlns:a16="http://schemas.microsoft.com/office/drawing/2014/main" xmlns="" id="{FE177A80-294D-D74F-9193-54F0F6931790}"/>
               </a:ext>
             </a:extLst>
           </p:cNvPr>
@@ -19161,7 +19601,7 @@
           <p:cNvPr id="101" name="椭圆 100">
             <a:extLst>
               <a:ext uri="{FF2B5EF4-FFF2-40B4-BE49-F238E27FC236}">
-                <a16:creationId xmlns:a16="http://schemas.microsoft.com/office/drawing/2014/main" id="{9671E381-8C9A-7249-8690-9A97FE6CEC37}"/>
+                <a16:creationId xmlns:a16="http://schemas.microsoft.com/office/drawing/2014/main" xmlns="" id="{9671E381-8C9A-7249-8690-9A97FE6CEC37}"/>
               </a:ext>
             </a:extLst>
           </p:cNvPr>
@@ -19210,7 +19650,7 @@
           <p:cNvPr id="103" name="椭圆 102">
             <a:extLst>
               <a:ext uri="{FF2B5EF4-FFF2-40B4-BE49-F238E27FC236}">
-                <a16:creationId xmlns:a16="http://schemas.microsoft.com/office/drawing/2014/main" id="{D812FCEC-45C2-B344-801D-231FDC0CD8C9}"/>
+                <a16:creationId xmlns:a16="http://schemas.microsoft.com/office/drawing/2014/main" xmlns="" id="{D812FCEC-45C2-B344-801D-231FDC0CD8C9}"/>
               </a:ext>
             </a:extLst>
           </p:cNvPr>
@@ -19256,7 +19696,7 @@
           <p:cNvPr id="105" name="直线连接符 104">
             <a:extLst>
               <a:ext uri="{FF2B5EF4-FFF2-40B4-BE49-F238E27FC236}">
-                <a16:creationId xmlns:a16="http://schemas.microsoft.com/office/drawing/2014/main" id="{4C7B2CBB-05F8-1C48-BB82-81EFD7C255EE}"/>
+                <a16:creationId xmlns:a16="http://schemas.microsoft.com/office/drawing/2014/main" xmlns="" id="{4C7B2CBB-05F8-1C48-BB82-81EFD7C255EE}"/>
               </a:ext>
             </a:extLst>
           </p:cNvPr>
@@ -19301,7 +19741,7 @@
           <p:cNvPr id="106" name="直线连接符 105">
             <a:extLst>
               <a:ext uri="{FF2B5EF4-FFF2-40B4-BE49-F238E27FC236}">
-                <a16:creationId xmlns:a16="http://schemas.microsoft.com/office/drawing/2014/main" id="{4C7B2CBB-05F8-1C48-BB82-81EFD7C255EE}"/>
+                <a16:creationId xmlns:a16="http://schemas.microsoft.com/office/drawing/2014/main" xmlns="" id="{4C7B2CBB-05F8-1C48-BB82-81EFD7C255EE}"/>
               </a:ext>
             </a:extLst>
           </p:cNvPr>
@@ -19346,7 +19786,7 @@
           <p:cNvPr id="108" name="直线连接符 107">
             <a:extLst>
               <a:ext uri="{FF2B5EF4-FFF2-40B4-BE49-F238E27FC236}">
-                <a16:creationId xmlns:a16="http://schemas.microsoft.com/office/drawing/2014/main" id="{B2F72FF8-CB71-9440-8AB4-9B899631BE0A}"/>
+                <a16:creationId xmlns:a16="http://schemas.microsoft.com/office/drawing/2014/main" xmlns="" id="{B2F72FF8-CB71-9440-8AB4-9B899631BE0A}"/>
               </a:ext>
             </a:extLst>
           </p:cNvPr>
@@ -19391,7 +19831,7 @@
           <p:cNvPr id="111" name="直线连接符 110">
             <a:extLst>
               <a:ext uri="{FF2B5EF4-FFF2-40B4-BE49-F238E27FC236}">
-                <a16:creationId xmlns:a16="http://schemas.microsoft.com/office/drawing/2014/main" id="{B2F72FF8-CB71-9440-8AB4-9B899631BE0A}"/>
+                <a16:creationId xmlns:a16="http://schemas.microsoft.com/office/drawing/2014/main" xmlns="" id="{B2F72FF8-CB71-9440-8AB4-9B899631BE0A}"/>
               </a:ext>
             </a:extLst>
           </p:cNvPr>
@@ -19436,7 +19876,7 @@
           <p:cNvPr id="115" name="直线连接符 114">
             <a:extLst>
               <a:ext uri="{FF2B5EF4-FFF2-40B4-BE49-F238E27FC236}">
-                <a16:creationId xmlns:a16="http://schemas.microsoft.com/office/drawing/2014/main" id="{FD1849BE-468D-E749-AF86-14B2A3AD676B}"/>
+                <a16:creationId xmlns:a16="http://schemas.microsoft.com/office/drawing/2014/main" xmlns="" id="{FD1849BE-468D-E749-AF86-14B2A3AD676B}"/>
               </a:ext>
             </a:extLst>
           </p:cNvPr>
@@ -19481,7 +19921,7 @@
           <p:cNvPr id="118" name="直线连接符 117">
             <a:extLst>
               <a:ext uri="{FF2B5EF4-FFF2-40B4-BE49-F238E27FC236}">
-                <a16:creationId xmlns:a16="http://schemas.microsoft.com/office/drawing/2014/main" id="{FD1849BE-468D-E749-AF86-14B2A3AD676B}"/>
+                <a16:creationId xmlns:a16="http://schemas.microsoft.com/office/drawing/2014/main" xmlns="" id="{FD1849BE-468D-E749-AF86-14B2A3AD676B}"/>
               </a:ext>
             </a:extLst>
           </p:cNvPr>
@@ -19526,7 +19966,7 @@
           <p:cNvPr id="121" name="直线连接符 120">
             <a:extLst>
               <a:ext uri="{FF2B5EF4-FFF2-40B4-BE49-F238E27FC236}">
-                <a16:creationId xmlns:a16="http://schemas.microsoft.com/office/drawing/2014/main" id="{FD1849BE-468D-E749-AF86-14B2A3AD676B}"/>
+                <a16:creationId xmlns:a16="http://schemas.microsoft.com/office/drawing/2014/main" xmlns="" id="{FD1849BE-468D-E749-AF86-14B2A3AD676B}"/>
               </a:ext>
             </a:extLst>
           </p:cNvPr>
@@ -19571,7 +20011,7 @@
           <p:cNvPr id="125" name="直线连接符 124">
             <a:extLst>
               <a:ext uri="{FF2B5EF4-FFF2-40B4-BE49-F238E27FC236}">
-                <a16:creationId xmlns:a16="http://schemas.microsoft.com/office/drawing/2014/main" id="{FD1849BE-468D-E749-AF86-14B2A3AD676B}"/>
+                <a16:creationId xmlns:a16="http://schemas.microsoft.com/office/drawing/2014/main" xmlns="" id="{FD1849BE-468D-E749-AF86-14B2A3AD676B}"/>
               </a:ext>
             </a:extLst>
           </p:cNvPr>
@@ -19616,7 +20056,7 @@
           <p:cNvPr id="164" name="椭圆 163">
             <a:extLst>
               <a:ext uri="{FF2B5EF4-FFF2-40B4-BE49-F238E27FC236}">
-                <a16:creationId xmlns:a16="http://schemas.microsoft.com/office/drawing/2014/main" id="{BC6EE5D6-B812-5A44-8E2E-0D340A99F527}"/>
+                <a16:creationId xmlns:a16="http://schemas.microsoft.com/office/drawing/2014/main" xmlns="" id="{BC6EE5D6-B812-5A44-8E2E-0D340A99F527}"/>
               </a:ext>
             </a:extLst>
           </p:cNvPr>
@@ -19665,7 +20105,7 @@
           <p:cNvPr id="165" name="椭圆 164">
             <a:extLst>
               <a:ext uri="{FF2B5EF4-FFF2-40B4-BE49-F238E27FC236}">
-                <a16:creationId xmlns:a16="http://schemas.microsoft.com/office/drawing/2014/main" id="{BC6EE5D6-B812-5A44-8E2E-0D340A99F527}"/>
+                <a16:creationId xmlns:a16="http://schemas.microsoft.com/office/drawing/2014/main" xmlns="" id="{BC6EE5D6-B812-5A44-8E2E-0D340A99F527}"/>
               </a:ext>
             </a:extLst>
           </p:cNvPr>
@@ -19714,7 +20154,7 @@
           <p:cNvPr id="166" name="直线连接符 165">
             <a:extLst>
               <a:ext uri="{FF2B5EF4-FFF2-40B4-BE49-F238E27FC236}">
-                <a16:creationId xmlns:a16="http://schemas.microsoft.com/office/drawing/2014/main" id="{270DAD3F-5BD1-114F-9BCB-96D7576A28B2}"/>
+                <a16:creationId xmlns:a16="http://schemas.microsoft.com/office/drawing/2014/main" xmlns="" id="{270DAD3F-5BD1-114F-9BCB-96D7576A28B2}"/>
               </a:ext>
             </a:extLst>
           </p:cNvPr>
@@ -19759,7 +20199,7 @@
           <p:cNvPr id="168" name="直线连接符 167">
             <a:extLst>
               <a:ext uri="{FF2B5EF4-FFF2-40B4-BE49-F238E27FC236}">
-                <a16:creationId xmlns:a16="http://schemas.microsoft.com/office/drawing/2014/main" id="{270DAD3F-5BD1-114F-9BCB-96D7576A28B2}"/>
+                <a16:creationId xmlns:a16="http://schemas.microsoft.com/office/drawing/2014/main" xmlns="" id="{270DAD3F-5BD1-114F-9BCB-96D7576A28B2}"/>
               </a:ext>
             </a:extLst>
           </p:cNvPr>
@@ -19804,7 +20244,7 @@
           <p:cNvPr id="169" name="直线连接符 168">
             <a:extLst>
               <a:ext uri="{FF2B5EF4-FFF2-40B4-BE49-F238E27FC236}">
-                <a16:creationId xmlns:a16="http://schemas.microsoft.com/office/drawing/2014/main" id="{270DAD3F-5BD1-114F-9BCB-96D7576A28B2}"/>
+                <a16:creationId xmlns:a16="http://schemas.microsoft.com/office/drawing/2014/main" xmlns="" id="{270DAD3F-5BD1-114F-9BCB-96D7576A28B2}"/>
               </a:ext>
             </a:extLst>
           </p:cNvPr>
@@ -19849,7 +20289,7 @@
           <p:cNvPr id="170" name="直线连接符 169">
             <a:extLst>
               <a:ext uri="{FF2B5EF4-FFF2-40B4-BE49-F238E27FC236}">
-                <a16:creationId xmlns:a16="http://schemas.microsoft.com/office/drawing/2014/main" id="{270DAD3F-5BD1-114F-9BCB-96D7576A28B2}"/>
+                <a16:creationId xmlns:a16="http://schemas.microsoft.com/office/drawing/2014/main" xmlns="" id="{270DAD3F-5BD1-114F-9BCB-96D7576A28B2}"/>
               </a:ext>
             </a:extLst>
           </p:cNvPr>
@@ -19894,7 +20334,7 @@
           <p:cNvPr id="172" name="直线连接符 171">
             <a:extLst>
               <a:ext uri="{FF2B5EF4-FFF2-40B4-BE49-F238E27FC236}">
-                <a16:creationId xmlns:a16="http://schemas.microsoft.com/office/drawing/2014/main" id="{270DAD3F-5BD1-114F-9BCB-96D7576A28B2}"/>
+                <a16:creationId xmlns:a16="http://schemas.microsoft.com/office/drawing/2014/main" xmlns="" id="{270DAD3F-5BD1-114F-9BCB-96D7576A28B2}"/>
               </a:ext>
             </a:extLst>
           </p:cNvPr>
@@ -19939,7 +20379,7 @@
           <p:cNvPr id="173" name="直线连接符 172">
             <a:extLst>
               <a:ext uri="{FF2B5EF4-FFF2-40B4-BE49-F238E27FC236}">
-                <a16:creationId xmlns:a16="http://schemas.microsoft.com/office/drawing/2014/main" id="{270DAD3F-5BD1-114F-9BCB-96D7576A28B2}"/>
+                <a16:creationId xmlns:a16="http://schemas.microsoft.com/office/drawing/2014/main" xmlns="" id="{270DAD3F-5BD1-114F-9BCB-96D7576A28B2}"/>
               </a:ext>
             </a:extLst>
           </p:cNvPr>
@@ -19984,7 +20424,7 @@
           <p:cNvPr id="175" name="直线连接符 174">
             <a:extLst>
               <a:ext uri="{FF2B5EF4-FFF2-40B4-BE49-F238E27FC236}">
-                <a16:creationId xmlns:a16="http://schemas.microsoft.com/office/drawing/2014/main" id="{270DAD3F-5BD1-114F-9BCB-96D7576A28B2}"/>
+                <a16:creationId xmlns:a16="http://schemas.microsoft.com/office/drawing/2014/main" xmlns="" id="{270DAD3F-5BD1-114F-9BCB-96D7576A28B2}"/>
               </a:ext>
             </a:extLst>
           </p:cNvPr>
@@ -20029,7 +20469,7 @@
           <p:cNvPr id="176" name="直线连接符 175">
             <a:extLst>
               <a:ext uri="{FF2B5EF4-FFF2-40B4-BE49-F238E27FC236}">
-                <a16:creationId xmlns:a16="http://schemas.microsoft.com/office/drawing/2014/main" id="{270DAD3F-5BD1-114F-9BCB-96D7576A28B2}"/>
+                <a16:creationId xmlns:a16="http://schemas.microsoft.com/office/drawing/2014/main" xmlns="" id="{270DAD3F-5BD1-114F-9BCB-96D7576A28B2}"/>
               </a:ext>
             </a:extLst>
           </p:cNvPr>
@@ -20074,7 +20514,7 @@
           <p:cNvPr id="184" name="文本框 183">
             <a:extLst>
               <a:ext uri="{FF2B5EF4-FFF2-40B4-BE49-F238E27FC236}">
-                <a16:creationId xmlns:a16="http://schemas.microsoft.com/office/drawing/2014/main" id="{0BD26BDE-C67E-6946-A6EF-445FF4963E5B}"/>
+                <a16:creationId xmlns:a16="http://schemas.microsoft.com/office/drawing/2014/main" xmlns="" id="{0BD26BDE-C67E-6946-A6EF-445FF4963E5B}"/>
               </a:ext>
             </a:extLst>
           </p:cNvPr>
@@ -20116,7 +20556,7 @@
           <p:cNvPr id="185" name="文本框 184">
             <a:extLst>
               <a:ext uri="{FF2B5EF4-FFF2-40B4-BE49-F238E27FC236}">
-                <a16:creationId xmlns:a16="http://schemas.microsoft.com/office/drawing/2014/main" id="{0BD26BDE-C67E-6946-A6EF-445FF4963E5B}"/>
+                <a16:creationId xmlns:a16="http://schemas.microsoft.com/office/drawing/2014/main" xmlns="" id="{0BD26BDE-C67E-6946-A6EF-445FF4963E5B}"/>
               </a:ext>
             </a:extLst>
           </p:cNvPr>
@@ -20158,7 +20598,7 @@
           <p:cNvPr id="186" name="文本框 185">
             <a:extLst>
               <a:ext uri="{FF2B5EF4-FFF2-40B4-BE49-F238E27FC236}">
-                <a16:creationId xmlns:a16="http://schemas.microsoft.com/office/drawing/2014/main" id="{0BD26BDE-C67E-6946-A6EF-445FF4963E5B}"/>
+                <a16:creationId xmlns:a16="http://schemas.microsoft.com/office/drawing/2014/main" xmlns="" id="{0BD26BDE-C67E-6946-A6EF-445FF4963E5B}"/>
               </a:ext>
             </a:extLst>
           </p:cNvPr>
@@ -20200,7 +20640,7 @@
           <p:cNvPr id="187" name="文本框 186">
             <a:extLst>
               <a:ext uri="{FF2B5EF4-FFF2-40B4-BE49-F238E27FC236}">
-                <a16:creationId xmlns:a16="http://schemas.microsoft.com/office/drawing/2014/main" id="{0BD26BDE-C67E-6946-A6EF-445FF4963E5B}"/>
+                <a16:creationId xmlns:a16="http://schemas.microsoft.com/office/drawing/2014/main" xmlns="" id="{0BD26BDE-C67E-6946-A6EF-445FF4963E5B}"/>
               </a:ext>
             </a:extLst>
           </p:cNvPr>
@@ -20242,7 +20682,7 @@
           <p:cNvPr id="188" name="文本框 187">
             <a:extLst>
               <a:ext uri="{FF2B5EF4-FFF2-40B4-BE49-F238E27FC236}">
-                <a16:creationId xmlns:a16="http://schemas.microsoft.com/office/drawing/2014/main" id="{0BD26BDE-C67E-6946-A6EF-445FF4963E5B}"/>
+                <a16:creationId xmlns:a16="http://schemas.microsoft.com/office/drawing/2014/main" xmlns="" id="{0BD26BDE-C67E-6946-A6EF-445FF4963E5B}"/>
               </a:ext>
             </a:extLst>
           </p:cNvPr>
@@ -20291,7 +20731,7 @@
           <p:cNvPr id="189" name="文本框 188">
             <a:extLst>
               <a:ext uri="{FF2B5EF4-FFF2-40B4-BE49-F238E27FC236}">
-                <a16:creationId xmlns:a16="http://schemas.microsoft.com/office/drawing/2014/main" id="{0BD26BDE-C67E-6946-A6EF-445FF4963E5B}"/>
+                <a16:creationId xmlns:a16="http://schemas.microsoft.com/office/drawing/2014/main" xmlns="" id="{0BD26BDE-C67E-6946-A6EF-445FF4963E5B}"/>
               </a:ext>
             </a:extLst>
           </p:cNvPr>
@@ -20342,6 +20782,442 @@
 </file>
 
 <file path=ppt/slides/slide28.xml><?xml version="1.0" encoding="utf-8"?>
+<p:sld xmlns:a="http://schemas.openxmlformats.org/drawingml/2006/main" xmlns:r="http://schemas.openxmlformats.org/officeDocument/2006/relationships" xmlns:p="http://schemas.openxmlformats.org/presentationml/2006/main">
+  <p:cSld>
+    <p:spTree>
+      <p:nvGrpSpPr>
+        <p:cNvPr id="1" name=""/>
+        <p:cNvGrpSpPr/>
+        <p:nvPr/>
+      </p:nvGrpSpPr>
+      <p:grpSpPr>
+        <a:xfrm>
+          <a:off x="0" y="0"/>
+          <a:ext cx="0" cy="0"/>
+          <a:chOff x="0" y="0"/>
+          <a:chExt cx="0" cy="0"/>
+        </a:xfrm>
+      </p:grpSpPr>
+      <p:sp>
+        <p:nvSpPr>
+          <p:cNvPr id="2" name="标题 1"/>
+          <p:cNvSpPr>
+            <a:spLocks noGrp="1"/>
+          </p:cNvSpPr>
+          <p:nvPr>
+            <p:ph type="title"/>
+          </p:nvPr>
+        </p:nvSpPr>
+        <p:spPr/>
+        <p:txBody>
+          <a:bodyPr/>
+          <a:lstStyle/>
+          <a:p>
+            <a:r>
+              <a:rPr kumimoji="1" lang="en-US" altLang="zh-CN" dirty="0">
+                <a:latin typeface="Times New Roman" charset="0"/>
+                <a:ea typeface="Times New Roman" charset="0"/>
+                <a:cs typeface="Times New Roman" charset="0"/>
+              </a:rPr>
+              <a:t>Tasks</a:t>
+            </a:r>
+          </a:p>
+        </p:txBody>
+      </p:sp>
+      <p:sp>
+        <p:nvSpPr>
+          <p:cNvPr id="3" name="内容占位符 2"/>
+          <p:cNvSpPr>
+            <a:spLocks noGrp="1"/>
+          </p:cNvSpPr>
+          <p:nvPr>
+            <p:ph idx="1"/>
+          </p:nvPr>
+        </p:nvSpPr>
+        <p:spPr/>
+        <p:txBody>
+          <a:bodyPr/>
+          <a:lstStyle/>
+          <a:p>
+            <a:r>
+              <a:rPr kumimoji="1" lang="en-US" altLang="zh-CN" dirty="0">
+                <a:latin typeface="Times New Roman" charset="0"/>
+                <a:ea typeface="Times New Roman" charset="0"/>
+                <a:cs typeface="Times New Roman" charset="0"/>
+              </a:rPr>
+              <a:t>Estimation for Overall traffic</a:t>
+            </a:r>
+          </a:p>
+          <a:p>
+            <a:r>
+              <a:rPr kumimoji="1" lang="en-US" altLang="zh-CN" dirty="0">
+                <a:latin typeface="Times New Roman" charset="0"/>
+                <a:ea typeface="Times New Roman" charset="0"/>
+                <a:cs typeface="Times New Roman" charset="0"/>
+              </a:rPr>
+              <a:t>Estimation for Heavy traffic</a:t>
+            </a:r>
+          </a:p>
+          <a:p>
+            <a:endParaRPr kumimoji="1" lang="en-US" altLang="zh-CN" dirty="0">
+              <a:latin typeface="Times New Roman" charset="0"/>
+              <a:ea typeface="Times New Roman" charset="0"/>
+              <a:cs typeface="Times New Roman" charset="0"/>
+            </a:endParaRPr>
+          </a:p>
+          <a:p>
+            <a:endParaRPr kumimoji="1" lang="en-US" altLang="zh-CN" dirty="0">
+              <a:latin typeface="Times New Roman" charset="0"/>
+              <a:ea typeface="Times New Roman" charset="0"/>
+              <a:cs typeface="Times New Roman" charset="0"/>
+            </a:endParaRPr>
+          </a:p>
+        </p:txBody>
+      </p:sp>
+    </p:spTree>
+    <p:extLst>
+      <p:ext uri="{BB962C8B-B14F-4D97-AF65-F5344CB8AC3E}">
+        <p14:creationId xmlns:p14="http://schemas.microsoft.com/office/powerpoint/2010/main" val="1803707508"/>
+      </p:ext>
+    </p:extLst>
+  </p:cSld>
+  <p:clrMapOvr>
+    <a:masterClrMapping/>
+  </p:clrMapOvr>
+</p:sld>
+</file>
+
+<file path=ppt/slides/slide29.xml><?xml version="1.0" encoding="utf-8"?>
+<p:sld xmlns:a="http://schemas.openxmlformats.org/drawingml/2006/main" xmlns:r="http://schemas.openxmlformats.org/officeDocument/2006/relationships" xmlns:p="http://schemas.openxmlformats.org/presentationml/2006/main">
+  <p:cSld>
+    <p:spTree>
+      <p:nvGrpSpPr>
+        <p:cNvPr id="1" name=""/>
+        <p:cNvGrpSpPr/>
+        <p:nvPr/>
+      </p:nvGrpSpPr>
+      <p:grpSpPr>
+        <a:xfrm>
+          <a:off x="0" y="0"/>
+          <a:ext cx="0" cy="0"/>
+          <a:chOff x="0" y="0"/>
+          <a:chExt cx="0" cy="0"/>
+        </a:xfrm>
+      </p:grpSpPr>
+      <p:sp>
+        <p:nvSpPr>
+          <p:cNvPr id="2" name="标题 1"/>
+          <p:cNvSpPr>
+            <a:spLocks noGrp="1"/>
+          </p:cNvSpPr>
+          <p:nvPr>
+            <p:ph type="title"/>
+          </p:nvPr>
+        </p:nvSpPr>
+        <p:spPr/>
+        <p:txBody>
+          <a:bodyPr/>
+          <a:lstStyle/>
+          <a:p>
+            <a:r>
+              <a:rPr kumimoji="1" lang="en-US" altLang="zh-CN" dirty="0">
+                <a:latin typeface="Times New Roman" charset="0"/>
+                <a:ea typeface="Times New Roman" charset="0"/>
+                <a:cs typeface="Times New Roman" charset="0"/>
+              </a:rPr>
+              <a:t>Platforms</a:t>
+            </a:r>
+          </a:p>
+        </p:txBody>
+      </p:sp>
+      <p:sp>
+        <p:nvSpPr>
+          <p:cNvPr id="3" name="内容占位符 2"/>
+          <p:cNvSpPr>
+            <a:spLocks noGrp="1"/>
+          </p:cNvSpPr>
+          <p:nvPr>
+            <p:ph idx="1"/>
+          </p:nvPr>
+        </p:nvSpPr>
+        <p:spPr/>
+        <p:txBody>
+          <a:bodyPr/>
+          <a:lstStyle/>
+          <a:p>
+            <a:r>
+              <a:rPr kumimoji="1" lang="en-US" altLang="zh-CN" dirty="0">
+                <a:latin typeface="Times New Roman" charset="0"/>
+                <a:ea typeface="Times New Roman" charset="0"/>
+                <a:cs typeface="Times New Roman" charset="0"/>
+              </a:rPr>
+              <a:t>CPU</a:t>
+            </a:r>
+          </a:p>
+          <a:p>
+            <a:r>
+              <a:rPr kumimoji="1" lang="en-US" altLang="zh-CN" dirty="0">
+                <a:latin typeface="Times New Roman" charset="0"/>
+                <a:ea typeface="Times New Roman" charset="0"/>
+                <a:cs typeface="Times New Roman" charset="0"/>
+              </a:rPr>
+              <a:t>OVS</a:t>
+            </a:r>
+          </a:p>
+          <a:p>
+            <a:r>
+              <a:rPr kumimoji="1" lang="en-US" altLang="zh-CN" dirty="0">
+                <a:latin typeface="Times New Roman" charset="0"/>
+                <a:ea typeface="Times New Roman" charset="0"/>
+                <a:cs typeface="Times New Roman" charset="0"/>
+              </a:rPr>
+              <a:t>FPGA</a:t>
+            </a:r>
+          </a:p>
+          <a:p>
+            <a:r>
+              <a:rPr kumimoji="1" lang="en-US" altLang="zh-CN" dirty="0">
+                <a:latin typeface="Times New Roman" charset="0"/>
+                <a:ea typeface="Times New Roman" charset="0"/>
+                <a:cs typeface="Times New Roman" charset="0"/>
+              </a:rPr>
+              <a:t>P4</a:t>
+            </a:r>
+          </a:p>
+          <a:p>
+            <a:pPr lvl="1"/>
+            <a:endParaRPr kumimoji="1" lang="en-US" altLang="zh-CN" dirty="0">
+              <a:latin typeface="Times New Roman" charset="0"/>
+              <a:ea typeface="Times New Roman" charset="0"/>
+              <a:cs typeface="Times New Roman" charset="0"/>
+            </a:endParaRPr>
+          </a:p>
+        </p:txBody>
+      </p:sp>
+    </p:spTree>
+    <p:extLst>
+      <p:ext uri="{BB962C8B-B14F-4D97-AF65-F5344CB8AC3E}">
+        <p14:creationId xmlns:p14="http://schemas.microsoft.com/office/powerpoint/2010/main" val="729889117"/>
+      </p:ext>
+    </p:extLst>
+  </p:cSld>
+  <p:clrMapOvr>
+    <a:masterClrMapping/>
+  </p:clrMapOvr>
+</p:sld>
+</file>
+
+<file path=ppt/slides/slide3.xml><?xml version="1.0" encoding="utf-8"?>
+<p:sld xmlns:a="http://schemas.openxmlformats.org/drawingml/2006/main" xmlns:r="http://schemas.openxmlformats.org/officeDocument/2006/relationships" xmlns:p="http://schemas.openxmlformats.org/presentationml/2006/main">
+  <p:cSld>
+    <p:spTree>
+      <p:nvGrpSpPr>
+        <p:cNvPr id="1" name=""/>
+        <p:cNvGrpSpPr/>
+        <p:nvPr/>
+      </p:nvGrpSpPr>
+      <p:grpSpPr>
+        <a:xfrm>
+          <a:off x="0" y="0"/>
+          <a:ext cx="0" cy="0"/>
+          <a:chOff x="0" y="0"/>
+          <a:chExt cx="0" cy="0"/>
+        </a:xfrm>
+      </p:grpSpPr>
+      <p:sp>
+        <p:nvSpPr>
+          <p:cNvPr id="2" name="标题 1">
+            <a:extLst>
+              <a:ext uri="{FF2B5EF4-FFF2-40B4-BE49-F238E27FC236}">
+                <a16:creationId xmlns:a16="http://schemas.microsoft.com/office/drawing/2014/main" xmlns="" id="{F0405D1C-A876-8341-918E-A5D66A83827F}"/>
+              </a:ext>
+            </a:extLst>
+          </p:cNvPr>
+          <p:cNvSpPr>
+            <a:spLocks noGrp="1"/>
+          </p:cNvSpPr>
+          <p:nvPr>
+            <p:ph type="title"/>
+          </p:nvPr>
+        </p:nvSpPr>
+        <p:spPr/>
+        <p:txBody>
+          <a:bodyPr/>
+          <a:lstStyle/>
+          <a:p>
+            <a:r>
+              <a:rPr kumimoji="1" lang="en-US" altLang="zh-CN" dirty="0">
+                <a:latin typeface="Times New Roman" panose="02020603050405020304" pitchFamily="18" charset="0"/>
+                <a:cs typeface="Times New Roman" panose="02020603050405020304" pitchFamily="18" charset="0"/>
+              </a:rPr>
+              <a:t>Dimensions</a:t>
+            </a:r>
+            <a:endParaRPr kumimoji="1" lang="zh-CN" altLang="en-US" dirty="0">
+              <a:latin typeface="Times New Roman" panose="02020603050405020304" pitchFamily="18" charset="0"/>
+              <a:cs typeface="Times New Roman" panose="02020603050405020304" pitchFamily="18" charset="0"/>
+            </a:endParaRPr>
+          </a:p>
+        </p:txBody>
+      </p:sp>
+      <p:sp>
+        <p:nvSpPr>
+          <p:cNvPr id="3" name="内容占位符 2">
+            <a:extLst>
+              <a:ext uri="{FF2B5EF4-FFF2-40B4-BE49-F238E27FC236}">
+                <a16:creationId xmlns:a16="http://schemas.microsoft.com/office/drawing/2014/main" xmlns="" id="{18357220-3404-9543-B18A-654DBC2080C6}"/>
+              </a:ext>
+            </a:extLst>
+          </p:cNvPr>
+          <p:cNvSpPr>
+            <a:spLocks noGrp="1"/>
+          </p:cNvSpPr>
+          <p:nvPr>
+            <p:ph idx="1"/>
+          </p:nvPr>
+        </p:nvSpPr>
+        <p:spPr/>
+        <p:txBody>
+          <a:bodyPr/>
+          <a:lstStyle/>
+          <a:p>
+            <a:r>
+              <a:rPr kumimoji="1" lang="en-US" altLang="zh-CN" dirty="0">
+                <a:latin typeface="Times New Roman" panose="02020603050405020304" pitchFamily="18" charset="0"/>
+                <a:cs typeface="Times New Roman" panose="02020603050405020304" pitchFamily="18" charset="0"/>
+              </a:rPr>
+              <a:t>Dimensions of traffic</a:t>
+            </a:r>
+          </a:p>
+          <a:p>
+            <a:r>
+              <a:rPr kumimoji="1" lang="en-US" altLang="zh-CN" dirty="0">
+                <a:latin typeface="Times New Roman" panose="02020603050405020304" pitchFamily="18" charset="0"/>
+                <a:cs typeface="Times New Roman" panose="02020603050405020304" pitchFamily="18" charset="0"/>
+              </a:rPr>
+              <a:t>Dimensions of sketch</a:t>
+            </a:r>
+          </a:p>
+        </p:txBody>
+      </p:sp>
+    </p:spTree>
+    <p:extLst>
+      <p:ext uri="{BB962C8B-B14F-4D97-AF65-F5344CB8AC3E}">
+        <p14:creationId xmlns:p14="http://schemas.microsoft.com/office/powerpoint/2010/main" val="671433214"/>
+      </p:ext>
+    </p:extLst>
+  </p:cSld>
+  <p:clrMapOvr>
+    <a:masterClrMapping/>
+  </p:clrMapOvr>
+</p:sld>
+</file>
+
+<file path=ppt/slides/slide30.xml><?xml version="1.0" encoding="utf-8"?>
+<p:sld xmlns:a="http://schemas.openxmlformats.org/drawingml/2006/main" xmlns:r="http://schemas.openxmlformats.org/officeDocument/2006/relationships" xmlns:p="http://schemas.openxmlformats.org/presentationml/2006/main">
+  <p:cSld>
+    <p:spTree>
+      <p:nvGrpSpPr>
+        <p:cNvPr id="1" name=""/>
+        <p:cNvGrpSpPr/>
+        <p:nvPr/>
+      </p:nvGrpSpPr>
+      <p:grpSpPr>
+        <a:xfrm>
+          <a:off x="0" y="0"/>
+          <a:ext cx="0" cy="0"/>
+          <a:chOff x="0" y="0"/>
+          <a:chExt cx="0" cy="0"/>
+        </a:xfrm>
+      </p:grpSpPr>
+      <p:sp>
+        <p:nvSpPr>
+          <p:cNvPr id="2" name="标题 1"/>
+          <p:cNvSpPr>
+            <a:spLocks noGrp="1"/>
+          </p:cNvSpPr>
+          <p:nvPr>
+            <p:ph type="title"/>
+          </p:nvPr>
+        </p:nvSpPr>
+        <p:spPr/>
+        <p:txBody>
+          <a:bodyPr/>
+          <a:lstStyle/>
+          <a:p>
+            <a:r>
+              <a:rPr kumimoji="1" lang="en-US" altLang="zh-CN" dirty="0" smtClean="0">
+                <a:latin typeface="Times New Roman" charset="0"/>
+                <a:ea typeface="Times New Roman" charset="0"/>
+                <a:cs typeface="Times New Roman" charset="0"/>
+              </a:rPr>
+              <a:t>Backup Slides</a:t>
+            </a:r>
+            <a:endParaRPr kumimoji="1" lang="en-US" altLang="zh-CN" dirty="0">
+              <a:latin typeface="Times New Roman" charset="0"/>
+              <a:ea typeface="Times New Roman" charset="0"/>
+              <a:cs typeface="Times New Roman" charset="0"/>
+            </a:endParaRPr>
+          </a:p>
+        </p:txBody>
+      </p:sp>
+      <p:sp>
+        <p:nvSpPr>
+          <p:cNvPr id="3" name="内容占位符 2"/>
+          <p:cNvSpPr>
+            <a:spLocks noGrp="1"/>
+          </p:cNvSpPr>
+          <p:nvPr>
+            <p:ph idx="1"/>
+          </p:nvPr>
+        </p:nvSpPr>
+        <p:spPr/>
+        <p:txBody>
+          <a:bodyPr/>
+          <a:lstStyle/>
+          <a:p>
+            <a:r>
+              <a:rPr kumimoji="1" lang="en-US" altLang="zh-CN" dirty="0">
+                <a:latin typeface="Times New Roman" charset="0"/>
+                <a:ea typeface="Times New Roman" charset="0"/>
+                <a:cs typeface="Times New Roman" charset="0"/>
+              </a:rPr>
+              <a:t>How to define the “min-granularity dimension”</a:t>
+            </a:r>
+          </a:p>
+          <a:p>
+            <a:r>
+              <a:rPr kumimoji="1" lang="en-US" altLang="zh-CN" dirty="0">
+                <a:latin typeface="Times New Roman" charset="0"/>
+                <a:ea typeface="Times New Roman" charset="0"/>
+                <a:cs typeface="Times New Roman" charset="0"/>
+              </a:rPr>
+              <a:t>How to assign measurement nodes </a:t>
+            </a:r>
+          </a:p>
+          <a:p>
+            <a:pPr lvl="1"/>
+            <a:endParaRPr kumimoji="1" lang="en-US" altLang="zh-CN" dirty="0">
+              <a:latin typeface="Times New Roman" charset="0"/>
+              <a:ea typeface="Times New Roman" charset="0"/>
+              <a:cs typeface="Times New Roman" charset="0"/>
+            </a:endParaRPr>
+          </a:p>
+        </p:txBody>
+      </p:sp>
+    </p:spTree>
+    <p:extLst>
+      <p:ext uri="{BB962C8B-B14F-4D97-AF65-F5344CB8AC3E}">
+        <p14:creationId xmlns:p14="http://schemas.microsoft.com/office/powerpoint/2010/main" val="431067192"/>
+      </p:ext>
+    </p:extLst>
+  </p:cSld>
+  <p:clrMapOvr>
+    <a:masterClrMapping/>
+  </p:clrMapOvr>
+</p:sld>
+</file>
+
+<file path=ppt/slides/slide31.xml><?xml version="1.0" encoding="utf-8"?>
 <p:sld xmlns:a="http://schemas.openxmlformats.org/drawingml/2006/main" xmlns:r="http://schemas.openxmlformats.org/officeDocument/2006/relationships" xmlns:p="http://schemas.openxmlformats.org/presentationml/2006/main">
   <p:cSld>
     <p:spTree>
@@ -20597,7 +21473,7 @@
           <p:cNvPr id="22" name="表格 21">
             <a:extLst>
               <a:ext uri="{FF2B5EF4-FFF2-40B4-BE49-F238E27FC236}">
-                <a16:creationId xmlns:a16="http://schemas.microsoft.com/office/drawing/2014/main" id="{BBD8331B-80DE-5E4F-9E00-43915192637C}"/>
+                <a16:creationId xmlns:a16="http://schemas.microsoft.com/office/drawing/2014/main" xmlns="" id="{BBD8331B-80DE-5E4F-9E00-43915192637C}"/>
               </a:ext>
             </a:extLst>
           </p:cNvPr>
@@ -20626,42 +21502,42 @@
                 <a:gridCol w="1016000">
                   <a:extLst>
                     <a:ext uri="{9D8B030D-6E8A-4147-A177-3AD203B41FA5}">
-                      <a16:colId xmlns:a16="http://schemas.microsoft.com/office/drawing/2014/main" val="2919921209"/>
+                      <a16:colId xmlns:a16="http://schemas.microsoft.com/office/drawing/2014/main" xmlns="" val="2919921209"/>
                     </a:ext>
                   </a:extLst>
                 </a:gridCol>
                 <a:gridCol w="1016000">
                   <a:extLst>
                     <a:ext uri="{9D8B030D-6E8A-4147-A177-3AD203B41FA5}">
-                      <a16:colId xmlns:a16="http://schemas.microsoft.com/office/drawing/2014/main" val="1274578498"/>
+                      <a16:colId xmlns:a16="http://schemas.microsoft.com/office/drawing/2014/main" xmlns="" val="1274578498"/>
                     </a:ext>
                   </a:extLst>
                 </a:gridCol>
                 <a:gridCol w="1016000">
                   <a:extLst>
                     <a:ext uri="{9D8B030D-6E8A-4147-A177-3AD203B41FA5}">
-                      <a16:colId xmlns:a16="http://schemas.microsoft.com/office/drawing/2014/main" val="2473859656"/>
+                      <a16:colId xmlns:a16="http://schemas.microsoft.com/office/drawing/2014/main" xmlns="" val="2473859656"/>
                     </a:ext>
                   </a:extLst>
                 </a:gridCol>
                 <a:gridCol w="1016000">
                   <a:extLst>
                     <a:ext uri="{9D8B030D-6E8A-4147-A177-3AD203B41FA5}">
-                      <a16:colId xmlns:a16="http://schemas.microsoft.com/office/drawing/2014/main" val="4017853280"/>
+                      <a16:colId xmlns:a16="http://schemas.microsoft.com/office/drawing/2014/main" xmlns="" val="4017853280"/>
                     </a:ext>
                   </a:extLst>
                 </a:gridCol>
                 <a:gridCol w="1016000">
                   <a:extLst>
                     <a:ext uri="{9D8B030D-6E8A-4147-A177-3AD203B41FA5}">
-                      <a16:colId xmlns:a16="http://schemas.microsoft.com/office/drawing/2014/main" val="4046979531"/>
+                      <a16:colId xmlns:a16="http://schemas.microsoft.com/office/drawing/2014/main" xmlns="" val="4046979531"/>
                     </a:ext>
                   </a:extLst>
                 </a:gridCol>
                 <a:gridCol w="1016000">
                   <a:extLst>
                     <a:ext uri="{9D8B030D-6E8A-4147-A177-3AD203B41FA5}">
-                      <a16:colId xmlns:a16="http://schemas.microsoft.com/office/drawing/2014/main" val="1236215947"/>
+                      <a16:colId xmlns:a16="http://schemas.microsoft.com/office/drawing/2014/main" xmlns="" val="1236215947"/>
                     </a:ext>
                   </a:extLst>
                 </a:gridCol>
@@ -20957,7 +21833,7 @@
                 </a:tc>
                 <a:extLst>
                   <a:ext uri="{0D108BD9-81ED-4DB2-BD59-A6C34878D82A}">
-                    <a16:rowId xmlns:a16="http://schemas.microsoft.com/office/drawing/2014/main" val="2866617908"/>
+                    <a16:rowId xmlns:a16="http://schemas.microsoft.com/office/drawing/2014/main" xmlns="" val="2866617908"/>
                   </a:ext>
                 </a:extLst>
               </a:tr>
@@ -20970,7 +21846,7 @@
           <p:cNvPr id="23" name="表格 22">
             <a:extLst>
               <a:ext uri="{FF2B5EF4-FFF2-40B4-BE49-F238E27FC236}">
-                <a16:creationId xmlns:a16="http://schemas.microsoft.com/office/drawing/2014/main" id="{BBD8331B-80DE-5E4F-9E00-43915192637C}"/>
+                <a16:creationId xmlns:a16="http://schemas.microsoft.com/office/drawing/2014/main" xmlns="" id="{BBD8331B-80DE-5E4F-9E00-43915192637C}"/>
               </a:ext>
             </a:extLst>
           </p:cNvPr>
@@ -20999,42 +21875,42 @@
                 <a:gridCol w="1016000">
                   <a:extLst>
                     <a:ext uri="{9D8B030D-6E8A-4147-A177-3AD203B41FA5}">
-                      <a16:colId xmlns:a16="http://schemas.microsoft.com/office/drawing/2014/main" val="2919921209"/>
+                      <a16:colId xmlns:a16="http://schemas.microsoft.com/office/drawing/2014/main" xmlns="" val="2919921209"/>
                     </a:ext>
                   </a:extLst>
                 </a:gridCol>
                 <a:gridCol w="1016000">
                   <a:extLst>
                     <a:ext uri="{9D8B030D-6E8A-4147-A177-3AD203B41FA5}">
-                      <a16:colId xmlns:a16="http://schemas.microsoft.com/office/drawing/2014/main" val="1274578498"/>
+                      <a16:colId xmlns:a16="http://schemas.microsoft.com/office/drawing/2014/main" xmlns="" val="1274578498"/>
                     </a:ext>
                   </a:extLst>
                 </a:gridCol>
                 <a:gridCol w="1016000">
                   <a:extLst>
                     <a:ext uri="{9D8B030D-6E8A-4147-A177-3AD203B41FA5}">
-                      <a16:colId xmlns:a16="http://schemas.microsoft.com/office/drawing/2014/main" val="2473859656"/>
+                      <a16:colId xmlns:a16="http://schemas.microsoft.com/office/drawing/2014/main" xmlns="" val="2473859656"/>
                     </a:ext>
                   </a:extLst>
                 </a:gridCol>
                 <a:gridCol w="1016000">
                   <a:extLst>
                     <a:ext uri="{9D8B030D-6E8A-4147-A177-3AD203B41FA5}">
-                      <a16:colId xmlns:a16="http://schemas.microsoft.com/office/drawing/2014/main" val="4017853280"/>
+                      <a16:colId xmlns:a16="http://schemas.microsoft.com/office/drawing/2014/main" xmlns="" val="4017853280"/>
                     </a:ext>
                   </a:extLst>
                 </a:gridCol>
                 <a:gridCol w="1016000">
                   <a:extLst>
                     <a:ext uri="{9D8B030D-6E8A-4147-A177-3AD203B41FA5}">
-                      <a16:colId xmlns:a16="http://schemas.microsoft.com/office/drawing/2014/main" val="4046979531"/>
+                      <a16:colId xmlns:a16="http://schemas.microsoft.com/office/drawing/2014/main" xmlns="" val="4046979531"/>
                     </a:ext>
                   </a:extLst>
                 </a:gridCol>
                 <a:gridCol w="1016000">
                   <a:extLst>
                     <a:ext uri="{9D8B030D-6E8A-4147-A177-3AD203B41FA5}">
-                      <a16:colId xmlns:a16="http://schemas.microsoft.com/office/drawing/2014/main" val="1236215947"/>
+                      <a16:colId xmlns:a16="http://schemas.microsoft.com/office/drawing/2014/main" xmlns="" val="1236215947"/>
                     </a:ext>
                   </a:extLst>
                 </a:gridCol>
@@ -21330,7 +22206,7 @@
                 </a:tc>
                 <a:extLst>
                   <a:ext uri="{0D108BD9-81ED-4DB2-BD59-A6C34878D82A}">
-                    <a16:rowId xmlns:a16="http://schemas.microsoft.com/office/drawing/2014/main" val="2866617908"/>
+                    <a16:rowId xmlns:a16="http://schemas.microsoft.com/office/drawing/2014/main" xmlns="" val="2866617908"/>
                   </a:ext>
                 </a:extLst>
               </a:tr>
@@ -22251,437 +23127,6 @@
 </p:sld>
 </file>
 
-<file path=ppt/slides/slide29.xml><?xml version="1.0" encoding="utf-8"?>
-<p:sld xmlns:a="http://schemas.openxmlformats.org/drawingml/2006/main" xmlns:r="http://schemas.openxmlformats.org/officeDocument/2006/relationships" xmlns:p="http://schemas.openxmlformats.org/presentationml/2006/main">
-  <p:cSld>
-    <p:spTree>
-      <p:nvGrpSpPr>
-        <p:cNvPr id="1" name=""/>
-        <p:cNvGrpSpPr/>
-        <p:nvPr/>
-      </p:nvGrpSpPr>
-      <p:grpSpPr>
-        <a:xfrm>
-          <a:off x="0" y="0"/>
-          <a:ext cx="0" cy="0"/>
-          <a:chOff x="0" y="0"/>
-          <a:chExt cx="0" cy="0"/>
-        </a:xfrm>
-      </p:grpSpPr>
-      <p:sp>
-        <p:nvSpPr>
-          <p:cNvPr id="2" name="标题 1"/>
-          <p:cNvSpPr>
-            <a:spLocks noGrp="1"/>
-          </p:cNvSpPr>
-          <p:nvPr>
-            <p:ph type="title"/>
-          </p:nvPr>
-        </p:nvSpPr>
-        <p:spPr/>
-        <p:txBody>
-          <a:bodyPr/>
-          <a:lstStyle/>
-          <a:p>
-            <a:r>
-              <a:rPr kumimoji="1" lang="en-US" altLang="zh-CN" dirty="0">
-                <a:latin typeface="Times New Roman" charset="0"/>
-                <a:ea typeface="Times New Roman" charset="0"/>
-                <a:cs typeface="Times New Roman" charset="0"/>
-              </a:rPr>
-              <a:t>Platforms</a:t>
-            </a:r>
-          </a:p>
-        </p:txBody>
-      </p:sp>
-      <p:sp>
-        <p:nvSpPr>
-          <p:cNvPr id="3" name="内容占位符 2"/>
-          <p:cNvSpPr>
-            <a:spLocks noGrp="1"/>
-          </p:cNvSpPr>
-          <p:nvPr>
-            <p:ph idx="1"/>
-          </p:nvPr>
-        </p:nvSpPr>
-        <p:spPr/>
-        <p:txBody>
-          <a:bodyPr/>
-          <a:lstStyle/>
-          <a:p>
-            <a:r>
-              <a:rPr kumimoji="1" lang="en-US" altLang="zh-CN" dirty="0">
-                <a:latin typeface="Times New Roman" charset="0"/>
-                <a:ea typeface="Times New Roman" charset="0"/>
-                <a:cs typeface="Times New Roman" charset="0"/>
-              </a:rPr>
-              <a:t>CPU</a:t>
-            </a:r>
-          </a:p>
-          <a:p>
-            <a:r>
-              <a:rPr kumimoji="1" lang="en-US" altLang="zh-CN" dirty="0">
-                <a:latin typeface="Times New Roman" charset="0"/>
-                <a:ea typeface="Times New Roman" charset="0"/>
-                <a:cs typeface="Times New Roman" charset="0"/>
-              </a:rPr>
-              <a:t>OVS</a:t>
-            </a:r>
-          </a:p>
-          <a:p>
-            <a:r>
-              <a:rPr kumimoji="1" lang="en-US" altLang="zh-CN" dirty="0">
-                <a:latin typeface="Times New Roman" charset="0"/>
-                <a:ea typeface="Times New Roman" charset="0"/>
-                <a:cs typeface="Times New Roman" charset="0"/>
-              </a:rPr>
-              <a:t>FPGA</a:t>
-            </a:r>
-          </a:p>
-          <a:p>
-            <a:r>
-              <a:rPr kumimoji="1" lang="en-US" altLang="zh-CN" dirty="0">
-                <a:latin typeface="Times New Roman" charset="0"/>
-                <a:ea typeface="Times New Roman" charset="0"/>
-                <a:cs typeface="Times New Roman" charset="0"/>
-              </a:rPr>
-              <a:t>P4</a:t>
-            </a:r>
-          </a:p>
-          <a:p>
-            <a:pPr lvl="1"/>
-            <a:endParaRPr kumimoji="1" lang="en-US" altLang="zh-CN" dirty="0">
-              <a:latin typeface="Times New Roman" charset="0"/>
-              <a:ea typeface="Times New Roman" charset="0"/>
-              <a:cs typeface="Times New Roman" charset="0"/>
-            </a:endParaRPr>
-          </a:p>
-        </p:txBody>
-      </p:sp>
-    </p:spTree>
-    <p:extLst>
-      <p:ext uri="{BB962C8B-B14F-4D97-AF65-F5344CB8AC3E}">
-        <p14:creationId xmlns:p14="http://schemas.microsoft.com/office/powerpoint/2010/main" val="729889117"/>
-      </p:ext>
-    </p:extLst>
-  </p:cSld>
-  <p:clrMapOvr>
-    <a:masterClrMapping/>
-  </p:clrMapOvr>
-</p:sld>
-</file>
-
-<file path=ppt/slides/slide3.xml><?xml version="1.0" encoding="utf-8"?>
-<p:sld xmlns:a="http://schemas.openxmlformats.org/drawingml/2006/main" xmlns:r="http://schemas.openxmlformats.org/officeDocument/2006/relationships" xmlns:p="http://schemas.openxmlformats.org/presentationml/2006/main">
-  <p:cSld>
-    <p:spTree>
-      <p:nvGrpSpPr>
-        <p:cNvPr id="1" name=""/>
-        <p:cNvGrpSpPr/>
-        <p:nvPr/>
-      </p:nvGrpSpPr>
-      <p:grpSpPr>
-        <a:xfrm>
-          <a:off x="0" y="0"/>
-          <a:ext cx="0" cy="0"/>
-          <a:chOff x="0" y="0"/>
-          <a:chExt cx="0" cy="0"/>
-        </a:xfrm>
-      </p:grpSpPr>
-      <p:sp>
-        <p:nvSpPr>
-          <p:cNvPr id="2" name="标题 1">
-            <a:extLst>
-              <a:ext uri="{FF2B5EF4-FFF2-40B4-BE49-F238E27FC236}">
-                <a16:creationId xmlns:a16="http://schemas.microsoft.com/office/drawing/2014/main" id="{F0405D1C-A876-8341-918E-A5D66A83827F}"/>
-              </a:ext>
-            </a:extLst>
-          </p:cNvPr>
-          <p:cNvSpPr>
-            <a:spLocks noGrp="1"/>
-          </p:cNvSpPr>
-          <p:nvPr>
-            <p:ph type="title"/>
-          </p:nvPr>
-        </p:nvSpPr>
-        <p:spPr/>
-        <p:txBody>
-          <a:bodyPr/>
-          <a:lstStyle/>
-          <a:p>
-            <a:r>
-              <a:rPr kumimoji="1" lang="en-US" altLang="zh-CN" dirty="0">
-                <a:latin typeface="Times New Roman" panose="02020603050405020304" pitchFamily="18" charset="0"/>
-                <a:cs typeface="Times New Roman" panose="02020603050405020304" pitchFamily="18" charset="0"/>
-              </a:rPr>
-              <a:t>Dimensions</a:t>
-            </a:r>
-            <a:endParaRPr kumimoji="1" lang="zh-CN" altLang="en-US" dirty="0">
-              <a:latin typeface="Times New Roman" panose="02020603050405020304" pitchFamily="18" charset="0"/>
-              <a:cs typeface="Times New Roman" panose="02020603050405020304" pitchFamily="18" charset="0"/>
-            </a:endParaRPr>
-          </a:p>
-        </p:txBody>
-      </p:sp>
-      <p:sp>
-        <p:nvSpPr>
-          <p:cNvPr id="3" name="内容占位符 2">
-            <a:extLst>
-              <a:ext uri="{FF2B5EF4-FFF2-40B4-BE49-F238E27FC236}">
-                <a16:creationId xmlns:a16="http://schemas.microsoft.com/office/drawing/2014/main" id="{18357220-3404-9543-B18A-654DBC2080C6}"/>
-              </a:ext>
-            </a:extLst>
-          </p:cNvPr>
-          <p:cNvSpPr>
-            <a:spLocks noGrp="1"/>
-          </p:cNvSpPr>
-          <p:nvPr>
-            <p:ph idx="1"/>
-          </p:nvPr>
-        </p:nvSpPr>
-        <p:spPr/>
-        <p:txBody>
-          <a:bodyPr/>
-          <a:lstStyle/>
-          <a:p>
-            <a:r>
-              <a:rPr kumimoji="1" lang="en-US" altLang="zh-CN" dirty="0">
-                <a:latin typeface="Times New Roman" panose="02020603050405020304" pitchFamily="18" charset="0"/>
-                <a:cs typeface="Times New Roman" panose="02020603050405020304" pitchFamily="18" charset="0"/>
-              </a:rPr>
-              <a:t>Dimensions of traffic</a:t>
-            </a:r>
-          </a:p>
-          <a:p>
-            <a:r>
-              <a:rPr kumimoji="1" lang="en-US" altLang="zh-CN" dirty="0">
-                <a:latin typeface="Times New Roman" panose="02020603050405020304" pitchFamily="18" charset="0"/>
-                <a:cs typeface="Times New Roman" panose="02020603050405020304" pitchFamily="18" charset="0"/>
-              </a:rPr>
-              <a:t>Dimensions of sketch</a:t>
-            </a:r>
-          </a:p>
-        </p:txBody>
-      </p:sp>
-    </p:spTree>
-    <p:extLst>
-      <p:ext uri="{BB962C8B-B14F-4D97-AF65-F5344CB8AC3E}">
-        <p14:creationId xmlns:p14="http://schemas.microsoft.com/office/powerpoint/2010/main" val="671433214"/>
-      </p:ext>
-    </p:extLst>
-  </p:cSld>
-  <p:clrMapOvr>
-    <a:masterClrMapping/>
-  </p:clrMapOvr>
-</p:sld>
-</file>
-
-<file path=ppt/slides/slide30.xml><?xml version="1.0" encoding="utf-8"?>
-<p:sld xmlns:a="http://schemas.openxmlformats.org/drawingml/2006/main" xmlns:r="http://schemas.openxmlformats.org/officeDocument/2006/relationships" xmlns:p="http://schemas.openxmlformats.org/presentationml/2006/main">
-  <p:cSld>
-    <p:spTree>
-      <p:nvGrpSpPr>
-        <p:cNvPr id="1" name=""/>
-        <p:cNvGrpSpPr/>
-        <p:nvPr/>
-      </p:nvGrpSpPr>
-      <p:grpSpPr>
-        <a:xfrm>
-          <a:off x="0" y="0"/>
-          <a:ext cx="0" cy="0"/>
-          <a:chOff x="0" y="0"/>
-          <a:chExt cx="0" cy="0"/>
-        </a:xfrm>
-      </p:grpSpPr>
-      <p:sp>
-        <p:nvSpPr>
-          <p:cNvPr id="2" name="标题 1"/>
-          <p:cNvSpPr>
-            <a:spLocks noGrp="1"/>
-          </p:cNvSpPr>
-          <p:nvPr>
-            <p:ph type="title"/>
-          </p:nvPr>
-        </p:nvSpPr>
-        <p:spPr/>
-        <p:txBody>
-          <a:bodyPr/>
-          <a:lstStyle/>
-          <a:p>
-            <a:r>
-              <a:rPr kumimoji="1" lang="en-US" altLang="zh-CN" dirty="0">
-                <a:latin typeface="Times New Roman" charset="0"/>
-                <a:ea typeface="Times New Roman" charset="0"/>
-                <a:cs typeface="Times New Roman" charset="0"/>
-              </a:rPr>
-              <a:t>Tasks</a:t>
-            </a:r>
-          </a:p>
-        </p:txBody>
-      </p:sp>
-      <p:sp>
-        <p:nvSpPr>
-          <p:cNvPr id="3" name="内容占位符 2"/>
-          <p:cNvSpPr>
-            <a:spLocks noGrp="1"/>
-          </p:cNvSpPr>
-          <p:nvPr>
-            <p:ph idx="1"/>
-          </p:nvPr>
-        </p:nvSpPr>
-        <p:spPr/>
-        <p:txBody>
-          <a:bodyPr/>
-          <a:lstStyle/>
-          <a:p>
-            <a:r>
-              <a:rPr kumimoji="1" lang="en-US" altLang="zh-CN" dirty="0">
-                <a:latin typeface="Times New Roman" charset="0"/>
-                <a:ea typeface="Times New Roman" charset="0"/>
-                <a:cs typeface="Times New Roman" charset="0"/>
-              </a:rPr>
-              <a:t>Estimation for Overall traffic</a:t>
-            </a:r>
-          </a:p>
-          <a:p>
-            <a:r>
-              <a:rPr kumimoji="1" lang="en-US" altLang="zh-CN" dirty="0">
-                <a:latin typeface="Times New Roman" charset="0"/>
-                <a:ea typeface="Times New Roman" charset="0"/>
-                <a:cs typeface="Times New Roman" charset="0"/>
-              </a:rPr>
-              <a:t>Estimation for Heavy traffic</a:t>
-            </a:r>
-          </a:p>
-          <a:p>
-            <a:endParaRPr kumimoji="1" lang="en-US" altLang="zh-CN" dirty="0">
-              <a:latin typeface="Times New Roman" charset="0"/>
-              <a:ea typeface="Times New Roman" charset="0"/>
-              <a:cs typeface="Times New Roman" charset="0"/>
-            </a:endParaRPr>
-          </a:p>
-          <a:p>
-            <a:endParaRPr kumimoji="1" lang="en-US" altLang="zh-CN" dirty="0">
-              <a:latin typeface="Times New Roman" charset="0"/>
-              <a:ea typeface="Times New Roman" charset="0"/>
-              <a:cs typeface="Times New Roman" charset="0"/>
-            </a:endParaRPr>
-          </a:p>
-        </p:txBody>
-      </p:sp>
-    </p:spTree>
-    <p:extLst>
-      <p:ext uri="{BB962C8B-B14F-4D97-AF65-F5344CB8AC3E}">
-        <p14:creationId xmlns:p14="http://schemas.microsoft.com/office/powerpoint/2010/main" val="1803707508"/>
-      </p:ext>
-    </p:extLst>
-  </p:cSld>
-  <p:clrMapOvr>
-    <a:masterClrMapping/>
-  </p:clrMapOvr>
-</p:sld>
-</file>
-
-<file path=ppt/slides/slide31.xml><?xml version="1.0" encoding="utf-8"?>
-<p:sld xmlns:a="http://schemas.openxmlformats.org/drawingml/2006/main" xmlns:r="http://schemas.openxmlformats.org/officeDocument/2006/relationships" xmlns:p="http://schemas.openxmlformats.org/presentationml/2006/main">
-  <p:cSld>
-    <p:spTree>
-      <p:nvGrpSpPr>
-        <p:cNvPr id="1" name=""/>
-        <p:cNvGrpSpPr/>
-        <p:nvPr/>
-      </p:nvGrpSpPr>
-      <p:grpSpPr>
-        <a:xfrm>
-          <a:off x="0" y="0"/>
-          <a:ext cx="0" cy="0"/>
-          <a:chOff x="0" y="0"/>
-          <a:chExt cx="0" cy="0"/>
-        </a:xfrm>
-      </p:grpSpPr>
-      <p:sp>
-        <p:nvSpPr>
-          <p:cNvPr id="2" name="标题 1"/>
-          <p:cNvSpPr>
-            <a:spLocks noGrp="1"/>
-          </p:cNvSpPr>
-          <p:nvPr>
-            <p:ph type="title"/>
-          </p:nvPr>
-        </p:nvSpPr>
-        <p:spPr/>
-        <p:txBody>
-          <a:bodyPr/>
-          <a:lstStyle/>
-          <a:p>
-            <a:r>
-              <a:rPr kumimoji="1" lang="en-US" altLang="zh-CN" dirty="0">
-                <a:latin typeface="Times New Roman" charset="0"/>
-                <a:ea typeface="Times New Roman" charset="0"/>
-                <a:cs typeface="Times New Roman" charset="0"/>
-              </a:rPr>
-              <a:t>Question</a:t>
-            </a:r>
-          </a:p>
-        </p:txBody>
-      </p:sp>
-      <p:sp>
-        <p:nvSpPr>
-          <p:cNvPr id="3" name="内容占位符 2"/>
-          <p:cNvSpPr>
-            <a:spLocks noGrp="1"/>
-          </p:cNvSpPr>
-          <p:nvPr>
-            <p:ph idx="1"/>
-          </p:nvPr>
-        </p:nvSpPr>
-        <p:spPr/>
-        <p:txBody>
-          <a:bodyPr/>
-          <a:lstStyle/>
-          <a:p>
-            <a:r>
-              <a:rPr kumimoji="1" lang="en-US" altLang="zh-CN" dirty="0">
-                <a:latin typeface="Times New Roman" charset="0"/>
-                <a:ea typeface="Times New Roman" charset="0"/>
-                <a:cs typeface="Times New Roman" charset="0"/>
-              </a:rPr>
-              <a:t>How to define the “min-granularity dimension”</a:t>
-            </a:r>
-          </a:p>
-          <a:p>
-            <a:r>
-              <a:rPr kumimoji="1" lang="en-US" altLang="zh-CN" dirty="0">
-                <a:latin typeface="Times New Roman" charset="0"/>
-                <a:ea typeface="Times New Roman" charset="0"/>
-                <a:cs typeface="Times New Roman" charset="0"/>
-              </a:rPr>
-              <a:t>How to assign measurement nodes </a:t>
-            </a:r>
-          </a:p>
-          <a:p>
-            <a:pPr lvl="1"/>
-            <a:endParaRPr kumimoji="1" lang="en-US" altLang="zh-CN" dirty="0">
-              <a:latin typeface="Times New Roman" charset="0"/>
-              <a:ea typeface="Times New Roman" charset="0"/>
-              <a:cs typeface="Times New Roman" charset="0"/>
-            </a:endParaRPr>
-          </a:p>
-        </p:txBody>
-      </p:sp>
-    </p:spTree>
-    <p:extLst>
-      <p:ext uri="{BB962C8B-B14F-4D97-AF65-F5344CB8AC3E}">
-        <p14:creationId xmlns:p14="http://schemas.microsoft.com/office/powerpoint/2010/main" val="431067192"/>
-      </p:ext>
-    </p:extLst>
-  </p:cSld>
-  <p:clrMapOvr>
-    <a:masterClrMapping/>
-  </p:clrMapOvr>
-</p:sld>
-</file>
-
 <file path=ppt/slides/slide32.xml><?xml version="1.0" encoding="utf-8"?>
 <p:sld xmlns:a="http://schemas.openxmlformats.org/drawingml/2006/main" xmlns:r="http://schemas.openxmlformats.org/officeDocument/2006/relationships" xmlns:p="http://schemas.openxmlformats.org/presentationml/2006/main">
   <p:cSld>
@@ -22754,14 +23199,14 @@
                     <a:gridCol w="924791">
                       <a:extLst>
                         <a:ext uri="{9D8B030D-6E8A-4147-A177-3AD203B41FA5}">
-                          <a16:colId xmlns:a16="http://schemas.microsoft.com/office/drawing/2014/main" val="20000"/>
+                          <a16:colId xmlns:a16="http://schemas.microsoft.com/office/drawing/2014/main" xmlns="" val="20000"/>
                         </a:ext>
                       </a:extLst>
                     </a:gridCol>
                     <a:gridCol w="924791">
                       <a:extLst>
                         <a:ext uri="{9D8B030D-6E8A-4147-A177-3AD203B41FA5}">
-                          <a16:colId xmlns:a16="http://schemas.microsoft.com/office/drawing/2014/main" val="20001"/>
+                          <a16:colId xmlns:a16="http://schemas.microsoft.com/office/drawing/2014/main" xmlns="" val="20001"/>
                         </a:ext>
                       </a:extLst>
                     </a:gridCol>
@@ -22786,7 +23231,7 @@
                                         <a:solidFill>
                                           <a:schemeClr val="tx1"/>
                                         </a:solidFill>
-                                        <a:latin typeface="Cambria Math" panose="02040503050406030204" pitchFamily="18" charset="0"/>
+                                        <a:latin typeface="Cambria Math" charset="0"/>
                                         <a:ea typeface="Times New Roman" charset="0"/>
                                         <a:cs typeface="Times New Roman" charset="0"/>
                                       </a:rPr>
@@ -22891,7 +23336,7 @@
                                         <a:solidFill>
                                           <a:schemeClr val="tx1"/>
                                         </a:solidFill>
-                                        <a:latin typeface="Cambria Math" panose="02040503050406030204" pitchFamily="18" charset="0"/>
+                                        <a:latin typeface="Cambria Math" charset="0"/>
                                         <a:ea typeface="Times New Roman" charset="0"/>
                                         <a:cs typeface="Times New Roman" charset="0"/>
                                       </a:rPr>
@@ -22979,7 +23424,7 @@
                     </a:tc>
                     <a:extLst>
                       <a:ext uri="{0D108BD9-81ED-4DB2-BD59-A6C34878D82A}">
-                        <a16:rowId xmlns:a16="http://schemas.microsoft.com/office/drawing/2014/main" val="10000"/>
+                        <a16:rowId xmlns:a16="http://schemas.microsoft.com/office/drawing/2014/main" xmlns="" val="10000"/>
                       </a:ext>
                     </a:extLst>
                   </a:tr>
@@ -23155,14 +23600,14 @@
                     <a:gridCol w="897082">
                       <a:extLst>
                         <a:ext uri="{9D8B030D-6E8A-4147-A177-3AD203B41FA5}">
-                          <a16:colId xmlns:a16="http://schemas.microsoft.com/office/drawing/2014/main" val="20000"/>
+                          <a16:colId xmlns:a16="http://schemas.microsoft.com/office/drawing/2014/main" xmlns="" val="20000"/>
                         </a:ext>
                       </a:extLst>
                     </a:gridCol>
                     <a:gridCol w="897082">
                       <a:extLst>
                         <a:ext uri="{9D8B030D-6E8A-4147-A177-3AD203B41FA5}">
-                          <a16:colId xmlns:a16="http://schemas.microsoft.com/office/drawing/2014/main" val="20001"/>
+                          <a16:colId xmlns:a16="http://schemas.microsoft.com/office/drawing/2014/main" xmlns="" val="20001"/>
                         </a:ext>
                       </a:extLst>
                     </a:gridCol>
@@ -23187,7 +23632,7 @@
                                         <a:solidFill>
                                           <a:schemeClr val="tx1"/>
                                         </a:solidFill>
-                                        <a:latin typeface="Cambria Math" panose="02040503050406030204" pitchFamily="18" charset="0"/>
+                                        <a:latin typeface="Cambria Math" charset="0"/>
                                         <a:ea typeface="Times New Roman" charset="0"/>
                                         <a:cs typeface="Times New Roman" charset="0"/>
                                       </a:rPr>
@@ -23292,7 +23737,7 @@
                                         <a:solidFill>
                                           <a:schemeClr val="tx1"/>
                                         </a:solidFill>
-                                        <a:latin typeface="Cambria Math" panose="02040503050406030204" pitchFamily="18" charset="0"/>
+                                        <a:latin typeface="Cambria Math" charset="0"/>
                                         <a:ea typeface="Times New Roman" charset="0"/>
                                         <a:cs typeface="Times New Roman" charset="0"/>
                                       </a:rPr>
@@ -23380,7 +23825,7 @@
                     </a:tc>
                     <a:extLst>
                       <a:ext uri="{0D108BD9-81ED-4DB2-BD59-A6C34878D82A}">
-                        <a16:rowId xmlns:a16="http://schemas.microsoft.com/office/drawing/2014/main" val="10000"/>
+                        <a16:rowId xmlns:a16="http://schemas.microsoft.com/office/drawing/2014/main" xmlns="" val="10000"/>
                       </a:ext>
                     </a:extLst>
                   </a:tr>
@@ -23726,14 +24171,14 @@
                     <a:gridCol w="1253931">
                       <a:extLst>
                         <a:ext uri="{9D8B030D-6E8A-4147-A177-3AD203B41FA5}">
-                          <a16:colId xmlns:a16="http://schemas.microsoft.com/office/drawing/2014/main" val="20000"/>
+                          <a16:colId xmlns:a16="http://schemas.microsoft.com/office/drawing/2014/main" xmlns="" val="20000"/>
                         </a:ext>
                       </a:extLst>
                     </a:gridCol>
                     <a:gridCol w="1253931">
                       <a:extLst>
                         <a:ext uri="{9D8B030D-6E8A-4147-A177-3AD203B41FA5}">
-                          <a16:colId xmlns:a16="http://schemas.microsoft.com/office/drawing/2014/main" val="20001"/>
+                          <a16:colId xmlns:a16="http://schemas.microsoft.com/office/drawing/2014/main" xmlns="" val="20001"/>
                         </a:ext>
                       </a:extLst>
                     </a:gridCol>
@@ -23825,7 +24270,7 @@
                                         <a:solidFill>
                                           <a:schemeClr val="tx1"/>
                                         </a:solidFill>
-                                        <a:latin typeface="Cambria Math" panose="02040503050406030204" pitchFamily="18" charset="0"/>
+                                        <a:latin typeface="Cambria Math" charset="0"/>
                                         <a:ea typeface="Times New Roman" charset="0"/>
                                         <a:cs typeface="Times New Roman" charset="0"/>
                                       </a:rPr>
@@ -23839,7 +24284,7 @@
                                             <a:solidFill>
                                               <a:schemeClr val="tx1"/>
                                             </a:solidFill>
-                                            <a:latin typeface="Cambria Math" panose="02040503050406030204" pitchFamily="18" charset="0"/>
+                                            <a:latin typeface="Cambria Math" charset="0"/>
                                             <a:ea typeface="Times New Roman" charset="0"/>
                                             <a:cs typeface="Times New Roman" charset="0"/>
                                           </a:rPr>
@@ -23964,7 +24409,7 @@
                     </a:tc>
                     <a:extLst>
                       <a:ext uri="{0D108BD9-81ED-4DB2-BD59-A6C34878D82A}">
-                        <a16:rowId xmlns:a16="http://schemas.microsoft.com/office/drawing/2014/main" val="10000"/>
+                        <a16:rowId xmlns:a16="http://schemas.microsoft.com/office/drawing/2014/main" xmlns="" val="10000"/>
                       </a:ext>
                     </a:extLst>
                   </a:tr>
@@ -24165,7 +24610,7 @@
                         <m:fPr>
                           <m:ctrlPr>
                             <a:rPr kumimoji="1" lang="mr-IN" altLang="zh-CN" sz="2400" b="1" i="1" smtClean="0">
-                              <a:latin typeface="Cambria Math" panose="02040503050406030204" pitchFamily="18" charset="0"/>
+                              <a:latin typeface="Cambria Math" charset="0"/>
                             </a:rPr>
                           </m:ctrlPr>
                         </m:fPr>
@@ -24174,7 +24619,7 @@
                             <m:sSubPr>
                               <m:ctrlPr>
                                 <a:rPr kumimoji="1" lang="en-US" altLang="zh-CN" sz="2400" b="1" i="1" smtClean="0">
-                                  <a:latin typeface="Cambria Math" panose="02040503050406030204" pitchFamily="18" charset="0"/>
+                                  <a:latin typeface="Cambria Math" charset="0"/>
                                 </a:rPr>
                               </m:ctrlPr>
                             </m:sSubPr>
@@ -24201,7 +24646,7 @@
                             <m:sSubPr>
                               <m:ctrlPr>
                                 <a:rPr lang="en-US" altLang="zh-CN" sz="2400" b="1" i="1">
-                                  <a:latin typeface="Cambria Math" panose="02040503050406030204" pitchFamily="18" charset="0"/>
+                                  <a:latin typeface="Cambria Math" charset="0"/>
                                   <a:ea typeface="Times New Roman" charset="0"/>
                                   <a:cs typeface="Times New Roman" charset="0"/>
                                 </a:rPr>
@@ -24212,7 +24657,7 @@
                                 <m:sSubPr>
                                   <m:ctrlPr>
                                     <a:rPr lang="en-US" altLang="zh-CN" sz="2400" b="1" i="1" smtClean="0">
-                                      <a:latin typeface="Cambria Math" panose="02040503050406030204" pitchFamily="18" charset="0"/>
+                                      <a:latin typeface="Cambria Math" charset="0"/>
                                       <a:ea typeface="Times New Roman" charset="0"/>
                                       <a:cs typeface="Times New Roman" charset="0"/>
                                     </a:rPr>
@@ -24273,7 +24718,7 @@
                         <m:sSubPr>
                           <m:ctrlPr>
                             <a:rPr kumimoji="1" lang="en-US" altLang="zh-CN" sz="2400" b="1" i="1" smtClean="0">
-                              <a:latin typeface="Cambria Math" panose="02040503050406030204" pitchFamily="18" charset="0"/>
+                              <a:latin typeface="Cambria Math" charset="0"/>
                             </a:rPr>
                           </m:ctrlPr>
                         </m:sSubPr>
@@ -24304,7 +24749,7 @@
                         <m:fPr>
                           <m:ctrlPr>
                             <a:rPr kumimoji="1" lang="mr-IN" altLang="zh-CN" sz="2400" b="1" i="1">
-                              <a:latin typeface="Cambria Math" panose="02040503050406030204" pitchFamily="18" charset="0"/>
+                              <a:latin typeface="Cambria Math" charset="0"/>
                             </a:rPr>
                           </m:ctrlPr>
                         </m:fPr>
@@ -24313,7 +24758,7 @@
                             <m:sSubPr>
                               <m:ctrlPr>
                                 <a:rPr kumimoji="1" lang="en-US" altLang="zh-CN" sz="2400" b="1" i="1">
-                                  <a:latin typeface="Cambria Math" panose="02040503050406030204" pitchFamily="18" charset="0"/>
+                                  <a:latin typeface="Cambria Math" charset="0"/>
                                 </a:rPr>
                               </m:ctrlPr>
                             </m:sSubPr>
@@ -24340,7 +24785,7 @@
                             <m:sSubPr>
                               <m:ctrlPr>
                                 <a:rPr lang="en-US" altLang="zh-CN" sz="2400" b="1" i="1">
-                                  <a:latin typeface="Cambria Math" panose="02040503050406030204" pitchFamily="18" charset="0"/>
+                                  <a:latin typeface="Cambria Math" charset="0"/>
                                   <a:ea typeface="Times New Roman" charset="0"/>
                                   <a:cs typeface="Times New Roman" charset="0"/>
                                 </a:rPr>
@@ -24351,7 +24796,7 @@
                                 <m:sSubPr>
                                   <m:ctrlPr>
                                     <a:rPr lang="en-US" altLang="zh-CN" sz="2400" b="1" i="1">
-                                      <a:latin typeface="Cambria Math" panose="02040503050406030204" pitchFamily="18" charset="0"/>
+                                      <a:latin typeface="Cambria Math" charset="0"/>
                                       <a:ea typeface="Times New Roman" charset="0"/>
                                       <a:cs typeface="Times New Roman" charset="0"/>
                                     </a:rPr>
@@ -24412,7 +24857,7 @@
                         <m:sSubPr>
                           <m:ctrlPr>
                             <a:rPr kumimoji="1" lang="en-US" altLang="zh-CN" sz="2400" b="1" i="1">
-                              <a:latin typeface="Cambria Math" panose="02040503050406030204" pitchFamily="18" charset="0"/>
+                              <a:latin typeface="Cambria Math" charset="0"/>
                             </a:rPr>
                           </m:ctrlPr>
                         </m:sSubPr>
@@ -24515,7 +24960,7 @@
           <p:cNvPr id="21" name="圆角矩形 20">
             <a:extLst>
               <a:ext uri="{FF2B5EF4-FFF2-40B4-BE49-F238E27FC236}">
-                <a16:creationId xmlns:a16="http://schemas.microsoft.com/office/drawing/2014/main" id="{B9FD8BC4-88B1-FB49-A69E-4544EC25D7B0}"/>
+                <a16:creationId xmlns:a16="http://schemas.microsoft.com/office/drawing/2014/main" xmlns="" id="{B9FD8BC4-88B1-FB49-A69E-4544EC25D7B0}"/>
               </a:ext>
             </a:extLst>
           </p:cNvPr>
@@ -24567,7 +25012,7 @@
           <p:cNvPr id="23" name="标题 1">
             <a:extLst>
               <a:ext uri="{FF2B5EF4-FFF2-40B4-BE49-F238E27FC236}">
-                <a16:creationId xmlns:a16="http://schemas.microsoft.com/office/drawing/2014/main" id="{2A0A361E-C4E6-9746-8122-CEDEFDAF9301}"/>
+                <a16:creationId xmlns:a16="http://schemas.microsoft.com/office/drawing/2014/main" xmlns="" id="{2A0A361E-C4E6-9746-8122-CEDEFDAF9301}"/>
               </a:ext>
             </a:extLst>
           </p:cNvPr>
@@ -24628,7 +25073,7 @@
           <p:cNvPr id="24" name="圆角矩形 23">
             <a:extLst>
               <a:ext uri="{FF2B5EF4-FFF2-40B4-BE49-F238E27FC236}">
-                <a16:creationId xmlns:a16="http://schemas.microsoft.com/office/drawing/2014/main" id="{77450AF4-A8E6-5A41-9C23-F856999365C5}"/>
+                <a16:creationId xmlns:a16="http://schemas.microsoft.com/office/drawing/2014/main" xmlns="" id="{77450AF4-A8E6-5A41-9C23-F856999365C5}"/>
               </a:ext>
             </a:extLst>
           </p:cNvPr>
@@ -24680,7 +25125,7 @@
           <p:cNvPr id="31" name="标题 1">
             <a:extLst>
               <a:ext uri="{FF2B5EF4-FFF2-40B4-BE49-F238E27FC236}">
-                <a16:creationId xmlns:a16="http://schemas.microsoft.com/office/drawing/2014/main" id="{69219139-42A6-6746-9965-D1370EE1A1BD}"/>
+                <a16:creationId xmlns:a16="http://schemas.microsoft.com/office/drawing/2014/main" xmlns="" id="{69219139-42A6-6746-9965-D1370EE1A1BD}"/>
               </a:ext>
             </a:extLst>
           </p:cNvPr>
@@ -24741,7 +25186,7 @@
           <p:cNvPr id="8" name="表格 7">
             <a:extLst>
               <a:ext uri="{FF2B5EF4-FFF2-40B4-BE49-F238E27FC236}">
-                <a16:creationId xmlns:a16="http://schemas.microsoft.com/office/drawing/2014/main" id="{D97D9A0B-82F4-CE43-8692-7C6CD16DE3F7}"/>
+                <a16:creationId xmlns:a16="http://schemas.microsoft.com/office/drawing/2014/main" xmlns="" id="{D97D9A0B-82F4-CE43-8692-7C6CD16DE3F7}"/>
               </a:ext>
             </a:extLst>
           </p:cNvPr>
@@ -24770,56 +25215,56 @@
                 <a:gridCol w="1016000">
                   <a:extLst>
                     <a:ext uri="{9D8B030D-6E8A-4147-A177-3AD203B41FA5}">
-                      <a16:colId xmlns:a16="http://schemas.microsoft.com/office/drawing/2014/main" val="2919921209"/>
+                      <a16:colId xmlns:a16="http://schemas.microsoft.com/office/drawing/2014/main" xmlns="" val="2919921209"/>
                     </a:ext>
                   </a:extLst>
                 </a:gridCol>
                 <a:gridCol w="1016000">
                   <a:extLst>
                     <a:ext uri="{9D8B030D-6E8A-4147-A177-3AD203B41FA5}">
-                      <a16:colId xmlns:a16="http://schemas.microsoft.com/office/drawing/2014/main" val="1274578498"/>
+                      <a16:colId xmlns:a16="http://schemas.microsoft.com/office/drawing/2014/main" xmlns="" val="1274578498"/>
                     </a:ext>
                   </a:extLst>
                 </a:gridCol>
                 <a:gridCol w="1016000">
                   <a:extLst>
                     <a:ext uri="{9D8B030D-6E8A-4147-A177-3AD203B41FA5}">
-                      <a16:colId xmlns:a16="http://schemas.microsoft.com/office/drawing/2014/main" val="2473859656"/>
+                      <a16:colId xmlns:a16="http://schemas.microsoft.com/office/drawing/2014/main" xmlns="" val="2473859656"/>
                     </a:ext>
                   </a:extLst>
                 </a:gridCol>
                 <a:gridCol w="1016000">
                   <a:extLst>
                     <a:ext uri="{9D8B030D-6E8A-4147-A177-3AD203B41FA5}">
-                      <a16:colId xmlns:a16="http://schemas.microsoft.com/office/drawing/2014/main" val="4017853280"/>
+                      <a16:colId xmlns:a16="http://schemas.microsoft.com/office/drawing/2014/main" xmlns="" val="4017853280"/>
                     </a:ext>
                   </a:extLst>
                 </a:gridCol>
                 <a:gridCol w="1016000">
                   <a:extLst>
                     <a:ext uri="{9D8B030D-6E8A-4147-A177-3AD203B41FA5}">
-                      <a16:colId xmlns:a16="http://schemas.microsoft.com/office/drawing/2014/main" val="4046979531"/>
+                      <a16:colId xmlns:a16="http://schemas.microsoft.com/office/drawing/2014/main" xmlns="" val="4046979531"/>
                     </a:ext>
                   </a:extLst>
                 </a:gridCol>
                 <a:gridCol w="1016000">
                   <a:extLst>
                     <a:ext uri="{9D8B030D-6E8A-4147-A177-3AD203B41FA5}">
-                      <a16:colId xmlns:a16="http://schemas.microsoft.com/office/drawing/2014/main" val="1236215947"/>
+                      <a16:colId xmlns:a16="http://schemas.microsoft.com/office/drawing/2014/main" xmlns="" val="1236215947"/>
                     </a:ext>
                   </a:extLst>
                 </a:gridCol>
                 <a:gridCol w="1016000">
                   <a:extLst>
                     <a:ext uri="{9D8B030D-6E8A-4147-A177-3AD203B41FA5}">
-                      <a16:colId xmlns:a16="http://schemas.microsoft.com/office/drawing/2014/main" val="3358476489"/>
+                      <a16:colId xmlns:a16="http://schemas.microsoft.com/office/drawing/2014/main" xmlns="" val="3358476489"/>
                     </a:ext>
                   </a:extLst>
                 </a:gridCol>
                 <a:gridCol w="1016000">
                   <a:extLst>
                     <a:ext uri="{9D8B030D-6E8A-4147-A177-3AD203B41FA5}">
-                      <a16:colId xmlns:a16="http://schemas.microsoft.com/office/drawing/2014/main" val="1544053477"/>
+                      <a16:colId xmlns:a16="http://schemas.microsoft.com/office/drawing/2014/main" xmlns="" val="1544053477"/>
                     </a:ext>
                   </a:extLst>
                 </a:gridCol>
@@ -25279,7 +25724,7 @@
                 </a:tc>
                 <a:extLst>
                   <a:ext uri="{0D108BD9-81ED-4DB2-BD59-A6C34878D82A}">
-                    <a16:rowId xmlns:a16="http://schemas.microsoft.com/office/drawing/2014/main" val="2866617908"/>
+                    <a16:rowId xmlns:a16="http://schemas.microsoft.com/office/drawing/2014/main" xmlns="" val="2866617908"/>
                   </a:ext>
                 </a:extLst>
               </a:tr>
@@ -25292,7 +25737,7 @@
           <p:cNvPr id="9" name="表格 8">
             <a:extLst>
               <a:ext uri="{FF2B5EF4-FFF2-40B4-BE49-F238E27FC236}">
-                <a16:creationId xmlns:a16="http://schemas.microsoft.com/office/drawing/2014/main" id="{CD154DA2-9E3F-1944-8B7D-C27C34F8B532}"/>
+                <a16:creationId xmlns:a16="http://schemas.microsoft.com/office/drawing/2014/main" xmlns="" id="{CD154DA2-9E3F-1944-8B7D-C27C34F8B532}"/>
               </a:ext>
             </a:extLst>
           </p:cNvPr>
@@ -25321,56 +25766,56 @@
                 <a:gridCol w="1016000">
                   <a:extLst>
                     <a:ext uri="{9D8B030D-6E8A-4147-A177-3AD203B41FA5}">
-                      <a16:colId xmlns:a16="http://schemas.microsoft.com/office/drawing/2014/main" val="2919921209"/>
+                      <a16:colId xmlns:a16="http://schemas.microsoft.com/office/drawing/2014/main" xmlns="" val="2919921209"/>
                     </a:ext>
                   </a:extLst>
                 </a:gridCol>
                 <a:gridCol w="1016000">
                   <a:extLst>
                     <a:ext uri="{9D8B030D-6E8A-4147-A177-3AD203B41FA5}">
-                      <a16:colId xmlns:a16="http://schemas.microsoft.com/office/drawing/2014/main" val="1274578498"/>
+                      <a16:colId xmlns:a16="http://schemas.microsoft.com/office/drawing/2014/main" xmlns="" val="1274578498"/>
                     </a:ext>
                   </a:extLst>
                 </a:gridCol>
                 <a:gridCol w="1016000">
                   <a:extLst>
                     <a:ext uri="{9D8B030D-6E8A-4147-A177-3AD203B41FA5}">
-                      <a16:colId xmlns:a16="http://schemas.microsoft.com/office/drawing/2014/main" val="2473859656"/>
+                      <a16:colId xmlns:a16="http://schemas.microsoft.com/office/drawing/2014/main" xmlns="" val="2473859656"/>
                     </a:ext>
                   </a:extLst>
                 </a:gridCol>
                 <a:gridCol w="1016000">
                   <a:extLst>
                     <a:ext uri="{9D8B030D-6E8A-4147-A177-3AD203B41FA5}">
-                      <a16:colId xmlns:a16="http://schemas.microsoft.com/office/drawing/2014/main" val="4017853280"/>
+                      <a16:colId xmlns:a16="http://schemas.microsoft.com/office/drawing/2014/main" xmlns="" val="4017853280"/>
                     </a:ext>
                   </a:extLst>
                 </a:gridCol>
                 <a:gridCol w="1016000">
                   <a:extLst>
                     <a:ext uri="{9D8B030D-6E8A-4147-A177-3AD203B41FA5}">
-                      <a16:colId xmlns:a16="http://schemas.microsoft.com/office/drawing/2014/main" val="4046979531"/>
+                      <a16:colId xmlns:a16="http://schemas.microsoft.com/office/drawing/2014/main" xmlns="" val="4046979531"/>
                     </a:ext>
                   </a:extLst>
                 </a:gridCol>
                 <a:gridCol w="1016000">
                   <a:extLst>
                     <a:ext uri="{9D8B030D-6E8A-4147-A177-3AD203B41FA5}">
-                      <a16:colId xmlns:a16="http://schemas.microsoft.com/office/drawing/2014/main" val="1236215947"/>
+                      <a16:colId xmlns:a16="http://schemas.microsoft.com/office/drawing/2014/main" xmlns="" val="1236215947"/>
                     </a:ext>
                   </a:extLst>
                 </a:gridCol>
                 <a:gridCol w="1016000">
                   <a:extLst>
                     <a:ext uri="{9D8B030D-6E8A-4147-A177-3AD203B41FA5}">
-                      <a16:colId xmlns:a16="http://schemas.microsoft.com/office/drawing/2014/main" val="3358476489"/>
+                      <a16:colId xmlns:a16="http://schemas.microsoft.com/office/drawing/2014/main" xmlns="" val="3358476489"/>
                     </a:ext>
                   </a:extLst>
                 </a:gridCol>
                 <a:gridCol w="1016000">
                   <a:extLst>
                     <a:ext uri="{9D8B030D-6E8A-4147-A177-3AD203B41FA5}">
-                      <a16:colId xmlns:a16="http://schemas.microsoft.com/office/drawing/2014/main" val="1544053477"/>
+                      <a16:colId xmlns:a16="http://schemas.microsoft.com/office/drawing/2014/main" xmlns="" val="1544053477"/>
                     </a:ext>
                   </a:extLst>
                 </a:gridCol>
@@ -25820,7 +26265,7 @@
                 </a:tc>
                 <a:extLst>
                   <a:ext uri="{0D108BD9-81ED-4DB2-BD59-A6C34878D82A}">
-                    <a16:rowId xmlns:a16="http://schemas.microsoft.com/office/drawing/2014/main" val="2866617908"/>
+                    <a16:rowId xmlns:a16="http://schemas.microsoft.com/office/drawing/2014/main" xmlns="" val="2866617908"/>
                   </a:ext>
                 </a:extLst>
               </a:tr>
@@ -25833,7 +26278,7 @@
           <p:cNvPr id="10" name="表格 9">
             <a:extLst>
               <a:ext uri="{FF2B5EF4-FFF2-40B4-BE49-F238E27FC236}">
-                <a16:creationId xmlns:a16="http://schemas.microsoft.com/office/drawing/2014/main" id="{A7DF6C73-A4D2-EA48-9F10-4EB820276082}"/>
+                <a16:creationId xmlns:a16="http://schemas.microsoft.com/office/drawing/2014/main" xmlns="" id="{A7DF6C73-A4D2-EA48-9F10-4EB820276082}"/>
               </a:ext>
             </a:extLst>
           </p:cNvPr>
@@ -25862,56 +26307,56 @@
                 <a:gridCol w="1016000">
                   <a:extLst>
                     <a:ext uri="{9D8B030D-6E8A-4147-A177-3AD203B41FA5}">
-                      <a16:colId xmlns:a16="http://schemas.microsoft.com/office/drawing/2014/main" val="2919921209"/>
+                      <a16:colId xmlns:a16="http://schemas.microsoft.com/office/drawing/2014/main" xmlns="" val="2919921209"/>
                     </a:ext>
                   </a:extLst>
                 </a:gridCol>
                 <a:gridCol w="1016000">
                   <a:extLst>
                     <a:ext uri="{9D8B030D-6E8A-4147-A177-3AD203B41FA5}">
-                      <a16:colId xmlns:a16="http://schemas.microsoft.com/office/drawing/2014/main" val="1274578498"/>
+                      <a16:colId xmlns:a16="http://schemas.microsoft.com/office/drawing/2014/main" xmlns="" val="1274578498"/>
                     </a:ext>
                   </a:extLst>
                 </a:gridCol>
                 <a:gridCol w="1016000">
                   <a:extLst>
                     <a:ext uri="{9D8B030D-6E8A-4147-A177-3AD203B41FA5}">
-                      <a16:colId xmlns:a16="http://schemas.microsoft.com/office/drawing/2014/main" val="2473859656"/>
+                      <a16:colId xmlns:a16="http://schemas.microsoft.com/office/drawing/2014/main" xmlns="" val="2473859656"/>
                     </a:ext>
                   </a:extLst>
                 </a:gridCol>
                 <a:gridCol w="1016000">
                   <a:extLst>
                     <a:ext uri="{9D8B030D-6E8A-4147-A177-3AD203B41FA5}">
-                      <a16:colId xmlns:a16="http://schemas.microsoft.com/office/drawing/2014/main" val="4017853280"/>
+                      <a16:colId xmlns:a16="http://schemas.microsoft.com/office/drawing/2014/main" xmlns="" val="4017853280"/>
                     </a:ext>
                   </a:extLst>
                 </a:gridCol>
                 <a:gridCol w="1016000">
                   <a:extLst>
                     <a:ext uri="{9D8B030D-6E8A-4147-A177-3AD203B41FA5}">
-                      <a16:colId xmlns:a16="http://schemas.microsoft.com/office/drawing/2014/main" val="4046979531"/>
+                      <a16:colId xmlns:a16="http://schemas.microsoft.com/office/drawing/2014/main" xmlns="" val="4046979531"/>
                     </a:ext>
                   </a:extLst>
                 </a:gridCol>
                 <a:gridCol w="1016000">
                   <a:extLst>
                     <a:ext uri="{9D8B030D-6E8A-4147-A177-3AD203B41FA5}">
-                      <a16:colId xmlns:a16="http://schemas.microsoft.com/office/drawing/2014/main" val="1236215947"/>
+                      <a16:colId xmlns:a16="http://schemas.microsoft.com/office/drawing/2014/main" xmlns="" val="1236215947"/>
                     </a:ext>
                   </a:extLst>
                 </a:gridCol>
                 <a:gridCol w="1016000">
                   <a:extLst>
                     <a:ext uri="{9D8B030D-6E8A-4147-A177-3AD203B41FA5}">
-                      <a16:colId xmlns:a16="http://schemas.microsoft.com/office/drawing/2014/main" val="3358476489"/>
+                      <a16:colId xmlns:a16="http://schemas.microsoft.com/office/drawing/2014/main" xmlns="" val="3358476489"/>
                     </a:ext>
                   </a:extLst>
                 </a:gridCol>
                 <a:gridCol w="1016000">
                   <a:extLst>
                     <a:ext uri="{9D8B030D-6E8A-4147-A177-3AD203B41FA5}">
-                      <a16:colId xmlns:a16="http://schemas.microsoft.com/office/drawing/2014/main" val="1544053477"/>
+                      <a16:colId xmlns:a16="http://schemas.microsoft.com/office/drawing/2014/main" xmlns="" val="1544053477"/>
                     </a:ext>
                   </a:extLst>
                 </a:gridCol>
@@ -26361,7 +26806,7 @@
                 </a:tc>
                 <a:extLst>
                   <a:ext uri="{0D108BD9-81ED-4DB2-BD59-A6C34878D82A}">
-                    <a16:rowId xmlns:a16="http://schemas.microsoft.com/office/drawing/2014/main" val="2866617908"/>
+                    <a16:rowId xmlns:a16="http://schemas.microsoft.com/office/drawing/2014/main" xmlns="" val="2866617908"/>
                   </a:ext>
                 </a:extLst>
               </a:tr>
@@ -26404,7 +26849,7 @@
           <p:cNvPr id="2" name="标题 1">
             <a:extLst>
               <a:ext uri="{FF2B5EF4-FFF2-40B4-BE49-F238E27FC236}">
-                <a16:creationId xmlns:a16="http://schemas.microsoft.com/office/drawing/2014/main" id="{F0405D1C-A876-8341-918E-A5D66A83827F}"/>
+                <a16:creationId xmlns:a16="http://schemas.microsoft.com/office/drawing/2014/main" xmlns="" id="{F0405D1C-A876-8341-918E-A5D66A83827F}"/>
               </a:ext>
             </a:extLst>
           </p:cNvPr>
@@ -26439,7 +26884,7 @@
           <p:cNvPr id="3" name="内容占位符 2">
             <a:extLst>
               <a:ext uri="{FF2B5EF4-FFF2-40B4-BE49-F238E27FC236}">
-                <a16:creationId xmlns:a16="http://schemas.microsoft.com/office/drawing/2014/main" id="{18357220-3404-9543-B18A-654DBC2080C6}"/>
+                <a16:creationId xmlns:a16="http://schemas.microsoft.com/office/drawing/2014/main" xmlns="" id="{18357220-3404-9543-B18A-654DBC2080C6}"/>
               </a:ext>
             </a:extLst>
           </p:cNvPr>
@@ -26552,7 +26997,7 @@
           <p:cNvPr id="2" name="标题 1">
             <a:extLst>
               <a:ext uri="{FF2B5EF4-FFF2-40B4-BE49-F238E27FC236}">
-                <a16:creationId xmlns:a16="http://schemas.microsoft.com/office/drawing/2014/main" id="{F0405D1C-A876-8341-918E-A5D66A83827F}"/>
+                <a16:creationId xmlns:a16="http://schemas.microsoft.com/office/drawing/2014/main" xmlns="" id="{F0405D1C-A876-8341-918E-A5D66A83827F}"/>
               </a:ext>
             </a:extLst>
           </p:cNvPr>
@@ -27163,7 +27608,7 @@
           <p:cNvPr id="2" name="标题 1">
             <a:extLst>
               <a:ext uri="{FF2B5EF4-FFF2-40B4-BE49-F238E27FC236}">
-                <a16:creationId xmlns:a16="http://schemas.microsoft.com/office/drawing/2014/main" id="{F0405D1C-A876-8341-918E-A5D66A83827F}"/>
+                <a16:creationId xmlns:a16="http://schemas.microsoft.com/office/drawing/2014/main" xmlns="" id="{F0405D1C-A876-8341-918E-A5D66A83827F}"/>
               </a:ext>
             </a:extLst>
           </p:cNvPr>
@@ -27198,7 +27643,7 @@
           <p:cNvPr id="3" name="内容占位符 2">
             <a:extLst>
               <a:ext uri="{FF2B5EF4-FFF2-40B4-BE49-F238E27FC236}">
-                <a16:creationId xmlns:a16="http://schemas.microsoft.com/office/drawing/2014/main" id="{18357220-3404-9543-B18A-654DBC2080C6}"/>
+                <a16:creationId xmlns:a16="http://schemas.microsoft.com/office/drawing/2014/main" xmlns="" id="{18357220-3404-9543-B18A-654DBC2080C6}"/>
               </a:ext>
             </a:extLst>
           </p:cNvPr>
@@ -27215,31 +27660,18 @@
           <a:lstStyle/>
           <a:p>
             <a:r>
-              <a:rPr kumimoji="1" lang="en-US" altLang="zh-CN" dirty="0">
+              <a:rPr kumimoji="1" lang="en-US" altLang="zh-CN" dirty="0" smtClean="0">
                 <a:latin typeface="Times New Roman" panose="02020603050405020304" pitchFamily="18" charset="0"/>
                 <a:cs typeface="Times New Roman" panose="02020603050405020304" pitchFamily="18" charset="0"/>
               </a:rPr>
-              <a:t>Every </a:t>
+              <a:t>Memory </a:t>
             </a:r>
-            <a:r>
-              <a:rPr kumimoji="1" lang="en-US" altLang="zh-CN">
-                <a:latin typeface="Times New Roman" panose="02020603050405020304" pitchFamily="18" charset="0"/>
-                <a:cs typeface="Times New Roman" panose="02020603050405020304" pitchFamily="18" charset="0"/>
-              </a:rPr>
-              <a:t>possible dimensions</a:t>
-            </a:r>
-            <a:endParaRPr kumimoji="1" lang="en-US" altLang="zh-CN" dirty="0">
-              <a:latin typeface="Times New Roman" panose="02020603050405020304" pitchFamily="18" charset="0"/>
-              <a:cs typeface="Times New Roman" panose="02020603050405020304" pitchFamily="18" charset="0"/>
-            </a:endParaRPr>
-          </a:p>
-          <a:p>
             <a:r>
               <a:rPr kumimoji="1" lang="en-US" altLang="zh-CN" dirty="0">
                 <a:latin typeface="Times New Roman" panose="02020603050405020304" pitchFamily="18" charset="0"/>
                 <a:cs typeface="Times New Roman" panose="02020603050405020304" pitchFamily="18" charset="0"/>
               </a:rPr>
-              <a:t>Memory overhead</a:t>
+              <a:t>overhead</a:t>
             </a:r>
           </a:p>
           <a:p>
@@ -27248,8 +27680,30 @@
                 <a:latin typeface="Times New Roman" panose="02020603050405020304" pitchFamily="18" charset="0"/>
                 <a:cs typeface="Times New Roman" panose="02020603050405020304" pitchFamily="18" charset="0"/>
               </a:rPr>
-              <a:t>Low accuracy/throughput</a:t>
+              <a:t>Low </a:t>
             </a:r>
+            <a:r>
+              <a:rPr kumimoji="1" lang="en-US" altLang="zh-CN" dirty="0" smtClean="0">
+                <a:latin typeface="Times New Roman" panose="02020603050405020304" pitchFamily="18" charset="0"/>
+                <a:cs typeface="Times New Roman" panose="02020603050405020304" pitchFamily="18" charset="0"/>
+              </a:rPr>
+              <a:t>accuracy/throughput</a:t>
+            </a:r>
+          </a:p>
+          <a:p>
+            <a:r>
+              <a:rPr kumimoji="1" lang="en-US" altLang="zh-CN" dirty="0">
+                <a:latin typeface="Times New Roman" panose="02020603050405020304" pitchFamily="18" charset="0"/>
+                <a:cs typeface="Times New Roman" panose="02020603050405020304" pitchFamily="18" charset="0"/>
+              </a:rPr>
+              <a:t>Every possible dimensions</a:t>
+            </a:r>
+          </a:p>
+          <a:p>
+            <a:endParaRPr kumimoji="1" lang="en-US" altLang="zh-CN" dirty="0">
+              <a:latin typeface="Times New Roman" panose="02020603050405020304" pitchFamily="18" charset="0"/>
+              <a:cs typeface="Times New Roman" panose="02020603050405020304" pitchFamily="18" charset="0"/>
+            </a:endParaRPr>
           </a:p>
         </p:txBody>
       </p:sp>
@@ -27288,7 +27742,7 @@
           <p:cNvPr id="2" name="标题 1">
             <a:extLst>
               <a:ext uri="{FF2B5EF4-FFF2-40B4-BE49-F238E27FC236}">
-                <a16:creationId xmlns:a16="http://schemas.microsoft.com/office/drawing/2014/main" id="{F0405D1C-A876-8341-918E-A5D66A83827F}"/>
+                <a16:creationId xmlns:a16="http://schemas.microsoft.com/office/drawing/2014/main" xmlns="" id="{F0405D1C-A876-8341-918E-A5D66A83827F}"/>
               </a:ext>
             </a:extLst>
           </p:cNvPr>
@@ -27323,7 +27777,7 @@
           <p:cNvPr id="3" name="内容占位符 2">
             <a:extLst>
               <a:ext uri="{FF2B5EF4-FFF2-40B4-BE49-F238E27FC236}">
-                <a16:creationId xmlns:a16="http://schemas.microsoft.com/office/drawing/2014/main" id="{18357220-3404-9543-B18A-654DBC2080C6}"/>
+                <a16:creationId xmlns:a16="http://schemas.microsoft.com/office/drawing/2014/main" xmlns="" id="{18357220-3404-9543-B18A-654DBC2080C6}"/>
               </a:ext>
             </a:extLst>
           </p:cNvPr>
@@ -27397,7 +27851,7 @@
           <p:cNvPr id="2" name="标题 1">
             <a:extLst>
               <a:ext uri="{FF2B5EF4-FFF2-40B4-BE49-F238E27FC236}">
-                <a16:creationId xmlns:a16="http://schemas.microsoft.com/office/drawing/2014/main" id="{6BD3BC95-97FB-854B-BC45-4D2B05ECEC9F}"/>
+                <a16:creationId xmlns:a16="http://schemas.microsoft.com/office/drawing/2014/main" xmlns="" id="{6BD3BC95-97FB-854B-BC45-4D2B05ECEC9F}"/>
               </a:ext>
             </a:extLst>
           </p:cNvPr>
@@ -27432,7 +27886,7 @@
           <p:cNvPr id="35" name="椭圆 34">
             <a:extLst>
               <a:ext uri="{FF2B5EF4-FFF2-40B4-BE49-F238E27FC236}">
-                <a16:creationId xmlns:a16="http://schemas.microsoft.com/office/drawing/2014/main" id="{FE177A80-294D-D74F-9193-54F0F6931790}"/>
+                <a16:creationId xmlns:a16="http://schemas.microsoft.com/office/drawing/2014/main" xmlns="" id="{FE177A80-294D-D74F-9193-54F0F6931790}"/>
               </a:ext>
             </a:extLst>
           </p:cNvPr>
@@ -27478,7 +27932,7 @@
           <p:cNvPr id="36" name="椭圆 35">
             <a:extLst>
               <a:ext uri="{FF2B5EF4-FFF2-40B4-BE49-F238E27FC236}">
-                <a16:creationId xmlns:a16="http://schemas.microsoft.com/office/drawing/2014/main" id="{BC6EE5D6-B812-5A44-8E2E-0D340A99F527}"/>
+                <a16:creationId xmlns:a16="http://schemas.microsoft.com/office/drawing/2014/main" xmlns="" id="{BC6EE5D6-B812-5A44-8E2E-0D340A99F527}"/>
               </a:ext>
             </a:extLst>
           </p:cNvPr>
@@ -27527,7 +27981,7 @@
           <p:cNvPr id="70" name="矩形 69">
             <a:extLst>
               <a:ext uri="{FF2B5EF4-FFF2-40B4-BE49-F238E27FC236}">
-                <a16:creationId xmlns:a16="http://schemas.microsoft.com/office/drawing/2014/main" id="{76DC12EF-3E78-4744-B092-2511D4394ED4}"/>
+                <a16:creationId xmlns:a16="http://schemas.microsoft.com/office/drawing/2014/main" xmlns="" id="{76DC12EF-3E78-4744-B092-2511D4394ED4}"/>
               </a:ext>
             </a:extLst>
           </p:cNvPr>
@@ -27573,7 +28027,7 @@
           <p:cNvPr id="71" name="矩形 70">
             <a:extLst>
               <a:ext uri="{FF2B5EF4-FFF2-40B4-BE49-F238E27FC236}">
-                <a16:creationId xmlns:a16="http://schemas.microsoft.com/office/drawing/2014/main" id="{1CBCA22F-4911-4144-B568-385765FDD372}"/>
+                <a16:creationId xmlns:a16="http://schemas.microsoft.com/office/drawing/2014/main" xmlns="" id="{1CBCA22F-4911-4144-B568-385765FDD372}"/>
               </a:ext>
             </a:extLst>
           </p:cNvPr>
@@ -27619,7 +28073,7 @@
           <p:cNvPr id="72" name="椭圆 71">
             <a:extLst>
               <a:ext uri="{FF2B5EF4-FFF2-40B4-BE49-F238E27FC236}">
-                <a16:creationId xmlns:a16="http://schemas.microsoft.com/office/drawing/2014/main" id="{CD70E9C7-E090-FC47-B17E-B628E54D05FA}"/>
+                <a16:creationId xmlns:a16="http://schemas.microsoft.com/office/drawing/2014/main" xmlns="" id="{CD70E9C7-E090-FC47-B17E-B628E54D05FA}"/>
               </a:ext>
             </a:extLst>
           </p:cNvPr>
@@ -27665,7 +28119,7 @@
           <p:cNvPr id="73" name="直线连接符 72">
             <a:extLst>
               <a:ext uri="{FF2B5EF4-FFF2-40B4-BE49-F238E27FC236}">
-                <a16:creationId xmlns:a16="http://schemas.microsoft.com/office/drawing/2014/main" id="{8F3893D3-96CB-E14C-B718-FF139035D674}"/>
+                <a16:creationId xmlns:a16="http://schemas.microsoft.com/office/drawing/2014/main" xmlns="" id="{8F3893D3-96CB-E14C-B718-FF139035D674}"/>
               </a:ext>
             </a:extLst>
           </p:cNvPr>
@@ -27710,7 +28164,7 @@
           <p:cNvPr id="74" name="直线连接符 73">
             <a:extLst>
               <a:ext uri="{FF2B5EF4-FFF2-40B4-BE49-F238E27FC236}">
-                <a16:creationId xmlns:a16="http://schemas.microsoft.com/office/drawing/2014/main" id="{0FAEEE3F-00C1-C94A-97FA-CE21D40B8CB7}"/>
+                <a16:creationId xmlns:a16="http://schemas.microsoft.com/office/drawing/2014/main" xmlns="" id="{0FAEEE3F-00C1-C94A-97FA-CE21D40B8CB7}"/>
               </a:ext>
             </a:extLst>
           </p:cNvPr>
@@ -27755,7 +28209,7 @@
           <p:cNvPr id="75" name="矩形 74">
             <a:extLst>
               <a:ext uri="{FF2B5EF4-FFF2-40B4-BE49-F238E27FC236}">
-                <a16:creationId xmlns:a16="http://schemas.microsoft.com/office/drawing/2014/main" id="{E75CA6BA-015B-014E-AB8A-35BF63F8E901}"/>
+                <a16:creationId xmlns:a16="http://schemas.microsoft.com/office/drawing/2014/main" xmlns="" id="{E75CA6BA-015B-014E-AB8A-35BF63F8E901}"/>
               </a:ext>
             </a:extLst>
           </p:cNvPr>
@@ -27801,7 +28255,7 @@
           <p:cNvPr id="76" name="矩形 75">
             <a:extLst>
               <a:ext uri="{FF2B5EF4-FFF2-40B4-BE49-F238E27FC236}">
-                <a16:creationId xmlns:a16="http://schemas.microsoft.com/office/drawing/2014/main" id="{51D6FEDD-A53E-A24B-BE7E-092955A49847}"/>
+                <a16:creationId xmlns:a16="http://schemas.microsoft.com/office/drawing/2014/main" xmlns="" id="{51D6FEDD-A53E-A24B-BE7E-092955A49847}"/>
               </a:ext>
             </a:extLst>
           </p:cNvPr>
@@ -27847,7 +28301,7 @@
           <p:cNvPr id="77" name="椭圆 76">
             <a:extLst>
               <a:ext uri="{FF2B5EF4-FFF2-40B4-BE49-F238E27FC236}">
-                <a16:creationId xmlns:a16="http://schemas.microsoft.com/office/drawing/2014/main" id="{28C8ED9E-0A7A-F143-9504-88BA23264A68}"/>
+                <a16:creationId xmlns:a16="http://schemas.microsoft.com/office/drawing/2014/main" xmlns="" id="{28C8ED9E-0A7A-F143-9504-88BA23264A68}"/>
               </a:ext>
             </a:extLst>
           </p:cNvPr>
@@ -27893,7 +28347,7 @@
           <p:cNvPr id="78" name="直线连接符 77">
             <a:extLst>
               <a:ext uri="{FF2B5EF4-FFF2-40B4-BE49-F238E27FC236}">
-                <a16:creationId xmlns:a16="http://schemas.microsoft.com/office/drawing/2014/main" id="{D7C680DE-E525-3D4F-B145-B7C61368168A}"/>
+                <a16:creationId xmlns:a16="http://schemas.microsoft.com/office/drawing/2014/main" xmlns="" id="{D7C680DE-E525-3D4F-B145-B7C61368168A}"/>
               </a:ext>
             </a:extLst>
           </p:cNvPr>
@@ -27938,7 +28392,7 @@
           <p:cNvPr id="79" name="直线连接符 78">
             <a:extLst>
               <a:ext uri="{FF2B5EF4-FFF2-40B4-BE49-F238E27FC236}">
-                <a16:creationId xmlns:a16="http://schemas.microsoft.com/office/drawing/2014/main" id="{52E496C5-2194-5540-8B69-4A614CB2C695}"/>
+                <a16:creationId xmlns:a16="http://schemas.microsoft.com/office/drawing/2014/main" xmlns="" id="{52E496C5-2194-5540-8B69-4A614CB2C695}"/>
               </a:ext>
             </a:extLst>
           </p:cNvPr>
@@ -27983,7 +28437,7 @@
           <p:cNvPr id="80" name="直线连接符 79">
             <a:extLst>
               <a:ext uri="{FF2B5EF4-FFF2-40B4-BE49-F238E27FC236}">
-                <a16:creationId xmlns:a16="http://schemas.microsoft.com/office/drawing/2014/main" id="{B2F72FF8-CB71-9440-8AB4-9B899631BE0A}"/>
+                <a16:creationId xmlns:a16="http://schemas.microsoft.com/office/drawing/2014/main" xmlns="" id="{B2F72FF8-CB71-9440-8AB4-9B899631BE0A}"/>
               </a:ext>
             </a:extLst>
           </p:cNvPr>
@@ -28028,7 +28482,7 @@
           <p:cNvPr id="83" name="直线连接符 82">
             <a:extLst>
               <a:ext uri="{FF2B5EF4-FFF2-40B4-BE49-F238E27FC236}">
-                <a16:creationId xmlns:a16="http://schemas.microsoft.com/office/drawing/2014/main" id="{CB8ECDB2-18F6-ED40-BF29-0E4204300FF1}"/>
+                <a16:creationId xmlns:a16="http://schemas.microsoft.com/office/drawing/2014/main" xmlns="" id="{CB8ECDB2-18F6-ED40-BF29-0E4204300FF1}"/>
               </a:ext>
             </a:extLst>
           </p:cNvPr>
@@ -28073,7 +28527,7 @@
           <p:cNvPr id="86" name="椭圆 85">
             <a:extLst>
               <a:ext uri="{FF2B5EF4-FFF2-40B4-BE49-F238E27FC236}">
-                <a16:creationId xmlns:a16="http://schemas.microsoft.com/office/drawing/2014/main" id="{D1E67824-653C-E74B-968D-3A3D0E990C80}"/>
+                <a16:creationId xmlns:a16="http://schemas.microsoft.com/office/drawing/2014/main" xmlns="" id="{D1E67824-653C-E74B-968D-3A3D0E990C80}"/>
               </a:ext>
             </a:extLst>
           </p:cNvPr>
@@ -28122,7 +28576,7 @@
           <p:cNvPr id="87" name="矩形 86">
             <a:extLst>
               <a:ext uri="{FF2B5EF4-FFF2-40B4-BE49-F238E27FC236}">
-                <a16:creationId xmlns:a16="http://schemas.microsoft.com/office/drawing/2014/main" id="{CE639E0C-5CED-7845-B8E2-188D7E851CD1}"/>
+                <a16:creationId xmlns:a16="http://schemas.microsoft.com/office/drawing/2014/main" xmlns="" id="{CE639E0C-5CED-7845-B8E2-188D7E851CD1}"/>
               </a:ext>
             </a:extLst>
           </p:cNvPr>
@@ -28176,7 +28630,7 @@
           <p:cNvPr id="88" name="矩形 87">
             <a:extLst>
               <a:ext uri="{FF2B5EF4-FFF2-40B4-BE49-F238E27FC236}">
-                <a16:creationId xmlns:a16="http://schemas.microsoft.com/office/drawing/2014/main" id="{ED911405-A61F-AF48-87AF-11B13D5DAF38}"/>
+                <a16:creationId xmlns:a16="http://schemas.microsoft.com/office/drawing/2014/main" xmlns="" id="{ED911405-A61F-AF48-87AF-11B13D5DAF38}"/>
               </a:ext>
             </a:extLst>
           </p:cNvPr>
@@ -28222,7 +28676,7 @@
           <p:cNvPr id="89" name="椭圆 88">
             <a:extLst>
               <a:ext uri="{FF2B5EF4-FFF2-40B4-BE49-F238E27FC236}">
-                <a16:creationId xmlns:a16="http://schemas.microsoft.com/office/drawing/2014/main" id="{451C4244-70E6-4542-8B8C-950146583A1D}"/>
+                <a16:creationId xmlns:a16="http://schemas.microsoft.com/office/drawing/2014/main" xmlns="" id="{451C4244-70E6-4542-8B8C-950146583A1D}"/>
               </a:ext>
             </a:extLst>
           </p:cNvPr>
@@ -28271,7 +28725,7 @@
           <p:cNvPr id="90" name="直线连接符 89">
             <a:extLst>
               <a:ext uri="{FF2B5EF4-FFF2-40B4-BE49-F238E27FC236}">
-                <a16:creationId xmlns:a16="http://schemas.microsoft.com/office/drawing/2014/main" id="{D8A0E0E2-635A-C94E-AED8-A6524FE9CF46}"/>
+                <a16:creationId xmlns:a16="http://schemas.microsoft.com/office/drawing/2014/main" xmlns="" id="{D8A0E0E2-635A-C94E-AED8-A6524FE9CF46}"/>
               </a:ext>
             </a:extLst>
           </p:cNvPr>
@@ -28316,7 +28770,7 @@
           <p:cNvPr id="91" name="直线连接符 90">
             <a:extLst>
               <a:ext uri="{FF2B5EF4-FFF2-40B4-BE49-F238E27FC236}">
-                <a16:creationId xmlns:a16="http://schemas.microsoft.com/office/drawing/2014/main" id="{91DCF7F9-7067-4742-AAE9-5541B02DA910}"/>
+                <a16:creationId xmlns:a16="http://schemas.microsoft.com/office/drawing/2014/main" xmlns="" id="{91DCF7F9-7067-4742-AAE9-5541B02DA910}"/>
               </a:ext>
             </a:extLst>
           </p:cNvPr>
@@ -28361,7 +28815,7 @@
           <p:cNvPr id="92" name="矩形 91">
             <a:extLst>
               <a:ext uri="{FF2B5EF4-FFF2-40B4-BE49-F238E27FC236}">
-                <a16:creationId xmlns:a16="http://schemas.microsoft.com/office/drawing/2014/main" id="{60E7D525-D61D-134B-B62D-5B76DDCC14F5}"/>
+                <a16:creationId xmlns:a16="http://schemas.microsoft.com/office/drawing/2014/main" xmlns="" id="{60E7D525-D61D-134B-B62D-5B76DDCC14F5}"/>
               </a:ext>
             </a:extLst>
           </p:cNvPr>
@@ -28407,7 +28861,7 @@
           <p:cNvPr id="93" name="矩形 92">
             <a:extLst>
               <a:ext uri="{FF2B5EF4-FFF2-40B4-BE49-F238E27FC236}">
-                <a16:creationId xmlns:a16="http://schemas.microsoft.com/office/drawing/2014/main" id="{A8800A96-5B4C-5445-B173-27E1FC332247}"/>
+                <a16:creationId xmlns:a16="http://schemas.microsoft.com/office/drawing/2014/main" xmlns="" id="{A8800A96-5B4C-5445-B173-27E1FC332247}"/>
               </a:ext>
             </a:extLst>
           </p:cNvPr>
@@ -28453,7 +28907,7 @@
           <p:cNvPr id="94" name="椭圆 93">
             <a:extLst>
               <a:ext uri="{FF2B5EF4-FFF2-40B4-BE49-F238E27FC236}">
-                <a16:creationId xmlns:a16="http://schemas.microsoft.com/office/drawing/2014/main" id="{EB4A5D39-59E0-BC46-A35D-1B10808219D4}"/>
+                <a16:creationId xmlns:a16="http://schemas.microsoft.com/office/drawing/2014/main" xmlns="" id="{EB4A5D39-59E0-BC46-A35D-1B10808219D4}"/>
               </a:ext>
             </a:extLst>
           </p:cNvPr>
@@ -28499,7 +28953,7 @@
           <p:cNvPr id="95" name="直线连接符 94">
             <a:extLst>
               <a:ext uri="{FF2B5EF4-FFF2-40B4-BE49-F238E27FC236}">
-                <a16:creationId xmlns:a16="http://schemas.microsoft.com/office/drawing/2014/main" id="{5A6A792C-A19D-8D40-B56B-9279B5CE0D85}"/>
+                <a16:creationId xmlns:a16="http://schemas.microsoft.com/office/drawing/2014/main" xmlns="" id="{5A6A792C-A19D-8D40-B56B-9279B5CE0D85}"/>
               </a:ext>
             </a:extLst>
           </p:cNvPr>
@@ -28544,7 +28998,7 @@
           <p:cNvPr id="96" name="直线连接符 95">
             <a:extLst>
               <a:ext uri="{FF2B5EF4-FFF2-40B4-BE49-F238E27FC236}">
-                <a16:creationId xmlns:a16="http://schemas.microsoft.com/office/drawing/2014/main" id="{D5A10680-6902-4244-B81A-7EBDAED0CFDF}"/>
+                <a16:creationId xmlns:a16="http://schemas.microsoft.com/office/drawing/2014/main" xmlns="" id="{D5A10680-6902-4244-B81A-7EBDAED0CFDF}"/>
               </a:ext>
             </a:extLst>
           </p:cNvPr>
@@ -28589,7 +29043,7 @@
           <p:cNvPr id="97" name="直线连接符 96">
             <a:extLst>
               <a:ext uri="{FF2B5EF4-FFF2-40B4-BE49-F238E27FC236}">
-                <a16:creationId xmlns:a16="http://schemas.microsoft.com/office/drawing/2014/main" id="{4C7B2CBB-05F8-1C48-BB82-81EFD7C255EE}"/>
+                <a16:creationId xmlns:a16="http://schemas.microsoft.com/office/drawing/2014/main" xmlns="" id="{4C7B2CBB-05F8-1C48-BB82-81EFD7C255EE}"/>
               </a:ext>
             </a:extLst>
           </p:cNvPr>
@@ -28634,7 +29088,7 @@
           <p:cNvPr id="98" name="直线连接符 97">
             <a:extLst>
               <a:ext uri="{FF2B5EF4-FFF2-40B4-BE49-F238E27FC236}">
-                <a16:creationId xmlns:a16="http://schemas.microsoft.com/office/drawing/2014/main" id="{BCCCD3ED-50F1-7A49-8FF2-C0393660C362}"/>
+                <a16:creationId xmlns:a16="http://schemas.microsoft.com/office/drawing/2014/main" xmlns="" id="{BCCCD3ED-50F1-7A49-8FF2-C0393660C362}"/>
               </a:ext>
             </a:extLst>
           </p:cNvPr>
@@ -28679,7 +29133,7 @@
           <p:cNvPr id="99" name="直线连接符 98">
             <a:extLst>
               <a:ext uri="{FF2B5EF4-FFF2-40B4-BE49-F238E27FC236}">
-                <a16:creationId xmlns:a16="http://schemas.microsoft.com/office/drawing/2014/main" id="{54CA5F68-92C8-D245-B66B-0A8135500154}"/>
+                <a16:creationId xmlns:a16="http://schemas.microsoft.com/office/drawing/2014/main" xmlns="" id="{54CA5F68-92C8-D245-B66B-0A8135500154}"/>
               </a:ext>
             </a:extLst>
           </p:cNvPr>
@@ -28724,7 +29178,7 @@
           <p:cNvPr id="102" name="直线连接符 101">
             <a:extLst>
               <a:ext uri="{FF2B5EF4-FFF2-40B4-BE49-F238E27FC236}">
-                <a16:creationId xmlns:a16="http://schemas.microsoft.com/office/drawing/2014/main" id="{D25792AE-BA15-4C4D-9B9B-E8116F709353}"/>
+                <a16:creationId xmlns:a16="http://schemas.microsoft.com/office/drawing/2014/main" xmlns="" id="{D25792AE-BA15-4C4D-9B9B-E8116F709353}"/>
               </a:ext>
             </a:extLst>
           </p:cNvPr>
@@ -28769,7 +29223,7 @@
           <p:cNvPr id="134" name="椭圆 133">
             <a:extLst>
               <a:ext uri="{FF2B5EF4-FFF2-40B4-BE49-F238E27FC236}">
-                <a16:creationId xmlns:a16="http://schemas.microsoft.com/office/drawing/2014/main" id="{D812FCEC-45C2-B344-801D-231FDC0CD8C9}"/>
+                <a16:creationId xmlns:a16="http://schemas.microsoft.com/office/drawing/2014/main" xmlns="" id="{D812FCEC-45C2-B344-801D-231FDC0CD8C9}"/>
               </a:ext>
             </a:extLst>
           </p:cNvPr>
@@ -28815,7 +29269,7 @@
           <p:cNvPr id="135" name="椭圆 134">
             <a:extLst>
               <a:ext uri="{FF2B5EF4-FFF2-40B4-BE49-F238E27FC236}">
-                <a16:creationId xmlns:a16="http://schemas.microsoft.com/office/drawing/2014/main" id="{45853432-1967-0E48-92F5-0FE48174D819}"/>
+                <a16:creationId xmlns:a16="http://schemas.microsoft.com/office/drawing/2014/main" xmlns="" id="{45853432-1967-0E48-92F5-0FE48174D819}"/>
               </a:ext>
             </a:extLst>
           </p:cNvPr>
@@ -28864,7 +29318,7 @@
           <p:cNvPr id="136" name="矩形 135">
             <a:extLst>
               <a:ext uri="{FF2B5EF4-FFF2-40B4-BE49-F238E27FC236}">
-                <a16:creationId xmlns:a16="http://schemas.microsoft.com/office/drawing/2014/main" id="{53905ACF-99DD-F742-B3F9-98736B3484DB}"/>
+                <a16:creationId xmlns:a16="http://schemas.microsoft.com/office/drawing/2014/main" xmlns="" id="{53905ACF-99DD-F742-B3F9-98736B3484DB}"/>
               </a:ext>
             </a:extLst>
           </p:cNvPr>
@@ -28910,7 +29364,7 @@
           <p:cNvPr id="137" name="矩形 136">
             <a:extLst>
               <a:ext uri="{FF2B5EF4-FFF2-40B4-BE49-F238E27FC236}">
-                <a16:creationId xmlns:a16="http://schemas.microsoft.com/office/drawing/2014/main" id="{B89B761A-F90C-EE46-9B43-C6656AC2353C}"/>
+                <a16:creationId xmlns:a16="http://schemas.microsoft.com/office/drawing/2014/main" xmlns="" id="{B89B761A-F90C-EE46-9B43-C6656AC2353C}"/>
               </a:ext>
             </a:extLst>
           </p:cNvPr>
@@ -28956,7 +29410,7 @@
           <p:cNvPr id="138" name="椭圆 137">
             <a:extLst>
               <a:ext uri="{FF2B5EF4-FFF2-40B4-BE49-F238E27FC236}">
-                <a16:creationId xmlns:a16="http://schemas.microsoft.com/office/drawing/2014/main" id="{1C8B860B-F86D-4B4B-9193-876CD7DC0907}"/>
+                <a16:creationId xmlns:a16="http://schemas.microsoft.com/office/drawing/2014/main" xmlns="" id="{1C8B860B-F86D-4B4B-9193-876CD7DC0907}"/>
               </a:ext>
             </a:extLst>
           </p:cNvPr>
@@ -29002,7 +29456,7 @@
           <p:cNvPr id="139" name="直线连接符 138">
             <a:extLst>
               <a:ext uri="{FF2B5EF4-FFF2-40B4-BE49-F238E27FC236}">
-                <a16:creationId xmlns:a16="http://schemas.microsoft.com/office/drawing/2014/main" id="{38202E17-7B59-C649-865C-21D4F76A306D}"/>
+                <a16:creationId xmlns:a16="http://schemas.microsoft.com/office/drawing/2014/main" xmlns="" id="{38202E17-7B59-C649-865C-21D4F76A306D}"/>
               </a:ext>
             </a:extLst>
           </p:cNvPr>
@@ -29047,7 +29501,7 @@
           <p:cNvPr id="140" name="直线连接符 139">
             <a:extLst>
               <a:ext uri="{FF2B5EF4-FFF2-40B4-BE49-F238E27FC236}">
-                <a16:creationId xmlns:a16="http://schemas.microsoft.com/office/drawing/2014/main" id="{A686937A-936E-D841-80F9-D60C793716A1}"/>
+                <a16:creationId xmlns:a16="http://schemas.microsoft.com/office/drawing/2014/main" xmlns="" id="{A686937A-936E-D841-80F9-D60C793716A1}"/>
               </a:ext>
             </a:extLst>
           </p:cNvPr>
@@ -29092,7 +29546,7 @@
           <p:cNvPr id="141" name="矩形 140">
             <a:extLst>
               <a:ext uri="{FF2B5EF4-FFF2-40B4-BE49-F238E27FC236}">
-                <a16:creationId xmlns:a16="http://schemas.microsoft.com/office/drawing/2014/main" id="{D3476BC9-3617-2349-AD3A-4D84C847071B}"/>
+                <a16:creationId xmlns:a16="http://schemas.microsoft.com/office/drawing/2014/main" xmlns="" id="{D3476BC9-3617-2349-AD3A-4D84C847071B}"/>
               </a:ext>
             </a:extLst>
           </p:cNvPr>
@@ -29138,7 +29592,7 @@
           <p:cNvPr id="142" name="矩形 141">
             <a:extLst>
               <a:ext uri="{FF2B5EF4-FFF2-40B4-BE49-F238E27FC236}">
-                <a16:creationId xmlns:a16="http://schemas.microsoft.com/office/drawing/2014/main" id="{35D61483-E1EA-2F47-A87D-5C5DAAF4C881}"/>
+                <a16:creationId xmlns:a16="http://schemas.microsoft.com/office/drawing/2014/main" xmlns="" id="{35D61483-E1EA-2F47-A87D-5C5DAAF4C881}"/>
               </a:ext>
             </a:extLst>
           </p:cNvPr>
@@ -29184,7 +29638,7 @@
           <p:cNvPr id="143" name="椭圆 142">
             <a:extLst>
               <a:ext uri="{FF2B5EF4-FFF2-40B4-BE49-F238E27FC236}">
-                <a16:creationId xmlns:a16="http://schemas.microsoft.com/office/drawing/2014/main" id="{E2395878-95EC-F440-B899-6DB2E3106F63}"/>
+                <a16:creationId xmlns:a16="http://schemas.microsoft.com/office/drawing/2014/main" xmlns="" id="{E2395878-95EC-F440-B899-6DB2E3106F63}"/>
               </a:ext>
             </a:extLst>
           </p:cNvPr>
@@ -29230,7 +29684,7 @@
           <p:cNvPr id="144" name="直线连接符 143">
             <a:extLst>
               <a:ext uri="{FF2B5EF4-FFF2-40B4-BE49-F238E27FC236}">
-                <a16:creationId xmlns:a16="http://schemas.microsoft.com/office/drawing/2014/main" id="{CD20C65D-F06D-DD44-B428-C81AA47372D7}"/>
+                <a16:creationId xmlns:a16="http://schemas.microsoft.com/office/drawing/2014/main" xmlns="" id="{CD20C65D-F06D-DD44-B428-C81AA47372D7}"/>
               </a:ext>
             </a:extLst>
           </p:cNvPr>
@@ -29275,7 +29729,7 @@
           <p:cNvPr id="145" name="直线连接符 144">
             <a:extLst>
               <a:ext uri="{FF2B5EF4-FFF2-40B4-BE49-F238E27FC236}">
-                <a16:creationId xmlns:a16="http://schemas.microsoft.com/office/drawing/2014/main" id="{4A9E221B-42B3-C740-B0F0-1A2B9833930E}"/>
+                <a16:creationId xmlns:a16="http://schemas.microsoft.com/office/drawing/2014/main" xmlns="" id="{4A9E221B-42B3-C740-B0F0-1A2B9833930E}"/>
               </a:ext>
             </a:extLst>
           </p:cNvPr>
@@ -29320,7 +29774,7 @@
           <p:cNvPr id="146" name="直线连接符 145">
             <a:extLst>
               <a:ext uri="{FF2B5EF4-FFF2-40B4-BE49-F238E27FC236}">
-                <a16:creationId xmlns:a16="http://schemas.microsoft.com/office/drawing/2014/main" id="{A7B7AC7C-9690-9944-B1FE-CBA8452577D4}"/>
+                <a16:creationId xmlns:a16="http://schemas.microsoft.com/office/drawing/2014/main" xmlns="" id="{A7B7AC7C-9690-9944-B1FE-CBA8452577D4}"/>
               </a:ext>
             </a:extLst>
           </p:cNvPr>
@@ -29365,7 +29819,7 @@
           <p:cNvPr id="147" name="直线连接符 146">
             <a:extLst>
               <a:ext uri="{FF2B5EF4-FFF2-40B4-BE49-F238E27FC236}">
-                <a16:creationId xmlns:a16="http://schemas.microsoft.com/office/drawing/2014/main" id="{6D66B493-EBF1-EC42-BE0A-D44EB359DE35}"/>
+                <a16:creationId xmlns:a16="http://schemas.microsoft.com/office/drawing/2014/main" xmlns="" id="{6D66B493-EBF1-EC42-BE0A-D44EB359DE35}"/>
               </a:ext>
             </a:extLst>
           </p:cNvPr>
@@ -29410,7 +29864,7 @@
           <p:cNvPr id="148" name="椭圆 147">
             <a:extLst>
               <a:ext uri="{FF2B5EF4-FFF2-40B4-BE49-F238E27FC236}">
-                <a16:creationId xmlns:a16="http://schemas.microsoft.com/office/drawing/2014/main" id="{9671E381-8C9A-7249-8690-9A97FE6CEC37}"/>
+                <a16:creationId xmlns:a16="http://schemas.microsoft.com/office/drawing/2014/main" xmlns="" id="{9671E381-8C9A-7249-8690-9A97FE6CEC37}"/>
               </a:ext>
             </a:extLst>
           </p:cNvPr>
@@ -29459,7 +29913,7 @@
           <p:cNvPr id="149" name="矩形 148">
             <a:extLst>
               <a:ext uri="{FF2B5EF4-FFF2-40B4-BE49-F238E27FC236}">
-                <a16:creationId xmlns:a16="http://schemas.microsoft.com/office/drawing/2014/main" id="{88213569-380C-704D-8320-D89BC8332040}"/>
+                <a16:creationId xmlns:a16="http://schemas.microsoft.com/office/drawing/2014/main" xmlns="" id="{88213569-380C-704D-8320-D89BC8332040}"/>
               </a:ext>
             </a:extLst>
           </p:cNvPr>
@@ -29505,7 +29959,7 @@
           <p:cNvPr id="150" name="矩形 149">
             <a:extLst>
               <a:ext uri="{FF2B5EF4-FFF2-40B4-BE49-F238E27FC236}">
-                <a16:creationId xmlns:a16="http://schemas.microsoft.com/office/drawing/2014/main" id="{CC2D48BD-2F54-1846-9FE6-B2926D606B96}"/>
+                <a16:creationId xmlns:a16="http://schemas.microsoft.com/office/drawing/2014/main" xmlns="" id="{CC2D48BD-2F54-1846-9FE6-B2926D606B96}"/>
               </a:ext>
             </a:extLst>
           </p:cNvPr>
@@ -29551,7 +30005,7 @@
           <p:cNvPr id="151" name="椭圆 150">
             <a:extLst>
               <a:ext uri="{FF2B5EF4-FFF2-40B4-BE49-F238E27FC236}">
-                <a16:creationId xmlns:a16="http://schemas.microsoft.com/office/drawing/2014/main" id="{CC3C0616-22E1-C94C-8B56-7F7DD53DC4D3}"/>
+                <a16:creationId xmlns:a16="http://schemas.microsoft.com/office/drawing/2014/main" xmlns="" id="{CC3C0616-22E1-C94C-8B56-7F7DD53DC4D3}"/>
               </a:ext>
             </a:extLst>
           </p:cNvPr>
@@ -29597,7 +30051,7 @@
           <p:cNvPr id="152" name="直线连接符 151">
             <a:extLst>
               <a:ext uri="{FF2B5EF4-FFF2-40B4-BE49-F238E27FC236}">
-                <a16:creationId xmlns:a16="http://schemas.microsoft.com/office/drawing/2014/main" id="{60B11272-6AB9-CA4C-B732-26120A0C2D95}"/>
+                <a16:creationId xmlns:a16="http://schemas.microsoft.com/office/drawing/2014/main" xmlns="" id="{60B11272-6AB9-CA4C-B732-26120A0C2D95}"/>
               </a:ext>
             </a:extLst>
           </p:cNvPr>
@@ -29642,7 +30096,7 @@
           <p:cNvPr id="153" name="直线连接符 152">
             <a:extLst>
               <a:ext uri="{FF2B5EF4-FFF2-40B4-BE49-F238E27FC236}">
-                <a16:creationId xmlns:a16="http://schemas.microsoft.com/office/drawing/2014/main" id="{ED220DF5-351F-AF4A-BFC5-E3A9ACFD304F}"/>
+                <a16:creationId xmlns:a16="http://schemas.microsoft.com/office/drawing/2014/main" xmlns="" id="{ED220DF5-351F-AF4A-BFC5-E3A9ACFD304F}"/>
               </a:ext>
             </a:extLst>
           </p:cNvPr>
@@ -29687,7 +30141,7 @@
           <p:cNvPr id="154" name="矩形 153">
             <a:extLst>
               <a:ext uri="{FF2B5EF4-FFF2-40B4-BE49-F238E27FC236}">
-                <a16:creationId xmlns:a16="http://schemas.microsoft.com/office/drawing/2014/main" id="{4B8DE2BB-3A6E-E14F-8864-AA75D7DDD0E9}"/>
+                <a16:creationId xmlns:a16="http://schemas.microsoft.com/office/drawing/2014/main" xmlns="" id="{4B8DE2BB-3A6E-E14F-8864-AA75D7DDD0E9}"/>
               </a:ext>
             </a:extLst>
           </p:cNvPr>
@@ -29733,7 +30187,7 @@
           <p:cNvPr id="155" name="矩形 154">
             <a:extLst>
               <a:ext uri="{FF2B5EF4-FFF2-40B4-BE49-F238E27FC236}">
-                <a16:creationId xmlns:a16="http://schemas.microsoft.com/office/drawing/2014/main" id="{72AE0033-0163-7044-AE9F-701DB78B7EF9}"/>
+                <a16:creationId xmlns:a16="http://schemas.microsoft.com/office/drawing/2014/main" xmlns="" id="{72AE0033-0163-7044-AE9F-701DB78B7EF9}"/>
               </a:ext>
             </a:extLst>
           </p:cNvPr>
@@ -29787,7 +30241,7 @@
           <p:cNvPr id="156" name="椭圆 155">
             <a:extLst>
               <a:ext uri="{FF2B5EF4-FFF2-40B4-BE49-F238E27FC236}">
-                <a16:creationId xmlns:a16="http://schemas.microsoft.com/office/drawing/2014/main" id="{8ABA1EAD-85CF-F84F-AE56-875490D8D171}"/>
+                <a16:creationId xmlns:a16="http://schemas.microsoft.com/office/drawing/2014/main" xmlns="" id="{8ABA1EAD-85CF-F84F-AE56-875490D8D171}"/>
               </a:ext>
             </a:extLst>
           </p:cNvPr>
@@ -29836,7 +30290,7 @@
           <p:cNvPr id="157" name="直线连接符 156">
             <a:extLst>
               <a:ext uri="{FF2B5EF4-FFF2-40B4-BE49-F238E27FC236}">
-                <a16:creationId xmlns:a16="http://schemas.microsoft.com/office/drawing/2014/main" id="{2C4DA044-EEA3-2648-9022-9D4B646E54CE}"/>
+                <a16:creationId xmlns:a16="http://schemas.microsoft.com/office/drawing/2014/main" xmlns="" id="{2C4DA044-EEA3-2648-9022-9D4B646E54CE}"/>
               </a:ext>
             </a:extLst>
           </p:cNvPr>
@@ -29881,7 +30335,7 @@
           <p:cNvPr id="158" name="直线连接符 157">
             <a:extLst>
               <a:ext uri="{FF2B5EF4-FFF2-40B4-BE49-F238E27FC236}">
-                <a16:creationId xmlns:a16="http://schemas.microsoft.com/office/drawing/2014/main" id="{678F7910-1BFB-1C48-A5F5-C6B0119E35A2}"/>
+                <a16:creationId xmlns:a16="http://schemas.microsoft.com/office/drawing/2014/main" xmlns="" id="{678F7910-1BFB-1C48-A5F5-C6B0119E35A2}"/>
               </a:ext>
             </a:extLst>
           </p:cNvPr>
@@ -29926,7 +30380,7 @@
           <p:cNvPr id="159" name="直线连接符 158">
             <a:extLst>
               <a:ext uri="{FF2B5EF4-FFF2-40B4-BE49-F238E27FC236}">
-                <a16:creationId xmlns:a16="http://schemas.microsoft.com/office/drawing/2014/main" id="{FD1849BE-468D-E749-AF86-14B2A3AD676B}"/>
+                <a16:creationId xmlns:a16="http://schemas.microsoft.com/office/drawing/2014/main" xmlns="" id="{FD1849BE-468D-E749-AF86-14B2A3AD676B}"/>
               </a:ext>
             </a:extLst>
           </p:cNvPr>
@@ -29971,7 +30425,7 @@
           <p:cNvPr id="160" name="直线连接符 159">
             <a:extLst>
               <a:ext uri="{FF2B5EF4-FFF2-40B4-BE49-F238E27FC236}">
-                <a16:creationId xmlns:a16="http://schemas.microsoft.com/office/drawing/2014/main" id="{87FC241E-5606-0041-957F-54DD1CBD07D5}"/>
+                <a16:creationId xmlns:a16="http://schemas.microsoft.com/office/drawing/2014/main" xmlns="" id="{87FC241E-5606-0041-957F-54DD1CBD07D5}"/>
               </a:ext>
             </a:extLst>
           </p:cNvPr>
@@ -30016,7 +30470,7 @@
           <p:cNvPr id="161" name="直线连接符 160">
             <a:extLst>
               <a:ext uri="{FF2B5EF4-FFF2-40B4-BE49-F238E27FC236}">
-                <a16:creationId xmlns:a16="http://schemas.microsoft.com/office/drawing/2014/main" id="{0BC2BEE3-84D2-ED4F-878B-6B9F20A153A1}"/>
+                <a16:creationId xmlns:a16="http://schemas.microsoft.com/office/drawing/2014/main" xmlns="" id="{0BC2BEE3-84D2-ED4F-878B-6B9F20A153A1}"/>
               </a:ext>
             </a:extLst>
           </p:cNvPr>
@@ -30061,7 +30515,7 @@
           <p:cNvPr id="162" name="直线连接符 161">
             <a:extLst>
               <a:ext uri="{FF2B5EF4-FFF2-40B4-BE49-F238E27FC236}">
-                <a16:creationId xmlns:a16="http://schemas.microsoft.com/office/drawing/2014/main" id="{59280443-0F11-4B41-9BEB-DBD789224C23}"/>
+                <a16:creationId xmlns:a16="http://schemas.microsoft.com/office/drawing/2014/main" xmlns="" id="{59280443-0F11-4B41-9BEB-DBD789224C23}"/>
               </a:ext>
             </a:extLst>
           </p:cNvPr>
@@ -30106,7 +30560,7 @@
           <p:cNvPr id="163" name="直线连接符 162">
             <a:extLst>
               <a:ext uri="{FF2B5EF4-FFF2-40B4-BE49-F238E27FC236}">
-                <a16:creationId xmlns:a16="http://schemas.microsoft.com/office/drawing/2014/main" id="{35C3ACE2-A346-E247-B354-ED1FEF266398}"/>
+                <a16:creationId xmlns:a16="http://schemas.microsoft.com/office/drawing/2014/main" xmlns="" id="{35C3ACE2-A346-E247-B354-ED1FEF266398}"/>
               </a:ext>
             </a:extLst>
           </p:cNvPr>
@@ -30151,7 +30605,7 @@
           <p:cNvPr id="167" name="直线连接符 166">
             <a:extLst>
               <a:ext uri="{FF2B5EF4-FFF2-40B4-BE49-F238E27FC236}">
-                <a16:creationId xmlns:a16="http://schemas.microsoft.com/office/drawing/2014/main" id="{270DAD3F-5BD1-114F-9BCB-96D7576A28B2}"/>
+                <a16:creationId xmlns:a16="http://schemas.microsoft.com/office/drawing/2014/main" xmlns="" id="{270DAD3F-5BD1-114F-9BCB-96D7576A28B2}"/>
               </a:ext>
             </a:extLst>
           </p:cNvPr>
@@ -30196,7 +30650,7 @@
           <p:cNvPr id="171" name="直线连接符 170">
             <a:extLst>
               <a:ext uri="{FF2B5EF4-FFF2-40B4-BE49-F238E27FC236}">
-                <a16:creationId xmlns:a16="http://schemas.microsoft.com/office/drawing/2014/main" id="{A69F57B0-9D7B-5543-B28B-F2BD7A758EDC}"/>
+                <a16:creationId xmlns:a16="http://schemas.microsoft.com/office/drawing/2014/main" xmlns="" id="{A69F57B0-9D7B-5543-B28B-F2BD7A758EDC}"/>
               </a:ext>
             </a:extLst>
           </p:cNvPr>
@@ -30241,7 +30695,7 @@
           <p:cNvPr id="174" name="直线连接符 173">
             <a:extLst>
               <a:ext uri="{FF2B5EF4-FFF2-40B4-BE49-F238E27FC236}">
-                <a16:creationId xmlns:a16="http://schemas.microsoft.com/office/drawing/2014/main" id="{FBDE3D2C-3C8B-684F-9435-9925D8338848}"/>
+                <a16:creationId xmlns:a16="http://schemas.microsoft.com/office/drawing/2014/main" xmlns="" id="{FBDE3D2C-3C8B-684F-9435-9925D8338848}"/>
               </a:ext>
             </a:extLst>
           </p:cNvPr>
@@ -30286,7 +30740,7 @@
           <p:cNvPr id="177" name="文本框 176">
             <a:extLst>
               <a:ext uri="{FF2B5EF4-FFF2-40B4-BE49-F238E27FC236}">
-                <a16:creationId xmlns:a16="http://schemas.microsoft.com/office/drawing/2014/main" id="{128FD6A5-9F23-3148-B97B-6423C263EA9F}"/>
+                <a16:creationId xmlns:a16="http://schemas.microsoft.com/office/drawing/2014/main" xmlns="" id="{128FD6A5-9F23-3148-B97B-6423C263EA9F}"/>
               </a:ext>
             </a:extLst>
           </p:cNvPr>
@@ -30328,7 +30782,7 @@
           <p:cNvPr id="178" name="文本框 177">
             <a:extLst>
               <a:ext uri="{FF2B5EF4-FFF2-40B4-BE49-F238E27FC236}">
-                <a16:creationId xmlns:a16="http://schemas.microsoft.com/office/drawing/2014/main" id="{0BD26BDE-C67E-6946-A6EF-445FF4963E5B}"/>
+                <a16:creationId xmlns:a16="http://schemas.microsoft.com/office/drawing/2014/main" xmlns="" id="{0BD26BDE-C67E-6946-A6EF-445FF4963E5B}"/>
               </a:ext>
             </a:extLst>
           </p:cNvPr>
@@ -30370,7 +30824,7 @@
           <p:cNvPr id="181" name="文本框 180">
             <a:extLst>
               <a:ext uri="{FF2B5EF4-FFF2-40B4-BE49-F238E27FC236}">
-                <a16:creationId xmlns:a16="http://schemas.microsoft.com/office/drawing/2014/main" id="{B1ADFEB5-0EA8-9B49-9D8B-245DE3DE3401}"/>
+                <a16:creationId xmlns:a16="http://schemas.microsoft.com/office/drawing/2014/main" xmlns="" id="{B1ADFEB5-0EA8-9B49-9D8B-245DE3DE3401}"/>
               </a:ext>
             </a:extLst>
           </p:cNvPr>
@@ -30412,7 +30866,7 @@
           <p:cNvPr id="182" name="文本框 181">
             <a:extLst>
               <a:ext uri="{FF2B5EF4-FFF2-40B4-BE49-F238E27FC236}">
-                <a16:creationId xmlns:a16="http://schemas.microsoft.com/office/drawing/2014/main" id="{43FD427D-A3AE-D444-9B78-34BD9AD289C2}"/>
+                <a16:creationId xmlns:a16="http://schemas.microsoft.com/office/drawing/2014/main" xmlns="" id="{43FD427D-A3AE-D444-9B78-34BD9AD289C2}"/>
               </a:ext>
             </a:extLst>
           </p:cNvPr>
@@ -30454,7 +30908,7 @@
           <p:cNvPr id="81" name="椭圆 80">
             <a:extLst>
               <a:ext uri="{FF2B5EF4-FFF2-40B4-BE49-F238E27FC236}">
-                <a16:creationId xmlns:a16="http://schemas.microsoft.com/office/drawing/2014/main" id="{D1E67824-653C-E74B-968D-3A3D0E990C80}"/>
+                <a16:creationId xmlns:a16="http://schemas.microsoft.com/office/drawing/2014/main" xmlns="" id="{D1E67824-653C-E74B-968D-3A3D0E990C80}"/>
               </a:ext>
             </a:extLst>
           </p:cNvPr>
@@ -30503,7 +30957,7 @@
           <p:cNvPr id="100" name="椭圆 99">
             <a:extLst>
               <a:ext uri="{FF2B5EF4-FFF2-40B4-BE49-F238E27FC236}">
-                <a16:creationId xmlns:a16="http://schemas.microsoft.com/office/drawing/2014/main" id="{FE177A80-294D-D74F-9193-54F0F6931790}"/>
+                <a16:creationId xmlns:a16="http://schemas.microsoft.com/office/drawing/2014/main" xmlns="" id="{FE177A80-294D-D74F-9193-54F0F6931790}"/>
               </a:ext>
             </a:extLst>
           </p:cNvPr>
@@ -30549,7 +31003,7 @@
           <p:cNvPr id="101" name="椭圆 100">
             <a:extLst>
               <a:ext uri="{FF2B5EF4-FFF2-40B4-BE49-F238E27FC236}">
-                <a16:creationId xmlns:a16="http://schemas.microsoft.com/office/drawing/2014/main" id="{9671E381-8C9A-7249-8690-9A97FE6CEC37}"/>
+                <a16:creationId xmlns:a16="http://schemas.microsoft.com/office/drawing/2014/main" xmlns="" id="{9671E381-8C9A-7249-8690-9A97FE6CEC37}"/>
               </a:ext>
             </a:extLst>
           </p:cNvPr>
@@ -30598,7 +31052,7 @@
           <p:cNvPr id="103" name="椭圆 102">
             <a:extLst>
               <a:ext uri="{FF2B5EF4-FFF2-40B4-BE49-F238E27FC236}">
-                <a16:creationId xmlns:a16="http://schemas.microsoft.com/office/drawing/2014/main" id="{D812FCEC-45C2-B344-801D-231FDC0CD8C9}"/>
+                <a16:creationId xmlns:a16="http://schemas.microsoft.com/office/drawing/2014/main" xmlns="" id="{D812FCEC-45C2-B344-801D-231FDC0CD8C9}"/>
               </a:ext>
             </a:extLst>
           </p:cNvPr>
@@ -30644,7 +31098,7 @@
           <p:cNvPr id="105" name="直线连接符 104">
             <a:extLst>
               <a:ext uri="{FF2B5EF4-FFF2-40B4-BE49-F238E27FC236}">
-                <a16:creationId xmlns:a16="http://schemas.microsoft.com/office/drawing/2014/main" id="{4C7B2CBB-05F8-1C48-BB82-81EFD7C255EE}"/>
+                <a16:creationId xmlns:a16="http://schemas.microsoft.com/office/drawing/2014/main" xmlns="" id="{4C7B2CBB-05F8-1C48-BB82-81EFD7C255EE}"/>
               </a:ext>
             </a:extLst>
           </p:cNvPr>
@@ -30689,7 +31143,7 @@
           <p:cNvPr id="106" name="直线连接符 105">
             <a:extLst>
               <a:ext uri="{FF2B5EF4-FFF2-40B4-BE49-F238E27FC236}">
-                <a16:creationId xmlns:a16="http://schemas.microsoft.com/office/drawing/2014/main" id="{4C7B2CBB-05F8-1C48-BB82-81EFD7C255EE}"/>
+                <a16:creationId xmlns:a16="http://schemas.microsoft.com/office/drawing/2014/main" xmlns="" id="{4C7B2CBB-05F8-1C48-BB82-81EFD7C255EE}"/>
               </a:ext>
             </a:extLst>
           </p:cNvPr>
@@ -30734,7 +31188,7 @@
           <p:cNvPr id="108" name="直线连接符 107">
             <a:extLst>
               <a:ext uri="{FF2B5EF4-FFF2-40B4-BE49-F238E27FC236}">
-                <a16:creationId xmlns:a16="http://schemas.microsoft.com/office/drawing/2014/main" id="{B2F72FF8-CB71-9440-8AB4-9B899631BE0A}"/>
+                <a16:creationId xmlns:a16="http://schemas.microsoft.com/office/drawing/2014/main" xmlns="" id="{B2F72FF8-CB71-9440-8AB4-9B899631BE0A}"/>
               </a:ext>
             </a:extLst>
           </p:cNvPr>
@@ -30779,7 +31233,7 @@
           <p:cNvPr id="111" name="直线连接符 110">
             <a:extLst>
               <a:ext uri="{FF2B5EF4-FFF2-40B4-BE49-F238E27FC236}">
-                <a16:creationId xmlns:a16="http://schemas.microsoft.com/office/drawing/2014/main" id="{B2F72FF8-CB71-9440-8AB4-9B899631BE0A}"/>
+                <a16:creationId xmlns:a16="http://schemas.microsoft.com/office/drawing/2014/main" xmlns="" id="{B2F72FF8-CB71-9440-8AB4-9B899631BE0A}"/>
               </a:ext>
             </a:extLst>
           </p:cNvPr>
@@ -30824,7 +31278,7 @@
           <p:cNvPr id="115" name="直线连接符 114">
             <a:extLst>
               <a:ext uri="{FF2B5EF4-FFF2-40B4-BE49-F238E27FC236}">
-                <a16:creationId xmlns:a16="http://schemas.microsoft.com/office/drawing/2014/main" id="{FD1849BE-468D-E749-AF86-14B2A3AD676B}"/>
+                <a16:creationId xmlns:a16="http://schemas.microsoft.com/office/drawing/2014/main" xmlns="" id="{FD1849BE-468D-E749-AF86-14B2A3AD676B}"/>
               </a:ext>
             </a:extLst>
           </p:cNvPr>
@@ -30869,7 +31323,7 @@
           <p:cNvPr id="118" name="直线连接符 117">
             <a:extLst>
               <a:ext uri="{FF2B5EF4-FFF2-40B4-BE49-F238E27FC236}">
-                <a16:creationId xmlns:a16="http://schemas.microsoft.com/office/drawing/2014/main" id="{FD1849BE-468D-E749-AF86-14B2A3AD676B}"/>
+                <a16:creationId xmlns:a16="http://schemas.microsoft.com/office/drawing/2014/main" xmlns="" id="{FD1849BE-468D-E749-AF86-14B2A3AD676B}"/>
               </a:ext>
             </a:extLst>
           </p:cNvPr>
@@ -30914,7 +31368,7 @@
           <p:cNvPr id="121" name="直线连接符 120">
             <a:extLst>
               <a:ext uri="{FF2B5EF4-FFF2-40B4-BE49-F238E27FC236}">
-                <a16:creationId xmlns:a16="http://schemas.microsoft.com/office/drawing/2014/main" id="{FD1849BE-468D-E749-AF86-14B2A3AD676B}"/>
+                <a16:creationId xmlns:a16="http://schemas.microsoft.com/office/drawing/2014/main" xmlns="" id="{FD1849BE-468D-E749-AF86-14B2A3AD676B}"/>
               </a:ext>
             </a:extLst>
           </p:cNvPr>
@@ -30959,7 +31413,7 @@
           <p:cNvPr id="125" name="直线连接符 124">
             <a:extLst>
               <a:ext uri="{FF2B5EF4-FFF2-40B4-BE49-F238E27FC236}">
-                <a16:creationId xmlns:a16="http://schemas.microsoft.com/office/drawing/2014/main" id="{FD1849BE-468D-E749-AF86-14B2A3AD676B}"/>
+                <a16:creationId xmlns:a16="http://schemas.microsoft.com/office/drawing/2014/main" xmlns="" id="{FD1849BE-468D-E749-AF86-14B2A3AD676B}"/>
               </a:ext>
             </a:extLst>
           </p:cNvPr>
@@ -31004,7 +31458,7 @@
           <p:cNvPr id="164" name="椭圆 163">
             <a:extLst>
               <a:ext uri="{FF2B5EF4-FFF2-40B4-BE49-F238E27FC236}">
-                <a16:creationId xmlns:a16="http://schemas.microsoft.com/office/drawing/2014/main" id="{BC6EE5D6-B812-5A44-8E2E-0D340A99F527}"/>
+                <a16:creationId xmlns:a16="http://schemas.microsoft.com/office/drawing/2014/main" xmlns="" id="{BC6EE5D6-B812-5A44-8E2E-0D340A99F527}"/>
               </a:ext>
             </a:extLst>
           </p:cNvPr>
@@ -31053,7 +31507,7 @@
           <p:cNvPr id="165" name="椭圆 164">
             <a:extLst>
               <a:ext uri="{FF2B5EF4-FFF2-40B4-BE49-F238E27FC236}">
-                <a16:creationId xmlns:a16="http://schemas.microsoft.com/office/drawing/2014/main" id="{BC6EE5D6-B812-5A44-8E2E-0D340A99F527}"/>
+                <a16:creationId xmlns:a16="http://schemas.microsoft.com/office/drawing/2014/main" xmlns="" id="{BC6EE5D6-B812-5A44-8E2E-0D340A99F527}"/>
               </a:ext>
             </a:extLst>
           </p:cNvPr>
@@ -31102,7 +31556,7 @@
           <p:cNvPr id="166" name="直线连接符 165">
             <a:extLst>
               <a:ext uri="{FF2B5EF4-FFF2-40B4-BE49-F238E27FC236}">
-                <a16:creationId xmlns:a16="http://schemas.microsoft.com/office/drawing/2014/main" id="{270DAD3F-5BD1-114F-9BCB-96D7576A28B2}"/>
+                <a16:creationId xmlns:a16="http://schemas.microsoft.com/office/drawing/2014/main" xmlns="" id="{270DAD3F-5BD1-114F-9BCB-96D7576A28B2}"/>
               </a:ext>
             </a:extLst>
           </p:cNvPr>
@@ -31147,7 +31601,7 @@
           <p:cNvPr id="168" name="直线连接符 167">
             <a:extLst>
               <a:ext uri="{FF2B5EF4-FFF2-40B4-BE49-F238E27FC236}">
-                <a16:creationId xmlns:a16="http://schemas.microsoft.com/office/drawing/2014/main" id="{270DAD3F-5BD1-114F-9BCB-96D7576A28B2}"/>
+                <a16:creationId xmlns:a16="http://schemas.microsoft.com/office/drawing/2014/main" xmlns="" id="{270DAD3F-5BD1-114F-9BCB-96D7576A28B2}"/>
               </a:ext>
             </a:extLst>
           </p:cNvPr>
@@ -31192,7 +31646,7 @@
           <p:cNvPr id="169" name="直线连接符 168">
             <a:extLst>
               <a:ext uri="{FF2B5EF4-FFF2-40B4-BE49-F238E27FC236}">
-                <a16:creationId xmlns:a16="http://schemas.microsoft.com/office/drawing/2014/main" id="{270DAD3F-5BD1-114F-9BCB-96D7576A28B2}"/>
+                <a16:creationId xmlns:a16="http://schemas.microsoft.com/office/drawing/2014/main" xmlns="" id="{270DAD3F-5BD1-114F-9BCB-96D7576A28B2}"/>
               </a:ext>
             </a:extLst>
           </p:cNvPr>
@@ -31237,7 +31691,7 @@
           <p:cNvPr id="170" name="直线连接符 169">
             <a:extLst>
               <a:ext uri="{FF2B5EF4-FFF2-40B4-BE49-F238E27FC236}">
-                <a16:creationId xmlns:a16="http://schemas.microsoft.com/office/drawing/2014/main" id="{270DAD3F-5BD1-114F-9BCB-96D7576A28B2}"/>
+                <a16:creationId xmlns:a16="http://schemas.microsoft.com/office/drawing/2014/main" xmlns="" id="{270DAD3F-5BD1-114F-9BCB-96D7576A28B2}"/>
               </a:ext>
             </a:extLst>
           </p:cNvPr>
@@ -31282,7 +31736,7 @@
           <p:cNvPr id="172" name="直线连接符 171">
             <a:extLst>
               <a:ext uri="{FF2B5EF4-FFF2-40B4-BE49-F238E27FC236}">
-                <a16:creationId xmlns:a16="http://schemas.microsoft.com/office/drawing/2014/main" id="{270DAD3F-5BD1-114F-9BCB-96D7576A28B2}"/>
+                <a16:creationId xmlns:a16="http://schemas.microsoft.com/office/drawing/2014/main" xmlns="" id="{270DAD3F-5BD1-114F-9BCB-96D7576A28B2}"/>
               </a:ext>
             </a:extLst>
           </p:cNvPr>
@@ -31327,7 +31781,7 @@
           <p:cNvPr id="173" name="直线连接符 172">
             <a:extLst>
               <a:ext uri="{FF2B5EF4-FFF2-40B4-BE49-F238E27FC236}">
-                <a16:creationId xmlns:a16="http://schemas.microsoft.com/office/drawing/2014/main" id="{270DAD3F-5BD1-114F-9BCB-96D7576A28B2}"/>
+                <a16:creationId xmlns:a16="http://schemas.microsoft.com/office/drawing/2014/main" xmlns="" id="{270DAD3F-5BD1-114F-9BCB-96D7576A28B2}"/>
               </a:ext>
             </a:extLst>
           </p:cNvPr>
@@ -31372,7 +31826,7 @@
           <p:cNvPr id="175" name="直线连接符 174">
             <a:extLst>
               <a:ext uri="{FF2B5EF4-FFF2-40B4-BE49-F238E27FC236}">
-                <a16:creationId xmlns:a16="http://schemas.microsoft.com/office/drawing/2014/main" id="{270DAD3F-5BD1-114F-9BCB-96D7576A28B2}"/>
+                <a16:creationId xmlns:a16="http://schemas.microsoft.com/office/drawing/2014/main" xmlns="" id="{270DAD3F-5BD1-114F-9BCB-96D7576A28B2}"/>
               </a:ext>
             </a:extLst>
           </p:cNvPr>
@@ -31417,7 +31871,7 @@
           <p:cNvPr id="176" name="直线连接符 175">
             <a:extLst>
               <a:ext uri="{FF2B5EF4-FFF2-40B4-BE49-F238E27FC236}">
-                <a16:creationId xmlns:a16="http://schemas.microsoft.com/office/drawing/2014/main" id="{270DAD3F-5BD1-114F-9BCB-96D7576A28B2}"/>
+                <a16:creationId xmlns:a16="http://schemas.microsoft.com/office/drawing/2014/main" xmlns="" id="{270DAD3F-5BD1-114F-9BCB-96D7576A28B2}"/>
               </a:ext>
             </a:extLst>
           </p:cNvPr>
@@ -31462,7 +31916,7 @@
           <p:cNvPr id="184" name="文本框 183">
             <a:extLst>
               <a:ext uri="{FF2B5EF4-FFF2-40B4-BE49-F238E27FC236}">
-                <a16:creationId xmlns:a16="http://schemas.microsoft.com/office/drawing/2014/main" id="{0BD26BDE-C67E-6946-A6EF-445FF4963E5B}"/>
+                <a16:creationId xmlns:a16="http://schemas.microsoft.com/office/drawing/2014/main" xmlns="" id="{0BD26BDE-C67E-6946-A6EF-445FF4963E5B}"/>
               </a:ext>
             </a:extLst>
           </p:cNvPr>
@@ -31504,7 +31958,7 @@
           <p:cNvPr id="185" name="文本框 184">
             <a:extLst>
               <a:ext uri="{FF2B5EF4-FFF2-40B4-BE49-F238E27FC236}">
-                <a16:creationId xmlns:a16="http://schemas.microsoft.com/office/drawing/2014/main" id="{0BD26BDE-C67E-6946-A6EF-445FF4963E5B}"/>
+                <a16:creationId xmlns:a16="http://schemas.microsoft.com/office/drawing/2014/main" xmlns="" id="{0BD26BDE-C67E-6946-A6EF-445FF4963E5B}"/>
               </a:ext>
             </a:extLst>
           </p:cNvPr>
@@ -31546,7 +32000,7 @@
           <p:cNvPr id="186" name="文本框 185">
             <a:extLst>
               <a:ext uri="{FF2B5EF4-FFF2-40B4-BE49-F238E27FC236}">
-                <a16:creationId xmlns:a16="http://schemas.microsoft.com/office/drawing/2014/main" id="{0BD26BDE-C67E-6946-A6EF-445FF4963E5B}"/>
+                <a16:creationId xmlns:a16="http://schemas.microsoft.com/office/drawing/2014/main" xmlns="" id="{0BD26BDE-C67E-6946-A6EF-445FF4963E5B}"/>
               </a:ext>
             </a:extLst>
           </p:cNvPr>
@@ -31588,7 +32042,7 @@
           <p:cNvPr id="187" name="文本框 186">
             <a:extLst>
               <a:ext uri="{FF2B5EF4-FFF2-40B4-BE49-F238E27FC236}">
-                <a16:creationId xmlns:a16="http://schemas.microsoft.com/office/drawing/2014/main" id="{0BD26BDE-C67E-6946-A6EF-445FF4963E5B}"/>
+                <a16:creationId xmlns:a16="http://schemas.microsoft.com/office/drawing/2014/main" xmlns="" id="{0BD26BDE-C67E-6946-A6EF-445FF4963E5B}"/>
               </a:ext>
             </a:extLst>
           </p:cNvPr>
@@ -31630,7 +32084,7 @@
           <p:cNvPr id="188" name="文本框 187">
             <a:extLst>
               <a:ext uri="{FF2B5EF4-FFF2-40B4-BE49-F238E27FC236}">
-                <a16:creationId xmlns:a16="http://schemas.microsoft.com/office/drawing/2014/main" id="{0BD26BDE-C67E-6946-A6EF-445FF4963E5B}"/>
+                <a16:creationId xmlns:a16="http://schemas.microsoft.com/office/drawing/2014/main" xmlns="" id="{0BD26BDE-C67E-6946-A6EF-445FF4963E5B}"/>
               </a:ext>
             </a:extLst>
           </p:cNvPr>
@@ -31679,7 +32133,7 @@
           <p:cNvPr id="189" name="文本框 188">
             <a:extLst>
               <a:ext uri="{FF2B5EF4-FFF2-40B4-BE49-F238E27FC236}">
-                <a16:creationId xmlns:a16="http://schemas.microsoft.com/office/drawing/2014/main" id="{0BD26BDE-C67E-6946-A6EF-445FF4963E5B}"/>
+                <a16:creationId xmlns:a16="http://schemas.microsoft.com/office/drawing/2014/main" xmlns="" id="{0BD26BDE-C67E-6946-A6EF-445FF4963E5B}"/>
               </a:ext>
             </a:extLst>
           </p:cNvPr>
@@ -31751,7 +32205,7 @@
           <p:cNvPr id="2" name="标题 1">
             <a:extLst>
               <a:ext uri="{FF2B5EF4-FFF2-40B4-BE49-F238E27FC236}">
-                <a16:creationId xmlns:a16="http://schemas.microsoft.com/office/drawing/2014/main" id="{F0405D1C-A876-8341-918E-A5D66A83827F}"/>
+                <a16:creationId xmlns:a16="http://schemas.microsoft.com/office/drawing/2014/main" xmlns="" id="{F0405D1C-A876-8341-918E-A5D66A83827F}"/>
               </a:ext>
             </a:extLst>
           </p:cNvPr>
@@ -31786,7 +32240,7 @@
           <p:cNvPr id="3" name="内容占位符 2">
             <a:extLst>
               <a:ext uri="{FF2B5EF4-FFF2-40B4-BE49-F238E27FC236}">
-                <a16:creationId xmlns:a16="http://schemas.microsoft.com/office/drawing/2014/main" id="{18357220-3404-9543-B18A-654DBC2080C6}"/>
+                <a16:creationId xmlns:a16="http://schemas.microsoft.com/office/drawing/2014/main" xmlns="" id="{18357220-3404-9543-B18A-654DBC2080C6}"/>
               </a:ext>
             </a:extLst>
           </p:cNvPr>

--- a/dimensions.pptx
+++ b/dimensions.pptx
@@ -1071,7 +1071,7 @@
           <p:cNvPr id="2" name="标题 1">
             <a:extLst>
               <a:ext uri="{FF2B5EF4-FFF2-40B4-BE49-F238E27FC236}">
-                <a16:creationId xmlns:a16="http://schemas.microsoft.com/office/drawing/2014/main" xmlns="" id="{D435C22D-35E4-B947-ADF6-00125DADBB8B}"/>
+                <a16:creationId xmlns="" xmlns:a16="http://schemas.microsoft.com/office/drawing/2014/main" id="{D435C22D-35E4-B947-ADF6-00125DADBB8B}"/>
               </a:ext>
             </a:extLst>
           </p:cNvPr>
@@ -1108,7 +1108,7 @@
           <p:cNvPr id="3" name="副标题 2">
             <a:extLst>
               <a:ext uri="{FF2B5EF4-FFF2-40B4-BE49-F238E27FC236}">
-                <a16:creationId xmlns:a16="http://schemas.microsoft.com/office/drawing/2014/main" xmlns="" id="{C7849677-9272-9045-869B-295E7EF5A720}"/>
+                <a16:creationId xmlns="" xmlns:a16="http://schemas.microsoft.com/office/drawing/2014/main" id="{C7849677-9272-9045-869B-295E7EF5A720}"/>
               </a:ext>
             </a:extLst>
           </p:cNvPr>
@@ -1178,7 +1178,7 @@
           <p:cNvPr id="4" name="日期占位符 3">
             <a:extLst>
               <a:ext uri="{FF2B5EF4-FFF2-40B4-BE49-F238E27FC236}">
-                <a16:creationId xmlns:a16="http://schemas.microsoft.com/office/drawing/2014/main" xmlns="" id="{368DF367-ED9B-5746-B0DB-6BC688C78B0F}"/>
+                <a16:creationId xmlns="" xmlns:a16="http://schemas.microsoft.com/office/drawing/2014/main" id="{368DF367-ED9B-5746-B0DB-6BC688C78B0F}"/>
               </a:ext>
             </a:extLst>
           </p:cNvPr>
@@ -1207,7 +1207,7 @@
           <p:cNvPr id="5" name="页脚占位符 4">
             <a:extLst>
               <a:ext uri="{FF2B5EF4-FFF2-40B4-BE49-F238E27FC236}">
-                <a16:creationId xmlns:a16="http://schemas.microsoft.com/office/drawing/2014/main" xmlns="" id="{C95FA25B-82CF-364D-883D-806810765D32}"/>
+                <a16:creationId xmlns="" xmlns:a16="http://schemas.microsoft.com/office/drawing/2014/main" id="{C95FA25B-82CF-364D-883D-806810765D32}"/>
               </a:ext>
             </a:extLst>
           </p:cNvPr>
@@ -1232,7 +1232,7 @@
           <p:cNvPr id="6" name="灯片编号占位符 5">
             <a:extLst>
               <a:ext uri="{FF2B5EF4-FFF2-40B4-BE49-F238E27FC236}">
-                <a16:creationId xmlns:a16="http://schemas.microsoft.com/office/drawing/2014/main" xmlns="" id="{ACB9917D-1E0D-5348-BE09-E2A0BFCB63B3}"/>
+                <a16:creationId xmlns="" xmlns:a16="http://schemas.microsoft.com/office/drawing/2014/main" id="{ACB9917D-1E0D-5348-BE09-E2A0BFCB63B3}"/>
               </a:ext>
             </a:extLst>
           </p:cNvPr>
@@ -1291,7 +1291,7 @@
           <p:cNvPr id="2" name="标题 1">
             <a:extLst>
               <a:ext uri="{FF2B5EF4-FFF2-40B4-BE49-F238E27FC236}">
-                <a16:creationId xmlns:a16="http://schemas.microsoft.com/office/drawing/2014/main" xmlns="" id="{CEC143AC-22CA-C44B-B2AB-6AB4ECB2F86A}"/>
+                <a16:creationId xmlns="" xmlns:a16="http://schemas.microsoft.com/office/drawing/2014/main" id="{CEC143AC-22CA-C44B-B2AB-6AB4ECB2F86A}"/>
               </a:ext>
             </a:extLst>
           </p:cNvPr>
@@ -1319,7 +1319,7 @@
           <p:cNvPr id="3" name="竖排文字占位符 2">
             <a:extLst>
               <a:ext uri="{FF2B5EF4-FFF2-40B4-BE49-F238E27FC236}">
-                <a16:creationId xmlns:a16="http://schemas.microsoft.com/office/drawing/2014/main" xmlns="" id="{2CE0FE40-A78B-BA46-8E48-3D5CEC66A5A8}"/>
+                <a16:creationId xmlns="" xmlns:a16="http://schemas.microsoft.com/office/drawing/2014/main" id="{2CE0FE40-A78B-BA46-8E48-3D5CEC66A5A8}"/>
               </a:ext>
             </a:extLst>
           </p:cNvPr>
@@ -1376,7 +1376,7 @@
           <p:cNvPr id="4" name="日期占位符 3">
             <a:extLst>
               <a:ext uri="{FF2B5EF4-FFF2-40B4-BE49-F238E27FC236}">
-                <a16:creationId xmlns:a16="http://schemas.microsoft.com/office/drawing/2014/main" xmlns="" id="{18037842-4350-9646-ACB3-7E89E135C079}"/>
+                <a16:creationId xmlns="" xmlns:a16="http://schemas.microsoft.com/office/drawing/2014/main" id="{18037842-4350-9646-ACB3-7E89E135C079}"/>
               </a:ext>
             </a:extLst>
           </p:cNvPr>
@@ -1405,7 +1405,7 @@
           <p:cNvPr id="5" name="页脚占位符 4">
             <a:extLst>
               <a:ext uri="{FF2B5EF4-FFF2-40B4-BE49-F238E27FC236}">
-                <a16:creationId xmlns:a16="http://schemas.microsoft.com/office/drawing/2014/main" xmlns="" id="{21FE0005-1CE3-3C4D-A396-67FC1762A58A}"/>
+                <a16:creationId xmlns="" xmlns:a16="http://schemas.microsoft.com/office/drawing/2014/main" id="{21FE0005-1CE3-3C4D-A396-67FC1762A58A}"/>
               </a:ext>
             </a:extLst>
           </p:cNvPr>
@@ -1430,7 +1430,7 @@
           <p:cNvPr id="6" name="灯片编号占位符 5">
             <a:extLst>
               <a:ext uri="{FF2B5EF4-FFF2-40B4-BE49-F238E27FC236}">
-                <a16:creationId xmlns:a16="http://schemas.microsoft.com/office/drawing/2014/main" xmlns="" id="{7A546223-2353-C141-93DA-8CE94DB6145A}"/>
+                <a16:creationId xmlns="" xmlns:a16="http://schemas.microsoft.com/office/drawing/2014/main" id="{7A546223-2353-C141-93DA-8CE94DB6145A}"/>
               </a:ext>
             </a:extLst>
           </p:cNvPr>
@@ -1489,7 +1489,7 @@
           <p:cNvPr id="2" name="竖排标题 1">
             <a:extLst>
               <a:ext uri="{FF2B5EF4-FFF2-40B4-BE49-F238E27FC236}">
-                <a16:creationId xmlns:a16="http://schemas.microsoft.com/office/drawing/2014/main" xmlns="" id="{6D7ABA00-7C40-6C42-827C-3F6D047E76C0}"/>
+                <a16:creationId xmlns="" xmlns:a16="http://schemas.microsoft.com/office/drawing/2014/main" id="{6D7ABA00-7C40-6C42-827C-3F6D047E76C0}"/>
               </a:ext>
             </a:extLst>
           </p:cNvPr>
@@ -1522,7 +1522,7 @@
           <p:cNvPr id="3" name="竖排文字占位符 2">
             <a:extLst>
               <a:ext uri="{FF2B5EF4-FFF2-40B4-BE49-F238E27FC236}">
-                <a16:creationId xmlns:a16="http://schemas.microsoft.com/office/drawing/2014/main" xmlns="" id="{6FC0E22B-A826-8249-AD03-05CBE4D4F5AB}"/>
+                <a16:creationId xmlns="" xmlns:a16="http://schemas.microsoft.com/office/drawing/2014/main" id="{6FC0E22B-A826-8249-AD03-05CBE4D4F5AB}"/>
               </a:ext>
             </a:extLst>
           </p:cNvPr>
@@ -1584,7 +1584,7 @@
           <p:cNvPr id="4" name="日期占位符 3">
             <a:extLst>
               <a:ext uri="{FF2B5EF4-FFF2-40B4-BE49-F238E27FC236}">
-                <a16:creationId xmlns:a16="http://schemas.microsoft.com/office/drawing/2014/main" xmlns="" id="{8BDC99DB-BF84-2440-9025-EDB9245A81D0}"/>
+                <a16:creationId xmlns="" xmlns:a16="http://schemas.microsoft.com/office/drawing/2014/main" id="{8BDC99DB-BF84-2440-9025-EDB9245A81D0}"/>
               </a:ext>
             </a:extLst>
           </p:cNvPr>
@@ -1613,7 +1613,7 @@
           <p:cNvPr id="5" name="页脚占位符 4">
             <a:extLst>
               <a:ext uri="{FF2B5EF4-FFF2-40B4-BE49-F238E27FC236}">
-                <a16:creationId xmlns:a16="http://schemas.microsoft.com/office/drawing/2014/main" xmlns="" id="{123A4B03-8DB6-AE4D-AE5E-7D701C685BB3}"/>
+                <a16:creationId xmlns="" xmlns:a16="http://schemas.microsoft.com/office/drawing/2014/main" id="{123A4B03-8DB6-AE4D-AE5E-7D701C685BB3}"/>
               </a:ext>
             </a:extLst>
           </p:cNvPr>
@@ -1638,7 +1638,7 @@
           <p:cNvPr id="6" name="灯片编号占位符 5">
             <a:extLst>
               <a:ext uri="{FF2B5EF4-FFF2-40B4-BE49-F238E27FC236}">
-                <a16:creationId xmlns:a16="http://schemas.microsoft.com/office/drawing/2014/main" xmlns="" id="{EA39382E-8860-074D-AEAD-7DE3AB585A55}"/>
+                <a16:creationId xmlns="" xmlns:a16="http://schemas.microsoft.com/office/drawing/2014/main" id="{EA39382E-8860-074D-AEAD-7DE3AB585A55}"/>
               </a:ext>
             </a:extLst>
           </p:cNvPr>
@@ -1697,7 +1697,7 @@
           <p:cNvPr id="2" name="标题 1">
             <a:extLst>
               <a:ext uri="{FF2B5EF4-FFF2-40B4-BE49-F238E27FC236}">
-                <a16:creationId xmlns:a16="http://schemas.microsoft.com/office/drawing/2014/main" xmlns="" id="{5A9B5FA4-7E9B-254B-9E92-AE1F02C8ADEA}"/>
+                <a16:creationId xmlns="" xmlns:a16="http://schemas.microsoft.com/office/drawing/2014/main" id="{5A9B5FA4-7E9B-254B-9E92-AE1F02C8ADEA}"/>
               </a:ext>
             </a:extLst>
           </p:cNvPr>
@@ -1725,7 +1725,7 @@
           <p:cNvPr id="3" name="内容占位符 2">
             <a:extLst>
               <a:ext uri="{FF2B5EF4-FFF2-40B4-BE49-F238E27FC236}">
-                <a16:creationId xmlns:a16="http://schemas.microsoft.com/office/drawing/2014/main" xmlns="" id="{4F40916E-4FE9-BA4C-AD1E-81E267306DD1}"/>
+                <a16:creationId xmlns="" xmlns:a16="http://schemas.microsoft.com/office/drawing/2014/main" id="{4F40916E-4FE9-BA4C-AD1E-81E267306DD1}"/>
               </a:ext>
             </a:extLst>
           </p:cNvPr>
@@ -1782,7 +1782,7 @@
           <p:cNvPr id="4" name="日期占位符 3">
             <a:extLst>
               <a:ext uri="{FF2B5EF4-FFF2-40B4-BE49-F238E27FC236}">
-                <a16:creationId xmlns:a16="http://schemas.microsoft.com/office/drawing/2014/main" xmlns="" id="{0A5F10E4-5A96-C547-AD3B-E023F7B0FFE4}"/>
+                <a16:creationId xmlns="" xmlns:a16="http://schemas.microsoft.com/office/drawing/2014/main" id="{0A5F10E4-5A96-C547-AD3B-E023F7B0FFE4}"/>
               </a:ext>
             </a:extLst>
           </p:cNvPr>
@@ -1811,7 +1811,7 @@
           <p:cNvPr id="5" name="页脚占位符 4">
             <a:extLst>
               <a:ext uri="{FF2B5EF4-FFF2-40B4-BE49-F238E27FC236}">
-                <a16:creationId xmlns:a16="http://schemas.microsoft.com/office/drawing/2014/main" xmlns="" id="{1038B965-1852-B649-BBB8-AD8AD68DE223}"/>
+                <a16:creationId xmlns="" xmlns:a16="http://schemas.microsoft.com/office/drawing/2014/main" id="{1038B965-1852-B649-BBB8-AD8AD68DE223}"/>
               </a:ext>
             </a:extLst>
           </p:cNvPr>
@@ -1836,7 +1836,7 @@
           <p:cNvPr id="6" name="灯片编号占位符 5">
             <a:extLst>
               <a:ext uri="{FF2B5EF4-FFF2-40B4-BE49-F238E27FC236}">
-                <a16:creationId xmlns:a16="http://schemas.microsoft.com/office/drawing/2014/main" xmlns="" id="{2DC077C2-15DD-D94C-8BD5-5B06DB9BB5B0}"/>
+                <a16:creationId xmlns="" xmlns:a16="http://schemas.microsoft.com/office/drawing/2014/main" id="{2DC077C2-15DD-D94C-8BD5-5B06DB9BB5B0}"/>
               </a:ext>
             </a:extLst>
           </p:cNvPr>
@@ -1895,7 +1895,7 @@
           <p:cNvPr id="2" name="标题 1">
             <a:extLst>
               <a:ext uri="{FF2B5EF4-FFF2-40B4-BE49-F238E27FC236}">
-                <a16:creationId xmlns:a16="http://schemas.microsoft.com/office/drawing/2014/main" xmlns="" id="{0404CA93-C440-E44B-929C-C731C17C9A93}"/>
+                <a16:creationId xmlns="" xmlns:a16="http://schemas.microsoft.com/office/drawing/2014/main" id="{0404CA93-C440-E44B-929C-C731C17C9A93}"/>
               </a:ext>
             </a:extLst>
           </p:cNvPr>
@@ -1932,7 +1932,7 @@
           <p:cNvPr id="3" name="文本占位符 2">
             <a:extLst>
               <a:ext uri="{FF2B5EF4-FFF2-40B4-BE49-F238E27FC236}">
-                <a16:creationId xmlns:a16="http://schemas.microsoft.com/office/drawing/2014/main" xmlns="" id="{AC2CE085-CBDA-0041-8BD8-5C7C11AB00CF}"/>
+                <a16:creationId xmlns="" xmlns:a16="http://schemas.microsoft.com/office/drawing/2014/main" id="{AC2CE085-CBDA-0041-8BD8-5C7C11AB00CF}"/>
               </a:ext>
             </a:extLst>
           </p:cNvPr>
@@ -2057,7 +2057,7 @@
           <p:cNvPr id="4" name="日期占位符 3">
             <a:extLst>
               <a:ext uri="{FF2B5EF4-FFF2-40B4-BE49-F238E27FC236}">
-                <a16:creationId xmlns:a16="http://schemas.microsoft.com/office/drawing/2014/main" xmlns="" id="{D3D438EC-A47D-534B-89A1-F96DEF065E22}"/>
+                <a16:creationId xmlns="" xmlns:a16="http://schemas.microsoft.com/office/drawing/2014/main" id="{D3D438EC-A47D-534B-89A1-F96DEF065E22}"/>
               </a:ext>
             </a:extLst>
           </p:cNvPr>
@@ -2086,7 +2086,7 @@
           <p:cNvPr id="5" name="页脚占位符 4">
             <a:extLst>
               <a:ext uri="{FF2B5EF4-FFF2-40B4-BE49-F238E27FC236}">
-                <a16:creationId xmlns:a16="http://schemas.microsoft.com/office/drawing/2014/main" xmlns="" id="{E2A01CED-D50C-0A4E-ACB9-ED71CDB5305A}"/>
+                <a16:creationId xmlns="" xmlns:a16="http://schemas.microsoft.com/office/drawing/2014/main" id="{E2A01CED-D50C-0A4E-ACB9-ED71CDB5305A}"/>
               </a:ext>
             </a:extLst>
           </p:cNvPr>
@@ -2111,7 +2111,7 @@
           <p:cNvPr id="6" name="灯片编号占位符 5">
             <a:extLst>
               <a:ext uri="{FF2B5EF4-FFF2-40B4-BE49-F238E27FC236}">
-                <a16:creationId xmlns:a16="http://schemas.microsoft.com/office/drawing/2014/main" xmlns="" id="{608820B1-E6CD-3A40-AD12-49AB8F2F3410}"/>
+                <a16:creationId xmlns="" xmlns:a16="http://schemas.microsoft.com/office/drawing/2014/main" id="{608820B1-E6CD-3A40-AD12-49AB8F2F3410}"/>
               </a:ext>
             </a:extLst>
           </p:cNvPr>
@@ -2170,7 +2170,7 @@
           <p:cNvPr id="2" name="标题 1">
             <a:extLst>
               <a:ext uri="{FF2B5EF4-FFF2-40B4-BE49-F238E27FC236}">
-                <a16:creationId xmlns:a16="http://schemas.microsoft.com/office/drawing/2014/main" xmlns="" id="{1E6F6C51-419C-E948-ACA0-593488FF4BCC}"/>
+                <a16:creationId xmlns="" xmlns:a16="http://schemas.microsoft.com/office/drawing/2014/main" id="{1E6F6C51-419C-E948-ACA0-593488FF4BCC}"/>
               </a:ext>
             </a:extLst>
           </p:cNvPr>
@@ -2198,7 +2198,7 @@
           <p:cNvPr id="3" name="内容占位符 2">
             <a:extLst>
               <a:ext uri="{FF2B5EF4-FFF2-40B4-BE49-F238E27FC236}">
-                <a16:creationId xmlns:a16="http://schemas.microsoft.com/office/drawing/2014/main" xmlns="" id="{2806FD09-7B14-6F4A-B0D0-D3C1908DC9B2}"/>
+                <a16:creationId xmlns="" xmlns:a16="http://schemas.microsoft.com/office/drawing/2014/main" id="{2806FD09-7B14-6F4A-B0D0-D3C1908DC9B2}"/>
               </a:ext>
             </a:extLst>
           </p:cNvPr>
@@ -2260,7 +2260,7 @@
           <p:cNvPr id="4" name="内容占位符 3">
             <a:extLst>
               <a:ext uri="{FF2B5EF4-FFF2-40B4-BE49-F238E27FC236}">
-                <a16:creationId xmlns:a16="http://schemas.microsoft.com/office/drawing/2014/main" xmlns="" id="{CBCD2F04-6605-8342-B3B1-6B26C814F261}"/>
+                <a16:creationId xmlns="" xmlns:a16="http://schemas.microsoft.com/office/drawing/2014/main" id="{CBCD2F04-6605-8342-B3B1-6B26C814F261}"/>
               </a:ext>
             </a:extLst>
           </p:cNvPr>
@@ -2322,7 +2322,7 @@
           <p:cNvPr id="5" name="日期占位符 4">
             <a:extLst>
               <a:ext uri="{FF2B5EF4-FFF2-40B4-BE49-F238E27FC236}">
-                <a16:creationId xmlns:a16="http://schemas.microsoft.com/office/drawing/2014/main" xmlns="" id="{D630F77F-F5C1-B142-90CC-2715570E4A35}"/>
+                <a16:creationId xmlns="" xmlns:a16="http://schemas.microsoft.com/office/drawing/2014/main" id="{D630F77F-F5C1-B142-90CC-2715570E4A35}"/>
               </a:ext>
             </a:extLst>
           </p:cNvPr>
@@ -2351,7 +2351,7 @@
           <p:cNvPr id="6" name="页脚占位符 5">
             <a:extLst>
               <a:ext uri="{FF2B5EF4-FFF2-40B4-BE49-F238E27FC236}">
-                <a16:creationId xmlns:a16="http://schemas.microsoft.com/office/drawing/2014/main" xmlns="" id="{53480D62-37C1-B546-BFBD-9A7068FF74FD}"/>
+                <a16:creationId xmlns="" xmlns:a16="http://schemas.microsoft.com/office/drawing/2014/main" id="{53480D62-37C1-B546-BFBD-9A7068FF74FD}"/>
               </a:ext>
             </a:extLst>
           </p:cNvPr>
@@ -2376,7 +2376,7 @@
           <p:cNvPr id="7" name="灯片编号占位符 6">
             <a:extLst>
               <a:ext uri="{FF2B5EF4-FFF2-40B4-BE49-F238E27FC236}">
-                <a16:creationId xmlns:a16="http://schemas.microsoft.com/office/drawing/2014/main" xmlns="" id="{A752A4C7-74AF-E24E-87E2-D895B0C8B369}"/>
+                <a16:creationId xmlns="" xmlns:a16="http://schemas.microsoft.com/office/drawing/2014/main" id="{A752A4C7-74AF-E24E-87E2-D895B0C8B369}"/>
               </a:ext>
             </a:extLst>
           </p:cNvPr>
@@ -2435,7 +2435,7 @@
           <p:cNvPr id="2" name="标题 1">
             <a:extLst>
               <a:ext uri="{FF2B5EF4-FFF2-40B4-BE49-F238E27FC236}">
-                <a16:creationId xmlns:a16="http://schemas.microsoft.com/office/drawing/2014/main" xmlns="" id="{3DD3590A-D582-0F4E-B1CF-3F6E4ABCCCED}"/>
+                <a16:creationId xmlns="" xmlns:a16="http://schemas.microsoft.com/office/drawing/2014/main" id="{3DD3590A-D582-0F4E-B1CF-3F6E4ABCCCED}"/>
               </a:ext>
             </a:extLst>
           </p:cNvPr>
@@ -2468,7 +2468,7 @@
           <p:cNvPr id="3" name="文本占位符 2">
             <a:extLst>
               <a:ext uri="{FF2B5EF4-FFF2-40B4-BE49-F238E27FC236}">
-                <a16:creationId xmlns:a16="http://schemas.microsoft.com/office/drawing/2014/main" xmlns="" id="{0B8A6F64-6571-FE4F-BC4E-B79B41D9520D}"/>
+                <a16:creationId xmlns="" xmlns:a16="http://schemas.microsoft.com/office/drawing/2014/main" id="{0B8A6F64-6571-FE4F-BC4E-B79B41D9520D}"/>
               </a:ext>
             </a:extLst>
           </p:cNvPr>
@@ -2539,7 +2539,7 @@
           <p:cNvPr id="4" name="内容占位符 3">
             <a:extLst>
               <a:ext uri="{FF2B5EF4-FFF2-40B4-BE49-F238E27FC236}">
-                <a16:creationId xmlns:a16="http://schemas.microsoft.com/office/drawing/2014/main" xmlns="" id="{A46F58F7-70E6-2642-ABF3-5292F2DEE21D}"/>
+                <a16:creationId xmlns="" xmlns:a16="http://schemas.microsoft.com/office/drawing/2014/main" id="{A46F58F7-70E6-2642-ABF3-5292F2DEE21D}"/>
               </a:ext>
             </a:extLst>
           </p:cNvPr>
@@ -2601,7 +2601,7 @@
           <p:cNvPr id="5" name="文本占位符 4">
             <a:extLst>
               <a:ext uri="{FF2B5EF4-FFF2-40B4-BE49-F238E27FC236}">
-                <a16:creationId xmlns:a16="http://schemas.microsoft.com/office/drawing/2014/main" xmlns="" id="{2619888D-CB40-7A45-A2C4-4E71D62E319D}"/>
+                <a16:creationId xmlns="" xmlns:a16="http://schemas.microsoft.com/office/drawing/2014/main" id="{2619888D-CB40-7A45-A2C4-4E71D62E319D}"/>
               </a:ext>
             </a:extLst>
           </p:cNvPr>
@@ -2672,7 +2672,7 @@
           <p:cNvPr id="6" name="内容占位符 5">
             <a:extLst>
               <a:ext uri="{FF2B5EF4-FFF2-40B4-BE49-F238E27FC236}">
-                <a16:creationId xmlns:a16="http://schemas.microsoft.com/office/drawing/2014/main" xmlns="" id="{314E1B5F-168A-B64E-9A36-4834AD72637B}"/>
+                <a16:creationId xmlns="" xmlns:a16="http://schemas.microsoft.com/office/drawing/2014/main" id="{314E1B5F-168A-B64E-9A36-4834AD72637B}"/>
               </a:ext>
             </a:extLst>
           </p:cNvPr>
@@ -2734,7 +2734,7 @@
           <p:cNvPr id="7" name="日期占位符 6">
             <a:extLst>
               <a:ext uri="{FF2B5EF4-FFF2-40B4-BE49-F238E27FC236}">
-                <a16:creationId xmlns:a16="http://schemas.microsoft.com/office/drawing/2014/main" xmlns="" id="{68FF3CEC-F3A0-B44C-9FDD-A9B6C94FEDC7}"/>
+                <a16:creationId xmlns="" xmlns:a16="http://schemas.microsoft.com/office/drawing/2014/main" id="{68FF3CEC-F3A0-B44C-9FDD-A9B6C94FEDC7}"/>
               </a:ext>
             </a:extLst>
           </p:cNvPr>
@@ -2763,7 +2763,7 @@
           <p:cNvPr id="8" name="页脚占位符 7">
             <a:extLst>
               <a:ext uri="{FF2B5EF4-FFF2-40B4-BE49-F238E27FC236}">
-                <a16:creationId xmlns:a16="http://schemas.microsoft.com/office/drawing/2014/main" xmlns="" id="{DFB9A91A-D2B2-434C-A86D-A18C6A513767}"/>
+                <a16:creationId xmlns="" xmlns:a16="http://schemas.microsoft.com/office/drawing/2014/main" id="{DFB9A91A-D2B2-434C-A86D-A18C6A513767}"/>
               </a:ext>
             </a:extLst>
           </p:cNvPr>
@@ -2788,7 +2788,7 @@
           <p:cNvPr id="9" name="灯片编号占位符 8">
             <a:extLst>
               <a:ext uri="{FF2B5EF4-FFF2-40B4-BE49-F238E27FC236}">
-                <a16:creationId xmlns:a16="http://schemas.microsoft.com/office/drawing/2014/main" xmlns="" id="{5E5B93DB-94F5-B542-8562-5151BE940690}"/>
+                <a16:creationId xmlns="" xmlns:a16="http://schemas.microsoft.com/office/drawing/2014/main" id="{5E5B93DB-94F5-B542-8562-5151BE940690}"/>
               </a:ext>
             </a:extLst>
           </p:cNvPr>
@@ -2847,7 +2847,7 @@
           <p:cNvPr id="2" name="标题 1">
             <a:extLst>
               <a:ext uri="{FF2B5EF4-FFF2-40B4-BE49-F238E27FC236}">
-                <a16:creationId xmlns:a16="http://schemas.microsoft.com/office/drawing/2014/main" xmlns="" id="{79DE0189-037D-7147-98FE-2D3816DB31B7}"/>
+                <a16:creationId xmlns="" xmlns:a16="http://schemas.microsoft.com/office/drawing/2014/main" id="{79DE0189-037D-7147-98FE-2D3816DB31B7}"/>
               </a:ext>
             </a:extLst>
           </p:cNvPr>
@@ -2875,7 +2875,7 @@
           <p:cNvPr id="3" name="日期占位符 2">
             <a:extLst>
               <a:ext uri="{FF2B5EF4-FFF2-40B4-BE49-F238E27FC236}">
-                <a16:creationId xmlns:a16="http://schemas.microsoft.com/office/drawing/2014/main" xmlns="" id="{0A176BEA-B3F7-1D46-A411-498314E974C2}"/>
+                <a16:creationId xmlns="" xmlns:a16="http://schemas.microsoft.com/office/drawing/2014/main" id="{0A176BEA-B3F7-1D46-A411-498314E974C2}"/>
               </a:ext>
             </a:extLst>
           </p:cNvPr>
@@ -2904,7 +2904,7 @@
           <p:cNvPr id="4" name="页脚占位符 3">
             <a:extLst>
               <a:ext uri="{FF2B5EF4-FFF2-40B4-BE49-F238E27FC236}">
-                <a16:creationId xmlns:a16="http://schemas.microsoft.com/office/drawing/2014/main" xmlns="" id="{7E4C4F3C-0760-694A-AAE0-153A1B3E3D50}"/>
+                <a16:creationId xmlns="" xmlns:a16="http://schemas.microsoft.com/office/drawing/2014/main" id="{7E4C4F3C-0760-694A-AAE0-153A1B3E3D50}"/>
               </a:ext>
             </a:extLst>
           </p:cNvPr>
@@ -2929,7 +2929,7 @@
           <p:cNvPr id="5" name="灯片编号占位符 4">
             <a:extLst>
               <a:ext uri="{FF2B5EF4-FFF2-40B4-BE49-F238E27FC236}">
-                <a16:creationId xmlns:a16="http://schemas.microsoft.com/office/drawing/2014/main" xmlns="" id="{2A02855C-8F2E-A647-AC5A-5C43FAC63511}"/>
+                <a16:creationId xmlns="" xmlns:a16="http://schemas.microsoft.com/office/drawing/2014/main" id="{2A02855C-8F2E-A647-AC5A-5C43FAC63511}"/>
               </a:ext>
             </a:extLst>
           </p:cNvPr>
@@ -2988,7 +2988,7 @@
           <p:cNvPr id="2" name="日期占位符 1">
             <a:extLst>
               <a:ext uri="{FF2B5EF4-FFF2-40B4-BE49-F238E27FC236}">
-                <a16:creationId xmlns:a16="http://schemas.microsoft.com/office/drawing/2014/main" xmlns="" id="{F4312BF6-3CD2-1E48-94A9-96F34741B863}"/>
+                <a16:creationId xmlns="" xmlns:a16="http://schemas.microsoft.com/office/drawing/2014/main" id="{F4312BF6-3CD2-1E48-94A9-96F34741B863}"/>
               </a:ext>
             </a:extLst>
           </p:cNvPr>
@@ -3017,7 +3017,7 @@
           <p:cNvPr id="3" name="页脚占位符 2">
             <a:extLst>
               <a:ext uri="{FF2B5EF4-FFF2-40B4-BE49-F238E27FC236}">
-                <a16:creationId xmlns:a16="http://schemas.microsoft.com/office/drawing/2014/main" xmlns="" id="{9704A619-3C17-9945-B8C5-D79D7BE5CC84}"/>
+                <a16:creationId xmlns="" xmlns:a16="http://schemas.microsoft.com/office/drawing/2014/main" id="{9704A619-3C17-9945-B8C5-D79D7BE5CC84}"/>
               </a:ext>
             </a:extLst>
           </p:cNvPr>
@@ -3042,7 +3042,7 @@
           <p:cNvPr id="4" name="灯片编号占位符 3">
             <a:extLst>
               <a:ext uri="{FF2B5EF4-FFF2-40B4-BE49-F238E27FC236}">
-                <a16:creationId xmlns:a16="http://schemas.microsoft.com/office/drawing/2014/main" xmlns="" id="{E442E965-5329-4342-8424-A8DA6D799814}"/>
+                <a16:creationId xmlns="" xmlns:a16="http://schemas.microsoft.com/office/drawing/2014/main" id="{E442E965-5329-4342-8424-A8DA6D799814}"/>
               </a:ext>
             </a:extLst>
           </p:cNvPr>
@@ -3101,7 +3101,7 @@
           <p:cNvPr id="2" name="标题 1">
             <a:extLst>
               <a:ext uri="{FF2B5EF4-FFF2-40B4-BE49-F238E27FC236}">
-                <a16:creationId xmlns:a16="http://schemas.microsoft.com/office/drawing/2014/main" xmlns="" id="{EE38F93F-58B0-7644-8826-EC2948B9A90B}"/>
+                <a16:creationId xmlns="" xmlns:a16="http://schemas.microsoft.com/office/drawing/2014/main" id="{EE38F93F-58B0-7644-8826-EC2948B9A90B}"/>
               </a:ext>
             </a:extLst>
           </p:cNvPr>
@@ -3138,7 +3138,7 @@
           <p:cNvPr id="3" name="内容占位符 2">
             <a:extLst>
               <a:ext uri="{FF2B5EF4-FFF2-40B4-BE49-F238E27FC236}">
-                <a16:creationId xmlns:a16="http://schemas.microsoft.com/office/drawing/2014/main" xmlns="" id="{49A0F107-0617-BA4C-8489-935713766834}"/>
+                <a16:creationId xmlns="" xmlns:a16="http://schemas.microsoft.com/office/drawing/2014/main" id="{49A0F107-0617-BA4C-8489-935713766834}"/>
               </a:ext>
             </a:extLst>
           </p:cNvPr>
@@ -3228,7 +3228,7 @@
           <p:cNvPr id="4" name="文本占位符 3">
             <a:extLst>
               <a:ext uri="{FF2B5EF4-FFF2-40B4-BE49-F238E27FC236}">
-                <a16:creationId xmlns:a16="http://schemas.microsoft.com/office/drawing/2014/main" xmlns="" id="{42A58D66-581F-6B4B-961F-EB8D7E00F2B5}"/>
+                <a16:creationId xmlns="" xmlns:a16="http://schemas.microsoft.com/office/drawing/2014/main" id="{42A58D66-581F-6B4B-961F-EB8D7E00F2B5}"/>
               </a:ext>
             </a:extLst>
           </p:cNvPr>
@@ -3299,7 +3299,7 @@
           <p:cNvPr id="5" name="日期占位符 4">
             <a:extLst>
               <a:ext uri="{FF2B5EF4-FFF2-40B4-BE49-F238E27FC236}">
-                <a16:creationId xmlns:a16="http://schemas.microsoft.com/office/drawing/2014/main" xmlns="" id="{6D86423E-9276-7C46-996D-2263741E19F5}"/>
+                <a16:creationId xmlns="" xmlns:a16="http://schemas.microsoft.com/office/drawing/2014/main" id="{6D86423E-9276-7C46-996D-2263741E19F5}"/>
               </a:ext>
             </a:extLst>
           </p:cNvPr>
@@ -3328,7 +3328,7 @@
           <p:cNvPr id="6" name="页脚占位符 5">
             <a:extLst>
               <a:ext uri="{FF2B5EF4-FFF2-40B4-BE49-F238E27FC236}">
-                <a16:creationId xmlns:a16="http://schemas.microsoft.com/office/drawing/2014/main" xmlns="" id="{21F9D0CC-C2F1-EE4F-9D55-B761FD19F806}"/>
+                <a16:creationId xmlns="" xmlns:a16="http://schemas.microsoft.com/office/drawing/2014/main" id="{21F9D0CC-C2F1-EE4F-9D55-B761FD19F806}"/>
               </a:ext>
             </a:extLst>
           </p:cNvPr>
@@ -3353,7 +3353,7 @@
           <p:cNvPr id="7" name="灯片编号占位符 6">
             <a:extLst>
               <a:ext uri="{FF2B5EF4-FFF2-40B4-BE49-F238E27FC236}">
-                <a16:creationId xmlns:a16="http://schemas.microsoft.com/office/drawing/2014/main" xmlns="" id="{9B313841-DAE9-5947-B754-BE08D39E1A5D}"/>
+                <a16:creationId xmlns="" xmlns:a16="http://schemas.microsoft.com/office/drawing/2014/main" id="{9B313841-DAE9-5947-B754-BE08D39E1A5D}"/>
               </a:ext>
             </a:extLst>
           </p:cNvPr>
@@ -3412,7 +3412,7 @@
           <p:cNvPr id="2" name="标题 1">
             <a:extLst>
               <a:ext uri="{FF2B5EF4-FFF2-40B4-BE49-F238E27FC236}">
-                <a16:creationId xmlns:a16="http://schemas.microsoft.com/office/drawing/2014/main" xmlns="" id="{4EB5E492-CE83-B94A-9FEC-A5781417B2F6}"/>
+                <a16:creationId xmlns="" xmlns:a16="http://schemas.microsoft.com/office/drawing/2014/main" id="{4EB5E492-CE83-B94A-9FEC-A5781417B2F6}"/>
               </a:ext>
             </a:extLst>
           </p:cNvPr>
@@ -3449,7 +3449,7 @@
           <p:cNvPr id="3" name="图片占位符 2">
             <a:extLst>
               <a:ext uri="{FF2B5EF4-FFF2-40B4-BE49-F238E27FC236}">
-                <a16:creationId xmlns:a16="http://schemas.microsoft.com/office/drawing/2014/main" xmlns="" id="{8497E7EE-B2A3-574C-B9F7-C2875C2D427F}"/>
+                <a16:creationId xmlns="" xmlns:a16="http://schemas.microsoft.com/office/drawing/2014/main" id="{8497E7EE-B2A3-574C-B9F7-C2875C2D427F}"/>
               </a:ext>
             </a:extLst>
           </p:cNvPr>
@@ -3516,7 +3516,7 @@
           <p:cNvPr id="4" name="文本占位符 3">
             <a:extLst>
               <a:ext uri="{FF2B5EF4-FFF2-40B4-BE49-F238E27FC236}">
-                <a16:creationId xmlns:a16="http://schemas.microsoft.com/office/drawing/2014/main" xmlns="" id="{8CB45320-992F-5144-A284-DFDDD157C241}"/>
+                <a16:creationId xmlns="" xmlns:a16="http://schemas.microsoft.com/office/drawing/2014/main" id="{8CB45320-992F-5144-A284-DFDDD157C241}"/>
               </a:ext>
             </a:extLst>
           </p:cNvPr>
@@ -3587,7 +3587,7 @@
           <p:cNvPr id="5" name="日期占位符 4">
             <a:extLst>
               <a:ext uri="{FF2B5EF4-FFF2-40B4-BE49-F238E27FC236}">
-                <a16:creationId xmlns:a16="http://schemas.microsoft.com/office/drawing/2014/main" xmlns="" id="{4E95632B-AF60-B049-90F6-18FC1451FEB3}"/>
+                <a16:creationId xmlns="" xmlns:a16="http://schemas.microsoft.com/office/drawing/2014/main" id="{4E95632B-AF60-B049-90F6-18FC1451FEB3}"/>
               </a:ext>
             </a:extLst>
           </p:cNvPr>
@@ -3616,7 +3616,7 @@
           <p:cNvPr id="6" name="页脚占位符 5">
             <a:extLst>
               <a:ext uri="{FF2B5EF4-FFF2-40B4-BE49-F238E27FC236}">
-                <a16:creationId xmlns:a16="http://schemas.microsoft.com/office/drawing/2014/main" xmlns="" id="{27E06FA0-7780-C848-8308-56B582A101D4}"/>
+                <a16:creationId xmlns="" xmlns:a16="http://schemas.microsoft.com/office/drawing/2014/main" id="{27E06FA0-7780-C848-8308-56B582A101D4}"/>
               </a:ext>
             </a:extLst>
           </p:cNvPr>
@@ -3641,7 +3641,7 @@
           <p:cNvPr id="7" name="灯片编号占位符 6">
             <a:extLst>
               <a:ext uri="{FF2B5EF4-FFF2-40B4-BE49-F238E27FC236}">
-                <a16:creationId xmlns:a16="http://schemas.microsoft.com/office/drawing/2014/main" xmlns="" id="{C35BD731-F1EE-5D4D-B6C8-B881BDFF5EDF}"/>
+                <a16:creationId xmlns="" xmlns:a16="http://schemas.microsoft.com/office/drawing/2014/main" id="{C35BD731-F1EE-5D4D-B6C8-B881BDFF5EDF}"/>
               </a:ext>
             </a:extLst>
           </p:cNvPr>
@@ -3705,7 +3705,7 @@
           <p:cNvPr id="2" name="标题占位符 1">
             <a:extLst>
               <a:ext uri="{FF2B5EF4-FFF2-40B4-BE49-F238E27FC236}">
-                <a16:creationId xmlns:a16="http://schemas.microsoft.com/office/drawing/2014/main" xmlns="" id="{0FA6199F-BF2D-3C42-894C-2A6C4DFB78F6}"/>
+                <a16:creationId xmlns="" xmlns:a16="http://schemas.microsoft.com/office/drawing/2014/main" id="{0FA6199F-BF2D-3C42-894C-2A6C4DFB78F6}"/>
               </a:ext>
             </a:extLst>
           </p:cNvPr>
@@ -3743,7 +3743,7 @@
           <p:cNvPr id="3" name="文本占位符 2">
             <a:extLst>
               <a:ext uri="{FF2B5EF4-FFF2-40B4-BE49-F238E27FC236}">
-                <a16:creationId xmlns:a16="http://schemas.microsoft.com/office/drawing/2014/main" xmlns="" id="{3864098E-C20A-0F46-8DF5-10DAF895675A}"/>
+                <a16:creationId xmlns="" xmlns:a16="http://schemas.microsoft.com/office/drawing/2014/main" id="{3864098E-C20A-0F46-8DF5-10DAF895675A}"/>
               </a:ext>
             </a:extLst>
           </p:cNvPr>
@@ -3810,7 +3810,7 @@
           <p:cNvPr id="4" name="日期占位符 3">
             <a:extLst>
               <a:ext uri="{FF2B5EF4-FFF2-40B4-BE49-F238E27FC236}">
-                <a16:creationId xmlns:a16="http://schemas.microsoft.com/office/drawing/2014/main" xmlns="" id="{A014F0AA-AC9D-434A-8858-F3D6141B7F84}"/>
+                <a16:creationId xmlns="" xmlns:a16="http://schemas.microsoft.com/office/drawing/2014/main" id="{A014F0AA-AC9D-434A-8858-F3D6141B7F84}"/>
               </a:ext>
             </a:extLst>
           </p:cNvPr>
@@ -3857,7 +3857,7 @@
           <p:cNvPr id="5" name="页脚占位符 4">
             <a:extLst>
               <a:ext uri="{FF2B5EF4-FFF2-40B4-BE49-F238E27FC236}">
-                <a16:creationId xmlns:a16="http://schemas.microsoft.com/office/drawing/2014/main" xmlns="" id="{5C88CA23-A82A-2A41-B189-ACC6426E728A}"/>
+                <a16:creationId xmlns="" xmlns:a16="http://schemas.microsoft.com/office/drawing/2014/main" id="{5C88CA23-A82A-2A41-B189-ACC6426E728A}"/>
               </a:ext>
             </a:extLst>
           </p:cNvPr>
@@ -3900,7 +3900,7 @@
           <p:cNvPr id="6" name="灯片编号占位符 5">
             <a:extLst>
               <a:ext uri="{FF2B5EF4-FFF2-40B4-BE49-F238E27FC236}">
-                <a16:creationId xmlns:a16="http://schemas.microsoft.com/office/drawing/2014/main" xmlns="" id="{9A690401-9402-154A-8E10-3254E10D5332}"/>
+                <a16:creationId xmlns="" xmlns:a16="http://schemas.microsoft.com/office/drawing/2014/main" id="{9A690401-9402-154A-8E10-3254E10D5332}"/>
               </a:ext>
             </a:extLst>
           </p:cNvPr>
@@ -4268,7 +4268,7 @@
           <p:cNvPr id="2" name="标题 1">
             <a:extLst>
               <a:ext uri="{FF2B5EF4-FFF2-40B4-BE49-F238E27FC236}">
-                <a16:creationId xmlns:a16="http://schemas.microsoft.com/office/drawing/2014/main" xmlns="" id="{52B7F225-D82E-EA49-AECB-7F06CB70B93F}"/>
+                <a16:creationId xmlns="" xmlns:a16="http://schemas.microsoft.com/office/drawing/2014/main" id="{52B7F225-D82E-EA49-AECB-7F06CB70B93F}"/>
               </a:ext>
             </a:extLst>
           </p:cNvPr>
@@ -4305,7 +4305,7 @@
           <p:cNvPr id="3" name="副标题 2">
             <a:extLst>
               <a:ext uri="{FF2B5EF4-FFF2-40B4-BE49-F238E27FC236}">
-                <a16:creationId xmlns:a16="http://schemas.microsoft.com/office/drawing/2014/main" xmlns="" id="{6D7C3E0B-2C67-534D-BB94-2B746F85455E}"/>
+                <a16:creationId xmlns="" xmlns:a16="http://schemas.microsoft.com/office/drawing/2014/main" id="{6D7C3E0B-2C67-534D-BB94-2B746F85455E}"/>
               </a:ext>
             </a:extLst>
           </p:cNvPr>
@@ -4382,7 +4382,7 @@
           <p:cNvPr id="2" name="标题 1">
             <a:extLst>
               <a:ext uri="{FF2B5EF4-FFF2-40B4-BE49-F238E27FC236}">
-                <a16:creationId xmlns:a16="http://schemas.microsoft.com/office/drawing/2014/main" xmlns="" id="{F0405D1C-A876-8341-918E-A5D66A83827F}"/>
+                <a16:creationId xmlns="" xmlns:a16="http://schemas.microsoft.com/office/drawing/2014/main" id="{F0405D1C-A876-8341-918E-A5D66A83827F}"/>
               </a:ext>
             </a:extLst>
           </p:cNvPr>
@@ -4417,7 +4417,7 @@
           <p:cNvPr id="3" name="内容占位符 2">
             <a:extLst>
               <a:ext uri="{FF2B5EF4-FFF2-40B4-BE49-F238E27FC236}">
-                <a16:creationId xmlns:a16="http://schemas.microsoft.com/office/drawing/2014/main" xmlns="" id="{18357220-3404-9543-B18A-654DBC2080C6}"/>
+                <a16:creationId xmlns="" xmlns:a16="http://schemas.microsoft.com/office/drawing/2014/main" id="{18357220-3404-9543-B18A-654DBC2080C6}"/>
               </a:ext>
             </a:extLst>
           </p:cNvPr>
@@ -4542,7 +4542,7 @@
           <p:cNvPr id="2" name="标题 1">
             <a:extLst>
               <a:ext uri="{FF2B5EF4-FFF2-40B4-BE49-F238E27FC236}">
-                <a16:creationId xmlns:a16="http://schemas.microsoft.com/office/drawing/2014/main" xmlns="" id="{F0405D1C-A876-8341-918E-A5D66A83827F}"/>
+                <a16:creationId xmlns="" xmlns:a16="http://schemas.microsoft.com/office/drawing/2014/main" id="{F0405D1C-A876-8341-918E-A5D66A83827F}"/>
               </a:ext>
             </a:extLst>
           </p:cNvPr>
@@ -4577,7 +4577,7 @@
           <p:cNvPr id="3" name="内容占位符 2">
             <a:extLst>
               <a:ext uri="{FF2B5EF4-FFF2-40B4-BE49-F238E27FC236}">
-                <a16:creationId xmlns:a16="http://schemas.microsoft.com/office/drawing/2014/main" xmlns="" id="{18357220-3404-9543-B18A-654DBC2080C6}"/>
+                <a16:creationId xmlns="" xmlns:a16="http://schemas.microsoft.com/office/drawing/2014/main" id="{18357220-3404-9543-B18A-654DBC2080C6}"/>
               </a:ext>
             </a:extLst>
           </p:cNvPr>
@@ -4639,7 +4639,7 @@
           <p:cNvPr id="2" name="标题 1">
             <a:extLst>
               <a:ext uri="{FF2B5EF4-FFF2-40B4-BE49-F238E27FC236}">
-                <a16:creationId xmlns:a16="http://schemas.microsoft.com/office/drawing/2014/main" xmlns="" id="{F0405D1C-A876-8341-918E-A5D66A83827F}"/>
+                <a16:creationId xmlns="" xmlns:a16="http://schemas.microsoft.com/office/drawing/2014/main" id="{F0405D1C-A876-8341-918E-A5D66A83827F}"/>
               </a:ext>
             </a:extLst>
           </p:cNvPr>
@@ -4674,7 +4674,7 @@
           <p:cNvPr id="3" name="内容占位符 2">
             <a:extLst>
               <a:ext uri="{FF2B5EF4-FFF2-40B4-BE49-F238E27FC236}">
-                <a16:creationId xmlns:a16="http://schemas.microsoft.com/office/drawing/2014/main" xmlns="" id="{18357220-3404-9543-B18A-654DBC2080C6}"/>
+                <a16:creationId xmlns="" xmlns:a16="http://schemas.microsoft.com/office/drawing/2014/main" id="{18357220-3404-9543-B18A-654DBC2080C6}"/>
               </a:ext>
             </a:extLst>
           </p:cNvPr>
@@ -4706,7 +4706,7 @@
           <p:cNvPr id="4" name="标题 1">
             <a:extLst>
               <a:ext uri="{FF2B5EF4-FFF2-40B4-BE49-F238E27FC236}">
-                <a16:creationId xmlns:a16="http://schemas.microsoft.com/office/drawing/2014/main" xmlns="" id="{F0405D1C-A876-8341-918E-A5D66A83827F}"/>
+                <a16:creationId xmlns="" xmlns:a16="http://schemas.microsoft.com/office/drawing/2014/main" id="{F0405D1C-A876-8341-918E-A5D66A83827F}"/>
               </a:ext>
             </a:extLst>
           </p:cNvPr>
@@ -4824,7 +4824,7 @@
           <p:cNvPr id="2" name="标题 1">
             <a:extLst>
               <a:ext uri="{FF2B5EF4-FFF2-40B4-BE49-F238E27FC236}">
-                <a16:creationId xmlns:a16="http://schemas.microsoft.com/office/drawing/2014/main" xmlns="" id="{F0405D1C-A876-8341-918E-A5D66A83827F}"/>
+                <a16:creationId xmlns="" xmlns:a16="http://schemas.microsoft.com/office/drawing/2014/main" id="{F0405D1C-A876-8341-918E-A5D66A83827F}"/>
               </a:ext>
             </a:extLst>
           </p:cNvPr>
@@ -4882,21 +4882,21 @@
                 <a:gridCol w="2069308">
                   <a:extLst>
                     <a:ext uri="{9D8B030D-6E8A-4147-A177-3AD203B41FA5}">
-                      <a16:colId xmlns:a16="http://schemas.microsoft.com/office/drawing/2014/main" xmlns="" val="20000"/>
+                      <a16:colId xmlns="" xmlns:a16="http://schemas.microsoft.com/office/drawing/2014/main" val="20000"/>
                     </a:ext>
                   </a:extLst>
                 </a:gridCol>
                 <a:gridCol w="4414838">
                   <a:extLst>
                     <a:ext uri="{9D8B030D-6E8A-4147-A177-3AD203B41FA5}">
-                      <a16:colId xmlns:a16="http://schemas.microsoft.com/office/drawing/2014/main" xmlns="" val="20001"/>
+                      <a16:colId xmlns="" xmlns:a16="http://schemas.microsoft.com/office/drawing/2014/main" val="20001"/>
                     </a:ext>
                   </a:extLst>
                 </a:gridCol>
                 <a:gridCol w="4445794">
                   <a:extLst>
                     <a:ext uri="{9D8B030D-6E8A-4147-A177-3AD203B41FA5}">
-                      <a16:colId xmlns:a16="http://schemas.microsoft.com/office/drawing/2014/main" xmlns="" val="20002"/>
+                      <a16:colId xmlns="" xmlns:a16="http://schemas.microsoft.com/office/drawing/2014/main" val="20002"/>
                     </a:ext>
                   </a:extLst>
                 </a:gridCol>
@@ -5105,7 +5105,7 @@
                 </a:tc>
                 <a:extLst>
                   <a:ext uri="{0D108BD9-81ED-4DB2-BD59-A6C34878D82A}">
-                    <a16:rowId xmlns:a16="http://schemas.microsoft.com/office/drawing/2014/main" xmlns="" val="10000"/>
+                    <a16:rowId xmlns="" xmlns:a16="http://schemas.microsoft.com/office/drawing/2014/main" val="10000"/>
                   </a:ext>
                 </a:extLst>
               </a:tr>
@@ -5324,7 +5324,7 @@
                 </a:tc>
                 <a:extLst>
                   <a:ext uri="{0D108BD9-81ED-4DB2-BD59-A6C34878D82A}">
-                    <a16:rowId xmlns:a16="http://schemas.microsoft.com/office/drawing/2014/main" xmlns="" val="10001"/>
+                    <a16:rowId xmlns="" xmlns:a16="http://schemas.microsoft.com/office/drawing/2014/main" val="10001"/>
                   </a:ext>
                 </a:extLst>
               </a:tr>
@@ -5564,7 +5564,7 @@
                 </a:tc>
                 <a:extLst>
                   <a:ext uri="{0D108BD9-81ED-4DB2-BD59-A6C34878D82A}">
-                    <a16:rowId xmlns:a16="http://schemas.microsoft.com/office/drawing/2014/main" xmlns="" val="10002"/>
+                    <a16:rowId xmlns="" xmlns:a16="http://schemas.microsoft.com/office/drawing/2014/main" val="10002"/>
                   </a:ext>
                 </a:extLst>
               </a:tr>
@@ -5607,7 +5607,7 @@
           <p:cNvPr id="2" name="标题 1">
             <a:extLst>
               <a:ext uri="{FF2B5EF4-FFF2-40B4-BE49-F238E27FC236}">
-                <a16:creationId xmlns:a16="http://schemas.microsoft.com/office/drawing/2014/main" xmlns="" id="{F0405D1C-A876-8341-918E-A5D66A83827F}"/>
+                <a16:creationId xmlns="" xmlns:a16="http://schemas.microsoft.com/office/drawing/2014/main" id="{F0405D1C-A876-8341-918E-A5D66A83827F}"/>
               </a:ext>
             </a:extLst>
           </p:cNvPr>
@@ -5659,21 +5659,21 @@
                 <a:gridCol w="2069308">
                   <a:extLst>
                     <a:ext uri="{9D8B030D-6E8A-4147-A177-3AD203B41FA5}">
-                      <a16:colId xmlns:a16="http://schemas.microsoft.com/office/drawing/2014/main" xmlns="" val="20000"/>
+                      <a16:colId xmlns="" xmlns:a16="http://schemas.microsoft.com/office/drawing/2014/main" val="20000"/>
                     </a:ext>
                   </a:extLst>
                 </a:gridCol>
                 <a:gridCol w="4414838">
                   <a:extLst>
                     <a:ext uri="{9D8B030D-6E8A-4147-A177-3AD203B41FA5}">
-                      <a16:colId xmlns:a16="http://schemas.microsoft.com/office/drawing/2014/main" xmlns="" val="20001"/>
+                      <a16:colId xmlns="" xmlns:a16="http://schemas.microsoft.com/office/drawing/2014/main" val="20001"/>
                     </a:ext>
                   </a:extLst>
                 </a:gridCol>
                 <a:gridCol w="4445794">
                   <a:extLst>
                     <a:ext uri="{9D8B030D-6E8A-4147-A177-3AD203B41FA5}">
-                      <a16:colId xmlns:a16="http://schemas.microsoft.com/office/drawing/2014/main" xmlns="" val="20002"/>
+                      <a16:colId xmlns="" xmlns:a16="http://schemas.microsoft.com/office/drawing/2014/main" val="20002"/>
                     </a:ext>
                   </a:extLst>
                 </a:gridCol>
@@ -5882,7 +5882,7 @@
                 </a:tc>
                 <a:extLst>
                   <a:ext uri="{0D108BD9-81ED-4DB2-BD59-A6C34878D82A}">
-                    <a16:rowId xmlns:a16="http://schemas.microsoft.com/office/drawing/2014/main" xmlns="" val="10000"/>
+                    <a16:rowId xmlns="" xmlns:a16="http://schemas.microsoft.com/office/drawing/2014/main" val="10000"/>
                   </a:ext>
                 </a:extLst>
               </a:tr>
@@ -6101,7 +6101,7 @@
                 </a:tc>
                 <a:extLst>
                   <a:ext uri="{0D108BD9-81ED-4DB2-BD59-A6C34878D82A}">
-                    <a16:rowId xmlns:a16="http://schemas.microsoft.com/office/drawing/2014/main" xmlns="" val="10001"/>
+                    <a16:rowId xmlns="" xmlns:a16="http://schemas.microsoft.com/office/drawing/2014/main" val="10001"/>
                   </a:ext>
                 </a:extLst>
               </a:tr>
@@ -6341,7 +6341,7 @@
                 </a:tc>
                 <a:extLst>
                   <a:ext uri="{0D108BD9-81ED-4DB2-BD59-A6C34878D82A}">
-                    <a16:rowId xmlns:a16="http://schemas.microsoft.com/office/drawing/2014/main" xmlns="" val="10002"/>
+                    <a16:rowId xmlns="" xmlns:a16="http://schemas.microsoft.com/office/drawing/2014/main" val="10002"/>
                   </a:ext>
                 </a:extLst>
               </a:tr>
@@ -6354,7 +6354,7 @@
           <p:cNvPr id="4" name="标题 1">
             <a:extLst>
               <a:ext uri="{FF2B5EF4-FFF2-40B4-BE49-F238E27FC236}">
-                <a16:creationId xmlns:a16="http://schemas.microsoft.com/office/drawing/2014/main" xmlns="" id="{F0405D1C-A876-8341-918E-A5D66A83827F}"/>
+                <a16:creationId xmlns="" xmlns:a16="http://schemas.microsoft.com/office/drawing/2014/main" id="{F0405D1C-A876-8341-918E-A5D66A83827F}"/>
               </a:ext>
             </a:extLst>
           </p:cNvPr>
@@ -6423,7 +6423,7 @@
           <p:cNvPr id="5" name="标题 1">
             <a:extLst>
               <a:ext uri="{FF2B5EF4-FFF2-40B4-BE49-F238E27FC236}">
-                <a16:creationId xmlns:a16="http://schemas.microsoft.com/office/drawing/2014/main" xmlns="" id="{F0405D1C-A876-8341-918E-A5D66A83827F}"/>
+                <a16:creationId xmlns="" xmlns:a16="http://schemas.microsoft.com/office/drawing/2014/main" id="{F0405D1C-A876-8341-918E-A5D66A83827F}"/>
               </a:ext>
             </a:extLst>
           </p:cNvPr>
@@ -6568,7 +6568,7 @@
           <p:cNvPr id="2" name="标题 1">
             <a:extLst>
               <a:ext uri="{FF2B5EF4-FFF2-40B4-BE49-F238E27FC236}">
-                <a16:creationId xmlns:a16="http://schemas.microsoft.com/office/drawing/2014/main" xmlns="" id="{F0405D1C-A876-8341-918E-A5D66A83827F}"/>
+                <a16:creationId xmlns="" xmlns:a16="http://schemas.microsoft.com/office/drawing/2014/main" id="{F0405D1C-A876-8341-918E-A5D66A83827F}"/>
               </a:ext>
             </a:extLst>
           </p:cNvPr>
@@ -6603,7 +6603,7 @@
           <p:cNvPr id="3" name="内容占位符 2">
             <a:extLst>
               <a:ext uri="{FF2B5EF4-FFF2-40B4-BE49-F238E27FC236}">
-                <a16:creationId xmlns:a16="http://schemas.microsoft.com/office/drawing/2014/main" xmlns="" id="{18357220-3404-9543-B18A-654DBC2080C6}"/>
+                <a16:creationId xmlns="" xmlns:a16="http://schemas.microsoft.com/office/drawing/2014/main" id="{18357220-3404-9543-B18A-654DBC2080C6}"/>
               </a:ext>
             </a:extLst>
           </p:cNvPr>
@@ -6689,7 +6689,7 @@
           <p:cNvPr id="2" name="标题 1">
             <a:extLst>
               <a:ext uri="{FF2B5EF4-FFF2-40B4-BE49-F238E27FC236}">
-                <a16:creationId xmlns:a16="http://schemas.microsoft.com/office/drawing/2014/main" xmlns="" id="{F0405D1C-A876-8341-918E-A5D66A83827F}"/>
+                <a16:creationId xmlns="" xmlns:a16="http://schemas.microsoft.com/office/drawing/2014/main" id="{F0405D1C-A876-8341-918E-A5D66A83827F}"/>
               </a:ext>
             </a:extLst>
           </p:cNvPr>
@@ -6724,7 +6724,7 @@
           <p:cNvPr id="3" name="内容占位符 2">
             <a:extLst>
               <a:ext uri="{FF2B5EF4-FFF2-40B4-BE49-F238E27FC236}">
-                <a16:creationId xmlns:a16="http://schemas.microsoft.com/office/drawing/2014/main" xmlns="" id="{18357220-3404-9543-B18A-654DBC2080C6}"/>
+                <a16:creationId xmlns="" xmlns:a16="http://schemas.microsoft.com/office/drawing/2014/main" id="{18357220-3404-9543-B18A-654DBC2080C6}"/>
               </a:ext>
             </a:extLst>
           </p:cNvPr>
@@ -6800,7 +6800,7 @@
           <p:cNvPr id="2" name="标题 1">
             <a:extLst>
               <a:ext uri="{FF2B5EF4-FFF2-40B4-BE49-F238E27FC236}">
-                <a16:creationId xmlns:a16="http://schemas.microsoft.com/office/drawing/2014/main" xmlns="" id="{F0405D1C-A876-8341-918E-A5D66A83827F}"/>
+                <a16:creationId xmlns="" xmlns:a16="http://schemas.microsoft.com/office/drawing/2014/main" id="{F0405D1C-A876-8341-918E-A5D66A83827F}"/>
               </a:ext>
             </a:extLst>
           </p:cNvPr>
@@ -6835,7 +6835,7 @@
           <p:cNvPr id="3" name="内容占位符 2">
             <a:extLst>
               <a:ext uri="{FF2B5EF4-FFF2-40B4-BE49-F238E27FC236}">
-                <a16:creationId xmlns:a16="http://schemas.microsoft.com/office/drawing/2014/main" xmlns="" id="{18357220-3404-9543-B18A-654DBC2080C6}"/>
+                <a16:creationId xmlns="" xmlns:a16="http://schemas.microsoft.com/office/drawing/2014/main" id="{18357220-3404-9543-B18A-654DBC2080C6}"/>
               </a:ext>
             </a:extLst>
           </p:cNvPr>
@@ -6946,7 +6946,7 @@
           <p:cNvPr id="2" name="标题 1">
             <a:extLst>
               <a:ext uri="{FF2B5EF4-FFF2-40B4-BE49-F238E27FC236}">
-                <a16:creationId xmlns:a16="http://schemas.microsoft.com/office/drawing/2014/main" xmlns="" id="{F0405D1C-A876-8341-918E-A5D66A83827F}"/>
+                <a16:creationId xmlns="" xmlns:a16="http://schemas.microsoft.com/office/drawing/2014/main" id="{F0405D1C-A876-8341-918E-A5D66A83827F}"/>
               </a:ext>
             </a:extLst>
           </p:cNvPr>
@@ -6981,7 +6981,7 @@
           <p:cNvPr id="3" name="内容占位符 2">
             <a:extLst>
               <a:ext uri="{FF2B5EF4-FFF2-40B4-BE49-F238E27FC236}">
-                <a16:creationId xmlns:a16="http://schemas.microsoft.com/office/drawing/2014/main" xmlns="" id="{18357220-3404-9543-B18A-654DBC2080C6}"/>
+                <a16:creationId xmlns="" xmlns:a16="http://schemas.microsoft.com/office/drawing/2014/main" id="{18357220-3404-9543-B18A-654DBC2080C6}"/>
               </a:ext>
             </a:extLst>
           </p:cNvPr>
@@ -7053,7 +7053,7 @@
           <p:cNvPr id="2" name="标题 1">
             <a:extLst>
               <a:ext uri="{FF2B5EF4-FFF2-40B4-BE49-F238E27FC236}">
-                <a16:creationId xmlns:a16="http://schemas.microsoft.com/office/drawing/2014/main" xmlns="" id="{5623247C-369A-F04E-AEFA-A7F98653C3A5}"/>
+                <a16:creationId xmlns="" xmlns:a16="http://schemas.microsoft.com/office/drawing/2014/main" id="{5623247C-369A-F04E-AEFA-A7F98653C3A5}"/>
               </a:ext>
             </a:extLst>
           </p:cNvPr>
@@ -7130,10 +7130,10 @@
           <p:cNvPr id="12" name="Rectangle 11">
             <a:extLst>
               <a:ext uri="{FF2B5EF4-FFF2-40B4-BE49-F238E27FC236}">
-                <a16:creationId xmlns:a16="http://schemas.microsoft.com/office/drawing/2014/main" xmlns="" id="{99ED5833-B85B-4103-8A3B-CAB0308E6C15}"/>
+                <a16:creationId xmlns="" xmlns:a16="http://schemas.microsoft.com/office/drawing/2014/main" id="{99ED5833-B85B-4103-8A3B-CAB0308E6C15}"/>
               </a:ext>
               <a:ext uri="{C183D7F6-B498-43B3-948B-1728B52AA6E4}">
-                <adec:decorative xmlns:adec="http://schemas.microsoft.com/office/drawing/2017/decorative" xmlns="" val="1"/>
+                <adec:decorative xmlns="" xmlns:adec="http://schemas.microsoft.com/office/drawing/2017/decorative" val="1"/>
               </a:ext>
             </a:extLst>
           </p:cNvPr>
@@ -7190,7 +7190,7 @@
           <p:cNvPr id="2" name="标题 1">
             <a:extLst>
               <a:ext uri="{FF2B5EF4-FFF2-40B4-BE49-F238E27FC236}">
-                <a16:creationId xmlns:a16="http://schemas.microsoft.com/office/drawing/2014/main" xmlns="" id="{5623247C-369A-F04E-AEFA-A7F98653C3A5}"/>
+                <a16:creationId xmlns="" xmlns:a16="http://schemas.microsoft.com/office/drawing/2014/main" id="{5623247C-369A-F04E-AEFA-A7F98653C3A5}"/>
               </a:ext>
             </a:extLst>
           </p:cNvPr>
@@ -7229,7 +7229,7 @@
           <p:cNvPr id="7" name="图片 6" descr="图示&#10;&#10;描述已自动生成">
             <a:extLst>
               <a:ext uri="{FF2B5EF4-FFF2-40B4-BE49-F238E27FC236}">
-                <a16:creationId xmlns:a16="http://schemas.microsoft.com/office/drawing/2014/main" xmlns="" id="{0CF54521-CC0B-DF49-8831-759E7130C1FC}"/>
+                <a16:creationId xmlns="" xmlns:a16="http://schemas.microsoft.com/office/drawing/2014/main" id="{0CF54521-CC0B-DF49-8831-759E7130C1FC}"/>
               </a:ext>
             </a:extLst>
           </p:cNvPr>
@@ -7259,7 +7259,7 @@
           <p:cNvPr id="5" name="图片 4" descr="图示&#10;&#10;描述已自动生成">
             <a:extLst>
               <a:ext uri="{FF2B5EF4-FFF2-40B4-BE49-F238E27FC236}">
-                <a16:creationId xmlns:a16="http://schemas.microsoft.com/office/drawing/2014/main" xmlns="" id="{3E5AE733-5896-9743-8A7E-09451E85D813}"/>
+                <a16:creationId xmlns="" xmlns:a16="http://schemas.microsoft.com/office/drawing/2014/main" id="{3E5AE733-5896-9743-8A7E-09451E85D813}"/>
               </a:ext>
             </a:extLst>
           </p:cNvPr>
@@ -7449,7 +7449,7 @@
         </p:nvCxnSpPr>
         <p:spPr>
           <a:xfrm>
-            <a:off x="766762" y="1500188"/>
+            <a:off x="526922" y="1500188"/>
             <a:ext cx="10148888" cy="0"/>
           </a:xfrm>
           <a:prstGeom prst="line">
@@ -7485,7 +7485,7 @@
         </p:nvCxnSpPr>
         <p:spPr>
           <a:xfrm>
-            <a:off x="766762" y="3467096"/>
+            <a:off x="526922" y="3467096"/>
             <a:ext cx="10148888" cy="0"/>
           </a:xfrm>
           <a:prstGeom prst="line">
@@ -7914,7 +7914,7 @@
         </p:nvSpPr>
         <p:spPr>
           <a:xfrm flipH="1">
-            <a:off x="5277396" y="3048846"/>
+            <a:off x="5277396" y="3033856"/>
             <a:ext cx="2321223" cy="830997"/>
           </a:xfrm>
           <a:prstGeom prst="rect">
@@ -8186,7 +8186,7 @@
           <p:cNvPr id="2" name="标题 1">
             <a:extLst>
               <a:ext uri="{FF2B5EF4-FFF2-40B4-BE49-F238E27FC236}">
-                <a16:creationId xmlns:a16="http://schemas.microsoft.com/office/drawing/2014/main" xmlns="" id="{F0405D1C-A876-8341-918E-A5D66A83827F}"/>
+                <a16:creationId xmlns="" xmlns:a16="http://schemas.microsoft.com/office/drawing/2014/main" id="{F0405D1C-A876-8341-918E-A5D66A83827F}"/>
               </a:ext>
             </a:extLst>
           </p:cNvPr>
@@ -8221,7 +8221,7 @@
           <p:cNvPr id="5" name="表格 4">
             <a:extLst>
               <a:ext uri="{FF2B5EF4-FFF2-40B4-BE49-F238E27FC236}">
-                <a16:creationId xmlns:a16="http://schemas.microsoft.com/office/drawing/2014/main" xmlns="" id="{BBD8331B-80DE-5E4F-9E00-43915192637C}"/>
+                <a16:creationId xmlns="" xmlns:a16="http://schemas.microsoft.com/office/drawing/2014/main" id="{BBD8331B-80DE-5E4F-9E00-43915192637C}"/>
               </a:ext>
             </a:extLst>
           </p:cNvPr>
@@ -8250,56 +8250,56 @@
                 <a:gridCol w="1016000">
                   <a:extLst>
                     <a:ext uri="{9D8B030D-6E8A-4147-A177-3AD203B41FA5}">
-                      <a16:colId xmlns:a16="http://schemas.microsoft.com/office/drawing/2014/main" xmlns="" val="2919921209"/>
+                      <a16:colId xmlns="" xmlns:a16="http://schemas.microsoft.com/office/drawing/2014/main" val="2919921209"/>
                     </a:ext>
                   </a:extLst>
                 </a:gridCol>
                 <a:gridCol w="1016000">
                   <a:extLst>
                     <a:ext uri="{9D8B030D-6E8A-4147-A177-3AD203B41FA5}">
-                      <a16:colId xmlns:a16="http://schemas.microsoft.com/office/drawing/2014/main" xmlns="" val="1274578498"/>
+                      <a16:colId xmlns="" xmlns:a16="http://schemas.microsoft.com/office/drawing/2014/main" val="1274578498"/>
                     </a:ext>
                   </a:extLst>
                 </a:gridCol>
                 <a:gridCol w="1016000">
                   <a:extLst>
                     <a:ext uri="{9D8B030D-6E8A-4147-A177-3AD203B41FA5}">
-                      <a16:colId xmlns:a16="http://schemas.microsoft.com/office/drawing/2014/main" xmlns="" val="2473859656"/>
+                      <a16:colId xmlns="" xmlns:a16="http://schemas.microsoft.com/office/drawing/2014/main" val="2473859656"/>
                     </a:ext>
                   </a:extLst>
                 </a:gridCol>
                 <a:gridCol w="1016000">
                   <a:extLst>
                     <a:ext uri="{9D8B030D-6E8A-4147-A177-3AD203B41FA5}">
-                      <a16:colId xmlns:a16="http://schemas.microsoft.com/office/drawing/2014/main" xmlns="" val="4017853280"/>
+                      <a16:colId xmlns="" xmlns:a16="http://schemas.microsoft.com/office/drawing/2014/main" val="4017853280"/>
                     </a:ext>
                   </a:extLst>
                 </a:gridCol>
                 <a:gridCol w="1016000">
                   <a:extLst>
                     <a:ext uri="{9D8B030D-6E8A-4147-A177-3AD203B41FA5}">
-                      <a16:colId xmlns:a16="http://schemas.microsoft.com/office/drawing/2014/main" xmlns="" val="4046979531"/>
+                      <a16:colId xmlns="" xmlns:a16="http://schemas.microsoft.com/office/drawing/2014/main" val="4046979531"/>
                     </a:ext>
                   </a:extLst>
                 </a:gridCol>
                 <a:gridCol w="1016000">
                   <a:extLst>
                     <a:ext uri="{9D8B030D-6E8A-4147-A177-3AD203B41FA5}">
-                      <a16:colId xmlns:a16="http://schemas.microsoft.com/office/drawing/2014/main" xmlns="" val="1236215947"/>
+                      <a16:colId xmlns="" xmlns:a16="http://schemas.microsoft.com/office/drawing/2014/main" val="1236215947"/>
                     </a:ext>
                   </a:extLst>
                 </a:gridCol>
                 <a:gridCol w="1016000">
                   <a:extLst>
                     <a:ext uri="{9D8B030D-6E8A-4147-A177-3AD203B41FA5}">
-                      <a16:colId xmlns:a16="http://schemas.microsoft.com/office/drawing/2014/main" xmlns="" val="3358476489"/>
+                      <a16:colId xmlns="" xmlns:a16="http://schemas.microsoft.com/office/drawing/2014/main" val="3358476489"/>
                     </a:ext>
                   </a:extLst>
                 </a:gridCol>
                 <a:gridCol w="1016000">
                   <a:extLst>
                     <a:ext uri="{9D8B030D-6E8A-4147-A177-3AD203B41FA5}">
-                      <a16:colId xmlns:a16="http://schemas.microsoft.com/office/drawing/2014/main" xmlns="" val="1544053477"/>
+                      <a16:colId xmlns="" xmlns:a16="http://schemas.microsoft.com/office/drawing/2014/main" val="1544053477"/>
                     </a:ext>
                   </a:extLst>
                 </a:gridCol>
@@ -8691,7 +8691,7 @@
                 </a:tc>
                 <a:extLst>
                   <a:ext uri="{0D108BD9-81ED-4DB2-BD59-A6C34878D82A}">
-                    <a16:rowId xmlns:a16="http://schemas.microsoft.com/office/drawing/2014/main" xmlns="" val="2866617908"/>
+                    <a16:rowId xmlns="" xmlns:a16="http://schemas.microsoft.com/office/drawing/2014/main" val="2866617908"/>
                   </a:ext>
                 </a:extLst>
               </a:tr>
@@ -8704,7 +8704,7 @@
           <p:cNvPr id="6" name="表格 5">
             <a:extLst>
               <a:ext uri="{FF2B5EF4-FFF2-40B4-BE49-F238E27FC236}">
-                <a16:creationId xmlns:a16="http://schemas.microsoft.com/office/drawing/2014/main" xmlns="" id="{5B4F8785-5EE0-884C-A840-D9ED4AA8430C}"/>
+                <a16:creationId xmlns="" xmlns:a16="http://schemas.microsoft.com/office/drawing/2014/main" id="{5B4F8785-5EE0-884C-A840-D9ED4AA8430C}"/>
               </a:ext>
             </a:extLst>
           </p:cNvPr>
@@ -8733,56 +8733,56 @@
                 <a:gridCol w="1016000">
                   <a:extLst>
                     <a:ext uri="{9D8B030D-6E8A-4147-A177-3AD203B41FA5}">
-                      <a16:colId xmlns:a16="http://schemas.microsoft.com/office/drawing/2014/main" xmlns="" val="2919921209"/>
+                      <a16:colId xmlns="" xmlns:a16="http://schemas.microsoft.com/office/drawing/2014/main" val="2919921209"/>
                     </a:ext>
                   </a:extLst>
                 </a:gridCol>
                 <a:gridCol w="1016000">
                   <a:extLst>
                     <a:ext uri="{9D8B030D-6E8A-4147-A177-3AD203B41FA5}">
-                      <a16:colId xmlns:a16="http://schemas.microsoft.com/office/drawing/2014/main" xmlns="" val="1274578498"/>
+                      <a16:colId xmlns="" xmlns:a16="http://schemas.microsoft.com/office/drawing/2014/main" val="1274578498"/>
                     </a:ext>
                   </a:extLst>
                 </a:gridCol>
                 <a:gridCol w="1016000">
                   <a:extLst>
                     <a:ext uri="{9D8B030D-6E8A-4147-A177-3AD203B41FA5}">
-                      <a16:colId xmlns:a16="http://schemas.microsoft.com/office/drawing/2014/main" xmlns="" val="2473859656"/>
+                      <a16:colId xmlns="" xmlns:a16="http://schemas.microsoft.com/office/drawing/2014/main" val="2473859656"/>
                     </a:ext>
                   </a:extLst>
                 </a:gridCol>
                 <a:gridCol w="1016000">
                   <a:extLst>
                     <a:ext uri="{9D8B030D-6E8A-4147-A177-3AD203B41FA5}">
-                      <a16:colId xmlns:a16="http://schemas.microsoft.com/office/drawing/2014/main" xmlns="" val="4017853280"/>
+                      <a16:colId xmlns="" xmlns:a16="http://schemas.microsoft.com/office/drawing/2014/main" val="4017853280"/>
                     </a:ext>
                   </a:extLst>
                 </a:gridCol>
                 <a:gridCol w="1016000">
                   <a:extLst>
                     <a:ext uri="{9D8B030D-6E8A-4147-A177-3AD203B41FA5}">
-                      <a16:colId xmlns:a16="http://schemas.microsoft.com/office/drawing/2014/main" xmlns="" val="4046979531"/>
+                      <a16:colId xmlns="" xmlns:a16="http://schemas.microsoft.com/office/drawing/2014/main" val="4046979531"/>
                     </a:ext>
                   </a:extLst>
                 </a:gridCol>
                 <a:gridCol w="1016000">
                   <a:extLst>
                     <a:ext uri="{9D8B030D-6E8A-4147-A177-3AD203B41FA5}">
-                      <a16:colId xmlns:a16="http://schemas.microsoft.com/office/drawing/2014/main" xmlns="" val="1236215947"/>
+                      <a16:colId xmlns="" xmlns:a16="http://schemas.microsoft.com/office/drawing/2014/main" val="1236215947"/>
                     </a:ext>
                   </a:extLst>
                 </a:gridCol>
                 <a:gridCol w="1016000">
                   <a:extLst>
                     <a:ext uri="{9D8B030D-6E8A-4147-A177-3AD203B41FA5}">
-                      <a16:colId xmlns:a16="http://schemas.microsoft.com/office/drawing/2014/main" xmlns="" val="3358476489"/>
+                      <a16:colId xmlns="" xmlns:a16="http://schemas.microsoft.com/office/drawing/2014/main" val="3358476489"/>
                     </a:ext>
                   </a:extLst>
                 </a:gridCol>
                 <a:gridCol w="1016000">
                   <a:extLst>
                     <a:ext uri="{9D8B030D-6E8A-4147-A177-3AD203B41FA5}">
-                      <a16:colId xmlns:a16="http://schemas.microsoft.com/office/drawing/2014/main" xmlns="" val="1544053477"/>
+                      <a16:colId xmlns="" xmlns:a16="http://schemas.microsoft.com/office/drawing/2014/main" val="1544053477"/>
                     </a:ext>
                   </a:extLst>
                 </a:gridCol>
@@ -9174,7 +9174,7 @@
                 </a:tc>
                 <a:extLst>
                   <a:ext uri="{0D108BD9-81ED-4DB2-BD59-A6C34878D82A}">
-                    <a16:rowId xmlns:a16="http://schemas.microsoft.com/office/drawing/2014/main" xmlns="" val="2866617908"/>
+                    <a16:rowId xmlns="" xmlns:a16="http://schemas.microsoft.com/office/drawing/2014/main" val="2866617908"/>
                   </a:ext>
                 </a:extLst>
               </a:tr>
@@ -9187,7 +9187,7 @@
           <p:cNvPr id="7" name="表格 6">
             <a:extLst>
               <a:ext uri="{FF2B5EF4-FFF2-40B4-BE49-F238E27FC236}">
-                <a16:creationId xmlns:a16="http://schemas.microsoft.com/office/drawing/2014/main" xmlns="" id="{155A077A-D314-104E-9636-10BCB5AFF1D1}"/>
+                <a16:creationId xmlns="" xmlns:a16="http://schemas.microsoft.com/office/drawing/2014/main" id="{155A077A-D314-104E-9636-10BCB5AFF1D1}"/>
               </a:ext>
             </a:extLst>
           </p:cNvPr>
@@ -9216,56 +9216,56 @@
                 <a:gridCol w="1016000">
                   <a:extLst>
                     <a:ext uri="{9D8B030D-6E8A-4147-A177-3AD203B41FA5}">
-                      <a16:colId xmlns:a16="http://schemas.microsoft.com/office/drawing/2014/main" xmlns="" val="2919921209"/>
+                      <a16:colId xmlns="" xmlns:a16="http://schemas.microsoft.com/office/drawing/2014/main" val="2919921209"/>
                     </a:ext>
                   </a:extLst>
                 </a:gridCol>
                 <a:gridCol w="1016000">
                   <a:extLst>
                     <a:ext uri="{9D8B030D-6E8A-4147-A177-3AD203B41FA5}">
-                      <a16:colId xmlns:a16="http://schemas.microsoft.com/office/drawing/2014/main" xmlns="" val="1274578498"/>
+                      <a16:colId xmlns="" xmlns:a16="http://schemas.microsoft.com/office/drawing/2014/main" val="1274578498"/>
                     </a:ext>
                   </a:extLst>
                 </a:gridCol>
                 <a:gridCol w="1016000">
                   <a:extLst>
                     <a:ext uri="{9D8B030D-6E8A-4147-A177-3AD203B41FA5}">
-                      <a16:colId xmlns:a16="http://schemas.microsoft.com/office/drawing/2014/main" xmlns="" val="2473859656"/>
+                      <a16:colId xmlns="" xmlns:a16="http://schemas.microsoft.com/office/drawing/2014/main" val="2473859656"/>
                     </a:ext>
                   </a:extLst>
                 </a:gridCol>
                 <a:gridCol w="1016000">
                   <a:extLst>
                     <a:ext uri="{9D8B030D-6E8A-4147-A177-3AD203B41FA5}">
-                      <a16:colId xmlns:a16="http://schemas.microsoft.com/office/drawing/2014/main" xmlns="" val="4017853280"/>
+                      <a16:colId xmlns="" xmlns:a16="http://schemas.microsoft.com/office/drawing/2014/main" val="4017853280"/>
                     </a:ext>
                   </a:extLst>
                 </a:gridCol>
                 <a:gridCol w="1016000">
                   <a:extLst>
                     <a:ext uri="{9D8B030D-6E8A-4147-A177-3AD203B41FA5}">
-                      <a16:colId xmlns:a16="http://schemas.microsoft.com/office/drawing/2014/main" xmlns="" val="4046979531"/>
+                      <a16:colId xmlns="" xmlns:a16="http://schemas.microsoft.com/office/drawing/2014/main" val="4046979531"/>
                     </a:ext>
                   </a:extLst>
                 </a:gridCol>
                 <a:gridCol w="1016000">
                   <a:extLst>
                     <a:ext uri="{9D8B030D-6E8A-4147-A177-3AD203B41FA5}">
-                      <a16:colId xmlns:a16="http://schemas.microsoft.com/office/drawing/2014/main" xmlns="" val="1236215947"/>
+                      <a16:colId xmlns="" xmlns:a16="http://schemas.microsoft.com/office/drawing/2014/main" val="1236215947"/>
                     </a:ext>
                   </a:extLst>
                 </a:gridCol>
                 <a:gridCol w="1016000">
                   <a:extLst>
                     <a:ext uri="{9D8B030D-6E8A-4147-A177-3AD203B41FA5}">
-                      <a16:colId xmlns:a16="http://schemas.microsoft.com/office/drawing/2014/main" xmlns="" val="3358476489"/>
+                      <a16:colId xmlns="" xmlns:a16="http://schemas.microsoft.com/office/drawing/2014/main" val="3358476489"/>
                     </a:ext>
                   </a:extLst>
                 </a:gridCol>
                 <a:gridCol w="1016000">
                   <a:extLst>
                     <a:ext uri="{9D8B030D-6E8A-4147-A177-3AD203B41FA5}">
-                      <a16:colId xmlns:a16="http://schemas.microsoft.com/office/drawing/2014/main" xmlns="" val="1544053477"/>
+                      <a16:colId xmlns="" xmlns:a16="http://schemas.microsoft.com/office/drawing/2014/main" val="1544053477"/>
                     </a:ext>
                   </a:extLst>
                 </a:gridCol>
@@ -9657,7 +9657,7 @@
                 </a:tc>
                 <a:extLst>
                   <a:ext uri="{0D108BD9-81ED-4DB2-BD59-A6C34878D82A}">
-                    <a16:rowId xmlns:a16="http://schemas.microsoft.com/office/drawing/2014/main" xmlns="" val="2866617908"/>
+                    <a16:rowId xmlns="" xmlns:a16="http://schemas.microsoft.com/office/drawing/2014/main" val="2866617908"/>
                   </a:ext>
                 </a:extLst>
               </a:tr>
@@ -9672,7 +9672,7 @@
               <p:cNvPr id="10" name="文本框 9">
                 <a:extLst>
                   <a:ext uri="{FF2B5EF4-FFF2-40B4-BE49-F238E27FC236}">
-                    <a16:creationId xmlns:a16="http://schemas.microsoft.com/office/drawing/2014/main" xmlns="" id="{296B7145-B712-2440-A166-8D5BDDA90570}"/>
+                    <a16:creationId xmlns="" xmlns:a16="http://schemas.microsoft.com/office/drawing/2014/main" id="{296B7145-B712-2440-A166-8D5BDDA90570}"/>
                   </a:ext>
                 </a:extLst>
               </p:cNvPr>
@@ -9828,7 +9828,7 @@
           <p:cNvPr id="11" name="直线箭头连接符 10">
             <a:extLst>
               <a:ext uri="{FF2B5EF4-FFF2-40B4-BE49-F238E27FC236}">
-                <a16:creationId xmlns:a16="http://schemas.microsoft.com/office/drawing/2014/main" xmlns="" id="{E1DDCB3A-93A3-F947-8936-2FD7D8DCC488}"/>
+                <a16:creationId xmlns="" xmlns:a16="http://schemas.microsoft.com/office/drawing/2014/main" id="{E1DDCB3A-93A3-F947-8936-2FD7D8DCC488}"/>
               </a:ext>
             </a:extLst>
           </p:cNvPr>
@@ -9872,7 +9872,7 @@
           <p:cNvPr id="12" name="直线箭头连接符 11">
             <a:extLst>
               <a:ext uri="{FF2B5EF4-FFF2-40B4-BE49-F238E27FC236}">
-                <a16:creationId xmlns:a16="http://schemas.microsoft.com/office/drawing/2014/main" xmlns="" id="{AB28E39D-46A0-5B49-82B6-E57B9F0DD9FB}"/>
+                <a16:creationId xmlns="" xmlns:a16="http://schemas.microsoft.com/office/drawing/2014/main" id="{AB28E39D-46A0-5B49-82B6-E57B9F0DD9FB}"/>
               </a:ext>
             </a:extLst>
           </p:cNvPr>
@@ -9917,7 +9917,7 @@
           <p:cNvPr id="13" name="直线箭头连接符 12">
             <a:extLst>
               <a:ext uri="{FF2B5EF4-FFF2-40B4-BE49-F238E27FC236}">
-                <a16:creationId xmlns:a16="http://schemas.microsoft.com/office/drawing/2014/main" xmlns="" id="{48149428-2E7B-484E-BD02-0820295C5E2F}"/>
+                <a16:creationId xmlns="" xmlns:a16="http://schemas.microsoft.com/office/drawing/2014/main" id="{48149428-2E7B-484E-BD02-0820295C5E2F}"/>
               </a:ext>
             </a:extLst>
           </p:cNvPr>
@@ -9964,7 +9964,7 @@
               <p:cNvPr id="14" name="文本框 13">
                 <a:extLst>
                   <a:ext uri="{FF2B5EF4-FFF2-40B4-BE49-F238E27FC236}">
-                    <a16:creationId xmlns:a16="http://schemas.microsoft.com/office/drawing/2014/main" xmlns="" id="{A8CB5AC8-59AE-C443-86CD-C750A4B240BC}"/>
+                    <a16:creationId xmlns="" xmlns:a16="http://schemas.microsoft.com/office/drawing/2014/main" id="{A8CB5AC8-59AE-C443-86CD-C750A4B240BC}"/>
                   </a:ext>
                 </a:extLst>
               </p:cNvPr>
@@ -10079,7 +10079,7 @@
               <p:cNvPr id="15" name="文本框 14">
                 <a:extLst>
                   <a:ext uri="{FF2B5EF4-FFF2-40B4-BE49-F238E27FC236}">
-                    <a16:creationId xmlns:a16="http://schemas.microsoft.com/office/drawing/2014/main" xmlns="" id="{BD55B4B9-A03A-684D-8A7E-A30160DD9D94}"/>
+                    <a16:creationId xmlns="" xmlns:a16="http://schemas.microsoft.com/office/drawing/2014/main" id="{BD55B4B9-A03A-684D-8A7E-A30160DD9D94}"/>
                   </a:ext>
                 </a:extLst>
               </p:cNvPr>
@@ -10194,7 +10194,7 @@
               <p:cNvPr id="16" name="文本框 15">
                 <a:extLst>
                   <a:ext uri="{FF2B5EF4-FFF2-40B4-BE49-F238E27FC236}">
-                    <a16:creationId xmlns:a16="http://schemas.microsoft.com/office/drawing/2014/main" xmlns="" id="{8A6A7549-DEB2-C640-8E38-B6182AB03239}"/>
+                    <a16:creationId xmlns="" xmlns:a16="http://schemas.microsoft.com/office/drawing/2014/main" id="{8A6A7549-DEB2-C640-8E38-B6182AB03239}"/>
                   </a:ext>
                 </a:extLst>
               </p:cNvPr>
@@ -10968,7 +10968,7 @@
           <p:cNvPr id="15" name="直线箭头连接符 14">
             <a:extLst>
               <a:ext uri="{FF2B5EF4-FFF2-40B4-BE49-F238E27FC236}">
-                <a16:creationId xmlns:a16="http://schemas.microsoft.com/office/drawing/2014/main" xmlns="" id="{E1DDCB3A-93A3-F947-8936-2FD7D8DCC488}"/>
+                <a16:creationId xmlns="" xmlns:a16="http://schemas.microsoft.com/office/drawing/2014/main" id="{E1DDCB3A-93A3-F947-8936-2FD7D8DCC488}"/>
               </a:ext>
             </a:extLst>
           </p:cNvPr>
@@ -12595,7 +12595,7 @@
           <p:cNvPr id="2" name="标题 1">
             <a:extLst>
               <a:ext uri="{FF2B5EF4-FFF2-40B4-BE49-F238E27FC236}">
-                <a16:creationId xmlns:a16="http://schemas.microsoft.com/office/drawing/2014/main" xmlns="" id="{C059EDCB-DC67-1745-AF88-B526D92C8C6A}"/>
+                <a16:creationId xmlns="" xmlns:a16="http://schemas.microsoft.com/office/drawing/2014/main" id="{C059EDCB-DC67-1745-AF88-B526D92C8C6A}"/>
               </a:ext>
             </a:extLst>
           </p:cNvPr>
@@ -12630,7 +12630,7 @@
           <p:cNvPr id="9" name="组合 8">
             <a:extLst>
               <a:ext uri="{FF2B5EF4-FFF2-40B4-BE49-F238E27FC236}">
-                <a16:creationId xmlns:a16="http://schemas.microsoft.com/office/drawing/2014/main" xmlns="" id="{D910C096-B1EA-2240-B136-E099017B1EA2}"/>
+                <a16:creationId xmlns="" xmlns:a16="http://schemas.microsoft.com/office/drawing/2014/main" id="{D910C096-B1EA-2240-B136-E099017B1EA2}"/>
               </a:ext>
             </a:extLst>
           </p:cNvPr>
@@ -12650,7 +12650,7 @@
             <p:cNvPr id="7" name="椭圆 6">
               <a:extLst>
                 <a:ext uri="{FF2B5EF4-FFF2-40B4-BE49-F238E27FC236}">
-                  <a16:creationId xmlns:a16="http://schemas.microsoft.com/office/drawing/2014/main" xmlns="" id="{5E44900A-AB87-AE4A-99AA-73285E49B958}"/>
+                  <a16:creationId xmlns="" xmlns:a16="http://schemas.microsoft.com/office/drawing/2014/main" id="{5E44900A-AB87-AE4A-99AA-73285E49B958}"/>
                 </a:ext>
               </a:extLst>
             </p:cNvPr>
@@ -12704,7 +12704,7 @@
                 <p:cNvPr id="8" name="文本框 7">
                   <a:extLst>
                     <a:ext uri="{FF2B5EF4-FFF2-40B4-BE49-F238E27FC236}">
-                      <a16:creationId xmlns:a16="http://schemas.microsoft.com/office/drawing/2014/main" xmlns="" id="{296B7145-B712-2440-A166-8D5BDDA90570}"/>
+                      <a16:creationId xmlns="" xmlns:a16="http://schemas.microsoft.com/office/drawing/2014/main" id="{296B7145-B712-2440-A166-8D5BDDA90570}"/>
                     </a:ext>
                   </a:extLst>
                 </p:cNvPr>
@@ -12818,7 +12818,7 @@
           <p:cNvPr id="11" name="直线箭头连接符 10">
             <a:extLst>
               <a:ext uri="{FF2B5EF4-FFF2-40B4-BE49-F238E27FC236}">
-                <a16:creationId xmlns:a16="http://schemas.microsoft.com/office/drawing/2014/main" xmlns="" id="{E1DDCB3A-93A3-F947-8936-2FD7D8DCC488}"/>
+                <a16:creationId xmlns="" xmlns:a16="http://schemas.microsoft.com/office/drawing/2014/main" id="{E1DDCB3A-93A3-F947-8936-2FD7D8DCC488}"/>
               </a:ext>
             </a:extLst>
           </p:cNvPr>
@@ -12862,7 +12862,7 @@
           <p:cNvPr id="12" name="直线箭头连接符 11">
             <a:extLst>
               <a:ext uri="{FF2B5EF4-FFF2-40B4-BE49-F238E27FC236}">
-                <a16:creationId xmlns:a16="http://schemas.microsoft.com/office/drawing/2014/main" xmlns="" id="{AB28E39D-46A0-5B49-82B6-E57B9F0DD9FB}"/>
+                <a16:creationId xmlns="" xmlns:a16="http://schemas.microsoft.com/office/drawing/2014/main" id="{AB28E39D-46A0-5B49-82B6-E57B9F0DD9FB}"/>
               </a:ext>
             </a:extLst>
           </p:cNvPr>
@@ -12907,7 +12907,7 @@
           <p:cNvPr id="15" name="直线箭头连接符 14">
             <a:extLst>
               <a:ext uri="{FF2B5EF4-FFF2-40B4-BE49-F238E27FC236}">
-                <a16:creationId xmlns:a16="http://schemas.microsoft.com/office/drawing/2014/main" xmlns="" id="{48149428-2E7B-484E-BD02-0820295C5E2F}"/>
+                <a16:creationId xmlns="" xmlns:a16="http://schemas.microsoft.com/office/drawing/2014/main" id="{48149428-2E7B-484E-BD02-0820295C5E2F}"/>
               </a:ext>
             </a:extLst>
           </p:cNvPr>
@@ -12954,7 +12954,7 @@
               <p:cNvPr id="18" name="文本框 17">
                 <a:extLst>
                   <a:ext uri="{FF2B5EF4-FFF2-40B4-BE49-F238E27FC236}">
-                    <a16:creationId xmlns:a16="http://schemas.microsoft.com/office/drawing/2014/main" xmlns="" id="{A8CB5AC8-59AE-C443-86CD-C750A4B240BC}"/>
+                    <a16:creationId xmlns="" xmlns:a16="http://schemas.microsoft.com/office/drawing/2014/main" id="{A8CB5AC8-59AE-C443-86CD-C750A4B240BC}"/>
                   </a:ext>
                 </a:extLst>
               </p:cNvPr>
@@ -13069,7 +13069,7 @@
               <p:cNvPr id="19" name="文本框 18">
                 <a:extLst>
                   <a:ext uri="{FF2B5EF4-FFF2-40B4-BE49-F238E27FC236}">
-                    <a16:creationId xmlns:a16="http://schemas.microsoft.com/office/drawing/2014/main" xmlns="" id="{BD55B4B9-A03A-684D-8A7E-A30160DD9D94}"/>
+                    <a16:creationId xmlns="" xmlns:a16="http://schemas.microsoft.com/office/drawing/2014/main" id="{BD55B4B9-A03A-684D-8A7E-A30160DD9D94}"/>
                   </a:ext>
                 </a:extLst>
               </p:cNvPr>
@@ -13184,7 +13184,7 @@
               <p:cNvPr id="20" name="文本框 19">
                 <a:extLst>
                   <a:ext uri="{FF2B5EF4-FFF2-40B4-BE49-F238E27FC236}">
-                    <a16:creationId xmlns:a16="http://schemas.microsoft.com/office/drawing/2014/main" xmlns="" id="{8A6A7549-DEB2-C640-8E38-B6182AB03239}"/>
+                    <a16:creationId xmlns="" xmlns:a16="http://schemas.microsoft.com/office/drawing/2014/main" id="{8A6A7549-DEB2-C640-8E38-B6182AB03239}"/>
                   </a:ext>
                 </a:extLst>
               </p:cNvPr>
@@ -13297,7 +13297,7 @@
           <p:cNvPr id="22" name="表格 21">
             <a:extLst>
               <a:ext uri="{FF2B5EF4-FFF2-40B4-BE49-F238E27FC236}">
-                <a16:creationId xmlns:a16="http://schemas.microsoft.com/office/drawing/2014/main" xmlns="" id="{A5BC4791-7FDA-154B-B84C-640757DB2A30}"/>
+                <a16:creationId xmlns="" xmlns:a16="http://schemas.microsoft.com/office/drawing/2014/main" id="{A5BC4791-7FDA-154B-B84C-640757DB2A30}"/>
               </a:ext>
             </a:extLst>
           </p:cNvPr>
@@ -13326,56 +13326,56 @@
                 <a:gridCol w="1016000">
                   <a:extLst>
                     <a:ext uri="{9D8B030D-6E8A-4147-A177-3AD203B41FA5}">
-                      <a16:colId xmlns:a16="http://schemas.microsoft.com/office/drawing/2014/main" xmlns="" val="2919921209"/>
+                      <a16:colId xmlns="" xmlns:a16="http://schemas.microsoft.com/office/drawing/2014/main" val="2919921209"/>
                     </a:ext>
                   </a:extLst>
                 </a:gridCol>
                 <a:gridCol w="1016000">
                   <a:extLst>
                     <a:ext uri="{9D8B030D-6E8A-4147-A177-3AD203B41FA5}">
-                      <a16:colId xmlns:a16="http://schemas.microsoft.com/office/drawing/2014/main" xmlns="" val="1274578498"/>
+                      <a16:colId xmlns="" xmlns:a16="http://schemas.microsoft.com/office/drawing/2014/main" val="1274578498"/>
                     </a:ext>
                   </a:extLst>
                 </a:gridCol>
                 <a:gridCol w="1016000">
                   <a:extLst>
                     <a:ext uri="{9D8B030D-6E8A-4147-A177-3AD203B41FA5}">
-                      <a16:colId xmlns:a16="http://schemas.microsoft.com/office/drawing/2014/main" xmlns="" val="2473859656"/>
+                      <a16:colId xmlns="" xmlns:a16="http://schemas.microsoft.com/office/drawing/2014/main" val="2473859656"/>
                     </a:ext>
                   </a:extLst>
                 </a:gridCol>
                 <a:gridCol w="1016000">
                   <a:extLst>
                     <a:ext uri="{9D8B030D-6E8A-4147-A177-3AD203B41FA5}">
-                      <a16:colId xmlns:a16="http://schemas.microsoft.com/office/drawing/2014/main" xmlns="" val="4017853280"/>
+                      <a16:colId xmlns="" xmlns:a16="http://schemas.microsoft.com/office/drawing/2014/main" val="4017853280"/>
                     </a:ext>
                   </a:extLst>
                 </a:gridCol>
                 <a:gridCol w="1016000">
                   <a:extLst>
                     <a:ext uri="{9D8B030D-6E8A-4147-A177-3AD203B41FA5}">
-                      <a16:colId xmlns:a16="http://schemas.microsoft.com/office/drawing/2014/main" xmlns="" val="4046979531"/>
+                      <a16:colId xmlns="" xmlns:a16="http://schemas.microsoft.com/office/drawing/2014/main" val="4046979531"/>
                     </a:ext>
                   </a:extLst>
                 </a:gridCol>
                 <a:gridCol w="1016000">
                   <a:extLst>
                     <a:ext uri="{9D8B030D-6E8A-4147-A177-3AD203B41FA5}">
-                      <a16:colId xmlns:a16="http://schemas.microsoft.com/office/drawing/2014/main" xmlns="" val="1236215947"/>
+                      <a16:colId xmlns="" xmlns:a16="http://schemas.microsoft.com/office/drawing/2014/main" val="1236215947"/>
                     </a:ext>
                   </a:extLst>
                 </a:gridCol>
                 <a:gridCol w="1016000">
                   <a:extLst>
                     <a:ext uri="{9D8B030D-6E8A-4147-A177-3AD203B41FA5}">
-                      <a16:colId xmlns:a16="http://schemas.microsoft.com/office/drawing/2014/main" xmlns="" val="3358476489"/>
+                      <a16:colId xmlns="" xmlns:a16="http://schemas.microsoft.com/office/drawing/2014/main" val="3358476489"/>
                     </a:ext>
                   </a:extLst>
                 </a:gridCol>
                 <a:gridCol w="1016000">
                   <a:extLst>
                     <a:ext uri="{9D8B030D-6E8A-4147-A177-3AD203B41FA5}">
-                      <a16:colId xmlns:a16="http://schemas.microsoft.com/office/drawing/2014/main" xmlns="" val="1544053477"/>
+                      <a16:colId xmlns="" xmlns:a16="http://schemas.microsoft.com/office/drawing/2014/main" val="1544053477"/>
                     </a:ext>
                   </a:extLst>
                 </a:gridCol>
@@ -13835,7 +13835,7 @@
                 </a:tc>
                 <a:extLst>
                   <a:ext uri="{0D108BD9-81ED-4DB2-BD59-A6C34878D82A}">
-                    <a16:rowId xmlns:a16="http://schemas.microsoft.com/office/drawing/2014/main" xmlns="" val="2866617908"/>
+                    <a16:rowId xmlns="" xmlns:a16="http://schemas.microsoft.com/office/drawing/2014/main" val="2866617908"/>
                   </a:ext>
                 </a:extLst>
               </a:tr>
@@ -13848,7 +13848,7 @@
           <p:cNvPr id="25" name="表格 24">
             <a:extLst>
               <a:ext uri="{FF2B5EF4-FFF2-40B4-BE49-F238E27FC236}">
-                <a16:creationId xmlns:a16="http://schemas.microsoft.com/office/drawing/2014/main" xmlns="" id="{5A134B61-04E4-4B41-A5FB-A6F3E458B147}"/>
+                <a16:creationId xmlns="" xmlns:a16="http://schemas.microsoft.com/office/drawing/2014/main" id="{5A134B61-04E4-4B41-A5FB-A6F3E458B147}"/>
               </a:ext>
             </a:extLst>
           </p:cNvPr>
@@ -13877,56 +13877,56 @@
                 <a:gridCol w="1016000">
                   <a:extLst>
                     <a:ext uri="{9D8B030D-6E8A-4147-A177-3AD203B41FA5}">
-                      <a16:colId xmlns:a16="http://schemas.microsoft.com/office/drawing/2014/main" xmlns="" val="2919921209"/>
+                      <a16:colId xmlns="" xmlns:a16="http://schemas.microsoft.com/office/drawing/2014/main" val="2919921209"/>
                     </a:ext>
                   </a:extLst>
                 </a:gridCol>
                 <a:gridCol w="1016000">
                   <a:extLst>
                     <a:ext uri="{9D8B030D-6E8A-4147-A177-3AD203B41FA5}">
-                      <a16:colId xmlns:a16="http://schemas.microsoft.com/office/drawing/2014/main" xmlns="" val="1274578498"/>
+                      <a16:colId xmlns="" xmlns:a16="http://schemas.microsoft.com/office/drawing/2014/main" val="1274578498"/>
                     </a:ext>
                   </a:extLst>
                 </a:gridCol>
                 <a:gridCol w="1016000">
                   <a:extLst>
                     <a:ext uri="{9D8B030D-6E8A-4147-A177-3AD203B41FA5}">
-                      <a16:colId xmlns:a16="http://schemas.microsoft.com/office/drawing/2014/main" xmlns="" val="2473859656"/>
+                      <a16:colId xmlns="" xmlns:a16="http://schemas.microsoft.com/office/drawing/2014/main" val="2473859656"/>
                     </a:ext>
                   </a:extLst>
                 </a:gridCol>
                 <a:gridCol w="1016000">
                   <a:extLst>
                     <a:ext uri="{9D8B030D-6E8A-4147-A177-3AD203B41FA5}">
-                      <a16:colId xmlns:a16="http://schemas.microsoft.com/office/drawing/2014/main" xmlns="" val="4017853280"/>
+                      <a16:colId xmlns="" xmlns:a16="http://schemas.microsoft.com/office/drawing/2014/main" val="4017853280"/>
                     </a:ext>
                   </a:extLst>
                 </a:gridCol>
                 <a:gridCol w="1016000">
                   <a:extLst>
                     <a:ext uri="{9D8B030D-6E8A-4147-A177-3AD203B41FA5}">
-                      <a16:colId xmlns:a16="http://schemas.microsoft.com/office/drawing/2014/main" xmlns="" val="4046979531"/>
+                      <a16:colId xmlns="" xmlns:a16="http://schemas.microsoft.com/office/drawing/2014/main" val="4046979531"/>
                     </a:ext>
                   </a:extLst>
                 </a:gridCol>
                 <a:gridCol w="1016000">
                   <a:extLst>
                     <a:ext uri="{9D8B030D-6E8A-4147-A177-3AD203B41FA5}">
-                      <a16:colId xmlns:a16="http://schemas.microsoft.com/office/drawing/2014/main" xmlns="" val="1236215947"/>
+                      <a16:colId xmlns="" xmlns:a16="http://schemas.microsoft.com/office/drawing/2014/main" val="1236215947"/>
                     </a:ext>
                   </a:extLst>
                 </a:gridCol>
                 <a:gridCol w="1016000">
                   <a:extLst>
                     <a:ext uri="{9D8B030D-6E8A-4147-A177-3AD203B41FA5}">
-                      <a16:colId xmlns:a16="http://schemas.microsoft.com/office/drawing/2014/main" xmlns="" val="3358476489"/>
+                      <a16:colId xmlns="" xmlns:a16="http://schemas.microsoft.com/office/drawing/2014/main" val="3358476489"/>
                     </a:ext>
                   </a:extLst>
                 </a:gridCol>
                 <a:gridCol w="1016000">
                   <a:extLst>
                     <a:ext uri="{9D8B030D-6E8A-4147-A177-3AD203B41FA5}">
-                      <a16:colId xmlns:a16="http://schemas.microsoft.com/office/drawing/2014/main" xmlns="" val="1544053477"/>
+                      <a16:colId xmlns="" xmlns:a16="http://schemas.microsoft.com/office/drawing/2014/main" val="1544053477"/>
                     </a:ext>
                   </a:extLst>
                 </a:gridCol>
@@ -14350,7 +14350,7 @@
                 </a:tc>
                 <a:extLst>
                   <a:ext uri="{0D108BD9-81ED-4DB2-BD59-A6C34878D82A}">
-                    <a16:rowId xmlns:a16="http://schemas.microsoft.com/office/drawing/2014/main" xmlns="" val="2866617908"/>
+                    <a16:rowId xmlns="" xmlns:a16="http://schemas.microsoft.com/office/drawing/2014/main" val="2866617908"/>
                   </a:ext>
                 </a:extLst>
               </a:tr>
@@ -14363,7 +14363,7 @@
           <p:cNvPr id="26" name="表格 25">
             <a:extLst>
               <a:ext uri="{FF2B5EF4-FFF2-40B4-BE49-F238E27FC236}">
-                <a16:creationId xmlns:a16="http://schemas.microsoft.com/office/drawing/2014/main" xmlns="" id="{424DCAD3-3D07-554E-B7A4-D9329A7C076E}"/>
+                <a16:creationId xmlns="" xmlns:a16="http://schemas.microsoft.com/office/drawing/2014/main" id="{424DCAD3-3D07-554E-B7A4-D9329A7C076E}"/>
               </a:ext>
             </a:extLst>
           </p:cNvPr>
@@ -14392,56 +14392,56 @@
                 <a:gridCol w="1016000">
                   <a:extLst>
                     <a:ext uri="{9D8B030D-6E8A-4147-A177-3AD203B41FA5}">
-                      <a16:colId xmlns:a16="http://schemas.microsoft.com/office/drawing/2014/main" xmlns="" val="2919921209"/>
+                      <a16:colId xmlns="" xmlns:a16="http://schemas.microsoft.com/office/drawing/2014/main" val="2919921209"/>
                     </a:ext>
                   </a:extLst>
                 </a:gridCol>
                 <a:gridCol w="1016000">
                   <a:extLst>
                     <a:ext uri="{9D8B030D-6E8A-4147-A177-3AD203B41FA5}">
-                      <a16:colId xmlns:a16="http://schemas.microsoft.com/office/drawing/2014/main" xmlns="" val="1274578498"/>
+                      <a16:colId xmlns="" xmlns:a16="http://schemas.microsoft.com/office/drawing/2014/main" val="1274578498"/>
                     </a:ext>
                   </a:extLst>
                 </a:gridCol>
                 <a:gridCol w="1016000">
                   <a:extLst>
                     <a:ext uri="{9D8B030D-6E8A-4147-A177-3AD203B41FA5}">
-                      <a16:colId xmlns:a16="http://schemas.microsoft.com/office/drawing/2014/main" xmlns="" val="2473859656"/>
+                      <a16:colId xmlns="" xmlns:a16="http://schemas.microsoft.com/office/drawing/2014/main" val="2473859656"/>
                     </a:ext>
                   </a:extLst>
                 </a:gridCol>
                 <a:gridCol w="1016000">
                   <a:extLst>
                     <a:ext uri="{9D8B030D-6E8A-4147-A177-3AD203B41FA5}">
-                      <a16:colId xmlns:a16="http://schemas.microsoft.com/office/drawing/2014/main" xmlns="" val="4017853280"/>
+                      <a16:colId xmlns="" xmlns:a16="http://schemas.microsoft.com/office/drawing/2014/main" val="4017853280"/>
                     </a:ext>
                   </a:extLst>
                 </a:gridCol>
                 <a:gridCol w="1016000">
                   <a:extLst>
                     <a:ext uri="{9D8B030D-6E8A-4147-A177-3AD203B41FA5}">
-                      <a16:colId xmlns:a16="http://schemas.microsoft.com/office/drawing/2014/main" xmlns="" val="4046979531"/>
+                      <a16:colId xmlns="" xmlns:a16="http://schemas.microsoft.com/office/drawing/2014/main" val="4046979531"/>
                     </a:ext>
                   </a:extLst>
                 </a:gridCol>
                 <a:gridCol w="1016000">
                   <a:extLst>
                     <a:ext uri="{9D8B030D-6E8A-4147-A177-3AD203B41FA5}">
-                      <a16:colId xmlns:a16="http://schemas.microsoft.com/office/drawing/2014/main" xmlns="" val="1236215947"/>
+                      <a16:colId xmlns="" xmlns:a16="http://schemas.microsoft.com/office/drawing/2014/main" val="1236215947"/>
                     </a:ext>
                   </a:extLst>
                 </a:gridCol>
                 <a:gridCol w="1016000">
                   <a:extLst>
                     <a:ext uri="{9D8B030D-6E8A-4147-A177-3AD203B41FA5}">
-                      <a16:colId xmlns:a16="http://schemas.microsoft.com/office/drawing/2014/main" xmlns="" val="3358476489"/>
+                      <a16:colId xmlns="" xmlns:a16="http://schemas.microsoft.com/office/drawing/2014/main" val="3358476489"/>
                     </a:ext>
                   </a:extLst>
                 </a:gridCol>
                 <a:gridCol w="1016000">
                   <a:extLst>
                     <a:ext uri="{9D8B030D-6E8A-4147-A177-3AD203B41FA5}">
-                      <a16:colId xmlns:a16="http://schemas.microsoft.com/office/drawing/2014/main" xmlns="" val="1544053477"/>
+                      <a16:colId xmlns="" xmlns:a16="http://schemas.microsoft.com/office/drawing/2014/main" val="1544053477"/>
                     </a:ext>
                   </a:extLst>
                 </a:gridCol>
@@ -14865,7 +14865,7 @@
                 </a:tc>
                 <a:extLst>
                   <a:ext uri="{0D108BD9-81ED-4DB2-BD59-A6C34878D82A}">
-                    <a16:rowId xmlns:a16="http://schemas.microsoft.com/office/drawing/2014/main" xmlns="" val="2866617908"/>
+                    <a16:rowId xmlns="" xmlns:a16="http://schemas.microsoft.com/office/drawing/2014/main" val="2866617908"/>
                   </a:ext>
                 </a:extLst>
               </a:tr>
@@ -14880,7 +14880,7 @@
               <p:cNvPr id="27" name="文本框 26">
                 <a:extLst>
                   <a:ext uri="{FF2B5EF4-FFF2-40B4-BE49-F238E27FC236}">
-                    <a16:creationId xmlns:a16="http://schemas.microsoft.com/office/drawing/2014/main" xmlns="" id="{AB798EC8-B843-054F-B83E-F046B17C0EA0}"/>
+                    <a16:creationId xmlns="" xmlns:a16="http://schemas.microsoft.com/office/drawing/2014/main" id="{AB798EC8-B843-054F-B83E-F046B17C0EA0}"/>
                   </a:ext>
                 </a:extLst>
               </p:cNvPr>
@@ -14982,7 +14982,7 @@
               <p:cNvPr id="28" name="文本框 27">
                 <a:extLst>
                   <a:ext uri="{FF2B5EF4-FFF2-40B4-BE49-F238E27FC236}">
-                    <a16:creationId xmlns:a16="http://schemas.microsoft.com/office/drawing/2014/main" xmlns="" id="{27D3CC6B-6AA1-2940-8DBA-6F5947FC4C24}"/>
+                    <a16:creationId xmlns="" xmlns:a16="http://schemas.microsoft.com/office/drawing/2014/main" id="{27D3CC6B-6AA1-2940-8DBA-6F5947FC4C24}"/>
                   </a:ext>
                 </a:extLst>
               </p:cNvPr>
@@ -15084,7 +15084,7 @@
               <p:cNvPr id="29" name="文本框 28">
                 <a:extLst>
                   <a:ext uri="{FF2B5EF4-FFF2-40B4-BE49-F238E27FC236}">
-                    <a16:creationId xmlns:a16="http://schemas.microsoft.com/office/drawing/2014/main" xmlns="" id="{30AF67DF-91B8-944B-BA09-4410CB07B996}"/>
+                    <a16:creationId xmlns="" xmlns:a16="http://schemas.microsoft.com/office/drawing/2014/main" id="{30AF67DF-91B8-944B-BA09-4410CB07B996}"/>
                   </a:ext>
                 </a:extLst>
               </p:cNvPr>
@@ -15186,7 +15186,7 @@
               <p:cNvPr id="30" name="文本框 29">
                 <a:extLst>
                   <a:ext uri="{FF2B5EF4-FFF2-40B4-BE49-F238E27FC236}">
-                    <a16:creationId xmlns:a16="http://schemas.microsoft.com/office/drawing/2014/main" xmlns="" id="{A5F9490A-F97E-694F-A85B-353E781F38F6}"/>
+                    <a16:creationId xmlns="" xmlns:a16="http://schemas.microsoft.com/office/drawing/2014/main" id="{A5F9490A-F97E-694F-A85B-353E781F38F6}"/>
                   </a:ext>
                 </a:extLst>
               </p:cNvPr>
@@ -16211,7 +16211,7 @@
           <p:cNvPr id="2" name="标题 1">
             <a:extLst>
               <a:ext uri="{FF2B5EF4-FFF2-40B4-BE49-F238E27FC236}">
-                <a16:creationId xmlns:a16="http://schemas.microsoft.com/office/drawing/2014/main" xmlns="" id="{6BD3BC95-97FB-854B-BC45-4D2B05ECEC9F}"/>
+                <a16:creationId xmlns="" xmlns:a16="http://schemas.microsoft.com/office/drawing/2014/main" id="{6BD3BC95-97FB-854B-BC45-4D2B05ECEC9F}"/>
               </a:ext>
             </a:extLst>
           </p:cNvPr>
@@ -16246,7 +16246,7 @@
           <p:cNvPr id="35" name="椭圆 34">
             <a:extLst>
               <a:ext uri="{FF2B5EF4-FFF2-40B4-BE49-F238E27FC236}">
-                <a16:creationId xmlns:a16="http://schemas.microsoft.com/office/drawing/2014/main" xmlns="" id="{FE177A80-294D-D74F-9193-54F0F6931790}"/>
+                <a16:creationId xmlns="" xmlns:a16="http://schemas.microsoft.com/office/drawing/2014/main" id="{FE177A80-294D-D74F-9193-54F0F6931790}"/>
               </a:ext>
             </a:extLst>
           </p:cNvPr>
@@ -16292,7 +16292,7 @@
           <p:cNvPr id="36" name="椭圆 35">
             <a:extLst>
               <a:ext uri="{FF2B5EF4-FFF2-40B4-BE49-F238E27FC236}">
-                <a16:creationId xmlns:a16="http://schemas.microsoft.com/office/drawing/2014/main" xmlns="" id="{BC6EE5D6-B812-5A44-8E2E-0D340A99F527}"/>
+                <a16:creationId xmlns="" xmlns:a16="http://schemas.microsoft.com/office/drawing/2014/main" id="{BC6EE5D6-B812-5A44-8E2E-0D340A99F527}"/>
               </a:ext>
             </a:extLst>
           </p:cNvPr>
@@ -16341,7 +16341,7 @@
           <p:cNvPr id="70" name="矩形 69">
             <a:extLst>
               <a:ext uri="{FF2B5EF4-FFF2-40B4-BE49-F238E27FC236}">
-                <a16:creationId xmlns:a16="http://schemas.microsoft.com/office/drawing/2014/main" xmlns="" id="{76DC12EF-3E78-4744-B092-2511D4394ED4}"/>
+                <a16:creationId xmlns="" xmlns:a16="http://schemas.microsoft.com/office/drawing/2014/main" id="{76DC12EF-3E78-4744-B092-2511D4394ED4}"/>
               </a:ext>
             </a:extLst>
           </p:cNvPr>
@@ -16387,7 +16387,7 @@
           <p:cNvPr id="71" name="矩形 70">
             <a:extLst>
               <a:ext uri="{FF2B5EF4-FFF2-40B4-BE49-F238E27FC236}">
-                <a16:creationId xmlns:a16="http://schemas.microsoft.com/office/drawing/2014/main" xmlns="" id="{1CBCA22F-4911-4144-B568-385765FDD372}"/>
+                <a16:creationId xmlns="" xmlns:a16="http://schemas.microsoft.com/office/drawing/2014/main" id="{1CBCA22F-4911-4144-B568-385765FDD372}"/>
               </a:ext>
             </a:extLst>
           </p:cNvPr>
@@ -16433,7 +16433,7 @@
           <p:cNvPr id="72" name="椭圆 71">
             <a:extLst>
               <a:ext uri="{FF2B5EF4-FFF2-40B4-BE49-F238E27FC236}">
-                <a16:creationId xmlns:a16="http://schemas.microsoft.com/office/drawing/2014/main" xmlns="" id="{CD70E9C7-E090-FC47-B17E-B628E54D05FA}"/>
+                <a16:creationId xmlns="" xmlns:a16="http://schemas.microsoft.com/office/drawing/2014/main" id="{CD70E9C7-E090-FC47-B17E-B628E54D05FA}"/>
               </a:ext>
             </a:extLst>
           </p:cNvPr>
@@ -16479,7 +16479,7 @@
           <p:cNvPr id="73" name="直线连接符 72">
             <a:extLst>
               <a:ext uri="{FF2B5EF4-FFF2-40B4-BE49-F238E27FC236}">
-                <a16:creationId xmlns:a16="http://schemas.microsoft.com/office/drawing/2014/main" xmlns="" id="{8F3893D3-96CB-E14C-B718-FF139035D674}"/>
+                <a16:creationId xmlns="" xmlns:a16="http://schemas.microsoft.com/office/drawing/2014/main" id="{8F3893D3-96CB-E14C-B718-FF139035D674}"/>
               </a:ext>
             </a:extLst>
           </p:cNvPr>
@@ -16524,7 +16524,7 @@
           <p:cNvPr id="74" name="直线连接符 73">
             <a:extLst>
               <a:ext uri="{FF2B5EF4-FFF2-40B4-BE49-F238E27FC236}">
-                <a16:creationId xmlns:a16="http://schemas.microsoft.com/office/drawing/2014/main" xmlns="" id="{0FAEEE3F-00C1-C94A-97FA-CE21D40B8CB7}"/>
+                <a16:creationId xmlns="" xmlns:a16="http://schemas.microsoft.com/office/drawing/2014/main" id="{0FAEEE3F-00C1-C94A-97FA-CE21D40B8CB7}"/>
               </a:ext>
             </a:extLst>
           </p:cNvPr>
@@ -16569,7 +16569,7 @@
           <p:cNvPr id="75" name="矩形 74">
             <a:extLst>
               <a:ext uri="{FF2B5EF4-FFF2-40B4-BE49-F238E27FC236}">
-                <a16:creationId xmlns:a16="http://schemas.microsoft.com/office/drawing/2014/main" xmlns="" id="{E75CA6BA-015B-014E-AB8A-35BF63F8E901}"/>
+                <a16:creationId xmlns="" xmlns:a16="http://schemas.microsoft.com/office/drawing/2014/main" id="{E75CA6BA-015B-014E-AB8A-35BF63F8E901}"/>
               </a:ext>
             </a:extLst>
           </p:cNvPr>
@@ -16615,7 +16615,7 @@
           <p:cNvPr id="76" name="矩形 75">
             <a:extLst>
               <a:ext uri="{FF2B5EF4-FFF2-40B4-BE49-F238E27FC236}">
-                <a16:creationId xmlns:a16="http://schemas.microsoft.com/office/drawing/2014/main" xmlns="" id="{51D6FEDD-A53E-A24B-BE7E-092955A49847}"/>
+                <a16:creationId xmlns="" xmlns:a16="http://schemas.microsoft.com/office/drawing/2014/main" id="{51D6FEDD-A53E-A24B-BE7E-092955A49847}"/>
               </a:ext>
             </a:extLst>
           </p:cNvPr>
@@ -16661,7 +16661,7 @@
           <p:cNvPr id="77" name="椭圆 76">
             <a:extLst>
               <a:ext uri="{FF2B5EF4-FFF2-40B4-BE49-F238E27FC236}">
-                <a16:creationId xmlns:a16="http://schemas.microsoft.com/office/drawing/2014/main" xmlns="" id="{28C8ED9E-0A7A-F143-9504-88BA23264A68}"/>
+                <a16:creationId xmlns="" xmlns:a16="http://schemas.microsoft.com/office/drawing/2014/main" id="{28C8ED9E-0A7A-F143-9504-88BA23264A68}"/>
               </a:ext>
             </a:extLst>
           </p:cNvPr>
@@ -16707,7 +16707,7 @@
           <p:cNvPr id="78" name="直线连接符 77">
             <a:extLst>
               <a:ext uri="{FF2B5EF4-FFF2-40B4-BE49-F238E27FC236}">
-                <a16:creationId xmlns:a16="http://schemas.microsoft.com/office/drawing/2014/main" xmlns="" id="{D7C680DE-E525-3D4F-B145-B7C61368168A}"/>
+                <a16:creationId xmlns="" xmlns:a16="http://schemas.microsoft.com/office/drawing/2014/main" id="{D7C680DE-E525-3D4F-B145-B7C61368168A}"/>
               </a:ext>
             </a:extLst>
           </p:cNvPr>
@@ -16752,7 +16752,7 @@
           <p:cNvPr id="79" name="直线连接符 78">
             <a:extLst>
               <a:ext uri="{FF2B5EF4-FFF2-40B4-BE49-F238E27FC236}">
-                <a16:creationId xmlns:a16="http://schemas.microsoft.com/office/drawing/2014/main" xmlns="" id="{52E496C5-2194-5540-8B69-4A614CB2C695}"/>
+                <a16:creationId xmlns="" xmlns:a16="http://schemas.microsoft.com/office/drawing/2014/main" id="{52E496C5-2194-5540-8B69-4A614CB2C695}"/>
               </a:ext>
             </a:extLst>
           </p:cNvPr>
@@ -16797,7 +16797,7 @@
           <p:cNvPr id="80" name="直线连接符 79">
             <a:extLst>
               <a:ext uri="{FF2B5EF4-FFF2-40B4-BE49-F238E27FC236}">
-                <a16:creationId xmlns:a16="http://schemas.microsoft.com/office/drawing/2014/main" xmlns="" id="{B2F72FF8-CB71-9440-8AB4-9B899631BE0A}"/>
+                <a16:creationId xmlns="" xmlns:a16="http://schemas.microsoft.com/office/drawing/2014/main" id="{B2F72FF8-CB71-9440-8AB4-9B899631BE0A}"/>
               </a:ext>
             </a:extLst>
           </p:cNvPr>
@@ -16842,7 +16842,7 @@
           <p:cNvPr id="83" name="直线连接符 82">
             <a:extLst>
               <a:ext uri="{FF2B5EF4-FFF2-40B4-BE49-F238E27FC236}">
-                <a16:creationId xmlns:a16="http://schemas.microsoft.com/office/drawing/2014/main" xmlns="" id="{CB8ECDB2-18F6-ED40-BF29-0E4204300FF1}"/>
+                <a16:creationId xmlns="" xmlns:a16="http://schemas.microsoft.com/office/drawing/2014/main" id="{CB8ECDB2-18F6-ED40-BF29-0E4204300FF1}"/>
               </a:ext>
             </a:extLst>
           </p:cNvPr>
@@ -16887,7 +16887,7 @@
           <p:cNvPr id="86" name="椭圆 85">
             <a:extLst>
               <a:ext uri="{FF2B5EF4-FFF2-40B4-BE49-F238E27FC236}">
-                <a16:creationId xmlns:a16="http://schemas.microsoft.com/office/drawing/2014/main" xmlns="" id="{D1E67824-653C-E74B-968D-3A3D0E990C80}"/>
+                <a16:creationId xmlns="" xmlns:a16="http://schemas.microsoft.com/office/drawing/2014/main" id="{D1E67824-653C-E74B-968D-3A3D0E990C80}"/>
               </a:ext>
             </a:extLst>
           </p:cNvPr>
@@ -16936,7 +16936,7 @@
           <p:cNvPr id="87" name="矩形 86">
             <a:extLst>
               <a:ext uri="{FF2B5EF4-FFF2-40B4-BE49-F238E27FC236}">
-                <a16:creationId xmlns:a16="http://schemas.microsoft.com/office/drawing/2014/main" xmlns="" id="{CE639E0C-5CED-7845-B8E2-188D7E851CD1}"/>
+                <a16:creationId xmlns="" xmlns:a16="http://schemas.microsoft.com/office/drawing/2014/main" id="{CE639E0C-5CED-7845-B8E2-188D7E851CD1}"/>
               </a:ext>
             </a:extLst>
           </p:cNvPr>
@@ -16990,7 +16990,7 @@
           <p:cNvPr id="88" name="矩形 87">
             <a:extLst>
               <a:ext uri="{FF2B5EF4-FFF2-40B4-BE49-F238E27FC236}">
-                <a16:creationId xmlns:a16="http://schemas.microsoft.com/office/drawing/2014/main" xmlns="" id="{ED911405-A61F-AF48-87AF-11B13D5DAF38}"/>
+                <a16:creationId xmlns="" xmlns:a16="http://schemas.microsoft.com/office/drawing/2014/main" id="{ED911405-A61F-AF48-87AF-11B13D5DAF38}"/>
               </a:ext>
             </a:extLst>
           </p:cNvPr>
@@ -17036,7 +17036,7 @@
           <p:cNvPr id="89" name="椭圆 88">
             <a:extLst>
               <a:ext uri="{FF2B5EF4-FFF2-40B4-BE49-F238E27FC236}">
-                <a16:creationId xmlns:a16="http://schemas.microsoft.com/office/drawing/2014/main" xmlns="" id="{451C4244-70E6-4542-8B8C-950146583A1D}"/>
+                <a16:creationId xmlns="" xmlns:a16="http://schemas.microsoft.com/office/drawing/2014/main" id="{451C4244-70E6-4542-8B8C-950146583A1D}"/>
               </a:ext>
             </a:extLst>
           </p:cNvPr>
@@ -17085,7 +17085,7 @@
           <p:cNvPr id="90" name="直线连接符 89">
             <a:extLst>
               <a:ext uri="{FF2B5EF4-FFF2-40B4-BE49-F238E27FC236}">
-                <a16:creationId xmlns:a16="http://schemas.microsoft.com/office/drawing/2014/main" xmlns="" id="{D8A0E0E2-635A-C94E-AED8-A6524FE9CF46}"/>
+                <a16:creationId xmlns="" xmlns:a16="http://schemas.microsoft.com/office/drawing/2014/main" id="{D8A0E0E2-635A-C94E-AED8-A6524FE9CF46}"/>
               </a:ext>
             </a:extLst>
           </p:cNvPr>
@@ -17130,7 +17130,7 @@
           <p:cNvPr id="91" name="直线连接符 90">
             <a:extLst>
               <a:ext uri="{FF2B5EF4-FFF2-40B4-BE49-F238E27FC236}">
-                <a16:creationId xmlns:a16="http://schemas.microsoft.com/office/drawing/2014/main" xmlns="" id="{91DCF7F9-7067-4742-AAE9-5541B02DA910}"/>
+                <a16:creationId xmlns="" xmlns:a16="http://schemas.microsoft.com/office/drawing/2014/main" id="{91DCF7F9-7067-4742-AAE9-5541B02DA910}"/>
               </a:ext>
             </a:extLst>
           </p:cNvPr>
@@ -17175,7 +17175,7 @@
           <p:cNvPr id="92" name="矩形 91">
             <a:extLst>
               <a:ext uri="{FF2B5EF4-FFF2-40B4-BE49-F238E27FC236}">
-                <a16:creationId xmlns:a16="http://schemas.microsoft.com/office/drawing/2014/main" xmlns="" id="{60E7D525-D61D-134B-B62D-5B76DDCC14F5}"/>
+                <a16:creationId xmlns="" xmlns:a16="http://schemas.microsoft.com/office/drawing/2014/main" id="{60E7D525-D61D-134B-B62D-5B76DDCC14F5}"/>
               </a:ext>
             </a:extLst>
           </p:cNvPr>
@@ -17221,7 +17221,7 @@
           <p:cNvPr id="93" name="矩形 92">
             <a:extLst>
               <a:ext uri="{FF2B5EF4-FFF2-40B4-BE49-F238E27FC236}">
-                <a16:creationId xmlns:a16="http://schemas.microsoft.com/office/drawing/2014/main" xmlns="" id="{A8800A96-5B4C-5445-B173-27E1FC332247}"/>
+                <a16:creationId xmlns="" xmlns:a16="http://schemas.microsoft.com/office/drawing/2014/main" id="{A8800A96-5B4C-5445-B173-27E1FC332247}"/>
               </a:ext>
             </a:extLst>
           </p:cNvPr>
@@ -17267,7 +17267,7 @@
           <p:cNvPr id="94" name="椭圆 93">
             <a:extLst>
               <a:ext uri="{FF2B5EF4-FFF2-40B4-BE49-F238E27FC236}">
-                <a16:creationId xmlns:a16="http://schemas.microsoft.com/office/drawing/2014/main" xmlns="" id="{EB4A5D39-59E0-BC46-A35D-1B10808219D4}"/>
+                <a16:creationId xmlns="" xmlns:a16="http://schemas.microsoft.com/office/drawing/2014/main" id="{EB4A5D39-59E0-BC46-A35D-1B10808219D4}"/>
               </a:ext>
             </a:extLst>
           </p:cNvPr>
@@ -17313,7 +17313,7 @@
           <p:cNvPr id="95" name="直线连接符 94">
             <a:extLst>
               <a:ext uri="{FF2B5EF4-FFF2-40B4-BE49-F238E27FC236}">
-                <a16:creationId xmlns:a16="http://schemas.microsoft.com/office/drawing/2014/main" xmlns="" id="{5A6A792C-A19D-8D40-B56B-9279B5CE0D85}"/>
+                <a16:creationId xmlns="" xmlns:a16="http://schemas.microsoft.com/office/drawing/2014/main" id="{5A6A792C-A19D-8D40-B56B-9279B5CE0D85}"/>
               </a:ext>
             </a:extLst>
           </p:cNvPr>
@@ -17358,7 +17358,7 @@
           <p:cNvPr id="96" name="直线连接符 95">
             <a:extLst>
               <a:ext uri="{FF2B5EF4-FFF2-40B4-BE49-F238E27FC236}">
-                <a16:creationId xmlns:a16="http://schemas.microsoft.com/office/drawing/2014/main" xmlns="" id="{D5A10680-6902-4244-B81A-7EBDAED0CFDF}"/>
+                <a16:creationId xmlns="" xmlns:a16="http://schemas.microsoft.com/office/drawing/2014/main" id="{D5A10680-6902-4244-B81A-7EBDAED0CFDF}"/>
               </a:ext>
             </a:extLst>
           </p:cNvPr>
@@ -17403,7 +17403,7 @@
           <p:cNvPr id="97" name="直线连接符 96">
             <a:extLst>
               <a:ext uri="{FF2B5EF4-FFF2-40B4-BE49-F238E27FC236}">
-                <a16:creationId xmlns:a16="http://schemas.microsoft.com/office/drawing/2014/main" xmlns="" id="{4C7B2CBB-05F8-1C48-BB82-81EFD7C255EE}"/>
+                <a16:creationId xmlns="" xmlns:a16="http://schemas.microsoft.com/office/drawing/2014/main" id="{4C7B2CBB-05F8-1C48-BB82-81EFD7C255EE}"/>
               </a:ext>
             </a:extLst>
           </p:cNvPr>
@@ -17448,7 +17448,7 @@
           <p:cNvPr id="98" name="直线连接符 97">
             <a:extLst>
               <a:ext uri="{FF2B5EF4-FFF2-40B4-BE49-F238E27FC236}">
-                <a16:creationId xmlns:a16="http://schemas.microsoft.com/office/drawing/2014/main" xmlns="" id="{BCCCD3ED-50F1-7A49-8FF2-C0393660C362}"/>
+                <a16:creationId xmlns="" xmlns:a16="http://schemas.microsoft.com/office/drawing/2014/main" id="{BCCCD3ED-50F1-7A49-8FF2-C0393660C362}"/>
               </a:ext>
             </a:extLst>
           </p:cNvPr>
@@ -17493,7 +17493,7 @@
           <p:cNvPr id="99" name="直线连接符 98">
             <a:extLst>
               <a:ext uri="{FF2B5EF4-FFF2-40B4-BE49-F238E27FC236}">
-                <a16:creationId xmlns:a16="http://schemas.microsoft.com/office/drawing/2014/main" xmlns="" id="{54CA5F68-92C8-D245-B66B-0A8135500154}"/>
+                <a16:creationId xmlns="" xmlns:a16="http://schemas.microsoft.com/office/drawing/2014/main" id="{54CA5F68-92C8-D245-B66B-0A8135500154}"/>
               </a:ext>
             </a:extLst>
           </p:cNvPr>
@@ -17538,7 +17538,7 @@
           <p:cNvPr id="102" name="直线连接符 101">
             <a:extLst>
               <a:ext uri="{FF2B5EF4-FFF2-40B4-BE49-F238E27FC236}">
-                <a16:creationId xmlns:a16="http://schemas.microsoft.com/office/drawing/2014/main" xmlns="" id="{D25792AE-BA15-4C4D-9B9B-E8116F709353}"/>
+                <a16:creationId xmlns="" xmlns:a16="http://schemas.microsoft.com/office/drawing/2014/main" id="{D25792AE-BA15-4C4D-9B9B-E8116F709353}"/>
               </a:ext>
             </a:extLst>
           </p:cNvPr>
@@ -17583,7 +17583,7 @@
           <p:cNvPr id="134" name="椭圆 133">
             <a:extLst>
               <a:ext uri="{FF2B5EF4-FFF2-40B4-BE49-F238E27FC236}">
-                <a16:creationId xmlns:a16="http://schemas.microsoft.com/office/drawing/2014/main" xmlns="" id="{D812FCEC-45C2-B344-801D-231FDC0CD8C9}"/>
+                <a16:creationId xmlns="" xmlns:a16="http://schemas.microsoft.com/office/drawing/2014/main" id="{D812FCEC-45C2-B344-801D-231FDC0CD8C9}"/>
               </a:ext>
             </a:extLst>
           </p:cNvPr>
@@ -17629,7 +17629,7 @@
           <p:cNvPr id="135" name="椭圆 134">
             <a:extLst>
               <a:ext uri="{FF2B5EF4-FFF2-40B4-BE49-F238E27FC236}">
-                <a16:creationId xmlns:a16="http://schemas.microsoft.com/office/drawing/2014/main" xmlns="" id="{45853432-1967-0E48-92F5-0FE48174D819}"/>
+                <a16:creationId xmlns="" xmlns:a16="http://schemas.microsoft.com/office/drawing/2014/main" id="{45853432-1967-0E48-92F5-0FE48174D819}"/>
               </a:ext>
             </a:extLst>
           </p:cNvPr>
@@ -17678,7 +17678,7 @@
           <p:cNvPr id="136" name="矩形 135">
             <a:extLst>
               <a:ext uri="{FF2B5EF4-FFF2-40B4-BE49-F238E27FC236}">
-                <a16:creationId xmlns:a16="http://schemas.microsoft.com/office/drawing/2014/main" xmlns="" id="{53905ACF-99DD-F742-B3F9-98736B3484DB}"/>
+                <a16:creationId xmlns="" xmlns:a16="http://schemas.microsoft.com/office/drawing/2014/main" id="{53905ACF-99DD-F742-B3F9-98736B3484DB}"/>
               </a:ext>
             </a:extLst>
           </p:cNvPr>
@@ -17724,7 +17724,7 @@
           <p:cNvPr id="137" name="矩形 136">
             <a:extLst>
               <a:ext uri="{FF2B5EF4-FFF2-40B4-BE49-F238E27FC236}">
-                <a16:creationId xmlns:a16="http://schemas.microsoft.com/office/drawing/2014/main" xmlns="" id="{B89B761A-F90C-EE46-9B43-C6656AC2353C}"/>
+                <a16:creationId xmlns="" xmlns:a16="http://schemas.microsoft.com/office/drawing/2014/main" id="{B89B761A-F90C-EE46-9B43-C6656AC2353C}"/>
               </a:ext>
             </a:extLst>
           </p:cNvPr>
@@ -17770,7 +17770,7 @@
           <p:cNvPr id="138" name="椭圆 137">
             <a:extLst>
               <a:ext uri="{FF2B5EF4-FFF2-40B4-BE49-F238E27FC236}">
-                <a16:creationId xmlns:a16="http://schemas.microsoft.com/office/drawing/2014/main" xmlns="" id="{1C8B860B-F86D-4B4B-9193-876CD7DC0907}"/>
+                <a16:creationId xmlns="" xmlns:a16="http://schemas.microsoft.com/office/drawing/2014/main" id="{1C8B860B-F86D-4B4B-9193-876CD7DC0907}"/>
               </a:ext>
             </a:extLst>
           </p:cNvPr>
@@ -17816,7 +17816,7 @@
           <p:cNvPr id="139" name="直线连接符 138">
             <a:extLst>
               <a:ext uri="{FF2B5EF4-FFF2-40B4-BE49-F238E27FC236}">
-                <a16:creationId xmlns:a16="http://schemas.microsoft.com/office/drawing/2014/main" xmlns="" id="{38202E17-7B59-C649-865C-21D4F76A306D}"/>
+                <a16:creationId xmlns="" xmlns:a16="http://schemas.microsoft.com/office/drawing/2014/main" id="{38202E17-7B59-C649-865C-21D4F76A306D}"/>
               </a:ext>
             </a:extLst>
           </p:cNvPr>
@@ -17861,7 +17861,7 @@
           <p:cNvPr id="140" name="直线连接符 139">
             <a:extLst>
               <a:ext uri="{FF2B5EF4-FFF2-40B4-BE49-F238E27FC236}">
-                <a16:creationId xmlns:a16="http://schemas.microsoft.com/office/drawing/2014/main" xmlns="" id="{A686937A-936E-D841-80F9-D60C793716A1}"/>
+                <a16:creationId xmlns="" xmlns:a16="http://schemas.microsoft.com/office/drawing/2014/main" id="{A686937A-936E-D841-80F9-D60C793716A1}"/>
               </a:ext>
             </a:extLst>
           </p:cNvPr>
@@ -17906,7 +17906,7 @@
           <p:cNvPr id="141" name="矩形 140">
             <a:extLst>
               <a:ext uri="{FF2B5EF4-FFF2-40B4-BE49-F238E27FC236}">
-                <a16:creationId xmlns:a16="http://schemas.microsoft.com/office/drawing/2014/main" xmlns="" id="{D3476BC9-3617-2349-AD3A-4D84C847071B}"/>
+                <a16:creationId xmlns="" xmlns:a16="http://schemas.microsoft.com/office/drawing/2014/main" id="{D3476BC9-3617-2349-AD3A-4D84C847071B}"/>
               </a:ext>
             </a:extLst>
           </p:cNvPr>
@@ -17952,7 +17952,7 @@
           <p:cNvPr id="142" name="矩形 141">
             <a:extLst>
               <a:ext uri="{FF2B5EF4-FFF2-40B4-BE49-F238E27FC236}">
-                <a16:creationId xmlns:a16="http://schemas.microsoft.com/office/drawing/2014/main" xmlns="" id="{35D61483-E1EA-2F47-A87D-5C5DAAF4C881}"/>
+                <a16:creationId xmlns="" xmlns:a16="http://schemas.microsoft.com/office/drawing/2014/main" id="{35D61483-E1EA-2F47-A87D-5C5DAAF4C881}"/>
               </a:ext>
             </a:extLst>
           </p:cNvPr>
@@ -17998,7 +17998,7 @@
           <p:cNvPr id="143" name="椭圆 142">
             <a:extLst>
               <a:ext uri="{FF2B5EF4-FFF2-40B4-BE49-F238E27FC236}">
-                <a16:creationId xmlns:a16="http://schemas.microsoft.com/office/drawing/2014/main" xmlns="" id="{E2395878-95EC-F440-B899-6DB2E3106F63}"/>
+                <a16:creationId xmlns="" xmlns:a16="http://schemas.microsoft.com/office/drawing/2014/main" id="{E2395878-95EC-F440-B899-6DB2E3106F63}"/>
               </a:ext>
             </a:extLst>
           </p:cNvPr>
@@ -18044,7 +18044,7 @@
           <p:cNvPr id="144" name="直线连接符 143">
             <a:extLst>
               <a:ext uri="{FF2B5EF4-FFF2-40B4-BE49-F238E27FC236}">
-                <a16:creationId xmlns:a16="http://schemas.microsoft.com/office/drawing/2014/main" xmlns="" id="{CD20C65D-F06D-DD44-B428-C81AA47372D7}"/>
+                <a16:creationId xmlns="" xmlns:a16="http://schemas.microsoft.com/office/drawing/2014/main" id="{CD20C65D-F06D-DD44-B428-C81AA47372D7}"/>
               </a:ext>
             </a:extLst>
           </p:cNvPr>
@@ -18089,7 +18089,7 @@
           <p:cNvPr id="145" name="直线连接符 144">
             <a:extLst>
               <a:ext uri="{FF2B5EF4-FFF2-40B4-BE49-F238E27FC236}">
-                <a16:creationId xmlns:a16="http://schemas.microsoft.com/office/drawing/2014/main" xmlns="" id="{4A9E221B-42B3-C740-B0F0-1A2B9833930E}"/>
+                <a16:creationId xmlns="" xmlns:a16="http://schemas.microsoft.com/office/drawing/2014/main" id="{4A9E221B-42B3-C740-B0F0-1A2B9833930E}"/>
               </a:ext>
             </a:extLst>
           </p:cNvPr>
@@ -18134,7 +18134,7 @@
           <p:cNvPr id="146" name="直线连接符 145">
             <a:extLst>
               <a:ext uri="{FF2B5EF4-FFF2-40B4-BE49-F238E27FC236}">
-                <a16:creationId xmlns:a16="http://schemas.microsoft.com/office/drawing/2014/main" xmlns="" id="{A7B7AC7C-9690-9944-B1FE-CBA8452577D4}"/>
+                <a16:creationId xmlns="" xmlns:a16="http://schemas.microsoft.com/office/drawing/2014/main" id="{A7B7AC7C-9690-9944-B1FE-CBA8452577D4}"/>
               </a:ext>
             </a:extLst>
           </p:cNvPr>
@@ -18179,7 +18179,7 @@
           <p:cNvPr id="147" name="直线连接符 146">
             <a:extLst>
               <a:ext uri="{FF2B5EF4-FFF2-40B4-BE49-F238E27FC236}">
-                <a16:creationId xmlns:a16="http://schemas.microsoft.com/office/drawing/2014/main" xmlns="" id="{6D66B493-EBF1-EC42-BE0A-D44EB359DE35}"/>
+                <a16:creationId xmlns="" xmlns:a16="http://schemas.microsoft.com/office/drawing/2014/main" id="{6D66B493-EBF1-EC42-BE0A-D44EB359DE35}"/>
               </a:ext>
             </a:extLst>
           </p:cNvPr>
@@ -18224,7 +18224,7 @@
           <p:cNvPr id="148" name="椭圆 147">
             <a:extLst>
               <a:ext uri="{FF2B5EF4-FFF2-40B4-BE49-F238E27FC236}">
-                <a16:creationId xmlns:a16="http://schemas.microsoft.com/office/drawing/2014/main" xmlns="" id="{9671E381-8C9A-7249-8690-9A97FE6CEC37}"/>
+                <a16:creationId xmlns="" xmlns:a16="http://schemas.microsoft.com/office/drawing/2014/main" id="{9671E381-8C9A-7249-8690-9A97FE6CEC37}"/>
               </a:ext>
             </a:extLst>
           </p:cNvPr>
@@ -18273,7 +18273,7 @@
           <p:cNvPr id="149" name="矩形 148">
             <a:extLst>
               <a:ext uri="{FF2B5EF4-FFF2-40B4-BE49-F238E27FC236}">
-                <a16:creationId xmlns:a16="http://schemas.microsoft.com/office/drawing/2014/main" xmlns="" id="{88213569-380C-704D-8320-D89BC8332040}"/>
+                <a16:creationId xmlns="" xmlns:a16="http://schemas.microsoft.com/office/drawing/2014/main" id="{88213569-380C-704D-8320-D89BC8332040}"/>
               </a:ext>
             </a:extLst>
           </p:cNvPr>
@@ -18319,7 +18319,7 @@
           <p:cNvPr id="150" name="矩形 149">
             <a:extLst>
               <a:ext uri="{FF2B5EF4-FFF2-40B4-BE49-F238E27FC236}">
-                <a16:creationId xmlns:a16="http://schemas.microsoft.com/office/drawing/2014/main" xmlns="" id="{CC2D48BD-2F54-1846-9FE6-B2926D606B96}"/>
+                <a16:creationId xmlns="" xmlns:a16="http://schemas.microsoft.com/office/drawing/2014/main" id="{CC2D48BD-2F54-1846-9FE6-B2926D606B96}"/>
               </a:ext>
             </a:extLst>
           </p:cNvPr>
@@ -18365,7 +18365,7 @@
           <p:cNvPr id="151" name="椭圆 150">
             <a:extLst>
               <a:ext uri="{FF2B5EF4-FFF2-40B4-BE49-F238E27FC236}">
-                <a16:creationId xmlns:a16="http://schemas.microsoft.com/office/drawing/2014/main" xmlns="" id="{CC3C0616-22E1-C94C-8B56-7F7DD53DC4D3}"/>
+                <a16:creationId xmlns="" xmlns:a16="http://schemas.microsoft.com/office/drawing/2014/main" id="{CC3C0616-22E1-C94C-8B56-7F7DD53DC4D3}"/>
               </a:ext>
             </a:extLst>
           </p:cNvPr>
@@ -18411,7 +18411,7 @@
           <p:cNvPr id="152" name="直线连接符 151">
             <a:extLst>
               <a:ext uri="{FF2B5EF4-FFF2-40B4-BE49-F238E27FC236}">
-                <a16:creationId xmlns:a16="http://schemas.microsoft.com/office/drawing/2014/main" xmlns="" id="{60B11272-6AB9-CA4C-B732-26120A0C2D95}"/>
+                <a16:creationId xmlns="" xmlns:a16="http://schemas.microsoft.com/office/drawing/2014/main" id="{60B11272-6AB9-CA4C-B732-26120A0C2D95}"/>
               </a:ext>
             </a:extLst>
           </p:cNvPr>
@@ -18456,7 +18456,7 @@
           <p:cNvPr id="153" name="直线连接符 152">
             <a:extLst>
               <a:ext uri="{FF2B5EF4-FFF2-40B4-BE49-F238E27FC236}">
-                <a16:creationId xmlns:a16="http://schemas.microsoft.com/office/drawing/2014/main" xmlns="" id="{ED220DF5-351F-AF4A-BFC5-E3A9ACFD304F}"/>
+                <a16:creationId xmlns="" xmlns:a16="http://schemas.microsoft.com/office/drawing/2014/main" id="{ED220DF5-351F-AF4A-BFC5-E3A9ACFD304F}"/>
               </a:ext>
             </a:extLst>
           </p:cNvPr>
@@ -18501,7 +18501,7 @@
           <p:cNvPr id="154" name="矩形 153">
             <a:extLst>
               <a:ext uri="{FF2B5EF4-FFF2-40B4-BE49-F238E27FC236}">
-                <a16:creationId xmlns:a16="http://schemas.microsoft.com/office/drawing/2014/main" xmlns="" id="{4B8DE2BB-3A6E-E14F-8864-AA75D7DDD0E9}"/>
+                <a16:creationId xmlns="" xmlns:a16="http://schemas.microsoft.com/office/drawing/2014/main" id="{4B8DE2BB-3A6E-E14F-8864-AA75D7DDD0E9}"/>
               </a:ext>
             </a:extLst>
           </p:cNvPr>
@@ -18547,7 +18547,7 @@
           <p:cNvPr id="155" name="矩形 154">
             <a:extLst>
               <a:ext uri="{FF2B5EF4-FFF2-40B4-BE49-F238E27FC236}">
-                <a16:creationId xmlns:a16="http://schemas.microsoft.com/office/drawing/2014/main" xmlns="" id="{72AE0033-0163-7044-AE9F-701DB78B7EF9}"/>
+                <a16:creationId xmlns="" xmlns:a16="http://schemas.microsoft.com/office/drawing/2014/main" id="{72AE0033-0163-7044-AE9F-701DB78B7EF9}"/>
               </a:ext>
             </a:extLst>
           </p:cNvPr>
@@ -18601,7 +18601,7 @@
           <p:cNvPr id="156" name="椭圆 155">
             <a:extLst>
               <a:ext uri="{FF2B5EF4-FFF2-40B4-BE49-F238E27FC236}">
-                <a16:creationId xmlns:a16="http://schemas.microsoft.com/office/drawing/2014/main" xmlns="" id="{8ABA1EAD-85CF-F84F-AE56-875490D8D171}"/>
+                <a16:creationId xmlns="" xmlns:a16="http://schemas.microsoft.com/office/drawing/2014/main" id="{8ABA1EAD-85CF-F84F-AE56-875490D8D171}"/>
               </a:ext>
             </a:extLst>
           </p:cNvPr>
@@ -18650,7 +18650,7 @@
           <p:cNvPr id="157" name="直线连接符 156">
             <a:extLst>
               <a:ext uri="{FF2B5EF4-FFF2-40B4-BE49-F238E27FC236}">
-                <a16:creationId xmlns:a16="http://schemas.microsoft.com/office/drawing/2014/main" xmlns="" id="{2C4DA044-EEA3-2648-9022-9D4B646E54CE}"/>
+                <a16:creationId xmlns="" xmlns:a16="http://schemas.microsoft.com/office/drawing/2014/main" id="{2C4DA044-EEA3-2648-9022-9D4B646E54CE}"/>
               </a:ext>
             </a:extLst>
           </p:cNvPr>
@@ -18695,7 +18695,7 @@
           <p:cNvPr id="158" name="直线连接符 157">
             <a:extLst>
               <a:ext uri="{FF2B5EF4-FFF2-40B4-BE49-F238E27FC236}">
-                <a16:creationId xmlns:a16="http://schemas.microsoft.com/office/drawing/2014/main" xmlns="" id="{678F7910-1BFB-1C48-A5F5-C6B0119E35A2}"/>
+                <a16:creationId xmlns="" xmlns:a16="http://schemas.microsoft.com/office/drawing/2014/main" id="{678F7910-1BFB-1C48-A5F5-C6B0119E35A2}"/>
               </a:ext>
             </a:extLst>
           </p:cNvPr>
@@ -18740,7 +18740,7 @@
           <p:cNvPr id="159" name="直线连接符 158">
             <a:extLst>
               <a:ext uri="{FF2B5EF4-FFF2-40B4-BE49-F238E27FC236}">
-                <a16:creationId xmlns:a16="http://schemas.microsoft.com/office/drawing/2014/main" xmlns="" id="{FD1849BE-468D-E749-AF86-14B2A3AD676B}"/>
+                <a16:creationId xmlns="" xmlns:a16="http://schemas.microsoft.com/office/drawing/2014/main" id="{FD1849BE-468D-E749-AF86-14B2A3AD676B}"/>
               </a:ext>
             </a:extLst>
           </p:cNvPr>
@@ -18785,7 +18785,7 @@
           <p:cNvPr id="160" name="直线连接符 159">
             <a:extLst>
               <a:ext uri="{FF2B5EF4-FFF2-40B4-BE49-F238E27FC236}">
-                <a16:creationId xmlns:a16="http://schemas.microsoft.com/office/drawing/2014/main" xmlns="" id="{87FC241E-5606-0041-957F-54DD1CBD07D5}"/>
+                <a16:creationId xmlns="" xmlns:a16="http://schemas.microsoft.com/office/drawing/2014/main" id="{87FC241E-5606-0041-957F-54DD1CBD07D5}"/>
               </a:ext>
             </a:extLst>
           </p:cNvPr>
@@ -18830,7 +18830,7 @@
           <p:cNvPr id="161" name="直线连接符 160">
             <a:extLst>
               <a:ext uri="{FF2B5EF4-FFF2-40B4-BE49-F238E27FC236}">
-                <a16:creationId xmlns:a16="http://schemas.microsoft.com/office/drawing/2014/main" xmlns="" id="{0BC2BEE3-84D2-ED4F-878B-6B9F20A153A1}"/>
+                <a16:creationId xmlns="" xmlns:a16="http://schemas.microsoft.com/office/drawing/2014/main" id="{0BC2BEE3-84D2-ED4F-878B-6B9F20A153A1}"/>
               </a:ext>
             </a:extLst>
           </p:cNvPr>
@@ -18875,7 +18875,7 @@
           <p:cNvPr id="162" name="直线连接符 161">
             <a:extLst>
               <a:ext uri="{FF2B5EF4-FFF2-40B4-BE49-F238E27FC236}">
-                <a16:creationId xmlns:a16="http://schemas.microsoft.com/office/drawing/2014/main" xmlns="" id="{59280443-0F11-4B41-9BEB-DBD789224C23}"/>
+                <a16:creationId xmlns="" xmlns:a16="http://schemas.microsoft.com/office/drawing/2014/main" id="{59280443-0F11-4B41-9BEB-DBD789224C23}"/>
               </a:ext>
             </a:extLst>
           </p:cNvPr>
@@ -18920,7 +18920,7 @@
           <p:cNvPr id="163" name="直线连接符 162">
             <a:extLst>
               <a:ext uri="{FF2B5EF4-FFF2-40B4-BE49-F238E27FC236}">
-                <a16:creationId xmlns:a16="http://schemas.microsoft.com/office/drawing/2014/main" xmlns="" id="{35C3ACE2-A346-E247-B354-ED1FEF266398}"/>
+                <a16:creationId xmlns="" xmlns:a16="http://schemas.microsoft.com/office/drawing/2014/main" id="{35C3ACE2-A346-E247-B354-ED1FEF266398}"/>
               </a:ext>
             </a:extLst>
           </p:cNvPr>
@@ -18965,7 +18965,7 @@
           <p:cNvPr id="167" name="直线连接符 166">
             <a:extLst>
               <a:ext uri="{FF2B5EF4-FFF2-40B4-BE49-F238E27FC236}">
-                <a16:creationId xmlns:a16="http://schemas.microsoft.com/office/drawing/2014/main" xmlns="" id="{270DAD3F-5BD1-114F-9BCB-96D7576A28B2}"/>
+                <a16:creationId xmlns="" xmlns:a16="http://schemas.microsoft.com/office/drawing/2014/main" id="{270DAD3F-5BD1-114F-9BCB-96D7576A28B2}"/>
               </a:ext>
             </a:extLst>
           </p:cNvPr>
@@ -19010,7 +19010,7 @@
           <p:cNvPr id="171" name="直线连接符 170">
             <a:extLst>
               <a:ext uri="{FF2B5EF4-FFF2-40B4-BE49-F238E27FC236}">
-                <a16:creationId xmlns:a16="http://schemas.microsoft.com/office/drawing/2014/main" xmlns="" id="{A69F57B0-9D7B-5543-B28B-F2BD7A758EDC}"/>
+                <a16:creationId xmlns="" xmlns:a16="http://schemas.microsoft.com/office/drawing/2014/main" id="{A69F57B0-9D7B-5543-B28B-F2BD7A758EDC}"/>
               </a:ext>
             </a:extLst>
           </p:cNvPr>
@@ -19055,7 +19055,7 @@
           <p:cNvPr id="174" name="直线连接符 173">
             <a:extLst>
               <a:ext uri="{FF2B5EF4-FFF2-40B4-BE49-F238E27FC236}">
-                <a16:creationId xmlns:a16="http://schemas.microsoft.com/office/drawing/2014/main" xmlns="" id="{FBDE3D2C-3C8B-684F-9435-9925D8338848}"/>
+                <a16:creationId xmlns="" xmlns:a16="http://schemas.microsoft.com/office/drawing/2014/main" id="{FBDE3D2C-3C8B-684F-9435-9925D8338848}"/>
               </a:ext>
             </a:extLst>
           </p:cNvPr>
@@ -19100,7 +19100,7 @@
           <p:cNvPr id="177" name="文本框 176">
             <a:extLst>
               <a:ext uri="{FF2B5EF4-FFF2-40B4-BE49-F238E27FC236}">
-                <a16:creationId xmlns:a16="http://schemas.microsoft.com/office/drawing/2014/main" xmlns="" id="{128FD6A5-9F23-3148-B97B-6423C263EA9F}"/>
+                <a16:creationId xmlns="" xmlns:a16="http://schemas.microsoft.com/office/drawing/2014/main" id="{128FD6A5-9F23-3148-B97B-6423C263EA9F}"/>
               </a:ext>
             </a:extLst>
           </p:cNvPr>
@@ -19142,7 +19142,7 @@
           <p:cNvPr id="178" name="文本框 177">
             <a:extLst>
               <a:ext uri="{FF2B5EF4-FFF2-40B4-BE49-F238E27FC236}">
-                <a16:creationId xmlns:a16="http://schemas.microsoft.com/office/drawing/2014/main" xmlns="" id="{0BD26BDE-C67E-6946-A6EF-445FF4963E5B}"/>
+                <a16:creationId xmlns="" xmlns:a16="http://schemas.microsoft.com/office/drawing/2014/main" id="{0BD26BDE-C67E-6946-A6EF-445FF4963E5B}"/>
               </a:ext>
             </a:extLst>
           </p:cNvPr>
@@ -19184,7 +19184,7 @@
           <p:cNvPr id="181" name="文本框 180">
             <a:extLst>
               <a:ext uri="{FF2B5EF4-FFF2-40B4-BE49-F238E27FC236}">
-                <a16:creationId xmlns:a16="http://schemas.microsoft.com/office/drawing/2014/main" xmlns="" id="{B1ADFEB5-0EA8-9B49-9D8B-245DE3DE3401}"/>
+                <a16:creationId xmlns="" xmlns:a16="http://schemas.microsoft.com/office/drawing/2014/main" id="{B1ADFEB5-0EA8-9B49-9D8B-245DE3DE3401}"/>
               </a:ext>
             </a:extLst>
           </p:cNvPr>
@@ -19226,7 +19226,7 @@
           <p:cNvPr id="182" name="文本框 181">
             <a:extLst>
               <a:ext uri="{FF2B5EF4-FFF2-40B4-BE49-F238E27FC236}">
-                <a16:creationId xmlns:a16="http://schemas.microsoft.com/office/drawing/2014/main" xmlns="" id="{43FD427D-A3AE-D444-9B78-34BD9AD289C2}"/>
+                <a16:creationId xmlns="" xmlns:a16="http://schemas.microsoft.com/office/drawing/2014/main" id="{43FD427D-A3AE-D444-9B78-34BD9AD289C2}"/>
               </a:ext>
             </a:extLst>
           </p:cNvPr>
@@ -19270,7 +19270,7 @@
               <p:cNvPr id="183" name="文本框 182">
                 <a:extLst>
                   <a:ext uri="{FF2B5EF4-FFF2-40B4-BE49-F238E27FC236}">
-                    <a16:creationId xmlns:a16="http://schemas.microsoft.com/office/drawing/2014/main" xmlns="" id="{3F3E9AD1-90DC-0E44-AD0E-A1BA45CD1F16}"/>
+                    <a16:creationId xmlns="" xmlns:a16="http://schemas.microsoft.com/office/drawing/2014/main" id="{3F3E9AD1-90DC-0E44-AD0E-A1BA45CD1F16}"/>
                   </a:ext>
                 </a:extLst>
               </p:cNvPr>
@@ -19506,7 +19506,7 @@
           <p:cNvPr id="81" name="椭圆 80">
             <a:extLst>
               <a:ext uri="{FF2B5EF4-FFF2-40B4-BE49-F238E27FC236}">
-                <a16:creationId xmlns:a16="http://schemas.microsoft.com/office/drawing/2014/main" xmlns="" id="{D1E67824-653C-E74B-968D-3A3D0E990C80}"/>
+                <a16:creationId xmlns="" xmlns:a16="http://schemas.microsoft.com/office/drawing/2014/main" id="{D1E67824-653C-E74B-968D-3A3D0E990C80}"/>
               </a:ext>
             </a:extLst>
           </p:cNvPr>
@@ -19555,7 +19555,7 @@
           <p:cNvPr id="100" name="椭圆 99">
             <a:extLst>
               <a:ext uri="{FF2B5EF4-FFF2-40B4-BE49-F238E27FC236}">
-                <a16:creationId xmlns:a16="http://schemas.microsoft.com/office/drawing/2014/main" xmlns="" id="{FE177A80-294D-D74F-9193-54F0F6931790}"/>
+                <a16:creationId xmlns="" xmlns:a16="http://schemas.microsoft.com/office/drawing/2014/main" id="{FE177A80-294D-D74F-9193-54F0F6931790}"/>
               </a:ext>
             </a:extLst>
           </p:cNvPr>
@@ -19601,7 +19601,7 @@
           <p:cNvPr id="101" name="椭圆 100">
             <a:extLst>
               <a:ext uri="{FF2B5EF4-FFF2-40B4-BE49-F238E27FC236}">
-                <a16:creationId xmlns:a16="http://schemas.microsoft.com/office/drawing/2014/main" xmlns="" id="{9671E381-8C9A-7249-8690-9A97FE6CEC37}"/>
+                <a16:creationId xmlns="" xmlns:a16="http://schemas.microsoft.com/office/drawing/2014/main" id="{9671E381-8C9A-7249-8690-9A97FE6CEC37}"/>
               </a:ext>
             </a:extLst>
           </p:cNvPr>
@@ -19650,7 +19650,7 @@
           <p:cNvPr id="103" name="椭圆 102">
             <a:extLst>
               <a:ext uri="{FF2B5EF4-FFF2-40B4-BE49-F238E27FC236}">
-                <a16:creationId xmlns:a16="http://schemas.microsoft.com/office/drawing/2014/main" xmlns="" id="{D812FCEC-45C2-B344-801D-231FDC0CD8C9}"/>
+                <a16:creationId xmlns="" xmlns:a16="http://schemas.microsoft.com/office/drawing/2014/main" id="{D812FCEC-45C2-B344-801D-231FDC0CD8C9}"/>
               </a:ext>
             </a:extLst>
           </p:cNvPr>
@@ -19696,7 +19696,7 @@
           <p:cNvPr id="105" name="直线连接符 104">
             <a:extLst>
               <a:ext uri="{FF2B5EF4-FFF2-40B4-BE49-F238E27FC236}">
-                <a16:creationId xmlns:a16="http://schemas.microsoft.com/office/drawing/2014/main" xmlns="" id="{4C7B2CBB-05F8-1C48-BB82-81EFD7C255EE}"/>
+                <a16:creationId xmlns="" xmlns:a16="http://schemas.microsoft.com/office/drawing/2014/main" id="{4C7B2CBB-05F8-1C48-BB82-81EFD7C255EE}"/>
               </a:ext>
             </a:extLst>
           </p:cNvPr>
@@ -19741,7 +19741,7 @@
           <p:cNvPr id="106" name="直线连接符 105">
             <a:extLst>
               <a:ext uri="{FF2B5EF4-FFF2-40B4-BE49-F238E27FC236}">
-                <a16:creationId xmlns:a16="http://schemas.microsoft.com/office/drawing/2014/main" xmlns="" id="{4C7B2CBB-05F8-1C48-BB82-81EFD7C255EE}"/>
+                <a16:creationId xmlns="" xmlns:a16="http://schemas.microsoft.com/office/drawing/2014/main" id="{4C7B2CBB-05F8-1C48-BB82-81EFD7C255EE}"/>
               </a:ext>
             </a:extLst>
           </p:cNvPr>
@@ -19786,7 +19786,7 @@
           <p:cNvPr id="108" name="直线连接符 107">
             <a:extLst>
               <a:ext uri="{FF2B5EF4-FFF2-40B4-BE49-F238E27FC236}">
-                <a16:creationId xmlns:a16="http://schemas.microsoft.com/office/drawing/2014/main" xmlns="" id="{B2F72FF8-CB71-9440-8AB4-9B899631BE0A}"/>
+                <a16:creationId xmlns="" xmlns:a16="http://schemas.microsoft.com/office/drawing/2014/main" id="{B2F72FF8-CB71-9440-8AB4-9B899631BE0A}"/>
               </a:ext>
             </a:extLst>
           </p:cNvPr>
@@ -19831,7 +19831,7 @@
           <p:cNvPr id="111" name="直线连接符 110">
             <a:extLst>
               <a:ext uri="{FF2B5EF4-FFF2-40B4-BE49-F238E27FC236}">
-                <a16:creationId xmlns:a16="http://schemas.microsoft.com/office/drawing/2014/main" xmlns="" id="{B2F72FF8-CB71-9440-8AB4-9B899631BE0A}"/>
+                <a16:creationId xmlns="" xmlns:a16="http://schemas.microsoft.com/office/drawing/2014/main" id="{B2F72FF8-CB71-9440-8AB4-9B899631BE0A}"/>
               </a:ext>
             </a:extLst>
           </p:cNvPr>
@@ -19876,7 +19876,7 @@
           <p:cNvPr id="115" name="直线连接符 114">
             <a:extLst>
               <a:ext uri="{FF2B5EF4-FFF2-40B4-BE49-F238E27FC236}">
-                <a16:creationId xmlns:a16="http://schemas.microsoft.com/office/drawing/2014/main" xmlns="" id="{FD1849BE-468D-E749-AF86-14B2A3AD676B}"/>
+                <a16:creationId xmlns="" xmlns:a16="http://schemas.microsoft.com/office/drawing/2014/main" id="{FD1849BE-468D-E749-AF86-14B2A3AD676B}"/>
               </a:ext>
             </a:extLst>
           </p:cNvPr>
@@ -19921,7 +19921,7 @@
           <p:cNvPr id="118" name="直线连接符 117">
             <a:extLst>
               <a:ext uri="{FF2B5EF4-FFF2-40B4-BE49-F238E27FC236}">
-                <a16:creationId xmlns:a16="http://schemas.microsoft.com/office/drawing/2014/main" xmlns="" id="{FD1849BE-468D-E749-AF86-14B2A3AD676B}"/>
+                <a16:creationId xmlns="" xmlns:a16="http://schemas.microsoft.com/office/drawing/2014/main" id="{FD1849BE-468D-E749-AF86-14B2A3AD676B}"/>
               </a:ext>
             </a:extLst>
           </p:cNvPr>
@@ -19966,7 +19966,7 @@
           <p:cNvPr id="121" name="直线连接符 120">
             <a:extLst>
               <a:ext uri="{FF2B5EF4-FFF2-40B4-BE49-F238E27FC236}">
-                <a16:creationId xmlns:a16="http://schemas.microsoft.com/office/drawing/2014/main" xmlns="" id="{FD1849BE-468D-E749-AF86-14B2A3AD676B}"/>
+                <a16:creationId xmlns="" xmlns:a16="http://schemas.microsoft.com/office/drawing/2014/main" id="{FD1849BE-468D-E749-AF86-14B2A3AD676B}"/>
               </a:ext>
             </a:extLst>
           </p:cNvPr>
@@ -20011,7 +20011,7 @@
           <p:cNvPr id="125" name="直线连接符 124">
             <a:extLst>
               <a:ext uri="{FF2B5EF4-FFF2-40B4-BE49-F238E27FC236}">
-                <a16:creationId xmlns:a16="http://schemas.microsoft.com/office/drawing/2014/main" xmlns="" id="{FD1849BE-468D-E749-AF86-14B2A3AD676B}"/>
+                <a16:creationId xmlns="" xmlns:a16="http://schemas.microsoft.com/office/drawing/2014/main" id="{FD1849BE-468D-E749-AF86-14B2A3AD676B}"/>
               </a:ext>
             </a:extLst>
           </p:cNvPr>
@@ -20056,7 +20056,7 @@
           <p:cNvPr id="164" name="椭圆 163">
             <a:extLst>
               <a:ext uri="{FF2B5EF4-FFF2-40B4-BE49-F238E27FC236}">
-                <a16:creationId xmlns:a16="http://schemas.microsoft.com/office/drawing/2014/main" xmlns="" id="{BC6EE5D6-B812-5A44-8E2E-0D340A99F527}"/>
+                <a16:creationId xmlns="" xmlns:a16="http://schemas.microsoft.com/office/drawing/2014/main" id="{BC6EE5D6-B812-5A44-8E2E-0D340A99F527}"/>
               </a:ext>
             </a:extLst>
           </p:cNvPr>
@@ -20105,7 +20105,7 @@
           <p:cNvPr id="165" name="椭圆 164">
             <a:extLst>
               <a:ext uri="{FF2B5EF4-FFF2-40B4-BE49-F238E27FC236}">
-                <a16:creationId xmlns:a16="http://schemas.microsoft.com/office/drawing/2014/main" xmlns="" id="{BC6EE5D6-B812-5A44-8E2E-0D340A99F527}"/>
+                <a16:creationId xmlns="" xmlns:a16="http://schemas.microsoft.com/office/drawing/2014/main" id="{BC6EE5D6-B812-5A44-8E2E-0D340A99F527}"/>
               </a:ext>
             </a:extLst>
           </p:cNvPr>
@@ -20154,7 +20154,7 @@
           <p:cNvPr id="166" name="直线连接符 165">
             <a:extLst>
               <a:ext uri="{FF2B5EF4-FFF2-40B4-BE49-F238E27FC236}">
-                <a16:creationId xmlns:a16="http://schemas.microsoft.com/office/drawing/2014/main" xmlns="" id="{270DAD3F-5BD1-114F-9BCB-96D7576A28B2}"/>
+                <a16:creationId xmlns="" xmlns:a16="http://schemas.microsoft.com/office/drawing/2014/main" id="{270DAD3F-5BD1-114F-9BCB-96D7576A28B2}"/>
               </a:ext>
             </a:extLst>
           </p:cNvPr>
@@ -20199,7 +20199,7 @@
           <p:cNvPr id="168" name="直线连接符 167">
             <a:extLst>
               <a:ext uri="{FF2B5EF4-FFF2-40B4-BE49-F238E27FC236}">
-                <a16:creationId xmlns:a16="http://schemas.microsoft.com/office/drawing/2014/main" xmlns="" id="{270DAD3F-5BD1-114F-9BCB-96D7576A28B2}"/>
+                <a16:creationId xmlns="" xmlns:a16="http://schemas.microsoft.com/office/drawing/2014/main" id="{270DAD3F-5BD1-114F-9BCB-96D7576A28B2}"/>
               </a:ext>
             </a:extLst>
           </p:cNvPr>
@@ -20244,7 +20244,7 @@
           <p:cNvPr id="169" name="直线连接符 168">
             <a:extLst>
               <a:ext uri="{FF2B5EF4-FFF2-40B4-BE49-F238E27FC236}">
-                <a16:creationId xmlns:a16="http://schemas.microsoft.com/office/drawing/2014/main" xmlns="" id="{270DAD3F-5BD1-114F-9BCB-96D7576A28B2}"/>
+                <a16:creationId xmlns="" xmlns:a16="http://schemas.microsoft.com/office/drawing/2014/main" id="{270DAD3F-5BD1-114F-9BCB-96D7576A28B2}"/>
               </a:ext>
             </a:extLst>
           </p:cNvPr>
@@ -20289,7 +20289,7 @@
           <p:cNvPr id="170" name="直线连接符 169">
             <a:extLst>
               <a:ext uri="{FF2B5EF4-FFF2-40B4-BE49-F238E27FC236}">
-                <a16:creationId xmlns:a16="http://schemas.microsoft.com/office/drawing/2014/main" xmlns="" id="{270DAD3F-5BD1-114F-9BCB-96D7576A28B2}"/>
+                <a16:creationId xmlns="" xmlns:a16="http://schemas.microsoft.com/office/drawing/2014/main" id="{270DAD3F-5BD1-114F-9BCB-96D7576A28B2}"/>
               </a:ext>
             </a:extLst>
           </p:cNvPr>
@@ -20334,7 +20334,7 @@
           <p:cNvPr id="172" name="直线连接符 171">
             <a:extLst>
               <a:ext uri="{FF2B5EF4-FFF2-40B4-BE49-F238E27FC236}">
-                <a16:creationId xmlns:a16="http://schemas.microsoft.com/office/drawing/2014/main" xmlns="" id="{270DAD3F-5BD1-114F-9BCB-96D7576A28B2}"/>
+                <a16:creationId xmlns="" xmlns:a16="http://schemas.microsoft.com/office/drawing/2014/main" id="{270DAD3F-5BD1-114F-9BCB-96D7576A28B2}"/>
               </a:ext>
             </a:extLst>
           </p:cNvPr>
@@ -20379,7 +20379,7 @@
           <p:cNvPr id="173" name="直线连接符 172">
             <a:extLst>
               <a:ext uri="{FF2B5EF4-FFF2-40B4-BE49-F238E27FC236}">
-                <a16:creationId xmlns:a16="http://schemas.microsoft.com/office/drawing/2014/main" xmlns="" id="{270DAD3F-5BD1-114F-9BCB-96D7576A28B2}"/>
+                <a16:creationId xmlns="" xmlns:a16="http://schemas.microsoft.com/office/drawing/2014/main" id="{270DAD3F-5BD1-114F-9BCB-96D7576A28B2}"/>
               </a:ext>
             </a:extLst>
           </p:cNvPr>
@@ -20424,7 +20424,7 @@
           <p:cNvPr id="175" name="直线连接符 174">
             <a:extLst>
               <a:ext uri="{FF2B5EF4-FFF2-40B4-BE49-F238E27FC236}">
-                <a16:creationId xmlns:a16="http://schemas.microsoft.com/office/drawing/2014/main" xmlns="" id="{270DAD3F-5BD1-114F-9BCB-96D7576A28B2}"/>
+                <a16:creationId xmlns="" xmlns:a16="http://schemas.microsoft.com/office/drawing/2014/main" id="{270DAD3F-5BD1-114F-9BCB-96D7576A28B2}"/>
               </a:ext>
             </a:extLst>
           </p:cNvPr>
@@ -20469,7 +20469,7 @@
           <p:cNvPr id="176" name="直线连接符 175">
             <a:extLst>
               <a:ext uri="{FF2B5EF4-FFF2-40B4-BE49-F238E27FC236}">
-                <a16:creationId xmlns:a16="http://schemas.microsoft.com/office/drawing/2014/main" xmlns="" id="{270DAD3F-5BD1-114F-9BCB-96D7576A28B2}"/>
+                <a16:creationId xmlns="" xmlns:a16="http://schemas.microsoft.com/office/drawing/2014/main" id="{270DAD3F-5BD1-114F-9BCB-96D7576A28B2}"/>
               </a:ext>
             </a:extLst>
           </p:cNvPr>
@@ -20514,7 +20514,7 @@
           <p:cNvPr id="184" name="文本框 183">
             <a:extLst>
               <a:ext uri="{FF2B5EF4-FFF2-40B4-BE49-F238E27FC236}">
-                <a16:creationId xmlns:a16="http://schemas.microsoft.com/office/drawing/2014/main" xmlns="" id="{0BD26BDE-C67E-6946-A6EF-445FF4963E5B}"/>
+                <a16:creationId xmlns="" xmlns:a16="http://schemas.microsoft.com/office/drawing/2014/main" id="{0BD26BDE-C67E-6946-A6EF-445FF4963E5B}"/>
               </a:ext>
             </a:extLst>
           </p:cNvPr>
@@ -20556,7 +20556,7 @@
           <p:cNvPr id="185" name="文本框 184">
             <a:extLst>
               <a:ext uri="{FF2B5EF4-FFF2-40B4-BE49-F238E27FC236}">
-                <a16:creationId xmlns:a16="http://schemas.microsoft.com/office/drawing/2014/main" xmlns="" id="{0BD26BDE-C67E-6946-A6EF-445FF4963E5B}"/>
+                <a16:creationId xmlns="" xmlns:a16="http://schemas.microsoft.com/office/drawing/2014/main" id="{0BD26BDE-C67E-6946-A6EF-445FF4963E5B}"/>
               </a:ext>
             </a:extLst>
           </p:cNvPr>
@@ -20598,7 +20598,7 @@
           <p:cNvPr id="186" name="文本框 185">
             <a:extLst>
               <a:ext uri="{FF2B5EF4-FFF2-40B4-BE49-F238E27FC236}">
-                <a16:creationId xmlns:a16="http://schemas.microsoft.com/office/drawing/2014/main" xmlns="" id="{0BD26BDE-C67E-6946-A6EF-445FF4963E5B}"/>
+                <a16:creationId xmlns="" xmlns:a16="http://schemas.microsoft.com/office/drawing/2014/main" id="{0BD26BDE-C67E-6946-A6EF-445FF4963E5B}"/>
               </a:ext>
             </a:extLst>
           </p:cNvPr>
@@ -20640,7 +20640,7 @@
           <p:cNvPr id="187" name="文本框 186">
             <a:extLst>
               <a:ext uri="{FF2B5EF4-FFF2-40B4-BE49-F238E27FC236}">
-                <a16:creationId xmlns:a16="http://schemas.microsoft.com/office/drawing/2014/main" xmlns="" id="{0BD26BDE-C67E-6946-A6EF-445FF4963E5B}"/>
+                <a16:creationId xmlns="" xmlns:a16="http://schemas.microsoft.com/office/drawing/2014/main" id="{0BD26BDE-C67E-6946-A6EF-445FF4963E5B}"/>
               </a:ext>
             </a:extLst>
           </p:cNvPr>
@@ -20682,7 +20682,7 @@
           <p:cNvPr id="188" name="文本框 187">
             <a:extLst>
               <a:ext uri="{FF2B5EF4-FFF2-40B4-BE49-F238E27FC236}">
-                <a16:creationId xmlns:a16="http://schemas.microsoft.com/office/drawing/2014/main" xmlns="" id="{0BD26BDE-C67E-6946-A6EF-445FF4963E5B}"/>
+                <a16:creationId xmlns="" xmlns:a16="http://schemas.microsoft.com/office/drawing/2014/main" id="{0BD26BDE-C67E-6946-A6EF-445FF4963E5B}"/>
               </a:ext>
             </a:extLst>
           </p:cNvPr>
@@ -20731,7 +20731,7 @@
           <p:cNvPr id="189" name="文本框 188">
             <a:extLst>
               <a:ext uri="{FF2B5EF4-FFF2-40B4-BE49-F238E27FC236}">
-                <a16:creationId xmlns:a16="http://schemas.microsoft.com/office/drawing/2014/main" xmlns="" id="{0BD26BDE-C67E-6946-A6EF-445FF4963E5B}"/>
+                <a16:creationId xmlns="" xmlns:a16="http://schemas.microsoft.com/office/drawing/2014/main" id="{0BD26BDE-C67E-6946-A6EF-445FF4963E5B}"/>
               </a:ext>
             </a:extLst>
           </p:cNvPr>
@@ -21029,7 +21029,7 @@
           <p:cNvPr id="2" name="标题 1">
             <a:extLst>
               <a:ext uri="{FF2B5EF4-FFF2-40B4-BE49-F238E27FC236}">
-                <a16:creationId xmlns:a16="http://schemas.microsoft.com/office/drawing/2014/main" xmlns="" id="{F0405D1C-A876-8341-918E-A5D66A83827F}"/>
+                <a16:creationId xmlns="" xmlns:a16="http://schemas.microsoft.com/office/drawing/2014/main" id="{F0405D1C-A876-8341-918E-A5D66A83827F}"/>
               </a:ext>
             </a:extLst>
           </p:cNvPr>
@@ -21064,7 +21064,7 @@
           <p:cNvPr id="3" name="内容占位符 2">
             <a:extLst>
               <a:ext uri="{FF2B5EF4-FFF2-40B4-BE49-F238E27FC236}">
-                <a16:creationId xmlns:a16="http://schemas.microsoft.com/office/drawing/2014/main" xmlns="" id="{18357220-3404-9543-B18A-654DBC2080C6}"/>
+                <a16:creationId xmlns="" xmlns:a16="http://schemas.microsoft.com/office/drawing/2014/main" id="{18357220-3404-9543-B18A-654DBC2080C6}"/>
               </a:ext>
             </a:extLst>
           </p:cNvPr>
@@ -21473,7 +21473,7 @@
           <p:cNvPr id="22" name="表格 21">
             <a:extLst>
               <a:ext uri="{FF2B5EF4-FFF2-40B4-BE49-F238E27FC236}">
-                <a16:creationId xmlns:a16="http://schemas.microsoft.com/office/drawing/2014/main" xmlns="" id="{BBD8331B-80DE-5E4F-9E00-43915192637C}"/>
+                <a16:creationId xmlns="" xmlns:a16="http://schemas.microsoft.com/office/drawing/2014/main" id="{BBD8331B-80DE-5E4F-9E00-43915192637C}"/>
               </a:ext>
             </a:extLst>
           </p:cNvPr>
@@ -21502,42 +21502,42 @@
                 <a:gridCol w="1016000">
                   <a:extLst>
                     <a:ext uri="{9D8B030D-6E8A-4147-A177-3AD203B41FA5}">
-                      <a16:colId xmlns:a16="http://schemas.microsoft.com/office/drawing/2014/main" xmlns="" val="2919921209"/>
+                      <a16:colId xmlns="" xmlns:a16="http://schemas.microsoft.com/office/drawing/2014/main" val="2919921209"/>
                     </a:ext>
                   </a:extLst>
                 </a:gridCol>
                 <a:gridCol w="1016000">
                   <a:extLst>
                     <a:ext uri="{9D8B030D-6E8A-4147-A177-3AD203B41FA5}">
-                      <a16:colId xmlns:a16="http://schemas.microsoft.com/office/drawing/2014/main" xmlns="" val="1274578498"/>
+                      <a16:colId xmlns="" xmlns:a16="http://schemas.microsoft.com/office/drawing/2014/main" val="1274578498"/>
                     </a:ext>
                   </a:extLst>
                 </a:gridCol>
                 <a:gridCol w="1016000">
                   <a:extLst>
                     <a:ext uri="{9D8B030D-6E8A-4147-A177-3AD203B41FA5}">
-                      <a16:colId xmlns:a16="http://schemas.microsoft.com/office/drawing/2014/main" xmlns="" val="2473859656"/>
+                      <a16:colId xmlns="" xmlns:a16="http://schemas.microsoft.com/office/drawing/2014/main" val="2473859656"/>
                     </a:ext>
                   </a:extLst>
                 </a:gridCol>
                 <a:gridCol w="1016000">
                   <a:extLst>
                     <a:ext uri="{9D8B030D-6E8A-4147-A177-3AD203B41FA5}">
-                      <a16:colId xmlns:a16="http://schemas.microsoft.com/office/drawing/2014/main" xmlns="" val="4017853280"/>
+                      <a16:colId xmlns="" xmlns:a16="http://schemas.microsoft.com/office/drawing/2014/main" val="4017853280"/>
                     </a:ext>
                   </a:extLst>
                 </a:gridCol>
                 <a:gridCol w="1016000">
                   <a:extLst>
                     <a:ext uri="{9D8B030D-6E8A-4147-A177-3AD203B41FA5}">
-                      <a16:colId xmlns:a16="http://schemas.microsoft.com/office/drawing/2014/main" xmlns="" val="4046979531"/>
+                      <a16:colId xmlns="" xmlns:a16="http://schemas.microsoft.com/office/drawing/2014/main" val="4046979531"/>
                     </a:ext>
                   </a:extLst>
                 </a:gridCol>
                 <a:gridCol w="1016000">
                   <a:extLst>
                     <a:ext uri="{9D8B030D-6E8A-4147-A177-3AD203B41FA5}">
-                      <a16:colId xmlns:a16="http://schemas.microsoft.com/office/drawing/2014/main" xmlns="" val="1236215947"/>
+                      <a16:colId xmlns="" xmlns:a16="http://schemas.microsoft.com/office/drawing/2014/main" val="1236215947"/>
                     </a:ext>
                   </a:extLst>
                 </a:gridCol>
@@ -21833,7 +21833,7 @@
                 </a:tc>
                 <a:extLst>
                   <a:ext uri="{0D108BD9-81ED-4DB2-BD59-A6C34878D82A}">
-                    <a16:rowId xmlns:a16="http://schemas.microsoft.com/office/drawing/2014/main" xmlns="" val="2866617908"/>
+                    <a16:rowId xmlns="" xmlns:a16="http://schemas.microsoft.com/office/drawing/2014/main" val="2866617908"/>
                   </a:ext>
                 </a:extLst>
               </a:tr>
@@ -21846,7 +21846,7 @@
           <p:cNvPr id="23" name="表格 22">
             <a:extLst>
               <a:ext uri="{FF2B5EF4-FFF2-40B4-BE49-F238E27FC236}">
-                <a16:creationId xmlns:a16="http://schemas.microsoft.com/office/drawing/2014/main" xmlns="" id="{BBD8331B-80DE-5E4F-9E00-43915192637C}"/>
+                <a16:creationId xmlns="" xmlns:a16="http://schemas.microsoft.com/office/drawing/2014/main" id="{BBD8331B-80DE-5E4F-9E00-43915192637C}"/>
               </a:ext>
             </a:extLst>
           </p:cNvPr>
@@ -21875,42 +21875,42 @@
                 <a:gridCol w="1016000">
                   <a:extLst>
                     <a:ext uri="{9D8B030D-6E8A-4147-A177-3AD203B41FA5}">
-                      <a16:colId xmlns:a16="http://schemas.microsoft.com/office/drawing/2014/main" xmlns="" val="2919921209"/>
+                      <a16:colId xmlns="" xmlns:a16="http://schemas.microsoft.com/office/drawing/2014/main" val="2919921209"/>
                     </a:ext>
                   </a:extLst>
                 </a:gridCol>
                 <a:gridCol w="1016000">
                   <a:extLst>
                     <a:ext uri="{9D8B030D-6E8A-4147-A177-3AD203B41FA5}">
-                      <a16:colId xmlns:a16="http://schemas.microsoft.com/office/drawing/2014/main" xmlns="" val="1274578498"/>
+                      <a16:colId xmlns="" xmlns:a16="http://schemas.microsoft.com/office/drawing/2014/main" val="1274578498"/>
                     </a:ext>
                   </a:extLst>
                 </a:gridCol>
                 <a:gridCol w="1016000">
                   <a:extLst>
                     <a:ext uri="{9D8B030D-6E8A-4147-A177-3AD203B41FA5}">
-                      <a16:colId xmlns:a16="http://schemas.microsoft.com/office/drawing/2014/main" xmlns="" val="2473859656"/>
+                      <a16:colId xmlns="" xmlns:a16="http://schemas.microsoft.com/office/drawing/2014/main" val="2473859656"/>
                     </a:ext>
                   </a:extLst>
                 </a:gridCol>
                 <a:gridCol w="1016000">
                   <a:extLst>
                     <a:ext uri="{9D8B030D-6E8A-4147-A177-3AD203B41FA5}">
-                      <a16:colId xmlns:a16="http://schemas.microsoft.com/office/drawing/2014/main" xmlns="" val="4017853280"/>
+                      <a16:colId xmlns="" xmlns:a16="http://schemas.microsoft.com/office/drawing/2014/main" val="4017853280"/>
                     </a:ext>
                   </a:extLst>
                 </a:gridCol>
                 <a:gridCol w="1016000">
                   <a:extLst>
                     <a:ext uri="{9D8B030D-6E8A-4147-A177-3AD203B41FA5}">
-                      <a16:colId xmlns:a16="http://schemas.microsoft.com/office/drawing/2014/main" xmlns="" val="4046979531"/>
+                      <a16:colId xmlns="" xmlns:a16="http://schemas.microsoft.com/office/drawing/2014/main" val="4046979531"/>
                     </a:ext>
                   </a:extLst>
                 </a:gridCol>
                 <a:gridCol w="1016000">
                   <a:extLst>
                     <a:ext uri="{9D8B030D-6E8A-4147-A177-3AD203B41FA5}">
-                      <a16:colId xmlns:a16="http://schemas.microsoft.com/office/drawing/2014/main" xmlns="" val="1236215947"/>
+                      <a16:colId xmlns="" xmlns:a16="http://schemas.microsoft.com/office/drawing/2014/main" val="1236215947"/>
                     </a:ext>
                   </a:extLst>
                 </a:gridCol>
@@ -22206,7 +22206,7 @@
                 </a:tc>
                 <a:extLst>
                   <a:ext uri="{0D108BD9-81ED-4DB2-BD59-A6C34878D82A}">
-                    <a16:rowId xmlns:a16="http://schemas.microsoft.com/office/drawing/2014/main" xmlns="" val="2866617908"/>
+                    <a16:rowId xmlns="" xmlns:a16="http://schemas.microsoft.com/office/drawing/2014/main" val="2866617908"/>
                   </a:ext>
                 </a:extLst>
               </a:tr>
@@ -23199,14 +23199,14 @@
                     <a:gridCol w="924791">
                       <a:extLst>
                         <a:ext uri="{9D8B030D-6E8A-4147-A177-3AD203B41FA5}">
-                          <a16:colId xmlns:a16="http://schemas.microsoft.com/office/drawing/2014/main" xmlns="" val="20000"/>
+                          <a16:colId xmlns="" xmlns:a16="http://schemas.microsoft.com/office/drawing/2014/main" val="20000"/>
                         </a:ext>
                       </a:extLst>
                     </a:gridCol>
                     <a:gridCol w="924791">
                       <a:extLst>
                         <a:ext uri="{9D8B030D-6E8A-4147-A177-3AD203B41FA5}">
-                          <a16:colId xmlns:a16="http://schemas.microsoft.com/office/drawing/2014/main" xmlns="" val="20001"/>
+                          <a16:colId xmlns="" xmlns:a16="http://schemas.microsoft.com/office/drawing/2014/main" val="20001"/>
                         </a:ext>
                       </a:extLst>
                     </a:gridCol>
@@ -23424,7 +23424,7 @@
                     </a:tc>
                     <a:extLst>
                       <a:ext uri="{0D108BD9-81ED-4DB2-BD59-A6C34878D82A}">
-                        <a16:rowId xmlns:a16="http://schemas.microsoft.com/office/drawing/2014/main" xmlns="" val="10000"/>
+                        <a16:rowId xmlns="" xmlns:a16="http://schemas.microsoft.com/office/drawing/2014/main" val="10000"/>
                       </a:ext>
                     </a:extLst>
                   </a:tr>
@@ -23600,14 +23600,14 @@
                     <a:gridCol w="897082">
                       <a:extLst>
                         <a:ext uri="{9D8B030D-6E8A-4147-A177-3AD203B41FA5}">
-                          <a16:colId xmlns:a16="http://schemas.microsoft.com/office/drawing/2014/main" xmlns="" val="20000"/>
+                          <a16:colId xmlns="" xmlns:a16="http://schemas.microsoft.com/office/drawing/2014/main" val="20000"/>
                         </a:ext>
                       </a:extLst>
                     </a:gridCol>
                     <a:gridCol w="897082">
                       <a:extLst>
                         <a:ext uri="{9D8B030D-6E8A-4147-A177-3AD203B41FA5}">
-                          <a16:colId xmlns:a16="http://schemas.microsoft.com/office/drawing/2014/main" xmlns="" val="20001"/>
+                          <a16:colId xmlns="" xmlns:a16="http://schemas.microsoft.com/office/drawing/2014/main" val="20001"/>
                         </a:ext>
                       </a:extLst>
                     </a:gridCol>
@@ -23825,7 +23825,7 @@
                     </a:tc>
                     <a:extLst>
                       <a:ext uri="{0D108BD9-81ED-4DB2-BD59-A6C34878D82A}">
-                        <a16:rowId xmlns:a16="http://schemas.microsoft.com/office/drawing/2014/main" xmlns="" val="10000"/>
+                        <a16:rowId xmlns="" xmlns:a16="http://schemas.microsoft.com/office/drawing/2014/main" val="10000"/>
                       </a:ext>
                     </a:extLst>
                   </a:tr>
@@ -24171,14 +24171,14 @@
                     <a:gridCol w="1253931">
                       <a:extLst>
                         <a:ext uri="{9D8B030D-6E8A-4147-A177-3AD203B41FA5}">
-                          <a16:colId xmlns:a16="http://schemas.microsoft.com/office/drawing/2014/main" xmlns="" val="20000"/>
+                          <a16:colId xmlns="" xmlns:a16="http://schemas.microsoft.com/office/drawing/2014/main" val="20000"/>
                         </a:ext>
                       </a:extLst>
                     </a:gridCol>
                     <a:gridCol w="1253931">
                       <a:extLst>
                         <a:ext uri="{9D8B030D-6E8A-4147-A177-3AD203B41FA5}">
-                          <a16:colId xmlns:a16="http://schemas.microsoft.com/office/drawing/2014/main" xmlns="" val="20001"/>
+                          <a16:colId xmlns="" xmlns:a16="http://schemas.microsoft.com/office/drawing/2014/main" val="20001"/>
                         </a:ext>
                       </a:extLst>
                     </a:gridCol>
@@ -24409,7 +24409,7 @@
                     </a:tc>
                     <a:extLst>
                       <a:ext uri="{0D108BD9-81ED-4DB2-BD59-A6C34878D82A}">
-                        <a16:rowId xmlns:a16="http://schemas.microsoft.com/office/drawing/2014/main" xmlns="" val="10000"/>
+                        <a16:rowId xmlns="" xmlns:a16="http://schemas.microsoft.com/office/drawing/2014/main" val="10000"/>
                       </a:ext>
                     </a:extLst>
                   </a:tr>
@@ -24960,7 +24960,7 @@
           <p:cNvPr id="21" name="圆角矩形 20">
             <a:extLst>
               <a:ext uri="{FF2B5EF4-FFF2-40B4-BE49-F238E27FC236}">
-                <a16:creationId xmlns:a16="http://schemas.microsoft.com/office/drawing/2014/main" xmlns="" id="{B9FD8BC4-88B1-FB49-A69E-4544EC25D7B0}"/>
+                <a16:creationId xmlns="" xmlns:a16="http://schemas.microsoft.com/office/drawing/2014/main" id="{B9FD8BC4-88B1-FB49-A69E-4544EC25D7B0}"/>
               </a:ext>
             </a:extLst>
           </p:cNvPr>
@@ -25012,7 +25012,7 @@
           <p:cNvPr id="23" name="标题 1">
             <a:extLst>
               <a:ext uri="{FF2B5EF4-FFF2-40B4-BE49-F238E27FC236}">
-                <a16:creationId xmlns:a16="http://schemas.microsoft.com/office/drawing/2014/main" xmlns="" id="{2A0A361E-C4E6-9746-8122-CEDEFDAF9301}"/>
+                <a16:creationId xmlns="" xmlns:a16="http://schemas.microsoft.com/office/drawing/2014/main" id="{2A0A361E-C4E6-9746-8122-CEDEFDAF9301}"/>
               </a:ext>
             </a:extLst>
           </p:cNvPr>
@@ -25073,7 +25073,7 @@
           <p:cNvPr id="24" name="圆角矩形 23">
             <a:extLst>
               <a:ext uri="{FF2B5EF4-FFF2-40B4-BE49-F238E27FC236}">
-                <a16:creationId xmlns:a16="http://schemas.microsoft.com/office/drawing/2014/main" xmlns="" id="{77450AF4-A8E6-5A41-9C23-F856999365C5}"/>
+                <a16:creationId xmlns="" xmlns:a16="http://schemas.microsoft.com/office/drawing/2014/main" id="{77450AF4-A8E6-5A41-9C23-F856999365C5}"/>
               </a:ext>
             </a:extLst>
           </p:cNvPr>
@@ -25125,7 +25125,7 @@
           <p:cNvPr id="31" name="标题 1">
             <a:extLst>
               <a:ext uri="{FF2B5EF4-FFF2-40B4-BE49-F238E27FC236}">
-                <a16:creationId xmlns:a16="http://schemas.microsoft.com/office/drawing/2014/main" xmlns="" id="{69219139-42A6-6746-9965-D1370EE1A1BD}"/>
+                <a16:creationId xmlns="" xmlns:a16="http://schemas.microsoft.com/office/drawing/2014/main" id="{69219139-42A6-6746-9965-D1370EE1A1BD}"/>
               </a:ext>
             </a:extLst>
           </p:cNvPr>
@@ -25186,7 +25186,7 @@
           <p:cNvPr id="8" name="表格 7">
             <a:extLst>
               <a:ext uri="{FF2B5EF4-FFF2-40B4-BE49-F238E27FC236}">
-                <a16:creationId xmlns:a16="http://schemas.microsoft.com/office/drawing/2014/main" xmlns="" id="{D97D9A0B-82F4-CE43-8692-7C6CD16DE3F7}"/>
+                <a16:creationId xmlns="" xmlns:a16="http://schemas.microsoft.com/office/drawing/2014/main" id="{D97D9A0B-82F4-CE43-8692-7C6CD16DE3F7}"/>
               </a:ext>
             </a:extLst>
           </p:cNvPr>
@@ -25215,56 +25215,56 @@
                 <a:gridCol w="1016000">
                   <a:extLst>
                     <a:ext uri="{9D8B030D-6E8A-4147-A177-3AD203B41FA5}">
-                      <a16:colId xmlns:a16="http://schemas.microsoft.com/office/drawing/2014/main" xmlns="" val="2919921209"/>
+                      <a16:colId xmlns="" xmlns:a16="http://schemas.microsoft.com/office/drawing/2014/main" val="2919921209"/>
                     </a:ext>
                   </a:extLst>
                 </a:gridCol>
                 <a:gridCol w="1016000">
                   <a:extLst>
                     <a:ext uri="{9D8B030D-6E8A-4147-A177-3AD203B41FA5}">
-                      <a16:colId xmlns:a16="http://schemas.microsoft.com/office/drawing/2014/main" xmlns="" val="1274578498"/>
+                      <a16:colId xmlns="" xmlns:a16="http://schemas.microsoft.com/office/drawing/2014/main" val="1274578498"/>
                     </a:ext>
                   </a:extLst>
                 </a:gridCol>
                 <a:gridCol w="1016000">
                   <a:extLst>
                     <a:ext uri="{9D8B030D-6E8A-4147-A177-3AD203B41FA5}">
-                      <a16:colId xmlns:a16="http://schemas.microsoft.com/office/drawing/2014/main" xmlns="" val="2473859656"/>
+                      <a16:colId xmlns="" xmlns:a16="http://schemas.microsoft.com/office/drawing/2014/main" val="2473859656"/>
                     </a:ext>
                   </a:extLst>
                 </a:gridCol>
                 <a:gridCol w="1016000">
                   <a:extLst>
                     <a:ext uri="{9D8B030D-6E8A-4147-A177-3AD203B41FA5}">
-                      <a16:colId xmlns:a16="http://schemas.microsoft.com/office/drawing/2014/main" xmlns="" val="4017853280"/>
+                      <a16:colId xmlns="" xmlns:a16="http://schemas.microsoft.com/office/drawing/2014/main" val="4017853280"/>
                     </a:ext>
                   </a:extLst>
                 </a:gridCol>
                 <a:gridCol w="1016000">
                   <a:extLst>
                     <a:ext uri="{9D8B030D-6E8A-4147-A177-3AD203B41FA5}">
-                      <a16:colId xmlns:a16="http://schemas.microsoft.com/office/drawing/2014/main" xmlns="" val="4046979531"/>
+                      <a16:colId xmlns="" xmlns:a16="http://schemas.microsoft.com/office/drawing/2014/main" val="4046979531"/>
                     </a:ext>
                   </a:extLst>
                 </a:gridCol>
                 <a:gridCol w="1016000">
                   <a:extLst>
                     <a:ext uri="{9D8B030D-6E8A-4147-A177-3AD203B41FA5}">
-                      <a16:colId xmlns:a16="http://schemas.microsoft.com/office/drawing/2014/main" xmlns="" val="1236215947"/>
+                      <a16:colId xmlns="" xmlns:a16="http://schemas.microsoft.com/office/drawing/2014/main" val="1236215947"/>
                     </a:ext>
                   </a:extLst>
                 </a:gridCol>
                 <a:gridCol w="1016000">
                   <a:extLst>
                     <a:ext uri="{9D8B030D-6E8A-4147-A177-3AD203B41FA5}">
-                      <a16:colId xmlns:a16="http://schemas.microsoft.com/office/drawing/2014/main" xmlns="" val="3358476489"/>
+                      <a16:colId xmlns="" xmlns:a16="http://schemas.microsoft.com/office/drawing/2014/main" val="3358476489"/>
                     </a:ext>
                   </a:extLst>
                 </a:gridCol>
                 <a:gridCol w="1016000">
                   <a:extLst>
                     <a:ext uri="{9D8B030D-6E8A-4147-A177-3AD203B41FA5}">
-                      <a16:colId xmlns:a16="http://schemas.microsoft.com/office/drawing/2014/main" xmlns="" val="1544053477"/>
+                      <a16:colId xmlns="" xmlns:a16="http://schemas.microsoft.com/office/drawing/2014/main" val="1544053477"/>
                     </a:ext>
                   </a:extLst>
                 </a:gridCol>
@@ -25724,7 +25724,7 @@
                 </a:tc>
                 <a:extLst>
                   <a:ext uri="{0D108BD9-81ED-4DB2-BD59-A6C34878D82A}">
-                    <a16:rowId xmlns:a16="http://schemas.microsoft.com/office/drawing/2014/main" xmlns="" val="2866617908"/>
+                    <a16:rowId xmlns="" xmlns:a16="http://schemas.microsoft.com/office/drawing/2014/main" val="2866617908"/>
                   </a:ext>
                 </a:extLst>
               </a:tr>
@@ -25737,7 +25737,7 @@
           <p:cNvPr id="9" name="表格 8">
             <a:extLst>
               <a:ext uri="{FF2B5EF4-FFF2-40B4-BE49-F238E27FC236}">
-                <a16:creationId xmlns:a16="http://schemas.microsoft.com/office/drawing/2014/main" xmlns="" id="{CD154DA2-9E3F-1944-8B7D-C27C34F8B532}"/>
+                <a16:creationId xmlns="" xmlns:a16="http://schemas.microsoft.com/office/drawing/2014/main" id="{CD154DA2-9E3F-1944-8B7D-C27C34F8B532}"/>
               </a:ext>
             </a:extLst>
           </p:cNvPr>
@@ -25766,56 +25766,56 @@
                 <a:gridCol w="1016000">
                   <a:extLst>
                     <a:ext uri="{9D8B030D-6E8A-4147-A177-3AD203B41FA5}">
-                      <a16:colId xmlns:a16="http://schemas.microsoft.com/office/drawing/2014/main" xmlns="" val="2919921209"/>
+                      <a16:colId xmlns="" xmlns:a16="http://schemas.microsoft.com/office/drawing/2014/main" val="2919921209"/>
                     </a:ext>
                   </a:extLst>
                 </a:gridCol>
                 <a:gridCol w="1016000">
                   <a:extLst>
                     <a:ext uri="{9D8B030D-6E8A-4147-A177-3AD203B41FA5}">
-                      <a16:colId xmlns:a16="http://schemas.microsoft.com/office/drawing/2014/main" xmlns="" val="1274578498"/>
+                      <a16:colId xmlns="" xmlns:a16="http://schemas.microsoft.com/office/drawing/2014/main" val="1274578498"/>
                     </a:ext>
                   </a:extLst>
                 </a:gridCol>
                 <a:gridCol w="1016000">
                   <a:extLst>
                     <a:ext uri="{9D8B030D-6E8A-4147-A177-3AD203B41FA5}">
-                      <a16:colId xmlns:a16="http://schemas.microsoft.com/office/drawing/2014/main" xmlns="" val="2473859656"/>
+                      <a16:colId xmlns="" xmlns:a16="http://schemas.microsoft.com/office/drawing/2014/main" val="2473859656"/>
                     </a:ext>
                   </a:extLst>
                 </a:gridCol>
                 <a:gridCol w="1016000">
                   <a:extLst>
                     <a:ext uri="{9D8B030D-6E8A-4147-A177-3AD203B41FA5}">
-                      <a16:colId xmlns:a16="http://schemas.microsoft.com/office/drawing/2014/main" xmlns="" val="4017853280"/>
+                      <a16:colId xmlns="" xmlns:a16="http://schemas.microsoft.com/office/drawing/2014/main" val="4017853280"/>
                     </a:ext>
                   </a:extLst>
                 </a:gridCol>
                 <a:gridCol w="1016000">
                   <a:extLst>
                     <a:ext uri="{9D8B030D-6E8A-4147-A177-3AD203B41FA5}">
-                      <a16:colId xmlns:a16="http://schemas.microsoft.com/office/drawing/2014/main" xmlns="" val="4046979531"/>
+                      <a16:colId xmlns="" xmlns:a16="http://schemas.microsoft.com/office/drawing/2014/main" val="4046979531"/>
                     </a:ext>
                   </a:extLst>
                 </a:gridCol>
                 <a:gridCol w="1016000">
                   <a:extLst>
                     <a:ext uri="{9D8B030D-6E8A-4147-A177-3AD203B41FA5}">
-                      <a16:colId xmlns:a16="http://schemas.microsoft.com/office/drawing/2014/main" xmlns="" val="1236215947"/>
+                      <a16:colId xmlns="" xmlns:a16="http://schemas.microsoft.com/office/drawing/2014/main" val="1236215947"/>
                     </a:ext>
                   </a:extLst>
                 </a:gridCol>
                 <a:gridCol w="1016000">
                   <a:extLst>
                     <a:ext uri="{9D8B030D-6E8A-4147-A177-3AD203B41FA5}">
-                      <a16:colId xmlns:a16="http://schemas.microsoft.com/office/drawing/2014/main" xmlns="" val="3358476489"/>
+                      <a16:colId xmlns="" xmlns:a16="http://schemas.microsoft.com/office/drawing/2014/main" val="3358476489"/>
                     </a:ext>
                   </a:extLst>
                 </a:gridCol>
                 <a:gridCol w="1016000">
                   <a:extLst>
                     <a:ext uri="{9D8B030D-6E8A-4147-A177-3AD203B41FA5}">
-                      <a16:colId xmlns:a16="http://schemas.microsoft.com/office/drawing/2014/main" xmlns="" val="1544053477"/>
+                      <a16:colId xmlns="" xmlns:a16="http://schemas.microsoft.com/office/drawing/2014/main" val="1544053477"/>
                     </a:ext>
                   </a:extLst>
                 </a:gridCol>
@@ -26265,7 +26265,7 @@
                 </a:tc>
                 <a:extLst>
                   <a:ext uri="{0D108BD9-81ED-4DB2-BD59-A6C34878D82A}">
-                    <a16:rowId xmlns:a16="http://schemas.microsoft.com/office/drawing/2014/main" xmlns="" val="2866617908"/>
+                    <a16:rowId xmlns="" xmlns:a16="http://schemas.microsoft.com/office/drawing/2014/main" val="2866617908"/>
                   </a:ext>
                 </a:extLst>
               </a:tr>
@@ -26278,7 +26278,7 @@
           <p:cNvPr id="10" name="表格 9">
             <a:extLst>
               <a:ext uri="{FF2B5EF4-FFF2-40B4-BE49-F238E27FC236}">
-                <a16:creationId xmlns:a16="http://schemas.microsoft.com/office/drawing/2014/main" xmlns="" id="{A7DF6C73-A4D2-EA48-9F10-4EB820276082}"/>
+                <a16:creationId xmlns="" xmlns:a16="http://schemas.microsoft.com/office/drawing/2014/main" id="{A7DF6C73-A4D2-EA48-9F10-4EB820276082}"/>
               </a:ext>
             </a:extLst>
           </p:cNvPr>
@@ -26307,56 +26307,56 @@
                 <a:gridCol w="1016000">
                   <a:extLst>
                     <a:ext uri="{9D8B030D-6E8A-4147-A177-3AD203B41FA5}">
-                      <a16:colId xmlns:a16="http://schemas.microsoft.com/office/drawing/2014/main" xmlns="" val="2919921209"/>
+                      <a16:colId xmlns="" xmlns:a16="http://schemas.microsoft.com/office/drawing/2014/main" val="2919921209"/>
                     </a:ext>
                   </a:extLst>
                 </a:gridCol>
                 <a:gridCol w="1016000">
                   <a:extLst>
                     <a:ext uri="{9D8B030D-6E8A-4147-A177-3AD203B41FA5}">
-                      <a16:colId xmlns:a16="http://schemas.microsoft.com/office/drawing/2014/main" xmlns="" val="1274578498"/>
+                      <a16:colId xmlns="" xmlns:a16="http://schemas.microsoft.com/office/drawing/2014/main" val="1274578498"/>
                     </a:ext>
                   </a:extLst>
                 </a:gridCol>
                 <a:gridCol w="1016000">
                   <a:extLst>
                     <a:ext uri="{9D8B030D-6E8A-4147-A177-3AD203B41FA5}">
-                      <a16:colId xmlns:a16="http://schemas.microsoft.com/office/drawing/2014/main" xmlns="" val="2473859656"/>
+                      <a16:colId xmlns="" xmlns:a16="http://schemas.microsoft.com/office/drawing/2014/main" val="2473859656"/>
                     </a:ext>
                   </a:extLst>
                 </a:gridCol>
                 <a:gridCol w="1016000">
                   <a:extLst>
                     <a:ext uri="{9D8B030D-6E8A-4147-A177-3AD203B41FA5}">
-                      <a16:colId xmlns:a16="http://schemas.microsoft.com/office/drawing/2014/main" xmlns="" val="4017853280"/>
+                      <a16:colId xmlns="" xmlns:a16="http://schemas.microsoft.com/office/drawing/2014/main" val="4017853280"/>
                     </a:ext>
                   </a:extLst>
                 </a:gridCol>
                 <a:gridCol w="1016000">
                   <a:extLst>
                     <a:ext uri="{9D8B030D-6E8A-4147-A177-3AD203B41FA5}">
-                      <a16:colId xmlns:a16="http://schemas.microsoft.com/office/drawing/2014/main" xmlns="" val="4046979531"/>
+                      <a16:colId xmlns="" xmlns:a16="http://schemas.microsoft.com/office/drawing/2014/main" val="4046979531"/>
                     </a:ext>
                   </a:extLst>
                 </a:gridCol>
                 <a:gridCol w="1016000">
                   <a:extLst>
                     <a:ext uri="{9D8B030D-6E8A-4147-A177-3AD203B41FA5}">
-                      <a16:colId xmlns:a16="http://schemas.microsoft.com/office/drawing/2014/main" xmlns="" val="1236215947"/>
+                      <a16:colId xmlns="" xmlns:a16="http://schemas.microsoft.com/office/drawing/2014/main" val="1236215947"/>
                     </a:ext>
                   </a:extLst>
                 </a:gridCol>
                 <a:gridCol w="1016000">
                   <a:extLst>
                     <a:ext uri="{9D8B030D-6E8A-4147-A177-3AD203B41FA5}">
-                      <a16:colId xmlns:a16="http://schemas.microsoft.com/office/drawing/2014/main" xmlns="" val="3358476489"/>
+                      <a16:colId xmlns="" xmlns:a16="http://schemas.microsoft.com/office/drawing/2014/main" val="3358476489"/>
                     </a:ext>
                   </a:extLst>
                 </a:gridCol>
                 <a:gridCol w="1016000">
                   <a:extLst>
                     <a:ext uri="{9D8B030D-6E8A-4147-A177-3AD203B41FA5}">
-                      <a16:colId xmlns:a16="http://schemas.microsoft.com/office/drawing/2014/main" xmlns="" val="1544053477"/>
+                      <a16:colId xmlns="" xmlns:a16="http://schemas.microsoft.com/office/drawing/2014/main" val="1544053477"/>
                     </a:ext>
                   </a:extLst>
                 </a:gridCol>
@@ -26806,7 +26806,7 @@
                 </a:tc>
                 <a:extLst>
                   <a:ext uri="{0D108BD9-81ED-4DB2-BD59-A6C34878D82A}">
-                    <a16:rowId xmlns:a16="http://schemas.microsoft.com/office/drawing/2014/main" xmlns="" val="2866617908"/>
+                    <a16:rowId xmlns="" xmlns:a16="http://schemas.microsoft.com/office/drawing/2014/main" val="2866617908"/>
                   </a:ext>
                 </a:extLst>
               </a:tr>
@@ -26849,7 +26849,7 @@
           <p:cNvPr id="2" name="标题 1">
             <a:extLst>
               <a:ext uri="{FF2B5EF4-FFF2-40B4-BE49-F238E27FC236}">
-                <a16:creationId xmlns:a16="http://schemas.microsoft.com/office/drawing/2014/main" xmlns="" id="{F0405D1C-A876-8341-918E-A5D66A83827F}"/>
+                <a16:creationId xmlns="" xmlns:a16="http://schemas.microsoft.com/office/drawing/2014/main" id="{F0405D1C-A876-8341-918E-A5D66A83827F}"/>
               </a:ext>
             </a:extLst>
           </p:cNvPr>
@@ -26884,7 +26884,7 @@
           <p:cNvPr id="3" name="内容占位符 2">
             <a:extLst>
               <a:ext uri="{FF2B5EF4-FFF2-40B4-BE49-F238E27FC236}">
-                <a16:creationId xmlns:a16="http://schemas.microsoft.com/office/drawing/2014/main" xmlns="" id="{18357220-3404-9543-B18A-654DBC2080C6}"/>
+                <a16:creationId xmlns="" xmlns:a16="http://schemas.microsoft.com/office/drawing/2014/main" id="{18357220-3404-9543-B18A-654DBC2080C6}"/>
               </a:ext>
             </a:extLst>
           </p:cNvPr>
@@ -26997,7 +26997,7 @@
           <p:cNvPr id="2" name="标题 1">
             <a:extLst>
               <a:ext uri="{FF2B5EF4-FFF2-40B4-BE49-F238E27FC236}">
-                <a16:creationId xmlns:a16="http://schemas.microsoft.com/office/drawing/2014/main" xmlns="" id="{F0405D1C-A876-8341-918E-A5D66A83827F}"/>
+                <a16:creationId xmlns="" xmlns:a16="http://schemas.microsoft.com/office/drawing/2014/main" id="{F0405D1C-A876-8341-918E-A5D66A83827F}"/>
               </a:ext>
             </a:extLst>
           </p:cNvPr>
@@ -27608,7 +27608,7 @@
           <p:cNvPr id="2" name="标题 1">
             <a:extLst>
               <a:ext uri="{FF2B5EF4-FFF2-40B4-BE49-F238E27FC236}">
-                <a16:creationId xmlns:a16="http://schemas.microsoft.com/office/drawing/2014/main" xmlns="" id="{F0405D1C-A876-8341-918E-A5D66A83827F}"/>
+                <a16:creationId xmlns="" xmlns:a16="http://schemas.microsoft.com/office/drawing/2014/main" id="{F0405D1C-A876-8341-918E-A5D66A83827F}"/>
               </a:ext>
             </a:extLst>
           </p:cNvPr>
@@ -27643,7 +27643,7 @@
           <p:cNvPr id="3" name="内容占位符 2">
             <a:extLst>
               <a:ext uri="{FF2B5EF4-FFF2-40B4-BE49-F238E27FC236}">
-                <a16:creationId xmlns:a16="http://schemas.microsoft.com/office/drawing/2014/main" xmlns="" id="{18357220-3404-9543-B18A-654DBC2080C6}"/>
+                <a16:creationId xmlns="" xmlns:a16="http://schemas.microsoft.com/office/drawing/2014/main" id="{18357220-3404-9543-B18A-654DBC2080C6}"/>
               </a:ext>
             </a:extLst>
           </p:cNvPr>
@@ -27742,7 +27742,7 @@
           <p:cNvPr id="2" name="标题 1">
             <a:extLst>
               <a:ext uri="{FF2B5EF4-FFF2-40B4-BE49-F238E27FC236}">
-                <a16:creationId xmlns:a16="http://schemas.microsoft.com/office/drawing/2014/main" xmlns="" id="{F0405D1C-A876-8341-918E-A5D66A83827F}"/>
+                <a16:creationId xmlns="" xmlns:a16="http://schemas.microsoft.com/office/drawing/2014/main" id="{F0405D1C-A876-8341-918E-A5D66A83827F}"/>
               </a:ext>
             </a:extLst>
           </p:cNvPr>
@@ -27777,7 +27777,7 @@
           <p:cNvPr id="3" name="内容占位符 2">
             <a:extLst>
               <a:ext uri="{FF2B5EF4-FFF2-40B4-BE49-F238E27FC236}">
-                <a16:creationId xmlns:a16="http://schemas.microsoft.com/office/drawing/2014/main" xmlns="" id="{18357220-3404-9543-B18A-654DBC2080C6}"/>
+                <a16:creationId xmlns="" xmlns:a16="http://schemas.microsoft.com/office/drawing/2014/main" id="{18357220-3404-9543-B18A-654DBC2080C6}"/>
               </a:ext>
             </a:extLst>
           </p:cNvPr>
@@ -27851,7 +27851,7 @@
           <p:cNvPr id="2" name="标题 1">
             <a:extLst>
               <a:ext uri="{FF2B5EF4-FFF2-40B4-BE49-F238E27FC236}">
-                <a16:creationId xmlns:a16="http://schemas.microsoft.com/office/drawing/2014/main" xmlns="" id="{6BD3BC95-97FB-854B-BC45-4D2B05ECEC9F}"/>
+                <a16:creationId xmlns="" xmlns:a16="http://schemas.microsoft.com/office/drawing/2014/main" id="{6BD3BC95-97FB-854B-BC45-4D2B05ECEC9F}"/>
               </a:ext>
             </a:extLst>
           </p:cNvPr>
@@ -27886,7 +27886,7 @@
           <p:cNvPr id="35" name="椭圆 34">
             <a:extLst>
               <a:ext uri="{FF2B5EF4-FFF2-40B4-BE49-F238E27FC236}">
-                <a16:creationId xmlns:a16="http://schemas.microsoft.com/office/drawing/2014/main" xmlns="" id="{FE177A80-294D-D74F-9193-54F0F6931790}"/>
+                <a16:creationId xmlns="" xmlns:a16="http://schemas.microsoft.com/office/drawing/2014/main" id="{FE177A80-294D-D74F-9193-54F0F6931790}"/>
               </a:ext>
             </a:extLst>
           </p:cNvPr>
@@ -27932,7 +27932,7 @@
           <p:cNvPr id="36" name="椭圆 35">
             <a:extLst>
               <a:ext uri="{FF2B5EF4-FFF2-40B4-BE49-F238E27FC236}">
-                <a16:creationId xmlns:a16="http://schemas.microsoft.com/office/drawing/2014/main" xmlns="" id="{BC6EE5D6-B812-5A44-8E2E-0D340A99F527}"/>
+                <a16:creationId xmlns="" xmlns:a16="http://schemas.microsoft.com/office/drawing/2014/main" id="{BC6EE5D6-B812-5A44-8E2E-0D340A99F527}"/>
               </a:ext>
             </a:extLst>
           </p:cNvPr>
@@ -27981,7 +27981,7 @@
           <p:cNvPr id="70" name="矩形 69">
             <a:extLst>
               <a:ext uri="{FF2B5EF4-FFF2-40B4-BE49-F238E27FC236}">
-                <a16:creationId xmlns:a16="http://schemas.microsoft.com/office/drawing/2014/main" xmlns="" id="{76DC12EF-3E78-4744-B092-2511D4394ED4}"/>
+                <a16:creationId xmlns="" xmlns:a16="http://schemas.microsoft.com/office/drawing/2014/main" id="{76DC12EF-3E78-4744-B092-2511D4394ED4}"/>
               </a:ext>
             </a:extLst>
           </p:cNvPr>
@@ -28027,7 +28027,7 @@
           <p:cNvPr id="71" name="矩形 70">
             <a:extLst>
               <a:ext uri="{FF2B5EF4-FFF2-40B4-BE49-F238E27FC236}">
-                <a16:creationId xmlns:a16="http://schemas.microsoft.com/office/drawing/2014/main" xmlns="" id="{1CBCA22F-4911-4144-B568-385765FDD372}"/>
+                <a16:creationId xmlns="" xmlns:a16="http://schemas.microsoft.com/office/drawing/2014/main" id="{1CBCA22F-4911-4144-B568-385765FDD372}"/>
               </a:ext>
             </a:extLst>
           </p:cNvPr>
@@ -28073,7 +28073,7 @@
           <p:cNvPr id="72" name="椭圆 71">
             <a:extLst>
               <a:ext uri="{FF2B5EF4-FFF2-40B4-BE49-F238E27FC236}">
-                <a16:creationId xmlns:a16="http://schemas.microsoft.com/office/drawing/2014/main" xmlns="" id="{CD70E9C7-E090-FC47-B17E-B628E54D05FA}"/>
+                <a16:creationId xmlns="" xmlns:a16="http://schemas.microsoft.com/office/drawing/2014/main" id="{CD70E9C7-E090-FC47-B17E-B628E54D05FA}"/>
               </a:ext>
             </a:extLst>
           </p:cNvPr>
@@ -28119,7 +28119,7 @@
           <p:cNvPr id="73" name="直线连接符 72">
             <a:extLst>
               <a:ext uri="{FF2B5EF4-FFF2-40B4-BE49-F238E27FC236}">
-                <a16:creationId xmlns:a16="http://schemas.microsoft.com/office/drawing/2014/main" xmlns="" id="{8F3893D3-96CB-E14C-B718-FF139035D674}"/>
+                <a16:creationId xmlns="" xmlns:a16="http://schemas.microsoft.com/office/drawing/2014/main" id="{8F3893D3-96CB-E14C-B718-FF139035D674}"/>
               </a:ext>
             </a:extLst>
           </p:cNvPr>
@@ -28164,7 +28164,7 @@
           <p:cNvPr id="74" name="直线连接符 73">
             <a:extLst>
               <a:ext uri="{FF2B5EF4-FFF2-40B4-BE49-F238E27FC236}">
-                <a16:creationId xmlns:a16="http://schemas.microsoft.com/office/drawing/2014/main" xmlns="" id="{0FAEEE3F-00C1-C94A-97FA-CE21D40B8CB7}"/>
+                <a16:creationId xmlns="" xmlns:a16="http://schemas.microsoft.com/office/drawing/2014/main" id="{0FAEEE3F-00C1-C94A-97FA-CE21D40B8CB7}"/>
               </a:ext>
             </a:extLst>
           </p:cNvPr>
@@ -28209,7 +28209,7 @@
           <p:cNvPr id="75" name="矩形 74">
             <a:extLst>
               <a:ext uri="{FF2B5EF4-FFF2-40B4-BE49-F238E27FC236}">
-                <a16:creationId xmlns:a16="http://schemas.microsoft.com/office/drawing/2014/main" xmlns="" id="{E75CA6BA-015B-014E-AB8A-35BF63F8E901}"/>
+                <a16:creationId xmlns="" xmlns:a16="http://schemas.microsoft.com/office/drawing/2014/main" id="{E75CA6BA-015B-014E-AB8A-35BF63F8E901}"/>
               </a:ext>
             </a:extLst>
           </p:cNvPr>
@@ -28255,7 +28255,7 @@
           <p:cNvPr id="76" name="矩形 75">
             <a:extLst>
               <a:ext uri="{FF2B5EF4-FFF2-40B4-BE49-F238E27FC236}">
-                <a16:creationId xmlns:a16="http://schemas.microsoft.com/office/drawing/2014/main" xmlns="" id="{51D6FEDD-A53E-A24B-BE7E-092955A49847}"/>
+                <a16:creationId xmlns="" xmlns:a16="http://schemas.microsoft.com/office/drawing/2014/main" id="{51D6FEDD-A53E-A24B-BE7E-092955A49847}"/>
               </a:ext>
             </a:extLst>
           </p:cNvPr>
@@ -28301,7 +28301,7 @@
           <p:cNvPr id="77" name="椭圆 76">
             <a:extLst>
               <a:ext uri="{FF2B5EF4-FFF2-40B4-BE49-F238E27FC236}">
-                <a16:creationId xmlns:a16="http://schemas.microsoft.com/office/drawing/2014/main" xmlns="" id="{28C8ED9E-0A7A-F143-9504-88BA23264A68}"/>
+                <a16:creationId xmlns="" xmlns:a16="http://schemas.microsoft.com/office/drawing/2014/main" id="{28C8ED9E-0A7A-F143-9504-88BA23264A68}"/>
               </a:ext>
             </a:extLst>
           </p:cNvPr>
@@ -28347,7 +28347,7 @@
           <p:cNvPr id="78" name="直线连接符 77">
             <a:extLst>
               <a:ext uri="{FF2B5EF4-FFF2-40B4-BE49-F238E27FC236}">
-                <a16:creationId xmlns:a16="http://schemas.microsoft.com/office/drawing/2014/main" xmlns="" id="{D7C680DE-E525-3D4F-B145-B7C61368168A}"/>
+                <a16:creationId xmlns="" xmlns:a16="http://schemas.microsoft.com/office/drawing/2014/main" id="{D7C680DE-E525-3D4F-B145-B7C61368168A}"/>
               </a:ext>
             </a:extLst>
           </p:cNvPr>
@@ -28392,7 +28392,7 @@
           <p:cNvPr id="79" name="直线连接符 78">
             <a:extLst>
               <a:ext uri="{FF2B5EF4-FFF2-40B4-BE49-F238E27FC236}">
-                <a16:creationId xmlns:a16="http://schemas.microsoft.com/office/drawing/2014/main" xmlns="" id="{52E496C5-2194-5540-8B69-4A614CB2C695}"/>
+                <a16:creationId xmlns="" xmlns:a16="http://schemas.microsoft.com/office/drawing/2014/main" id="{52E496C5-2194-5540-8B69-4A614CB2C695}"/>
               </a:ext>
             </a:extLst>
           </p:cNvPr>
@@ -28437,7 +28437,7 @@
           <p:cNvPr id="80" name="直线连接符 79">
             <a:extLst>
               <a:ext uri="{FF2B5EF4-FFF2-40B4-BE49-F238E27FC236}">
-                <a16:creationId xmlns:a16="http://schemas.microsoft.com/office/drawing/2014/main" xmlns="" id="{B2F72FF8-CB71-9440-8AB4-9B899631BE0A}"/>
+                <a16:creationId xmlns="" xmlns:a16="http://schemas.microsoft.com/office/drawing/2014/main" id="{B2F72FF8-CB71-9440-8AB4-9B899631BE0A}"/>
               </a:ext>
             </a:extLst>
           </p:cNvPr>
@@ -28482,7 +28482,7 @@
           <p:cNvPr id="83" name="直线连接符 82">
             <a:extLst>
               <a:ext uri="{FF2B5EF4-FFF2-40B4-BE49-F238E27FC236}">
-                <a16:creationId xmlns:a16="http://schemas.microsoft.com/office/drawing/2014/main" xmlns="" id="{CB8ECDB2-18F6-ED40-BF29-0E4204300FF1}"/>
+                <a16:creationId xmlns="" xmlns:a16="http://schemas.microsoft.com/office/drawing/2014/main" id="{CB8ECDB2-18F6-ED40-BF29-0E4204300FF1}"/>
               </a:ext>
             </a:extLst>
           </p:cNvPr>
@@ -28527,7 +28527,7 @@
           <p:cNvPr id="86" name="椭圆 85">
             <a:extLst>
               <a:ext uri="{FF2B5EF4-FFF2-40B4-BE49-F238E27FC236}">
-                <a16:creationId xmlns:a16="http://schemas.microsoft.com/office/drawing/2014/main" xmlns="" id="{D1E67824-653C-E74B-968D-3A3D0E990C80}"/>
+                <a16:creationId xmlns="" xmlns:a16="http://schemas.microsoft.com/office/drawing/2014/main" id="{D1E67824-653C-E74B-968D-3A3D0E990C80}"/>
               </a:ext>
             </a:extLst>
           </p:cNvPr>
@@ -28576,7 +28576,7 @@
           <p:cNvPr id="87" name="矩形 86">
             <a:extLst>
               <a:ext uri="{FF2B5EF4-FFF2-40B4-BE49-F238E27FC236}">
-                <a16:creationId xmlns:a16="http://schemas.microsoft.com/office/drawing/2014/main" xmlns="" id="{CE639E0C-5CED-7845-B8E2-188D7E851CD1}"/>
+                <a16:creationId xmlns="" xmlns:a16="http://schemas.microsoft.com/office/drawing/2014/main" id="{CE639E0C-5CED-7845-B8E2-188D7E851CD1}"/>
               </a:ext>
             </a:extLst>
           </p:cNvPr>
@@ -28630,7 +28630,7 @@
           <p:cNvPr id="88" name="矩形 87">
             <a:extLst>
               <a:ext uri="{FF2B5EF4-FFF2-40B4-BE49-F238E27FC236}">
-                <a16:creationId xmlns:a16="http://schemas.microsoft.com/office/drawing/2014/main" xmlns="" id="{ED911405-A61F-AF48-87AF-11B13D5DAF38}"/>
+                <a16:creationId xmlns="" xmlns:a16="http://schemas.microsoft.com/office/drawing/2014/main" id="{ED911405-A61F-AF48-87AF-11B13D5DAF38}"/>
               </a:ext>
             </a:extLst>
           </p:cNvPr>
@@ -28676,7 +28676,7 @@
           <p:cNvPr id="89" name="椭圆 88">
             <a:extLst>
               <a:ext uri="{FF2B5EF4-FFF2-40B4-BE49-F238E27FC236}">
-                <a16:creationId xmlns:a16="http://schemas.microsoft.com/office/drawing/2014/main" xmlns="" id="{451C4244-70E6-4542-8B8C-950146583A1D}"/>
+                <a16:creationId xmlns="" xmlns:a16="http://schemas.microsoft.com/office/drawing/2014/main" id="{451C4244-70E6-4542-8B8C-950146583A1D}"/>
               </a:ext>
             </a:extLst>
           </p:cNvPr>
@@ -28725,7 +28725,7 @@
           <p:cNvPr id="90" name="直线连接符 89">
             <a:extLst>
               <a:ext uri="{FF2B5EF4-FFF2-40B4-BE49-F238E27FC236}">
-                <a16:creationId xmlns:a16="http://schemas.microsoft.com/office/drawing/2014/main" xmlns="" id="{D8A0E0E2-635A-C94E-AED8-A6524FE9CF46}"/>
+                <a16:creationId xmlns="" xmlns:a16="http://schemas.microsoft.com/office/drawing/2014/main" id="{D8A0E0E2-635A-C94E-AED8-A6524FE9CF46}"/>
               </a:ext>
             </a:extLst>
           </p:cNvPr>
@@ -28770,7 +28770,7 @@
           <p:cNvPr id="91" name="直线连接符 90">
             <a:extLst>
               <a:ext uri="{FF2B5EF4-FFF2-40B4-BE49-F238E27FC236}">
-                <a16:creationId xmlns:a16="http://schemas.microsoft.com/office/drawing/2014/main" xmlns="" id="{91DCF7F9-7067-4742-AAE9-5541B02DA910}"/>
+                <a16:creationId xmlns="" xmlns:a16="http://schemas.microsoft.com/office/drawing/2014/main" id="{91DCF7F9-7067-4742-AAE9-5541B02DA910}"/>
               </a:ext>
             </a:extLst>
           </p:cNvPr>
@@ -28815,7 +28815,7 @@
           <p:cNvPr id="92" name="矩形 91">
             <a:extLst>
               <a:ext uri="{FF2B5EF4-FFF2-40B4-BE49-F238E27FC236}">
-                <a16:creationId xmlns:a16="http://schemas.microsoft.com/office/drawing/2014/main" xmlns="" id="{60E7D525-D61D-134B-B62D-5B76DDCC14F5}"/>
+                <a16:creationId xmlns="" xmlns:a16="http://schemas.microsoft.com/office/drawing/2014/main" id="{60E7D525-D61D-134B-B62D-5B76DDCC14F5}"/>
               </a:ext>
             </a:extLst>
           </p:cNvPr>
@@ -28861,7 +28861,7 @@
           <p:cNvPr id="93" name="矩形 92">
             <a:extLst>
               <a:ext uri="{FF2B5EF4-FFF2-40B4-BE49-F238E27FC236}">
-                <a16:creationId xmlns:a16="http://schemas.microsoft.com/office/drawing/2014/main" xmlns="" id="{A8800A96-5B4C-5445-B173-27E1FC332247}"/>
+                <a16:creationId xmlns="" xmlns:a16="http://schemas.microsoft.com/office/drawing/2014/main" id="{A8800A96-5B4C-5445-B173-27E1FC332247}"/>
               </a:ext>
             </a:extLst>
           </p:cNvPr>
@@ -28907,7 +28907,7 @@
           <p:cNvPr id="94" name="椭圆 93">
             <a:extLst>
               <a:ext uri="{FF2B5EF4-FFF2-40B4-BE49-F238E27FC236}">
-                <a16:creationId xmlns:a16="http://schemas.microsoft.com/office/drawing/2014/main" xmlns="" id="{EB4A5D39-59E0-BC46-A35D-1B10808219D4}"/>
+                <a16:creationId xmlns="" xmlns:a16="http://schemas.microsoft.com/office/drawing/2014/main" id="{EB4A5D39-59E0-BC46-A35D-1B10808219D4}"/>
               </a:ext>
             </a:extLst>
           </p:cNvPr>
@@ -28953,7 +28953,7 @@
           <p:cNvPr id="95" name="直线连接符 94">
             <a:extLst>
               <a:ext uri="{FF2B5EF4-FFF2-40B4-BE49-F238E27FC236}">
-                <a16:creationId xmlns:a16="http://schemas.microsoft.com/office/drawing/2014/main" xmlns="" id="{5A6A792C-A19D-8D40-B56B-9279B5CE0D85}"/>
+                <a16:creationId xmlns="" xmlns:a16="http://schemas.microsoft.com/office/drawing/2014/main" id="{5A6A792C-A19D-8D40-B56B-9279B5CE0D85}"/>
               </a:ext>
             </a:extLst>
           </p:cNvPr>
@@ -28998,7 +28998,7 @@
           <p:cNvPr id="96" name="直线连接符 95">
             <a:extLst>
               <a:ext uri="{FF2B5EF4-FFF2-40B4-BE49-F238E27FC236}">
-                <a16:creationId xmlns:a16="http://schemas.microsoft.com/office/drawing/2014/main" xmlns="" id="{D5A10680-6902-4244-B81A-7EBDAED0CFDF}"/>
+                <a16:creationId xmlns="" xmlns:a16="http://schemas.microsoft.com/office/drawing/2014/main" id="{D5A10680-6902-4244-B81A-7EBDAED0CFDF}"/>
               </a:ext>
             </a:extLst>
           </p:cNvPr>
@@ -29043,7 +29043,7 @@
           <p:cNvPr id="97" name="直线连接符 96">
             <a:extLst>
               <a:ext uri="{FF2B5EF4-FFF2-40B4-BE49-F238E27FC236}">
-                <a16:creationId xmlns:a16="http://schemas.microsoft.com/office/drawing/2014/main" xmlns="" id="{4C7B2CBB-05F8-1C48-BB82-81EFD7C255EE}"/>
+                <a16:creationId xmlns="" xmlns:a16="http://schemas.microsoft.com/office/drawing/2014/main" id="{4C7B2CBB-05F8-1C48-BB82-81EFD7C255EE}"/>
               </a:ext>
             </a:extLst>
           </p:cNvPr>
@@ -29088,7 +29088,7 @@
           <p:cNvPr id="98" name="直线连接符 97">
             <a:extLst>
               <a:ext uri="{FF2B5EF4-FFF2-40B4-BE49-F238E27FC236}">
-                <a16:creationId xmlns:a16="http://schemas.microsoft.com/office/drawing/2014/main" xmlns="" id="{BCCCD3ED-50F1-7A49-8FF2-C0393660C362}"/>
+                <a16:creationId xmlns="" xmlns:a16="http://schemas.microsoft.com/office/drawing/2014/main" id="{BCCCD3ED-50F1-7A49-8FF2-C0393660C362}"/>
               </a:ext>
             </a:extLst>
           </p:cNvPr>
@@ -29133,7 +29133,7 @@
           <p:cNvPr id="99" name="直线连接符 98">
             <a:extLst>
               <a:ext uri="{FF2B5EF4-FFF2-40B4-BE49-F238E27FC236}">
-                <a16:creationId xmlns:a16="http://schemas.microsoft.com/office/drawing/2014/main" xmlns="" id="{54CA5F68-92C8-D245-B66B-0A8135500154}"/>
+                <a16:creationId xmlns="" xmlns:a16="http://schemas.microsoft.com/office/drawing/2014/main" id="{54CA5F68-92C8-D245-B66B-0A8135500154}"/>
               </a:ext>
             </a:extLst>
           </p:cNvPr>
@@ -29178,7 +29178,7 @@
           <p:cNvPr id="102" name="直线连接符 101">
             <a:extLst>
               <a:ext uri="{FF2B5EF4-FFF2-40B4-BE49-F238E27FC236}">
-                <a16:creationId xmlns:a16="http://schemas.microsoft.com/office/drawing/2014/main" xmlns="" id="{D25792AE-BA15-4C4D-9B9B-E8116F709353}"/>
+                <a16:creationId xmlns="" xmlns:a16="http://schemas.microsoft.com/office/drawing/2014/main" id="{D25792AE-BA15-4C4D-9B9B-E8116F709353}"/>
               </a:ext>
             </a:extLst>
           </p:cNvPr>
@@ -29223,7 +29223,7 @@
           <p:cNvPr id="134" name="椭圆 133">
             <a:extLst>
               <a:ext uri="{FF2B5EF4-FFF2-40B4-BE49-F238E27FC236}">
-                <a16:creationId xmlns:a16="http://schemas.microsoft.com/office/drawing/2014/main" xmlns="" id="{D812FCEC-45C2-B344-801D-231FDC0CD8C9}"/>
+                <a16:creationId xmlns="" xmlns:a16="http://schemas.microsoft.com/office/drawing/2014/main" id="{D812FCEC-45C2-B344-801D-231FDC0CD8C9}"/>
               </a:ext>
             </a:extLst>
           </p:cNvPr>
@@ -29269,7 +29269,7 @@
           <p:cNvPr id="135" name="椭圆 134">
             <a:extLst>
               <a:ext uri="{FF2B5EF4-FFF2-40B4-BE49-F238E27FC236}">
-                <a16:creationId xmlns:a16="http://schemas.microsoft.com/office/drawing/2014/main" xmlns="" id="{45853432-1967-0E48-92F5-0FE48174D819}"/>
+                <a16:creationId xmlns="" xmlns:a16="http://schemas.microsoft.com/office/drawing/2014/main" id="{45853432-1967-0E48-92F5-0FE48174D819}"/>
               </a:ext>
             </a:extLst>
           </p:cNvPr>
@@ -29318,7 +29318,7 @@
           <p:cNvPr id="136" name="矩形 135">
             <a:extLst>
               <a:ext uri="{FF2B5EF4-FFF2-40B4-BE49-F238E27FC236}">
-                <a16:creationId xmlns:a16="http://schemas.microsoft.com/office/drawing/2014/main" xmlns="" id="{53905ACF-99DD-F742-B3F9-98736B3484DB}"/>
+                <a16:creationId xmlns="" xmlns:a16="http://schemas.microsoft.com/office/drawing/2014/main" id="{53905ACF-99DD-F742-B3F9-98736B3484DB}"/>
               </a:ext>
             </a:extLst>
           </p:cNvPr>
@@ -29364,7 +29364,7 @@
           <p:cNvPr id="137" name="矩形 136">
             <a:extLst>
               <a:ext uri="{FF2B5EF4-FFF2-40B4-BE49-F238E27FC236}">
-                <a16:creationId xmlns:a16="http://schemas.microsoft.com/office/drawing/2014/main" xmlns="" id="{B89B761A-F90C-EE46-9B43-C6656AC2353C}"/>
+                <a16:creationId xmlns="" xmlns:a16="http://schemas.microsoft.com/office/drawing/2014/main" id="{B89B761A-F90C-EE46-9B43-C6656AC2353C}"/>
               </a:ext>
             </a:extLst>
           </p:cNvPr>
@@ -29410,7 +29410,7 @@
           <p:cNvPr id="138" name="椭圆 137">
             <a:extLst>
               <a:ext uri="{FF2B5EF4-FFF2-40B4-BE49-F238E27FC236}">
-                <a16:creationId xmlns:a16="http://schemas.microsoft.com/office/drawing/2014/main" xmlns="" id="{1C8B860B-F86D-4B4B-9193-876CD7DC0907}"/>
+                <a16:creationId xmlns="" xmlns:a16="http://schemas.microsoft.com/office/drawing/2014/main" id="{1C8B860B-F86D-4B4B-9193-876CD7DC0907}"/>
               </a:ext>
             </a:extLst>
           </p:cNvPr>
@@ -29456,7 +29456,7 @@
           <p:cNvPr id="139" name="直线连接符 138">
             <a:extLst>
               <a:ext uri="{FF2B5EF4-FFF2-40B4-BE49-F238E27FC236}">
-                <a16:creationId xmlns:a16="http://schemas.microsoft.com/office/drawing/2014/main" xmlns="" id="{38202E17-7B59-C649-865C-21D4F76A306D}"/>
+                <a16:creationId xmlns="" xmlns:a16="http://schemas.microsoft.com/office/drawing/2014/main" id="{38202E17-7B59-C649-865C-21D4F76A306D}"/>
               </a:ext>
             </a:extLst>
           </p:cNvPr>
@@ -29501,7 +29501,7 @@
           <p:cNvPr id="140" name="直线连接符 139">
             <a:extLst>
               <a:ext uri="{FF2B5EF4-FFF2-40B4-BE49-F238E27FC236}">
-                <a16:creationId xmlns:a16="http://schemas.microsoft.com/office/drawing/2014/main" xmlns="" id="{A686937A-936E-D841-80F9-D60C793716A1}"/>
+                <a16:creationId xmlns="" xmlns:a16="http://schemas.microsoft.com/office/drawing/2014/main" id="{A686937A-936E-D841-80F9-D60C793716A1}"/>
               </a:ext>
             </a:extLst>
           </p:cNvPr>
@@ -29546,7 +29546,7 @@
           <p:cNvPr id="141" name="矩形 140">
             <a:extLst>
               <a:ext uri="{FF2B5EF4-FFF2-40B4-BE49-F238E27FC236}">
-                <a16:creationId xmlns:a16="http://schemas.microsoft.com/office/drawing/2014/main" xmlns="" id="{D3476BC9-3617-2349-AD3A-4D84C847071B}"/>
+                <a16:creationId xmlns="" xmlns:a16="http://schemas.microsoft.com/office/drawing/2014/main" id="{D3476BC9-3617-2349-AD3A-4D84C847071B}"/>
               </a:ext>
             </a:extLst>
           </p:cNvPr>
@@ -29592,7 +29592,7 @@
           <p:cNvPr id="142" name="矩形 141">
             <a:extLst>
               <a:ext uri="{FF2B5EF4-FFF2-40B4-BE49-F238E27FC236}">
-                <a16:creationId xmlns:a16="http://schemas.microsoft.com/office/drawing/2014/main" xmlns="" id="{35D61483-E1EA-2F47-A87D-5C5DAAF4C881}"/>
+                <a16:creationId xmlns="" xmlns:a16="http://schemas.microsoft.com/office/drawing/2014/main" id="{35D61483-E1EA-2F47-A87D-5C5DAAF4C881}"/>
               </a:ext>
             </a:extLst>
           </p:cNvPr>
@@ -29638,7 +29638,7 @@
           <p:cNvPr id="143" name="椭圆 142">
             <a:extLst>
               <a:ext uri="{FF2B5EF4-FFF2-40B4-BE49-F238E27FC236}">
-                <a16:creationId xmlns:a16="http://schemas.microsoft.com/office/drawing/2014/main" xmlns="" id="{E2395878-95EC-F440-B899-6DB2E3106F63}"/>
+                <a16:creationId xmlns="" xmlns:a16="http://schemas.microsoft.com/office/drawing/2014/main" id="{E2395878-95EC-F440-B899-6DB2E3106F63}"/>
               </a:ext>
             </a:extLst>
           </p:cNvPr>
@@ -29684,7 +29684,7 @@
           <p:cNvPr id="144" name="直线连接符 143">
             <a:extLst>
               <a:ext uri="{FF2B5EF4-FFF2-40B4-BE49-F238E27FC236}">
-                <a16:creationId xmlns:a16="http://schemas.microsoft.com/office/drawing/2014/main" xmlns="" id="{CD20C65D-F06D-DD44-B428-C81AA47372D7}"/>
+                <a16:creationId xmlns="" xmlns:a16="http://schemas.microsoft.com/office/drawing/2014/main" id="{CD20C65D-F06D-DD44-B428-C81AA47372D7}"/>
               </a:ext>
             </a:extLst>
           </p:cNvPr>
@@ -29729,7 +29729,7 @@
           <p:cNvPr id="145" name="直线连接符 144">
             <a:extLst>
               <a:ext uri="{FF2B5EF4-FFF2-40B4-BE49-F238E27FC236}">
-                <a16:creationId xmlns:a16="http://schemas.microsoft.com/office/drawing/2014/main" xmlns="" id="{4A9E221B-42B3-C740-B0F0-1A2B9833930E}"/>
+                <a16:creationId xmlns="" xmlns:a16="http://schemas.microsoft.com/office/drawing/2014/main" id="{4A9E221B-42B3-C740-B0F0-1A2B9833930E}"/>
               </a:ext>
             </a:extLst>
           </p:cNvPr>
@@ -29774,7 +29774,7 @@
           <p:cNvPr id="146" name="直线连接符 145">
             <a:extLst>
               <a:ext uri="{FF2B5EF4-FFF2-40B4-BE49-F238E27FC236}">
-                <a16:creationId xmlns:a16="http://schemas.microsoft.com/office/drawing/2014/main" xmlns="" id="{A7B7AC7C-9690-9944-B1FE-CBA8452577D4}"/>
+                <a16:creationId xmlns="" xmlns:a16="http://schemas.microsoft.com/office/drawing/2014/main" id="{A7B7AC7C-9690-9944-B1FE-CBA8452577D4}"/>
               </a:ext>
             </a:extLst>
           </p:cNvPr>
@@ -29819,7 +29819,7 @@
           <p:cNvPr id="147" name="直线连接符 146">
             <a:extLst>
               <a:ext uri="{FF2B5EF4-FFF2-40B4-BE49-F238E27FC236}">
-                <a16:creationId xmlns:a16="http://schemas.microsoft.com/office/drawing/2014/main" xmlns="" id="{6D66B493-EBF1-EC42-BE0A-D44EB359DE35}"/>
+                <a16:creationId xmlns="" xmlns:a16="http://schemas.microsoft.com/office/drawing/2014/main" id="{6D66B493-EBF1-EC42-BE0A-D44EB359DE35}"/>
               </a:ext>
             </a:extLst>
           </p:cNvPr>
@@ -29864,7 +29864,7 @@
           <p:cNvPr id="148" name="椭圆 147">
             <a:extLst>
               <a:ext uri="{FF2B5EF4-FFF2-40B4-BE49-F238E27FC236}">
-                <a16:creationId xmlns:a16="http://schemas.microsoft.com/office/drawing/2014/main" xmlns="" id="{9671E381-8C9A-7249-8690-9A97FE6CEC37}"/>
+                <a16:creationId xmlns="" xmlns:a16="http://schemas.microsoft.com/office/drawing/2014/main" id="{9671E381-8C9A-7249-8690-9A97FE6CEC37}"/>
               </a:ext>
             </a:extLst>
           </p:cNvPr>
@@ -29913,7 +29913,7 @@
           <p:cNvPr id="149" name="矩形 148">
             <a:extLst>
               <a:ext uri="{FF2B5EF4-FFF2-40B4-BE49-F238E27FC236}">
-                <a16:creationId xmlns:a16="http://schemas.microsoft.com/office/drawing/2014/main" xmlns="" id="{88213569-380C-704D-8320-D89BC8332040}"/>
+                <a16:creationId xmlns="" xmlns:a16="http://schemas.microsoft.com/office/drawing/2014/main" id="{88213569-380C-704D-8320-D89BC8332040}"/>
               </a:ext>
             </a:extLst>
           </p:cNvPr>
@@ -29959,7 +29959,7 @@
           <p:cNvPr id="150" name="矩形 149">
             <a:extLst>
               <a:ext uri="{FF2B5EF4-FFF2-40B4-BE49-F238E27FC236}">
-                <a16:creationId xmlns:a16="http://schemas.microsoft.com/office/drawing/2014/main" xmlns="" id="{CC2D48BD-2F54-1846-9FE6-B2926D606B96}"/>
+                <a16:creationId xmlns="" xmlns:a16="http://schemas.microsoft.com/office/drawing/2014/main" id="{CC2D48BD-2F54-1846-9FE6-B2926D606B96}"/>
               </a:ext>
             </a:extLst>
           </p:cNvPr>
@@ -30005,7 +30005,7 @@
           <p:cNvPr id="151" name="椭圆 150">
             <a:extLst>
               <a:ext uri="{FF2B5EF4-FFF2-40B4-BE49-F238E27FC236}">
-                <a16:creationId xmlns:a16="http://schemas.microsoft.com/office/drawing/2014/main" xmlns="" id="{CC3C0616-22E1-C94C-8B56-7F7DD53DC4D3}"/>
+                <a16:creationId xmlns="" xmlns:a16="http://schemas.microsoft.com/office/drawing/2014/main" id="{CC3C0616-22E1-C94C-8B56-7F7DD53DC4D3}"/>
               </a:ext>
             </a:extLst>
           </p:cNvPr>
@@ -30051,7 +30051,7 @@
           <p:cNvPr id="152" name="直线连接符 151">
             <a:extLst>
               <a:ext uri="{FF2B5EF4-FFF2-40B4-BE49-F238E27FC236}">
-                <a16:creationId xmlns:a16="http://schemas.microsoft.com/office/drawing/2014/main" xmlns="" id="{60B11272-6AB9-CA4C-B732-26120A0C2D95}"/>
+                <a16:creationId xmlns="" xmlns:a16="http://schemas.microsoft.com/office/drawing/2014/main" id="{60B11272-6AB9-CA4C-B732-26120A0C2D95}"/>
               </a:ext>
             </a:extLst>
           </p:cNvPr>
@@ -30096,7 +30096,7 @@
           <p:cNvPr id="153" name="直线连接符 152">
             <a:extLst>
               <a:ext uri="{FF2B5EF4-FFF2-40B4-BE49-F238E27FC236}">
-                <a16:creationId xmlns:a16="http://schemas.microsoft.com/office/drawing/2014/main" xmlns="" id="{ED220DF5-351F-AF4A-BFC5-E3A9ACFD304F}"/>
+                <a16:creationId xmlns="" xmlns:a16="http://schemas.microsoft.com/office/drawing/2014/main" id="{ED220DF5-351F-AF4A-BFC5-E3A9ACFD304F}"/>
               </a:ext>
             </a:extLst>
           </p:cNvPr>
@@ -30141,7 +30141,7 @@
           <p:cNvPr id="154" name="矩形 153">
             <a:extLst>
               <a:ext uri="{FF2B5EF4-FFF2-40B4-BE49-F238E27FC236}">
-                <a16:creationId xmlns:a16="http://schemas.microsoft.com/office/drawing/2014/main" xmlns="" id="{4B8DE2BB-3A6E-E14F-8864-AA75D7DDD0E9}"/>
+                <a16:creationId xmlns="" xmlns:a16="http://schemas.microsoft.com/office/drawing/2014/main" id="{4B8DE2BB-3A6E-E14F-8864-AA75D7DDD0E9}"/>
               </a:ext>
             </a:extLst>
           </p:cNvPr>
@@ -30187,7 +30187,7 @@
           <p:cNvPr id="155" name="矩形 154">
             <a:extLst>
               <a:ext uri="{FF2B5EF4-FFF2-40B4-BE49-F238E27FC236}">
-                <a16:creationId xmlns:a16="http://schemas.microsoft.com/office/drawing/2014/main" xmlns="" id="{72AE0033-0163-7044-AE9F-701DB78B7EF9}"/>
+                <a16:creationId xmlns="" xmlns:a16="http://schemas.microsoft.com/office/drawing/2014/main" id="{72AE0033-0163-7044-AE9F-701DB78B7EF9}"/>
               </a:ext>
             </a:extLst>
           </p:cNvPr>
@@ -30241,7 +30241,7 @@
           <p:cNvPr id="156" name="椭圆 155">
             <a:extLst>
               <a:ext uri="{FF2B5EF4-FFF2-40B4-BE49-F238E27FC236}">
-                <a16:creationId xmlns:a16="http://schemas.microsoft.com/office/drawing/2014/main" xmlns="" id="{8ABA1EAD-85CF-F84F-AE56-875490D8D171}"/>
+                <a16:creationId xmlns="" xmlns:a16="http://schemas.microsoft.com/office/drawing/2014/main" id="{8ABA1EAD-85CF-F84F-AE56-875490D8D171}"/>
               </a:ext>
             </a:extLst>
           </p:cNvPr>
@@ -30290,7 +30290,7 @@
           <p:cNvPr id="157" name="直线连接符 156">
             <a:extLst>
               <a:ext uri="{FF2B5EF4-FFF2-40B4-BE49-F238E27FC236}">
-                <a16:creationId xmlns:a16="http://schemas.microsoft.com/office/drawing/2014/main" xmlns="" id="{2C4DA044-EEA3-2648-9022-9D4B646E54CE}"/>
+                <a16:creationId xmlns="" xmlns:a16="http://schemas.microsoft.com/office/drawing/2014/main" id="{2C4DA044-EEA3-2648-9022-9D4B646E54CE}"/>
               </a:ext>
             </a:extLst>
           </p:cNvPr>
@@ -30335,7 +30335,7 @@
           <p:cNvPr id="158" name="直线连接符 157">
             <a:extLst>
               <a:ext uri="{FF2B5EF4-FFF2-40B4-BE49-F238E27FC236}">
-                <a16:creationId xmlns:a16="http://schemas.microsoft.com/office/drawing/2014/main" xmlns="" id="{678F7910-1BFB-1C48-A5F5-C6B0119E35A2}"/>
+                <a16:creationId xmlns="" xmlns:a16="http://schemas.microsoft.com/office/drawing/2014/main" id="{678F7910-1BFB-1C48-A5F5-C6B0119E35A2}"/>
               </a:ext>
             </a:extLst>
           </p:cNvPr>
@@ -30380,7 +30380,7 @@
           <p:cNvPr id="159" name="直线连接符 158">
             <a:extLst>
               <a:ext uri="{FF2B5EF4-FFF2-40B4-BE49-F238E27FC236}">
-                <a16:creationId xmlns:a16="http://schemas.microsoft.com/office/drawing/2014/main" xmlns="" id="{FD1849BE-468D-E749-AF86-14B2A3AD676B}"/>
+                <a16:creationId xmlns="" xmlns:a16="http://schemas.microsoft.com/office/drawing/2014/main" id="{FD1849BE-468D-E749-AF86-14B2A3AD676B}"/>
               </a:ext>
             </a:extLst>
           </p:cNvPr>
@@ -30425,7 +30425,7 @@
           <p:cNvPr id="160" name="直线连接符 159">
             <a:extLst>
               <a:ext uri="{FF2B5EF4-FFF2-40B4-BE49-F238E27FC236}">
-                <a16:creationId xmlns:a16="http://schemas.microsoft.com/office/drawing/2014/main" xmlns="" id="{87FC241E-5606-0041-957F-54DD1CBD07D5}"/>
+                <a16:creationId xmlns="" xmlns:a16="http://schemas.microsoft.com/office/drawing/2014/main" id="{87FC241E-5606-0041-957F-54DD1CBD07D5}"/>
               </a:ext>
             </a:extLst>
           </p:cNvPr>
@@ -30470,7 +30470,7 @@
           <p:cNvPr id="161" name="直线连接符 160">
             <a:extLst>
               <a:ext uri="{FF2B5EF4-FFF2-40B4-BE49-F238E27FC236}">
-                <a16:creationId xmlns:a16="http://schemas.microsoft.com/office/drawing/2014/main" xmlns="" id="{0BC2BEE3-84D2-ED4F-878B-6B9F20A153A1}"/>
+                <a16:creationId xmlns="" xmlns:a16="http://schemas.microsoft.com/office/drawing/2014/main" id="{0BC2BEE3-84D2-ED4F-878B-6B9F20A153A1}"/>
               </a:ext>
             </a:extLst>
           </p:cNvPr>
@@ -30515,7 +30515,7 @@
           <p:cNvPr id="162" name="直线连接符 161">
             <a:extLst>
               <a:ext uri="{FF2B5EF4-FFF2-40B4-BE49-F238E27FC236}">
-                <a16:creationId xmlns:a16="http://schemas.microsoft.com/office/drawing/2014/main" xmlns="" id="{59280443-0F11-4B41-9BEB-DBD789224C23}"/>
+                <a16:creationId xmlns="" xmlns:a16="http://schemas.microsoft.com/office/drawing/2014/main" id="{59280443-0F11-4B41-9BEB-DBD789224C23}"/>
               </a:ext>
             </a:extLst>
           </p:cNvPr>
@@ -30560,7 +30560,7 @@
           <p:cNvPr id="163" name="直线连接符 162">
             <a:extLst>
               <a:ext uri="{FF2B5EF4-FFF2-40B4-BE49-F238E27FC236}">
-                <a16:creationId xmlns:a16="http://schemas.microsoft.com/office/drawing/2014/main" xmlns="" id="{35C3ACE2-A346-E247-B354-ED1FEF266398}"/>
+                <a16:creationId xmlns="" xmlns:a16="http://schemas.microsoft.com/office/drawing/2014/main" id="{35C3ACE2-A346-E247-B354-ED1FEF266398}"/>
               </a:ext>
             </a:extLst>
           </p:cNvPr>
@@ -30605,7 +30605,7 @@
           <p:cNvPr id="167" name="直线连接符 166">
             <a:extLst>
               <a:ext uri="{FF2B5EF4-FFF2-40B4-BE49-F238E27FC236}">
-                <a16:creationId xmlns:a16="http://schemas.microsoft.com/office/drawing/2014/main" xmlns="" id="{270DAD3F-5BD1-114F-9BCB-96D7576A28B2}"/>
+                <a16:creationId xmlns="" xmlns:a16="http://schemas.microsoft.com/office/drawing/2014/main" id="{270DAD3F-5BD1-114F-9BCB-96D7576A28B2}"/>
               </a:ext>
             </a:extLst>
           </p:cNvPr>
@@ -30650,7 +30650,7 @@
           <p:cNvPr id="171" name="直线连接符 170">
             <a:extLst>
               <a:ext uri="{FF2B5EF4-FFF2-40B4-BE49-F238E27FC236}">
-                <a16:creationId xmlns:a16="http://schemas.microsoft.com/office/drawing/2014/main" xmlns="" id="{A69F57B0-9D7B-5543-B28B-F2BD7A758EDC}"/>
+                <a16:creationId xmlns="" xmlns:a16="http://schemas.microsoft.com/office/drawing/2014/main" id="{A69F57B0-9D7B-5543-B28B-F2BD7A758EDC}"/>
               </a:ext>
             </a:extLst>
           </p:cNvPr>
@@ -30695,7 +30695,7 @@
           <p:cNvPr id="174" name="直线连接符 173">
             <a:extLst>
               <a:ext uri="{FF2B5EF4-FFF2-40B4-BE49-F238E27FC236}">
-                <a16:creationId xmlns:a16="http://schemas.microsoft.com/office/drawing/2014/main" xmlns="" id="{FBDE3D2C-3C8B-684F-9435-9925D8338848}"/>
+                <a16:creationId xmlns="" xmlns:a16="http://schemas.microsoft.com/office/drawing/2014/main" id="{FBDE3D2C-3C8B-684F-9435-9925D8338848}"/>
               </a:ext>
             </a:extLst>
           </p:cNvPr>
@@ -30740,7 +30740,7 @@
           <p:cNvPr id="177" name="文本框 176">
             <a:extLst>
               <a:ext uri="{FF2B5EF4-FFF2-40B4-BE49-F238E27FC236}">
-                <a16:creationId xmlns:a16="http://schemas.microsoft.com/office/drawing/2014/main" xmlns="" id="{128FD6A5-9F23-3148-B97B-6423C263EA9F}"/>
+                <a16:creationId xmlns="" xmlns:a16="http://schemas.microsoft.com/office/drawing/2014/main" id="{128FD6A5-9F23-3148-B97B-6423C263EA9F}"/>
               </a:ext>
             </a:extLst>
           </p:cNvPr>
@@ -30782,7 +30782,7 @@
           <p:cNvPr id="178" name="文本框 177">
             <a:extLst>
               <a:ext uri="{FF2B5EF4-FFF2-40B4-BE49-F238E27FC236}">
-                <a16:creationId xmlns:a16="http://schemas.microsoft.com/office/drawing/2014/main" xmlns="" id="{0BD26BDE-C67E-6946-A6EF-445FF4963E5B}"/>
+                <a16:creationId xmlns="" xmlns:a16="http://schemas.microsoft.com/office/drawing/2014/main" id="{0BD26BDE-C67E-6946-A6EF-445FF4963E5B}"/>
               </a:ext>
             </a:extLst>
           </p:cNvPr>
@@ -30824,7 +30824,7 @@
           <p:cNvPr id="181" name="文本框 180">
             <a:extLst>
               <a:ext uri="{FF2B5EF4-FFF2-40B4-BE49-F238E27FC236}">
-                <a16:creationId xmlns:a16="http://schemas.microsoft.com/office/drawing/2014/main" xmlns="" id="{B1ADFEB5-0EA8-9B49-9D8B-245DE3DE3401}"/>
+                <a16:creationId xmlns="" xmlns:a16="http://schemas.microsoft.com/office/drawing/2014/main" id="{B1ADFEB5-0EA8-9B49-9D8B-245DE3DE3401}"/>
               </a:ext>
             </a:extLst>
           </p:cNvPr>
@@ -30866,7 +30866,7 @@
           <p:cNvPr id="182" name="文本框 181">
             <a:extLst>
               <a:ext uri="{FF2B5EF4-FFF2-40B4-BE49-F238E27FC236}">
-                <a16:creationId xmlns:a16="http://schemas.microsoft.com/office/drawing/2014/main" xmlns="" id="{43FD427D-A3AE-D444-9B78-34BD9AD289C2}"/>
+                <a16:creationId xmlns="" xmlns:a16="http://schemas.microsoft.com/office/drawing/2014/main" id="{43FD427D-A3AE-D444-9B78-34BD9AD289C2}"/>
               </a:ext>
             </a:extLst>
           </p:cNvPr>
@@ -30908,7 +30908,7 @@
           <p:cNvPr id="81" name="椭圆 80">
             <a:extLst>
               <a:ext uri="{FF2B5EF4-FFF2-40B4-BE49-F238E27FC236}">
-                <a16:creationId xmlns:a16="http://schemas.microsoft.com/office/drawing/2014/main" xmlns="" id="{D1E67824-653C-E74B-968D-3A3D0E990C80}"/>
+                <a16:creationId xmlns="" xmlns:a16="http://schemas.microsoft.com/office/drawing/2014/main" id="{D1E67824-653C-E74B-968D-3A3D0E990C80}"/>
               </a:ext>
             </a:extLst>
           </p:cNvPr>
@@ -30957,7 +30957,7 @@
           <p:cNvPr id="100" name="椭圆 99">
             <a:extLst>
               <a:ext uri="{FF2B5EF4-FFF2-40B4-BE49-F238E27FC236}">
-                <a16:creationId xmlns:a16="http://schemas.microsoft.com/office/drawing/2014/main" xmlns="" id="{FE177A80-294D-D74F-9193-54F0F6931790}"/>
+                <a16:creationId xmlns="" xmlns:a16="http://schemas.microsoft.com/office/drawing/2014/main" id="{FE177A80-294D-D74F-9193-54F0F6931790}"/>
               </a:ext>
             </a:extLst>
           </p:cNvPr>
@@ -31003,7 +31003,7 @@
           <p:cNvPr id="101" name="椭圆 100">
             <a:extLst>
               <a:ext uri="{FF2B5EF4-FFF2-40B4-BE49-F238E27FC236}">
-                <a16:creationId xmlns:a16="http://schemas.microsoft.com/office/drawing/2014/main" xmlns="" id="{9671E381-8C9A-7249-8690-9A97FE6CEC37}"/>
+                <a16:creationId xmlns="" xmlns:a16="http://schemas.microsoft.com/office/drawing/2014/main" id="{9671E381-8C9A-7249-8690-9A97FE6CEC37}"/>
               </a:ext>
             </a:extLst>
           </p:cNvPr>
@@ -31052,7 +31052,7 @@
           <p:cNvPr id="103" name="椭圆 102">
             <a:extLst>
               <a:ext uri="{FF2B5EF4-FFF2-40B4-BE49-F238E27FC236}">
-                <a16:creationId xmlns:a16="http://schemas.microsoft.com/office/drawing/2014/main" xmlns="" id="{D812FCEC-45C2-B344-801D-231FDC0CD8C9}"/>
+                <a16:creationId xmlns="" xmlns:a16="http://schemas.microsoft.com/office/drawing/2014/main" id="{D812FCEC-45C2-B344-801D-231FDC0CD8C9}"/>
               </a:ext>
             </a:extLst>
           </p:cNvPr>
@@ -31098,7 +31098,7 @@
           <p:cNvPr id="105" name="直线连接符 104">
             <a:extLst>
               <a:ext uri="{FF2B5EF4-FFF2-40B4-BE49-F238E27FC236}">
-                <a16:creationId xmlns:a16="http://schemas.microsoft.com/office/drawing/2014/main" xmlns="" id="{4C7B2CBB-05F8-1C48-BB82-81EFD7C255EE}"/>
+                <a16:creationId xmlns="" xmlns:a16="http://schemas.microsoft.com/office/drawing/2014/main" id="{4C7B2CBB-05F8-1C48-BB82-81EFD7C255EE}"/>
               </a:ext>
             </a:extLst>
           </p:cNvPr>
@@ -31143,7 +31143,7 @@
           <p:cNvPr id="106" name="直线连接符 105">
             <a:extLst>
               <a:ext uri="{FF2B5EF4-FFF2-40B4-BE49-F238E27FC236}">
-                <a16:creationId xmlns:a16="http://schemas.microsoft.com/office/drawing/2014/main" xmlns="" id="{4C7B2CBB-05F8-1C48-BB82-81EFD7C255EE}"/>
+                <a16:creationId xmlns="" xmlns:a16="http://schemas.microsoft.com/office/drawing/2014/main" id="{4C7B2CBB-05F8-1C48-BB82-81EFD7C255EE}"/>
               </a:ext>
             </a:extLst>
           </p:cNvPr>
@@ -31188,7 +31188,7 @@
           <p:cNvPr id="108" name="直线连接符 107">
             <a:extLst>
               <a:ext uri="{FF2B5EF4-FFF2-40B4-BE49-F238E27FC236}">
-                <a16:creationId xmlns:a16="http://schemas.microsoft.com/office/drawing/2014/main" xmlns="" id="{B2F72FF8-CB71-9440-8AB4-9B899631BE0A}"/>
+                <a16:creationId xmlns="" xmlns:a16="http://schemas.microsoft.com/office/drawing/2014/main" id="{B2F72FF8-CB71-9440-8AB4-9B899631BE0A}"/>
               </a:ext>
             </a:extLst>
           </p:cNvPr>
@@ -31233,7 +31233,7 @@
           <p:cNvPr id="111" name="直线连接符 110">
             <a:extLst>
               <a:ext uri="{FF2B5EF4-FFF2-40B4-BE49-F238E27FC236}">
-                <a16:creationId xmlns:a16="http://schemas.microsoft.com/office/drawing/2014/main" xmlns="" id="{B2F72FF8-CB71-9440-8AB4-9B899631BE0A}"/>
+                <a16:creationId xmlns="" xmlns:a16="http://schemas.microsoft.com/office/drawing/2014/main" id="{B2F72FF8-CB71-9440-8AB4-9B899631BE0A}"/>
               </a:ext>
             </a:extLst>
           </p:cNvPr>
@@ -31278,7 +31278,7 @@
           <p:cNvPr id="115" name="直线连接符 114">
             <a:extLst>
               <a:ext uri="{FF2B5EF4-FFF2-40B4-BE49-F238E27FC236}">
-                <a16:creationId xmlns:a16="http://schemas.microsoft.com/office/drawing/2014/main" xmlns="" id="{FD1849BE-468D-E749-AF86-14B2A3AD676B}"/>
+                <a16:creationId xmlns="" xmlns:a16="http://schemas.microsoft.com/office/drawing/2014/main" id="{FD1849BE-468D-E749-AF86-14B2A3AD676B}"/>
               </a:ext>
             </a:extLst>
           </p:cNvPr>
@@ -31323,7 +31323,7 @@
           <p:cNvPr id="118" name="直线连接符 117">
             <a:extLst>
               <a:ext uri="{FF2B5EF4-FFF2-40B4-BE49-F238E27FC236}">
-                <a16:creationId xmlns:a16="http://schemas.microsoft.com/office/drawing/2014/main" xmlns="" id="{FD1849BE-468D-E749-AF86-14B2A3AD676B}"/>
+                <a16:creationId xmlns="" xmlns:a16="http://schemas.microsoft.com/office/drawing/2014/main" id="{FD1849BE-468D-E749-AF86-14B2A3AD676B}"/>
               </a:ext>
             </a:extLst>
           </p:cNvPr>
@@ -31368,7 +31368,7 @@
           <p:cNvPr id="121" name="直线连接符 120">
             <a:extLst>
               <a:ext uri="{FF2B5EF4-FFF2-40B4-BE49-F238E27FC236}">
-                <a16:creationId xmlns:a16="http://schemas.microsoft.com/office/drawing/2014/main" xmlns="" id="{FD1849BE-468D-E749-AF86-14B2A3AD676B}"/>
+                <a16:creationId xmlns="" xmlns:a16="http://schemas.microsoft.com/office/drawing/2014/main" id="{FD1849BE-468D-E749-AF86-14B2A3AD676B}"/>
               </a:ext>
             </a:extLst>
           </p:cNvPr>
@@ -31413,7 +31413,7 @@
           <p:cNvPr id="125" name="直线连接符 124">
             <a:extLst>
               <a:ext uri="{FF2B5EF4-FFF2-40B4-BE49-F238E27FC236}">
-                <a16:creationId xmlns:a16="http://schemas.microsoft.com/office/drawing/2014/main" xmlns="" id="{FD1849BE-468D-E749-AF86-14B2A3AD676B}"/>
+                <a16:creationId xmlns="" xmlns:a16="http://schemas.microsoft.com/office/drawing/2014/main" id="{FD1849BE-468D-E749-AF86-14B2A3AD676B}"/>
               </a:ext>
             </a:extLst>
           </p:cNvPr>
@@ -31458,7 +31458,7 @@
           <p:cNvPr id="164" name="椭圆 163">
             <a:extLst>
               <a:ext uri="{FF2B5EF4-FFF2-40B4-BE49-F238E27FC236}">
-                <a16:creationId xmlns:a16="http://schemas.microsoft.com/office/drawing/2014/main" xmlns="" id="{BC6EE5D6-B812-5A44-8E2E-0D340A99F527}"/>
+                <a16:creationId xmlns="" xmlns:a16="http://schemas.microsoft.com/office/drawing/2014/main" id="{BC6EE5D6-B812-5A44-8E2E-0D340A99F527}"/>
               </a:ext>
             </a:extLst>
           </p:cNvPr>
@@ -31507,7 +31507,7 @@
           <p:cNvPr id="165" name="椭圆 164">
             <a:extLst>
               <a:ext uri="{FF2B5EF4-FFF2-40B4-BE49-F238E27FC236}">
-                <a16:creationId xmlns:a16="http://schemas.microsoft.com/office/drawing/2014/main" xmlns="" id="{BC6EE5D6-B812-5A44-8E2E-0D340A99F527}"/>
+                <a16:creationId xmlns="" xmlns:a16="http://schemas.microsoft.com/office/drawing/2014/main" id="{BC6EE5D6-B812-5A44-8E2E-0D340A99F527}"/>
               </a:ext>
             </a:extLst>
           </p:cNvPr>
@@ -31556,7 +31556,7 @@
           <p:cNvPr id="166" name="直线连接符 165">
             <a:extLst>
               <a:ext uri="{FF2B5EF4-FFF2-40B4-BE49-F238E27FC236}">
-                <a16:creationId xmlns:a16="http://schemas.microsoft.com/office/drawing/2014/main" xmlns="" id="{270DAD3F-5BD1-114F-9BCB-96D7576A28B2}"/>
+                <a16:creationId xmlns="" xmlns:a16="http://schemas.microsoft.com/office/drawing/2014/main" id="{270DAD3F-5BD1-114F-9BCB-96D7576A28B2}"/>
               </a:ext>
             </a:extLst>
           </p:cNvPr>
@@ -31601,7 +31601,7 @@
           <p:cNvPr id="168" name="直线连接符 167">
             <a:extLst>
               <a:ext uri="{FF2B5EF4-FFF2-40B4-BE49-F238E27FC236}">
-                <a16:creationId xmlns:a16="http://schemas.microsoft.com/office/drawing/2014/main" xmlns="" id="{270DAD3F-5BD1-114F-9BCB-96D7576A28B2}"/>
+                <a16:creationId xmlns="" xmlns:a16="http://schemas.microsoft.com/office/drawing/2014/main" id="{270DAD3F-5BD1-114F-9BCB-96D7576A28B2}"/>
               </a:ext>
             </a:extLst>
           </p:cNvPr>
@@ -31646,7 +31646,7 @@
           <p:cNvPr id="169" name="直线连接符 168">
             <a:extLst>
               <a:ext uri="{FF2B5EF4-FFF2-40B4-BE49-F238E27FC236}">
-                <a16:creationId xmlns:a16="http://schemas.microsoft.com/office/drawing/2014/main" xmlns="" id="{270DAD3F-5BD1-114F-9BCB-96D7576A28B2}"/>
+                <a16:creationId xmlns="" xmlns:a16="http://schemas.microsoft.com/office/drawing/2014/main" id="{270DAD3F-5BD1-114F-9BCB-96D7576A28B2}"/>
               </a:ext>
             </a:extLst>
           </p:cNvPr>
@@ -31691,7 +31691,7 @@
           <p:cNvPr id="170" name="直线连接符 169">
             <a:extLst>
               <a:ext uri="{FF2B5EF4-FFF2-40B4-BE49-F238E27FC236}">
-                <a16:creationId xmlns:a16="http://schemas.microsoft.com/office/drawing/2014/main" xmlns="" id="{270DAD3F-5BD1-114F-9BCB-96D7576A28B2}"/>
+                <a16:creationId xmlns="" xmlns:a16="http://schemas.microsoft.com/office/drawing/2014/main" id="{270DAD3F-5BD1-114F-9BCB-96D7576A28B2}"/>
               </a:ext>
             </a:extLst>
           </p:cNvPr>
@@ -31736,7 +31736,7 @@
           <p:cNvPr id="172" name="直线连接符 171">
             <a:extLst>
               <a:ext uri="{FF2B5EF4-FFF2-40B4-BE49-F238E27FC236}">
-                <a16:creationId xmlns:a16="http://schemas.microsoft.com/office/drawing/2014/main" xmlns="" id="{270DAD3F-5BD1-114F-9BCB-96D7576A28B2}"/>
+                <a16:creationId xmlns="" xmlns:a16="http://schemas.microsoft.com/office/drawing/2014/main" id="{270DAD3F-5BD1-114F-9BCB-96D7576A28B2}"/>
               </a:ext>
             </a:extLst>
           </p:cNvPr>
@@ -31781,7 +31781,7 @@
           <p:cNvPr id="173" name="直线连接符 172">
             <a:extLst>
               <a:ext uri="{FF2B5EF4-FFF2-40B4-BE49-F238E27FC236}">
-                <a16:creationId xmlns:a16="http://schemas.microsoft.com/office/drawing/2014/main" xmlns="" id="{270DAD3F-5BD1-114F-9BCB-96D7576A28B2}"/>
+                <a16:creationId xmlns="" xmlns:a16="http://schemas.microsoft.com/office/drawing/2014/main" id="{270DAD3F-5BD1-114F-9BCB-96D7576A28B2}"/>
               </a:ext>
             </a:extLst>
           </p:cNvPr>
@@ -31826,7 +31826,7 @@
           <p:cNvPr id="175" name="直线连接符 174">
             <a:extLst>
               <a:ext uri="{FF2B5EF4-FFF2-40B4-BE49-F238E27FC236}">
-                <a16:creationId xmlns:a16="http://schemas.microsoft.com/office/drawing/2014/main" xmlns="" id="{270DAD3F-5BD1-114F-9BCB-96D7576A28B2}"/>
+                <a16:creationId xmlns="" xmlns:a16="http://schemas.microsoft.com/office/drawing/2014/main" id="{270DAD3F-5BD1-114F-9BCB-96D7576A28B2}"/>
               </a:ext>
             </a:extLst>
           </p:cNvPr>
@@ -31871,7 +31871,7 @@
           <p:cNvPr id="176" name="直线连接符 175">
             <a:extLst>
               <a:ext uri="{FF2B5EF4-FFF2-40B4-BE49-F238E27FC236}">
-                <a16:creationId xmlns:a16="http://schemas.microsoft.com/office/drawing/2014/main" xmlns="" id="{270DAD3F-5BD1-114F-9BCB-96D7576A28B2}"/>
+                <a16:creationId xmlns="" xmlns:a16="http://schemas.microsoft.com/office/drawing/2014/main" id="{270DAD3F-5BD1-114F-9BCB-96D7576A28B2}"/>
               </a:ext>
             </a:extLst>
           </p:cNvPr>
@@ -31916,7 +31916,7 @@
           <p:cNvPr id="184" name="文本框 183">
             <a:extLst>
               <a:ext uri="{FF2B5EF4-FFF2-40B4-BE49-F238E27FC236}">
-                <a16:creationId xmlns:a16="http://schemas.microsoft.com/office/drawing/2014/main" xmlns="" id="{0BD26BDE-C67E-6946-A6EF-445FF4963E5B}"/>
+                <a16:creationId xmlns="" xmlns:a16="http://schemas.microsoft.com/office/drawing/2014/main" id="{0BD26BDE-C67E-6946-A6EF-445FF4963E5B}"/>
               </a:ext>
             </a:extLst>
           </p:cNvPr>
@@ -31958,7 +31958,7 @@
           <p:cNvPr id="185" name="文本框 184">
             <a:extLst>
               <a:ext uri="{FF2B5EF4-FFF2-40B4-BE49-F238E27FC236}">
-                <a16:creationId xmlns:a16="http://schemas.microsoft.com/office/drawing/2014/main" xmlns="" id="{0BD26BDE-C67E-6946-A6EF-445FF4963E5B}"/>
+                <a16:creationId xmlns="" xmlns:a16="http://schemas.microsoft.com/office/drawing/2014/main" id="{0BD26BDE-C67E-6946-A6EF-445FF4963E5B}"/>
               </a:ext>
             </a:extLst>
           </p:cNvPr>
@@ -32000,7 +32000,7 @@
           <p:cNvPr id="186" name="文本框 185">
             <a:extLst>
               <a:ext uri="{FF2B5EF4-FFF2-40B4-BE49-F238E27FC236}">
-                <a16:creationId xmlns:a16="http://schemas.microsoft.com/office/drawing/2014/main" xmlns="" id="{0BD26BDE-C67E-6946-A6EF-445FF4963E5B}"/>
+                <a16:creationId xmlns="" xmlns:a16="http://schemas.microsoft.com/office/drawing/2014/main" id="{0BD26BDE-C67E-6946-A6EF-445FF4963E5B}"/>
               </a:ext>
             </a:extLst>
           </p:cNvPr>
@@ -32042,7 +32042,7 @@
           <p:cNvPr id="187" name="文本框 186">
             <a:extLst>
               <a:ext uri="{FF2B5EF4-FFF2-40B4-BE49-F238E27FC236}">
-                <a16:creationId xmlns:a16="http://schemas.microsoft.com/office/drawing/2014/main" xmlns="" id="{0BD26BDE-C67E-6946-A6EF-445FF4963E5B}"/>
+                <a16:creationId xmlns="" xmlns:a16="http://schemas.microsoft.com/office/drawing/2014/main" id="{0BD26BDE-C67E-6946-A6EF-445FF4963E5B}"/>
               </a:ext>
             </a:extLst>
           </p:cNvPr>
@@ -32084,7 +32084,7 @@
           <p:cNvPr id="188" name="文本框 187">
             <a:extLst>
               <a:ext uri="{FF2B5EF4-FFF2-40B4-BE49-F238E27FC236}">
-                <a16:creationId xmlns:a16="http://schemas.microsoft.com/office/drawing/2014/main" xmlns="" id="{0BD26BDE-C67E-6946-A6EF-445FF4963E5B}"/>
+                <a16:creationId xmlns="" xmlns:a16="http://schemas.microsoft.com/office/drawing/2014/main" id="{0BD26BDE-C67E-6946-A6EF-445FF4963E5B}"/>
               </a:ext>
             </a:extLst>
           </p:cNvPr>
@@ -32133,7 +32133,7 @@
           <p:cNvPr id="189" name="文本框 188">
             <a:extLst>
               <a:ext uri="{FF2B5EF4-FFF2-40B4-BE49-F238E27FC236}">
-                <a16:creationId xmlns:a16="http://schemas.microsoft.com/office/drawing/2014/main" xmlns="" id="{0BD26BDE-C67E-6946-A6EF-445FF4963E5B}"/>
+                <a16:creationId xmlns="" xmlns:a16="http://schemas.microsoft.com/office/drawing/2014/main" id="{0BD26BDE-C67E-6946-A6EF-445FF4963E5B}"/>
               </a:ext>
             </a:extLst>
           </p:cNvPr>
@@ -32205,7 +32205,7 @@
           <p:cNvPr id="2" name="标题 1">
             <a:extLst>
               <a:ext uri="{FF2B5EF4-FFF2-40B4-BE49-F238E27FC236}">
-                <a16:creationId xmlns:a16="http://schemas.microsoft.com/office/drawing/2014/main" xmlns="" id="{F0405D1C-A876-8341-918E-A5D66A83827F}"/>
+                <a16:creationId xmlns="" xmlns:a16="http://schemas.microsoft.com/office/drawing/2014/main" id="{F0405D1C-A876-8341-918E-A5D66A83827F}"/>
               </a:ext>
             </a:extLst>
           </p:cNvPr>
@@ -32240,7 +32240,7 @@
           <p:cNvPr id="3" name="内容占位符 2">
             <a:extLst>
               <a:ext uri="{FF2B5EF4-FFF2-40B4-BE49-F238E27FC236}">
-                <a16:creationId xmlns:a16="http://schemas.microsoft.com/office/drawing/2014/main" xmlns="" id="{18357220-3404-9543-B18A-654DBC2080C6}"/>
+                <a16:creationId xmlns="" xmlns:a16="http://schemas.microsoft.com/office/drawing/2014/main" id="{18357220-3404-9543-B18A-654DBC2080C6}"/>
               </a:ext>
             </a:extLst>
           </p:cNvPr>

--- a/dimensions.pptx
+++ b/dimensions.pptx
@@ -229,7 +229,7 @@
           <a:p>
             <a:fld id="{B03BFD08-264E-BC42-B31A-43C170E46D22}" type="datetimeFigureOut">
               <a:rPr kumimoji="1" lang="zh-CN" altLang="en-US" smtClean="0"/>
-              <a:t>2020/11/30</a:t>
+              <a:t>2020/12/2</a:t>
             </a:fld>
             <a:endParaRPr kumimoji="1" lang="zh-CN" altLang="en-US"/>
           </a:p>
@@ -1196,7 +1196,7 @@
           <a:p>
             <a:fld id="{F0D356AD-C17D-DC49-85EE-F81B0D89A3E6}" type="datetimeFigureOut">
               <a:rPr kumimoji="1" lang="zh-CN" altLang="en-US" smtClean="0"/>
-              <a:t>2020/11/30</a:t>
+              <a:t>2020/12/2</a:t>
             </a:fld>
             <a:endParaRPr kumimoji="1" lang="zh-CN" altLang="en-US"/>
           </a:p>
@@ -1394,7 +1394,7 @@
           <a:p>
             <a:fld id="{F0D356AD-C17D-DC49-85EE-F81B0D89A3E6}" type="datetimeFigureOut">
               <a:rPr kumimoji="1" lang="zh-CN" altLang="en-US" smtClean="0"/>
-              <a:t>2020/11/30</a:t>
+              <a:t>2020/12/2</a:t>
             </a:fld>
             <a:endParaRPr kumimoji="1" lang="zh-CN" altLang="en-US"/>
           </a:p>
@@ -1602,7 +1602,7 @@
           <a:p>
             <a:fld id="{F0D356AD-C17D-DC49-85EE-F81B0D89A3E6}" type="datetimeFigureOut">
               <a:rPr kumimoji="1" lang="zh-CN" altLang="en-US" smtClean="0"/>
-              <a:t>2020/11/30</a:t>
+              <a:t>2020/12/2</a:t>
             </a:fld>
             <a:endParaRPr kumimoji="1" lang="zh-CN" altLang="en-US"/>
           </a:p>
@@ -1800,7 +1800,7 @@
           <a:p>
             <a:fld id="{F0D356AD-C17D-DC49-85EE-F81B0D89A3E6}" type="datetimeFigureOut">
               <a:rPr kumimoji="1" lang="zh-CN" altLang="en-US" smtClean="0"/>
-              <a:t>2020/11/30</a:t>
+              <a:t>2020/12/2</a:t>
             </a:fld>
             <a:endParaRPr kumimoji="1" lang="zh-CN" altLang="en-US"/>
           </a:p>
@@ -2075,7 +2075,7 @@
           <a:p>
             <a:fld id="{F0D356AD-C17D-DC49-85EE-F81B0D89A3E6}" type="datetimeFigureOut">
               <a:rPr kumimoji="1" lang="zh-CN" altLang="en-US" smtClean="0"/>
-              <a:t>2020/11/30</a:t>
+              <a:t>2020/12/2</a:t>
             </a:fld>
             <a:endParaRPr kumimoji="1" lang="zh-CN" altLang="en-US"/>
           </a:p>
@@ -2340,7 +2340,7 @@
           <a:p>
             <a:fld id="{F0D356AD-C17D-DC49-85EE-F81B0D89A3E6}" type="datetimeFigureOut">
               <a:rPr kumimoji="1" lang="zh-CN" altLang="en-US" smtClean="0"/>
-              <a:t>2020/11/30</a:t>
+              <a:t>2020/12/2</a:t>
             </a:fld>
             <a:endParaRPr kumimoji="1" lang="zh-CN" altLang="en-US"/>
           </a:p>
@@ -2752,7 +2752,7 @@
           <a:p>
             <a:fld id="{F0D356AD-C17D-DC49-85EE-F81B0D89A3E6}" type="datetimeFigureOut">
               <a:rPr kumimoji="1" lang="zh-CN" altLang="en-US" smtClean="0"/>
-              <a:t>2020/11/30</a:t>
+              <a:t>2020/12/2</a:t>
             </a:fld>
             <a:endParaRPr kumimoji="1" lang="zh-CN" altLang="en-US"/>
           </a:p>
@@ -2893,7 +2893,7 @@
           <a:p>
             <a:fld id="{F0D356AD-C17D-DC49-85EE-F81B0D89A3E6}" type="datetimeFigureOut">
               <a:rPr kumimoji="1" lang="zh-CN" altLang="en-US" smtClean="0"/>
-              <a:t>2020/11/30</a:t>
+              <a:t>2020/12/2</a:t>
             </a:fld>
             <a:endParaRPr kumimoji="1" lang="zh-CN" altLang="en-US"/>
           </a:p>
@@ -3006,7 +3006,7 @@
           <a:p>
             <a:fld id="{F0D356AD-C17D-DC49-85EE-F81B0D89A3E6}" type="datetimeFigureOut">
               <a:rPr kumimoji="1" lang="zh-CN" altLang="en-US" smtClean="0"/>
-              <a:t>2020/11/30</a:t>
+              <a:t>2020/12/2</a:t>
             </a:fld>
             <a:endParaRPr kumimoji="1" lang="zh-CN" altLang="en-US"/>
           </a:p>
@@ -3317,7 +3317,7 @@
           <a:p>
             <a:fld id="{F0D356AD-C17D-DC49-85EE-F81B0D89A3E6}" type="datetimeFigureOut">
               <a:rPr kumimoji="1" lang="zh-CN" altLang="en-US" smtClean="0"/>
-              <a:t>2020/11/30</a:t>
+              <a:t>2020/12/2</a:t>
             </a:fld>
             <a:endParaRPr kumimoji="1" lang="zh-CN" altLang="en-US"/>
           </a:p>
@@ -3605,7 +3605,7 @@
           <a:p>
             <a:fld id="{F0D356AD-C17D-DC49-85EE-F81B0D89A3E6}" type="datetimeFigureOut">
               <a:rPr kumimoji="1" lang="zh-CN" altLang="en-US" smtClean="0"/>
-              <a:t>2020/11/30</a:t>
+              <a:t>2020/12/2</a:t>
             </a:fld>
             <a:endParaRPr kumimoji="1" lang="zh-CN" altLang="en-US"/>
           </a:p>
@@ -3846,7 +3846,7 @@
           <a:p>
             <a:fld id="{F0D356AD-C17D-DC49-85EE-F81B0D89A3E6}" type="datetimeFigureOut">
               <a:rPr kumimoji="1" lang="zh-CN" altLang="en-US" smtClean="0"/>
-              <a:t>2020/11/30</a:t>
+              <a:t>2020/12/2</a:t>
             </a:fld>
             <a:endParaRPr kumimoji="1" lang="zh-CN" altLang="en-US"/>
           </a:p>
@@ -8216,8 +8216,8 @@
           </a:p>
         </p:txBody>
       </p:sp>
-      <mc:AlternateContent xmlns:mc="http://schemas.openxmlformats.org/markup-compatibility/2006">
-        <mc:Choice xmlns:a14="http://schemas.microsoft.com/office/drawing/2010/main" Requires="a14">
+      <mc:AlternateContent xmlns:mc="http://schemas.openxmlformats.org/markup-compatibility/2006" xmlns:a14="http://schemas.microsoft.com/office/drawing/2010/main">
+        <mc:Choice Requires="a14">
           <p:graphicFrame>
             <p:nvGraphicFramePr>
               <p:cNvPr id="5" name="表格 4">
@@ -8821,7 +8821,7 @@
             </a:graphic>
           </p:graphicFrame>
         </mc:Choice>
-        <mc:Fallback>
+        <mc:Fallback xmlns="">
           <p:graphicFrame>
             <p:nvGraphicFramePr>
               <p:cNvPr id="5" name="表格 4">
@@ -9340,8 +9340,8 @@
           </p:graphicFrame>
         </mc:Fallback>
       </mc:AlternateContent>
-      <mc:AlternateContent xmlns:mc="http://schemas.openxmlformats.org/markup-compatibility/2006">
-        <mc:Choice xmlns:a14="http://schemas.microsoft.com/office/drawing/2010/main" Requires="a14">
+      <mc:AlternateContent xmlns:mc="http://schemas.openxmlformats.org/markup-compatibility/2006" xmlns:a14="http://schemas.microsoft.com/office/drawing/2010/main">
+        <mc:Choice Requires="a14">
           <p:graphicFrame>
             <p:nvGraphicFramePr>
               <p:cNvPr id="6" name="表格 5">
@@ -9592,6 +9592,7 @@
                         <a:bodyPr/>
                         <a:lstStyle/>
                         <a:p>
+                          <a:pPr/>
                           <a14:m>
                             <m:oMathPara xmlns:m="http://schemas.openxmlformats.org/officeDocument/2006/math">
                               <m:oMathParaPr>
@@ -9944,7 +9945,7 @@
             </a:graphic>
           </p:graphicFrame>
         </mc:Choice>
-        <mc:Fallback>
+        <mc:Fallback xmlns="">
           <p:graphicFrame>
             <p:nvGraphicFramePr>
               <p:cNvPr id="6" name="表格 5">
@@ -10463,8 +10464,8 @@
           </p:graphicFrame>
         </mc:Fallback>
       </mc:AlternateContent>
-      <mc:AlternateContent xmlns:mc="http://schemas.openxmlformats.org/markup-compatibility/2006">
-        <mc:Choice xmlns:a14="http://schemas.microsoft.com/office/drawing/2010/main" Requires="a14">
+      <mc:AlternateContent xmlns:mc="http://schemas.openxmlformats.org/markup-compatibility/2006" xmlns:a14="http://schemas.microsoft.com/office/drawing/2010/main">
+        <mc:Choice Requires="a14">
           <p:graphicFrame>
             <p:nvGraphicFramePr>
               <p:cNvPr id="7" name="表格 6">
@@ -10871,6 +10872,7 @@
                         <a:bodyPr/>
                         <a:lstStyle/>
                         <a:p>
+                          <a:pPr/>
                           <a14:m>
                             <m:oMathPara xmlns:m="http://schemas.openxmlformats.org/officeDocument/2006/math">
                               <m:oMathParaPr>
@@ -11067,7 +11069,7 @@
             </a:graphic>
           </p:graphicFrame>
         </mc:Choice>
-        <mc:Fallback>
+        <mc:Fallback xmlns="">
           <p:graphicFrame>
             <p:nvGraphicFramePr>
               <p:cNvPr id="7" name="表格 6">
@@ -11586,8 +11588,8 @@
           </p:graphicFrame>
         </mc:Fallback>
       </mc:AlternateContent>
-      <mc:AlternateContent xmlns:mc="http://schemas.openxmlformats.org/markup-compatibility/2006">
-        <mc:Choice xmlns:a14="http://schemas.microsoft.com/office/drawing/2010/main" Requires="a14">
+      <mc:AlternateContent xmlns:mc="http://schemas.openxmlformats.org/markup-compatibility/2006" xmlns:a14="http://schemas.microsoft.com/office/drawing/2010/main">
+        <mc:Choice Requires="a14">
           <p:sp>
             <p:nvSpPr>
               <p:cNvPr id="10" name="文本框 9">
@@ -11699,7 +11701,7 @@
             </p:txBody>
           </p:sp>
         </mc:Choice>
-        <mc:Fallback>
+        <mc:Fallback xmlns="">
           <p:sp>
             <p:nvSpPr>
               <p:cNvPr id="10" name="文本框 9">
@@ -12324,8 +12326,8 @@
           </a:fontRef>
         </p:style>
       </p:cxnSp>
-      <mc:AlternateContent xmlns:mc="http://schemas.openxmlformats.org/markup-compatibility/2006">
-        <mc:Choice xmlns:a14="http://schemas.microsoft.com/office/drawing/2010/main" Requires="a14">
+      <mc:AlternateContent xmlns:mc="http://schemas.openxmlformats.org/markup-compatibility/2006" xmlns:a14="http://schemas.microsoft.com/office/drawing/2010/main">
+        <mc:Choice Requires="a14">
           <p:sp>
             <p:nvSpPr>
               <p:cNvPr id="19" name="矩形 18"/>
@@ -12387,7 +12389,7 @@
             </p:txBody>
           </p:sp>
         </mc:Choice>
-        <mc:Fallback>
+        <mc:Fallback xmlns="">
           <p:sp>
             <p:nvSpPr>
               <p:cNvPr id="19" name="矩形 18"/>
@@ -12426,8 +12428,8 @@
           </p:sp>
         </mc:Fallback>
       </mc:AlternateContent>
-      <mc:AlternateContent xmlns:mc="http://schemas.openxmlformats.org/markup-compatibility/2006">
-        <mc:Choice xmlns:a14="http://schemas.microsoft.com/office/drawing/2010/main" Requires="a14">
+      <mc:AlternateContent xmlns:mc="http://schemas.openxmlformats.org/markup-compatibility/2006" xmlns:a14="http://schemas.microsoft.com/office/drawing/2010/main">
+        <mc:Choice Requires="a14">
           <p:sp>
             <p:nvSpPr>
               <p:cNvPr id="30" name="矩形 29"/>
@@ -12489,7 +12491,7 @@
             </p:txBody>
           </p:sp>
         </mc:Choice>
-        <mc:Fallback>
+        <mc:Fallback xmlns="">
           <p:sp>
             <p:nvSpPr>
               <p:cNvPr id="30" name="矩形 29"/>
@@ -12528,8 +12530,8 @@
           </p:sp>
         </mc:Fallback>
       </mc:AlternateContent>
-      <mc:AlternateContent xmlns:mc="http://schemas.openxmlformats.org/markup-compatibility/2006">
-        <mc:Choice xmlns:a14="http://schemas.microsoft.com/office/drawing/2010/main" Requires="a14">
+      <mc:AlternateContent xmlns:mc="http://schemas.openxmlformats.org/markup-compatibility/2006" xmlns:a14="http://schemas.microsoft.com/office/drawing/2010/main">
+        <mc:Choice Requires="a14">
           <p:sp>
             <p:nvSpPr>
               <p:cNvPr id="16" name="文本框 15">
@@ -12641,7 +12643,7 @@
             </p:txBody>
           </p:sp>
         </mc:Choice>
-        <mc:Fallback>
+        <mc:Fallback xmlns="">
           <p:sp>
             <p:nvSpPr>
               <p:cNvPr id="16" name="文本框 15">
@@ -12732,8 +12734,8 @@
           </a:fontRef>
         </p:style>
       </p:cxnSp>
-      <mc:AlternateContent xmlns:mc="http://schemas.openxmlformats.org/markup-compatibility/2006">
-        <mc:Choice xmlns:a14="http://schemas.microsoft.com/office/drawing/2010/main" Requires="a14">
+      <mc:AlternateContent xmlns:mc="http://schemas.openxmlformats.org/markup-compatibility/2006" xmlns:a14="http://schemas.microsoft.com/office/drawing/2010/main">
+        <mc:Choice Requires="a14">
           <p:graphicFrame>
             <p:nvGraphicFramePr>
               <p:cNvPr id="3" name="表格 2">
@@ -12924,7 +12926,7 @@
             </a:graphic>
           </p:graphicFrame>
         </mc:Choice>
-        <mc:Fallback>
+        <mc:Fallback xmlns="">
           <p:graphicFrame>
             <p:nvGraphicFramePr>
               <p:cNvPr id="3" name="表格 2">
@@ -13030,8 +13032,8 @@
           </p:graphicFrame>
         </mc:Fallback>
       </mc:AlternateContent>
-      <mc:AlternateContent xmlns:mc="http://schemas.openxmlformats.org/markup-compatibility/2006">
-        <mc:Choice xmlns:a14="http://schemas.microsoft.com/office/drawing/2010/main" Requires="a14">
+      <mc:AlternateContent xmlns:mc="http://schemas.openxmlformats.org/markup-compatibility/2006" xmlns:a14="http://schemas.microsoft.com/office/drawing/2010/main">
+        <mc:Choice Requires="a14">
           <p:sp>
             <p:nvSpPr>
               <p:cNvPr id="27" name="文本框 26">
@@ -13100,7 +13102,7 @@
             </p:txBody>
           </p:sp>
         </mc:Choice>
-        <mc:Fallback>
+        <mc:Fallback xmlns="">
           <p:sp>
             <p:nvSpPr>
               <p:cNvPr id="27" name="文本框 26">
@@ -13190,8 +13192,8 @@
           </a:fontRef>
         </p:style>
       </p:cxnSp>
-      <mc:AlternateContent xmlns:mc="http://schemas.openxmlformats.org/markup-compatibility/2006">
-        <mc:Choice xmlns:a14="http://schemas.microsoft.com/office/drawing/2010/main" Requires="a14">
+      <mc:AlternateContent xmlns:mc="http://schemas.openxmlformats.org/markup-compatibility/2006" xmlns:a14="http://schemas.microsoft.com/office/drawing/2010/main">
+        <mc:Choice Requires="a14">
           <p:graphicFrame>
             <p:nvGraphicFramePr>
               <p:cNvPr id="35" name="表格 34">
@@ -13425,7 +13427,7 @@
             </a:graphic>
           </p:graphicFrame>
         </mc:Choice>
-        <mc:Fallback>
+        <mc:Fallback xmlns="">
           <p:graphicFrame>
             <p:nvGraphicFramePr>
               <p:cNvPr id="35" name="表格 34">
@@ -13531,8 +13533,8 @@
           </p:graphicFrame>
         </mc:Fallback>
       </mc:AlternateContent>
-      <mc:AlternateContent xmlns:mc="http://schemas.openxmlformats.org/markup-compatibility/2006">
-        <mc:Choice xmlns:a14="http://schemas.microsoft.com/office/drawing/2010/main" Requires="a14">
+      <mc:AlternateContent xmlns:mc="http://schemas.openxmlformats.org/markup-compatibility/2006" xmlns:a14="http://schemas.microsoft.com/office/drawing/2010/main">
+        <mc:Choice Requires="a14">
           <p:sp>
             <p:nvSpPr>
               <p:cNvPr id="41" name="文本框 40">
@@ -13710,7 +13712,6 @@
                 <a:endParaRPr kumimoji="1" lang="en-US" altLang="zh-CN" sz="2400" i="1" dirty="0"/>
               </a:p>
               <a:p>
-                <a:pPr/>
                 <a:endParaRPr kumimoji="1" lang="en-US" altLang="zh-CN" sz="1000" i="1" dirty="0"/>
               </a:p>
               <a:p>
@@ -13821,7 +13822,7 @@
             </p:txBody>
           </p:sp>
         </mc:Choice>
-        <mc:Fallback>
+        <mc:Fallback xmlns="">
           <p:sp>
             <p:nvSpPr>
               <p:cNvPr id="41" name="文本框 40">
@@ -13866,8 +13867,8 @@
           </p:sp>
         </mc:Fallback>
       </mc:AlternateContent>
-      <mc:AlternateContent xmlns:mc="http://schemas.openxmlformats.org/markup-compatibility/2006">
-        <mc:Choice xmlns:a14="http://schemas.microsoft.com/office/drawing/2010/main" Requires="a14">
+      <mc:AlternateContent xmlns:mc="http://schemas.openxmlformats.org/markup-compatibility/2006" xmlns:a14="http://schemas.microsoft.com/office/drawing/2010/main">
+        <mc:Choice Requires="a14">
           <p:graphicFrame>
             <p:nvGraphicFramePr>
               <p:cNvPr id="44" name="表格 43">
@@ -14101,7 +14102,7 @@
             </a:graphic>
           </p:graphicFrame>
         </mc:Choice>
-        <mc:Fallback>
+        <mc:Fallback xmlns="">
           <p:graphicFrame>
             <p:nvGraphicFramePr>
               <p:cNvPr id="44" name="表格 43">
@@ -18677,41 +18678,6 @@
       </p:grpSpPr>
       <p:sp>
         <p:nvSpPr>
-          <p:cNvPr id="2" name="标题 1">
-            <a:extLst>
-              <a:ext uri="{FF2B5EF4-FFF2-40B4-BE49-F238E27FC236}">
-                <a16:creationId xmlns:a16="http://schemas.microsoft.com/office/drawing/2014/main" id="{6BD3BC95-97FB-854B-BC45-4D2B05ECEC9F}"/>
-              </a:ext>
-            </a:extLst>
-          </p:cNvPr>
-          <p:cNvSpPr>
-            <a:spLocks noGrp="1"/>
-          </p:cNvSpPr>
-          <p:nvPr>
-            <p:ph type="title"/>
-          </p:nvPr>
-        </p:nvSpPr>
-        <p:spPr/>
-        <p:txBody>
-          <a:bodyPr/>
-          <a:lstStyle/>
-          <a:p>
-            <a:r>
-              <a:rPr kumimoji="1" lang="en-US" altLang="zh-CN" dirty="0">
-                <a:latin typeface="Times New Roman" panose="02020603050405020304" pitchFamily="18" charset="0"/>
-                <a:cs typeface="Times New Roman" panose="02020603050405020304" pitchFamily="18" charset="0"/>
-              </a:rPr>
-              <a:t>Topology</a:t>
-            </a:r>
-            <a:endParaRPr kumimoji="1" lang="zh-CN" altLang="en-US" dirty="0">
-              <a:latin typeface="Times New Roman" panose="02020603050405020304" pitchFamily="18" charset="0"/>
-              <a:cs typeface="Times New Roman" panose="02020603050405020304" pitchFamily="18" charset="0"/>
-            </a:endParaRPr>
-          </a:p>
-        </p:txBody>
-      </p:sp>
-      <p:sp>
-        <p:nvSpPr>
           <p:cNvPr id="35" name="椭圆 34">
             <a:extLst>
               <a:ext uri="{FF2B5EF4-FFF2-40B4-BE49-F238E27FC236}">
@@ -18724,7 +18690,7 @@
         </p:nvSpPr>
         <p:spPr>
           <a:xfrm>
-            <a:off x="3667516" y="3658986"/>
+            <a:off x="3667516" y="3539718"/>
             <a:ext cx="304800" cy="304800"/>
           </a:xfrm>
           <a:prstGeom prst="ellipse">
@@ -18770,7 +18736,7 @@
         </p:nvSpPr>
         <p:spPr>
           <a:xfrm>
-            <a:off x="2164174" y="1799734"/>
+            <a:off x="2164174" y="1680466"/>
             <a:ext cx="304800" cy="304800"/>
           </a:xfrm>
           <a:prstGeom prst="ellipse">
@@ -18819,7 +18785,7 @@
         </p:nvSpPr>
         <p:spPr>
           <a:xfrm>
-            <a:off x="3441972" y="5885788"/>
+            <a:off x="3441972" y="5766520"/>
             <a:ext cx="302172" cy="294287"/>
           </a:xfrm>
           <a:prstGeom prst="rect">
@@ -18865,7 +18831,7 @@
         </p:nvSpPr>
         <p:spPr>
           <a:xfrm>
-            <a:off x="3884724" y="5885788"/>
+            <a:off x="3884724" y="5766520"/>
             <a:ext cx="302172" cy="294287"/>
           </a:xfrm>
           <a:prstGeom prst="rect">
@@ -18911,7 +18877,7 @@
         </p:nvSpPr>
         <p:spPr>
           <a:xfrm>
-            <a:off x="3666628" y="4955622"/>
+            <a:off x="3666628" y="4836354"/>
             <a:ext cx="304800" cy="304800"/>
           </a:xfrm>
           <a:prstGeom prst="ellipse">
@@ -18961,7 +18927,7 @@
         </p:nvCxnSpPr>
         <p:spPr>
           <a:xfrm flipV="1">
-            <a:off x="3593058" y="5260422"/>
+            <a:off x="3593058" y="5141154"/>
             <a:ext cx="225970" cy="625366"/>
           </a:xfrm>
           <a:prstGeom prst="line">
@@ -19006,7 +18972,7 @@
         </p:nvCxnSpPr>
         <p:spPr>
           <a:xfrm flipH="1" flipV="1">
-            <a:off x="3819028" y="5260422"/>
+            <a:off x="3819028" y="5141154"/>
             <a:ext cx="216782" cy="625366"/>
           </a:xfrm>
           <a:prstGeom prst="line">
@@ -19047,7 +19013,7 @@
         </p:nvSpPr>
         <p:spPr>
           <a:xfrm>
-            <a:off x="4506264" y="5875279"/>
+            <a:off x="4506264" y="5756011"/>
             <a:ext cx="302172" cy="294287"/>
           </a:xfrm>
           <a:prstGeom prst="rect">
@@ -19093,7 +19059,7 @@
         </p:nvSpPr>
         <p:spPr>
           <a:xfrm>
-            <a:off x="4949016" y="5875279"/>
+            <a:off x="4949016" y="5756011"/>
             <a:ext cx="302172" cy="294287"/>
           </a:xfrm>
           <a:prstGeom prst="rect">
@@ -19139,7 +19105,7 @@
         </p:nvSpPr>
         <p:spPr>
           <a:xfrm>
-            <a:off x="4730920" y="4945113"/>
+            <a:off x="4730920" y="4825845"/>
             <a:ext cx="304800" cy="304800"/>
           </a:xfrm>
           <a:prstGeom prst="ellipse">
@@ -19189,7 +19155,7 @@
         </p:nvCxnSpPr>
         <p:spPr>
           <a:xfrm flipV="1">
-            <a:off x="4657350" y="5249913"/>
+            <a:off x="4657350" y="5130645"/>
             <a:ext cx="225970" cy="625366"/>
           </a:xfrm>
           <a:prstGeom prst="line">
@@ -19234,7 +19200,7 @@
         </p:nvCxnSpPr>
         <p:spPr>
           <a:xfrm flipH="1" flipV="1">
-            <a:off x="4883320" y="5249913"/>
+            <a:off x="4883320" y="5130645"/>
             <a:ext cx="216782" cy="625366"/>
           </a:xfrm>
           <a:prstGeom prst="line">
@@ -19279,7 +19245,7 @@
         </p:nvCxnSpPr>
         <p:spPr>
           <a:xfrm flipH="1" flipV="1">
-            <a:off x="3819916" y="3963786"/>
+            <a:off x="3819916" y="3844518"/>
             <a:ext cx="1063404" cy="981327"/>
           </a:xfrm>
           <a:prstGeom prst="line">
@@ -19324,7 +19290,7 @@
         </p:nvCxnSpPr>
         <p:spPr>
           <a:xfrm flipV="1">
-            <a:off x="3819028" y="3963786"/>
+            <a:off x="3819028" y="3844518"/>
             <a:ext cx="888" cy="991836"/>
           </a:xfrm>
           <a:prstGeom prst="line">
@@ -19365,7 +19331,7 @@
         </p:nvSpPr>
         <p:spPr>
           <a:xfrm>
-            <a:off x="1099882" y="3636883"/>
+            <a:off x="1099882" y="3517615"/>
             <a:ext cx="304800" cy="304800"/>
           </a:xfrm>
           <a:prstGeom prst="ellipse">
@@ -19414,7 +19380,7 @@
         </p:nvSpPr>
         <p:spPr>
           <a:xfrm>
-            <a:off x="875226" y="5875279"/>
+            <a:off x="875226" y="5756011"/>
             <a:ext cx="302172" cy="294287"/>
           </a:xfrm>
           <a:prstGeom prst="rect">
@@ -19468,7 +19434,7 @@
         </p:nvSpPr>
         <p:spPr>
           <a:xfrm>
-            <a:off x="1317978" y="5875279"/>
+            <a:off x="1317978" y="5756011"/>
             <a:ext cx="302172" cy="294287"/>
           </a:xfrm>
           <a:prstGeom prst="rect">
@@ -19514,7 +19480,7 @@
         </p:nvSpPr>
         <p:spPr>
           <a:xfrm>
-            <a:off x="1099882" y="4945113"/>
+            <a:off x="1099882" y="4825845"/>
             <a:ext cx="304800" cy="304800"/>
           </a:xfrm>
           <a:prstGeom prst="ellipse">
@@ -19567,7 +19533,7 @@
         </p:nvCxnSpPr>
         <p:spPr>
           <a:xfrm flipV="1">
-            <a:off x="1026312" y="5249913"/>
+            <a:off x="1026312" y="5130645"/>
             <a:ext cx="225970" cy="625366"/>
           </a:xfrm>
           <a:prstGeom prst="line">
@@ -19612,7 +19578,7 @@
         </p:nvCxnSpPr>
         <p:spPr>
           <a:xfrm flipH="1" flipV="1">
-            <a:off x="1252282" y="5249913"/>
+            <a:off x="1252282" y="5130645"/>
             <a:ext cx="216782" cy="625366"/>
           </a:xfrm>
           <a:prstGeom prst="line">
@@ -19653,7 +19619,7 @@
         </p:nvSpPr>
         <p:spPr>
           <a:xfrm>
-            <a:off x="1939518" y="5864770"/>
+            <a:off x="1939518" y="5745502"/>
             <a:ext cx="302172" cy="294287"/>
           </a:xfrm>
           <a:prstGeom prst="rect">
@@ -19699,7 +19665,7 @@
         </p:nvSpPr>
         <p:spPr>
           <a:xfrm>
-            <a:off x="2382270" y="5864770"/>
+            <a:off x="2382270" y="5745502"/>
             <a:ext cx="302172" cy="294287"/>
           </a:xfrm>
           <a:prstGeom prst="rect">
@@ -19745,7 +19711,7 @@
         </p:nvSpPr>
         <p:spPr>
           <a:xfrm>
-            <a:off x="2164174" y="4934604"/>
+            <a:off x="2164174" y="4815336"/>
             <a:ext cx="304800" cy="304800"/>
           </a:xfrm>
           <a:prstGeom prst="ellipse">
@@ -19795,7 +19761,7 @@
         </p:nvCxnSpPr>
         <p:spPr>
           <a:xfrm flipV="1">
-            <a:off x="2090604" y="5239404"/>
+            <a:off x="2090604" y="5120136"/>
             <a:ext cx="225970" cy="625366"/>
           </a:xfrm>
           <a:prstGeom prst="line">
@@ -19840,7 +19806,7 @@
         </p:nvCxnSpPr>
         <p:spPr>
           <a:xfrm flipH="1" flipV="1">
-            <a:off x="2316574" y="5239404"/>
+            <a:off x="2316574" y="5120136"/>
             <a:ext cx="216782" cy="625366"/>
           </a:xfrm>
           <a:prstGeom prst="line">
@@ -19885,7 +19851,7 @@
         </p:nvCxnSpPr>
         <p:spPr>
           <a:xfrm flipH="1" flipV="1">
-            <a:off x="1252282" y="3941683"/>
+            <a:off x="1252282" y="3822415"/>
             <a:ext cx="1064292" cy="992921"/>
           </a:xfrm>
           <a:prstGeom prst="line">
@@ -19930,7 +19896,7 @@
         </p:nvCxnSpPr>
         <p:spPr>
           <a:xfrm flipV="1">
-            <a:off x="1252282" y="3941683"/>
+            <a:off x="1252282" y="3822415"/>
             <a:ext cx="0" cy="1003430"/>
           </a:xfrm>
           <a:prstGeom prst="line">
@@ -19975,7 +19941,7 @@
         </p:nvCxnSpPr>
         <p:spPr>
           <a:xfrm flipV="1">
-            <a:off x="1252282" y="2104534"/>
+            <a:off x="1252282" y="1985266"/>
             <a:ext cx="1064292" cy="1532349"/>
           </a:xfrm>
           <a:prstGeom prst="line">
@@ -20020,7 +19986,7 @@
         </p:nvCxnSpPr>
         <p:spPr>
           <a:xfrm flipH="1" flipV="1">
-            <a:off x="2316574" y="2104534"/>
+            <a:off x="2316574" y="1985266"/>
             <a:ext cx="1503342" cy="1554452"/>
           </a:xfrm>
           <a:prstGeom prst="line">
@@ -20061,7 +20027,7 @@
         </p:nvSpPr>
         <p:spPr>
           <a:xfrm>
-            <a:off x="9092064" y="3660678"/>
+            <a:off x="9092064" y="3541410"/>
             <a:ext cx="304800" cy="304800"/>
           </a:xfrm>
           <a:prstGeom prst="ellipse">
@@ -20107,7 +20073,7 @@
         </p:nvSpPr>
         <p:spPr>
           <a:xfrm>
-            <a:off x="9090805" y="1838117"/>
+            <a:off x="9090805" y="1718849"/>
             <a:ext cx="304800" cy="304800"/>
           </a:xfrm>
           <a:prstGeom prst="ellipse">
@@ -20156,7 +20122,7 @@
         </p:nvSpPr>
         <p:spPr>
           <a:xfrm>
-            <a:off x="8866149" y="5906318"/>
+            <a:off x="8866149" y="5787050"/>
             <a:ext cx="302172" cy="294287"/>
           </a:xfrm>
           <a:prstGeom prst="rect">
@@ -20202,7 +20168,7 @@
         </p:nvSpPr>
         <p:spPr>
           <a:xfrm>
-            <a:off x="9308901" y="5906318"/>
+            <a:off x="9308901" y="5787050"/>
             <a:ext cx="302172" cy="294287"/>
           </a:xfrm>
           <a:prstGeom prst="rect">
@@ -20248,7 +20214,7 @@
         </p:nvSpPr>
         <p:spPr>
           <a:xfrm>
-            <a:off x="9090805" y="4976152"/>
+            <a:off x="9090805" y="4856884"/>
             <a:ext cx="304800" cy="304800"/>
           </a:xfrm>
           <a:prstGeom prst="ellipse">
@@ -20298,7 +20264,7 @@
         </p:nvCxnSpPr>
         <p:spPr>
           <a:xfrm flipV="1">
-            <a:off x="9017235" y="5280952"/>
+            <a:off x="9017235" y="5161684"/>
             <a:ext cx="225970" cy="625366"/>
           </a:xfrm>
           <a:prstGeom prst="line">
@@ -20343,7 +20309,7 @@
         </p:nvCxnSpPr>
         <p:spPr>
           <a:xfrm flipH="1" flipV="1">
-            <a:off x="9243205" y="5280952"/>
+            <a:off x="9243205" y="5161684"/>
             <a:ext cx="216782" cy="625366"/>
           </a:xfrm>
           <a:prstGeom prst="line">
@@ -20384,7 +20350,7 @@
         </p:nvSpPr>
         <p:spPr>
           <a:xfrm>
-            <a:off x="9930441" y="5895809"/>
+            <a:off x="9930441" y="5776541"/>
             <a:ext cx="302172" cy="294287"/>
           </a:xfrm>
           <a:prstGeom prst="rect">
@@ -20430,7 +20396,7 @@
         </p:nvSpPr>
         <p:spPr>
           <a:xfrm>
-            <a:off x="10373193" y="5895809"/>
+            <a:off x="10373193" y="5776541"/>
             <a:ext cx="302172" cy="294287"/>
           </a:xfrm>
           <a:prstGeom prst="rect">
@@ -20476,7 +20442,7 @@
         </p:nvSpPr>
         <p:spPr>
           <a:xfrm>
-            <a:off x="10155097" y="4965643"/>
+            <a:off x="10155097" y="4846375"/>
             <a:ext cx="304800" cy="304800"/>
           </a:xfrm>
           <a:prstGeom prst="ellipse">
@@ -20526,7 +20492,7 @@
         </p:nvCxnSpPr>
         <p:spPr>
           <a:xfrm flipV="1">
-            <a:off x="10081527" y="5270443"/>
+            <a:off x="10081527" y="5151175"/>
             <a:ext cx="225970" cy="625366"/>
           </a:xfrm>
           <a:prstGeom prst="line">
@@ -20571,7 +20537,7 @@
         </p:nvCxnSpPr>
         <p:spPr>
           <a:xfrm flipH="1" flipV="1">
-            <a:off x="10307497" y="5270443"/>
+            <a:off x="10307497" y="5151175"/>
             <a:ext cx="216782" cy="625366"/>
           </a:xfrm>
           <a:prstGeom prst="line">
@@ -20616,7 +20582,7 @@
         </p:nvCxnSpPr>
         <p:spPr>
           <a:xfrm flipH="1" flipV="1">
-            <a:off x="9244464" y="3965478"/>
+            <a:off x="9244464" y="3846210"/>
             <a:ext cx="1063033" cy="1000165"/>
           </a:xfrm>
           <a:prstGeom prst="line">
@@ -20661,7 +20627,7 @@
         </p:nvCxnSpPr>
         <p:spPr>
           <a:xfrm flipV="1">
-            <a:off x="9243205" y="3965478"/>
+            <a:off x="9243205" y="3846210"/>
             <a:ext cx="1259" cy="1010674"/>
           </a:xfrm>
           <a:prstGeom prst="line">
@@ -20702,7 +20668,7 @@
         </p:nvSpPr>
         <p:spPr>
           <a:xfrm>
-            <a:off x="6528978" y="3655584"/>
+            <a:off x="6528978" y="3536316"/>
             <a:ext cx="304800" cy="304800"/>
           </a:xfrm>
           <a:prstGeom prst="ellipse">
@@ -20751,7 +20717,7 @@
         </p:nvSpPr>
         <p:spPr>
           <a:xfrm>
-            <a:off x="6299403" y="5895809"/>
+            <a:off x="6299403" y="5776541"/>
             <a:ext cx="302172" cy="294287"/>
           </a:xfrm>
           <a:prstGeom prst="rect">
@@ -20797,7 +20763,7 @@
         </p:nvSpPr>
         <p:spPr>
           <a:xfrm>
-            <a:off x="6742155" y="5895809"/>
+            <a:off x="6742155" y="5776541"/>
             <a:ext cx="302172" cy="294287"/>
           </a:xfrm>
           <a:prstGeom prst="rect">
@@ -20843,7 +20809,7 @@
         </p:nvSpPr>
         <p:spPr>
           <a:xfrm>
-            <a:off x="6524059" y="4965643"/>
+            <a:off x="6524059" y="4846375"/>
             <a:ext cx="304800" cy="304800"/>
           </a:xfrm>
           <a:prstGeom prst="ellipse">
@@ -20893,7 +20859,7 @@
         </p:nvCxnSpPr>
         <p:spPr>
           <a:xfrm flipV="1">
-            <a:off x="6450489" y="5270443"/>
+            <a:off x="6450489" y="5151175"/>
             <a:ext cx="225970" cy="625366"/>
           </a:xfrm>
           <a:prstGeom prst="line">
@@ -20938,7 +20904,7 @@
         </p:nvCxnSpPr>
         <p:spPr>
           <a:xfrm flipH="1" flipV="1">
-            <a:off x="6676459" y="5270443"/>
+            <a:off x="6676459" y="5151175"/>
             <a:ext cx="216782" cy="625366"/>
           </a:xfrm>
           <a:prstGeom prst="line">
@@ -20979,7 +20945,7 @@
         </p:nvSpPr>
         <p:spPr>
           <a:xfrm>
-            <a:off x="7363695" y="5885300"/>
+            <a:off x="7363695" y="5766032"/>
             <a:ext cx="302172" cy="294287"/>
           </a:xfrm>
           <a:prstGeom prst="rect">
@@ -21025,7 +20991,7 @@
         </p:nvSpPr>
         <p:spPr>
           <a:xfrm>
-            <a:off x="7806447" y="5885300"/>
+            <a:off x="7806447" y="5766032"/>
             <a:ext cx="302172" cy="294287"/>
           </a:xfrm>
           <a:prstGeom prst="rect">
@@ -21079,7 +21045,7 @@
         </p:nvSpPr>
         <p:spPr>
           <a:xfrm>
-            <a:off x="7588351" y="4955134"/>
+            <a:off x="7588351" y="4835866"/>
             <a:ext cx="304800" cy="304800"/>
           </a:xfrm>
           <a:prstGeom prst="ellipse">
@@ -21132,7 +21098,7 @@
         </p:nvCxnSpPr>
         <p:spPr>
           <a:xfrm flipV="1">
-            <a:off x="7514781" y="5259934"/>
+            <a:off x="7514781" y="5140666"/>
             <a:ext cx="225970" cy="625366"/>
           </a:xfrm>
           <a:prstGeom prst="line">
@@ -21177,7 +21143,7 @@
         </p:nvCxnSpPr>
         <p:spPr>
           <a:xfrm flipH="1" flipV="1">
-            <a:off x="7740751" y="5259934"/>
+            <a:off x="7740751" y="5140666"/>
             <a:ext cx="216782" cy="625366"/>
           </a:xfrm>
           <a:prstGeom prst="line">
@@ -21222,7 +21188,7 @@
         </p:nvCxnSpPr>
         <p:spPr>
           <a:xfrm flipH="1" flipV="1">
-            <a:off x="6681378" y="3960384"/>
+            <a:off x="6681378" y="3841116"/>
             <a:ext cx="1059373" cy="994750"/>
           </a:xfrm>
           <a:prstGeom prst="line">
@@ -21267,7 +21233,7 @@
         </p:nvCxnSpPr>
         <p:spPr>
           <a:xfrm flipV="1">
-            <a:off x="6676459" y="3960384"/>
+            <a:off x="6676459" y="3841116"/>
             <a:ext cx="4919" cy="1005259"/>
           </a:xfrm>
           <a:prstGeom prst="line">
@@ -21312,7 +21278,7 @@
         </p:nvCxnSpPr>
         <p:spPr>
           <a:xfrm flipH="1" flipV="1">
-            <a:off x="4538355" y="2155771"/>
+            <a:off x="4538355" y="2036503"/>
             <a:ext cx="2143023" cy="1499813"/>
           </a:xfrm>
           <a:prstGeom prst="line">
@@ -21357,7 +21323,7 @@
         </p:nvCxnSpPr>
         <p:spPr>
           <a:xfrm flipH="1" flipV="1">
-            <a:off x="4538355" y="2155771"/>
+            <a:off x="4538355" y="2036503"/>
             <a:ext cx="4706109" cy="1504907"/>
           </a:xfrm>
           <a:prstGeom prst="line">
@@ -21402,7 +21368,7 @@
         </p:nvCxnSpPr>
         <p:spPr>
           <a:xfrm flipV="1">
-            <a:off x="3819916" y="2155771"/>
+            <a:off x="3819916" y="2036503"/>
             <a:ext cx="718439" cy="1503215"/>
           </a:xfrm>
           <a:prstGeom prst="line">
@@ -21447,7 +21413,7 @@
         </p:nvCxnSpPr>
         <p:spPr>
           <a:xfrm flipV="1">
-            <a:off x="1252282" y="2155771"/>
+            <a:off x="1252282" y="2036503"/>
             <a:ext cx="3286073" cy="1481112"/>
           </a:xfrm>
           <a:prstGeom prst="line">
@@ -21492,7 +21458,7 @@
         </p:nvCxnSpPr>
         <p:spPr>
           <a:xfrm flipH="1" flipV="1">
-            <a:off x="2316574" y="2104534"/>
+            <a:off x="2316574" y="1985266"/>
             <a:ext cx="4364804" cy="1551050"/>
           </a:xfrm>
           <a:prstGeom prst="line">
@@ -21537,7 +21503,7 @@
         </p:nvCxnSpPr>
         <p:spPr>
           <a:xfrm flipH="1" flipV="1">
-            <a:off x="2316574" y="2104534"/>
+            <a:off x="2316574" y="1985266"/>
             <a:ext cx="6927890" cy="1556144"/>
           </a:xfrm>
           <a:prstGeom prst="line">
@@ -21578,7 +21544,7 @@
         </p:nvSpPr>
         <p:spPr>
           <a:xfrm>
-            <a:off x="637580" y="4890602"/>
+            <a:off x="637580" y="4771334"/>
             <a:ext cx="570431" cy="369332"/>
           </a:xfrm>
           <a:prstGeom prst="rect">
@@ -21620,7 +21586,7 @@
         </p:nvSpPr>
         <p:spPr>
           <a:xfrm>
-            <a:off x="638767" y="3608582"/>
+            <a:off x="638767" y="3489314"/>
             <a:ext cx="570431" cy="369332"/>
           </a:xfrm>
           <a:prstGeom prst="rect">
@@ -21662,7 +21628,7 @@
         </p:nvSpPr>
         <p:spPr>
           <a:xfrm>
-            <a:off x="8131457" y="3625234"/>
+            <a:off x="8131457" y="3505966"/>
             <a:ext cx="570431" cy="369332"/>
           </a:xfrm>
           <a:prstGeom prst="rect">
@@ -21704,7 +21670,7 @@
         </p:nvSpPr>
         <p:spPr>
           <a:xfrm>
-            <a:off x="8098163" y="4873277"/>
+            <a:off x="8098163" y="4754009"/>
             <a:ext cx="570431" cy="369332"/>
           </a:xfrm>
           <a:prstGeom prst="rect">
@@ -21732,8 +21698,8 @@
           </a:p>
         </p:txBody>
       </p:sp>
-      <mc:AlternateContent xmlns:mc="http://schemas.openxmlformats.org/markup-compatibility/2006" xmlns:a14="http://schemas.microsoft.com/office/drawing/2010/main">
-        <mc:Choice Requires="a14">
+      <mc:AlternateContent xmlns:mc="http://schemas.openxmlformats.org/markup-compatibility/2006">
+        <mc:Choice xmlns:a14="http://schemas.microsoft.com/office/drawing/2010/main" Requires="a14">
           <p:sp>
             <p:nvSpPr>
               <p:cNvPr id="183" name="文本框 182">
@@ -21748,7 +21714,7 @@
             </p:nvSpPr>
             <p:spPr>
               <a:xfrm>
-                <a:off x="4035810" y="707408"/>
+                <a:off x="2216841" y="692893"/>
                 <a:ext cx="6765688" cy="369332"/>
               </a:xfrm>
               <a:prstGeom prst="rect">
@@ -21925,13 +21891,13 @@
             </p:txBody>
           </p:sp>
         </mc:Choice>
-        <mc:Fallback xmlns="">
+        <mc:Fallback>
           <p:sp>
             <p:nvSpPr>
               <p:cNvPr id="183" name="文本框 182">
                 <a:extLst>
                   <a:ext uri="{FF2B5EF4-FFF2-40B4-BE49-F238E27FC236}">
-                    <a16:creationId xmlns="" xmlns:a16="http://schemas.microsoft.com/office/drawing/2014/main" xmlns:a14="http://schemas.microsoft.com/office/drawing/2010/main" id="{3F3E9AD1-90DC-0E44-AD0E-A1BA45CD1F16}"/>
+                    <a16:creationId xmlns:a16="http://schemas.microsoft.com/office/drawing/2014/main" id="{3F3E9AD1-90DC-0E44-AD0E-A1BA45CD1F16}"/>
                   </a:ext>
                 </a:extLst>
               </p:cNvPr>
@@ -21942,16 +21908,16 @@
             </p:nvSpPr>
             <p:spPr>
               <a:xfrm>
-                <a:off x="4035810" y="707408"/>
+                <a:off x="2216841" y="692893"/>
                 <a:ext cx="6765688" cy="369332"/>
               </a:xfrm>
               <a:prstGeom prst="rect">
                 <a:avLst/>
               </a:prstGeom>
-              <a:blipFill rotWithShape="0">
+              <a:blipFill>
                 <a:blip r:embed="rId3"/>
                 <a:stretch>
-                  <a:fillRect b="-36066"/>
+                  <a:fillRect b="-33333"/>
                 </a:stretch>
               </a:blipFill>
             </p:spPr>
@@ -21984,7 +21950,7 @@
         </p:nvSpPr>
         <p:spPr>
           <a:xfrm>
-            <a:off x="2164174" y="3660678"/>
+            <a:off x="2164174" y="3541410"/>
             <a:ext cx="304800" cy="304800"/>
           </a:xfrm>
           <a:prstGeom prst="ellipse">
@@ -22033,7 +21999,7 @@
         </p:nvSpPr>
         <p:spPr>
           <a:xfrm>
-            <a:off x="4727528" y="3653730"/>
+            <a:off x="4727528" y="3534462"/>
             <a:ext cx="304800" cy="304800"/>
           </a:xfrm>
           <a:prstGeom prst="ellipse">
@@ -22079,7 +22045,7 @@
         </p:nvSpPr>
         <p:spPr>
           <a:xfrm>
-            <a:off x="7597377" y="3664240"/>
+            <a:off x="7597377" y="3544972"/>
             <a:ext cx="304800" cy="304800"/>
           </a:xfrm>
           <a:prstGeom prst="ellipse">
@@ -22128,7 +22094,7 @@
         </p:nvSpPr>
         <p:spPr>
           <a:xfrm>
-            <a:off x="10155097" y="3669998"/>
+            <a:off x="10155097" y="3550730"/>
             <a:ext cx="304800" cy="304800"/>
           </a:xfrm>
           <a:prstGeom prst="ellipse">
@@ -22178,7 +22144,7 @@
         </p:nvCxnSpPr>
         <p:spPr>
           <a:xfrm flipV="1">
-            <a:off x="2316574" y="3965478"/>
+            <a:off x="2316574" y="3846210"/>
             <a:ext cx="0" cy="969126"/>
           </a:xfrm>
           <a:prstGeom prst="line">
@@ -22223,7 +22189,7 @@
         </p:nvCxnSpPr>
         <p:spPr>
           <a:xfrm flipV="1">
-            <a:off x="1252282" y="3965478"/>
+            <a:off x="1252282" y="3846210"/>
             <a:ext cx="1064292" cy="979635"/>
           </a:xfrm>
           <a:prstGeom prst="line">
@@ -22268,7 +22234,7 @@
         </p:nvCxnSpPr>
         <p:spPr>
           <a:xfrm flipH="1" flipV="1">
-            <a:off x="4879928" y="3958530"/>
+            <a:off x="4879928" y="3839262"/>
             <a:ext cx="3392" cy="986583"/>
           </a:xfrm>
           <a:prstGeom prst="line">
@@ -22313,7 +22279,7 @@
         </p:nvCxnSpPr>
         <p:spPr>
           <a:xfrm flipV="1">
-            <a:off x="3819028" y="3958530"/>
+            <a:off x="3819028" y="3839262"/>
             <a:ext cx="1060900" cy="997092"/>
           </a:xfrm>
           <a:prstGeom prst="line">
@@ -22358,7 +22324,7 @@
         </p:nvCxnSpPr>
         <p:spPr>
           <a:xfrm flipV="1">
-            <a:off x="7740751" y="3969040"/>
+            <a:off x="7740751" y="3849772"/>
             <a:ext cx="9026" cy="986094"/>
           </a:xfrm>
           <a:prstGeom prst="line">
@@ -22403,7 +22369,7 @@
         </p:nvCxnSpPr>
         <p:spPr>
           <a:xfrm flipV="1">
-            <a:off x="6676459" y="3969040"/>
+            <a:off x="6676459" y="3849772"/>
             <a:ext cx="1073318" cy="996603"/>
           </a:xfrm>
           <a:prstGeom prst="line">
@@ -22448,7 +22414,7 @@
         </p:nvCxnSpPr>
         <p:spPr>
           <a:xfrm flipV="1">
-            <a:off x="9243205" y="3974798"/>
+            <a:off x="9243205" y="3855530"/>
             <a:ext cx="1064292" cy="1001354"/>
           </a:xfrm>
           <a:prstGeom prst="line">
@@ -22493,7 +22459,7 @@
         </p:nvCxnSpPr>
         <p:spPr>
           <a:xfrm flipV="1">
-            <a:off x="10307497" y="3974798"/>
+            <a:off x="10307497" y="3855530"/>
             <a:ext cx="0" cy="990845"/>
           </a:xfrm>
           <a:prstGeom prst="line">
@@ -22534,7 +22500,7 @@
         </p:nvSpPr>
         <p:spPr>
           <a:xfrm>
-            <a:off x="4385955" y="1850971"/>
+            <a:off x="4385955" y="1731703"/>
             <a:ext cx="304800" cy="304800"/>
           </a:xfrm>
           <a:prstGeom prst="ellipse">
@@ -22583,7 +22549,7 @@
         </p:nvSpPr>
         <p:spPr>
           <a:xfrm>
-            <a:off x="6891927" y="1849195"/>
+            <a:off x="6891927" y="1729927"/>
             <a:ext cx="304800" cy="304800"/>
           </a:xfrm>
           <a:prstGeom prst="ellipse">
@@ -22636,7 +22602,7 @@
         </p:nvCxnSpPr>
         <p:spPr>
           <a:xfrm flipV="1">
-            <a:off x="2316574" y="2153995"/>
+            <a:off x="2316574" y="2034727"/>
             <a:ext cx="4727753" cy="1506683"/>
           </a:xfrm>
           <a:prstGeom prst="line">
@@ -22681,7 +22647,7 @@
         </p:nvCxnSpPr>
         <p:spPr>
           <a:xfrm flipV="1">
-            <a:off x="2316574" y="2142917"/>
+            <a:off x="2316574" y="2023649"/>
             <a:ext cx="6926631" cy="1517761"/>
           </a:xfrm>
           <a:prstGeom prst="line">
@@ -22726,7 +22692,7 @@
         </p:nvCxnSpPr>
         <p:spPr>
           <a:xfrm flipV="1">
-            <a:off x="4879928" y="2153995"/>
+            <a:off x="4879928" y="2034727"/>
             <a:ext cx="2164399" cy="1499735"/>
           </a:xfrm>
           <a:prstGeom prst="line">
@@ -22771,7 +22737,7 @@
         </p:nvCxnSpPr>
         <p:spPr>
           <a:xfrm flipV="1">
-            <a:off x="4879928" y="2142917"/>
+            <a:off x="4879928" y="2023649"/>
             <a:ext cx="4363277" cy="1510813"/>
           </a:xfrm>
           <a:prstGeom prst="line">
@@ -22816,7 +22782,7 @@
         </p:nvCxnSpPr>
         <p:spPr>
           <a:xfrm flipV="1">
-            <a:off x="7749777" y="2142917"/>
+            <a:off x="7749777" y="2023649"/>
             <a:ext cx="1493428" cy="1521323"/>
           </a:xfrm>
           <a:prstGeom prst="line">
@@ -22861,7 +22827,7 @@
         </p:nvCxnSpPr>
         <p:spPr>
           <a:xfrm flipH="1" flipV="1">
-            <a:off x="7044327" y="2153995"/>
+            <a:off x="7044327" y="2034727"/>
             <a:ext cx="705450" cy="1510245"/>
           </a:xfrm>
           <a:prstGeom prst="line">
@@ -22906,7 +22872,7 @@
         </p:nvCxnSpPr>
         <p:spPr>
           <a:xfrm flipH="1" flipV="1">
-            <a:off x="9243205" y="2142917"/>
+            <a:off x="9243205" y="2023649"/>
             <a:ext cx="1064292" cy="1527081"/>
           </a:xfrm>
           <a:prstGeom prst="line">
@@ -22951,7 +22917,7 @@
         </p:nvCxnSpPr>
         <p:spPr>
           <a:xfrm flipH="1" flipV="1">
-            <a:off x="7044327" y="2153995"/>
+            <a:off x="7044327" y="2034727"/>
             <a:ext cx="3263170" cy="1516003"/>
           </a:xfrm>
           <a:prstGeom prst="line">
@@ -22992,7 +22958,7 @@
         </p:nvSpPr>
         <p:spPr>
           <a:xfrm>
-            <a:off x="2717283" y="3619844"/>
+            <a:off x="2717283" y="3500576"/>
             <a:ext cx="570431" cy="369332"/>
           </a:xfrm>
           <a:prstGeom prst="rect">
@@ -23034,7 +23000,7 @@
         </p:nvSpPr>
         <p:spPr>
           <a:xfrm>
-            <a:off x="2241690" y="1373477"/>
+            <a:off x="2241690" y="1254209"/>
             <a:ext cx="570431" cy="369332"/>
           </a:xfrm>
           <a:prstGeom prst="rect">
@@ -23076,7 +23042,7 @@
         </p:nvSpPr>
         <p:spPr>
           <a:xfrm>
-            <a:off x="4485119" y="1425002"/>
+            <a:off x="4485119" y="1305734"/>
             <a:ext cx="570431" cy="369332"/>
           </a:xfrm>
           <a:prstGeom prst="rect">
@@ -23118,7 +23084,7 @@
         </p:nvSpPr>
         <p:spPr>
           <a:xfrm>
-            <a:off x="6972926" y="1419631"/>
+            <a:off x="6972926" y="1300363"/>
             <a:ext cx="570431" cy="369332"/>
           </a:xfrm>
           <a:prstGeom prst="rect">
@@ -23160,7 +23126,7 @@
         </p:nvSpPr>
         <p:spPr>
           <a:xfrm>
-            <a:off x="9190247" y="1419191"/>
+            <a:off x="9190247" y="1299923"/>
             <a:ext cx="570431" cy="369332"/>
           </a:xfrm>
           <a:prstGeom prst="rect">
@@ -23209,7 +23175,7 @@
         </p:nvSpPr>
         <p:spPr>
           <a:xfrm>
-            <a:off x="6143274" y="3616208"/>
+            <a:off x="6143274" y="3496940"/>
             <a:ext cx="570431" cy="369332"/>
           </a:xfrm>
           <a:prstGeom prst="rect">
@@ -23234,6 +23200,695 @@
               <a:latin typeface="Times New Roman" panose="02020603050405020304" pitchFamily="18" charset="0"/>
               <a:cs typeface="Times New Roman" panose="02020603050405020304" pitchFamily="18" charset="0"/>
             </a:endParaRPr>
+          </a:p>
+        </p:txBody>
+      </p:sp>
+      <p:sp>
+        <p:nvSpPr>
+          <p:cNvPr id="5" name="圆角矩形 4">
+            <a:extLst>
+              <a:ext uri="{FF2B5EF4-FFF2-40B4-BE49-F238E27FC236}">
+                <a16:creationId xmlns:a16="http://schemas.microsoft.com/office/drawing/2014/main" id="{C12238F0-9E00-294F-A1F3-280922A81D94}"/>
+              </a:ext>
+            </a:extLst>
+          </p:cNvPr>
+          <p:cNvSpPr/>
+          <p:nvPr/>
+        </p:nvSpPr>
+        <p:spPr>
+          <a:xfrm>
+            <a:off x="922795" y="4727505"/>
+            <a:ext cx="697355" cy="520356"/>
+          </a:xfrm>
+          <a:prstGeom prst="roundRect">
+            <a:avLst/>
+          </a:prstGeom>
+          <a:noFill/>
+          <a:ln w="25400">
+            <a:solidFill>
+              <a:schemeClr val="tx1"/>
+            </a:solidFill>
+            <a:prstDash val="sysDot"/>
+          </a:ln>
+        </p:spPr>
+        <p:style>
+          <a:lnRef idx="2">
+            <a:schemeClr val="accent1">
+              <a:shade val="50000"/>
+            </a:schemeClr>
+          </a:lnRef>
+          <a:fillRef idx="1">
+            <a:schemeClr val="accent1"/>
+          </a:fillRef>
+          <a:effectRef idx="0">
+            <a:schemeClr val="accent1"/>
+          </a:effectRef>
+          <a:fontRef idx="minor">
+            <a:schemeClr val="lt1"/>
+          </a:fontRef>
+        </p:style>
+        <p:txBody>
+          <a:bodyPr rtlCol="0" anchor="ctr"/>
+          <a:lstStyle/>
+          <a:p>
+            <a:pPr algn="ctr"/>
+            <a:endParaRPr kumimoji="1" lang="zh-CN" altLang="en-US" dirty="0"/>
+          </a:p>
+        </p:txBody>
+      </p:sp>
+      <p:sp>
+        <p:nvSpPr>
+          <p:cNvPr id="104" name="圆角矩形 103">
+            <a:extLst>
+              <a:ext uri="{FF2B5EF4-FFF2-40B4-BE49-F238E27FC236}">
+                <a16:creationId xmlns:a16="http://schemas.microsoft.com/office/drawing/2014/main" id="{4B24A9D9-E4D8-3C4B-BEA3-0CE9BD6E9D60}"/>
+              </a:ext>
+            </a:extLst>
+          </p:cNvPr>
+          <p:cNvSpPr/>
+          <p:nvPr/>
+        </p:nvSpPr>
+        <p:spPr>
+          <a:xfrm>
+            <a:off x="1974212" y="4722602"/>
+            <a:ext cx="697355" cy="520356"/>
+          </a:xfrm>
+          <a:prstGeom prst="roundRect">
+            <a:avLst/>
+          </a:prstGeom>
+          <a:noFill/>
+          <a:ln w="25400">
+            <a:solidFill>
+              <a:schemeClr val="tx1"/>
+            </a:solidFill>
+            <a:prstDash val="sysDot"/>
+          </a:ln>
+        </p:spPr>
+        <p:style>
+          <a:lnRef idx="2">
+            <a:schemeClr val="accent1">
+              <a:shade val="50000"/>
+            </a:schemeClr>
+          </a:lnRef>
+          <a:fillRef idx="1">
+            <a:schemeClr val="accent1"/>
+          </a:fillRef>
+          <a:effectRef idx="0">
+            <a:schemeClr val="accent1"/>
+          </a:effectRef>
+          <a:fontRef idx="minor">
+            <a:schemeClr val="lt1"/>
+          </a:fontRef>
+        </p:style>
+        <p:txBody>
+          <a:bodyPr rtlCol="0" anchor="ctr"/>
+          <a:lstStyle/>
+          <a:p>
+            <a:pPr algn="ctr"/>
+            <a:endParaRPr kumimoji="1" lang="zh-CN" altLang="en-US" dirty="0"/>
+          </a:p>
+        </p:txBody>
+      </p:sp>
+      <p:sp>
+        <p:nvSpPr>
+          <p:cNvPr id="107" name="圆角矩形 106">
+            <a:extLst>
+              <a:ext uri="{FF2B5EF4-FFF2-40B4-BE49-F238E27FC236}">
+                <a16:creationId xmlns:a16="http://schemas.microsoft.com/office/drawing/2014/main" id="{0EE20BE0-E643-054C-91B3-2A2772C51A54}"/>
+              </a:ext>
+            </a:extLst>
+          </p:cNvPr>
+          <p:cNvSpPr/>
+          <p:nvPr/>
+        </p:nvSpPr>
+        <p:spPr>
+          <a:xfrm>
+            <a:off x="3460253" y="4733214"/>
+            <a:ext cx="697355" cy="520356"/>
+          </a:xfrm>
+          <a:prstGeom prst="roundRect">
+            <a:avLst/>
+          </a:prstGeom>
+          <a:noFill/>
+          <a:ln w="25400">
+            <a:solidFill>
+              <a:schemeClr val="tx1"/>
+            </a:solidFill>
+            <a:prstDash val="sysDot"/>
+          </a:ln>
+        </p:spPr>
+        <p:style>
+          <a:lnRef idx="2">
+            <a:schemeClr val="accent1">
+              <a:shade val="50000"/>
+            </a:schemeClr>
+          </a:lnRef>
+          <a:fillRef idx="1">
+            <a:schemeClr val="accent1"/>
+          </a:fillRef>
+          <a:effectRef idx="0">
+            <a:schemeClr val="accent1"/>
+          </a:effectRef>
+          <a:fontRef idx="minor">
+            <a:schemeClr val="lt1"/>
+          </a:fontRef>
+        </p:style>
+        <p:txBody>
+          <a:bodyPr rtlCol="0" anchor="ctr"/>
+          <a:lstStyle/>
+          <a:p>
+            <a:pPr algn="ctr"/>
+            <a:endParaRPr kumimoji="1" lang="zh-CN" altLang="en-US" dirty="0"/>
+          </a:p>
+        </p:txBody>
+      </p:sp>
+      <p:sp>
+        <p:nvSpPr>
+          <p:cNvPr id="109" name="圆角矩形 108">
+            <a:extLst>
+              <a:ext uri="{FF2B5EF4-FFF2-40B4-BE49-F238E27FC236}">
+                <a16:creationId xmlns:a16="http://schemas.microsoft.com/office/drawing/2014/main" id="{9DCC8D6A-29B9-5548-BC91-20C16D487B72}"/>
+              </a:ext>
+            </a:extLst>
+          </p:cNvPr>
+          <p:cNvSpPr/>
+          <p:nvPr/>
+        </p:nvSpPr>
+        <p:spPr>
+          <a:xfrm>
+            <a:off x="4524922" y="4728311"/>
+            <a:ext cx="697355" cy="520356"/>
+          </a:xfrm>
+          <a:prstGeom prst="roundRect">
+            <a:avLst/>
+          </a:prstGeom>
+          <a:noFill/>
+          <a:ln w="25400">
+            <a:solidFill>
+              <a:schemeClr val="tx1"/>
+            </a:solidFill>
+            <a:prstDash val="sysDot"/>
+          </a:ln>
+        </p:spPr>
+        <p:style>
+          <a:lnRef idx="2">
+            <a:schemeClr val="accent1">
+              <a:shade val="50000"/>
+            </a:schemeClr>
+          </a:lnRef>
+          <a:fillRef idx="1">
+            <a:schemeClr val="accent1"/>
+          </a:fillRef>
+          <a:effectRef idx="0">
+            <a:schemeClr val="accent1"/>
+          </a:effectRef>
+          <a:fontRef idx="minor">
+            <a:schemeClr val="lt1"/>
+          </a:fontRef>
+        </p:style>
+        <p:txBody>
+          <a:bodyPr rtlCol="0" anchor="ctr"/>
+          <a:lstStyle/>
+          <a:p>
+            <a:pPr algn="ctr"/>
+            <a:endParaRPr kumimoji="1" lang="zh-CN" altLang="en-US" dirty="0"/>
+          </a:p>
+        </p:txBody>
+      </p:sp>
+      <p:sp>
+        <p:nvSpPr>
+          <p:cNvPr id="110" name="圆角矩形 109">
+            <a:extLst>
+              <a:ext uri="{FF2B5EF4-FFF2-40B4-BE49-F238E27FC236}">
+                <a16:creationId xmlns:a16="http://schemas.microsoft.com/office/drawing/2014/main" id="{FA35BACA-C677-BF43-82EA-50B381A147AB}"/>
+              </a:ext>
+            </a:extLst>
+          </p:cNvPr>
+          <p:cNvSpPr/>
+          <p:nvPr/>
+        </p:nvSpPr>
+        <p:spPr>
+          <a:xfrm>
+            <a:off x="6327781" y="4721729"/>
+            <a:ext cx="697355" cy="520356"/>
+          </a:xfrm>
+          <a:prstGeom prst="roundRect">
+            <a:avLst/>
+          </a:prstGeom>
+          <a:noFill/>
+          <a:ln w="25400">
+            <a:solidFill>
+              <a:schemeClr val="tx1"/>
+            </a:solidFill>
+            <a:prstDash val="sysDot"/>
+          </a:ln>
+        </p:spPr>
+        <p:style>
+          <a:lnRef idx="2">
+            <a:schemeClr val="accent1">
+              <a:shade val="50000"/>
+            </a:schemeClr>
+          </a:lnRef>
+          <a:fillRef idx="1">
+            <a:schemeClr val="accent1"/>
+          </a:fillRef>
+          <a:effectRef idx="0">
+            <a:schemeClr val="accent1"/>
+          </a:effectRef>
+          <a:fontRef idx="minor">
+            <a:schemeClr val="lt1"/>
+          </a:fontRef>
+        </p:style>
+        <p:txBody>
+          <a:bodyPr rtlCol="0" anchor="ctr"/>
+          <a:lstStyle/>
+          <a:p>
+            <a:pPr algn="ctr"/>
+            <a:endParaRPr kumimoji="1" lang="zh-CN" altLang="en-US" dirty="0"/>
+          </a:p>
+        </p:txBody>
+      </p:sp>
+      <p:sp>
+        <p:nvSpPr>
+          <p:cNvPr id="112" name="圆角矩形 111">
+            <a:extLst>
+              <a:ext uri="{FF2B5EF4-FFF2-40B4-BE49-F238E27FC236}">
+                <a16:creationId xmlns:a16="http://schemas.microsoft.com/office/drawing/2014/main" id="{68F4F5A0-FB26-374F-B39C-25D6706D3E6B}"/>
+              </a:ext>
+            </a:extLst>
+          </p:cNvPr>
+          <p:cNvSpPr/>
+          <p:nvPr/>
+        </p:nvSpPr>
+        <p:spPr>
+          <a:xfrm>
+            <a:off x="7379198" y="4716826"/>
+            <a:ext cx="697355" cy="520356"/>
+          </a:xfrm>
+          <a:prstGeom prst="roundRect">
+            <a:avLst/>
+          </a:prstGeom>
+          <a:noFill/>
+          <a:ln w="25400">
+            <a:solidFill>
+              <a:schemeClr val="tx1"/>
+            </a:solidFill>
+            <a:prstDash val="sysDot"/>
+          </a:ln>
+        </p:spPr>
+        <p:style>
+          <a:lnRef idx="2">
+            <a:schemeClr val="accent1">
+              <a:shade val="50000"/>
+            </a:schemeClr>
+          </a:lnRef>
+          <a:fillRef idx="1">
+            <a:schemeClr val="accent1"/>
+          </a:fillRef>
+          <a:effectRef idx="0">
+            <a:schemeClr val="accent1"/>
+          </a:effectRef>
+          <a:fontRef idx="minor">
+            <a:schemeClr val="lt1"/>
+          </a:fontRef>
+        </p:style>
+        <p:txBody>
+          <a:bodyPr rtlCol="0" anchor="ctr"/>
+          <a:lstStyle/>
+          <a:p>
+            <a:pPr algn="ctr"/>
+            <a:endParaRPr kumimoji="1" lang="zh-CN" altLang="en-US" dirty="0"/>
+          </a:p>
+        </p:txBody>
+      </p:sp>
+      <p:sp>
+        <p:nvSpPr>
+          <p:cNvPr id="113" name="圆角矩形 112">
+            <a:extLst>
+              <a:ext uri="{FF2B5EF4-FFF2-40B4-BE49-F238E27FC236}">
+                <a16:creationId xmlns:a16="http://schemas.microsoft.com/office/drawing/2014/main" id="{FB626263-0FDE-B747-8EC8-75F23486501A}"/>
+              </a:ext>
+            </a:extLst>
+          </p:cNvPr>
+          <p:cNvSpPr/>
+          <p:nvPr/>
+        </p:nvSpPr>
+        <p:spPr>
+          <a:xfrm>
+            <a:off x="8865239" y="4727438"/>
+            <a:ext cx="697355" cy="520356"/>
+          </a:xfrm>
+          <a:prstGeom prst="roundRect">
+            <a:avLst/>
+          </a:prstGeom>
+          <a:noFill/>
+          <a:ln w="25400">
+            <a:solidFill>
+              <a:schemeClr val="tx1"/>
+            </a:solidFill>
+            <a:prstDash val="sysDot"/>
+          </a:ln>
+        </p:spPr>
+        <p:style>
+          <a:lnRef idx="2">
+            <a:schemeClr val="accent1">
+              <a:shade val="50000"/>
+            </a:schemeClr>
+          </a:lnRef>
+          <a:fillRef idx="1">
+            <a:schemeClr val="accent1"/>
+          </a:fillRef>
+          <a:effectRef idx="0">
+            <a:schemeClr val="accent1"/>
+          </a:effectRef>
+          <a:fontRef idx="minor">
+            <a:schemeClr val="lt1"/>
+          </a:fontRef>
+        </p:style>
+        <p:txBody>
+          <a:bodyPr rtlCol="0" anchor="ctr"/>
+          <a:lstStyle/>
+          <a:p>
+            <a:pPr algn="ctr"/>
+            <a:endParaRPr kumimoji="1" lang="zh-CN" altLang="en-US" dirty="0"/>
+          </a:p>
+        </p:txBody>
+      </p:sp>
+      <p:sp>
+        <p:nvSpPr>
+          <p:cNvPr id="114" name="圆角矩形 113">
+            <a:extLst>
+              <a:ext uri="{FF2B5EF4-FFF2-40B4-BE49-F238E27FC236}">
+                <a16:creationId xmlns:a16="http://schemas.microsoft.com/office/drawing/2014/main" id="{BC50DADA-A90F-3445-8F73-8D6FDEDAA6B6}"/>
+              </a:ext>
+            </a:extLst>
+          </p:cNvPr>
+          <p:cNvSpPr/>
+          <p:nvPr/>
+        </p:nvSpPr>
+        <p:spPr>
+          <a:xfrm>
+            <a:off x="9929908" y="4722535"/>
+            <a:ext cx="697355" cy="520356"/>
+          </a:xfrm>
+          <a:prstGeom prst="roundRect">
+            <a:avLst/>
+          </a:prstGeom>
+          <a:noFill/>
+          <a:ln w="25400">
+            <a:solidFill>
+              <a:schemeClr val="tx1"/>
+            </a:solidFill>
+            <a:prstDash val="sysDot"/>
+          </a:ln>
+        </p:spPr>
+        <p:style>
+          <a:lnRef idx="2">
+            <a:schemeClr val="accent1">
+              <a:shade val="50000"/>
+            </a:schemeClr>
+          </a:lnRef>
+          <a:fillRef idx="1">
+            <a:schemeClr val="accent1"/>
+          </a:fillRef>
+          <a:effectRef idx="0">
+            <a:schemeClr val="accent1"/>
+          </a:effectRef>
+          <a:fontRef idx="minor">
+            <a:schemeClr val="lt1"/>
+          </a:fontRef>
+        </p:style>
+        <p:txBody>
+          <a:bodyPr rtlCol="0" anchor="ctr"/>
+          <a:lstStyle/>
+          <a:p>
+            <a:pPr algn="ctr"/>
+            <a:endParaRPr kumimoji="1" lang="zh-CN" altLang="en-US" dirty="0"/>
+          </a:p>
+        </p:txBody>
+      </p:sp>
+      <p:sp>
+        <p:nvSpPr>
+          <p:cNvPr id="116" name="圆角矩形 115">
+            <a:extLst>
+              <a:ext uri="{FF2B5EF4-FFF2-40B4-BE49-F238E27FC236}">
+                <a16:creationId xmlns:a16="http://schemas.microsoft.com/office/drawing/2014/main" id="{5E67E9BE-9CCC-2048-AA52-191FE6DC6DCA}"/>
+              </a:ext>
+            </a:extLst>
+          </p:cNvPr>
+          <p:cNvSpPr/>
+          <p:nvPr/>
+        </p:nvSpPr>
+        <p:spPr>
+          <a:xfrm>
+            <a:off x="894904" y="3401138"/>
+            <a:ext cx="1744678" cy="532712"/>
+          </a:xfrm>
+          <a:prstGeom prst="roundRect">
+            <a:avLst/>
+          </a:prstGeom>
+          <a:noFill/>
+          <a:ln w="25400">
+            <a:solidFill>
+              <a:schemeClr val="tx1"/>
+            </a:solidFill>
+            <a:prstDash val="sysDot"/>
+          </a:ln>
+        </p:spPr>
+        <p:style>
+          <a:lnRef idx="2">
+            <a:schemeClr val="accent1">
+              <a:shade val="50000"/>
+            </a:schemeClr>
+          </a:lnRef>
+          <a:fillRef idx="1">
+            <a:schemeClr val="accent1"/>
+          </a:fillRef>
+          <a:effectRef idx="0">
+            <a:schemeClr val="accent1"/>
+          </a:effectRef>
+          <a:fontRef idx="minor">
+            <a:schemeClr val="lt1"/>
+          </a:fontRef>
+        </p:style>
+        <p:txBody>
+          <a:bodyPr rtlCol="0" anchor="ctr"/>
+          <a:lstStyle/>
+          <a:p>
+            <a:pPr algn="ctr"/>
+            <a:endParaRPr kumimoji="1" lang="zh-CN" altLang="en-US" dirty="0"/>
+          </a:p>
+        </p:txBody>
+      </p:sp>
+      <p:sp>
+        <p:nvSpPr>
+          <p:cNvPr id="117" name="圆角矩形 116">
+            <a:extLst>
+              <a:ext uri="{FF2B5EF4-FFF2-40B4-BE49-F238E27FC236}">
+                <a16:creationId xmlns:a16="http://schemas.microsoft.com/office/drawing/2014/main" id="{286403B1-728A-8343-9120-0DACF92EDEEF}"/>
+              </a:ext>
+            </a:extLst>
+          </p:cNvPr>
+          <p:cNvSpPr/>
+          <p:nvPr/>
+        </p:nvSpPr>
+        <p:spPr>
+          <a:xfrm>
+            <a:off x="3446740" y="3407624"/>
+            <a:ext cx="1744678" cy="532712"/>
+          </a:xfrm>
+          <a:prstGeom prst="roundRect">
+            <a:avLst/>
+          </a:prstGeom>
+          <a:noFill/>
+          <a:ln w="25400">
+            <a:solidFill>
+              <a:schemeClr val="tx1"/>
+            </a:solidFill>
+            <a:prstDash val="sysDot"/>
+          </a:ln>
+        </p:spPr>
+        <p:style>
+          <a:lnRef idx="2">
+            <a:schemeClr val="accent1">
+              <a:shade val="50000"/>
+            </a:schemeClr>
+          </a:lnRef>
+          <a:fillRef idx="1">
+            <a:schemeClr val="accent1"/>
+          </a:fillRef>
+          <a:effectRef idx="0">
+            <a:schemeClr val="accent1"/>
+          </a:effectRef>
+          <a:fontRef idx="minor">
+            <a:schemeClr val="lt1"/>
+          </a:fontRef>
+        </p:style>
+        <p:txBody>
+          <a:bodyPr rtlCol="0" anchor="ctr"/>
+          <a:lstStyle/>
+          <a:p>
+            <a:pPr algn="ctr"/>
+            <a:endParaRPr kumimoji="1" lang="zh-CN" altLang="en-US" dirty="0"/>
+          </a:p>
+        </p:txBody>
+      </p:sp>
+      <p:sp>
+        <p:nvSpPr>
+          <p:cNvPr id="119" name="圆角矩形 118">
+            <a:extLst>
+              <a:ext uri="{FF2B5EF4-FFF2-40B4-BE49-F238E27FC236}">
+                <a16:creationId xmlns:a16="http://schemas.microsoft.com/office/drawing/2014/main" id="{E03D2E1C-CCE1-4047-8F01-87C955996956}"/>
+              </a:ext>
+            </a:extLst>
+          </p:cNvPr>
+          <p:cNvSpPr/>
+          <p:nvPr/>
+        </p:nvSpPr>
+        <p:spPr>
+          <a:xfrm>
+            <a:off x="6331014" y="3427846"/>
+            <a:ext cx="1744678" cy="532712"/>
+          </a:xfrm>
+          <a:prstGeom prst="roundRect">
+            <a:avLst/>
+          </a:prstGeom>
+          <a:noFill/>
+          <a:ln w="25400">
+            <a:solidFill>
+              <a:schemeClr val="tx1"/>
+            </a:solidFill>
+            <a:prstDash val="sysDot"/>
+          </a:ln>
+        </p:spPr>
+        <p:style>
+          <a:lnRef idx="2">
+            <a:schemeClr val="accent1">
+              <a:shade val="50000"/>
+            </a:schemeClr>
+          </a:lnRef>
+          <a:fillRef idx="1">
+            <a:schemeClr val="accent1"/>
+          </a:fillRef>
+          <a:effectRef idx="0">
+            <a:schemeClr val="accent1"/>
+          </a:effectRef>
+          <a:fontRef idx="minor">
+            <a:schemeClr val="lt1"/>
+          </a:fontRef>
+        </p:style>
+        <p:txBody>
+          <a:bodyPr rtlCol="0" anchor="ctr"/>
+          <a:lstStyle/>
+          <a:p>
+            <a:pPr algn="ctr"/>
+            <a:endParaRPr kumimoji="1" lang="zh-CN" altLang="en-US" dirty="0"/>
+          </a:p>
+        </p:txBody>
+      </p:sp>
+      <p:sp>
+        <p:nvSpPr>
+          <p:cNvPr id="120" name="圆角矩形 119">
+            <a:extLst>
+              <a:ext uri="{FF2B5EF4-FFF2-40B4-BE49-F238E27FC236}">
+                <a16:creationId xmlns:a16="http://schemas.microsoft.com/office/drawing/2014/main" id="{DB5503F7-EC26-1841-B562-38C268E591AD}"/>
+              </a:ext>
+            </a:extLst>
+          </p:cNvPr>
+          <p:cNvSpPr/>
+          <p:nvPr/>
+        </p:nvSpPr>
+        <p:spPr>
+          <a:xfrm>
+            <a:off x="8882585" y="3422198"/>
+            <a:ext cx="1744678" cy="532712"/>
+          </a:xfrm>
+          <a:prstGeom prst="roundRect">
+            <a:avLst/>
+          </a:prstGeom>
+          <a:noFill/>
+          <a:ln w="25400">
+            <a:solidFill>
+              <a:schemeClr val="tx1"/>
+            </a:solidFill>
+            <a:prstDash val="sysDot"/>
+          </a:ln>
+        </p:spPr>
+        <p:style>
+          <a:lnRef idx="2">
+            <a:schemeClr val="accent1">
+              <a:shade val="50000"/>
+            </a:schemeClr>
+          </a:lnRef>
+          <a:fillRef idx="1">
+            <a:schemeClr val="accent1"/>
+          </a:fillRef>
+          <a:effectRef idx="0">
+            <a:schemeClr val="accent1"/>
+          </a:effectRef>
+          <a:fontRef idx="minor">
+            <a:schemeClr val="lt1"/>
+          </a:fontRef>
+        </p:style>
+        <p:txBody>
+          <a:bodyPr rtlCol="0" anchor="ctr"/>
+          <a:lstStyle/>
+          <a:p>
+            <a:pPr algn="ctr"/>
+            <a:endParaRPr kumimoji="1" lang="zh-CN" altLang="en-US" dirty="0"/>
+          </a:p>
+        </p:txBody>
+      </p:sp>
+      <p:sp>
+        <p:nvSpPr>
+          <p:cNvPr id="122" name="圆角矩形 121">
+            <a:extLst>
+              <a:ext uri="{FF2B5EF4-FFF2-40B4-BE49-F238E27FC236}">
+                <a16:creationId xmlns:a16="http://schemas.microsoft.com/office/drawing/2014/main" id="{DB04933D-7ADA-AF45-8056-516F2DA9C5D2}"/>
+              </a:ext>
+            </a:extLst>
+          </p:cNvPr>
+          <p:cNvSpPr/>
+          <p:nvPr/>
+        </p:nvSpPr>
+        <p:spPr>
+          <a:xfrm>
+            <a:off x="1880511" y="1625966"/>
+            <a:ext cx="7717309" cy="520203"/>
+          </a:xfrm>
+          <a:prstGeom prst="roundRect">
+            <a:avLst/>
+          </a:prstGeom>
+          <a:noFill/>
+          <a:ln w="25400">
+            <a:solidFill>
+              <a:schemeClr val="tx1"/>
+            </a:solidFill>
+            <a:prstDash val="sysDot"/>
+          </a:ln>
+        </p:spPr>
+        <p:style>
+          <a:lnRef idx="2">
+            <a:schemeClr val="accent1">
+              <a:shade val="50000"/>
+            </a:schemeClr>
+          </a:lnRef>
+          <a:fillRef idx="1">
+            <a:schemeClr val="accent1"/>
+          </a:fillRef>
+          <a:effectRef idx="0">
+            <a:schemeClr val="accent1"/>
+          </a:effectRef>
+          <a:fontRef idx="minor">
+            <a:schemeClr val="lt1"/>
+          </a:fontRef>
+        </p:style>
+        <p:txBody>
+          <a:bodyPr rtlCol="0" anchor="ctr"/>
+          <a:lstStyle/>
+          <a:p>
+            <a:pPr algn="ctr"/>
+            <a:endParaRPr kumimoji="1" lang="zh-CN" altLang="en-US" dirty="0"/>
           </a:p>
         </p:txBody>
       </p:sp>
